--- a/Durandal T4T.pptx
+++ b/Durandal T4T.pptx
@@ -5,7 +5,7 @@
     <p:sldMasterId id="2147483648" r:id="rId1"/>
   </p:sldMasterIdLst>
   <p:notesMasterIdLst>
-    <p:notesMasterId r:id="rId13"/>
+    <p:notesMasterId r:id="rId20"/>
   </p:notesMasterIdLst>
   <p:sldIdLst>
     <p:sldId id="256" r:id="rId2"/>
@@ -19,6 +19,13 @@
     <p:sldId id="263" r:id="rId10"/>
     <p:sldId id="264" r:id="rId11"/>
     <p:sldId id="266" r:id="rId12"/>
+    <p:sldId id="267" r:id="rId13"/>
+    <p:sldId id="268" r:id="rId14"/>
+    <p:sldId id="269" r:id="rId15"/>
+    <p:sldId id="270" r:id="rId16"/>
+    <p:sldId id="272" r:id="rId17"/>
+    <p:sldId id="271" r:id="rId18"/>
+    <p:sldId id="273" r:id="rId19"/>
   </p:sldIdLst>
   <p:sldSz cx="12192000" cy="6858000"/>
   <p:notesSz cx="6858000" cy="9144000"/>
@@ -781,10 +788,10 @@
           <a:lstStyle/>
           <a:p>
             <a:r>
-              <a:rPr lang="nl-BE" smtClean="0"/>
+              <a:rPr lang="nl-BE" dirty="0" smtClean="0"/>
               <a:t>MVVM uitleggen</a:t>
             </a:r>
-            <a:endParaRPr lang="en-US"/>
+            <a:endParaRPr lang="en-US" dirty="0"/>
           </a:p>
         </p:txBody>
       </p:sp>
@@ -815,6 +822,566 @@
     <p:extLst>
       <p:ext uri="{BB962C8B-B14F-4D97-AF65-F5344CB8AC3E}">
         <p14:creationId xmlns:p14="http://schemas.microsoft.com/office/powerpoint/2010/main" val="961158966"/>
+      </p:ext>
+    </p:extLst>
+  </p:cSld>
+  <p:clrMapOvr>
+    <a:masterClrMapping/>
+  </p:clrMapOvr>
+</p:notes>
+</file>
+
+<file path=ppt/notesSlides/notesSlide4.xml><?xml version="1.0" encoding="utf-8"?>
+<p:notes xmlns:a="http://schemas.openxmlformats.org/drawingml/2006/main" xmlns:r="http://schemas.openxmlformats.org/officeDocument/2006/relationships" xmlns:p="http://schemas.openxmlformats.org/presentationml/2006/main">
+  <p:cSld>
+    <p:spTree>
+      <p:nvGrpSpPr>
+        <p:cNvPr id="1" name=""/>
+        <p:cNvGrpSpPr/>
+        <p:nvPr/>
+      </p:nvGrpSpPr>
+      <p:grpSpPr>
+        <a:xfrm>
+          <a:off x="0" y="0"/>
+          <a:ext cx="0" cy="0"/>
+          <a:chOff x="0" y="0"/>
+          <a:chExt cx="0" cy="0"/>
+        </a:xfrm>
+      </p:grpSpPr>
+      <p:sp>
+        <p:nvSpPr>
+          <p:cNvPr id="2" name="Slide Image Placeholder 1"/>
+          <p:cNvSpPr>
+            <a:spLocks noGrp="1" noRot="1" noChangeAspect="1"/>
+          </p:cNvSpPr>
+          <p:nvPr>
+            <p:ph type="sldImg"/>
+          </p:nvPr>
+        </p:nvSpPr>
+        <p:spPr/>
+      </p:sp>
+      <p:sp>
+        <p:nvSpPr>
+          <p:cNvPr id="3" name="Notes Placeholder 2"/>
+          <p:cNvSpPr>
+            <a:spLocks noGrp="1"/>
+          </p:cNvSpPr>
+          <p:nvPr>
+            <p:ph type="body" idx="1"/>
+          </p:nvPr>
+        </p:nvSpPr>
+        <p:spPr/>
+        <p:txBody>
+          <a:bodyPr/>
+          <a:lstStyle/>
+          <a:p>
+            <a:r>
+              <a:rPr lang="nl-BE" dirty="0" smtClean="0"/>
+              <a:t>Het is dus mogelijk te</a:t>
+            </a:r>
+            <a:r>
+              <a:rPr lang="nl-BE" baseline="0" dirty="0" smtClean="0"/>
+              <a:t> </a:t>
+            </a:r>
+            <a:r>
+              <a:rPr lang="nl-BE" baseline="0" dirty="0" err="1" smtClean="0"/>
+              <a:t>databinden</a:t>
+            </a:r>
+            <a:r>
+              <a:rPr lang="nl-BE" baseline="0" dirty="0" smtClean="0"/>
+              <a:t> op eenvoudige JS objecten (zonder </a:t>
+            </a:r>
+            <a:r>
+              <a:rPr lang="nl-BE" baseline="0" dirty="0" err="1" smtClean="0"/>
+              <a:t>observables</a:t>
+            </a:r>
+            <a:r>
+              <a:rPr lang="nl-BE" baseline="0" dirty="0" smtClean="0"/>
+              <a:t>). Updates zullen echter niet zichtbaar worden in de DOM en DOM updates zullen niet zichtbaar worden in je viewmodel</a:t>
+            </a:r>
+            <a:endParaRPr lang="en-US" dirty="0"/>
+          </a:p>
+        </p:txBody>
+      </p:sp>
+      <p:sp>
+        <p:nvSpPr>
+          <p:cNvPr id="4" name="Slide Number Placeholder 3"/>
+          <p:cNvSpPr>
+            <a:spLocks noGrp="1"/>
+          </p:cNvSpPr>
+          <p:nvPr>
+            <p:ph type="sldNum" sz="quarter" idx="10"/>
+          </p:nvPr>
+        </p:nvSpPr>
+        <p:spPr/>
+        <p:txBody>
+          <a:bodyPr/>
+          <a:lstStyle/>
+          <a:p>
+            <a:fld id="{0DF56419-AC34-45D0-BAB8-5A4CB1E563BF}" type="slidenum">
+              <a:rPr lang="en-US" smtClean="0"/>
+              <a:t>13</a:t>
+            </a:fld>
+            <a:endParaRPr lang="en-US"/>
+          </a:p>
+        </p:txBody>
+      </p:sp>
+    </p:spTree>
+    <p:extLst>
+      <p:ext uri="{BB962C8B-B14F-4D97-AF65-F5344CB8AC3E}">
+        <p14:creationId xmlns:p14="http://schemas.microsoft.com/office/powerpoint/2010/main" val="3591909888"/>
+      </p:ext>
+    </p:extLst>
+  </p:cSld>
+  <p:clrMapOvr>
+    <a:masterClrMapping/>
+  </p:clrMapOvr>
+</p:notes>
+</file>
+
+<file path=ppt/notesSlides/notesSlide5.xml><?xml version="1.0" encoding="utf-8"?>
+<p:notes xmlns:a="http://schemas.openxmlformats.org/drawingml/2006/main" xmlns:r="http://schemas.openxmlformats.org/officeDocument/2006/relationships" xmlns:p="http://schemas.openxmlformats.org/presentationml/2006/main">
+  <p:cSld>
+    <p:spTree>
+      <p:nvGrpSpPr>
+        <p:cNvPr id="1" name=""/>
+        <p:cNvGrpSpPr/>
+        <p:nvPr/>
+      </p:nvGrpSpPr>
+      <p:grpSpPr>
+        <a:xfrm>
+          <a:off x="0" y="0"/>
+          <a:ext cx="0" cy="0"/>
+          <a:chOff x="0" y="0"/>
+          <a:chExt cx="0" cy="0"/>
+        </a:xfrm>
+      </p:grpSpPr>
+      <p:sp>
+        <p:nvSpPr>
+          <p:cNvPr id="2" name="Slide Image Placeholder 1"/>
+          <p:cNvSpPr>
+            <a:spLocks noGrp="1" noRot="1" noChangeAspect="1"/>
+          </p:cNvSpPr>
+          <p:nvPr>
+            <p:ph type="sldImg"/>
+          </p:nvPr>
+        </p:nvSpPr>
+        <p:spPr/>
+      </p:sp>
+      <p:sp>
+        <p:nvSpPr>
+          <p:cNvPr id="3" name="Notes Placeholder 2"/>
+          <p:cNvSpPr>
+            <a:spLocks noGrp="1"/>
+          </p:cNvSpPr>
+          <p:nvPr>
+            <p:ph type="body" idx="1"/>
+          </p:nvPr>
+        </p:nvSpPr>
+        <p:spPr/>
+        <p:txBody>
+          <a:bodyPr/>
+          <a:lstStyle/>
+          <a:p>
+            <a:r>
+              <a:rPr lang="nl-BE" dirty="0" smtClean="0"/>
+              <a:t>Tweede laat toe om meerdere </a:t>
+            </a:r>
+            <a:r>
+              <a:rPr lang="nl-BE" dirty="0" err="1" smtClean="0"/>
+              <a:t>viewmodels</a:t>
+            </a:r>
+            <a:r>
+              <a:rPr lang="nl-BE" dirty="0" smtClean="0"/>
+              <a:t> aan verschillende elementen te binden</a:t>
+            </a:r>
+          </a:p>
+          <a:p>
+            <a:r>
+              <a:rPr lang="nl-BE" dirty="0" err="1" smtClean="0"/>
+              <a:t>Durandal</a:t>
+            </a:r>
+            <a:r>
+              <a:rPr lang="nl-BE" dirty="0" smtClean="0"/>
+              <a:t> zal </a:t>
+            </a:r>
+            <a:r>
+              <a:rPr lang="nl-BE" dirty="0" err="1" smtClean="0"/>
+              <a:t>applyBindings</a:t>
+            </a:r>
+            <a:r>
+              <a:rPr lang="nl-BE" dirty="0" smtClean="0"/>
+              <a:t> voor</a:t>
+            </a:r>
+            <a:r>
+              <a:rPr lang="nl-BE" baseline="0" dirty="0" smtClean="0"/>
+              <a:t> jou doen (als je de conventies volgt)</a:t>
+            </a:r>
+            <a:endParaRPr lang="en-US" dirty="0"/>
+          </a:p>
+        </p:txBody>
+      </p:sp>
+      <p:sp>
+        <p:nvSpPr>
+          <p:cNvPr id="4" name="Slide Number Placeholder 3"/>
+          <p:cNvSpPr>
+            <a:spLocks noGrp="1"/>
+          </p:cNvSpPr>
+          <p:nvPr>
+            <p:ph type="sldNum" sz="quarter" idx="10"/>
+          </p:nvPr>
+        </p:nvSpPr>
+        <p:spPr/>
+        <p:txBody>
+          <a:bodyPr/>
+          <a:lstStyle/>
+          <a:p>
+            <a:fld id="{0DF56419-AC34-45D0-BAB8-5A4CB1E563BF}" type="slidenum">
+              <a:rPr lang="en-US" smtClean="0"/>
+              <a:t>14</a:t>
+            </a:fld>
+            <a:endParaRPr lang="en-US"/>
+          </a:p>
+        </p:txBody>
+      </p:sp>
+    </p:spTree>
+    <p:extLst>
+      <p:ext uri="{BB962C8B-B14F-4D97-AF65-F5344CB8AC3E}">
+        <p14:creationId xmlns:p14="http://schemas.microsoft.com/office/powerpoint/2010/main" val="1524409266"/>
+      </p:ext>
+    </p:extLst>
+  </p:cSld>
+  <p:clrMapOvr>
+    <a:masterClrMapping/>
+  </p:clrMapOvr>
+</p:notes>
+</file>
+
+<file path=ppt/notesSlides/notesSlide6.xml><?xml version="1.0" encoding="utf-8"?>
+<p:notes xmlns:a="http://schemas.openxmlformats.org/drawingml/2006/main" xmlns:r="http://schemas.openxmlformats.org/officeDocument/2006/relationships" xmlns:p="http://schemas.openxmlformats.org/presentationml/2006/main">
+  <p:cSld>
+    <p:spTree>
+      <p:nvGrpSpPr>
+        <p:cNvPr id="1" name=""/>
+        <p:cNvGrpSpPr/>
+        <p:nvPr/>
+      </p:nvGrpSpPr>
+      <p:grpSpPr>
+        <a:xfrm>
+          <a:off x="0" y="0"/>
+          <a:ext cx="0" cy="0"/>
+          <a:chOff x="0" y="0"/>
+          <a:chExt cx="0" cy="0"/>
+        </a:xfrm>
+      </p:grpSpPr>
+      <p:sp>
+        <p:nvSpPr>
+          <p:cNvPr id="2" name="Slide Image Placeholder 1"/>
+          <p:cNvSpPr>
+            <a:spLocks noGrp="1" noRot="1" noChangeAspect="1"/>
+          </p:cNvSpPr>
+          <p:nvPr>
+            <p:ph type="sldImg"/>
+          </p:nvPr>
+        </p:nvSpPr>
+        <p:spPr/>
+      </p:sp>
+      <p:sp>
+        <p:nvSpPr>
+          <p:cNvPr id="3" name="Notes Placeholder 2"/>
+          <p:cNvSpPr>
+            <a:spLocks noGrp="1"/>
+          </p:cNvSpPr>
+          <p:nvPr>
+            <p:ph type="body" idx="1"/>
+          </p:nvPr>
+        </p:nvSpPr>
+        <p:spPr/>
+        <p:txBody>
+          <a:bodyPr/>
+          <a:lstStyle/>
+          <a:p>
+            <a:r>
+              <a:rPr lang="nl-BE" dirty="0" smtClean="0"/>
+              <a:t>Twee normale </a:t>
+            </a:r>
+            <a:r>
+              <a:rPr lang="nl-BE" dirty="0" err="1" smtClean="0"/>
+              <a:t>observables</a:t>
+            </a:r>
+            <a:r>
+              <a:rPr lang="nl-BE" dirty="0" smtClean="0"/>
+              <a:t>: DOM wijzigt zodra </a:t>
+            </a:r>
+            <a:r>
+              <a:rPr lang="nl-BE" dirty="0" err="1" smtClean="0"/>
+              <a:t>observable</a:t>
+            </a:r>
+            <a:r>
+              <a:rPr lang="nl-BE" dirty="0" smtClean="0"/>
+              <a:t> wijzigt, viewmodel property wijzigt</a:t>
+            </a:r>
+            <a:r>
+              <a:rPr lang="nl-BE" baseline="0" dirty="0" smtClean="0"/>
+              <a:t> wanneer DOM wijzigt</a:t>
+            </a:r>
+          </a:p>
+          <a:p>
+            <a:r>
+              <a:rPr lang="nl-BE" baseline="0" dirty="0" err="1" smtClean="0"/>
+              <a:t>Computed</a:t>
+            </a:r>
+            <a:r>
+              <a:rPr lang="nl-BE" baseline="0" dirty="0" smtClean="0"/>
+              <a:t>: </a:t>
+            </a:r>
+            <a:r>
+              <a:rPr lang="nl-BE" baseline="0" dirty="0" err="1" smtClean="0"/>
+              <a:t>function</a:t>
+            </a:r>
+            <a:r>
+              <a:rPr lang="nl-BE" baseline="0" dirty="0" smtClean="0"/>
+              <a:t> die voortbouwt op andere </a:t>
+            </a:r>
+            <a:r>
+              <a:rPr lang="nl-BE" baseline="0" dirty="0" err="1" smtClean="0"/>
+              <a:t>observables</a:t>
+            </a:r>
+            <a:r>
+              <a:rPr lang="nl-BE" baseline="0" dirty="0" smtClean="0"/>
+              <a:t>. Databinding wordt geüpdatet wanneer één van de afhankelijkheden wijzigt</a:t>
+            </a:r>
+          </a:p>
+          <a:p>
+            <a:r>
+              <a:rPr lang="nl-BE" baseline="0" dirty="0" err="1" smtClean="0"/>
+              <a:t>ObservableArray</a:t>
+            </a:r>
+            <a:r>
+              <a:rPr lang="nl-BE" baseline="0" dirty="0" smtClean="0"/>
+              <a:t>: databinding wordt geüpdatet wanneer items toegevoegd/verwijderd worden</a:t>
+            </a:r>
+          </a:p>
+          <a:p>
+            <a:endParaRPr lang="nl-BE" baseline="0" dirty="0" smtClean="0"/>
+          </a:p>
+          <a:p>
+            <a:r>
+              <a:rPr lang="nl-BE" baseline="0" dirty="0" smtClean="0"/>
+              <a:t>Een array meegeven in de </a:t>
+            </a:r>
+            <a:r>
+              <a:rPr lang="nl-BE" baseline="0" dirty="0" err="1" smtClean="0"/>
+              <a:t>constructor</a:t>
+            </a:r>
+            <a:r>
+              <a:rPr lang="nl-BE" baseline="0" dirty="0" smtClean="0"/>
+              <a:t> van je </a:t>
+            </a:r>
+            <a:r>
+              <a:rPr lang="nl-BE" baseline="0" dirty="0" err="1" smtClean="0"/>
+              <a:t>observableArray</a:t>
+            </a:r>
+            <a:r>
+              <a:rPr lang="nl-BE" baseline="0" dirty="0" smtClean="0"/>
+              <a:t> zorgt ervoor dat de array </a:t>
+            </a:r>
+            <a:r>
+              <a:rPr lang="nl-BE" baseline="0" dirty="0" err="1" smtClean="0"/>
+              <a:t>prepopulated</a:t>
+            </a:r>
+            <a:r>
+              <a:rPr lang="nl-BE" baseline="0" dirty="0" smtClean="0"/>
+              <a:t> is (zo moet de DOM maar 1x geüpdatet worden (en niet bij elke toevoeging).</a:t>
+            </a:r>
+          </a:p>
+          <a:p>
+            <a:endParaRPr lang="nl-BE" baseline="0" dirty="0" smtClean="0"/>
+          </a:p>
+          <a:p>
+            <a:r>
+              <a:rPr lang="nl-BE" baseline="0" dirty="0" smtClean="0"/>
+              <a:t>Wil je updates op de elementen in de </a:t>
+            </a:r>
+            <a:r>
+              <a:rPr lang="nl-BE" baseline="0" dirty="0" err="1" smtClean="0"/>
+              <a:t>observableArray</a:t>
+            </a:r>
+            <a:r>
+              <a:rPr lang="nl-BE" baseline="0" dirty="0" smtClean="0"/>
+              <a:t> zien in de DOM, dan moet je ook </a:t>
+            </a:r>
+            <a:r>
+              <a:rPr lang="nl-BE" baseline="0" dirty="0" err="1" smtClean="0"/>
+              <a:t>observables</a:t>
+            </a:r>
+            <a:r>
+              <a:rPr lang="nl-BE" baseline="0" dirty="0" smtClean="0"/>
+              <a:t> gebruiken in die elementen.</a:t>
+            </a:r>
+            <a:endParaRPr lang="en-US" dirty="0"/>
+          </a:p>
+        </p:txBody>
+      </p:sp>
+      <p:sp>
+        <p:nvSpPr>
+          <p:cNvPr id="4" name="Slide Number Placeholder 3"/>
+          <p:cNvSpPr>
+            <a:spLocks noGrp="1"/>
+          </p:cNvSpPr>
+          <p:nvPr>
+            <p:ph type="sldNum" sz="quarter" idx="10"/>
+          </p:nvPr>
+        </p:nvSpPr>
+        <p:spPr/>
+        <p:txBody>
+          <a:bodyPr/>
+          <a:lstStyle/>
+          <a:p>
+            <a:fld id="{0DF56419-AC34-45D0-BAB8-5A4CB1E563BF}" type="slidenum">
+              <a:rPr lang="en-US" smtClean="0"/>
+              <a:t>15</a:t>
+            </a:fld>
+            <a:endParaRPr lang="en-US"/>
+          </a:p>
+        </p:txBody>
+      </p:sp>
+    </p:spTree>
+    <p:extLst>
+      <p:ext uri="{BB962C8B-B14F-4D97-AF65-F5344CB8AC3E}">
+        <p14:creationId xmlns:p14="http://schemas.microsoft.com/office/powerpoint/2010/main" val="1276095060"/>
+      </p:ext>
+    </p:extLst>
+  </p:cSld>
+  <p:clrMapOvr>
+    <a:masterClrMapping/>
+  </p:clrMapOvr>
+</p:notes>
+</file>
+
+<file path=ppt/notesSlides/notesSlide7.xml><?xml version="1.0" encoding="utf-8"?>
+<p:notes xmlns:a="http://schemas.openxmlformats.org/drawingml/2006/main" xmlns:r="http://schemas.openxmlformats.org/officeDocument/2006/relationships" xmlns:p="http://schemas.openxmlformats.org/presentationml/2006/main">
+  <p:cSld>
+    <p:spTree>
+      <p:nvGrpSpPr>
+        <p:cNvPr id="1" name=""/>
+        <p:cNvGrpSpPr/>
+        <p:nvPr/>
+      </p:nvGrpSpPr>
+      <p:grpSpPr>
+        <a:xfrm>
+          <a:off x="0" y="0"/>
+          <a:ext cx="0" cy="0"/>
+          <a:chOff x="0" y="0"/>
+          <a:chExt cx="0" cy="0"/>
+        </a:xfrm>
+      </p:grpSpPr>
+      <p:sp>
+        <p:nvSpPr>
+          <p:cNvPr id="2" name="Slide Image Placeholder 1"/>
+          <p:cNvSpPr>
+            <a:spLocks noGrp="1" noRot="1" noChangeAspect="1"/>
+          </p:cNvSpPr>
+          <p:nvPr>
+            <p:ph type="sldImg"/>
+          </p:nvPr>
+        </p:nvSpPr>
+        <p:spPr/>
+      </p:sp>
+      <p:sp>
+        <p:nvSpPr>
+          <p:cNvPr id="3" name="Notes Placeholder 2"/>
+          <p:cNvSpPr>
+            <a:spLocks noGrp="1"/>
+          </p:cNvSpPr>
+          <p:nvPr>
+            <p:ph type="body" idx="1"/>
+          </p:nvPr>
+        </p:nvSpPr>
+        <p:spPr/>
+        <p:txBody>
+          <a:bodyPr/>
+          <a:lstStyle/>
+          <a:p>
+            <a:r>
+              <a:rPr lang="nl-BE" dirty="0" smtClean="0"/>
+              <a:t>Beide doen hetzelfde maar door het speciale</a:t>
+            </a:r>
+            <a:r>
+              <a:rPr lang="nl-BE" baseline="0" dirty="0" smtClean="0"/>
+              <a:t> van javascript met </a:t>
+            </a:r>
+            <a:r>
+              <a:rPr lang="nl-BE" baseline="0" dirty="0" err="1" smtClean="0"/>
+              <a:t>this</a:t>
+            </a:r>
+            <a:r>
+              <a:rPr lang="nl-BE" baseline="0" dirty="0" smtClean="0"/>
+              <a:t> moet je in het tweede geval meegeven wat ‘</a:t>
+            </a:r>
+            <a:r>
+              <a:rPr lang="nl-BE" baseline="0" dirty="0" err="1" smtClean="0"/>
+              <a:t>this</a:t>
+            </a:r>
+            <a:r>
+              <a:rPr lang="nl-BE" baseline="0" dirty="0" smtClean="0"/>
+              <a:t>’ zal betekenen in je </a:t>
+            </a:r>
+            <a:r>
+              <a:rPr lang="nl-BE" baseline="0" dirty="0" err="1" smtClean="0"/>
+              <a:t>function</a:t>
+            </a:r>
+            <a:r>
+              <a:rPr lang="nl-BE" baseline="0" dirty="0" smtClean="0"/>
+              <a:t>. Anders is ‘</a:t>
+            </a:r>
+            <a:r>
+              <a:rPr lang="nl-BE" baseline="0" dirty="0" err="1" smtClean="0"/>
+              <a:t>this</a:t>
+            </a:r>
+            <a:r>
+              <a:rPr lang="nl-BE" baseline="0" dirty="0" smtClean="0"/>
+              <a:t>’ het </a:t>
+            </a:r>
+            <a:r>
+              <a:rPr lang="nl-BE" baseline="0" dirty="0" err="1" smtClean="0"/>
+              <a:t>window</a:t>
+            </a:r>
+            <a:r>
+              <a:rPr lang="nl-BE" baseline="0" dirty="0" smtClean="0"/>
+              <a:t>-object.</a:t>
+            </a:r>
+            <a:endParaRPr lang="en-US" dirty="0"/>
+          </a:p>
+        </p:txBody>
+      </p:sp>
+      <p:sp>
+        <p:nvSpPr>
+          <p:cNvPr id="4" name="Slide Number Placeholder 3"/>
+          <p:cNvSpPr>
+            <a:spLocks noGrp="1"/>
+          </p:cNvSpPr>
+          <p:nvPr>
+            <p:ph type="sldNum" sz="quarter" idx="10"/>
+          </p:nvPr>
+        </p:nvSpPr>
+        <p:spPr/>
+        <p:txBody>
+          <a:bodyPr/>
+          <a:lstStyle/>
+          <a:p>
+            <a:fld id="{0DF56419-AC34-45D0-BAB8-5A4CB1E563BF}" type="slidenum">
+              <a:rPr lang="en-US" smtClean="0"/>
+              <a:t>16</a:t>
+            </a:fld>
+            <a:endParaRPr lang="en-US"/>
+          </a:p>
+        </p:txBody>
+      </p:sp>
+    </p:spTree>
+    <p:extLst>
+      <p:ext uri="{BB962C8B-B14F-4D97-AF65-F5344CB8AC3E}">
+        <p14:creationId xmlns:p14="http://schemas.microsoft.com/office/powerpoint/2010/main" val="1767491647"/>
       </p:ext>
     </p:extLst>
   </p:cSld>
@@ -4156,10 +4723,1114 @@
           </a:p>
         </p:txBody>
       </p:sp>
+      <p:sp>
+        <p:nvSpPr>
+          <p:cNvPr id="14" name="TextBox 13"/>
+          <p:cNvSpPr txBox="1"/>
+          <p:nvPr/>
+        </p:nvSpPr>
+        <p:spPr>
+          <a:xfrm>
+            <a:off x="6433169" y="3363776"/>
+            <a:ext cx="3912432" cy="461665"/>
+          </a:xfrm>
+          <a:prstGeom prst="rect">
+            <a:avLst/>
+          </a:prstGeom>
+          <a:noFill/>
+        </p:spPr>
+        <p:txBody>
+          <a:bodyPr wrap="square" rtlCol="0">
+            <a:spAutoFit/>
+          </a:bodyPr>
+          <a:lstStyle/>
+          <a:p>
+            <a:r>
+              <a:rPr lang="nl-BE" sz="2400" dirty="0" smtClean="0"/>
+              <a:t>Magic</a:t>
+            </a:r>
+            <a:endParaRPr lang="en-US" sz="2400" dirty="0"/>
+          </a:p>
+        </p:txBody>
+      </p:sp>
+      <p:sp>
+        <p:nvSpPr>
+          <p:cNvPr id="15" name="TextBox 14"/>
+          <p:cNvSpPr txBox="1"/>
+          <p:nvPr/>
+        </p:nvSpPr>
+        <p:spPr>
+          <a:xfrm>
+            <a:off x="6433169" y="4847562"/>
+            <a:ext cx="4644562" cy="461665"/>
+          </a:xfrm>
+          <a:prstGeom prst="rect">
+            <a:avLst/>
+          </a:prstGeom>
+          <a:noFill/>
+        </p:spPr>
+        <p:txBody>
+          <a:bodyPr wrap="square" rtlCol="0">
+            <a:spAutoFit/>
+          </a:bodyPr>
+          <a:lstStyle/>
+          <a:p>
+            <a:r>
+              <a:rPr lang="nl-BE" sz="2400" dirty="0" smtClean="0"/>
+              <a:t>Jouw code (of </a:t>
+            </a:r>
+            <a:r>
+              <a:rPr lang="nl-BE" sz="2400" dirty="0" err="1" smtClean="0"/>
+              <a:t>mapping</a:t>
+            </a:r>
+            <a:r>
+              <a:rPr lang="nl-BE" sz="2400" dirty="0" smtClean="0"/>
+              <a:t> </a:t>
+            </a:r>
+            <a:r>
+              <a:rPr lang="nl-BE" sz="2400" dirty="0" err="1" smtClean="0"/>
+              <a:t>plugin</a:t>
+            </a:r>
+            <a:r>
+              <a:rPr lang="nl-BE" sz="2400" dirty="0" smtClean="0"/>
+              <a:t>)</a:t>
+            </a:r>
+            <a:endParaRPr lang="en-US" sz="2400" dirty="0"/>
+          </a:p>
+        </p:txBody>
+      </p:sp>
     </p:spTree>
     <p:extLst>
       <p:ext uri="{BB962C8B-B14F-4D97-AF65-F5344CB8AC3E}">
         <p14:creationId xmlns:p14="http://schemas.microsoft.com/office/powerpoint/2010/main" val="2000165247"/>
+      </p:ext>
+    </p:extLst>
+  </p:cSld>
+  <p:clrMapOvr>
+    <a:masterClrMapping/>
+  </p:clrMapOvr>
+</p:sld>
+</file>
+
+<file path=ppt/slides/slide12.xml><?xml version="1.0" encoding="utf-8"?>
+<p:sld xmlns:a="http://schemas.openxmlformats.org/drawingml/2006/main" xmlns:r="http://schemas.openxmlformats.org/officeDocument/2006/relationships" xmlns:p="http://schemas.openxmlformats.org/presentationml/2006/main">
+  <p:cSld>
+    <p:spTree>
+      <p:nvGrpSpPr>
+        <p:cNvPr id="1" name=""/>
+        <p:cNvGrpSpPr/>
+        <p:nvPr/>
+      </p:nvGrpSpPr>
+      <p:grpSpPr>
+        <a:xfrm>
+          <a:off x="0" y="0"/>
+          <a:ext cx="0" cy="0"/>
+          <a:chOff x="0" y="0"/>
+          <a:chExt cx="0" cy="0"/>
+        </a:xfrm>
+      </p:grpSpPr>
+      <p:sp>
+        <p:nvSpPr>
+          <p:cNvPr id="2" name="Title 1"/>
+          <p:cNvSpPr>
+            <a:spLocks noGrp="1"/>
+          </p:cNvSpPr>
+          <p:nvPr>
+            <p:ph type="title"/>
+          </p:nvPr>
+        </p:nvSpPr>
+        <p:spPr/>
+        <p:txBody>
+          <a:bodyPr/>
+          <a:lstStyle/>
+          <a:p>
+            <a:r>
+              <a:rPr lang="nl-BE" dirty="0" err="1" smtClean="0"/>
+              <a:t>Knockout</a:t>
+            </a:r>
+            <a:r>
+              <a:rPr lang="nl-BE" dirty="0" smtClean="0"/>
+              <a:t>: HTML</a:t>
+            </a:r>
+            <a:endParaRPr lang="en-US" dirty="0"/>
+          </a:p>
+        </p:txBody>
+      </p:sp>
+      <p:sp>
+        <p:nvSpPr>
+          <p:cNvPr id="6" name="Content Placeholder 5"/>
+          <p:cNvSpPr>
+            <a:spLocks noGrp="1"/>
+          </p:cNvSpPr>
+          <p:nvPr>
+            <p:ph idx="1"/>
+          </p:nvPr>
+        </p:nvSpPr>
+        <p:spPr/>
+        <p:txBody>
+          <a:bodyPr/>
+          <a:lstStyle/>
+          <a:p>
+            <a:r>
+              <a:rPr lang="nl-BE" dirty="0" smtClean="0"/>
+              <a:t>Databinding</a:t>
+            </a:r>
+          </a:p>
+          <a:p>
+            <a:endParaRPr lang="nl-BE" dirty="0"/>
+          </a:p>
+          <a:p>
+            <a:r>
+              <a:rPr lang="nl-BE" dirty="0" smtClean="0"/>
+              <a:t>Gewoon javascript mag</a:t>
+            </a:r>
+          </a:p>
+          <a:p>
+            <a:endParaRPr lang="nl-BE" dirty="0"/>
+          </a:p>
+          <a:p>
+            <a:r>
+              <a:rPr lang="nl-BE" dirty="0" smtClean="0"/>
+              <a:t>Meerdere </a:t>
+            </a:r>
+            <a:r>
+              <a:rPr lang="nl-BE" dirty="0" err="1" smtClean="0"/>
+              <a:t>properties</a:t>
+            </a:r>
+            <a:endParaRPr lang="en-US" dirty="0"/>
+          </a:p>
+        </p:txBody>
+      </p:sp>
+      <p:pic>
+        <p:nvPicPr>
+          <p:cNvPr id="7" name="Content Placeholder 3"/>
+          <p:cNvPicPr>
+            <a:picLocks noChangeAspect="1"/>
+          </p:cNvPicPr>
+          <p:nvPr/>
+        </p:nvPicPr>
+        <p:blipFill>
+          <a:blip r:embed="rId2"/>
+          <a:stretch>
+            <a:fillRect/>
+          </a:stretch>
+        </p:blipFill>
+        <p:spPr>
+          <a:xfrm>
+            <a:off x="1167984" y="2395226"/>
+            <a:ext cx="5353050" cy="304800"/>
+          </a:xfrm>
+          <a:prstGeom prst="rect">
+            <a:avLst/>
+          </a:prstGeom>
+        </p:spPr>
+      </p:pic>
+      <p:pic>
+        <p:nvPicPr>
+          <p:cNvPr id="8" name="Picture 7"/>
+          <p:cNvPicPr>
+            <a:picLocks noChangeAspect="1"/>
+          </p:cNvPicPr>
+          <p:nvPr/>
+        </p:nvPicPr>
+        <p:blipFill>
+          <a:blip r:embed="rId3"/>
+          <a:stretch>
+            <a:fillRect/>
+          </a:stretch>
+        </p:blipFill>
+        <p:spPr>
+          <a:xfrm>
+            <a:off x="1167984" y="3427204"/>
+            <a:ext cx="8248650" cy="333375"/>
+          </a:xfrm>
+          <a:prstGeom prst="rect">
+            <a:avLst/>
+          </a:prstGeom>
+        </p:spPr>
+      </p:pic>
+      <p:pic>
+        <p:nvPicPr>
+          <p:cNvPr id="9" name="Picture 8"/>
+          <p:cNvPicPr>
+            <a:picLocks noChangeAspect="1"/>
+          </p:cNvPicPr>
+          <p:nvPr/>
+        </p:nvPicPr>
+        <p:blipFill>
+          <a:blip r:embed="rId4"/>
+          <a:stretch>
+            <a:fillRect/>
+          </a:stretch>
+        </p:blipFill>
+        <p:spPr>
+          <a:xfrm>
+            <a:off x="1167984" y="4487757"/>
+            <a:ext cx="10829925" cy="361950"/>
+          </a:xfrm>
+          <a:prstGeom prst="rect">
+            <a:avLst/>
+          </a:prstGeom>
+        </p:spPr>
+      </p:pic>
+    </p:spTree>
+    <p:extLst>
+      <p:ext uri="{BB962C8B-B14F-4D97-AF65-F5344CB8AC3E}">
+        <p14:creationId xmlns:p14="http://schemas.microsoft.com/office/powerpoint/2010/main" val="3511972259"/>
+      </p:ext>
+    </p:extLst>
+  </p:cSld>
+  <p:clrMapOvr>
+    <a:masterClrMapping/>
+  </p:clrMapOvr>
+</p:sld>
+</file>
+
+<file path=ppt/slides/slide13.xml><?xml version="1.0" encoding="utf-8"?>
+<p:sld xmlns:a="http://schemas.openxmlformats.org/drawingml/2006/main" xmlns:r="http://schemas.openxmlformats.org/officeDocument/2006/relationships" xmlns:p="http://schemas.openxmlformats.org/presentationml/2006/main">
+  <p:cSld>
+    <p:spTree>
+      <p:nvGrpSpPr>
+        <p:cNvPr id="1" name=""/>
+        <p:cNvGrpSpPr/>
+        <p:nvPr/>
+      </p:nvGrpSpPr>
+      <p:grpSpPr>
+        <a:xfrm>
+          <a:off x="0" y="0"/>
+          <a:ext cx="0" cy="0"/>
+          <a:chOff x="0" y="0"/>
+          <a:chExt cx="0" cy="0"/>
+        </a:xfrm>
+      </p:grpSpPr>
+      <p:sp>
+        <p:nvSpPr>
+          <p:cNvPr id="2" name="Title 1"/>
+          <p:cNvSpPr>
+            <a:spLocks noGrp="1"/>
+          </p:cNvSpPr>
+          <p:nvPr>
+            <p:ph type="title"/>
+          </p:nvPr>
+        </p:nvSpPr>
+        <p:spPr/>
+        <p:txBody>
+          <a:bodyPr/>
+          <a:lstStyle/>
+          <a:p>
+            <a:r>
+              <a:rPr lang="nl-BE" dirty="0" err="1" smtClean="0"/>
+              <a:t>Knockout</a:t>
+            </a:r>
+            <a:r>
+              <a:rPr lang="nl-BE" dirty="0" smtClean="0"/>
+              <a:t>: </a:t>
+            </a:r>
+            <a:r>
+              <a:rPr lang="nl-BE" dirty="0" err="1" smtClean="0"/>
+              <a:t>viewmodels</a:t>
+            </a:r>
+            <a:endParaRPr lang="en-US" dirty="0"/>
+          </a:p>
+        </p:txBody>
+      </p:sp>
+      <p:sp>
+        <p:nvSpPr>
+          <p:cNvPr id="5" name="Content Placeholder 4"/>
+          <p:cNvSpPr>
+            <a:spLocks noGrp="1"/>
+          </p:cNvSpPr>
+          <p:nvPr>
+            <p:ph idx="1"/>
+          </p:nvPr>
+        </p:nvSpPr>
+        <p:spPr/>
+        <p:txBody>
+          <a:bodyPr/>
+          <a:lstStyle/>
+          <a:p>
+            <a:endParaRPr lang="nl-BE" dirty="0"/>
+          </a:p>
+          <a:p>
+            <a:endParaRPr lang="nl-BE" dirty="0" smtClean="0"/>
+          </a:p>
+          <a:p>
+            <a:endParaRPr lang="nl-BE" dirty="0"/>
+          </a:p>
+          <a:p>
+            <a:endParaRPr lang="nl-BE" dirty="0" smtClean="0"/>
+          </a:p>
+          <a:p>
+            <a:r>
+              <a:rPr lang="nl-BE" dirty="0" err="1" smtClean="0"/>
+              <a:t>Observables</a:t>
+            </a:r>
+            <a:r>
+              <a:rPr lang="nl-BE" dirty="0" smtClean="0"/>
+              <a:t> zijn </a:t>
+            </a:r>
+            <a:r>
+              <a:rPr lang="nl-BE" dirty="0" err="1" smtClean="0"/>
+              <a:t>functions</a:t>
+            </a:r>
+            <a:r>
+              <a:rPr lang="nl-BE" dirty="0" smtClean="0"/>
+              <a:t>:</a:t>
+            </a:r>
+          </a:p>
+        </p:txBody>
+      </p:sp>
+      <p:pic>
+        <p:nvPicPr>
+          <p:cNvPr id="6" name="Content Placeholder 3"/>
+          <p:cNvPicPr>
+            <a:picLocks noChangeAspect="1"/>
+          </p:cNvPicPr>
+          <p:nvPr/>
+        </p:nvPicPr>
+        <p:blipFill>
+          <a:blip r:embed="rId3"/>
+          <a:stretch>
+            <a:fillRect/>
+          </a:stretch>
+        </p:blipFill>
+        <p:spPr>
+          <a:xfrm>
+            <a:off x="838200" y="1690688"/>
+            <a:ext cx="9525000" cy="1981200"/>
+          </a:xfrm>
+          <a:prstGeom prst="rect">
+            <a:avLst/>
+          </a:prstGeom>
+        </p:spPr>
+      </p:pic>
+      <p:pic>
+        <p:nvPicPr>
+          <p:cNvPr id="7" name="Picture 6"/>
+          <p:cNvPicPr>
+            <a:picLocks noChangeAspect="1"/>
+          </p:cNvPicPr>
+          <p:nvPr/>
+        </p:nvPicPr>
+        <p:blipFill>
+          <a:blip r:embed="rId4"/>
+          <a:stretch>
+            <a:fillRect/>
+          </a:stretch>
+        </p:blipFill>
+        <p:spPr>
+          <a:xfrm>
+            <a:off x="838200" y="4591050"/>
+            <a:ext cx="5305425" cy="666750"/>
+          </a:xfrm>
+          <a:prstGeom prst="rect">
+            <a:avLst/>
+          </a:prstGeom>
+        </p:spPr>
+      </p:pic>
+    </p:spTree>
+    <p:extLst>
+      <p:ext uri="{BB962C8B-B14F-4D97-AF65-F5344CB8AC3E}">
+        <p14:creationId xmlns:p14="http://schemas.microsoft.com/office/powerpoint/2010/main" val="3456844205"/>
+      </p:ext>
+    </p:extLst>
+  </p:cSld>
+  <p:clrMapOvr>
+    <a:masterClrMapping/>
+  </p:clrMapOvr>
+</p:sld>
+</file>
+
+<file path=ppt/slides/slide14.xml><?xml version="1.0" encoding="utf-8"?>
+<p:sld xmlns:a="http://schemas.openxmlformats.org/drawingml/2006/main" xmlns:r="http://schemas.openxmlformats.org/officeDocument/2006/relationships" xmlns:p="http://schemas.openxmlformats.org/presentationml/2006/main">
+  <p:cSld>
+    <p:spTree>
+      <p:nvGrpSpPr>
+        <p:cNvPr id="1" name=""/>
+        <p:cNvGrpSpPr/>
+        <p:nvPr/>
+      </p:nvGrpSpPr>
+      <p:grpSpPr>
+        <a:xfrm>
+          <a:off x="0" y="0"/>
+          <a:ext cx="0" cy="0"/>
+          <a:chOff x="0" y="0"/>
+          <a:chExt cx="0" cy="0"/>
+        </a:xfrm>
+      </p:grpSpPr>
+      <p:sp>
+        <p:nvSpPr>
+          <p:cNvPr id="2" name="Title 1"/>
+          <p:cNvSpPr>
+            <a:spLocks noGrp="1"/>
+          </p:cNvSpPr>
+          <p:nvPr>
+            <p:ph type="title"/>
+          </p:nvPr>
+        </p:nvSpPr>
+        <p:spPr/>
+        <p:txBody>
+          <a:bodyPr/>
+          <a:lstStyle/>
+          <a:p>
+            <a:r>
+              <a:rPr lang="nl-BE" dirty="0" err="1" smtClean="0"/>
+              <a:t>Knockout</a:t>
+            </a:r>
+            <a:r>
+              <a:rPr lang="nl-BE" dirty="0" smtClean="0"/>
+              <a:t>: HTML + </a:t>
+            </a:r>
+            <a:r>
+              <a:rPr lang="nl-BE" dirty="0" err="1" smtClean="0"/>
+              <a:t>viewmodels</a:t>
+            </a:r>
+            <a:endParaRPr lang="en-US" dirty="0"/>
+          </a:p>
+        </p:txBody>
+      </p:sp>
+      <p:sp>
+        <p:nvSpPr>
+          <p:cNvPr id="3" name="Content Placeholder 2"/>
+          <p:cNvSpPr>
+            <a:spLocks noGrp="1"/>
+          </p:cNvSpPr>
+          <p:nvPr>
+            <p:ph idx="1"/>
+          </p:nvPr>
+        </p:nvSpPr>
+        <p:spPr/>
+        <p:txBody>
+          <a:bodyPr/>
+          <a:lstStyle/>
+          <a:p>
+            <a:endParaRPr lang="nl-BE" dirty="0" smtClean="0"/>
+          </a:p>
+          <a:p>
+            <a:r>
+              <a:rPr lang="nl-BE" dirty="0" smtClean="0"/>
+              <a:t>Of:</a:t>
+            </a:r>
+          </a:p>
+          <a:p>
+            <a:endParaRPr lang="en-US" dirty="0"/>
+          </a:p>
+        </p:txBody>
+      </p:sp>
+      <p:pic>
+        <p:nvPicPr>
+          <p:cNvPr id="4" name="Picture 3"/>
+          <p:cNvPicPr>
+            <a:picLocks noChangeAspect="1"/>
+          </p:cNvPicPr>
+          <p:nvPr/>
+        </p:nvPicPr>
+        <p:blipFill>
+          <a:blip r:embed="rId3"/>
+          <a:stretch>
+            <a:fillRect/>
+          </a:stretch>
+        </p:blipFill>
+        <p:spPr>
+          <a:xfrm>
+            <a:off x="838200" y="1825625"/>
+            <a:ext cx="4181475" cy="409575"/>
+          </a:xfrm>
+          <a:prstGeom prst="rect">
+            <a:avLst/>
+          </a:prstGeom>
+        </p:spPr>
+      </p:pic>
+      <p:pic>
+        <p:nvPicPr>
+          <p:cNvPr id="5" name="Picture 4"/>
+          <p:cNvPicPr>
+            <a:picLocks noChangeAspect="1"/>
+          </p:cNvPicPr>
+          <p:nvPr/>
+        </p:nvPicPr>
+        <p:blipFill>
+          <a:blip r:embed="rId4"/>
+          <a:stretch>
+            <a:fillRect/>
+          </a:stretch>
+        </p:blipFill>
+        <p:spPr>
+          <a:xfrm>
+            <a:off x="838200" y="2913478"/>
+            <a:ext cx="6096000" cy="371475"/>
+          </a:xfrm>
+          <a:prstGeom prst="rect">
+            <a:avLst/>
+          </a:prstGeom>
+        </p:spPr>
+      </p:pic>
+    </p:spTree>
+    <p:extLst>
+      <p:ext uri="{BB962C8B-B14F-4D97-AF65-F5344CB8AC3E}">
+        <p14:creationId xmlns:p14="http://schemas.microsoft.com/office/powerpoint/2010/main" val="3205179605"/>
+      </p:ext>
+    </p:extLst>
+  </p:cSld>
+  <p:clrMapOvr>
+    <a:masterClrMapping/>
+  </p:clrMapOvr>
+</p:sld>
+</file>
+
+<file path=ppt/slides/slide15.xml><?xml version="1.0" encoding="utf-8"?>
+<p:sld xmlns:a="http://schemas.openxmlformats.org/drawingml/2006/main" xmlns:r="http://schemas.openxmlformats.org/officeDocument/2006/relationships" xmlns:p="http://schemas.openxmlformats.org/presentationml/2006/main">
+  <p:cSld>
+    <p:spTree>
+      <p:nvGrpSpPr>
+        <p:cNvPr id="1" name=""/>
+        <p:cNvGrpSpPr/>
+        <p:nvPr/>
+      </p:nvGrpSpPr>
+      <p:grpSpPr>
+        <a:xfrm>
+          <a:off x="0" y="0"/>
+          <a:ext cx="0" cy="0"/>
+          <a:chOff x="0" y="0"/>
+          <a:chExt cx="0" cy="0"/>
+        </a:xfrm>
+      </p:grpSpPr>
+      <p:sp>
+        <p:nvSpPr>
+          <p:cNvPr id="2" name="Title 1"/>
+          <p:cNvSpPr>
+            <a:spLocks noGrp="1"/>
+          </p:cNvSpPr>
+          <p:nvPr>
+            <p:ph type="title"/>
+          </p:nvPr>
+        </p:nvSpPr>
+        <p:spPr/>
+        <p:txBody>
+          <a:bodyPr/>
+          <a:lstStyle/>
+          <a:p>
+            <a:r>
+              <a:rPr lang="nl-BE" dirty="0" err="1" smtClean="0"/>
+              <a:t>Knockout</a:t>
+            </a:r>
+            <a:r>
+              <a:rPr lang="nl-BE" dirty="0" smtClean="0"/>
+              <a:t>: </a:t>
+            </a:r>
+            <a:r>
+              <a:rPr lang="nl-BE" dirty="0" err="1" smtClean="0"/>
+              <a:t>observables</a:t>
+            </a:r>
+            <a:endParaRPr lang="en-US" dirty="0"/>
+          </a:p>
+        </p:txBody>
+      </p:sp>
+      <p:pic>
+        <p:nvPicPr>
+          <p:cNvPr id="4" name="Content Placeholder 3"/>
+          <p:cNvPicPr>
+            <a:picLocks noGrp="1" noChangeAspect="1"/>
+          </p:cNvPicPr>
+          <p:nvPr>
+            <p:ph idx="1"/>
+          </p:nvPr>
+        </p:nvPicPr>
+        <p:blipFill>
+          <a:blip r:embed="rId3"/>
+          <a:stretch>
+            <a:fillRect/>
+          </a:stretch>
+        </p:blipFill>
+        <p:spPr>
+          <a:xfrm>
+            <a:off x="838200" y="1690688"/>
+            <a:ext cx="7991475" cy="4229100"/>
+          </a:xfrm>
+          <a:prstGeom prst="rect">
+            <a:avLst/>
+          </a:prstGeom>
+        </p:spPr>
+      </p:pic>
+    </p:spTree>
+    <p:extLst>
+      <p:ext uri="{BB962C8B-B14F-4D97-AF65-F5344CB8AC3E}">
+        <p14:creationId xmlns:p14="http://schemas.microsoft.com/office/powerpoint/2010/main" val="2624571955"/>
+      </p:ext>
+    </p:extLst>
+  </p:cSld>
+  <p:clrMapOvr>
+    <a:masterClrMapping/>
+  </p:clrMapOvr>
+</p:sld>
+</file>
+
+<file path=ppt/slides/slide16.xml><?xml version="1.0" encoding="utf-8"?>
+<p:sld xmlns:a="http://schemas.openxmlformats.org/drawingml/2006/main" xmlns:r="http://schemas.openxmlformats.org/officeDocument/2006/relationships" xmlns:p="http://schemas.openxmlformats.org/presentationml/2006/main">
+  <p:cSld>
+    <p:spTree>
+      <p:nvGrpSpPr>
+        <p:cNvPr id="1" name=""/>
+        <p:cNvGrpSpPr/>
+        <p:nvPr/>
+      </p:nvGrpSpPr>
+      <p:grpSpPr>
+        <a:xfrm>
+          <a:off x="0" y="0"/>
+          <a:ext cx="0" cy="0"/>
+          <a:chOff x="0" y="0"/>
+          <a:chExt cx="0" cy="0"/>
+        </a:xfrm>
+      </p:grpSpPr>
+      <p:sp>
+        <p:nvSpPr>
+          <p:cNvPr id="2" name="Title 1"/>
+          <p:cNvSpPr>
+            <a:spLocks noGrp="1"/>
+          </p:cNvSpPr>
+          <p:nvPr>
+            <p:ph type="title"/>
+          </p:nvPr>
+        </p:nvSpPr>
+        <p:spPr/>
+        <p:txBody>
+          <a:bodyPr/>
+          <a:lstStyle/>
+          <a:p>
+            <a:r>
+              <a:rPr lang="nl-BE" dirty="0" err="1" smtClean="0"/>
+              <a:t>Knockout</a:t>
+            </a:r>
+            <a:r>
+              <a:rPr lang="nl-BE" dirty="0" smtClean="0"/>
+              <a:t>: </a:t>
+            </a:r>
+            <a:r>
+              <a:rPr lang="nl-BE" dirty="0" err="1" smtClean="0"/>
+              <a:t>computed</a:t>
+            </a:r>
+            <a:endParaRPr lang="en-US" dirty="0"/>
+          </a:p>
+        </p:txBody>
+      </p:sp>
+      <p:pic>
+        <p:nvPicPr>
+          <p:cNvPr id="5" name="Content Placeholder 4"/>
+          <p:cNvPicPr>
+            <a:picLocks noGrp="1" noChangeAspect="1"/>
+          </p:cNvPicPr>
+          <p:nvPr>
+            <p:ph idx="1"/>
+          </p:nvPr>
+        </p:nvPicPr>
+        <p:blipFill>
+          <a:blip r:embed="rId3"/>
+          <a:stretch>
+            <a:fillRect/>
+          </a:stretch>
+        </p:blipFill>
+        <p:spPr>
+          <a:xfrm>
+            <a:off x="838200" y="1690688"/>
+            <a:ext cx="8105775" cy="2324100"/>
+          </a:xfrm>
+          <a:prstGeom prst="rect">
+            <a:avLst/>
+          </a:prstGeom>
+        </p:spPr>
+      </p:pic>
+      <p:pic>
+        <p:nvPicPr>
+          <p:cNvPr id="6" name="Picture 5"/>
+          <p:cNvPicPr>
+            <a:picLocks noChangeAspect="1"/>
+          </p:cNvPicPr>
+          <p:nvPr/>
+        </p:nvPicPr>
+        <p:blipFill>
+          <a:blip r:embed="rId4"/>
+          <a:stretch>
+            <a:fillRect/>
+          </a:stretch>
+        </p:blipFill>
+        <p:spPr>
+          <a:xfrm>
+            <a:off x="838200" y="4581290"/>
+            <a:ext cx="8001000" cy="1952625"/>
+          </a:xfrm>
+          <a:prstGeom prst="rect">
+            <a:avLst/>
+          </a:prstGeom>
+        </p:spPr>
+      </p:pic>
+    </p:spTree>
+    <p:extLst>
+      <p:ext uri="{BB962C8B-B14F-4D97-AF65-F5344CB8AC3E}">
+        <p14:creationId xmlns:p14="http://schemas.microsoft.com/office/powerpoint/2010/main" val="3936347146"/>
+      </p:ext>
+    </p:extLst>
+  </p:cSld>
+  <p:clrMapOvr>
+    <a:masterClrMapping/>
+  </p:clrMapOvr>
+</p:sld>
+</file>
+
+<file path=ppt/slides/slide17.xml><?xml version="1.0" encoding="utf-8"?>
+<p:sld xmlns:a="http://schemas.openxmlformats.org/drawingml/2006/main" xmlns:r="http://schemas.openxmlformats.org/officeDocument/2006/relationships" xmlns:p="http://schemas.openxmlformats.org/presentationml/2006/main">
+  <p:cSld>
+    <p:spTree>
+      <p:nvGrpSpPr>
+        <p:cNvPr id="1" name=""/>
+        <p:cNvGrpSpPr/>
+        <p:nvPr/>
+      </p:nvGrpSpPr>
+      <p:grpSpPr>
+        <a:xfrm>
+          <a:off x="0" y="0"/>
+          <a:ext cx="0" cy="0"/>
+          <a:chOff x="0" y="0"/>
+          <a:chExt cx="0" cy="0"/>
+        </a:xfrm>
+      </p:grpSpPr>
+      <p:sp>
+        <p:nvSpPr>
+          <p:cNvPr id="2" name="Title 1"/>
+          <p:cNvSpPr>
+            <a:spLocks noGrp="1"/>
+          </p:cNvSpPr>
+          <p:nvPr>
+            <p:ph type="title"/>
+          </p:nvPr>
+        </p:nvSpPr>
+        <p:spPr/>
+        <p:txBody>
+          <a:bodyPr/>
+          <a:lstStyle/>
+          <a:p>
+            <a:r>
+              <a:rPr lang="nl-BE" dirty="0" err="1" smtClean="0"/>
+              <a:t>Knockout</a:t>
+            </a:r>
+            <a:r>
+              <a:rPr lang="nl-BE" dirty="0" smtClean="0"/>
+              <a:t>: </a:t>
+            </a:r>
+            <a:r>
+              <a:rPr lang="nl-BE" dirty="0" err="1" smtClean="0"/>
+              <a:t>bindings</a:t>
+            </a:r>
+            <a:endParaRPr lang="en-US" dirty="0"/>
+          </a:p>
+        </p:txBody>
+      </p:sp>
+      <p:graphicFrame>
+        <p:nvGraphicFramePr>
+          <p:cNvPr id="4" name="Content Placeholder 3"/>
+          <p:cNvGraphicFramePr>
+            <a:graphicFrameLocks noGrp="1"/>
+          </p:cNvGraphicFramePr>
+          <p:nvPr>
+            <p:ph idx="1"/>
+            <p:extLst>
+              <p:ext uri="{D42A27DB-BD31-4B8C-83A1-F6EECF244321}">
+                <p14:modId xmlns:p14="http://schemas.microsoft.com/office/powerpoint/2010/main" val="1733822604"/>
+              </p:ext>
+            </p:extLst>
+          </p:nvPr>
+        </p:nvGraphicFramePr>
+        <p:xfrm>
+          <a:off x="838200" y="1825625"/>
+          <a:ext cx="10515600" cy="4851400"/>
+        </p:xfrm>
+        <a:graphic>
+          <a:graphicData uri="http://schemas.openxmlformats.org/drawingml/2006/table">
+            <a:tbl>
+              <a:tblPr bandRow="1">
+                <a:tableStyleId>{5C22544A-7EE6-4342-B048-85BDC9FD1C3A}</a:tableStyleId>
+              </a:tblPr>
+              <a:tblGrid>
+                <a:gridCol w="5257800"/>
+                <a:gridCol w="5257800"/>
+              </a:tblGrid>
+              <a:tr h="370840">
+                <a:tc>
+                  <a:txBody>
+                    <a:bodyPr/>
+                    <a:lstStyle/>
+                    <a:p>
+                      <a:r>
+                        <a:rPr lang="nl-BE" sz="2400" dirty="0" err="1" smtClean="0"/>
+                        <a:t>visible</a:t>
+                      </a:r>
+                      <a:endParaRPr lang="nl-BE" sz="2400" dirty="0" smtClean="0"/>
+                    </a:p>
+                    <a:p>
+                      <a:r>
+                        <a:rPr lang="nl-BE" sz="2400" dirty="0" smtClean="0"/>
+                        <a:t>tekst</a:t>
+                      </a:r>
+                    </a:p>
+                    <a:p>
+                      <a:r>
+                        <a:rPr lang="nl-BE" sz="2400" dirty="0" smtClean="0"/>
+                        <a:t>html</a:t>
+                      </a:r>
+                    </a:p>
+                    <a:p>
+                      <a:r>
+                        <a:rPr lang="nl-BE" sz="2400" dirty="0" err="1" smtClean="0"/>
+                        <a:t>css</a:t>
+                      </a:r>
+                      <a:endParaRPr lang="nl-BE" sz="2400" dirty="0" smtClean="0"/>
+                    </a:p>
+                    <a:p>
+                      <a:r>
+                        <a:rPr lang="nl-BE" sz="2400" dirty="0" err="1" smtClean="0"/>
+                        <a:t>style</a:t>
+                      </a:r>
+                      <a:endParaRPr lang="en-US" sz="2400" dirty="0" smtClean="0"/>
+                    </a:p>
+                    <a:p>
+                      <a:endParaRPr lang="nl-BE" sz="2400" dirty="0" smtClean="0"/>
+                    </a:p>
+                    <a:p>
+                      <a:r>
+                        <a:rPr lang="nl-BE" sz="2400" dirty="0" err="1" smtClean="0"/>
+                        <a:t>attr</a:t>
+                      </a:r>
+                      <a:endParaRPr lang="nl-BE" sz="2400" dirty="0" smtClean="0"/>
+                    </a:p>
+                    <a:p>
+                      <a:r>
+                        <a:rPr lang="nl-BE" sz="2400" dirty="0" err="1" smtClean="0"/>
+                        <a:t>foreach</a:t>
+                      </a:r>
+                      <a:endParaRPr lang="nl-BE" sz="2400" dirty="0" smtClean="0"/>
+                    </a:p>
+                    <a:p>
+                      <a:r>
+                        <a:rPr lang="nl-BE" sz="2400" dirty="0" err="1" smtClean="0"/>
+                        <a:t>if</a:t>
+                      </a:r>
+                      <a:endParaRPr lang="nl-BE" sz="2400" dirty="0" smtClean="0"/>
+                    </a:p>
+                    <a:p>
+                      <a:r>
+                        <a:rPr lang="nl-BE" sz="2400" dirty="0" err="1" smtClean="0"/>
+                        <a:t>ifnot</a:t>
+                      </a:r>
+                      <a:endParaRPr lang="nl-BE" sz="2400" dirty="0" smtClean="0"/>
+                    </a:p>
+                    <a:p>
+                      <a:r>
+                        <a:rPr lang="nl-BE" sz="2400" dirty="0" err="1" smtClean="0"/>
+                        <a:t>with</a:t>
+                      </a:r>
+                      <a:endParaRPr lang="nl-BE" sz="2400" dirty="0" smtClean="0"/>
+                    </a:p>
+                  </a:txBody>
+                  <a:tcPr/>
+                </a:tc>
+                <a:tc>
+                  <a:txBody>
+                    <a:bodyPr/>
+                    <a:lstStyle/>
+                    <a:p>
+                      <a:r>
+                        <a:rPr lang="nl-BE" sz="2400" dirty="0" smtClean="0"/>
+                        <a:t>click</a:t>
+                      </a:r>
+                    </a:p>
+                    <a:p>
+                      <a:r>
+                        <a:rPr lang="nl-BE" sz="2400" dirty="0" smtClean="0"/>
+                        <a:t>event</a:t>
+                      </a:r>
+                    </a:p>
+                    <a:p>
+                      <a:r>
+                        <a:rPr lang="nl-BE" sz="2400" dirty="0" err="1" smtClean="0"/>
+                        <a:t>submit</a:t>
+                      </a:r>
+                      <a:endParaRPr lang="nl-BE" sz="2400" dirty="0" smtClean="0"/>
+                    </a:p>
+                    <a:p>
+                      <a:r>
+                        <a:rPr lang="nl-BE" sz="2400" dirty="0" err="1" smtClean="0"/>
+                        <a:t>enable</a:t>
+                      </a:r>
+                      <a:endParaRPr lang="nl-BE" sz="2400" dirty="0" smtClean="0"/>
+                    </a:p>
+                    <a:p>
+                      <a:r>
+                        <a:rPr lang="nl-BE" sz="2400" dirty="0" err="1" smtClean="0"/>
+                        <a:t>disable</a:t>
+                      </a:r>
+                      <a:endParaRPr lang="nl-BE" sz="2400" dirty="0" smtClean="0"/>
+                    </a:p>
+                    <a:p>
+                      <a:r>
+                        <a:rPr lang="nl-BE" sz="2400" dirty="0" err="1" smtClean="0"/>
+                        <a:t>value</a:t>
+                      </a:r>
+                      <a:endParaRPr lang="nl-BE" sz="2400" dirty="0" smtClean="0"/>
+                    </a:p>
+                    <a:p>
+                      <a:r>
+                        <a:rPr lang="nl-BE" sz="2400" dirty="0" err="1" smtClean="0"/>
+                        <a:t>hasFocus</a:t>
+                      </a:r>
+                      <a:endParaRPr lang="nl-BE" sz="2400" dirty="0" smtClean="0"/>
+                    </a:p>
+                    <a:p>
+                      <a:r>
+                        <a:rPr lang="nl-BE" sz="2400" dirty="0" err="1" smtClean="0"/>
+                        <a:t>checked</a:t>
+                      </a:r>
+                      <a:endParaRPr lang="nl-BE" sz="2400" dirty="0" smtClean="0"/>
+                    </a:p>
+                    <a:p>
+                      <a:r>
+                        <a:rPr lang="nl-BE" sz="2400" dirty="0" smtClean="0"/>
+                        <a:t>options</a:t>
+                      </a:r>
+                    </a:p>
+                    <a:p>
+                      <a:r>
+                        <a:rPr lang="nl-BE" sz="2400" dirty="0" err="1" smtClean="0"/>
+                        <a:t>selectedOptions</a:t>
+                      </a:r>
+                      <a:endParaRPr lang="nl-BE" sz="2400" dirty="0" smtClean="0"/>
+                    </a:p>
+                    <a:p>
+                      <a:r>
+                        <a:rPr lang="nl-BE" sz="2400" dirty="0" err="1" smtClean="0"/>
+                        <a:t>uniqueName</a:t>
+                      </a:r>
+                      <a:endParaRPr lang="nl-BE" sz="2400" dirty="0" smtClean="0"/>
+                    </a:p>
+                    <a:p>
+                      <a:r>
+                        <a:rPr lang="nl-BE" sz="2400" dirty="0" smtClean="0"/>
+                        <a:t>template</a:t>
+                      </a:r>
+                      <a:endParaRPr lang="en-US" sz="2400" dirty="0"/>
+                    </a:p>
+                  </a:txBody>
+                  <a:tcPr/>
+                </a:tc>
+              </a:tr>
+              <a:tr h="370840">
+                <a:tc>
+                  <a:txBody>
+                    <a:bodyPr/>
+                    <a:lstStyle/>
+                    <a:p>
+                      <a:endParaRPr lang="nl-BE" dirty="0" smtClean="0"/>
+                    </a:p>
+                  </a:txBody>
+                  <a:tcPr/>
+                </a:tc>
+                <a:tc>
+                  <a:txBody>
+                    <a:bodyPr/>
+                    <a:lstStyle/>
+                    <a:p>
+                      <a:endParaRPr lang="en-US" dirty="0"/>
+                    </a:p>
+                  </a:txBody>
+                  <a:tcPr/>
+                </a:tc>
+              </a:tr>
+            </a:tbl>
+          </a:graphicData>
+        </a:graphic>
+      </p:graphicFrame>
+    </p:spTree>
+    <p:extLst>
+      <p:ext uri="{BB962C8B-B14F-4D97-AF65-F5344CB8AC3E}">
+        <p14:creationId xmlns:p14="http://schemas.microsoft.com/office/powerpoint/2010/main" val="1785072932"/>
+      </p:ext>
+    </p:extLst>
+  </p:cSld>
+  <p:clrMapOvr>
+    <a:masterClrMapping/>
+  </p:clrMapOvr>
+</p:sld>
+</file>
+
+<file path=ppt/slides/slide18.xml><?xml version="1.0" encoding="utf-8"?>
+<p:sld xmlns:a="http://schemas.openxmlformats.org/drawingml/2006/main" xmlns:r="http://schemas.openxmlformats.org/officeDocument/2006/relationships" xmlns:p="http://schemas.openxmlformats.org/presentationml/2006/main">
+  <p:cSld>
+    <p:spTree>
+      <p:nvGrpSpPr>
+        <p:cNvPr id="1" name=""/>
+        <p:cNvGrpSpPr/>
+        <p:nvPr/>
+      </p:nvGrpSpPr>
+      <p:grpSpPr>
+        <a:xfrm>
+          <a:off x="0" y="0"/>
+          <a:ext cx="0" cy="0"/>
+          <a:chOff x="0" y="0"/>
+          <a:chExt cx="0" cy="0"/>
+        </a:xfrm>
+      </p:grpSpPr>
+      <p:sp>
+        <p:nvSpPr>
+          <p:cNvPr id="2" name="Title 1"/>
+          <p:cNvSpPr>
+            <a:spLocks noGrp="1"/>
+          </p:cNvSpPr>
+          <p:nvPr>
+            <p:ph type="title"/>
+          </p:nvPr>
+        </p:nvSpPr>
+        <p:spPr/>
+        <p:txBody>
+          <a:bodyPr/>
+          <a:lstStyle/>
+          <a:p>
+            <a:r>
+              <a:rPr lang="nl-BE" dirty="0" err="1" smtClean="0"/>
+              <a:t>Knockout</a:t>
+            </a:r>
+            <a:r>
+              <a:rPr lang="nl-BE" dirty="0" smtClean="0"/>
+              <a:t>: </a:t>
+            </a:r>
+            <a:r>
+              <a:rPr lang="nl-BE" smtClean="0"/>
+              <a:t>customBindings</a:t>
+            </a:r>
+            <a:endParaRPr lang="en-US" dirty="0"/>
+          </a:p>
+        </p:txBody>
+      </p:sp>
+      <p:sp>
+        <p:nvSpPr>
+          <p:cNvPr id="3" name="Content Placeholder 2"/>
+          <p:cNvSpPr>
+            <a:spLocks noGrp="1"/>
+          </p:cNvSpPr>
+          <p:nvPr>
+            <p:ph idx="1"/>
+          </p:nvPr>
+        </p:nvSpPr>
+        <p:spPr/>
+        <p:txBody>
+          <a:bodyPr/>
+          <a:lstStyle/>
+          <a:p>
+            <a:endParaRPr lang="en-US"/>
+          </a:p>
+        </p:txBody>
+      </p:sp>
+    </p:spTree>
+    <p:extLst>
+      <p:ext uri="{BB962C8B-B14F-4D97-AF65-F5344CB8AC3E}">
+        <p14:creationId xmlns:p14="http://schemas.microsoft.com/office/powerpoint/2010/main" val="835079074"/>
       </p:ext>
     </p:extLst>
   </p:cSld>

--- a/Durandal T4T.pptx
+++ b/Durandal T4T.pptx
@@ -1382,6 +1382,156 @@
     <p:extLst>
       <p:ext uri="{BB962C8B-B14F-4D97-AF65-F5344CB8AC3E}">
         <p14:creationId xmlns:p14="http://schemas.microsoft.com/office/powerpoint/2010/main" val="1767491647"/>
+      </p:ext>
+    </p:extLst>
+  </p:cSld>
+  <p:clrMapOvr>
+    <a:masterClrMapping/>
+  </p:clrMapOvr>
+</p:notes>
+</file>
+
+<file path=ppt/notesSlides/notesSlide8.xml><?xml version="1.0" encoding="utf-8"?>
+<p:notes xmlns:a="http://schemas.openxmlformats.org/drawingml/2006/main" xmlns:r="http://schemas.openxmlformats.org/officeDocument/2006/relationships" xmlns:p="http://schemas.openxmlformats.org/presentationml/2006/main">
+  <p:cSld>
+    <p:spTree>
+      <p:nvGrpSpPr>
+        <p:cNvPr id="1" name=""/>
+        <p:cNvGrpSpPr/>
+        <p:nvPr/>
+      </p:nvGrpSpPr>
+      <p:grpSpPr>
+        <a:xfrm>
+          <a:off x="0" y="0"/>
+          <a:ext cx="0" cy="0"/>
+          <a:chOff x="0" y="0"/>
+          <a:chExt cx="0" cy="0"/>
+        </a:xfrm>
+      </p:grpSpPr>
+      <p:sp>
+        <p:nvSpPr>
+          <p:cNvPr id="2" name="Slide Image Placeholder 1"/>
+          <p:cNvSpPr>
+            <a:spLocks noGrp="1" noRot="1" noChangeAspect="1"/>
+          </p:cNvSpPr>
+          <p:nvPr>
+            <p:ph type="sldImg"/>
+          </p:nvPr>
+        </p:nvSpPr>
+        <p:spPr/>
+      </p:sp>
+      <p:sp>
+        <p:nvSpPr>
+          <p:cNvPr id="3" name="Notes Placeholder 2"/>
+          <p:cNvSpPr>
+            <a:spLocks noGrp="1"/>
+          </p:cNvSpPr>
+          <p:nvPr>
+            <p:ph type="body" idx="1"/>
+          </p:nvPr>
+        </p:nvSpPr>
+        <p:spPr/>
+        <p:txBody>
+          <a:bodyPr/>
+          <a:lstStyle/>
+          <a:p>
+            <a:r>
+              <a:rPr lang="nl-BE" dirty="0" err="1" smtClean="0"/>
+              <a:t>Css</a:t>
+            </a:r>
+            <a:r>
+              <a:rPr lang="nl-BE" dirty="0" smtClean="0"/>
+              <a:t>: </a:t>
+            </a:r>
+            <a:r>
+              <a:rPr lang="nl-BE" dirty="0" err="1" smtClean="0"/>
+              <a:t>add</a:t>
+            </a:r>
+            <a:r>
+              <a:rPr lang="nl-BE" dirty="0" smtClean="0"/>
+              <a:t> or </a:t>
+            </a:r>
+            <a:r>
+              <a:rPr lang="nl-BE" dirty="0" err="1" smtClean="0"/>
+              <a:t>remove</a:t>
+            </a:r>
+            <a:r>
+              <a:rPr lang="nl-BE" dirty="0" smtClean="0"/>
+              <a:t> a class</a:t>
+            </a:r>
+          </a:p>
+          <a:p>
+            <a:r>
+              <a:rPr lang="nl-BE" dirty="0" smtClean="0"/>
+              <a:t>Style: </a:t>
+            </a:r>
+            <a:r>
+              <a:rPr lang="nl-BE" dirty="0" err="1" smtClean="0"/>
+              <a:t>add</a:t>
+            </a:r>
+            <a:r>
+              <a:rPr lang="nl-BE" dirty="0" smtClean="0"/>
+              <a:t> or </a:t>
+            </a:r>
+            <a:r>
+              <a:rPr lang="nl-BE" dirty="0" err="1" smtClean="0"/>
+              <a:t>remove</a:t>
+            </a:r>
+            <a:r>
+              <a:rPr lang="nl-BE" dirty="0" smtClean="0"/>
+              <a:t> </a:t>
+            </a:r>
+            <a:r>
+              <a:rPr lang="nl-BE" dirty="0" err="1" smtClean="0"/>
+              <a:t>certain</a:t>
+            </a:r>
+            <a:r>
+              <a:rPr lang="nl-BE" dirty="0" smtClean="0"/>
+              <a:t> </a:t>
+            </a:r>
+            <a:r>
+              <a:rPr lang="nl-BE" dirty="0" err="1" smtClean="0"/>
+              <a:t>css</a:t>
+            </a:r>
+            <a:r>
+              <a:rPr lang="nl-BE" dirty="0" smtClean="0"/>
+              <a:t> </a:t>
+            </a:r>
+            <a:r>
+              <a:rPr lang="nl-BE" smtClean="0"/>
+              <a:t>attributes</a:t>
+            </a:r>
+            <a:endParaRPr lang="en-US"/>
+          </a:p>
+        </p:txBody>
+      </p:sp>
+      <p:sp>
+        <p:nvSpPr>
+          <p:cNvPr id="4" name="Slide Number Placeholder 3"/>
+          <p:cNvSpPr>
+            <a:spLocks noGrp="1"/>
+          </p:cNvSpPr>
+          <p:nvPr>
+            <p:ph type="sldNum" sz="quarter" idx="10"/>
+          </p:nvPr>
+        </p:nvSpPr>
+        <p:spPr/>
+        <p:txBody>
+          <a:bodyPr/>
+          <a:lstStyle/>
+          <a:p>
+            <a:fld id="{0DF56419-AC34-45D0-BAB8-5A4CB1E563BF}" type="slidenum">
+              <a:rPr lang="en-US" smtClean="0"/>
+              <a:t>17</a:t>
+            </a:fld>
+            <a:endParaRPr lang="en-US"/>
+          </a:p>
+        </p:txBody>
+      </p:sp>
+    </p:spTree>
+    <p:extLst>
+      <p:ext uri="{BB962C8B-B14F-4D97-AF65-F5344CB8AC3E}">
+        <p14:creationId xmlns:p14="http://schemas.microsoft.com/office/powerpoint/2010/main" val="4207004726"/>
       </p:ext>
     </p:extLst>
   </p:cSld>
@@ -5801,7 +5951,7 @@
               <a:t>: </a:t>
             </a:r>
             <a:r>
-              <a:rPr lang="nl-BE" smtClean="0"/>
+              <a:rPr lang="nl-BE" dirty="0" err="1" smtClean="0"/>
               <a:t>customBindings</a:t>
             </a:r>
             <a:endParaRPr lang="en-US" dirty="0"/>

--- a/Durandal T4T.pptx
+++ b/Durandal T4T.pptx
@@ -5,7 +5,7 @@
     <p:sldMasterId id="2147483648" r:id="rId1"/>
   </p:sldMasterIdLst>
   <p:notesMasterIdLst>
-    <p:notesMasterId r:id="rId20"/>
+    <p:notesMasterId r:id="rId27"/>
   </p:notesMasterIdLst>
   <p:sldIdLst>
     <p:sldId id="256" r:id="rId2"/>
@@ -17,15 +17,22 @@
     <p:sldId id="261" r:id="rId8"/>
     <p:sldId id="262" r:id="rId9"/>
     <p:sldId id="263" r:id="rId10"/>
-    <p:sldId id="264" r:id="rId11"/>
-    <p:sldId id="266" r:id="rId12"/>
-    <p:sldId id="267" r:id="rId13"/>
-    <p:sldId id="268" r:id="rId14"/>
-    <p:sldId id="269" r:id="rId15"/>
-    <p:sldId id="270" r:id="rId16"/>
-    <p:sldId id="272" r:id="rId17"/>
-    <p:sldId id="271" r:id="rId18"/>
-    <p:sldId id="273" r:id="rId19"/>
+    <p:sldId id="274" r:id="rId11"/>
+    <p:sldId id="264" r:id="rId12"/>
+    <p:sldId id="266" r:id="rId13"/>
+    <p:sldId id="267" r:id="rId14"/>
+    <p:sldId id="268" r:id="rId15"/>
+    <p:sldId id="269" r:id="rId16"/>
+    <p:sldId id="270" r:id="rId17"/>
+    <p:sldId id="272" r:id="rId18"/>
+    <p:sldId id="271" r:id="rId19"/>
+    <p:sldId id="273" r:id="rId20"/>
+    <p:sldId id="275" r:id="rId21"/>
+    <p:sldId id="276" r:id="rId22"/>
+    <p:sldId id="277" r:id="rId23"/>
+    <p:sldId id="278" r:id="rId24"/>
+    <p:sldId id="279" r:id="rId25"/>
+    <p:sldId id="280" r:id="rId26"/>
   </p:sldIdLst>
   <p:sldSz cx="12192000" cy="6858000"/>
   <p:notesSz cx="6858000" cy="9144000"/>
@@ -608,6 +615,206 @@
 </p:notes>
 </file>
 
+<file path=ppt/notesSlides/notesSlide10.xml><?xml version="1.0" encoding="utf-8"?>
+<p:notes xmlns:a="http://schemas.openxmlformats.org/drawingml/2006/main" xmlns:r="http://schemas.openxmlformats.org/officeDocument/2006/relationships" xmlns:p="http://schemas.openxmlformats.org/presentationml/2006/main">
+  <p:cSld>
+    <p:spTree>
+      <p:nvGrpSpPr>
+        <p:cNvPr id="1" name=""/>
+        <p:cNvGrpSpPr/>
+        <p:nvPr/>
+      </p:nvGrpSpPr>
+      <p:grpSpPr>
+        <a:xfrm>
+          <a:off x="0" y="0"/>
+          <a:ext cx="0" cy="0"/>
+          <a:chOff x="0" y="0"/>
+          <a:chExt cx="0" cy="0"/>
+        </a:xfrm>
+      </p:grpSpPr>
+      <p:sp>
+        <p:nvSpPr>
+          <p:cNvPr id="2" name="Slide Image Placeholder 1"/>
+          <p:cNvSpPr>
+            <a:spLocks noGrp="1" noRot="1" noChangeAspect="1"/>
+          </p:cNvSpPr>
+          <p:nvPr>
+            <p:ph type="sldImg"/>
+          </p:nvPr>
+        </p:nvSpPr>
+        <p:spPr/>
+      </p:sp>
+      <p:sp>
+        <p:nvSpPr>
+          <p:cNvPr id="3" name="Notes Placeholder 2"/>
+          <p:cNvSpPr>
+            <a:spLocks noGrp="1"/>
+          </p:cNvSpPr>
+          <p:nvPr>
+            <p:ph type="body" idx="1"/>
+          </p:nvPr>
+        </p:nvSpPr>
+        <p:spPr/>
+        <p:txBody>
+          <a:bodyPr/>
+          <a:lstStyle/>
+          <a:p>
+            <a:r>
+              <a:rPr lang="nl-BE" dirty="0" err="1" smtClean="0"/>
+              <a:t>Id</a:t>
+            </a:r>
+            <a:r>
+              <a:rPr lang="nl-BE" dirty="0" smtClean="0"/>
+              <a:t> is afgeleid</a:t>
+            </a:r>
+            <a:r>
+              <a:rPr lang="nl-BE" baseline="0" dirty="0" smtClean="0"/>
+              <a:t> van pad relatief t.o.v. </a:t>
+            </a:r>
+            <a:r>
+              <a:rPr lang="nl-BE" baseline="0" dirty="0" err="1" smtClean="0"/>
+              <a:t>baseUrl</a:t>
+            </a:r>
+            <a:r>
+              <a:rPr lang="nl-BE" baseline="0" dirty="0" smtClean="0"/>
+              <a:t> (normaal locatie van main.js)</a:t>
+            </a:r>
+            <a:endParaRPr lang="en-US" dirty="0"/>
+          </a:p>
+        </p:txBody>
+      </p:sp>
+      <p:sp>
+        <p:nvSpPr>
+          <p:cNvPr id="4" name="Slide Number Placeholder 3"/>
+          <p:cNvSpPr>
+            <a:spLocks noGrp="1"/>
+          </p:cNvSpPr>
+          <p:nvPr>
+            <p:ph type="sldNum" sz="quarter" idx="10"/>
+          </p:nvPr>
+        </p:nvSpPr>
+        <p:spPr/>
+        <p:txBody>
+          <a:bodyPr/>
+          <a:lstStyle/>
+          <a:p>
+            <a:fld id="{0DF56419-AC34-45D0-BAB8-5A4CB1E563BF}" type="slidenum">
+              <a:rPr lang="en-US" smtClean="0"/>
+              <a:t>22</a:t>
+            </a:fld>
+            <a:endParaRPr lang="en-US"/>
+          </a:p>
+        </p:txBody>
+      </p:sp>
+    </p:spTree>
+    <p:extLst>
+      <p:ext uri="{BB962C8B-B14F-4D97-AF65-F5344CB8AC3E}">
+        <p14:creationId xmlns:p14="http://schemas.microsoft.com/office/powerpoint/2010/main" val="106862747"/>
+      </p:ext>
+    </p:extLst>
+  </p:cSld>
+  <p:clrMapOvr>
+    <a:masterClrMapping/>
+  </p:clrMapOvr>
+</p:notes>
+</file>
+
+<file path=ppt/notesSlides/notesSlide11.xml><?xml version="1.0" encoding="utf-8"?>
+<p:notes xmlns:a="http://schemas.openxmlformats.org/drawingml/2006/main" xmlns:r="http://schemas.openxmlformats.org/officeDocument/2006/relationships" xmlns:p="http://schemas.openxmlformats.org/presentationml/2006/main">
+  <p:cSld>
+    <p:spTree>
+      <p:nvGrpSpPr>
+        <p:cNvPr id="1" name=""/>
+        <p:cNvGrpSpPr/>
+        <p:nvPr/>
+      </p:nvGrpSpPr>
+      <p:grpSpPr>
+        <a:xfrm>
+          <a:off x="0" y="0"/>
+          <a:ext cx="0" cy="0"/>
+          <a:chOff x="0" y="0"/>
+          <a:chExt cx="0" cy="0"/>
+        </a:xfrm>
+      </p:grpSpPr>
+      <p:sp>
+        <p:nvSpPr>
+          <p:cNvPr id="2" name="Slide Image Placeholder 1"/>
+          <p:cNvSpPr>
+            <a:spLocks noGrp="1" noRot="1" noChangeAspect="1"/>
+          </p:cNvSpPr>
+          <p:nvPr>
+            <p:ph type="sldImg"/>
+          </p:nvPr>
+        </p:nvSpPr>
+        <p:spPr/>
+      </p:sp>
+      <p:sp>
+        <p:nvSpPr>
+          <p:cNvPr id="3" name="Notes Placeholder 2"/>
+          <p:cNvSpPr>
+            <a:spLocks noGrp="1"/>
+          </p:cNvSpPr>
+          <p:nvPr>
+            <p:ph type="body" idx="1"/>
+          </p:nvPr>
+        </p:nvSpPr>
+        <p:spPr/>
+        <p:txBody>
+          <a:bodyPr/>
+          <a:lstStyle/>
+          <a:p>
+            <a:r>
+              <a:rPr lang="nl-BE" dirty="0" smtClean="0"/>
+              <a:t>Indien meerdere root </a:t>
+            </a:r>
+            <a:r>
+              <a:rPr lang="nl-BE" dirty="0" err="1" smtClean="0"/>
+              <a:t>elements</a:t>
+            </a:r>
+            <a:r>
+              <a:rPr lang="nl-BE" dirty="0" smtClean="0"/>
+              <a:t>, dan worden deze in een div geplaatst</a:t>
+            </a:r>
+            <a:endParaRPr lang="en-US" dirty="0"/>
+          </a:p>
+        </p:txBody>
+      </p:sp>
+      <p:sp>
+        <p:nvSpPr>
+          <p:cNvPr id="4" name="Slide Number Placeholder 3"/>
+          <p:cNvSpPr>
+            <a:spLocks noGrp="1"/>
+          </p:cNvSpPr>
+          <p:nvPr>
+            <p:ph type="sldNum" sz="quarter" idx="10"/>
+          </p:nvPr>
+        </p:nvSpPr>
+        <p:spPr/>
+        <p:txBody>
+          <a:bodyPr/>
+          <a:lstStyle/>
+          <a:p>
+            <a:fld id="{0DF56419-AC34-45D0-BAB8-5A4CB1E563BF}" type="slidenum">
+              <a:rPr lang="en-US" smtClean="0"/>
+              <a:t>23</a:t>
+            </a:fld>
+            <a:endParaRPr lang="en-US"/>
+          </a:p>
+        </p:txBody>
+      </p:sp>
+    </p:spTree>
+    <p:extLst>
+      <p:ext uri="{BB962C8B-B14F-4D97-AF65-F5344CB8AC3E}">
+        <p14:creationId xmlns:p14="http://schemas.microsoft.com/office/powerpoint/2010/main" val="3152353316"/>
+      </p:ext>
+    </p:extLst>
+  </p:cSld>
+  <p:clrMapOvr>
+    <a:masterClrMapping/>
+  </p:clrMapOvr>
+</p:notes>
+</file>
+
 <file path=ppt/notesSlides/notesSlide2.xml><?xml version="1.0" encoding="utf-8"?>
 <p:notes xmlns:a="http://schemas.openxmlformats.org/drawingml/2006/main" xmlns:r="http://schemas.openxmlformats.org/officeDocument/2006/relationships" xmlns:p="http://schemas.openxmlformats.org/presentationml/2006/main">
   <p:cSld>
@@ -812,7 +1019,7 @@
           <a:p>
             <a:fld id="{0DF56419-AC34-45D0-BAB8-5A4CB1E563BF}" type="slidenum">
               <a:rPr lang="en-US" smtClean="0"/>
-              <a:t>11</a:t>
+              <a:t>12</a:t>
             </a:fld>
             <a:endParaRPr lang="en-US"/>
           </a:p>
@@ -920,7 +1127,7 @@
           <a:p>
             <a:fld id="{0DF56419-AC34-45D0-BAB8-5A4CB1E563BF}" type="slidenum">
               <a:rPr lang="en-US" smtClean="0"/>
-              <a:t>13</a:t>
+              <a:t>14</a:t>
             </a:fld>
             <a:endParaRPr lang="en-US"/>
           </a:p>
@@ -1038,7 +1245,7 @@
           <a:p>
             <a:fld id="{0DF56419-AC34-45D0-BAB8-5A4CB1E563BF}" type="slidenum">
               <a:rPr lang="en-US" smtClean="0"/>
-              <a:t>14</a:t>
+              <a:t>15</a:t>
             </a:fld>
             <a:endParaRPr lang="en-US"/>
           </a:p>
@@ -1240,7 +1447,7 @@
           <a:p>
             <a:fld id="{0DF56419-AC34-45D0-BAB8-5A4CB1E563BF}" type="slidenum">
               <a:rPr lang="en-US" smtClean="0"/>
-              <a:t>15</a:t>
+              <a:t>16</a:t>
             </a:fld>
             <a:endParaRPr lang="en-US"/>
           </a:p>
@@ -1372,7 +1579,7 @@
           <a:p>
             <a:fld id="{0DF56419-AC34-45D0-BAB8-5A4CB1E563BF}" type="slidenum">
               <a:rPr lang="en-US" smtClean="0"/>
-              <a:t>16</a:t>
+              <a:t>17</a:t>
             </a:fld>
             <a:endParaRPr lang="en-US"/>
           </a:p>
@@ -1498,10 +1705,10 @@
               <a:t> </a:t>
             </a:r>
             <a:r>
-              <a:rPr lang="nl-BE" smtClean="0"/>
+              <a:rPr lang="nl-BE" dirty="0" err="1" smtClean="0"/>
               <a:t>attributes</a:t>
             </a:r>
-            <a:endParaRPr lang="en-US"/>
+            <a:endParaRPr lang="en-US" dirty="0"/>
           </a:p>
         </p:txBody>
       </p:sp>
@@ -1522,7 +1729,7 @@
           <a:p>
             <a:fld id="{0DF56419-AC34-45D0-BAB8-5A4CB1E563BF}" type="slidenum">
               <a:rPr lang="en-US" smtClean="0"/>
-              <a:t>17</a:t>
+              <a:t>18</a:t>
             </a:fld>
             <a:endParaRPr lang="en-US"/>
           </a:p>
@@ -1532,6 +1739,186 @@
     <p:extLst>
       <p:ext uri="{BB962C8B-B14F-4D97-AF65-F5344CB8AC3E}">
         <p14:creationId xmlns:p14="http://schemas.microsoft.com/office/powerpoint/2010/main" val="4207004726"/>
+      </p:ext>
+    </p:extLst>
+  </p:cSld>
+  <p:clrMapOvr>
+    <a:masterClrMapping/>
+  </p:clrMapOvr>
+</p:notes>
+</file>
+
+<file path=ppt/notesSlides/notesSlide9.xml><?xml version="1.0" encoding="utf-8"?>
+<p:notes xmlns:a="http://schemas.openxmlformats.org/drawingml/2006/main" xmlns:r="http://schemas.openxmlformats.org/officeDocument/2006/relationships" xmlns:p="http://schemas.openxmlformats.org/presentationml/2006/main">
+  <p:cSld>
+    <p:spTree>
+      <p:nvGrpSpPr>
+        <p:cNvPr id="1" name=""/>
+        <p:cNvGrpSpPr/>
+        <p:nvPr/>
+      </p:nvGrpSpPr>
+      <p:grpSpPr>
+        <a:xfrm>
+          <a:off x="0" y="0"/>
+          <a:ext cx="0" cy="0"/>
+          <a:chOff x="0" y="0"/>
+          <a:chExt cx="0" cy="0"/>
+        </a:xfrm>
+      </p:grpSpPr>
+      <p:sp>
+        <p:nvSpPr>
+          <p:cNvPr id="2" name="Slide Image Placeholder 1"/>
+          <p:cNvSpPr>
+            <a:spLocks noGrp="1" noRot="1" noChangeAspect="1"/>
+          </p:cNvSpPr>
+          <p:nvPr>
+            <p:ph type="sldImg"/>
+          </p:nvPr>
+        </p:nvSpPr>
+        <p:spPr/>
+      </p:sp>
+      <p:sp>
+        <p:nvSpPr>
+          <p:cNvPr id="3" name="Notes Placeholder 2"/>
+          <p:cNvSpPr>
+            <a:spLocks noGrp="1"/>
+          </p:cNvSpPr>
+          <p:nvPr>
+            <p:ph type="body" idx="1"/>
+          </p:nvPr>
+        </p:nvSpPr>
+        <p:spPr/>
+        <p:txBody>
+          <a:bodyPr/>
+          <a:lstStyle/>
+          <a:p>
+            <a:r>
+              <a:rPr lang="nl-BE" dirty="0" err="1" smtClean="0"/>
+              <a:t>toJS</a:t>
+            </a:r>
+            <a:r>
+              <a:rPr lang="nl-BE" dirty="0" smtClean="0"/>
+              <a:t>: je object heeft geen </a:t>
+            </a:r>
+            <a:r>
+              <a:rPr lang="nl-BE" dirty="0" err="1" smtClean="0"/>
+              <a:t>observables</a:t>
+            </a:r>
+            <a:r>
+              <a:rPr lang="nl-BE" baseline="0" dirty="0" smtClean="0"/>
+              <a:t> meer, het is een normaal JS object</a:t>
+            </a:r>
+          </a:p>
+          <a:p>
+            <a:r>
+              <a:rPr lang="nl-BE" baseline="0" dirty="0" err="1" smtClean="0"/>
+              <a:t>toJSON</a:t>
+            </a:r>
+            <a:r>
+              <a:rPr lang="nl-BE" baseline="0" dirty="0" smtClean="0"/>
+              <a:t>: doet intern eerst een call naar </a:t>
+            </a:r>
+            <a:r>
+              <a:rPr lang="nl-BE" baseline="0" dirty="0" err="1" smtClean="0"/>
+              <a:t>toJS</a:t>
+            </a:r>
+            <a:r>
+              <a:rPr lang="nl-BE" baseline="0" dirty="0" smtClean="0"/>
+              <a:t>, </a:t>
+            </a:r>
+            <a:r>
+              <a:rPr lang="nl-BE" baseline="0" dirty="0" err="1" smtClean="0"/>
+              <a:t>serializeert</a:t>
+            </a:r>
+            <a:r>
+              <a:rPr lang="nl-BE" baseline="0" dirty="0" smtClean="0"/>
+              <a:t> dan naar een JSON string</a:t>
+            </a:r>
+          </a:p>
+          <a:p>
+            <a:r>
+              <a:rPr lang="nl-BE" baseline="0" dirty="0" smtClean="0"/>
+              <a:t>Alle members worden geëvalueerd, ook </a:t>
+            </a:r>
+            <a:r>
+              <a:rPr lang="nl-BE" baseline="0" dirty="0" err="1" smtClean="0"/>
+              <a:t>computed</a:t>
+            </a:r>
+            <a:r>
+              <a:rPr lang="nl-BE" baseline="0" dirty="0" smtClean="0"/>
+              <a:t> </a:t>
+            </a:r>
+            <a:r>
+              <a:rPr lang="nl-BE" baseline="0" dirty="0" err="1" smtClean="0"/>
+              <a:t>observables</a:t>
+            </a:r>
+            <a:r>
+              <a:rPr lang="nl-BE" baseline="0" dirty="0" smtClean="0"/>
+              <a:t>, non-</a:t>
+            </a:r>
+            <a:r>
+              <a:rPr lang="nl-BE" baseline="0" dirty="0" err="1" smtClean="0"/>
+              <a:t>observables</a:t>
+            </a:r>
+            <a:r>
+              <a:rPr lang="nl-BE" baseline="0" dirty="0" smtClean="0"/>
+              <a:t>, </a:t>
+            </a:r>
+            <a:r>
+              <a:rPr lang="nl-BE" baseline="0" dirty="0" err="1" smtClean="0"/>
+              <a:t>observable</a:t>
+            </a:r>
+            <a:r>
+              <a:rPr lang="nl-BE" baseline="0" dirty="0" smtClean="0"/>
+              <a:t> arrays, </a:t>
+            </a:r>
+            <a:r>
+              <a:rPr lang="nl-BE" baseline="0" dirty="0" err="1" smtClean="0"/>
+              <a:t>child</a:t>
+            </a:r>
+            <a:r>
+              <a:rPr lang="nl-BE" baseline="0" dirty="0" smtClean="0"/>
+              <a:t> </a:t>
+            </a:r>
+            <a:r>
+              <a:rPr lang="nl-BE" baseline="0" dirty="0" err="1" smtClean="0"/>
+              <a:t>viewmodels</a:t>
+            </a:r>
+            <a:r>
+              <a:rPr lang="nl-BE" baseline="0" dirty="0" smtClean="0"/>
+              <a:t>, enz.</a:t>
+            </a:r>
+            <a:endParaRPr lang="en-US" dirty="0"/>
+          </a:p>
+        </p:txBody>
+      </p:sp>
+      <p:sp>
+        <p:nvSpPr>
+          <p:cNvPr id="4" name="Slide Number Placeholder 3"/>
+          <p:cNvSpPr>
+            <a:spLocks noGrp="1"/>
+          </p:cNvSpPr>
+          <p:nvPr>
+            <p:ph type="sldNum" sz="quarter" idx="10"/>
+          </p:nvPr>
+        </p:nvSpPr>
+        <p:spPr/>
+        <p:txBody>
+          <a:bodyPr/>
+          <a:lstStyle/>
+          <a:p>
+            <a:fld id="{0DF56419-AC34-45D0-BAB8-5A4CB1E563BF}" type="slidenum">
+              <a:rPr lang="en-US" smtClean="0"/>
+              <a:t>20</a:t>
+            </a:fld>
+            <a:endParaRPr lang="en-US"/>
+          </a:p>
+        </p:txBody>
+      </p:sp>
+    </p:spTree>
+    <p:extLst>
+      <p:ext uri="{BB962C8B-B14F-4D97-AF65-F5344CB8AC3E}">
+        <p14:creationId xmlns:p14="http://schemas.microsoft.com/office/powerpoint/2010/main" val="2104542335"/>
       </p:ext>
     </p:extLst>
   </p:cSld>
@@ -4487,6 +4874,97 @@
           <a:p>
             <a:r>
               <a:rPr lang="nl-BE" dirty="0" err="1" smtClean="0"/>
+              <a:t>RequireJS</a:t>
+            </a:r>
+            <a:r>
+              <a:rPr lang="nl-BE" dirty="0" smtClean="0"/>
+              <a:t>: </a:t>
+            </a:r>
+            <a:r>
+              <a:rPr lang="nl-BE" dirty="0" err="1" smtClean="0"/>
+              <a:t>configuration</a:t>
+            </a:r>
+            <a:endParaRPr lang="en-US" dirty="0"/>
+          </a:p>
+        </p:txBody>
+      </p:sp>
+      <p:sp>
+        <p:nvSpPr>
+          <p:cNvPr id="3" name="Content Placeholder 2"/>
+          <p:cNvSpPr>
+            <a:spLocks noGrp="1"/>
+          </p:cNvSpPr>
+          <p:nvPr>
+            <p:ph idx="1"/>
+          </p:nvPr>
+        </p:nvSpPr>
+        <p:spPr/>
+        <p:txBody>
+          <a:bodyPr/>
+          <a:lstStyle/>
+          <a:p>
+            <a:r>
+              <a:rPr lang="nl-BE" dirty="0" err="1" smtClean="0"/>
+              <a:t>Paths</a:t>
+            </a:r>
+            <a:endParaRPr lang="nl-BE" dirty="0" smtClean="0"/>
+          </a:p>
+          <a:p>
+            <a:r>
+              <a:rPr lang="nl-BE" dirty="0" err="1" smtClean="0"/>
+              <a:t>Shims</a:t>
+            </a:r>
+            <a:endParaRPr lang="en-US" dirty="0"/>
+          </a:p>
+        </p:txBody>
+      </p:sp>
+    </p:spTree>
+    <p:extLst>
+      <p:ext uri="{BB962C8B-B14F-4D97-AF65-F5344CB8AC3E}">
+        <p14:creationId xmlns:p14="http://schemas.microsoft.com/office/powerpoint/2010/main" val="260793513"/>
+      </p:ext>
+    </p:extLst>
+  </p:cSld>
+  <p:clrMapOvr>
+    <a:masterClrMapping/>
+  </p:clrMapOvr>
+</p:sld>
+</file>
+
+<file path=ppt/slides/slide11.xml><?xml version="1.0" encoding="utf-8"?>
+<p:sld xmlns:a="http://schemas.openxmlformats.org/drawingml/2006/main" xmlns:r="http://schemas.openxmlformats.org/officeDocument/2006/relationships" xmlns:p="http://schemas.openxmlformats.org/presentationml/2006/main">
+  <p:cSld>
+    <p:spTree>
+      <p:nvGrpSpPr>
+        <p:cNvPr id="1" name=""/>
+        <p:cNvGrpSpPr/>
+        <p:nvPr/>
+      </p:nvGrpSpPr>
+      <p:grpSpPr>
+        <a:xfrm>
+          <a:off x="0" y="0"/>
+          <a:ext cx="0" cy="0"/>
+          <a:chOff x="0" y="0"/>
+          <a:chExt cx="0" cy="0"/>
+        </a:xfrm>
+      </p:grpSpPr>
+      <p:sp>
+        <p:nvSpPr>
+          <p:cNvPr id="2" name="Title 1"/>
+          <p:cNvSpPr>
+            <a:spLocks noGrp="1"/>
+          </p:cNvSpPr>
+          <p:nvPr>
+            <p:ph type="title"/>
+          </p:nvPr>
+        </p:nvSpPr>
+        <p:spPr/>
+        <p:txBody>
+          <a:bodyPr/>
+          <a:lstStyle/>
+          <a:p>
+            <a:r>
+              <a:rPr lang="nl-BE" dirty="0" err="1" smtClean="0"/>
               <a:t>Knockout</a:t>
             </a:r>
             <a:endParaRPr lang="en-US" dirty="0"/>
@@ -4525,7 +5003,7 @@
 </p:sld>
 </file>
 
-<file path=ppt/slides/slide11.xml><?xml version="1.0" encoding="utf-8"?>
+<file path=ppt/slides/slide12.xml><?xml version="1.0" encoding="utf-8"?>
 <p:sld xmlns:a="http://schemas.openxmlformats.org/drawingml/2006/main" xmlns:r="http://schemas.openxmlformats.org/officeDocument/2006/relationships" xmlns:p="http://schemas.openxmlformats.org/presentationml/2006/main">
   <p:cSld>
     <p:spTree>
@@ -4962,7 +5440,7 @@
 </p:sld>
 </file>
 
-<file path=ppt/slides/slide12.xml><?xml version="1.0" encoding="utf-8"?>
+<file path=ppt/slides/slide13.xml><?xml version="1.0" encoding="utf-8"?>
 <p:sld xmlns:a="http://schemas.openxmlformats.org/drawingml/2006/main" xmlns:r="http://schemas.openxmlformats.org/officeDocument/2006/relationships" xmlns:p="http://schemas.openxmlformats.org/presentationml/2006/main">
   <p:cSld>
     <p:spTree>
@@ -5136,7 +5614,7 @@
 </p:sld>
 </file>
 
-<file path=ppt/slides/slide13.xml><?xml version="1.0" encoding="utf-8"?>
+<file path=ppt/slides/slide14.xml><?xml version="1.0" encoding="utf-8"?>
 <p:sld xmlns:a="http://schemas.openxmlformats.org/drawingml/2006/main" xmlns:r="http://schemas.openxmlformats.org/officeDocument/2006/relationships" xmlns:p="http://schemas.openxmlformats.org/presentationml/2006/main">
   <p:cSld>
     <p:spTree>
@@ -5291,7 +5769,7 @@
 </p:sld>
 </file>
 
-<file path=ppt/slides/slide14.xml><?xml version="1.0" encoding="utf-8"?>
+<file path=ppt/slides/slide15.xml><?xml version="1.0" encoding="utf-8"?>
 <p:sld xmlns:a="http://schemas.openxmlformats.org/drawingml/2006/main" xmlns:r="http://schemas.openxmlformats.org/officeDocument/2006/relationships" xmlns:p="http://schemas.openxmlformats.org/presentationml/2006/main">
   <p:cSld>
     <p:spTree>
@@ -5428,7 +5906,7 @@
 </p:sld>
 </file>
 
-<file path=ppt/slides/slide15.xml><?xml version="1.0" encoding="utf-8"?>
+<file path=ppt/slides/slide16.xml><?xml version="1.0" encoding="utf-8"?>
 <p:sld xmlns:a="http://schemas.openxmlformats.org/drawingml/2006/main" xmlns:r="http://schemas.openxmlformats.org/officeDocument/2006/relationships" xmlns:p="http://schemas.openxmlformats.org/presentationml/2006/main">
   <p:cSld>
     <p:spTree>
@@ -5515,7 +5993,7 @@
 </p:sld>
 </file>
 
-<file path=ppt/slides/slide16.xml><?xml version="1.0" encoding="utf-8"?>
+<file path=ppt/slides/slide17.xml><?xml version="1.0" encoding="utf-8"?>
 <p:sld xmlns:a="http://schemas.openxmlformats.org/drawingml/2006/main" xmlns:r="http://schemas.openxmlformats.org/officeDocument/2006/relationships" xmlns:p="http://schemas.openxmlformats.org/presentationml/2006/main">
   <p:cSld>
     <p:spTree>
@@ -5626,7 +6104,7 @@
 </p:sld>
 </file>
 
-<file path=ppt/slides/slide17.xml><?xml version="1.0" encoding="utf-8"?>
+<file path=ppt/slides/slide18.xml><?xml version="1.0" encoding="utf-8"?>
 <p:sld xmlns:a="http://schemas.openxmlformats.org/drawingml/2006/main" xmlns:r="http://schemas.openxmlformats.org/officeDocument/2006/relationships" xmlns:p="http://schemas.openxmlformats.org/presentationml/2006/main">
   <p:cSld>
     <p:spTree>
@@ -5910,7 +6388,7 @@
 </p:sld>
 </file>
 
-<file path=ppt/slides/slide18.xml><?xml version="1.0" encoding="utf-8"?>
+<file path=ppt/slides/slide19.xml><?xml version="1.0" encoding="utf-8"?>
 <p:sld xmlns:a="http://schemas.openxmlformats.org/drawingml/2006/main" xmlns:r="http://schemas.openxmlformats.org/officeDocument/2006/relationships" xmlns:p="http://schemas.openxmlformats.org/presentationml/2006/main">
   <p:cSld>
     <p:spTree>
@@ -5958,25 +6436,32 @@
           </a:p>
         </p:txBody>
       </p:sp>
-      <p:sp>
-        <p:nvSpPr>
-          <p:cNvPr id="3" name="Content Placeholder 2"/>
-          <p:cNvSpPr>
-            <a:spLocks noGrp="1"/>
-          </p:cNvSpPr>
+      <p:pic>
+        <p:nvPicPr>
+          <p:cNvPr id="4" name="Content Placeholder 3"/>
+          <p:cNvPicPr>
+            <a:picLocks noGrp="1" noChangeAspect="1"/>
+          </p:cNvPicPr>
           <p:nvPr>
             <p:ph idx="1"/>
           </p:nvPr>
-        </p:nvSpPr>
-        <p:spPr/>
-        <p:txBody>
-          <a:bodyPr/>
-          <a:lstStyle/>
-          <a:p>
-            <a:endParaRPr lang="en-US"/>
-          </a:p>
-        </p:txBody>
-      </p:sp>
+        </p:nvPicPr>
+        <p:blipFill>
+          <a:blip r:embed="rId2"/>
+          <a:stretch>
+            <a:fillRect/>
+          </a:stretch>
+        </p:blipFill>
+        <p:spPr>
+          <a:xfrm>
+            <a:off x="838200" y="1690688"/>
+            <a:ext cx="8905738" cy="4351338"/>
+          </a:xfrm>
+          <a:prstGeom prst="rect">
+            <a:avLst/>
+          </a:prstGeom>
+        </p:spPr>
+      </p:pic>
     </p:spTree>
     <p:extLst>
       <p:ext uri="{BB962C8B-B14F-4D97-AF65-F5344CB8AC3E}">
@@ -6063,6 +6548,641 @@
     <p:extLst>
       <p:ext uri="{BB962C8B-B14F-4D97-AF65-F5344CB8AC3E}">
         <p14:creationId xmlns:p14="http://schemas.microsoft.com/office/powerpoint/2010/main" val="545992484"/>
+      </p:ext>
+    </p:extLst>
+  </p:cSld>
+  <p:clrMapOvr>
+    <a:masterClrMapping/>
+  </p:clrMapOvr>
+</p:sld>
+</file>
+
+<file path=ppt/slides/slide20.xml><?xml version="1.0" encoding="utf-8"?>
+<p:sld xmlns:a="http://schemas.openxmlformats.org/drawingml/2006/main" xmlns:r="http://schemas.openxmlformats.org/officeDocument/2006/relationships" xmlns:p="http://schemas.openxmlformats.org/presentationml/2006/main">
+  <p:cSld>
+    <p:spTree>
+      <p:nvGrpSpPr>
+        <p:cNvPr id="1" name=""/>
+        <p:cNvGrpSpPr/>
+        <p:nvPr/>
+      </p:nvGrpSpPr>
+      <p:grpSpPr>
+        <a:xfrm>
+          <a:off x="0" y="0"/>
+          <a:ext cx="0" cy="0"/>
+          <a:chOff x="0" y="0"/>
+          <a:chExt cx="0" cy="0"/>
+        </a:xfrm>
+      </p:grpSpPr>
+      <p:sp>
+        <p:nvSpPr>
+          <p:cNvPr id="2" name="Title 1"/>
+          <p:cNvSpPr>
+            <a:spLocks noGrp="1"/>
+          </p:cNvSpPr>
+          <p:nvPr>
+            <p:ph type="title"/>
+          </p:nvPr>
+        </p:nvSpPr>
+        <p:spPr/>
+        <p:txBody>
+          <a:bodyPr/>
+          <a:lstStyle/>
+          <a:p>
+            <a:r>
+              <a:rPr lang="nl-BE" dirty="0" err="1" smtClean="0"/>
+              <a:t>Knockout</a:t>
+            </a:r>
+            <a:r>
+              <a:rPr lang="nl-BE" dirty="0" smtClean="0"/>
+              <a:t>: data</a:t>
+            </a:r>
+            <a:endParaRPr lang="en-US" dirty="0"/>
+          </a:p>
+        </p:txBody>
+      </p:sp>
+      <p:sp>
+        <p:nvSpPr>
+          <p:cNvPr id="3" name="Content Placeholder 2"/>
+          <p:cNvSpPr>
+            <a:spLocks noGrp="1"/>
+          </p:cNvSpPr>
+          <p:nvPr>
+            <p:ph idx="1"/>
+          </p:nvPr>
+        </p:nvSpPr>
+        <p:spPr/>
+        <p:txBody>
+          <a:bodyPr/>
+          <a:lstStyle/>
+          <a:p>
+            <a:r>
+              <a:rPr lang="nl-BE" dirty="0" err="1" smtClean="0"/>
+              <a:t>ko.toJS</a:t>
+            </a:r>
+            <a:r>
+              <a:rPr lang="nl-BE" dirty="0" smtClean="0"/>
+              <a:t>(</a:t>
+            </a:r>
+            <a:r>
+              <a:rPr lang="nl-BE" dirty="0" err="1" smtClean="0"/>
+              <a:t>viewModel</a:t>
+            </a:r>
+            <a:r>
+              <a:rPr lang="nl-BE" dirty="0" smtClean="0"/>
+              <a:t>)</a:t>
+            </a:r>
+          </a:p>
+          <a:p>
+            <a:r>
+              <a:rPr lang="nl-BE" dirty="0" err="1" smtClean="0"/>
+              <a:t>ko.toJSON</a:t>
+            </a:r>
+            <a:r>
+              <a:rPr lang="nl-BE" dirty="0" smtClean="0"/>
+              <a:t>(</a:t>
+            </a:r>
+            <a:r>
+              <a:rPr lang="nl-BE" dirty="0" err="1" smtClean="0"/>
+              <a:t>viewModel</a:t>
+            </a:r>
+            <a:r>
+              <a:rPr lang="nl-BE" dirty="0" smtClean="0"/>
+              <a:t>)</a:t>
+            </a:r>
+          </a:p>
+          <a:p>
+            <a:endParaRPr lang="nl-BE" dirty="0"/>
+          </a:p>
+          <a:p>
+            <a:r>
+              <a:rPr lang="nl-BE" dirty="0" err="1" smtClean="0"/>
+              <a:t>Knockout</a:t>
+            </a:r>
+            <a:r>
+              <a:rPr lang="nl-BE" dirty="0" smtClean="0"/>
+              <a:t> </a:t>
+            </a:r>
+            <a:r>
+              <a:rPr lang="nl-BE" dirty="0" err="1" smtClean="0"/>
+              <a:t>mapping</a:t>
+            </a:r>
+            <a:r>
+              <a:rPr lang="nl-BE" dirty="0" smtClean="0"/>
+              <a:t> </a:t>
+            </a:r>
+            <a:r>
+              <a:rPr lang="nl-BE" dirty="0" err="1" smtClean="0"/>
+              <a:t>plugin</a:t>
+            </a:r>
+            <a:r>
+              <a:rPr lang="nl-BE" dirty="0" smtClean="0"/>
+              <a:t>:</a:t>
+            </a:r>
+          </a:p>
+          <a:p>
+            <a:pPr lvl="1"/>
+            <a:r>
+              <a:rPr lang="nl-BE" dirty="0" err="1" smtClean="0"/>
+              <a:t>ko.mapping.fromJS</a:t>
+            </a:r>
+            <a:endParaRPr lang="nl-BE" dirty="0" smtClean="0"/>
+          </a:p>
+          <a:p>
+            <a:pPr lvl="1"/>
+            <a:r>
+              <a:rPr lang="nl-BE" dirty="0" err="1" smtClean="0"/>
+              <a:t>ko.mapping.updateFromJS</a:t>
+            </a:r>
+            <a:endParaRPr lang="nl-BE" dirty="0" smtClean="0"/>
+          </a:p>
+          <a:p>
+            <a:pPr lvl="1"/>
+            <a:r>
+              <a:rPr lang="nl-BE" dirty="0" err="1" smtClean="0"/>
+              <a:t>ko.mapping.toJS</a:t>
+            </a:r>
+            <a:endParaRPr lang="nl-BE" dirty="0" smtClean="0"/>
+          </a:p>
+          <a:p>
+            <a:pPr lvl="1"/>
+            <a:r>
+              <a:rPr lang="nl-BE" dirty="0" err="1" smtClean="0"/>
+              <a:t>ko.mapping.toJSON</a:t>
+            </a:r>
+            <a:endParaRPr lang="nl-BE" dirty="0" smtClean="0"/>
+          </a:p>
+          <a:p>
+            <a:pPr lvl="1"/>
+            <a:r>
+              <a:rPr lang="nl-BE" dirty="0" err="1" smtClean="0"/>
+              <a:t>ko.mapping.fromJSON</a:t>
+            </a:r>
+            <a:endParaRPr lang="en-US" dirty="0"/>
+          </a:p>
+        </p:txBody>
+      </p:sp>
+    </p:spTree>
+    <p:extLst>
+      <p:ext uri="{BB962C8B-B14F-4D97-AF65-F5344CB8AC3E}">
+        <p14:creationId xmlns:p14="http://schemas.microsoft.com/office/powerpoint/2010/main" val="3755241706"/>
+      </p:ext>
+    </p:extLst>
+  </p:cSld>
+  <p:clrMapOvr>
+    <a:masterClrMapping/>
+  </p:clrMapOvr>
+</p:sld>
+</file>
+
+<file path=ppt/slides/slide21.xml><?xml version="1.0" encoding="utf-8"?>
+<p:sld xmlns:a="http://schemas.openxmlformats.org/drawingml/2006/main" xmlns:r="http://schemas.openxmlformats.org/officeDocument/2006/relationships" xmlns:p="http://schemas.openxmlformats.org/presentationml/2006/main">
+  <p:cSld>
+    <p:spTree>
+      <p:nvGrpSpPr>
+        <p:cNvPr id="1" name=""/>
+        <p:cNvGrpSpPr/>
+        <p:nvPr/>
+      </p:nvGrpSpPr>
+      <p:grpSpPr>
+        <a:xfrm>
+          <a:off x="0" y="0"/>
+          <a:ext cx="0" cy="0"/>
+          <a:chOff x="0" y="0"/>
+          <a:chExt cx="0" cy="0"/>
+        </a:xfrm>
+      </p:grpSpPr>
+      <p:sp>
+        <p:nvSpPr>
+          <p:cNvPr id="2" name="Title 1"/>
+          <p:cNvSpPr>
+            <a:spLocks noGrp="1"/>
+          </p:cNvSpPr>
+          <p:nvPr>
+            <p:ph type="title"/>
+          </p:nvPr>
+        </p:nvSpPr>
+        <p:spPr/>
+        <p:txBody>
+          <a:bodyPr/>
+          <a:lstStyle/>
+          <a:p>
+            <a:r>
+              <a:rPr lang="nl-BE" dirty="0" err="1" smtClean="0"/>
+              <a:t>Durandal</a:t>
+            </a:r>
+            <a:endParaRPr lang="en-US" dirty="0"/>
+          </a:p>
+        </p:txBody>
+      </p:sp>
+      <p:sp>
+        <p:nvSpPr>
+          <p:cNvPr id="3" name="Content Placeholder 2"/>
+          <p:cNvSpPr>
+            <a:spLocks noGrp="1"/>
+          </p:cNvSpPr>
+          <p:nvPr>
+            <p:ph idx="1"/>
+          </p:nvPr>
+        </p:nvSpPr>
+        <p:spPr/>
+        <p:txBody>
+          <a:bodyPr/>
+          <a:lstStyle/>
+          <a:p>
+            <a:r>
+              <a:rPr lang="nl-BE" dirty="0" err="1" smtClean="0"/>
+              <a:t>Finally</a:t>
+            </a:r>
+            <a:r>
+              <a:rPr lang="nl-BE" dirty="0" smtClean="0"/>
+              <a:t>!</a:t>
+            </a:r>
+            <a:endParaRPr lang="en-US" dirty="0"/>
+          </a:p>
+        </p:txBody>
+      </p:sp>
+    </p:spTree>
+    <p:extLst>
+      <p:ext uri="{BB962C8B-B14F-4D97-AF65-F5344CB8AC3E}">
+        <p14:creationId xmlns:p14="http://schemas.microsoft.com/office/powerpoint/2010/main" val="3685310628"/>
+      </p:ext>
+    </p:extLst>
+  </p:cSld>
+  <p:clrMapOvr>
+    <a:masterClrMapping/>
+  </p:clrMapOvr>
+</p:sld>
+</file>
+
+<file path=ppt/slides/slide22.xml><?xml version="1.0" encoding="utf-8"?>
+<p:sld xmlns:a="http://schemas.openxmlformats.org/drawingml/2006/main" xmlns:r="http://schemas.openxmlformats.org/officeDocument/2006/relationships" xmlns:p="http://schemas.openxmlformats.org/presentationml/2006/main">
+  <p:cSld>
+    <p:spTree>
+      <p:nvGrpSpPr>
+        <p:cNvPr id="1" name=""/>
+        <p:cNvGrpSpPr/>
+        <p:nvPr/>
+      </p:nvGrpSpPr>
+      <p:grpSpPr>
+        <a:xfrm>
+          <a:off x="0" y="0"/>
+          <a:ext cx="0" cy="0"/>
+          <a:chOff x="0" y="0"/>
+          <a:chExt cx="0" cy="0"/>
+        </a:xfrm>
+      </p:grpSpPr>
+      <p:sp>
+        <p:nvSpPr>
+          <p:cNvPr id="2" name="Title 1"/>
+          <p:cNvSpPr>
+            <a:spLocks noGrp="1"/>
+          </p:cNvSpPr>
+          <p:nvPr>
+            <p:ph type="title"/>
+          </p:nvPr>
+        </p:nvSpPr>
+        <p:spPr/>
+        <p:txBody>
+          <a:bodyPr/>
+          <a:lstStyle/>
+          <a:p>
+            <a:r>
+              <a:rPr lang="nl-BE" dirty="0" err="1" smtClean="0"/>
+              <a:t>Durandal</a:t>
+            </a:r>
+            <a:r>
+              <a:rPr lang="nl-BE" dirty="0" smtClean="0"/>
+              <a:t>: modules</a:t>
+            </a:r>
+            <a:endParaRPr lang="en-US" dirty="0"/>
+          </a:p>
+        </p:txBody>
+      </p:sp>
+      <p:sp>
+        <p:nvSpPr>
+          <p:cNvPr id="3" name="Content Placeholder 2"/>
+          <p:cNvSpPr>
+            <a:spLocks noGrp="1"/>
+          </p:cNvSpPr>
+          <p:nvPr>
+            <p:ph idx="1"/>
+          </p:nvPr>
+        </p:nvSpPr>
+        <p:spPr/>
+        <p:txBody>
+          <a:bodyPr/>
+          <a:lstStyle/>
+          <a:p>
+            <a:r>
+              <a:rPr lang="nl-BE" dirty="0" smtClean="0"/>
+              <a:t>AMD modules met </a:t>
+            </a:r>
+            <a:r>
+              <a:rPr lang="nl-BE" dirty="0" err="1" smtClean="0"/>
+              <a:t>RequireJS</a:t>
+            </a:r>
+            <a:endParaRPr lang="nl-BE" dirty="0" smtClean="0"/>
+          </a:p>
+          <a:p>
+            <a:r>
+              <a:rPr lang="nl-BE" dirty="0" smtClean="0"/>
+              <a:t>Iedere module krijgt een eigen </a:t>
+            </a:r>
+            <a:r>
+              <a:rPr lang="nl-BE" dirty="0" err="1" smtClean="0"/>
+              <a:t>id</a:t>
+            </a:r>
+            <a:endParaRPr lang="en-US" dirty="0"/>
+          </a:p>
+        </p:txBody>
+      </p:sp>
+    </p:spTree>
+    <p:extLst>
+      <p:ext uri="{BB962C8B-B14F-4D97-AF65-F5344CB8AC3E}">
+        <p14:creationId xmlns:p14="http://schemas.microsoft.com/office/powerpoint/2010/main" val="1210736706"/>
+      </p:ext>
+    </p:extLst>
+  </p:cSld>
+  <p:clrMapOvr>
+    <a:masterClrMapping/>
+  </p:clrMapOvr>
+</p:sld>
+</file>
+
+<file path=ppt/slides/slide23.xml><?xml version="1.0" encoding="utf-8"?>
+<p:sld xmlns:a="http://schemas.openxmlformats.org/drawingml/2006/main" xmlns:r="http://schemas.openxmlformats.org/officeDocument/2006/relationships" xmlns:p="http://schemas.openxmlformats.org/presentationml/2006/main">
+  <p:cSld>
+    <p:spTree>
+      <p:nvGrpSpPr>
+        <p:cNvPr id="1" name=""/>
+        <p:cNvGrpSpPr/>
+        <p:nvPr/>
+      </p:nvGrpSpPr>
+      <p:grpSpPr>
+        <a:xfrm>
+          <a:off x="0" y="0"/>
+          <a:ext cx="0" cy="0"/>
+          <a:chOff x="0" y="0"/>
+          <a:chExt cx="0" cy="0"/>
+        </a:xfrm>
+      </p:grpSpPr>
+      <p:sp>
+        <p:nvSpPr>
+          <p:cNvPr id="2" name="Title 1"/>
+          <p:cNvSpPr>
+            <a:spLocks noGrp="1"/>
+          </p:cNvSpPr>
+          <p:nvPr>
+            <p:ph type="title"/>
+          </p:nvPr>
+        </p:nvSpPr>
+        <p:spPr/>
+        <p:txBody>
+          <a:bodyPr/>
+          <a:lstStyle/>
+          <a:p>
+            <a:r>
+              <a:rPr lang="nl-BE" dirty="0" err="1" smtClean="0"/>
+              <a:t>Durandal</a:t>
+            </a:r>
+            <a:r>
+              <a:rPr lang="nl-BE" dirty="0" smtClean="0"/>
+              <a:t>: views</a:t>
+            </a:r>
+            <a:endParaRPr lang="en-US" dirty="0"/>
+          </a:p>
+        </p:txBody>
+      </p:sp>
+      <p:sp>
+        <p:nvSpPr>
+          <p:cNvPr id="3" name="Content Placeholder 2"/>
+          <p:cNvSpPr>
+            <a:spLocks noGrp="1"/>
+          </p:cNvSpPr>
+          <p:nvPr>
+            <p:ph idx="1"/>
+          </p:nvPr>
+        </p:nvSpPr>
+        <p:spPr/>
+        <p:txBody>
+          <a:bodyPr/>
+          <a:lstStyle/>
+          <a:p>
+            <a:r>
+              <a:rPr lang="nl-BE" dirty="0" smtClean="0"/>
+              <a:t>Gewoon html bestand</a:t>
+            </a:r>
+          </a:p>
+          <a:p>
+            <a:r>
+              <a:rPr lang="nl-BE" dirty="0" smtClean="0"/>
+              <a:t>Slechts 1 root element</a:t>
+            </a:r>
+          </a:p>
+          <a:p>
+            <a:r>
+              <a:rPr lang="nl-BE" dirty="0" smtClean="0"/>
+              <a:t>Databinding (</a:t>
+            </a:r>
+            <a:r>
+              <a:rPr lang="nl-BE" dirty="0" err="1" smtClean="0"/>
+              <a:t>Knockout</a:t>
+            </a:r>
+            <a:r>
+              <a:rPr lang="nl-BE" dirty="0" smtClean="0"/>
+              <a:t>!) verbindt view met module</a:t>
+            </a:r>
+            <a:endParaRPr lang="en-US" dirty="0"/>
+          </a:p>
+        </p:txBody>
+      </p:sp>
+    </p:spTree>
+    <p:extLst>
+      <p:ext uri="{BB962C8B-B14F-4D97-AF65-F5344CB8AC3E}">
+        <p14:creationId xmlns:p14="http://schemas.microsoft.com/office/powerpoint/2010/main" val="1784123812"/>
+      </p:ext>
+    </p:extLst>
+  </p:cSld>
+  <p:clrMapOvr>
+    <a:masterClrMapping/>
+  </p:clrMapOvr>
+</p:sld>
+</file>
+
+<file path=ppt/slides/slide24.xml><?xml version="1.0" encoding="utf-8"?>
+<p:sld xmlns:a="http://schemas.openxmlformats.org/drawingml/2006/main" xmlns:r="http://schemas.openxmlformats.org/officeDocument/2006/relationships" xmlns:p="http://schemas.openxmlformats.org/presentationml/2006/main">
+  <p:cSld>
+    <p:spTree>
+      <p:nvGrpSpPr>
+        <p:cNvPr id="1" name=""/>
+        <p:cNvGrpSpPr/>
+        <p:nvPr/>
+      </p:nvGrpSpPr>
+      <p:grpSpPr>
+        <a:xfrm>
+          <a:off x="0" y="0"/>
+          <a:ext cx="0" cy="0"/>
+          <a:chOff x="0" y="0"/>
+          <a:chExt cx="0" cy="0"/>
+        </a:xfrm>
+      </p:grpSpPr>
+      <p:sp>
+        <p:nvSpPr>
+          <p:cNvPr id="2" name="Title 1"/>
+          <p:cNvSpPr>
+            <a:spLocks noGrp="1"/>
+          </p:cNvSpPr>
+          <p:nvPr>
+            <p:ph type="title"/>
+          </p:nvPr>
+        </p:nvSpPr>
+        <p:spPr/>
+        <p:txBody>
+          <a:bodyPr/>
+          <a:lstStyle/>
+          <a:p>
+            <a:r>
+              <a:rPr lang="nl-BE" dirty="0" err="1" smtClean="0"/>
+              <a:t>Durandal</a:t>
+            </a:r>
+            <a:r>
+              <a:rPr lang="nl-BE" dirty="0" smtClean="0"/>
+              <a:t>: views en </a:t>
+            </a:r>
+            <a:r>
+              <a:rPr lang="nl-BE" dirty="0" err="1" smtClean="0"/>
+              <a:t>viewmodels</a:t>
+            </a:r>
+            <a:endParaRPr lang="en-US" dirty="0"/>
+          </a:p>
+        </p:txBody>
+      </p:sp>
+      <p:sp>
+        <p:nvSpPr>
+          <p:cNvPr id="3" name="Content Placeholder 2"/>
+          <p:cNvSpPr>
+            <a:spLocks noGrp="1"/>
+          </p:cNvSpPr>
+          <p:nvPr>
+            <p:ph idx="1"/>
+          </p:nvPr>
+        </p:nvSpPr>
+        <p:spPr/>
+        <p:txBody>
+          <a:bodyPr/>
+          <a:lstStyle/>
+          <a:p>
+            <a:r>
+              <a:rPr lang="nl-BE" dirty="0" err="1" smtClean="0"/>
+              <a:t>Convention</a:t>
+            </a:r>
+            <a:r>
+              <a:rPr lang="nl-BE" dirty="0" smtClean="0"/>
+              <a:t>:</a:t>
+            </a:r>
+          </a:p>
+          <a:p>
+            <a:pPr lvl="1"/>
+            <a:r>
+              <a:rPr lang="nl-BE" dirty="0" smtClean="0"/>
+              <a:t>customerList.js</a:t>
+            </a:r>
+          </a:p>
+          <a:p>
+            <a:pPr lvl="1"/>
+            <a:r>
+              <a:rPr lang="nl-BE" dirty="0" smtClean="0"/>
+              <a:t>customerList.html</a:t>
+            </a:r>
+            <a:endParaRPr lang="en-US" dirty="0"/>
+          </a:p>
+        </p:txBody>
+      </p:sp>
+    </p:spTree>
+    <p:extLst>
+      <p:ext uri="{BB962C8B-B14F-4D97-AF65-F5344CB8AC3E}">
+        <p14:creationId xmlns:p14="http://schemas.microsoft.com/office/powerpoint/2010/main" val="1783479636"/>
+      </p:ext>
+    </p:extLst>
+  </p:cSld>
+  <p:clrMapOvr>
+    <a:masterClrMapping/>
+  </p:clrMapOvr>
+</p:sld>
+</file>
+
+<file path=ppt/slides/slide25.xml><?xml version="1.0" encoding="utf-8"?>
+<p:sld xmlns:a="http://schemas.openxmlformats.org/drawingml/2006/main" xmlns:r="http://schemas.openxmlformats.org/officeDocument/2006/relationships" xmlns:p="http://schemas.openxmlformats.org/presentationml/2006/main">
+  <p:cSld>
+    <p:spTree>
+      <p:nvGrpSpPr>
+        <p:cNvPr id="1" name=""/>
+        <p:cNvGrpSpPr/>
+        <p:nvPr/>
+      </p:nvGrpSpPr>
+      <p:grpSpPr>
+        <a:xfrm>
+          <a:off x="0" y="0"/>
+          <a:ext cx="0" cy="0"/>
+          <a:chOff x="0" y="0"/>
+          <a:chExt cx="0" cy="0"/>
+        </a:xfrm>
+      </p:grpSpPr>
+      <p:sp>
+        <p:nvSpPr>
+          <p:cNvPr id="2" name="Title 1"/>
+          <p:cNvSpPr>
+            <a:spLocks noGrp="1"/>
+          </p:cNvSpPr>
+          <p:nvPr>
+            <p:ph type="title"/>
+          </p:nvPr>
+        </p:nvSpPr>
+        <p:spPr/>
+        <p:txBody>
+          <a:bodyPr/>
+          <a:lstStyle/>
+          <a:p>
+            <a:r>
+              <a:rPr lang="nl-BE" dirty="0" err="1" smtClean="0"/>
+              <a:t>Durandal</a:t>
+            </a:r>
+            <a:r>
+              <a:rPr lang="nl-BE" dirty="0" smtClean="0"/>
+              <a:t>: </a:t>
+            </a:r>
+            <a:r>
+              <a:rPr lang="nl-BE" smtClean="0"/>
+              <a:t>composition</a:t>
+            </a:r>
+            <a:endParaRPr lang="en-US" dirty="0"/>
+          </a:p>
+        </p:txBody>
+      </p:sp>
+      <p:sp>
+        <p:nvSpPr>
+          <p:cNvPr id="3" name="Content Placeholder 2"/>
+          <p:cNvSpPr>
+            <a:spLocks noGrp="1"/>
+          </p:cNvSpPr>
+          <p:nvPr>
+            <p:ph idx="1"/>
+          </p:nvPr>
+        </p:nvSpPr>
+        <p:spPr/>
+        <p:txBody>
+          <a:bodyPr/>
+          <a:lstStyle/>
+          <a:p>
+            <a:endParaRPr lang="en-US"/>
+          </a:p>
+        </p:txBody>
+      </p:sp>
+    </p:spTree>
+    <p:extLst>
+      <p:ext uri="{BB962C8B-B14F-4D97-AF65-F5344CB8AC3E}">
+        <p14:creationId xmlns:p14="http://schemas.microsoft.com/office/powerpoint/2010/main" val="38311739"/>
       </p:ext>
     </p:extLst>
   </p:cSld>

--- a/Durandal T4T.pptx
+++ b/Durandal T4T.pptx
@@ -5,7 +5,7 @@
     <p:sldMasterId id="2147483648" r:id="rId1"/>
   </p:sldMasterIdLst>
   <p:notesMasterIdLst>
-    <p:notesMasterId r:id="rId27"/>
+    <p:notesMasterId r:id="rId32"/>
   </p:notesMasterIdLst>
   <p:sldIdLst>
     <p:sldId id="256" r:id="rId2"/>
@@ -33,6 +33,11 @@
     <p:sldId id="278" r:id="rId24"/>
     <p:sldId id="279" r:id="rId25"/>
     <p:sldId id="280" r:id="rId26"/>
+    <p:sldId id="281" r:id="rId27"/>
+    <p:sldId id="282" r:id="rId28"/>
+    <p:sldId id="283" r:id="rId29"/>
+    <p:sldId id="284" r:id="rId30"/>
+    <p:sldId id="285" r:id="rId31"/>
   </p:sldIdLst>
   <p:sldSz cx="12192000" cy="6858000"/>
   <p:notesSz cx="6858000" cy="9144000"/>
@@ -806,6 +811,705 @@
     <p:extLst>
       <p:ext uri="{BB962C8B-B14F-4D97-AF65-F5344CB8AC3E}">
         <p14:creationId xmlns:p14="http://schemas.microsoft.com/office/powerpoint/2010/main" val="3152353316"/>
+      </p:ext>
+    </p:extLst>
+  </p:cSld>
+  <p:clrMapOvr>
+    <a:masterClrMapping/>
+  </p:clrMapOvr>
+</p:notes>
+</file>
+
+<file path=ppt/notesSlides/notesSlide12.xml><?xml version="1.0" encoding="utf-8"?>
+<p:notes xmlns:a="http://schemas.openxmlformats.org/drawingml/2006/main" xmlns:r="http://schemas.openxmlformats.org/officeDocument/2006/relationships" xmlns:p="http://schemas.openxmlformats.org/presentationml/2006/main">
+  <p:cSld>
+    <p:spTree>
+      <p:nvGrpSpPr>
+        <p:cNvPr id="1" name=""/>
+        <p:cNvGrpSpPr/>
+        <p:nvPr/>
+      </p:nvGrpSpPr>
+      <p:grpSpPr>
+        <a:xfrm>
+          <a:off x="0" y="0"/>
+          <a:ext cx="0" cy="0"/>
+          <a:chOff x="0" y="0"/>
+          <a:chExt cx="0" cy="0"/>
+        </a:xfrm>
+      </p:grpSpPr>
+      <p:sp>
+        <p:nvSpPr>
+          <p:cNvPr id="2" name="Slide Image Placeholder 1"/>
+          <p:cNvSpPr>
+            <a:spLocks noGrp="1" noRot="1" noChangeAspect="1"/>
+          </p:cNvSpPr>
+          <p:nvPr>
+            <p:ph type="sldImg"/>
+          </p:nvPr>
+        </p:nvSpPr>
+        <p:spPr/>
+      </p:sp>
+      <p:sp>
+        <p:nvSpPr>
+          <p:cNvPr id="3" name="Notes Placeholder 2"/>
+          <p:cNvSpPr>
+            <a:spLocks noGrp="1"/>
+          </p:cNvSpPr>
+          <p:nvPr>
+            <p:ph type="body" idx="1"/>
+          </p:nvPr>
+        </p:nvSpPr>
+        <p:spPr/>
+        <p:txBody>
+          <a:bodyPr/>
+          <a:lstStyle/>
+          <a:p>
+            <a:r>
+              <a:rPr lang="nl-BE" dirty="0" smtClean="0"/>
+              <a:t>Object</a:t>
+            </a:r>
+            <a:r>
+              <a:rPr lang="nl-BE" baseline="0" dirty="0" smtClean="0"/>
+              <a:t> </a:t>
+            </a:r>
+            <a:r>
+              <a:rPr lang="nl-BE" baseline="0" dirty="0" err="1" smtClean="0"/>
+              <a:t>composition</a:t>
+            </a:r>
+            <a:r>
+              <a:rPr lang="nl-BE" baseline="0" dirty="0" smtClean="0"/>
+              <a:t>: via </a:t>
+            </a:r>
+            <a:r>
+              <a:rPr lang="nl-BE" baseline="0" dirty="0" err="1" smtClean="0"/>
+              <a:t>RequireJS</a:t>
+            </a:r>
+            <a:r>
+              <a:rPr lang="nl-BE" baseline="0" dirty="0" smtClean="0"/>
+              <a:t> gewoon modules en hun afhankelijkheden</a:t>
+            </a:r>
+          </a:p>
+          <a:p>
+            <a:endParaRPr lang="en-US" dirty="0"/>
+          </a:p>
+        </p:txBody>
+      </p:sp>
+      <p:sp>
+        <p:nvSpPr>
+          <p:cNvPr id="4" name="Slide Number Placeholder 3"/>
+          <p:cNvSpPr>
+            <a:spLocks noGrp="1"/>
+          </p:cNvSpPr>
+          <p:nvPr>
+            <p:ph type="sldNum" sz="quarter" idx="10"/>
+          </p:nvPr>
+        </p:nvSpPr>
+        <p:spPr/>
+        <p:txBody>
+          <a:bodyPr/>
+          <a:lstStyle/>
+          <a:p>
+            <a:fld id="{0DF56419-AC34-45D0-BAB8-5A4CB1E563BF}" type="slidenum">
+              <a:rPr lang="en-US" smtClean="0"/>
+              <a:t>25</a:t>
+            </a:fld>
+            <a:endParaRPr lang="en-US"/>
+          </a:p>
+        </p:txBody>
+      </p:sp>
+    </p:spTree>
+    <p:extLst>
+      <p:ext uri="{BB962C8B-B14F-4D97-AF65-F5344CB8AC3E}">
+        <p14:creationId xmlns:p14="http://schemas.microsoft.com/office/powerpoint/2010/main" val="2009853299"/>
+      </p:ext>
+    </p:extLst>
+  </p:cSld>
+  <p:clrMapOvr>
+    <a:masterClrMapping/>
+  </p:clrMapOvr>
+</p:notes>
+</file>
+
+<file path=ppt/notesSlides/notesSlide13.xml><?xml version="1.0" encoding="utf-8"?>
+<p:notes xmlns:a="http://schemas.openxmlformats.org/drawingml/2006/main" xmlns:r="http://schemas.openxmlformats.org/officeDocument/2006/relationships" xmlns:p="http://schemas.openxmlformats.org/presentationml/2006/main">
+  <p:cSld>
+    <p:spTree>
+      <p:nvGrpSpPr>
+        <p:cNvPr id="1" name=""/>
+        <p:cNvGrpSpPr/>
+        <p:nvPr/>
+      </p:nvGrpSpPr>
+      <p:grpSpPr>
+        <a:xfrm>
+          <a:off x="0" y="0"/>
+          <a:ext cx="0" cy="0"/>
+          <a:chOff x="0" y="0"/>
+          <a:chExt cx="0" cy="0"/>
+        </a:xfrm>
+      </p:grpSpPr>
+      <p:sp>
+        <p:nvSpPr>
+          <p:cNvPr id="2" name="Slide Image Placeholder 1"/>
+          <p:cNvSpPr>
+            <a:spLocks noGrp="1" noRot="1" noChangeAspect="1"/>
+          </p:cNvSpPr>
+          <p:nvPr>
+            <p:ph type="sldImg"/>
+          </p:nvPr>
+        </p:nvSpPr>
+        <p:spPr/>
+      </p:sp>
+      <p:sp>
+        <p:nvSpPr>
+          <p:cNvPr id="3" name="Notes Placeholder 2"/>
+          <p:cNvSpPr>
+            <a:spLocks noGrp="1"/>
+          </p:cNvSpPr>
+          <p:nvPr>
+            <p:ph type="body" idx="1"/>
+          </p:nvPr>
+        </p:nvSpPr>
+        <p:spPr/>
+        <p:txBody>
+          <a:bodyPr/>
+          <a:lstStyle/>
+          <a:p>
+            <a:r>
+              <a:rPr lang="nl-BE" dirty="0" smtClean="0"/>
+              <a:t>1: view wordt </a:t>
+            </a:r>
+            <a:r>
+              <a:rPr lang="nl-BE" dirty="0" err="1" smtClean="0"/>
+              <a:t>gebind</a:t>
+            </a:r>
+            <a:r>
+              <a:rPr lang="nl-BE" dirty="0" smtClean="0"/>
+              <a:t> tegen huidige context</a:t>
+            </a:r>
+          </a:p>
+          <a:p>
+            <a:r>
+              <a:rPr lang="nl-BE" dirty="0" smtClean="0"/>
+              <a:t>2: </a:t>
+            </a:r>
+            <a:r>
+              <a:rPr lang="nl-BE" dirty="0" err="1" smtClean="0"/>
+              <a:t>id</a:t>
+            </a:r>
+            <a:r>
+              <a:rPr lang="nl-BE" dirty="0" smtClean="0"/>
+              <a:t> van een module</a:t>
+            </a:r>
+            <a:r>
+              <a:rPr lang="nl-BE" baseline="0" dirty="0" smtClean="0"/>
+              <a:t> (want geen view extension, bv .html)</a:t>
+            </a:r>
+            <a:r>
+              <a:rPr lang="nl-BE" dirty="0" smtClean="0"/>
+              <a:t>; module en</a:t>
+            </a:r>
+            <a:r>
+              <a:rPr lang="nl-BE" baseline="0" dirty="0" smtClean="0"/>
+              <a:t> view worden ingeladen en </a:t>
+            </a:r>
+            <a:r>
+              <a:rPr lang="nl-BE" baseline="0" dirty="0" err="1" smtClean="0"/>
+              <a:t>gebind</a:t>
+            </a:r>
+            <a:r>
+              <a:rPr lang="nl-BE" baseline="0" dirty="0" smtClean="0"/>
+              <a:t> aan elkaar</a:t>
+            </a:r>
+          </a:p>
+          <a:p>
+            <a:r>
+              <a:rPr lang="nl-BE" baseline="0" dirty="0" smtClean="0"/>
+              <a:t>3: een </a:t>
+            </a:r>
+            <a:r>
+              <a:rPr lang="nl-BE" baseline="0" dirty="0" err="1" smtClean="0"/>
+              <a:t>observable</a:t>
+            </a:r>
+            <a:r>
+              <a:rPr lang="nl-BE" baseline="0" dirty="0" smtClean="0"/>
+              <a:t>; interessant want wanneer </a:t>
+            </a:r>
+            <a:r>
+              <a:rPr lang="nl-BE" baseline="0" dirty="0" err="1" smtClean="0"/>
+              <a:t>observable</a:t>
+            </a:r>
+            <a:r>
+              <a:rPr lang="nl-BE" baseline="0" dirty="0" smtClean="0"/>
+              <a:t> verandert, verandert de DOM</a:t>
+            </a:r>
+          </a:p>
+          <a:p>
+            <a:r>
+              <a:rPr lang="nl-BE" baseline="0" dirty="0" smtClean="0"/>
+              <a:t>	indien een string</a:t>
+            </a:r>
+          </a:p>
+          <a:p>
+            <a:r>
+              <a:rPr lang="nl-BE" baseline="0" dirty="0" smtClean="0"/>
+              <a:t>		met view extension: view wordt ingeladen en </a:t>
+            </a:r>
+            <a:r>
+              <a:rPr lang="nl-BE" baseline="0" dirty="0" err="1" smtClean="0"/>
+              <a:t>gebind</a:t>
+            </a:r>
+            <a:r>
+              <a:rPr lang="nl-BE" baseline="0" dirty="0" smtClean="0"/>
+              <a:t> aan huidige context</a:t>
+            </a:r>
+          </a:p>
+          <a:p>
+            <a:r>
+              <a:rPr lang="nl-BE" baseline="0" dirty="0" smtClean="0"/>
+              <a:t>		indien een </a:t>
+            </a:r>
+            <a:r>
+              <a:rPr lang="nl-BE" baseline="0" dirty="0" err="1" smtClean="0"/>
+              <a:t>moduleid</a:t>
+            </a:r>
+            <a:r>
+              <a:rPr lang="nl-BE" baseline="0" dirty="0" smtClean="0"/>
+              <a:t>: module en view worden ingeladen en </a:t>
+            </a:r>
+            <a:r>
+              <a:rPr lang="nl-BE" baseline="0" dirty="0" err="1" smtClean="0"/>
+              <a:t>gebind</a:t>
+            </a:r>
+            <a:r>
+              <a:rPr lang="nl-BE" baseline="0" dirty="0" smtClean="0"/>
+              <a:t> aan elkaar</a:t>
+            </a:r>
+          </a:p>
+          <a:p>
+            <a:r>
+              <a:rPr lang="nl-BE" baseline="0" dirty="0" smtClean="0"/>
+              <a:t>	indien een object</a:t>
+            </a:r>
+          </a:p>
+          <a:p>
+            <a:r>
+              <a:rPr lang="nl-BE" baseline="0" dirty="0" smtClean="0"/>
+              <a:t>		bijpassende view wordt opgezocht, beiden worden aan elkaar </a:t>
+            </a:r>
+            <a:r>
+              <a:rPr lang="nl-BE" baseline="0" dirty="0" err="1" smtClean="0"/>
+              <a:t>gebind</a:t>
+            </a:r>
+            <a:endParaRPr lang="nl-BE" baseline="0" dirty="0" smtClean="0"/>
+          </a:p>
+          <a:p>
+            <a:r>
+              <a:rPr lang="nl-BE" baseline="0" dirty="0" smtClean="0"/>
+              <a:t>	indien een </a:t>
+            </a:r>
+            <a:r>
+              <a:rPr lang="nl-BE" baseline="0" dirty="0" err="1" smtClean="0"/>
+              <a:t>function</a:t>
+            </a:r>
+            <a:endParaRPr lang="nl-BE" baseline="0" dirty="0" smtClean="0"/>
+          </a:p>
+          <a:p>
+            <a:r>
+              <a:rPr lang="nl-BE" baseline="0" dirty="0" smtClean="0"/>
+              <a:t>		</a:t>
+            </a:r>
+            <a:r>
+              <a:rPr lang="nl-BE" baseline="0" dirty="0" err="1" smtClean="0"/>
+              <a:t>function</a:t>
+            </a:r>
+            <a:r>
+              <a:rPr lang="nl-BE" baseline="0" dirty="0" smtClean="0"/>
+              <a:t> wordt opgeroepen met new, view wordt gezocht voor object, binding</a:t>
+            </a:r>
+          </a:p>
+          <a:p>
+            <a:endParaRPr lang="nl-BE" baseline="0" dirty="0" smtClean="0"/>
+          </a:p>
+          <a:p>
+            <a:r>
+              <a:rPr lang="nl-BE" baseline="0" dirty="0" err="1" smtClean="0"/>
+              <a:t>Compose</a:t>
+            </a:r>
+            <a:r>
+              <a:rPr lang="nl-BE" baseline="0" dirty="0" smtClean="0"/>
+              <a:t> met object met view en/of model property: werkt in het algemeen zoals je zou verwachten</a:t>
+            </a:r>
+          </a:p>
+          <a:p>
+            <a:endParaRPr lang="nl-BE" baseline="0" dirty="0" smtClean="0"/>
+          </a:p>
+          <a:p>
+            <a:r>
+              <a:rPr lang="nl-BE" baseline="0" dirty="0" smtClean="0"/>
+              <a:t>Indien er iets niet lukt (bv geen view gevonden,…) </a:t>
+            </a:r>
+            <a:r>
+              <a:rPr lang="nl-BE" baseline="0" dirty="0" smtClean="0">
+                <a:sym typeface="Wingdings" panose="05000000000000000000" pitchFamily="2" charset="2"/>
+              </a:rPr>
+              <a:t> er zal niks in de DOM te zien zijn</a:t>
+            </a:r>
+            <a:endParaRPr lang="nl-BE" baseline="0" dirty="0" smtClean="0"/>
+          </a:p>
+        </p:txBody>
+      </p:sp>
+      <p:sp>
+        <p:nvSpPr>
+          <p:cNvPr id="4" name="Slide Number Placeholder 3"/>
+          <p:cNvSpPr>
+            <a:spLocks noGrp="1"/>
+          </p:cNvSpPr>
+          <p:nvPr>
+            <p:ph type="sldNum" sz="quarter" idx="10"/>
+          </p:nvPr>
+        </p:nvSpPr>
+        <p:spPr/>
+        <p:txBody>
+          <a:bodyPr/>
+          <a:lstStyle/>
+          <a:p>
+            <a:fld id="{0DF56419-AC34-45D0-BAB8-5A4CB1E563BF}" type="slidenum">
+              <a:rPr lang="en-US" smtClean="0"/>
+              <a:t>26</a:t>
+            </a:fld>
+            <a:endParaRPr lang="en-US"/>
+          </a:p>
+        </p:txBody>
+      </p:sp>
+    </p:spTree>
+    <p:extLst>
+      <p:ext uri="{BB962C8B-B14F-4D97-AF65-F5344CB8AC3E}">
+        <p14:creationId xmlns:p14="http://schemas.microsoft.com/office/powerpoint/2010/main" val="2510050687"/>
+      </p:ext>
+    </p:extLst>
+  </p:cSld>
+  <p:clrMapOvr>
+    <a:masterClrMapping/>
+  </p:clrMapOvr>
+</p:notes>
+</file>
+
+<file path=ppt/notesSlides/notesSlide14.xml><?xml version="1.0" encoding="utf-8"?>
+<p:notes xmlns:a="http://schemas.openxmlformats.org/drawingml/2006/main" xmlns:r="http://schemas.openxmlformats.org/officeDocument/2006/relationships" xmlns:p="http://schemas.openxmlformats.org/presentationml/2006/main">
+  <p:cSld>
+    <p:spTree>
+      <p:nvGrpSpPr>
+        <p:cNvPr id="1" name=""/>
+        <p:cNvGrpSpPr/>
+        <p:nvPr/>
+      </p:nvGrpSpPr>
+      <p:grpSpPr>
+        <a:xfrm>
+          <a:off x="0" y="0"/>
+          <a:ext cx="0" cy="0"/>
+          <a:chOff x="0" y="0"/>
+          <a:chExt cx="0" cy="0"/>
+        </a:xfrm>
+      </p:grpSpPr>
+      <p:sp>
+        <p:nvSpPr>
+          <p:cNvPr id="2" name="Slide Image Placeholder 1"/>
+          <p:cNvSpPr>
+            <a:spLocks noGrp="1" noRot="1" noChangeAspect="1"/>
+          </p:cNvSpPr>
+          <p:nvPr>
+            <p:ph type="sldImg"/>
+          </p:nvPr>
+        </p:nvSpPr>
+        <p:spPr/>
+      </p:sp>
+      <p:sp>
+        <p:nvSpPr>
+          <p:cNvPr id="3" name="Notes Placeholder 2"/>
+          <p:cNvSpPr>
+            <a:spLocks noGrp="1"/>
+          </p:cNvSpPr>
+          <p:nvPr>
+            <p:ph type="body" idx="1"/>
+          </p:nvPr>
+        </p:nvSpPr>
+        <p:spPr/>
+        <p:txBody>
+          <a:bodyPr/>
+          <a:lstStyle/>
+          <a:p>
+            <a:r>
+              <a:rPr lang="nl-BE" dirty="0" smtClean="0"/>
+              <a:t>Extra opties voor je </a:t>
+            </a:r>
+            <a:r>
+              <a:rPr lang="nl-BE" dirty="0" err="1" smtClean="0"/>
+              <a:t>compose</a:t>
+            </a:r>
+            <a:r>
+              <a:rPr lang="nl-BE" dirty="0" smtClean="0"/>
+              <a:t> binding.</a:t>
+            </a:r>
+          </a:p>
+          <a:p>
+            <a:r>
+              <a:rPr lang="nl-BE" dirty="0" err="1" smtClean="0"/>
+              <a:t>strategy</a:t>
+            </a:r>
+            <a:r>
+              <a:rPr lang="nl-BE" dirty="0" smtClean="0"/>
+              <a:t>:</a:t>
+            </a:r>
+            <a:r>
+              <a:rPr lang="nl-BE" baseline="0" dirty="0" smtClean="0"/>
+              <a:t> </a:t>
+            </a:r>
+            <a:r>
+              <a:rPr lang="nl-BE" baseline="0" dirty="0" err="1" smtClean="0"/>
+              <a:t>function</a:t>
+            </a:r>
+            <a:r>
+              <a:rPr lang="nl-BE" baseline="0" dirty="0" smtClean="0"/>
+              <a:t> om view te vinden indien niet gegeven</a:t>
+            </a:r>
+          </a:p>
+          <a:p>
+            <a:r>
+              <a:rPr lang="nl-BE" baseline="0" dirty="0" err="1" smtClean="0"/>
+              <a:t>transition</a:t>
+            </a:r>
+            <a:r>
+              <a:rPr lang="nl-BE" baseline="0" dirty="0" smtClean="0"/>
+              <a:t>: </a:t>
+            </a:r>
+            <a:r>
+              <a:rPr lang="nl-BE" baseline="0" dirty="0" err="1" smtClean="0"/>
+              <a:t>function</a:t>
+            </a:r>
+            <a:r>
+              <a:rPr lang="nl-BE" baseline="0" dirty="0" smtClean="0"/>
+              <a:t> om wijziging van views in DOM te animeren</a:t>
+            </a:r>
+          </a:p>
+          <a:p>
+            <a:r>
+              <a:rPr lang="nl-BE" baseline="0" dirty="0" err="1" smtClean="0"/>
+              <a:t>cacheViews</a:t>
+            </a:r>
+            <a:r>
+              <a:rPr lang="nl-BE" baseline="0" dirty="0" smtClean="0"/>
+              <a:t>: views worden bijgehouden en hergebruikt indien binding op hetzelfde object gebeurt</a:t>
+            </a:r>
+          </a:p>
+          <a:p>
+            <a:r>
+              <a:rPr lang="nl-BE" baseline="0" dirty="0" err="1" smtClean="0"/>
+              <a:t>activate</a:t>
+            </a:r>
+            <a:r>
+              <a:rPr lang="nl-BE" baseline="0" dirty="0" smtClean="0"/>
+              <a:t>: indien </a:t>
+            </a:r>
+            <a:r>
+              <a:rPr lang="nl-BE" baseline="0" dirty="0" err="1" smtClean="0"/>
+              <a:t>activate</a:t>
+            </a:r>
+            <a:r>
+              <a:rPr lang="nl-BE" baseline="0" dirty="0" smtClean="0"/>
+              <a:t> op je viewmodel niet </a:t>
+            </a:r>
+            <a:r>
+              <a:rPr lang="nl-BE" baseline="0" dirty="0" err="1" smtClean="0"/>
+              <a:t>gecalled</a:t>
+            </a:r>
+            <a:r>
+              <a:rPr lang="nl-BE" baseline="0" dirty="0" smtClean="0"/>
+              <a:t> moet worden (default: </a:t>
+            </a:r>
+            <a:r>
+              <a:rPr lang="nl-BE" baseline="0" dirty="0" err="1" smtClean="0"/>
+              <a:t>true</a:t>
+            </a:r>
+            <a:r>
+              <a:rPr lang="nl-BE" baseline="0" dirty="0" smtClean="0"/>
+              <a:t>)</a:t>
+            </a:r>
+          </a:p>
+          <a:p>
+            <a:endParaRPr lang="nl-BE" baseline="0" dirty="0" smtClean="0"/>
+          </a:p>
+          <a:p>
+            <a:r>
+              <a:rPr lang="nl-BE" baseline="0" dirty="0" smtClean="0"/>
+              <a:t>Veel extra mogelijkheden. De </a:t>
+            </a:r>
+            <a:r>
+              <a:rPr lang="nl-BE" baseline="0" dirty="0" err="1" smtClean="0"/>
+              <a:t>composition</a:t>
+            </a:r>
+            <a:r>
+              <a:rPr lang="nl-BE" baseline="0" dirty="0" smtClean="0"/>
+              <a:t> </a:t>
+            </a:r>
+            <a:r>
+              <a:rPr lang="nl-BE" baseline="0" dirty="0" err="1" smtClean="0"/>
+              <a:t>lifecycle</a:t>
+            </a:r>
+            <a:r>
+              <a:rPr lang="nl-BE" baseline="0" dirty="0" smtClean="0"/>
+              <a:t> laat je toe om in te pikken op de verschillende momenten van </a:t>
+            </a:r>
+            <a:r>
+              <a:rPr lang="nl-BE" baseline="0" dirty="0" err="1" smtClean="0"/>
+              <a:t>composition</a:t>
+            </a:r>
+            <a:r>
+              <a:rPr lang="nl-BE" baseline="0" dirty="0" smtClean="0"/>
+              <a:t>. Een beetje zoals ASP.NET page </a:t>
+            </a:r>
+            <a:r>
+              <a:rPr lang="nl-BE" baseline="0" dirty="0" err="1" smtClean="0"/>
+              <a:t>lifecycle</a:t>
+            </a:r>
+            <a:r>
+              <a:rPr lang="nl-BE" baseline="0" dirty="0" smtClean="0"/>
+              <a:t>. Bestaat uit:</a:t>
+            </a:r>
+            <a:endParaRPr lang="en-US" dirty="0"/>
+          </a:p>
+        </p:txBody>
+      </p:sp>
+      <p:sp>
+        <p:nvSpPr>
+          <p:cNvPr id="4" name="Slide Number Placeholder 3"/>
+          <p:cNvSpPr>
+            <a:spLocks noGrp="1"/>
+          </p:cNvSpPr>
+          <p:nvPr>
+            <p:ph type="sldNum" sz="quarter" idx="10"/>
+          </p:nvPr>
+        </p:nvSpPr>
+        <p:spPr/>
+        <p:txBody>
+          <a:bodyPr/>
+          <a:lstStyle/>
+          <a:p>
+            <a:fld id="{0DF56419-AC34-45D0-BAB8-5A4CB1E563BF}" type="slidenum">
+              <a:rPr lang="en-US" smtClean="0"/>
+              <a:t>27</a:t>
+            </a:fld>
+            <a:endParaRPr lang="en-US"/>
+          </a:p>
+        </p:txBody>
+      </p:sp>
+    </p:spTree>
+    <p:extLst>
+      <p:ext uri="{BB962C8B-B14F-4D97-AF65-F5344CB8AC3E}">
+        <p14:creationId xmlns:p14="http://schemas.microsoft.com/office/powerpoint/2010/main" val="1389305066"/>
+      </p:ext>
+    </p:extLst>
+  </p:cSld>
+  <p:clrMapOvr>
+    <a:masterClrMapping/>
+  </p:clrMapOvr>
+</p:notes>
+</file>
+
+<file path=ppt/notesSlides/notesSlide15.xml><?xml version="1.0" encoding="utf-8"?>
+<p:notes xmlns:a="http://schemas.openxmlformats.org/drawingml/2006/main" xmlns:r="http://schemas.openxmlformats.org/officeDocument/2006/relationships" xmlns:p="http://schemas.openxmlformats.org/presentationml/2006/main">
+  <p:cSld>
+    <p:spTree>
+      <p:nvGrpSpPr>
+        <p:cNvPr id="1" name=""/>
+        <p:cNvGrpSpPr/>
+        <p:nvPr/>
+      </p:nvGrpSpPr>
+      <p:grpSpPr>
+        <a:xfrm>
+          <a:off x="0" y="0"/>
+          <a:ext cx="0" cy="0"/>
+          <a:chOff x="0" y="0"/>
+          <a:chExt cx="0" cy="0"/>
+        </a:xfrm>
+      </p:grpSpPr>
+      <p:sp>
+        <p:nvSpPr>
+          <p:cNvPr id="2" name="Slide Image Placeholder 1"/>
+          <p:cNvSpPr>
+            <a:spLocks noGrp="1" noRot="1" noChangeAspect="1"/>
+          </p:cNvSpPr>
+          <p:nvPr>
+            <p:ph type="sldImg"/>
+          </p:nvPr>
+        </p:nvSpPr>
+        <p:spPr/>
+      </p:sp>
+      <p:sp>
+        <p:nvSpPr>
+          <p:cNvPr id="3" name="Notes Placeholder 2"/>
+          <p:cNvSpPr>
+            <a:spLocks noGrp="1"/>
+          </p:cNvSpPr>
+          <p:nvPr>
+            <p:ph type="body" idx="1"/>
+          </p:nvPr>
+        </p:nvSpPr>
+        <p:spPr/>
+        <p:txBody>
+          <a:bodyPr/>
+          <a:lstStyle/>
+          <a:p>
+            <a:r>
+              <a:rPr lang="nl-BE" dirty="0" err="1" smtClean="0"/>
+              <a:t>urlArgs</a:t>
+            </a:r>
+            <a:r>
+              <a:rPr lang="nl-BE" dirty="0" smtClean="0"/>
+              <a:t> worden toegevoegd</a:t>
+            </a:r>
+            <a:r>
+              <a:rPr lang="nl-BE" baseline="0" dirty="0" smtClean="0"/>
+              <a:t> aan iedere </a:t>
+            </a:r>
+            <a:r>
+              <a:rPr lang="nl-BE" baseline="0" dirty="0" err="1" smtClean="0"/>
+              <a:t>request</a:t>
+            </a:r>
+            <a:r>
+              <a:rPr lang="nl-BE" baseline="0" dirty="0" smtClean="0"/>
+              <a:t>, best niet in productie zetten</a:t>
+            </a:r>
+            <a:endParaRPr lang="en-US" dirty="0"/>
+          </a:p>
+        </p:txBody>
+      </p:sp>
+      <p:sp>
+        <p:nvSpPr>
+          <p:cNvPr id="4" name="Slide Number Placeholder 3"/>
+          <p:cNvSpPr>
+            <a:spLocks noGrp="1"/>
+          </p:cNvSpPr>
+          <p:nvPr>
+            <p:ph type="sldNum" sz="quarter" idx="10"/>
+          </p:nvPr>
+        </p:nvSpPr>
+        <p:spPr/>
+        <p:txBody>
+          <a:bodyPr/>
+          <a:lstStyle/>
+          <a:p>
+            <a:fld id="{0DF56419-AC34-45D0-BAB8-5A4CB1E563BF}" type="slidenum">
+              <a:rPr lang="en-US" smtClean="0"/>
+              <a:t>28</a:t>
+            </a:fld>
+            <a:endParaRPr lang="en-US"/>
+          </a:p>
+        </p:txBody>
+      </p:sp>
+    </p:spTree>
+    <p:extLst>
+      <p:ext uri="{BB962C8B-B14F-4D97-AF65-F5344CB8AC3E}">
+        <p14:creationId xmlns:p14="http://schemas.microsoft.com/office/powerpoint/2010/main" val="1213175449"/>
       </p:ext>
     </p:extLst>
   </p:cSld>
@@ -7153,7 +7857,7 @@
               <a:t>: </a:t>
             </a:r>
             <a:r>
-              <a:rPr lang="nl-BE" smtClean="0"/>
+              <a:rPr lang="nl-BE" dirty="0" err="1" smtClean="0"/>
               <a:t>composition</a:t>
             </a:r>
             <a:endParaRPr lang="en-US" dirty="0"/>
@@ -7175,7 +7879,26 @@
           <a:bodyPr/>
           <a:lstStyle/>
           <a:p>
-            <a:endParaRPr lang="en-US"/>
+            <a:r>
+              <a:rPr lang="nl-BE" dirty="0" smtClean="0"/>
+              <a:t>Object </a:t>
+            </a:r>
+            <a:r>
+              <a:rPr lang="nl-BE" dirty="0" err="1" smtClean="0"/>
+              <a:t>composition</a:t>
+            </a:r>
+            <a:endParaRPr lang="nl-BE" dirty="0" smtClean="0"/>
+          </a:p>
+          <a:p>
+            <a:r>
+              <a:rPr lang="nl-BE" dirty="0" smtClean="0"/>
+              <a:t>Visual </a:t>
+            </a:r>
+            <a:r>
+              <a:rPr lang="nl-BE" dirty="0" err="1" smtClean="0"/>
+              <a:t>composition</a:t>
+            </a:r>
+            <a:endParaRPr lang="en-US" dirty="0"/>
           </a:p>
         </p:txBody>
       </p:sp>
@@ -7183,6 +7906,627 @@
     <p:extLst>
       <p:ext uri="{BB962C8B-B14F-4D97-AF65-F5344CB8AC3E}">
         <p14:creationId xmlns:p14="http://schemas.microsoft.com/office/powerpoint/2010/main" val="38311739"/>
+      </p:ext>
+    </p:extLst>
+  </p:cSld>
+  <p:clrMapOvr>
+    <a:masterClrMapping/>
+  </p:clrMapOvr>
+</p:sld>
+</file>
+
+<file path=ppt/slides/slide26.xml><?xml version="1.0" encoding="utf-8"?>
+<p:sld xmlns:a="http://schemas.openxmlformats.org/drawingml/2006/main" xmlns:r="http://schemas.openxmlformats.org/officeDocument/2006/relationships" xmlns:p="http://schemas.openxmlformats.org/presentationml/2006/main">
+  <p:cSld>
+    <p:spTree>
+      <p:nvGrpSpPr>
+        <p:cNvPr id="1" name=""/>
+        <p:cNvGrpSpPr/>
+        <p:nvPr/>
+      </p:nvGrpSpPr>
+      <p:grpSpPr>
+        <a:xfrm>
+          <a:off x="0" y="0"/>
+          <a:ext cx="0" cy="0"/>
+          <a:chOff x="0" y="0"/>
+          <a:chExt cx="0" cy="0"/>
+        </a:xfrm>
+      </p:grpSpPr>
+      <p:sp>
+        <p:nvSpPr>
+          <p:cNvPr id="2" name="Title 1"/>
+          <p:cNvSpPr>
+            <a:spLocks noGrp="1"/>
+          </p:cNvSpPr>
+          <p:nvPr>
+            <p:ph type="title"/>
+          </p:nvPr>
+        </p:nvSpPr>
+        <p:spPr/>
+        <p:txBody>
+          <a:bodyPr/>
+          <a:lstStyle/>
+          <a:p>
+            <a:r>
+              <a:rPr lang="nl-BE" dirty="0" err="1" smtClean="0"/>
+              <a:t>Durandal</a:t>
+            </a:r>
+            <a:r>
+              <a:rPr lang="nl-BE" dirty="0" smtClean="0"/>
+              <a:t>: </a:t>
+            </a:r>
+            <a:r>
+              <a:rPr lang="nl-BE" dirty="0" err="1" smtClean="0"/>
+              <a:t>visual</a:t>
+            </a:r>
+            <a:r>
+              <a:rPr lang="nl-BE" dirty="0" smtClean="0"/>
+              <a:t> </a:t>
+            </a:r>
+            <a:r>
+              <a:rPr lang="nl-BE" dirty="0" err="1" smtClean="0"/>
+              <a:t>composition</a:t>
+            </a:r>
+            <a:endParaRPr lang="en-US" dirty="0"/>
+          </a:p>
+        </p:txBody>
+      </p:sp>
+      <p:pic>
+        <p:nvPicPr>
+          <p:cNvPr id="6" name="Picture 5"/>
+          <p:cNvPicPr>
+            <a:picLocks noChangeAspect="1"/>
+          </p:cNvPicPr>
+          <p:nvPr/>
+        </p:nvPicPr>
+        <p:blipFill>
+          <a:blip r:embed="rId3"/>
+          <a:stretch>
+            <a:fillRect/>
+          </a:stretch>
+        </p:blipFill>
+        <p:spPr>
+          <a:xfrm>
+            <a:off x="838200" y="1825625"/>
+            <a:ext cx="10782300" cy="1495425"/>
+          </a:xfrm>
+          <a:prstGeom prst="rect">
+            <a:avLst/>
+          </a:prstGeom>
+        </p:spPr>
+      </p:pic>
+      <p:sp>
+        <p:nvSpPr>
+          <p:cNvPr id="8" name="Content Placeholder 7"/>
+          <p:cNvSpPr>
+            <a:spLocks noGrp="1"/>
+          </p:cNvSpPr>
+          <p:nvPr>
+            <p:ph idx="1"/>
+          </p:nvPr>
+        </p:nvSpPr>
+        <p:spPr/>
+        <p:txBody>
+          <a:bodyPr/>
+          <a:lstStyle/>
+          <a:p>
+            <a:endParaRPr lang="en-US" dirty="0"/>
+          </a:p>
+        </p:txBody>
+      </p:sp>
+      <p:pic>
+        <p:nvPicPr>
+          <p:cNvPr id="9" name="Picture 8"/>
+          <p:cNvPicPr>
+            <a:picLocks noChangeAspect="1"/>
+          </p:cNvPicPr>
+          <p:nvPr/>
+        </p:nvPicPr>
+        <p:blipFill>
+          <a:blip r:embed="rId4"/>
+          <a:stretch>
+            <a:fillRect/>
+          </a:stretch>
+        </p:blipFill>
+        <p:spPr>
+          <a:xfrm>
+            <a:off x="847725" y="4001294"/>
+            <a:ext cx="10506075" cy="2028825"/>
+          </a:xfrm>
+          <a:prstGeom prst="rect">
+            <a:avLst/>
+          </a:prstGeom>
+        </p:spPr>
+      </p:pic>
+    </p:spTree>
+    <p:extLst>
+      <p:ext uri="{BB962C8B-B14F-4D97-AF65-F5344CB8AC3E}">
+        <p14:creationId xmlns:p14="http://schemas.microsoft.com/office/powerpoint/2010/main" val="3966193400"/>
+      </p:ext>
+    </p:extLst>
+  </p:cSld>
+  <p:clrMapOvr>
+    <a:masterClrMapping/>
+  </p:clrMapOvr>
+</p:sld>
+</file>
+
+<file path=ppt/slides/slide27.xml><?xml version="1.0" encoding="utf-8"?>
+<p:sld xmlns:a="http://schemas.openxmlformats.org/drawingml/2006/main" xmlns:r="http://schemas.openxmlformats.org/officeDocument/2006/relationships" xmlns:p="http://schemas.openxmlformats.org/presentationml/2006/main">
+  <p:cSld>
+    <p:spTree>
+      <p:nvGrpSpPr>
+        <p:cNvPr id="1" name=""/>
+        <p:cNvGrpSpPr/>
+        <p:nvPr/>
+      </p:nvGrpSpPr>
+      <p:grpSpPr>
+        <a:xfrm>
+          <a:off x="0" y="0"/>
+          <a:ext cx="0" cy="0"/>
+          <a:chOff x="0" y="0"/>
+          <a:chExt cx="0" cy="0"/>
+        </a:xfrm>
+      </p:grpSpPr>
+      <p:sp>
+        <p:nvSpPr>
+          <p:cNvPr id="2" name="Title 1"/>
+          <p:cNvSpPr>
+            <a:spLocks noGrp="1"/>
+          </p:cNvSpPr>
+          <p:nvPr>
+            <p:ph type="title"/>
+          </p:nvPr>
+        </p:nvSpPr>
+        <p:spPr/>
+        <p:txBody>
+          <a:bodyPr/>
+          <a:lstStyle/>
+          <a:p>
+            <a:r>
+              <a:rPr lang="nl-BE" dirty="0" err="1" smtClean="0"/>
+              <a:t>Durandal</a:t>
+            </a:r>
+            <a:r>
+              <a:rPr lang="nl-BE" dirty="0" smtClean="0"/>
+              <a:t>: </a:t>
+            </a:r>
+            <a:r>
+              <a:rPr lang="nl-BE" dirty="0" err="1" smtClean="0"/>
+              <a:t>composition</a:t>
+            </a:r>
+            <a:r>
+              <a:rPr lang="nl-BE" dirty="0" smtClean="0"/>
+              <a:t> </a:t>
+            </a:r>
+            <a:r>
+              <a:rPr lang="nl-BE" dirty="0" err="1" smtClean="0"/>
+              <a:t>extras</a:t>
+            </a:r>
+            <a:endParaRPr lang="en-US" dirty="0"/>
+          </a:p>
+        </p:txBody>
+      </p:sp>
+      <p:sp>
+        <p:nvSpPr>
+          <p:cNvPr id="3" name="Content Placeholder 2"/>
+          <p:cNvSpPr>
+            <a:spLocks noGrp="1"/>
+          </p:cNvSpPr>
+          <p:nvPr>
+            <p:ph idx="1"/>
+          </p:nvPr>
+        </p:nvSpPr>
+        <p:spPr/>
+        <p:txBody>
+          <a:bodyPr/>
+          <a:lstStyle/>
+          <a:p>
+            <a:r>
+              <a:rPr lang="nl-BE" dirty="0" err="1" smtClean="0"/>
+              <a:t>strategy</a:t>
+            </a:r>
+            <a:endParaRPr lang="nl-BE" dirty="0" smtClean="0"/>
+          </a:p>
+          <a:p>
+            <a:r>
+              <a:rPr lang="nl-BE" dirty="0" err="1"/>
+              <a:t>t</a:t>
+            </a:r>
+            <a:r>
+              <a:rPr lang="nl-BE" dirty="0" err="1" smtClean="0"/>
+              <a:t>ransition</a:t>
+            </a:r>
+            <a:endParaRPr lang="nl-BE" dirty="0" smtClean="0"/>
+          </a:p>
+          <a:p>
+            <a:r>
+              <a:rPr lang="nl-BE" dirty="0" err="1" smtClean="0"/>
+              <a:t>cacheViews</a:t>
+            </a:r>
+            <a:endParaRPr lang="nl-BE" dirty="0" smtClean="0"/>
+          </a:p>
+          <a:p>
+            <a:r>
+              <a:rPr lang="nl-BE" dirty="0" err="1" smtClean="0"/>
+              <a:t>activate</a:t>
+            </a:r>
+            <a:endParaRPr lang="nl-BE" dirty="0" smtClean="0"/>
+          </a:p>
+          <a:p>
+            <a:r>
+              <a:rPr lang="nl-BE" dirty="0" err="1" smtClean="0"/>
+              <a:t>preserveContext</a:t>
+            </a:r>
+            <a:r>
+              <a:rPr lang="nl-BE" dirty="0" smtClean="0"/>
+              <a:t>, area, </a:t>
+            </a:r>
+            <a:r>
+              <a:rPr lang="nl-BE" dirty="0" err="1" smtClean="0"/>
+              <a:t>activationData</a:t>
+            </a:r>
+            <a:r>
+              <a:rPr lang="nl-BE" dirty="0" smtClean="0"/>
+              <a:t>, mode, </a:t>
+            </a:r>
+            <a:r>
+              <a:rPr lang="nl-BE" dirty="0" err="1" smtClean="0"/>
+              <a:t>hooks</a:t>
+            </a:r>
+            <a:r>
+              <a:rPr lang="nl-BE" dirty="0" smtClean="0"/>
+              <a:t>, </a:t>
+            </a:r>
+            <a:r>
+              <a:rPr lang="nl-BE" dirty="0" err="1" smtClean="0"/>
+              <a:t>whoa</a:t>
+            </a:r>
+            <a:r>
+              <a:rPr lang="nl-BE" dirty="0" smtClean="0"/>
+              <a:t>!</a:t>
+            </a:r>
+          </a:p>
+          <a:p>
+            <a:r>
+              <a:rPr lang="nl-BE" dirty="0" err="1" smtClean="0"/>
+              <a:t>composition</a:t>
+            </a:r>
+            <a:r>
+              <a:rPr lang="nl-BE" dirty="0" smtClean="0"/>
+              <a:t> </a:t>
+            </a:r>
+            <a:r>
+              <a:rPr lang="nl-BE" dirty="0" err="1" smtClean="0"/>
+              <a:t>lifecycle</a:t>
+            </a:r>
+            <a:r>
+              <a:rPr lang="nl-BE" dirty="0" smtClean="0"/>
+              <a:t>: </a:t>
+            </a:r>
+            <a:r>
+              <a:rPr lang="nl-BE" dirty="0" err="1" smtClean="0"/>
+              <a:t>getView</a:t>
+            </a:r>
+            <a:r>
+              <a:rPr lang="nl-BE" dirty="0" smtClean="0"/>
+              <a:t>, </a:t>
+            </a:r>
+            <a:r>
+              <a:rPr lang="nl-BE" dirty="0" err="1" smtClean="0"/>
+              <a:t>activate</a:t>
+            </a:r>
+            <a:r>
+              <a:rPr lang="nl-BE" dirty="0" smtClean="0"/>
+              <a:t>, binding, </a:t>
+            </a:r>
+            <a:r>
+              <a:rPr lang="nl-BE" dirty="0" err="1" smtClean="0"/>
+              <a:t>bindingComplete</a:t>
+            </a:r>
+            <a:r>
+              <a:rPr lang="nl-BE" dirty="0" smtClean="0"/>
+              <a:t>, </a:t>
+            </a:r>
+            <a:r>
+              <a:rPr lang="nl-BE" dirty="0" err="1" smtClean="0"/>
+              <a:t>attached</a:t>
+            </a:r>
+            <a:r>
+              <a:rPr lang="nl-BE" dirty="0" smtClean="0"/>
+              <a:t>, </a:t>
+            </a:r>
+            <a:r>
+              <a:rPr lang="nl-BE" dirty="0" err="1" smtClean="0"/>
+              <a:t>compositionComplete</a:t>
+            </a:r>
+            <a:r>
+              <a:rPr lang="nl-BE" dirty="0" smtClean="0"/>
+              <a:t>, </a:t>
+            </a:r>
+            <a:r>
+              <a:rPr lang="nl-BE" dirty="0" err="1" smtClean="0"/>
+              <a:t>detached</a:t>
+            </a:r>
+            <a:endParaRPr lang="en-US" dirty="0"/>
+          </a:p>
+        </p:txBody>
+      </p:sp>
+    </p:spTree>
+    <p:extLst>
+      <p:ext uri="{BB962C8B-B14F-4D97-AF65-F5344CB8AC3E}">
+        <p14:creationId xmlns:p14="http://schemas.microsoft.com/office/powerpoint/2010/main" val="3246442715"/>
+      </p:ext>
+    </p:extLst>
+  </p:cSld>
+  <p:clrMapOvr>
+    <a:masterClrMapping/>
+  </p:clrMapOvr>
+</p:sld>
+</file>
+
+<file path=ppt/slides/slide28.xml><?xml version="1.0" encoding="utf-8"?>
+<p:sld xmlns:a="http://schemas.openxmlformats.org/drawingml/2006/main" xmlns:r="http://schemas.openxmlformats.org/officeDocument/2006/relationships" xmlns:p="http://schemas.openxmlformats.org/presentationml/2006/main">
+  <p:cSld>
+    <p:spTree>
+      <p:nvGrpSpPr>
+        <p:cNvPr id="1" name=""/>
+        <p:cNvGrpSpPr/>
+        <p:nvPr/>
+      </p:nvGrpSpPr>
+      <p:grpSpPr>
+        <a:xfrm>
+          <a:off x="0" y="0"/>
+          <a:ext cx="0" cy="0"/>
+          <a:chOff x="0" y="0"/>
+          <a:chExt cx="0" cy="0"/>
+        </a:xfrm>
+      </p:grpSpPr>
+      <p:sp>
+        <p:nvSpPr>
+          <p:cNvPr id="2" name="Title 1"/>
+          <p:cNvSpPr>
+            <a:spLocks noGrp="1"/>
+          </p:cNvSpPr>
+          <p:nvPr>
+            <p:ph type="title"/>
+          </p:nvPr>
+        </p:nvSpPr>
+        <p:spPr/>
+        <p:txBody>
+          <a:bodyPr/>
+          <a:lstStyle/>
+          <a:p>
+            <a:r>
+              <a:rPr lang="nl-BE" dirty="0" err="1" smtClean="0"/>
+              <a:t>Durandal</a:t>
+            </a:r>
+            <a:r>
+              <a:rPr lang="nl-BE" dirty="0" smtClean="0"/>
+              <a:t>: </a:t>
+            </a:r>
+            <a:r>
+              <a:rPr lang="nl-BE" dirty="0" err="1" smtClean="0"/>
+              <a:t>debugging</a:t>
+            </a:r>
+            <a:endParaRPr lang="en-US" dirty="0"/>
+          </a:p>
+        </p:txBody>
+      </p:sp>
+      <p:sp>
+        <p:nvSpPr>
+          <p:cNvPr id="3" name="Content Placeholder 2"/>
+          <p:cNvSpPr>
+            <a:spLocks noGrp="1"/>
+          </p:cNvSpPr>
+          <p:nvPr>
+            <p:ph idx="1"/>
+          </p:nvPr>
+        </p:nvSpPr>
+        <p:spPr/>
+        <p:txBody>
+          <a:bodyPr/>
+          <a:lstStyle/>
+          <a:p>
+            <a:r>
+              <a:rPr lang="nl-BE" dirty="0" smtClean="0"/>
+              <a:t>Veel info in console</a:t>
+            </a:r>
+          </a:p>
+          <a:p>
+            <a:endParaRPr lang="nl-BE" dirty="0"/>
+          </a:p>
+          <a:p>
+            <a:endParaRPr lang="nl-BE" dirty="0" smtClean="0"/>
+          </a:p>
+          <a:p>
+            <a:r>
+              <a:rPr lang="nl-BE" dirty="0" smtClean="0"/>
+              <a:t>Cache </a:t>
+            </a:r>
+            <a:r>
+              <a:rPr lang="nl-BE" dirty="0" err="1" smtClean="0"/>
+              <a:t>busting</a:t>
+            </a:r>
+            <a:endParaRPr lang="en-US" dirty="0"/>
+          </a:p>
+        </p:txBody>
+      </p:sp>
+      <p:pic>
+        <p:nvPicPr>
+          <p:cNvPr id="4" name="Picture 3"/>
+          <p:cNvPicPr>
+            <a:picLocks noChangeAspect="1"/>
+          </p:cNvPicPr>
+          <p:nvPr/>
+        </p:nvPicPr>
+        <p:blipFill>
+          <a:blip r:embed="rId3"/>
+          <a:stretch>
+            <a:fillRect/>
+          </a:stretch>
+        </p:blipFill>
+        <p:spPr>
+          <a:xfrm>
+            <a:off x="838200" y="3955244"/>
+            <a:ext cx="4124325" cy="1143000"/>
+          </a:xfrm>
+          <a:prstGeom prst="rect">
+            <a:avLst/>
+          </a:prstGeom>
+        </p:spPr>
+      </p:pic>
+      <p:pic>
+        <p:nvPicPr>
+          <p:cNvPr id="5" name="Picture 4"/>
+          <p:cNvPicPr>
+            <a:picLocks noChangeAspect="1"/>
+          </p:cNvPicPr>
+          <p:nvPr/>
+        </p:nvPicPr>
+        <p:blipFill>
+          <a:blip r:embed="rId4"/>
+          <a:stretch>
+            <a:fillRect/>
+          </a:stretch>
+        </p:blipFill>
+        <p:spPr>
+          <a:xfrm>
+            <a:off x="838200" y="2417710"/>
+            <a:ext cx="7172325" cy="733425"/>
+          </a:xfrm>
+          <a:prstGeom prst="rect">
+            <a:avLst/>
+          </a:prstGeom>
+        </p:spPr>
+      </p:pic>
+      <p:pic>
+        <p:nvPicPr>
+          <p:cNvPr id="7" name="Picture 6"/>
+          <p:cNvPicPr>
+            <a:picLocks noChangeAspect="1"/>
+          </p:cNvPicPr>
+          <p:nvPr/>
+        </p:nvPicPr>
+        <p:blipFill>
+          <a:blip r:embed="rId5"/>
+          <a:stretch>
+            <a:fillRect/>
+          </a:stretch>
+        </p:blipFill>
+        <p:spPr>
+          <a:xfrm>
+            <a:off x="838200" y="5230422"/>
+            <a:ext cx="9753600" cy="990600"/>
+          </a:xfrm>
+          <a:prstGeom prst="rect">
+            <a:avLst/>
+          </a:prstGeom>
+        </p:spPr>
+      </p:pic>
+    </p:spTree>
+    <p:extLst>
+      <p:ext uri="{BB962C8B-B14F-4D97-AF65-F5344CB8AC3E}">
+        <p14:creationId xmlns:p14="http://schemas.microsoft.com/office/powerpoint/2010/main" val="982054533"/>
+      </p:ext>
+    </p:extLst>
+  </p:cSld>
+  <p:clrMapOvr>
+    <a:masterClrMapping/>
+  </p:clrMapOvr>
+</p:sld>
+</file>
+
+<file path=ppt/slides/slide29.xml><?xml version="1.0" encoding="utf-8"?>
+<p:sld xmlns:a="http://schemas.openxmlformats.org/drawingml/2006/main" xmlns:r="http://schemas.openxmlformats.org/officeDocument/2006/relationships" xmlns:p="http://schemas.openxmlformats.org/presentationml/2006/main">
+  <p:cSld>
+    <p:spTree>
+      <p:nvGrpSpPr>
+        <p:cNvPr id="1" name=""/>
+        <p:cNvGrpSpPr/>
+        <p:nvPr/>
+      </p:nvGrpSpPr>
+      <p:grpSpPr>
+        <a:xfrm>
+          <a:off x="0" y="0"/>
+          <a:ext cx="0" cy="0"/>
+          <a:chOff x="0" y="0"/>
+          <a:chExt cx="0" cy="0"/>
+        </a:xfrm>
+      </p:grpSpPr>
+      <p:sp>
+        <p:nvSpPr>
+          <p:cNvPr id="2" name="Title 1"/>
+          <p:cNvSpPr>
+            <a:spLocks noGrp="1"/>
+          </p:cNvSpPr>
+          <p:nvPr>
+            <p:ph type="title"/>
+          </p:nvPr>
+        </p:nvSpPr>
+        <p:spPr/>
+        <p:txBody>
+          <a:bodyPr/>
+          <a:lstStyle/>
+          <a:p>
+            <a:r>
+              <a:rPr lang="nl-BE" dirty="0" err="1" smtClean="0"/>
+              <a:t>Durandal</a:t>
+            </a:r>
+            <a:r>
+              <a:rPr lang="nl-BE" dirty="0" smtClean="0"/>
+              <a:t>: extra mogelijkheden</a:t>
+            </a:r>
+            <a:endParaRPr lang="en-US" dirty="0"/>
+          </a:p>
+        </p:txBody>
+      </p:sp>
+      <p:sp>
+        <p:nvSpPr>
+          <p:cNvPr id="3" name="Content Placeholder 2"/>
+          <p:cNvSpPr>
+            <a:spLocks noGrp="1"/>
+          </p:cNvSpPr>
+          <p:nvPr>
+            <p:ph idx="1"/>
+          </p:nvPr>
+        </p:nvSpPr>
+        <p:spPr/>
+        <p:txBody>
+          <a:bodyPr/>
+          <a:lstStyle/>
+          <a:p>
+            <a:r>
+              <a:rPr lang="nl-BE" dirty="0" smtClean="0"/>
+              <a:t>Eigen </a:t>
+            </a:r>
+            <a:r>
+              <a:rPr lang="nl-BE" dirty="0" err="1" smtClean="0"/>
+              <a:t>transitions</a:t>
+            </a:r>
+            <a:endParaRPr lang="nl-BE" dirty="0" smtClean="0"/>
+          </a:p>
+          <a:p>
+            <a:r>
+              <a:rPr lang="nl-BE" dirty="0" err="1" smtClean="0"/>
+              <a:t>Publish</a:t>
+            </a:r>
+            <a:r>
+              <a:rPr lang="nl-BE" dirty="0" smtClean="0"/>
+              <a:t> </a:t>
+            </a:r>
+            <a:r>
+              <a:rPr lang="nl-BE" dirty="0" err="1" smtClean="0"/>
+              <a:t>subscribe</a:t>
+            </a:r>
+            <a:endParaRPr lang="en-US" dirty="0"/>
+          </a:p>
+        </p:txBody>
+      </p:sp>
+    </p:spTree>
+    <p:extLst>
+      <p:ext uri="{BB962C8B-B14F-4D97-AF65-F5344CB8AC3E}">
+        <p14:creationId xmlns:p14="http://schemas.microsoft.com/office/powerpoint/2010/main" val="586521999"/>
       </p:ext>
     </p:extLst>
   </p:cSld>
@@ -7273,6 +8617,86 @@
     <p:extLst>
       <p:ext uri="{BB962C8B-B14F-4D97-AF65-F5344CB8AC3E}">
         <p14:creationId xmlns:p14="http://schemas.microsoft.com/office/powerpoint/2010/main" val="985917149"/>
+      </p:ext>
+    </p:extLst>
+  </p:cSld>
+  <p:clrMapOvr>
+    <a:masterClrMapping/>
+  </p:clrMapOvr>
+</p:sld>
+</file>
+
+<file path=ppt/slides/slide30.xml><?xml version="1.0" encoding="utf-8"?>
+<p:sld xmlns:a="http://schemas.openxmlformats.org/drawingml/2006/main" xmlns:r="http://schemas.openxmlformats.org/officeDocument/2006/relationships" xmlns:p="http://schemas.openxmlformats.org/presentationml/2006/main">
+  <p:cSld>
+    <p:spTree>
+      <p:nvGrpSpPr>
+        <p:cNvPr id="1" name=""/>
+        <p:cNvGrpSpPr/>
+        <p:nvPr/>
+      </p:nvGrpSpPr>
+      <p:grpSpPr>
+        <a:xfrm>
+          <a:off x="0" y="0"/>
+          <a:ext cx="0" cy="0"/>
+          <a:chOff x="0" y="0"/>
+          <a:chExt cx="0" cy="0"/>
+        </a:xfrm>
+      </p:grpSpPr>
+      <p:sp>
+        <p:nvSpPr>
+          <p:cNvPr id="2" name="Title 1"/>
+          <p:cNvSpPr>
+            <a:spLocks noGrp="1"/>
+          </p:cNvSpPr>
+          <p:nvPr>
+            <p:ph type="title"/>
+          </p:nvPr>
+        </p:nvSpPr>
+        <p:spPr/>
+        <p:txBody>
+          <a:bodyPr/>
+          <a:lstStyle/>
+          <a:p>
+            <a:r>
+              <a:rPr lang="nl-BE" dirty="0" err="1" smtClean="0"/>
+              <a:t>Durandal</a:t>
+            </a:r>
+            <a:r>
+              <a:rPr lang="nl-BE" dirty="0" smtClean="0"/>
+              <a:t>: </a:t>
+            </a:r>
+            <a:r>
+              <a:rPr lang="nl-BE" smtClean="0"/>
+              <a:t>publish-subscribe</a:t>
+            </a:r>
+            <a:endParaRPr lang="en-US" dirty="0"/>
+          </a:p>
+        </p:txBody>
+      </p:sp>
+      <p:sp>
+        <p:nvSpPr>
+          <p:cNvPr id="3" name="Content Placeholder 2"/>
+          <p:cNvSpPr>
+            <a:spLocks noGrp="1"/>
+          </p:cNvSpPr>
+          <p:nvPr>
+            <p:ph idx="1"/>
+          </p:nvPr>
+        </p:nvSpPr>
+        <p:spPr/>
+        <p:txBody>
+          <a:bodyPr/>
+          <a:lstStyle/>
+          <a:p>
+            <a:endParaRPr lang="en-US"/>
+          </a:p>
+        </p:txBody>
+      </p:sp>
+    </p:spTree>
+    <p:extLst>
+      <p:ext uri="{BB962C8B-B14F-4D97-AF65-F5344CB8AC3E}">
+        <p14:creationId xmlns:p14="http://schemas.microsoft.com/office/powerpoint/2010/main" val="87593167"/>
       </p:ext>
     </p:extLst>
   </p:cSld>

--- a/Durandal T4T.pptx
+++ b/Durandal T4T.pptx
@@ -5,7 +5,7 @@
     <p:sldMasterId id="2147483648" r:id="rId1"/>
   </p:sldMasterIdLst>
   <p:notesMasterIdLst>
-    <p:notesMasterId r:id="rId32"/>
+    <p:notesMasterId r:id="rId35"/>
   </p:notesMasterIdLst>
   <p:sldIdLst>
     <p:sldId id="256" r:id="rId2"/>
@@ -38,6 +38,9 @@
     <p:sldId id="283" r:id="rId29"/>
     <p:sldId id="284" r:id="rId30"/>
     <p:sldId id="285" r:id="rId31"/>
+    <p:sldId id="287" r:id="rId32"/>
+    <p:sldId id="288" r:id="rId33"/>
+    <p:sldId id="286" r:id="rId34"/>
   </p:sldIdLst>
   <p:sldSz cx="12192000" cy="6858000"/>
   <p:notesSz cx="6858000" cy="9144000"/>
@@ -1510,6 +1513,669 @@
     <p:extLst>
       <p:ext uri="{BB962C8B-B14F-4D97-AF65-F5344CB8AC3E}">
         <p14:creationId xmlns:p14="http://schemas.microsoft.com/office/powerpoint/2010/main" val="1213175449"/>
+      </p:ext>
+    </p:extLst>
+  </p:cSld>
+  <p:clrMapOvr>
+    <a:masterClrMapping/>
+  </p:clrMapOvr>
+</p:notes>
+</file>
+
+<file path=ppt/notesSlides/notesSlide16.xml><?xml version="1.0" encoding="utf-8"?>
+<p:notes xmlns:a="http://schemas.openxmlformats.org/drawingml/2006/main" xmlns:r="http://schemas.openxmlformats.org/officeDocument/2006/relationships" xmlns:p="http://schemas.openxmlformats.org/presentationml/2006/main">
+  <p:cSld>
+    <p:spTree>
+      <p:nvGrpSpPr>
+        <p:cNvPr id="1" name=""/>
+        <p:cNvGrpSpPr/>
+        <p:nvPr/>
+      </p:nvGrpSpPr>
+      <p:grpSpPr>
+        <a:xfrm>
+          <a:off x="0" y="0"/>
+          <a:ext cx="0" cy="0"/>
+          <a:chOff x="0" y="0"/>
+          <a:chExt cx="0" cy="0"/>
+        </a:xfrm>
+      </p:grpSpPr>
+      <p:sp>
+        <p:nvSpPr>
+          <p:cNvPr id="2" name="Slide Image Placeholder 1"/>
+          <p:cNvSpPr>
+            <a:spLocks noGrp="1" noRot="1" noChangeAspect="1"/>
+          </p:cNvSpPr>
+          <p:nvPr>
+            <p:ph type="sldImg"/>
+          </p:nvPr>
+        </p:nvSpPr>
+        <p:spPr/>
+      </p:sp>
+      <p:sp>
+        <p:nvSpPr>
+          <p:cNvPr id="3" name="Notes Placeholder 2"/>
+          <p:cNvSpPr>
+            <a:spLocks noGrp="1"/>
+          </p:cNvSpPr>
+          <p:nvPr>
+            <p:ph type="body" idx="1"/>
+          </p:nvPr>
+        </p:nvSpPr>
+        <p:spPr/>
+        <p:txBody>
+          <a:bodyPr/>
+          <a:lstStyle/>
+          <a:p>
+            <a:r>
+              <a:rPr lang="nl-BE" dirty="0" err="1" smtClean="0"/>
+              <a:t>showMessage</a:t>
+            </a:r>
+            <a:r>
+              <a:rPr lang="nl-BE" dirty="0" smtClean="0"/>
+              <a:t> voorbeeld bij</a:t>
+            </a:r>
+            <a:r>
+              <a:rPr lang="nl-BE" baseline="0" dirty="0" smtClean="0"/>
+              <a:t> verwijderen van een bier</a:t>
+            </a:r>
+          </a:p>
+          <a:p>
+            <a:r>
+              <a:rPr lang="nl-BE" baseline="0" dirty="0" smtClean="0"/>
+              <a:t>Ook mogelijk om je eigen </a:t>
+            </a:r>
+            <a:r>
+              <a:rPr lang="nl-BE" baseline="0" dirty="0" err="1" smtClean="0"/>
+              <a:t>dialog</a:t>
+            </a:r>
+            <a:r>
+              <a:rPr lang="nl-BE" baseline="0" dirty="0" smtClean="0"/>
+              <a:t> te ontwerpen voor </a:t>
+            </a:r>
+            <a:r>
+              <a:rPr lang="nl-BE" baseline="0" dirty="0" err="1" smtClean="0"/>
+              <a:t>showDialog</a:t>
+            </a:r>
+            <a:r>
+              <a:rPr lang="nl-BE" baseline="0" dirty="0" smtClean="0"/>
+              <a:t>, zie search</a:t>
+            </a:r>
+          </a:p>
+        </p:txBody>
+      </p:sp>
+      <p:sp>
+        <p:nvSpPr>
+          <p:cNvPr id="4" name="Slide Number Placeholder 3"/>
+          <p:cNvSpPr>
+            <a:spLocks noGrp="1"/>
+          </p:cNvSpPr>
+          <p:nvPr>
+            <p:ph type="sldNum" sz="quarter" idx="10"/>
+          </p:nvPr>
+        </p:nvSpPr>
+        <p:spPr/>
+        <p:txBody>
+          <a:bodyPr/>
+          <a:lstStyle/>
+          <a:p>
+            <a:fld id="{0DF56419-AC34-45D0-BAB8-5A4CB1E563BF}" type="slidenum">
+              <a:rPr lang="en-US" smtClean="0"/>
+              <a:t>29</a:t>
+            </a:fld>
+            <a:endParaRPr lang="en-US"/>
+          </a:p>
+        </p:txBody>
+      </p:sp>
+    </p:spTree>
+    <p:extLst>
+      <p:ext uri="{BB962C8B-B14F-4D97-AF65-F5344CB8AC3E}">
+        <p14:creationId xmlns:p14="http://schemas.microsoft.com/office/powerpoint/2010/main" val="3055863286"/>
+      </p:ext>
+    </p:extLst>
+  </p:cSld>
+  <p:clrMapOvr>
+    <a:masterClrMapping/>
+  </p:clrMapOvr>
+</p:notes>
+</file>
+
+<file path=ppt/notesSlides/notesSlide17.xml><?xml version="1.0" encoding="utf-8"?>
+<p:notes xmlns:a="http://schemas.openxmlformats.org/drawingml/2006/main" xmlns:r="http://schemas.openxmlformats.org/officeDocument/2006/relationships" xmlns:p="http://schemas.openxmlformats.org/presentationml/2006/main">
+  <p:cSld>
+    <p:spTree>
+      <p:nvGrpSpPr>
+        <p:cNvPr id="1" name=""/>
+        <p:cNvGrpSpPr/>
+        <p:nvPr/>
+      </p:nvGrpSpPr>
+      <p:grpSpPr>
+        <a:xfrm>
+          <a:off x="0" y="0"/>
+          <a:ext cx="0" cy="0"/>
+          <a:chOff x="0" y="0"/>
+          <a:chExt cx="0" cy="0"/>
+        </a:xfrm>
+      </p:grpSpPr>
+      <p:sp>
+        <p:nvSpPr>
+          <p:cNvPr id="2" name="Slide Image Placeholder 1"/>
+          <p:cNvSpPr>
+            <a:spLocks noGrp="1" noRot="1" noChangeAspect="1"/>
+          </p:cNvSpPr>
+          <p:nvPr>
+            <p:ph type="sldImg"/>
+          </p:nvPr>
+        </p:nvSpPr>
+        <p:spPr/>
+      </p:sp>
+      <p:sp>
+        <p:nvSpPr>
+          <p:cNvPr id="3" name="Notes Placeholder 2"/>
+          <p:cNvSpPr>
+            <a:spLocks noGrp="1"/>
+          </p:cNvSpPr>
+          <p:nvPr>
+            <p:ph type="body" idx="1"/>
+          </p:nvPr>
+        </p:nvSpPr>
+        <p:spPr/>
+        <p:txBody>
+          <a:bodyPr/>
+          <a:lstStyle/>
+          <a:p>
+            <a:r>
+              <a:rPr lang="nl-BE" dirty="0" err="1" smtClean="0"/>
+              <a:t>applicationHost</a:t>
+            </a:r>
+            <a:r>
+              <a:rPr lang="nl-BE" dirty="0" smtClean="0"/>
+              <a:t> is waar alles in gebeurt, hierin</a:t>
+            </a:r>
+            <a:r>
+              <a:rPr lang="nl-BE" baseline="0" dirty="0" smtClean="0"/>
+              <a:t> plaatst </a:t>
+            </a:r>
+            <a:r>
+              <a:rPr lang="nl-BE" baseline="0" dirty="0" err="1" smtClean="0"/>
+              <a:t>Durandal</a:t>
+            </a:r>
+            <a:r>
+              <a:rPr lang="nl-BE" baseline="0" dirty="0" smtClean="0"/>
+              <a:t> je views</a:t>
+            </a:r>
+            <a:endParaRPr lang="nl-BE" dirty="0" smtClean="0"/>
+          </a:p>
+          <a:p>
+            <a:r>
+              <a:rPr lang="nl-BE" dirty="0" smtClean="0"/>
+              <a:t>HTML die er al in staat wordt overschreven,</a:t>
+            </a:r>
+            <a:r>
+              <a:rPr lang="nl-BE" baseline="0" dirty="0" smtClean="0"/>
+              <a:t> maar kan als </a:t>
+            </a:r>
+            <a:r>
+              <a:rPr lang="nl-BE" baseline="0" dirty="0" err="1" smtClean="0"/>
+              <a:t>splashscreen</a:t>
+            </a:r>
+            <a:r>
+              <a:rPr lang="nl-BE" baseline="0" dirty="0" smtClean="0"/>
+              <a:t> dienen (deze techniek kan overal toegepast worden)</a:t>
+            </a:r>
+            <a:endParaRPr lang="en-US" dirty="0"/>
+          </a:p>
+        </p:txBody>
+      </p:sp>
+      <p:sp>
+        <p:nvSpPr>
+          <p:cNvPr id="4" name="Slide Number Placeholder 3"/>
+          <p:cNvSpPr>
+            <a:spLocks noGrp="1"/>
+          </p:cNvSpPr>
+          <p:nvPr>
+            <p:ph type="sldNum" sz="quarter" idx="10"/>
+          </p:nvPr>
+        </p:nvSpPr>
+        <p:spPr/>
+        <p:txBody>
+          <a:bodyPr/>
+          <a:lstStyle/>
+          <a:p>
+            <a:fld id="{0DF56419-AC34-45D0-BAB8-5A4CB1E563BF}" type="slidenum">
+              <a:rPr lang="en-US" smtClean="0"/>
+              <a:t>30</a:t>
+            </a:fld>
+            <a:endParaRPr lang="en-US"/>
+          </a:p>
+        </p:txBody>
+      </p:sp>
+    </p:spTree>
+    <p:extLst>
+      <p:ext uri="{BB962C8B-B14F-4D97-AF65-F5344CB8AC3E}">
+        <p14:creationId xmlns:p14="http://schemas.microsoft.com/office/powerpoint/2010/main" val="1795069426"/>
+      </p:ext>
+    </p:extLst>
+  </p:cSld>
+  <p:clrMapOvr>
+    <a:masterClrMapping/>
+  </p:clrMapOvr>
+</p:notes>
+</file>
+
+<file path=ppt/notesSlides/notesSlide18.xml><?xml version="1.0" encoding="utf-8"?>
+<p:notes xmlns:a="http://schemas.openxmlformats.org/drawingml/2006/main" xmlns:r="http://schemas.openxmlformats.org/officeDocument/2006/relationships" xmlns:p="http://schemas.openxmlformats.org/presentationml/2006/main">
+  <p:cSld>
+    <p:spTree>
+      <p:nvGrpSpPr>
+        <p:cNvPr id="1" name=""/>
+        <p:cNvGrpSpPr/>
+        <p:nvPr/>
+      </p:nvGrpSpPr>
+      <p:grpSpPr>
+        <a:xfrm>
+          <a:off x="0" y="0"/>
+          <a:ext cx="0" cy="0"/>
+          <a:chOff x="0" y="0"/>
+          <a:chExt cx="0" cy="0"/>
+        </a:xfrm>
+      </p:grpSpPr>
+      <p:sp>
+        <p:nvSpPr>
+          <p:cNvPr id="2" name="Slide Image Placeholder 1"/>
+          <p:cNvSpPr>
+            <a:spLocks noGrp="1" noRot="1" noChangeAspect="1"/>
+          </p:cNvSpPr>
+          <p:nvPr>
+            <p:ph type="sldImg"/>
+          </p:nvPr>
+        </p:nvSpPr>
+        <p:spPr/>
+      </p:sp>
+      <p:sp>
+        <p:nvSpPr>
+          <p:cNvPr id="3" name="Notes Placeholder 2"/>
+          <p:cNvSpPr>
+            <a:spLocks noGrp="1"/>
+          </p:cNvSpPr>
+          <p:nvPr>
+            <p:ph type="body" idx="1"/>
+          </p:nvPr>
+        </p:nvSpPr>
+        <p:spPr/>
+        <p:txBody>
+          <a:bodyPr/>
+          <a:lstStyle/>
+          <a:p>
+            <a:endParaRPr lang="en-US" dirty="0"/>
+          </a:p>
+        </p:txBody>
+      </p:sp>
+      <p:sp>
+        <p:nvSpPr>
+          <p:cNvPr id="4" name="Slide Number Placeholder 3"/>
+          <p:cNvSpPr>
+            <a:spLocks noGrp="1"/>
+          </p:cNvSpPr>
+          <p:nvPr>
+            <p:ph type="sldNum" sz="quarter" idx="10"/>
+          </p:nvPr>
+        </p:nvSpPr>
+        <p:spPr/>
+        <p:txBody>
+          <a:bodyPr/>
+          <a:lstStyle/>
+          <a:p>
+            <a:fld id="{0DF56419-AC34-45D0-BAB8-5A4CB1E563BF}" type="slidenum">
+              <a:rPr lang="en-US" smtClean="0"/>
+              <a:t>31</a:t>
+            </a:fld>
+            <a:endParaRPr lang="en-US"/>
+          </a:p>
+        </p:txBody>
+      </p:sp>
+    </p:spTree>
+    <p:extLst>
+      <p:ext uri="{BB962C8B-B14F-4D97-AF65-F5344CB8AC3E}">
+        <p14:creationId xmlns:p14="http://schemas.microsoft.com/office/powerpoint/2010/main" val="2754514785"/>
+      </p:ext>
+    </p:extLst>
+  </p:cSld>
+  <p:clrMapOvr>
+    <a:masterClrMapping/>
+  </p:clrMapOvr>
+</p:notes>
+</file>
+
+<file path=ppt/notesSlides/notesSlide19.xml><?xml version="1.0" encoding="utf-8"?>
+<p:notes xmlns:a="http://schemas.openxmlformats.org/drawingml/2006/main" xmlns:r="http://schemas.openxmlformats.org/officeDocument/2006/relationships" xmlns:p="http://schemas.openxmlformats.org/presentationml/2006/main">
+  <p:cSld>
+    <p:spTree>
+      <p:nvGrpSpPr>
+        <p:cNvPr id="1" name=""/>
+        <p:cNvGrpSpPr/>
+        <p:nvPr/>
+      </p:nvGrpSpPr>
+      <p:grpSpPr>
+        <a:xfrm>
+          <a:off x="0" y="0"/>
+          <a:ext cx="0" cy="0"/>
+          <a:chOff x="0" y="0"/>
+          <a:chExt cx="0" cy="0"/>
+        </a:xfrm>
+      </p:grpSpPr>
+      <p:sp>
+        <p:nvSpPr>
+          <p:cNvPr id="2" name="Slide Image Placeholder 1"/>
+          <p:cNvSpPr>
+            <a:spLocks noGrp="1" noRot="1" noChangeAspect="1"/>
+          </p:cNvSpPr>
+          <p:nvPr>
+            <p:ph type="sldImg"/>
+          </p:nvPr>
+        </p:nvSpPr>
+        <p:spPr/>
+      </p:sp>
+      <p:sp>
+        <p:nvSpPr>
+          <p:cNvPr id="3" name="Notes Placeholder 2"/>
+          <p:cNvSpPr>
+            <a:spLocks noGrp="1"/>
+          </p:cNvSpPr>
+          <p:nvPr>
+            <p:ph type="body" idx="1"/>
+          </p:nvPr>
+        </p:nvSpPr>
+        <p:spPr/>
+        <p:txBody>
+          <a:bodyPr/>
+          <a:lstStyle/>
+          <a:p>
+            <a:r>
+              <a:rPr lang="nl-BE" dirty="0" smtClean="0"/>
+              <a:t>Router </a:t>
+            </a:r>
+            <a:r>
+              <a:rPr lang="nl-BE" dirty="0" err="1" smtClean="0"/>
+              <a:t>mappings</a:t>
+            </a:r>
+            <a:r>
+              <a:rPr lang="nl-BE" dirty="0" smtClean="0"/>
+              <a:t>:</a:t>
+            </a:r>
+          </a:p>
+          <a:p>
+            <a:r>
+              <a:rPr lang="nl-BE" dirty="0" smtClean="0"/>
+              <a:t>	route:</a:t>
+            </a:r>
+            <a:r>
+              <a:rPr lang="nl-BE" baseline="0" dirty="0" smtClean="0"/>
+              <a:t> wat in de </a:t>
+            </a:r>
+            <a:r>
+              <a:rPr lang="nl-BE" baseline="0" dirty="0" err="1" smtClean="0"/>
+              <a:t>url</a:t>
+            </a:r>
+            <a:r>
+              <a:rPr lang="nl-BE" baseline="0" dirty="0" smtClean="0"/>
+              <a:t> te zien is, leeg is de default route</a:t>
+            </a:r>
+          </a:p>
+          <a:p>
+            <a:r>
+              <a:rPr lang="nl-BE" baseline="0" dirty="0" smtClean="0"/>
+              <a:t>	</a:t>
+            </a:r>
+            <a:r>
+              <a:rPr lang="nl-BE" baseline="0" dirty="0" err="1" smtClean="0"/>
+              <a:t>title</a:t>
+            </a:r>
+            <a:r>
+              <a:rPr lang="nl-BE" baseline="0" dirty="0" smtClean="0"/>
+              <a:t>: gebruikt voor </a:t>
+            </a:r>
+            <a:r>
+              <a:rPr lang="nl-BE" baseline="0" dirty="0" err="1" smtClean="0"/>
+              <a:t>document.title</a:t>
+            </a:r>
+            <a:endParaRPr lang="nl-BE" baseline="0" dirty="0" smtClean="0"/>
+          </a:p>
+          <a:p>
+            <a:r>
+              <a:rPr lang="nl-BE" baseline="0" dirty="0" smtClean="0"/>
+              <a:t>	</a:t>
+            </a:r>
+            <a:r>
+              <a:rPr lang="nl-BE" baseline="0" dirty="0" err="1" smtClean="0"/>
+              <a:t>moduleId</a:t>
+            </a:r>
+            <a:r>
+              <a:rPr lang="nl-BE" baseline="0" dirty="0" smtClean="0"/>
+              <a:t>: </a:t>
+            </a:r>
+            <a:r>
+              <a:rPr lang="nl-BE" baseline="0" dirty="0" err="1" smtClean="0"/>
+              <a:t>id</a:t>
+            </a:r>
+            <a:r>
+              <a:rPr lang="nl-BE" baseline="0" dirty="0" smtClean="0"/>
+              <a:t> van je module, ook gebruikt om viewmodel op te sporen (en daarna bijbehorende view)</a:t>
+            </a:r>
+          </a:p>
+          <a:p>
+            <a:r>
+              <a:rPr lang="nl-BE" baseline="0" dirty="0" smtClean="0"/>
+              <a:t>	</a:t>
+            </a:r>
+            <a:r>
+              <a:rPr lang="nl-BE" baseline="0" dirty="0" err="1" smtClean="0"/>
+              <a:t>nav</a:t>
+            </a:r>
+            <a:r>
+              <a:rPr lang="nl-BE" baseline="0" dirty="0" smtClean="0"/>
+              <a:t>: of het opgenomen moet worden in </a:t>
+            </a:r>
+            <a:r>
+              <a:rPr lang="nl-BE" baseline="0" dirty="0" err="1" smtClean="0"/>
+              <a:t>router.navigationModel</a:t>
+            </a:r>
+            <a:endParaRPr lang="nl-BE" baseline="0" dirty="0" smtClean="0"/>
+          </a:p>
+          <a:p>
+            <a:endParaRPr lang="nl-BE" baseline="0" dirty="0" smtClean="0"/>
+          </a:p>
+          <a:p>
+            <a:r>
+              <a:rPr lang="nl-BE" baseline="0" dirty="0" smtClean="0"/>
+              <a:t>	parameters: </a:t>
+            </a:r>
+            <a:r>
+              <a:rPr lang="nl-BE" baseline="0" dirty="0" err="1" smtClean="0"/>
+              <a:t>myRoute</a:t>
+            </a:r>
+            <a:r>
+              <a:rPr lang="nl-BE" baseline="0" dirty="0" smtClean="0"/>
+              <a:t>/:</a:t>
+            </a:r>
+            <a:r>
+              <a:rPr lang="nl-BE" baseline="0" dirty="0" err="1" smtClean="0"/>
+              <a:t>id</a:t>
+            </a:r>
+            <a:r>
+              <a:rPr lang="nl-BE" baseline="0" dirty="0" smtClean="0"/>
+              <a:t> of indien optioneel: </a:t>
+            </a:r>
+            <a:r>
+              <a:rPr lang="nl-BE" baseline="0" dirty="0" err="1" smtClean="0"/>
+              <a:t>myRoute</a:t>
+            </a:r>
+            <a:r>
+              <a:rPr lang="nl-BE" baseline="0" dirty="0" smtClean="0"/>
+              <a:t>(/:</a:t>
+            </a:r>
+            <a:r>
+              <a:rPr lang="nl-BE" baseline="0" dirty="0" err="1" smtClean="0"/>
+              <a:t>id</a:t>
+            </a:r>
+            <a:r>
+              <a:rPr lang="nl-BE" baseline="0" dirty="0" smtClean="0"/>
+              <a:t>)</a:t>
+            </a:r>
+          </a:p>
+          <a:p>
+            <a:r>
+              <a:rPr lang="nl-BE" baseline="0" dirty="0" smtClean="0"/>
+              <a:t>		meerdere parameters zijn mogelijk, volgorde wordt bewaard in </a:t>
+            </a:r>
+            <a:r>
+              <a:rPr lang="nl-BE" baseline="0" dirty="0" err="1" smtClean="0"/>
+              <a:t>activate</a:t>
+            </a:r>
+            <a:r>
+              <a:rPr lang="nl-BE" baseline="0" dirty="0" smtClean="0"/>
+              <a:t> call</a:t>
+            </a:r>
+          </a:p>
+          <a:p>
+            <a:r>
+              <a:rPr lang="nl-BE" baseline="0" dirty="0" smtClean="0"/>
+              <a:t>		</a:t>
+            </a:r>
+            <a:r>
+              <a:rPr lang="nl-BE" baseline="0" dirty="0" err="1" smtClean="0"/>
+              <a:t>queryString</a:t>
+            </a:r>
+            <a:r>
+              <a:rPr lang="nl-BE" baseline="0" dirty="0" smtClean="0"/>
+              <a:t> is laatste object in </a:t>
+            </a:r>
+            <a:r>
+              <a:rPr lang="nl-BE" baseline="0" dirty="0" err="1" smtClean="0"/>
+              <a:t>activate</a:t>
+            </a:r>
+            <a:r>
+              <a:rPr lang="nl-BE" baseline="0" dirty="0" smtClean="0"/>
+              <a:t> </a:t>
+            </a:r>
+            <a:r>
+              <a:rPr lang="nl-BE" baseline="0" dirty="0" err="1" smtClean="0"/>
+              <a:t>and</a:t>
+            </a:r>
+            <a:r>
+              <a:rPr lang="nl-BE" baseline="0" dirty="0" smtClean="0"/>
+              <a:t> is een JS object met </a:t>
+            </a:r>
+            <a:r>
+              <a:rPr lang="nl-BE" baseline="0" dirty="0" err="1" smtClean="0"/>
+              <a:t>properties</a:t>
+            </a:r>
+            <a:r>
+              <a:rPr lang="nl-BE" baseline="0" dirty="0" smtClean="0"/>
+              <a:t> volgens querystring </a:t>
+            </a:r>
+            <a:r>
+              <a:rPr lang="nl-BE" baseline="0" smtClean="0"/>
+              <a:t>keys</a:t>
+            </a:r>
+            <a:endParaRPr lang="nl-BE" baseline="0" dirty="0" smtClean="0"/>
+          </a:p>
+          <a:p>
+            <a:r>
+              <a:rPr lang="nl-BE" baseline="0" dirty="0" smtClean="0"/>
+              <a:t>	</a:t>
+            </a:r>
+            <a:r>
+              <a:rPr lang="nl-BE" baseline="0" dirty="0" err="1" smtClean="0"/>
+              <a:t>splat</a:t>
+            </a:r>
+            <a:r>
+              <a:rPr lang="nl-BE" baseline="0" dirty="0" smtClean="0"/>
+              <a:t> route: </a:t>
+            </a:r>
+            <a:r>
+              <a:rPr lang="nl-BE" baseline="0" dirty="0" err="1" smtClean="0"/>
+              <a:t>myRoute</a:t>
+            </a:r>
+            <a:r>
+              <a:rPr lang="nl-BE" baseline="0" dirty="0" smtClean="0"/>
+              <a:t>*details</a:t>
+            </a:r>
+          </a:p>
+          <a:p>
+            <a:r>
+              <a:rPr lang="nl-BE" baseline="0" dirty="0" smtClean="0"/>
+              <a:t>	</a:t>
+            </a:r>
+            <a:endParaRPr lang="nl-BE" dirty="0" smtClean="0"/>
+          </a:p>
+          <a:p>
+            <a:r>
+              <a:rPr lang="nl-BE" dirty="0" err="1" smtClean="0"/>
+              <a:t>buildNavigationModel</a:t>
+            </a:r>
+            <a:r>
+              <a:rPr lang="nl-BE" dirty="0" smtClean="0"/>
+              <a:t>: alle routes met </a:t>
+            </a:r>
+            <a:r>
+              <a:rPr lang="nl-BE" dirty="0" err="1" smtClean="0"/>
+              <a:t>nav</a:t>
+            </a:r>
+            <a:r>
+              <a:rPr lang="nl-BE" dirty="0" smtClean="0"/>
+              <a:t>: </a:t>
+            </a:r>
+            <a:r>
+              <a:rPr lang="nl-BE" dirty="0" err="1" smtClean="0"/>
+              <a:t>true</a:t>
+            </a:r>
+            <a:r>
+              <a:rPr lang="nl-BE" dirty="0" smtClean="0"/>
+              <a:t> worden in de array </a:t>
+            </a:r>
+            <a:r>
+              <a:rPr lang="nl-BE" dirty="0" err="1" smtClean="0"/>
+              <a:t>router.navigationModel</a:t>
+            </a:r>
+            <a:r>
+              <a:rPr lang="nl-BE" dirty="0" smtClean="0"/>
+              <a:t> gegoten om te kunnen binden in navigatie</a:t>
+            </a:r>
+            <a:r>
+              <a:rPr lang="nl-BE" baseline="0" dirty="0" smtClean="0"/>
+              <a:t> (zie shell.html)</a:t>
+            </a:r>
+            <a:endParaRPr lang="en-US" dirty="0"/>
+          </a:p>
+        </p:txBody>
+      </p:sp>
+      <p:sp>
+        <p:nvSpPr>
+          <p:cNvPr id="4" name="Slide Number Placeholder 3"/>
+          <p:cNvSpPr>
+            <a:spLocks noGrp="1"/>
+          </p:cNvSpPr>
+          <p:nvPr>
+            <p:ph type="sldNum" sz="quarter" idx="10"/>
+          </p:nvPr>
+        </p:nvSpPr>
+        <p:spPr/>
+        <p:txBody>
+          <a:bodyPr/>
+          <a:lstStyle/>
+          <a:p>
+            <a:fld id="{0DF56419-AC34-45D0-BAB8-5A4CB1E563BF}" type="slidenum">
+              <a:rPr lang="en-US" smtClean="0"/>
+              <a:t>32</a:t>
+            </a:fld>
+            <a:endParaRPr lang="en-US"/>
+          </a:p>
+        </p:txBody>
+      </p:sp>
+    </p:spTree>
+    <p:extLst>
+      <p:ext uri="{BB962C8B-B14F-4D97-AF65-F5344CB8AC3E}">
+        <p14:creationId xmlns:p14="http://schemas.microsoft.com/office/powerpoint/2010/main" val="3530374302"/>
       </p:ext>
     </p:extLst>
   </p:cSld>
@@ -8519,6 +9185,21 @@
               <a:rPr lang="nl-BE" dirty="0" err="1" smtClean="0"/>
               <a:t>subscribe</a:t>
             </a:r>
+            <a:endParaRPr lang="nl-BE" dirty="0" smtClean="0"/>
+          </a:p>
+          <a:p>
+            <a:r>
+              <a:rPr lang="nl-BE" dirty="0" err="1" smtClean="0"/>
+              <a:t>app.showMessage</a:t>
+            </a:r>
+            <a:r>
+              <a:rPr lang="nl-BE" dirty="0" smtClean="0"/>
+              <a:t> en </a:t>
+            </a:r>
+            <a:r>
+              <a:rPr lang="nl-BE" dirty="0" err="1" smtClean="0"/>
+              <a:t>app.showDialog</a:t>
+            </a:r>
             <a:endParaRPr lang="en-US" dirty="0"/>
           </a:p>
         </p:txBody>
@@ -8667,36 +9348,305 @@
               <a:t>: </a:t>
             </a:r>
             <a:r>
-              <a:rPr lang="nl-BE" smtClean="0"/>
-              <a:t>publish-subscribe</a:t>
+              <a:rPr lang="nl-BE" dirty="0" err="1" smtClean="0"/>
+              <a:t>app</a:t>
+            </a:r>
+            <a:r>
+              <a:rPr lang="nl-BE" dirty="0" smtClean="0"/>
+              <a:t> setup 1</a:t>
             </a:r>
             <a:endParaRPr lang="en-US" dirty="0"/>
           </a:p>
         </p:txBody>
       </p:sp>
-      <p:sp>
-        <p:nvSpPr>
-          <p:cNvPr id="3" name="Content Placeholder 2"/>
-          <p:cNvSpPr>
-            <a:spLocks noGrp="1"/>
-          </p:cNvSpPr>
+      <p:pic>
+        <p:nvPicPr>
+          <p:cNvPr id="4" name="Content Placeholder 3"/>
+          <p:cNvPicPr>
+            <a:picLocks noGrp="1" noChangeAspect="1"/>
+          </p:cNvPicPr>
           <p:nvPr>
             <p:ph idx="1"/>
           </p:nvPr>
-        </p:nvSpPr>
-        <p:spPr/>
-        <p:txBody>
-          <a:bodyPr/>
-          <a:lstStyle/>
-          <a:p>
-            <a:endParaRPr lang="en-US"/>
-          </a:p>
-        </p:txBody>
-      </p:sp>
+        </p:nvPicPr>
+        <p:blipFill>
+          <a:blip r:embed="rId3"/>
+          <a:stretch>
+            <a:fillRect/>
+          </a:stretch>
+        </p:blipFill>
+        <p:spPr>
+          <a:xfrm>
+            <a:off x="838200" y="1690688"/>
+            <a:ext cx="8134350" cy="2600325"/>
+          </a:xfrm>
+          <a:prstGeom prst="rect">
+            <a:avLst/>
+          </a:prstGeom>
+        </p:spPr>
+      </p:pic>
     </p:spTree>
     <p:extLst>
       <p:ext uri="{BB962C8B-B14F-4D97-AF65-F5344CB8AC3E}">
         <p14:creationId xmlns:p14="http://schemas.microsoft.com/office/powerpoint/2010/main" val="87593167"/>
+      </p:ext>
+    </p:extLst>
+  </p:cSld>
+  <p:clrMapOvr>
+    <a:masterClrMapping/>
+  </p:clrMapOvr>
+</p:sld>
+</file>
+
+<file path=ppt/slides/slide31.xml><?xml version="1.0" encoding="utf-8"?>
+<p:sld xmlns:a="http://schemas.openxmlformats.org/drawingml/2006/main" xmlns:r="http://schemas.openxmlformats.org/officeDocument/2006/relationships" xmlns:p="http://schemas.openxmlformats.org/presentationml/2006/main">
+  <p:cSld>
+    <p:spTree>
+      <p:nvGrpSpPr>
+        <p:cNvPr id="1" name=""/>
+        <p:cNvGrpSpPr/>
+        <p:nvPr/>
+      </p:nvGrpSpPr>
+      <p:grpSpPr>
+        <a:xfrm>
+          <a:off x="0" y="0"/>
+          <a:ext cx="0" cy="0"/>
+          <a:chOff x="0" y="0"/>
+          <a:chExt cx="0" cy="0"/>
+        </a:xfrm>
+      </p:grpSpPr>
+      <p:sp>
+        <p:nvSpPr>
+          <p:cNvPr id="2" name="Title 1"/>
+          <p:cNvSpPr>
+            <a:spLocks noGrp="1"/>
+          </p:cNvSpPr>
+          <p:nvPr>
+            <p:ph type="title"/>
+          </p:nvPr>
+        </p:nvSpPr>
+        <p:spPr/>
+        <p:txBody>
+          <a:bodyPr/>
+          <a:lstStyle/>
+          <a:p>
+            <a:r>
+              <a:rPr lang="nl-BE" dirty="0" err="1" smtClean="0"/>
+              <a:t>Durandal</a:t>
+            </a:r>
+            <a:r>
+              <a:rPr lang="nl-BE" dirty="0" smtClean="0"/>
+              <a:t>: </a:t>
+            </a:r>
+            <a:r>
+              <a:rPr lang="nl-BE" dirty="0" err="1" smtClean="0"/>
+              <a:t>app</a:t>
+            </a:r>
+            <a:r>
+              <a:rPr lang="nl-BE" dirty="0" smtClean="0"/>
+              <a:t> setup 2</a:t>
+            </a:r>
+            <a:endParaRPr lang="en-US" dirty="0"/>
+          </a:p>
+        </p:txBody>
+      </p:sp>
+      <p:pic>
+        <p:nvPicPr>
+          <p:cNvPr id="4" name="Content Placeholder 3"/>
+          <p:cNvPicPr>
+            <a:picLocks noGrp="1" noChangeAspect="1"/>
+          </p:cNvPicPr>
+          <p:nvPr>
+            <p:ph idx="1"/>
+          </p:nvPr>
+        </p:nvPicPr>
+        <p:blipFill>
+          <a:blip r:embed="rId3"/>
+          <a:stretch>
+            <a:fillRect/>
+          </a:stretch>
+        </p:blipFill>
+        <p:spPr>
+          <a:xfrm>
+            <a:off x="838200" y="1690688"/>
+            <a:ext cx="10515600" cy="4301836"/>
+          </a:xfrm>
+          <a:prstGeom prst="rect">
+            <a:avLst/>
+          </a:prstGeom>
+        </p:spPr>
+      </p:pic>
+    </p:spTree>
+    <p:extLst>
+      <p:ext uri="{BB962C8B-B14F-4D97-AF65-F5344CB8AC3E}">
+        <p14:creationId xmlns:p14="http://schemas.microsoft.com/office/powerpoint/2010/main" val="3574613670"/>
+      </p:ext>
+    </p:extLst>
+  </p:cSld>
+  <p:clrMapOvr>
+    <a:masterClrMapping/>
+  </p:clrMapOvr>
+</p:sld>
+</file>
+
+<file path=ppt/slides/slide32.xml><?xml version="1.0" encoding="utf-8"?>
+<p:sld xmlns:a="http://schemas.openxmlformats.org/drawingml/2006/main" xmlns:r="http://schemas.openxmlformats.org/officeDocument/2006/relationships" xmlns:p="http://schemas.openxmlformats.org/presentationml/2006/main">
+  <p:cSld>
+    <p:spTree>
+      <p:nvGrpSpPr>
+        <p:cNvPr id="1" name=""/>
+        <p:cNvGrpSpPr/>
+        <p:nvPr/>
+      </p:nvGrpSpPr>
+      <p:grpSpPr>
+        <a:xfrm>
+          <a:off x="0" y="0"/>
+          <a:ext cx="0" cy="0"/>
+          <a:chOff x="0" y="0"/>
+          <a:chExt cx="0" cy="0"/>
+        </a:xfrm>
+      </p:grpSpPr>
+      <p:sp>
+        <p:nvSpPr>
+          <p:cNvPr id="2" name="Title 1"/>
+          <p:cNvSpPr>
+            <a:spLocks noGrp="1"/>
+          </p:cNvSpPr>
+          <p:nvPr>
+            <p:ph type="title"/>
+          </p:nvPr>
+        </p:nvSpPr>
+        <p:spPr/>
+        <p:txBody>
+          <a:bodyPr/>
+          <a:lstStyle/>
+          <a:p>
+            <a:r>
+              <a:rPr lang="nl-BE" dirty="0" err="1" smtClean="0"/>
+              <a:t>Durandal</a:t>
+            </a:r>
+            <a:r>
+              <a:rPr lang="nl-BE" dirty="0" smtClean="0"/>
+              <a:t>: </a:t>
+            </a:r>
+            <a:r>
+              <a:rPr lang="nl-BE" dirty="0" err="1" smtClean="0"/>
+              <a:t>app</a:t>
+            </a:r>
+            <a:r>
+              <a:rPr lang="nl-BE" dirty="0" smtClean="0"/>
+              <a:t> setup 3</a:t>
+            </a:r>
+            <a:endParaRPr lang="en-US" dirty="0"/>
+          </a:p>
+        </p:txBody>
+      </p:sp>
+      <p:pic>
+        <p:nvPicPr>
+          <p:cNvPr id="4" name="Content Placeholder 3"/>
+          <p:cNvPicPr>
+            <a:picLocks noGrp="1" noChangeAspect="1"/>
+          </p:cNvPicPr>
+          <p:nvPr>
+            <p:ph idx="1"/>
+          </p:nvPr>
+        </p:nvPicPr>
+        <p:blipFill>
+          <a:blip r:embed="rId3"/>
+          <a:stretch>
+            <a:fillRect/>
+          </a:stretch>
+        </p:blipFill>
+        <p:spPr>
+          <a:xfrm>
+            <a:off x="838200" y="1690688"/>
+            <a:ext cx="10515600" cy="4268708"/>
+          </a:xfrm>
+          <a:prstGeom prst="rect">
+            <a:avLst/>
+          </a:prstGeom>
+        </p:spPr>
+      </p:pic>
+    </p:spTree>
+    <p:extLst>
+      <p:ext uri="{BB962C8B-B14F-4D97-AF65-F5344CB8AC3E}">
+        <p14:creationId xmlns:p14="http://schemas.microsoft.com/office/powerpoint/2010/main" val="3158189651"/>
+      </p:ext>
+    </p:extLst>
+  </p:cSld>
+  <p:clrMapOvr>
+    <a:masterClrMapping/>
+  </p:clrMapOvr>
+</p:sld>
+</file>
+
+<file path=ppt/slides/slide33.xml><?xml version="1.0" encoding="utf-8"?>
+<p:sld xmlns:a="http://schemas.openxmlformats.org/drawingml/2006/main" xmlns:r="http://schemas.openxmlformats.org/officeDocument/2006/relationships" xmlns:p="http://schemas.openxmlformats.org/presentationml/2006/main">
+  <p:cSld>
+    <p:spTree>
+      <p:nvGrpSpPr>
+        <p:cNvPr id="1" name=""/>
+        <p:cNvGrpSpPr/>
+        <p:nvPr/>
+      </p:nvGrpSpPr>
+      <p:grpSpPr>
+        <a:xfrm>
+          <a:off x="0" y="0"/>
+          <a:ext cx="0" cy="0"/>
+          <a:chOff x="0" y="0"/>
+          <a:chExt cx="0" cy="0"/>
+        </a:xfrm>
+      </p:grpSpPr>
+      <p:sp>
+        <p:nvSpPr>
+          <p:cNvPr id="2" name="Title 1"/>
+          <p:cNvSpPr>
+            <a:spLocks noGrp="1"/>
+          </p:cNvSpPr>
+          <p:nvPr>
+            <p:ph type="title"/>
+          </p:nvPr>
+        </p:nvSpPr>
+        <p:spPr/>
+        <p:txBody>
+          <a:bodyPr/>
+          <a:lstStyle/>
+          <a:p>
+            <a:r>
+              <a:rPr lang="nl-BE" dirty="0" err="1" smtClean="0"/>
+              <a:t>Durandal</a:t>
+            </a:r>
+            <a:r>
+              <a:rPr lang="nl-BE" dirty="0" smtClean="0"/>
+              <a:t>: router</a:t>
+            </a:r>
+            <a:endParaRPr lang="en-US" dirty="0"/>
+          </a:p>
+        </p:txBody>
+      </p:sp>
+      <p:sp>
+        <p:nvSpPr>
+          <p:cNvPr id="3" name="Content Placeholder 2"/>
+          <p:cNvSpPr>
+            <a:spLocks noGrp="1"/>
+          </p:cNvSpPr>
+          <p:nvPr>
+            <p:ph idx="1"/>
+          </p:nvPr>
+        </p:nvSpPr>
+        <p:spPr/>
+        <p:txBody>
+          <a:bodyPr/>
+          <a:lstStyle/>
+          <a:p>
+            <a:endParaRPr lang="en-US"/>
+          </a:p>
+        </p:txBody>
+      </p:sp>
+    </p:spTree>
+    <p:extLst>
+      <p:ext uri="{BB962C8B-B14F-4D97-AF65-F5344CB8AC3E}">
+        <p14:creationId xmlns:p14="http://schemas.microsoft.com/office/powerpoint/2010/main" val="3074774415"/>
       </p:ext>
     </p:extLst>
   </p:cSld>

--- a/Durandal T4T.pptx
+++ b/Durandal T4T.pptx
@@ -2074,7 +2074,7 @@
               <a:t> volgens querystring </a:t>
             </a:r>
             <a:r>
-              <a:rPr lang="nl-BE" baseline="0" smtClean="0"/>
+              <a:rPr lang="nl-BE" baseline="0" dirty="0" err="1" smtClean="0"/>
               <a:t>keys</a:t>
             </a:r>
             <a:endParaRPr lang="nl-BE" baseline="0" dirty="0" smtClean="0"/>
@@ -2144,6 +2144,129 @@
             <a:r>
               <a:rPr lang="nl-BE" baseline="0" dirty="0" smtClean="0"/>
               <a:t> (zie shell.html)</a:t>
+            </a:r>
+          </a:p>
+          <a:p>
+            <a:endParaRPr lang="nl-BE" baseline="0" dirty="0" smtClean="0"/>
+          </a:p>
+          <a:p>
+            <a:r>
+              <a:rPr lang="nl-BE" baseline="0" dirty="0" smtClean="0"/>
+              <a:t>Router gebruiken:</a:t>
+            </a:r>
+          </a:p>
+          <a:p>
+            <a:r>
+              <a:rPr lang="nl-BE" baseline="0" dirty="0" smtClean="0"/>
+              <a:t>	indien &lt;a&gt;: </a:t>
+            </a:r>
+            <a:r>
+              <a:rPr lang="nl-BE" baseline="0" dirty="0" err="1" smtClean="0"/>
+              <a:t>hash</a:t>
+            </a:r>
+            <a:r>
+              <a:rPr lang="nl-BE" baseline="0" dirty="0" smtClean="0"/>
+              <a:t> gebruiken (zie beers.html en </a:t>
+            </a:r>
+            <a:r>
+              <a:rPr lang="nl-BE" baseline="0" dirty="0" err="1" smtClean="0"/>
+              <a:t>add</a:t>
+            </a:r>
+            <a:r>
+              <a:rPr lang="nl-BE" baseline="0" dirty="0" smtClean="0"/>
+              <a:t> link)</a:t>
+            </a:r>
+          </a:p>
+          <a:p>
+            <a:r>
+              <a:rPr lang="nl-BE" baseline="0" dirty="0" smtClean="0"/>
+              <a:t>	vanuit JS: </a:t>
+            </a:r>
+            <a:r>
+              <a:rPr lang="nl-BE" baseline="0" dirty="0" err="1" smtClean="0"/>
+              <a:t>router.navigate</a:t>
+            </a:r>
+            <a:r>
+              <a:rPr lang="nl-BE" baseline="0" dirty="0" smtClean="0"/>
+              <a:t>(‘#</a:t>
+            </a:r>
+            <a:r>
+              <a:rPr lang="nl-BE" baseline="0" dirty="0" err="1" smtClean="0"/>
+              <a:t>hash</a:t>
+            </a:r>
+            <a:r>
+              <a:rPr lang="nl-BE" baseline="0" dirty="0" smtClean="0"/>
+              <a:t>’); (zie add.js)</a:t>
+            </a:r>
+          </a:p>
+          <a:p>
+            <a:endParaRPr lang="nl-BE" baseline="0" dirty="0" smtClean="0"/>
+          </a:p>
+          <a:p>
+            <a:r>
+              <a:rPr lang="nl-BE" baseline="0" dirty="0" smtClean="0"/>
+              <a:t>Router kan nog meer:</a:t>
+            </a:r>
+          </a:p>
+          <a:p>
+            <a:r>
+              <a:rPr lang="nl-BE" baseline="0" dirty="0" smtClean="0"/>
+              <a:t>	</a:t>
+            </a:r>
+            <a:r>
+              <a:rPr lang="nl-BE" baseline="0" dirty="0" err="1" smtClean="0"/>
+              <a:t>history</a:t>
+            </a:r>
+            <a:r>
+              <a:rPr lang="nl-BE" baseline="0" dirty="0" smtClean="0"/>
+              <a:t> veranderen</a:t>
+            </a:r>
+          </a:p>
+          <a:p>
+            <a:r>
+              <a:rPr lang="nl-BE" baseline="0" dirty="0" smtClean="0"/>
+              <a:t>	</a:t>
+            </a:r>
+            <a:r>
+              <a:rPr lang="nl-BE" baseline="0" dirty="0" err="1" smtClean="0"/>
+              <a:t>router.navigateBack</a:t>
+            </a:r>
+            <a:r>
+              <a:rPr lang="nl-BE" baseline="0" dirty="0" smtClean="0"/>
+              <a:t>() om terug te gaan</a:t>
+            </a:r>
+          </a:p>
+          <a:p>
+            <a:r>
+              <a:rPr lang="nl-BE" baseline="0" dirty="0" smtClean="0"/>
+              <a:t>	routes die niet </a:t>
+            </a:r>
+            <a:r>
+              <a:rPr lang="nl-BE" baseline="0" dirty="0" err="1" smtClean="0"/>
+              <a:t>gematcht</a:t>
+            </a:r>
+            <a:r>
+              <a:rPr lang="nl-BE" baseline="0" dirty="0" smtClean="0"/>
+              <a:t> kunnen worden (</a:t>
+            </a:r>
+            <a:r>
+              <a:rPr lang="nl-BE" baseline="0" smtClean="0"/>
+              <a:t>zie shell.js)</a:t>
+            </a:r>
+            <a:endParaRPr lang="nl-BE" baseline="0" dirty="0" smtClean="0"/>
+          </a:p>
+          <a:p>
+            <a:r>
+              <a:rPr lang="nl-BE" baseline="0" dirty="0" smtClean="0"/>
+              <a:t>	</a:t>
+            </a:r>
+            <a:r>
+              <a:rPr lang="nl-BE" baseline="0" dirty="0" err="1" smtClean="0"/>
+              <a:t>child</a:t>
+            </a:r>
+            <a:r>
+              <a:rPr lang="nl-BE" baseline="0" dirty="0" smtClean="0"/>
+              <a:t> routers</a:t>
             </a:r>
             <a:endParaRPr lang="en-US" dirty="0"/>
           </a:p>

--- a/Durandal T4T.pptx
+++ b/Durandal T4T.pptx
@@ -5,7 +5,7 @@
     <p:sldMasterId id="2147483648" r:id="rId1"/>
   </p:sldMasterIdLst>
   <p:notesMasterIdLst>
-    <p:notesMasterId r:id="rId35"/>
+    <p:notesMasterId r:id="rId37"/>
   </p:notesMasterIdLst>
   <p:sldIdLst>
     <p:sldId id="256" r:id="rId2"/>
@@ -41,6 +41,8 @@
     <p:sldId id="287" r:id="rId32"/>
     <p:sldId id="288" r:id="rId33"/>
     <p:sldId id="286" r:id="rId34"/>
+    <p:sldId id="289" r:id="rId35"/>
+    <p:sldId id="290" r:id="rId36"/>
   </p:sldIdLst>
   <p:sldSz cx="12192000" cy="6858000"/>
   <p:notesSz cx="6858000" cy="9144000"/>
@@ -2247,13 +2249,8 @@
             </a:r>
             <a:r>
               <a:rPr lang="nl-BE" baseline="0" dirty="0" smtClean="0"/>
-              <a:t> kunnen worden (</a:t>
-            </a:r>
-            <a:r>
-              <a:rPr lang="nl-BE" baseline="0" smtClean="0"/>
-              <a:t>zie shell.js)</a:t>
-            </a:r>
-            <a:endParaRPr lang="nl-BE" baseline="0" dirty="0" smtClean="0"/>
+              <a:t> kunnen worden (zie shell.js)</a:t>
+            </a:r>
           </a:p>
           <a:p>
             <a:r>
@@ -2434,6 +2431,177 @@
     <p:extLst>
       <p:ext uri="{BB962C8B-B14F-4D97-AF65-F5344CB8AC3E}">
         <p14:creationId xmlns:p14="http://schemas.microsoft.com/office/powerpoint/2010/main" val="1740093845"/>
+      </p:ext>
+    </p:extLst>
+  </p:cSld>
+  <p:clrMapOvr>
+    <a:masterClrMapping/>
+  </p:clrMapOvr>
+</p:notes>
+</file>
+
+<file path=ppt/notesSlides/notesSlide20.xml><?xml version="1.0" encoding="utf-8"?>
+<p:notes xmlns:a="http://schemas.openxmlformats.org/drawingml/2006/main" xmlns:r="http://schemas.openxmlformats.org/officeDocument/2006/relationships" xmlns:p="http://schemas.openxmlformats.org/presentationml/2006/main">
+  <p:cSld>
+    <p:spTree>
+      <p:nvGrpSpPr>
+        <p:cNvPr id="1" name=""/>
+        <p:cNvGrpSpPr/>
+        <p:nvPr/>
+      </p:nvGrpSpPr>
+      <p:grpSpPr>
+        <a:xfrm>
+          <a:off x="0" y="0"/>
+          <a:ext cx="0" cy="0"/>
+          <a:chOff x="0" y="0"/>
+          <a:chExt cx="0" cy="0"/>
+        </a:xfrm>
+      </p:grpSpPr>
+      <p:sp>
+        <p:nvSpPr>
+          <p:cNvPr id="2" name="Slide Image Placeholder 1"/>
+          <p:cNvSpPr>
+            <a:spLocks noGrp="1" noRot="1" noChangeAspect="1"/>
+          </p:cNvSpPr>
+          <p:nvPr>
+            <p:ph type="sldImg"/>
+          </p:nvPr>
+        </p:nvSpPr>
+        <p:spPr/>
+      </p:sp>
+      <p:sp>
+        <p:nvSpPr>
+          <p:cNvPr id="3" name="Notes Placeholder 2"/>
+          <p:cNvSpPr>
+            <a:spLocks noGrp="1"/>
+          </p:cNvSpPr>
+          <p:nvPr>
+            <p:ph type="body" idx="1"/>
+          </p:nvPr>
+        </p:nvSpPr>
+        <p:spPr/>
+        <p:txBody>
+          <a:bodyPr/>
+          <a:lstStyle/>
+          <a:p>
+            <a:r>
+              <a:rPr lang="nl-BE" dirty="0" smtClean="0"/>
+              <a:t>http</a:t>
+            </a:r>
+            <a:r>
+              <a:rPr lang="nl-BE" baseline="0" dirty="0" smtClean="0"/>
+              <a:t> en </a:t>
+            </a:r>
+            <a:r>
+              <a:rPr lang="nl-BE" baseline="0" dirty="0" err="1" smtClean="0"/>
+              <a:t>serializer</a:t>
+            </a:r>
+            <a:r>
+              <a:rPr lang="nl-BE" baseline="0" dirty="0" smtClean="0"/>
+              <a:t> zijn om met data van de backend te werken. J</a:t>
+            </a:r>
+            <a:r>
+              <a:rPr lang="nl-BE" dirty="0" smtClean="0"/>
+              <a:t>e kan uiteraard ook andere </a:t>
+            </a:r>
+            <a:r>
+              <a:rPr lang="nl-BE" dirty="0" err="1" smtClean="0"/>
+              <a:t>libraries</a:t>
+            </a:r>
+            <a:r>
+              <a:rPr lang="nl-BE" dirty="0" smtClean="0"/>
+              <a:t> gebruiken, bv </a:t>
+            </a:r>
+            <a:r>
+              <a:rPr lang="nl-BE" dirty="0" err="1" smtClean="0"/>
+              <a:t>jQuery</a:t>
+            </a:r>
+            <a:endParaRPr lang="nl-BE" dirty="0" smtClean="0"/>
+          </a:p>
+          <a:p>
+            <a:r>
+              <a:rPr lang="nl-BE" dirty="0" err="1" smtClean="0"/>
+              <a:t>observable</a:t>
+            </a:r>
+            <a:r>
+              <a:rPr lang="nl-BE" dirty="0" smtClean="0"/>
+              <a:t>: om tegen</a:t>
+            </a:r>
+            <a:r>
+              <a:rPr lang="nl-BE" baseline="0" dirty="0" smtClean="0"/>
+              <a:t> gewone JS objecten te </a:t>
+            </a:r>
+            <a:r>
+              <a:rPr lang="nl-BE" baseline="0" dirty="0" err="1" smtClean="0"/>
+              <a:t>databinden</a:t>
+            </a:r>
+            <a:r>
+              <a:rPr lang="nl-BE" baseline="0" dirty="0" smtClean="0"/>
+              <a:t>, niet via </a:t>
+            </a:r>
+            <a:r>
+              <a:rPr lang="nl-BE" baseline="0" dirty="0" err="1" smtClean="0"/>
+              <a:t>Knockout</a:t>
+            </a:r>
+            <a:r>
+              <a:rPr lang="nl-BE" baseline="0" dirty="0" smtClean="0"/>
+              <a:t>. Werkt enkel met browsers die ES5 ondersteunen (</a:t>
+            </a:r>
+            <a:r>
+              <a:rPr lang="nl-BE" baseline="0" dirty="0" err="1" smtClean="0"/>
+              <a:t>defineProperty</a:t>
+            </a:r>
+            <a:r>
+              <a:rPr lang="nl-BE" baseline="0" dirty="0" smtClean="0"/>
+              <a:t>). Deze </a:t>
+            </a:r>
+            <a:r>
+              <a:rPr lang="nl-BE" baseline="0" dirty="0" err="1" smtClean="0"/>
+              <a:t>plugin</a:t>
+            </a:r>
+            <a:r>
+              <a:rPr lang="nl-BE" baseline="0" dirty="0" smtClean="0"/>
+              <a:t> kan ook met </a:t>
+            </a:r>
+            <a:r>
+              <a:rPr lang="nl-BE" baseline="0" dirty="0" err="1" smtClean="0"/>
+              <a:t>promises</a:t>
+            </a:r>
+            <a:r>
+              <a:rPr lang="nl-BE" baseline="0" dirty="0" smtClean="0"/>
+              <a:t> overweg.</a:t>
+            </a:r>
+            <a:endParaRPr lang="en-US" dirty="0"/>
+          </a:p>
+        </p:txBody>
+      </p:sp>
+      <p:sp>
+        <p:nvSpPr>
+          <p:cNvPr id="4" name="Slide Number Placeholder 3"/>
+          <p:cNvSpPr>
+            <a:spLocks noGrp="1"/>
+          </p:cNvSpPr>
+          <p:nvPr>
+            <p:ph type="sldNum" sz="quarter" idx="10"/>
+          </p:nvPr>
+        </p:nvSpPr>
+        <p:spPr/>
+        <p:txBody>
+          <a:bodyPr/>
+          <a:lstStyle/>
+          <a:p>
+            <a:fld id="{0DF56419-AC34-45D0-BAB8-5A4CB1E563BF}" type="slidenum">
+              <a:rPr lang="en-US" smtClean="0"/>
+              <a:t>33</a:t>
+            </a:fld>
+            <a:endParaRPr lang="en-US"/>
+          </a:p>
+        </p:txBody>
+      </p:sp>
+    </p:spTree>
+    <p:extLst>
+      <p:ext uri="{BB962C8B-B14F-4D97-AF65-F5344CB8AC3E}">
+        <p14:creationId xmlns:p14="http://schemas.microsoft.com/office/powerpoint/2010/main" val="2081039205"/>
       </p:ext>
     </p:extLst>
   </p:cSld>
@@ -9741,7 +9909,11 @@
             </a:r>
             <a:r>
               <a:rPr lang="nl-BE" dirty="0" smtClean="0"/>
-              <a:t>: router</a:t>
+              <a:t>: </a:t>
+            </a:r>
+            <a:r>
+              <a:rPr lang="nl-BE" dirty="0" err="1" smtClean="0"/>
+              <a:t>plugins</a:t>
             </a:r>
             <a:endParaRPr lang="en-US" dirty="0"/>
           </a:p>
@@ -9762,7 +9934,25 @@
           <a:bodyPr/>
           <a:lstStyle/>
           <a:p>
-            <a:endParaRPr lang="en-US"/>
+            <a:r>
+              <a:rPr lang="nl-BE" dirty="0" smtClean="0"/>
+              <a:t>http en </a:t>
+            </a:r>
+            <a:r>
+              <a:rPr lang="nl-BE" dirty="0" err="1" smtClean="0"/>
+              <a:t>serializer</a:t>
+            </a:r>
+            <a:r>
+              <a:rPr lang="nl-BE" dirty="0" smtClean="0"/>
+              <a:t> </a:t>
+            </a:r>
+          </a:p>
+          <a:p>
+            <a:r>
+              <a:rPr lang="nl-BE" dirty="0" err="1" smtClean="0"/>
+              <a:t>observable</a:t>
+            </a:r>
+            <a:endParaRPr lang="en-US" dirty="0"/>
           </a:p>
         </p:txBody>
       </p:sp>
@@ -9770,6 +9960,357 @@
     <p:extLst>
       <p:ext uri="{BB962C8B-B14F-4D97-AF65-F5344CB8AC3E}">
         <p14:creationId xmlns:p14="http://schemas.microsoft.com/office/powerpoint/2010/main" val="3074774415"/>
+      </p:ext>
+    </p:extLst>
+  </p:cSld>
+  <p:clrMapOvr>
+    <a:masterClrMapping/>
+  </p:clrMapOvr>
+</p:sld>
+</file>
+
+<file path=ppt/slides/slide34.xml><?xml version="1.0" encoding="utf-8"?>
+<p:sld xmlns:a="http://schemas.openxmlformats.org/drawingml/2006/main" xmlns:r="http://schemas.openxmlformats.org/officeDocument/2006/relationships" xmlns:p="http://schemas.openxmlformats.org/presentationml/2006/main">
+  <p:cSld>
+    <p:spTree>
+      <p:nvGrpSpPr>
+        <p:cNvPr id="1" name=""/>
+        <p:cNvGrpSpPr/>
+        <p:nvPr/>
+      </p:nvGrpSpPr>
+      <p:grpSpPr>
+        <a:xfrm>
+          <a:off x="0" y="0"/>
+          <a:ext cx="0" cy="0"/>
+          <a:chOff x="0" y="0"/>
+          <a:chExt cx="0" cy="0"/>
+        </a:xfrm>
+      </p:grpSpPr>
+      <p:sp>
+        <p:nvSpPr>
+          <p:cNvPr id="2" name="Title 1"/>
+          <p:cNvSpPr>
+            <a:spLocks noGrp="1"/>
+          </p:cNvSpPr>
+          <p:nvPr>
+            <p:ph type="title"/>
+          </p:nvPr>
+        </p:nvSpPr>
+        <p:spPr/>
+        <p:txBody>
+          <a:bodyPr/>
+          <a:lstStyle/>
+          <a:p>
+            <a:r>
+              <a:rPr lang="nl-BE" dirty="0" err="1" smtClean="0"/>
+              <a:t>Durandal</a:t>
+            </a:r>
+            <a:r>
+              <a:rPr lang="nl-BE" dirty="0" smtClean="0"/>
+              <a:t>: main.js</a:t>
+            </a:r>
+            <a:endParaRPr lang="en-US" dirty="0"/>
+          </a:p>
+        </p:txBody>
+      </p:sp>
+      <p:sp>
+        <p:nvSpPr>
+          <p:cNvPr id="3" name="Content Placeholder 2"/>
+          <p:cNvSpPr>
+            <a:spLocks noGrp="1"/>
+          </p:cNvSpPr>
+          <p:nvPr>
+            <p:ph idx="1"/>
+          </p:nvPr>
+        </p:nvSpPr>
+        <p:spPr/>
+        <p:txBody>
+          <a:bodyPr/>
+          <a:lstStyle/>
+          <a:p>
+            <a:r>
+              <a:rPr lang="nl-BE" dirty="0" smtClean="0"/>
+              <a:t>Configuratie van </a:t>
+            </a:r>
+            <a:r>
+              <a:rPr lang="nl-BE" dirty="0" err="1" smtClean="0"/>
+              <a:t>RequireJS</a:t>
+            </a:r>
+            <a:r>
+              <a:rPr lang="nl-BE" dirty="0" smtClean="0"/>
+              <a:t> en </a:t>
+            </a:r>
+            <a:r>
+              <a:rPr lang="nl-BE" dirty="0" err="1" smtClean="0"/>
+              <a:t>Durandal</a:t>
+            </a:r>
+            <a:endParaRPr lang="nl-BE" dirty="0" smtClean="0"/>
+          </a:p>
+          <a:p>
+            <a:r>
+              <a:rPr lang="nl-BE" dirty="0" smtClean="0"/>
+              <a:t>Andere </a:t>
+            </a:r>
+            <a:r>
+              <a:rPr lang="nl-BE" dirty="0" err="1" smtClean="0"/>
+              <a:t>libraries</a:t>
+            </a:r>
+            <a:r>
+              <a:rPr lang="nl-BE" dirty="0" smtClean="0"/>
+              <a:t>:</a:t>
+            </a:r>
+          </a:p>
+          <a:p>
+            <a:pPr lvl="1"/>
+            <a:r>
+              <a:rPr lang="nl-BE" dirty="0" smtClean="0"/>
+              <a:t>Vóór </a:t>
+            </a:r>
+            <a:r>
+              <a:rPr lang="nl-BE" dirty="0" err="1" smtClean="0"/>
+              <a:t>RequireJS</a:t>
+            </a:r>
+            <a:endParaRPr lang="nl-BE" dirty="0" smtClean="0"/>
+          </a:p>
+          <a:p>
+            <a:pPr lvl="1"/>
+            <a:r>
+              <a:rPr lang="nl-BE" dirty="0" smtClean="0"/>
+              <a:t>Via </a:t>
+            </a:r>
+            <a:r>
+              <a:rPr lang="nl-BE" dirty="0" err="1" smtClean="0"/>
+              <a:t>RequireJS</a:t>
+            </a:r>
+            <a:endParaRPr lang="en-US" dirty="0"/>
+          </a:p>
+        </p:txBody>
+      </p:sp>
+    </p:spTree>
+    <p:extLst>
+      <p:ext uri="{BB962C8B-B14F-4D97-AF65-F5344CB8AC3E}">
+        <p14:creationId xmlns:p14="http://schemas.microsoft.com/office/powerpoint/2010/main" val="3983435886"/>
+      </p:ext>
+    </p:extLst>
+  </p:cSld>
+  <p:clrMapOvr>
+    <a:masterClrMapping/>
+  </p:clrMapOvr>
+</p:sld>
+</file>
+
+<file path=ppt/slides/slide35.xml><?xml version="1.0" encoding="utf-8"?>
+<p:sld xmlns:a="http://schemas.openxmlformats.org/drawingml/2006/main" xmlns:r="http://schemas.openxmlformats.org/officeDocument/2006/relationships" xmlns:p="http://schemas.openxmlformats.org/presentationml/2006/main">
+  <p:cSld>
+    <p:spTree>
+      <p:nvGrpSpPr>
+        <p:cNvPr id="1" name=""/>
+        <p:cNvGrpSpPr/>
+        <p:nvPr/>
+      </p:nvGrpSpPr>
+      <p:grpSpPr>
+        <a:xfrm>
+          <a:off x="0" y="0"/>
+          <a:ext cx="0" cy="0"/>
+          <a:chOff x="0" y="0"/>
+          <a:chExt cx="0" cy="0"/>
+        </a:xfrm>
+      </p:grpSpPr>
+      <p:sp>
+        <p:nvSpPr>
+          <p:cNvPr id="2" name="Title 1"/>
+          <p:cNvSpPr>
+            <a:spLocks noGrp="1"/>
+          </p:cNvSpPr>
+          <p:nvPr>
+            <p:ph type="title"/>
+          </p:nvPr>
+        </p:nvSpPr>
+        <p:spPr/>
+        <p:txBody>
+          <a:bodyPr/>
+          <a:lstStyle/>
+          <a:p>
+            <a:r>
+              <a:rPr lang="nl-BE" dirty="0" err="1" smtClean="0"/>
+              <a:t>Durandal</a:t>
+            </a:r>
+            <a:r>
+              <a:rPr lang="nl-BE" dirty="0" smtClean="0"/>
+              <a:t>: nog veel meer</a:t>
+            </a:r>
+            <a:endParaRPr lang="en-US" dirty="0"/>
+          </a:p>
+        </p:txBody>
+      </p:sp>
+      <p:sp>
+        <p:nvSpPr>
+          <p:cNvPr id="3" name="Content Placeholder 2"/>
+          <p:cNvSpPr>
+            <a:spLocks noGrp="1"/>
+          </p:cNvSpPr>
+          <p:nvPr>
+            <p:ph idx="1"/>
+          </p:nvPr>
+        </p:nvSpPr>
+        <p:spPr/>
+        <p:txBody>
+          <a:bodyPr>
+            <a:normAutofit lnSpcReduction="10000"/>
+          </a:bodyPr>
+          <a:lstStyle/>
+          <a:p>
+            <a:r>
+              <a:rPr lang="nl-BE" dirty="0" err="1" smtClean="0"/>
+              <a:t>Templatable</a:t>
+            </a:r>
+            <a:r>
+              <a:rPr lang="nl-BE" dirty="0" smtClean="0"/>
+              <a:t> </a:t>
+            </a:r>
+            <a:r>
+              <a:rPr lang="nl-BE" dirty="0" err="1" smtClean="0"/>
+              <a:t>widgets</a:t>
+            </a:r>
+            <a:endParaRPr lang="nl-BE" dirty="0" smtClean="0"/>
+          </a:p>
+          <a:p>
+            <a:r>
+              <a:rPr lang="nl-BE" dirty="0" smtClean="0"/>
+              <a:t>Child routers</a:t>
+            </a:r>
+            <a:endParaRPr lang="nl-BE" dirty="0" smtClean="0"/>
+          </a:p>
+          <a:p>
+            <a:r>
+              <a:rPr lang="nl-BE" dirty="0" err="1" smtClean="0"/>
+              <a:t>Custom</a:t>
+            </a:r>
+            <a:r>
+              <a:rPr lang="nl-BE" dirty="0" smtClean="0"/>
+              <a:t> project structuur (in plaats van /views/ en /</a:t>
+            </a:r>
+            <a:r>
+              <a:rPr lang="nl-BE" dirty="0" err="1" smtClean="0"/>
+              <a:t>viewModels</a:t>
+            </a:r>
+            <a:r>
+              <a:rPr lang="nl-BE" dirty="0" smtClean="0"/>
+              <a:t>/)</a:t>
+            </a:r>
+          </a:p>
+          <a:p>
+            <a:r>
+              <a:rPr lang="nl-BE" dirty="0" err="1" smtClean="0"/>
+              <a:t>Custom</a:t>
+            </a:r>
+            <a:r>
+              <a:rPr lang="nl-BE" dirty="0" smtClean="0"/>
+              <a:t> manier om </a:t>
+            </a:r>
+            <a:r>
+              <a:rPr lang="nl-BE" dirty="0" err="1" smtClean="0"/>
+              <a:t>moduleId</a:t>
+            </a:r>
+            <a:r>
+              <a:rPr lang="nl-BE" dirty="0" smtClean="0"/>
+              <a:t> toe te kennen en op te halen</a:t>
+            </a:r>
+          </a:p>
+          <a:p>
+            <a:r>
+              <a:rPr lang="nl-BE" dirty="0" err="1" smtClean="0"/>
+              <a:t>Custom</a:t>
+            </a:r>
+            <a:r>
+              <a:rPr lang="nl-BE" dirty="0" smtClean="0"/>
+              <a:t> manier om modules aan te maken</a:t>
+            </a:r>
+          </a:p>
+          <a:p>
+            <a:r>
+              <a:rPr lang="nl-BE" dirty="0" err="1" smtClean="0"/>
+              <a:t>system.guid</a:t>
+            </a:r>
+            <a:r>
+              <a:rPr lang="nl-BE" dirty="0" smtClean="0"/>
+              <a:t>()</a:t>
+            </a:r>
+          </a:p>
+          <a:p>
+            <a:r>
+              <a:rPr lang="nl-BE" dirty="0" err="1" smtClean="0"/>
+              <a:t>Custom</a:t>
+            </a:r>
+            <a:r>
+              <a:rPr lang="nl-BE" dirty="0" smtClean="0"/>
+              <a:t> manier om views te vinden</a:t>
+            </a:r>
+            <a:endParaRPr lang="en-US" dirty="0" smtClean="0"/>
+          </a:p>
+          <a:p>
+            <a:r>
+              <a:rPr lang="nl-BE" dirty="0" smtClean="0"/>
+              <a:t>Builden met </a:t>
+            </a:r>
+            <a:r>
+              <a:rPr lang="nl-BE" dirty="0" err="1" smtClean="0"/>
+              <a:t>NodeJS</a:t>
+            </a:r>
+            <a:r>
+              <a:rPr lang="nl-BE" dirty="0" smtClean="0"/>
+              <a:t> en </a:t>
+            </a:r>
+            <a:r>
+              <a:rPr lang="nl-BE" dirty="0" err="1" smtClean="0"/>
+              <a:t>Weyland</a:t>
+            </a:r>
+            <a:r>
+              <a:rPr lang="nl-BE" dirty="0" smtClean="0"/>
+              <a:t> (lint, </a:t>
+            </a:r>
+            <a:r>
+              <a:rPr lang="nl-BE" dirty="0" err="1" smtClean="0"/>
+              <a:t>minify</a:t>
+            </a:r>
+            <a:r>
+              <a:rPr lang="nl-BE" dirty="0" smtClean="0"/>
+              <a:t>, combine,…)</a:t>
+            </a:r>
+          </a:p>
+          <a:p>
+            <a:r>
+              <a:rPr lang="nl-BE" dirty="0" smtClean="0"/>
+              <a:t>Builden met </a:t>
+            </a:r>
+            <a:r>
+              <a:rPr lang="nl-BE" dirty="0" err="1" smtClean="0"/>
+              <a:t>NodeJS</a:t>
+            </a:r>
+            <a:r>
+              <a:rPr lang="nl-BE" dirty="0" smtClean="0"/>
+              <a:t> en </a:t>
+            </a:r>
+            <a:r>
+              <a:rPr lang="nl-BE" dirty="0" err="1" smtClean="0"/>
+              <a:t>Weyland</a:t>
+            </a:r>
+            <a:r>
+              <a:rPr lang="nl-BE" dirty="0" smtClean="0"/>
+              <a:t> </a:t>
+            </a:r>
+            <a:r>
+              <a:rPr lang="nl-BE" smtClean="0"/>
+              <a:t>vanuit Visual Studio</a:t>
+            </a:r>
+            <a:endParaRPr lang="nl-BE" dirty="0" smtClean="0"/>
+          </a:p>
+        </p:txBody>
+      </p:sp>
+    </p:spTree>
+    <p:extLst>
+      <p:ext uri="{BB962C8B-B14F-4D97-AF65-F5344CB8AC3E}">
+        <p14:creationId xmlns:p14="http://schemas.microsoft.com/office/powerpoint/2010/main" val="2063716655"/>
       </p:ext>
     </p:extLst>
   </p:cSld>

--- a/Durandal T4T.pptx
+++ b/Durandal T4T.pptx
@@ -1975,11 +1975,11 @@
             </a:r>
             <a:r>
               <a:rPr lang="nl-BE" baseline="0" dirty="0" smtClean="0"/>
-              <a:t>: of het opgenomen moet worden in </a:t>
-            </a:r>
-            <a:r>
-              <a:rPr lang="nl-BE" baseline="0" dirty="0" err="1" smtClean="0"/>
-              <a:t>router.navigationModel</a:t>
+              <a:t>: of het opgenomen moet worden </a:t>
+            </a:r>
+            <a:r>
+              <a:rPr lang="nl-BE" baseline="0" smtClean="0"/>
+              <a:t>in router.navigationModel (true/false) of de volgorde (int)</a:t>
             </a:r>
             <a:endParaRPr lang="nl-BE" baseline="0" dirty="0" smtClean="0"/>
           </a:p>
@@ -2602,6 +2602,114 @@
     <p:extLst>
       <p:ext uri="{BB962C8B-B14F-4D97-AF65-F5344CB8AC3E}">
         <p14:creationId xmlns:p14="http://schemas.microsoft.com/office/powerpoint/2010/main" val="2081039205"/>
+      </p:ext>
+    </p:extLst>
+  </p:cSld>
+  <p:clrMapOvr>
+    <a:masterClrMapping/>
+  </p:clrMapOvr>
+</p:notes>
+</file>
+
+<file path=ppt/notesSlides/notesSlide21.xml><?xml version="1.0" encoding="utf-8"?>
+<p:notes xmlns:a="http://schemas.openxmlformats.org/drawingml/2006/main" xmlns:r="http://schemas.openxmlformats.org/officeDocument/2006/relationships" xmlns:p="http://schemas.openxmlformats.org/presentationml/2006/main">
+  <p:cSld>
+    <p:spTree>
+      <p:nvGrpSpPr>
+        <p:cNvPr id="1" name=""/>
+        <p:cNvGrpSpPr/>
+        <p:nvPr/>
+      </p:nvGrpSpPr>
+      <p:grpSpPr>
+        <a:xfrm>
+          <a:off x="0" y="0"/>
+          <a:ext cx="0" cy="0"/>
+          <a:chOff x="0" y="0"/>
+          <a:chExt cx="0" cy="0"/>
+        </a:xfrm>
+      </p:grpSpPr>
+      <p:sp>
+        <p:nvSpPr>
+          <p:cNvPr id="2" name="Slide Image Placeholder 1"/>
+          <p:cNvSpPr>
+            <a:spLocks noGrp="1" noRot="1" noChangeAspect="1"/>
+          </p:cNvSpPr>
+          <p:nvPr>
+            <p:ph type="sldImg"/>
+          </p:nvPr>
+        </p:nvSpPr>
+        <p:spPr/>
+      </p:sp>
+      <p:sp>
+        <p:nvSpPr>
+          <p:cNvPr id="3" name="Notes Placeholder 2"/>
+          <p:cNvSpPr>
+            <a:spLocks noGrp="1"/>
+          </p:cNvSpPr>
+          <p:nvPr>
+            <p:ph type="body" idx="1"/>
+          </p:nvPr>
+        </p:nvSpPr>
+        <p:spPr/>
+        <p:txBody>
+          <a:bodyPr/>
+          <a:lstStyle/>
+          <a:p>
+            <a:r>
+              <a:rPr lang="nl-BE" dirty="0" smtClean="0"/>
+              <a:t>SEO: komt er op neer dat je aan de serverkant een </a:t>
+            </a:r>
+            <a:r>
+              <a:rPr lang="nl-BE" dirty="0" err="1" smtClean="0"/>
+              <a:t>headless</a:t>
+            </a:r>
+            <a:r>
+              <a:rPr lang="nl-BE" dirty="0" smtClean="0"/>
+              <a:t> browser gebruikt</a:t>
+            </a:r>
+            <a:r>
+              <a:rPr lang="nl-BE" baseline="0" dirty="0" smtClean="0"/>
+              <a:t> (bv </a:t>
+            </a:r>
+            <a:r>
+              <a:rPr lang="nl-BE" baseline="0" dirty="0" err="1" smtClean="0"/>
+              <a:t>PhantomJS</a:t>
+            </a:r>
+            <a:r>
+              <a:rPr lang="nl-BE" baseline="0" dirty="0" smtClean="0"/>
+              <a:t>) om HTML snapshots te genereren voor Google</a:t>
+            </a:r>
+            <a:endParaRPr lang="en-US" dirty="0"/>
+          </a:p>
+        </p:txBody>
+      </p:sp>
+      <p:sp>
+        <p:nvSpPr>
+          <p:cNvPr id="4" name="Slide Number Placeholder 3"/>
+          <p:cNvSpPr>
+            <a:spLocks noGrp="1"/>
+          </p:cNvSpPr>
+          <p:nvPr>
+            <p:ph type="sldNum" sz="quarter" idx="10"/>
+          </p:nvPr>
+        </p:nvSpPr>
+        <p:spPr/>
+        <p:txBody>
+          <a:bodyPr/>
+          <a:lstStyle/>
+          <a:p>
+            <a:fld id="{0DF56419-AC34-45D0-BAB8-5A4CB1E563BF}" type="slidenum">
+              <a:rPr lang="en-US" smtClean="0"/>
+              <a:t>35</a:t>
+            </a:fld>
+            <a:endParaRPr lang="en-US"/>
+          </a:p>
+        </p:txBody>
+      </p:sp>
+    </p:spTree>
+    <p:extLst>
+      <p:ext uri="{BB962C8B-B14F-4D97-AF65-F5344CB8AC3E}">
+        <p14:creationId xmlns:p14="http://schemas.microsoft.com/office/powerpoint/2010/main" val="4037003911"/>
       </p:ext>
     </p:extLst>
   </p:cSld>
@@ -10156,7 +10264,7 @@
         <p:spPr/>
         <p:txBody>
           <a:bodyPr>
-            <a:normAutofit lnSpcReduction="10000"/>
+            <a:normAutofit fontScale="92500" lnSpcReduction="20000"/>
           </a:bodyPr>
           <a:lstStyle/>
           <a:p>
@@ -10297,13 +10405,14 @@
             </a:r>
             <a:r>
               <a:rPr lang="nl-BE" dirty="0" smtClean="0"/>
-              <a:t> </a:t>
-            </a:r>
-            <a:r>
-              <a:rPr lang="nl-BE" smtClean="0"/>
-              <a:t>vanuit Visual Studio</a:t>
-            </a:r>
-            <a:endParaRPr lang="nl-BE" dirty="0" smtClean="0"/>
+              <a:t> vanuit Visual Studio</a:t>
+            </a:r>
+          </a:p>
+          <a:p>
+            <a:r>
+              <a:rPr lang="nl-BE" dirty="0" smtClean="0"/>
+              <a:t>SEO mogelijkheden</a:t>
+            </a:r>
           </a:p>
         </p:txBody>
       </p:sp>

--- a/Durandal T4T.pptx
+++ b/Durandal T4T.pptx
@@ -5,7 +5,7 @@
     <p:sldMasterId id="2147483648" r:id="rId1"/>
   </p:sldMasterIdLst>
   <p:notesMasterIdLst>
-    <p:notesMasterId r:id="rId37"/>
+    <p:notesMasterId r:id="rId38"/>
   </p:notesMasterIdLst>
   <p:sldIdLst>
     <p:sldId id="256" r:id="rId2"/>
@@ -42,7 +42,8 @@
     <p:sldId id="288" r:id="rId33"/>
     <p:sldId id="286" r:id="rId34"/>
     <p:sldId id="289" r:id="rId35"/>
-    <p:sldId id="290" r:id="rId36"/>
+    <p:sldId id="291" r:id="rId36"/>
+    <p:sldId id="290" r:id="rId37"/>
   </p:sldIdLst>
   <p:sldSz cx="12192000" cy="6858000"/>
   <p:notesSz cx="6858000" cy="9144000"/>
@@ -556,7 +557,7 @@
             </a:r>
             <a:r>
               <a:rPr lang="nl-BE" baseline="0" dirty="0" err="1" smtClean="0"/>
-              <a:t>dpendencies</a:t>
+              <a:t>dependencies</a:t>
             </a:r>
             <a:endParaRPr lang="nl-BE" baseline="0" dirty="0" smtClean="0"/>
           </a:p>
@@ -671,23 +672,99 @@
           <a:p>
             <a:r>
               <a:rPr lang="nl-BE" dirty="0" err="1" smtClean="0"/>
-              <a:t>Id</a:t>
-            </a:r>
-            <a:r>
-              <a:rPr lang="nl-BE" dirty="0" smtClean="0"/>
-              <a:t> is afgeleid</a:t>
-            </a:r>
-            <a:r>
-              <a:rPr lang="nl-BE" baseline="0" dirty="0" smtClean="0"/>
-              <a:t> van pad relatief t.o.v. </a:t>
-            </a:r>
+              <a:t>toJS</a:t>
+            </a:r>
+            <a:r>
+              <a:rPr lang="nl-BE" dirty="0" smtClean="0"/>
+              <a:t>: je object heeft geen </a:t>
+            </a:r>
+            <a:r>
+              <a:rPr lang="nl-BE" dirty="0" err="1" smtClean="0"/>
+              <a:t>observables</a:t>
+            </a:r>
+            <a:r>
+              <a:rPr lang="nl-BE" baseline="0" dirty="0" smtClean="0"/>
+              <a:t> meer, het is een normaal JS object</a:t>
+            </a:r>
+          </a:p>
+          <a:p>
             <a:r>
               <a:rPr lang="nl-BE" baseline="0" dirty="0" err="1" smtClean="0"/>
-              <a:t>baseUrl</a:t>
-            </a:r>
-            <a:r>
-              <a:rPr lang="nl-BE" baseline="0" dirty="0" smtClean="0"/>
-              <a:t> (normaal locatie van main.js)</a:t>
+              <a:t>toJSON</a:t>
+            </a:r>
+            <a:r>
+              <a:rPr lang="nl-BE" baseline="0" dirty="0" smtClean="0"/>
+              <a:t>: doet intern eerst een call naar </a:t>
+            </a:r>
+            <a:r>
+              <a:rPr lang="nl-BE" baseline="0" dirty="0" err="1" smtClean="0"/>
+              <a:t>toJS</a:t>
+            </a:r>
+            <a:r>
+              <a:rPr lang="nl-BE" baseline="0" dirty="0" smtClean="0"/>
+              <a:t>, </a:t>
+            </a:r>
+            <a:r>
+              <a:rPr lang="nl-BE" baseline="0" dirty="0" err="1" smtClean="0"/>
+              <a:t>serializeert</a:t>
+            </a:r>
+            <a:r>
+              <a:rPr lang="nl-BE" baseline="0" dirty="0" smtClean="0"/>
+              <a:t> dan naar een JSON string</a:t>
+            </a:r>
+          </a:p>
+          <a:p>
+            <a:r>
+              <a:rPr lang="nl-BE" baseline="0" dirty="0" smtClean="0"/>
+              <a:t>Alle members worden geëvalueerd, ook </a:t>
+            </a:r>
+            <a:r>
+              <a:rPr lang="nl-BE" baseline="0" dirty="0" err="1" smtClean="0"/>
+              <a:t>computed</a:t>
+            </a:r>
+            <a:r>
+              <a:rPr lang="nl-BE" baseline="0" dirty="0" smtClean="0"/>
+              <a:t> </a:t>
+            </a:r>
+            <a:r>
+              <a:rPr lang="nl-BE" baseline="0" dirty="0" err="1" smtClean="0"/>
+              <a:t>observables</a:t>
+            </a:r>
+            <a:r>
+              <a:rPr lang="nl-BE" baseline="0" dirty="0" smtClean="0"/>
+              <a:t>, non-</a:t>
+            </a:r>
+            <a:r>
+              <a:rPr lang="nl-BE" baseline="0" dirty="0" err="1" smtClean="0"/>
+              <a:t>observables</a:t>
+            </a:r>
+            <a:r>
+              <a:rPr lang="nl-BE" baseline="0" dirty="0" smtClean="0"/>
+              <a:t>, </a:t>
+            </a:r>
+            <a:r>
+              <a:rPr lang="nl-BE" baseline="0" dirty="0" err="1" smtClean="0"/>
+              <a:t>observable</a:t>
+            </a:r>
+            <a:r>
+              <a:rPr lang="nl-BE" baseline="0" dirty="0" smtClean="0"/>
+              <a:t> arrays, </a:t>
+            </a:r>
+            <a:r>
+              <a:rPr lang="nl-BE" baseline="0" dirty="0" err="1" smtClean="0"/>
+              <a:t>child</a:t>
+            </a:r>
+            <a:r>
+              <a:rPr lang="nl-BE" baseline="0" dirty="0" smtClean="0"/>
+              <a:t> </a:t>
+            </a:r>
+            <a:r>
+              <a:rPr lang="nl-BE" baseline="0" dirty="0" err="1" smtClean="0"/>
+              <a:t>viewmodels</a:t>
+            </a:r>
+            <a:r>
+              <a:rPr lang="nl-BE" baseline="0" dirty="0" smtClean="0"/>
+              <a:t>, enz.</a:t>
             </a:r>
             <a:endParaRPr lang="en-US" dirty="0"/>
           </a:p>
@@ -710,7 +787,7 @@
           <a:p>
             <a:fld id="{0DF56419-AC34-45D0-BAB8-5A4CB1E563BF}" type="slidenum">
               <a:rPr lang="en-US" smtClean="0"/>
-              <a:t>22</a:t>
+              <a:t>20</a:t>
             </a:fld>
             <a:endParaRPr lang="en-US"/>
           </a:p>
@@ -719,7 +796,7 @@
     </p:spTree>
     <p:extLst>
       <p:ext uri="{BB962C8B-B14F-4D97-AF65-F5344CB8AC3E}">
-        <p14:creationId xmlns:p14="http://schemas.microsoft.com/office/powerpoint/2010/main" val="106862747"/>
+        <p14:creationId xmlns:p14="http://schemas.microsoft.com/office/powerpoint/2010/main" val="2104542335"/>
       </p:ext>
     </p:extLst>
   </p:cSld>
@@ -774,16 +851,24 @@
           <a:lstStyle/>
           <a:p>
             <a:r>
-              <a:rPr lang="nl-BE" dirty="0" smtClean="0"/>
-              <a:t>Indien meerdere root </a:t>
-            </a:r>
-            <a:r>
-              <a:rPr lang="nl-BE" dirty="0" err="1" smtClean="0"/>
-              <a:t>elements</a:t>
-            </a:r>
-            <a:r>
-              <a:rPr lang="nl-BE" dirty="0" smtClean="0"/>
-              <a:t>, dan worden deze in een div geplaatst</a:t>
+              <a:rPr lang="nl-BE" dirty="0" err="1" smtClean="0"/>
+              <a:t>Id</a:t>
+            </a:r>
+            <a:r>
+              <a:rPr lang="nl-BE" dirty="0" smtClean="0"/>
+              <a:t> is afgeleid</a:t>
+            </a:r>
+            <a:r>
+              <a:rPr lang="nl-BE" baseline="0" dirty="0" smtClean="0"/>
+              <a:t> van pad relatief t.o.v. </a:t>
+            </a:r>
+            <a:r>
+              <a:rPr lang="nl-BE" baseline="0" dirty="0" err="1" smtClean="0"/>
+              <a:t>baseUrl</a:t>
+            </a:r>
+            <a:r>
+              <a:rPr lang="nl-BE" baseline="0" dirty="0" smtClean="0"/>
+              <a:t> (normaal locatie van main.js)</a:t>
             </a:r>
             <a:endParaRPr lang="en-US" dirty="0"/>
           </a:p>
@@ -806,7 +891,7 @@
           <a:p>
             <a:fld id="{0DF56419-AC34-45D0-BAB8-5A4CB1E563BF}" type="slidenum">
               <a:rPr lang="en-US" smtClean="0"/>
-              <a:t>23</a:t>
+              <a:t>22</a:t>
             </a:fld>
             <a:endParaRPr lang="en-US"/>
           </a:p>
@@ -815,7 +900,7 @@
     </p:spTree>
     <p:extLst>
       <p:ext uri="{BB962C8B-B14F-4D97-AF65-F5344CB8AC3E}">
-        <p14:creationId xmlns:p14="http://schemas.microsoft.com/office/powerpoint/2010/main" val="3152353316"/>
+        <p14:creationId xmlns:p14="http://schemas.microsoft.com/office/powerpoint/2010/main" val="106862747"/>
       </p:ext>
     </p:extLst>
   </p:cSld>
@@ -871,30 +956,16 @@
           <a:p>
             <a:r>
               <a:rPr lang="nl-BE" dirty="0" smtClean="0"/>
-              <a:t>Object</a:t>
-            </a:r>
-            <a:r>
-              <a:rPr lang="nl-BE" baseline="0" dirty="0" smtClean="0"/>
-              <a:t> </a:t>
-            </a:r>
-            <a:r>
-              <a:rPr lang="nl-BE" baseline="0" dirty="0" err="1" smtClean="0"/>
-              <a:t>composition</a:t>
-            </a:r>
-            <a:r>
-              <a:rPr lang="nl-BE" baseline="0" dirty="0" smtClean="0"/>
-              <a:t>: via </a:t>
-            </a:r>
-            <a:r>
-              <a:rPr lang="nl-BE" baseline="0" dirty="0" err="1" smtClean="0"/>
-              <a:t>RequireJS</a:t>
-            </a:r>
-            <a:r>
-              <a:rPr lang="nl-BE" baseline="0" dirty="0" smtClean="0"/>
-              <a:t> gewoon modules en hun afhankelijkheden</a:t>
-            </a:r>
-          </a:p>
-          <a:p>
+              <a:t>Indien meerdere root </a:t>
+            </a:r>
+            <a:r>
+              <a:rPr lang="nl-BE" dirty="0" err="1" smtClean="0"/>
+              <a:t>elements</a:t>
+            </a:r>
+            <a:r>
+              <a:rPr lang="nl-BE" dirty="0" smtClean="0"/>
+              <a:t>, dan worden deze in een div geplaatst</a:t>
+            </a:r>
             <a:endParaRPr lang="en-US" dirty="0"/>
           </a:p>
         </p:txBody>
@@ -916,7 +987,7 @@
           <a:p>
             <a:fld id="{0DF56419-AC34-45D0-BAB8-5A4CB1E563BF}" type="slidenum">
               <a:rPr lang="en-US" smtClean="0"/>
-              <a:t>25</a:t>
+              <a:t>23</a:t>
             </a:fld>
             <a:endParaRPr lang="en-US"/>
           </a:p>
@@ -925,7 +996,7 @@
     </p:spTree>
     <p:extLst>
       <p:ext uri="{BB962C8B-B14F-4D97-AF65-F5344CB8AC3E}">
-        <p14:creationId xmlns:p14="http://schemas.microsoft.com/office/powerpoint/2010/main" val="2009853299"/>
+        <p14:creationId xmlns:p14="http://schemas.microsoft.com/office/powerpoint/2010/main" val="3152353316"/>
       </p:ext>
     </p:extLst>
   </p:cSld>
@@ -981,185 +1052,31 @@
           <a:p>
             <a:r>
               <a:rPr lang="nl-BE" dirty="0" smtClean="0"/>
-              <a:t>1: view wordt </a:t>
-            </a:r>
-            <a:r>
-              <a:rPr lang="nl-BE" dirty="0" err="1" smtClean="0"/>
-              <a:t>gebind</a:t>
-            </a:r>
-            <a:r>
-              <a:rPr lang="nl-BE" dirty="0" smtClean="0"/>
-              <a:t> tegen huidige context</a:t>
-            </a:r>
-          </a:p>
-          <a:p>
-            <a:r>
-              <a:rPr lang="nl-BE" dirty="0" smtClean="0"/>
-              <a:t>2: </a:t>
-            </a:r>
-            <a:r>
-              <a:rPr lang="nl-BE" dirty="0" err="1" smtClean="0"/>
-              <a:t>id</a:t>
-            </a:r>
-            <a:r>
-              <a:rPr lang="nl-BE" dirty="0" smtClean="0"/>
-              <a:t> van een module</a:t>
-            </a:r>
-            <a:r>
-              <a:rPr lang="nl-BE" baseline="0" dirty="0" smtClean="0"/>
-              <a:t> (want geen view extension, bv .html)</a:t>
-            </a:r>
-            <a:r>
-              <a:rPr lang="nl-BE" dirty="0" smtClean="0"/>
-              <a:t>; module en</a:t>
-            </a:r>
-            <a:r>
-              <a:rPr lang="nl-BE" baseline="0" dirty="0" smtClean="0"/>
-              <a:t> view worden ingeladen en </a:t>
+              <a:t>Object</a:t>
+            </a:r>
+            <a:r>
+              <a:rPr lang="nl-BE" baseline="0" dirty="0" smtClean="0"/>
+              <a:t> </a:t>
             </a:r>
             <a:r>
               <a:rPr lang="nl-BE" baseline="0" dirty="0" err="1" smtClean="0"/>
-              <a:t>gebind</a:t>
-            </a:r>
-            <a:r>
-              <a:rPr lang="nl-BE" baseline="0" dirty="0" smtClean="0"/>
-              <a:t> aan elkaar</a:t>
-            </a:r>
-          </a:p>
-          <a:p>
-            <a:r>
-              <a:rPr lang="nl-BE" baseline="0" dirty="0" smtClean="0"/>
-              <a:t>3: een </a:t>
+              <a:t>composition</a:t>
+            </a:r>
+            <a:r>
+              <a:rPr lang="nl-BE" baseline="0" dirty="0" smtClean="0"/>
+              <a:t>: via </a:t>
             </a:r>
             <a:r>
               <a:rPr lang="nl-BE" baseline="0" dirty="0" err="1" smtClean="0"/>
-              <a:t>observable</a:t>
-            </a:r>
-            <a:r>
-              <a:rPr lang="nl-BE" baseline="0" dirty="0" smtClean="0"/>
-              <a:t>; interessant want wanneer </a:t>
-            </a:r>
-            <a:r>
-              <a:rPr lang="nl-BE" baseline="0" dirty="0" err="1" smtClean="0"/>
-              <a:t>observable</a:t>
-            </a:r>
-            <a:r>
-              <a:rPr lang="nl-BE" baseline="0" dirty="0" smtClean="0"/>
-              <a:t> verandert, verandert de DOM</a:t>
-            </a:r>
-          </a:p>
-          <a:p>
-            <a:r>
-              <a:rPr lang="nl-BE" baseline="0" dirty="0" smtClean="0"/>
-              <a:t>	indien een string</a:t>
-            </a:r>
-          </a:p>
-          <a:p>
-            <a:r>
-              <a:rPr lang="nl-BE" baseline="0" dirty="0" smtClean="0"/>
-              <a:t>		met view extension: view wordt ingeladen en </a:t>
-            </a:r>
-            <a:r>
-              <a:rPr lang="nl-BE" baseline="0" dirty="0" err="1" smtClean="0"/>
-              <a:t>gebind</a:t>
-            </a:r>
-            <a:r>
-              <a:rPr lang="nl-BE" baseline="0" dirty="0" smtClean="0"/>
-              <a:t> aan huidige context</a:t>
-            </a:r>
-          </a:p>
-          <a:p>
-            <a:r>
-              <a:rPr lang="nl-BE" baseline="0" dirty="0" smtClean="0"/>
-              <a:t>		indien een </a:t>
-            </a:r>
-            <a:r>
-              <a:rPr lang="nl-BE" baseline="0" dirty="0" err="1" smtClean="0"/>
-              <a:t>moduleid</a:t>
-            </a:r>
-            <a:r>
-              <a:rPr lang="nl-BE" baseline="0" dirty="0" smtClean="0"/>
-              <a:t>: module en view worden ingeladen en </a:t>
-            </a:r>
-            <a:r>
-              <a:rPr lang="nl-BE" baseline="0" dirty="0" err="1" smtClean="0"/>
-              <a:t>gebind</a:t>
-            </a:r>
-            <a:r>
-              <a:rPr lang="nl-BE" baseline="0" dirty="0" smtClean="0"/>
-              <a:t> aan elkaar</a:t>
-            </a:r>
-          </a:p>
-          <a:p>
-            <a:r>
-              <a:rPr lang="nl-BE" baseline="0" dirty="0" smtClean="0"/>
-              <a:t>	indien een object</a:t>
-            </a:r>
-          </a:p>
-          <a:p>
-            <a:r>
-              <a:rPr lang="nl-BE" baseline="0" dirty="0" smtClean="0"/>
-              <a:t>		bijpassende view wordt opgezocht, beiden worden aan elkaar </a:t>
-            </a:r>
-            <a:r>
-              <a:rPr lang="nl-BE" baseline="0" dirty="0" err="1" smtClean="0"/>
-              <a:t>gebind</a:t>
-            </a:r>
-            <a:endParaRPr lang="nl-BE" baseline="0" dirty="0" smtClean="0"/>
-          </a:p>
-          <a:p>
-            <a:r>
-              <a:rPr lang="nl-BE" baseline="0" dirty="0" smtClean="0"/>
-              <a:t>	indien een </a:t>
-            </a:r>
-            <a:r>
-              <a:rPr lang="nl-BE" baseline="0" dirty="0" err="1" smtClean="0"/>
-              <a:t>function</a:t>
-            </a:r>
-            <a:endParaRPr lang="nl-BE" baseline="0" dirty="0" smtClean="0"/>
-          </a:p>
-          <a:p>
-            <a:r>
-              <a:rPr lang="nl-BE" baseline="0" dirty="0" smtClean="0"/>
-              <a:t>		</a:t>
-            </a:r>
-            <a:r>
-              <a:rPr lang="nl-BE" baseline="0" dirty="0" err="1" smtClean="0"/>
-              <a:t>function</a:t>
-            </a:r>
-            <a:r>
-              <a:rPr lang="nl-BE" baseline="0" dirty="0" smtClean="0"/>
-              <a:t> wordt opgeroepen met new, view wordt gezocht voor object, binding</a:t>
-            </a:r>
-          </a:p>
-          <a:p>
-            <a:endParaRPr lang="nl-BE" baseline="0" dirty="0" smtClean="0"/>
-          </a:p>
-          <a:p>
-            <a:r>
-              <a:rPr lang="nl-BE" baseline="0" dirty="0" err="1" smtClean="0"/>
-              <a:t>Compose</a:t>
-            </a:r>
-            <a:r>
-              <a:rPr lang="nl-BE" baseline="0" dirty="0" smtClean="0"/>
-              <a:t> met object met view en/of model property: werkt in het algemeen zoals je zou verwachten</a:t>
-            </a:r>
-          </a:p>
-          <a:p>
-            <a:endParaRPr lang="nl-BE" baseline="0" dirty="0" smtClean="0"/>
-          </a:p>
-          <a:p>
-            <a:r>
-              <a:rPr lang="nl-BE" baseline="0" dirty="0" smtClean="0"/>
-              <a:t>Indien er iets niet lukt (bv geen view gevonden,…) </a:t>
-            </a:r>
-            <a:r>
-              <a:rPr lang="nl-BE" baseline="0" dirty="0" smtClean="0">
-                <a:sym typeface="Wingdings" panose="05000000000000000000" pitchFamily="2" charset="2"/>
-              </a:rPr>
-              <a:t> er zal niks in de DOM te zien zijn</a:t>
-            </a:r>
-            <a:endParaRPr lang="nl-BE" baseline="0" dirty="0" smtClean="0"/>
+              <a:t>RequireJS</a:t>
+            </a:r>
+            <a:r>
+              <a:rPr lang="nl-BE" baseline="0" dirty="0" smtClean="0"/>
+              <a:t> gewoon modules en hun afhankelijkheden</a:t>
+            </a:r>
+          </a:p>
+          <a:p>
+            <a:endParaRPr lang="en-US" dirty="0"/>
           </a:p>
         </p:txBody>
       </p:sp>
@@ -1180,7 +1097,7 @@
           <a:p>
             <a:fld id="{0DF56419-AC34-45D0-BAB8-5A4CB1E563BF}" type="slidenum">
               <a:rPr lang="en-US" smtClean="0"/>
-              <a:t>26</a:t>
+              <a:t>25</a:t>
             </a:fld>
             <a:endParaRPr lang="en-US"/>
           </a:p>
@@ -1189,7 +1106,7 @@
     </p:spTree>
     <p:extLst>
       <p:ext uri="{BB962C8B-B14F-4D97-AF65-F5344CB8AC3E}">
-        <p14:creationId xmlns:p14="http://schemas.microsoft.com/office/powerpoint/2010/main" val="2510050687"/>
+        <p14:creationId xmlns:p14="http://schemas.microsoft.com/office/powerpoint/2010/main" val="2009853299"/>
       </p:ext>
     </p:extLst>
   </p:cSld>
@@ -1245,47 +1162,147 @@
           <a:p>
             <a:r>
               <a:rPr lang="nl-BE" dirty="0" smtClean="0"/>
-              <a:t>Extra opties voor je </a:t>
-            </a:r>
-            <a:r>
-              <a:rPr lang="nl-BE" dirty="0" err="1" smtClean="0"/>
-              <a:t>compose</a:t>
-            </a:r>
-            <a:r>
-              <a:rPr lang="nl-BE" dirty="0" smtClean="0"/>
-              <a:t> binding.</a:t>
-            </a:r>
-          </a:p>
-          <a:p>
-            <a:r>
-              <a:rPr lang="nl-BE" dirty="0" err="1" smtClean="0"/>
-              <a:t>strategy</a:t>
-            </a:r>
-            <a:r>
-              <a:rPr lang="nl-BE" dirty="0" smtClean="0"/>
-              <a:t>:</a:t>
-            </a:r>
-            <a:r>
-              <a:rPr lang="nl-BE" baseline="0" dirty="0" smtClean="0"/>
-              <a:t> </a:t>
+              <a:t>1: view wordt </a:t>
+            </a:r>
+            <a:r>
+              <a:rPr lang="nl-BE" dirty="0" err="1" smtClean="0"/>
+              <a:t>gebind</a:t>
+            </a:r>
+            <a:r>
+              <a:rPr lang="nl-BE" dirty="0" smtClean="0"/>
+              <a:t> tegen huidige context</a:t>
+            </a:r>
+          </a:p>
+          <a:p>
+            <a:r>
+              <a:rPr lang="nl-BE" dirty="0" smtClean="0"/>
+              <a:t>2: </a:t>
+            </a:r>
+            <a:r>
+              <a:rPr lang="nl-BE" dirty="0" err="1" smtClean="0"/>
+              <a:t>id</a:t>
+            </a:r>
+            <a:r>
+              <a:rPr lang="nl-BE" dirty="0" smtClean="0"/>
+              <a:t> van een module</a:t>
+            </a:r>
+            <a:r>
+              <a:rPr lang="nl-BE" baseline="0" dirty="0" smtClean="0"/>
+              <a:t> (want geen view extension, bv .html)</a:t>
+            </a:r>
+            <a:r>
+              <a:rPr lang="nl-BE" dirty="0" smtClean="0"/>
+              <a:t>; module en</a:t>
+            </a:r>
+            <a:r>
+              <a:rPr lang="nl-BE" baseline="0" dirty="0" smtClean="0"/>
+              <a:t> view worden ingeladen en </a:t>
+            </a:r>
+            <a:r>
+              <a:rPr lang="nl-BE" baseline="0" dirty="0" err="1" smtClean="0"/>
+              <a:t>gebind</a:t>
+            </a:r>
+            <a:r>
+              <a:rPr lang="nl-BE" baseline="0" dirty="0" smtClean="0"/>
+              <a:t> aan elkaar</a:t>
+            </a:r>
+          </a:p>
+          <a:p>
+            <a:r>
+              <a:rPr lang="nl-BE" baseline="0" dirty="0" smtClean="0"/>
+              <a:t>3: een </a:t>
+            </a:r>
+            <a:r>
+              <a:rPr lang="nl-BE" baseline="0" dirty="0" err="1" smtClean="0"/>
+              <a:t>observable</a:t>
+            </a:r>
+            <a:r>
+              <a:rPr lang="nl-BE" baseline="0" dirty="0" smtClean="0"/>
+              <a:t>; interessant want wanneer </a:t>
+            </a:r>
+            <a:r>
+              <a:rPr lang="nl-BE" baseline="0" dirty="0" err="1" smtClean="0"/>
+              <a:t>observable</a:t>
+            </a:r>
+            <a:r>
+              <a:rPr lang="nl-BE" baseline="0" dirty="0" smtClean="0"/>
+              <a:t> verandert, verandert de DOM</a:t>
+            </a:r>
+          </a:p>
+          <a:p>
+            <a:r>
+              <a:rPr lang="nl-BE" baseline="0" dirty="0" smtClean="0"/>
+              <a:t>	indien een string</a:t>
+            </a:r>
+          </a:p>
+          <a:p>
+            <a:r>
+              <a:rPr lang="nl-BE" baseline="0" dirty="0" smtClean="0"/>
+              <a:t>		met view extension: view wordt ingeladen en </a:t>
+            </a:r>
+            <a:r>
+              <a:rPr lang="nl-BE" baseline="0" dirty="0" err="1" smtClean="0"/>
+              <a:t>gebind</a:t>
+            </a:r>
+            <a:r>
+              <a:rPr lang="nl-BE" baseline="0" dirty="0" smtClean="0"/>
+              <a:t> aan huidige context</a:t>
+            </a:r>
+          </a:p>
+          <a:p>
+            <a:r>
+              <a:rPr lang="nl-BE" baseline="0" dirty="0" smtClean="0"/>
+              <a:t>		indien een </a:t>
+            </a:r>
+            <a:r>
+              <a:rPr lang="nl-BE" baseline="0" dirty="0" err="1" smtClean="0"/>
+              <a:t>moduleid</a:t>
+            </a:r>
+            <a:r>
+              <a:rPr lang="nl-BE" baseline="0" dirty="0" smtClean="0"/>
+              <a:t>: module en view worden ingeladen en </a:t>
+            </a:r>
+            <a:r>
+              <a:rPr lang="nl-BE" baseline="0" dirty="0" err="1" smtClean="0"/>
+              <a:t>gebind</a:t>
+            </a:r>
+            <a:r>
+              <a:rPr lang="nl-BE" baseline="0" dirty="0" smtClean="0"/>
+              <a:t> aan elkaar</a:t>
+            </a:r>
+          </a:p>
+          <a:p>
+            <a:r>
+              <a:rPr lang="nl-BE" baseline="0" dirty="0" smtClean="0"/>
+              <a:t>	indien een object</a:t>
+            </a:r>
+          </a:p>
+          <a:p>
+            <a:r>
+              <a:rPr lang="nl-BE" baseline="0" dirty="0" smtClean="0"/>
+              <a:t>		bijpassende view wordt opgezocht, beiden worden aan elkaar </a:t>
+            </a:r>
+            <a:r>
+              <a:rPr lang="nl-BE" baseline="0" dirty="0" err="1" smtClean="0"/>
+              <a:t>gebind</a:t>
+            </a:r>
+            <a:endParaRPr lang="nl-BE" baseline="0" dirty="0" smtClean="0"/>
+          </a:p>
+          <a:p>
+            <a:r>
+              <a:rPr lang="nl-BE" baseline="0" dirty="0" smtClean="0"/>
+              <a:t>	indien een </a:t>
             </a:r>
             <a:r>
               <a:rPr lang="nl-BE" baseline="0" dirty="0" err="1" smtClean="0"/>
               <a:t>function</a:t>
             </a:r>
-            <a:r>
-              <a:rPr lang="nl-BE" baseline="0" dirty="0" smtClean="0"/>
-              <a:t> om view te vinden indien niet gegeven</a:t>
-            </a:r>
-          </a:p>
-          <a:p>
-            <a:r>
-              <a:rPr lang="nl-BE" baseline="0" dirty="0" err="1" smtClean="0"/>
-              <a:t>transition</a:t>
-            </a:r>
-            <a:r>
-              <a:rPr lang="nl-BE" baseline="0" dirty="0" smtClean="0"/>
-              <a:t>: </a:t>
+            <a:endParaRPr lang="nl-BE" baseline="0" dirty="0" smtClean="0"/>
+          </a:p>
+          <a:p>
+            <a:r>
+              <a:rPr lang="nl-BE" baseline="0" dirty="0" smtClean="0"/>
+              <a:t>		</a:t>
             </a:r>
             <a:r>
               <a:rPr lang="nl-BE" baseline="0" dirty="0" err="1" smtClean="0"/>
@@ -1293,51 +1310,20 @@
             </a:r>
             <a:r>
               <a:rPr lang="nl-BE" baseline="0" dirty="0" smtClean="0"/>
-              <a:t> om wijziging van views in DOM te animeren</a:t>
-            </a:r>
+              <a:t> wordt opgeroepen met new, view wordt gezocht voor object, binding</a:t>
+            </a:r>
+          </a:p>
+          <a:p>
+            <a:endParaRPr lang="nl-BE" baseline="0" dirty="0" smtClean="0"/>
           </a:p>
           <a:p>
             <a:r>
               <a:rPr lang="nl-BE" baseline="0" dirty="0" err="1" smtClean="0"/>
-              <a:t>cacheViews</a:t>
-            </a:r>
-            <a:r>
-              <a:rPr lang="nl-BE" baseline="0" dirty="0" smtClean="0"/>
-              <a:t>: views worden bijgehouden en hergebruikt indien binding op hetzelfde object gebeurt</a:t>
-            </a:r>
-          </a:p>
-          <a:p>
-            <a:r>
-              <a:rPr lang="nl-BE" baseline="0" dirty="0" err="1" smtClean="0"/>
-              <a:t>activate</a:t>
-            </a:r>
-            <a:r>
-              <a:rPr lang="nl-BE" baseline="0" dirty="0" smtClean="0"/>
-              <a:t>: indien </a:t>
-            </a:r>
-            <a:r>
-              <a:rPr lang="nl-BE" baseline="0" dirty="0" err="1" smtClean="0"/>
-              <a:t>activate</a:t>
-            </a:r>
-            <a:r>
-              <a:rPr lang="nl-BE" baseline="0" dirty="0" smtClean="0"/>
-              <a:t> op je viewmodel niet </a:t>
-            </a:r>
-            <a:r>
-              <a:rPr lang="nl-BE" baseline="0" dirty="0" err="1" smtClean="0"/>
-              <a:t>gecalled</a:t>
-            </a:r>
-            <a:r>
-              <a:rPr lang="nl-BE" baseline="0" dirty="0" smtClean="0"/>
-              <a:t> moet worden (default: </a:t>
-            </a:r>
-            <a:r>
-              <a:rPr lang="nl-BE" baseline="0" dirty="0" err="1" smtClean="0"/>
-              <a:t>true</a:t>
-            </a:r>
-            <a:r>
-              <a:rPr lang="nl-BE" baseline="0" dirty="0" smtClean="0"/>
-              <a:t>)</a:t>
+              <a:t>Compose</a:t>
+            </a:r>
+            <a:r>
+              <a:rPr lang="nl-BE" baseline="0" dirty="0" smtClean="0"/>
+              <a:t> met object met view en/of model property: werkt in het algemeen zoals je zou verwachten</a:t>
             </a:r>
           </a:p>
           <a:p>
@@ -1346,41 +1332,28 @@
           <a:p>
             <a:r>
               <a:rPr lang="nl-BE" baseline="0" dirty="0" smtClean="0"/>
-              <a:t>Veel extra mogelijkheden. De </a:t>
-            </a:r>
-            <a:r>
-              <a:rPr lang="nl-BE" baseline="0" dirty="0" err="1" smtClean="0"/>
-              <a:t>composition</a:t>
-            </a:r>
-            <a:r>
-              <a:rPr lang="nl-BE" baseline="0" dirty="0" smtClean="0"/>
-              <a:t> </a:t>
-            </a:r>
-            <a:r>
-              <a:rPr lang="nl-BE" baseline="0" dirty="0" err="1" smtClean="0"/>
-              <a:t>lifecycle</a:t>
-            </a:r>
-            <a:r>
-              <a:rPr lang="nl-BE" baseline="0" dirty="0" smtClean="0"/>
-              <a:t> laat je toe om in te pikken op de verschillende momenten van </a:t>
-            </a:r>
-            <a:r>
-              <a:rPr lang="nl-BE" baseline="0" dirty="0" err="1" smtClean="0"/>
-              <a:t>composition</a:t>
-            </a:r>
-            <a:r>
-              <a:rPr lang="nl-BE" baseline="0" dirty="0" smtClean="0"/>
-              <a:t>. Een beetje zoals ASP.NET page </a:t>
-            </a:r>
-            <a:r>
-              <a:rPr lang="nl-BE" baseline="0" dirty="0" err="1" smtClean="0"/>
-              <a:t>lifecycle</a:t>
-            </a:r>
-            <a:r>
-              <a:rPr lang="nl-BE" baseline="0" dirty="0" smtClean="0"/>
-              <a:t>. Bestaat uit:</a:t>
-            </a:r>
-            <a:endParaRPr lang="en-US" dirty="0"/>
+              <a:t>Indien er iets niet lukt (bv geen view gevonden,…) </a:t>
+            </a:r>
+            <a:r>
+              <a:rPr lang="nl-BE" baseline="0" dirty="0" smtClean="0">
+                <a:sym typeface="Wingdings" panose="05000000000000000000" pitchFamily="2" charset="2"/>
+              </a:rPr>
+              <a:t> er zal niks in de DOM te zien zijn</a:t>
+            </a:r>
+          </a:p>
+          <a:p>
+            <a:endParaRPr lang="nl-BE" baseline="0" dirty="0" smtClean="0">
+              <a:sym typeface="Wingdings" panose="05000000000000000000" pitchFamily="2" charset="2"/>
+            </a:endParaRPr>
+          </a:p>
+          <a:p>
+            <a:r>
+              <a:rPr lang="nl-BE" baseline="0" dirty="0" smtClean="0">
+                <a:sym typeface="Wingdings" panose="05000000000000000000" pitchFamily="2" charset="2"/>
+              </a:rPr>
+              <a:t>In demo: home.html en beers.html</a:t>
+            </a:r>
+            <a:endParaRPr lang="nl-BE" baseline="0" dirty="0" smtClean="0"/>
           </a:p>
         </p:txBody>
       </p:sp>
@@ -1401,7 +1374,7 @@
           <a:p>
             <a:fld id="{0DF56419-AC34-45D0-BAB8-5A4CB1E563BF}" type="slidenum">
               <a:rPr lang="en-US" smtClean="0"/>
-              <a:t>27</a:t>
+              <a:t>26</a:t>
             </a:fld>
             <a:endParaRPr lang="en-US"/>
           </a:p>
@@ -1410,7 +1383,7 @@
     </p:spTree>
     <p:extLst>
       <p:ext uri="{BB962C8B-B14F-4D97-AF65-F5344CB8AC3E}">
-        <p14:creationId xmlns:p14="http://schemas.microsoft.com/office/powerpoint/2010/main" val="1389305066"/>
+        <p14:creationId xmlns:p14="http://schemas.microsoft.com/office/powerpoint/2010/main" val="2510050687"/>
       </p:ext>
     </p:extLst>
   </p:cSld>
@@ -1465,24 +1438,149 @@
           <a:lstStyle/>
           <a:p>
             <a:r>
-              <a:rPr lang="nl-BE" dirty="0" err="1" smtClean="0"/>
-              <a:t>urlArgs</a:t>
-            </a:r>
-            <a:r>
-              <a:rPr lang="nl-BE" dirty="0" smtClean="0"/>
-              <a:t> worden toegevoegd</a:t>
-            </a:r>
-            <a:r>
-              <a:rPr lang="nl-BE" baseline="0" dirty="0" smtClean="0"/>
-              <a:t> aan iedere </a:t>
+              <a:rPr lang="nl-BE" dirty="0" smtClean="0"/>
+              <a:t>Extra opties voor je </a:t>
+            </a:r>
+            <a:r>
+              <a:rPr lang="nl-BE" dirty="0" err="1" smtClean="0"/>
+              <a:t>compose</a:t>
+            </a:r>
+            <a:r>
+              <a:rPr lang="nl-BE" dirty="0" smtClean="0"/>
+              <a:t> binding.</a:t>
+            </a:r>
+          </a:p>
+          <a:p>
+            <a:r>
+              <a:rPr lang="nl-BE" dirty="0" err="1" smtClean="0"/>
+              <a:t>strategy</a:t>
+            </a:r>
+            <a:r>
+              <a:rPr lang="nl-BE" dirty="0" smtClean="0"/>
+              <a:t>:</a:t>
+            </a:r>
+            <a:r>
+              <a:rPr lang="nl-BE" baseline="0" dirty="0" smtClean="0"/>
+              <a:t> </a:t>
             </a:r>
             <a:r>
               <a:rPr lang="nl-BE" baseline="0" dirty="0" err="1" smtClean="0"/>
-              <a:t>request</a:t>
-            </a:r>
-            <a:r>
-              <a:rPr lang="nl-BE" baseline="0" dirty="0" smtClean="0"/>
-              <a:t>, best niet in productie zetten</a:t>
+              <a:t>function</a:t>
+            </a:r>
+            <a:r>
+              <a:rPr lang="nl-BE" baseline="0" dirty="0" smtClean="0"/>
+              <a:t> om view te vinden indien niet gegeven</a:t>
+            </a:r>
+          </a:p>
+          <a:p>
+            <a:r>
+              <a:rPr lang="nl-BE" baseline="0" dirty="0" err="1" smtClean="0"/>
+              <a:t>transition</a:t>
+            </a:r>
+            <a:r>
+              <a:rPr lang="nl-BE" baseline="0" dirty="0" smtClean="0"/>
+              <a:t>: </a:t>
+            </a:r>
+            <a:r>
+              <a:rPr lang="nl-BE" baseline="0" dirty="0" err="1" smtClean="0"/>
+              <a:t>function</a:t>
+            </a:r>
+            <a:r>
+              <a:rPr lang="nl-BE" baseline="0" dirty="0" smtClean="0"/>
+              <a:t> om wijziging van views in DOM te animeren, je kan je eigen </a:t>
+            </a:r>
+            <a:r>
+              <a:rPr lang="nl-BE" baseline="0" dirty="0" err="1" smtClean="0"/>
+              <a:t>transitions</a:t>
+            </a:r>
+            <a:r>
+              <a:rPr lang="nl-BE" baseline="0" dirty="0" smtClean="0"/>
+              <a:t> definiëren</a:t>
+            </a:r>
+          </a:p>
+          <a:p>
+            <a:r>
+              <a:rPr lang="nl-BE" baseline="0" dirty="0" err="1" smtClean="0"/>
+              <a:t>cacheViews</a:t>
+            </a:r>
+            <a:r>
+              <a:rPr lang="nl-BE" baseline="0" dirty="0" smtClean="0"/>
+              <a:t>: views worden bijgehouden en hergebruikt indien binding op hetzelfde object gebeurt</a:t>
+            </a:r>
+          </a:p>
+          <a:p>
+            <a:r>
+              <a:rPr lang="nl-BE" baseline="0" dirty="0" err="1" smtClean="0"/>
+              <a:t>activate</a:t>
+            </a:r>
+            <a:r>
+              <a:rPr lang="nl-BE" baseline="0" dirty="0" smtClean="0"/>
+              <a:t>: indien </a:t>
+            </a:r>
+            <a:r>
+              <a:rPr lang="nl-BE" baseline="0" dirty="0" err="1" smtClean="0"/>
+              <a:t>activate</a:t>
+            </a:r>
+            <a:r>
+              <a:rPr lang="nl-BE" baseline="0" dirty="0" smtClean="0"/>
+              <a:t> op je viewmodel niet </a:t>
+            </a:r>
+            <a:r>
+              <a:rPr lang="nl-BE" baseline="0" dirty="0" err="1" smtClean="0"/>
+              <a:t>gecalled</a:t>
+            </a:r>
+            <a:r>
+              <a:rPr lang="nl-BE" baseline="0" dirty="0" smtClean="0"/>
+              <a:t> moet worden (default: </a:t>
+            </a:r>
+            <a:r>
+              <a:rPr lang="nl-BE" baseline="0" dirty="0" err="1" smtClean="0"/>
+              <a:t>true</a:t>
+            </a:r>
+            <a:r>
+              <a:rPr lang="nl-BE" baseline="0" dirty="0" smtClean="0"/>
+              <a:t>)</a:t>
+            </a:r>
+          </a:p>
+          <a:p>
+            <a:endParaRPr lang="nl-BE" baseline="0" dirty="0" smtClean="0"/>
+          </a:p>
+          <a:p>
+            <a:r>
+              <a:rPr lang="nl-BE" baseline="0" dirty="0" smtClean="0"/>
+              <a:t>Veel extra mogelijkheden. De </a:t>
+            </a:r>
+            <a:r>
+              <a:rPr lang="nl-BE" baseline="0" dirty="0" err="1" smtClean="0"/>
+              <a:t>composition</a:t>
+            </a:r>
+            <a:r>
+              <a:rPr lang="nl-BE" baseline="0" dirty="0" smtClean="0"/>
+              <a:t> </a:t>
+            </a:r>
+            <a:r>
+              <a:rPr lang="nl-BE" baseline="0" dirty="0" err="1" smtClean="0"/>
+              <a:t>lifecycle</a:t>
+            </a:r>
+            <a:r>
+              <a:rPr lang="nl-BE" baseline="0" dirty="0" smtClean="0"/>
+              <a:t> laat je toe om in te pikken op de verschillende momenten van </a:t>
+            </a:r>
+            <a:r>
+              <a:rPr lang="nl-BE" baseline="0" dirty="0" err="1" smtClean="0"/>
+              <a:t>composition</a:t>
+            </a:r>
+            <a:r>
+              <a:rPr lang="nl-BE" baseline="0" dirty="0" smtClean="0"/>
+              <a:t>. Een beetje zoals ASP.NET page </a:t>
+            </a:r>
+            <a:r>
+              <a:rPr lang="nl-BE" baseline="0" dirty="0" err="1" smtClean="0"/>
+              <a:t>lifecycle</a:t>
+            </a:r>
+            <a:r>
+              <a:rPr lang="nl-BE" baseline="0" dirty="0" smtClean="0"/>
+              <a:t>. Bestaat uit:</a:t>
             </a:r>
             <a:endParaRPr lang="en-US" dirty="0"/>
           </a:p>
@@ -1505,7 +1603,7 @@
           <a:p>
             <a:fld id="{0DF56419-AC34-45D0-BAB8-5A4CB1E563BF}" type="slidenum">
               <a:rPr lang="en-US" smtClean="0"/>
-              <a:t>28</a:t>
+              <a:t>27</a:t>
             </a:fld>
             <a:endParaRPr lang="en-US"/>
           </a:p>
@@ -1514,7 +1612,7 @@
     </p:spTree>
     <p:extLst>
       <p:ext uri="{BB962C8B-B14F-4D97-AF65-F5344CB8AC3E}">
-        <p14:creationId xmlns:p14="http://schemas.microsoft.com/office/powerpoint/2010/main" val="1213175449"/>
+        <p14:creationId xmlns:p14="http://schemas.microsoft.com/office/powerpoint/2010/main" val="1389305066"/>
       </p:ext>
     </p:extLst>
   </p:cSld>
@@ -1570,38 +1668,25 @@
           <a:p>
             <a:r>
               <a:rPr lang="nl-BE" dirty="0" err="1" smtClean="0"/>
-              <a:t>showMessage</a:t>
-            </a:r>
-            <a:r>
-              <a:rPr lang="nl-BE" dirty="0" smtClean="0"/>
-              <a:t> voorbeeld bij</a:t>
-            </a:r>
-            <a:r>
-              <a:rPr lang="nl-BE" baseline="0" dirty="0" smtClean="0"/>
-              <a:t> verwijderen van een bier</a:t>
-            </a:r>
-          </a:p>
-          <a:p>
-            <a:r>
-              <a:rPr lang="nl-BE" baseline="0" dirty="0" smtClean="0"/>
-              <a:t>Ook mogelijk om je eigen </a:t>
+              <a:t>urlArgs</a:t>
+            </a:r>
+            <a:r>
+              <a:rPr lang="nl-BE" dirty="0" smtClean="0"/>
+              <a:t> worden toegevoegd</a:t>
+            </a:r>
+            <a:r>
+              <a:rPr lang="nl-BE" baseline="0" dirty="0" smtClean="0"/>
+              <a:t> aan iedere </a:t>
             </a:r>
             <a:r>
               <a:rPr lang="nl-BE" baseline="0" dirty="0" err="1" smtClean="0"/>
-              <a:t>dialog</a:t>
-            </a:r>
-            <a:r>
-              <a:rPr lang="nl-BE" baseline="0" dirty="0" smtClean="0"/>
-              <a:t> te ontwerpen voor </a:t>
-            </a:r>
-            <a:r>
-              <a:rPr lang="nl-BE" baseline="0" dirty="0" err="1" smtClean="0"/>
-              <a:t>showDialog</a:t>
-            </a:r>
-            <a:r>
-              <a:rPr lang="nl-BE" baseline="0" dirty="0" smtClean="0"/>
-              <a:t>, zie search</a:t>
-            </a:r>
+              <a:t>request</a:t>
+            </a:r>
+            <a:r>
+              <a:rPr lang="nl-BE" baseline="0" dirty="0" smtClean="0"/>
+              <a:t>, best niet in productie zetten</a:t>
+            </a:r>
+            <a:endParaRPr lang="en-US" dirty="0"/>
           </a:p>
         </p:txBody>
       </p:sp>
@@ -1622,7 +1707,7 @@
           <a:p>
             <a:fld id="{0DF56419-AC34-45D0-BAB8-5A4CB1E563BF}" type="slidenum">
               <a:rPr lang="en-US" smtClean="0"/>
-              <a:t>29</a:t>
+              <a:t>28</a:t>
             </a:fld>
             <a:endParaRPr lang="en-US"/>
           </a:p>
@@ -1631,7 +1716,7 @@
     </p:spTree>
     <p:extLst>
       <p:ext uri="{BB962C8B-B14F-4D97-AF65-F5344CB8AC3E}">
-        <p14:creationId xmlns:p14="http://schemas.microsoft.com/office/powerpoint/2010/main" val="3055863286"/>
+        <p14:creationId xmlns:p14="http://schemas.microsoft.com/office/powerpoint/2010/main" val="1213175449"/>
       </p:ext>
     </p:extLst>
   </p:cSld>
@@ -1687,44 +1772,38 @@
           <a:p>
             <a:r>
               <a:rPr lang="nl-BE" dirty="0" err="1" smtClean="0"/>
-              <a:t>applicationHost</a:t>
-            </a:r>
-            <a:r>
-              <a:rPr lang="nl-BE" dirty="0" smtClean="0"/>
-              <a:t> is waar alles in gebeurt, hierin</a:t>
-            </a:r>
-            <a:r>
-              <a:rPr lang="nl-BE" baseline="0" dirty="0" smtClean="0"/>
-              <a:t> plaatst </a:t>
+              <a:t>showMessage</a:t>
+            </a:r>
+            <a:r>
+              <a:rPr lang="nl-BE" dirty="0" smtClean="0"/>
+              <a:t> voorbeeld bij</a:t>
+            </a:r>
+            <a:r>
+              <a:rPr lang="nl-BE" baseline="0" dirty="0" smtClean="0"/>
+              <a:t> verwijderen van een bier</a:t>
+            </a:r>
+          </a:p>
+          <a:p>
+            <a:r>
+              <a:rPr lang="nl-BE" baseline="0" dirty="0" smtClean="0"/>
+              <a:t>Ook mogelijk om je eigen </a:t>
             </a:r>
             <a:r>
               <a:rPr lang="nl-BE" baseline="0" dirty="0" err="1" smtClean="0"/>
-              <a:t>Durandal</a:t>
-            </a:r>
-            <a:r>
-              <a:rPr lang="nl-BE" baseline="0" dirty="0" smtClean="0"/>
-              <a:t> je views</a:t>
-            </a:r>
-            <a:endParaRPr lang="nl-BE" dirty="0" smtClean="0"/>
-          </a:p>
-          <a:p>
-            <a:r>
-              <a:rPr lang="nl-BE" dirty="0" smtClean="0"/>
-              <a:t>HTML die er al in staat wordt overschreven,</a:t>
-            </a:r>
-            <a:r>
-              <a:rPr lang="nl-BE" baseline="0" dirty="0" smtClean="0"/>
-              <a:t> maar kan als </a:t>
+              <a:t>dialog</a:t>
+            </a:r>
+            <a:r>
+              <a:rPr lang="nl-BE" baseline="0" dirty="0" smtClean="0"/>
+              <a:t> te ontwerpen voor </a:t>
             </a:r>
             <a:r>
               <a:rPr lang="nl-BE" baseline="0" dirty="0" err="1" smtClean="0"/>
-              <a:t>splashscreen</a:t>
-            </a:r>
-            <a:r>
-              <a:rPr lang="nl-BE" baseline="0" dirty="0" smtClean="0"/>
-              <a:t> dienen (deze techniek kan overal toegepast worden)</a:t>
-            </a:r>
-            <a:endParaRPr lang="en-US" dirty="0"/>
+              <a:t>showDialog</a:t>
+            </a:r>
+            <a:r>
+              <a:rPr lang="nl-BE" baseline="0" dirty="0" smtClean="0"/>
+              <a:t>, zie search</a:t>
+            </a:r>
           </a:p>
         </p:txBody>
       </p:sp>
@@ -1745,7 +1824,7 @@
           <a:p>
             <a:fld id="{0DF56419-AC34-45D0-BAB8-5A4CB1E563BF}" type="slidenum">
               <a:rPr lang="en-US" smtClean="0"/>
-              <a:t>30</a:t>
+              <a:t>29</a:t>
             </a:fld>
             <a:endParaRPr lang="en-US"/>
           </a:p>
@@ -1754,7 +1833,7 @@
     </p:spTree>
     <p:extLst>
       <p:ext uri="{BB962C8B-B14F-4D97-AF65-F5344CB8AC3E}">
-        <p14:creationId xmlns:p14="http://schemas.microsoft.com/office/powerpoint/2010/main" val="1795069426"/>
+        <p14:creationId xmlns:p14="http://schemas.microsoft.com/office/powerpoint/2010/main" val="3055863286"/>
       </p:ext>
     </p:extLst>
   </p:cSld>
@@ -1808,6 +1887,45 @@
           <a:bodyPr/>
           <a:lstStyle/>
           <a:p>
+            <a:r>
+              <a:rPr lang="nl-BE" dirty="0" err="1" smtClean="0"/>
+              <a:t>applicationHost</a:t>
+            </a:r>
+            <a:r>
+              <a:rPr lang="nl-BE" dirty="0" smtClean="0"/>
+              <a:t> is waar alles in gebeurt, hierin</a:t>
+            </a:r>
+            <a:r>
+              <a:rPr lang="nl-BE" baseline="0" dirty="0" smtClean="0"/>
+              <a:t> plaatst </a:t>
+            </a:r>
+            <a:r>
+              <a:rPr lang="nl-BE" baseline="0" dirty="0" err="1" smtClean="0"/>
+              <a:t>Durandal</a:t>
+            </a:r>
+            <a:r>
+              <a:rPr lang="nl-BE" baseline="0" dirty="0" smtClean="0"/>
+              <a:t> je views</a:t>
+            </a:r>
+            <a:endParaRPr lang="nl-BE" dirty="0" smtClean="0"/>
+          </a:p>
+          <a:p>
+            <a:r>
+              <a:rPr lang="nl-BE" dirty="0" smtClean="0"/>
+              <a:t>HTML die er al in staat wordt overschreven,</a:t>
+            </a:r>
+            <a:r>
+              <a:rPr lang="nl-BE" baseline="0" dirty="0" smtClean="0"/>
+              <a:t> maar kan als </a:t>
+            </a:r>
+            <a:r>
+              <a:rPr lang="nl-BE" baseline="0" dirty="0" err="1" smtClean="0"/>
+              <a:t>splashscreen</a:t>
+            </a:r>
+            <a:r>
+              <a:rPr lang="nl-BE" baseline="0" dirty="0" smtClean="0"/>
+              <a:t> dienen (deze techniek kan overal toegepast worden)</a:t>
+            </a:r>
             <a:endParaRPr lang="en-US" dirty="0"/>
           </a:p>
         </p:txBody>
@@ -1829,7 +1947,7 @@
           <a:p>
             <a:fld id="{0DF56419-AC34-45D0-BAB8-5A4CB1E563BF}" type="slidenum">
               <a:rPr lang="en-US" smtClean="0"/>
-              <a:t>31</a:t>
+              <a:t>30</a:t>
             </a:fld>
             <a:endParaRPr lang="en-US"/>
           </a:p>
@@ -1838,7 +1956,7 @@
     </p:spTree>
     <p:extLst>
       <p:ext uri="{BB962C8B-B14F-4D97-AF65-F5344CB8AC3E}">
-        <p14:creationId xmlns:p14="http://schemas.microsoft.com/office/powerpoint/2010/main" val="2754514785"/>
+        <p14:creationId xmlns:p14="http://schemas.microsoft.com/office/powerpoint/2010/main" val="1795069426"/>
       </p:ext>
     </p:extLst>
   </p:cSld>
@@ -1892,379 +2010,6 @@
           <a:bodyPr/>
           <a:lstStyle/>
           <a:p>
-            <a:r>
-              <a:rPr lang="nl-BE" dirty="0" smtClean="0"/>
-              <a:t>Router </a:t>
-            </a:r>
-            <a:r>
-              <a:rPr lang="nl-BE" dirty="0" err="1" smtClean="0"/>
-              <a:t>mappings</a:t>
-            </a:r>
-            <a:r>
-              <a:rPr lang="nl-BE" dirty="0" smtClean="0"/>
-              <a:t>:</a:t>
-            </a:r>
-          </a:p>
-          <a:p>
-            <a:r>
-              <a:rPr lang="nl-BE" dirty="0" smtClean="0"/>
-              <a:t>	route:</a:t>
-            </a:r>
-            <a:r>
-              <a:rPr lang="nl-BE" baseline="0" dirty="0" smtClean="0"/>
-              <a:t> wat in de </a:t>
-            </a:r>
-            <a:r>
-              <a:rPr lang="nl-BE" baseline="0" dirty="0" err="1" smtClean="0"/>
-              <a:t>url</a:t>
-            </a:r>
-            <a:r>
-              <a:rPr lang="nl-BE" baseline="0" dirty="0" smtClean="0"/>
-              <a:t> te zien is, leeg is de default route</a:t>
-            </a:r>
-          </a:p>
-          <a:p>
-            <a:r>
-              <a:rPr lang="nl-BE" baseline="0" dirty="0" smtClean="0"/>
-              <a:t>	</a:t>
-            </a:r>
-            <a:r>
-              <a:rPr lang="nl-BE" baseline="0" dirty="0" err="1" smtClean="0"/>
-              <a:t>title</a:t>
-            </a:r>
-            <a:r>
-              <a:rPr lang="nl-BE" baseline="0" dirty="0" smtClean="0"/>
-              <a:t>: gebruikt voor </a:t>
-            </a:r>
-            <a:r>
-              <a:rPr lang="nl-BE" baseline="0" dirty="0" err="1" smtClean="0"/>
-              <a:t>document.title</a:t>
-            </a:r>
-            <a:endParaRPr lang="nl-BE" baseline="0" dirty="0" smtClean="0"/>
-          </a:p>
-          <a:p>
-            <a:r>
-              <a:rPr lang="nl-BE" baseline="0" dirty="0" smtClean="0"/>
-              <a:t>	</a:t>
-            </a:r>
-            <a:r>
-              <a:rPr lang="nl-BE" baseline="0" dirty="0" err="1" smtClean="0"/>
-              <a:t>moduleId</a:t>
-            </a:r>
-            <a:r>
-              <a:rPr lang="nl-BE" baseline="0" dirty="0" smtClean="0"/>
-              <a:t>: </a:t>
-            </a:r>
-            <a:r>
-              <a:rPr lang="nl-BE" baseline="0" dirty="0" err="1" smtClean="0"/>
-              <a:t>id</a:t>
-            </a:r>
-            <a:r>
-              <a:rPr lang="nl-BE" baseline="0" dirty="0" smtClean="0"/>
-              <a:t> van je module, ook gebruikt om viewmodel op te sporen (en daarna bijbehorende view)</a:t>
-            </a:r>
-          </a:p>
-          <a:p>
-            <a:r>
-              <a:rPr lang="nl-BE" baseline="0" dirty="0" smtClean="0"/>
-              <a:t>	</a:t>
-            </a:r>
-            <a:r>
-              <a:rPr lang="nl-BE" baseline="0" dirty="0" err="1" smtClean="0"/>
-              <a:t>nav</a:t>
-            </a:r>
-            <a:r>
-              <a:rPr lang="nl-BE" baseline="0" dirty="0" smtClean="0"/>
-              <a:t>: of het opgenomen moet worden </a:t>
-            </a:r>
-            <a:r>
-              <a:rPr lang="nl-BE" baseline="0" smtClean="0"/>
-              <a:t>in router.navigationModel (true/false) of de volgorde (int)</a:t>
-            </a:r>
-            <a:endParaRPr lang="nl-BE" baseline="0" dirty="0" smtClean="0"/>
-          </a:p>
-          <a:p>
-            <a:endParaRPr lang="nl-BE" baseline="0" dirty="0" smtClean="0"/>
-          </a:p>
-          <a:p>
-            <a:r>
-              <a:rPr lang="nl-BE" baseline="0" dirty="0" smtClean="0"/>
-              <a:t>	parameters: </a:t>
-            </a:r>
-            <a:r>
-              <a:rPr lang="nl-BE" baseline="0" dirty="0" err="1" smtClean="0"/>
-              <a:t>myRoute</a:t>
-            </a:r>
-            <a:r>
-              <a:rPr lang="nl-BE" baseline="0" dirty="0" smtClean="0"/>
-              <a:t>/:</a:t>
-            </a:r>
-            <a:r>
-              <a:rPr lang="nl-BE" baseline="0" dirty="0" err="1" smtClean="0"/>
-              <a:t>id</a:t>
-            </a:r>
-            <a:r>
-              <a:rPr lang="nl-BE" baseline="0" dirty="0" smtClean="0"/>
-              <a:t> of indien optioneel: </a:t>
-            </a:r>
-            <a:r>
-              <a:rPr lang="nl-BE" baseline="0" dirty="0" err="1" smtClean="0"/>
-              <a:t>myRoute</a:t>
-            </a:r>
-            <a:r>
-              <a:rPr lang="nl-BE" baseline="0" dirty="0" smtClean="0"/>
-              <a:t>(/:</a:t>
-            </a:r>
-            <a:r>
-              <a:rPr lang="nl-BE" baseline="0" dirty="0" err="1" smtClean="0"/>
-              <a:t>id</a:t>
-            </a:r>
-            <a:r>
-              <a:rPr lang="nl-BE" baseline="0" dirty="0" smtClean="0"/>
-              <a:t>)</a:t>
-            </a:r>
-          </a:p>
-          <a:p>
-            <a:r>
-              <a:rPr lang="nl-BE" baseline="0" dirty="0" smtClean="0"/>
-              <a:t>		meerdere parameters zijn mogelijk, volgorde wordt bewaard in </a:t>
-            </a:r>
-            <a:r>
-              <a:rPr lang="nl-BE" baseline="0" dirty="0" err="1" smtClean="0"/>
-              <a:t>activate</a:t>
-            </a:r>
-            <a:r>
-              <a:rPr lang="nl-BE" baseline="0" dirty="0" smtClean="0"/>
-              <a:t> call</a:t>
-            </a:r>
-          </a:p>
-          <a:p>
-            <a:r>
-              <a:rPr lang="nl-BE" baseline="0" dirty="0" smtClean="0"/>
-              <a:t>		</a:t>
-            </a:r>
-            <a:r>
-              <a:rPr lang="nl-BE" baseline="0" dirty="0" err="1" smtClean="0"/>
-              <a:t>queryString</a:t>
-            </a:r>
-            <a:r>
-              <a:rPr lang="nl-BE" baseline="0" dirty="0" smtClean="0"/>
-              <a:t> is laatste object in </a:t>
-            </a:r>
-            <a:r>
-              <a:rPr lang="nl-BE" baseline="0" dirty="0" err="1" smtClean="0"/>
-              <a:t>activate</a:t>
-            </a:r>
-            <a:r>
-              <a:rPr lang="nl-BE" baseline="0" dirty="0" smtClean="0"/>
-              <a:t> </a:t>
-            </a:r>
-            <a:r>
-              <a:rPr lang="nl-BE" baseline="0" dirty="0" err="1" smtClean="0"/>
-              <a:t>and</a:t>
-            </a:r>
-            <a:r>
-              <a:rPr lang="nl-BE" baseline="0" dirty="0" smtClean="0"/>
-              <a:t> is een JS object met </a:t>
-            </a:r>
-            <a:r>
-              <a:rPr lang="nl-BE" baseline="0" dirty="0" err="1" smtClean="0"/>
-              <a:t>properties</a:t>
-            </a:r>
-            <a:r>
-              <a:rPr lang="nl-BE" baseline="0" dirty="0" smtClean="0"/>
-              <a:t> volgens querystring </a:t>
-            </a:r>
-            <a:r>
-              <a:rPr lang="nl-BE" baseline="0" dirty="0" err="1" smtClean="0"/>
-              <a:t>keys</a:t>
-            </a:r>
-            <a:endParaRPr lang="nl-BE" baseline="0" dirty="0" smtClean="0"/>
-          </a:p>
-          <a:p>
-            <a:r>
-              <a:rPr lang="nl-BE" baseline="0" dirty="0" smtClean="0"/>
-              <a:t>	</a:t>
-            </a:r>
-            <a:r>
-              <a:rPr lang="nl-BE" baseline="0" dirty="0" err="1" smtClean="0"/>
-              <a:t>splat</a:t>
-            </a:r>
-            <a:r>
-              <a:rPr lang="nl-BE" baseline="0" dirty="0" smtClean="0"/>
-              <a:t> route: </a:t>
-            </a:r>
-            <a:r>
-              <a:rPr lang="nl-BE" baseline="0" dirty="0" err="1" smtClean="0"/>
-              <a:t>myRoute</a:t>
-            </a:r>
-            <a:r>
-              <a:rPr lang="nl-BE" baseline="0" dirty="0" smtClean="0"/>
-              <a:t>*details</a:t>
-            </a:r>
-          </a:p>
-          <a:p>
-            <a:r>
-              <a:rPr lang="nl-BE" baseline="0" dirty="0" smtClean="0"/>
-              <a:t>	</a:t>
-            </a:r>
-            <a:endParaRPr lang="nl-BE" dirty="0" smtClean="0"/>
-          </a:p>
-          <a:p>
-            <a:r>
-              <a:rPr lang="nl-BE" dirty="0" err="1" smtClean="0"/>
-              <a:t>buildNavigationModel</a:t>
-            </a:r>
-            <a:r>
-              <a:rPr lang="nl-BE" dirty="0" smtClean="0"/>
-              <a:t>: alle routes met </a:t>
-            </a:r>
-            <a:r>
-              <a:rPr lang="nl-BE" dirty="0" err="1" smtClean="0"/>
-              <a:t>nav</a:t>
-            </a:r>
-            <a:r>
-              <a:rPr lang="nl-BE" dirty="0" smtClean="0"/>
-              <a:t>: </a:t>
-            </a:r>
-            <a:r>
-              <a:rPr lang="nl-BE" dirty="0" err="1" smtClean="0"/>
-              <a:t>true</a:t>
-            </a:r>
-            <a:r>
-              <a:rPr lang="nl-BE" dirty="0" smtClean="0"/>
-              <a:t> worden in de array </a:t>
-            </a:r>
-            <a:r>
-              <a:rPr lang="nl-BE" dirty="0" err="1" smtClean="0"/>
-              <a:t>router.navigationModel</a:t>
-            </a:r>
-            <a:r>
-              <a:rPr lang="nl-BE" dirty="0" smtClean="0"/>
-              <a:t> gegoten om te kunnen binden in navigatie</a:t>
-            </a:r>
-            <a:r>
-              <a:rPr lang="nl-BE" baseline="0" dirty="0" smtClean="0"/>
-              <a:t> (zie shell.html)</a:t>
-            </a:r>
-          </a:p>
-          <a:p>
-            <a:endParaRPr lang="nl-BE" baseline="0" dirty="0" smtClean="0"/>
-          </a:p>
-          <a:p>
-            <a:r>
-              <a:rPr lang="nl-BE" baseline="0" dirty="0" smtClean="0"/>
-              <a:t>Router gebruiken:</a:t>
-            </a:r>
-          </a:p>
-          <a:p>
-            <a:r>
-              <a:rPr lang="nl-BE" baseline="0" dirty="0" smtClean="0"/>
-              <a:t>	indien &lt;a&gt;: </a:t>
-            </a:r>
-            <a:r>
-              <a:rPr lang="nl-BE" baseline="0" dirty="0" err="1" smtClean="0"/>
-              <a:t>hash</a:t>
-            </a:r>
-            <a:r>
-              <a:rPr lang="nl-BE" baseline="0" dirty="0" smtClean="0"/>
-              <a:t> gebruiken (zie beers.html en </a:t>
-            </a:r>
-            <a:r>
-              <a:rPr lang="nl-BE" baseline="0" dirty="0" err="1" smtClean="0"/>
-              <a:t>add</a:t>
-            </a:r>
-            <a:r>
-              <a:rPr lang="nl-BE" baseline="0" dirty="0" smtClean="0"/>
-              <a:t> link)</a:t>
-            </a:r>
-          </a:p>
-          <a:p>
-            <a:r>
-              <a:rPr lang="nl-BE" baseline="0" dirty="0" smtClean="0"/>
-              <a:t>	vanuit JS: </a:t>
-            </a:r>
-            <a:r>
-              <a:rPr lang="nl-BE" baseline="0" dirty="0" err="1" smtClean="0"/>
-              <a:t>router.navigate</a:t>
-            </a:r>
-            <a:r>
-              <a:rPr lang="nl-BE" baseline="0" dirty="0" smtClean="0"/>
-              <a:t>(‘#</a:t>
-            </a:r>
-            <a:r>
-              <a:rPr lang="nl-BE" baseline="0" dirty="0" err="1" smtClean="0"/>
-              <a:t>hash</a:t>
-            </a:r>
-            <a:r>
-              <a:rPr lang="nl-BE" baseline="0" dirty="0" smtClean="0"/>
-              <a:t>’); (zie add.js)</a:t>
-            </a:r>
-          </a:p>
-          <a:p>
-            <a:endParaRPr lang="nl-BE" baseline="0" dirty="0" smtClean="0"/>
-          </a:p>
-          <a:p>
-            <a:r>
-              <a:rPr lang="nl-BE" baseline="0" dirty="0" smtClean="0"/>
-              <a:t>Router kan nog meer:</a:t>
-            </a:r>
-          </a:p>
-          <a:p>
-            <a:r>
-              <a:rPr lang="nl-BE" baseline="0" dirty="0" smtClean="0"/>
-              <a:t>	</a:t>
-            </a:r>
-            <a:r>
-              <a:rPr lang="nl-BE" baseline="0" dirty="0" err="1" smtClean="0"/>
-              <a:t>history</a:t>
-            </a:r>
-            <a:r>
-              <a:rPr lang="nl-BE" baseline="0" dirty="0" smtClean="0"/>
-              <a:t> veranderen</a:t>
-            </a:r>
-          </a:p>
-          <a:p>
-            <a:r>
-              <a:rPr lang="nl-BE" baseline="0" dirty="0" smtClean="0"/>
-              <a:t>	</a:t>
-            </a:r>
-            <a:r>
-              <a:rPr lang="nl-BE" baseline="0" dirty="0" err="1" smtClean="0"/>
-              <a:t>router.navigateBack</a:t>
-            </a:r>
-            <a:r>
-              <a:rPr lang="nl-BE" baseline="0" dirty="0" smtClean="0"/>
-              <a:t>() om terug te gaan</a:t>
-            </a:r>
-          </a:p>
-          <a:p>
-            <a:r>
-              <a:rPr lang="nl-BE" baseline="0" dirty="0" smtClean="0"/>
-              <a:t>	routes die niet </a:t>
-            </a:r>
-            <a:r>
-              <a:rPr lang="nl-BE" baseline="0" dirty="0" err="1" smtClean="0"/>
-              <a:t>gematcht</a:t>
-            </a:r>
-            <a:r>
-              <a:rPr lang="nl-BE" baseline="0" dirty="0" smtClean="0"/>
-              <a:t> kunnen worden (zie shell.js)</a:t>
-            </a:r>
-          </a:p>
-          <a:p>
-            <a:r>
-              <a:rPr lang="nl-BE" baseline="0" dirty="0" smtClean="0"/>
-              <a:t>	</a:t>
-            </a:r>
-            <a:r>
-              <a:rPr lang="nl-BE" baseline="0" dirty="0" err="1" smtClean="0"/>
-              <a:t>child</a:t>
-            </a:r>
-            <a:r>
-              <a:rPr lang="nl-BE" baseline="0" dirty="0" smtClean="0"/>
-              <a:t> routers</a:t>
-            </a:r>
             <a:endParaRPr lang="en-US" dirty="0"/>
           </a:p>
         </p:txBody>
@@ -2286,7 +2031,7 @@
           <a:p>
             <a:fld id="{0DF56419-AC34-45D0-BAB8-5A4CB1E563BF}" type="slidenum">
               <a:rPr lang="en-US" smtClean="0"/>
-              <a:t>32</a:t>
+              <a:t>31</a:t>
             </a:fld>
             <a:endParaRPr lang="en-US"/>
           </a:p>
@@ -2295,7 +2040,7 @@
     </p:spTree>
     <p:extLst>
       <p:ext uri="{BB962C8B-B14F-4D97-AF65-F5344CB8AC3E}">
-        <p14:creationId xmlns:p14="http://schemas.microsoft.com/office/powerpoint/2010/main" val="3530374302"/>
+        <p14:creationId xmlns:p14="http://schemas.microsoft.com/office/powerpoint/2010/main" val="2754514785"/>
       </p:ext>
     </p:extLst>
   </p:cSld>
@@ -2486,90 +2231,395 @@
           <a:p>
             <a:r>
               <a:rPr lang="nl-BE" dirty="0" smtClean="0"/>
-              <a:t>http</a:t>
-            </a:r>
-            <a:r>
-              <a:rPr lang="nl-BE" baseline="0" dirty="0" smtClean="0"/>
-              <a:t> en </a:t>
+              <a:t>Router </a:t>
+            </a:r>
+            <a:r>
+              <a:rPr lang="nl-BE" dirty="0" err="1" smtClean="0"/>
+              <a:t>mappings</a:t>
+            </a:r>
+            <a:r>
+              <a:rPr lang="nl-BE" dirty="0" smtClean="0"/>
+              <a:t>:</a:t>
+            </a:r>
+          </a:p>
+          <a:p>
+            <a:r>
+              <a:rPr lang="nl-BE" dirty="0" smtClean="0"/>
+              <a:t>	route:</a:t>
+            </a:r>
+            <a:r>
+              <a:rPr lang="nl-BE" baseline="0" dirty="0" smtClean="0"/>
+              <a:t> wat in de </a:t>
             </a:r>
             <a:r>
               <a:rPr lang="nl-BE" baseline="0" dirty="0" err="1" smtClean="0"/>
-              <a:t>serializer</a:t>
-            </a:r>
-            <a:r>
-              <a:rPr lang="nl-BE" baseline="0" dirty="0" smtClean="0"/>
-              <a:t> zijn om met data van de backend te werken. J</a:t>
-            </a:r>
-            <a:r>
-              <a:rPr lang="nl-BE" dirty="0" smtClean="0"/>
-              <a:t>e kan uiteraard ook andere </a:t>
-            </a:r>
-            <a:r>
-              <a:rPr lang="nl-BE" dirty="0" err="1" smtClean="0"/>
-              <a:t>libraries</a:t>
-            </a:r>
-            <a:r>
-              <a:rPr lang="nl-BE" dirty="0" smtClean="0"/>
-              <a:t> gebruiken, bv </a:t>
-            </a:r>
-            <a:r>
-              <a:rPr lang="nl-BE" dirty="0" err="1" smtClean="0"/>
-              <a:t>jQuery</a:t>
+              <a:t>url</a:t>
+            </a:r>
+            <a:r>
+              <a:rPr lang="nl-BE" baseline="0" dirty="0" smtClean="0"/>
+              <a:t> te zien is, leeg is de default route</a:t>
+            </a:r>
+          </a:p>
+          <a:p>
+            <a:r>
+              <a:rPr lang="nl-BE" baseline="0" dirty="0" smtClean="0"/>
+              <a:t>	</a:t>
+            </a:r>
+            <a:r>
+              <a:rPr lang="nl-BE" baseline="0" dirty="0" err="1" smtClean="0"/>
+              <a:t>title</a:t>
+            </a:r>
+            <a:r>
+              <a:rPr lang="nl-BE" baseline="0" dirty="0" smtClean="0"/>
+              <a:t>: gebruikt voor </a:t>
+            </a:r>
+            <a:r>
+              <a:rPr lang="nl-BE" baseline="0" dirty="0" err="1" smtClean="0"/>
+              <a:t>document.title</a:t>
+            </a:r>
+            <a:endParaRPr lang="nl-BE" baseline="0" dirty="0" smtClean="0"/>
+          </a:p>
+          <a:p>
+            <a:r>
+              <a:rPr lang="nl-BE" baseline="0" dirty="0" smtClean="0"/>
+              <a:t>	</a:t>
+            </a:r>
+            <a:r>
+              <a:rPr lang="nl-BE" baseline="0" dirty="0" err="1" smtClean="0"/>
+              <a:t>moduleId</a:t>
+            </a:r>
+            <a:r>
+              <a:rPr lang="nl-BE" baseline="0" dirty="0" smtClean="0"/>
+              <a:t>: </a:t>
+            </a:r>
+            <a:r>
+              <a:rPr lang="nl-BE" baseline="0" dirty="0" err="1" smtClean="0"/>
+              <a:t>id</a:t>
+            </a:r>
+            <a:r>
+              <a:rPr lang="nl-BE" baseline="0" dirty="0" smtClean="0"/>
+              <a:t> van je module, ook gebruikt om viewmodel op te sporen (en daarna bijbehorende view)</a:t>
+            </a:r>
+          </a:p>
+          <a:p>
+            <a:r>
+              <a:rPr lang="nl-BE" baseline="0" dirty="0" smtClean="0"/>
+              <a:t>	</a:t>
+            </a:r>
+            <a:r>
+              <a:rPr lang="nl-BE" baseline="0" dirty="0" err="1" smtClean="0"/>
+              <a:t>nav</a:t>
+            </a:r>
+            <a:r>
+              <a:rPr lang="nl-BE" baseline="0" dirty="0" smtClean="0"/>
+              <a:t>: of het opgenomen moet worden in </a:t>
+            </a:r>
+            <a:r>
+              <a:rPr lang="nl-BE" baseline="0" dirty="0" err="1" smtClean="0"/>
+              <a:t>router.navigationModel</a:t>
+            </a:r>
+            <a:r>
+              <a:rPr lang="nl-BE" baseline="0" dirty="0" smtClean="0"/>
+              <a:t> (</a:t>
+            </a:r>
+            <a:r>
+              <a:rPr lang="nl-BE" baseline="0" dirty="0" err="1" smtClean="0"/>
+              <a:t>true</a:t>
+            </a:r>
+            <a:r>
+              <a:rPr lang="nl-BE" baseline="0" dirty="0" smtClean="0"/>
+              <a:t>/</a:t>
+            </a:r>
+            <a:r>
+              <a:rPr lang="nl-BE" baseline="0" dirty="0" err="1" smtClean="0"/>
+              <a:t>false</a:t>
+            </a:r>
+            <a:r>
+              <a:rPr lang="nl-BE" baseline="0" dirty="0" smtClean="0"/>
+              <a:t>) of de volgorde (int)</a:t>
+            </a:r>
+          </a:p>
+          <a:p>
+            <a:endParaRPr lang="nl-BE" baseline="0" dirty="0" smtClean="0"/>
+          </a:p>
+          <a:p>
+            <a:r>
+              <a:rPr lang="nl-BE" baseline="0" dirty="0" smtClean="0"/>
+              <a:t>	parameters: </a:t>
+            </a:r>
+            <a:r>
+              <a:rPr lang="nl-BE" baseline="0" dirty="0" err="1" smtClean="0"/>
+              <a:t>myRoute</a:t>
+            </a:r>
+            <a:r>
+              <a:rPr lang="nl-BE" baseline="0" dirty="0" smtClean="0"/>
+              <a:t>/:</a:t>
+            </a:r>
+            <a:r>
+              <a:rPr lang="nl-BE" baseline="0" dirty="0" err="1" smtClean="0"/>
+              <a:t>id</a:t>
+            </a:r>
+            <a:r>
+              <a:rPr lang="nl-BE" baseline="0" dirty="0" smtClean="0"/>
+              <a:t> of indien optioneel: </a:t>
+            </a:r>
+            <a:r>
+              <a:rPr lang="nl-BE" baseline="0" dirty="0" err="1" smtClean="0"/>
+              <a:t>myRoute</a:t>
+            </a:r>
+            <a:r>
+              <a:rPr lang="nl-BE" baseline="0" dirty="0" smtClean="0"/>
+              <a:t>(/:</a:t>
+            </a:r>
+            <a:r>
+              <a:rPr lang="nl-BE" baseline="0" dirty="0" err="1" smtClean="0"/>
+              <a:t>id</a:t>
+            </a:r>
+            <a:r>
+              <a:rPr lang="nl-BE" baseline="0" dirty="0" smtClean="0"/>
+              <a:t>)</a:t>
+            </a:r>
+          </a:p>
+          <a:p>
+            <a:r>
+              <a:rPr lang="nl-BE" baseline="0" dirty="0" smtClean="0"/>
+              <a:t>		meerdere parameters zijn mogelijk, volgorde wordt bewaard in </a:t>
+            </a:r>
+            <a:r>
+              <a:rPr lang="nl-BE" baseline="0" dirty="0" err="1" smtClean="0"/>
+              <a:t>activate</a:t>
+            </a:r>
+            <a:r>
+              <a:rPr lang="nl-BE" baseline="0" dirty="0" smtClean="0"/>
+              <a:t> call</a:t>
+            </a:r>
+          </a:p>
+          <a:p>
+            <a:r>
+              <a:rPr lang="nl-BE" baseline="0" dirty="0" smtClean="0"/>
+              <a:t>		</a:t>
+            </a:r>
+            <a:r>
+              <a:rPr lang="nl-BE" baseline="0" dirty="0" err="1" smtClean="0"/>
+              <a:t>queryString</a:t>
+            </a:r>
+            <a:r>
+              <a:rPr lang="nl-BE" baseline="0" dirty="0" smtClean="0"/>
+              <a:t> is laatste object in </a:t>
+            </a:r>
+            <a:r>
+              <a:rPr lang="nl-BE" baseline="0" dirty="0" err="1" smtClean="0"/>
+              <a:t>activate</a:t>
+            </a:r>
+            <a:r>
+              <a:rPr lang="nl-BE" baseline="0" dirty="0" smtClean="0"/>
+              <a:t> </a:t>
+            </a:r>
+            <a:r>
+              <a:rPr lang="nl-BE" baseline="0" dirty="0" err="1" smtClean="0"/>
+              <a:t>and</a:t>
+            </a:r>
+            <a:r>
+              <a:rPr lang="nl-BE" baseline="0" dirty="0" smtClean="0"/>
+              <a:t> is een JS object met </a:t>
+            </a:r>
+            <a:r>
+              <a:rPr lang="nl-BE" baseline="0" dirty="0" err="1" smtClean="0"/>
+              <a:t>properties</a:t>
+            </a:r>
+            <a:r>
+              <a:rPr lang="nl-BE" baseline="0" dirty="0" smtClean="0"/>
+              <a:t> volgens querystring </a:t>
+            </a:r>
+            <a:r>
+              <a:rPr lang="nl-BE" baseline="0" dirty="0" err="1" smtClean="0"/>
+              <a:t>keys</a:t>
+            </a:r>
+            <a:endParaRPr lang="nl-BE" baseline="0" dirty="0" smtClean="0"/>
+          </a:p>
+          <a:p>
+            <a:r>
+              <a:rPr lang="nl-BE" baseline="0" dirty="0" smtClean="0"/>
+              <a:t>	</a:t>
+            </a:r>
+            <a:r>
+              <a:rPr lang="nl-BE" baseline="0" dirty="0" err="1" smtClean="0"/>
+              <a:t>splat</a:t>
+            </a:r>
+            <a:r>
+              <a:rPr lang="nl-BE" baseline="0" dirty="0" smtClean="0"/>
+              <a:t> route: </a:t>
+            </a:r>
+            <a:r>
+              <a:rPr lang="nl-BE" baseline="0" dirty="0" err="1" smtClean="0"/>
+              <a:t>myRoute</a:t>
+            </a:r>
+            <a:r>
+              <a:rPr lang="nl-BE" baseline="0" dirty="0" smtClean="0"/>
+              <a:t>*details</a:t>
+            </a:r>
+          </a:p>
+          <a:p>
+            <a:r>
+              <a:rPr lang="nl-BE" baseline="0" dirty="0" smtClean="0"/>
+              <a:t>	</a:t>
             </a:r>
             <a:endParaRPr lang="nl-BE" dirty="0" smtClean="0"/>
           </a:p>
           <a:p>
             <a:r>
               <a:rPr lang="nl-BE" dirty="0" err="1" smtClean="0"/>
-              <a:t>observable</a:t>
-            </a:r>
-            <a:r>
-              <a:rPr lang="nl-BE" dirty="0" smtClean="0"/>
-              <a:t>: om tegen</a:t>
-            </a:r>
-            <a:r>
-              <a:rPr lang="nl-BE" baseline="0" dirty="0" smtClean="0"/>
-              <a:t> gewone JS objecten te </a:t>
+              <a:t>buildNavigationModel</a:t>
+            </a:r>
+            <a:r>
+              <a:rPr lang="nl-BE" dirty="0" smtClean="0"/>
+              <a:t>: alle routes met </a:t>
+            </a:r>
+            <a:r>
+              <a:rPr lang="nl-BE" dirty="0" err="1" smtClean="0"/>
+              <a:t>nav</a:t>
+            </a:r>
+            <a:r>
+              <a:rPr lang="nl-BE" dirty="0" smtClean="0"/>
+              <a:t>: </a:t>
+            </a:r>
+            <a:r>
+              <a:rPr lang="nl-BE" dirty="0" err="1" smtClean="0"/>
+              <a:t>true</a:t>
+            </a:r>
+            <a:r>
+              <a:rPr lang="nl-BE" dirty="0" smtClean="0"/>
+              <a:t> worden in de array </a:t>
+            </a:r>
+            <a:r>
+              <a:rPr lang="nl-BE" dirty="0" err="1" smtClean="0"/>
+              <a:t>router.navigationModel</a:t>
+            </a:r>
+            <a:r>
+              <a:rPr lang="nl-BE" dirty="0" smtClean="0"/>
+              <a:t> gegoten om te kunnen binden in navigatie</a:t>
+            </a:r>
+            <a:r>
+              <a:rPr lang="nl-BE" baseline="0" dirty="0" smtClean="0"/>
+              <a:t> (zie shell.html)</a:t>
+            </a:r>
+          </a:p>
+          <a:p>
+            <a:endParaRPr lang="nl-BE" baseline="0" dirty="0" smtClean="0"/>
+          </a:p>
+          <a:p>
+            <a:r>
+              <a:rPr lang="nl-BE" baseline="0" dirty="0" smtClean="0"/>
+              <a:t>Router gebruiken:</a:t>
+            </a:r>
+          </a:p>
+          <a:p>
+            <a:r>
+              <a:rPr lang="nl-BE" baseline="0" dirty="0" smtClean="0"/>
+              <a:t>	indien &lt;a&gt;: </a:t>
             </a:r>
             <a:r>
               <a:rPr lang="nl-BE" baseline="0" dirty="0" err="1" smtClean="0"/>
-              <a:t>databinden</a:t>
-            </a:r>
-            <a:r>
-              <a:rPr lang="nl-BE" baseline="0" dirty="0" smtClean="0"/>
-              <a:t>, niet via </a:t>
+              <a:t>hash</a:t>
+            </a:r>
+            <a:r>
+              <a:rPr lang="nl-BE" baseline="0" dirty="0" smtClean="0"/>
+              <a:t> gebruiken (zie beers.html en </a:t>
             </a:r>
             <a:r>
               <a:rPr lang="nl-BE" baseline="0" dirty="0" err="1" smtClean="0"/>
-              <a:t>Knockout</a:t>
-            </a:r>
-            <a:r>
-              <a:rPr lang="nl-BE" baseline="0" dirty="0" smtClean="0"/>
-              <a:t>. Werkt enkel met browsers die ES5 ondersteunen (</a:t>
+              <a:t>add</a:t>
+            </a:r>
+            <a:r>
+              <a:rPr lang="nl-BE" baseline="0" dirty="0" smtClean="0"/>
+              <a:t> link)</a:t>
+            </a:r>
+          </a:p>
+          <a:p>
+            <a:r>
+              <a:rPr lang="nl-BE" baseline="0" dirty="0" smtClean="0"/>
+              <a:t>	vanuit JS: </a:t>
             </a:r>
             <a:r>
               <a:rPr lang="nl-BE" baseline="0" dirty="0" err="1" smtClean="0"/>
-              <a:t>defineProperty</a:t>
-            </a:r>
-            <a:r>
-              <a:rPr lang="nl-BE" baseline="0" dirty="0" smtClean="0"/>
-              <a:t>). Deze </a:t>
+              <a:t>router.navigate</a:t>
+            </a:r>
+            <a:r>
+              <a:rPr lang="nl-BE" baseline="0" dirty="0" smtClean="0"/>
+              <a:t>(‘#</a:t>
             </a:r>
             <a:r>
               <a:rPr lang="nl-BE" baseline="0" dirty="0" err="1" smtClean="0"/>
-              <a:t>plugin</a:t>
-            </a:r>
-            <a:r>
-              <a:rPr lang="nl-BE" baseline="0" dirty="0" smtClean="0"/>
-              <a:t> kan ook met </a:t>
+              <a:t>hash</a:t>
+            </a:r>
+            <a:r>
+              <a:rPr lang="nl-BE" baseline="0" dirty="0" smtClean="0"/>
+              <a:t>’); (zie add.js)</a:t>
+            </a:r>
+          </a:p>
+          <a:p>
+            <a:endParaRPr lang="nl-BE" baseline="0" dirty="0" smtClean="0"/>
+          </a:p>
+          <a:p>
+            <a:r>
+              <a:rPr lang="nl-BE" baseline="0" dirty="0" smtClean="0"/>
+              <a:t>Router kan nog meer:</a:t>
+            </a:r>
+          </a:p>
+          <a:p>
+            <a:r>
+              <a:rPr lang="nl-BE" baseline="0" dirty="0" smtClean="0"/>
+              <a:t>	</a:t>
             </a:r>
             <a:r>
               <a:rPr lang="nl-BE" baseline="0" dirty="0" err="1" smtClean="0"/>
-              <a:t>promises</a:t>
-            </a:r>
-            <a:r>
-              <a:rPr lang="nl-BE" baseline="0" dirty="0" smtClean="0"/>
-              <a:t> overweg.</a:t>
+              <a:t>history</a:t>
+            </a:r>
+            <a:r>
+              <a:rPr lang="nl-BE" baseline="0" dirty="0" smtClean="0"/>
+              <a:t> veranderen</a:t>
+            </a:r>
+          </a:p>
+          <a:p>
+            <a:r>
+              <a:rPr lang="nl-BE" baseline="0" dirty="0" smtClean="0"/>
+              <a:t>	</a:t>
+            </a:r>
+            <a:r>
+              <a:rPr lang="nl-BE" baseline="0" dirty="0" err="1" smtClean="0"/>
+              <a:t>router.navigateBack</a:t>
+            </a:r>
+            <a:r>
+              <a:rPr lang="nl-BE" baseline="0" dirty="0" smtClean="0"/>
+              <a:t>() om terug te gaan</a:t>
+            </a:r>
+          </a:p>
+          <a:p>
+            <a:r>
+              <a:rPr lang="nl-BE" baseline="0" dirty="0" smtClean="0"/>
+              <a:t>	routes die niet </a:t>
+            </a:r>
+            <a:r>
+              <a:rPr lang="nl-BE" baseline="0" dirty="0" err="1" smtClean="0"/>
+              <a:t>gematcht</a:t>
+            </a:r>
+            <a:r>
+              <a:rPr lang="nl-BE" baseline="0" dirty="0" smtClean="0"/>
+              <a:t> kunnen worden (zie shell.js)</a:t>
+            </a:r>
+          </a:p>
+          <a:p>
+            <a:r>
+              <a:rPr lang="nl-BE" baseline="0" dirty="0" smtClean="0"/>
+              <a:t>	</a:t>
+            </a:r>
+            <a:r>
+              <a:rPr lang="nl-BE" baseline="0" dirty="0" err="1" smtClean="0"/>
+              <a:t>child</a:t>
+            </a:r>
+            <a:r>
+              <a:rPr lang="nl-BE" baseline="0" dirty="0" smtClean="0"/>
+              <a:t> routers</a:t>
             </a:r>
             <a:endParaRPr lang="en-US" dirty="0"/>
           </a:p>
@@ -2592,7 +2642,7 @@
           <a:p>
             <a:fld id="{0DF56419-AC34-45D0-BAB8-5A4CB1E563BF}" type="slidenum">
               <a:rPr lang="en-US" smtClean="0"/>
-              <a:t>33</a:t>
+              <a:t>32</a:t>
             </a:fld>
             <a:endParaRPr lang="en-US"/>
           </a:p>
@@ -2601,7 +2651,7 @@
     </p:spTree>
     <p:extLst>
       <p:ext uri="{BB962C8B-B14F-4D97-AF65-F5344CB8AC3E}">
-        <p14:creationId xmlns:p14="http://schemas.microsoft.com/office/powerpoint/2010/main" val="2081039205"/>
+        <p14:creationId xmlns:p14="http://schemas.microsoft.com/office/powerpoint/2010/main" val="3530374302"/>
       </p:ext>
     </p:extLst>
   </p:cSld>
@@ -2657,6 +2707,177 @@
           <a:p>
             <a:r>
               <a:rPr lang="nl-BE" dirty="0" smtClean="0"/>
+              <a:t>http</a:t>
+            </a:r>
+            <a:r>
+              <a:rPr lang="nl-BE" baseline="0" dirty="0" smtClean="0"/>
+              <a:t> en </a:t>
+            </a:r>
+            <a:r>
+              <a:rPr lang="nl-BE" baseline="0" dirty="0" err="1" smtClean="0"/>
+              <a:t>serializer</a:t>
+            </a:r>
+            <a:r>
+              <a:rPr lang="nl-BE" baseline="0" dirty="0" smtClean="0"/>
+              <a:t> zijn om met data van de backend te werken. J</a:t>
+            </a:r>
+            <a:r>
+              <a:rPr lang="nl-BE" dirty="0" smtClean="0"/>
+              <a:t>e kan uiteraard ook andere </a:t>
+            </a:r>
+            <a:r>
+              <a:rPr lang="nl-BE" dirty="0" err="1" smtClean="0"/>
+              <a:t>libraries</a:t>
+            </a:r>
+            <a:r>
+              <a:rPr lang="nl-BE" dirty="0" smtClean="0"/>
+              <a:t> gebruiken, bv </a:t>
+            </a:r>
+            <a:r>
+              <a:rPr lang="nl-BE" dirty="0" err="1" smtClean="0"/>
+              <a:t>jQuery</a:t>
+            </a:r>
+            <a:endParaRPr lang="nl-BE" dirty="0" smtClean="0"/>
+          </a:p>
+          <a:p>
+            <a:r>
+              <a:rPr lang="nl-BE" dirty="0" err="1" smtClean="0"/>
+              <a:t>observable</a:t>
+            </a:r>
+            <a:r>
+              <a:rPr lang="nl-BE" dirty="0" smtClean="0"/>
+              <a:t>: om tegen</a:t>
+            </a:r>
+            <a:r>
+              <a:rPr lang="nl-BE" baseline="0" dirty="0" smtClean="0"/>
+              <a:t> gewone JS objecten te </a:t>
+            </a:r>
+            <a:r>
+              <a:rPr lang="nl-BE" baseline="0" dirty="0" err="1" smtClean="0"/>
+              <a:t>databinden</a:t>
+            </a:r>
+            <a:r>
+              <a:rPr lang="nl-BE" baseline="0" dirty="0" smtClean="0"/>
+              <a:t>, niet via </a:t>
+            </a:r>
+            <a:r>
+              <a:rPr lang="nl-BE" baseline="0" dirty="0" err="1" smtClean="0"/>
+              <a:t>Knockout</a:t>
+            </a:r>
+            <a:r>
+              <a:rPr lang="nl-BE" baseline="0" dirty="0" smtClean="0"/>
+              <a:t>. Werkt enkel met browsers die ES5 ondersteunen (</a:t>
+            </a:r>
+            <a:r>
+              <a:rPr lang="nl-BE" baseline="0" dirty="0" err="1" smtClean="0"/>
+              <a:t>defineProperty</a:t>
+            </a:r>
+            <a:r>
+              <a:rPr lang="nl-BE" baseline="0" dirty="0" smtClean="0"/>
+              <a:t>). Deze </a:t>
+            </a:r>
+            <a:r>
+              <a:rPr lang="nl-BE" baseline="0" dirty="0" err="1" smtClean="0"/>
+              <a:t>plugin</a:t>
+            </a:r>
+            <a:r>
+              <a:rPr lang="nl-BE" baseline="0" dirty="0" smtClean="0"/>
+              <a:t> kan ook met </a:t>
+            </a:r>
+            <a:r>
+              <a:rPr lang="nl-BE" baseline="0" dirty="0" err="1" smtClean="0"/>
+              <a:t>promises</a:t>
+            </a:r>
+            <a:r>
+              <a:rPr lang="nl-BE" baseline="0" dirty="0" smtClean="0"/>
+              <a:t> overweg.</a:t>
+            </a:r>
+            <a:endParaRPr lang="en-US" dirty="0"/>
+          </a:p>
+        </p:txBody>
+      </p:sp>
+      <p:sp>
+        <p:nvSpPr>
+          <p:cNvPr id="4" name="Slide Number Placeholder 3"/>
+          <p:cNvSpPr>
+            <a:spLocks noGrp="1"/>
+          </p:cNvSpPr>
+          <p:nvPr>
+            <p:ph type="sldNum" sz="quarter" idx="10"/>
+          </p:nvPr>
+        </p:nvSpPr>
+        <p:spPr/>
+        <p:txBody>
+          <a:bodyPr/>
+          <a:lstStyle/>
+          <a:p>
+            <a:fld id="{0DF56419-AC34-45D0-BAB8-5A4CB1E563BF}" type="slidenum">
+              <a:rPr lang="en-US" smtClean="0"/>
+              <a:t>33</a:t>
+            </a:fld>
+            <a:endParaRPr lang="en-US"/>
+          </a:p>
+        </p:txBody>
+      </p:sp>
+    </p:spTree>
+    <p:extLst>
+      <p:ext uri="{BB962C8B-B14F-4D97-AF65-F5344CB8AC3E}">
+        <p14:creationId xmlns:p14="http://schemas.microsoft.com/office/powerpoint/2010/main" val="2081039205"/>
+      </p:ext>
+    </p:extLst>
+  </p:cSld>
+  <p:clrMapOvr>
+    <a:masterClrMapping/>
+  </p:clrMapOvr>
+</p:notes>
+</file>
+
+<file path=ppt/notesSlides/notesSlide22.xml><?xml version="1.0" encoding="utf-8"?>
+<p:notes xmlns:a="http://schemas.openxmlformats.org/drawingml/2006/main" xmlns:r="http://schemas.openxmlformats.org/officeDocument/2006/relationships" xmlns:p="http://schemas.openxmlformats.org/presentationml/2006/main">
+  <p:cSld>
+    <p:spTree>
+      <p:nvGrpSpPr>
+        <p:cNvPr id="1" name=""/>
+        <p:cNvGrpSpPr/>
+        <p:nvPr/>
+      </p:nvGrpSpPr>
+      <p:grpSpPr>
+        <a:xfrm>
+          <a:off x="0" y="0"/>
+          <a:ext cx="0" cy="0"/>
+          <a:chOff x="0" y="0"/>
+          <a:chExt cx="0" cy="0"/>
+        </a:xfrm>
+      </p:grpSpPr>
+      <p:sp>
+        <p:nvSpPr>
+          <p:cNvPr id="2" name="Slide Image Placeholder 1"/>
+          <p:cNvSpPr>
+            <a:spLocks noGrp="1" noRot="1" noChangeAspect="1"/>
+          </p:cNvSpPr>
+          <p:nvPr>
+            <p:ph type="sldImg"/>
+          </p:nvPr>
+        </p:nvSpPr>
+        <p:spPr/>
+      </p:sp>
+      <p:sp>
+        <p:nvSpPr>
+          <p:cNvPr id="3" name="Notes Placeholder 2"/>
+          <p:cNvSpPr>
+            <a:spLocks noGrp="1"/>
+          </p:cNvSpPr>
+          <p:nvPr>
+            <p:ph type="body" idx="1"/>
+          </p:nvPr>
+        </p:nvSpPr>
+        <p:spPr/>
+        <p:txBody>
+          <a:bodyPr/>
+          <a:lstStyle/>
+          <a:p>
+            <a:r>
+              <a:rPr lang="nl-BE" dirty="0" smtClean="0"/>
               <a:t>SEO: komt er op neer dat je aan de serverkant een </a:t>
             </a:r>
             <a:r>
@@ -2679,6 +2900,12 @@
               <a:rPr lang="nl-BE" baseline="0" dirty="0" smtClean="0"/>
               <a:t>) om HTML snapshots te genereren voor Google</a:t>
             </a:r>
+          </a:p>
+          <a:p>
+            <a:r>
+              <a:rPr lang="nl-BE" baseline="0" dirty="0" smtClean="0"/>
+              <a:t>Node-Webkit: om native desktop applicaties te maken</a:t>
+            </a:r>
             <a:endParaRPr lang="en-US" dirty="0"/>
           </a:p>
         </p:txBody>
@@ -2700,7 +2927,7 @@
           <a:p>
             <a:fld id="{0DF56419-AC34-45D0-BAB8-5A4CB1E563BF}" type="slidenum">
               <a:rPr lang="en-US" smtClean="0"/>
-              <a:t>35</a:t>
+              <a:t>36</a:t>
             </a:fld>
             <a:endParaRPr lang="en-US"/>
           </a:p>
@@ -3562,100 +3789,32 @@
           <a:lstStyle/>
           <a:p>
             <a:r>
-              <a:rPr lang="nl-BE" dirty="0" err="1" smtClean="0"/>
-              <a:t>toJS</a:t>
-            </a:r>
-            <a:r>
-              <a:rPr lang="nl-BE" dirty="0" smtClean="0"/>
-              <a:t>: je object heeft geen </a:t>
-            </a:r>
-            <a:r>
-              <a:rPr lang="nl-BE" dirty="0" err="1" smtClean="0"/>
-              <a:t>observables</a:t>
-            </a:r>
-            <a:r>
-              <a:rPr lang="nl-BE" baseline="0" dirty="0" smtClean="0"/>
-              <a:t> meer, het is een normaal JS object</a:t>
-            </a:r>
-          </a:p>
-          <a:p>
+              <a:rPr lang="nl-BE" dirty="0" smtClean="0"/>
+              <a:t>Zie twee </a:t>
+            </a:r>
+            <a:r>
+              <a:rPr lang="nl-BE" dirty="0" err="1" smtClean="0"/>
+              <a:t>custom</a:t>
+            </a:r>
+            <a:r>
+              <a:rPr lang="nl-BE" dirty="0" smtClean="0"/>
+              <a:t> </a:t>
+            </a:r>
+            <a:r>
+              <a:rPr lang="nl-BE" dirty="0" err="1" smtClean="0"/>
+              <a:t>bindings</a:t>
+            </a:r>
+            <a:r>
+              <a:rPr lang="nl-BE" baseline="0" dirty="0" smtClean="0"/>
+              <a:t> in demo project: </a:t>
+            </a:r>
             <a:r>
               <a:rPr lang="nl-BE" baseline="0" dirty="0" err="1" smtClean="0"/>
-              <a:t>toJSON</a:t>
-            </a:r>
-            <a:r>
-              <a:rPr lang="nl-BE" baseline="0" dirty="0" smtClean="0"/>
-              <a:t>: doet intern eerst een call naar </a:t>
-            </a:r>
-            <a:r>
-              <a:rPr lang="nl-BE" baseline="0" dirty="0" err="1" smtClean="0"/>
-              <a:t>toJS</a:t>
-            </a:r>
-            <a:r>
-              <a:rPr lang="nl-BE" baseline="0" dirty="0" smtClean="0"/>
-              <a:t>, </a:t>
-            </a:r>
-            <a:r>
-              <a:rPr lang="nl-BE" baseline="0" dirty="0" err="1" smtClean="0"/>
-              <a:t>serializeert</a:t>
-            </a:r>
-            <a:r>
-              <a:rPr lang="nl-BE" baseline="0" dirty="0" smtClean="0"/>
-              <a:t> dan naar een JSON string</a:t>
-            </a:r>
-          </a:p>
-          <a:p>
-            <a:r>
-              <a:rPr lang="nl-BE" baseline="0" dirty="0" smtClean="0"/>
-              <a:t>Alle members worden geëvalueerd, ook </a:t>
-            </a:r>
-            <a:r>
-              <a:rPr lang="nl-BE" baseline="0" dirty="0" err="1" smtClean="0"/>
-              <a:t>computed</a:t>
-            </a:r>
-            <a:r>
-              <a:rPr lang="nl-BE" baseline="0" dirty="0" smtClean="0"/>
-              <a:t> </a:t>
-            </a:r>
-            <a:r>
-              <a:rPr lang="nl-BE" baseline="0" dirty="0" err="1" smtClean="0"/>
-              <a:t>observables</a:t>
-            </a:r>
-            <a:r>
-              <a:rPr lang="nl-BE" baseline="0" dirty="0" smtClean="0"/>
-              <a:t>, non-</a:t>
-            </a:r>
-            <a:r>
-              <a:rPr lang="nl-BE" baseline="0" dirty="0" err="1" smtClean="0"/>
-              <a:t>observables</a:t>
-            </a:r>
-            <a:r>
-              <a:rPr lang="nl-BE" baseline="0" dirty="0" smtClean="0"/>
-              <a:t>, </a:t>
-            </a:r>
-            <a:r>
-              <a:rPr lang="nl-BE" baseline="0" dirty="0" err="1" smtClean="0"/>
-              <a:t>observable</a:t>
-            </a:r>
-            <a:r>
-              <a:rPr lang="nl-BE" baseline="0" dirty="0" smtClean="0"/>
-              <a:t> arrays, </a:t>
-            </a:r>
-            <a:r>
-              <a:rPr lang="nl-BE" baseline="0" dirty="0" err="1" smtClean="0"/>
-              <a:t>child</a:t>
-            </a:r>
-            <a:r>
-              <a:rPr lang="nl-BE" baseline="0" dirty="0" smtClean="0"/>
-              <a:t> </a:t>
-            </a:r>
-            <a:r>
-              <a:rPr lang="nl-BE" baseline="0" dirty="0" err="1" smtClean="0"/>
-              <a:t>viewmodels</a:t>
-            </a:r>
-            <a:r>
-              <a:rPr lang="nl-BE" baseline="0" dirty="0" smtClean="0"/>
-              <a:t>, enz.</a:t>
+              <a:t>collapsibleSection</a:t>
+            </a:r>
+            <a:r>
+              <a:rPr lang="nl-BE" baseline="0" dirty="0" smtClean="0"/>
+              <a:t> en rating</a:t>
             </a:r>
             <a:endParaRPr lang="en-US" dirty="0"/>
           </a:p>
@@ -3678,7 +3837,7 @@
           <a:p>
             <a:fld id="{0DF56419-AC34-45D0-BAB8-5A4CB1E563BF}" type="slidenum">
               <a:rPr lang="en-US" smtClean="0"/>
-              <a:t>20</a:t>
+              <a:t>19</a:t>
             </a:fld>
             <a:endParaRPr lang="en-US"/>
           </a:p>
@@ -3687,7 +3846,7 @@
     </p:spTree>
     <p:extLst>
       <p:ext uri="{BB962C8B-B14F-4D97-AF65-F5344CB8AC3E}">
-        <p14:creationId xmlns:p14="http://schemas.microsoft.com/office/powerpoint/2010/main" val="2104542335"/>
+        <p14:creationId xmlns:p14="http://schemas.microsoft.com/office/powerpoint/2010/main" val="3706878361"/>
       </p:ext>
     </p:extLst>
   </p:cSld>
@@ -8216,7 +8375,7 @@
           </p:nvPr>
         </p:nvPicPr>
         <p:blipFill>
-          <a:blip r:embed="rId2"/>
+          <a:blip r:embed="rId3"/>
           <a:stretch>
             <a:fillRect/>
           </a:stretch>
@@ -8854,15 +9013,27 @@
           <a:p>
             <a:pPr lvl="1"/>
             <a:r>
-              <a:rPr lang="nl-BE" dirty="0" smtClean="0"/>
-              <a:t>customerList.js</a:t>
+              <a:rPr lang="nl-BE" dirty="0" err="1"/>
+              <a:t>v</a:t>
+            </a:r>
+            <a:r>
+              <a:rPr lang="nl-BE" dirty="0" err="1" smtClean="0"/>
+              <a:t>iewmodels</a:t>
+            </a:r>
+            <a:r>
+              <a:rPr lang="nl-BE" dirty="0" smtClean="0"/>
+              <a:t>/customerList.js</a:t>
             </a:r>
           </a:p>
           <a:p>
             <a:pPr lvl="1"/>
             <a:r>
-              <a:rPr lang="nl-BE" dirty="0" smtClean="0"/>
-              <a:t>customerList.html</a:t>
+              <a:rPr lang="nl-BE" dirty="0"/>
+              <a:t>v</a:t>
+            </a:r>
+            <a:r>
+              <a:rPr lang="nl-BE" dirty="0" smtClean="0"/>
+              <a:t>iews/customerList.html</a:t>
             </a:r>
             <a:endParaRPr lang="en-US" dirty="0"/>
           </a:p>
@@ -9038,7 +9209,7 @@
       </p:sp>
       <p:pic>
         <p:nvPicPr>
-          <p:cNvPr id="6" name="Picture 5"/>
+          <p:cNvPr id="9" name="Picture 8"/>
           <p:cNvPicPr>
             <a:picLocks noChangeAspect="1"/>
           </p:cNvPicPr>
@@ -9052,40 +9223,23 @@
         </p:blipFill>
         <p:spPr>
           <a:xfrm>
-            <a:off x="838200" y="1825625"/>
-            <a:ext cx="10782300" cy="1495425"/>
+            <a:off x="847725" y="4001294"/>
+            <a:ext cx="10506075" cy="2028825"/>
           </a:xfrm>
           <a:prstGeom prst="rect">
             <a:avLst/>
           </a:prstGeom>
         </p:spPr>
       </p:pic>
-      <p:sp>
-        <p:nvSpPr>
-          <p:cNvPr id="8" name="Content Placeholder 7"/>
-          <p:cNvSpPr>
-            <a:spLocks noGrp="1"/>
-          </p:cNvSpPr>
-          <p:nvPr>
-            <p:ph idx="1"/>
-          </p:nvPr>
-        </p:nvSpPr>
-        <p:spPr/>
-        <p:txBody>
-          <a:bodyPr/>
-          <a:lstStyle/>
-          <a:p>
-            <a:endParaRPr lang="en-US" dirty="0"/>
-          </a:p>
-        </p:txBody>
-      </p:sp>
       <p:pic>
         <p:nvPicPr>
-          <p:cNvPr id="9" name="Picture 8"/>
+          <p:cNvPr id="10" name="Content Placeholder 9"/>
           <p:cNvPicPr>
-            <a:picLocks noChangeAspect="1"/>
+            <a:picLocks noGrp="1" noChangeAspect="1"/>
           </p:cNvPicPr>
-          <p:nvPr/>
+          <p:nvPr>
+            <p:ph idx="1"/>
+          </p:nvPr>
         </p:nvPicPr>
         <p:blipFill>
           <a:blip r:embed="rId4"/>
@@ -9095,8 +9249,8 @@
         </p:blipFill>
         <p:spPr>
           <a:xfrm>
-            <a:off x="847725" y="4001294"/>
-            <a:ext cx="10506075" cy="2028825"/>
+            <a:off x="847725" y="1690688"/>
+            <a:ext cx="10515600" cy="1458435"/>
           </a:xfrm>
           <a:prstGeom prst="rect">
             <a:avLst/>
@@ -9540,7 +9694,11 @@
             </a:r>
             <a:r>
               <a:rPr lang="nl-BE" dirty="0" smtClean="0"/>
-              <a:t>: extra mogelijkheden</a:t>
+              <a:t>: </a:t>
+            </a:r>
+            <a:r>
+              <a:rPr lang="nl-BE" dirty="0" err="1" smtClean="0"/>
+              <a:t>dialogs</a:t>
             </a:r>
             <a:endParaRPr lang="en-US" dirty="0"/>
           </a:p>
@@ -9560,32 +9718,6 @@
         <p:txBody>
           <a:bodyPr/>
           <a:lstStyle/>
-          <a:p>
-            <a:r>
-              <a:rPr lang="nl-BE" dirty="0" smtClean="0"/>
-              <a:t>Eigen </a:t>
-            </a:r>
-            <a:r>
-              <a:rPr lang="nl-BE" dirty="0" err="1" smtClean="0"/>
-              <a:t>transitions</a:t>
-            </a:r>
-            <a:endParaRPr lang="nl-BE" dirty="0" smtClean="0"/>
-          </a:p>
-          <a:p>
-            <a:r>
-              <a:rPr lang="nl-BE" dirty="0" err="1" smtClean="0"/>
-              <a:t>Publish</a:t>
-            </a:r>
-            <a:r>
-              <a:rPr lang="nl-BE" dirty="0" smtClean="0"/>
-              <a:t> </a:t>
-            </a:r>
-            <a:r>
-              <a:rPr lang="nl-BE" dirty="0" err="1" smtClean="0"/>
-              <a:t>subscribe</a:t>
-            </a:r>
-            <a:endParaRPr lang="nl-BE" dirty="0" smtClean="0"/>
-          </a:p>
           <a:p>
             <a:r>
               <a:rPr lang="nl-BE" dirty="0" err="1" smtClean="0"/>
@@ -10060,6 +10192,13 @@
               <a:rPr lang="nl-BE" dirty="0" err="1" smtClean="0"/>
               <a:t>observable</a:t>
             </a:r>
+            <a:endParaRPr lang="nl-BE" dirty="0" smtClean="0"/>
+          </a:p>
+          <a:p>
+            <a:r>
+              <a:rPr lang="nl-BE" dirty="0" smtClean="0"/>
+              <a:t>…</a:t>
+            </a:r>
             <a:endParaRPr lang="en-US" dirty="0"/>
           </a:p>
         </p:txBody>
@@ -10245,6 +10384,90 @@
             </a:r>
             <a:r>
               <a:rPr lang="nl-BE" dirty="0" smtClean="0"/>
+              <a:t> en ASP.NET MVC</a:t>
+            </a:r>
+            <a:endParaRPr lang="en-US" dirty="0"/>
+          </a:p>
+        </p:txBody>
+      </p:sp>
+      <p:sp>
+        <p:nvSpPr>
+          <p:cNvPr id="3" name="Content Placeholder 2"/>
+          <p:cNvSpPr>
+            <a:spLocks noGrp="1"/>
+          </p:cNvSpPr>
+          <p:nvPr>
+            <p:ph idx="1"/>
+          </p:nvPr>
+        </p:nvSpPr>
+        <p:spPr/>
+        <p:txBody>
+          <a:bodyPr/>
+          <a:lstStyle/>
+          <a:p>
+            <a:r>
+              <a:rPr lang="nl-BE" dirty="0" err="1" smtClean="0"/>
+              <a:t>HotTowel</a:t>
+            </a:r>
+            <a:r>
+              <a:rPr lang="nl-BE" dirty="0" smtClean="0"/>
+              <a:t> template</a:t>
+            </a:r>
+            <a:endParaRPr lang="en-US" dirty="0"/>
+          </a:p>
+        </p:txBody>
+      </p:sp>
+    </p:spTree>
+    <p:extLst>
+      <p:ext uri="{BB962C8B-B14F-4D97-AF65-F5344CB8AC3E}">
+        <p14:creationId xmlns:p14="http://schemas.microsoft.com/office/powerpoint/2010/main" val="3353343187"/>
+      </p:ext>
+    </p:extLst>
+  </p:cSld>
+  <p:clrMapOvr>
+    <a:masterClrMapping/>
+  </p:clrMapOvr>
+</p:sld>
+</file>
+
+<file path=ppt/slides/slide36.xml><?xml version="1.0" encoding="utf-8"?>
+<p:sld xmlns:a="http://schemas.openxmlformats.org/drawingml/2006/main" xmlns:r="http://schemas.openxmlformats.org/officeDocument/2006/relationships" xmlns:p="http://schemas.openxmlformats.org/presentationml/2006/main">
+  <p:cSld>
+    <p:spTree>
+      <p:nvGrpSpPr>
+        <p:cNvPr id="1" name=""/>
+        <p:cNvGrpSpPr/>
+        <p:nvPr/>
+      </p:nvGrpSpPr>
+      <p:grpSpPr>
+        <a:xfrm>
+          <a:off x="0" y="0"/>
+          <a:ext cx="0" cy="0"/>
+          <a:chOff x="0" y="0"/>
+          <a:chExt cx="0" cy="0"/>
+        </a:xfrm>
+      </p:grpSpPr>
+      <p:sp>
+        <p:nvSpPr>
+          <p:cNvPr id="2" name="Title 1"/>
+          <p:cNvSpPr>
+            <a:spLocks noGrp="1"/>
+          </p:cNvSpPr>
+          <p:nvPr>
+            <p:ph type="title"/>
+          </p:nvPr>
+        </p:nvSpPr>
+        <p:spPr/>
+        <p:txBody>
+          <a:bodyPr/>
+          <a:lstStyle/>
+          <a:p>
+            <a:r>
+              <a:rPr lang="nl-BE" dirty="0" err="1" smtClean="0"/>
+              <a:t>Durandal</a:t>
+            </a:r>
+            <a:r>
+              <a:rPr lang="nl-BE" dirty="0" smtClean="0"/>
               <a:t>: nog veel meer</a:t>
             </a:r>
             <a:endParaRPr lang="en-US" dirty="0"/>
@@ -10264,12 +10487,19 @@
         <p:spPr/>
         <p:txBody>
           <a:bodyPr>
-            <a:normAutofit fontScale="92500" lnSpcReduction="20000"/>
+            <a:normAutofit fontScale="55000" lnSpcReduction="20000"/>
           </a:bodyPr>
           <a:lstStyle/>
           <a:p>
             <a:r>
               <a:rPr lang="nl-BE" dirty="0" err="1" smtClean="0"/>
+              <a:t>Publish-subscribe</a:t>
+            </a:r>
+            <a:endParaRPr lang="nl-BE" dirty="0" smtClean="0"/>
+          </a:p>
+          <a:p>
+            <a:r>
+              <a:rPr lang="nl-BE" dirty="0" err="1" smtClean="0"/>
               <a:t>Templatable</a:t>
             </a:r>
             <a:r>
@@ -10411,8 +10641,58 @@
           <a:p>
             <a:r>
               <a:rPr lang="nl-BE" dirty="0" smtClean="0"/>
+              <a:t>Builden met Mimosa</a:t>
+            </a:r>
+          </a:p>
+          <a:p>
+            <a:r>
+              <a:rPr lang="nl-BE" dirty="0" smtClean="0"/>
               <a:t>SEO mogelijkheden</a:t>
             </a:r>
+          </a:p>
+          <a:p>
+            <a:r>
+              <a:rPr lang="nl-BE" dirty="0" smtClean="0"/>
+              <a:t>Integreer Q, </a:t>
+            </a:r>
+            <a:r>
+              <a:rPr lang="nl-BE" dirty="0" err="1" smtClean="0"/>
+              <a:t>Dojo</a:t>
+            </a:r>
+            <a:r>
+              <a:rPr lang="nl-BE" dirty="0" smtClean="0"/>
+              <a:t>, </a:t>
+            </a:r>
+            <a:r>
+              <a:rPr lang="nl-BE" dirty="0" err="1" smtClean="0"/>
+              <a:t>KendoUI</a:t>
+            </a:r>
+            <a:r>
+              <a:rPr lang="nl-BE" dirty="0" smtClean="0"/>
+              <a:t>, </a:t>
+            </a:r>
+            <a:r>
+              <a:rPr lang="nl-BE" dirty="0" err="1" smtClean="0"/>
+              <a:t>Almond</a:t>
+            </a:r>
+            <a:r>
+              <a:rPr lang="nl-BE" dirty="0" smtClean="0"/>
+              <a:t>, i18next,…</a:t>
+            </a:r>
+          </a:p>
+          <a:p>
+            <a:r>
+              <a:rPr lang="nl-BE" dirty="0" err="1" smtClean="0"/>
+              <a:t>PhoneGap</a:t>
+            </a:r>
+            <a:r>
+              <a:rPr lang="nl-BE" dirty="0" smtClean="0"/>
+              <a:t>, Node-Webkit, Windows 8</a:t>
+            </a:r>
+            <a:endParaRPr lang="nl-BE" dirty="0" smtClean="0"/>
+          </a:p>
+          <a:p>
+            <a:endParaRPr lang="nl-BE" dirty="0" smtClean="0"/>
           </a:p>
         </p:txBody>
       </p:sp>

--- a/Durandal T4T.pptx
+++ b/Durandal T4T.pptx
@@ -5,7 +5,7 @@
     <p:sldMasterId id="2147483648" r:id="rId1"/>
   </p:sldMasterIdLst>
   <p:notesMasterIdLst>
-    <p:notesMasterId r:id="rId38"/>
+    <p:notesMasterId r:id="rId39"/>
   </p:notesMasterIdLst>
   <p:sldIdLst>
     <p:sldId id="256" r:id="rId2"/>
@@ -44,6 +44,7 @@
     <p:sldId id="289" r:id="rId35"/>
     <p:sldId id="291" r:id="rId36"/>
     <p:sldId id="290" r:id="rId37"/>
+    <p:sldId id="292" r:id="rId38"/>
   </p:sldIdLst>
   <p:sldSz cx="12192000" cy="6858000"/>
   <p:notesSz cx="6858000" cy="9144000"/>
@@ -671,100 +672,32 @@
           <a:lstStyle/>
           <a:p>
             <a:r>
-              <a:rPr lang="nl-BE" dirty="0" err="1" smtClean="0"/>
-              <a:t>toJS</a:t>
-            </a:r>
-            <a:r>
-              <a:rPr lang="nl-BE" dirty="0" smtClean="0"/>
-              <a:t>: je object heeft geen </a:t>
-            </a:r>
-            <a:r>
-              <a:rPr lang="nl-BE" dirty="0" err="1" smtClean="0"/>
-              <a:t>observables</a:t>
-            </a:r>
-            <a:r>
-              <a:rPr lang="nl-BE" baseline="0" dirty="0" smtClean="0"/>
-              <a:t> meer, het is een normaal JS object</a:t>
-            </a:r>
-          </a:p>
-          <a:p>
+              <a:rPr lang="nl-BE" dirty="0" smtClean="0"/>
+              <a:t>Zie twee </a:t>
+            </a:r>
+            <a:r>
+              <a:rPr lang="nl-BE" dirty="0" err="1" smtClean="0"/>
+              <a:t>custom</a:t>
+            </a:r>
+            <a:r>
+              <a:rPr lang="nl-BE" dirty="0" smtClean="0"/>
+              <a:t> </a:t>
+            </a:r>
+            <a:r>
+              <a:rPr lang="nl-BE" dirty="0" err="1" smtClean="0"/>
+              <a:t>bindings</a:t>
+            </a:r>
+            <a:r>
+              <a:rPr lang="nl-BE" baseline="0" dirty="0" smtClean="0"/>
+              <a:t> in demo project: </a:t>
+            </a:r>
             <a:r>
               <a:rPr lang="nl-BE" baseline="0" dirty="0" err="1" smtClean="0"/>
-              <a:t>toJSON</a:t>
-            </a:r>
-            <a:r>
-              <a:rPr lang="nl-BE" baseline="0" dirty="0" smtClean="0"/>
-              <a:t>: doet intern eerst een call naar </a:t>
-            </a:r>
-            <a:r>
-              <a:rPr lang="nl-BE" baseline="0" dirty="0" err="1" smtClean="0"/>
-              <a:t>toJS</a:t>
-            </a:r>
-            <a:r>
-              <a:rPr lang="nl-BE" baseline="0" dirty="0" smtClean="0"/>
-              <a:t>, </a:t>
-            </a:r>
-            <a:r>
-              <a:rPr lang="nl-BE" baseline="0" dirty="0" err="1" smtClean="0"/>
-              <a:t>serializeert</a:t>
-            </a:r>
-            <a:r>
-              <a:rPr lang="nl-BE" baseline="0" dirty="0" smtClean="0"/>
-              <a:t> dan naar een JSON string</a:t>
-            </a:r>
-          </a:p>
-          <a:p>
-            <a:r>
-              <a:rPr lang="nl-BE" baseline="0" dirty="0" smtClean="0"/>
-              <a:t>Alle members worden geëvalueerd, ook </a:t>
-            </a:r>
-            <a:r>
-              <a:rPr lang="nl-BE" baseline="0" dirty="0" err="1" smtClean="0"/>
-              <a:t>computed</a:t>
-            </a:r>
-            <a:r>
-              <a:rPr lang="nl-BE" baseline="0" dirty="0" smtClean="0"/>
-              <a:t> </a:t>
-            </a:r>
-            <a:r>
-              <a:rPr lang="nl-BE" baseline="0" dirty="0" err="1" smtClean="0"/>
-              <a:t>observables</a:t>
-            </a:r>
-            <a:r>
-              <a:rPr lang="nl-BE" baseline="0" dirty="0" smtClean="0"/>
-              <a:t>, non-</a:t>
-            </a:r>
-            <a:r>
-              <a:rPr lang="nl-BE" baseline="0" dirty="0" err="1" smtClean="0"/>
-              <a:t>observables</a:t>
-            </a:r>
-            <a:r>
-              <a:rPr lang="nl-BE" baseline="0" dirty="0" smtClean="0"/>
-              <a:t>, </a:t>
-            </a:r>
-            <a:r>
-              <a:rPr lang="nl-BE" baseline="0" dirty="0" err="1" smtClean="0"/>
-              <a:t>observable</a:t>
-            </a:r>
-            <a:r>
-              <a:rPr lang="nl-BE" baseline="0" dirty="0" smtClean="0"/>
-              <a:t> arrays, </a:t>
-            </a:r>
-            <a:r>
-              <a:rPr lang="nl-BE" baseline="0" dirty="0" err="1" smtClean="0"/>
-              <a:t>child</a:t>
-            </a:r>
-            <a:r>
-              <a:rPr lang="nl-BE" baseline="0" dirty="0" smtClean="0"/>
-              <a:t> </a:t>
-            </a:r>
-            <a:r>
-              <a:rPr lang="nl-BE" baseline="0" dirty="0" err="1" smtClean="0"/>
-              <a:t>viewmodels</a:t>
-            </a:r>
-            <a:r>
-              <a:rPr lang="nl-BE" baseline="0" dirty="0" smtClean="0"/>
-              <a:t>, enz.</a:t>
+              <a:t>collapsibleSection</a:t>
+            </a:r>
+            <a:r>
+              <a:rPr lang="nl-BE" baseline="0" dirty="0" smtClean="0"/>
+              <a:t> en rating</a:t>
             </a:r>
             <a:endParaRPr lang="en-US" dirty="0"/>
           </a:p>
@@ -787,7 +720,7 @@
           <a:p>
             <a:fld id="{0DF56419-AC34-45D0-BAB8-5A4CB1E563BF}" type="slidenum">
               <a:rPr lang="en-US" smtClean="0"/>
-              <a:t>20</a:t>
+              <a:t>19</a:t>
             </a:fld>
             <a:endParaRPr lang="en-US"/>
           </a:p>
@@ -796,7 +729,7 @@
     </p:spTree>
     <p:extLst>
       <p:ext uri="{BB962C8B-B14F-4D97-AF65-F5344CB8AC3E}">
-        <p14:creationId xmlns:p14="http://schemas.microsoft.com/office/powerpoint/2010/main" val="2104542335"/>
+        <p14:creationId xmlns:p14="http://schemas.microsoft.com/office/powerpoint/2010/main" val="3706878361"/>
       </p:ext>
     </p:extLst>
   </p:cSld>
@@ -852,23 +785,99 @@
           <a:p>
             <a:r>
               <a:rPr lang="nl-BE" dirty="0" err="1" smtClean="0"/>
-              <a:t>Id</a:t>
-            </a:r>
-            <a:r>
-              <a:rPr lang="nl-BE" dirty="0" smtClean="0"/>
-              <a:t> is afgeleid</a:t>
-            </a:r>
-            <a:r>
-              <a:rPr lang="nl-BE" baseline="0" dirty="0" smtClean="0"/>
-              <a:t> van pad relatief t.o.v. </a:t>
-            </a:r>
+              <a:t>toJS</a:t>
+            </a:r>
+            <a:r>
+              <a:rPr lang="nl-BE" dirty="0" smtClean="0"/>
+              <a:t>: je object heeft geen </a:t>
+            </a:r>
+            <a:r>
+              <a:rPr lang="nl-BE" dirty="0" err="1" smtClean="0"/>
+              <a:t>observables</a:t>
+            </a:r>
+            <a:r>
+              <a:rPr lang="nl-BE" baseline="0" dirty="0" smtClean="0"/>
+              <a:t> meer, het is een normaal JS object</a:t>
+            </a:r>
+          </a:p>
+          <a:p>
             <a:r>
               <a:rPr lang="nl-BE" baseline="0" dirty="0" err="1" smtClean="0"/>
-              <a:t>baseUrl</a:t>
-            </a:r>
-            <a:r>
-              <a:rPr lang="nl-BE" baseline="0" dirty="0" smtClean="0"/>
-              <a:t> (normaal locatie van main.js)</a:t>
+              <a:t>toJSON</a:t>
+            </a:r>
+            <a:r>
+              <a:rPr lang="nl-BE" baseline="0" dirty="0" smtClean="0"/>
+              <a:t>: doet intern eerst een call naar </a:t>
+            </a:r>
+            <a:r>
+              <a:rPr lang="nl-BE" baseline="0" dirty="0" err="1" smtClean="0"/>
+              <a:t>toJS</a:t>
+            </a:r>
+            <a:r>
+              <a:rPr lang="nl-BE" baseline="0" dirty="0" smtClean="0"/>
+              <a:t>, </a:t>
+            </a:r>
+            <a:r>
+              <a:rPr lang="nl-BE" baseline="0" dirty="0" err="1" smtClean="0"/>
+              <a:t>serializeert</a:t>
+            </a:r>
+            <a:r>
+              <a:rPr lang="nl-BE" baseline="0" dirty="0" smtClean="0"/>
+              <a:t> dan naar een JSON string</a:t>
+            </a:r>
+          </a:p>
+          <a:p>
+            <a:r>
+              <a:rPr lang="nl-BE" baseline="0" dirty="0" smtClean="0"/>
+              <a:t>Alle members worden geëvalueerd, ook </a:t>
+            </a:r>
+            <a:r>
+              <a:rPr lang="nl-BE" baseline="0" dirty="0" err="1" smtClean="0"/>
+              <a:t>computed</a:t>
+            </a:r>
+            <a:r>
+              <a:rPr lang="nl-BE" baseline="0" dirty="0" smtClean="0"/>
+              <a:t> </a:t>
+            </a:r>
+            <a:r>
+              <a:rPr lang="nl-BE" baseline="0" dirty="0" err="1" smtClean="0"/>
+              <a:t>observables</a:t>
+            </a:r>
+            <a:r>
+              <a:rPr lang="nl-BE" baseline="0" dirty="0" smtClean="0"/>
+              <a:t>, non-</a:t>
+            </a:r>
+            <a:r>
+              <a:rPr lang="nl-BE" baseline="0" dirty="0" err="1" smtClean="0"/>
+              <a:t>observables</a:t>
+            </a:r>
+            <a:r>
+              <a:rPr lang="nl-BE" baseline="0" dirty="0" smtClean="0"/>
+              <a:t>, </a:t>
+            </a:r>
+            <a:r>
+              <a:rPr lang="nl-BE" baseline="0" dirty="0" err="1" smtClean="0"/>
+              <a:t>observable</a:t>
+            </a:r>
+            <a:r>
+              <a:rPr lang="nl-BE" baseline="0" dirty="0" smtClean="0"/>
+              <a:t> arrays, </a:t>
+            </a:r>
+            <a:r>
+              <a:rPr lang="nl-BE" baseline="0" dirty="0" err="1" smtClean="0"/>
+              <a:t>child</a:t>
+            </a:r>
+            <a:r>
+              <a:rPr lang="nl-BE" baseline="0" dirty="0" smtClean="0"/>
+              <a:t> </a:t>
+            </a:r>
+            <a:r>
+              <a:rPr lang="nl-BE" baseline="0" dirty="0" err="1" smtClean="0"/>
+              <a:t>viewmodels</a:t>
+            </a:r>
+            <a:r>
+              <a:rPr lang="nl-BE" baseline="0" dirty="0" smtClean="0"/>
+              <a:t>, enz.</a:t>
             </a:r>
             <a:endParaRPr lang="en-US" dirty="0"/>
           </a:p>
@@ -891,7 +900,7 @@
           <a:p>
             <a:fld id="{0DF56419-AC34-45D0-BAB8-5A4CB1E563BF}" type="slidenum">
               <a:rPr lang="en-US" smtClean="0"/>
-              <a:t>22</a:t>
+              <a:t>20</a:t>
             </a:fld>
             <a:endParaRPr lang="en-US"/>
           </a:p>
@@ -900,7 +909,7 @@
     </p:spTree>
     <p:extLst>
       <p:ext uri="{BB962C8B-B14F-4D97-AF65-F5344CB8AC3E}">
-        <p14:creationId xmlns:p14="http://schemas.microsoft.com/office/powerpoint/2010/main" val="106862747"/>
+        <p14:creationId xmlns:p14="http://schemas.microsoft.com/office/powerpoint/2010/main" val="2104542335"/>
       </p:ext>
     </p:extLst>
   </p:cSld>
@@ -955,16 +964,24 @@
           <a:lstStyle/>
           <a:p>
             <a:r>
-              <a:rPr lang="nl-BE" dirty="0" smtClean="0"/>
-              <a:t>Indien meerdere root </a:t>
-            </a:r>
-            <a:r>
-              <a:rPr lang="nl-BE" dirty="0" err="1" smtClean="0"/>
-              <a:t>elements</a:t>
-            </a:r>
-            <a:r>
-              <a:rPr lang="nl-BE" dirty="0" smtClean="0"/>
-              <a:t>, dan worden deze in een div geplaatst</a:t>
+              <a:rPr lang="nl-BE" dirty="0" err="1" smtClean="0"/>
+              <a:t>Id</a:t>
+            </a:r>
+            <a:r>
+              <a:rPr lang="nl-BE" dirty="0" smtClean="0"/>
+              <a:t> is afgeleid</a:t>
+            </a:r>
+            <a:r>
+              <a:rPr lang="nl-BE" baseline="0" dirty="0" smtClean="0"/>
+              <a:t> van pad relatief t.o.v. </a:t>
+            </a:r>
+            <a:r>
+              <a:rPr lang="nl-BE" baseline="0" dirty="0" err="1" smtClean="0"/>
+              <a:t>baseUrl</a:t>
+            </a:r>
+            <a:r>
+              <a:rPr lang="nl-BE" baseline="0" dirty="0" smtClean="0"/>
+              <a:t> (normaal locatie van main.js)</a:t>
             </a:r>
             <a:endParaRPr lang="en-US" dirty="0"/>
           </a:p>
@@ -987,7 +1004,7 @@
           <a:p>
             <a:fld id="{0DF56419-AC34-45D0-BAB8-5A4CB1E563BF}" type="slidenum">
               <a:rPr lang="en-US" smtClean="0"/>
-              <a:t>23</a:t>
+              <a:t>22</a:t>
             </a:fld>
             <a:endParaRPr lang="en-US"/>
           </a:p>
@@ -996,7 +1013,7 @@
     </p:spTree>
     <p:extLst>
       <p:ext uri="{BB962C8B-B14F-4D97-AF65-F5344CB8AC3E}">
-        <p14:creationId xmlns:p14="http://schemas.microsoft.com/office/powerpoint/2010/main" val="3152353316"/>
+        <p14:creationId xmlns:p14="http://schemas.microsoft.com/office/powerpoint/2010/main" val="106862747"/>
       </p:ext>
     </p:extLst>
   </p:cSld>
@@ -1052,30 +1069,16 @@
           <a:p>
             <a:r>
               <a:rPr lang="nl-BE" dirty="0" smtClean="0"/>
-              <a:t>Object</a:t>
-            </a:r>
-            <a:r>
-              <a:rPr lang="nl-BE" baseline="0" dirty="0" smtClean="0"/>
-              <a:t> </a:t>
-            </a:r>
-            <a:r>
-              <a:rPr lang="nl-BE" baseline="0" dirty="0" err="1" smtClean="0"/>
-              <a:t>composition</a:t>
-            </a:r>
-            <a:r>
-              <a:rPr lang="nl-BE" baseline="0" dirty="0" smtClean="0"/>
-              <a:t>: via </a:t>
-            </a:r>
-            <a:r>
-              <a:rPr lang="nl-BE" baseline="0" dirty="0" err="1" smtClean="0"/>
-              <a:t>RequireJS</a:t>
-            </a:r>
-            <a:r>
-              <a:rPr lang="nl-BE" baseline="0" dirty="0" smtClean="0"/>
-              <a:t> gewoon modules en hun afhankelijkheden</a:t>
-            </a:r>
-          </a:p>
-          <a:p>
+              <a:t>Indien meerdere root </a:t>
+            </a:r>
+            <a:r>
+              <a:rPr lang="nl-BE" dirty="0" err="1" smtClean="0"/>
+              <a:t>elements</a:t>
+            </a:r>
+            <a:r>
+              <a:rPr lang="nl-BE" dirty="0" smtClean="0"/>
+              <a:t>, dan worden deze in een div geplaatst</a:t>
+            </a:r>
             <a:endParaRPr lang="en-US" dirty="0"/>
           </a:p>
         </p:txBody>
@@ -1097,7 +1100,7 @@
           <a:p>
             <a:fld id="{0DF56419-AC34-45D0-BAB8-5A4CB1E563BF}" type="slidenum">
               <a:rPr lang="en-US" smtClean="0"/>
-              <a:t>25</a:t>
+              <a:t>23</a:t>
             </a:fld>
             <a:endParaRPr lang="en-US"/>
           </a:p>
@@ -1106,7 +1109,7 @@
     </p:spTree>
     <p:extLst>
       <p:ext uri="{BB962C8B-B14F-4D97-AF65-F5344CB8AC3E}">
-        <p14:creationId xmlns:p14="http://schemas.microsoft.com/office/powerpoint/2010/main" val="2009853299"/>
+        <p14:creationId xmlns:p14="http://schemas.microsoft.com/office/powerpoint/2010/main" val="3152353316"/>
       </p:ext>
     </p:extLst>
   </p:cSld>
@@ -1162,198 +1165,31 @@
           <a:p>
             <a:r>
               <a:rPr lang="nl-BE" dirty="0" smtClean="0"/>
-              <a:t>1: view wordt </a:t>
-            </a:r>
-            <a:r>
-              <a:rPr lang="nl-BE" dirty="0" err="1" smtClean="0"/>
-              <a:t>gebind</a:t>
-            </a:r>
-            <a:r>
-              <a:rPr lang="nl-BE" dirty="0" smtClean="0"/>
-              <a:t> tegen huidige context</a:t>
-            </a:r>
-          </a:p>
-          <a:p>
-            <a:r>
-              <a:rPr lang="nl-BE" dirty="0" smtClean="0"/>
-              <a:t>2: </a:t>
-            </a:r>
-            <a:r>
-              <a:rPr lang="nl-BE" dirty="0" err="1" smtClean="0"/>
-              <a:t>id</a:t>
-            </a:r>
-            <a:r>
-              <a:rPr lang="nl-BE" dirty="0" smtClean="0"/>
-              <a:t> van een module</a:t>
-            </a:r>
-            <a:r>
-              <a:rPr lang="nl-BE" baseline="0" dirty="0" smtClean="0"/>
-              <a:t> (want geen view extension, bv .html)</a:t>
-            </a:r>
-            <a:r>
-              <a:rPr lang="nl-BE" dirty="0" smtClean="0"/>
-              <a:t>; module en</a:t>
-            </a:r>
-            <a:r>
-              <a:rPr lang="nl-BE" baseline="0" dirty="0" smtClean="0"/>
-              <a:t> view worden ingeladen en </a:t>
+              <a:t>Object</a:t>
+            </a:r>
+            <a:r>
+              <a:rPr lang="nl-BE" baseline="0" dirty="0" smtClean="0"/>
+              <a:t> </a:t>
             </a:r>
             <a:r>
               <a:rPr lang="nl-BE" baseline="0" dirty="0" err="1" smtClean="0"/>
-              <a:t>gebind</a:t>
-            </a:r>
-            <a:r>
-              <a:rPr lang="nl-BE" baseline="0" dirty="0" smtClean="0"/>
-              <a:t> aan elkaar</a:t>
-            </a:r>
-          </a:p>
-          <a:p>
-            <a:r>
-              <a:rPr lang="nl-BE" baseline="0" dirty="0" smtClean="0"/>
-              <a:t>3: een </a:t>
+              <a:t>composition</a:t>
+            </a:r>
+            <a:r>
+              <a:rPr lang="nl-BE" baseline="0" dirty="0" smtClean="0"/>
+              <a:t>: via </a:t>
             </a:r>
             <a:r>
               <a:rPr lang="nl-BE" baseline="0" dirty="0" err="1" smtClean="0"/>
-              <a:t>observable</a:t>
-            </a:r>
-            <a:r>
-              <a:rPr lang="nl-BE" baseline="0" dirty="0" smtClean="0"/>
-              <a:t>; interessant want wanneer </a:t>
-            </a:r>
-            <a:r>
-              <a:rPr lang="nl-BE" baseline="0" dirty="0" err="1" smtClean="0"/>
-              <a:t>observable</a:t>
-            </a:r>
-            <a:r>
-              <a:rPr lang="nl-BE" baseline="0" dirty="0" smtClean="0"/>
-              <a:t> verandert, verandert de DOM</a:t>
-            </a:r>
-          </a:p>
-          <a:p>
-            <a:r>
-              <a:rPr lang="nl-BE" baseline="0" dirty="0" smtClean="0"/>
-              <a:t>	indien een string</a:t>
-            </a:r>
-          </a:p>
-          <a:p>
-            <a:r>
-              <a:rPr lang="nl-BE" baseline="0" dirty="0" smtClean="0"/>
-              <a:t>		met view extension: view wordt ingeladen en </a:t>
-            </a:r>
-            <a:r>
-              <a:rPr lang="nl-BE" baseline="0" dirty="0" err="1" smtClean="0"/>
-              <a:t>gebind</a:t>
-            </a:r>
-            <a:r>
-              <a:rPr lang="nl-BE" baseline="0" dirty="0" smtClean="0"/>
-              <a:t> aan huidige context</a:t>
-            </a:r>
-          </a:p>
-          <a:p>
-            <a:r>
-              <a:rPr lang="nl-BE" baseline="0" dirty="0" smtClean="0"/>
-              <a:t>		indien een </a:t>
-            </a:r>
-            <a:r>
-              <a:rPr lang="nl-BE" baseline="0" dirty="0" err="1" smtClean="0"/>
-              <a:t>moduleid</a:t>
-            </a:r>
-            <a:r>
-              <a:rPr lang="nl-BE" baseline="0" dirty="0" smtClean="0"/>
-              <a:t>: module en view worden ingeladen en </a:t>
-            </a:r>
-            <a:r>
-              <a:rPr lang="nl-BE" baseline="0" dirty="0" err="1" smtClean="0"/>
-              <a:t>gebind</a:t>
-            </a:r>
-            <a:r>
-              <a:rPr lang="nl-BE" baseline="0" dirty="0" smtClean="0"/>
-              <a:t> aan elkaar</a:t>
-            </a:r>
-          </a:p>
-          <a:p>
-            <a:r>
-              <a:rPr lang="nl-BE" baseline="0" dirty="0" smtClean="0"/>
-              <a:t>	indien een object</a:t>
-            </a:r>
-          </a:p>
-          <a:p>
-            <a:r>
-              <a:rPr lang="nl-BE" baseline="0" dirty="0" smtClean="0"/>
-              <a:t>		bijpassende view wordt opgezocht, beiden worden aan elkaar </a:t>
-            </a:r>
-            <a:r>
-              <a:rPr lang="nl-BE" baseline="0" dirty="0" err="1" smtClean="0"/>
-              <a:t>gebind</a:t>
-            </a:r>
-            <a:endParaRPr lang="nl-BE" baseline="0" dirty="0" smtClean="0"/>
-          </a:p>
-          <a:p>
-            <a:r>
-              <a:rPr lang="nl-BE" baseline="0" dirty="0" smtClean="0"/>
-              <a:t>	indien een </a:t>
-            </a:r>
-            <a:r>
-              <a:rPr lang="nl-BE" baseline="0" dirty="0" err="1" smtClean="0"/>
-              <a:t>function</a:t>
-            </a:r>
-            <a:endParaRPr lang="nl-BE" baseline="0" dirty="0" smtClean="0"/>
-          </a:p>
-          <a:p>
-            <a:r>
-              <a:rPr lang="nl-BE" baseline="0" dirty="0" smtClean="0"/>
-              <a:t>		</a:t>
-            </a:r>
-            <a:r>
-              <a:rPr lang="nl-BE" baseline="0" dirty="0" err="1" smtClean="0"/>
-              <a:t>function</a:t>
-            </a:r>
-            <a:r>
-              <a:rPr lang="nl-BE" baseline="0" dirty="0" smtClean="0"/>
-              <a:t> wordt opgeroepen met new, view wordt gezocht voor object, binding</a:t>
-            </a:r>
-          </a:p>
-          <a:p>
-            <a:endParaRPr lang="nl-BE" baseline="0" dirty="0" smtClean="0"/>
-          </a:p>
-          <a:p>
-            <a:r>
-              <a:rPr lang="nl-BE" baseline="0" dirty="0" err="1" smtClean="0"/>
-              <a:t>Compose</a:t>
-            </a:r>
-            <a:r>
-              <a:rPr lang="nl-BE" baseline="0" dirty="0" smtClean="0"/>
-              <a:t> met object met view en/of model property: werkt in het algemeen zoals je zou verwachten</a:t>
-            </a:r>
-          </a:p>
-          <a:p>
-            <a:endParaRPr lang="nl-BE" baseline="0" dirty="0" smtClean="0"/>
-          </a:p>
-          <a:p>
-            <a:r>
-              <a:rPr lang="nl-BE" baseline="0" dirty="0" smtClean="0"/>
-              <a:t>Indien er iets niet lukt (bv geen view gevonden,…) </a:t>
-            </a:r>
-            <a:r>
-              <a:rPr lang="nl-BE" baseline="0" dirty="0" smtClean="0">
-                <a:sym typeface="Wingdings" panose="05000000000000000000" pitchFamily="2" charset="2"/>
-              </a:rPr>
-              <a:t> er zal niks in de DOM te zien zijn</a:t>
-            </a:r>
-          </a:p>
-          <a:p>
-            <a:endParaRPr lang="nl-BE" baseline="0" dirty="0" smtClean="0">
-              <a:sym typeface="Wingdings" panose="05000000000000000000" pitchFamily="2" charset="2"/>
-            </a:endParaRPr>
-          </a:p>
-          <a:p>
-            <a:r>
-              <a:rPr lang="nl-BE" baseline="0" dirty="0" smtClean="0">
-                <a:sym typeface="Wingdings" panose="05000000000000000000" pitchFamily="2" charset="2"/>
-              </a:rPr>
-              <a:t>In demo: home.html en beers.html</a:t>
-            </a:r>
-            <a:endParaRPr lang="nl-BE" baseline="0" dirty="0" smtClean="0"/>
+              <a:t>RequireJS</a:t>
+            </a:r>
+            <a:r>
+              <a:rPr lang="nl-BE" baseline="0" dirty="0" smtClean="0"/>
+              <a:t> gewoon modules en hun afhankelijkheden</a:t>
+            </a:r>
+          </a:p>
+          <a:p>
+            <a:endParaRPr lang="en-US" dirty="0"/>
           </a:p>
         </p:txBody>
       </p:sp>
@@ -1374,7 +1210,7 @@
           <a:p>
             <a:fld id="{0DF56419-AC34-45D0-BAB8-5A4CB1E563BF}" type="slidenum">
               <a:rPr lang="en-US" smtClean="0"/>
-              <a:t>26</a:t>
+              <a:t>25</a:t>
             </a:fld>
             <a:endParaRPr lang="en-US"/>
           </a:p>
@@ -1383,7 +1219,7 @@
     </p:spTree>
     <p:extLst>
       <p:ext uri="{BB962C8B-B14F-4D97-AF65-F5344CB8AC3E}">
-        <p14:creationId xmlns:p14="http://schemas.microsoft.com/office/powerpoint/2010/main" val="2510050687"/>
+        <p14:creationId xmlns:p14="http://schemas.microsoft.com/office/powerpoint/2010/main" val="2009853299"/>
       </p:ext>
     </p:extLst>
   </p:cSld>
@@ -1439,47 +1275,147 @@
           <a:p>
             <a:r>
               <a:rPr lang="nl-BE" dirty="0" smtClean="0"/>
-              <a:t>Extra opties voor je </a:t>
-            </a:r>
-            <a:r>
-              <a:rPr lang="nl-BE" dirty="0" err="1" smtClean="0"/>
-              <a:t>compose</a:t>
-            </a:r>
-            <a:r>
-              <a:rPr lang="nl-BE" dirty="0" smtClean="0"/>
-              <a:t> binding.</a:t>
-            </a:r>
-          </a:p>
-          <a:p>
-            <a:r>
-              <a:rPr lang="nl-BE" dirty="0" err="1" smtClean="0"/>
-              <a:t>strategy</a:t>
-            </a:r>
-            <a:r>
-              <a:rPr lang="nl-BE" dirty="0" smtClean="0"/>
-              <a:t>:</a:t>
-            </a:r>
-            <a:r>
-              <a:rPr lang="nl-BE" baseline="0" dirty="0" smtClean="0"/>
-              <a:t> </a:t>
+              <a:t>1: view wordt </a:t>
+            </a:r>
+            <a:r>
+              <a:rPr lang="nl-BE" dirty="0" err="1" smtClean="0"/>
+              <a:t>gebind</a:t>
+            </a:r>
+            <a:r>
+              <a:rPr lang="nl-BE" dirty="0" smtClean="0"/>
+              <a:t> tegen huidige context</a:t>
+            </a:r>
+          </a:p>
+          <a:p>
+            <a:r>
+              <a:rPr lang="nl-BE" dirty="0" smtClean="0"/>
+              <a:t>2: </a:t>
+            </a:r>
+            <a:r>
+              <a:rPr lang="nl-BE" dirty="0" err="1" smtClean="0"/>
+              <a:t>id</a:t>
+            </a:r>
+            <a:r>
+              <a:rPr lang="nl-BE" dirty="0" smtClean="0"/>
+              <a:t> van een module</a:t>
+            </a:r>
+            <a:r>
+              <a:rPr lang="nl-BE" baseline="0" dirty="0" smtClean="0"/>
+              <a:t> (want geen view extension, bv .html)</a:t>
+            </a:r>
+            <a:r>
+              <a:rPr lang="nl-BE" dirty="0" smtClean="0"/>
+              <a:t>; module en</a:t>
+            </a:r>
+            <a:r>
+              <a:rPr lang="nl-BE" baseline="0" dirty="0" smtClean="0"/>
+              <a:t> view worden ingeladen en </a:t>
+            </a:r>
+            <a:r>
+              <a:rPr lang="nl-BE" baseline="0" dirty="0" err="1" smtClean="0"/>
+              <a:t>gebind</a:t>
+            </a:r>
+            <a:r>
+              <a:rPr lang="nl-BE" baseline="0" dirty="0" smtClean="0"/>
+              <a:t> aan elkaar</a:t>
+            </a:r>
+          </a:p>
+          <a:p>
+            <a:r>
+              <a:rPr lang="nl-BE" baseline="0" dirty="0" smtClean="0"/>
+              <a:t>3: een </a:t>
+            </a:r>
+            <a:r>
+              <a:rPr lang="nl-BE" baseline="0" dirty="0" err="1" smtClean="0"/>
+              <a:t>observable</a:t>
+            </a:r>
+            <a:r>
+              <a:rPr lang="nl-BE" baseline="0" dirty="0" smtClean="0"/>
+              <a:t>; interessant want wanneer </a:t>
+            </a:r>
+            <a:r>
+              <a:rPr lang="nl-BE" baseline="0" dirty="0" err="1" smtClean="0"/>
+              <a:t>observable</a:t>
+            </a:r>
+            <a:r>
+              <a:rPr lang="nl-BE" baseline="0" dirty="0" smtClean="0"/>
+              <a:t> verandert, verandert de DOM</a:t>
+            </a:r>
+          </a:p>
+          <a:p>
+            <a:r>
+              <a:rPr lang="nl-BE" baseline="0" dirty="0" smtClean="0"/>
+              <a:t>	indien een string</a:t>
+            </a:r>
+          </a:p>
+          <a:p>
+            <a:r>
+              <a:rPr lang="nl-BE" baseline="0" dirty="0" smtClean="0"/>
+              <a:t>		met view extension: view wordt ingeladen en </a:t>
+            </a:r>
+            <a:r>
+              <a:rPr lang="nl-BE" baseline="0" dirty="0" err="1" smtClean="0"/>
+              <a:t>gebind</a:t>
+            </a:r>
+            <a:r>
+              <a:rPr lang="nl-BE" baseline="0" dirty="0" smtClean="0"/>
+              <a:t> aan huidige context</a:t>
+            </a:r>
+          </a:p>
+          <a:p>
+            <a:r>
+              <a:rPr lang="nl-BE" baseline="0" dirty="0" smtClean="0"/>
+              <a:t>		indien een </a:t>
+            </a:r>
+            <a:r>
+              <a:rPr lang="nl-BE" baseline="0" dirty="0" err="1" smtClean="0"/>
+              <a:t>moduleid</a:t>
+            </a:r>
+            <a:r>
+              <a:rPr lang="nl-BE" baseline="0" dirty="0" smtClean="0"/>
+              <a:t>: module en view worden ingeladen en </a:t>
+            </a:r>
+            <a:r>
+              <a:rPr lang="nl-BE" baseline="0" dirty="0" err="1" smtClean="0"/>
+              <a:t>gebind</a:t>
+            </a:r>
+            <a:r>
+              <a:rPr lang="nl-BE" baseline="0" dirty="0" smtClean="0"/>
+              <a:t> aan elkaar</a:t>
+            </a:r>
+          </a:p>
+          <a:p>
+            <a:r>
+              <a:rPr lang="nl-BE" baseline="0" dirty="0" smtClean="0"/>
+              <a:t>	indien een object</a:t>
+            </a:r>
+          </a:p>
+          <a:p>
+            <a:r>
+              <a:rPr lang="nl-BE" baseline="0" dirty="0" smtClean="0"/>
+              <a:t>		bijpassende view wordt opgezocht, beiden worden aan elkaar </a:t>
+            </a:r>
+            <a:r>
+              <a:rPr lang="nl-BE" baseline="0" dirty="0" err="1" smtClean="0"/>
+              <a:t>gebind</a:t>
+            </a:r>
+            <a:endParaRPr lang="nl-BE" baseline="0" dirty="0" smtClean="0"/>
+          </a:p>
+          <a:p>
+            <a:r>
+              <a:rPr lang="nl-BE" baseline="0" dirty="0" smtClean="0"/>
+              <a:t>	indien een </a:t>
             </a:r>
             <a:r>
               <a:rPr lang="nl-BE" baseline="0" dirty="0" err="1" smtClean="0"/>
               <a:t>function</a:t>
             </a:r>
-            <a:r>
-              <a:rPr lang="nl-BE" baseline="0" dirty="0" smtClean="0"/>
-              <a:t> om view te vinden indien niet gegeven</a:t>
-            </a:r>
-          </a:p>
-          <a:p>
-            <a:r>
-              <a:rPr lang="nl-BE" baseline="0" dirty="0" err="1" smtClean="0"/>
-              <a:t>transition</a:t>
-            </a:r>
-            <a:r>
-              <a:rPr lang="nl-BE" baseline="0" dirty="0" smtClean="0"/>
-              <a:t>: </a:t>
+            <a:endParaRPr lang="nl-BE" baseline="0" dirty="0" smtClean="0"/>
+          </a:p>
+          <a:p>
+            <a:r>
+              <a:rPr lang="nl-BE" baseline="0" dirty="0" smtClean="0"/>
+              <a:t>		</a:t>
             </a:r>
             <a:r>
               <a:rPr lang="nl-BE" baseline="0" dirty="0" err="1" smtClean="0"/>
@@ -1487,59 +1423,20 @@
             </a:r>
             <a:r>
               <a:rPr lang="nl-BE" baseline="0" dirty="0" smtClean="0"/>
-              <a:t> om wijziging van views in DOM te animeren, je kan je eigen </a:t>
-            </a:r>
+              <a:t> wordt opgeroepen met new, view wordt gezocht voor object, binding</a:t>
+            </a:r>
+          </a:p>
+          <a:p>
+            <a:endParaRPr lang="nl-BE" baseline="0" dirty="0" smtClean="0"/>
+          </a:p>
+          <a:p>
             <a:r>
               <a:rPr lang="nl-BE" baseline="0" dirty="0" err="1" smtClean="0"/>
-              <a:t>transitions</a:t>
-            </a:r>
-            <a:r>
-              <a:rPr lang="nl-BE" baseline="0" dirty="0" smtClean="0"/>
-              <a:t> definiëren</a:t>
-            </a:r>
-          </a:p>
-          <a:p>
-            <a:r>
-              <a:rPr lang="nl-BE" baseline="0" dirty="0" err="1" smtClean="0"/>
-              <a:t>cacheViews</a:t>
-            </a:r>
-            <a:r>
-              <a:rPr lang="nl-BE" baseline="0" dirty="0" smtClean="0"/>
-              <a:t>: views worden bijgehouden en hergebruikt indien binding op hetzelfde object gebeurt</a:t>
-            </a:r>
-          </a:p>
-          <a:p>
-            <a:r>
-              <a:rPr lang="nl-BE" baseline="0" dirty="0" err="1" smtClean="0"/>
-              <a:t>activate</a:t>
-            </a:r>
-            <a:r>
-              <a:rPr lang="nl-BE" baseline="0" dirty="0" smtClean="0"/>
-              <a:t>: indien </a:t>
-            </a:r>
-            <a:r>
-              <a:rPr lang="nl-BE" baseline="0" dirty="0" err="1" smtClean="0"/>
-              <a:t>activate</a:t>
-            </a:r>
-            <a:r>
-              <a:rPr lang="nl-BE" baseline="0" dirty="0" smtClean="0"/>
-              <a:t> op je viewmodel niet </a:t>
-            </a:r>
-            <a:r>
-              <a:rPr lang="nl-BE" baseline="0" dirty="0" err="1" smtClean="0"/>
-              <a:t>gecalled</a:t>
-            </a:r>
-            <a:r>
-              <a:rPr lang="nl-BE" baseline="0" dirty="0" smtClean="0"/>
-              <a:t> moet worden (default: </a:t>
-            </a:r>
-            <a:r>
-              <a:rPr lang="nl-BE" baseline="0" dirty="0" err="1" smtClean="0"/>
-              <a:t>true</a:t>
-            </a:r>
-            <a:r>
-              <a:rPr lang="nl-BE" baseline="0" dirty="0" smtClean="0"/>
-              <a:t>)</a:t>
+              <a:t>Compose</a:t>
+            </a:r>
+            <a:r>
+              <a:rPr lang="nl-BE" baseline="0" dirty="0" smtClean="0"/>
+              <a:t> met object met view en/of model property: werkt in het algemeen zoals je zou verwachten</a:t>
             </a:r>
           </a:p>
           <a:p>
@@ -1548,41 +1445,28 @@
           <a:p>
             <a:r>
               <a:rPr lang="nl-BE" baseline="0" dirty="0" smtClean="0"/>
-              <a:t>Veel extra mogelijkheden. De </a:t>
-            </a:r>
-            <a:r>
-              <a:rPr lang="nl-BE" baseline="0" dirty="0" err="1" smtClean="0"/>
-              <a:t>composition</a:t>
-            </a:r>
-            <a:r>
-              <a:rPr lang="nl-BE" baseline="0" dirty="0" smtClean="0"/>
-              <a:t> </a:t>
-            </a:r>
-            <a:r>
-              <a:rPr lang="nl-BE" baseline="0" dirty="0" err="1" smtClean="0"/>
-              <a:t>lifecycle</a:t>
-            </a:r>
-            <a:r>
-              <a:rPr lang="nl-BE" baseline="0" dirty="0" smtClean="0"/>
-              <a:t> laat je toe om in te pikken op de verschillende momenten van </a:t>
-            </a:r>
-            <a:r>
-              <a:rPr lang="nl-BE" baseline="0" dirty="0" err="1" smtClean="0"/>
-              <a:t>composition</a:t>
-            </a:r>
-            <a:r>
-              <a:rPr lang="nl-BE" baseline="0" dirty="0" smtClean="0"/>
-              <a:t>. Een beetje zoals ASP.NET page </a:t>
-            </a:r>
-            <a:r>
-              <a:rPr lang="nl-BE" baseline="0" dirty="0" err="1" smtClean="0"/>
-              <a:t>lifecycle</a:t>
-            </a:r>
-            <a:r>
-              <a:rPr lang="nl-BE" baseline="0" dirty="0" smtClean="0"/>
-              <a:t>. Bestaat uit:</a:t>
-            </a:r>
-            <a:endParaRPr lang="en-US" dirty="0"/>
+              <a:t>Indien er iets niet lukt (bv geen view gevonden,…) </a:t>
+            </a:r>
+            <a:r>
+              <a:rPr lang="nl-BE" baseline="0" dirty="0" smtClean="0">
+                <a:sym typeface="Wingdings" panose="05000000000000000000" pitchFamily="2" charset="2"/>
+              </a:rPr>
+              <a:t> er zal niks in de DOM te zien zijn</a:t>
+            </a:r>
+          </a:p>
+          <a:p>
+            <a:endParaRPr lang="nl-BE" baseline="0" dirty="0" smtClean="0">
+              <a:sym typeface="Wingdings" panose="05000000000000000000" pitchFamily="2" charset="2"/>
+            </a:endParaRPr>
+          </a:p>
+          <a:p>
+            <a:r>
+              <a:rPr lang="nl-BE" baseline="0" dirty="0" smtClean="0">
+                <a:sym typeface="Wingdings" panose="05000000000000000000" pitchFamily="2" charset="2"/>
+              </a:rPr>
+              <a:t>In demo: home.html en beers.html</a:t>
+            </a:r>
+            <a:endParaRPr lang="nl-BE" baseline="0" dirty="0" smtClean="0"/>
           </a:p>
         </p:txBody>
       </p:sp>
@@ -1603,7 +1487,7 @@
           <a:p>
             <a:fld id="{0DF56419-AC34-45D0-BAB8-5A4CB1E563BF}" type="slidenum">
               <a:rPr lang="en-US" smtClean="0"/>
-              <a:t>27</a:t>
+              <a:t>26</a:t>
             </a:fld>
             <a:endParaRPr lang="en-US"/>
           </a:p>
@@ -1612,7 +1496,7 @@
     </p:spTree>
     <p:extLst>
       <p:ext uri="{BB962C8B-B14F-4D97-AF65-F5344CB8AC3E}">
-        <p14:creationId xmlns:p14="http://schemas.microsoft.com/office/powerpoint/2010/main" val="1389305066"/>
+        <p14:creationId xmlns:p14="http://schemas.microsoft.com/office/powerpoint/2010/main" val="2510050687"/>
       </p:ext>
     </p:extLst>
   </p:cSld>
@@ -1667,24 +1551,149 @@
           <a:lstStyle/>
           <a:p>
             <a:r>
-              <a:rPr lang="nl-BE" dirty="0" err="1" smtClean="0"/>
-              <a:t>urlArgs</a:t>
-            </a:r>
-            <a:r>
-              <a:rPr lang="nl-BE" dirty="0" smtClean="0"/>
-              <a:t> worden toegevoegd</a:t>
-            </a:r>
-            <a:r>
-              <a:rPr lang="nl-BE" baseline="0" dirty="0" smtClean="0"/>
-              <a:t> aan iedere </a:t>
+              <a:rPr lang="nl-BE" dirty="0" smtClean="0"/>
+              <a:t>Extra opties voor je </a:t>
+            </a:r>
+            <a:r>
+              <a:rPr lang="nl-BE" dirty="0" err="1" smtClean="0"/>
+              <a:t>compose</a:t>
+            </a:r>
+            <a:r>
+              <a:rPr lang="nl-BE" dirty="0" smtClean="0"/>
+              <a:t> binding.</a:t>
+            </a:r>
+          </a:p>
+          <a:p>
+            <a:r>
+              <a:rPr lang="nl-BE" dirty="0" err="1" smtClean="0"/>
+              <a:t>strategy</a:t>
+            </a:r>
+            <a:r>
+              <a:rPr lang="nl-BE" dirty="0" smtClean="0"/>
+              <a:t>:</a:t>
+            </a:r>
+            <a:r>
+              <a:rPr lang="nl-BE" baseline="0" dirty="0" smtClean="0"/>
+              <a:t> </a:t>
             </a:r>
             <a:r>
               <a:rPr lang="nl-BE" baseline="0" dirty="0" err="1" smtClean="0"/>
-              <a:t>request</a:t>
-            </a:r>
-            <a:r>
-              <a:rPr lang="nl-BE" baseline="0" dirty="0" smtClean="0"/>
-              <a:t>, best niet in productie zetten</a:t>
+              <a:t>function</a:t>
+            </a:r>
+            <a:r>
+              <a:rPr lang="nl-BE" baseline="0" dirty="0" smtClean="0"/>
+              <a:t> om view te vinden indien niet gegeven</a:t>
+            </a:r>
+          </a:p>
+          <a:p>
+            <a:r>
+              <a:rPr lang="nl-BE" baseline="0" dirty="0" err="1" smtClean="0"/>
+              <a:t>transition</a:t>
+            </a:r>
+            <a:r>
+              <a:rPr lang="nl-BE" baseline="0" dirty="0" smtClean="0"/>
+              <a:t>: </a:t>
+            </a:r>
+            <a:r>
+              <a:rPr lang="nl-BE" baseline="0" dirty="0" err="1" smtClean="0"/>
+              <a:t>function</a:t>
+            </a:r>
+            <a:r>
+              <a:rPr lang="nl-BE" baseline="0" dirty="0" smtClean="0"/>
+              <a:t> om wijziging van views in DOM te animeren, je kan je eigen </a:t>
+            </a:r>
+            <a:r>
+              <a:rPr lang="nl-BE" baseline="0" dirty="0" err="1" smtClean="0"/>
+              <a:t>transitions</a:t>
+            </a:r>
+            <a:r>
+              <a:rPr lang="nl-BE" baseline="0" dirty="0" smtClean="0"/>
+              <a:t> definiëren</a:t>
+            </a:r>
+          </a:p>
+          <a:p>
+            <a:r>
+              <a:rPr lang="nl-BE" baseline="0" dirty="0" err="1" smtClean="0"/>
+              <a:t>cacheViews</a:t>
+            </a:r>
+            <a:r>
+              <a:rPr lang="nl-BE" baseline="0" dirty="0" smtClean="0"/>
+              <a:t>: views worden bijgehouden en hergebruikt indien binding op hetzelfde object gebeurt</a:t>
+            </a:r>
+          </a:p>
+          <a:p>
+            <a:r>
+              <a:rPr lang="nl-BE" baseline="0" dirty="0" err="1" smtClean="0"/>
+              <a:t>activate</a:t>
+            </a:r>
+            <a:r>
+              <a:rPr lang="nl-BE" baseline="0" dirty="0" smtClean="0"/>
+              <a:t>: indien </a:t>
+            </a:r>
+            <a:r>
+              <a:rPr lang="nl-BE" baseline="0" dirty="0" err="1" smtClean="0"/>
+              <a:t>activate</a:t>
+            </a:r>
+            <a:r>
+              <a:rPr lang="nl-BE" baseline="0" dirty="0" smtClean="0"/>
+              <a:t> op je viewmodel niet </a:t>
+            </a:r>
+            <a:r>
+              <a:rPr lang="nl-BE" baseline="0" dirty="0" err="1" smtClean="0"/>
+              <a:t>gecalled</a:t>
+            </a:r>
+            <a:r>
+              <a:rPr lang="nl-BE" baseline="0" dirty="0" smtClean="0"/>
+              <a:t> moet worden (default: </a:t>
+            </a:r>
+            <a:r>
+              <a:rPr lang="nl-BE" baseline="0" dirty="0" err="1" smtClean="0"/>
+              <a:t>true</a:t>
+            </a:r>
+            <a:r>
+              <a:rPr lang="nl-BE" baseline="0" dirty="0" smtClean="0"/>
+              <a:t>)</a:t>
+            </a:r>
+          </a:p>
+          <a:p>
+            <a:endParaRPr lang="nl-BE" baseline="0" dirty="0" smtClean="0"/>
+          </a:p>
+          <a:p>
+            <a:r>
+              <a:rPr lang="nl-BE" baseline="0" dirty="0" smtClean="0"/>
+              <a:t>Veel extra mogelijkheden. De </a:t>
+            </a:r>
+            <a:r>
+              <a:rPr lang="nl-BE" baseline="0" dirty="0" err="1" smtClean="0"/>
+              <a:t>composition</a:t>
+            </a:r>
+            <a:r>
+              <a:rPr lang="nl-BE" baseline="0" dirty="0" smtClean="0"/>
+              <a:t> </a:t>
+            </a:r>
+            <a:r>
+              <a:rPr lang="nl-BE" baseline="0" dirty="0" err="1" smtClean="0"/>
+              <a:t>lifecycle</a:t>
+            </a:r>
+            <a:r>
+              <a:rPr lang="nl-BE" baseline="0" dirty="0" smtClean="0"/>
+              <a:t> laat je toe om in te pikken op de verschillende momenten van </a:t>
+            </a:r>
+            <a:r>
+              <a:rPr lang="nl-BE" baseline="0" dirty="0" err="1" smtClean="0"/>
+              <a:t>composition</a:t>
+            </a:r>
+            <a:r>
+              <a:rPr lang="nl-BE" baseline="0" dirty="0" smtClean="0"/>
+              <a:t>. Een beetje zoals ASP.NET page </a:t>
+            </a:r>
+            <a:r>
+              <a:rPr lang="nl-BE" baseline="0" dirty="0" err="1" smtClean="0"/>
+              <a:t>lifecycle</a:t>
+            </a:r>
+            <a:r>
+              <a:rPr lang="nl-BE" baseline="0" dirty="0" smtClean="0"/>
+              <a:t>. Bestaat uit:</a:t>
             </a:r>
             <a:endParaRPr lang="en-US" dirty="0"/>
           </a:p>
@@ -1707,7 +1716,7 @@
           <a:p>
             <a:fld id="{0DF56419-AC34-45D0-BAB8-5A4CB1E563BF}" type="slidenum">
               <a:rPr lang="en-US" smtClean="0"/>
-              <a:t>28</a:t>
+              <a:t>27</a:t>
             </a:fld>
             <a:endParaRPr lang="en-US"/>
           </a:p>
@@ -1716,7 +1725,7 @@
     </p:spTree>
     <p:extLst>
       <p:ext uri="{BB962C8B-B14F-4D97-AF65-F5344CB8AC3E}">
-        <p14:creationId xmlns:p14="http://schemas.microsoft.com/office/powerpoint/2010/main" val="1213175449"/>
+        <p14:creationId xmlns:p14="http://schemas.microsoft.com/office/powerpoint/2010/main" val="1389305066"/>
       </p:ext>
     </p:extLst>
   </p:cSld>
@@ -1772,38 +1781,25 @@
           <a:p>
             <a:r>
               <a:rPr lang="nl-BE" dirty="0" err="1" smtClean="0"/>
-              <a:t>showMessage</a:t>
-            </a:r>
-            <a:r>
-              <a:rPr lang="nl-BE" dirty="0" smtClean="0"/>
-              <a:t> voorbeeld bij</a:t>
-            </a:r>
-            <a:r>
-              <a:rPr lang="nl-BE" baseline="0" dirty="0" smtClean="0"/>
-              <a:t> verwijderen van een bier</a:t>
-            </a:r>
-          </a:p>
-          <a:p>
-            <a:r>
-              <a:rPr lang="nl-BE" baseline="0" dirty="0" smtClean="0"/>
-              <a:t>Ook mogelijk om je eigen </a:t>
+              <a:t>urlArgs</a:t>
+            </a:r>
+            <a:r>
+              <a:rPr lang="nl-BE" dirty="0" smtClean="0"/>
+              <a:t> worden toegevoegd</a:t>
+            </a:r>
+            <a:r>
+              <a:rPr lang="nl-BE" baseline="0" dirty="0" smtClean="0"/>
+              <a:t> aan iedere </a:t>
             </a:r>
             <a:r>
               <a:rPr lang="nl-BE" baseline="0" dirty="0" err="1" smtClean="0"/>
-              <a:t>dialog</a:t>
-            </a:r>
-            <a:r>
-              <a:rPr lang="nl-BE" baseline="0" dirty="0" smtClean="0"/>
-              <a:t> te ontwerpen voor </a:t>
-            </a:r>
-            <a:r>
-              <a:rPr lang="nl-BE" baseline="0" dirty="0" err="1" smtClean="0"/>
-              <a:t>showDialog</a:t>
-            </a:r>
-            <a:r>
-              <a:rPr lang="nl-BE" baseline="0" dirty="0" smtClean="0"/>
-              <a:t>, zie search</a:t>
-            </a:r>
+              <a:t>request</a:t>
+            </a:r>
+            <a:r>
+              <a:rPr lang="nl-BE" baseline="0" dirty="0" smtClean="0"/>
+              <a:t>, best niet in productie zetten</a:t>
+            </a:r>
+            <a:endParaRPr lang="en-US" dirty="0"/>
           </a:p>
         </p:txBody>
       </p:sp>
@@ -1824,7 +1820,7 @@
           <a:p>
             <a:fld id="{0DF56419-AC34-45D0-BAB8-5A4CB1E563BF}" type="slidenum">
               <a:rPr lang="en-US" smtClean="0"/>
-              <a:t>29</a:t>
+              <a:t>28</a:t>
             </a:fld>
             <a:endParaRPr lang="en-US"/>
           </a:p>
@@ -1833,7 +1829,7 @@
     </p:spTree>
     <p:extLst>
       <p:ext uri="{BB962C8B-B14F-4D97-AF65-F5344CB8AC3E}">
-        <p14:creationId xmlns:p14="http://schemas.microsoft.com/office/powerpoint/2010/main" val="3055863286"/>
+        <p14:creationId xmlns:p14="http://schemas.microsoft.com/office/powerpoint/2010/main" val="1213175449"/>
       </p:ext>
     </p:extLst>
   </p:cSld>
@@ -1889,44 +1885,38 @@
           <a:p>
             <a:r>
               <a:rPr lang="nl-BE" dirty="0" err="1" smtClean="0"/>
-              <a:t>applicationHost</a:t>
-            </a:r>
-            <a:r>
-              <a:rPr lang="nl-BE" dirty="0" smtClean="0"/>
-              <a:t> is waar alles in gebeurt, hierin</a:t>
-            </a:r>
-            <a:r>
-              <a:rPr lang="nl-BE" baseline="0" dirty="0" smtClean="0"/>
-              <a:t> plaatst </a:t>
+              <a:t>showMessage</a:t>
+            </a:r>
+            <a:r>
+              <a:rPr lang="nl-BE" dirty="0" smtClean="0"/>
+              <a:t> voorbeeld bij</a:t>
+            </a:r>
+            <a:r>
+              <a:rPr lang="nl-BE" baseline="0" dirty="0" smtClean="0"/>
+              <a:t> verwijderen van een bier</a:t>
+            </a:r>
+          </a:p>
+          <a:p>
+            <a:r>
+              <a:rPr lang="nl-BE" baseline="0" dirty="0" smtClean="0"/>
+              <a:t>Ook mogelijk om je eigen </a:t>
             </a:r>
             <a:r>
               <a:rPr lang="nl-BE" baseline="0" dirty="0" err="1" smtClean="0"/>
-              <a:t>Durandal</a:t>
-            </a:r>
-            <a:r>
-              <a:rPr lang="nl-BE" baseline="0" dirty="0" smtClean="0"/>
-              <a:t> je views</a:t>
-            </a:r>
-            <a:endParaRPr lang="nl-BE" dirty="0" smtClean="0"/>
-          </a:p>
-          <a:p>
-            <a:r>
-              <a:rPr lang="nl-BE" dirty="0" smtClean="0"/>
-              <a:t>HTML die er al in staat wordt overschreven,</a:t>
-            </a:r>
-            <a:r>
-              <a:rPr lang="nl-BE" baseline="0" dirty="0" smtClean="0"/>
-              <a:t> maar kan als </a:t>
+              <a:t>dialog</a:t>
+            </a:r>
+            <a:r>
+              <a:rPr lang="nl-BE" baseline="0" dirty="0" smtClean="0"/>
+              <a:t> te ontwerpen voor </a:t>
             </a:r>
             <a:r>
               <a:rPr lang="nl-BE" baseline="0" dirty="0" err="1" smtClean="0"/>
-              <a:t>splashscreen</a:t>
-            </a:r>
-            <a:r>
-              <a:rPr lang="nl-BE" baseline="0" dirty="0" smtClean="0"/>
-              <a:t> dienen (deze techniek kan overal toegepast worden)</a:t>
-            </a:r>
-            <a:endParaRPr lang="en-US" dirty="0"/>
+              <a:t>showDialog</a:t>
+            </a:r>
+            <a:r>
+              <a:rPr lang="nl-BE" baseline="0" dirty="0" smtClean="0"/>
+              <a:t>, zie search</a:t>
+            </a:r>
           </a:p>
         </p:txBody>
       </p:sp>
@@ -1947,7 +1937,7 @@
           <a:p>
             <a:fld id="{0DF56419-AC34-45D0-BAB8-5A4CB1E563BF}" type="slidenum">
               <a:rPr lang="en-US" smtClean="0"/>
-              <a:t>30</a:t>
+              <a:t>29</a:t>
             </a:fld>
             <a:endParaRPr lang="en-US"/>
           </a:p>
@@ -1956,7 +1946,7 @@
     </p:spTree>
     <p:extLst>
       <p:ext uri="{BB962C8B-B14F-4D97-AF65-F5344CB8AC3E}">
-        <p14:creationId xmlns:p14="http://schemas.microsoft.com/office/powerpoint/2010/main" val="1795069426"/>
+        <p14:creationId xmlns:p14="http://schemas.microsoft.com/office/powerpoint/2010/main" val="3055863286"/>
       </p:ext>
     </p:extLst>
   </p:cSld>
@@ -2010,6 +2000,45 @@
           <a:bodyPr/>
           <a:lstStyle/>
           <a:p>
+            <a:r>
+              <a:rPr lang="nl-BE" dirty="0" err="1" smtClean="0"/>
+              <a:t>applicationHost</a:t>
+            </a:r>
+            <a:r>
+              <a:rPr lang="nl-BE" dirty="0" smtClean="0"/>
+              <a:t> is waar alles in gebeurt, hierin</a:t>
+            </a:r>
+            <a:r>
+              <a:rPr lang="nl-BE" baseline="0" dirty="0" smtClean="0"/>
+              <a:t> plaatst </a:t>
+            </a:r>
+            <a:r>
+              <a:rPr lang="nl-BE" baseline="0" dirty="0" err="1" smtClean="0"/>
+              <a:t>Durandal</a:t>
+            </a:r>
+            <a:r>
+              <a:rPr lang="nl-BE" baseline="0" dirty="0" smtClean="0"/>
+              <a:t> je views</a:t>
+            </a:r>
+            <a:endParaRPr lang="nl-BE" dirty="0" smtClean="0"/>
+          </a:p>
+          <a:p>
+            <a:r>
+              <a:rPr lang="nl-BE" dirty="0" smtClean="0"/>
+              <a:t>HTML die er al in staat wordt overschreven,</a:t>
+            </a:r>
+            <a:r>
+              <a:rPr lang="nl-BE" baseline="0" dirty="0" smtClean="0"/>
+              <a:t> maar kan als </a:t>
+            </a:r>
+            <a:r>
+              <a:rPr lang="nl-BE" baseline="0" dirty="0" err="1" smtClean="0"/>
+              <a:t>splashscreen</a:t>
+            </a:r>
+            <a:r>
+              <a:rPr lang="nl-BE" baseline="0" dirty="0" smtClean="0"/>
+              <a:t> dienen (deze techniek kan overal toegepast worden)</a:t>
+            </a:r>
             <a:endParaRPr lang="en-US" dirty="0"/>
           </a:p>
         </p:txBody>
@@ -2031,7 +2060,7 @@
           <a:p>
             <a:fld id="{0DF56419-AC34-45D0-BAB8-5A4CB1E563BF}" type="slidenum">
               <a:rPr lang="en-US" smtClean="0"/>
-              <a:t>31</a:t>
+              <a:t>30</a:t>
             </a:fld>
             <a:endParaRPr lang="en-US"/>
           </a:p>
@@ -2040,7 +2069,7 @@
     </p:spTree>
     <p:extLst>
       <p:ext uri="{BB962C8B-B14F-4D97-AF65-F5344CB8AC3E}">
-        <p14:creationId xmlns:p14="http://schemas.microsoft.com/office/powerpoint/2010/main" val="2754514785"/>
+        <p14:creationId xmlns:p14="http://schemas.microsoft.com/office/powerpoint/2010/main" val="1795069426"/>
       </p:ext>
     </p:extLst>
   </p:cSld>
@@ -2229,398 +2258,6 @@
           <a:bodyPr/>
           <a:lstStyle/>
           <a:p>
-            <a:r>
-              <a:rPr lang="nl-BE" dirty="0" smtClean="0"/>
-              <a:t>Router </a:t>
-            </a:r>
-            <a:r>
-              <a:rPr lang="nl-BE" dirty="0" err="1" smtClean="0"/>
-              <a:t>mappings</a:t>
-            </a:r>
-            <a:r>
-              <a:rPr lang="nl-BE" dirty="0" smtClean="0"/>
-              <a:t>:</a:t>
-            </a:r>
-          </a:p>
-          <a:p>
-            <a:r>
-              <a:rPr lang="nl-BE" dirty="0" smtClean="0"/>
-              <a:t>	route:</a:t>
-            </a:r>
-            <a:r>
-              <a:rPr lang="nl-BE" baseline="0" dirty="0" smtClean="0"/>
-              <a:t> wat in de </a:t>
-            </a:r>
-            <a:r>
-              <a:rPr lang="nl-BE" baseline="0" dirty="0" err="1" smtClean="0"/>
-              <a:t>url</a:t>
-            </a:r>
-            <a:r>
-              <a:rPr lang="nl-BE" baseline="0" dirty="0" smtClean="0"/>
-              <a:t> te zien is, leeg is de default route</a:t>
-            </a:r>
-          </a:p>
-          <a:p>
-            <a:r>
-              <a:rPr lang="nl-BE" baseline="0" dirty="0" smtClean="0"/>
-              <a:t>	</a:t>
-            </a:r>
-            <a:r>
-              <a:rPr lang="nl-BE" baseline="0" dirty="0" err="1" smtClean="0"/>
-              <a:t>title</a:t>
-            </a:r>
-            <a:r>
-              <a:rPr lang="nl-BE" baseline="0" dirty="0" smtClean="0"/>
-              <a:t>: gebruikt voor </a:t>
-            </a:r>
-            <a:r>
-              <a:rPr lang="nl-BE" baseline="0" dirty="0" err="1" smtClean="0"/>
-              <a:t>document.title</a:t>
-            </a:r>
-            <a:endParaRPr lang="nl-BE" baseline="0" dirty="0" smtClean="0"/>
-          </a:p>
-          <a:p>
-            <a:r>
-              <a:rPr lang="nl-BE" baseline="0" dirty="0" smtClean="0"/>
-              <a:t>	</a:t>
-            </a:r>
-            <a:r>
-              <a:rPr lang="nl-BE" baseline="0" dirty="0" err="1" smtClean="0"/>
-              <a:t>moduleId</a:t>
-            </a:r>
-            <a:r>
-              <a:rPr lang="nl-BE" baseline="0" dirty="0" smtClean="0"/>
-              <a:t>: </a:t>
-            </a:r>
-            <a:r>
-              <a:rPr lang="nl-BE" baseline="0" dirty="0" err="1" smtClean="0"/>
-              <a:t>id</a:t>
-            </a:r>
-            <a:r>
-              <a:rPr lang="nl-BE" baseline="0" dirty="0" smtClean="0"/>
-              <a:t> van je module, ook gebruikt om viewmodel op te sporen (en daarna bijbehorende view)</a:t>
-            </a:r>
-          </a:p>
-          <a:p>
-            <a:r>
-              <a:rPr lang="nl-BE" baseline="0" dirty="0" smtClean="0"/>
-              <a:t>	</a:t>
-            </a:r>
-            <a:r>
-              <a:rPr lang="nl-BE" baseline="0" dirty="0" err="1" smtClean="0"/>
-              <a:t>nav</a:t>
-            </a:r>
-            <a:r>
-              <a:rPr lang="nl-BE" baseline="0" dirty="0" smtClean="0"/>
-              <a:t>: of het opgenomen moet worden in </a:t>
-            </a:r>
-            <a:r>
-              <a:rPr lang="nl-BE" baseline="0" dirty="0" err="1" smtClean="0"/>
-              <a:t>router.navigationModel</a:t>
-            </a:r>
-            <a:r>
-              <a:rPr lang="nl-BE" baseline="0" dirty="0" smtClean="0"/>
-              <a:t> (</a:t>
-            </a:r>
-            <a:r>
-              <a:rPr lang="nl-BE" baseline="0" dirty="0" err="1" smtClean="0"/>
-              <a:t>true</a:t>
-            </a:r>
-            <a:r>
-              <a:rPr lang="nl-BE" baseline="0" dirty="0" smtClean="0"/>
-              <a:t>/</a:t>
-            </a:r>
-            <a:r>
-              <a:rPr lang="nl-BE" baseline="0" dirty="0" err="1" smtClean="0"/>
-              <a:t>false</a:t>
-            </a:r>
-            <a:r>
-              <a:rPr lang="nl-BE" baseline="0" dirty="0" smtClean="0"/>
-              <a:t>) of de volgorde (int)</a:t>
-            </a:r>
-          </a:p>
-          <a:p>
-            <a:endParaRPr lang="nl-BE" baseline="0" dirty="0" smtClean="0"/>
-          </a:p>
-          <a:p>
-            <a:r>
-              <a:rPr lang="nl-BE" baseline="0" dirty="0" smtClean="0"/>
-              <a:t>	parameters: </a:t>
-            </a:r>
-            <a:r>
-              <a:rPr lang="nl-BE" baseline="0" dirty="0" err="1" smtClean="0"/>
-              <a:t>myRoute</a:t>
-            </a:r>
-            <a:r>
-              <a:rPr lang="nl-BE" baseline="0" dirty="0" smtClean="0"/>
-              <a:t>/:</a:t>
-            </a:r>
-            <a:r>
-              <a:rPr lang="nl-BE" baseline="0" dirty="0" err="1" smtClean="0"/>
-              <a:t>id</a:t>
-            </a:r>
-            <a:r>
-              <a:rPr lang="nl-BE" baseline="0" dirty="0" smtClean="0"/>
-              <a:t> of indien optioneel: </a:t>
-            </a:r>
-            <a:r>
-              <a:rPr lang="nl-BE" baseline="0" dirty="0" err="1" smtClean="0"/>
-              <a:t>myRoute</a:t>
-            </a:r>
-            <a:r>
-              <a:rPr lang="nl-BE" baseline="0" dirty="0" smtClean="0"/>
-              <a:t>(/:</a:t>
-            </a:r>
-            <a:r>
-              <a:rPr lang="nl-BE" baseline="0" dirty="0" err="1" smtClean="0"/>
-              <a:t>id</a:t>
-            </a:r>
-            <a:r>
-              <a:rPr lang="nl-BE" baseline="0" dirty="0" smtClean="0"/>
-              <a:t>)</a:t>
-            </a:r>
-          </a:p>
-          <a:p>
-            <a:r>
-              <a:rPr lang="nl-BE" baseline="0" dirty="0" smtClean="0"/>
-              <a:t>		meerdere parameters zijn mogelijk, volgorde wordt bewaard in </a:t>
-            </a:r>
-            <a:r>
-              <a:rPr lang="nl-BE" baseline="0" dirty="0" err="1" smtClean="0"/>
-              <a:t>activate</a:t>
-            </a:r>
-            <a:r>
-              <a:rPr lang="nl-BE" baseline="0" dirty="0" smtClean="0"/>
-              <a:t> call</a:t>
-            </a:r>
-          </a:p>
-          <a:p>
-            <a:r>
-              <a:rPr lang="nl-BE" baseline="0" dirty="0" smtClean="0"/>
-              <a:t>		</a:t>
-            </a:r>
-            <a:r>
-              <a:rPr lang="nl-BE" baseline="0" dirty="0" err="1" smtClean="0"/>
-              <a:t>queryString</a:t>
-            </a:r>
-            <a:r>
-              <a:rPr lang="nl-BE" baseline="0" dirty="0" smtClean="0"/>
-              <a:t> is laatste object in </a:t>
-            </a:r>
-            <a:r>
-              <a:rPr lang="nl-BE" baseline="0" dirty="0" err="1" smtClean="0"/>
-              <a:t>activate</a:t>
-            </a:r>
-            <a:r>
-              <a:rPr lang="nl-BE" baseline="0" dirty="0" smtClean="0"/>
-              <a:t> </a:t>
-            </a:r>
-            <a:r>
-              <a:rPr lang="nl-BE" baseline="0" dirty="0" err="1" smtClean="0"/>
-              <a:t>and</a:t>
-            </a:r>
-            <a:r>
-              <a:rPr lang="nl-BE" baseline="0" dirty="0" smtClean="0"/>
-              <a:t> is een JS object met </a:t>
-            </a:r>
-            <a:r>
-              <a:rPr lang="nl-BE" baseline="0" dirty="0" err="1" smtClean="0"/>
-              <a:t>properties</a:t>
-            </a:r>
-            <a:r>
-              <a:rPr lang="nl-BE" baseline="0" dirty="0" smtClean="0"/>
-              <a:t> volgens querystring </a:t>
-            </a:r>
-            <a:r>
-              <a:rPr lang="nl-BE" baseline="0" dirty="0" err="1" smtClean="0"/>
-              <a:t>keys</a:t>
-            </a:r>
-            <a:endParaRPr lang="nl-BE" baseline="0" dirty="0" smtClean="0"/>
-          </a:p>
-          <a:p>
-            <a:r>
-              <a:rPr lang="nl-BE" baseline="0" dirty="0" smtClean="0"/>
-              <a:t>	</a:t>
-            </a:r>
-            <a:r>
-              <a:rPr lang="nl-BE" baseline="0" dirty="0" err="1" smtClean="0"/>
-              <a:t>splat</a:t>
-            </a:r>
-            <a:r>
-              <a:rPr lang="nl-BE" baseline="0" dirty="0" smtClean="0"/>
-              <a:t> route: </a:t>
-            </a:r>
-            <a:r>
-              <a:rPr lang="nl-BE" baseline="0" dirty="0" err="1" smtClean="0"/>
-              <a:t>myRoute</a:t>
-            </a:r>
-            <a:r>
-              <a:rPr lang="nl-BE" baseline="0" dirty="0" smtClean="0"/>
-              <a:t>*details</a:t>
-            </a:r>
-          </a:p>
-          <a:p>
-            <a:r>
-              <a:rPr lang="nl-BE" baseline="0" dirty="0" smtClean="0"/>
-              <a:t>	</a:t>
-            </a:r>
-            <a:endParaRPr lang="nl-BE" dirty="0" smtClean="0"/>
-          </a:p>
-          <a:p>
-            <a:r>
-              <a:rPr lang="nl-BE" dirty="0" err="1" smtClean="0"/>
-              <a:t>buildNavigationModel</a:t>
-            </a:r>
-            <a:r>
-              <a:rPr lang="nl-BE" dirty="0" smtClean="0"/>
-              <a:t>: alle routes met </a:t>
-            </a:r>
-            <a:r>
-              <a:rPr lang="nl-BE" dirty="0" err="1" smtClean="0"/>
-              <a:t>nav</a:t>
-            </a:r>
-            <a:r>
-              <a:rPr lang="nl-BE" dirty="0" smtClean="0"/>
-              <a:t>: </a:t>
-            </a:r>
-            <a:r>
-              <a:rPr lang="nl-BE" dirty="0" err="1" smtClean="0"/>
-              <a:t>true</a:t>
-            </a:r>
-            <a:r>
-              <a:rPr lang="nl-BE" dirty="0" smtClean="0"/>
-              <a:t> worden in de array </a:t>
-            </a:r>
-            <a:r>
-              <a:rPr lang="nl-BE" dirty="0" err="1" smtClean="0"/>
-              <a:t>router.navigationModel</a:t>
-            </a:r>
-            <a:r>
-              <a:rPr lang="nl-BE" dirty="0" smtClean="0"/>
-              <a:t> gegoten om te kunnen binden in navigatie</a:t>
-            </a:r>
-            <a:r>
-              <a:rPr lang="nl-BE" baseline="0" dirty="0" smtClean="0"/>
-              <a:t> (zie shell.html)</a:t>
-            </a:r>
-          </a:p>
-          <a:p>
-            <a:endParaRPr lang="nl-BE" baseline="0" dirty="0" smtClean="0"/>
-          </a:p>
-          <a:p>
-            <a:r>
-              <a:rPr lang="nl-BE" baseline="0" dirty="0" smtClean="0"/>
-              <a:t>Router gebruiken:</a:t>
-            </a:r>
-          </a:p>
-          <a:p>
-            <a:r>
-              <a:rPr lang="nl-BE" baseline="0" dirty="0" smtClean="0"/>
-              <a:t>	indien &lt;a&gt;: </a:t>
-            </a:r>
-            <a:r>
-              <a:rPr lang="nl-BE" baseline="0" dirty="0" err="1" smtClean="0"/>
-              <a:t>hash</a:t>
-            </a:r>
-            <a:r>
-              <a:rPr lang="nl-BE" baseline="0" dirty="0" smtClean="0"/>
-              <a:t> gebruiken (zie beers.html en </a:t>
-            </a:r>
-            <a:r>
-              <a:rPr lang="nl-BE" baseline="0" dirty="0" err="1" smtClean="0"/>
-              <a:t>add</a:t>
-            </a:r>
-            <a:r>
-              <a:rPr lang="nl-BE" baseline="0" dirty="0" smtClean="0"/>
-              <a:t> link)</a:t>
-            </a:r>
-          </a:p>
-          <a:p>
-            <a:r>
-              <a:rPr lang="nl-BE" baseline="0" dirty="0" smtClean="0"/>
-              <a:t>	vanuit JS: </a:t>
-            </a:r>
-            <a:r>
-              <a:rPr lang="nl-BE" baseline="0" dirty="0" err="1" smtClean="0"/>
-              <a:t>router.navigate</a:t>
-            </a:r>
-            <a:r>
-              <a:rPr lang="nl-BE" baseline="0" dirty="0" smtClean="0"/>
-              <a:t>(‘#</a:t>
-            </a:r>
-            <a:r>
-              <a:rPr lang="nl-BE" baseline="0" dirty="0" err="1" smtClean="0"/>
-              <a:t>hash</a:t>
-            </a:r>
-            <a:r>
-              <a:rPr lang="nl-BE" baseline="0" dirty="0" smtClean="0"/>
-              <a:t>’); (zie add.js)</a:t>
-            </a:r>
-          </a:p>
-          <a:p>
-            <a:endParaRPr lang="nl-BE" baseline="0" dirty="0" smtClean="0"/>
-          </a:p>
-          <a:p>
-            <a:r>
-              <a:rPr lang="nl-BE" baseline="0" dirty="0" smtClean="0"/>
-              <a:t>Router kan nog meer:</a:t>
-            </a:r>
-          </a:p>
-          <a:p>
-            <a:r>
-              <a:rPr lang="nl-BE" baseline="0" dirty="0" smtClean="0"/>
-              <a:t>	</a:t>
-            </a:r>
-            <a:r>
-              <a:rPr lang="nl-BE" baseline="0" dirty="0" err="1" smtClean="0"/>
-              <a:t>history</a:t>
-            </a:r>
-            <a:r>
-              <a:rPr lang="nl-BE" baseline="0" dirty="0" smtClean="0"/>
-              <a:t> veranderen</a:t>
-            </a:r>
-          </a:p>
-          <a:p>
-            <a:r>
-              <a:rPr lang="nl-BE" baseline="0" dirty="0" smtClean="0"/>
-              <a:t>	</a:t>
-            </a:r>
-            <a:r>
-              <a:rPr lang="nl-BE" baseline="0" dirty="0" err="1" smtClean="0"/>
-              <a:t>router.navigateBack</a:t>
-            </a:r>
-            <a:r>
-              <a:rPr lang="nl-BE" baseline="0" dirty="0" smtClean="0"/>
-              <a:t>() om terug te gaan</a:t>
-            </a:r>
-          </a:p>
-          <a:p>
-            <a:r>
-              <a:rPr lang="nl-BE" baseline="0" dirty="0" smtClean="0"/>
-              <a:t>	routes die niet </a:t>
-            </a:r>
-            <a:r>
-              <a:rPr lang="nl-BE" baseline="0" dirty="0" err="1" smtClean="0"/>
-              <a:t>gematcht</a:t>
-            </a:r>
-            <a:r>
-              <a:rPr lang="nl-BE" baseline="0" dirty="0" smtClean="0"/>
-              <a:t> kunnen worden (zie shell.js)</a:t>
-            </a:r>
-          </a:p>
-          <a:p>
-            <a:r>
-              <a:rPr lang="nl-BE" baseline="0" dirty="0" smtClean="0"/>
-              <a:t>	</a:t>
-            </a:r>
-            <a:r>
-              <a:rPr lang="nl-BE" baseline="0" dirty="0" err="1" smtClean="0"/>
-              <a:t>child</a:t>
-            </a:r>
-            <a:r>
-              <a:rPr lang="nl-BE" baseline="0" dirty="0" smtClean="0"/>
-              <a:t> routers</a:t>
-            </a:r>
             <a:endParaRPr lang="en-US" dirty="0"/>
           </a:p>
         </p:txBody>
@@ -2642,7 +2279,7 @@
           <a:p>
             <a:fld id="{0DF56419-AC34-45D0-BAB8-5A4CB1E563BF}" type="slidenum">
               <a:rPr lang="en-US" smtClean="0"/>
-              <a:t>32</a:t>
+              <a:t>31</a:t>
             </a:fld>
             <a:endParaRPr lang="en-US"/>
           </a:p>
@@ -2651,7 +2288,7 @@
     </p:spTree>
     <p:extLst>
       <p:ext uri="{BB962C8B-B14F-4D97-AF65-F5344CB8AC3E}">
-        <p14:creationId xmlns:p14="http://schemas.microsoft.com/office/powerpoint/2010/main" val="3530374302"/>
+        <p14:creationId xmlns:p14="http://schemas.microsoft.com/office/powerpoint/2010/main" val="2754514785"/>
       </p:ext>
     </p:extLst>
   </p:cSld>
@@ -2707,90 +2344,395 @@
           <a:p>
             <a:r>
               <a:rPr lang="nl-BE" dirty="0" smtClean="0"/>
-              <a:t>http</a:t>
-            </a:r>
-            <a:r>
-              <a:rPr lang="nl-BE" baseline="0" dirty="0" smtClean="0"/>
-              <a:t> en </a:t>
+              <a:t>Router </a:t>
+            </a:r>
+            <a:r>
+              <a:rPr lang="nl-BE" dirty="0" err="1" smtClean="0"/>
+              <a:t>mappings</a:t>
+            </a:r>
+            <a:r>
+              <a:rPr lang="nl-BE" dirty="0" smtClean="0"/>
+              <a:t>:</a:t>
+            </a:r>
+          </a:p>
+          <a:p>
+            <a:r>
+              <a:rPr lang="nl-BE" dirty="0" smtClean="0"/>
+              <a:t>	route:</a:t>
+            </a:r>
+            <a:r>
+              <a:rPr lang="nl-BE" baseline="0" dirty="0" smtClean="0"/>
+              <a:t> wat in de </a:t>
             </a:r>
             <a:r>
               <a:rPr lang="nl-BE" baseline="0" dirty="0" err="1" smtClean="0"/>
-              <a:t>serializer</a:t>
-            </a:r>
-            <a:r>
-              <a:rPr lang="nl-BE" baseline="0" dirty="0" smtClean="0"/>
-              <a:t> zijn om met data van de backend te werken. J</a:t>
-            </a:r>
-            <a:r>
-              <a:rPr lang="nl-BE" dirty="0" smtClean="0"/>
-              <a:t>e kan uiteraard ook andere </a:t>
-            </a:r>
-            <a:r>
-              <a:rPr lang="nl-BE" dirty="0" err="1" smtClean="0"/>
-              <a:t>libraries</a:t>
-            </a:r>
-            <a:r>
-              <a:rPr lang="nl-BE" dirty="0" smtClean="0"/>
-              <a:t> gebruiken, bv </a:t>
-            </a:r>
-            <a:r>
-              <a:rPr lang="nl-BE" dirty="0" err="1" smtClean="0"/>
-              <a:t>jQuery</a:t>
+              <a:t>url</a:t>
+            </a:r>
+            <a:r>
+              <a:rPr lang="nl-BE" baseline="0" dirty="0" smtClean="0"/>
+              <a:t> te zien is, leeg is de default route</a:t>
+            </a:r>
+          </a:p>
+          <a:p>
+            <a:r>
+              <a:rPr lang="nl-BE" baseline="0" dirty="0" smtClean="0"/>
+              <a:t>	</a:t>
+            </a:r>
+            <a:r>
+              <a:rPr lang="nl-BE" baseline="0" dirty="0" err="1" smtClean="0"/>
+              <a:t>title</a:t>
+            </a:r>
+            <a:r>
+              <a:rPr lang="nl-BE" baseline="0" dirty="0" smtClean="0"/>
+              <a:t>: gebruikt voor </a:t>
+            </a:r>
+            <a:r>
+              <a:rPr lang="nl-BE" baseline="0" dirty="0" err="1" smtClean="0"/>
+              <a:t>document.title</a:t>
+            </a:r>
+            <a:endParaRPr lang="nl-BE" baseline="0" dirty="0" smtClean="0"/>
+          </a:p>
+          <a:p>
+            <a:r>
+              <a:rPr lang="nl-BE" baseline="0" dirty="0" smtClean="0"/>
+              <a:t>	</a:t>
+            </a:r>
+            <a:r>
+              <a:rPr lang="nl-BE" baseline="0" dirty="0" err="1" smtClean="0"/>
+              <a:t>moduleId</a:t>
+            </a:r>
+            <a:r>
+              <a:rPr lang="nl-BE" baseline="0" dirty="0" smtClean="0"/>
+              <a:t>: </a:t>
+            </a:r>
+            <a:r>
+              <a:rPr lang="nl-BE" baseline="0" dirty="0" err="1" smtClean="0"/>
+              <a:t>id</a:t>
+            </a:r>
+            <a:r>
+              <a:rPr lang="nl-BE" baseline="0" dirty="0" smtClean="0"/>
+              <a:t> van je module, ook gebruikt om viewmodel op te sporen (en daarna bijbehorende view)</a:t>
+            </a:r>
+          </a:p>
+          <a:p>
+            <a:r>
+              <a:rPr lang="nl-BE" baseline="0" dirty="0" smtClean="0"/>
+              <a:t>	</a:t>
+            </a:r>
+            <a:r>
+              <a:rPr lang="nl-BE" baseline="0" dirty="0" err="1" smtClean="0"/>
+              <a:t>nav</a:t>
+            </a:r>
+            <a:r>
+              <a:rPr lang="nl-BE" baseline="0" dirty="0" smtClean="0"/>
+              <a:t>: of het opgenomen moet worden in </a:t>
+            </a:r>
+            <a:r>
+              <a:rPr lang="nl-BE" baseline="0" dirty="0" err="1" smtClean="0"/>
+              <a:t>router.navigationModel</a:t>
+            </a:r>
+            <a:r>
+              <a:rPr lang="nl-BE" baseline="0" dirty="0" smtClean="0"/>
+              <a:t> (</a:t>
+            </a:r>
+            <a:r>
+              <a:rPr lang="nl-BE" baseline="0" dirty="0" err="1" smtClean="0"/>
+              <a:t>true</a:t>
+            </a:r>
+            <a:r>
+              <a:rPr lang="nl-BE" baseline="0" dirty="0" smtClean="0"/>
+              <a:t>/</a:t>
+            </a:r>
+            <a:r>
+              <a:rPr lang="nl-BE" baseline="0" dirty="0" err="1" smtClean="0"/>
+              <a:t>false</a:t>
+            </a:r>
+            <a:r>
+              <a:rPr lang="nl-BE" baseline="0" dirty="0" smtClean="0"/>
+              <a:t>) of de volgorde (int)</a:t>
+            </a:r>
+          </a:p>
+          <a:p>
+            <a:endParaRPr lang="nl-BE" baseline="0" dirty="0" smtClean="0"/>
+          </a:p>
+          <a:p>
+            <a:r>
+              <a:rPr lang="nl-BE" baseline="0" dirty="0" smtClean="0"/>
+              <a:t>	parameters: </a:t>
+            </a:r>
+            <a:r>
+              <a:rPr lang="nl-BE" baseline="0" dirty="0" err="1" smtClean="0"/>
+              <a:t>myRoute</a:t>
+            </a:r>
+            <a:r>
+              <a:rPr lang="nl-BE" baseline="0" dirty="0" smtClean="0"/>
+              <a:t>/:</a:t>
+            </a:r>
+            <a:r>
+              <a:rPr lang="nl-BE" baseline="0" dirty="0" err="1" smtClean="0"/>
+              <a:t>id</a:t>
+            </a:r>
+            <a:r>
+              <a:rPr lang="nl-BE" baseline="0" dirty="0" smtClean="0"/>
+              <a:t> of indien optioneel: </a:t>
+            </a:r>
+            <a:r>
+              <a:rPr lang="nl-BE" baseline="0" dirty="0" err="1" smtClean="0"/>
+              <a:t>myRoute</a:t>
+            </a:r>
+            <a:r>
+              <a:rPr lang="nl-BE" baseline="0" dirty="0" smtClean="0"/>
+              <a:t>(/:</a:t>
+            </a:r>
+            <a:r>
+              <a:rPr lang="nl-BE" baseline="0" dirty="0" err="1" smtClean="0"/>
+              <a:t>id</a:t>
+            </a:r>
+            <a:r>
+              <a:rPr lang="nl-BE" baseline="0" dirty="0" smtClean="0"/>
+              <a:t>)</a:t>
+            </a:r>
+          </a:p>
+          <a:p>
+            <a:r>
+              <a:rPr lang="nl-BE" baseline="0" dirty="0" smtClean="0"/>
+              <a:t>		meerdere parameters zijn mogelijk, volgorde wordt bewaard in </a:t>
+            </a:r>
+            <a:r>
+              <a:rPr lang="nl-BE" baseline="0" dirty="0" err="1" smtClean="0"/>
+              <a:t>activate</a:t>
+            </a:r>
+            <a:r>
+              <a:rPr lang="nl-BE" baseline="0" dirty="0" smtClean="0"/>
+              <a:t> call</a:t>
+            </a:r>
+          </a:p>
+          <a:p>
+            <a:r>
+              <a:rPr lang="nl-BE" baseline="0" dirty="0" smtClean="0"/>
+              <a:t>		</a:t>
+            </a:r>
+            <a:r>
+              <a:rPr lang="nl-BE" baseline="0" dirty="0" err="1" smtClean="0"/>
+              <a:t>queryString</a:t>
+            </a:r>
+            <a:r>
+              <a:rPr lang="nl-BE" baseline="0" dirty="0" smtClean="0"/>
+              <a:t> is laatste object in </a:t>
+            </a:r>
+            <a:r>
+              <a:rPr lang="nl-BE" baseline="0" dirty="0" err="1" smtClean="0"/>
+              <a:t>activate</a:t>
+            </a:r>
+            <a:r>
+              <a:rPr lang="nl-BE" baseline="0" dirty="0" smtClean="0"/>
+              <a:t> </a:t>
+            </a:r>
+            <a:r>
+              <a:rPr lang="nl-BE" baseline="0" dirty="0" err="1" smtClean="0"/>
+              <a:t>and</a:t>
+            </a:r>
+            <a:r>
+              <a:rPr lang="nl-BE" baseline="0" dirty="0" smtClean="0"/>
+              <a:t> is een JS object met </a:t>
+            </a:r>
+            <a:r>
+              <a:rPr lang="nl-BE" baseline="0" dirty="0" err="1" smtClean="0"/>
+              <a:t>properties</a:t>
+            </a:r>
+            <a:r>
+              <a:rPr lang="nl-BE" baseline="0" dirty="0" smtClean="0"/>
+              <a:t> volgens querystring </a:t>
+            </a:r>
+            <a:r>
+              <a:rPr lang="nl-BE" baseline="0" dirty="0" err="1" smtClean="0"/>
+              <a:t>keys</a:t>
+            </a:r>
+            <a:endParaRPr lang="nl-BE" baseline="0" dirty="0" smtClean="0"/>
+          </a:p>
+          <a:p>
+            <a:r>
+              <a:rPr lang="nl-BE" baseline="0" dirty="0" smtClean="0"/>
+              <a:t>	</a:t>
+            </a:r>
+            <a:r>
+              <a:rPr lang="nl-BE" baseline="0" dirty="0" err="1" smtClean="0"/>
+              <a:t>splat</a:t>
+            </a:r>
+            <a:r>
+              <a:rPr lang="nl-BE" baseline="0" dirty="0" smtClean="0"/>
+              <a:t> route: </a:t>
+            </a:r>
+            <a:r>
+              <a:rPr lang="nl-BE" baseline="0" dirty="0" err="1" smtClean="0"/>
+              <a:t>myRoute</a:t>
+            </a:r>
+            <a:r>
+              <a:rPr lang="nl-BE" baseline="0" dirty="0" smtClean="0"/>
+              <a:t>*details</a:t>
+            </a:r>
+          </a:p>
+          <a:p>
+            <a:r>
+              <a:rPr lang="nl-BE" baseline="0" dirty="0" smtClean="0"/>
+              <a:t>	</a:t>
             </a:r>
             <a:endParaRPr lang="nl-BE" dirty="0" smtClean="0"/>
           </a:p>
           <a:p>
             <a:r>
               <a:rPr lang="nl-BE" dirty="0" err="1" smtClean="0"/>
-              <a:t>observable</a:t>
-            </a:r>
-            <a:r>
-              <a:rPr lang="nl-BE" dirty="0" smtClean="0"/>
-              <a:t>: om tegen</a:t>
-            </a:r>
-            <a:r>
-              <a:rPr lang="nl-BE" baseline="0" dirty="0" smtClean="0"/>
-              <a:t> gewone JS objecten te </a:t>
+              <a:t>buildNavigationModel</a:t>
+            </a:r>
+            <a:r>
+              <a:rPr lang="nl-BE" dirty="0" smtClean="0"/>
+              <a:t>: alle routes met </a:t>
+            </a:r>
+            <a:r>
+              <a:rPr lang="nl-BE" dirty="0" err="1" smtClean="0"/>
+              <a:t>nav</a:t>
+            </a:r>
+            <a:r>
+              <a:rPr lang="nl-BE" dirty="0" smtClean="0"/>
+              <a:t>: </a:t>
+            </a:r>
+            <a:r>
+              <a:rPr lang="nl-BE" dirty="0" err="1" smtClean="0"/>
+              <a:t>true</a:t>
+            </a:r>
+            <a:r>
+              <a:rPr lang="nl-BE" dirty="0" smtClean="0"/>
+              <a:t> worden in de array </a:t>
+            </a:r>
+            <a:r>
+              <a:rPr lang="nl-BE" dirty="0" err="1" smtClean="0"/>
+              <a:t>router.navigationModel</a:t>
+            </a:r>
+            <a:r>
+              <a:rPr lang="nl-BE" dirty="0" smtClean="0"/>
+              <a:t> gegoten om te kunnen binden in navigatie</a:t>
+            </a:r>
+            <a:r>
+              <a:rPr lang="nl-BE" baseline="0" dirty="0" smtClean="0"/>
+              <a:t> (zie shell.html)</a:t>
+            </a:r>
+          </a:p>
+          <a:p>
+            <a:endParaRPr lang="nl-BE" baseline="0" dirty="0" smtClean="0"/>
+          </a:p>
+          <a:p>
+            <a:r>
+              <a:rPr lang="nl-BE" baseline="0" dirty="0" smtClean="0"/>
+              <a:t>Router gebruiken:</a:t>
+            </a:r>
+          </a:p>
+          <a:p>
+            <a:r>
+              <a:rPr lang="nl-BE" baseline="0" dirty="0" smtClean="0"/>
+              <a:t>	indien &lt;a&gt;: </a:t>
             </a:r>
             <a:r>
               <a:rPr lang="nl-BE" baseline="0" dirty="0" err="1" smtClean="0"/>
-              <a:t>databinden</a:t>
-            </a:r>
-            <a:r>
-              <a:rPr lang="nl-BE" baseline="0" dirty="0" smtClean="0"/>
-              <a:t>, niet via </a:t>
+              <a:t>hash</a:t>
+            </a:r>
+            <a:r>
+              <a:rPr lang="nl-BE" baseline="0" dirty="0" smtClean="0"/>
+              <a:t> gebruiken (zie beers.html en </a:t>
             </a:r>
             <a:r>
               <a:rPr lang="nl-BE" baseline="0" dirty="0" err="1" smtClean="0"/>
-              <a:t>Knockout</a:t>
-            </a:r>
-            <a:r>
-              <a:rPr lang="nl-BE" baseline="0" dirty="0" smtClean="0"/>
-              <a:t>. Werkt enkel met browsers die ES5 ondersteunen (</a:t>
+              <a:t>add</a:t>
+            </a:r>
+            <a:r>
+              <a:rPr lang="nl-BE" baseline="0" dirty="0" smtClean="0"/>
+              <a:t> link)</a:t>
+            </a:r>
+          </a:p>
+          <a:p>
+            <a:r>
+              <a:rPr lang="nl-BE" baseline="0" dirty="0" smtClean="0"/>
+              <a:t>	vanuit JS: </a:t>
             </a:r>
             <a:r>
               <a:rPr lang="nl-BE" baseline="0" dirty="0" err="1" smtClean="0"/>
-              <a:t>defineProperty</a:t>
-            </a:r>
-            <a:r>
-              <a:rPr lang="nl-BE" baseline="0" dirty="0" smtClean="0"/>
-              <a:t>). Deze </a:t>
+              <a:t>router.navigate</a:t>
+            </a:r>
+            <a:r>
+              <a:rPr lang="nl-BE" baseline="0" dirty="0" smtClean="0"/>
+              <a:t>(‘#</a:t>
             </a:r>
             <a:r>
               <a:rPr lang="nl-BE" baseline="0" dirty="0" err="1" smtClean="0"/>
-              <a:t>plugin</a:t>
-            </a:r>
-            <a:r>
-              <a:rPr lang="nl-BE" baseline="0" dirty="0" smtClean="0"/>
-              <a:t> kan ook met </a:t>
+              <a:t>hash</a:t>
+            </a:r>
+            <a:r>
+              <a:rPr lang="nl-BE" baseline="0" dirty="0" smtClean="0"/>
+              <a:t>’); (zie add.js)</a:t>
+            </a:r>
+          </a:p>
+          <a:p>
+            <a:endParaRPr lang="nl-BE" baseline="0" dirty="0" smtClean="0"/>
+          </a:p>
+          <a:p>
+            <a:r>
+              <a:rPr lang="nl-BE" baseline="0" dirty="0" smtClean="0"/>
+              <a:t>Router kan nog meer:</a:t>
+            </a:r>
+          </a:p>
+          <a:p>
+            <a:r>
+              <a:rPr lang="nl-BE" baseline="0" dirty="0" smtClean="0"/>
+              <a:t>	</a:t>
             </a:r>
             <a:r>
               <a:rPr lang="nl-BE" baseline="0" dirty="0" err="1" smtClean="0"/>
-              <a:t>promises</a:t>
-            </a:r>
-            <a:r>
-              <a:rPr lang="nl-BE" baseline="0" dirty="0" smtClean="0"/>
-              <a:t> overweg.</a:t>
+              <a:t>history</a:t>
+            </a:r>
+            <a:r>
+              <a:rPr lang="nl-BE" baseline="0" dirty="0" smtClean="0"/>
+              <a:t> veranderen</a:t>
+            </a:r>
+          </a:p>
+          <a:p>
+            <a:r>
+              <a:rPr lang="nl-BE" baseline="0" dirty="0" smtClean="0"/>
+              <a:t>	</a:t>
+            </a:r>
+            <a:r>
+              <a:rPr lang="nl-BE" baseline="0" dirty="0" err="1" smtClean="0"/>
+              <a:t>router.navigateBack</a:t>
+            </a:r>
+            <a:r>
+              <a:rPr lang="nl-BE" baseline="0" dirty="0" smtClean="0"/>
+              <a:t>() om terug te gaan</a:t>
+            </a:r>
+          </a:p>
+          <a:p>
+            <a:r>
+              <a:rPr lang="nl-BE" baseline="0" dirty="0" smtClean="0"/>
+              <a:t>	routes die niet </a:t>
+            </a:r>
+            <a:r>
+              <a:rPr lang="nl-BE" baseline="0" dirty="0" err="1" smtClean="0"/>
+              <a:t>gematcht</a:t>
+            </a:r>
+            <a:r>
+              <a:rPr lang="nl-BE" baseline="0" dirty="0" smtClean="0"/>
+              <a:t> kunnen worden (zie shell.js)</a:t>
+            </a:r>
+          </a:p>
+          <a:p>
+            <a:r>
+              <a:rPr lang="nl-BE" baseline="0" dirty="0" smtClean="0"/>
+              <a:t>	</a:t>
+            </a:r>
+            <a:r>
+              <a:rPr lang="nl-BE" baseline="0" dirty="0" err="1" smtClean="0"/>
+              <a:t>child</a:t>
+            </a:r>
+            <a:r>
+              <a:rPr lang="nl-BE" baseline="0" dirty="0" smtClean="0"/>
+              <a:t> routers</a:t>
             </a:r>
             <a:endParaRPr lang="en-US" dirty="0"/>
           </a:p>
@@ -2813,7 +2755,7 @@
           <a:p>
             <a:fld id="{0DF56419-AC34-45D0-BAB8-5A4CB1E563BF}" type="slidenum">
               <a:rPr lang="en-US" smtClean="0"/>
-              <a:t>33</a:t>
+              <a:t>32</a:t>
             </a:fld>
             <a:endParaRPr lang="en-US"/>
           </a:p>
@@ -2822,7 +2764,7 @@
     </p:spTree>
     <p:extLst>
       <p:ext uri="{BB962C8B-B14F-4D97-AF65-F5344CB8AC3E}">
-        <p14:creationId xmlns:p14="http://schemas.microsoft.com/office/powerpoint/2010/main" val="2081039205"/>
+        <p14:creationId xmlns:p14="http://schemas.microsoft.com/office/powerpoint/2010/main" val="3530374302"/>
       </p:ext>
     </p:extLst>
   </p:cSld>
@@ -2878,6 +2820,177 @@
           <a:p>
             <a:r>
               <a:rPr lang="nl-BE" dirty="0" smtClean="0"/>
+              <a:t>http</a:t>
+            </a:r>
+            <a:r>
+              <a:rPr lang="nl-BE" baseline="0" dirty="0" smtClean="0"/>
+              <a:t> en </a:t>
+            </a:r>
+            <a:r>
+              <a:rPr lang="nl-BE" baseline="0" dirty="0" err="1" smtClean="0"/>
+              <a:t>serializer</a:t>
+            </a:r>
+            <a:r>
+              <a:rPr lang="nl-BE" baseline="0" dirty="0" smtClean="0"/>
+              <a:t> zijn om met data van de backend te werken. J</a:t>
+            </a:r>
+            <a:r>
+              <a:rPr lang="nl-BE" dirty="0" smtClean="0"/>
+              <a:t>e kan uiteraard ook andere </a:t>
+            </a:r>
+            <a:r>
+              <a:rPr lang="nl-BE" dirty="0" err="1" smtClean="0"/>
+              <a:t>libraries</a:t>
+            </a:r>
+            <a:r>
+              <a:rPr lang="nl-BE" dirty="0" smtClean="0"/>
+              <a:t> gebruiken, bv </a:t>
+            </a:r>
+            <a:r>
+              <a:rPr lang="nl-BE" dirty="0" err="1" smtClean="0"/>
+              <a:t>jQuery</a:t>
+            </a:r>
+            <a:endParaRPr lang="nl-BE" dirty="0" smtClean="0"/>
+          </a:p>
+          <a:p>
+            <a:r>
+              <a:rPr lang="nl-BE" dirty="0" err="1" smtClean="0"/>
+              <a:t>observable</a:t>
+            </a:r>
+            <a:r>
+              <a:rPr lang="nl-BE" dirty="0" smtClean="0"/>
+              <a:t>: om tegen</a:t>
+            </a:r>
+            <a:r>
+              <a:rPr lang="nl-BE" baseline="0" dirty="0" smtClean="0"/>
+              <a:t> gewone JS objecten te </a:t>
+            </a:r>
+            <a:r>
+              <a:rPr lang="nl-BE" baseline="0" dirty="0" err="1" smtClean="0"/>
+              <a:t>databinden</a:t>
+            </a:r>
+            <a:r>
+              <a:rPr lang="nl-BE" baseline="0" dirty="0" smtClean="0"/>
+              <a:t>, niet via </a:t>
+            </a:r>
+            <a:r>
+              <a:rPr lang="nl-BE" baseline="0" dirty="0" err="1" smtClean="0"/>
+              <a:t>Knockout</a:t>
+            </a:r>
+            <a:r>
+              <a:rPr lang="nl-BE" baseline="0" dirty="0" smtClean="0"/>
+              <a:t>. Werkt enkel met browsers die ES5 ondersteunen (</a:t>
+            </a:r>
+            <a:r>
+              <a:rPr lang="nl-BE" baseline="0" dirty="0" err="1" smtClean="0"/>
+              <a:t>defineProperty</a:t>
+            </a:r>
+            <a:r>
+              <a:rPr lang="nl-BE" baseline="0" dirty="0" smtClean="0"/>
+              <a:t>). Deze </a:t>
+            </a:r>
+            <a:r>
+              <a:rPr lang="nl-BE" baseline="0" dirty="0" err="1" smtClean="0"/>
+              <a:t>plugin</a:t>
+            </a:r>
+            <a:r>
+              <a:rPr lang="nl-BE" baseline="0" dirty="0" smtClean="0"/>
+              <a:t> kan ook met </a:t>
+            </a:r>
+            <a:r>
+              <a:rPr lang="nl-BE" baseline="0" dirty="0" err="1" smtClean="0"/>
+              <a:t>promises</a:t>
+            </a:r>
+            <a:r>
+              <a:rPr lang="nl-BE" baseline="0" dirty="0" smtClean="0"/>
+              <a:t> overweg.</a:t>
+            </a:r>
+            <a:endParaRPr lang="en-US" dirty="0"/>
+          </a:p>
+        </p:txBody>
+      </p:sp>
+      <p:sp>
+        <p:nvSpPr>
+          <p:cNvPr id="4" name="Slide Number Placeholder 3"/>
+          <p:cNvSpPr>
+            <a:spLocks noGrp="1"/>
+          </p:cNvSpPr>
+          <p:nvPr>
+            <p:ph type="sldNum" sz="quarter" idx="10"/>
+          </p:nvPr>
+        </p:nvSpPr>
+        <p:spPr/>
+        <p:txBody>
+          <a:bodyPr/>
+          <a:lstStyle/>
+          <a:p>
+            <a:fld id="{0DF56419-AC34-45D0-BAB8-5A4CB1E563BF}" type="slidenum">
+              <a:rPr lang="en-US" smtClean="0"/>
+              <a:t>33</a:t>
+            </a:fld>
+            <a:endParaRPr lang="en-US"/>
+          </a:p>
+        </p:txBody>
+      </p:sp>
+    </p:spTree>
+    <p:extLst>
+      <p:ext uri="{BB962C8B-B14F-4D97-AF65-F5344CB8AC3E}">
+        <p14:creationId xmlns:p14="http://schemas.microsoft.com/office/powerpoint/2010/main" val="2081039205"/>
+      </p:ext>
+    </p:extLst>
+  </p:cSld>
+  <p:clrMapOvr>
+    <a:masterClrMapping/>
+  </p:clrMapOvr>
+</p:notes>
+</file>
+
+<file path=ppt/notesSlides/notesSlide23.xml><?xml version="1.0" encoding="utf-8"?>
+<p:notes xmlns:a="http://schemas.openxmlformats.org/drawingml/2006/main" xmlns:r="http://schemas.openxmlformats.org/officeDocument/2006/relationships" xmlns:p="http://schemas.openxmlformats.org/presentationml/2006/main">
+  <p:cSld>
+    <p:spTree>
+      <p:nvGrpSpPr>
+        <p:cNvPr id="1" name=""/>
+        <p:cNvGrpSpPr/>
+        <p:nvPr/>
+      </p:nvGrpSpPr>
+      <p:grpSpPr>
+        <a:xfrm>
+          <a:off x="0" y="0"/>
+          <a:ext cx="0" cy="0"/>
+          <a:chOff x="0" y="0"/>
+          <a:chExt cx="0" cy="0"/>
+        </a:xfrm>
+      </p:grpSpPr>
+      <p:sp>
+        <p:nvSpPr>
+          <p:cNvPr id="2" name="Slide Image Placeholder 1"/>
+          <p:cNvSpPr>
+            <a:spLocks noGrp="1" noRot="1" noChangeAspect="1"/>
+          </p:cNvSpPr>
+          <p:nvPr>
+            <p:ph type="sldImg"/>
+          </p:nvPr>
+        </p:nvSpPr>
+        <p:spPr/>
+      </p:sp>
+      <p:sp>
+        <p:nvSpPr>
+          <p:cNvPr id="3" name="Notes Placeholder 2"/>
+          <p:cNvSpPr>
+            <a:spLocks noGrp="1"/>
+          </p:cNvSpPr>
+          <p:nvPr>
+            <p:ph type="body" idx="1"/>
+          </p:nvPr>
+        </p:nvSpPr>
+        <p:spPr/>
+        <p:txBody>
+          <a:bodyPr/>
+          <a:lstStyle/>
+          <a:p>
+            <a:r>
+              <a:rPr lang="nl-BE" dirty="0" smtClean="0"/>
               <a:t>SEO: komt er op neer dat je aan de serverkant een </a:t>
             </a:r>
             <a:r>
@@ -2937,6 +3050,98 @@
     <p:extLst>
       <p:ext uri="{BB962C8B-B14F-4D97-AF65-F5344CB8AC3E}">
         <p14:creationId xmlns:p14="http://schemas.microsoft.com/office/powerpoint/2010/main" val="4037003911"/>
+      </p:ext>
+    </p:extLst>
+  </p:cSld>
+  <p:clrMapOvr>
+    <a:masterClrMapping/>
+  </p:clrMapOvr>
+</p:notes>
+</file>
+
+<file path=ppt/notesSlides/notesSlide24.xml><?xml version="1.0" encoding="utf-8"?>
+<p:notes xmlns:a="http://schemas.openxmlformats.org/drawingml/2006/main" xmlns:r="http://schemas.openxmlformats.org/officeDocument/2006/relationships" xmlns:p="http://schemas.openxmlformats.org/presentationml/2006/main">
+  <p:cSld>
+    <p:spTree>
+      <p:nvGrpSpPr>
+        <p:cNvPr id="1" name=""/>
+        <p:cNvGrpSpPr/>
+        <p:nvPr/>
+      </p:nvGrpSpPr>
+      <p:grpSpPr>
+        <a:xfrm>
+          <a:off x="0" y="0"/>
+          <a:ext cx="0" cy="0"/>
+          <a:chOff x="0" y="0"/>
+          <a:chExt cx="0" cy="0"/>
+        </a:xfrm>
+      </p:grpSpPr>
+      <p:sp>
+        <p:nvSpPr>
+          <p:cNvPr id="2" name="Slide Image Placeholder 1"/>
+          <p:cNvSpPr>
+            <a:spLocks noGrp="1" noRot="1" noChangeAspect="1"/>
+          </p:cNvSpPr>
+          <p:nvPr>
+            <p:ph type="sldImg"/>
+          </p:nvPr>
+        </p:nvSpPr>
+        <p:spPr/>
+      </p:sp>
+      <p:sp>
+        <p:nvSpPr>
+          <p:cNvPr id="3" name="Notes Placeholder 2"/>
+          <p:cNvSpPr>
+            <a:spLocks noGrp="1"/>
+          </p:cNvSpPr>
+          <p:nvPr>
+            <p:ph type="body" idx="1"/>
+          </p:nvPr>
+        </p:nvSpPr>
+        <p:spPr/>
+        <p:txBody>
+          <a:bodyPr/>
+          <a:lstStyle/>
+          <a:p>
+            <a:r>
+              <a:rPr lang="nl-BE" dirty="0" smtClean="0"/>
+              <a:t>Allemaal hebben ze heel goed en </a:t>
+            </a:r>
+            <a:r>
+              <a:rPr lang="nl-BE" smtClean="0"/>
+              <a:t>duidelijke documentatie</a:t>
+            </a:r>
+            <a:endParaRPr lang="en-US"/>
+          </a:p>
+        </p:txBody>
+      </p:sp>
+      <p:sp>
+        <p:nvSpPr>
+          <p:cNvPr id="4" name="Slide Number Placeholder 3"/>
+          <p:cNvSpPr>
+            <a:spLocks noGrp="1"/>
+          </p:cNvSpPr>
+          <p:nvPr>
+            <p:ph type="sldNum" sz="quarter" idx="10"/>
+          </p:nvPr>
+        </p:nvSpPr>
+        <p:spPr/>
+        <p:txBody>
+          <a:bodyPr/>
+          <a:lstStyle/>
+          <a:p>
+            <a:fld id="{0DF56419-AC34-45D0-BAB8-5A4CB1E563BF}" type="slidenum">
+              <a:rPr lang="en-US" smtClean="0"/>
+              <a:t>37</a:t>
+            </a:fld>
+            <a:endParaRPr lang="en-US"/>
+          </a:p>
+        </p:txBody>
+      </p:sp>
+    </p:spTree>
+    <p:extLst>
+      <p:ext uri="{BB962C8B-B14F-4D97-AF65-F5344CB8AC3E}">
+        <p14:creationId xmlns:p14="http://schemas.microsoft.com/office/powerpoint/2010/main" val="3601035369"/>
       </p:ext>
     </p:extLst>
   </p:cSld>
@@ -2992,7 +3197,88 @@
           <a:p>
             <a:r>
               <a:rPr lang="nl-BE" dirty="0" smtClean="0"/>
-              <a:t>MVVM uitleggen</a:t>
+              <a:t>Toon </a:t>
+            </a:r>
+            <a:r>
+              <a:rPr lang="nl-BE" dirty="0" err="1" smtClean="0"/>
+              <a:t>RequireJS</a:t>
+            </a:r>
+            <a:r>
+              <a:rPr lang="nl-BE" dirty="0" smtClean="0"/>
+              <a:t> configuratie in main.js</a:t>
+            </a:r>
+          </a:p>
+          <a:p>
+            <a:r>
+              <a:rPr lang="nl-BE" dirty="0" err="1" smtClean="0"/>
+              <a:t>Shim</a:t>
+            </a:r>
+            <a:r>
+              <a:rPr lang="nl-BE" baseline="0" dirty="0" smtClean="0"/>
+              <a:t> is voor javascript </a:t>
+            </a:r>
+            <a:r>
+              <a:rPr lang="nl-BE" baseline="0" dirty="0" err="1" smtClean="0"/>
+              <a:t>libraries</a:t>
+            </a:r>
+            <a:r>
+              <a:rPr lang="nl-BE" baseline="0" dirty="0" smtClean="0"/>
+              <a:t> die niet volgens AMD gedefinieerd zijn.</a:t>
+            </a:r>
+          </a:p>
+          <a:p>
+            <a:r>
+              <a:rPr lang="nl-BE" baseline="0" dirty="0" smtClean="0"/>
+              <a:t>	</a:t>
+            </a:r>
+            <a:r>
+              <a:rPr lang="nl-BE" baseline="0" dirty="0" err="1" smtClean="0"/>
+              <a:t>deps</a:t>
+            </a:r>
+            <a:r>
+              <a:rPr lang="nl-BE" baseline="0" dirty="0" smtClean="0"/>
+              <a:t>: </a:t>
+            </a:r>
+            <a:r>
+              <a:rPr lang="nl-BE" baseline="0" dirty="0" err="1" smtClean="0"/>
+              <a:t>dependencies</a:t>
+            </a:r>
+            <a:r>
+              <a:rPr lang="nl-BE" baseline="0" dirty="0" smtClean="0"/>
+              <a:t> van deze </a:t>
+            </a:r>
+            <a:r>
+              <a:rPr lang="nl-BE" baseline="0" dirty="0" err="1" smtClean="0"/>
+              <a:t>library</a:t>
+            </a:r>
+            <a:endParaRPr lang="nl-BE" baseline="0" dirty="0" smtClean="0"/>
+          </a:p>
+          <a:p>
+            <a:r>
+              <a:rPr lang="nl-BE" baseline="0" dirty="0" smtClean="0"/>
+              <a:t>	exports: de …</a:t>
+            </a:r>
+          </a:p>
+          <a:p>
+            <a:r>
+              <a:rPr lang="nl-BE" baseline="0" dirty="0" smtClean="0"/>
+              <a:t>Componenten in </a:t>
+            </a:r>
+            <a:r>
+              <a:rPr lang="nl-BE" baseline="0" dirty="0" err="1" smtClean="0"/>
+              <a:t>shim</a:t>
+            </a:r>
+            <a:r>
+              <a:rPr lang="nl-BE" baseline="0" dirty="0" smtClean="0"/>
+              <a:t> moeten nog altijd in </a:t>
+            </a:r>
+            <a:r>
+              <a:rPr lang="nl-BE" baseline="0" dirty="0" err="1" smtClean="0"/>
+              <a:t>paths</a:t>
+            </a:r>
+            <a:r>
+              <a:rPr lang="nl-BE" baseline="0" dirty="0" smtClean="0"/>
+              <a:t> staan!</a:t>
             </a:r>
             <a:endParaRPr lang="en-US" dirty="0"/>
           </a:p>
@@ -3015,7 +3301,7 @@
           <a:p>
             <a:fld id="{0DF56419-AC34-45D0-BAB8-5A4CB1E563BF}" type="slidenum">
               <a:rPr lang="en-US" smtClean="0"/>
-              <a:t>12</a:t>
+              <a:t>10</a:t>
             </a:fld>
             <a:endParaRPr lang="en-US"/>
           </a:p>
@@ -3024,7 +3310,7 @@
     </p:spTree>
     <p:extLst>
       <p:ext uri="{BB962C8B-B14F-4D97-AF65-F5344CB8AC3E}">
-        <p14:creationId xmlns:p14="http://schemas.microsoft.com/office/powerpoint/2010/main" val="961158966"/>
+        <p14:creationId xmlns:p14="http://schemas.microsoft.com/office/powerpoint/2010/main" val="3235615134"/>
       </p:ext>
     </p:extLst>
   </p:cSld>
@@ -3080,27 +3366,7 @@
           <a:p>
             <a:r>
               <a:rPr lang="nl-BE" dirty="0" smtClean="0"/>
-              <a:t>Het is dus mogelijk te</a:t>
-            </a:r>
-            <a:r>
-              <a:rPr lang="nl-BE" baseline="0" dirty="0" smtClean="0"/>
-              <a:t> </a:t>
-            </a:r>
-            <a:r>
-              <a:rPr lang="nl-BE" baseline="0" dirty="0" err="1" smtClean="0"/>
-              <a:t>databinden</a:t>
-            </a:r>
-            <a:r>
-              <a:rPr lang="nl-BE" baseline="0" dirty="0" smtClean="0"/>
-              <a:t> op eenvoudige JS objecten (zonder </a:t>
-            </a:r>
-            <a:r>
-              <a:rPr lang="nl-BE" baseline="0" dirty="0" err="1" smtClean="0"/>
-              <a:t>observables</a:t>
-            </a:r>
-            <a:r>
-              <a:rPr lang="nl-BE" baseline="0" dirty="0" smtClean="0"/>
-              <a:t>). Updates zullen echter niet zichtbaar worden in de DOM en DOM updates zullen niet zichtbaar worden in je viewmodel</a:t>
+              <a:t>MVVM uitleggen</a:t>
             </a:r>
             <a:endParaRPr lang="en-US" dirty="0"/>
           </a:p>
@@ -3123,7 +3389,7 @@
           <a:p>
             <a:fld id="{0DF56419-AC34-45D0-BAB8-5A4CB1E563BF}" type="slidenum">
               <a:rPr lang="en-US" smtClean="0"/>
-              <a:t>14</a:t>
+              <a:t>12</a:t>
             </a:fld>
             <a:endParaRPr lang="en-US"/>
           </a:p>
@@ -3132,7 +3398,7 @@
     </p:spTree>
     <p:extLst>
       <p:ext uri="{BB962C8B-B14F-4D97-AF65-F5344CB8AC3E}">
-        <p14:creationId xmlns:p14="http://schemas.microsoft.com/office/powerpoint/2010/main" val="3591909888"/>
+        <p14:creationId xmlns:p14="http://schemas.microsoft.com/office/powerpoint/2010/main" val="961158966"/>
       </p:ext>
     </p:extLst>
   </p:cSld>
@@ -3188,37 +3454,27 @@
           <a:p>
             <a:r>
               <a:rPr lang="nl-BE" dirty="0" smtClean="0"/>
-              <a:t>Tweede laat toe om meerdere </a:t>
-            </a:r>
-            <a:r>
-              <a:rPr lang="nl-BE" dirty="0" err="1" smtClean="0"/>
-              <a:t>viewmodels</a:t>
-            </a:r>
-            <a:r>
-              <a:rPr lang="nl-BE" dirty="0" smtClean="0"/>
-              <a:t> aan verschillende elementen te binden</a:t>
-            </a:r>
-          </a:p>
-          <a:p>
-            <a:r>
-              <a:rPr lang="nl-BE" dirty="0" err="1" smtClean="0"/>
-              <a:t>Durandal</a:t>
-            </a:r>
-            <a:r>
-              <a:rPr lang="nl-BE" dirty="0" smtClean="0"/>
-              <a:t> zal </a:t>
-            </a:r>
-            <a:r>
-              <a:rPr lang="nl-BE" dirty="0" err="1" smtClean="0"/>
-              <a:t>applyBindings</a:t>
-            </a:r>
-            <a:r>
-              <a:rPr lang="nl-BE" dirty="0" smtClean="0"/>
-              <a:t> voor</a:t>
-            </a:r>
-            <a:r>
-              <a:rPr lang="nl-BE" baseline="0" dirty="0" smtClean="0"/>
-              <a:t> jou doen (als je de conventies volgt)</a:t>
+              <a:t>Het is dus mogelijk te</a:t>
+            </a:r>
+            <a:r>
+              <a:rPr lang="nl-BE" baseline="0" dirty="0" smtClean="0"/>
+              <a:t> </a:t>
+            </a:r>
+            <a:r>
+              <a:rPr lang="nl-BE" baseline="0" dirty="0" err="1" smtClean="0"/>
+              <a:t>databinden</a:t>
+            </a:r>
+            <a:r>
+              <a:rPr lang="nl-BE" baseline="0" dirty="0" smtClean="0"/>
+              <a:t> op eenvoudige JS objecten (zonder </a:t>
+            </a:r>
+            <a:r>
+              <a:rPr lang="nl-BE" baseline="0" dirty="0" err="1" smtClean="0"/>
+              <a:t>observables</a:t>
+            </a:r>
+            <a:r>
+              <a:rPr lang="nl-BE" baseline="0" dirty="0" smtClean="0"/>
+              <a:t>). Updates zullen echter niet zichtbaar worden in de DOM en DOM updates zullen niet zichtbaar worden in je viewmodel</a:t>
             </a:r>
             <a:endParaRPr lang="en-US" dirty="0"/>
           </a:p>
@@ -3241,7 +3497,7 @@
           <a:p>
             <a:fld id="{0DF56419-AC34-45D0-BAB8-5A4CB1E563BF}" type="slidenum">
               <a:rPr lang="en-US" smtClean="0"/>
-              <a:t>15</a:t>
+              <a:t>14</a:t>
             </a:fld>
             <a:endParaRPr lang="en-US"/>
           </a:p>
@@ -3250,7 +3506,7 @@
     </p:spTree>
     <p:extLst>
       <p:ext uri="{BB962C8B-B14F-4D97-AF65-F5344CB8AC3E}">
-        <p14:creationId xmlns:p14="http://schemas.microsoft.com/office/powerpoint/2010/main" val="1524409266"/>
+        <p14:creationId xmlns:p14="http://schemas.microsoft.com/office/powerpoint/2010/main" val="3591909888"/>
       </p:ext>
     </p:extLst>
   </p:cSld>
@@ -3306,121 +3562,37 @@
           <a:p>
             <a:r>
               <a:rPr lang="nl-BE" dirty="0" smtClean="0"/>
-              <a:t>Twee normale </a:t>
-            </a:r>
-            <a:r>
-              <a:rPr lang="nl-BE" dirty="0" err="1" smtClean="0"/>
-              <a:t>observables</a:t>
-            </a:r>
-            <a:r>
-              <a:rPr lang="nl-BE" dirty="0" smtClean="0"/>
-              <a:t>: DOM wijzigt zodra </a:t>
-            </a:r>
-            <a:r>
-              <a:rPr lang="nl-BE" dirty="0" err="1" smtClean="0"/>
-              <a:t>observable</a:t>
-            </a:r>
-            <a:r>
-              <a:rPr lang="nl-BE" dirty="0" smtClean="0"/>
-              <a:t> wijzigt, viewmodel property wijzigt</a:t>
-            </a:r>
-            <a:r>
-              <a:rPr lang="nl-BE" baseline="0" dirty="0" smtClean="0"/>
-              <a:t> wanneer DOM wijzigt</a:t>
-            </a:r>
-          </a:p>
-          <a:p>
-            <a:r>
-              <a:rPr lang="nl-BE" baseline="0" dirty="0" err="1" smtClean="0"/>
-              <a:t>Computed</a:t>
-            </a:r>
-            <a:r>
-              <a:rPr lang="nl-BE" baseline="0" dirty="0" smtClean="0"/>
-              <a:t>: </a:t>
-            </a:r>
-            <a:r>
-              <a:rPr lang="nl-BE" baseline="0" dirty="0" err="1" smtClean="0"/>
-              <a:t>function</a:t>
-            </a:r>
-            <a:r>
-              <a:rPr lang="nl-BE" baseline="0" dirty="0" smtClean="0"/>
-              <a:t> die voortbouwt op andere </a:t>
-            </a:r>
-            <a:r>
-              <a:rPr lang="nl-BE" baseline="0" dirty="0" err="1" smtClean="0"/>
-              <a:t>observables</a:t>
-            </a:r>
-            <a:r>
-              <a:rPr lang="nl-BE" baseline="0" dirty="0" smtClean="0"/>
-              <a:t>. Databinding wordt geüpdatet wanneer één van de afhankelijkheden wijzigt</a:t>
-            </a:r>
-          </a:p>
-          <a:p>
-            <a:r>
-              <a:rPr lang="nl-BE" baseline="0" dirty="0" err="1" smtClean="0"/>
-              <a:t>ObservableArray</a:t>
-            </a:r>
-            <a:r>
-              <a:rPr lang="nl-BE" baseline="0" dirty="0" smtClean="0"/>
-              <a:t>: databinding wordt geüpdatet wanneer items toegevoegd/verwijderd worden</a:t>
-            </a:r>
-          </a:p>
-          <a:p>
-            <a:endParaRPr lang="nl-BE" baseline="0" dirty="0" smtClean="0"/>
-          </a:p>
-          <a:p>
-            <a:r>
-              <a:rPr lang="nl-BE" baseline="0" dirty="0" smtClean="0"/>
-              <a:t>Een array meegeven in de </a:t>
-            </a:r>
-            <a:r>
-              <a:rPr lang="nl-BE" baseline="0" dirty="0" err="1" smtClean="0"/>
-              <a:t>constructor</a:t>
-            </a:r>
-            <a:r>
-              <a:rPr lang="nl-BE" baseline="0" dirty="0" smtClean="0"/>
-              <a:t> van je </a:t>
-            </a:r>
-            <a:r>
-              <a:rPr lang="nl-BE" baseline="0" dirty="0" err="1" smtClean="0"/>
-              <a:t>observableArray</a:t>
-            </a:r>
-            <a:r>
-              <a:rPr lang="nl-BE" baseline="0" dirty="0" smtClean="0"/>
-              <a:t> zorgt ervoor dat de array </a:t>
-            </a:r>
-            <a:r>
-              <a:rPr lang="nl-BE" baseline="0" dirty="0" err="1" smtClean="0"/>
-              <a:t>prepopulated</a:t>
-            </a:r>
-            <a:r>
-              <a:rPr lang="nl-BE" baseline="0" dirty="0" smtClean="0"/>
-              <a:t> is (zo moet de DOM maar 1x geüpdatet worden (en niet bij elke toevoeging).</a:t>
-            </a:r>
-          </a:p>
-          <a:p>
-            <a:endParaRPr lang="nl-BE" baseline="0" dirty="0" smtClean="0"/>
-          </a:p>
-          <a:p>
-            <a:r>
-              <a:rPr lang="nl-BE" baseline="0" dirty="0" smtClean="0"/>
-              <a:t>Wil je updates op de elementen in de </a:t>
-            </a:r>
-            <a:r>
-              <a:rPr lang="nl-BE" baseline="0" dirty="0" err="1" smtClean="0"/>
-              <a:t>observableArray</a:t>
-            </a:r>
-            <a:r>
-              <a:rPr lang="nl-BE" baseline="0" dirty="0" smtClean="0"/>
-              <a:t> zien in de DOM, dan moet je ook </a:t>
-            </a:r>
-            <a:r>
-              <a:rPr lang="nl-BE" baseline="0" dirty="0" err="1" smtClean="0"/>
-              <a:t>observables</a:t>
-            </a:r>
-            <a:r>
-              <a:rPr lang="nl-BE" baseline="0" dirty="0" smtClean="0"/>
-              <a:t> gebruiken in die elementen.</a:t>
+              <a:t>Tweede laat toe om meerdere </a:t>
+            </a:r>
+            <a:r>
+              <a:rPr lang="nl-BE" dirty="0" err="1" smtClean="0"/>
+              <a:t>viewmodels</a:t>
+            </a:r>
+            <a:r>
+              <a:rPr lang="nl-BE" dirty="0" smtClean="0"/>
+              <a:t> aan verschillende elementen te binden</a:t>
+            </a:r>
+          </a:p>
+          <a:p>
+            <a:r>
+              <a:rPr lang="nl-BE" dirty="0" err="1" smtClean="0"/>
+              <a:t>Durandal</a:t>
+            </a:r>
+            <a:r>
+              <a:rPr lang="nl-BE" dirty="0" smtClean="0"/>
+              <a:t> zal </a:t>
+            </a:r>
+            <a:r>
+              <a:rPr lang="nl-BE" dirty="0" err="1" smtClean="0"/>
+              <a:t>applyBindings</a:t>
+            </a:r>
+            <a:r>
+              <a:rPr lang="nl-BE" dirty="0" smtClean="0"/>
+              <a:t> voor</a:t>
+            </a:r>
+            <a:r>
+              <a:rPr lang="nl-BE" baseline="0" dirty="0" smtClean="0"/>
+              <a:t> jou doen (als je de conventies volgt)</a:t>
             </a:r>
             <a:endParaRPr lang="en-US" dirty="0"/>
           </a:p>
@@ -3443,7 +3615,7 @@
           <a:p>
             <a:fld id="{0DF56419-AC34-45D0-BAB8-5A4CB1E563BF}" type="slidenum">
               <a:rPr lang="en-US" smtClean="0"/>
-              <a:t>16</a:t>
+              <a:t>15</a:t>
             </a:fld>
             <a:endParaRPr lang="en-US"/>
           </a:p>
@@ -3452,7 +3624,7 @@
     </p:spTree>
     <p:extLst>
       <p:ext uri="{BB962C8B-B14F-4D97-AF65-F5344CB8AC3E}">
-        <p14:creationId xmlns:p14="http://schemas.microsoft.com/office/powerpoint/2010/main" val="1276095060"/>
+        <p14:creationId xmlns:p14="http://schemas.microsoft.com/office/powerpoint/2010/main" val="1524409266"/>
       </p:ext>
     </p:extLst>
   </p:cSld>
@@ -3508,27 +3680,37 @@
           <a:p>
             <a:r>
               <a:rPr lang="nl-BE" dirty="0" smtClean="0"/>
-              <a:t>Beide doen hetzelfde maar door het speciale</a:t>
-            </a:r>
-            <a:r>
-              <a:rPr lang="nl-BE" baseline="0" dirty="0" smtClean="0"/>
-              <a:t> van javascript met </a:t>
-            </a:r>
+              <a:t>Twee normale </a:t>
+            </a:r>
+            <a:r>
+              <a:rPr lang="nl-BE" dirty="0" err="1" smtClean="0"/>
+              <a:t>observables</a:t>
+            </a:r>
+            <a:r>
+              <a:rPr lang="nl-BE" dirty="0" smtClean="0"/>
+              <a:t>: DOM wijzigt zodra </a:t>
+            </a:r>
+            <a:r>
+              <a:rPr lang="nl-BE" dirty="0" err="1" smtClean="0"/>
+              <a:t>observable</a:t>
+            </a:r>
+            <a:r>
+              <a:rPr lang="nl-BE" dirty="0" smtClean="0"/>
+              <a:t> wijzigt, viewmodel property wijzigt</a:t>
+            </a:r>
+            <a:r>
+              <a:rPr lang="nl-BE" baseline="0" dirty="0" smtClean="0"/>
+              <a:t> wanneer DOM wijzigt</a:t>
+            </a:r>
+          </a:p>
+          <a:p>
             <a:r>
               <a:rPr lang="nl-BE" baseline="0" dirty="0" err="1" smtClean="0"/>
-              <a:t>this</a:t>
-            </a:r>
-            <a:r>
-              <a:rPr lang="nl-BE" baseline="0" dirty="0" smtClean="0"/>
-              <a:t> moet je in het tweede geval meegeven wat ‘</a:t>
-            </a:r>
-            <a:r>
-              <a:rPr lang="nl-BE" baseline="0" dirty="0" err="1" smtClean="0"/>
-              <a:t>this</a:t>
-            </a:r>
-            <a:r>
-              <a:rPr lang="nl-BE" baseline="0" dirty="0" smtClean="0"/>
-              <a:t>’ zal betekenen in je </a:t>
+              <a:t>Computed</a:t>
+            </a:r>
+            <a:r>
+              <a:rPr lang="nl-BE" baseline="0" dirty="0" smtClean="0"/>
+              <a:t>: </a:t>
             </a:r>
             <a:r>
               <a:rPr lang="nl-BE" baseline="0" dirty="0" err="1" smtClean="0"/>
@@ -3536,23 +3718,83 @@
             </a:r>
             <a:r>
               <a:rPr lang="nl-BE" baseline="0" dirty="0" smtClean="0"/>
-              <a:t>. Anders is ‘</a:t>
+              <a:t> die voortbouwt op andere </a:t>
             </a:r>
             <a:r>
               <a:rPr lang="nl-BE" baseline="0" dirty="0" err="1" smtClean="0"/>
-              <a:t>this</a:t>
-            </a:r>
-            <a:r>
-              <a:rPr lang="nl-BE" baseline="0" dirty="0" smtClean="0"/>
-              <a:t>’ het </a:t>
-            </a:r>
+              <a:t>observables</a:t>
+            </a:r>
+            <a:r>
+              <a:rPr lang="nl-BE" baseline="0" dirty="0" smtClean="0"/>
+              <a:t>. Databinding wordt geüpdatet wanneer één van de afhankelijkheden wijzigt</a:t>
+            </a:r>
+          </a:p>
+          <a:p>
             <a:r>
               <a:rPr lang="nl-BE" baseline="0" dirty="0" err="1" smtClean="0"/>
-              <a:t>window</a:t>
-            </a:r>
-            <a:r>
-              <a:rPr lang="nl-BE" baseline="0" dirty="0" smtClean="0"/>
-              <a:t>-object.</a:t>
+              <a:t>ObservableArray</a:t>
+            </a:r>
+            <a:r>
+              <a:rPr lang="nl-BE" baseline="0" dirty="0" smtClean="0"/>
+              <a:t>: databinding wordt geüpdatet wanneer items toegevoegd/verwijderd worden</a:t>
+            </a:r>
+          </a:p>
+          <a:p>
+            <a:endParaRPr lang="nl-BE" baseline="0" dirty="0" smtClean="0"/>
+          </a:p>
+          <a:p>
+            <a:r>
+              <a:rPr lang="nl-BE" baseline="0" dirty="0" smtClean="0"/>
+              <a:t>Een array meegeven in de </a:t>
+            </a:r>
+            <a:r>
+              <a:rPr lang="nl-BE" baseline="0" dirty="0" err="1" smtClean="0"/>
+              <a:t>constructor</a:t>
+            </a:r>
+            <a:r>
+              <a:rPr lang="nl-BE" baseline="0" dirty="0" smtClean="0"/>
+              <a:t> van je </a:t>
+            </a:r>
+            <a:r>
+              <a:rPr lang="nl-BE" baseline="0" dirty="0" err="1" smtClean="0"/>
+              <a:t>observableArray</a:t>
+            </a:r>
+            <a:r>
+              <a:rPr lang="nl-BE" baseline="0" dirty="0" smtClean="0"/>
+              <a:t> zorgt ervoor dat de array </a:t>
+            </a:r>
+            <a:r>
+              <a:rPr lang="nl-BE" baseline="0" dirty="0" err="1" smtClean="0"/>
+              <a:t>prepopulated</a:t>
+            </a:r>
+            <a:r>
+              <a:rPr lang="nl-BE" baseline="0" dirty="0" smtClean="0"/>
+              <a:t> is (zo moet de DOM maar 1x geüpdatet worden (en niet bij elke toevoeging).</a:t>
+            </a:r>
+          </a:p>
+          <a:p>
+            <a:endParaRPr lang="nl-BE" baseline="0" dirty="0" smtClean="0"/>
+          </a:p>
+          <a:p>
+            <a:r>
+              <a:rPr lang="nl-BE" baseline="0" dirty="0" smtClean="0"/>
+              <a:t>Wil je updates op de elementen in de </a:t>
+            </a:r>
+            <a:r>
+              <a:rPr lang="nl-BE" baseline="0" dirty="0" err="1" smtClean="0"/>
+              <a:t>observableArray</a:t>
+            </a:r>
+            <a:r>
+              <a:rPr lang="nl-BE" baseline="0" dirty="0" smtClean="0"/>
+              <a:t> zien in de DOM, dan moet je ook </a:t>
+            </a:r>
+            <a:r>
+              <a:rPr lang="nl-BE" baseline="0" dirty="0" err="1" smtClean="0"/>
+              <a:t>observables</a:t>
+            </a:r>
+            <a:r>
+              <a:rPr lang="nl-BE" baseline="0" dirty="0" smtClean="0"/>
+              <a:t> gebruiken in die elementen.</a:t>
             </a:r>
             <a:endParaRPr lang="en-US" dirty="0"/>
           </a:p>
@@ -3575,7 +3817,7 @@
           <a:p>
             <a:fld id="{0DF56419-AC34-45D0-BAB8-5A4CB1E563BF}" type="slidenum">
               <a:rPr lang="en-US" smtClean="0"/>
-              <a:t>17</a:t>
+              <a:t>16</a:t>
             </a:fld>
             <a:endParaRPr lang="en-US"/>
           </a:p>
@@ -3584,7 +3826,7 @@
     </p:spTree>
     <p:extLst>
       <p:ext uri="{BB962C8B-B14F-4D97-AF65-F5344CB8AC3E}">
-        <p14:creationId xmlns:p14="http://schemas.microsoft.com/office/powerpoint/2010/main" val="1767491647"/>
+        <p14:creationId xmlns:p14="http://schemas.microsoft.com/office/powerpoint/2010/main" val="1276095060"/>
       </p:ext>
     </p:extLst>
   </p:cSld>
@@ -3639,70 +3881,52 @@
           <a:lstStyle/>
           <a:p>
             <a:r>
-              <a:rPr lang="nl-BE" dirty="0" err="1" smtClean="0"/>
-              <a:t>Css</a:t>
-            </a:r>
-            <a:r>
-              <a:rPr lang="nl-BE" dirty="0" smtClean="0"/>
-              <a:t>: </a:t>
-            </a:r>
-            <a:r>
-              <a:rPr lang="nl-BE" dirty="0" err="1" smtClean="0"/>
-              <a:t>add</a:t>
-            </a:r>
-            <a:r>
-              <a:rPr lang="nl-BE" dirty="0" smtClean="0"/>
-              <a:t> or </a:t>
-            </a:r>
-            <a:r>
-              <a:rPr lang="nl-BE" dirty="0" err="1" smtClean="0"/>
-              <a:t>remove</a:t>
-            </a:r>
-            <a:r>
-              <a:rPr lang="nl-BE" dirty="0" smtClean="0"/>
-              <a:t> a class</a:t>
-            </a:r>
-          </a:p>
-          <a:p>
-            <a:r>
-              <a:rPr lang="nl-BE" dirty="0" smtClean="0"/>
-              <a:t>Style: </a:t>
-            </a:r>
-            <a:r>
-              <a:rPr lang="nl-BE" dirty="0" err="1" smtClean="0"/>
-              <a:t>add</a:t>
-            </a:r>
-            <a:r>
-              <a:rPr lang="nl-BE" dirty="0" smtClean="0"/>
-              <a:t> or </a:t>
-            </a:r>
-            <a:r>
-              <a:rPr lang="nl-BE" dirty="0" err="1" smtClean="0"/>
-              <a:t>remove</a:t>
-            </a:r>
-            <a:r>
-              <a:rPr lang="nl-BE" dirty="0" smtClean="0"/>
-              <a:t> </a:t>
-            </a:r>
-            <a:r>
-              <a:rPr lang="nl-BE" dirty="0" err="1" smtClean="0"/>
-              <a:t>certain</a:t>
-            </a:r>
-            <a:r>
-              <a:rPr lang="nl-BE" dirty="0" smtClean="0"/>
-              <a:t> </a:t>
-            </a:r>
-            <a:r>
-              <a:rPr lang="nl-BE" dirty="0" err="1" smtClean="0"/>
-              <a:t>css</a:t>
-            </a:r>
-            <a:r>
-              <a:rPr lang="nl-BE" dirty="0" smtClean="0"/>
-              <a:t> </a:t>
-            </a:r>
-            <a:r>
-              <a:rPr lang="nl-BE" dirty="0" err="1" smtClean="0"/>
-              <a:t>attributes</a:t>
+              <a:rPr lang="nl-BE" dirty="0" smtClean="0"/>
+              <a:t>Beide doen hetzelfde maar door het speciale</a:t>
+            </a:r>
+            <a:r>
+              <a:rPr lang="nl-BE" baseline="0" dirty="0" smtClean="0"/>
+              <a:t> van javascript met </a:t>
+            </a:r>
+            <a:r>
+              <a:rPr lang="nl-BE" baseline="0" dirty="0" err="1" smtClean="0"/>
+              <a:t>this</a:t>
+            </a:r>
+            <a:r>
+              <a:rPr lang="nl-BE" baseline="0" dirty="0" smtClean="0"/>
+              <a:t> moet je in het tweede geval meegeven wat ‘</a:t>
+            </a:r>
+            <a:r>
+              <a:rPr lang="nl-BE" baseline="0" dirty="0" err="1" smtClean="0"/>
+              <a:t>this</a:t>
+            </a:r>
+            <a:r>
+              <a:rPr lang="nl-BE" baseline="0" dirty="0" smtClean="0"/>
+              <a:t>’ zal betekenen in je </a:t>
+            </a:r>
+            <a:r>
+              <a:rPr lang="nl-BE" baseline="0" dirty="0" err="1" smtClean="0"/>
+              <a:t>function</a:t>
+            </a:r>
+            <a:r>
+              <a:rPr lang="nl-BE" baseline="0" dirty="0" smtClean="0"/>
+              <a:t>. Anders is ‘</a:t>
+            </a:r>
+            <a:r>
+              <a:rPr lang="nl-BE" baseline="0" dirty="0" err="1" smtClean="0"/>
+              <a:t>this</a:t>
+            </a:r>
+            <a:r>
+              <a:rPr lang="nl-BE" baseline="0" dirty="0" smtClean="0"/>
+              <a:t>’ het </a:t>
+            </a:r>
+            <a:r>
+              <a:rPr lang="nl-BE" baseline="0" dirty="0" err="1" smtClean="0"/>
+              <a:t>window</a:t>
+            </a:r>
+            <a:r>
+              <a:rPr lang="nl-BE" baseline="0" dirty="0" smtClean="0"/>
+              <a:t>-object.</a:t>
             </a:r>
             <a:endParaRPr lang="en-US" dirty="0"/>
           </a:p>
@@ -3725,7 +3949,7 @@
           <a:p>
             <a:fld id="{0DF56419-AC34-45D0-BAB8-5A4CB1E563BF}" type="slidenum">
               <a:rPr lang="en-US" smtClean="0"/>
-              <a:t>18</a:t>
+              <a:t>17</a:t>
             </a:fld>
             <a:endParaRPr lang="en-US"/>
           </a:p>
@@ -3734,7 +3958,7 @@
     </p:spTree>
     <p:extLst>
       <p:ext uri="{BB962C8B-B14F-4D97-AF65-F5344CB8AC3E}">
-        <p14:creationId xmlns:p14="http://schemas.microsoft.com/office/powerpoint/2010/main" val="4207004726"/>
+        <p14:creationId xmlns:p14="http://schemas.microsoft.com/office/powerpoint/2010/main" val="1767491647"/>
       </p:ext>
     </p:extLst>
   </p:cSld>
@@ -3789,12 +4013,46 @@
           <a:lstStyle/>
           <a:p>
             <a:r>
-              <a:rPr lang="nl-BE" dirty="0" smtClean="0"/>
-              <a:t>Zie twee </a:t>
-            </a:r>
-            <a:r>
-              <a:rPr lang="nl-BE" dirty="0" err="1" smtClean="0"/>
-              <a:t>custom</a:t>
+              <a:rPr lang="nl-BE" dirty="0" err="1" smtClean="0"/>
+              <a:t>Css</a:t>
+            </a:r>
+            <a:r>
+              <a:rPr lang="nl-BE" dirty="0" smtClean="0"/>
+              <a:t>: </a:t>
+            </a:r>
+            <a:r>
+              <a:rPr lang="nl-BE" dirty="0" err="1" smtClean="0"/>
+              <a:t>add</a:t>
+            </a:r>
+            <a:r>
+              <a:rPr lang="nl-BE" dirty="0" smtClean="0"/>
+              <a:t> or </a:t>
+            </a:r>
+            <a:r>
+              <a:rPr lang="nl-BE" dirty="0" err="1" smtClean="0"/>
+              <a:t>remove</a:t>
+            </a:r>
+            <a:r>
+              <a:rPr lang="nl-BE" dirty="0" smtClean="0"/>
+              <a:t> a class</a:t>
+            </a:r>
+          </a:p>
+          <a:p>
+            <a:r>
+              <a:rPr lang="nl-BE" dirty="0" smtClean="0"/>
+              <a:t>Style: </a:t>
+            </a:r>
+            <a:r>
+              <a:rPr lang="nl-BE" dirty="0" err="1" smtClean="0"/>
+              <a:t>add</a:t>
+            </a:r>
+            <a:r>
+              <a:rPr lang="nl-BE" dirty="0" smtClean="0"/>
+              <a:t> or </a:t>
+            </a:r>
+            <a:r>
+              <a:rPr lang="nl-BE" dirty="0" err="1" smtClean="0"/>
+              <a:t>remove</a:t>
             </a:r>
             <a:r>
               <a:rPr lang="nl-BE" dirty="0" smtClean="0"/>
@@ -3802,19 +4060,23 @@
             </a:r>
             <a:r>
               <a:rPr lang="nl-BE" dirty="0" err="1" smtClean="0"/>
-              <a:t>bindings</a:t>
-            </a:r>
-            <a:r>
-              <a:rPr lang="nl-BE" baseline="0" dirty="0" smtClean="0"/>
-              <a:t> in demo project: </a:t>
-            </a:r>
-            <a:r>
-              <a:rPr lang="nl-BE" baseline="0" dirty="0" err="1" smtClean="0"/>
-              <a:t>collapsibleSection</a:t>
-            </a:r>
-            <a:r>
-              <a:rPr lang="nl-BE" baseline="0" dirty="0" smtClean="0"/>
-              <a:t> en rating</a:t>
+              <a:t>certain</a:t>
+            </a:r>
+            <a:r>
+              <a:rPr lang="nl-BE" dirty="0" smtClean="0"/>
+              <a:t> </a:t>
+            </a:r>
+            <a:r>
+              <a:rPr lang="nl-BE" dirty="0" err="1" smtClean="0"/>
+              <a:t>css</a:t>
+            </a:r>
+            <a:r>
+              <a:rPr lang="nl-BE" dirty="0" smtClean="0"/>
+              <a:t> </a:t>
+            </a:r>
+            <a:r>
+              <a:rPr lang="nl-BE" dirty="0" err="1" smtClean="0"/>
+              <a:t>attributes</a:t>
             </a:r>
             <a:endParaRPr lang="en-US" dirty="0"/>
           </a:p>
@@ -3837,7 +4099,7 @@
           <a:p>
             <a:fld id="{0DF56419-AC34-45D0-BAB8-5A4CB1E563BF}" type="slidenum">
               <a:rPr lang="en-US" smtClean="0"/>
-              <a:t>19</a:t>
+              <a:t>18</a:t>
             </a:fld>
             <a:endParaRPr lang="en-US"/>
           </a:p>
@@ -3846,7 +4108,7 @@
     </p:spTree>
     <p:extLst>
       <p:ext uri="{BB962C8B-B14F-4D97-AF65-F5344CB8AC3E}">
-        <p14:creationId xmlns:p14="http://schemas.microsoft.com/office/powerpoint/2010/main" val="3706878361"/>
+        <p14:creationId xmlns:p14="http://schemas.microsoft.com/office/powerpoint/2010/main" val="4207004726"/>
       </p:ext>
     </p:extLst>
   </p:cSld>
@@ -6840,7 +7102,7 @@
           <a:p>
             <a:r>
               <a:rPr lang="nl-BE" dirty="0" err="1" smtClean="0"/>
-              <a:t>Shims</a:t>
+              <a:t>Shim</a:t>
             </a:r>
             <a:endParaRPr lang="en-US" dirty="0"/>
           </a:p>
@@ -10700,6 +10962,120 @@
     <p:extLst>
       <p:ext uri="{BB962C8B-B14F-4D97-AF65-F5344CB8AC3E}">
         <p14:creationId xmlns:p14="http://schemas.microsoft.com/office/powerpoint/2010/main" val="2063716655"/>
+      </p:ext>
+    </p:extLst>
+  </p:cSld>
+  <p:clrMapOvr>
+    <a:masterClrMapping/>
+  </p:clrMapOvr>
+</p:sld>
+</file>
+
+<file path=ppt/slides/slide37.xml><?xml version="1.0" encoding="utf-8"?>
+<p:sld xmlns:a="http://schemas.openxmlformats.org/drawingml/2006/main" xmlns:r="http://schemas.openxmlformats.org/officeDocument/2006/relationships" xmlns:p="http://schemas.openxmlformats.org/presentationml/2006/main">
+  <p:cSld>
+    <p:spTree>
+      <p:nvGrpSpPr>
+        <p:cNvPr id="1" name=""/>
+        <p:cNvGrpSpPr/>
+        <p:nvPr/>
+      </p:nvGrpSpPr>
+      <p:grpSpPr>
+        <a:xfrm>
+          <a:off x="0" y="0"/>
+          <a:ext cx="0" cy="0"/>
+          <a:chOff x="0" y="0"/>
+          <a:chExt cx="0" cy="0"/>
+        </a:xfrm>
+      </p:grpSpPr>
+      <p:sp>
+        <p:nvSpPr>
+          <p:cNvPr id="2" name="Title 1"/>
+          <p:cNvSpPr>
+            <a:spLocks noGrp="1"/>
+          </p:cNvSpPr>
+          <p:nvPr>
+            <p:ph type="title"/>
+          </p:nvPr>
+        </p:nvSpPr>
+        <p:spPr/>
+        <p:txBody>
+          <a:bodyPr/>
+          <a:lstStyle/>
+          <a:p>
+            <a:r>
+              <a:rPr lang="nl-BE" dirty="0" smtClean="0"/>
+              <a:t>En verder</a:t>
+            </a:r>
+            <a:endParaRPr lang="en-US" dirty="0"/>
+          </a:p>
+        </p:txBody>
+      </p:sp>
+      <p:sp>
+        <p:nvSpPr>
+          <p:cNvPr id="3" name="Content Placeholder 2"/>
+          <p:cNvSpPr>
+            <a:spLocks noGrp="1"/>
+          </p:cNvSpPr>
+          <p:nvPr>
+            <p:ph idx="1"/>
+          </p:nvPr>
+        </p:nvSpPr>
+        <p:spPr/>
+        <p:txBody>
+          <a:bodyPr/>
+          <a:lstStyle/>
+          <a:p>
+            <a:r>
+              <a:rPr lang="en-US" dirty="0" smtClean="0">
+                <a:hlinkClick r:id="rId3"/>
+              </a:rPr>
+              <a:t>http://jquery.com/</a:t>
+            </a:r>
+            <a:endParaRPr lang="en-US" dirty="0" smtClean="0"/>
+          </a:p>
+          <a:p>
+            <a:r>
+              <a:rPr lang="en-US" dirty="0" smtClean="0">
+                <a:hlinkClick r:id="rId4"/>
+              </a:rPr>
+              <a:t>http://requirejs.org/</a:t>
+            </a:r>
+            <a:endParaRPr lang="en-US" dirty="0" smtClean="0"/>
+          </a:p>
+          <a:p>
+            <a:r>
+              <a:rPr lang="en-US" dirty="0" smtClean="0">
+                <a:hlinkClick r:id="rId5"/>
+              </a:rPr>
+              <a:t>http://knockoutjs.com/</a:t>
+            </a:r>
+            <a:endParaRPr lang="en-US" dirty="0" smtClean="0"/>
+          </a:p>
+          <a:p>
+            <a:endParaRPr lang="nl-BE" dirty="0"/>
+          </a:p>
+          <a:p>
+            <a:r>
+              <a:rPr lang="en-US" dirty="0" smtClean="0">
+                <a:hlinkClick r:id="rId6"/>
+              </a:rPr>
+              <a:t>http://durandaljs.com/</a:t>
+            </a:r>
+            <a:endParaRPr lang="en-US" dirty="0" smtClean="0"/>
+          </a:p>
+          <a:p>
+            <a:endParaRPr lang="en-US" dirty="0" smtClean="0"/>
+          </a:p>
+          <a:p>
+            <a:endParaRPr lang="en-US" dirty="0"/>
+          </a:p>
+        </p:txBody>
+      </p:sp>
+    </p:spTree>
+    <p:extLst>
+      <p:ext uri="{BB962C8B-B14F-4D97-AF65-F5344CB8AC3E}">
+        <p14:creationId xmlns:p14="http://schemas.microsoft.com/office/powerpoint/2010/main" val="2171222446"/>
       </p:ext>
     </p:extLst>
   </p:cSld>

--- a/Durandal T4T.pptx
+++ b/Durandal T4T.pptx
@@ -143,6 +143,11 @@
       </a:defRPr>
     </a:lvl9pPr>
   </p:defaultTextStyle>
+  <p:extLst>
+    <p:ext uri="{EFAFB233-063F-42B5-8137-9DF3F51BA10A}">
+      <p15:sldGuideLst xmlns:p15="http://schemas.microsoft.com/office/powerpoint/2012/main"/>
+    </p:ext>
+  </p:extLst>
 </p:presentation>
 </file>
 
@@ -228,7 +233,7 @@
           <a:p>
             <a:fld id="{EBE271DF-8D61-44CE-B4E2-2B321E966638}" type="datetimeFigureOut">
               <a:rPr lang="en-US" smtClean="0"/>
-              <a:t>1/20/2014</a:t>
+              <a:t>2/4/2014</a:t>
             </a:fld>
             <a:endParaRPr lang="en-US"/>
           </a:p>
@@ -4014,71 +4019,176 @@
           <a:p>
             <a:r>
               <a:rPr lang="nl-BE" dirty="0" err="1" smtClean="0"/>
-              <a:t>Css</a:t>
+              <a:t>css</a:t>
             </a:r>
             <a:r>
               <a:rPr lang="nl-BE" dirty="0" smtClean="0"/>
               <a:t>: </a:t>
             </a:r>
             <a:r>
-              <a:rPr lang="nl-BE" dirty="0" err="1" smtClean="0"/>
-              <a:t>add</a:t>
-            </a:r>
-            <a:r>
-              <a:rPr lang="nl-BE" dirty="0" smtClean="0"/>
-              <a:t> or </a:t>
-            </a:r>
-            <a:r>
-              <a:rPr lang="nl-BE" dirty="0" err="1" smtClean="0"/>
-              <a:t>remove</a:t>
-            </a:r>
-            <a:r>
-              <a:rPr lang="nl-BE" dirty="0" smtClean="0"/>
-              <a:t> a class</a:t>
-            </a:r>
-          </a:p>
-          <a:p>
-            <a:r>
-              <a:rPr lang="nl-BE" dirty="0" smtClean="0"/>
-              <a:t>Style: </a:t>
-            </a:r>
-            <a:r>
-              <a:rPr lang="nl-BE" dirty="0" err="1" smtClean="0"/>
-              <a:t>add</a:t>
-            </a:r>
-            <a:r>
-              <a:rPr lang="nl-BE" dirty="0" smtClean="0"/>
-              <a:t> or </a:t>
-            </a:r>
-            <a:r>
-              <a:rPr lang="nl-BE" dirty="0" err="1" smtClean="0"/>
-              <a:t>remove</a:t>
-            </a:r>
-            <a:r>
-              <a:rPr lang="nl-BE" dirty="0" smtClean="0"/>
+              <a:rPr lang="nl-BE" dirty="0" smtClean="0"/>
+              <a:t>een class toevoegen/verwijderen</a:t>
+            </a:r>
+          </a:p>
+          <a:p>
+            <a:r>
+              <a:rPr lang="nl-BE" dirty="0" err="1" smtClean="0"/>
+              <a:t>style</a:t>
+            </a:r>
+            <a:r>
+              <a:rPr lang="nl-BE" dirty="0" smtClean="0"/>
+              <a:t>: </a:t>
+            </a:r>
+            <a:r>
+              <a:rPr lang="nl-BE" dirty="0" smtClean="0"/>
+              <a:t>bepaalde </a:t>
+            </a:r>
+            <a:r>
+              <a:rPr lang="nl-BE" dirty="0" err="1" smtClean="0"/>
+              <a:t>css</a:t>
+            </a:r>
+            <a:r>
+              <a:rPr lang="nl-BE" dirty="0" smtClean="0"/>
+              <a:t> attributen</a:t>
+            </a:r>
+            <a:r>
+              <a:rPr lang="nl-BE" baseline="0" dirty="0" smtClean="0"/>
+              <a:t> toevoegen/verwijderen</a:t>
+            </a:r>
+          </a:p>
+          <a:p>
+            <a:r>
+              <a:rPr lang="nl-BE" dirty="0" err="1" smtClean="0"/>
+              <a:t>with</a:t>
+            </a:r>
+            <a:r>
+              <a:rPr lang="nl-BE" dirty="0" smtClean="0"/>
+              <a:t>: de context van de </a:t>
+            </a:r>
+            <a:r>
+              <a:rPr lang="nl-BE" dirty="0" err="1" smtClean="0"/>
+              <a:t>bindings</a:t>
+            </a:r>
+            <a:r>
+              <a:rPr lang="nl-BE" dirty="0" smtClean="0"/>
+              <a:t> in een element bepalen</a:t>
+            </a:r>
+            <a:r>
+              <a:rPr lang="nl-BE" baseline="0" dirty="0" smtClean="0"/>
+              <a:t> (indien je die wil doen verschillen van de huidige context)</a:t>
+            </a:r>
+          </a:p>
+          <a:p>
+            <a:r>
+              <a:rPr lang="nl-BE" baseline="0" dirty="0" smtClean="0"/>
+              <a:t>options: voor een select; kan gecombineerd worden met </a:t>
+            </a:r>
+            <a:r>
+              <a:rPr lang="nl-BE" baseline="0" dirty="0" err="1" smtClean="0"/>
+              <a:t>optionsText</a:t>
+            </a:r>
+            <a:r>
+              <a:rPr lang="nl-BE" baseline="0" dirty="0" smtClean="0"/>
+              <a:t>, </a:t>
+            </a:r>
+            <a:r>
+              <a:rPr lang="nl-BE" baseline="0" dirty="0" err="1" smtClean="0"/>
+              <a:t>optionsValue</a:t>
+            </a:r>
+            <a:r>
+              <a:rPr lang="nl-BE" baseline="0" dirty="0" smtClean="0"/>
+              <a:t> en </a:t>
+            </a:r>
+            <a:r>
+              <a:rPr lang="nl-BE" baseline="0" dirty="0" err="1" smtClean="0"/>
+              <a:t>optionsCaption</a:t>
+            </a:r>
+            <a:endParaRPr lang="nl-BE" baseline="0" dirty="0" smtClean="0"/>
+          </a:p>
+          <a:p>
+            <a:r>
+              <a:rPr lang="nl-BE" baseline="0" dirty="0" err="1" smtClean="0"/>
+              <a:t>selectedOptions</a:t>
+            </a:r>
+            <a:r>
+              <a:rPr lang="nl-BE" baseline="0" dirty="0" smtClean="0"/>
+              <a:t>: geselecteerde items in een </a:t>
+            </a:r>
+            <a:r>
+              <a:rPr lang="nl-BE" baseline="0" dirty="0" err="1" smtClean="0"/>
+              <a:t>multi</a:t>
+            </a:r>
+            <a:r>
+              <a:rPr lang="nl-BE" baseline="0" dirty="0" smtClean="0"/>
+              <a:t>-select</a:t>
+            </a:r>
+          </a:p>
+          <a:p>
+            <a:r>
+              <a:rPr lang="nl-BE" baseline="0" dirty="0" err="1" smtClean="0"/>
+              <a:t>uniqueName</a:t>
+            </a:r>
+            <a:r>
+              <a:rPr lang="nl-BE" baseline="0" dirty="0" smtClean="0"/>
+              <a:t>: zie documentatie, is zelden nodig (voor IE6, </a:t>
+            </a:r>
+            <a:r>
+              <a:rPr lang="nl-BE" baseline="0" dirty="0" err="1" smtClean="0"/>
+              <a:t>jQuery</a:t>
+            </a:r>
+            <a:r>
+              <a:rPr lang="nl-BE" baseline="0" dirty="0" smtClean="0"/>
               <a:t> </a:t>
             </a:r>
             <a:r>
-              <a:rPr lang="nl-BE" dirty="0" err="1" smtClean="0"/>
-              <a:t>certain</a:t>
-            </a:r>
-            <a:r>
-              <a:rPr lang="nl-BE" dirty="0" smtClean="0"/>
+              <a:rPr lang="nl-BE" baseline="0" dirty="0" err="1" smtClean="0"/>
+              <a:t>validation</a:t>
+            </a:r>
+            <a:r>
+              <a:rPr lang="nl-BE" baseline="0" dirty="0" smtClean="0"/>
+              <a:t>, e.a.)</a:t>
+            </a:r>
+          </a:p>
+          <a:p>
+            <a:r>
+              <a:rPr lang="nl-BE" baseline="0" dirty="0" smtClean="0"/>
+              <a:t>template:  om een template aan te duiden volgens </a:t>
+            </a:r>
+            <a:r>
+              <a:rPr lang="nl-BE" baseline="0" dirty="0" err="1" smtClean="0"/>
+              <a:t>jquery.tmpl</a:t>
+            </a:r>
+            <a:r>
+              <a:rPr lang="nl-BE" baseline="0" dirty="0" smtClean="0"/>
               <a:t> </a:t>
             </a:r>
             <a:r>
-              <a:rPr lang="nl-BE" dirty="0" err="1" smtClean="0"/>
-              <a:t>css</a:t>
-            </a:r>
-            <a:r>
-              <a:rPr lang="nl-BE" dirty="0" smtClean="0"/>
-              <a:t> </a:t>
-            </a:r>
-            <a:r>
-              <a:rPr lang="nl-BE" dirty="0" err="1" smtClean="0"/>
-              <a:t>attributes</a:t>
-            </a:r>
-            <a:endParaRPr lang="en-US" dirty="0"/>
+              <a:rPr lang="nl-BE" baseline="0" dirty="0" err="1" smtClean="0"/>
+              <a:t>plugin</a:t>
+            </a:r>
+            <a:r>
+              <a:rPr lang="nl-BE" baseline="0" dirty="0" smtClean="0"/>
+              <a:t> (script tag met type=‘</a:t>
+            </a:r>
+            <a:r>
+              <a:rPr lang="nl-BE" baseline="0" smtClean="0"/>
+              <a:t>text</a:t>
+            </a:r>
+            <a:r>
+              <a:rPr lang="nl-BE" baseline="0" dirty="0" smtClean="0"/>
+              <a:t>/html’) (zou je met </a:t>
+            </a:r>
+            <a:r>
+              <a:rPr lang="nl-BE" baseline="0" dirty="0" err="1" smtClean="0"/>
+              <a:t>Durandal</a:t>
+            </a:r>
+            <a:r>
+              <a:rPr lang="nl-BE" baseline="0" dirty="0" smtClean="0"/>
+              <a:t> niet direct nodig hebben).</a:t>
+            </a:r>
+          </a:p>
+          <a:p>
+            <a:endParaRPr lang="nl-BE" dirty="0" smtClean="0"/>
           </a:p>
         </p:txBody>
       </p:sp>
@@ -4249,7 +4359,7 @@
           <a:p>
             <a:fld id="{F3B17216-47DF-478C-B20B-BB0F0C651CF6}" type="datetimeFigureOut">
               <a:rPr lang="en-US" smtClean="0"/>
-              <a:t>1/20/2014</a:t>
+              <a:t>2/4/2014</a:t>
             </a:fld>
             <a:endParaRPr lang="en-US"/>
           </a:p>
@@ -4419,7 +4529,7 @@
           <a:p>
             <a:fld id="{F3B17216-47DF-478C-B20B-BB0F0C651CF6}" type="datetimeFigureOut">
               <a:rPr lang="en-US" smtClean="0"/>
-              <a:t>1/20/2014</a:t>
+              <a:t>2/4/2014</a:t>
             </a:fld>
             <a:endParaRPr lang="en-US"/>
           </a:p>
@@ -4599,7 +4709,7 @@
           <a:p>
             <a:fld id="{F3B17216-47DF-478C-B20B-BB0F0C651CF6}" type="datetimeFigureOut">
               <a:rPr lang="en-US" smtClean="0"/>
-              <a:t>1/20/2014</a:t>
+              <a:t>2/4/2014</a:t>
             </a:fld>
             <a:endParaRPr lang="en-US"/>
           </a:p>
@@ -4769,7 +4879,7 @@
           <a:p>
             <a:fld id="{F3B17216-47DF-478C-B20B-BB0F0C651CF6}" type="datetimeFigureOut">
               <a:rPr lang="en-US" smtClean="0"/>
-              <a:t>1/20/2014</a:t>
+              <a:t>2/4/2014</a:t>
             </a:fld>
             <a:endParaRPr lang="en-US"/>
           </a:p>
@@ -5015,7 +5125,7 @@
           <a:p>
             <a:fld id="{F3B17216-47DF-478C-B20B-BB0F0C651CF6}" type="datetimeFigureOut">
               <a:rPr lang="en-US" smtClean="0"/>
-              <a:t>1/20/2014</a:t>
+              <a:t>2/4/2014</a:t>
             </a:fld>
             <a:endParaRPr lang="en-US"/>
           </a:p>
@@ -5247,7 +5357,7 @@
           <a:p>
             <a:fld id="{F3B17216-47DF-478C-B20B-BB0F0C651CF6}" type="datetimeFigureOut">
               <a:rPr lang="en-US" smtClean="0"/>
-              <a:t>1/20/2014</a:t>
+              <a:t>2/4/2014</a:t>
             </a:fld>
             <a:endParaRPr lang="en-US"/>
           </a:p>
@@ -5614,7 +5724,7 @@
           <a:p>
             <a:fld id="{F3B17216-47DF-478C-B20B-BB0F0C651CF6}" type="datetimeFigureOut">
               <a:rPr lang="en-US" smtClean="0"/>
-              <a:t>1/20/2014</a:t>
+              <a:t>2/4/2014</a:t>
             </a:fld>
             <a:endParaRPr lang="en-US"/>
           </a:p>
@@ -5732,7 +5842,7 @@
           <a:p>
             <a:fld id="{F3B17216-47DF-478C-B20B-BB0F0C651CF6}" type="datetimeFigureOut">
               <a:rPr lang="en-US" smtClean="0"/>
-              <a:t>1/20/2014</a:t>
+              <a:t>2/4/2014</a:t>
             </a:fld>
             <a:endParaRPr lang="en-US"/>
           </a:p>
@@ -5827,7 +5937,7 @@
           <a:p>
             <a:fld id="{F3B17216-47DF-478C-B20B-BB0F0C651CF6}" type="datetimeFigureOut">
               <a:rPr lang="en-US" smtClean="0"/>
-              <a:t>1/20/2014</a:t>
+              <a:t>2/4/2014</a:t>
             </a:fld>
             <a:endParaRPr lang="en-US"/>
           </a:p>
@@ -6104,7 +6214,7 @@
           <a:p>
             <a:fld id="{F3B17216-47DF-478C-B20B-BB0F0C651CF6}" type="datetimeFigureOut">
               <a:rPr lang="en-US" smtClean="0"/>
-              <a:t>1/20/2014</a:t>
+              <a:t>2/4/2014</a:t>
             </a:fld>
             <a:endParaRPr lang="en-US"/>
           </a:p>
@@ -6357,7 +6467,7 @@
           <a:p>
             <a:fld id="{F3B17216-47DF-478C-B20B-BB0F0C651CF6}" type="datetimeFigureOut">
               <a:rPr lang="en-US" smtClean="0"/>
-              <a:t>1/20/2014</a:t>
+              <a:t>2/4/2014</a:t>
             </a:fld>
             <a:endParaRPr lang="en-US"/>
           </a:p>
@@ -6570,7 +6680,7 @@
           <a:p>
             <a:fld id="{F3B17216-47DF-478C-B20B-BB0F0C651CF6}" type="datetimeFigureOut">
               <a:rPr lang="en-US" smtClean="0"/>
-              <a:t>1/20/2014</a:t>
+              <a:t>2/4/2014</a:t>
             </a:fld>
             <a:endParaRPr lang="en-US"/>
           </a:p>
@@ -10779,7 +10889,6 @@
               <a:rPr lang="nl-BE" dirty="0" smtClean="0"/>
               <a:t>Child routers</a:t>
             </a:r>
-            <a:endParaRPr lang="nl-BE" dirty="0" smtClean="0"/>
           </a:p>
           <a:p>
             <a:r>
@@ -10951,7 +11060,6 @@
               <a:rPr lang="nl-BE" dirty="0" smtClean="0"/>
               <a:t>, Node-Webkit, Windows 8</a:t>
             </a:r>
-            <a:endParaRPr lang="nl-BE" dirty="0" smtClean="0"/>
           </a:p>
           <a:p>
             <a:endParaRPr lang="nl-BE" dirty="0" smtClean="0"/>

--- a/Durandal T4T.pptx
+++ b/Durandal T4T.pptx
@@ -2,49 +2,53 @@
 <file path=ppt/presentation.xml><?xml version="1.0" encoding="utf-8"?>
 <p:presentation xmlns:a="http://schemas.openxmlformats.org/drawingml/2006/main" xmlns:r="http://schemas.openxmlformats.org/officeDocument/2006/relationships" xmlns:p="http://schemas.openxmlformats.org/presentationml/2006/main" saveSubsetFonts="1">
   <p:sldMasterIdLst>
-    <p:sldMasterId id="2147483648" r:id="rId1"/>
+    <p:sldMasterId id="2147483660" r:id="rId1"/>
+    <p:sldMasterId id="2147483672" r:id="rId2"/>
   </p:sldMasterIdLst>
   <p:notesMasterIdLst>
-    <p:notesMasterId r:id="rId39"/>
+    <p:notesMasterId r:id="rId43"/>
   </p:notesMasterIdLst>
   <p:sldIdLst>
-    <p:sldId id="256" r:id="rId2"/>
-    <p:sldId id="257" r:id="rId3"/>
-    <p:sldId id="258" r:id="rId4"/>
-    <p:sldId id="259" r:id="rId5"/>
-    <p:sldId id="265" r:id="rId6"/>
-    <p:sldId id="260" r:id="rId7"/>
-    <p:sldId id="261" r:id="rId8"/>
-    <p:sldId id="262" r:id="rId9"/>
-    <p:sldId id="263" r:id="rId10"/>
-    <p:sldId id="274" r:id="rId11"/>
-    <p:sldId id="264" r:id="rId12"/>
-    <p:sldId id="266" r:id="rId13"/>
-    <p:sldId id="267" r:id="rId14"/>
-    <p:sldId id="268" r:id="rId15"/>
-    <p:sldId id="269" r:id="rId16"/>
-    <p:sldId id="270" r:id="rId17"/>
-    <p:sldId id="272" r:id="rId18"/>
-    <p:sldId id="271" r:id="rId19"/>
-    <p:sldId id="273" r:id="rId20"/>
-    <p:sldId id="275" r:id="rId21"/>
-    <p:sldId id="276" r:id="rId22"/>
-    <p:sldId id="277" r:id="rId23"/>
-    <p:sldId id="278" r:id="rId24"/>
-    <p:sldId id="279" r:id="rId25"/>
-    <p:sldId id="280" r:id="rId26"/>
-    <p:sldId id="281" r:id="rId27"/>
-    <p:sldId id="282" r:id="rId28"/>
-    <p:sldId id="283" r:id="rId29"/>
-    <p:sldId id="284" r:id="rId30"/>
-    <p:sldId id="285" r:id="rId31"/>
-    <p:sldId id="287" r:id="rId32"/>
-    <p:sldId id="288" r:id="rId33"/>
-    <p:sldId id="286" r:id="rId34"/>
-    <p:sldId id="289" r:id="rId35"/>
-    <p:sldId id="291" r:id="rId36"/>
-    <p:sldId id="290" r:id="rId37"/>
-    <p:sldId id="292" r:id="rId38"/>
+    <p:sldId id="256" r:id="rId3"/>
+    <p:sldId id="257" r:id="rId4"/>
+    <p:sldId id="258" r:id="rId5"/>
+    <p:sldId id="259" r:id="rId6"/>
+    <p:sldId id="265" r:id="rId7"/>
+    <p:sldId id="260" r:id="rId8"/>
+    <p:sldId id="261" r:id="rId9"/>
+    <p:sldId id="262" r:id="rId10"/>
+    <p:sldId id="263" r:id="rId11"/>
+    <p:sldId id="274" r:id="rId12"/>
+    <p:sldId id="264" r:id="rId13"/>
+    <p:sldId id="266" r:id="rId14"/>
+    <p:sldId id="267" r:id="rId15"/>
+    <p:sldId id="268" r:id="rId16"/>
+    <p:sldId id="269" r:id="rId17"/>
+    <p:sldId id="270" r:id="rId18"/>
+    <p:sldId id="272" r:id="rId19"/>
+    <p:sldId id="271" r:id="rId20"/>
+    <p:sldId id="273" r:id="rId21"/>
+    <p:sldId id="294" r:id="rId22"/>
+    <p:sldId id="275" r:id="rId23"/>
+    <p:sldId id="295" r:id="rId24"/>
+    <p:sldId id="276" r:id="rId25"/>
+    <p:sldId id="277" r:id="rId26"/>
+    <p:sldId id="278" r:id="rId27"/>
+    <p:sldId id="279" r:id="rId28"/>
+    <p:sldId id="280" r:id="rId29"/>
+    <p:sldId id="281" r:id="rId30"/>
+    <p:sldId id="282" r:id="rId31"/>
+    <p:sldId id="283" r:id="rId32"/>
+    <p:sldId id="284" r:id="rId33"/>
+    <p:sldId id="285" r:id="rId34"/>
+    <p:sldId id="287" r:id="rId35"/>
+    <p:sldId id="288" r:id="rId36"/>
+    <p:sldId id="286" r:id="rId37"/>
+    <p:sldId id="289" r:id="rId38"/>
+    <p:sldId id="291" r:id="rId39"/>
+    <p:sldId id="290" r:id="rId40"/>
+    <p:sldId id="292" r:id="rId41"/>
+    <p:sldId id="293" r:id="rId42"/>
   </p:sldIdLst>
   <p:sldSz cx="12192000" cy="6858000"/>
   <p:notesSz cx="6858000" cy="9144000"/>
@@ -702,7 +706,53 @@
             </a:r>
             <a:r>
               <a:rPr lang="nl-BE" baseline="0" dirty="0" smtClean="0"/>
-              <a:t> en rating</a:t>
+              <a:t> en </a:t>
+            </a:r>
+            <a:r>
+              <a:rPr lang="nl-BE" baseline="0" dirty="0" smtClean="0"/>
+              <a:t>rating</a:t>
+            </a:r>
+          </a:p>
+          <a:p>
+            <a:r>
+              <a:rPr lang="nl-BE" baseline="0" dirty="0" err="1" smtClean="0"/>
+              <a:t>collapsibleSection</a:t>
+            </a:r>
+            <a:r>
+              <a:rPr lang="nl-BE" baseline="0" dirty="0" smtClean="0"/>
+              <a:t> </a:t>
+            </a:r>
+            <a:r>
+              <a:rPr lang="nl-BE" baseline="0" dirty="0" err="1" smtClean="0"/>
+              <a:t>bindings</a:t>
+            </a:r>
+            <a:r>
+              <a:rPr lang="nl-BE" baseline="0" dirty="0" smtClean="0"/>
+              <a:t> in </a:t>
+            </a:r>
+            <a:r>
+              <a:rPr lang="nl-BE" baseline="0" dirty="0" err="1" smtClean="0"/>
+              <a:t>settings</a:t>
+            </a:r>
+            <a:r>
+              <a:rPr lang="nl-BE" baseline="0" dirty="0" smtClean="0"/>
+              <a:t> toont aan waarom je </a:t>
+            </a:r>
+            <a:r>
+              <a:rPr lang="nl-BE" baseline="0" dirty="0" err="1" smtClean="0"/>
+              <a:t>unwrapObservable</a:t>
+            </a:r>
+            <a:r>
+              <a:rPr lang="nl-BE" baseline="0" dirty="0" smtClean="0"/>
+              <a:t> moet gebruiken. Kan nl een </a:t>
+            </a:r>
+            <a:r>
+              <a:rPr lang="nl-BE" baseline="0" dirty="0" err="1" smtClean="0"/>
+              <a:t>observable</a:t>
+            </a:r>
+            <a:r>
+              <a:rPr lang="nl-BE" baseline="0" dirty="0" smtClean="0"/>
+              <a:t> zijn, of gewoon een object</a:t>
             </a:r>
             <a:endParaRPr lang="en-US" dirty="0"/>
           </a:p>
@@ -789,76 +839,109 @@
           <a:lstStyle/>
           <a:p>
             <a:r>
-              <a:rPr lang="nl-BE" dirty="0" err="1" smtClean="0"/>
-              <a:t>toJS</a:t>
-            </a:r>
-            <a:r>
-              <a:rPr lang="nl-BE" dirty="0" smtClean="0"/>
-              <a:t>: je object heeft geen </a:t>
-            </a:r>
-            <a:r>
-              <a:rPr lang="nl-BE" dirty="0" err="1" smtClean="0"/>
-              <a:t>observables</a:t>
-            </a:r>
-            <a:r>
-              <a:rPr lang="nl-BE" baseline="0" dirty="0" smtClean="0"/>
-              <a:t> meer, het is een normaal JS object</a:t>
-            </a:r>
-          </a:p>
-          <a:p>
+              <a:rPr lang="nl-BE" dirty="0" smtClean="0"/>
+              <a:t>$data: binnen een </a:t>
+            </a:r>
+            <a:r>
+              <a:rPr lang="nl-BE" dirty="0" err="1" smtClean="0"/>
+              <a:t>foreach</a:t>
+            </a:r>
+            <a:r>
+              <a:rPr lang="nl-BE" dirty="0" smtClean="0"/>
+              <a:t>,</a:t>
+            </a:r>
+            <a:r>
+              <a:rPr lang="nl-BE" baseline="0" dirty="0" smtClean="0"/>
+              <a:t> </a:t>
+            </a:r>
+            <a:r>
+              <a:rPr lang="nl-BE" dirty="0" smtClean="0"/>
+              <a:t>het </a:t>
+            </a:r>
+            <a:r>
+              <a:rPr lang="nl-BE" dirty="0" err="1" smtClean="0"/>
+              <a:t>gebinde</a:t>
+            </a:r>
+            <a:r>
+              <a:rPr lang="nl-BE" baseline="0" dirty="0" smtClean="0"/>
+              <a:t> object zelf </a:t>
+            </a:r>
             <a:r>
               <a:rPr lang="nl-BE" baseline="0" dirty="0" err="1" smtClean="0"/>
-              <a:t>toJSON</a:t>
-            </a:r>
-            <a:r>
-              <a:rPr lang="nl-BE" baseline="0" dirty="0" smtClean="0"/>
-              <a:t>: doet intern eerst een call naar </a:t>
+              <a:t>ipv</a:t>
+            </a:r>
+            <a:r>
+              <a:rPr lang="nl-BE" baseline="0" dirty="0" smtClean="0"/>
+              <a:t> één van z’n </a:t>
             </a:r>
             <a:r>
               <a:rPr lang="nl-BE" baseline="0" dirty="0" err="1" smtClean="0"/>
-              <a:t>toJS</a:t>
-            </a:r>
-            <a:r>
-              <a:rPr lang="nl-BE" baseline="0" dirty="0" smtClean="0"/>
-              <a:t>, </a:t>
+              <a:t>properties</a:t>
+            </a:r>
+            <a:endParaRPr lang="nl-BE" baseline="0" dirty="0" smtClean="0"/>
+          </a:p>
+          <a:p>
+            <a:r>
+              <a:rPr lang="nl-BE" baseline="0" dirty="0" smtClean="0"/>
+              <a:t>$</a:t>
             </a:r>
             <a:r>
               <a:rPr lang="nl-BE" baseline="0" dirty="0" err="1" smtClean="0"/>
-              <a:t>serializeert</a:t>
-            </a:r>
-            <a:r>
-              <a:rPr lang="nl-BE" baseline="0" dirty="0" smtClean="0"/>
-              <a:t> dan naar een JSON string</a:t>
-            </a:r>
-          </a:p>
-          <a:p>
-            <a:r>
-              <a:rPr lang="nl-BE" baseline="0" dirty="0" smtClean="0"/>
-              <a:t>Alle members worden geëvalueerd, ook </a:t>
+              <a:t>parent</a:t>
+            </a:r>
+            <a:r>
+              <a:rPr lang="nl-BE" baseline="0" dirty="0" smtClean="0"/>
+              <a:t>: bij geneste </a:t>
             </a:r>
             <a:r>
               <a:rPr lang="nl-BE" baseline="0" dirty="0" err="1" smtClean="0"/>
-              <a:t>computed</a:t>
-            </a:r>
-            <a:r>
-              <a:rPr lang="nl-BE" baseline="0" dirty="0" smtClean="0"/>
-              <a:t> </a:t>
+              <a:t>bindings</a:t>
+            </a:r>
+            <a:r>
+              <a:rPr lang="nl-BE" baseline="0" dirty="0" smtClean="0"/>
+              <a:t>, terug omhoog gaan in de hiërarchie</a:t>
+            </a:r>
+          </a:p>
+          <a:p>
+            <a:r>
+              <a:rPr lang="nl-BE" baseline="0" dirty="0" smtClean="0"/>
+              <a:t>$</a:t>
             </a:r>
             <a:r>
               <a:rPr lang="nl-BE" baseline="0" dirty="0" err="1" smtClean="0"/>
-              <a:t>observables</a:t>
-            </a:r>
-            <a:r>
-              <a:rPr lang="nl-BE" baseline="0" dirty="0" smtClean="0"/>
-              <a:t>, non-</a:t>
+              <a:t>parents</a:t>
+            </a:r>
+            <a:r>
+              <a:rPr lang="nl-BE" baseline="0" dirty="0" smtClean="0"/>
+              <a:t>: een array, waarbij elk volgend element de </a:t>
             </a:r>
             <a:r>
               <a:rPr lang="nl-BE" baseline="0" dirty="0" err="1" smtClean="0"/>
-              <a:t>observables</a:t>
-            </a:r>
-            <a:r>
-              <a:rPr lang="nl-BE" baseline="0" dirty="0" smtClean="0"/>
-              <a:t>, </a:t>
+              <a:t>parent</a:t>
+            </a:r>
+            <a:r>
+              <a:rPr lang="nl-BE" baseline="0" dirty="0" smtClean="0"/>
+              <a:t> is van het vorige (bv $</a:t>
+            </a:r>
+            <a:r>
+              <a:rPr lang="nl-BE" baseline="0" dirty="0" err="1" smtClean="0"/>
+              <a:t>parents</a:t>
+            </a:r>
+            <a:r>
+              <a:rPr lang="nl-BE" baseline="0" dirty="0" smtClean="0"/>
+              <a:t>[2] is de ‘overgrootvader’)</a:t>
+            </a:r>
+          </a:p>
+          <a:p>
+            <a:r>
+              <a:rPr lang="nl-BE" baseline="0" dirty="0" smtClean="0"/>
+              <a:t>$root: het bovenste object in de hiërarchie</a:t>
+            </a:r>
+          </a:p>
+          <a:p>
+            <a:r>
+              <a:rPr lang="nl-BE" baseline="0" dirty="0" smtClean="0"/>
+              <a:t>$index: de index van een item in een array (is een </a:t>
             </a:r>
             <a:r>
               <a:rPr lang="nl-BE" baseline="0" dirty="0" err="1" smtClean="0"/>
@@ -866,23 +949,7 @@
             </a:r>
             <a:r>
               <a:rPr lang="nl-BE" baseline="0" dirty="0" smtClean="0"/>
-              <a:t> arrays, </a:t>
-            </a:r>
-            <a:r>
-              <a:rPr lang="nl-BE" baseline="0" dirty="0" err="1" smtClean="0"/>
-              <a:t>child</a:t>
-            </a:r>
-            <a:r>
-              <a:rPr lang="nl-BE" baseline="0" dirty="0" smtClean="0"/>
-              <a:t> </a:t>
-            </a:r>
-            <a:r>
-              <a:rPr lang="nl-BE" baseline="0" dirty="0" err="1" smtClean="0"/>
-              <a:t>viewmodels</a:t>
-            </a:r>
-            <a:r>
-              <a:rPr lang="nl-BE" baseline="0" dirty="0" smtClean="0"/>
-              <a:t>, enz.</a:t>
+              <a:t>, dus verandert mee)</a:t>
             </a:r>
             <a:endParaRPr lang="en-US" dirty="0"/>
           </a:p>
@@ -914,7 +981,7 @@
     </p:spTree>
     <p:extLst>
       <p:ext uri="{BB962C8B-B14F-4D97-AF65-F5344CB8AC3E}">
-        <p14:creationId xmlns:p14="http://schemas.microsoft.com/office/powerpoint/2010/main" val="2104542335"/>
+        <p14:creationId xmlns:p14="http://schemas.microsoft.com/office/powerpoint/2010/main" val="347485044"/>
       </p:ext>
     </p:extLst>
   </p:cSld>
@@ -970,23 +1037,99 @@
           <a:p>
             <a:r>
               <a:rPr lang="nl-BE" dirty="0" err="1" smtClean="0"/>
-              <a:t>Id</a:t>
-            </a:r>
-            <a:r>
-              <a:rPr lang="nl-BE" dirty="0" smtClean="0"/>
-              <a:t> is afgeleid</a:t>
-            </a:r>
-            <a:r>
-              <a:rPr lang="nl-BE" baseline="0" dirty="0" smtClean="0"/>
-              <a:t> van pad relatief t.o.v. </a:t>
-            </a:r>
+              <a:t>toJS</a:t>
+            </a:r>
+            <a:r>
+              <a:rPr lang="nl-BE" dirty="0" smtClean="0"/>
+              <a:t>: je object heeft geen </a:t>
+            </a:r>
+            <a:r>
+              <a:rPr lang="nl-BE" dirty="0" err="1" smtClean="0"/>
+              <a:t>observables</a:t>
+            </a:r>
+            <a:r>
+              <a:rPr lang="nl-BE" baseline="0" dirty="0" smtClean="0"/>
+              <a:t> meer, het is een normaal JS object</a:t>
+            </a:r>
+          </a:p>
+          <a:p>
             <a:r>
               <a:rPr lang="nl-BE" baseline="0" dirty="0" err="1" smtClean="0"/>
-              <a:t>baseUrl</a:t>
-            </a:r>
-            <a:r>
-              <a:rPr lang="nl-BE" baseline="0" dirty="0" smtClean="0"/>
-              <a:t> (normaal locatie van main.js)</a:t>
+              <a:t>toJSON</a:t>
+            </a:r>
+            <a:r>
+              <a:rPr lang="nl-BE" baseline="0" dirty="0" smtClean="0"/>
+              <a:t>: doet intern eerst een call naar </a:t>
+            </a:r>
+            <a:r>
+              <a:rPr lang="nl-BE" baseline="0" dirty="0" err="1" smtClean="0"/>
+              <a:t>toJS</a:t>
+            </a:r>
+            <a:r>
+              <a:rPr lang="nl-BE" baseline="0" dirty="0" smtClean="0"/>
+              <a:t>, </a:t>
+            </a:r>
+            <a:r>
+              <a:rPr lang="nl-BE" baseline="0" dirty="0" err="1" smtClean="0"/>
+              <a:t>serializeert</a:t>
+            </a:r>
+            <a:r>
+              <a:rPr lang="nl-BE" baseline="0" dirty="0" smtClean="0"/>
+              <a:t> dan naar een JSON string</a:t>
+            </a:r>
+          </a:p>
+          <a:p>
+            <a:r>
+              <a:rPr lang="nl-BE" baseline="0" dirty="0" smtClean="0"/>
+              <a:t>Alle members worden geëvalueerd, ook </a:t>
+            </a:r>
+            <a:r>
+              <a:rPr lang="nl-BE" baseline="0" dirty="0" err="1" smtClean="0"/>
+              <a:t>computed</a:t>
+            </a:r>
+            <a:r>
+              <a:rPr lang="nl-BE" baseline="0" dirty="0" smtClean="0"/>
+              <a:t> </a:t>
+            </a:r>
+            <a:r>
+              <a:rPr lang="nl-BE" baseline="0" dirty="0" err="1" smtClean="0"/>
+              <a:t>observables</a:t>
+            </a:r>
+            <a:r>
+              <a:rPr lang="nl-BE" baseline="0" dirty="0" smtClean="0"/>
+              <a:t>, non-</a:t>
+            </a:r>
+            <a:r>
+              <a:rPr lang="nl-BE" baseline="0" dirty="0" err="1" smtClean="0"/>
+              <a:t>observables</a:t>
+            </a:r>
+            <a:r>
+              <a:rPr lang="nl-BE" baseline="0" dirty="0" smtClean="0"/>
+              <a:t>, </a:t>
+            </a:r>
+            <a:r>
+              <a:rPr lang="nl-BE" baseline="0" dirty="0" err="1" smtClean="0"/>
+              <a:t>observable</a:t>
+            </a:r>
+            <a:r>
+              <a:rPr lang="nl-BE" baseline="0" dirty="0" smtClean="0"/>
+              <a:t> arrays, </a:t>
+            </a:r>
+            <a:r>
+              <a:rPr lang="nl-BE" baseline="0" dirty="0" err="1" smtClean="0"/>
+              <a:t>child</a:t>
+            </a:r>
+            <a:r>
+              <a:rPr lang="nl-BE" baseline="0" dirty="0" smtClean="0"/>
+              <a:t> </a:t>
+            </a:r>
+            <a:r>
+              <a:rPr lang="nl-BE" baseline="0" dirty="0" err="1" smtClean="0"/>
+              <a:t>viewmodels</a:t>
+            </a:r>
+            <a:r>
+              <a:rPr lang="nl-BE" baseline="0" dirty="0" smtClean="0"/>
+              <a:t>, enz.</a:t>
             </a:r>
             <a:endParaRPr lang="en-US" dirty="0"/>
           </a:p>
@@ -1009,7 +1152,7 @@
           <a:p>
             <a:fld id="{0DF56419-AC34-45D0-BAB8-5A4CB1E563BF}" type="slidenum">
               <a:rPr lang="en-US" smtClean="0"/>
-              <a:t>22</a:t>
+              <a:t>21</a:t>
             </a:fld>
             <a:endParaRPr lang="en-US"/>
           </a:p>
@@ -1018,7 +1161,7 @@
     </p:spTree>
     <p:extLst>
       <p:ext uri="{BB962C8B-B14F-4D97-AF65-F5344CB8AC3E}">
-        <p14:creationId xmlns:p14="http://schemas.microsoft.com/office/powerpoint/2010/main" val="106862747"/>
+        <p14:creationId xmlns:p14="http://schemas.microsoft.com/office/powerpoint/2010/main" val="2104542335"/>
       </p:ext>
     </p:extLst>
   </p:cSld>
@@ -1073,16 +1216,8 @@
           <a:lstStyle/>
           <a:p>
             <a:r>
-              <a:rPr lang="nl-BE" dirty="0" smtClean="0"/>
-              <a:t>Indien meerdere root </a:t>
-            </a:r>
-            <a:r>
-              <a:rPr lang="nl-BE" dirty="0" err="1" smtClean="0"/>
-              <a:t>elements</a:t>
-            </a:r>
-            <a:r>
-              <a:rPr lang="nl-BE" dirty="0" smtClean="0"/>
-              <a:t>, dan worden deze in een div geplaatst</a:t>
+              <a:rPr lang="nl-BE" smtClean="0"/>
+              <a:t>Zie features</a:t>
             </a:r>
             <a:endParaRPr lang="en-US" dirty="0"/>
           </a:p>
@@ -1105,7 +1240,7 @@
           <a:p>
             <a:fld id="{0DF56419-AC34-45D0-BAB8-5A4CB1E563BF}" type="slidenum">
               <a:rPr lang="en-US" smtClean="0"/>
-              <a:t>23</a:t>
+              <a:t>22</a:t>
             </a:fld>
             <a:endParaRPr lang="en-US"/>
           </a:p>
@@ -1114,7 +1249,7 @@
     </p:spTree>
     <p:extLst>
       <p:ext uri="{BB962C8B-B14F-4D97-AF65-F5344CB8AC3E}">
-        <p14:creationId xmlns:p14="http://schemas.microsoft.com/office/powerpoint/2010/main" val="3152353316"/>
+        <p14:creationId xmlns:p14="http://schemas.microsoft.com/office/powerpoint/2010/main" val="882911281"/>
       </p:ext>
     </p:extLst>
   </p:cSld>
@@ -1169,31 +1304,25 @@
           <a:lstStyle/>
           <a:p>
             <a:r>
-              <a:rPr lang="nl-BE" dirty="0" smtClean="0"/>
-              <a:t>Object</a:t>
-            </a:r>
-            <a:r>
-              <a:rPr lang="nl-BE" baseline="0" dirty="0" smtClean="0"/>
-              <a:t> </a:t>
+              <a:rPr lang="nl-BE" dirty="0" err="1" smtClean="0"/>
+              <a:t>Id</a:t>
+            </a:r>
+            <a:r>
+              <a:rPr lang="nl-BE" dirty="0" smtClean="0"/>
+              <a:t> is afgeleid</a:t>
+            </a:r>
+            <a:r>
+              <a:rPr lang="nl-BE" baseline="0" dirty="0" smtClean="0"/>
+              <a:t> van pad relatief t.o.v. </a:t>
             </a:r>
             <a:r>
               <a:rPr lang="nl-BE" baseline="0" dirty="0" err="1" smtClean="0"/>
-              <a:t>composition</a:t>
-            </a:r>
-            <a:r>
-              <a:rPr lang="nl-BE" baseline="0" dirty="0" smtClean="0"/>
-              <a:t>: via </a:t>
-            </a:r>
-            <a:r>
-              <a:rPr lang="nl-BE" baseline="0" dirty="0" err="1" smtClean="0"/>
-              <a:t>RequireJS</a:t>
-            </a:r>
-            <a:r>
-              <a:rPr lang="nl-BE" baseline="0" dirty="0" smtClean="0"/>
-              <a:t> gewoon modules en hun afhankelijkheden</a:t>
-            </a:r>
-          </a:p>
-          <a:p>
+              <a:t>baseUrl</a:t>
+            </a:r>
+            <a:r>
+              <a:rPr lang="nl-BE" baseline="0" dirty="0" smtClean="0"/>
+              <a:t> (normaal locatie van main.js)</a:t>
+            </a:r>
             <a:endParaRPr lang="en-US" dirty="0"/>
           </a:p>
         </p:txBody>
@@ -1215,7 +1344,7 @@
           <a:p>
             <a:fld id="{0DF56419-AC34-45D0-BAB8-5A4CB1E563BF}" type="slidenum">
               <a:rPr lang="en-US" smtClean="0"/>
-              <a:t>25</a:t>
+              <a:t>24</a:t>
             </a:fld>
             <a:endParaRPr lang="en-US"/>
           </a:p>
@@ -1224,7 +1353,7 @@
     </p:spTree>
     <p:extLst>
       <p:ext uri="{BB962C8B-B14F-4D97-AF65-F5344CB8AC3E}">
-        <p14:creationId xmlns:p14="http://schemas.microsoft.com/office/powerpoint/2010/main" val="2009853299"/>
+        <p14:creationId xmlns:p14="http://schemas.microsoft.com/office/powerpoint/2010/main" val="106862747"/>
       </p:ext>
     </p:extLst>
   </p:cSld>
@@ -1280,198 +1409,17 @@
           <a:p>
             <a:r>
               <a:rPr lang="nl-BE" dirty="0" smtClean="0"/>
-              <a:t>1: view wordt </a:t>
-            </a:r>
-            <a:r>
-              <a:rPr lang="nl-BE" dirty="0" err="1" smtClean="0"/>
-              <a:t>gebind</a:t>
-            </a:r>
-            <a:r>
-              <a:rPr lang="nl-BE" dirty="0" smtClean="0"/>
-              <a:t> tegen huidige context</a:t>
-            </a:r>
-          </a:p>
-          <a:p>
-            <a:r>
-              <a:rPr lang="nl-BE" dirty="0" smtClean="0"/>
-              <a:t>2: </a:t>
-            </a:r>
-            <a:r>
-              <a:rPr lang="nl-BE" dirty="0" err="1" smtClean="0"/>
-              <a:t>id</a:t>
-            </a:r>
-            <a:r>
-              <a:rPr lang="nl-BE" dirty="0" smtClean="0"/>
-              <a:t> van een module</a:t>
-            </a:r>
-            <a:r>
-              <a:rPr lang="nl-BE" baseline="0" dirty="0" smtClean="0"/>
-              <a:t> (want geen view extension, bv .html)</a:t>
-            </a:r>
-            <a:r>
-              <a:rPr lang="nl-BE" dirty="0" smtClean="0"/>
-              <a:t>; module en</a:t>
-            </a:r>
-            <a:r>
-              <a:rPr lang="nl-BE" baseline="0" dirty="0" smtClean="0"/>
-              <a:t> view worden ingeladen en </a:t>
-            </a:r>
-            <a:r>
-              <a:rPr lang="nl-BE" baseline="0" dirty="0" err="1" smtClean="0"/>
-              <a:t>gebind</a:t>
-            </a:r>
-            <a:r>
-              <a:rPr lang="nl-BE" baseline="0" dirty="0" smtClean="0"/>
-              <a:t> aan elkaar</a:t>
-            </a:r>
-          </a:p>
-          <a:p>
-            <a:r>
-              <a:rPr lang="nl-BE" baseline="0" dirty="0" smtClean="0"/>
-              <a:t>3: een </a:t>
-            </a:r>
-            <a:r>
-              <a:rPr lang="nl-BE" baseline="0" dirty="0" err="1" smtClean="0"/>
-              <a:t>observable</a:t>
-            </a:r>
-            <a:r>
-              <a:rPr lang="nl-BE" baseline="0" dirty="0" smtClean="0"/>
-              <a:t>; interessant want wanneer </a:t>
-            </a:r>
-            <a:r>
-              <a:rPr lang="nl-BE" baseline="0" dirty="0" err="1" smtClean="0"/>
-              <a:t>observable</a:t>
-            </a:r>
-            <a:r>
-              <a:rPr lang="nl-BE" baseline="0" dirty="0" smtClean="0"/>
-              <a:t> verandert, verandert de DOM</a:t>
-            </a:r>
-          </a:p>
-          <a:p>
-            <a:r>
-              <a:rPr lang="nl-BE" baseline="0" dirty="0" smtClean="0"/>
-              <a:t>	indien een string</a:t>
-            </a:r>
-          </a:p>
-          <a:p>
-            <a:r>
-              <a:rPr lang="nl-BE" baseline="0" dirty="0" smtClean="0"/>
-              <a:t>		met view extension: view wordt ingeladen en </a:t>
-            </a:r>
-            <a:r>
-              <a:rPr lang="nl-BE" baseline="0" dirty="0" err="1" smtClean="0"/>
-              <a:t>gebind</a:t>
-            </a:r>
-            <a:r>
-              <a:rPr lang="nl-BE" baseline="0" dirty="0" smtClean="0"/>
-              <a:t> aan huidige context</a:t>
-            </a:r>
-          </a:p>
-          <a:p>
-            <a:r>
-              <a:rPr lang="nl-BE" baseline="0" dirty="0" smtClean="0"/>
-              <a:t>		indien een </a:t>
-            </a:r>
-            <a:r>
-              <a:rPr lang="nl-BE" baseline="0" dirty="0" err="1" smtClean="0"/>
-              <a:t>moduleid</a:t>
-            </a:r>
-            <a:r>
-              <a:rPr lang="nl-BE" baseline="0" dirty="0" smtClean="0"/>
-              <a:t>: module en view worden ingeladen en </a:t>
-            </a:r>
-            <a:r>
-              <a:rPr lang="nl-BE" baseline="0" dirty="0" err="1" smtClean="0"/>
-              <a:t>gebind</a:t>
-            </a:r>
-            <a:r>
-              <a:rPr lang="nl-BE" baseline="0" dirty="0" smtClean="0"/>
-              <a:t> aan elkaar</a:t>
-            </a:r>
-          </a:p>
-          <a:p>
-            <a:r>
-              <a:rPr lang="nl-BE" baseline="0" dirty="0" smtClean="0"/>
-              <a:t>	indien een object</a:t>
-            </a:r>
-          </a:p>
-          <a:p>
-            <a:r>
-              <a:rPr lang="nl-BE" baseline="0" dirty="0" smtClean="0"/>
-              <a:t>		bijpassende view wordt opgezocht, beiden worden aan elkaar </a:t>
-            </a:r>
-            <a:r>
-              <a:rPr lang="nl-BE" baseline="0" dirty="0" err="1" smtClean="0"/>
-              <a:t>gebind</a:t>
-            </a:r>
-            <a:endParaRPr lang="nl-BE" baseline="0" dirty="0" smtClean="0"/>
-          </a:p>
-          <a:p>
-            <a:r>
-              <a:rPr lang="nl-BE" baseline="0" dirty="0" smtClean="0"/>
-              <a:t>	indien een </a:t>
-            </a:r>
-            <a:r>
-              <a:rPr lang="nl-BE" baseline="0" dirty="0" err="1" smtClean="0"/>
-              <a:t>function</a:t>
-            </a:r>
-            <a:endParaRPr lang="nl-BE" baseline="0" dirty="0" smtClean="0"/>
-          </a:p>
-          <a:p>
-            <a:r>
-              <a:rPr lang="nl-BE" baseline="0" dirty="0" smtClean="0"/>
-              <a:t>		</a:t>
-            </a:r>
-            <a:r>
-              <a:rPr lang="nl-BE" baseline="0" dirty="0" err="1" smtClean="0"/>
-              <a:t>function</a:t>
-            </a:r>
-            <a:r>
-              <a:rPr lang="nl-BE" baseline="0" dirty="0" smtClean="0"/>
-              <a:t> wordt opgeroepen met new, view wordt gezocht voor object, binding</a:t>
-            </a:r>
-          </a:p>
-          <a:p>
-            <a:endParaRPr lang="nl-BE" baseline="0" dirty="0" smtClean="0"/>
-          </a:p>
-          <a:p>
-            <a:r>
-              <a:rPr lang="nl-BE" baseline="0" dirty="0" err="1" smtClean="0"/>
-              <a:t>Compose</a:t>
-            </a:r>
-            <a:r>
-              <a:rPr lang="nl-BE" baseline="0" dirty="0" smtClean="0"/>
-              <a:t> met object met view en/of model property: werkt in het algemeen zoals je zou verwachten</a:t>
-            </a:r>
-          </a:p>
-          <a:p>
-            <a:endParaRPr lang="nl-BE" baseline="0" dirty="0" smtClean="0"/>
-          </a:p>
-          <a:p>
-            <a:r>
-              <a:rPr lang="nl-BE" baseline="0" dirty="0" smtClean="0"/>
-              <a:t>Indien er iets niet lukt (bv geen view gevonden,…) </a:t>
-            </a:r>
-            <a:r>
-              <a:rPr lang="nl-BE" baseline="0" dirty="0" smtClean="0">
-                <a:sym typeface="Wingdings" panose="05000000000000000000" pitchFamily="2" charset="2"/>
-              </a:rPr>
-              <a:t> er zal niks in de DOM te zien zijn</a:t>
-            </a:r>
-          </a:p>
-          <a:p>
-            <a:endParaRPr lang="nl-BE" baseline="0" dirty="0" smtClean="0">
-              <a:sym typeface="Wingdings" panose="05000000000000000000" pitchFamily="2" charset="2"/>
-            </a:endParaRPr>
-          </a:p>
-          <a:p>
-            <a:r>
-              <a:rPr lang="nl-BE" baseline="0" dirty="0" smtClean="0">
-                <a:sym typeface="Wingdings" panose="05000000000000000000" pitchFamily="2" charset="2"/>
-              </a:rPr>
-              <a:t>In demo: home.html en beers.html</a:t>
-            </a:r>
-            <a:endParaRPr lang="nl-BE" baseline="0" dirty="0" smtClean="0"/>
+              <a:t>Indien meerdere root </a:t>
+            </a:r>
+            <a:r>
+              <a:rPr lang="nl-BE" dirty="0" err="1" smtClean="0"/>
+              <a:t>elements</a:t>
+            </a:r>
+            <a:r>
+              <a:rPr lang="nl-BE" dirty="0" smtClean="0"/>
+              <a:t>, dan worden deze in een div geplaatst</a:t>
+            </a:r>
+            <a:endParaRPr lang="en-US" dirty="0"/>
           </a:p>
         </p:txBody>
       </p:sp>
@@ -1492,7 +1440,7 @@
           <a:p>
             <a:fld id="{0DF56419-AC34-45D0-BAB8-5A4CB1E563BF}" type="slidenum">
               <a:rPr lang="en-US" smtClean="0"/>
-              <a:t>26</a:t>
+              <a:t>25</a:t>
             </a:fld>
             <a:endParaRPr lang="en-US"/>
           </a:p>
@@ -1501,7 +1449,7 @@
     </p:spTree>
     <p:extLst>
       <p:ext uri="{BB962C8B-B14F-4D97-AF65-F5344CB8AC3E}">
-        <p14:creationId xmlns:p14="http://schemas.microsoft.com/office/powerpoint/2010/main" val="2510050687"/>
+        <p14:creationId xmlns:p14="http://schemas.microsoft.com/office/powerpoint/2010/main" val="3152353316"/>
       </p:ext>
     </p:extLst>
   </p:cSld>
@@ -1557,116 +1505,11 @@
           <a:p>
             <a:r>
               <a:rPr lang="nl-BE" dirty="0" smtClean="0"/>
-              <a:t>Extra opties voor je </a:t>
-            </a:r>
-            <a:r>
-              <a:rPr lang="nl-BE" dirty="0" err="1" smtClean="0"/>
-              <a:t>compose</a:t>
-            </a:r>
-            <a:r>
-              <a:rPr lang="nl-BE" dirty="0" smtClean="0"/>
-              <a:t> binding.</a:t>
-            </a:r>
-          </a:p>
-          <a:p>
-            <a:r>
-              <a:rPr lang="nl-BE" dirty="0" err="1" smtClean="0"/>
-              <a:t>strategy</a:t>
-            </a:r>
-            <a:r>
-              <a:rPr lang="nl-BE" dirty="0" smtClean="0"/>
-              <a:t>:</a:t>
+              <a:t>Object</a:t>
             </a:r>
             <a:r>
               <a:rPr lang="nl-BE" baseline="0" dirty="0" smtClean="0"/>
               <a:t> </a:t>
-            </a:r>
-            <a:r>
-              <a:rPr lang="nl-BE" baseline="0" dirty="0" err="1" smtClean="0"/>
-              <a:t>function</a:t>
-            </a:r>
-            <a:r>
-              <a:rPr lang="nl-BE" baseline="0" dirty="0" smtClean="0"/>
-              <a:t> om view te vinden indien niet gegeven</a:t>
-            </a:r>
-          </a:p>
-          <a:p>
-            <a:r>
-              <a:rPr lang="nl-BE" baseline="0" dirty="0" err="1" smtClean="0"/>
-              <a:t>transition</a:t>
-            </a:r>
-            <a:r>
-              <a:rPr lang="nl-BE" baseline="0" dirty="0" smtClean="0"/>
-              <a:t>: </a:t>
-            </a:r>
-            <a:r>
-              <a:rPr lang="nl-BE" baseline="0" dirty="0" err="1" smtClean="0"/>
-              <a:t>function</a:t>
-            </a:r>
-            <a:r>
-              <a:rPr lang="nl-BE" baseline="0" dirty="0" smtClean="0"/>
-              <a:t> om wijziging van views in DOM te animeren, je kan je eigen </a:t>
-            </a:r>
-            <a:r>
-              <a:rPr lang="nl-BE" baseline="0" dirty="0" err="1" smtClean="0"/>
-              <a:t>transitions</a:t>
-            </a:r>
-            <a:r>
-              <a:rPr lang="nl-BE" baseline="0" dirty="0" smtClean="0"/>
-              <a:t> definiëren</a:t>
-            </a:r>
-          </a:p>
-          <a:p>
-            <a:r>
-              <a:rPr lang="nl-BE" baseline="0" dirty="0" err="1" smtClean="0"/>
-              <a:t>cacheViews</a:t>
-            </a:r>
-            <a:r>
-              <a:rPr lang="nl-BE" baseline="0" dirty="0" smtClean="0"/>
-              <a:t>: views worden bijgehouden en hergebruikt indien binding op hetzelfde object gebeurt</a:t>
-            </a:r>
-          </a:p>
-          <a:p>
-            <a:r>
-              <a:rPr lang="nl-BE" baseline="0" dirty="0" err="1" smtClean="0"/>
-              <a:t>activate</a:t>
-            </a:r>
-            <a:r>
-              <a:rPr lang="nl-BE" baseline="0" dirty="0" smtClean="0"/>
-              <a:t>: indien </a:t>
-            </a:r>
-            <a:r>
-              <a:rPr lang="nl-BE" baseline="0" dirty="0" err="1" smtClean="0"/>
-              <a:t>activate</a:t>
-            </a:r>
-            <a:r>
-              <a:rPr lang="nl-BE" baseline="0" dirty="0" smtClean="0"/>
-              <a:t> op je viewmodel niet </a:t>
-            </a:r>
-            <a:r>
-              <a:rPr lang="nl-BE" baseline="0" dirty="0" err="1" smtClean="0"/>
-              <a:t>gecalled</a:t>
-            </a:r>
-            <a:r>
-              <a:rPr lang="nl-BE" baseline="0" dirty="0" smtClean="0"/>
-              <a:t> moet worden (default: </a:t>
-            </a:r>
-            <a:r>
-              <a:rPr lang="nl-BE" baseline="0" dirty="0" err="1" smtClean="0"/>
-              <a:t>true</a:t>
-            </a:r>
-            <a:r>
-              <a:rPr lang="nl-BE" baseline="0" dirty="0" smtClean="0"/>
-              <a:t>)</a:t>
-            </a:r>
-          </a:p>
-          <a:p>
-            <a:endParaRPr lang="nl-BE" baseline="0" dirty="0" smtClean="0"/>
-          </a:p>
-          <a:p>
-            <a:r>
-              <a:rPr lang="nl-BE" baseline="0" dirty="0" smtClean="0"/>
-              <a:t>Veel extra mogelijkheden. De </a:t>
             </a:r>
             <a:r>
               <a:rPr lang="nl-BE" baseline="0" dirty="0" err="1" smtClean="0"/>
@@ -1674,32 +1517,18 @@
             </a:r>
             <a:r>
               <a:rPr lang="nl-BE" baseline="0" dirty="0" smtClean="0"/>
-              <a:t> </a:t>
+              <a:t>: via </a:t>
             </a:r>
             <a:r>
               <a:rPr lang="nl-BE" baseline="0" dirty="0" err="1" smtClean="0"/>
-              <a:t>lifecycle</a:t>
-            </a:r>
-            <a:r>
-              <a:rPr lang="nl-BE" baseline="0" dirty="0" smtClean="0"/>
-              <a:t> laat je toe om in te pikken op de verschillende momenten van </a:t>
-            </a:r>
-            <a:r>
-              <a:rPr lang="nl-BE" baseline="0" dirty="0" err="1" smtClean="0"/>
-              <a:t>composition</a:t>
-            </a:r>
-            <a:r>
-              <a:rPr lang="nl-BE" baseline="0" dirty="0" smtClean="0"/>
-              <a:t>. Een beetje zoals ASP.NET page </a:t>
-            </a:r>
-            <a:r>
-              <a:rPr lang="nl-BE" baseline="0" dirty="0" err="1" smtClean="0"/>
-              <a:t>lifecycle</a:t>
-            </a:r>
-            <a:r>
-              <a:rPr lang="nl-BE" baseline="0" dirty="0" smtClean="0"/>
-              <a:t>. Bestaat uit:</a:t>
-            </a:r>
+              <a:t>RequireJS</a:t>
+            </a:r>
+            <a:r>
+              <a:rPr lang="nl-BE" baseline="0" dirty="0" smtClean="0"/>
+              <a:t> gewoon modules en hun afhankelijkheden</a:t>
+            </a:r>
+          </a:p>
+          <a:p>
             <a:endParaRPr lang="en-US" dirty="0"/>
           </a:p>
         </p:txBody>
@@ -1730,7 +1559,7 @@
     </p:spTree>
     <p:extLst>
       <p:ext uri="{BB962C8B-B14F-4D97-AF65-F5344CB8AC3E}">
-        <p14:creationId xmlns:p14="http://schemas.microsoft.com/office/powerpoint/2010/main" val="1389305066"/>
+        <p14:creationId xmlns:p14="http://schemas.microsoft.com/office/powerpoint/2010/main" val="2009853299"/>
       </p:ext>
     </p:extLst>
   </p:cSld>
@@ -1786,25 +1615,228 @@
           <a:p>
             <a:r>
               <a:rPr lang="nl-BE" dirty="0" err="1" smtClean="0"/>
-              <a:t>urlArgs</a:t>
-            </a:r>
-            <a:r>
-              <a:rPr lang="nl-BE" dirty="0" smtClean="0"/>
-              <a:t> worden toegevoegd</a:t>
-            </a:r>
-            <a:r>
-              <a:rPr lang="nl-BE" baseline="0" dirty="0" smtClean="0"/>
-              <a:t> aan iedere </a:t>
+              <a:t>compose</a:t>
+            </a:r>
+            <a:r>
+              <a:rPr lang="nl-BE" dirty="0" smtClean="0"/>
+              <a:t> is een </a:t>
+            </a:r>
+            <a:r>
+              <a:rPr lang="nl-BE" dirty="0" err="1" smtClean="0"/>
+              <a:t>custom</a:t>
+            </a:r>
+            <a:r>
+              <a:rPr lang="nl-BE" dirty="0" smtClean="0"/>
+              <a:t> binding van </a:t>
+            </a:r>
+            <a:r>
+              <a:rPr lang="nl-BE" dirty="0" err="1" smtClean="0"/>
+              <a:t>Durandal</a:t>
+            </a:r>
+            <a:endParaRPr lang="nl-BE" dirty="0" smtClean="0"/>
+          </a:p>
+          <a:p>
+            <a:endParaRPr lang="nl-BE" dirty="0" smtClean="0"/>
+          </a:p>
+          <a:p>
+            <a:r>
+              <a:rPr lang="nl-BE" dirty="0" smtClean="0"/>
+              <a:t>1</a:t>
+            </a:r>
+            <a:r>
+              <a:rPr lang="nl-BE" dirty="0" smtClean="0"/>
+              <a:t>: view wordt </a:t>
+            </a:r>
+            <a:r>
+              <a:rPr lang="nl-BE" dirty="0" err="1" smtClean="0"/>
+              <a:t>gebind</a:t>
+            </a:r>
+            <a:r>
+              <a:rPr lang="nl-BE" dirty="0" smtClean="0"/>
+              <a:t> tegen huidige context</a:t>
+            </a:r>
+          </a:p>
+          <a:p>
+            <a:r>
+              <a:rPr lang="nl-BE" dirty="0" smtClean="0"/>
+              <a:t>2: </a:t>
+            </a:r>
+            <a:r>
+              <a:rPr lang="nl-BE" dirty="0" err="1" smtClean="0"/>
+              <a:t>id</a:t>
+            </a:r>
+            <a:r>
+              <a:rPr lang="nl-BE" dirty="0" smtClean="0"/>
+              <a:t> van een module</a:t>
+            </a:r>
+            <a:r>
+              <a:rPr lang="nl-BE" baseline="0" dirty="0" smtClean="0"/>
+              <a:t> (want geen view extension, bv .html)</a:t>
+            </a:r>
+            <a:r>
+              <a:rPr lang="nl-BE" dirty="0" smtClean="0"/>
+              <a:t>; module en</a:t>
+            </a:r>
+            <a:r>
+              <a:rPr lang="nl-BE" baseline="0" dirty="0" smtClean="0"/>
+              <a:t> view worden ingeladen en </a:t>
             </a:r>
             <a:r>
               <a:rPr lang="nl-BE" baseline="0" dirty="0" err="1" smtClean="0"/>
-              <a:t>request</a:t>
-            </a:r>
-            <a:r>
-              <a:rPr lang="nl-BE" baseline="0" dirty="0" smtClean="0"/>
-              <a:t>, best niet in productie zetten</a:t>
-            </a:r>
-            <a:endParaRPr lang="en-US" dirty="0"/>
+              <a:t>gebind</a:t>
+            </a:r>
+            <a:r>
+              <a:rPr lang="nl-BE" baseline="0" dirty="0" smtClean="0"/>
+              <a:t> aan elkaar</a:t>
+            </a:r>
+          </a:p>
+          <a:p>
+            <a:r>
+              <a:rPr lang="nl-BE" baseline="0" dirty="0" smtClean="0"/>
+              <a:t>3: een </a:t>
+            </a:r>
+            <a:r>
+              <a:rPr lang="nl-BE" baseline="0" dirty="0" err="1" smtClean="0"/>
+              <a:t>observable</a:t>
+            </a:r>
+            <a:r>
+              <a:rPr lang="nl-BE" baseline="0" dirty="0" smtClean="0"/>
+              <a:t>; interessant want wanneer </a:t>
+            </a:r>
+            <a:r>
+              <a:rPr lang="nl-BE" baseline="0" dirty="0" err="1" smtClean="0"/>
+              <a:t>observable</a:t>
+            </a:r>
+            <a:r>
+              <a:rPr lang="nl-BE" baseline="0" dirty="0" smtClean="0"/>
+              <a:t> verandert, verandert de DOM</a:t>
+            </a:r>
+          </a:p>
+          <a:p>
+            <a:r>
+              <a:rPr lang="nl-BE" baseline="0" dirty="0" smtClean="0"/>
+              <a:t>	indien een string</a:t>
+            </a:r>
+          </a:p>
+          <a:p>
+            <a:r>
+              <a:rPr lang="nl-BE" baseline="0" dirty="0" smtClean="0"/>
+              <a:t>		met view extension: view wordt ingeladen en </a:t>
+            </a:r>
+            <a:r>
+              <a:rPr lang="nl-BE" baseline="0" dirty="0" err="1" smtClean="0"/>
+              <a:t>gebind</a:t>
+            </a:r>
+            <a:r>
+              <a:rPr lang="nl-BE" baseline="0" dirty="0" smtClean="0"/>
+              <a:t> aan huidige context</a:t>
+            </a:r>
+          </a:p>
+          <a:p>
+            <a:r>
+              <a:rPr lang="nl-BE" baseline="0" dirty="0" smtClean="0"/>
+              <a:t>		indien een </a:t>
+            </a:r>
+            <a:r>
+              <a:rPr lang="nl-BE" baseline="0" dirty="0" err="1" smtClean="0"/>
+              <a:t>moduleid</a:t>
+            </a:r>
+            <a:r>
+              <a:rPr lang="nl-BE" baseline="0" dirty="0" smtClean="0"/>
+              <a:t>: module en view worden ingeladen en </a:t>
+            </a:r>
+            <a:r>
+              <a:rPr lang="nl-BE" baseline="0" dirty="0" err="1" smtClean="0"/>
+              <a:t>gebind</a:t>
+            </a:r>
+            <a:r>
+              <a:rPr lang="nl-BE" baseline="0" dirty="0" smtClean="0"/>
+              <a:t> aan elkaar</a:t>
+            </a:r>
+          </a:p>
+          <a:p>
+            <a:r>
+              <a:rPr lang="nl-BE" baseline="0" dirty="0" smtClean="0"/>
+              <a:t>	indien een object</a:t>
+            </a:r>
+          </a:p>
+          <a:p>
+            <a:r>
+              <a:rPr lang="nl-BE" baseline="0" dirty="0" smtClean="0"/>
+              <a:t>		bijpassende view wordt opgezocht, beiden worden aan elkaar </a:t>
+            </a:r>
+            <a:r>
+              <a:rPr lang="nl-BE" baseline="0" dirty="0" err="1" smtClean="0"/>
+              <a:t>gebind</a:t>
+            </a:r>
+            <a:endParaRPr lang="nl-BE" baseline="0" dirty="0" smtClean="0"/>
+          </a:p>
+          <a:p>
+            <a:r>
+              <a:rPr lang="nl-BE" baseline="0" dirty="0" smtClean="0"/>
+              <a:t>	indien een </a:t>
+            </a:r>
+            <a:r>
+              <a:rPr lang="nl-BE" baseline="0" dirty="0" err="1" smtClean="0"/>
+              <a:t>function</a:t>
+            </a:r>
+            <a:endParaRPr lang="nl-BE" baseline="0" dirty="0" smtClean="0"/>
+          </a:p>
+          <a:p>
+            <a:r>
+              <a:rPr lang="nl-BE" baseline="0" dirty="0" smtClean="0"/>
+              <a:t>		</a:t>
+            </a:r>
+            <a:r>
+              <a:rPr lang="nl-BE" baseline="0" dirty="0" err="1" smtClean="0"/>
+              <a:t>function</a:t>
+            </a:r>
+            <a:r>
+              <a:rPr lang="nl-BE" baseline="0" dirty="0" smtClean="0"/>
+              <a:t> wordt opgeroepen met new, view wordt gezocht voor object, binding</a:t>
+            </a:r>
+          </a:p>
+          <a:p>
+            <a:endParaRPr lang="nl-BE" baseline="0" dirty="0" smtClean="0"/>
+          </a:p>
+          <a:p>
+            <a:r>
+              <a:rPr lang="nl-BE" baseline="0" dirty="0" err="1" smtClean="0"/>
+              <a:t>Compose</a:t>
+            </a:r>
+            <a:r>
+              <a:rPr lang="nl-BE" baseline="0" dirty="0" smtClean="0"/>
+              <a:t> met object met view en/of model property: werkt in het algemeen zoals je zou verwachten</a:t>
+            </a:r>
+          </a:p>
+          <a:p>
+            <a:endParaRPr lang="nl-BE" baseline="0" dirty="0" smtClean="0"/>
+          </a:p>
+          <a:p>
+            <a:r>
+              <a:rPr lang="nl-BE" baseline="0" dirty="0" smtClean="0"/>
+              <a:t>Indien er iets niet lukt (bv geen view gevonden,…) </a:t>
+            </a:r>
+            <a:r>
+              <a:rPr lang="nl-BE" baseline="0" dirty="0" smtClean="0">
+                <a:sym typeface="Wingdings" panose="05000000000000000000" pitchFamily="2" charset="2"/>
+              </a:rPr>
+              <a:t> er zal niks in de DOM te zien zijn</a:t>
+            </a:r>
+          </a:p>
+          <a:p>
+            <a:endParaRPr lang="nl-BE" baseline="0" dirty="0" smtClean="0">
+              <a:sym typeface="Wingdings" panose="05000000000000000000" pitchFamily="2" charset="2"/>
+            </a:endParaRPr>
+          </a:p>
+          <a:p>
+            <a:r>
+              <a:rPr lang="nl-BE" baseline="0" dirty="0" smtClean="0">
+                <a:sym typeface="Wingdings" panose="05000000000000000000" pitchFamily="2" charset="2"/>
+              </a:rPr>
+              <a:t>In demo: home.html en beers.html</a:t>
+            </a:r>
+            <a:endParaRPr lang="nl-BE" baseline="0" dirty="0" smtClean="0"/>
           </a:p>
         </p:txBody>
       </p:sp>
@@ -1834,7 +1866,7 @@
     </p:spTree>
     <p:extLst>
       <p:ext uri="{BB962C8B-B14F-4D97-AF65-F5344CB8AC3E}">
-        <p14:creationId xmlns:p14="http://schemas.microsoft.com/office/powerpoint/2010/main" val="1213175449"/>
+        <p14:creationId xmlns:p14="http://schemas.microsoft.com/office/powerpoint/2010/main" val="2510050687"/>
       </p:ext>
     </p:extLst>
   </p:cSld>
@@ -1889,39 +1921,151 @@
           <a:lstStyle/>
           <a:p>
             <a:r>
-              <a:rPr lang="nl-BE" dirty="0" err="1" smtClean="0"/>
-              <a:t>showMessage</a:t>
-            </a:r>
-            <a:r>
-              <a:rPr lang="nl-BE" dirty="0" smtClean="0"/>
-              <a:t> voorbeeld bij</a:t>
-            </a:r>
-            <a:r>
-              <a:rPr lang="nl-BE" baseline="0" dirty="0" smtClean="0"/>
-              <a:t> verwijderen van een bier</a:t>
-            </a:r>
-          </a:p>
-          <a:p>
-            <a:r>
-              <a:rPr lang="nl-BE" baseline="0" dirty="0" smtClean="0"/>
-              <a:t>Ook mogelijk om je eigen </a:t>
+              <a:rPr lang="nl-BE" dirty="0" smtClean="0"/>
+              <a:t>Extra opties voor je </a:t>
+            </a:r>
+            <a:r>
+              <a:rPr lang="nl-BE" dirty="0" err="1" smtClean="0"/>
+              <a:t>compose</a:t>
+            </a:r>
+            <a:r>
+              <a:rPr lang="nl-BE" dirty="0" smtClean="0"/>
+              <a:t> binding.</a:t>
+            </a:r>
+          </a:p>
+          <a:p>
+            <a:r>
+              <a:rPr lang="nl-BE" dirty="0" err="1" smtClean="0"/>
+              <a:t>strategy</a:t>
+            </a:r>
+            <a:r>
+              <a:rPr lang="nl-BE" dirty="0" smtClean="0"/>
+              <a:t>:</a:t>
+            </a:r>
+            <a:r>
+              <a:rPr lang="nl-BE" baseline="0" dirty="0" smtClean="0"/>
+              <a:t> </a:t>
             </a:r>
             <a:r>
               <a:rPr lang="nl-BE" baseline="0" dirty="0" err="1" smtClean="0"/>
-              <a:t>dialog</a:t>
-            </a:r>
-            <a:r>
-              <a:rPr lang="nl-BE" baseline="0" dirty="0" smtClean="0"/>
-              <a:t> te ontwerpen voor </a:t>
-            </a:r>
+              <a:t>function</a:t>
+            </a:r>
+            <a:r>
+              <a:rPr lang="nl-BE" baseline="0" dirty="0" smtClean="0"/>
+              <a:t> om view te vinden indien niet gegeven</a:t>
+            </a:r>
+          </a:p>
+          <a:p>
             <a:r>
               <a:rPr lang="nl-BE" baseline="0" dirty="0" err="1" smtClean="0"/>
-              <a:t>showDialog</a:t>
-            </a:r>
-            <a:r>
-              <a:rPr lang="nl-BE" baseline="0" dirty="0" smtClean="0"/>
-              <a:t>, zie search</a:t>
-            </a:r>
+              <a:t>transition</a:t>
+            </a:r>
+            <a:r>
+              <a:rPr lang="nl-BE" baseline="0" dirty="0" smtClean="0"/>
+              <a:t>: </a:t>
+            </a:r>
+            <a:r>
+              <a:rPr lang="nl-BE" baseline="0" dirty="0" err="1" smtClean="0"/>
+              <a:t>function</a:t>
+            </a:r>
+            <a:r>
+              <a:rPr lang="nl-BE" baseline="0" dirty="0" smtClean="0"/>
+              <a:t> om wijziging van views in DOM te animeren, je kan je eigen </a:t>
+            </a:r>
+            <a:r>
+              <a:rPr lang="nl-BE" baseline="0" dirty="0" err="1" smtClean="0"/>
+              <a:t>transitions</a:t>
+            </a:r>
+            <a:r>
+              <a:rPr lang="nl-BE" baseline="0" dirty="0" smtClean="0"/>
+              <a:t> definiëren</a:t>
+            </a:r>
+          </a:p>
+          <a:p>
+            <a:r>
+              <a:rPr lang="nl-BE" baseline="0" dirty="0" err="1" smtClean="0"/>
+              <a:t>cacheViews</a:t>
+            </a:r>
+            <a:r>
+              <a:rPr lang="nl-BE" baseline="0" dirty="0" smtClean="0"/>
+              <a:t>: views worden bijgehouden en hergebruikt indien binding op hetzelfde object gebeurt</a:t>
+            </a:r>
+          </a:p>
+          <a:p>
+            <a:r>
+              <a:rPr lang="nl-BE" baseline="0" dirty="0" err="1" smtClean="0"/>
+              <a:t>activate</a:t>
+            </a:r>
+            <a:r>
+              <a:rPr lang="nl-BE" baseline="0" dirty="0" smtClean="0"/>
+              <a:t>: indien </a:t>
+            </a:r>
+            <a:r>
+              <a:rPr lang="nl-BE" baseline="0" dirty="0" err="1" smtClean="0"/>
+              <a:t>activate</a:t>
+            </a:r>
+            <a:r>
+              <a:rPr lang="nl-BE" baseline="0" dirty="0" smtClean="0"/>
+              <a:t> op je viewmodel niet </a:t>
+            </a:r>
+            <a:r>
+              <a:rPr lang="nl-BE" baseline="0" dirty="0" err="1" smtClean="0"/>
+              <a:t>gecalled</a:t>
+            </a:r>
+            <a:r>
+              <a:rPr lang="nl-BE" baseline="0" dirty="0" smtClean="0"/>
+              <a:t> moet worden (default: </a:t>
+            </a:r>
+            <a:r>
+              <a:rPr lang="nl-BE" baseline="0" dirty="0" err="1" smtClean="0"/>
+              <a:t>true</a:t>
+            </a:r>
+            <a:r>
+              <a:rPr lang="nl-BE" baseline="0" dirty="0" smtClean="0"/>
+              <a:t>)</a:t>
+            </a:r>
+          </a:p>
+          <a:p>
+            <a:endParaRPr lang="nl-BE" baseline="0" dirty="0" smtClean="0"/>
+          </a:p>
+          <a:p>
+            <a:r>
+              <a:rPr lang="nl-BE" baseline="0" dirty="0" smtClean="0"/>
+              <a:t>Veel extra mogelijkheden. De </a:t>
+            </a:r>
+            <a:r>
+              <a:rPr lang="nl-BE" baseline="0" dirty="0" err="1" smtClean="0"/>
+              <a:t>composition</a:t>
+            </a:r>
+            <a:r>
+              <a:rPr lang="nl-BE" baseline="0" dirty="0" smtClean="0"/>
+              <a:t> </a:t>
+            </a:r>
+            <a:r>
+              <a:rPr lang="nl-BE" baseline="0" dirty="0" err="1" smtClean="0"/>
+              <a:t>lifecycle</a:t>
+            </a:r>
+            <a:r>
+              <a:rPr lang="nl-BE" baseline="0" dirty="0" smtClean="0"/>
+              <a:t> laat je toe om in te pikken op de verschillende momenten van </a:t>
+            </a:r>
+            <a:r>
+              <a:rPr lang="nl-BE" baseline="0" dirty="0" err="1" smtClean="0"/>
+              <a:t>composition</a:t>
+            </a:r>
+            <a:r>
+              <a:rPr lang="nl-BE" baseline="0" dirty="0" smtClean="0"/>
+              <a:t>. Een beetje zoals ASP.NET page </a:t>
+            </a:r>
+            <a:r>
+              <a:rPr lang="nl-BE" baseline="0" dirty="0" err="1" smtClean="0"/>
+              <a:t>lifecycle</a:t>
+            </a:r>
+            <a:r>
+              <a:rPr lang="nl-BE" baseline="0" dirty="0" smtClean="0"/>
+              <a:t>. Bestaat uit:</a:t>
+            </a:r>
+            <a:endParaRPr lang="en-US" dirty="0"/>
           </a:p>
         </p:txBody>
       </p:sp>
@@ -1951,7 +2095,7 @@
     </p:spTree>
     <p:extLst>
       <p:ext uri="{BB962C8B-B14F-4D97-AF65-F5344CB8AC3E}">
-        <p14:creationId xmlns:p14="http://schemas.microsoft.com/office/powerpoint/2010/main" val="3055863286"/>
+        <p14:creationId xmlns:p14="http://schemas.microsoft.com/office/powerpoint/2010/main" val="1389305066"/>
       </p:ext>
     </p:extLst>
   </p:cSld>
@@ -2007,42 +2151,23 @@
           <a:p>
             <a:r>
               <a:rPr lang="nl-BE" dirty="0" err="1" smtClean="0"/>
-              <a:t>applicationHost</a:t>
-            </a:r>
-            <a:r>
-              <a:rPr lang="nl-BE" dirty="0" smtClean="0"/>
-              <a:t> is waar alles in gebeurt, hierin</a:t>
-            </a:r>
-            <a:r>
-              <a:rPr lang="nl-BE" baseline="0" dirty="0" smtClean="0"/>
-              <a:t> plaatst </a:t>
+              <a:t>urlArgs</a:t>
+            </a:r>
+            <a:r>
+              <a:rPr lang="nl-BE" dirty="0" smtClean="0"/>
+              <a:t> worden toegevoegd</a:t>
+            </a:r>
+            <a:r>
+              <a:rPr lang="nl-BE" baseline="0" dirty="0" smtClean="0"/>
+              <a:t> aan iedere </a:t>
             </a:r>
             <a:r>
               <a:rPr lang="nl-BE" baseline="0" dirty="0" err="1" smtClean="0"/>
-              <a:t>Durandal</a:t>
-            </a:r>
-            <a:r>
-              <a:rPr lang="nl-BE" baseline="0" dirty="0" smtClean="0"/>
-              <a:t> je views</a:t>
-            </a:r>
-            <a:endParaRPr lang="nl-BE" dirty="0" smtClean="0"/>
-          </a:p>
-          <a:p>
-            <a:r>
-              <a:rPr lang="nl-BE" dirty="0" smtClean="0"/>
-              <a:t>HTML die er al in staat wordt overschreven,</a:t>
-            </a:r>
-            <a:r>
-              <a:rPr lang="nl-BE" baseline="0" dirty="0" smtClean="0"/>
-              <a:t> maar kan als </a:t>
-            </a:r>
-            <a:r>
-              <a:rPr lang="nl-BE" baseline="0" dirty="0" err="1" smtClean="0"/>
-              <a:t>splashscreen</a:t>
-            </a:r>
-            <a:r>
-              <a:rPr lang="nl-BE" baseline="0" dirty="0" smtClean="0"/>
-              <a:t> dienen (deze techniek kan overal toegepast worden)</a:t>
+              <a:t>request</a:t>
+            </a:r>
+            <a:r>
+              <a:rPr lang="nl-BE" baseline="0" dirty="0" smtClean="0"/>
+              <a:t>, best niet in productie zetten</a:t>
             </a:r>
             <a:endParaRPr lang="en-US" dirty="0"/>
           </a:p>
@@ -2074,7 +2199,7 @@
     </p:spTree>
     <p:extLst>
       <p:ext uri="{BB962C8B-B14F-4D97-AF65-F5344CB8AC3E}">
-        <p14:creationId xmlns:p14="http://schemas.microsoft.com/office/powerpoint/2010/main" val="1795069426"/>
+        <p14:creationId xmlns:p14="http://schemas.microsoft.com/office/powerpoint/2010/main" val="1213175449"/>
       </p:ext>
     </p:extLst>
   </p:cSld>
@@ -2263,7 +2388,40 @@
           <a:bodyPr/>
           <a:lstStyle/>
           <a:p>
-            <a:endParaRPr lang="en-US" dirty="0"/>
+            <a:r>
+              <a:rPr lang="nl-BE" dirty="0" err="1" smtClean="0"/>
+              <a:t>showMessage</a:t>
+            </a:r>
+            <a:r>
+              <a:rPr lang="nl-BE" dirty="0" smtClean="0"/>
+              <a:t> voorbeeld bij</a:t>
+            </a:r>
+            <a:r>
+              <a:rPr lang="nl-BE" baseline="0" dirty="0" smtClean="0"/>
+              <a:t> verwijderen van een bier</a:t>
+            </a:r>
+          </a:p>
+          <a:p>
+            <a:r>
+              <a:rPr lang="nl-BE" baseline="0" dirty="0" smtClean="0"/>
+              <a:t>Ook mogelijk om je eigen </a:t>
+            </a:r>
+            <a:r>
+              <a:rPr lang="nl-BE" baseline="0" dirty="0" err="1" smtClean="0"/>
+              <a:t>dialog</a:t>
+            </a:r>
+            <a:r>
+              <a:rPr lang="nl-BE" baseline="0" dirty="0" smtClean="0"/>
+              <a:t> te ontwerpen voor </a:t>
+            </a:r>
+            <a:r>
+              <a:rPr lang="nl-BE" baseline="0" dirty="0" err="1" smtClean="0"/>
+              <a:t>showDialog</a:t>
+            </a:r>
+            <a:r>
+              <a:rPr lang="nl-BE" baseline="0" dirty="0" smtClean="0"/>
+              <a:t>, zie search</a:t>
+            </a:r>
           </a:p>
         </p:txBody>
       </p:sp>
@@ -2293,7 +2451,7 @@
     </p:spTree>
     <p:extLst>
       <p:ext uri="{BB962C8B-B14F-4D97-AF65-F5344CB8AC3E}">
-        <p14:creationId xmlns:p14="http://schemas.microsoft.com/office/powerpoint/2010/main" val="2754514785"/>
+        <p14:creationId xmlns:p14="http://schemas.microsoft.com/office/powerpoint/2010/main" val="3055863286"/>
       </p:ext>
     </p:extLst>
   </p:cSld>
@@ -2348,396 +2506,43 @@
           <a:lstStyle/>
           <a:p>
             <a:r>
-              <a:rPr lang="nl-BE" dirty="0" smtClean="0"/>
-              <a:t>Router </a:t>
-            </a:r>
-            <a:r>
-              <a:rPr lang="nl-BE" dirty="0" err="1" smtClean="0"/>
-              <a:t>mappings</a:t>
-            </a:r>
-            <a:r>
-              <a:rPr lang="nl-BE" dirty="0" smtClean="0"/>
-              <a:t>:</a:t>
-            </a:r>
-          </a:p>
-          <a:p>
-            <a:r>
-              <a:rPr lang="nl-BE" dirty="0" smtClean="0"/>
-              <a:t>	route:</a:t>
-            </a:r>
-            <a:r>
-              <a:rPr lang="nl-BE" baseline="0" dirty="0" smtClean="0"/>
-              <a:t> wat in de </a:t>
+              <a:rPr lang="nl-BE" dirty="0" err="1" smtClean="0"/>
+              <a:t>applicationHost</a:t>
+            </a:r>
+            <a:r>
+              <a:rPr lang="nl-BE" dirty="0" smtClean="0"/>
+              <a:t> is waar alles in gebeurt, hierin</a:t>
+            </a:r>
+            <a:r>
+              <a:rPr lang="nl-BE" baseline="0" dirty="0" smtClean="0"/>
+              <a:t> plaatst </a:t>
             </a:r>
             <a:r>
               <a:rPr lang="nl-BE" baseline="0" dirty="0" err="1" smtClean="0"/>
-              <a:t>url</a:t>
-            </a:r>
-            <a:r>
-              <a:rPr lang="nl-BE" baseline="0" dirty="0" smtClean="0"/>
-              <a:t> te zien is, leeg is de default route</a:t>
-            </a:r>
-          </a:p>
-          <a:p>
-            <a:r>
-              <a:rPr lang="nl-BE" baseline="0" dirty="0" smtClean="0"/>
-              <a:t>	</a:t>
+              <a:t>Durandal</a:t>
+            </a:r>
+            <a:r>
+              <a:rPr lang="nl-BE" baseline="0" dirty="0" smtClean="0"/>
+              <a:t> je views</a:t>
+            </a:r>
+            <a:endParaRPr lang="nl-BE" dirty="0" smtClean="0"/>
+          </a:p>
+          <a:p>
+            <a:r>
+              <a:rPr lang="nl-BE" dirty="0" smtClean="0"/>
+              <a:t>HTML die er al in staat wordt overschreven,</a:t>
+            </a:r>
+            <a:r>
+              <a:rPr lang="nl-BE" baseline="0" dirty="0" smtClean="0"/>
+              <a:t> maar kan als </a:t>
             </a:r>
             <a:r>
               <a:rPr lang="nl-BE" baseline="0" dirty="0" err="1" smtClean="0"/>
-              <a:t>title</a:t>
-            </a:r>
-            <a:r>
-              <a:rPr lang="nl-BE" baseline="0" dirty="0" smtClean="0"/>
-              <a:t>: gebruikt voor </a:t>
-            </a:r>
-            <a:r>
-              <a:rPr lang="nl-BE" baseline="0" dirty="0" err="1" smtClean="0"/>
-              <a:t>document.title</a:t>
-            </a:r>
-            <a:endParaRPr lang="nl-BE" baseline="0" dirty="0" smtClean="0"/>
-          </a:p>
-          <a:p>
-            <a:r>
-              <a:rPr lang="nl-BE" baseline="0" dirty="0" smtClean="0"/>
-              <a:t>	</a:t>
-            </a:r>
-            <a:r>
-              <a:rPr lang="nl-BE" baseline="0" dirty="0" err="1" smtClean="0"/>
-              <a:t>moduleId</a:t>
-            </a:r>
-            <a:r>
-              <a:rPr lang="nl-BE" baseline="0" dirty="0" smtClean="0"/>
-              <a:t>: </a:t>
-            </a:r>
-            <a:r>
-              <a:rPr lang="nl-BE" baseline="0" dirty="0" err="1" smtClean="0"/>
-              <a:t>id</a:t>
-            </a:r>
-            <a:r>
-              <a:rPr lang="nl-BE" baseline="0" dirty="0" smtClean="0"/>
-              <a:t> van je module, ook gebruikt om viewmodel op te sporen (en daarna bijbehorende view)</a:t>
-            </a:r>
-          </a:p>
-          <a:p>
-            <a:r>
-              <a:rPr lang="nl-BE" baseline="0" dirty="0" smtClean="0"/>
-              <a:t>	</a:t>
-            </a:r>
-            <a:r>
-              <a:rPr lang="nl-BE" baseline="0" dirty="0" err="1" smtClean="0"/>
-              <a:t>nav</a:t>
-            </a:r>
-            <a:r>
-              <a:rPr lang="nl-BE" baseline="0" dirty="0" smtClean="0"/>
-              <a:t>: of het opgenomen moet worden in </a:t>
-            </a:r>
-            <a:r>
-              <a:rPr lang="nl-BE" baseline="0" dirty="0" err="1" smtClean="0"/>
-              <a:t>router.navigationModel</a:t>
-            </a:r>
-            <a:r>
-              <a:rPr lang="nl-BE" baseline="0" dirty="0" smtClean="0"/>
-              <a:t> (</a:t>
-            </a:r>
-            <a:r>
-              <a:rPr lang="nl-BE" baseline="0" dirty="0" err="1" smtClean="0"/>
-              <a:t>true</a:t>
-            </a:r>
-            <a:r>
-              <a:rPr lang="nl-BE" baseline="0" dirty="0" smtClean="0"/>
-              <a:t>/</a:t>
-            </a:r>
-            <a:r>
-              <a:rPr lang="nl-BE" baseline="0" dirty="0" err="1" smtClean="0"/>
-              <a:t>false</a:t>
-            </a:r>
-            <a:r>
-              <a:rPr lang="nl-BE" baseline="0" dirty="0" smtClean="0"/>
-              <a:t>) of de volgorde (int)</a:t>
-            </a:r>
-          </a:p>
-          <a:p>
-            <a:endParaRPr lang="nl-BE" baseline="0" dirty="0" smtClean="0"/>
-          </a:p>
-          <a:p>
-            <a:r>
-              <a:rPr lang="nl-BE" baseline="0" dirty="0" smtClean="0"/>
-              <a:t>	parameters: </a:t>
-            </a:r>
-            <a:r>
-              <a:rPr lang="nl-BE" baseline="0" dirty="0" err="1" smtClean="0"/>
-              <a:t>myRoute</a:t>
-            </a:r>
-            <a:r>
-              <a:rPr lang="nl-BE" baseline="0" dirty="0" smtClean="0"/>
-              <a:t>/:</a:t>
-            </a:r>
-            <a:r>
-              <a:rPr lang="nl-BE" baseline="0" dirty="0" err="1" smtClean="0"/>
-              <a:t>id</a:t>
-            </a:r>
-            <a:r>
-              <a:rPr lang="nl-BE" baseline="0" dirty="0" smtClean="0"/>
-              <a:t> of indien optioneel: </a:t>
-            </a:r>
-            <a:r>
-              <a:rPr lang="nl-BE" baseline="0" dirty="0" err="1" smtClean="0"/>
-              <a:t>myRoute</a:t>
-            </a:r>
-            <a:r>
-              <a:rPr lang="nl-BE" baseline="0" dirty="0" smtClean="0"/>
-              <a:t>(/:</a:t>
-            </a:r>
-            <a:r>
-              <a:rPr lang="nl-BE" baseline="0" dirty="0" err="1" smtClean="0"/>
-              <a:t>id</a:t>
-            </a:r>
-            <a:r>
-              <a:rPr lang="nl-BE" baseline="0" dirty="0" smtClean="0"/>
-              <a:t>)</a:t>
-            </a:r>
-          </a:p>
-          <a:p>
-            <a:r>
-              <a:rPr lang="nl-BE" baseline="0" dirty="0" smtClean="0"/>
-              <a:t>		meerdere parameters zijn mogelijk, volgorde wordt bewaard in </a:t>
-            </a:r>
-            <a:r>
-              <a:rPr lang="nl-BE" baseline="0" dirty="0" err="1" smtClean="0"/>
-              <a:t>activate</a:t>
-            </a:r>
-            <a:r>
-              <a:rPr lang="nl-BE" baseline="0" dirty="0" smtClean="0"/>
-              <a:t> call</a:t>
-            </a:r>
-          </a:p>
-          <a:p>
-            <a:r>
-              <a:rPr lang="nl-BE" baseline="0" dirty="0" smtClean="0"/>
-              <a:t>		</a:t>
-            </a:r>
-            <a:r>
-              <a:rPr lang="nl-BE" baseline="0" dirty="0" err="1" smtClean="0"/>
-              <a:t>queryString</a:t>
-            </a:r>
-            <a:r>
-              <a:rPr lang="nl-BE" baseline="0" dirty="0" smtClean="0"/>
-              <a:t> is laatste object in </a:t>
-            </a:r>
-            <a:r>
-              <a:rPr lang="nl-BE" baseline="0" dirty="0" err="1" smtClean="0"/>
-              <a:t>activate</a:t>
-            </a:r>
-            <a:r>
-              <a:rPr lang="nl-BE" baseline="0" dirty="0" smtClean="0"/>
-              <a:t> </a:t>
-            </a:r>
-            <a:r>
-              <a:rPr lang="nl-BE" baseline="0" dirty="0" err="1" smtClean="0"/>
-              <a:t>and</a:t>
-            </a:r>
-            <a:r>
-              <a:rPr lang="nl-BE" baseline="0" dirty="0" smtClean="0"/>
-              <a:t> is een JS object met </a:t>
-            </a:r>
-            <a:r>
-              <a:rPr lang="nl-BE" baseline="0" dirty="0" err="1" smtClean="0"/>
-              <a:t>properties</a:t>
-            </a:r>
-            <a:r>
-              <a:rPr lang="nl-BE" baseline="0" dirty="0" smtClean="0"/>
-              <a:t> volgens querystring </a:t>
-            </a:r>
-            <a:r>
-              <a:rPr lang="nl-BE" baseline="0" dirty="0" err="1" smtClean="0"/>
-              <a:t>keys</a:t>
-            </a:r>
-            <a:endParaRPr lang="nl-BE" baseline="0" dirty="0" smtClean="0"/>
-          </a:p>
-          <a:p>
-            <a:r>
-              <a:rPr lang="nl-BE" baseline="0" dirty="0" smtClean="0"/>
-              <a:t>	</a:t>
-            </a:r>
-            <a:r>
-              <a:rPr lang="nl-BE" baseline="0" dirty="0" err="1" smtClean="0"/>
-              <a:t>splat</a:t>
-            </a:r>
-            <a:r>
-              <a:rPr lang="nl-BE" baseline="0" dirty="0" smtClean="0"/>
-              <a:t> route: </a:t>
-            </a:r>
-            <a:r>
-              <a:rPr lang="nl-BE" baseline="0" dirty="0" err="1" smtClean="0"/>
-              <a:t>myRoute</a:t>
-            </a:r>
-            <a:r>
-              <a:rPr lang="nl-BE" baseline="0" dirty="0" smtClean="0"/>
-              <a:t>*details</a:t>
-            </a:r>
-          </a:p>
-          <a:p>
-            <a:r>
-              <a:rPr lang="nl-BE" baseline="0" dirty="0" smtClean="0"/>
-              <a:t>	</a:t>
-            </a:r>
-            <a:endParaRPr lang="nl-BE" dirty="0" smtClean="0"/>
-          </a:p>
-          <a:p>
-            <a:r>
-              <a:rPr lang="nl-BE" dirty="0" err="1" smtClean="0"/>
-              <a:t>buildNavigationModel</a:t>
-            </a:r>
-            <a:r>
-              <a:rPr lang="nl-BE" dirty="0" smtClean="0"/>
-              <a:t>: alle routes met </a:t>
-            </a:r>
-            <a:r>
-              <a:rPr lang="nl-BE" dirty="0" err="1" smtClean="0"/>
-              <a:t>nav</a:t>
-            </a:r>
-            <a:r>
-              <a:rPr lang="nl-BE" dirty="0" smtClean="0"/>
-              <a:t>: </a:t>
-            </a:r>
-            <a:r>
-              <a:rPr lang="nl-BE" dirty="0" err="1" smtClean="0"/>
-              <a:t>true</a:t>
-            </a:r>
-            <a:r>
-              <a:rPr lang="nl-BE" dirty="0" smtClean="0"/>
-              <a:t> worden in de array </a:t>
-            </a:r>
-            <a:r>
-              <a:rPr lang="nl-BE" dirty="0" err="1" smtClean="0"/>
-              <a:t>router.navigationModel</a:t>
-            </a:r>
-            <a:r>
-              <a:rPr lang="nl-BE" dirty="0" smtClean="0"/>
-              <a:t> gegoten om te kunnen binden in navigatie</a:t>
-            </a:r>
-            <a:r>
-              <a:rPr lang="nl-BE" baseline="0" dirty="0" smtClean="0"/>
-              <a:t> (zie shell.html)</a:t>
-            </a:r>
-          </a:p>
-          <a:p>
-            <a:endParaRPr lang="nl-BE" baseline="0" dirty="0" smtClean="0"/>
-          </a:p>
-          <a:p>
-            <a:r>
-              <a:rPr lang="nl-BE" baseline="0" dirty="0" smtClean="0"/>
-              <a:t>Router gebruiken:</a:t>
-            </a:r>
-          </a:p>
-          <a:p>
-            <a:r>
-              <a:rPr lang="nl-BE" baseline="0" dirty="0" smtClean="0"/>
-              <a:t>	indien &lt;a&gt;: </a:t>
-            </a:r>
-            <a:r>
-              <a:rPr lang="nl-BE" baseline="0" dirty="0" err="1" smtClean="0"/>
-              <a:t>hash</a:t>
-            </a:r>
-            <a:r>
-              <a:rPr lang="nl-BE" baseline="0" dirty="0" smtClean="0"/>
-              <a:t> gebruiken (zie beers.html en </a:t>
-            </a:r>
-            <a:r>
-              <a:rPr lang="nl-BE" baseline="0" dirty="0" err="1" smtClean="0"/>
-              <a:t>add</a:t>
-            </a:r>
-            <a:r>
-              <a:rPr lang="nl-BE" baseline="0" dirty="0" smtClean="0"/>
-              <a:t> link)</a:t>
-            </a:r>
-          </a:p>
-          <a:p>
-            <a:r>
-              <a:rPr lang="nl-BE" baseline="0" dirty="0" smtClean="0"/>
-              <a:t>	vanuit JS: </a:t>
-            </a:r>
-            <a:r>
-              <a:rPr lang="nl-BE" baseline="0" dirty="0" err="1" smtClean="0"/>
-              <a:t>router.navigate</a:t>
-            </a:r>
-            <a:r>
-              <a:rPr lang="nl-BE" baseline="0" dirty="0" smtClean="0"/>
-              <a:t>(‘#</a:t>
-            </a:r>
-            <a:r>
-              <a:rPr lang="nl-BE" baseline="0" dirty="0" err="1" smtClean="0"/>
-              <a:t>hash</a:t>
-            </a:r>
-            <a:r>
-              <a:rPr lang="nl-BE" baseline="0" dirty="0" smtClean="0"/>
-              <a:t>’); (zie add.js)</a:t>
-            </a:r>
-          </a:p>
-          <a:p>
-            <a:endParaRPr lang="nl-BE" baseline="0" dirty="0" smtClean="0"/>
-          </a:p>
-          <a:p>
-            <a:r>
-              <a:rPr lang="nl-BE" baseline="0" dirty="0" smtClean="0"/>
-              <a:t>Router kan nog meer:</a:t>
-            </a:r>
-          </a:p>
-          <a:p>
-            <a:r>
-              <a:rPr lang="nl-BE" baseline="0" dirty="0" smtClean="0"/>
-              <a:t>	</a:t>
-            </a:r>
-            <a:r>
-              <a:rPr lang="nl-BE" baseline="0" dirty="0" err="1" smtClean="0"/>
-              <a:t>history</a:t>
-            </a:r>
-            <a:r>
-              <a:rPr lang="nl-BE" baseline="0" dirty="0" smtClean="0"/>
-              <a:t> veranderen</a:t>
-            </a:r>
-          </a:p>
-          <a:p>
-            <a:r>
-              <a:rPr lang="nl-BE" baseline="0" dirty="0" smtClean="0"/>
-              <a:t>	</a:t>
-            </a:r>
-            <a:r>
-              <a:rPr lang="nl-BE" baseline="0" dirty="0" err="1" smtClean="0"/>
-              <a:t>router.navigateBack</a:t>
-            </a:r>
-            <a:r>
-              <a:rPr lang="nl-BE" baseline="0" dirty="0" smtClean="0"/>
-              <a:t>() om terug te gaan</a:t>
-            </a:r>
-          </a:p>
-          <a:p>
-            <a:r>
-              <a:rPr lang="nl-BE" baseline="0" dirty="0" smtClean="0"/>
-              <a:t>	routes die niet </a:t>
-            </a:r>
-            <a:r>
-              <a:rPr lang="nl-BE" baseline="0" dirty="0" err="1" smtClean="0"/>
-              <a:t>gematcht</a:t>
-            </a:r>
-            <a:r>
-              <a:rPr lang="nl-BE" baseline="0" dirty="0" smtClean="0"/>
-              <a:t> kunnen worden (zie shell.js)</a:t>
-            </a:r>
-          </a:p>
-          <a:p>
-            <a:r>
-              <a:rPr lang="nl-BE" baseline="0" dirty="0" smtClean="0"/>
-              <a:t>	</a:t>
-            </a:r>
-            <a:r>
-              <a:rPr lang="nl-BE" baseline="0" dirty="0" err="1" smtClean="0"/>
-              <a:t>child</a:t>
-            </a:r>
-            <a:r>
-              <a:rPr lang="nl-BE" baseline="0" dirty="0" smtClean="0"/>
-              <a:t> routers</a:t>
+              <a:t>splashscreen</a:t>
+            </a:r>
+            <a:r>
+              <a:rPr lang="nl-BE" baseline="0" dirty="0" smtClean="0"/>
+              <a:t> dienen (deze techniek kan overal toegepast worden)</a:t>
             </a:r>
             <a:endParaRPr lang="en-US" dirty="0"/>
           </a:p>
@@ -2769,7 +2574,7 @@
     </p:spTree>
     <p:extLst>
       <p:ext uri="{BB962C8B-B14F-4D97-AF65-F5344CB8AC3E}">
-        <p14:creationId xmlns:p14="http://schemas.microsoft.com/office/powerpoint/2010/main" val="3530374302"/>
+        <p14:creationId xmlns:p14="http://schemas.microsoft.com/office/powerpoint/2010/main" val="1795069426"/>
       </p:ext>
     </p:extLst>
   </p:cSld>
@@ -2823,93 +2628,6 @@
           <a:bodyPr/>
           <a:lstStyle/>
           <a:p>
-            <a:r>
-              <a:rPr lang="nl-BE" dirty="0" smtClean="0"/>
-              <a:t>http</a:t>
-            </a:r>
-            <a:r>
-              <a:rPr lang="nl-BE" baseline="0" dirty="0" smtClean="0"/>
-              <a:t> en </a:t>
-            </a:r>
-            <a:r>
-              <a:rPr lang="nl-BE" baseline="0" dirty="0" err="1" smtClean="0"/>
-              <a:t>serializer</a:t>
-            </a:r>
-            <a:r>
-              <a:rPr lang="nl-BE" baseline="0" dirty="0" smtClean="0"/>
-              <a:t> zijn om met data van de backend te werken. J</a:t>
-            </a:r>
-            <a:r>
-              <a:rPr lang="nl-BE" dirty="0" smtClean="0"/>
-              <a:t>e kan uiteraard ook andere </a:t>
-            </a:r>
-            <a:r>
-              <a:rPr lang="nl-BE" dirty="0" err="1" smtClean="0"/>
-              <a:t>libraries</a:t>
-            </a:r>
-            <a:r>
-              <a:rPr lang="nl-BE" dirty="0" smtClean="0"/>
-              <a:t> gebruiken, bv </a:t>
-            </a:r>
-            <a:r>
-              <a:rPr lang="nl-BE" dirty="0" err="1" smtClean="0"/>
-              <a:t>jQuery</a:t>
-            </a:r>
-            <a:endParaRPr lang="nl-BE" dirty="0" smtClean="0"/>
-          </a:p>
-          <a:p>
-            <a:r>
-              <a:rPr lang="nl-BE" dirty="0" err="1" smtClean="0"/>
-              <a:t>observable</a:t>
-            </a:r>
-            <a:r>
-              <a:rPr lang="nl-BE" dirty="0" smtClean="0"/>
-              <a:t>: om tegen</a:t>
-            </a:r>
-            <a:r>
-              <a:rPr lang="nl-BE" baseline="0" dirty="0" smtClean="0"/>
-              <a:t> gewone JS objecten te </a:t>
-            </a:r>
-            <a:r>
-              <a:rPr lang="nl-BE" baseline="0" dirty="0" err="1" smtClean="0"/>
-              <a:t>databinden</a:t>
-            </a:r>
-            <a:r>
-              <a:rPr lang="nl-BE" baseline="0" dirty="0" smtClean="0"/>
-              <a:t>, niet via </a:t>
-            </a:r>
-            <a:r>
-              <a:rPr lang="nl-BE" baseline="0" dirty="0" err="1" smtClean="0"/>
-              <a:t>Knockout</a:t>
-            </a:r>
-            <a:r>
-              <a:rPr lang="nl-BE" baseline="0" dirty="0" smtClean="0"/>
-              <a:t>. Werkt enkel met browsers die ES5 ondersteunen (</a:t>
-            </a:r>
-            <a:r>
-              <a:rPr lang="nl-BE" baseline="0" dirty="0" err="1" smtClean="0"/>
-              <a:t>defineProperty</a:t>
-            </a:r>
-            <a:r>
-              <a:rPr lang="nl-BE" baseline="0" dirty="0" smtClean="0"/>
-              <a:t>). Deze </a:t>
-            </a:r>
-            <a:r>
-              <a:rPr lang="nl-BE" baseline="0" dirty="0" err="1" smtClean="0"/>
-              <a:t>plugin</a:t>
-            </a:r>
-            <a:r>
-              <a:rPr lang="nl-BE" baseline="0" dirty="0" smtClean="0"/>
-              <a:t> kan ook met </a:t>
-            </a:r>
-            <a:r>
-              <a:rPr lang="nl-BE" baseline="0" dirty="0" err="1" smtClean="0"/>
-              <a:t>promises</a:t>
-            </a:r>
-            <a:r>
-              <a:rPr lang="nl-BE" baseline="0" dirty="0" smtClean="0"/>
-              <a:t> overweg.</a:t>
-            </a:r>
             <a:endParaRPr lang="en-US" dirty="0"/>
           </a:p>
         </p:txBody>
@@ -2940,7 +2658,7 @@
     </p:spTree>
     <p:extLst>
       <p:ext uri="{BB962C8B-B14F-4D97-AF65-F5344CB8AC3E}">
-        <p14:creationId xmlns:p14="http://schemas.microsoft.com/office/powerpoint/2010/main" val="2081039205"/>
+        <p14:creationId xmlns:p14="http://schemas.microsoft.com/office/powerpoint/2010/main" val="2754514785"/>
       </p:ext>
     </p:extLst>
   </p:cSld>
@@ -2996,33 +2714,395 @@
           <a:p>
             <a:r>
               <a:rPr lang="nl-BE" dirty="0" smtClean="0"/>
-              <a:t>SEO: komt er op neer dat je aan de serverkant een </a:t>
-            </a:r>
-            <a:r>
-              <a:rPr lang="nl-BE" dirty="0" err="1" smtClean="0"/>
-              <a:t>headless</a:t>
-            </a:r>
-            <a:r>
-              <a:rPr lang="nl-BE" dirty="0" smtClean="0"/>
-              <a:t> browser gebruikt</a:t>
-            </a:r>
-            <a:r>
-              <a:rPr lang="nl-BE" baseline="0" dirty="0" smtClean="0"/>
-              <a:t> (bv </a:t>
+              <a:t>Router </a:t>
+            </a:r>
+            <a:r>
+              <a:rPr lang="nl-BE" dirty="0" err="1" smtClean="0"/>
+              <a:t>mappings</a:t>
+            </a:r>
+            <a:r>
+              <a:rPr lang="nl-BE" dirty="0" smtClean="0"/>
+              <a:t>:</a:t>
+            </a:r>
+          </a:p>
+          <a:p>
+            <a:r>
+              <a:rPr lang="nl-BE" dirty="0" smtClean="0"/>
+              <a:t>	route:</a:t>
+            </a:r>
+            <a:r>
+              <a:rPr lang="nl-BE" baseline="0" dirty="0" smtClean="0"/>
+              <a:t> wat in de </a:t>
             </a:r>
             <a:r>
               <a:rPr lang="nl-BE" baseline="0" dirty="0" err="1" smtClean="0"/>
-              <a:t>PhantomJS</a:t>
-            </a:r>
-            <a:r>
-              <a:rPr lang="nl-BE" baseline="0" dirty="0" smtClean="0"/>
-              <a:t>) om HTML snapshots te genereren voor Google</a:t>
-            </a:r>
-          </a:p>
-          <a:p>
-            <a:r>
-              <a:rPr lang="nl-BE" baseline="0" dirty="0" smtClean="0"/>
-              <a:t>Node-Webkit: om native desktop applicaties te maken</a:t>
+              <a:t>url</a:t>
+            </a:r>
+            <a:r>
+              <a:rPr lang="nl-BE" baseline="0" dirty="0" smtClean="0"/>
+              <a:t> te zien is, leeg is de default route</a:t>
+            </a:r>
+          </a:p>
+          <a:p>
+            <a:r>
+              <a:rPr lang="nl-BE" baseline="0" dirty="0" smtClean="0"/>
+              <a:t>	</a:t>
+            </a:r>
+            <a:r>
+              <a:rPr lang="nl-BE" baseline="0" dirty="0" err="1" smtClean="0"/>
+              <a:t>title</a:t>
+            </a:r>
+            <a:r>
+              <a:rPr lang="nl-BE" baseline="0" dirty="0" smtClean="0"/>
+              <a:t>: gebruikt voor </a:t>
+            </a:r>
+            <a:r>
+              <a:rPr lang="nl-BE" baseline="0" dirty="0" err="1" smtClean="0"/>
+              <a:t>document.title</a:t>
+            </a:r>
+            <a:endParaRPr lang="nl-BE" baseline="0" dirty="0" smtClean="0"/>
+          </a:p>
+          <a:p>
+            <a:r>
+              <a:rPr lang="nl-BE" baseline="0" dirty="0" smtClean="0"/>
+              <a:t>	</a:t>
+            </a:r>
+            <a:r>
+              <a:rPr lang="nl-BE" baseline="0" dirty="0" err="1" smtClean="0"/>
+              <a:t>moduleId</a:t>
+            </a:r>
+            <a:r>
+              <a:rPr lang="nl-BE" baseline="0" dirty="0" smtClean="0"/>
+              <a:t>: </a:t>
+            </a:r>
+            <a:r>
+              <a:rPr lang="nl-BE" baseline="0" dirty="0" err="1" smtClean="0"/>
+              <a:t>id</a:t>
+            </a:r>
+            <a:r>
+              <a:rPr lang="nl-BE" baseline="0" dirty="0" smtClean="0"/>
+              <a:t> van je module, ook gebruikt om viewmodel op te sporen (en daarna bijbehorende view)</a:t>
+            </a:r>
+          </a:p>
+          <a:p>
+            <a:r>
+              <a:rPr lang="nl-BE" baseline="0" dirty="0" smtClean="0"/>
+              <a:t>	</a:t>
+            </a:r>
+            <a:r>
+              <a:rPr lang="nl-BE" baseline="0" dirty="0" err="1" smtClean="0"/>
+              <a:t>nav</a:t>
+            </a:r>
+            <a:r>
+              <a:rPr lang="nl-BE" baseline="0" dirty="0" smtClean="0"/>
+              <a:t>: of het opgenomen moet worden in </a:t>
+            </a:r>
+            <a:r>
+              <a:rPr lang="nl-BE" baseline="0" dirty="0" err="1" smtClean="0"/>
+              <a:t>router.navigationModel</a:t>
+            </a:r>
+            <a:r>
+              <a:rPr lang="nl-BE" baseline="0" dirty="0" smtClean="0"/>
+              <a:t> (</a:t>
+            </a:r>
+            <a:r>
+              <a:rPr lang="nl-BE" baseline="0" dirty="0" err="1" smtClean="0"/>
+              <a:t>true</a:t>
+            </a:r>
+            <a:r>
+              <a:rPr lang="nl-BE" baseline="0" dirty="0" smtClean="0"/>
+              <a:t>/</a:t>
+            </a:r>
+            <a:r>
+              <a:rPr lang="nl-BE" baseline="0" dirty="0" err="1" smtClean="0"/>
+              <a:t>false</a:t>
+            </a:r>
+            <a:r>
+              <a:rPr lang="nl-BE" baseline="0" dirty="0" smtClean="0"/>
+              <a:t>) of de volgorde (int)</a:t>
+            </a:r>
+          </a:p>
+          <a:p>
+            <a:endParaRPr lang="nl-BE" baseline="0" dirty="0" smtClean="0"/>
+          </a:p>
+          <a:p>
+            <a:r>
+              <a:rPr lang="nl-BE" baseline="0" dirty="0" smtClean="0"/>
+              <a:t>	parameters: </a:t>
+            </a:r>
+            <a:r>
+              <a:rPr lang="nl-BE" baseline="0" dirty="0" err="1" smtClean="0"/>
+              <a:t>myRoute</a:t>
+            </a:r>
+            <a:r>
+              <a:rPr lang="nl-BE" baseline="0" dirty="0" smtClean="0"/>
+              <a:t>/:</a:t>
+            </a:r>
+            <a:r>
+              <a:rPr lang="nl-BE" baseline="0" dirty="0" err="1" smtClean="0"/>
+              <a:t>id</a:t>
+            </a:r>
+            <a:r>
+              <a:rPr lang="nl-BE" baseline="0" dirty="0" smtClean="0"/>
+              <a:t> of indien optioneel: </a:t>
+            </a:r>
+            <a:r>
+              <a:rPr lang="nl-BE" baseline="0" dirty="0" err="1" smtClean="0"/>
+              <a:t>myRoute</a:t>
+            </a:r>
+            <a:r>
+              <a:rPr lang="nl-BE" baseline="0" dirty="0" smtClean="0"/>
+              <a:t>(/:</a:t>
+            </a:r>
+            <a:r>
+              <a:rPr lang="nl-BE" baseline="0" dirty="0" err="1" smtClean="0"/>
+              <a:t>id</a:t>
+            </a:r>
+            <a:r>
+              <a:rPr lang="nl-BE" baseline="0" dirty="0" smtClean="0"/>
+              <a:t>)</a:t>
+            </a:r>
+          </a:p>
+          <a:p>
+            <a:r>
+              <a:rPr lang="nl-BE" baseline="0" dirty="0" smtClean="0"/>
+              <a:t>		meerdere parameters zijn mogelijk, volgorde wordt bewaard in </a:t>
+            </a:r>
+            <a:r>
+              <a:rPr lang="nl-BE" baseline="0" dirty="0" err="1" smtClean="0"/>
+              <a:t>activate</a:t>
+            </a:r>
+            <a:r>
+              <a:rPr lang="nl-BE" baseline="0" dirty="0" smtClean="0"/>
+              <a:t> call</a:t>
+            </a:r>
+          </a:p>
+          <a:p>
+            <a:r>
+              <a:rPr lang="nl-BE" baseline="0" dirty="0" smtClean="0"/>
+              <a:t>		</a:t>
+            </a:r>
+            <a:r>
+              <a:rPr lang="nl-BE" baseline="0" dirty="0" err="1" smtClean="0"/>
+              <a:t>queryString</a:t>
+            </a:r>
+            <a:r>
+              <a:rPr lang="nl-BE" baseline="0" dirty="0" smtClean="0"/>
+              <a:t> is laatste object in </a:t>
+            </a:r>
+            <a:r>
+              <a:rPr lang="nl-BE" baseline="0" dirty="0" err="1" smtClean="0"/>
+              <a:t>activate</a:t>
+            </a:r>
+            <a:r>
+              <a:rPr lang="nl-BE" baseline="0" dirty="0" smtClean="0"/>
+              <a:t> </a:t>
+            </a:r>
+            <a:r>
+              <a:rPr lang="nl-BE" baseline="0" dirty="0" err="1" smtClean="0"/>
+              <a:t>and</a:t>
+            </a:r>
+            <a:r>
+              <a:rPr lang="nl-BE" baseline="0" dirty="0" smtClean="0"/>
+              <a:t> is een JS object met </a:t>
+            </a:r>
+            <a:r>
+              <a:rPr lang="nl-BE" baseline="0" dirty="0" err="1" smtClean="0"/>
+              <a:t>properties</a:t>
+            </a:r>
+            <a:r>
+              <a:rPr lang="nl-BE" baseline="0" dirty="0" smtClean="0"/>
+              <a:t> volgens querystring </a:t>
+            </a:r>
+            <a:r>
+              <a:rPr lang="nl-BE" baseline="0" dirty="0" err="1" smtClean="0"/>
+              <a:t>keys</a:t>
+            </a:r>
+            <a:endParaRPr lang="nl-BE" baseline="0" dirty="0" smtClean="0"/>
+          </a:p>
+          <a:p>
+            <a:r>
+              <a:rPr lang="nl-BE" baseline="0" dirty="0" smtClean="0"/>
+              <a:t>	</a:t>
+            </a:r>
+            <a:r>
+              <a:rPr lang="nl-BE" baseline="0" dirty="0" err="1" smtClean="0"/>
+              <a:t>splat</a:t>
+            </a:r>
+            <a:r>
+              <a:rPr lang="nl-BE" baseline="0" dirty="0" smtClean="0"/>
+              <a:t> route: </a:t>
+            </a:r>
+            <a:r>
+              <a:rPr lang="nl-BE" baseline="0" dirty="0" err="1" smtClean="0"/>
+              <a:t>myRoute</a:t>
+            </a:r>
+            <a:r>
+              <a:rPr lang="nl-BE" baseline="0" dirty="0" smtClean="0"/>
+              <a:t>*details</a:t>
+            </a:r>
+          </a:p>
+          <a:p>
+            <a:r>
+              <a:rPr lang="nl-BE" baseline="0" dirty="0" smtClean="0"/>
+              <a:t>	</a:t>
+            </a:r>
+            <a:endParaRPr lang="nl-BE" dirty="0" smtClean="0"/>
+          </a:p>
+          <a:p>
+            <a:r>
+              <a:rPr lang="nl-BE" dirty="0" err="1" smtClean="0"/>
+              <a:t>buildNavigationModel</a:t>
+            </a:r>
+            <a:r>
+              <a:rPr lang="nl-BE" dirty="0" smtClean="0"/>
+              <a:t>: alle routes met </a:t>
+            </a:r>
+            <a:r>
+              <a:rPr lang="nl-BE" dirty="0" err="1" smtClean="0"/>
+              <a:t>nav</a:t>
+            </a:r>
+            <a:r>
+              <a:rPr lang="nl-BE" dirty="0" smtClean="0"/>
+              <a:t>: </a:t>
+            </a:r>
+            <a:r>
+              <a:rPr lang="nl-BE" dirty="0" err="1" smtClean="0"/>
+              <a:t>true</a:t>
+            </a:r>
+            <a:r>
+              <a:rPr lang="nl-BE" dirty="0" smtClean="0"/>
+              <a:t> worden in de array </a:t>
+            </a:r>
+            <a:r>
+              <a:rPr lang="nl-BE" dirty="0" err="1" smtClean="0"/>
+              <a:t>router.navigationModel</a:t>
+            </a:r>
+            <a:r>
+              <a:rPr lang="nl-BE" dirty="0" smtClean="0"/>
+              <a:t> gegoten om te kunnen binden in navigatie</a:t>
+            </a:r>
+            <a:r>
+              <a:rPr lang="nl-BE" baseline="0" dirty="0" smtClean="0"/>
+              <a:t> (zie shell.html)</a:t>
+            </a:r>
+          </a:p>
+          <a:p>
+            <a:endParaRPr lang="nl-BE" baseline="0" dirty="0" smtClean="0"/>
+          </a:p>
+          <a:p>
+            <a:r>
+              <a:rPr lang="nl-BE" baseline="0" dirty="0" smtClean="0"/>
+              <a:t>Router gebruiken:</a:t>
+            </a:r>
+          </a:p>
+          <a:p>
+            <a:r>
+              <a:rPr lang="nl-BE" baseline="0" dirty="0" smtClean="0"/>
+              <a:t>	indien &lt;a&gt;: </a:t>
+            </a:r>
+            <a:r>
+              <a:rPr lang="nl-BE" baseline="0" dirty="0" err="1" smtClean="0"/>
+              <a:t>hash</a:t>
+            </a:r>
+            <a:r>
+              <a:rPr lang="nl-BE" baseline="0" dirty="0" smtClean="0"/>
+              <a:t> gebruiken (zie beers.html en </a:t>
+            </a:r>
+            <a:r>
+              <a:rPr lang="nl-BE" baseline="0" dirty="0" err="1" smtClean="0"/>
+              <a:t>add</a:t>
+            </a:r>
+            <a:r>
+              <a:rPr lang="nl-BE" baseline="0" dirty="0" smtClean="0"/>
+              <a:t> link)</a:t>
+            </a:r>
+          </a:p>
+          <a:p>
+            <a:r>
+              <a:rPr lang="nl-BE" baseline="0" dirty="0" smtClean="0"/>
+              <a:t>	vanuit JS: </a:t>
+            </a:r>
+            <a:r>
+              <a:rPr lang="nl-BE" baseline="0" dirty="0" err="1" smtClean="0"/>
+              <a:t>router.navigate</a:t>
+            </a:r>
+            <a:r>
+              <a:rPr lang="nl-BE" baseline="0" dirty="0" smtClean="0"/>
+              <a:t>(‘#</a:t>
+            </a:r>
+            <a:r>
+              <a:rPr lang="nl-BE" baseline="0" dirty="0" err="1" smtClean="0"/>
+              <a:t>hash</a:t>
+            </a:r>
+            <a:r>
+              <a:rPr lang="nl-BE" baseline="0" dirty="0" smtClean="0"/>
+              <a:t>’); (zie add.js)</a:t>
+            </a:r>
+          </a:p>
+          <a:p>
+            <a:endParaRPr lang="nl-BE" baseline="0" dirty="0" smtClean="0"/>
+          </a:p>
+          <a:p>
+            <a:r>
+              <a:rPr lang="nl-BE" baseline="0" dirty="0" smtClean="0"/>
+              <a:t>Router kan nog meer:</a:t>
+            </a:r>
+          </a:p>
+          <a:p>
+            <a:r>
+              <a:rPr lang="nl-BE" baseline="0" dirty="0" smtClean="0"/>
+              <a:t>	</a:t>
+            </a:r>
+            <a:r>
+              <a:rPr lang="nl-BE" baseline="0" dirty="0" err="1" smtClean="0"/>
+              <a:t>history</a:t>
+            </a:r>
+            <a:r>
+              <a:rPr lang="nl-BE" baseline="0" dirty="0" smtClean="0"/>
+              <a:t> veranderen</a:t>
+            </a:r>
+          </a:p>
+          <a:p>
+            <a:r>
+              <a:rPr lang="nl-BE" baseline="0" dirty="0" smtClean="0"/>
+              <a:t>	</a:t>
+            </a:r>
+            <a:r>
+              <a:rPr lang="nl-BE" baseline="0" dirty="0" err="1" smtClean="0"/>
+              <a:t>router.navigateBack</a:t>
+            </a:r>
+            <a:r>
+              <a:rPr lang="nl-BE" baseline="0" dirty="0" smtClean="0"/>
+              <a:t>() om terug te gaan</a:t>
+            </a:r>
+          </a:p>
+          <a:p>
+            <a:r>
+              <a:rPr lang="nl-BE" baseline="0" dirty="0" smtClean="0"/>
+              <a:t>	routes die niet </a:t>
+            </a:r>
+            <a:r>
+              <a:rPr lang="nl-BE" baseline="0" dirty="0" err="1" smtClean="0"/>
+              <a:t>gematcht</a:t>
+            </a:r>
+            <a:r>
+              <a:rPr lang="nl-BE" baseline="0" dirty="0" smtClean="0"/>
+              <a:t> kunnen worden (zie shell.js)</a:t>
+            </a:r>
+          </a:p>
+          <a:p>
+            <a:r>
+              <a:rPr lang="nl-BE" baseline="0" dirty="0" smtClean="0"/>
+              <a:t>	</a:t>
+            </a:r>
+            <a:r>
+              <a:rPr lang="nl-BE" baseline="0" dirty="0" err="1" smtClean="0"/>
+              <a:t>child</a:t>
+            </a:r>
+            <a:r>
+              <a:rPr lang="nl-BE" baseline="0" dirty="0" smtClean="0"/>
+              <a:t> routers</a:t>
             </a:r>
             <a:endParaRPr lang="en-US" dirty="0"/>
           </a:p>
@@ -3045,7 +3125,7 @@
           <a:p>
             <a:fld id="{0DF56419-AC34-45D0-BAB8-5A4CB1E563BF}" type="slidenum">
               <a:rPr lang="en-US" smtClean="0"/>
-              <a:t>36</a:t>
+              <a:t>34</a:t>
             </a:fld>
             <a:endParaRPr lang="en-US"/>
           </a:p>
@@ -3054,7 +3134,7 @@
     </p:spTree>
     <p:extLst>
       <p:ext uri="{BB962C8B-B14F-4D97-AF65-F5344CB8AC3E}">
-        <p14:creationId xmlns:p14="http://schemas.microsoft.com/office/powerpoint/2010/main" val="4037003911"/>
+        <p14:creationId xmlns:p14="http://schemas.microsoft.com/office/powerpoint/2010/main" val="3530374302"/>
       </p:ext>
     </p:extLst>
   </p:cSld>
@@ -3110,6 +3190,291 @@
           <a:p>
             <a:r>
               <a:rPr lang="nl-BE" dirty="0" smtClean="0"/>
+              <a:t>http</a:t>
+            </a:r>
+            <a:r>
+              <a:rPr lang="nl-BE" baseline="0" dirty="0" smtClean="0"/>
+              <a:t> en </a:t>
+            </a:r>
+            <a:r>
+              <a:rPr lang="nl-BE" baseline="0" dirty="0" err="1" smtClean="0"/>
+              <a:t>serializer</a:t>
+            </a:r>
+            <a:r>
+              <a:rPr lang="nl-BE" baseline="0" dirty="0" smtClean="0"/>
+              <a:t> zijn om met data van de backend te werken. J</a:t>
+            </a:r>
+            <a:r>
+              <a:rPr lang="nl-BE" dirty="0" smtClean="0"/>
+              <a:t>e kan uiteraard ook andere </a:t>
+            </a:r>
+            <a:r>
+              <a:rPr lang="nl-BE" dirty="0" err="1" smtClean="0"/>
+              <a:t>libraries</a:t>
+            </a:r>
+            <a:r>
+              <a:rPr lang="nl-BE" dirty="0" smtClean="0"/>
+              <a:t> gebruiken, bv </a:t>
+            </a:r>
+            <a:r>
+              <a:rPr lang="nl-BE" dirty="0" err="1" smtClean="0"/>
+              <a:t>jQuery</a:t>
+            </a:r>
+            <a:endParaRPr lang="nl-BE" dirty="0" smtClean="0"/>
+          </a:p>
+          <a:p>
+            <a:r>
+              <a:rPr lang="nl-BE" dirty="0" err="1" smtClean="0"/>
+              <a:t>observable</a:t>
+            </a:r>
+            <a:r>
+              <a:rPr lang="nl-BE" dirty="0" smtClean="0"/>
+              <a:t>: om tegen</a:t>
+            </a:r>
+            <a:r>
+              <a:rPr lang="nl-BE" baseline="0" dirty="0" smtClean="0"/>
+              <a:t> gewone JS objecten te </a:t>
+            </a:r>
+            <a:r>
+              <a:rPr lang="nl-BE" baseline="0" dirty="0" err="1" smtClean="0"/>
+              <a:t>databinden</a:t>
+            </a:r>
+            <a:r>
+              <a:rPr lang="nl-BE" baseline="0" dirty="0" smtClean="0"/>
+              <a:t>, niet via </a:t>
+            </a:r>
+            <a:r>
+              <a:rPr lang="nl-BE" baseline="0" dirty="0" err="1" smtClean="0"/>
+              <a:t>Knockout</a:t>
+            </a:r>
+            <a:r>
+              <a:rPr lang="nl-BE" baseline="0" dirty="0" smtClean="0"/>
+              <a:t>. Werkt enkel met browsers die ES5 ondersteunen (</a:t>
+            </a:r>
+            <a:r>
+              <a:rPr lang="nl-BE" baseline="0" dirty="0" err="1" smtClean="0"/>
+              <a:t>defineProperty</a:t>
+            </a:r>
+            <a:r>
+              <a:rPr lang="nl-BE" baseline="0" dirty="0" smtClean="0"/>
+              <a:t>). Deze </a:t>
+            </a:r>
+            <a:r>
+              <a:rPr lang="nl-BE" baseline="0" dirty="0" err="1" smtClean="0"/>
+              <a:t>plugin</a:t>
+            </a:r>
+            <a:r>
+              <a:rPr lang="nl-BE" baseline="0" dirty="0" smtClean="0"/>
+              <a:t> kan ook met </a:t>
+            </a:r>
+            <a:r>
+              <a:rPr lang="nl-BE" baseline="0" dirty="0" err="1" smtClean="0"/>
+              <a:t>promises</a:t>
+            </a:r>
+            <a:r>
+              <a:rPr lang="nl-BE" baseline="0" dirty="0" smtClean="0"/>
+              <a:t> overweg.</a:t>
+            </a:r>
+            <a:endParaRPr lang="en-US" dirty="0"/>
+          </a:p>
+        </p:txBody>
+      </p:sp>
+      <p:sp>
+        <p:nvSpPr>
+          <p:cNvPr id="4" name="Slide Number Placeholder 3"/>
+          <p:cNvSpPr>
+            <a:spLocks noGrp="1"/>
+          </p:cNvSpPr>
+          <p:nvPr>
+            <p:ph type="sldNum" sz="quarter" idx="10"/>
+          </p:nvPr>
+        </p:nvSpPr>
+        <p:spPr/>
+        <p:txBody>
+          <a:bodyPr/>
+          <a:lstStyle/>
+          <a:p>
+            <a:fld id="{0DF56419-AC34-45D0-BAB8-5A4CB1E563BF}" type="slidenum">
+              <a:rPr lang="en-US" smtClean="0"/>
+              <a:t>35</a:t>
+            </a:fld>
+            <a:endParaRPr lang="en-US"/>
+          </a:p>
+        </p:txBody>
+      </p:sp>
+    </p:spTree>
+    <p:extLst>
+      <p:ext uri="{BB962C8B-B14F-4D97-AF65-F5344CB8AC3E}">
+        <p14:creationId xmlns:p14="http://schemas.microsoft.com/office/powerpoint/2010/main" val="2081039205"/>
+      </p:ext>
+    </p:extLst>
+  </p:cSld>
+  <p:clrMapOvr>
+    <a:masterClrMapping/>
+  </p:clrMapOvr>
+</p:notes>
+</file>
+
+<file path=ppt/notesSlides/notesSlide25.xml><?xml version="1.0" encoding="utf-8"?>
+<p:notes xmlns:a="http://schemas.openxmlformats.org/drawingml/2006/main" xmlns:r="http://schemas.openxmlformats.org/officeDocument/2006/relationships" xmlns:p="http://schemas.openxmlformats.org/presentationml/2006/main">
+  <p:cSld>
+    <p:spTree>
+      <p:nvGrpSpPr>
+        <p:cNvPr id="1" name=""/>
+        <p:cNvGrpSpPr/>
+        <p:nvPr/>
+      </p:nvGrpSpPr>
+      <p:grpSpPr>
+        <a:xfrm>
+          <a:off x="0" y="0"/>
+          <a:ext cx="0" cy="0"/>
+          <a:chOff x="0" y="0"/>
+          <a:chExt cx="0" cy="0"/>
+        </a:xfrm>
+      </p:grpSpPr>
+      <p:sp>
+        <p:nvSpPr>
+          <p:cNvPr id="2" name="Slide Image Placeholder 1"/>
+          <p:cNvSpPr>
+            <a:spLocks noGrp="1" noRot="1" noChangeAspect="1"/>
+          </p:cNvSpPr>
+          <p:nvPr>
+            <p:ph type="sldImg"/>
+          </p:nvPr>
+        </p:nvSpPr>
+        <p:spPr/>
+      </p:sp>
+      <p:sp>
+        <p:nvSpPr>
+          <p:cNvPr id="3" name="Notes Placeholder 2"/>
+          <p:cNvSpPr>
+            <a:spLocks noGrp="1"/>
+          </p:cNvSpPr>
+          <p:nvPr>
+            <p:ph type="body" idx="1"/>
+          </p:nvPr>
+        </p:nvSpPr>
+        <p:spPr/>
+        <p:txBody>
+          <a:bodyPr/>
+          <a:lstStyle/>
+          <a:p>
+            <a:r>
+              <a:rPr lang="nl-BE" dirty="0" smtClean="0"/>
+              <a:t>SEO: komt er op neer dat je aan de serverkant een </a:t>
+            </a:r>
+            <a:r>
+              <a:rPr lang="nl-BE" dirty="0" err="1" smtClean="0"/>
+              <a:t>headless</a:t>
+            </a:r>
+            <a:r>
+              <a:rPr lang="nl-BE" dirty="0" smtClean="0"/>
+              <a:t> browser gebruikt</a:t>
+            </a:r>
+            <a:r>
+              <a:rPr lang="nl-BE" baseline="0" dirty="0" smtClean="0"/>
+              <a:t> (bv </a:t>
+            </a:r>
+            <a:r>
+              <a:rPr lang="nl-BE" baseline="0" dirty="0" err="1" smtClean="0"/>
+              <a:t>PhantomJS</a:t>
+            </a:r>
+            <a:r>
+              <a:rPr lang="nl-BE" baseline="0" dirty="0" smtClean="0"/>
+              <a:t>) om HTML snapshots te genereren voor Google</a:t>
+            </a:r>
+          </a:p>
+          <a:p>
+            <a:r>
+              <a:rPr lang="nl-BE" baseline="0" dirty="0" smtClean="0"/>
+              <a:t>Node-Webkit: om native desktop applicaties te maken</a:t>
+            </a:r>
+            <a:endParaRPr lang="en-US" dirty="0"/>
+          </a:p>
+        </p:txBody>
+      </p:sp>
+      <p:sp>
+        <p:nvSpPr>
+          <p:cNvPr id="4" name="Slide Number Placeholder 3"/>
+          <p:cNvSpPr>
+            <a:spLocks noGrp="1"/>
+          </p:cNvSpPr>
+          <p:nvPr>
+            <p:ph type="sldNum" sz="quarter" idx="10"/>
+          </p:nvPr>
+        </p:nvSpPr>
+        <p:spPr/>
+        <p:txBody>
+          <a:bodyPr/>
+          <a:lstStyle/>
+          <a:p>
+            <a:fld id="{0DF56419-AC34-45D0-BAB8-5A4CB1E563BF}" type="slidenum">
+              <a:rPr lang="en-US" smtClean="0"/>
+              <a:t>38</a:t>
+            </a:fld>
+            <a:endParaRPr lang="en-US"/>
+          </a:p>
+        </p:txBody>
+      </p:sp>
+    </p:spTree>
+    <p:extLst>
+      <p:ext uri="{BB962C8B-B14F-4D97-AF65-F5344CB8AC3E}">
+        <p14:creationId xmlns:p14="http://schemas.microsoft.com/office/powerpoint/2010/main" val="4037003911"/>
+      </p:ext>
+    </p:extLst>
+  </p:cSld>
+  <p:clrMapOvr>
+    <a:masterClrMapping/>
+  </p:clrMapOvr>
+</p:notes>
+</file>
+
+<file path=ppt/notesSlides/notesSlide26.xml><?xml version="1.0" encoding="utf-8"?>
+<p:notes xmlns:a="http://schemas.openxmlformats.org/drawingml/2006/main" xmlns:r="http://schemas.openxmlformats.org/officeDocument/2006/relationships" xmlns:p="http://schemas.openxmlformats.org/presentationml/2006/main">
+  <p:cSld>
+    <p:spTree>
+      <p:nvGrpSpPr>
+        <p:cNvPr id="1" name=""/>
+        <p:cNvGrpSpPr/>
+        <p:nvPr/>
+      </p:nvGrpSpPr>
+      <p:grpSpPr>
+        <a:xfrm>
+          <a:off x="0" y="0"/>
+          <a:ext cx="0" cy="0"/>
+          <a:chOff x="0" y="0"/>
+          <a:chExt cx="0" cy="0"/>
+        </a:xfrm>
+      </p:grpSpPr>
+      <p:sp>
+        <p:nvSpPr>
+          <p:cNvPr id="2" name="Slide Image Placeholder 1"/>
+          <p:cNvSpPr>
+            <a:spLocks noGrp="1" noRot="1" noChangeAspect="1"/>
+          </p:cNvSpPr>
+          <p:nvPr>
+            <p:ph type="sldImg"/>
+          </p:nvPr>
+        </p:nvSpPr>
+        <p:spPr/>
+      </p:sp>
+      <p:sp>
+        <p:nvSpPr>
+          <p:cNvPr id="3" name="Notes Placeholder 2"/>
+          <p:cNvSpPr>
+            <a:spLocks noGrp="1"/>
+          </p:cNvSpPr>
+          <p:nvPr>
+            <p:ph type="body" idx="1"/>
+          </p:nvPr>
+        </p:nvSpPr>
+        <p:spPr/>
+        <p:txBody>
+          <a:bodyPr/>
+          <a:lstStyle/>
+          <a:p>
+            <a:r>
+              <a:rPr lang="nl-BE" dirty="0" smtClean="0"/>
               <a:t>Allemaal hebben ze heel goed en </a:t>
             </a:r>
             <a:r>
@@ -3137,7 +3502,7 @@
           <a:p>
             <a:fld id="{0DF56419-AC34-45D0-BAB8-5A4CB1E563BF}" type="slidenum">
               <a:rPr lang="en-US" smtClean="0"/>
-              <a:t>37</a:t>
+              <a:t>39</a:t>
             </a:fld>
             <a:endParaRPr lang="en-US"/>
           </a:p>
@@ -4171,7 +4536,7 @@
               <a:t> (script tag met type=‘</a:t>
             </a:r>
             <a:r>
-              <a:rPr lang="nl-BE" baseline="0" smtClean="0"/>
+              <a:rPr lang="nl-BE" baseline="0" dirty="0" err="1" smtClean="0"/>
               <a:t>text</a:t>
             </a:r>
             <a:r>
@@ -4230,7 +4595,7 @@
 
 <file path=ppt/slideLayouts/slideLayout1.xml><?xml version="1.0" encoding="utf-8"?>
 <p:sldLayout xmlns:a="http://schemas.openxmlformats.org/drawingml/2006/main" xmlns:r="http://schemas.openxmlformats.org/officeDocument/2006/relationships" xmlns:p="http://schemas.openxmlformats.org/presentationml/2006/main" type="title" preserve="1">
-  <p:cSld name="Title Slide">
+  <p:cSld name="Titeldia">
     <p:spTree>
       <p:nvGrpSpPr>
         <p:cNvPr id="1" name=""/>
@@ -4247,7 +4612,7 @@
       </p:grpSpPr>
       <p:sp>
         <p:nvSpPr>
-          <p:cNvPr id="2" name="Title 1"/>
+          <p:cNvPr id="2" name="Titel 1"/>
           <p:cNvSpPr>
             <a:spLocks noGrp="1"/>
           </p:cNvSpPr>
@@ -4257,8 +4622,8 @@
         </p:nvSpPr>
         <p:spPr>
           <a:xfrm>
-            <a:off x="1524000" y="1122363"/>
-            <a:ext cx="9144000" cy="2387600"/>
+            <a:off x="719403" y="1772816"/>
+            <a:ext cx="8448939" cy="2387600"/>
           </a:xfrm>
         </p:spPr>
         <p:txBody>
@@ -4273,13 +4638,13 @@
               <a:rPr lang="en-US" smtClean="0"/>
               <a:t>Click to edit Master title style</a:t>
             </a:r>
-            <a:endParaRPr lang="en-US"/>
-          </a:p>
-        </p:txBody>
-      </p:sp>
-      <p:sp>
-        <p:nvSpPr>
-          <p:cNvPr id="3" name="Subtitle 2"/>
+            <a:endParaRPr lang="nl-BE" dirty="0"/>
+          </a:p>
+        </p:txBody>
+      </p:sp>
+      <p:sp>
+        <p:nvSpPr>
+          <p:cNvPr id="3" name="Ondertitel 2"/>
           <p:cNvSpPr>
             <a:spLocks noGrp="1"/>
           </p:cNvSpPr>
@@ -4289,8 +4654,8 @@
         </p:nvSpPr>
         <p:spPr>
           <a:xfrm>
-            <a:off x="1524000" y="3602038"/>
-            <a:ext cx="9144000" cy="1655762"/>
+            <a:off x="719403" y="4252491"/>
+            <a:ext cx="8448939" cy="1655762"/>
           </a:xfrm>
         </p:spPr>
         <p:txBody>
@@ -4338,79 +4703,14 @@
               <a:rPr lang="en-US" smtClean="0"/>
               <a:t>Click to edit Master subtitle style</a:t>
             </a:r>
-            <a:endParaRPr lang="en-US"/>
-          </a:p>
-        </p:txBody>
-      </p:sp>
-      <p:sp>
-        <p:nvSpPr>
-          <p:cNvPr id="4" name="Date Placeholder 3"/>
-          <p:cNvSpPr>
-            <a:spLocks noGrp="1"/>
-          </p:cNvSpPr>
-          <p:nvPr>
-            <p:ph type="dt" sz="half" idx="10"/>
-          </p:nvPr>
-        </p:nvSpPr>
-        <p:spPr/>
-        <p:txBody>
-          <a:bodyPr/>
-          <a:lstStyle/>
-          <a:p>
-            <a:fld id="{F3B17216-47DF-478C-B20B-BB0F0C651CF6}" type="datetimeFigureOut">
-              <a:rPr lang="en-US" smtClean="0"/>
-              <a:t>2/4/2014</a:t>
-            </a:fld>
-            <a:endParaRPr lang="en-US"/>
-          </a:p>
-        </p:txBody>
-      </p:sp>
-      <p:sp>
-        <p:nvSpPr>
-          <p:cNvPr id="5" name="Footer Placeholder 4"/>
-          <p:cNvSpPr>
-            <a:spLocks noGrp="1"/>
-          </p:cNvSpPr>
-          <p:nvPr>
-            <p:ph type="ftr" sz="quarter" idx="11"/>
-          </p:nvPr>
-        </p:nvSpPr>
-        <p:spPr/>
-        <p:txBody>
-          <a:bodyPr/>
-          <a:lstStyle/>
-          <a:p>
-            <a:endParaRPr lang="en-US"/>
-          </a:p>
-        </p:txBody>
-      </p:sp>
-      <p:sp>
-        <p:nvSpPr>
-          <p:cNvPr id="6" name="Slide Number Placeholder 5"/>
-          <p:cNvSpPr>
-            <a:spLocks noGrp="1"/>
-          </p:cNvSpPr>
-          <p:nvPr>
-            <p:ph type="sldNum" sz="quarter" idx="12"/>
-          </p:nvPr>
-        </p:nvSpPr>
-        <p:spPr/>
-        <p:txBody>
-          <a:bodyPr/>
-          <a:lstStyle/>
-          <a:p>
-            <a:fld id="{8AE18A4C-FCC0-49D8-A299-7DF83F84F133}" type="slidenum">
-              <a:rPr lang="en-US" smtClean="0"/>
-              <a:t>‹#›</a:t>
-            </a:fld>
-            <a:endParaRPr lang="en-US"/>
+            <a:endParaRPr lang="nl-BE" dirty="0"/>
           </a:p>
         </p:txBody>
       </p:sp>
     </p:spTree>
     <p:extLst>
       <p:ext uri="{BB962C8B-B14F-4D97-AF65-F5344CB8AC3E}">
-        <p14:creationId xmlns:p14="http://schemas.microsoft.com/office/powerpoint/2010/main" val="3867659627"/>
+        <p14:creationId xmlns:p14="http://schemas.microsoft.com/office/powerpoint/2010/main" val="884185145"/>
       </p:ext>
     </p:extLst>
   </p:cSld>
@@ -4422,7 +4722,7 @@
 
 <file path=ppt/slideLayouts/slideLayout10.xml><?xml version="1.0" encoding="utf-8"?>
 <p:sldLayout xmlns:a="http://schemas.openxmlformats.org/drawingml/2006/main" xmlns:r="http://schemas.openxmlformats.org/officeDocument/2006/relationships" xmlns:p="http://schemas.openxmlformats.org/presentationml/2006/main" type="vertTx" preserve="1">
-  <p:cSld name="Title and Vertical Text">
+  <p:cSld name="Titel en verticale tekst">
     <p:spTree>
       <p:nvGrpSpPr>
         <p:cNvPr id="1" name=""/>
@@ -4439,7 +4739,7 @@
       </p:grpSpPr>
       <p:sp>
         <p:nvSpPr>
-          <p:cNvPr id="2" name="Title 1"/>
+          <p:cNvPr id="2" name="Titel 1"/>
           <p:cNvSpPr>
             <a:spLocks noGrp="1"/>
           </p:cNvSpPr>
@@ -4456,13 +4756,13 @@
               <a:rPr lang="en-US" smtClean="0"/>
               <a:t>Click to edit Master title style</a:t>
             </a:r>
-            <a:endParaRPr lang="en-US"/>
-          </a:p>
-        </p:txBody>
-      </p:sp>
-      <p:sp>
-        <p:nvSpPr>
-          <p:cNvPr id="3" name="Vertical Text Placeholder 2"/>
+            <a:endParaRPr lang="nl-BE"/>
+          </a:p>
+        </p:txBody>
+      </p:sp>
+      <p:sp>
+        <p:nvSpPr>
+          <p:cNvPr id="3" name="Tijdelijke aanduiding voor verticale tekst 2"/>
           <p:cNvSpPr>
             <a:spLocks noGrp="1"/>
           </p:cNvSpPr>
@@ -4508,13 +4808,13 @@
               <a:rPr lang="en-US" smtClean="0"/>
               <a:t>Fifth level</a:t>
             </a:r>
-            <a:endParaRPr lang="en-US"/>
-          </a:p>
-        </p:txBody>
-      </p:sp>
-      <p:sp>
-        <p:nvSpPr>
-          <p:cNvPr id="4" name="Date Placeholder 3"/>
+            <a:endParaRPr lang="nl-BE"/>
+          </a:p>
+        </p:txBody>
+      </p:sp>
+      <p:sp>
+        <p:nvSpPr>
+          <p:cNvPr id="4" name="Tijdelijke aanduiding voor datum 3"/>
           <p:cNvSpPr>
             <a:spLocks noGrp="1"/>
           </p:cNvSpPr>
@@ -4522,10 +4822,22 @@
             <p:ph type="dt" sz="half" idx="10"/>
           </p:nvPr>
         </p:nvSpPr>
-        <p:spPr/>
-        <p:txBody>
-          <a:bodyPr/>
-          <a:lstStyle/>
+        <p:spPr>
+          <a:xfrm>
+            <a:off x="838200" y="6356351"/>
+            <a:ext cx="2743200" cy="365125"/>
+          </a:xfrm>
+          <a:prstGeom prst="rect">
+            <a:avLst/>
+          </a:prstGeom>
+        </p:spPr>
+        <p:txBody>
+          <a:bodyPr/>
+          <a:lstStyle>
+            <a:lvl1pPr>
+              <a:defRPr/>
+            </a:lvl1pPr>
+          </a:lstStyle>
           <a:p>
             <a:fld id="{F3B17216-47DF-478C-B20B-BB0F0C651CF6}" type="datetimeFigureOut">
               <a:rPr lang="en-US" smtClean="0"/>
@@ -4537,7 +4849,7 @@
       </p:sp>
       <p:sp>
         <p:nvSpPr>
-          <p:cNvPr id="5" name="Footer Placeholder 4"/>
+          <p:cNvPr id="5" name="Tijdelijke aanduiding voor voettekst 4"/>
           <p:cNvSpPr>
             <a:spLocks noGrp="1"/>
           </p:cNvSpPr>
@@ -4545,10 +4857,22 @@
             <p:ph type="ftr" sz="quarter" idx="11"/>
           </p:nvPr>
         </p:nvSpPr>
-        <p:spPr/>
-        <p:txBody>
-          <a:bodyPr/>
-          <a:lstStyle/>
+        <p:spPr>
+          <a:xfrm>
+            <a:off x="4038600" y="6356351"/>
+            <a:ext cx="4114800" cy="365125"/>
+          </a:xfrm>
+          <a:prstGeom prst="rect">
+            <a:avLst/>
+          </a:prstGeom>
+        </p:spPr>
+        <p:txBody>
+          <a:bodyPr/>
+          <a:lstStyle>
+            <a:lvl1pPr>
+              <a:defRPr/>
+            </a:lvl1pPr>
+          </a:lstStyle>
           <a:p>
             <a:endParaRPr lang="en-US"/>
           </a:p>
@@ -4556,7 +4880,7 @@
       </p:sp>
       <p:sp>
         <p:nvSpPr>
-          <p:cNvPr id="6" name="Slide Number Placeholder 5"/>
+          <p:cNvPr id="6" name="Tijdelijke aanduiding voor dianummer 5"/>
           <p:cNvSpPr>
             <a:spLocks noGrp="1"/>
           </p:cNvSpPr>
@@ -4564,10 +4888,22 @@
             <p:ph type="sldNum" sz="quarter" idx="12"/>
           </p:nvPr>
         </p:nvSpPr>
-        <p:spPr/>
-        <p:txBody>
-          <a:bodyPr/>
-          <a:lstStyle/>
+        <p:spPr>
+          <a:xfrm>
+            <a:off x="8610600" y="6356351"/>
+            <a:ext cx="2743200" cy="365125"/>
+          </a:xfrm>
+          <a:prstGeom prst="rect">
+            <a:avLst/>
+          </a:prstGeom>
+        </p:spPr>
+        <p:txBody>
+          <a:bodyPr/>
+          <a:lstStyle>
+            <a:lvl1pPr>
+              <a:defRPr/>
+            </a:lvl1pPr>
+          </a:lstStyle>
           <a:p>
             <a:fld id="{8AE18A4C-FCC0-49D8-A299-7DF83F84F133}" type="slidenum">
               <a:rPr lang="en-US" smtClean="0"/>
@@ -4580,7 +4916,7 @@
     </p:spTree>
     <p:extLst>
       <p:ext uri="{BB962C8B-B14F-4D97-AF65-F5344CB8AC3E}">
-        <p14:creationId xmlns:p14="http://schemas.microsoft.com/office/powerpoint/2010/main" val="4204807313"/>
+        <p14:creationId xmlns:p14="http://schemas.microsoft.com/office/powerpoint/2010/main" val="1430788503"/>
       </p:ext>
     </p:extLst>
   </p:cSld>
@@ -4592,7 +4928,7 @@
 
 <file path=ppt/slideLayouts/slideLayout11.xml><?xml version="1.0" encoding="utf-8"?>
 <p:sldLayout xmlns:a="http://schemas.openxmlformats.org/drawingml/2006/main" xmlns:r="http://schemas.openxmlformats.org/officeDocument/2006/relationships" xmlns:p="http://schemas.openxmlformats.org/presentationml/2006/main" type="vertTitleAndTx" preserve="1">
-  <p:cSld name="Vertical Title and Text">
+  <p:cSld name="Verticale titel en tekst">
     <p:spTree>
       <p:nvGrpSpPr>
         <p:cNvPr id="1" name=""/>
@@ -4609,7 +4945,7 @@
       </p:grpSpPr>
       <p:sp>
         <p:nvSpPr>
-          <p:cNvPr id="2" name="Vertical Title 1"/>
+          <p:cNvPr id="2" name="Verticale titel 1"/>
           <p:cNvSpPr>
             <a:spLocks noGrp="1"/>
           </p:cNvSpPr>
@@ -4619,7 +4955,7 @@
         </p:nvSpPr>
         <p:spPr>
           <a:xfrm>
-            <a:off x="8724900" y="365125"/>
+            <a:off x="8724901" y="365125"/>
             <a:ext cx="2628900" cy="5811838"/>
           </a:xfrm>
         </p:spPr>
@@ -4631,13 +4967,13 @@
               <a:rPr lang="en-US" smtClean="0"/>
               <a:t>Click to edit Master title style</a:t>
             </a:r>
-            <a:endParaRPr lang="en-US"/>
-          </a:p>
-        </p:txBody>
-      </p:sp>
-      <p:sp>
-        <p:nvSpPr>
-          <p:cNvPr id="3" name="Vertical Text Placeholder 2"/>
+            <a:endParaRPr lang="nl-BE"/>
+          </a:p>
+        </p:txBody>
+      </p:sp>
+      <p:sp>
+        <p:nvSpPr>
+          <p:cNvPr id="3" name="Tijdelijke aanduiding voor verticale tekst 2"/>
           <p:cNvSpPr>
             <a:spLocks noGrp="1"/>
           </p:cNvSpPr>
@@ -4647,8 +4983,8 @@
         </p:nvSpPr>
         <p:spPr>
           <a:xfrm>
-            <a:off x="838200" y="365125"/>
-            <a:ext cx="7734300" cy="5811838"/>
+            <a:off x="838201" y="365125"/>
+            <a:ext cx="7683500" cy="5811838"/>
           </a:xfrm>
         </p:spPr>
         <p:txBody>
@@ -4688,13 +5024,13 @@
               <a:rPr lang="en-US" smtClean="0"/>
               <a:t>Fifth level</a:t>
             </a:r>
-            <a:endParaRPr lang="en-US"/>
-          </a:p>
-        </p:txBody>
-      </p:sp>
-      <p:sp>
-        <p:nvSpPr>
-          <p:cNvPr id="4" name="Date Placeholder 3"/>
+            <a:endParaRPr lang="nl-BE"/>
+          </a:p>
+        </p:txBody>
+      </p:sp>
+      <p:sp>
+        <p:nvSpPr>
+          <p:cNvPr id="4" name="Tijdelijke aanduiding voor datum 3"/>
           <p:cNvSpPr>
             <a:spLocks noGrp="1"/>
           </p:cNvSpPr>
@@ -4702,10 +5038,22 @@
             <p:ph type="dt" sz="half" idx="10"/>
           </p:nvPr>
         </p:nvSpPr>
-        <p:spPr/>
-        <p:txBody>
-          <a:bodyPr/>
-          <a:lstStyle/>
+        <p:spPr>
+          <a:xfrm>
+            <a:off x="838200" y="6356351"/>
+            <a:ext cx="2743200" cy="365125"/>
+          </a:xfrm>
+          <a:prstGeom prst="rect">
+            <a:avLst/>
+          </a:prstGeom>
+        </p:spPr>
+        <p:txBody>
+          <a:bodyPr/>
+          <a:lstStyle>
+            <a:lvl1pPr>
+              <a:defRPr/>
+            </a:lvl1pPr>
+          </a:lstStyle>
           <a:p>
             <a:fld id="{F3B17216-47DF-478C-B20B-BB0F0C651CF6}" type="datetimeFigureOut">
               <a:rPr lang="en-US" smtClean="0"/>
@@ -4717,7 +5065,7 @@
       </p:sp>
       <p:sp>
         <p:nvSpPr>
-          <p:cNvPr id="5" name="Footer Placeholder 4"/>
+          <p:cNvPr id="5" name="Tijdelijke aanduiding voor voettekst 4"/>
           <p:cNvSpPr>
             <a:spLocks noGrp="1"/>
           </p:cNvSpPr>
@@ -4725,10 +5073,22 @@
             <p:ph type="ftr" sz="quarter" idx="11"/>
           </p:nvPr>
         </p:nvSpPr>
-        <p:spPr/>
-        <p:txBody>
-          <a:bodyPr/>
-          <a:lstStyle/>
+        <p:spPr>
+          <a:xfrm>
+            <a:off x="4038600" y="6356351"/>
+            <a:ext cx="4114800" cy="365125"/>
+          </a:xfrm>
+          <a:prstGeom prst="rect">
+            <a:avLst/>
+          </a:prstGeom>
+        </p:spPr>
+        <p:txBody>
+          <a:bodyPr/>
+          <a:lstStyle>
+            <a:lvl1pPr>
+              <a:defRPr/>
+            </a:lvl1pPr>
+          </a:lstStyle>
           <a:p>
             <a:endParaRPr lang="en-US"/>
           </a:p>
@@ -4736,7 +5096,7 @@
       </p:sp>
       <p:sp>
         <p:nvSpPr>
-          <p:cNvPr id="6" name="Slide Number Placeholder 5"/>
+          <p:cNvPr id="6" name="Tijdelijke aanduiding voor dianummer 5"/>
           <p:cNvSpPr>
             <a:spLocks noGrp="1"/>
           </p:cNvSpPr>
@@ -4744,10 +5104,22 @@
             <p:ph type="sldNum" sz="quarter" idx="12"/>
           </p:nvPr>
         </p:nvSpPr>
-        <p:spPr/>
-        <p:txBody>
-          <a:bodyPr/>
-          <a:lstStyle/>
+        <p:spPr>
+          <a:xfrm>
+            <a:off x="8610600" y="6356351"/>
+            <a:ext cx="2743200" cy="365125"/>
+          </a:xfrm>
+          <a:prstGeom prst="rect">
+            <a:avLst/>
+          </a:prstGeom>
+        </p:spPr>
+        <p:txBody>
+          <a:bodyPr/>
+          <a:lstStyle>
+            <a:lvl1pPr>
+              <a:defRPr/>
+            </a:lvl1pPr>
+          </a:lstStyle>
           <a:p>
             <a:fld id="{8AE18A4C-FCC0-49D8-A299-7DF83F84F133}" type="slidenum">
               <a:rPr lang="en-US" smtClean="0"/>
@@ -4760,7 +5132,7 @@
     </p:spTree>
     <p:extLst>
       <p:ext uri="{BB962C8B-B14F-4D97-AF65-F5344CB8AC3E}">
-        <p14:creationId xmlns:p14="http://schemas.microsoft.com/office/powerpoint/2010/main" val="3003001678"/>
+        <p14:creationId xmlns:p14="http://schemas.microsoft.com/office/powerpoint/2010/main" val="1858620884"/>
       </p:ext>
     </p:extLst>
   </p:cSld>
@@ -4770,7 +5142,199 @@
 </p:sldLayout>
 </file>
 
-<file path=ppt/slideLayouts/slideLayout2.xml><?xml version="1.0" encoding="utf-8"?>
+<file path=ppt/slideLayouts/slideLayout12.xml><?xml version="1.0" encoding="utf-8"?>
+<p:sldLayout xmlns:a="http://schemas.openxmlformats.org/drawingml/2006/main" xmlns:r="http://schemas.openxmlformats.org/officeDocument/2006/relationships" xmlns:p="http://schemas.openxmlformats.org/presentationml/2006/main" type="title" preserve="1">
+  <p:cSld name="Title Slide">
+    <p:spTree>
+      <p:nvGrpSpPr>
+        <p:cNvPr id="1" name=""/>
+        <p:cNvGrpSpPr/>
+        <p:nvPr/>
+      </p:nvGrpSpPr>
+      <p:grpSpPr>
+        <a:xfrm>
+          <a:off x="0" y="0"/>
+          <a:ext cx="0" cy="0"/>
+          <a:chOff x="0" y="0"/>
+          <a:chExt cx="0" cy="0"/>
+        </a:xfrm>
+      </p:grpSpPr>
+      <p:sp>
+        <p:nvSpPr>
+          <p:cNvPr id="2" name="Title 1"/>
+          <p:cNvSpPr>
+            <a:spLocks noGrp="1"/>
+          </p:cNvSpPr>
+          <p:nvPr>
+            <p:ph type="ctrTitle"/>
+          </p:nvPr>
+        </p:nvSpPr>
+        <p:spPr>
+          <a:xfrm>
+            <a:off x="1524000" y="1122363"/>
+            <a:ext cx="9144000" cy="2387600"/>
+          </a:xfrm>
+        </p:spPr>
+        <p:txBody>
+          <a:bodyPr anchor="b"/>
+          <a:lstStyle>
+            <a:lvl1pPr algn="ctr">
+              <a:defRPr sz="6000"/>
+            </a:lvl1pPr>
+          </a:lstStyle>
+          <a:p>
+            <a:r>
+              <a:rPr lang="en-US" smtClean="0"/>
+              <a:t>Click to edit Master title style</a:t>
+            </a:r>
+            <a:endParaRPr lang="en-US"/>
+          </a:p>
+        </p:txBody>
+      </p:sp>
+      <p:sp>
+        <p:nvSpPr>
+          <p:cNvPr id="3" name="Subtitle 2"/>
+          <p:cNvSpPr>
+            <a:spLocks noGrp="1"/>
+          </p:cNvSpPr>
+          <p:nvPr>
+            <p:ph type="subTitle" idx="1"/>
+          </p:nvPr>
+        </p:nvSpPr>
+        <p:spPr>
+          <a:xfrm>
+            <a:off x="1524000" y="3602038"/>
+            <a:ext cx="9144000" cy="1655762"/>
+          </a:xfrm>
+        </p:spPr>
+        <p:txBody>
+          <a:bodyPr/>
+          <a:lstStyle>
+            <a:lvl1pPr marL="0" indent="0" algn="ctr">
+              <a:buNone/>
+              <a:defRPr sz="2400"/>
+            </a:lvl1pPr>
+            <a:lvl2pPr marL="457200" indent="0" algn="ctr">
+              <a:buNone/>
+              <a:defRPr sz="2000"/>
+            </a:lvl2pPr>
+            <a:lvl3pPr marL="914400" indent="0" algn="ctr">
+              <a:buNone/>
+              <a:defRPr sz="1800"/>
+            </a:lvl3pPr>
+            <a:lvl4pPr marL="1371600" indent="0" algn="ctr">
+              <a:buNone/>
+              <a:defRPr sz="1600"/>
+            </a:lvl4pPr>
+            <a:lvl5pPr marL="1828800" indent="0" algn="ctr">
+              <a:buNone/>
+              <a:defRPr sz="1600"/>
+            </a:lvl5pPr>
+            <a:lvl6pPr marL="2286000" indent="0" algn="ctr">
+              <a:buNone/>
+              <a:defRPr sz="1600"/>
+            </a:lvl6pPr>
+            <a:lvl7pPr marL="2743200" indent="0" algn="ctr">
+              <a:buNone/>
+              <a:defRPr sz="1600"/>
+            </a:lvl7pPr>
+            <a:lvl8pPr marL="3200400" indent="0" algn="ctr">
+              <a:buNone/>
+              <a:defRPr sz="1600"/>
+            </a:lvl8pPr>
+            <a:lvl9pPr marL="3657600" indent="0" algn="ctr">
+              <a:buNone/>
+              <a:defRPr sz="1600"/>
+            </a:lvl9pPr>
+          </a:lstStyle>
+          <a:p>
+            <a:r>
+              <a:rPr lang="en-US" smtClean="0"/>
+              <a:t>Click to edit Master subtitle style</a:t>
+            </a:r>
+            <a:endParaRPr lang="en-US"/>
+          </a:p>
+        </p:txBody>
+      </p:sp>
+      <p:sp>
+        <p:nvSpPr>
+          <p:cNvPr id="4" name="Date Placeholder 3"/>
+          <p:cNvSpPr>
+            <a:spLocks noGrp="1"/>
+          </p:cNvSpPr>
+          <p:nvPr>
+            <p:ph type="dt" sz="half" idx="10"/>
+          </p:nvPr>
+        </p:nvSpPr>
+        <p:spPr/>
+        <p:txBody>
+          <a:bodyPr/>
+          <a:lstStyle/>
+          <a:p>
+            <a:fld id="{F17FA2EC-BE1A-4D1A-AECF-3D2BD5D9525B}" type="datetimeFigureOut">
+              <a:rPr lang="en-US" smtClean="0"/>
+              <a:t>2/5/2014</a:t>
+            </a:fld>
+            <a:endParaRPr lang="en-US"/>
+          </a:p>
+        </p:txBody>
+      </p:sp>
+      <p:sp>
+        <p:nvSpPr>
+          <p:cNvPr id="5" name="Footer Placeholder 4"/>
+          <p:cNvSpPr>
+            <a:spLocks noGrp="1"/>
+          </p:cNvSpPr>
+          <p:nvPr>
+            <p:ph type="ftr" sz="quarter" idx="11"/>
+          </p:nvPr>
+        </p:nvSpPr>
+        <p:spPr/>
+        <p:txBody>
+          <a:bodyPr/>
+          <a:lstStyle/>
+          <a:p>
+            <a:endParaRPr lang="en-US"/>
+          </a:p>
+        </p:txBody>
+      </p:sp>
+      <p:sp>
+        <p:nvSpPr>
+          <p:cNvPr id="6" name="Slide Number Placeholder 5"/>
+          <p:cNvSpPr>
+            <a:spLocks noGrp="1"/>
+          </p:cNvSpPr>
+          <p:nvPr>
+            <p:ph type="sldNum" sz="quarter" idx="12"/>
+          </p:nvPr>
+        </p:nvSpPr>
+        <p:spPr/>
+        <p:txBody>
+          <a:bodyPr/>
+          <a:lstStyle/>
+          <a:p>
+            <a:fld id="{E269FE30-E95B-4CA0-BD74-16E280FC6AD0}" type="slidenum">
+              <a:rPr lang="en-US" smtClean="0"/>
+              <a:t>‹#›</a:t>
+            </a:fld>
+            <a:endParaRPr lang="en-US"/>
+          </a:p>
+        </p:txBody>
+      </p:sp>
+    </p:spTree>
+    <p:extLst>
+      <p:ext uri="{BB962C8B-B14F-4D97-AF65-F5344CB8AC3E}">
+        <p14:creationId xmlns:p14="http://schemas.microsoft.com/office/powerpoint/2010/main" val="3849763622"/>
+      </p:ext>
+    </p:extLst>
+  </p:cSld>
+  <p:clrMapOvr>
+    <a:masterClrMapping/>
+  </p:clrMapOvr>
+</p:sldLayout>
+</file>
+
+<file path=ppt/slideLayouts/slideLayout13.xml><?xml version="1.0" encoding="utf-8"?>
 <p:sldLayout xmlns:a="http://schemas.openxmlformats.org/drawingml/2006/main" xmlns:r="http://schemas.openxmlformats.org/officeDocument/2006/relationships" xmlns:p="http://schemas.openxmlformats.org/presentationml/2006/main" type="obj" preserve="1">
   <p:cSld name="Title and Content">
     <p:spTree>
@@ -4877,9 +5441,9 @@
           <a:bodyPr/>
           <a:lstStyle/>
           <a:p>
-            <a:fld id="{F3B17216-47DF-478C-B20B-BB0F0C651CF6}" type="datetimeFigureOut">
-              <a:rPr lang="en-US" smtClean="0"/>
-              <a:t>2/4/2014</a:t>
+            <a:fld id="{F17FA2EC-BE1A-4D1A-AECF-3D2BD5D9525B}" type="datetimeFigureOut">
+              <a:rPr lang="en-US" smtClean="0"/>
+              <a:t>2/5/2014</a:t>
             </a:fld>
             <a:endParaRPr lang="en-US"/>
           </a:p>
@@ -4919,7 +5483,7 @@
           <a:bodyPr/>
           <a:lstStyle/>
           <a:p>
-            <a:fld id="{8AE18A4C-FCC0-49D8-A299-7DF83F84F133}" type="slidenum">
+            <a:fld id="{E269FE30-E95B-4CA0-BD74-16E280FC6AD0}" type="slidenum">
               <a:rPr lang="en-US" smtClean="0"/>
               <a:t>‹#›</a:t>
             </a:fld>
@@ -4930,7 +5494,7 @@
     </p:spTree>
     <p:extLst>
       <p:ext uri="{BB962C8B-B14F-4D97-AF65-F5344CB8AC3E}">
-        <p14:creationId xmlns:p14="http://schemas.microsoft.com/office/powerpoint/2010/main" val="2287422695"/>
+        <p14:creationId xmlns:p14="http://schemas.microsoft.com/office/powerpoint/2010/main" val="1171711546"/>
       </p:ext>
     </p:extLst>
   </p:cSld>
@@ -4940,7 +5504,7 @@
 </p:sldLayout>
 </file>
 
-<file path=ppt/slideLayouts/slideLayout3.xml><?xml version="1.0" encoding="utf-8"?>
+<file path=ppt/slideLayouts/slideLayout14.xml><?xml version="1.0" encoding="utf-8"?>
 <p:sldLayout xmlns:a="http://schemas.openxmlformats.org/drawingml/2006/main" xmlns:r="http://schemas.openxmlformats.org/officeDocument/2006/relationships" xmlns:p="http://schemas.openxmlformats.org/presentationml/2006/main" type="secHead" preserve="1">
   <p:cSld name="Section Header">
     <p:spTree>
@@ -5123,9 +5687,9 @@
           <a:bodyPr/>
           <a:lstStyle/>
           <a:p>
-            <a:fld id="{F3B17216-47DF-478C-B20B-BB0F0C651CF6}" type="datetimeFigureOut">
-              <a:rPr lang="en-US" smtClean="0"/>
-              <a:t>2/4/2014</a:t>
+            <a:fld id="{F17FA2EC-BE1A-4D1A-AECF-3D2BD5D9525B}" type="datetimeFigureOut">
+              <a:rPr lang="en-US" smtClean="0"/>
+              <a:t>2/5/2014</a:t>
             </a:fld>
             <a:endParaRPr lang="en-US"/>
           </a:p>
@@ -5165,7 +5729,7 @@
           <a:bodyPr/>
           <a:lstStyle/>
           <a:p>
-            <a:fld id="{8AE18A4C-FCC0-49D8-A299-7DF83F84F133}" type="slidenum">
+            <a:fld id="{E269FE30-E95B-4CA0-BD74-16E280FC6AD0}" type="slidenum">
               <a:rPr lang="en-US" smtClean="0"/>
               <a:t>‹#›</a:t>
             </a:fld>
@@ -5176,7 +5740,7 @@
     </p:spTree>
     <p:extLst>
       <p:ext uri="{BB962C8B-B14F-4D97-AF65-F5344CB8AC3E}">
-        <p14:creationId xmlns:p14="http://schemas.microsoft.com/office/powerpoint/2010/main" val="1476874861"/>
+        <p14:creationId xmlns:p14="http://schemas.microsoft.com/office/powerpoint/2010/main" val="2159978277"/>
       </p:ext>
     </p:extLst>
   </p:cSld>
@@ -5186,7 +5750,7 @@
 </p:sldLayout>
 </file>
 
-<file path=ppt/slideLayouts/slideLayout4.xml><?xml version="1.0" encoding="utf-8"?>
+<file path=ppt/slideLayouts/slideLayout15.xml><?xml version="1.0" encoding="utf-8"?>
 <p:sldLayout xmlns:a="http://schemas.openxmlformats.org/drawingml/2006/main" xmlns:r="http://schemas.openxmlformats.org/officeDocument/2006/relationships" xmlns:p="http://schemas.openxmlformats.org/presentationml/2006/main" type="twoObj" preserve="1">
   <p:cSld name="Two Content">
     <p:spTree>
@@ -5355,9 +5919,9 @@
           <a:bodyPr/>
           <a:lstStyle/>
           <a:p>
-            <a:fld id="{F3B17216-47DF-478C-B20B-BB0F0C651CF6}" type="datetimeFigureOut">
-              <a:rPr lang="en-US" smtClean="0"/>
-              <a:t>2/4/2014</a:t>
+            <a:fld id="{F17FA2EC-BE1A-4D1A-AECF-3D2BD5D9525B}" type="datetimeFigureOut">
+              <a:rPr lang="en-US" smtClean="0"/>
+              <a:t>2/5/2014</a:t>
             </a:fld>
             <a:endParaRPr lang="en-US"/>
           </a:p>
@@ -5397,7 +5961,7 @@
           <a:bodyPr/>
           <a:lstStyle/>
           <a:p>
-            <a:fld id="{8AE18A4C-FCC0-49D8-A299-7DF83F84F133}" type="slidenum">
+            <a:fld id="{E269FE30-E95B-4CA0-BD74-16E280FC6AD0}" type="slidenum">
               <a:rPr lang="en-US" smtClean="0"/>
               <a:t>‹#›</a:t>
             </a:fld>
@@ -5408,7 +5972,7 @@
     </p:spTree>
     <p:extLst>
       <p:ext uri="{BB962C8B-B14F-4D97-AF65-F5344CB8AC3E}">
-        <p14:creationId xmlns:p14="http://schemas.microsoft.com/office/powerpoint/2010/main" val="386630949"/>
+        <p14:creationId xmlns:p14="http://schemas.microsoft.com/office/powerpoint/2010/main" val="236829290"/>
       </p:ext>
     </p:extLst>
   </p:cSld>
@@ -5418,7 +5982,7 @@
 </p:sldLayout>
 </file>
 
-<file path=ppt/slideLayouts/slideLayout5.xml><?xml version="1.0" encoding="utf-8"?>
+<file path=ppt/slideLayouts/slideLayout16.xml><?xml version="1.0" encoding="utf-8"?>
 <p:sldLayout xmlns:a="http://schemas.openxmlformats.org/drawingml/2006/main" xmlns:r="http://schemas.openxmlformats.org/officeDocument/2006/relationships" xmlns:p="http://schemas.openxmlformats.org/presentationml/2006/main" type="twoTxTwoObj" preserve="1">
   <p:cSld name="Comparison">
     <p:spTree>
@@ -5722,9 +6286,9 @@
           <a:bodyPr/>
           <a:lstStyle/>
           <a:p>
-            <a:fld id="{F3B17216-47DF-478C-B20B-BB0F0C651CF6}" type="datetimeFigureOut">
-              <a:rPr lang="en-US" smtClean="0"/>
-              <a:t>2/4/2014</a:t>
+            <a:fld id="{F17FA2EC-BE1A-4D1A-AECF-3D2BD5D9525B}" type="datetimeFigureOut">
+              <a:rPr lang="en-US" smtClean="0"/>
+              <a:t>2/5/2014</a:t>
             </a:fld>
             <a:endParaRPr lang="en-US"/>
           </a:p>
@@ -5764,7 +6328,7 @@
           <a:bodyPr/>
           <a:lstStyle/>
           <a:p>
-            <a:fld id="{8AE18A4C-FCC0-49D8-A299-7DF83F84F133}" type="slidenum">
+            <a:fld id="{E269FE30-E95B-4CA0-BD74-16E280FC6AD0}" type="slidenum">
               <a:rPr lang="en-US" smtClean="0"/>
               <a:t>‹#›</a:t>
             </a:fld>
@@ -5775,7 +6339,7 @@
     </p:spTree>
     <p:extLst>
       <p:ext uri="{BB962C8B-B14F-4D97-AF65-F5344CB8AC3E}">
-        <p14:creationId xmlns:p14="http://schemas.microsoft.com/office/powerpoint/2010/main" val="342660208"/>
+        <p14:creationId xmlns:p14="http://schemas.microsoft.com/office/powerpoint/2010/main" val="1000002125"/>
       </p:ext>
     </p:extLst>
   </p:cSld>
@@ -5785,7 +6349,7 @@
 </p:sldLayout>
 </file>
 
-<file path=ppt/slideLayouts/slideLayout6.xml><?xml version="1.0" encoding="utf-8"?>
+<file path=ppt/slideLayouts/slideLayout17.xml><?xml version="1.0" encoding="utf-8"?>
 <p:sldLayout xmlns:a="http://schemas.openxmlformats.org/drawingml/2006/main" xmlns:r="http://schemas.openxmlformats.org/officeDocument/2006/relationships" xmlns:p="http://schemas.openxmlformats.org/presentationml/2006/main" type="titleOnly" preserve="1">
   <p:cSld name="Title Only">
     <p:spTree>
@@ -5840,9 +6404,9 @@
           <a:bodyPr/>
           <a:lstStyle/>
           <a:p>
-            <a:fld id="{F3B17216-47DF-478C-B20B-BB0F0C651CF6}" type="datetimeFigureOut">
-              <a:rPr lang="en-US" smtClean="0"/>
-              <a:t>2/4/2014</a:t>
+            <a:fld id="{F17FA2EC-BE1A-4D1A-AECF-3D2BD5D9525B}" type="datetimeFigureOut">
+              <a:rPr lang="en-US" smtClean="0"/>
+              <a:t>2/5/2014</a:t>
             </a:fld>
             <a:endParaRPr lang="en-US"/>
           </a:p>
@@ -5882,7 +6446,7 @@
           <a:bodyPr/>
           <a:lstStyle/>
           <a:p>
-            <a:fld id="{8AE18A4C-FCC0-49D8-A299-7DF83F84F133}" type="slidenum">
+            <a:fld id="{E269FE30-E95B-4CA0-BD74-16E280FC6AD0}" type="slidenum">
               <a:rPr lang="en-US" smtClean="0"/>
               <a:t>‹#›</a:t>
             </a:fld>
@@ -5893,7 +6457,7 @@
     </p:spTree>
     <p:extLst>
       <p:ext uri="{BB962C8B-B14F-4D97-AF65-F5344CB8AC3E}">
-        <p14:creationId xmlns:p14="http://schemas.microsoft.com/office/powerpoint/2010/main" val="834103097"/>
+        <p14:creationId xmlns:p14="http://schemas.microsoft.com/office/powerpoint/2010/main" val="3361882680"/>
       </p:ext>
     </p:extLst>
   </p:cSld>
@@ -5903,7 +6467,7 @@
 </p:sldLayout>
 </file>
 
-<file path=ppt/slideLayouts/slideLayout7.xml><?xml version="1.0" encoding="utf-8"?>
+<file path=ppt/slideLayouts/slideLayout18.xml><?xml version="1.0" encoding="utf-8"?>
 <p:sldLayout xmlns:a="http://schemas.openxmlformats.org/drawingml/2006/main" xmlns:r="http://schemas.openxmlformats.org/officeDocument/2006/relationships" xmlns:p="http://schemas.openxmlformats.org/presentationml/2006/main" type="blank" preserve="1">
   <p:cSld name="Blank">
     <p:spTree>
@@ -5935,9 +6499,9 @@
           <a:bodyPr/>
           <a:lstStyle/>
           <a:p>
-            <a:fld id="{F3B17216-47DF-478C-B20B-BB0F0C651CF6}" type="datetimeFigureOut">
-              <a:rPr lang="en-US" smtClean="0"/>
-              <a:t>2/4/2014</a:t>
+            <a:fld id="{F17FA2EC-BE1A-4D1A-AECF-3D2BD5D9525B}" type="datetimeFigureOut">
+              <a:rPr lang="en-US" smtClean="0"/>
+              <a:t>2/5/2014</a:t>
             </a:fld>
             <a:endParaRPr lang="en-US"/>
           </a:p>
@@ -5977,7 +6541,7 @@
           <a:bodyPr/>
           <a:lstStyle/>
           <a:p>
-            <a:fld id="{8AE18A4C-FCC0-49D8-A299-7DF83F84F133}" type="slidenum">
+            <a:fld id="{E269FE30-E95B-4CA0-BD74-16E280FC6AD0}" type="slidenum">
               <a:rPr lang="en-US" smtClean="0"/>
               <a:t>‹#›</a:t>
             </a:fld>
@@ -5988,7 +6552,7 @@
     </p:spTree>
     <p:extLst>
       <p:ext uri="{BB962C8B-B14F-4D97-AF65-F5344CB8AC3E}">
-        <p14:creationId xmlns:p14="http://schemas.microsoft.com/office/powerpoint/2010/main" val="329471240"/>
+        <p14:creationId xmlns:p14="http://schemas.microsoft.com/office/powerpoint/2010/main" val="2463983878"/>
       </p:ext>
     </p:extLst>
   </p:cSld>
@@ -5998,7 +6562,7 @@
 </p:sldLayout>
 </file>
 
-<file path=ppt/slideLayouts/slideLayout8.xml><?xml version="1.0" encoding="utf-8"?>
+<file path=ppt/slideLayouts/slideLayout19.xml><?xml version="1.0" encoding="utf-8"?>
 <p:sldLayout xmlns:a="http://schemas.openxmlformats.org/drawingml/2006/main" xmlns:r="http://schemas.openxmlformats.org/officeDocument/2006/relationships" xmlns:p="http://schemas.openxmlformats.org/presentationml/2006/main" type="objTx" preserve="1">
   <p:cSld name="Content with Caption">
     <p:spTree>
@@ -6212,9 +6776,9 @@
           <a:bodyPr/>
           <a:lstStyle/>
           <a:p>
-            <a:fld id="{F3B17216-47DF-478C-B20B-BB0F0C651CF6}" type="datetimeFigureOut">
-              <a:rPr lang="en-US" smtClean="0"/>
-              <a:t>2/4/2014</a:t>
+            <a:fld id="{F17FA2EC-BE1A-4D1A-AECF-3D2BD5D9525B}" type="datetimeFigureOut">
+              <a:rPr lang="en-US" smtClean="0"/>
+              <a:t>2/5/2014</a:t>
             </a:fld>
             <a:endParaRPr lang="en-US"/>
           </a:p>
@@ -6254,7 +6818,7 @@
           <a:bodyPr/>
           <a:lstStyle/>
           <a:p>
-            <a:fld id="{8AE18A4C-FCC0-49D8-A299-7DF83F84F133}" type="slidenum">
+            <a:fld id="{E269FE30-E95B-4CA0-BD74-16E280FC6AD0}" type="slidenum">
               <a:rPr lang="en-US" smtClean="0"/>
               <a:t>‹#›</a:t>
             </a:fld>
@@ -6265,7 +6829,7 @@
     </p:spTree>
     <p:extLst>
       <p:ext uri="{BB962C8B-B14F-4D97-AF65-F5344CB8AC3E}">
-        <p14:creationId xmlns:p14="http://schemas.microsoft.com/office/powerpoint/2010/main" val="725796700"/>
+        <p14:creationId xmlns:p14="http://schemas.microsoft.com/office/powerpoint/2010/main" val="3459659856"/>
       </p:ext>
     </p:extLst>
   </p:cSld>
@@ -6275,7 +6839,213 @@
 </p:sldLayout>
 </file>
 
-<file path=ppt/slideLayouts/slideLayout9.xml><?xml version="1.0" encoding="utf-8"?>
+<file path=ppt/slideLayouts/slideLayout2.xml><?xml version="1.0" encoding="utf-8"?>
+<p:sldLayout xmlns:a="http://schemas.openxmlformats.org/drawingml/2006/main" xmlns:r="http://schemas.openxmlformats.org/officeDocument/2006/relationships" xmlns:p="http://schemas.openxmlformats.org/presentationml/2006/main" type="obj" preserve="1">
+  <p:cSld name="Titel en object">
+    <p:spTree>
+      <p:nvGrpSpPr>
+        <p:cNvPr id="1" name=""/>
+        <p:cNvGrpSpPr/>
+        <p:nvPr/>
+      </p:nvGrpSpPr>
+      <p:grpSpPr>
+        <a:xfrm>
+          <a:off x="0" y="0"/>
+          <a:ext cx="0" cy="0"/>
+          <a:chOff x="0" y="0"/>
+          <a:chExt cx="0" cy="0"/>
+        </a:xfrm>
+      </p:grpSpPr>
+      <p:sp>
+        <p:nvSpPr>
+          <p:cNvPr id="2" name="Titel 1"/>
+          <p:cNvSpPr>
+            <a:spLocks noGrp="1"/>
+          </p:cNvSpPr>
+          <p:nvPr>
+            <p:ph type="title"/>
+          </p:nvPr>
+        </p:nvSpPr>
+        <p:spPr/>
+        <p:txBody>
+          <a:bodyPr/>
+          <a:lstStyle/>
+          <a:p>
+            <a:r>
+              <a:rPr lang="en-US" smtClean="0"/>
+              <a:t>Click to edit Master title style</a:t>
+            </a:r>
+            <a:endParaRPr lang="nl-BE"/>
+          </a:p>
+        </p:txBody>
+      </p:sp>
+      <p:sp>
+        <p:nvSpPr>
+          <p:cNvPr id="3" name="Tijdelijke aanduiding voor inhoud 2"/>
+          <p:cNvSpPr>
+            <a:spLocks noGrp="1"/>
+          </p:cNvSpPr>
+          <p:nvPr>
+            <p:ph idx="1"/>
+          </p:nvPr>
+        </p:nvSpPr>
+        <p:spPr/>
+        <p:txBody>
+          <a:bodyPr/>
+          <a:lstStyle/>
+          <a:p>
+            <a:pPr lvl="0"/>
+            <a:r>
+              <a:rPr lang="en-US" smtClean="0"/>
+              <a:t>Click to edit Master text styles</a:t>
+            </a:r>
+          </a:p>
+          <a:p>
+            <a:pPr lvl="1"/>
+            <a:r>
+              <a:rPr lang="en-US" smtClean="0"/>
+              <a:t>Second level</a:t>
+            </a:r>
+          </a:p>
+          <a:p>
+            <a:pPr lvl="2"/>
+            <a:r>
+              <a:rPr lang="en-US" smtClean="0"/>
+              <a:t>Third level</a:t>
+            </a:r>
+          </a:p>
+          <a:p>
+            <a:pPr lvl="3"/>
+            <a:r>
+              <a:rPr lang="en-US" smtClean="0"/>
+              <a:t>Fourth level</a:t>
+            </a:r>
+          </a:p>
+          <a:p>
+            <a:pPr lvl="4"/>
+            <a:r>
+              <a:rPr lang="en-US" smtClean="0"/>
+              <a:t>Fifth level</a:t>
+            </a:r>
+            <a:endParaRPr lang="nl-BE"/>
+          </a:p>
+        </p:txBody>
+      </p:sp>
+      <p:sp>
+        <p:nvSpPr>
+          <p:cNvPr id="4" name="Tijdelijke aanduiding voor datum 3"/>
+          <p:cNvSpPr>
+            <a:spLocks noGrp="1"/>
+          </p:cNvSpPr>
+          <p:nvPr>
+            <p:ph type="dt" sz="half" idx="10"/>
+          </p:nvPr>
+        </p:nvSpPr>
+        <p:spPr>
+          <a:xfrm>
+            <a:off x="838200" y="6356351"/>
+            <a:ext cx="2743200" cy="365125"/>
+          </a:xfrm>
+          <a:prstGeom prst="rect">
+            <a:avLst/>
+          </a:prstGeom>
+        </p:spPr>
+        <p:txBody>
+          <a:bodyPr/>
+          <a:lstStyle>
+            <a:lvl1pPr>
+              <a:defRPr/>
+            </a:lvl1pPr>
+          </a:lstStyle>
+          <a:p>
+            <a:fld id="{F3B17216-47DF-478C-B20B-BB0F0C651CF6}" type="datetimeFigureOut">
+              <a:rPr lang="en-US" smtClean="0"/>
+              <a:t>2/4/2014</a:t>
+            </a:fld>
+            <a:endParaRPr lang="en-US"/>
+          </a:p>
+        </p:txBody>
+      </p:sp>
+      <p:sp>
+        <p:nvSpPr>
+          <p:cNvPr id="5" name="Tijdelijke aanduiding voor voettekst 4"/>
+          <p:cNvSpPr>
+            <a:spLocks noGrp="1"/>
+          </p:cNvSpPr>
+          <p:nvPr>
+            <p:ph type="ftr" sz="quarter" idx="11"/>
+          </p:nvPr>
+        </p:nvSpPr>
+        <p:spPr>
+          <a:xfrm>
+            <a:off x="4038600" y="6356351"/>
+            <a:ext cx="4114800" cy="365125"/>
+          </a:xfrm>
+          <a:prstGeom prst="rect">
+            <a:avLst/>
+          </a:prstGeom>
+        </p:spPr>
+        <p:txBody>
+          <a:bodyPr/>
+          <a:lstStyle>
+            <a:lvl1pPr>
+              <a:defRPr/>
+            </a:lvl1pPr>
+          </a:lstStyle>
+          <a:p>
+            <a:endParaRPr lang="en-US"/>
+          </a:p>
+        </p:txBody>
+      </p:sp>
+      <p:sp>
+        <p:nvSpPr>
+          <p:cNvPr id="6" name="Tijdelijke aanduiding voor dianummer 5"/>
+          <p:cNvSpPr>
+            <a:spLocks noGrp="1"/>
+          </p:cNvSpPr>
+          <p:nvPr>
+            <p:ph type="sldNum" sz="quarter" idx="12"/>
+          </p:nvPr>
+        </p:nvSpPr>
+        <p:spPr>
+          <a:xfrm>
+            <a:off x="8610600" y="6356351"/>
+            <a:ext cx="2743200" cy="365125"/>
+          </a:xfrm>
+          <a:prstGeom prst="rect">
+            <a:avLst/>
+          </a:prstGeom>
+        </p:spPr>
+        <p:txBody>
+          <a:bodyPr/>
+          <a:lstStyle>
+            <a:lvl1pPr>
+              <a:defRPr/>
+            </a:lvl1pPr>
+          </a:lstStyle>
+          <a:p>
+            <a:fld id="{8AE18A4C-FCC0-49D8-A299-7DF83F84F133}" type="slidenum">
+              <a:rPr lang="en-US" smtClean="0"/>
+              <a:t>‹#›</a:t>
+            </a:fld>
+            <a:endParaRPr lang="en-US"/>
+          </a:p>
+        </p:txBody>
+      </p:sp>
+    </p:spTree>
+    <p:extLst>
+      <p:ext uri="{BB962C8B-B14F-4D97-AF65-F5344CB8AC3E}">
+        <p14:creationId xmlns:p14="http://schemas.microsoft.com/office/powerpoint/2010/main" val="1261988372"/>
+      </p:ext>
+    </p:extLst>
+  </p:cSld>
+  <p:clrMapOvr>
+    <a:masterClrMapping/>
+  </p:clrMapOvr>
+</p:sldLayout>
+</file>
+
+<file path=ppt/slideLayouts/slideLayout20.xml><?xml version="1.0" encoding="utf-8"?>
 <p:sldLayout xmlns:a="http://schemas.openxmlformats.org/drawingml/2006/main" xmlns:r="http://schemas.openxmlformats.org/officeDocument/2006/relationships" xmlns:p="http://schemas.openxmlformats.org/presentationml/2006/main" type="picTx" preserve="1">
   <p:cSld name="Picture with Caption">
     <p:spTree>
@@ -6465,6 +7235,614 @@
           <a:bodyPr/>
           <a:lstStyle/>
           <a:p>
+            <a:fld id="{F17FA2EC-BE1A-4D1A-AECF-3D2BD5D9525B}" type="datetimeFigureOut">
+              <a:rPr lang="en-US" smtClean="0"/>
+              <a:t>2/5/2014</a:t>
+            </a:fld>
+            <a:endParaRPr lang="en-US"/>
+          </a:p>
+        </p:txBody>
+      </p:sp>
+      <p:sp>
+        <p:nvSpPr>
+          <p:cNvPr id="6" name="Footer Placeholder 5"/>
+          <p:cNvSpPr>
+            <a:spLocks noGrp="1"/>
+          </p:cNvSpPr>
+          <p:nvPr>
+            <p:ph type="ftr" sz="quarter" idx="11"/>
+          </p:nvPr>
+        </p:nvSpPr>
+        <p:spPr/>
+        <p:txBody>
+          <a:bodyPr/>
+          <a:lstStyle/>
+          <a:p>
+            <a:endParaRPr lang="en-US"/>
+          </a:p>
+        </p:txBody>
+      </p:sp>
+      <p:sp>
+        <p:nvSpPr>
+          <p:cNvPr id="7" name="Slide Number Placeholder 6"/>
+          <p:cNvSpPr>
+            <a:spLocks noGrp="1"/>
+          </p:cNvSpPr>
+          <p:nvPr>
+            <p:ph type="sldNum" sz="quarter" idx="12"/>
+          </p:nvPr>
+        </p:nvSpPr>
+        <p:spPr/>
+        <p:txBody>
+          <a:bodyPr/>
+          <a:lstStyle/>
+          <a:p>
+            <a:fld id="{E269FE30-E95B-4CA0-BD74-16E280FC6AD0}" type="slidenum">
+              <a:rPr lang="en-US" smtClean="0"/>
+              <a:t>‹#›</a:t>
+            </a:fld>
+            <a:endParaRPr lang="en-US"/>
+          </a:p>
+        </p:txBody>
+      </p:sp>
+    </p:spTree>
+    <p:extLst>
+      <p:ext uri="{BB962C8B-B14F-4D97-AF65-F5344CB8AC3E}">
+        <p14:creationId xmlns:p14="http://schemas.microsoft.com/office/powerpoint/2010/main" val="2596083353"/>
+      </p:ext>
+    </p:extLst>
+  </p:cSld>
+  <p:clrMapOvr>
+    <a:masterClrMapping/>
+  </p:clrMapOvr>
+</p:sldLayout>
+</file>
+
+<file path=ppt/slideLayouts/slideLayout21.xml><?xml version="1.0" encoding="utf-8"?>
+<p:sldLayout xmlns:a="http://schemas.openxmlformats.org/drawingml/2006/main" xmlns:r="http://schemas.openxmlformats.org/officeDocument/2006/relationships" xmlns:p="http://schemas.openxmlformats.org/presentationml/2006/main" type="vertTx" preserve="1">
+  <p:cSld name="Title and Vertical Text">
+    <p:spTree>
+      <p:nvGrpSpPr>
+        <p:cNvPr id="1" name=""/>
+        <p:cNvGrpSpPr/>
+        <p:nvPr/>
+      </p:nvGrpSpPr>
+      <p:grpSpPr>
+        <a:xfrm>
+          <a:off x="0" y="0"/>
+          <a:ext cx="0" cy="0"/>
+          <a:chOff x="0" y="0"/>
+          <a:chExt cx="0" cy="0"/>
+        </a:xfrm>
+      </p:grpSpPr>
+      <p:sp>
+        <p:nvSpPr>
+          <p:cNvPr id="2" name="Title 1"/>
+          <p:cNvSpPr>
+            <a:spLocks noGrp="1"/>
+          </p:cNvSpPr>
+          <p:nvPr>
+            <p:ph type="title"/>
+          </p:nvPr>
+        </p:nvSpPr>
+        <p:spPr/>
+        <p:txBody>
+          <a:bodyPr/>
+          <a:lstStyle/>
+          <a:p>
+            <a:r>
+              <a:rPr lang="en-US" smtClean="0"/>
+              <a:t>Click to edit Master title style</a:t>
+            </a:r>
+            <a:endParaRPr lang="en-US"/>
+          </a:p>
+        </p:txBody>
+      </p:sp>
+      <p:sp>
+        <p:nvSpPr>
+          <p:cNvPr id="3" name="Vertical Text Placeholder 2"/>
+          <p:cNvSpPr>
+            <a:spLocks noGrp="1"/>
+          </p:cNvSpPr>
+          <p:nvPr>
+            <p:ph type="body" orient="vert" idx="1"/>
+          </p:nvPr>
+        </p:nvSpPr>
+        <p:spPr/>
+        <p:txBody>
+          <a:bodyPr vert="eaVert"/>
+          <a:lstStyle/>
+          <a:p>
+            <a:pPr lvl="0"/>
+            <a:r>
+              <a:rPr lang="en-US" smtClean="0"/>
+              <a:t>Click to edit Master text styles</a:t>
+            </a:r>
+          </a:p>
+          <a:p>
+            <a:pPr lvl="1"/>
+            <a:r>
+              <a:rPr lang="en-US" smtClean="0"/>
+              <a:t>Second level</a:t>
+            </a:r>
+          </a:p>
+          <a:p>
+            <a:pPr lvl="2"/>
+            <a:r>
+              <a:rPr lang="en-US" smtClean="0"/>
+              <a:t>Third level</a:t>
+            </a:r>
+          </a:p>
+          <a:p>
+            <a:pPr lvl="3"/>
+            <a:r>
+              <a:rPr lang="en-US" smtClean="0"/>
+              <a:t>Fourth level</a:t>
+            </a:r>
+          </a:p>
+          <a:p>
+            <a:pPr lvl="4"/>
+            <a:r>
+              <a:rPr lang="en-US" smtClean="0"/>
+              <a:t>Fifth level</a:t>
+            </a:r>
+            <a:endParaRPr lang="en-US"/>
+          </a:p>
+        </p:txBody>
+      </p:sp>
+      <p:sp>
+        <p:nvSpPr>
+          <p:cNvPr id="4" name="Date Placeholder 3"/>
+          <p:cNvSpPr>
+            <a:spLocks noGrp="1"/>
+          </p:cNvSpPr>
+          <p:nvPr>
+            <p:ph type="dt" sz="half" idx="10"/>
+          </p:nvPr>
+        </p:nvSpPr>
+        <p:spPr/>
+        <p:txBody>
+          <a:bodyPr/>
+          <a:lstStyle/>
+          <a:p>
+            <a:fld id="{F17FA2EC-BE1A-4D1A-AECF-3D2BD5D9525B}" type="datetimeFigureOut">
+              <a:rPr lang="en-US" smtClean="0"/>
+              <a:t>2/5/2014</a:t>
+            </a:fld>
+            <a:endParaRPr lang="en-US"/>
+          </a:p>
+        </p:txBody>
+      </p:sp>
+      <p:sp>
+        <p:nvSpPr>
+          <p:cNvPr id="5" name="Footer Placeholder 4"/>
+          <p:cNvSpPr>
+            <a:spLocks noGrp="1"/>
+          </p:cNvSpPr>
+          <p:nvPr>
+            <p:ph type="ftr" sz="quarter" idx="11"/>
+          </p:nvPr>
+        </p:nvSpPr>
+        <p:spPr/>
+        <p:txBody>
+          <a:bodyPr/>
+          <a:lstStyle/>
+          <a:p>
+            <a:endParaRPr lang="en-US"/>
+          </a:p>
+        </p:txBody>
+      </p:sp>
+      <p:sp>
+        <p:nvSpPr>
+          <p:cNvPr id="6" name="Slide Number Placeholder 5"/>
+          <p:cNvSpPr>
+            <a:spLocks noGrp="1"/>
+          </p:cNvSpPr>
+          <p:nvPr>
+            <p:ph type="sldNum" sz="quarter" idx="12"/>
+          </p:nvPr>
+        </p:nvSpPr>
+        <p:spPr/>
+        <p:txBody>
+          <a:bodyPr/>
+          <a:lstStyle/>
+          <a:p>
+            <a:fld id="{E269FE30-E95B-4CA0-BD74-16E280FC6AD0}" type="slidenum">
+              <a:rPr lang="en-US" smtClean="0"/>
+              <a:t>‹#›</a:t>
+            </a:fld>
+            <a:endParaRPr lang="en-US"/>
+          </a:p>
+        </p:txBody>
+      </p:sp>
+    </p:spTree>
+    <p:extLst>
+      <p:ext uri="{BB962C8B-B14F-4D97-AF65-F5344CB8AC3E}">
+        <p14:creationId xmlns:p14="http://schemas.microsoft.com/office/powerpoint/2010/main" val="856861635"/>
+      </p:ext>
+    </p:extLst>
+  </p:cSld>
+  <p:clrMapOvr>
+    <a:masterClrMapping/>
+  </p:clrMapOvr>
+</p:sldLayout>
+</file>
+
+<file path=ppt/slideLayouts/slideLayout22.xml><?xml version="1.0" encoding="utf-8"?>
+<p:sldLayout xmlns:a="http://schemas.openxmlformats.org/drawingml/2006/main" xmlns:r="http://schemas.openxmlformats.org/officeDocument/2006/relationships" xmlns:p="http://schemas.openxmlformats.org/presentationml/2006/main" type="vertTitleAndTx" preserve="1">
+  <p:cSld name="Vertical Title and Text">
+    <p:spTree>
+      <p:nvGrpSpPr>
+        <p:cNvPr id="1" name=""/>
+        <p:cNvGrpSpPr/>
+        <p:nvPr/>
+      </p:nvGrpSpPr>
+      <p:grpSpPr>
+        <a:xfrm>
+          <a:off x="0" y="0"/>
+          <a:ext cx="0" cy="0"/>
+          <a:chOff x="0" y="0"/>
+          <a:chExt cx="0" cy="0"/>
+        </a:xfrm>
+      </p:grpSpPr>
+      <p:sp>
+        <p:nvSpPr>
+          <p:cNvPr id="2" name="Vertical Title 1"/>
+          <p:cNvSpPr>
+            <a:spLocks noGrp="1"/>
+          </p:cNvSpPr>
+          <p:nvPr>
+            <p:ph type="title" orient="vert"/>
+          </p:nvPr>
+        </p:nvSpPr>
+        <p:spPr>
+          <a:xfrm>
+            <a:off x="8724900" y="365125"/>
+            <a:ext cx="2628900" cy="5811838"/>
+          </a:xfrm>
+        </p:spPr>
+        <p:txBody>
+          <a:bodyPr vert="eaVert"/>
+          <a:lstStyle/>
+          <a:p>
+            <a:r>
+              <a:rPr lang="en-US" smtClean="0"/>
+              <a:t>Click to edit Master title style</a:t>
+            </a:r>
+            <a:endParaRPr lang="en-US"/>
+          </a:p>
+        </p:txBody>
+      </p:sp>
+      <p:sp>
+        <p:nvSpPr>
+          <p:cNvPr id="3" name="Vertical Text Placeholder 2"/>
+          <p:cNvSpPr>
+            <a:spLocks noGrp="1"/>
+          </p:cNvSpPr>
+          <p:nvPr>
+            <p:ph type="body" orient="vert" idx="1"/>
+          </p:nvPr>
+        </p:nvSpPr>
+        <p:spPr>
+          <a:xfrm>
+            <a:off x="838200" y="365125"/>
+            <a:ext cx="7734300" cy="5811838"/>
+          </a:xfrm>
+        </p:spPr>
+        <p:txBody>
+          <a:bodyPr vert="eaVert"/>
+          <a:lstStyle/>
+          <a:p>
+            <a:pPr lvl="0"/>
+            <a:r>
+              <a:rPr lang="en-US" smtClean="0"/>
+              <a:t>Click to edit Master text styles</a:t>
+            </a:r>
+          </a:p>
+          <a:p>
+            <a:pPr lvl="1"/>
+            <a:r>
+              <a:rPr lang="en-US" smtClean="0"/>
+              <a:t>Second level</a:t>
+            </a:r>
+          </a:p>
+          <a:p>
+            <a:pPr lvl="2"/>
+            <a:r>
+              <a:rPr lang="en-US" smtClean="0"/>
+              <a:t>Third level</a:t>
+            </a:r>
+          </a:p>
+          <a:p>
+            <a:pPr lvl="3"/>
+            <a:r>
+              <a:rPr lang="en-US" smtClean="0"/>
+              <a:t>Fourth level</a:t>
+            </a:r>
+          </a:p>
+          <a:p>
+            <a:pPr lvl="4"/>
+            <a:r>
+              <a:rPr lang="en-US" smtClean="0"/>
+              <a:t>Fifth level</a:t>
+            </a:r>
+            <a:endParaRPr lang="en-US"/>
+          </a:p>
+        </p:txBody>
+      </p:sp>
+      <p:sp>
+        <p:nvSpPr>
+          <p:cNvPr id="4" name="Date Placeholder 3"/>
+          <p:cNvSpPr>
+            <a:spLocks noGrp="1"/>
+          </p:cNvSpPr>
+          <p:nvPr>
+            <p:ph type="dt" sz="half" idx="10"/>
+          </p:nvPr>
+        </p:nvSpPr>
+        <p:spPr/>
+        <p:txBody>
+          <a:bodyPr/>
+          <a:lstStyle/>
+          <a:p>
+            <a:fld id="{F17FA2EC-BE1A-4D1A-AECF-3D2BD5D9525B}" type="datetimeFigureOut">
+              <a:rPr lang="en-US" smtClean="0"/>
+              <a:t>2/5/2014</a:t>
+            </a:fld>
+            <a:endParaRPr lang="en-US"/>
+          </a:p>
+        </p:txBody>
+      </p:sp>
+      <p:sp>
+        <p:nvSpPr>
+          <p:cNvPr id="5" name="Footer Placeholder 4"/>
+          <p:cNvSpPr>
+            <a:spLocks noGrp="1"/>
+          </p:cNvSpPr>
+          <p:nvPr>
+            <p:ph type="ftr" sz="quarter" idx="11"/>
+          </p:nvPr>
+        </p:nvSpPr>
+        <p:spPr/>
+        <p:txBody>
+          <a:bodyPr/>
+          <a:lstStyle/>
+          <a:p>
+            <a:endParaRPr lang="en-US"/>
+          </a:p>
+        </p:txBody>
+      </p:sp>
+      <p:sp>
+        <p:nvSpPr>
+          <p:cNvPr id="6" name="Slide Number Placeholder 5"/>
+          <p:cNvSpPr>
+            <a:spLocks noGrp="1"/>
+          </p:cNvSpPr>
+          <p:nvPr>
+            <p:ph type="sldNum" sz="quarter" idx="12"/>
+          </p:nvPr>
+        </p:nvSpPr>
+        <p:spPr/>
+        <p:txBody>
+          <a:bodyPr/>
+          <a:lstStyle/>
+          <a:p>
+            <a:fld id="{E269FE30-E95B-4CA0-BD74-16E280FC6AD0}" type="slidenum">
+              <a:rPr lang="en-US" smtClean="0"/>
+              <a:t>‹#›</a:t>
+            </a:fld>
+            <a:endParaRPr lang="en-US"/>
+          </a:p>
+        </p:txBody>
+      </p:sp>
+    </p:spTree>
+    <p:extLst>
+      <p:ext uri="{BB962C8B-B14F-4D97-AF65-F5344CB8AC3E}">
+        <p14:creationId xmlns:p14="http://schemas.microsoft.com/office/powerpoint/2010/main" val="1818213755"/>
+      </p:ext>
+    </p:extLst>
+  </p:cSld>
+  <p:clrMapOvr>
+    <a:masterClrMapping/>
+  </p:clrMapOvr>
+</p:sldLayout>
+</file>
+
+<file path=ppt/slideLayouts/slideLayout3.xml><?xml version="1.0" encoding="utf-8"?>
+<p:sldLayout xmlns:a="http://schemas.openxmlformats.org/drawingml/2006/main" xmlns:r="http://schemas.openxmlformats.org/officeDocument/2006/relationships" xmlns:p="http://schemas.openxmlformats.org/presentationml/2006/main" type="secHead" preserve="1">
+  <p:cSld name="Sectiekop">
+    <p:spTree>
+      <p:nvGrpSpPr>
+        <p:cNvPr id="1" name=""/>
+        <p:cNvGrpSpPr/>
+        <p:nvPr/>
+      </p:nvGrpSpPr>
+      <p:grpSpPr>
+        <a:xfrm>
+          <a:off x="0" y="0"/>
+          <a:ext cx="0" cy="0"/>
+          <a:chOff x="0" y="0"/>
+          <a:chExt cx="0" cy="0"/>
+        </a:xfrm>
+      </p:grpSpPr>
+      <p:sp>
+        <p:nvSpPr>
+          <p:cNvPr id="2" name="Titel 1"/>
+          <p:cNvSpPr>
+            <a:spLocks noGrp="1"/>
+          </p:cNvSpPr>
+          <p:nvPr>
+            <p:ph type="title"/>
+          </p:nvPr>
+        </p:nvSpPr>
+        <p:spPr>
+          <a:xfrm>
+            <a:off x="831851" y="1709739"/>
+            <a:ext cx="10515600" cy="2852737"/>
+          </a:xfrm>
+        </p:spPr>
+        <p:txBody>
+          <a:bodyPr anchor="b"/>
+          <a:lstStyle>
+            <a:lvl1pPr>
+              <a:defRPr sz="6000"/>
+            </a:lvl1pPr>
+          </a:lstStyle>
+          <a:p>
+            <a:r>
+              <a:rPr lang="en-US" smtClean="0"/>
+              <a:t>Click to edit Master title style</a:t>
+            </a:r>
+            <a:endParaRPr lang="nl-BE"/>
+          </a:p>
+        </p:txBody>
+      </p:sp>
+      <p:sp>
+        <p:nvSpPr>
+          <p:cNvPr id="3" name="Tijdelijke aanduiding voor tekst 2"/>
+          <p:cNvSpPr>
+            <a:spLocks noGrp="1"/>
+          </p:cNvSpPr>
+          <p:nvPr>
+            <p:ph type="body" idx="1"/>
+          </p:nvPr>
+        </p:nvSpPr>
+        <p:spPr>
+          <a:xfrm>
+            <a:off x="831851" y="4589464"/>
+            <a:ext cx="10515600" cy="1500187"/>
+          </a:xfrm>
+        </p:spPr>
+        <p:txBody>
+          <a:bodyPr/>
+          <a:lstStyle>
+            <a:lvl1pPr marL="0" indent="0">
+              <a:buNone/>
+              <a:defRPr sz="2400">
+                <a:solidFill>
+                  <a:schemeClr val="tx1">
+                    <a:tint val="75000"/>
+                  </a:schemeClr>
+                </a:solidFill>
+              </a:defRPr>
+            </a:lvl1pPr>
+            <a:lvl2pPr marL="457200" indent="0">
+              <a:buNone/>
+              <a:defRPr sz="2000">
+                <a:solidFill>
+                  <a:schemeClr val="tx1">
+                    <a:tint val="75000"/>
+                  </a:schemeClr>
+                </a:solidFill>
+              </a:defRPr>
+            </a:lvl2pPr>
+            <a:lvl3pPr marL="914400" indent="0">
+              <a:buNone/>
+              <a:defRPr sz="1800">
+                <a:solidFill>
+                  <a:schemeClr val="tx1">
+                    <a:tint val="75000"/>
+                  </a:schemeClr>
+                </a:solidFill>
+              </a:defRPr>
+            </a:lvl3pPr>
+            <a:lvl4pPr marL="1371600" indent="0">
+              <a:buNone/>
+              <a:defRPr sz="1600">
+                <a:solidFill>
+                  <a:schemeClr val="tx1">
+                    <a:tint val="75000"/>
+                  </a:schemeClr>
+                </a:solidFill>
+              </a:defRPr>
+            </a:lvl4pPr>
+            <a:lvl5pPr marL="1828800" indent="0">
+              <a:buNone/>
+              <a:defRPr sz="1600">
+                <a:solidFill>
+                  <a:schemeClr val="tx1">
+                    <a:tint val="75000"/>
+                  </a:schemeClr>
+                </a:solidFill>
+              </a:defRPr>
+            </a:lvl5pPr>
+            <a:lvl6pPr marL="2286000" indent="0">
+              <a:buNone/>
+              <a:defRPr sz="1600">
+                <a:solidFill>
+                  <a:schemeClr val="tx1">
+                    <a:tint val="75000"/>
+                  </a:schemeClr>
+                </a:solidFill>
+              </a:defRPr>
+            </a:lvl6pPr>
+            <a:lvl7pPr marL="2743200" indent="0">
+              <a:buNone/>
+              <a:defRPr sz="1600">
+                <a:solidFill>
+                  <a:schemeClr val="tx1">
+                    <a:tint val="75000"/>
+                  </a:schemeClr>
+                </a:solidFill>
+              </a:defRPr>
+            </a:lvl7pPr>
+            <a:lvl8pPr marL="3200400" indent="0">
+              <a:buNone/>
+              <a:defRPr sz="1600">
+                <a:solidFill>
+                  <a:schemeClr val="tx1">
+                    <a:tint val="75000"/>
+                  </a:schemeClr>
+                </a:solidFill>
+              </a:defRPr>
+            </a:lvl8pPr>
+            <a:lvl9pPr marL="3657600" indent="0">
+              <a:buNone/>
+              <a:defRPr sz="1600">
+                <a:solidFill>
+                  <a:schemeClr val="tx1">
+                    <a:tint val="75000"/>
+                  </a:schemeClr>
+                </a:solidFill>
+              </a:defRPr>
+            </a:lvl9pPr>
+          </a:lstStyle>
+          <a:p>
+            <a:pPr lvl="0"/>
+            <a:r>
+              <a:rPr lang="en-US" smtClean="0"/>
+              <a:t>Click to edit Master text styles</a:t>
+            </a:r>
+          </a:p>
+        </p:txBody>
+      </p:sp>
+      <p:sp>
+        <p:nvSpPr>
+          <p:cNvPr id="4" name="Tijdelijke aanduiding voor datum 3"/>
+          <p:cNvSpPr>
+            <a:spLocks noGrp="1"/>
+          </p:cNvSpPr>
+          <p:nvPr>
+            <p:ph type="dt" sz="half" idx="10"/>
+          </p:nvPr>
+        </p:nvSpPr>
+        <p:spPr>
+          <a:xfrm>
+            <a:off x="838200" y="6356351"/>
+            <a:ext cx="2743200" cy="365125"/>
+          </a:xfrm>
+          <a:prstGeom prst="rect">
+            <a:avLst/>
+          </a:prstGeom>
+        </p:spPr>
+        <p:txBody>
+          <a:bodyPr/>
+          <a:lstStyle>
+            <a:lvl1pPr>
+              <a:defRPr/>
+            </a:lvl1pPr>
+          </a:lstStyle>
+          <a:p>
             <a:fld id="{F3B17216-47DF-478C-B20B-BB0F0C651CF6}" type="datetimeFigureOut">
               <a:rPr lang="en-US" smtClean="0"/>
               <a:t>2/4/2014</a:t>
@@ -6475,7 +7853,7 @@
       </p:sp>
       <p:sp>
         <p:nvSpPr>
-          <p:cNvPr id="6" name="Footer Placeholder 5"/>
+          <p:cNvPr id="5" name="Tijdelijke aanduiding voor voettekst 4"/>
           <p:cNvSpPr>
             <a:spLocks noGrp="1"/>
           </p:cNvSpPr>
@@ -6483,10 +7861,22 @@
             <p:ph type="ftr" sz="quarter" idx="11"/>
           </p:nvPr>
         </p:nvSpPr>
-        <p:spPr/>
-        <p:txBody>
-          <a:bodyPr/>
-          <a:lstStyle/>
+        <p:spPr>
+          <a:xfrm>
+            <a:off x="4038600" y="6356351"/>
+            <a:ext cx="4114800" cy="365125"/>
+          </a:xfrm>
+          <a:prstGeom prst="rect">
+            <a:avLst/>
+          </a:prstGeom>
+        </p:spPr>
+        <p:txBody>
+          <a:bodyPr/>
+          <a:lstStyle>
+            <a:lvl1pPr>
+              <a:defRPr/>
+            </a:lvl1pPr>
+          </a:lstStyle>
           <a:p>
             <a:endParaRPr lang="en-US"/>
           </a:p>
@@ -6494,7 +7884,7 @@
       </p:sp>
       <p:sp>
         <p:nvSpPr>
-          <p:cNvPr id="7" name="Slide Number Placeholder 6"/>
+          <p:cNvPr id="6" name="Tijdelijke aanduiding voor dianummer 5"/>
           <p:cNvSpPr>
             <a:spLocks noGrp="1"/>
           </p:cNvSpPr>
@@ -6502,10 +7892,22 @@
             <p:ph type="sldNum" sz="quarter" idx="12"/>
           </p:nvPr>
         </p:nvSpPr>
-        <p:spPr/>
-        <p:txBody>
-          <a:bodyPr/>
-          <a:lstStyle/>
+        <p:spPr>
+          <a:xfrm>
+            <a:off x="8610600" y="6356351"/>
+            <a:ext cx="2743200" cy="365125"/>
+          </a:xfrm>
+          <a:prstGeom prst="rect">
+            <a:avLst/>
+          </a:prstGeom>
+        </p:spPr>
+        <p:txBody>
+          <a:bodyPr/>
+          <a:lstStyle>
+            <a:lvl1pPr>
+              <a:defRPr/>
+            </a:lvl1pPr>
+          </a:lstStyle>
           <a:p>
             <a:fld id="{8AE18A4C-FCC0-49D8-A299-7DF83F84F133}" type="slidenum">
               <a:rPr lang="en-US" smtClean="0"/>
@@ -6518,7 +7920,1572 @@
     </p:spTree>
     <p:extLst>
       <p:ext uri="{BB962C8B-B14F-4D97-AF65-F5344CB8AC3E}">
-        <p14:creationId xmlns:p14="http://schemas.microsoft.com/office/powerpoint/2010/main" val="3475223158"/>
+        <p14:creationId xmlns:p14="http://schemas.microsoft.com/office/powerpoint/2010/main" val="3659094964"/>
+      </p:ext>
+    </p:extLst>
+  </p:cSld>
+  <p:clrMapOvr>
+    <a:masterClrMapping/>
+  </p:clrMapOvr>
+</p:sldLayout>
+</file>
+
+<file path=ppt/slideLayouts/slideLayout4.xml><?xml version="1.0" encoding="utf-8"?>
+<p:sldLayout xmlns:a="http://schemas.openxmlformats.org/drawingml/2006/main" xmlns:r="http://schemas.openxmlformats.org/officeDocument/2006/relationships" xmlns:p="http://schemas.openxmlformats.org/presentationml/2006/main" type="twoObj" preserve="1">
+  <p:cSld name="Inhoud van twee">
+    <p:spTree>
+      <p:nvGrpSpPr>
+        <p:cNvPr id="1" name=""/>
+        <p:cNvGrpSpPr/>
+        <p:nvPr/>
+      </p:nvGrpSpPr>
+      <p:grpSpPr>
+        <a:xfrm>
+          <a:off x="0" y="0"/>
+          <a:ext cx="0" cy="0"/>
+          <a:chOff x="0" y="0"/>
+          <a:chExt cx="0" cy="0"/>
+        </a:xfrm>
+      </p:grpSpPr>
+      <p:sp>
+        <p:nvSpPr>
+          <p:cNvPr id="2" name="Titel 1"/>
+          <p:cNvSpPr>
+            <a:spLocks noGrp="1"/>
+          </p:cNvSpPr>
+          <p:nvPr>
+            <p:ph type="title"/>
+          </p:nvPr>
+        </p:nvSpPr>
+        <p:spPr/>
+        <p:txBody>
+          <a:bodyPr/>
+          <a:lstStyle/>
+          <a:p>
+            <a:r>
+              <a:rPr lang="en-US" smtClean="0"/>
+              <a:t>Click to edit Master title style</a:t>
+            </a:r>
+            <a:endParaRPr lang="nl-BE"/>
+          </a:p>
+        </p:txBody>
+      </p:sp>
+      <p:sp>
+        <p:nvSpPr>
+          <p:cNvPr id="3" name="Tijdelijke aanduiding voor inhoud 2"/>
+          <p:cNvSpPr>
+            <a:spLocks noGrp="1"/>
+          </p:cNvSpPr>
+          <p:nvPr>
+            <p:ph sz="half" idx="1"/>
+          </p:nvPr>
+        </p:nvSpPr>
+        <p:spPr>
+          <a:xfrm>
+            <a:off x="838200" y="1825625"/>
+            <a:ext cx="5156200" cy="4351338"/>
+          </a:xfrm>
+        </p:spPr>
+        <p:txBody>
+          <a:bodyPr/>
+          <a:lstStyle/>
+          <a:p>
+            <a:pPr lvl="0"/>
+            <a:r>
+              <a:rPr lang="en-US" smtClean="0"/>
+              <a:t>Click to edit Master text styles</a:t>
+            </a:r>
+          </a:p>
+          <a:p>
+            <a:pPr lvl="1"/>
+            <a:r>
+              <a:rPr lang="en-US" smtClean="0"/>
+              <a:t>Second level</a:t>
+            </a:r>
+          </a:p>
+          <a:p>
+            <a:pPr lvl="2"/>
+            <a:r>
+              <a:rPr lang="en-US" smtClean="0"/>
+              <a:t>Third level</a:t>
+            </a:r>
+          </a:p>
+          <a:p>
+            <a:pPr lvl="3"/>
+            <a:r>
+              <a:rPr lang="en-US" smtClean="0"/>
+              <a:t>Fourth level</a:t>
+            </a:r>
+          </a:p>
+          <a:p>
+            <a:pPr lvl="4"/>
+            <a:r>
+              <a:rPr lang="en-US" smtClean="0"/>
+              <a:t>Fifth level</a:t>
+            </a:r>
+            <a:endParaRPr lang="nl-BE"/>
+          </a:p>
+        </p:txBody>
+      </p:sp>
+      <p:sp>
+        <p:nvSpPr>
+          <p:cNvPr id="4" name="Tijdelijke aanduiding voor inhoud 3"/>
+          <p:cNvSpPr>
+            <a:spLocks noGrp="1"/>
+          </p:cNvSpPr>
+          <p:nvPr>
+            <p:ph sz="half" idx="2"/>
+          </p:nvPr>
+        </p:nvSpPr>
+        <p:spPr>
+          <a:xfrm>
+            <a:off x="6197600" y="1825625"/>
+            <a:ext cx="5156200" cy="4351338"/>
+          </a:xfrm>
+        </p:spPr>
+        <p:txBody>
+          <a:bodyPr/>
+          <a:lstStyle/>
+          <a:p>
+            <a:pPr lvl="0"/>
+            <a:r>
+              <a:rPr lang="en-US" smtClean="0"/>
+              <a:t>Click to edit Master text styles</a:t>
+            </a:r>
+          </a:p>
+          <a:p>
+            <a:pPr lvl="1"/>
+            <a:r>
+              <a:rPr lang="en-US" smtClean="0"/>
+              <a:t>Second level</a:t>
+            </a:r>
+          </a:p>
+          <a:p>
+            <a:pPr lvl="2"/>
+            <a:r>
+              <a:rPr lang="en-US" smtClean="0"/>
+              <a:t>Third level</a:t>
+            </a:r>
+          </a:p>
+          <a:p>
+            <a:pPr lvl="3"/>
+            <a:r>
+              <a:rPr lang="en-US" smtClean="0"/>
+              <a:t>Fourth level</a:t>
+            </a:r>
+          </a:p>
+          <a:p>
+            <a:pPr lvl="4"/>
+            <a:r>
+              <a:rPr lang="en-US" smtClean="0"/>
+              <a:t>Fifth level</a:t>
+            </a:r>
+            <a:endParaRPr lang="nl-BE"/>
+          </a:p>
+        </p:txBody>
+      </p:sp>
+      <p:sp>
+        <p:nvSpPr>
+          <p:cNvPr id="5" name="Tijdelijke aanduiding voor datum 4"/>
+          <p:cNvSpPr>
+            <a:spLocks noGrp="1"/>
+          </p:cNvSpPr>
+          <p:nvPr>
+            <p:ph type="dt" sz="half" idx="10"/>
+          </p:nvPr>
+        </p:nvSpPr>
+        <p:spPr>
+          <a:xfrm>
+            <a:off x="838200" y="6356351"/>
+            <a:ext cx="2743200" cy="365125"/>
+          </a:xfrm>
+          <a:prstGeom prst="rect">
+            <a:avLst/>
+          </a:prstGeom>
+        </p:spPr>
+        <p:txBody>
+          <a:bodyPr/>
+          <a:lstStyle>
+            <a:lvl1pPr>
+              <a:defRPr/>
+            </a:lvl1pPr>
+          </a:lstStyle>
+          <a:p>
+            <a:fld id="{F3B17216-47DF-478C-B20B-BB0F0C651CF6}" type="datetimeFigureOut">
+              <a:rPr lang="en-US" smtClean="0"/>
+              <a:t>2/4/2014</a:t>
+            </a:fld>
+            <a:endParaRPr lang="en-US"/>
+          </a:p>
+        </p:txBody>
+      </p:sp>
+      <p:sp>
+        <p:nvSpPr>
+          <p:cNvPr id="6" name="Tijdelijke aanduiding voor voettekst 5"/>
+          <p:cNvSpPr>
+            <a:spLocks noGrp="1"/>
+          </p:cNvSpPr>
+          <p:nvPr>
+            <p:ph type="ftr" sz="quarter" idx="11"/>
+          </p:nvPr>
+        </p:nvSpPr>
+        <p:spPr>
+          <a:xfrm>
+            <a:off x="4038600" y="6356351"/>
+            <a:ext cx="4114800" cy="365125"/>
+          </a:xfrm>
+          <a:prstGeom prst="rect">
+            <a:avLst/>
+          </a:prstGeom>
+        </p:spPr>
+        <p:txBody>
+          <a:bodyPr/>
+          <a:lstStyle>
+            <a:lvl1pPr>
+              <a:defRPr/>
+            </a:lvl1pPr>
+          </a:lstStyle>
+          <a:p>
+            <a:endParaRPr lang="en-US"/>
+          </a:p>
+        </p:txBody>
+      </p:sp>
+      <p:sp>
+        <p:nvSpPr>
+          <p:cNvPr id="7" name="Tijdelijke aanduiding voor dianummer 6"/>
+          <p:cNvSpPr>
+            <a:spLocks noGrp="1"/>
+          </p:cNvSpPr>
+          <p:nvPr>
+            <p:ph type="sldNum" sz="quarter" idx="12"/>
+          </p:nvPr>
+        </p:nvSpPr>
+        <p:spPr>
+          <a:xfrm>
+            <a:off x="8610600" y="6356351"/>
+            <a:ext cx="2743200" cy="365125"/>
+          </a:xfrm>
+          <a:prstGeom prst="rect">
+            <a:avLst/>
+          </a:prstGeom>
+        </p:spPr>
+        <p:txBody>
+          <a:bodyPr/>
+          <a:lstStyle>
+            <a:lvl1pPr>
+              <a:defRPr/>
+            </a:lvl1pPr>
+          </a:lstStyle>
+          <a:p>
+            <a:fld id="{8AE18A4C-FCC0-49D8-A299-7DF83F84F133}" type="slidenum">
+              <a:rPr lang="en-US" smtClean="0"/>
+              <a:t>‹#›</a:t>
+            </a:fld>
+            <a:endParaRPr lang="en-US"/>
+          </a:p>
+        </p:txBody>
+      </p:sp>
+    </p:spTree>
+    <p:extLst>
+      <p:ext uri="{BB962C8B-B14F-4D97-AF65-F5344CB8AC3E}">
+        <p14:creationId xmlns:p14="http://schemas.microsoft.com/office/powerpoint/2010/main" val="2240736589"/>
+      </p:ext>
+    </p:extLst>
+  </p:cSld>
+  <p:clrMapOvr>
+    <a:masterClrMapping/>
+  </p:clrMapOvr>
+</p:sldLayout>
+</file>
+
+<file path=ppt/slideLayouts/slideLayout5.xml><?xml version="1.0" encoding="utf-8"?>
+<p:sldLayout xmlns:a="http://schemas.openxmlformats.org/drawingml/2006/main" xmlns:r="http://schemas.openxmlformats.org/officeDocument/2006/relationships" xmlns:p="http://schemas.openxmlformats.org/presentationml/2006/main" type="twoTxTwoObj" preserve="1">
+  <p:cSld name="Vergelijking">
+    <p:spTree>
+      <p:nvGrpSpPr>
+        <p:cNvPr id="1" name=""/>
+        <p:cNvGrpSpPr/>
+        <p:nvPr/>
+      </p:nvGrpSpPr>
+      <p:grpSpPr>
+        <a:xfrm>
+          <a:off x="0" y="0"/>
+          <a:ext cx="0" cy="0"/>
+          <a:chOff x="0" y="0"/>
+          <a:chExt cx="0" cy="0"/>
+        </a:xfrm>
+      </p:grpSpPr>
+      <p:sp>
+        <p:nvSpPr>
+          <p:cNvPr id="2" name="Titel 1"/>
+          <p:cNvSpPr>
+            <a:spLocks noGrp="1"/>
+          </p:cNvSpPr>
+          <p:nvPr>
+            <p:ph type="title"/>
+          </p:nvPr>
+        </p:nvSpPr>
+        <p:spPr>
+          <a:xfrm>
+            <a:off x="840317" y="365126"/>
+            <a:ext cx="10515600" cy="1325563"/>
+          </a:xfrm>
+        </p:spPr>
+        <p:txBody>
+          <a:bodyPr/>
+          <a:lstStyle/>
+          <a:p>
+            <a:r>
+              <a:rPr lang="en-US" smtClean="0"/>
+              <a:t>Click to edit Master title style</a:t>
+            </a:r>
+            <a:endParaRPr lang="nl-BE"/>
+          </a:p>
+        </p:txBody>
+      </p:sp>
+      <p:sp>
+        <p:nvSpPr>
+          <p:cNvPr id="3" name="Tijdelijke aanduiding voor tekst 2"/>
+          <p:cNvSpPr>
+            <a:spLocks noGrp="1"/>
+          </p:cNvSpPr>
+          <p:nvPr>
+            <p:ph type="body" idx="1"/>
+          </p:nvPr>
+        </p:nvSpPr>
+        <p:spPr>
+          <a:xfrm>
+            <a:off x="840318" y="1681163"/>
+            <a:ext cx="5158316" cy="823912"/>
+          </a:xfrm>
+        </p:spPr>
+        <p:txBody>
+          <a:bodyPr anchor="b"/>
+          <a:lstStyle>
+            <a:lvl1pPr marL="0" indent="0">
+              <a:buNone/>
+              <a:defRPr sz="2400" b="1"/>
+            </a:lvl1pPr>
+            <a:lvl2pPr marL="457200" indent="0">
+              <a:buNone/>
+              <a:defRPr sz="2000" b="1"/>
+            </a:lvl2pPr>
+            <a:lvl3pPr marL="914400" indent="0">
+              <a:buNone/>
+              <a:defRPr sz="1800" b="1"/>
+            </a:lvl3pPr>
+            <a:lvl4pPr marL="1371600" indent="0">
+              <a:buNone/>
+              <a:defRPr sz="1600" b="1"/>
+            </a:lvl4pPr>
+            <a:lvl5pPr marL="1828800" indent="0">
+              <a:buNone/>
+              <a:defRPr sz="1600" b="1"/>
+            </a:lvl5pPr>
+            <a:lvl6pPr marL="2286000" indent="0">
+              <a:buNone/>
+              <a:defRPr sz="1600" b="1"/>
+            </a:lvl6pPr>
+            <a:lvl7pPr marL="2743200" indent="0">
+              <a:buNone/>
+              <a:defRPr sz="1600" b="1"/>
+            </a:lvl7pPr>
+            <a:lvl8pPr marL="3200400" indent="0">
+              <a:buNone/>
+              <a:defRPr sz="1600" b="1"/>
+            </a:lvl8pPr>
+            <a:lvl9pPr marL="3657600" indent="0">
+              <a:buNone/>
+              <a:defRPr sz="1600" b="1"/>
+            </a:lvl9pPr>
+          </a:lstStyle>
+          <a:p>
+            <a:pPr lvl="0"/>
+            <a:r>
+              <a:rPr lang="en-US" smtClean="0"/>
+              <a:t>Click to edit Master text styles</a:t>
+            </a:r>
+          </a:p>
+        </p:txBody>
+      </p:sp>
+      <p:sp>
+        <p:nvSpPr>
+          <p:cNvPr id="4" name="Tijdelijke aanduiding voor inhoud 3"/>
+          <p:cNvSpPr>
+            <a:spLocks noGrp="1"/>
+          </p:cNvSpPr>
+          <p:nvPr>
+            <p:ph sz="half" idx="2"/>
+          </p:nvPr>
+        </p:nvSpPr>
+        <p:spPr>
+          <a:xfrm>
+            <a:off x="840318" y="2505075"/>
+            <a:ext cx="5158316" cy="3684588"/>
+          </a:xfrm>
+        </p:spPr>
+        <p:txBody>
+          <a:bodyPr/>
+          <a:lstStyle/>
+          <a:p>
+            <a:pPr lvl="0"/>
+            <a:r>
+              <a:rPr lang="en-US" smtClean="0"/>
+              <a:t>Click to edit Master text styles</a:t>
+            </a:r>
+          </a:p>
+          <a:p>
+            <a:pPr lvl="1"/>
+            <a:r>
+              <a:rPr lang="en-US" smtClean="0"/>
+              <a:t>Second level</a:t>
+            </a:r>
+          </a:p>
+          <a:p>
+            <a:pPr lvl="2"/>
+            <a:r>
+              <a:rPr lang="en-US" smtClean="0"/>
+              <a:t>Third level</a:t>
+            </a:r>
+          </a:p>
+          <a:p>
+            <a:pPr lvl="3"/>
+            <a:r>
+              <a:rPr lang="en-US" smtClean="0"/>
+              <a:t>Fourth level</a:t>
+            </a:r>
+          </a:p>
+          <a:p>
+            <a:pPr lvl="4"/>
+            <a:r>
+              <a:rPr lang="en-US" smtClean="0"/>
+              <a:t>Fifth level</a:t>
+            </a:r>
+            <a:endParaRPr lang="nl-BE"/>
+          </a:p>
+        </p:txBody>
+      </p:sp>
+      <p:sp>
+        <p:nvSpPr>
+          <p:cNvPr id="5" name="Tijdelijke aanduiding voor tekst 4"/>
+          <p:cNvSpPr>
+            <a:spLocks noGrp="1"/>
+          </p:cNvSpPr>
+          <p:nvPr>
+            <p:ph type="body" sz="quarter" idx="3"/>
+          </p:nvPr>
+        </p:nvSpPr>
+        <p:spPr>
+          <a:xfrm>
+            <a:off x="6172200" y="1681163"/>
+            <a:ext cx="5183717" cy="823912"/>
+          </a:xfrm>
+        </p:spPr>
+        <p:txBody>
+          <a:bodyPr anchor="b"/>
+          <a:lstStyle>
+            <a:lvl1pPr marL="0" indent="0">
+              <a:buNone/>
+              <a:defRPr sz="2400" b="1"/>
+            </a:lvl1pPr>
+            <a:lvl2pPr marL="457200" indent="0">
+              <a:buNone/>
+              <a:defRPr sz="2000" b="1"/>
+            </a:lvl2pPr>
+            <a:lvl3pPr marL="914400" indent="0">
+              <a:buNone/>
+              <a:defRPr sz="1800" b="1"/>
+            </a:lvl3pPr>
+            <a:lvl4pPr marL="1371600" indent="0">
+              <a:buNone/>
+              <a:defRPr sz="1600" b="1"/>
+            </a:lvl4pPr>
+            <a:lvl5pPr marL="1828800" indent="0">
+              <a:buNone/>
+              <a:defRPr sz="1600" b="1"/>
+            </a:lvl5pPr>
+            <a:lvl6pPr marL="2286000" indent="0">
+              <a:buNone/>
+              <a:defRPr sz="1600" b="1"/>
+            </a:lvl6pPr>
+            <a:lvl7pPr marL="2743200" indent="0">
+              <a:buNone/>
+              <a:defRPr sz="1600" b="1"/>
+            </a:lvl7pPr>
+            <a:lvl8pPr marL="3200400" indent="0">
+              <a:buNone/>
+              <a:defRPr sz="1600" b="1"/>
+            </a:lvl8pPr>
+            <a:lvl9pPr marL="3657600" indent="0">
+              <a:buNone/>
+              <a:defRPr sz="1600" b="1"/>
+            </a:lvl9pPr>
+          </a:lstStyle>
+          <a:p>
+            <a:pPr lvl="0"/>
+            <a:r>
+              <a:rPr lang="en-US" smtClean="0"/>
+              <a:t>Click to edit Master text styles</a:t>
+            </a:r>
+          </a:p>
+        </p:txBody>
+      </p:sp>
+      <p:sp>
+        <p:nvSpPr>
+          <p:cNvPr id="6" name="Tijdelijke aanduiding voor inhoud 5"/>
+          <p:cNvSpPr>
+            <a:spLocks noGrp="1"/>
+          </p:cNvSpPr>
+          <p:nvPr>
+            <p:ph sz="quarter" idx="4"/>
+          </p:nvPr>
+        </p:nvSpPr>
+        <p:spPr>
+          <a:xfrm>
+            <a:off x="6172200" y="2505075"/>
+            <a:ext cx="5183717" cy="3684588"/>
+          </a:xfrm>
+        </p:spPr>
+        <p:txBody>
+          <a:bodyPr/>
+          <a:lstStyle/>
+          <a:p>
+            <a:pPr lvl="0"/>
+            <a:r>
+              <a:rPr lang="en-US" smtClean="0"/>
+              <a:t>Click to edit Master text styles</a:t>
+            </a:r>
+          </a:p>
+          <a:p>
+            <a:pPr lvl="1"/>
+            <a:r>
+              <a:rPr lang="en-US" smtClean="0"/>
+              <a:t>Second level</a:t>
+            </a:r>
+          </a:p>
+          <a:p>
+            <a:pPr lvl="2"/>
+            <a:r>
+              <a:rPr lang="en-US" smtClean="0"/>
+              <a:t>Third level</a:t>
+            </a:r>
+          </a:p>
+          <a:p>
+            <a:pPr lvl="3"/>
+            <a:r>
+              <a:rPr lang="en-US" smtClean="0"/>
+              <a:t>Fourth level</a:t>
+            </a:r>
+          </a:p>
+          <a:p>
+            <a:pPr lvl="4"/>
+            <a:r>
+              <a:rPr lang="en-US" smtClean="0"/>
+              <a:t>Fifth level</a:t>
+            </a:r>
+            <a:endParaRPr lang="nl-BE"/>
+          </a:p>
+        </p:txBody>
+      </p:sp>
+      <p:sp>
+        <p:nvSpPr>
+          <p:cNvPr id="7" name="Tijdelijke aanduiding voor datum 6"/>
+          <p:cNvSpPr>
+            <a:spLocks noGrp="1"/>
+          </p:cNvSpPr>
+          <p:nvPr>
+            <p:ph type="dt" sz="half" idx="10"/>
+          </p:nvPr>
+        </p:nvSpPr>
+        <p:spPr>
+          <a:xfrm>
+            <a:off x="838200" y="6356351"/>
+            <a:ext cx="2743200" cy="365125"/>
+          </a:xfrm>
+          <a:prstGeom prst="rect">
+            <a:avLst/>
+          </a:prstGeom>
+        </p:spPr>
+        <p:txBody>
+          <a:bodyPr/>
+          <a:lstStyle>
+            <a:lvl1pPr>
+              <a:defRPr/>
+            </a:lvl1pPr>
+          </a:lstStyle>
+          <a:p>
+            <a:fld id="{F3B17216-47DF-478C-B20B-BB0F0C651CF6}" type="datetimeFigureOut">
+              <a:rPr lang="en-US" smtClean="0"/>
+              <a:t>2/4/2014</a:t>
+            </a:fld>
+            <a:endParaRPr lang="en-US"/>
+          </a:p>
+        </p:txBody>
+      </p:sp>
+      <p:sp>
+        <p:nvSpPr>
+          <p:cNvPr id="8" name="Tijdelijke aanduiding voor voettekst 7"/>
+          <p:cNvSpPr>
+            <a:spLocks noGrp="1"/>
+          </p:cNvSpPr>
+          <p:nvPr>
+            <p:ph type="ftr" sz="quarter" idx="11"/>
+          </p:nvPr>
+        </p:nvSpPr>
+        <p:spPr>
+          <a:xfrm>
+            <a:off x="4038600" y="6356351"/>
+            <a:ext cx="4114800" cy="365125"/>
+          </a:xfrm>
+          <a:prstGeom prst="rect">
+            <a:avLst/>
+          </a:prstGeom>
+        </p:spPr>
+        <p:txBody>
+          <a:bodyPr/>
+          <a:lstStyle>
+            <a:lvl1pPr>
+              <a:defRPr/>
+            </a:lvl1pPr>
+          </a:lstStyle>
+          <a:p>
+            <a:endParaRPr lang="en-US"/>
+          </a:p>
+        </p:txBody>
+      </p:sp>
+      <p:sp>
+        <p:nvSpPr>
+          <p:cNvPr id="9" name="Tijdelijke aanduiding voor dianummer 8"/>
+          <p:cNvSpPr>
+            <a:spLocks noGrp="1"/>
+          </p:cNvSpPr>
+          <p:nvPr>
+            <p:ph type="sldNum" sz="quarter" idx="12"/>
+          </p:nvPr>
+        </p:nvSpPr>
+        <p:spPr>
+          <a:xfrm>
+            <a:off x="8610600" y="6356351"/>
+            <a:ext cx="2743200" cy="365125"/>
+          </a:xfrm>
+          <a:prstGeom prst="rect">
+            <a:avLst/>
+          </a:prstGeom>
+        </p:spPr>
+        <p:txBody>
+          <a:bodyPr/>
+          <a:lstStyle>
+            <a:lvl1pPr>
+              <a:defRPr/>
+            </a:lvl1pPr>
+          </a:lstStyle>
+          <a:p>
+            <a:fld id="{8AE18A4C-FCC0-49D8-A299-7DF83F84F133}" type="slidenum">
+              <a:rPr lang="en-US" smtClean="0"/>
+              <a:t>‹#›</a:t>
+            </a:fld>
+            <a:endParaRPr lang="en-US"/>
+          </a:p>
+        </p:txBody>
+      </p:sp>
+    </p:spTree>
+    <p:extLst>
+      <p:ext uri="{BB962C8B-B14F-4D97-AF65-F5344CB8AC3E}">
+        <p14:creationId xmlns:p14="http://schemas.microsoft.com/office/powerpoint/2010/main" val="1382805916"/>
+      </p:ext>
+    </p:extLst>
+  </p:cSld>
+  <p:clrMapOvr>
+    <a:masterClrMapping/>
+  </p:clrMapOvr>
+</p:sldLayout>
+</file>
+
+<file path=ppt/slideLayouts/slideLayout6.xml><?xml version="1.0" encoding="utf-8"?>
+<p:sldLayout xmlns:a="http://schemas.openxmlformats.org/drawingml/2006/main" xmlns:r="http://schemas.openxmlformats.org/officeDocument/2006/relationships" xmlns:p="http://schemas.openxmlformats.org/presentationml/2006/main" type="titleOnly" preserve="1">
+  <p:cSld name="Alleen titel">
+    <p:spTree>
+      <p:nvGrpSpPr>
+        <p:cNvPr id="1" name=""/>
+        <p:cNvGrpSpPr/>
+        <p:nvPr/>
+      </p:nvGrpSpPr>
+      <p:grpSpPr>
+        <a:xfrm>
+          <a:off x="0" y="0"/>
+          <a:ext cx="0" cy="0"/>
+          <a:chOff x="0" y="0"/>
+          <a:chExt cx="0" cy="0"/>
+        </a:xfrm>
+      </p:grpSpPr>
+      <p:sp>
+        <p:nvSpPr>
+          <p:cNvPr id="2" name="Titel 1"/>
+          <p:cNvSpPr>
+            <a:spLocks noGrp="1"/>
+          </p:cNvSpPr>
+          <p:nvPr>
+            <p:ph type="title"/>
+          </p:nvPr>
+        </p:nvSpPr>
+        <p:spPr/>
+        <p:txBody>
+          <a:bodyPr/>
+          <a:lstStyle/>
+          <a:p>
+            <a:r>
+              <a:rPr lang="en-US" smtClean="0"/>
+              <a:t>Click to edit Master title style</a:t>
+            </a:r>
+            <a:endParaRPr lang="nl-BE"/>
+          </a:p>
+        </p:txBody>
+      </p:sp>
+      <p:sp>
+        <p:nvSpPr>
+          <p:cNvPr id="3" name="Tijdelijke aanduiding voor datum 2"/>
+          <p:cNvSpPr>
+            <a:spLocks noGrp="1"/>
+          </p:cNvSpPr>
+          <p:nvPr>
+            <p:ph type="dt" sz="half" idx="10"/>
+          </p:nvPr>
+        </p:nvSpPr>
+        <p:spPr>
+          <a:xfrm>
+            <a:off x="838200" y="6356351"/>
+            <a:ext cx="2743200" cy="365125"/>
+          </a:xfrm>
+          <a:prstGeom prst="rect">
+            <a:avLst/>
+          </a:prstGeom>
+        </p:spPr>
+        <p:txBody>
+          <a:bodyPr/>
+          <a:lstStyle>
+            <a:lvl1pPr>
+              <a:defRPr/>
+            </a:lvl1pPr>
+          </a:lstStyle>
+          <a:p>
+            <a:fld id="{F3B17216-47DF-478C-B20B-BB0F0C651CF6}" type="datetimeFigureOut">
+              <a:rPr lang="en-US" smtClean="0"/>
+              <a:t>2/4/2014</a:t>
+            </a:fld>
+            <a:endParaRPr lang="en-US"/>
+          </a:p>
+        </p:txBody>
+      </p:sp>
+      <p:sp>
+        <p:nvSpPr>
+          <p:cNvPr id="4" name="Tijdelijke aanduiding voor voettekst 3"/>
+          <p:cNvSpPr>
+            <a:spLocks noGrp="1"/>
+          </p:cNvSpPr>
+          <p:nvPr>
+            <p:ph type="ftr" sz="quarter" idx="11"/>
+          </p:nvPr>
+        </p:nvSpPr>
+        <p:spPr>
+          <a:xfrm>
+            <a:off x="4038600" y="6356351"/>
+            <a:ext cx="4114800" cy="365125"/>
+          </a:xfrm>
+          <a:prstGeom prst="rect">
+            <a:avLst/>
+          </a:prstGeom>
+        </p:spPr>
+        <p:txBody>
+          <a:bodyPr/>
+          <a:lstStyle>
+            <a:lvl1pPr>
+              <a:defRPr/>
+            </a:lvl1pPr>
+          </a:lstStyle>
+          <a:p>
+            <a:endParaRPr lang="en-US"/>
+          </a:p>
+        </p:txBody>
+      </p:sp>
+      <p:sp>
+        <p:nvSpPr>
+          <p:cNvPr id="5" name="Tijdelijke aanduiding voor dianummer 4"/>
+          <p:cNvSpPr>
+            <a:spLocks noGrp="1"/>
+          </p:cNvSpPr>
+          <p:nvPr>
+            <p:ph type="sldNum" sz="quarter" idx="12"/>
+          </p:nvPr>
+        </p:nvSpPr>
+        <p:spPr>
+          <a:xfrm>
+            <a:off x="8610600" y="6356351"/>
+            <a:ext cx="2743200" cy="365125"/>
+          </a:xfrm>
+          <a:prstGeom prst="rect">
+            <a:avLst/>
+          </a:prstGeom>
+        </p:spPr>
+        <p:txBody>
+          <a:bodyPr/>
+          <a:lstStyle>
+            <a:lvl1pPr>
+              <a:defRPr/>
+            </a:lvl1pPr>
+          </a:lstStyle>
+          <a:p>
+            <a:fld id="{8AE18A4C-FCC0-49D8-A299-7DF83F84F133}" type="slidenum">
+              <a:rPr lang="en-US" smtClean="0"/>
+              <a:t>‹#›</a:t>
+            </a:fld>
+            <a:endParaRPr lang="en-US"/>
+          </a:p>
+        </p:txBody>
+      </p:sp>
+    </p:spTree>
+    <p:extLst>
+      <p:ext uri="{BB962C8B-B14F-4D97-AF65-F5344CB8AC3E}">
+        <p14:creationId xmlns:p14="http://schemas.microsoft.com/office/powerpoint/2010/main" val="2006533998"/>
+      </p:ext>
+    </p:extLst>
+  </p:cSld>
+  <p:clrMapOvr>
+    <a:masterClrMapping/>
+  </p:clrMapOvr>
+</p:sldLayout>
+</file>
+
+<file path=ppt/slideLayouts/slideLayout7.xml><?xml version="1.0" encoding="utf-8"?>
+<p:sldLayout xmlns:a="http://schemas.openxmlformats.org/drawingml/2006/main" xmlns:r="http://schemas.openxmlformats.org/officeDocument/2006/relationships" xmlns:p="http://schemas.openxmlformats.org/presentationml/2006/main" type="blank" preserve="1">
+  <p:cSld name="Leeg">
+    <p:spTree>
+      <p:nvGrpSpPr>
+        <p:cNvPr id="1" name=""/>
+        <p:cNvGrpSpPr/>
+        <p:nvPr/>
+      </p:nvGrpSpPr>
+      <p:grpSpPr>
+        <a:xfrm>
+          <a:off x="0" y="0"/>
+          <a:ext cx="0" cy="0"/>
+          <a:chOff x="0" y="0"/>
+          <a:chExt cx="0" cy="0"/>
+        </a:xfrm>
+      </p:grpSpPr>
+      <p:sp>
+        <p:nvSpPr>
+          <p:cNvPr id="2" name="Tijdelijke aanduiding voor datum 1"/>
+          <p:cNvSpPr>
+            <a:spLocks noGrp="1"/>
+          </p:cNvSpPr>
+          <p:nvPr>
+            <p:ph type="dt" sz="half" idx="10"/>
+          </p:nvPr>
+        </p:nvSpPr>
+        <p:spPr>
+          <a:xfrm>
+            <a:off x="838200" y="6356351"/>
+            <a:ext cx="2743200" cy="365125"/>
+          </a:xfrm>
+          <a:prstGeom prst="rect">
+            <a:avLst/>
+          </a:prstGeom>
+        </p:spPr>
+        <p:txBody>
+          <a:bodyPr/>
+          <a:lstStyle>
+            <a:lvl1pPr>
+              <a:defRPr/>
+            </a:lvl1pPr>
+          </a:lstStyle>
+          <a:p>
+            <a:fld id="{F3B17216-47DF-478C-B20B-BB0F0C651CF6}" type="datetimeFigureOut">
+              <a:rPr lang="en-US" smtClean="0"/>
+              <a:t>2/4/2014</a:t>
+            </a:fld>
+            <a:endParaRPr lang="en-US"/>
+          </a:p>
+        </p:txBody>
+      </p:sp>
+      <p:sp>
+        <p:nvSpPr>
+          <p:cNvPr id="3" name="Tijdelijke aanduiding voor voettekst 2"/>
+          <p:cNvSpPr>
+            <a:spLocks noGrp="1"/>
+          </p:cNvSpPr>
+          <p:nvPr>
+            <p:ph type="ftr" sz="quarter" idx="11"/>
+          </p:nvPr>
+        </p:nvSpPr>
+        <p:spPr>
+          <a:xfrm>
+            <a:off x="4038600" y="6356351"/>
+            <a:ext cx="4114800" cy="365125"/>
+          </a:xfrm>
+          <a:prstGeom prst="rect">
+            <a:avLst/>
+          </a:prstGeom>
+        </p:spPr>
+        <p:txBody>
+          <a:bodyPr/>
+          <a:lstStyle>
+            <a:lvl1pPr>
+              <a:defRPr/>
+            </a:lvl1pPr>
+          </a:lstStyle>
+          <a:p>
+            <a:endParaRPr lang="en-US"/>
+          </a:p>
+        </p:txBody>
+      </p:sp>
+      <p:sp>
+        <p:nvSpPr>
+          <p:cNvPr id="4" name="Tijdelijke aanduiding voor dianummer 3"/>
+          <p:cNvSpPr>
+            <a:spLocks noGrp="1"/>
+          </p:cNvSpPr>
+          <p:nvPr>
+            <p:ph type="sldNum" sz="quarter" idx="12"/>
+          </p:nvPr>
+        </p:nvSpPr>
+        <p:spPr>
+          <a:xfrm>
+            <a:off x="8610600" y="6356351"/>
+            <a:ext cx="2743200" cy="365125"/>
+          </a:xfrm>
+          <a:prstGeom prst="rect">
+            <a:avLst/>
+          </a:prstGeom>
+        </p:spPr>
+        <p:txBody>
+          <a:bodyPr/>
+          <a:lstStyle>
+            <a:lvl1pPr>
+              <a:defRPr/>
+            </a:lvl1pPr>
+          </a:lstStyle>
+          <a:p>
+            <a:fld id="{8AE18A4C-FCC0-49D8-A299-7DF83F84F133}" type="slidenum">
+              <a:rPr lang="en-US" smtClean="0"/>
+              <a:t>‹#›</a:t>
+            </a:fld>
+            <a:endParaRPr lang="en-US"/>
+          </a:p>
+        </p:txBody>
+      </p:sp>
+    </p:spTree>
+    <p:extLst>
+      <p:ext uri="{BB962C8B-B14F-4D97-AF65-F5344CB8AC3E}">
+        <p14:creationId xmlns:p14="http://schemas.microsoft.com/office/powerpoint/2010/main" val="1018838290"/>
+      </p:ext>
+    </p:extLst>
+  </p:cSld>
+  <p:clrMapOvr>
+    <a:masterClrMapping/>
+  </p:clrMapOvr>
+</p:sldLayout>
+</file>
+
+<file path=ppt/slideLayouts/slideLayout8.xml><?xml version="1.0" encoding="utf-8"?>
+<p:sldLayout xmlns:a="http://schemas.openxmlformats.org/drawingml/2006/main" xmlns:r="http://schemas.openxmlformats.org/officeDocument/2006/relationships" xmlns:p="http://schemas.openxmlformats.org/presentationml/2006/main" type="objTx" preserve="1">
+  <p:cSld name="Inhoud met bijschrift">
+    <p:spTree>
+      <p:nvGrpSpPr>
+        <p:cNvPr id="1" name=""/>
+        <p:cNvGrpSpPr/>
+        <p:nvPr/>
+      </p:nvGrpSpPr>
+      <p:grpSpPr>
+        <a:xfrm>
+          <a:off x="0" y="0"/>
+          <a:ext cx="0" cy="0"/>
+          <a:chOff x="0" y="0"/>
+          <a:chExt cx="0" cy="0"/>
+        </a:xfrm>
+      </p:grpSpPr>
+      <p:sp>
+        <p:nvSpPr>
+          <p:cNvPr id="2" name="Titel 1"/>
+          <p:cNvSpPr>
+            <a:spLocks noGrp="1"/>
+          </p:cNvSpPr>
+          <p:nvPr>
+            <p:ph type="title"/>
+          </p:nvPr>
+        </p:nvSpPr>
+        <p:spPr>
+          <a:xfrm>
+            <a:off x="840318" y="457200"/>
+            <a:ext cx="3932767" cy="1600200"/>
+          </a:xfrm>
+        </p:spPr>
+        <p:txBody>
+          <a:bodyPr anchor="b"/>
+          <a:lstStyle>
+            <a:lvl1pPr>
+              <a:defRPr sz="3200"/>
+            </a:lvl1pPr>
+          </a:lstStyle>
+          <a:p>
+            <a:r>
+              <a:rPr lang="en-US" smtClean="0"/>
+              <a:t>Click to edit Master title style</a:t>
+            </a:r>
+            <a:endParaRPr lang="nl-BE"/>
+          </a:p>
+        </p:txBody>
+      </p:sp>
+      <p:sp>
+        <p:nvSpPr>
+          <p:cNvPr id="3" name="Tijdelijke aanduiding voor inhoud 2"/>
+          <p:cNvSpPr>
+            <a:spLocks noGrp="1"/>
+          </p:cNvSpPr>
+          <p:nvPr>
+            <p:ph idx="1"/>
+          </p:nvPr>
+        </p:nvSpPr>
+        <p:spPr>
+          <a:xfrm>
+            <a:off x="5183717" y="987426"/>
+            <a:ext cx="6172200" cy="4873625"/>
+          </a:xfrm>
+        </p:spPr>
+        <p:txBody>
+          <a:bodyPr/>
+          <a:lstStyle>
+            <a:lvl1pPr>
+              <a:defRPr sz="3200"/>
+            </a:lvl1pPr>
+            <a:lvl2pPr>
+              <a:defRPr sz="2800"/>
+            </a:lvl2pPr>
+            <a:lvl3pPr>
+              <a:defRPr sz="2400"/>
+            </a:lvl3pPr>
+            <a:lvl4pPr>
+              <a:defRPr sz="2000"/>
+            </a:lvl4pPr>
+            <a:lvl5pPr>
+              <a:defRPr sz="2000"/>
+            </a:lvl5pPr>
+            <a:lvl6pPr>
+              <a:defRPr sz="2000"/>
+            </a:lvl6pPr>
+            <a:lvl7pPr>
+              <a:defRPr sz="2000"/>
+            </a:lvl7pPr>
+            <a:lvl8pPr>
+              <a:defRPr sz="2000"/>
+            </a:lvl8pPr>
+            <a:lvl9pPr>
+              <a:defRPr sz="2000"/>
+            </a:lvl9pPr>
+          </a:lstStyle>
+          <a:p>
+            <a:pPr lvl="0"/>
+            <a:r>
+              <a:rPr lang="en-US" smtClean="0"/>
+              <a:t>Click to edit Master text styles</a:t>
+            </a:r>
+          </a:p>
+          <a:p>
+            <a:pPr lvl="1"/>
+            <a:r>
+              <a:rPr lang="en-US" smtClean="0"/>
+              <a:t>Second level</a:t>
+            </a:r>
+          </a:p>
+          <a:p>
+            <a:pPr lvl="2"/>
+            <a:r>
+              <a:rPr lang="en-US" smtClean="0"/>
+              <a:t>Third level</a:t>
+            </a:r>
+          </a:p>
+          <a:p>
+            <a:pPr lvl="3"/>
+            <a:r>
+              <a:rPr lang="en-US" smtClean="0"/>
+              <a:t>Fourth level</a:t>
+            </a:r>
+          </a:p>
+          <a:p>
+            <a:pPr lvl="4"/>
+            <a:r>
+              <a:rPr lang="en-US" smtClean="0"/>
+              <a:t>Fifth level</a:t>
+            </a:r>
+            <a:endParaRPr lang="nl-BE"/>
+          </a:p>
+        </p:txBody>
+      </p:sp>
+      <p:sp>
+        <p:nvSpPr>
+          <p:cNvPr id="4" name="Tijdelijke aanduiding voor tekst 3"/>
+          <p:cNvSpPr>
+            <a:spLocks noGrp="1"/>
+          </p:cNvSpPr>
+          <p:nvPr>
+            <p:ph type="body" sz="half" idx="2"/>
+          </p:nvPr>
+        </p:nvSpPr>
+        <p:spPr>
+          <a:xfrm>
+            <a:off x="840318" y="2057400"/>
+            <a:ext cx="3932767" cy="3811588"/>
+          </a:xfrm>
+        </p:spPr>
+        <p:txBody>
+          <a:bodyPr/>
+          <a:lstStyle>
+            <a:lvl1pPr marL="0" indent="0">
+              <a:buNone/>
+              <a:defRPr sz="1600"/>
+            </a:lvl1pPr>
+            <a:lvl2pPr marL="457200" indent="0">
+              <a:buNone/>
+              <a:defRPr sz="1400"/>
+            </a:lvl2pPr>
+            <a:lvl3pPr marL="914400" indent="0">
+              <a:buNone/>
+              <a:defRPr sz="1200"/>
+            </a:lvl3pPr>
+            <a:lvl4pPr marL="1371600" indent="0">
+              <a:buNone/>
+              <a:defRPr sz="1000"/>
+            </a:lvl4pPr>
+            <a:lvl5pPr marL="1828800" indent="0">
+              <a:buNone/>
+              <a:defRPr sz="1000"/>
+            </a:lvl5pPr>
+            <a:lvl6pPr marL="2286000" indent="0">
+              <a:buNone/>
+              <a:defRPr sz="1000"/>
+            </a:lvl6pPr>
+            <a:lvl7pPr marL="2743200" indent="0">
+              <a:buNone/>
+              <a:defRPr sz="1000"/>
+            </a:lvl7pPr>
+            <a:lvl8pPr marL="3200400" indent="0">
+              <a:buNone/>
+              <a:defRPr sz="1000"/>
+            </a:lvl8pPr>
+            <a:lvl9pPr marL="3657600" indent="0">
+              <a:buNone/>
+              <a:defRPr sz="1000"/>
+            </a:lvl9pPr>
+          </a:lstStyle>
+          <a:p>
+            <a:pPr lvl="0"/>
+            <a:r>
+              <a:rPr lang="en-US" smtClean="0"/>
+              <a:t>Click to edit Master text styles</a:t>
+            </a:r>
+          </a:p>
+        </p:txBody>
+      </p:sp>
+      <p:sp>
+        <p:nvSpPr>
+          <p:cNvPr id="5" name="Tijdelijke aanduiding voor datum 4"/>
+          <p:cNvSpPr>
+            <a:spLocks noGrp="1"/>
+          </p:cNvSpPr>
+          <p:nvPr>
+            <p:ph type="dt" sz="half" idx="10"/>
+          </p:nvPr>
+        </p:nvSpPr>
+        <p:spPr>
+          <a:xfrm>
+            <a:off x="838200" y="6356351"/>
+            <a:ext cx="2743200" cy="365125"/>
+          </a:xfrm>
+          <a:prstGeom prst="rect">
+            <a:avLst/>
+          </a:prstGeom>
+        </p:spPr>
+        <p:txBody>
+          <a:bodyPr/>
+          <a:lstStyle>
+            <a:lvl1pPr>
+              <a:defRPr/>
+            </a:lvl1pPr>
+          </a:lstStyle>
+          <a:p>
+            <a:fld id="{F3B17216-47DF-478C-B20B-BB0F0C651CF6}" type="datetimeFigureOut">
+              <a:rPr lang="en-US" smtClean="0"/>
+              <a:t>2/4/2014</a:t>
+            </a:fld>
+            <a:endParaRPr lang="en-US"/>
+          </a:p>
+        </p:txBody>
+      </p:sp>
+      <p:sp>
+        <p:nvSpPr>
+          <p:cNvPr id="6" name="Tijdelijke aanduiding voor voettekst 5"/>
+          <p:cNvSpPr>
+            <a:spLocks noGrp="1"/>
+          </p:cNvSpPr>
+          <p:nvPr>
+            <p:ph type="ftr" sz="quarter" idx="11"/>
+          </p:nvPr>
+        </p:nvSpPr>
+        <p:spPr>
+          <a:xfrm>
+            <a:off x="4038600" y="6356351"/>
+            <a:ext cx="4114800" cy="365125"/>
+          </a:xfrm>
+          <a:prstGeom prst="rect">
+            <a:avLst/>
+          </a:prstGeom>
+        </p:spPr>
+        <p:txBody>
+          <a:bodyPr/>
+          <a:lstStyle>
+            <a:lvl1pPr>
+              <a:defRPr/>
+            </a:lvl1pPr>
+          </a:lstStyle>
+          <a:p>
+            <a:endParaRPr lang="en-US"/>
+          </a:p>
+        </p:txBody>
+      </p:sp>
+      <p:sp>
+        <p:nvSpPr>
+          <p:cNvPr id="7" name="Tijdelijke aanduiding voor dianummer 6"/>
+          <p:cNvSpPr>
+            <a:spLocks noGrp="1"/>
+          </p:cNvSpPr>
+          <p:nvPr>
+            <p:ph type="sldNum" sz="quarter" idx="12"/>
+          </p:nvPr>
+        </p:nvSpPr>
+        <p:spPr>
+          <a:xfrm>
+            <a:off x="8610600" y="6356351"/>
+            <a:ext cx="2743200" cy="365125"/>
+          </a:xfrm>
+          <a:prstGeom prst="rect">
+            <a:avLst/>
+          </a:prstGeom>
+        </p:spPr>
+        <p:txBody>
+          <a:bodyPr/>
+          <a:lstStyle>
+            <a:lvl1pPr>
+              <a:defRPr/>
+            </a:lvl1pPr>
+          </a:lstStyle>
+          <a:p>
+            <a:fld id="{8AE18A4C-FCC0-49D8-A299-7DF83F84F133}" type="slidenum">
+              <a:rPr lang="en-US" smtClean="0"/>
+              <a:t>‹#›</a:t>
+            </a:fld>
+            <a:endParaRPr lang="en-US"/>
+          </a:p>
+        </p:txBody>
+      </p:sp>
+    </p:spTree>
+    <p:extLst>
+      <p:ext uri="{BB962C8B-B14F-4D97-AF65-F5344CB8AC3E}">
+        <p14:creationId xmlns:p14="http://schemas.microsoft.com/office/powerpoint/2010/main" val="3296674514"/>
+      </p:ext>
+    </p:extLst>
+  </p:cSld>
+  <p:clrMapOvr>
+    <a:masterClrMapping/>
+  </p:clrMapOvr>
+</p:sldLayout>
+</file>
+
+<file path=ppt/slideLayouts/slideLayout9.xml><?xml version="1.0" encoding="utf-8"?>
+<p:sldLayout xmlns:a="http://schemas.openxmlformats.org/drawingml/2006/main" xmlns:r="http://schemas.openxmlformats.org/officeDocument/2006/relationships" xmlns:p="http://schemas.openxmlformats.org/presentationml/2006/main" type="picTx" preserve="1">
+  <p:cSld name="Afbeelding met bijschrift">
+    <p:spTree>
+      <p:nvGrpSpPr>
+        <p:cNvPr id="1" name=""/>
+        <p:cNvGrpSpPr/>
+        <p:nvPr/>
+      </p:nvGrpSpPr>
+      <p:grpSpPr>
+        <a:xfrm>
+          <a:off x="0" y="0"/>
+          <a:ext cx="0" cy="0"/>
+          <a:chOff x="0" y="0"/>
+          <a:chExt cx="0" cy="0"/>
+        </a:xfrm>
+      </p:grpSpPr>
+      <p:sp>
+        <p:nvSpPr>
+          <p:cNvPr id="2" name="Titel 1"/>
+          <p:cNvSpPr>
+            <a:spLocks noGrp="1"/>
+          </p:cNvSpPr>
+          <p:nvPr>
+            <p:ph type="title"/>
+          </p:nvPr>
+        </p:nvSpPr>
+        <p:spPr>
+          <a:xfrm>
+            <a:off x="840318" y="457200"/>
+            <a:ext cx="3932767" cy="1600200"/>
+          </a:xfrm>
+        </p:spPr>
+        <p:txBody>
+          <a:bodyPr anchor="b"/>
+          <a:lstStyle>
+            <a:lvl1pPr>
+              <a:defRPr sz="3200"/>
+            </a:lvl1pPr>
+          </a:lstStyle>
+          <a:p>
+            <a:r>
+              <a:rPr lang="en-US" smtClean="0"/>
+              <a:t>Click to edit Master title style</a:t>
+            </a:r>
+            <a:endParaRPr lang="nl-BE"/>
+          </a:p>
+        </p:txBody>
+      </p:sp>
+      <p:sp>
+        <p:nvSpPr>
+          <p:cNvPr id="3" name="Tijdelijke aanduiding voor afbeelding 2"/>
+          <p:cNvSpPr>
+            <a:spLocks noGrp="1"/>
+          </p:cNvSpPr>
+          <p:nvPr>
+            <p:ph type="pic" idx="1"/>
+          </p:nvPr>
+        </p:nvSpPr>
+        <p:spPr>
+          <a:xfrm>
+            <a:off x="5183717" y="987426"/>
+            <a:ext cx="6172200" cy="4873625"/>
+          </a:xfrm>
+        </p:spPr>
+        <p:txBody>
+          <a:bodyPr rtlCol="0">
+            <a:normAutofit/>
+          </a:bodyPr>
+          <a:lstStyle>
+            <a:lvl1pPr marL="0" indent="0">
+              <a:buNone/>
+              <a:defRPr sz="3200"/>
+            </a:lvl1pPr>
+            <a:lvl2pPr marL="457200" indent="0">
+              <a:buNone/>
+              <a:defRPr sz="2800"/>
+            </a:lvl2pPr>
+            <a:lvl3pPr marL="914400" indent="0">
+              <a:buNone/>
+              <a:defRPr sz="2400"/>
+            </a:lvl3pPr>
+            <a:lvl4pPr marL="1371600" indent="0">
+              <a:buNone/>
+              <a:defRPr sz="2000"/>
+            </a:lvl4pPr>
+            <a:lvl5pPr marL="1828800" indent="0">
+              <a:buNone/>
+              <a:defRPr sz="2000"/>
+            </a:lvl5pPr>
+            <a:lvl6pPr marL="2286000" indent="0">
+              <a:buNone/>
+              <a:defRPr sz="2000"/>
+            </a:lvl6pPr>
+            <a:lvl7pPr marL="2743200" indent="0">
+              <a:buNone/>
+              <a:defRPr sz="2000"/>
+            </a:lvl7pPr>
+            <a:lvl8pPr marL="3200400" indent="0">
+              <a:buNone/>
+              <a:defRPr sz="2000"/>
+            </a:lvl8pPr>
+            <a:lvl9pPr marL="3657600" indent="0">
+              <a:buNone/>
+              <a:defRPr sz="2000"/>
+            </a:lvl9pPr>
+          </a:lstStyle>
+          <a:p>
+            <a:pPr lvl="0"/>
+            <a:r>
+              <a:rPr lang="en-US" noProof="0" smtClean="0"/>
+              <a:t>Click icon to add picture</a:t>
+            </a:r>
+            <a:endParaRPr lang="nl-BE" noProof="0" smtClean="0"/>
+          </a:p>
+        </p:txBody>
+      </p:sp>
+      <p:sp>
+        <p:nvSpPr>
+          <p:cNvPr id="4" name="Tijdelijke aanduiding voor tekst 3"/>
+          <p:cNvSpPr>
+            <a:spLocks noGrp="1"/>
+          </p:cNvSpPr>
+          <p:nvPr>
+            <p:ph type="body" sz="half" idx="2"/>
+          </p:nvPr>
+        </p:nvSpPr>
+        <p:spPr>
+          <a:xfrm>
+            <a:off x="840318" y="2057400"/>
+            <a:ext cx="3932767" cy="3811588"/>
+          </a:xfrm>
+        </p:spPr>
+        <p:txBody>
+          <a:bodyPr/>
+          <a:lstStyle>
+            <a:lvl1pPr marL="0" indent="0">
+              <a:buNone/>
+              <a:defRPr sz="1600"/>
+            </a:lvl1pPr>
+            <a:lvl2pPr marL="457200" indent="0">
+              <a:buNone/>
+              <a:defRPr sz="1400"/>
+            </a:lvl2pPr>
+            <a:lvl3pPr marL="914400" indent="0">
+              <a:buNone/>
+              <a:defRPr sz="1200"/>
+            </a:lvl3pPr>
+            <a:lvl4pPr marL="1371600" indent="0">
+              <a:buNone/>
+              <a:defRPr sz="1000"/>
+            </a:lvl4pPr>
+            <a:lvl5pPr marL="1828800" indent="0">
+              <a:buNone/>
+              <a:defRPr sz="1000"/>
+            </a:lvl5pPr>
+            <a:lvl6pPr marL="2286000" indent="0">
+              <a:buNone/>
+              <a:defRPr sz="1000"/>
+            </a:lvl6pPr>
+            <a:lvl7pPr marL="2743200" indent="0">
+              <a:buNone/>
+              <a:defRPr sz="1000"/>
+            </a:lvl7pPr>
+            <a:lvl8pPr marL="3200400" indent="0">
+              <a:buNone/>
+              <a:defRPr sz="1000"/>
+            </a:lvl8pPr>
+            <a:lvl9pPr marL="3657600" indent="0">
+              <a:buNone/>
+              <a:defRPr sz="1000"/>
+            </a:lvl9pPr>
+          </a:lstStyle>
+          <a:p>
+            <a:pPr lvl="0"/>
+            <a:r>
+              <a:rPr lang="en-US" smtClean="0"/>
+              <a:t>Click to edit Master text styles</a:t>
+            </a:r>
+          </a:p>
+        </p:txBody>
+      </p:sp>
+      <p:sp>
+        <p:nvSpPr>
+          <p:cNvPr id="5" name="Tijdelijke aanduiding voor datum 4"/>
+          <p:cNvSpPr>
+            <a:spLocks noGrp="1"/>
+          </p:cNvSpPr>
+          <p:nvPr>
+            <p:ph type="dt" sz="half" idx="10"/>
+          </p:nvPr>
+        </p:nvSpPr>
+        <p:spPr>
+          <a:xfrm>
+            <a:off x="838200" y="6356351"/>
+            <a:ext cx="2743200" cy="365125"/>
+          </a:xfrm>
+          <a:prstGeom prst="rect">
+            <a:avLst/>
+          </a:prstGeom>
+        </p:spPr>
+        <p:txBody>
+          <a:bodyPr/>
+          <a:lstStyle>
+            <a:lvl1pPr>
+              <a:defRPr/>
+            </a:lvl1pPr>
+          </a:lstStyle>
+          <a:p>
+            <a:fld id="{F3B17216-47DF-478C-B20B-BB0F0C651CF6}" type="datetimeFigureOut">
+              <a:rPr lang="en-US" smtClean="0"/>
+              <a:t>2/4/2014</a:t>
+            </a:fld>
+            <a:endParaRPr lang="en-US"/>
+          </a:p>
+        </p:txBody>
+      </p:sp>
+      <p:sp>
+        <p:nvSpPr>
+          <p:cNvPr id="6" name="Tijdelijke aanduiding voor voettekst 5"/>
+          <p:cNvSpPr>
+            <a:spLocks noGrp="1"/>
+          </p:cNvSpPr>
+          <p:nvPr>
+            <p:ph type="ftr" sz="quarter" idx="11"/>
+          </p:nvPr>
+        </p:nvSpPr>
+        <p:spPr>
+          <a:xfrm>
+            <a:off x="4038600" y="6356351"/>
+            <a:ext cx="4114800" cy="365125"/>
+          </a:xfrm>
+          <a:prstGeom prst="rect">
+            <a:avLst/>
+          </a:prstGeom>
+        </p:spPr>
+        <p:txBody>
+          <a:bodyPr/>
+          <a:lstStyle>
+            <a:lvl1pPr>
+              <a:defRPr/>
+            </a:lvl1pPr>
+          </a:lstStyle>
+          <a:p>
+            <a:endParaRPr lang="en-US"/>
+          </a:p>
+        </p:txBody>
+      </p:sp>
+      <p:sp>
+        <p:nvSpPr>
+          <p:cNvPr id="7" name="Tijdelijke aanduiding voor dianummer 6"/>
+          <p:cNvSpPr>
+            <a:spLocks noGrp="1"/>
+          </p:cNvSpPr>
+          <p:nvPr>
+            <p:ph type="sldNum" sz="quarter" idx="12"/>
+          </p:nvPr>
+        </p:nvSpPr>
+        <p:spPr>
+          <a:xfrm>
+            <a:off x="8610600" y="6356351"/>
+            <a:ext cx="2743200" cy="365125"/>
+          </a:xfrm>
+          <a:prstGeom prst="rect">
+            <a:avLst/>
+          </a:prstGeom>
+        </p:spPr>
+        <p:txBody>
+          <a:bodyPr/>
+          <a:lstStyle>
+            <a:lvl1pPr>
+              <a:defRPr/>
+            </a:lvl1pPr>
+          </a:lstStyle>
+          <a:p>
+            <a:fld id="{8AE18A4C-FCC0-49D8-A299-7DF83F84F133}" type="slidenum">
+              <a:rPr lang="en-US" smtClean="0"/>
+              <a:t>‹#›</a:t>
+            </a:fld>
+            <a:endParaRPr lang="en-US"/>
+          </a:p>
+        </p:txBody>
+      </p:sp>
+    </p:spTree>
+    <p:extLst>
+      <p:ext uri="{BB962C8B-B14F-4D97-AF65-F5344CB8AC3E}">
+        <p14:creationId xmlns:p14="http://schemas.microsoft.com/office/powerpoint/2010/main" val="2515569688"/>
       </p:ext>
     </p:extLst>
   </p:cSld>
@@ -6529,6 +9496,645 @@
 </file>
 
 <file path=ppt/slideMasters/slideMaster1.xml><?xml version="1.0" encoding="utf-8"?>
+<p:sldMaster xmlns:a="http://schemas.openxmlformats.org/drawingml/2006/main" xmlns:r="http://schemas.openxmlformats.org/officeDocument/2006/relationships" xmlns:p="http://schemas.openxmlformats.org/presentationml/2006/main" preserve="1">
+  <p:cSld>
+    <p:bg>
+      <p:bgPr>
+        <a:blipFill dpi="0" rotWithShape="0">
+          <a:blip r:embed="rId13"/>
+          <a:srcRect/>
+          <a:stretch>
+            <a:fillRect/>
+          </a:stretch>
+        </a:blipFill>
+        <a:effectLst/>
+      </p:bgPr>
+    </p:bg>
+    <p:spTree>
+      <p:nvGrpSpPr>
+        <p:cNvPr id="1" name=""/>
+        <p:cNvGrpSpPr/>
+        <p:nvPr/>
+      </p:nvGrpSpPr>
+      <p:grpSpPr>
+        <a:xfrm>
+          <a:off x="0" y="0"/>
+          <a:ext cx="0" cy="0"/>
+          <a:chOff x="0" y="0"/>
+          <a:chExt cx="0" cy="0"/>
+        </a:xfrm>
+      </p:grpSpPr>
+      <p:sp>
+        <p:nvSpPr>
+          <p:cNvPr id="1026" name="Tijdelijke aanduiding voor titel 1"/>
+          <p:cNvSpPr>
+            <a:spLocks noGrp="1"/>
+          </p:cNvSpPr>
+          <p:nvPr>
+            <p:ph type="title"/>
+          </p:nvPr>
+        </p:nvSpPr>
+        <p:spPr bwMode="auto">
+          <a:xfrm>
+            <a:off x="838200" y="365126"/>
+            <a:ext cx="10515600" cy="1325563"/>
+          </a:xfrm>
+          <a:prstGeom prst="rect">
+            <a:avLst/>
+          </a:prstGeom>
+          <a:noFill/>
+          <a:ln>
+            <a:noFill/>
+          </a:ln>
+          <a:extLst>
+            <a:ext uri="{909E8E84-426E-40DD-AFC4-6F175D3DCCD1}">
+              <a14:hiddenFill xmlns:a14="http://schemas.microsoft.com/office/drawing/2010/main">
+                <a:solidFill>
+                  <a:srgbClr val="FFFFFF"/>
+                </a:solidFill>
+              </a14:hiddenFill>
+            </a:ext>
+            <a:ext uri="{91240B29-F687-4F45-9708-019B960494DF}">
+              <a14:hiddenLine xmlns:a14="http://schemas.microsoft.com/office/drawing/2010/main" w="9525">
+                <a:solidFill>
+                  <a:srgbClr val="000000"/>
+                </a:solidFill>
+                <a:miter lim="800000"/>
+                <a:headEnd/>
+                <a:tailEnd/>
+              </a14:hiddenLine>
+            </a:ext>
+          </a:extLst>
+        </p:spPr>
+        <p:txBody>
+          <a:bodyPr vert="horz" wrap="square" lIns="91440" tIns="45720" rIns="91440" bIns="45720" numCol="1" anchor="ctr" anchorCtr="0" compatLnSpc="1">
+            <a:prstTxWarp prst="textNoShape">
+              <a:avLst/>
+            </a:prstTxWarp>
+          </a:bodyPr>
+          <a:lstStyle/>
+          <a:p>
+            <a:pPr lvl="0"/>
+            <a:r>
+              <a:rPr lang="nl-NL" smtClean="0"/>
+              <a:t>Klik om de stijl te bewerken</a:t>
+            </a:r>
+            <a:endParaRPr lang="nl-BE" smtClean="0"/>
+          </a:p>
+        </p:txBody>
+      </p:sp>
+      <p:sp>
+        <p:nvSpPr>
+          <p:cNvPr id="1027" name="Tijdelijke aanduiding voor tekst 2"/>
+          <p:cNvSpPr>
+            <a:spLocks noGrp="1"/>
+          </p:cNvSpPr>
+          <p:nvPr>
+            <p:ph type="body" idx="1"/>
+          </p:nvPr>
+        </p:nvSpPr>
+        <p:spPr bwMode="auto">
+          <a:xfrm>
+            <a:off x="838200" y="1825625"/>
+            <a:ext cx="10515600" cy="4351338"/>
+          </a:xfrm>
+          <a:prstGeom prst="rect">
+            <a:avLst/>
+          </a:prstGeom>
+          <a:noFill/>
+          <a:ln>
+            <a:noFill/>
+          </a:ln>
+          <a:extLst>
+            <a:ext uri="{909E8E84-426E-40DD-AFC4-6F175D3DCCD1}">
+              <a14:hiddenFill xmlns:a14="http://schemas.microsoft.com/office/drawing/2010/main">
+                <a:solidFill>
+                  <a:srgbClr val="FFFFFF"/>
+                </a:solidFill>
+              </a14:hiddenFill>
+            </a:ext>
+            <a:ext uri="{91240B29-F687-4F45-9708-019B960494DF}">
+              <a14:hiddenLine xmlns:a14="http://schemas.microsoft.com/office/drawing/2010/main" w="9525">
+                <a:solidFill>
+                  <a:srgbClr val="000000"/>
+                </a:solidFill>
+                <a:miter lim="800000"/>
+                <a:headEnd/>
+                <a:tailEnd/>
+              </a14:hiddenLine>
+            </a:ext>
+          </a:extLst>
+        </p:spPr>
+        <p:txBody>
+          <a:bodyPr vert="horz" wrap="square" lIns="91440" tIns="45720" rIns="91440" bIns="45720" numCol="1" anchor="t" anchorCtr="0" compatLnSpc="1">
+            <a:prstTxWarp prst="textNoShape">
+              <a:avLst/>
+            </a:prstTxWarp>
+          </a:bodyPr>
+          <a:lstStyle/>
+          <a:p>
+            <a:pPr lvl="0"/>
+            <a:r>
+              <a:rPr lang="nl-NL" smtClean="0"/>
+              <a:t>Klik om de modelstijlen te bewerken</a:t>
+            </a:r>
+          </a:p>
+          <a:p>
+            <a:pPr lvl="1"/>
+            <a:r>
+              <a:rPr lang="nl-NL" smtClean="0"/>
+              <a:t>Tweede niveau</a:t>
+            </a:r>
+          </a:p>
+          <a:p>
+            <a:pPr lvl="2"/>
+            <a:r>
+              <a:rPr lang="nl-NL" smtClean="0"/>
+              <a:t>Derde niveau</a:t>
+            </a:r>
+          </a:p>
+          <a:p>
+            <a:pPr lvl="3"/>
+            <a:r>
+              <a:rPr lang="nl-NL" smtClean="0"/>
+              <a:t>Vierde niveau</a:t>
+            </a:r>
+          </a:p>
+          <a:p>
+            <a:pPr lvl="4"/>
+            <a:r>
+              <a:rPr lang="nl-NL" smtClean="0"/>
+              <a:t>Vijfde niveau</a:t>
+            </a:r>
+            <a:endParaRPr lang="nl-BE" smtClean="0"/>
+          </a:p>
+        </p:txBody>
+      </p:sp>
+    </p:spTree>
+    <p:extLst>
+      <p:ext uri="{BB962C8B-B14F-4D97-AF65-F5344CB8AC3E}">
+        <p14:creationId xmlns:p14="http://schemas.microsoft.com/office/powerpoint/2010/main" val="2472892307"/>
+      </p:ext>
+    </p:extLst>
+  </p:cSld>
+  <p:clrMap bg1="lt1" tx1="dk1" bg2="lt2" tx2="dk2" accent1="accent1" accent2="accent2" accent3="accent3" accent4="accent4" accent5="accent5" accent6="accent6" hlink="hlink" folHlink="folHlink"/>
+  <p:sldLayoutIdLst>
+    <p:sldLayoutId id="2147483661" r:id="rId1"/>
+    <p:sldLayoutId id="2147483662" r:id="rId2"/>
+    <p:sldLayoutId id="2147483663" r:id="rId3"/>
+    <p:sldLayoutId id="2147483664" r:id="rId4"/>
+    <p:sldLayoutId id="2147483665" r:id="rId5"/>
+    <p:sldLayoutId id="2147483666" r:id="rId6"/>
+    <p:sldLayoutId id="2147483667" r:id="rId7"/>
+    <p:sldLayoutId id="2147483668" r:id="rId8"/>
+    <p:sldLayoutId id="2147483669" r:id="rId9"/>
+    <p:sldLayoutId id="2147483670" r:id="rId10"/>
+    <p:sldLayoutId id="2147483671" r:id="rId11"/>
+  </p:sldLayoutIdLst>
+  <p:timing>
+    <p:tnLst>
+      <p:par>
+        <p:cTn id="1" dur="indefinite" restart="never" nodeType="tmRoot"/>
+      </p:par>
+    </p:tnLst>
+  </p:timing>
+  <p:txStyles>
+    <p:titleStyle>
+      <a:lvl1pPr algn="l" rtl="0" eaLnBrk="1" fontAlgn="base" hangingPunct="1">
+        <a:lnSpc>
+          <a:spcPct val="90000"/>
+        </a:lnSpc>
+        <a:spcBef>
+          <a:spcPct val="0"/>
+        </a:spcBef>
+        <a:spcAft>
+          <a:spcPct val="0"/>
+        </a:spcAft>
+        <a:defRPr sz="4400" kern="1200">
+          <a:solidFill>
+            <a:schemeClr val="tx1"/>
+          </a:solidFill>
+          <a:latin typeface="+mj-lt"/>
+          <a:ea typeface="+mj-ea"/>
+          <a:cs typeface="+mj-cs"/>
+        </a:defRPr>
+      </a:lvl1pPr>
+      <a:lvl2pPr algn="l" rtl="0" eaLnBrk="1" fontAlgn="base" hangingPunct="1">
+        <a:lnSpc>
+          <a:spcPct val="90000"/>
+        </a:lnSpc>
+        <a:spcBef>
+          <a:spcPct val="0"/>
+        </a:spcBef>
+        <a:spcAft>
+          <a:spcPct val="0"/>
+        </a:spcAft>
+        <a:defRPr sz="4400">
+          <a:solidFill>
+            <a:schemeClr val="tx1"/>
+          </a:solidFill>
+          <a:latin typeface="Calibri Light" panose="020F0302020204030204" pitchFamily="34" charset="0"/>
+        </a:defRPr>
+      </a:lvl2pPr>
+      <a:lvl3pPr algn="l" rtl="0" eaLnBrk="1" fontAlgn="base" hangingPunct="1">
+        <a:lnSpc>
+          <a:spcPct val="90000"/>
+        </a:lnSpc>
+        <a:spcBef>
+          <a:spcPct val="0"/>
+        </a:spcBef>
+        <a:spcAft>
+          <a:spcPct val="0"/>
+        </a:spcAft>
+        <a:defRPr sz="4400">
+          <a:solidFill>
+            <a:schemeClr val="tx1"/>
+          </a:solidFill>
+          <a:latin typeface="Calibri Light" panose="020F0302020204030204" pitchFamily="34" charset="0"/>
+        </a:defRPr>
+      </a:lvl3pPr>
+      <a:lvl4pPr algn="l" rtl="0" eaLnBrk="1" fontAlgn="base" hangingPunct="1">
+        <a:lnSpc>
+          <a:spcPct val="90000"/>
+        </a:lnSpc>
+        <a:spcBef>
+          <a:spcPct val="0"/>
+        </a:spcBef>
+        <a:spcAft>
+          <a:spcPct val="0"/>
+        </a:spcAft>
+        <a:defRPr sz="4400">
+          <a:solidFill>
+            <a:schemeClr val="tx1"/>
+          </a:solidFill>
+          <a:latin typeface="Calibri Light" panose="020F0302020204030204" pitchFamily="34" charset="0"/>
+        </a:defRPr>
+      </a:lvl4pPr>
+      <a:lvl5pPr algn="l" rtl="0" eaLnBrk="1" fontAlgn="base" hangingPunct="1">
+        <a:lnSpc>
+          <a:spcPct val="90000"/>
+        </a:lnSpc>
+        <a:spcBef>
+          <a:spcPct val="0"/>
+        </a:spcBef>
+        <a:spcAft>
+          <a:spcPct val="0"/>
+        </a:spcAft>
+        <a:defRPr sz="4400">
+          <a:solidFill>
+            <a:schemeClr val="tx1"/>
+          </a:solidFill>
+          <a:latin typeface="Calibri Light" panose="020F0302020204030204" pitchFamily="34" charset="0"/>
+        </a:defRPr>
+      </a:lvl5pPr>
+      <a:lvl6pPr marL="457200" algn="l" rtl="0" eaLnBrk="1" fontAlgn="base" hangingPunct="1">
+        <a:lnSpc>
+          <a:spcPct val="90000"/>
+        </a:lnSpc>
+        <a:spcBef>
+          <a:spcPct val="0"/>
+        </a:spcBef>
+        <a:spcAft>
+          <a:spcPct val="0"/>
+        </a:spcAft>
+        <a:defRPr sz="4400">
+          <a:solidFill>
+            <a:schemeClr val="tx1"/>
+          </a:solidFill>
+          <a:latin typeface="Calibri Light" panose="020F0302020204030204" pitchFamily="34" charset="0"/>
+        </a:defRPr>
+      </a:lvl6pPr>
+      <a:lvl7pPr marL="914400" algn="l" rtl="0" eaLnBrk="1" fontAlgn="base" hangingPunct="1">
+        <a:lnSpc>
+          <a:spcPct val="90000"/>
+        </a:lnSpc>
+        <a:spcBef>
+          <a:spcPct val="0"/>
+        </a:spcBef>
+        <a:spcAft>
+          <a:spcPct val="0"/>
+        </a:spcAft>
+        <a:defRPr sz="4400">
+          <a:solidFill>
+            <a:schemeClr val="tx1"/>
+          </a:solidFill>
+          <a:latin typeface="Calibri Light" panose="020F0302020204030204" pitchFamily="34" charset="0"/>
+        </a:defRPr>
+      </a:lvl7pPr>
+      <a:lvl8pPr marL="1371600" algn="l" rtl="0" eaLnBrk="1" fontAlgn="base" hangingPunct="1">
+        <a:lnSpc>
+          <a:spcPct val="90000"/>
+        </a:lnSpc>
+        <a:spcBef>
+          <a:spcPct val="0"/>
+        </a:spcBef>
+        <a:spcAft>
+          <a:spcPct val="0"/>
+        </a:spcAft>
+        <a:defRPr sz="4400">
+          <a:solidFill>
+            <a:schemeClr val="tx1"/>
+          </a:solidFill>
+          <a:latin typeface="Calibri Light" panose="020F0302020204030204" pitchFamily="34" charset="0"/>
+        </a:defRPr>
+      </a:lvl8pPr>
+      <a:lvl9pPr marL="1828800" algn="l" rtl="0" eaLnBrk="1" fontAlgn="base" hangingPunct="1">
+        <a:lnSpc>
+          <a:spcPct val="90000"/>
+        </a:lnSpc>
+        <a:spcBef>
+          <a:spcPct val="0"/>
+        </a:spcBef>
+        <a:spcAft>
+          <a:spcPct val="0"/>
+        </a:spcAft>
+        <a:defRPr sz="4400">
+          <a:solidFill>
+            <a:schemeClr val="tx1"/>
+          </a:solidFill>
+          <a:latin typeface="Calibri Light" panose="020F0302020204030204" pitchFamily="34" charset="0"/>
+        </a:defRPr>
+      </a:lvl9pPr>
+    </p:titleStyle>
+    <p:bodyStyle>
+      <a:lvl1pPr marL="228600" indent="-228600" algn="l" rtl="0" eaLnBrk="1" fontAlgn="base" hangingPunct="1">
+        <a:lnSpc>
+          <a:spcPct val="90000"/>
+        </a:lnSpc>
+        <a:spcBef>
+          <a:spcPts val="1000"/>
+        </a:spcBef>
+        <a:spcAft>
+          <a:spcPct val="0"/>
+        </a:spcAft>
+        <a:buFont typeface="Arial" panose="020B0604020202020204" pitchFamily="34" charset="0"/>
+        <a:buChar char="•"/>
+        <a:defRPr sz="2800" kern="1200">
+          <a:solidFill>
+            <a:schemeClr val="tx1"/>
+          </a:solidFill>
+          <a:latin typeface="+mn-lt"/>
+          <a:ea typeface="+mn-ea"/>
+          <a:cs typeface="+mn-cs"/>
+        </a:defRPr>
+      </a:lvl1pPr>
+      <a:lvl2pPr marL="685800" indent="-228600" algn="l" rtl="0" eaLnBrk="1" fontAlgn="base" hangingPunct="1">
+        <a:lnSpc>
+          <a:spcPct val="90000"/>
+        </a:lnSpc>
+        <a:spcBef>
+          <a:spcPts val="500"/>
+        </a:spcBef>
+        <a:spcAft>
+          <a:spcPct val="0"/>
+        </a:spcAft>
+        <a:buFont typeface="Arial" panose="020B0604020202020204" pitchFamily="34" charset="0"/>
+        <a:buChar char="•"/>
+        <a:defRPr sz="2400" kern="1200">
+          <a:solidFill>
+            <a:schemeClr val="tx1"/>
+          </a:solidFill>
+          <a:latin typeface="+mn-lt"/>
+          <a:ea typeface="+mn-ea"/>
+          <a:cs typeface="+mn-cs"/>
+        </a:defRPr>
+      </a:lvl2pPr>
+      <a:lvl3pPr marL="1143000" indent="-228600" algn="l" rtl="0" eaLnBrk="1" fontAlgn="base" hangingPunct="1">
+        <a:lnSpc>
+          <a:spcPct val="90000"/>
+        </a:lnSpc>
+        <a:spcBef>
+          <a:spcPts val="500"/>
+        </a:spcBef>
+        <a:spcAft>
+          <a:spcPct val="0"/>
+        </a:spcAft>
+        <a:buFont typeface="Arial" panose="020B0604020202020204" pitchFamily="34" charset="0"/>
+        <a:buChar char="•"/>
+        <a:defRPr sz="2000" kern="1200">
+          <a:solidFill>
+            <a:schemeClr val="tx1"/>
+          </a:solidFill>
+          <a:latin typeface="+mn-lt"/>
+          <a:ea typeface="+mn-ea"/>
+          <a:cs typeface="+mn-cs"/>
+        </a:defRPr>
+      </a:lvl3pPr>
+      <a:lvl4pPr marL="1600200" indent="-228600" algn="l" rtl="0" eaLnBrk="1" fontAlgn="base" hangingPunct="1">
+        <a:lnSpc>
+          <a:spcPct val="90000"/>
+        </a:lnSpc>
+        <a:spcBef>
+          <a:spcPts val="500"/>
+        </a:spcBef>
+        <a:spcAft>
+          <a:spcPct val="0"/>
+        </a:spcAft>
+        <a:buFont typeface="Arial" panose="020B0604020202020204" pitchFamily="34" charset="0"/>
+        <a:buChar char="•"/>
+        <a:defRPr kern="1200">
+          <a:solidFill>
+            <a:schemeClr val="tx1"/>
+          </a:solidFill>
+          <a:latin typeface="+mn-lt"/>
+          <a:ea typeface="+mn-ea"/>
+          <a:cs typeface="+mn-cs"/>
+        </a:defRPr>
+      </a:lvl4pPr>
+      <a:lvl5pPr marL="2057400" indent="-228600" algn="l" rtl="0" eaLnBrk="1" fontAlgn="base" hangingPunct="1">
+        <a:lnSpc>
+          <a:spcPct val="90000"/>
+        </a:lnSpc>
+        <a:spcBef>
+          <a:spcPts val="500"/>
+        </a:spcBef>
+        <a:spcAft>
+          <a:spcPct val="0"/>
+        </a:spcAft>
+        <a:buFont typeface="Arial" panose="020B0604020202020204" pitchFamily="34" charset="0"/>
+        <a:buChar char="•"/>
+        <a:defRPr kern="1200">
+          <a:solidFill>
+            <a:schemeClr val="tx1"/>
+          </a:solidFill>
+          <a:latin typeface="+mn-lt"/>
+          <a:ea typeface="+mn-ea"/>
+          <a:cs typeface="+mn-cs"/>
+        </a:defRPr>
+      </a:lvl5pPr>
+      <a:lvl6pPr marL="2514600" indent="-228600" algn="l" defTabSz="914400" rtl="0" eaLnBrk="1" latinLnBrk="0" hangingPunct="1">
+        <a:lnSpc>
+          <a:spcPct val="90000"/>
+        </a:lnSpc>
+        <a:spcBef>
+          <a:spcPts val="500"/>
+        </a:spcBef>
+        <a:buFont typeface="Arial" panose="020B0604020202020204" pitchFamily="34" charset="0"/>
+        <a:buChar char="•"/>
+        <a:defRPr sz="1800" kern="1200">
+          <a:solidFill>
+            <a:schemeClr val="tx1"/>
+          </a:solidFill>
+          <a:latin typeface="+mn-lt"/>
+          <a:ea typeface="+mn-ea"/>
+          <a:cs typeface="+mn-cs"/>
+        </a:defRPr>
+      </a:lvl6pPr>
+      <a:lvl7pPr marL="2971800" indent="-228600" algn="l" defTabSz="914400" rtl="0" eaLnBrk="1" latinLnBrk="0" hangingPunct="1">
+        <a:lnSpc>
+          <a:spcPct val="90000"/>
+        </a:lnSpc>
+        <a:spcBef>
+          <a:spcPts val="500"/>
+        </a:spcBef>
+        <a:buFont typeface="Arial" panose="020B0604020202020204" pitchFamily="34" charset="0"/>
+        <a:buChar char="•"/>
+        <a:defRPr sz="1800" kern="1200">
+          <a:solidFill>
+            <a:schemeClr val="tx1"/>
+          </a:solidFill>
+          <a:latin typeface="+mn-lt"/>
+          <a:ea typeface="+mn-ea"/>
+          <a:cs typeface="+mn-cs"/>
+        </a:defRPr>
+      </a:lvl7pPr>
+      <a:lvl8pPr marL="3429000" indent="-228600" algn="l" defTabSz="914400" rtl="0" eaLnBrk="1" latinLnBrk="0" hangingPunct="1">
+        <a:lnSpc>
+          <a:spcPct val="90000"/>
+        </a:lnSpc>
+        <a:spcBef>
+          <a:spcPts val="500"/>
+        </a:spcBef>
+        <a:buFont typeface="Arial" panose="020B0604020202020204" pitchFamily="34" charset="0"/>
+        <a:buChar char="•"/>
+        <a:defRPr sz="1800" kern="1200">
+          <a:solidFill>
+            <a:schemeClr val="tx1"/>
+          </a:solidFill>
+          <a:latin typeface="+mn-lt"/>
+          <a:ea typeface="+mn-ea"/>
+          <a:cs typeface="+mn-cs"/>
+        </a:defRPr>
+      </a:lvl8pPr>
+      <a:lvl9pPr marL="3886200" indent="-228600" algn="l" defTabSz="914400" rtl="0" eaLnBrk="1" latinLnBrk="0" hangingPunct="1">
+        <a:lnSpc>
+          <a:spcPct val="90000"/>
+        </a:lnSpc>
+        <a:spcBef>
+          <a:spcPts val="500"/>
+        </a:spcBef>
+        <a:buFont typeface="Arial" panose="020B0604020202020204" pitchFamily="34" charset="0"/>
+        <a:buChar char="•"/>
+        <a:defRPr sz="1800" kern="1200">
+          <a:solidFill>
+            <a:schemeClr val="tx1"/>
+          </a:solidFill>
+          <a:latin typeface="+mn-lt"/>
+          <a:ea typeface="+mn-ea"/>
+          <a:cs typeface="+mn-cs"/>
+        </a:defRPr>
+      </a:lvl9pPr>
+    </p:bodyStyle>
+    <p:otherStyle>
+      <a:defPPr>
+        <a:defRPr lang="nl-BE"/>
+      </a:defPPr>
+      <a:lvl1pPr marL="0" algn="l" defTabSz="914400" rtl="0" eaLnBrk="1" latinLnBrk="0" hangingPunct="1">
+        <a:defRPr sz="1800" kern="1200">
+          <a:solidFill>
+            <a:schemeClr val="tx1"/>
+          </a:solidFill>
+          <a:latin typeface="+mn-lt"/>
+          <a:ea typeface="+mn-ea"/>
+          <a:cs typeface="+mn-cs"/>
+        </a:defRPr>
+      </a:lvl1pPr>
+      <a:lvl2pPr marL="457200" algn="l" defTabSz="914400" rtl="0" eaLnBrk="1" latinLnBrk="0" hangingPunct="1">
+        <a:defRPr sz="1800" kern="1200">
+          <a:solidFill>
+            <a:schemeClr val="tx1"/>
+          </a:solidFill>
+          <a:latin typeface="+mn-lt"/>
+          <a:ea typeface="+mn-ea"/>
+          <a:cs typeface="+mn-cs"/>
+        </a:defRPr>
+      </a:lvl2pPr>
+      <a:lvl3pPr marL="914400" algn="l" defTabSz="914400" rtl="0" eaLnBrk="1" latinLnBrk="0" hangingPunct="1">
+        <a:defRPr sz="1800" kern="1200">
+          <a:solidFill>
+            <a:schemeClr val="tx1"/>
+          </a:solidFill>
+          <a:latin typeface="+mn-lt"/>
+          <a:ea typeface="+mn-ea"/>
+          <a:cs typeface="+mn-cs"/>
+        </a:defRPr>
+      </a:lvl3pPr>
+      <a:lvl4pPr marL="1371600" algn="l" defTabSz="914400" rtl="0" eaLnBrk="1" latinLnBrk="0" hangingPunct="1">
+        <a:defRPr sz="1800" kern="1200">
+          <a:solidFill>
+            <a:schemeClr val="tx1"/>
+          </a:solidFill>
+          <a:latin typeface="+mn-lt"/>
+          <a:ea typeface="+mn-ea"/>
+          <a:cs typeface="+mn-cs"/>
+        </a:defRPr>
+      </a:lvl4pPr>
+      <a:lvl5pPr marL="1828800" algn="l" defTabSz="914400" rtl="0" eaLnBrk="1" latinLnBrk="0" hangingPunct="1">
+        <a:defRPr sz="1800" kern="1200">
+          <a:solidFill>
+            <a:schemeClr val="tx1"/>
+          </a:solidFill>
+          <a:latin typeface="+mn-lt"/>
+          <a:ea typeface="+mn-ea"/>
+          <a:cs typeface="+mn-cs"/>
+        </a:defRPr>
+      </a:lvl5pPr>
+      <a:lvl6pPr marL="2286000" algn="l" defTabSz="914400" rtl="0" eaLnBrk="1" latinLnBrk="0" hangingPunct="1">
+        <a:defRPr sz="1800" kern="1200">
+          <a:solidFill>
+            <a:schemeClr val="tx1"/>
+          </a:solidFill>
+          <a:latin typeface="+mn-lt"/>
+          <a:ea typeface="+mn-ea"/>
+          <a:cs typeface="+mn-cs"/>
+        </a:defRPr>
+      </a:lvl6pPr>
+      <a:lvl7pPr marL="2743200" algn="l" defTabSz="914400" rtl="0" eaLnBrk="1" latinLnBrk="0" hangingPunct="1">
+        <a:defRPr sz="1800" kern="1200">
+          <a:solidFill>
+            <a:schemeClr val="tx1"/>
+          </a:solidFill>
+          <a:latin typeface="+mn-lt"/>
+          <a:ea typeface="+mn-ea"/>
+          <a:cs typeface="+mn-cs"/>
+        </a:defRPr>
+      </a:lvl7pPr>
+      <a:lvl8pPr marL="3200400" algn="l" defTabSz="914400" rtl="0" eaLnBrk="1" latinLnBrk="0" hangingPunct="1">
+        <a:defRPr sz="1800" kern="1200">
+          <a:solidFill>
+            <a:schemeClr val="tx1"/>
+          </a:solidFill>
+          <a:latin typeface="+mn-lt"/>
+          <a:ea typeface="+mn-ea"/>
+          <a:cs typeface="+mn-cs"/>
+        </a:defRPr>
+      </a:lvl8pPr>
+      <a:lvl9pPr marL="3657600" algn="l" defTabSz="914400" rtl="0" eaLnBrk="1" latinLnBrk="0" hangingPunct="1">
+        <a:defRPr sz="1800" kern="1200">
+          <a:solidFill>
+            <a:schemeClr val="tx1"/>
+          </a:solidFill>
+          <a:latin typeface="+mn-lt"/>
+          <a:ea typeface="+mn-ea"/>
+          <a:cs typeface="+mn-cs"/>
+        </a:defRPr>
+      </a:lvl9pPr>
+    </p:otherStyle>
+  </p:txStyles>
+</p:sldMaster>
+</file>
+
+<file path=ppt/slideMasters/slideMaster2.xml><?xml version="1.0" encoding="utf-8"?>
 <p:sldMaster xmlns:a="http://schemas.openxmlformats.org/drawingml/2006/main" xmlns:r="http://schemas.openxmlformats.org/officeDocument/2006/relationships" xmlns:p="http://schemas.openxmlformats.org/presentationml/2006/main">
   <p:cSld>
     <p:bg>
@@ -6678,9 +10284,9 @@
             </a:lvl1pPr>
           </a:lstStyle>
           <a:p>
-            <a:fld id="{F3B17216-47DF-478C-B20B-BB0F0C651CF6}" type="datetimeFigureOut">
-              <a:rPr lang="en-US" smtClean="0"/>
-              <a:t>2/4/2014</a:t>
+            <a:fld id="{F17FA2EC-BE1A-4D1A-AECF-3D2BD5D9525B}" type="datetimeFigureOut">
+              <a:rPr lang="en-US" smtClean="0"/>
+              <a:t>2/5/2014</a:t>
             </a:fld>
             <a:endParaRPr lang="en-US"/>
           </a:p>
@@ -6756,7 +10362,7 @@
             </a:lvl1pPr>
           </a:lstStyle>
           <a:p>
-            <a:fld id="{8AE18A4C-FCC0-49D8-A299-7DF83F84F133}" type="slidenum">
+            <a:fld id="{E269FE30-E95B-4CA0-BD74-16E280FC6AD0}" type="slidenum">
               <a:rPr lang="en-US" smtClean="0"/>
               <a:t>‹#›</a:t>
             </a:fld>
@@ -6767,23 +10373,23 @@
     </p:spTree>
     <p:extLst>
       <p:ext uri="{BB962C8B-B14F-4D97-AF65-F5344CB8AC3E}">
-        <p14:creationId xmlns:p14="http://schemas.microsoft.com/office/powerpoint/2010/main" val="2832885563"/>
+        <p14:creationId xmlns:p14="http://schemas.microsoft.com/office/powerpoint/2010/main" val="2054184151"/>
       </p:ext>
     </p:extLst>
   </p:cSld>
   <p:clrMap bg1="lt1" tx1="dk1" bg2="lt2" tx2="dk2" accent1="accent1" accent2="accent2" accent3="accent3" accent4="accent4" accent5="accent5" accent6="accent6" hlink="hlink" folHlink="folHlink"/>
   <p:sldLayoutIdLst>
-    <p:sldLayoutId id="2147483649" r:id="rId1"/>
-    <p:sldLayoutId id="2147483650" r:id="rId2"/>
-    <p:sldLayoutId id="2147483651" r:id="rId3"/>
-    <p:sldLayoutId id="2147483652" r:id="rId4"/>
-    <p:sldLayoutId id="2147483653" r:id="rId5"/>
-    <p:sldLayoutId id="2147483654" r:id="rId6"/>
-    <p:sldLayoutId id="2147483655" r:id="rId7"/>
-    <p:sldLayoutId id="2147483656" r:id="rId8"/>
-    <p:sldLayoutId id="2147483657" r:id="rId9"/>
-    <p:sldLayoutId id="2147483658" r:id="rId10"/>
-    <p:sldLayoutId id="2147483659" r:id="rId11"/>
+    <p:sldLayoutId id="2147483673" r:id="rId1"/>
+    <p:sldLayoutId id="2147483674" r:id="rId2"/>
+    <p:sldLayoutId id="2147483675" r:id="rId3"/>
+    <p:sldLayoutId id="2147483676" r:id="rId4"/>
+    <p:sldLayoutId id="2147483677" r:id="rId5"/>
+    <p:sldLayoutId id="2147483678" r:id="rId6"/>
+    <p:sldLayoutId id="2147483679" r:id="rId7"/>
+    <p:sldLayoutId id="2147483680" r:id="rId8"/>
+    <p:sldLayoutId id="2147483681" r:id="rId9"/>
+    <p:sldLayoutId id="2147483682" r:id="rId10"/>
+    <p:sldLayoutId id="2147483683" r:id="rId11"/>
   </p:sldLayoutIdLst>
   <p:txStyles>
     <p:titleStyle>
@@ -7110,7 +10716,7 @@
       </p:sp>
       <p:sp>
         <p:nvSpPr>
-          <p:cNvPr id="3" name="Subtitle 2"/>
+          <p:cNvPr id="4" name="Subtitle 3"/>
           <p:cNvSpPr>
             <a:spLocks noGrp="1"/>
           </p:cNvSpPr>
@@ -7123,7 +10729,20 @@
           <a:bodyPr/>
           <a:lstStyle/>
           <a:p>
-            <a:endParaRPr lang="en-US"/>
+            <a:endParaRPr lang="nl-BE" dirty="0" smtClean="0"/>
+          </a:p>
+          <a:p>
+            <a:endParaRPr lang="nl-BE" dirty="0"/>
+          </a:p>
+          <a:p>
+            <a:endParaRPr lang="nl-BE" dirty="0" smtClean="0"/>
+          </a:p>
+          <a:p>
+            <a:r>
+              <a:rPr lang="nl-BE" dirty="0" smtClean="0"/>
+              <a:t>Peter Morlion</a:t>
+            </a:r>
+            <a:endParaRPr lang="en-US" dirty="0"/>
           </a:p>
         </p:txBody>
       </p:sp>
@@ -7273,20 +10892,20 @@
       </p:sp>
       <p:sp>
         <p:nvSpPr>
-          <p:cNvPr id="3" name="Content Placeholder 2"/>
-          <p:cNvSpPr>
-            <a:spLocks noGrp="1"/>
-          </p:cNvSpPr>
-          <p:nvPr>
-            <p:ph idx="1"/>
-          </p:nvPr>
-        </p:nvSpPr>
-        <p:spPr/>
-        <p:txBody>
-          <a:bodyPr/>
-          <a:lstStyle/>
-          <a:p>
-            <a:endParaRPr lang="en-US" dirty="0"/>
+          <p:cNvPr id="5" name="Text Placeholder 4"/>
+          <p:cNvSpPr>
+            <a:spLocks noGrp="1"/>
+          </p:cNvSpPr>
+          <p:nvPr>
+            <p:ph type="body" idx="1"/>
+          </p:nvPr>
+        </p:nvSpPr>
+        <p:spPr/>
+        <p:txBody>
+          <a:bodyPr/>
+          <a:lstStyle/>
+          <a:p>
+            <a:endParaRPr lang="en-US"/>
           </a:p>
         </p:txBody>
       </p:sp>
@@ -8895,7 +12514,11 @@
             </a:r>
             <a:r>
               <a:rPr lang="nl-BE" dirty="0" smtClean="0"/>
-              <a:t>: data</a:t>
+              <a:t>: binding </a:t>
+            </a:r>
+            <a:r>
+              <a:rPr lang="nl-BE" dirty="0" err="1" smtClean="0"/>
+              <a:t>contexts</a:t>
             </a:r>
             <a:endParaRPr lang="en-US" dirty="0"/>
           </a:p>
@@ -8917,106 +12540,42 @@
           <a:lstStyle/>
           <a:p>
             <a:r>
-              <a:rPr lang="nl-BE" dirty="0" err="1" smtClean="0"/>
-              <a:t>ko.toJS</a:t>
-            </a:r>
-            <a:r>
-              <a:rPr lang="nl-BE" dirty="0" smtClean="0"/>
-              <a:t>(</a:t>
-            </a:r>
-            <a:r>
-              <a:rPr lang="nl-BE" dirty="0" err="1" smtClean="0"/>
-              <a:t>viewModel</a:t>
-            </a:r>
-            <a:r>
-              <a:rPr lang="nl-BE" dirty="0" smtClean="0"/>
-              <a:t>)</a:t>
-            </a:r>
-          </a:p>
-          <a:p>
-            <a:r>
-              <a:rPr lang="nl-BE" dirty="0" err="1" smtClean="0"/>
-              <a:t>ko.toJSON</a:t>
-            </a:r>
-            <a:r>
-              <a:rPr lang="nl-BE" dirty="0" smtClean="0"/>
-              <a:t>(</a:t>
-            </a:r>
-            <a:r>
-              <a:rPr lang="nl-BE" dirty="0" err="1" smtClean="0"/>
-              <a:t>viewModel</a:t>
-            </a:r>
-            <a:r>
-              <a:rPr lang="nl-BE" dirty="0" smtClean="0"/>
-              <a:t>)</a:t>
-            </a:r>
-          </a:p>
-          <a:p>
-            <a:endParaRPr lang="nl-BE" dirty="0"/>
-          </a:p>
-          <a:p>
-            <a:r>
-              <a:rPr lang="nl-BE" dirty="0" err="1" smtClean="0"/>
-              <a:t>Knockout</a:t>
-            </a:r>
-            <a:r>
-              <a:rPr lang="nl-BE" dirty="0" smtClean="0"/>
-              <a:t> </a:t>
-            </a:r>
-            <a:r>
-              <a:rPr lang="nl-BE" dirty="0" err="1" smtClean="0"/>
-              <a:t>mapping</a:t>
-            </a:r>
-            <a:r>
-              <a:rPr lang="nl-BE" dirty="0" smtClean="0"/>
-              <a:t> </a:t>
-            </a:r>
-            <a:r>
-              <a:rPr lang="nl-BE" dirty="0" err="1" smtClean="0"/>
-              <a:t>plugin</a:t>
-            </a:r>
-            <a:r>
-              <a:rPr lang="nl-BE" dirty="0" smtClean="0"/>
-              <a:t>:</a:t>
-            </a:r>
-          </a:p>
-          <a:p>
-            <a:pPr lvl="1"/>
-            <a:r>
-              <a:rPr lang="nl-BE" dirty="0" err="1" smtClean="0"/>
-              <a:t>ko.mapping.fromJS</a:t>
+              <a:rPr lang="nl-BE" dirty="0" smtClean="0"/>
+              <a:t>$data</a:t>
+            </a:r>
+          </a:p>
+          <a:p>
+            <a:r>
+              <a:rPr lang="nl-BE" dirty="0" smtClean="0"/>
+              <a:t>$</a:t>
+            </a:r>
+            <a:r>
+              <a:rPr lang="nl-BE" dirty="0" err="1" smtClean="0"/>
+              <a:t>parent</a:t>
             </a:r>
             <a:endParaRPr lang="nl-BE" dirty="0" smtClean="0"/>
           </a:p>
           <a:p>
-            <a:pPr lvl="1"/>
-            <a:r>
-              <a:rPr lang="nl-BE" dirty="0" err="1" smtClean="0"/>
-              <a:t>ko.mapping.updateFromJS</a:t>
+            <a:r>
+              <a:rPr lang="nl-BE" dirty="0" smtClean="0"/>
+              <a:t>$</a:t>
+            </a:r>
+            <a:r>
+              <a:rPr lang="nl-BE" dirty="0" err="1" smtClean="0"/>
+              <a:t>parents</a:t>
             </a:r>
             <a:endParaRPr lang="nl-BE" dirty="0" smtClean="0"/>
           </a:p>
           <a:p>
-            <a:pPr lvl="1"/>
-            <a:r>
-              <a:rPr lang="nl-BE" dirty="0" err="1" smtClean="0"/>
-              <a:t>ko.mapping.toJS</a:t>
-            </a:r>
-            <a:endParaRPr lang="nl-BE" dirty="0" smtClean="0"/>
-          </a:p>
-          <a:p>
-            <a:pPr lvl="1"/>
-            <a:r>
-              <a:rPr lang="nl-BE" dirty="0" err="1" smtClean="0"/>
-              <a:t>ko.mapping.toJSON</a:t>
-            </a:r>
-            <a:endParaRPr lang="nl-BE" dirty="0" smtClean="0"/>
-          </a:p>
-          <a:p>
-            <a:pPr lvl="1"/>
-            <a:r>
-              <a:rPr lang="nl-BE" dirty="0" err="1" smtClean="0"/>
-              <a:t>ko.mapping.fromJSON</a:t>
+            <a:r>
+              <a:rPr lang="nl-BE" dirty="0" smtClean="0"/>
+              <a:t>$root</a:t>
+            </a:r>
+          </a:p>
+          <a:p>
+            <a:r>
+              <a:rPr lang="nl-BE" dirty="0" smtClean="0"/>
+              <a:t>$index</a:t>
             </a:r>
             <a:endParaRPr lang="en-US" dirty="0"/>
           </a:p>
@@ -9025,7 +12584,7 @@
     </p:spTree>
     <p:extLst>
       <p:ext uri="{BB962C8B-B14F-4D97-AF65-F5344CB8AC3E}">
-        <p14:creationId xmlns:p14="http://schemas.microsoft.com/office/powerpoint/2010/main" val="3755241706"/>
+        <p14:creationId xmlns:p14="http://schemas.microsoft.com/office/powerpoint/2010/main" val="1653165840"/>
       </p:ext>
     </p:extLst>
   </p:cSld>
@@ -9069,7 +12628,11 @@
           <a:p>
             <a:r>
               <a:rPr lang="nl-BE" dirty="0" err="1" smtClean="0"/>
-              <a:t>Durandal</a:t>
+              <a:t>Knockout</a:t>
+            </a:r>
+            <a:r>
+              <a:rPr lang="nl-BE" dirty="0" smtClean="0"/>
+              <a:t>: data</a:t>
             </a:r>
             <a:endParaRPr lang="en-US" dirty="0"/>
           </a:p>
@@ -9092,11 +12655,105 @@
           <a:p>
             <a:r>
               <a:rPr lang="nl-BE" dirty="0" err="1" smtClean="0"/>
-              <a:t>Finally</a:t>
-            </a:r>
-            <a:r>
-              <a:rPr lang="nl-BE" dirty="0" smtClean="0"/>
-              <a:t>!</a:t>
+              <a:t>ko.toJS</a:t>
+            </a:r>
+            <a:r>
+              <a:rPr lang="nl-BE" dirty="0" smtClean="0"/>
+              <a:t>(</a:t>
+            </a:r>
+            <a:r>
+              <a:rPr lang="nl-BE" dirty="0" err="1" smtClean="0"/>
+              <a:t>viewModel</a:t>
+            </a:r>
+            <a:r>
+              <a:rPr lang="nl-BE" dirty="0" smtClean="0"/>
+              <a:t>)</a:t>
+            </a:r>
+          </a:p>
+          <a:p>
+            <a:r>
+              <a:rPr lang="nl-BE" dirty="0" err="1" smtClean="0"/>
+              <a:t>ko.toJSON</a:t>
+            </a:r>
+            <a:r>
+              <a:rPr lang="nl-BE" dirty="0" smtClean="0"/>
+              <a:t>(</a:t>
+            </a:r>
+            <a:r>
+              <a:rPr lang="nl-BE" dirty="0" err="1" smtClean="0"/>
+              <a:t>viewModel</a:t>
+            </a:r>
+            <a:r>
+              <a:rPr lang="nl-BE" dirty="0" smtClean="0"/>
+              <a:t>)</a:t>
+            </a:r>
+          </a:p>
+          <a:p>
+            <a:endParaRPr lang="nl-BE" dirty="0"/>
+          </a:p>
+          <a:p>
+            <a:r>
+              <a:rPr lang="nl-BE" dirty="0" err="1" smtClean="0"/>
+              <a:t>Knockout</a:t>
+            </a:r>
+            <a:r>
+              <a:rPr lang="nl-BE" dirty="0" smtClean="0"/>
+              <a:t> </a:t>
+            </a:r>
+            <a:r>
+              <a:rPr lang="nl-BE" dirty="0" err="1" smtClean="0"/>
+              <a:t>mapping</a:t>
+            </a:r>
+            <a:r>
+              <a:rPr lang="nl-BE" dirty="0" smtClean="0"/>
+              <a:t> </a:t>
+            </a:r>
+            <a:r>
+              <a:rPr lang="nl-BE" dirty="0" err="1" smtClean="0"/>
+              <a:t>plugin</a:t>
+            </a:r>
+            <a:r>
+              <a:rPr lang="nl-BE" dirty="0" smtClean="0"/>
+              <a:t>:</a:t>
+            </a:r>
+          </a:p>
+          <a:p>
+            <a:pPr lvl="1"/>
+            <a:r>
+              <a:rPr lang="nl-BE" dirty="0" err="1" smtClean="0"/>
+              <a:t>ko.mapping.fromJS</a:t>
+            </a:r>
+            <a:endParaRPr lang="nl-BE" dirty="0" smtClean="0"/>
+          </a:p>
+          <a:p>
+            <a:pPr lvl="1"/>
+            <a:r>
+              <a:rPr lang="nl-BE" dirty="0" err="1" smtClean="0"/>
+              <a:t>ko.mapping.updateFromJS</a:t>
+            </a:r>
+            <a:endParaRPr lang="nl-BE" dirty="0" smtClean="0"/>
+          </a:p>
+          <a:p>
+            <a:pPr lvl="1"/>
+            <a:r>
+              <a:rPr lang="nl-BE" dirty="0" err="1" smtClean="0"/>
+              <a:t>ko.mapping.toJS</a:t>
+            </a:r>
+            <a:endParaRPr lang="nl-BE" dirty="0" smtClean="0"/>
+          </a:p>
+          <a:p>
+            <a:pPr lvl="1"/>
+            <a:r>
+              <a:rPr lang="nl-BE" dirty="0" err="1" smtClean="0"/>
+              <a:t>ko.mapping.toJSON</a:t>
+            </a:r>
+            <a:endParaRPr lang="nl-BE" dirty="0" smtClean="0"/>
+          </a:p>
+          <a:p>
+            <a:pPr lvl="1"/>
+            <a:r>
+              <a:rPr lang="nl-BE" dirty="0" err="1" smtClean="0"/>
+              <a:t>ko.mapping.fromJSON</a:t>
             </a:r>
             <a:endParaRPr lang="en-US" dirty="0"/>
           </a:p>
@@ -9105,7 +12762,7 @@
     </p:spTree>
     <p:extLst>
       <p:ext uri="{BB962C8B-B14F-4D97-AF65-F5344CB8AC3E}">
-        <p14:creationId xmlns:p14="http://schemas.microsoft.com/office/powerpoint/2010/main" val="3685310628"/>
+        <p14:creationId xmlns:p14="http://schemas.microsoft.com/office/powerpoint/2010/main" val="3755241706"/>
       </p:ext>
     </p:extLst>
   </p:cSld>
@@ -9149,58 +12806,54 @@
           <a:p>
             <a:r>
               <a:rPr lang="nl-BE" dirty="0" err="1" smtClean="0"/>
-              <a:t>Durandal</a:t>
-            </a:r>
-            <a:r>
-              <a:rPr lang="nl-BE" dirty="0" smtClean="0"/>
-              <a:t>: modules</a:t>
+              <a:t>Knockout</a:t>
+            </a:r>
+            <a:r>
+              <a:rPr lang="nl-BE" dirty="0" smtClean="0"/>
+              <a:t>: </a:t>
+            </a:r>
+            <a:r>
+              <a:rPr lang="nl-BE" dirty="0" err="1" smtClean="0"/>
+              <a:t>containerless</a:t>
+            </a:r>
+            <a:r>
+              <a:rPr lang="nl-BE" dirty="0" smtClean="0"/>
+              <a:t> syntax</a:t>
             </a:r>
             <a:endParaRPr lang="en-US" dirty="0"/>
           </a:p>
         </p:txBody>
       </p:sp>
-      <p:sp>
-        <p:nvSpPr>
-          <p:cNvPr id="3" name="Content Placeholder 2"/>
-          <p:cNvSpPr>
-            <a:spLocks noGrp="1"/>
-          </p:cNvSpPr>
+      <p:pic>
+        <p:nvPicPr>
+          <p:cNvPr id="4" name="Content Placeholder 3"/>
+          <p:cNvPicPr>
+            <a:picLocks noGrp="1" noChangeAspect="1"/>
+          </p:cNvPicPr>
           <p:nvPr>
             <p:ph idx="1"/>
           </p:nvPr>
-        </p:nvSpPr>
-        <p:spPr/>
-        <p:txBody>
-          <a:bodyPr/>
-          <a:lstStyle/>
-          <a:p>
-            <a:r>
-              <a:rPr lang="nl-BE" dirty="0" smtClean="0"/>
-              <a:t>AMD modules met </a:t>
-            </a:r>
-            <a:r>
-              <a:rPr lang="nl-BE" dirty="0" err="1" smtClean="0"/>
-              <a:t>RequireJS</a:t>
-            </a:r>
-            <a:endParaRPr lang="nl-BE" dirty="0" smtClean="0"/>
-          </a:p>
-          <a:p>
-            <a:r>
-              <a:rPr lang="nl-BE" dirty="0" smtClean="0"/>
-              <a:t>Iedere module krijgt een eigen </a:t>
-            </a:r>
-            <a:r>
-              <a:rPr lang="nl-BE" dirty="0" err="1" smtClean="0"/>
-              <a:t>id</a:t>
-            </a:r>
-            <a:endParaRPr lang="en-US" dirty="0"/>
-          </a:p>
-        </p:txBody>
-      </p:sp>
+        </p:nvPicPr>
+        <p:blipFill>
+          <a:blip r:embed="rId3"/>
+          <a:stretch>
+            <a:fillRect/>
+          </a:stretch>
+        </p:blipFill>
+        <p:spPr>
+          <a:xfrm>
+            <a:off x="838200" y="1690688"/>
+            <a:ext cx="10208553" cy="4351338"/>
+          </a:xfrm>
+          <a:prstGeom prst="rect">
+            <a:avLst/>
+          </a:prstGeom>
+        </p:spPr>
+      </p:pic>
     </p:spTree>
     <p:extLst>
       <p:ext uri="{BB962C8B-B14F-4D97-AF65-F5344CB8AC3E}">
-        <p14:creationId xmlns:p14="http://schemas.microsoft.com/office/powerpoint/2010/main" val="1210736706"/>
+        <p14:creationId xmlns:p14="http://schemas.microsoft.com/office/powerpoint/2010/main" val="3712586079"/>
       </p:ext>
     </p:extLst>
   </p:cSld>
@@ -9246,10 +12899,6 @@
               <a:rPr lang="nl-BE" dirty="0" err="1" smtClean="0"/>
               <a:t>Durandal</a:t>
             </a:r>
-            <a:r>
-              <a:rPr lang="nl-BE" dirty="0" smtClean="0"/>
-              <a:t>: views</a:t>
-            </a:r>
             <a:endParaRPr lang="en-US" dirty="0"/>
           </a:p>
         </p:txBody>
@@ -9270,28 +12919,12 @@
           <a:lstStyle/>
           <a:p>
             <a:r>
-              <a:rPr lang="nl-BE" dirty="0" smtClean="0"/>
-              <a:t>Gewoon html bestand</a:t>
-            </a:r>
-          </a:p>
-          <a:p>
-            <a:r>
-              <a:rPr lang="nl-BE" dirty="0" smtClean="0"/>
-              <a:t>Slechts 1 root element</a:t>
-            </a:r>
-          </a:p>
-          <a:p>
-            <a:r>
-              <a:rPr lang="nl-BE" dirty="0" smtClean="0"/>
-              <a:t>Databinding (</a:t>
-            </a:r>
-            <a:r>
-              <a:rPr lang="nl-BE" dirty="0" err="1" smtClean="0"/>
-              <a:t>Knockout</a:t>
-            </a:r>
-            <a:r>
-              <a:rPr lang="nl-BE" dirty="0" smtClean="0"/>
-              <a:t>!) verbindt view met module</a:t>
+              <a:rPr lang="nl-BE" dirty="0" err="1" smtClean="0"/>
+              <a:t>Finally</a:t>
+            </a:r>
+            <a:r>
+              <a:rPr lang="nl-BE" dirty="0" smtClean="0"/>
+              <a:t>!</a:t>
             </a:r>
             <a:endParaRPr lang="en-US" dirty="0"/>
           </a:p>
@@ -9300,7 +12933,7 @@
     </p:spTree>
     <p:extLst>
       <p:ext uri="{BB962C8B-B14F-4D97-AF65-F5344CB8AC3E}">
-        <p14:creationId xmlns:p14="http://schemas.microsoft.com/office/powerpoint/2010/main" val="1784123812"/>
+        <p14:creationId xmlns:p14="http://schemas.microsoft.com/office/powerpoint/2010/main" val="3685310628"/>
       </p:ext>
     </p:extLst>
   </p:cSld>
@@ -9348,11 +12981,7 @@
             </a:r>
             <a:r>
               <a:rPr lang="nl-BE" dirty="0" smtClean="0"/>
-              <a:t>: views en </a:t>
-            </a:r>
-            <a:r>
-              <a:rPr lang="nl-BE" dirty="0" err="1" smtClean="0"/>
-              <a:t>viewmodels</a:t>
+              <a:t>: modules</a:t>
             </a:r>
             <a:endParaRPr lang="en-US" dirty="0"/>
           </a:p>
@@ -9374,38 +13003,23 @@
           <a:lstStyle/>
           <a:p>
             <a:r>
-              <a:rPr lang="nl-BE" dirty="0" err="1" smtClean="0"/>
-              <a:t>Convention</a:t>
-            </a:r>
-            <a:r>
-              <a:rPr lang="nl-BE" dirty="0" smtClean="0"/>
-              <a:t>:</a:t>
-            </a:r>
-          </a:p>
-          <a:p>
-            <a:pPr lvl="1"/>
-            <a:r>
-              <a:rPr lang="nl-BE" dirty="0" err="1"/>
-              <a:t>v</a:t>
-            </a:r>
-            <a:r>
-              <a:rPr lang="nl-BE" dirty="0" err="1" smtClean="0"/>
-              <a:t>iewmodels</a:t>
-            </a:r>
-            <a:r>
-              <a:rPr lang="nl-BE" dirty="0" smtClean="0"/>
-              <a:t>/customerList.js</a:t>
-            </a:r>
-          </a:p>
-          <a:p>
-            <a:pPr lvl="1"/>
-            <a:r>
-              <a:rPr lang="nl-BE" dirty="0"/>
-              <a:t>v</a:t>
-            </a:r>
-            <a:r>
-              <a:rPr lang="nl-BE" dirty="0" smtClean="0"/>
-              <a:t>iews/customerList.html</a:t>
+              <a:rPr lang="nl-BE" dirty="0" smtClean="0"/>
+              <a:t>AMD modules met </a:t>
+            </a:r>
+            <a:r>
+              <a:rPr lang="nl-BE" dirty="0" err="1" smtClean="0"/>
+              <a:t>RequireJS</a:t>
+            </a:r>
+            <a:endParaRPr lang="nl-BE" dirty="0" smtClean="0"/>
+          </a:p>
+          <a:p>
+            <a:r>
+              <a:rPr lang="nl-BE" dirty="0" smtClean="0"/>
+              <a:t>Iedere module krijgt een eigen </a:t>
+            </a:r>
+            <a:r>
+              <a:rPr lang="nl-BE" dirty="0" err="1" smtClean="0"/>
+              <a:t>id</a:t>
             </a:r>
             <a:endParaRPr lang="en-US" dirty="0"/>
           </a:p>
@@ -9414,7 +13028,7 @@
     </p:spTree>
     <p:extLst>
       <p:ext uri="{BB962C8B-B14F-4D97-AF65-F5344CB8AC3E}">
-        <p14:creationId xmlns:p14="http://schemas.microsoft.com/office/powerpoint/2010/main" val="1783479636"/>
+        <p14:creationId xmlns:p14="http://schemas.microsoft.com/office/powerpoint/2010/main" val="1210736706"/>
       </p:ext>
     </p:extLst>
   </p:cSld>
@@ -9462,11 +13076,7 @@
             </a:r>
             <a:r>
               <a:rPr lang="nl-BE" dirty="0" smtClean="0"/>
-              <a:t>: </a:t>
-            </a:r>
-            <a:r>
-              <a:rPr lang="nl-BE" dirty="0" err="1" smtClean="0"/>
-              <a:t>composition</a:t>
+              <a:t>: views</a:t>
             </a:r>
             <a:endParaRPr lang="en-US" dirty="0"/>
           </a:p>
@@ -9489,22 +13099,27 @@
           <a:p>
             <a:r>
               <a:rPr lang="nl-BE" dirty="0" smtClean="0"/>
-              <a:t>Object </a:t>
-            </a:r>
-            <a:r>
-              <a:rPr lang="nl-BE" dirty="0" err="1" smtClean="0"/>
-              <a:t>composition</a:t>
-            </a:r>
-            <a:endParaRPr lang="nl-BE" dirty="0" smtClean="0"/>
-          </a:p>
-          <a:p>
-            <a:r>
-              <a:rPr lang="nl-BE" dirty="0" smtClean="0"/>
-              <a:t>Visual </a:t>
-            </a:r>
-            <a:r>
-              <a:rPr lang="nl-BE" dirty="0" err="1" smtClean="0"/>
-              <a:t>composition</a:t>
+              <a:t>Gewoon html bestand</a:t>
+            </a:r>
+          </a:p>
+          <a:p>
+            <a:r>
+              <a:rPr lang="nl-BE" dirty="0" smtClean="0"/>
+              <a:t>Slechts 1 root element</a:t>
+            </a:r>
+          </a:p>
+          <a:p>
+            <a:r>
+              <a:rPr lang="nl-BE" dirty="0" smtClean="0"/>
+              <a:t>Databinding (</a:t>
+            </a:r>
+            <a:r>
+              <a:rPr lang="nl-BE" dirty="0" err="1" smtClean="0"/>
+              <a:t>Knockout</a:t>
+            </a:r>
+            <a:r>
+              <a:rPr lang="nl-BE" dirty="0" smtClean="0"/>
+              <a:t>!) verbindt view met module</a:t>
             </a:r>
             <a:endParaRPr lang="en-US" dirty="0"/>
           </a:p>
@@ -9513,7 +13128,7 @@
     </p:spTree>
     <p:extLst>
       <p:ext uri="{BB962C8B-B14F-4D97-AF65-F5344CB8AC3E}">
-        <p14:creationId xmlns:p14="http://schemas.microsoft.com/office/powerpoint/2010/main" val="38311739"/>
+        <p14:creationId xmlns:p14="http://schemas.microsoft.com/office/powerpoint/2010/main" val="1784123812"/>
       </p:ext>
     </p:extLst>
   </p:cSld>
@@ -9561,78 +13176,73 @@
             </a:r>
             <a:r>
               <a:rPr lang="nl-BE" dirty="0" smtClean="0"/>
-              <a:t>: </a:t>
-            </a:r>
-            <a:r>
-              <a:rPr lang="nl-BE" dirty="0" err="1" smtClean="0"/>
-              <a:t>visual</a:t>
-            </a:r>
-            <a:r>
-              <a:rPr lang="nl-BE" dirty="0" smtClean="0"/>
-              <a:t> </a:t>
-            </a:r>
-            <a:r>
-              <a:rPr lang="nl-BE" dirty="0" err="1" smtClean="0"/>
-              <a:t>composition</a:t>
+              <a:t>: views en </a:t>
+            </a:r>
+            <a:r>
+              <a:rPr lang="nl-BE" dirty="0" err="1" smtClean="0"/>
+              <a:t>viewmodels</a:t>
             </a:r>
             <a:endParaRPr lang="en-US" dirty="0"/>
           </a:p>
         </p:txBody>
       </p:sp>
-      <p:pic>
-        <p:nvPicPr>
-          <p:cNvPr id="9" name="Picture 8"/>
-          <p:cNvPicPr>
-            <a:picLocks noChangeAspect="1"/>
-          </p:cNvPicPr>
-          <p:nvPr/>
-        </p:nvPicPr>
-        <p:blipFill>
-          <a:blip r:embed="rId3"/>
-          <a:stretch>
-            <a:fillRect/>
-          </a:stretch>
-        </p:blipFill>
-        <p:spPr>
-          <a:xfrm>
-            <a:off x="847725" y="4001294"/>
-            <a:ext cx="10506075" cy="2028825"/>
-          </a:xfrm>
-          <a:prstGeom prst="rect">
-            <a:avLst/>
-          </a:prstGeom>
-        </p:spPr>
-      </p:pic>
-      <p:pic>
-        <p:nvPicPr>
-          <p:cNvPr id="10" name="Content Placeholder 9"/>
-          <p:cNvPicPr>
-            <a:picLocks noGrp="1" noChangeAspect="1"/>
-          </p:cNvPicPr>
+      <p:sp>
+        <p:nvSpPr>
+          <p:cNvPr id="3" name="Content Placeholder 2"/>
+          <p:cNvSpPr>
+            <a:spLocks noGrp="1"/>
+          </p:cNvSpPr>
           <p:nvPr>
             <p:ph idx="1"/>
           </p:nvPr>
-        </p:nvPicPr>
-        <p:blipFill>
-          <a:blip r:embed="rId4"/>
-          <a:stretch>
-            <a:fillRect/>
-          </a:stretch>
-        </p:blipFill>
-        <p:spPr>
-          <a:xfrm>
-            <a:off x="847725" y="1690688"/>
-            <a:ext cx="10515600" cy="1458435"/>
-          </a:xfrm>
-          <a:prstGeom prst="rect">
-            <a:avLst/>
-          </a:prstGeom>
-        </p:spPr>
-      </p:pic>
+        </p:nvSpPr>
+        <p:spPr/>
+        <p:txBody>
+          <a:bodyPr/>
+          <a:lstStyle/>
+          <a:p>
+            <a:r>
+              <a:rPr lang="nl-BE" dirty="0" err="1" smtClean="0"/>
+              <a:t>Convention</a:t>
+            </a:r>
+            <a:r>
+              <a:rPr lang="nl-BE" dirty="0" smtClean="0"/>
+              <a:t>:</a:t>
+            </a:r>
+          </a:p>
+          <a:p>
+            <a:pPr lvl="1"/>
+            <a:r>
+              <a:rPr lang="nl-BE" dirty="0" err="1"/>
+              <a:t>v</a:t>
+            </a:r>
+            <a:r>
+              <a:rPr lang="nl-BE" dirty="0" err="1" smtClean="0"/>
+              <a:t>iewmodels</a:t>
+            </a:r>
+            <a:r>
+              <a:rPr lang="nl-BE" dirty="0" smtClean="0"/>
+              <a:t>/customerList.js</a:t>
+            </a:r>
+          </a:p>
+          <a:p>
+            <a:pPr lvl="1"/>
+            <a:r>
+              <a:rPr lang="nl-BE" dirty="0"/>
+              <a:t>v</a:t>
+            </a:r>
+            <a:r>
+              <a:rPr lang="nl-BE" dirty="0" smtClean="0"/>
+              <a:t>iews/customerList.html</a:t>
+            </a:r>
+            <a:endParaRPr lang="en-US" dirty="0"/>
+          </a:p>
+        </p:txBody>
+      </p:sp>
     </p:spTree>
     <p:extLst>
       <p:ext uri="{BB962C8B-B14F-4D97-AF65-F5344CB8AC3E}">
-        <p14:creationId xmlns:p14="http://schemas.microsoft.com/office/powerpoint/2010/main" val="3966193400"/>
+        <p14:creationId xmlns:p14="http://schemas.microsoft.com/office/powerpoint/2010/main" val="1783479636"/>
       </p:ext>
     </p:extLst>
   </p:cSld>
@@ -9686,6 +13296,224 @@
               <a:rPr lang="nl-BE" dirty="0" err="1" smtClean="0"/>
               <a:t>composition</a:t>
             </a:r>
+            <a:endParaRPr lang="en-US" dirty="0"/>
+          </a:p>
+        </p:txBody>
+      </p:sp>
+      <p:sp>
+        <p:nvSpPr>
+          <p:cNvPr id="3" name="Content Placeholder 2"/>
+          <p:cNvSpPr>
+            <a:spLocks noGrp="1"/>
+          </p:cNvSpPr>
+          <p:nvPr>
+            <p:ph idx="1"/>
+          </p:nvPr>
+        </p:nvSpPr>
+        <p:spPr/>
+        <p:txBody>
+          <a:bodyPr/>
+          <a:lstStyle/>
+          <a:p>
+            <a:r>
+              <a:rPr lang="nl-BE" dirty="0" smtClean="0"/>
+              <a:t>Object </a:t>
+            </a:r>
+            <a:r>
+              <a:rPr lang="nl-BE" dirty="0" err="1" smtClean="0"/>
+              <a:t>composition</a:t>
+            </a:r>
+            <a:endParaRPr lang="nl-BE" dirty="0" smtClean="0"/>
+          </a:p>
+          <a:p>
+            <a:r>
+              <a:rPr lang="nl-BE" dirty="0" smtClean="0"/>
+              <a:t>Visual </a:t>
+            </a:r>
+            <a:r>
+              <a:rPr lang="nl-BE" dirty="0" err="1" smtClean="0"/>
+              <a:t>composition</a:t>
+            </a:r>
+            <a:endParaRPr lang="en-US" dirty="0"/>
+          </a:p>
+        </p:txBody>
+      </p:sp>
+    </p:spTree>
+    <p:extLst>
+      <p:ext uri="{BB962C8B-B14F-4D97-AF65-F5344CB8AC3E}">
+        <p14:creationId xmlns:p14="http://schemas.microsoft.com/office/powerpoint/2010/main" val="38311739"/>
+      </p:ext>
+    </p:extLst>
+  </p:cSld>
+  <p:clrMapOvr>
+    <a:masterClrMapping/>
+  </p:clrMapOvr>
+</p:sld>
+</file>
+
+<file path=ppt/slides/slide28.xml><?xml version="1.0" encoding="utf-8"?>
+<p:sld xmlns:a="http://schemas.openxmlformats.org/drawingml/2006/main" xmlns:r="http://schemas.openxmlformats.org/officeDocument/2006/relationships" xmlns:p="http://schemas.openxmlformats.org/presentationml/2006/main">
+  <p:cSld>
+    <p:spTree>
+      <p:nvGrpSpPr>
+        <p:cNvPr id="1" name=""/>
+        <p:cNvGrpSpPr/>
+        <p:nvPr/>
+      </p:nvGrpSpPr>
+      <p:grpSpPr>
+        <a:xfrm>
+          <a:off x="0" y="0"/>
+          <a:ext cx="0" cy="0"/>
+          <a:chOff x="0" y="0"/>
+          <a:chExt cx="0" cy="0"/>
+        </a:xfrm>
+      </p:grpSpPr>
+      <p:sp>
+        <p:nvSpPr>
+          <p:cNvPr id="2" name="Title 1"/>
+          <p:cNvSpPr>
+            <a:spLocks noGrp="1"/>
+          </p:cNvSpPr>
+          <p:nvPr>
+            <p:ph type="title"/>
+          </p:nvPr>
+        </p:nvSpPr>
+        <p:spPr/>
+        <p:txBody>
+          <a:bodyPr/>
+          <a:lstStyle/>
+          <a:p>
+            <a:r>
+              <a:rPr lang="nl-BE" dirty="0" err="1" smtClean="0"/>
+              <a:t>Durandal</a:t>
+            </a:r>
+            <a:r>
+              <a:rPr lang="nl-BE" dirty="0" smtClean="0"/>
+              <a:t>: </a:t>
+            </a:r>
+            <a:r>
+              <a:rPr lang="nl-BE" dirty="0" err="1" smtClean="0"/>
+              <a:t>visual</a:t>
+            </a:r>
+            <a:r>
+              <a:rPr lang="nl-BE" dirty="0" smtClean="0"/>
+              <a:t> </a:t>
+            </a:r>
+            <a:r>
+              <a:rPr lang="nl-BE" dirty="0" err="1" smtClean="0"/>
+              <a:t>composition</a:t>
+            </a:r>
+            <a:endParaRPr lang="en-US" dirty="0"/>
+          </a:p>
+        </p:txBody>
+      </p:sp>
+      <p:pic>
+        <p:nvPicPr>
+          <p:cNvPr id="10" name="Content Placeholder 9"/>
+          <p:cNvPicPr>
+            <a:picLocks noGrp="1" noChangeAspect="1"/>
+          </p:cNvPicPr>
+          <p:nvPr>
+            <p:ph idx="1"/>
+          </p:nvPr>
+        </p:nvPicPr>
+        <p:blipFill>
+          <a:blip r:embed="rId3"/>
+          <a:stretch>
+            <a:fillRect/>
+          </a:stretch>
+        </p:blipFill>
+        <p:spPr>
+          <a:xfrm>
+            <a:off x="847725" y="1690688"/>
+            <a:ext cx="10515600" cy="1458435"/>
+          </a:xfrm>
+          <a:prstGeom prst="rect">
+            <a:avLst/>
+          </a:prstGeom>
+        </p:spPr>
+      </p:pic>
+      <p:pic>
+        <p:nvPicPr>
+          <p:cNvPr id="9" name="Picture 8"/>
+          <p:cNvPicPr>
+            <a:picLocks noChangeAspect="1"/>
+          </p:cNvPicPr>
+          <p:nvPr/>
+        </p:nvPicPr>
+        <p:blipFill>
+          <a:blip r:embed="rId4"/>
+          <a:stretch>
+            <a:fillRect/>
+          </a:stretch>
+        </p:blipFill>
+        <p:spPr>
+          <a:xfrm>
+            <a:off x="847725" y="4001294"/>
+            <a:ext cx="10506075" cy="2028825"/>
+          </a:xfrm>
+          <a:prstGeom prst="rect">
+            <a:avLst/>
+          </a:prstGeom>
+        </p:spPr>
+      </p:pic>
+    </p:spTree>
+    <p:extLst>
+      <p:ext uri="{BB962C8B-B14F-4D97-AF65-F5344CB8AC3E}">
+        <p14:creationId xmlns:p14="http://schemas.microsoft.com/office/powerpoint/2010/main" val="3966193400"/>
+      </p:ext>
+    </p:extLst>
+  </p:cSld>
+  <p:clrMapOvr>
+    <a:masterClrMapping/>
+  </p:clrMapOvr>
+</p:sld>
+</file>
+
+<file path=ppt/slides/slide29.xml><?xml version="1.0" encoding="utf-8"?>
+<p:sld xmlns:a="http://schemas.openxmlformats.org/drawingml/2006/main" xmlns:r="http://schemas.openxmlformats.org/officeDocument/2006/relationships" xmlns:p="http://schemas.openxmlformats.org/presentationml/2006/main">
+  <p:cSld>
+    <p:spTree>
+      <p:nvGrpSpPr>
+        <p:cNvPr id="1" name=""/>
+        <p:cNvGrpSpPr/>
+        <p:nvPr/>
+      </p:nvGrpSpPr>
+      <p:grpSpPr>
+        <a:xfrm>
+          <a:off x="0" y="0"/>
+          <a:ext cx="0" cy="0"/>
+          <a:chOff x="0" y="0"/>
+          <a:chExt cx="0" cy="0"/>
+        </a:xfrm>
+      </p:grpSpPr>
+      <p:sp>
+        <p:nvSpPr>
+          <p:cNvPr id="2" name="Title 1"/>
+          <p:cNvSpPr>
+            <a:spLocks noGrp="1"/>
+          </p:cNvSpPr>
+          <p:nvPr>
+            <p:ph type="title"/>
+          </p:nvPr>
+        </p:nvSpPr>
+        <p:spPr/>
+        <p:txBody>
+          <a:bodyPr/>
+          <a:lstStyle/>
+          <a:p>
+            <a:r>
+              <a:rPr lang="nl-BE" dirty="0" err="1" smtClean="0"/>
+              <a:t>Durandal</a:t>
+            </a:r>
+            <a:r>
+              <a:rPr lang="nl-BE" dirty="0" smtClean="0"/>
+              <a:t>: </a:t>
+            </a:r>
+            <a:r>
+              <a:rPr lang="nl-BE" dirty="0" err="1" smtClean="0"/>
+              <a:t>composition</a:t>
+            </a:r>
             <a:r>
               <a:rPr lang="nl-BE" dirty="0" smtClean="0"/>
               <a:t> </a:t>
@@ -9856,7 +13684,97 @@
 </p:sld>
 </file>
 
-<file path=ppt/slides/slide28.xml><?xml version="1.0" encoding="utf-8"?>
+<file path=ppt/slides/slide3.xml><?xml version="1.0" encoding="utf-8"?>
+<p:sld xmlns:a="http://schemas.openxmlformats.org/drawingml/2006/main" xmlns:r="http://schemas.openxmlformats.org/officeDocument/2006/relationships" xmlns:p="http://schemas.openxmlformats.org/presentationml/2006/main">
+  <p:cSld>
+    <p:spTree>
+      <p:nvGrpSpPr>
+        <p:cNvPr id="1" name=""/>
+        <p:cNvGrpSpPr/>
+        <p:nvPr/>
+      </p:nvGrpSpPr>
+      <p:grpSpPr>
+        <a:xfrm>
+          <a:off x="0" y="0"/>
+          <a:ext cx="0" cy="0"/>
+          <a:chOff x="0" y="0"/>
+          <a:chExt cx="0" cy="0"/>
+        </a:xfrm>
+      </p:grpSpPr>
+      <p:sp>
+        <p:nvSpPr>
+          <p:cNvPr id="2" name="Title 1"/>
+          <p:cNvSpPr>
+            <a:spLocks noGrp="1"/>
+          </p:cNvSpPr>
+          <p:nvPr>
+            <p:ph type="title"/>
+          </p:nvPr>
+        </p:nvSpPr>
+        <p:spPr/>
+        <p:txBody>
+          <a:bodyPr/>
+          <a:lstStyle/>
+          <a:p>
+            <a:r>
+              <a:rPr lang="nl-BE" dirty="0" smtClean="0"/>
+              <a:t>Drie hoofdbrokken</a:t>
+            </a:r>
+            <a:endParaRPr lang="en-US" dirty="0"/>
+          </a:p>
+        </p:txBody>
+      </p:sp>
+      <p:sp>
+        <p:nvSpPr>
+          <p:cNvPr id="3" name="Content Placeholder 2"/>
+          <p:cNvSpPr>
+            <a:spLocks noGrp="1"/>
+          </p:cNvSpPr>
+          <p:nvPr>
+            <p:ph idx="1"/>
+          </p:nvPr>
+        </p:nvSpPr>
+        <p:spPr/>
+        <p:txBody>
+          <a:bodyPr/>
+          <a:lstStyle/>
+          <a:p>
+            <a:r>
+              <a:rPr lang="nl-BE" dirty="0" err="1" smtClean="0"/>
+              <a:t>jQuery</a:t>
+            </a:r>
+            <a:endParaRPr lang="nl-BE" dirty="0" smtClean="0"/>
+          </a:p>
+          <a:p>
+            <a:r>
+              <a:rPr lang="nl-BE" dirty="0" err="1" smtClean="0"/>
+              <a:t>RequireJS</a:t>
+            </a:r>
+            <a:endParaRPr lang="nl-BE" dirty="0" smtClean="0"/>
+          </a:p>
+          <a:p>
+            <a:r>
+              <a:rPr lang="nl-BE" dirty="0" err="1" smtClean="0"/>
+              <a:t>Knockout</a:t>
+            </a:r>
+            <a:endParaRPr lang="en-US" dirty="0"/>
+          </a:p>
+        </p:txBody>
+      </p:sp>
+    </p:spTree>
+    <p:extLst>
+      <p:ext uri="{BB962C8B-B14F-4D97-AF65-F5344CB8AC3E}">
+        <p14:creationId xmlns:p14="http://schemas.microsoft.com/office/powerpoint/2010/main" val="985917149"/>
+      </p:ext>
+    </p:extLst>
+  </p:cSld>
+  <p:clrMapOvr>
+    <a:masterClrMapping/>
+  </p:clrMapOvr>
+</p:sld>
+</file>
+
+<file path=ppt/slides/slide30.xml><?xml version="1.0" encoding="utf-8"?>
 <p:sld xmlns:a="http://schemas.openxmlformats.org/drawingml/2006/main" xmlns:r="http://schemas.openxmlformats.org/officeDocument/2006/relationships" xmlns:p="http://schemas.openxmlformats.org/presentationml/2006/main">
   <p:cSld>
     <p:spTree>
@@ -10028,7 +13946,7 @@
 </p:sld>
 </file>
 
-<file path=ppt/slides/slide29.xml><?xml version="1.0" encoding="utf-8"?>
+<file path=ppt/slides/slide31.xml><?xml version="1.0" encoding="utf-8"?>
 <p:sld xmlns:a="http://schemas.openxmlformats.org/drawingml/2006/main" xmlns:r="http://schemas.openxmlformats.org/officeDocument/2006/relationships" xmlns:p="http://schemas.openxmlformats.org/presentationml/2006/main">
   <p:cSld>
     <p:spTree>
@@ -10120,97 +14038,7 @@
 </p:sld>
 </file>
 
-<file path=ppt/slides/slide3.xml><?xml version="1.0" encoding="utf-8"?>
-<p:sld xmlns:a="http://schemas.openxmlformats.org/drawingml/2006/main" xmlns:r="http://schemas.openxmlformats.org/officeDocument/2006/relationships" xmlns:p="http://schemas.openxmlformats.org/presentationml/2006/main">
-  <p:cSld>
-    <p:spTree>
-      <p:nvGrpSpPr>
-        <p:cNvPr id="1" name=""/>
-        <p:cNvGrpSpPr/>
-        <p:nvPr/>
-      </p:nvGrpSpPr>
-      <p:grpSpPr>
-        <a:xfrm>
-          <a:off x="0" y="0"/>
-          <a:ext cx="0" cy="0"/>
-          <a:chOff x="0" y="0"/>
-          <a:chExt cx="0" cy="0"/>
-        </a:xfrm>
-      </p:grpSpPr>
-      <p:sp>
-        <p:nvSpPr>
-          <p:cNvPr id="2" name="Title 1"/>
-          <p:cNvSpPr>
-            <a:spLocks noGrp="1"/>
-          </p:cNvSpPr>
-          <p:nvPr>
-            <p:ph type="title"/>
-          </p:nvPr>
-        </p:nvSpPr>
-        <p:spPr/>
-        <p:txBody>
-          <a:bodyPr/>
-          <a:lstStyle/>
-          <a:p>
-            <a:r>
-              <a:rPr lang="nl-BE" dirty="0" smtClean="0"/>
-              <a:t>Drie hoofdbrokken</a:t>
-            </a:r>
-            <a:endParaRPr lang="en-US" dirty="0"/>
-          </a:p>
-        </p:txBody>
-      </p:sp>
-      <p:sp>
-        <p:nvSpPr>
-          <p:cNvPr id="3" name="Content Placeholder 2"/>
-          <p:cNvSpPr>
-            <a:spLocks noGrp="1"/>
-          </p:cNvSpPr>
-          <p:nvPr>
-            <p:ph idx="1"/>
-          </p:nvPr>
-        </p:nvSpPr>
-        <p:spPr/>
-        <p:txBody>
-          <a:bodyPr/>
-          <a:lstStyle/>
-          <a:p>
-            <a:r>
-              <a:rPr lang="nl-BE" dirty="0" err="1" smtClean="0"/>
-              <a:t>jQuery</a:t>
-            </a:r>
-            <a:endParaRPr lang="nl-BE" dirty="0" smtClean="0"/>
-          </a:p>
-          <a:p>
-            <a:r>
-              <a:rPr lang="nl-BE" dirty="0" err="1" smtClean="0"/>
-              <a:t>RequireJS</a:t>
-            </a:r>
-            <a:endParaRPr lang="nl-BE" dirty="0" smtClean="0"/>
-          </a:p>
-          <a:p>
-            <a:r>
-              <a:rPr lang="nl-BE" dirty="0" err="1" smtClean="0"/>
-              <a:t>Knockout</a:t>
-            </a:r>
-            <a:endParaRPr lang="en-US" dirty="0"/>
-          </a:p>
-        </p:txBody>
-      </p:sp>
-    </p:spTree>
-    <p:extLst>
-      <p:ext uri="{BB962C8B-B14F-4D97-AF65-F5344CB8AC3E}">
-        <p14:creationId xmlns:p14="http://schemas.microsoft.com/office/powerpoint/2010/main" val="985917149"/>
-      </p:ext>
-    </p:extLst>
-  </p:cSld>
-  <p:clrMapOvr>
-    <a:masterClrMapping/>
-  </p:clrMapOvr>
-</p:sld>
-</file>
-
-<file path=ppt/slides/slide30.xml><?xml version="1.0" encoding="utf-8"?>
+<file path=ppt/slides/slide32.xml><?xml version="1.0" encoding="utf-8"?>
 <p:sld xmlns:a="http://schemas.openxmlformats.org/drawingml/2006/main" xmlns:r="http://schemas.openxmlformats.org/officeDocument/2006/relationships" xmlns:p="http://schemas.openxmlformats.org/presentationml/2006/main">
   <p:cSld>
     <p:spTree>
@@ -10301,7 +14129,7 @@
 </p:sld>
 </file>
 
-<file path=ppt/slides/slide31.xml><?xml version="1.0" encoding="utf-8"?>
+<file path=ppt/slides/slide33.xml><?xml version="1.0" encoding="utf-8"?>
 <p:sld xmlns:a="http://schemas.openxmlformats.org/drawingml/2006/main" xmlns:r="http://schemas.openxmlformats.org/officeDocument/2006/relationships" xmlns:p="http://schemas.openxmlformats.org/presentationml/2006/main">
   <p:cSld>
     <p:spTree>
@@ -10392,7 +14220,7 @@
 </p:sld>
 </file>
 
-<file path=ppt/slides/slide32.xml><?xml version="1.0" encoding="utf-8"?>
+<file path=ppt/slides/slide34.xml><?xml version="1.0" encoding="utf-8"?>
 <p:sld xmlns:a="http://schemas.openxmlformats.org/drawingml/2006/main" xmlns:r="http://schemas.openxmlformats.org/officeDocument/2006/relationships" xmlns:p="http://schemas.openxmlformats.org/presentationml/2006/main">
   <p:cSld>
     <p:spTree>
@@ -10483,241 +14311,6 @@
 </p:sld>
 </file>
 
-<file path=ppt/slides/slide33.xml><?xml version="1.0" encoding="utf-8"?>
-<p:sld xmlns:a="http://schemas.openxmlformats.org/drawingml/2006/main" xmlns:r="http://schemas.openxmlformats.org/officeDocument/2006/relationships" xmlns:p="http://schemas.openxmlformats.org/presentationml/2006/main">
-  <p:cSld>
-    <p:spTree>
-      <p:nvGrpSpPr>
-        <p:cNvPr id="1" name=""/>
-        <p:cNvGrpSpPr/>
-        <p:nvPr/>
-      </p:nvGrpSpPr>
-      <p:grpSpPr>
-        <a:xfrm>
-          <a:off x="0" y="0"/>
-          <a:ext cx="0" cy="0"/>
-          <a:chOff x="0" y="0"/>
-          <a:chExt cx="0" cy="0"/>
-        </a:xfrm>
-      </p:grpSpPr>
-      <p:sp>
-        <p:nvSpPr>
-          <p:cNvPr id="2" name="Title 1"/>
-          <p:cNvSpPr>
-            <a:spLocks noGrp="1"/>
-          </p:cNvSpPr>
-          <p:nvPr>
-            <p:ph type="title"/>
-          </p:nvPr>
-        </p:nvSpPr>
-        <p:spPr/>
-        <p:txBody>
-          <a:bodyPr/>
-          <a:lstStyle/>
-          <a:p>
-            <a:r>
-              <a:rPr lang="nl-BE" dirty="0" err="1" smtClean="0"/>
-              <a:t>Durandal</a:t>
-            </a:r>
-            <a:r>
-              <a:rPr lang="nl-BE" dirty="0" smtClean="0"/>
-              <a:t>: </a:t>
-            </a:r>
-            <a:r>
-              <a:rPr lang="nl-BE" dirty="0" err="1" smtClean="0"/>
-              <a:t>plugins</a:t>
-            </a:r>
-            <a:endParaRPr lang="en-US" dirty="0"/>
-          </a:p>
-        </p:txBody>
-      </p:sp>
-      <p:sp>
-        <p:nvSpPr>
-          <p:cNvPr id="3" name="Content Placeholder 2"/>
-          <p:cNvSpPr>
-            <a:spLocks noGrp="1"/>
-          </p:cNvSpPr>
-          <p:nvPr>
-            <p:ph idx="1"/>
-          </p:nvPr>
-        </p:nvSpPr>
-        <p:spPr/>
-        <p:txBody>
-          <a:bodyPr/>
-          <a:lstStyle/>
-          <a:p>
-            <a:r>
-              <a:rPr lang="nl-BE" dirty="0" smtClean="0"/>
-              <a:t>http en </a:t>
-            </a:r>
-            <a:r>
-              <a:rPr lang="nl-BE" dirty="0" err="1" smtClean="0"/>
-              <a:t>serializer</a:t>
-            </a:r>
-            <a:r>
-              <a:rPr lang="nl-BE" dirty="0" smtClean="0"/>
-              <a:t> </a:t>
-            </a:r>
-          </a:p>
-          <a:p>
-            <a:r>
-              <a:rPr lang="nl-BE" dirty="0" err="1" smtClean="0"/>
-              <a:t>observable</a:t>
-            </a:r>
-            <a:endParaRPr lang="nl-BE" dirty="0" smtClean="0"/>
-          </a:p>
-          <a:p>
-            <a:r>
-              <a:rPr lang="nl-BE" dirty="0" smtClean="0"/>
-              <a:t>…</a:t>
-            </a:r>
-            <a:endParaRPr lang="en-US" dirty="0"/>
-          </a:p>
-        </p:txBody>
-      </p:sp>
-    </p:spTree>
-    <p:extLst>
-      <p:ext uri="{BB962C8B-B14F-4D97-AF65-F5344CB8AC3E}">
-        <p14:creationId xmlns:p14="http://schemas.microsoft.com/office/powerpoint/2010/main" val="3074774415"/>
-      </p:ext>
-    </p:extLst>
-  </p:cSld>
-  <p:clrMapOvr>
-    <a:masterClrMapping/>
-  </p:clrMapOvr>
-</p:sld>
-</file>
-
-<file path=ppt/slides/slide34.xml><?xml version="1.0" encoding="utf-8"?>
-<p:sld xmlns:a="http://schemas.openxmlformats.org/drawingml/2006/main" xmlns:r="http://schemas.openxmlformats.org/officeDocument/2006/relationships" xmlns:p="http://schemas.openxmlformats.org/presentationml/2006/main">
-  <p:cSld>
-    <p:spTree>
-      <p:nvGrpSpPr>
-        <p:cNvPr id="1" name=""/>
-        <p:cNvGrpSpPr/>
-        <p:nvPr/>
-      </p:nvGrpSpPr>
-      <p:grpSpPr>
-        <a:xfrm>
-          <a:off x="0" y="0"/>
-          <a:ext cx="0" cy="0"/>
-          <a:chOff x="0" y="0"/>
-          <a:chExt cx="0" cy="0"/>
-        </a:xfrm>
-      </p:grpSpPr>
-      <p:sp>
-        <p:nvSpPr>
-          <p:cNvPr id="2" name="Title 1"/>
-          <p:cNvSpPr>
-            <a:spLocks noGrp="1"/>
-          </p:cNvSpPr>
-          <p:nvPr>
-            <p:ph type="title"/>
-          </p:nvPr>
-        </p:nvSpPr>
-        <p:spPr/>
-        <p:txBody>
-          <a:bodyPr/>
-          <a:lstStyle/>
-          <a:p>
-            <a:r>
-              <a:rPr lang="nl-BE" dirty="0" err="1" smtClean="0"/>
-              <a:t>Durandal</a:t>
-            </a:r>
-            <a:r>
-              <a:rPr lang="nl-BE" dirty="0" smtClean="0"/>
-              <a:t>: main.js</a:t>
-            </a:r>
-            <a:endParaRPr lang="en-US" dirty="0"/>
-          </a:p>
-        </p:txBody>
-      </p:sp>
-      <p:sp>
-        <p:nvSpPr>
-          <p:cNvPr id="3" name="Content Placeholder 2"/>
-          <p:cNvSpPr>
-            <a:spLocks noGrp="1"/>
-          </p:cNvSpPr>
-          <p:nvPr>
-            <p:ph idx="1"/>
-          </p:nvPr>
-        </p:nvSpPr>
-        <p:spPr/>
-        <p:txBody>
-          <a:bodyPr/>
-          <a:lstStyle/>
-          <a:p>
-            <a:r>
-              <a:rPr lang="nl-BE" dirty="0" smtClean="0"/>
-              <a:t>Configuratie van </a:t>
-            </a:r>
-            <a:r>
-              <a:rPr lang="nl-BE" dirty="0" err="1" smtClean="0"/>
-              <a:t>RequireJS</a:t>
-            </a:r>
-            <a:r>
-              <a:rPr lang="nl-BE" dirty="0" smtClean="0"/>
-              <a:t> en </a:t>
-            </a:r>
-            <a:r>
-              <a:rPr lang="nl-BE" dirty="0" err="1" smtClean="0"/>
-              <a:t>Durandal</a:t>
-            </a:r>
-            <a:endParaRPr lang="nl-BE" dirty="0" smtClean="0"/>
-          </a:p>
-          <a:p>
-            <a:r>
-              <a:rPr lang="nl-BE" dirty="0" smtClean="0"/>
-              <a:t>Andere </a:t>
-            </a:r>
-            <a:r>
-              <a:rPr lang="nl-BE" dirty="0" err="1" smtClean="0"/>
-              <a:t>libraries</a:t>
-            </a:r>
-            <a:r>
-              <a:rPr lang="nl-BE" dirty="0" smtClean="0"/>
-              <a:t>:</a:t>
-            </a:r>
-          </a:p>
-          <a:p>
-            <a:pPr lvl="1"/>
-            <a:r>
-              <a:rPr lang="nl-BE" dirty="0" smtClean="0"/>
-              <a:t>Vóór </a:t>
-            </a:r>
-            <a:r>
-              <a:rPr lang="nl-BE" dirty="0" err="1" smtClean="0"/>
-              <a:t>RequireJS</a:t>
-            </a:r>
-            <a:endParaRPr lang="nl-BE" dirty="0" smtClean="0"/>
-          </a:p>
-          <a:p>
-            <a:pPr lvl="1"/>
-            <a:r>
-              <a:rPr lang="nl-BE" dirty="0" smtClean="0"/>
-              <a:t>Via </a:t>
-            </a:r>
-            <a:r>
-              <a:rPr lang="nl-BE" dirty="0" err="1" smtClean="0"/>
-              <a:t>RequireJS</a:t>
-            </a:r>
-            <a:endParaRPr lang="en-US" dirty="0"/>
-          </a:p>
-        </p:txBody>
-      </p:sp>
-    </p:spTree>
-    <p:extLst>
-      <p:ext uri="{BB962C8B-B14F-4D97-AF65-F5344CB8AC3E}">
-        <p14:creationId xmlns:p14="http://schemas.microsoft.com/office/powerpoint/2010/main" val="3983435886"/>
-      </p:ext>
-    </p:extLst>
-  </p:cSld>
-  <p:clrMapOvr>
-    <a:masterClrMapping/>
-  </p:clrMapOvr>
-</p:sld>
-</file>
-
 <file path=ppt/slides/slide35.xml><?xml version="1.0" encoding="utf-8"?>
 <p:sld xmlns:a="http://schemas.openxmlformats.org/drawingml/2006/main" xmlns:r="http://schemas.openxmlformats.org/officeDocument/2006/relationships" xmlns:p="http://schemas.openxmlformats.org/presentationml/2006/main">
   <p:cSld>
@@ -10756,7 +14349,11 @@
             </a:r>
             <a:r>
               <a:rPr lang="nl-BE" dirty="0" smtClean="0"/>
-              <a:t> en ASP.NET MVC</a:t>
+              <a:t>: </a:t>
+            </a:r>
+            <a:r>
+              <a:rPr lang="nl-BE" dirty="0" err="1" smtClean="0"/>
+              <a:t>plugins</a:t>
             </a:r>
             <a:endParaRPr lang="en-US" dirty="0"/>
           </a:p>
@@ -10778,12 +14375,29 @@
           <a:lstStyle/>
           <a:p>
             <a:r>
-              <a:rPr lang="nl-BE" dirty="0" err="1" smtClean="0"/>
-              <a:t>HotTowel</a:t>
-            </a:r>
-            <a:r>
-              <a:rPr lang="nl-BE" dirty="0" smtClean="0"/>
-              <a:t> template</a:t>
+              <a:rPr lang="nl-BE" dirty="0" smtClean="0"/>
+              <a:t>http en </a:t>
+            </a:r>
+            <a:r>
+              <a:rPr lang="nl-BE" dirty="0" err="1" smtClean="0"/>
+              <a:t>serializer</a:t>
+            </a:r>
+            <a:r>
+              <a:rPr lang="nl-BE" dirty="0" smtClean="0"/>
+              <a:t> </a:t>
+            </a:r>
+          </a:p>
+          <a:p>
+            <a:r>
+              <a:rPr lang="nl-BE" dirty="0" err="1" smtClean="0"/>
+              <a:t>observable</a:t>
+            </a:r>
+            <a:endParaRPr lang="nl-BE" dirty="0" smtClean="0"/>
+          </a:p>
+          <a:p>
+            <a:r>
+              <a:rPr lang="nl-BE" dirty="0" smtClean="0"/>
+              <a:t>…</a:t>
             </a:r>
             <a:endParaRPr lang="en-US" dirty="0"/>
           </a:p>
@@ -10792,7 +14406,7 @@
     </p:spTree>
     <p:extLst>
       <p:ext uri="{BB962C8B-B14F-4D97-AF65-F5344CB8AC3E}">
-        <p14:creationId xmlns:p14="http://schemas.microsoft.com/office/powerpoint/2010/main" val="3353343187"/>
+        <p14:creationId xmlns:p14="http://schemas.microsoft.com/office/powerpoint/2010/main" val="3074774415"/>
       </p:ext>
     </p:extLst>
   </p:cSld>
@@ -10840,6 +14454,220 @@
             </a:r>
             <a:r>
               <a:rPr lang="nl-BE" dirty="0" smtClean="0"/>
+              <a:t>: main.js</a:t>
+            </a:r>
+            <a:endParaRPr lang="en-US" dirty="0"/>
+          </a:p>
+        </p:txBody>
+      </p:sp>
+      <p:sp>
+        <p:nvSpPr>
+          <p:cNvPr id="3" name="Content Placeholder 2"/>
+          <p:cNvSpPr>
+            <a:spLocks noGrp="1"/>
+          </p:cNvSpPr>
+          <p:nvPr>
+            <p:ph idx="1"/>
+          </p:nvPr>
+        </p:nvSpPr>
+        <p:spPr/>
+        <p:txBody>
+          <a:bodyPr/>
+          <a:lstStyle/>
+          <a:p>
+            <a:r>
+              <a:rPr lang="nl-BE" dirty="0" smtClean="0"/>
+              <a:t>Configuratie van </a:t>
+            </a:r>
+            <a:r>
+              <a:rPr lang="nl-BE" dirty="0" err="1" smtClean="0"/>
+              <a:t>RequireJS</a:t>
+            </a:r>
+            <a:r>
+              <a:rPr lang="nl-BE" dirty="0" smtClean="0"/>
+              <a:t> en </a:t>
+            </a:r>
+            <a:r>
+              <a:rPr lang="nl-BE" dirty="0" err="1" smtClean="0"/>
+              <a:t>Durandal</a:t>
+            </a:r>
+            <a:endParaRPr lang="nl-BE" dirty="0" smtClean="0"/>
+          </a:p>
+          <a:p>
+            <a:r>
+              <a:rPr lang="nl-BE" dirty="0" smtClean="0"/>
+              <a:t>Andere </a:t>
+            </a:r>
+            <a:r>
+              <a:rPr lang="nl-BE" dirty="0" err="1" smtClean="0"/>
+              <a:t>libraries</a:t>
+            </a:r>
+            <a:r>
+              <a:rPr lang="nl-BE" dirty="0" smtClean="0"/>
+              <a:t>:</a:t>
+            </a:r>
+          </a:p>
+          <a:p>
+            <a:pPr lvl="1"/>
+            <a:r>
+              <a:rPr lang="nl-BE" dirty="0" smtClean="0"/>
+              <a:t>Vóór </a:t>
+            </a:r>
+            <a:r>
+              <a:rPr lang="nl-BE" dirty="0" err="1" smtClean="0"/>
+              <a:t>RequireJS</a:t>
+            </a:r>
+            <a:endParaRPr lang="nl-BE" dirty="0" smtClean="0"/>
+          </a:p>
+          <a:p>
+            <a:pPr lvl="1"/>
+            <a:r>
+              <a:rPr lang="nl-BE" dirty="0" smtClean="0"/>
+              <a:t>Via </a:t>
+            </a:r>
+            <a:r>
+              <a:rPr lang="nl-BE" dirty="0" err="1" smtClean="0"/>
+              <a:t>RequireJS</a:t>
+            </a:r>
+            <a:endParaRPr lang="en-US" dirty="0"/>
+          </a:p>
+        </p:txBody>
+      </p:sp>
+    </p:spTree>
+    <p:extLst>
+      <p:ext uri="{BB962C8B-B14F-4D97-AF65-F5344CB8AC3E}">
+        <p14:creationId xmlns:p14="http://schemas.microsoft.com/office/powerpoint/2010/main" val="3983435886"/>
+      </p:ext>
+    </p:extLst>
+  </p:cSld>
+  <p:clrMapOvr>
+    <a:masterClrMapping/>
+  </p:clrMapOvr>
+</p:sld>
+</file>
+
+<file path=ppt/slides/slide37.xml><?xml version="1.0" encoding="utf-8"?>
+<p:sld xmlns:a="http://schemas.openxmlformats.org/drawingml/2006/main" xmlns:r="http://schemas.openxmlformats.org/officeDocument/2006/relationships" xmlns:p="http://schemas.openxmlformats.org/presentationml/2006/main">
+  <p:cSld>
+    <p:spTree>
+      <p:nvGrpSpPr>
+        <p:cNvPr id="1" name=""/>
+        <p:cNvGrpSpPr/>
+        <p:nvPr/>
+      </p:nvGrpSpPr>
+      <p:grpSpPr>
+        <a:xfrm>
+          <a:off x="0" y="0"/>
+          <a:ext cx="0" cy="0"/>
+          <a:chOff x="0" y="0"/>
+          <a:chExt cx="0" cy="0"/>
+        </a:xfrm>
+      </p:grpSpPr>
+      <p:sp>
+        <p:nvSpPr>
+          <p:cNvPr id="2" name="Title 1"/>
+          <p:cNvSpPr>
+            <a:spLocks noGrp="1"/>
+          </p:cNvSpPr>
+          <p:nvPr>
+            <p:ph type="title"/>
+          </p:nvPr>
+        </p:nvSpPr>
+        <p:spPr/>
+        <p:txBody>
+          <a:bodyPr/>
+          <a:lstStyle/>
+          <a:p>
+            <a:r>
+              <a:rPr lang="nl-BE" dirty="0" err="1" smtClean="0"/>
+              <a:t>Durandal</a:t>
+            </a:r>
+            <a:r>
+              <a:rPr lang="nl-BE" dirty="0" smtClean="0"/>
+              <a:t> en ASP.NET MVC</a:t>
+            </a:r>
+            <a:endParaRPr lang="en-US" dirty="0"/>
+          </a:p>
+        </p:txBody>
+      </p:sp>
+      <p:sp>
+        <p:nvSpPr>
+          <p:cNvPr id="3" name="Content Placeholder 2"/>
+          <p:cNvSpPr>
+            <a:spLocks noGrp="1"/>
+          </p:cNvSpPr>
+          <p:nvPr>
+            <p:ph idx="1"/>
+          </p:nvPr>
+        </p:nvSpPr>
+        <p:spPr/>
+        <p:txBody>
+          <a:bodyPr/>
+          <a:lstStyle/>
+          <a:p>
+            <a:r>
+              <a:rPr lang="nl-BE" dirty="0" err="1" smtClean="0"/>
+              <a:t>HotTowel</a:t>
+            </a:r>
+            <a:r>
+              <a:rPr lang="nl-BE" dirty="0" smtClean="0"/>
+              <a:t> template</a:t>
+            </a:r>
+            <a:endParaRPr lang="en-US" dirty="0"/>
+          </a:p>
+        </p:txBody>
+      </p:sp>
+    </p:spTree>
+    <p:extLst>
+      <p:ext uri="{BB962C8B-B14F-4D97-AF65-F5344CB8AC3E}">
+        <p14:creationId xmlns:p14="http://schemas.microsoft.com/office/powerpoint/2010/main" val="3353343187"/>
+      </p:ext>
+    </p:extLst>
+  </p:cSld>
+  <p:clrMapOvr>
+    <a:masterClrMapping/>
+  </p:clrMapOvr>
+</p:sld>
+</file>
+
+<file path=ppt/slides/slide38.xml><?xml version="1.0" encoding="utf-8"?>
+<p:sld xmlns:a="http://schemas.openxmlformats.org/drawingml/2006/main" xmlns:r="http://schemas.openxmlformats.org/officeDocument/2006/relationships" xmlns:p="http://schemas.openxmlformats.org/presentationml/2006/main">
+  <p:cSld>
+    <p:spTree>
+      <p:nvGrpSpPr>
+        <p:cNvPr id="1" name=""/>
+        <p:cNvGrpSpPr/>
+        <p:nvPr/>
+      </p:nvGrpSpPr>
+      <p:grpSpPr>
+        <a:xfrm>
+          <a:off x="0" y="0"/>
+          <a:ext cx="0" cy="0"/>
+          <a:chOff x="0" y="0"/>
+          <a:chExt cx="0" cy="0"/>
+        </a:xfrm>
+      </p:grpSpPr>
+      <p:sp>
+        <p:nvSpPr>
+          <p:cNvPr id="2" name="Title 1"/>
+          <p:cNvSpPr>
+            <a:spLocks noGrp="1"/>
+          </p:cNvSpPr>
+          <p:nvPr>
+            <p:ph type="title"/>
+          </p:nvPr>
+        </p:nvSpPr>
+        <p:spPr/>
+        <p:txBody>
+          <a:bodyPr/>
+          <a:lstStyle/>
+          <a:p>
+            <a:r>
+              <a:rPr lang="nl-BE" dirty="0" err="1" smtClean="0"/>
+              <a:t>Durandal</a:t>
+            </a:r>
+            <a:r>
+              <a:rPr lang="nl-BE" dirty="0" smtClean="0"/>
               <a:t>: nog veel meer</a:t>
             </a:r>
             <a:endParaRPr lang="en-US" dirty="0"/>
@@ -11079,7 +14907,7 @@
 </p:sld>
 </file>
 
-<file path=ppt/slides/slide37.xml><?xml version="1.0" encoding="utf-8"?>
+<file path=ppt/slides/slide39.xml><?xml version="1.0" encoding="utf-8"?>
 <p:sld xmlns:a="http://schemas.openxmlformats.org/drawingml/2006/main" xmlns:r="http://schemas.openxmlformats.org/officeDocument/2006/relationships" xmlns:p="http://schemas.openxmlformats.org/presentationml/2006/main">
   <p:cSld>
     <p:spTree>
@@ -11235,20 +15063,20 @@
       </p:sp>
       <p:sp>
         <p:nvSpPr>
-          <p:cNvPr id="3" name="Content Placeholder 2"/>
-          <p:cNvSpPr>
-            <a:spLocks noGrp="1"/>
-          </p:cNvSpPr>
-          <p:nvPr>
-            <p:ph idx="1"/>
-          </p:nvPr>
-        </p:nvSpPr>
-        <p:spPr/>
-        <p:txBody>
-          <a:bodyPr/>
-          <a:lstStyle/>
-          <a:p>
-            <a:endParaRPr lang="en-US" dirty="0"/>
+          <p:cNvPr id="5" name="Text Placeholder 4"/>
+          <p:cNvSpPr>
+            <a:spLocks noGrp="1"/>
+          </p:cNvSpPr>
+          <p:nvPr>
+            <p:ph type="body" idx="1"/>
+          </p:nvPr>
+        </p:nvSpPr>
+        <p:spPr/>
+        <p:txBody>
+          <a:bodyPr/>
+          <a:lstStyle/>
+          <a:p>
+            <a:endParaRPr lang="en-US"/>
           </a:p>
         </p:txBody>
       </p:sp>
@@ -11256,6 +15084,157 @@
     <p:extLst>
       <p:ext uri="{BB962C8B-B14F-4D97-AF65-F5344CB8AC3E}">
         <p14:creationId xmlns:p14="http://schemas.microsoft.com/office/powerpoint/2010/main" val="3460142179"/>
+      </p:ext>
+    </p:extLst>
+  </p:cSld>
+  <p:clrMapOvr>
+    <a:masterClrMapping/>
+  </p:clrMapOvr>
+</p:sld>
+</file>
+
+<file path=ppt/slides/slide40.xml><?xml version="1.0" encoding="utf-8"?>
+<p:sld xmlns:a="http://schemas.openxmlformats.org/drawingml/2006/main" xmlns:r="http://schemas.openxmlformats.org/officeDocument/2006/relationships" xmlns:p="http://schemas.openxmlformats.org/presentationml/2006/main">
+  <p:cSld>
+    <p:spTree>
+      <p:nvGrpSpPr>
+        <p:cNvPr id="1" name=""/>
+        <p:cNvGrpSpPr/>
+        <p:nvPr/>
+      </p:nvGrpSpPr>
+      <p:grpSpPr>
+        <a:xfrm>
+          <a:off x="0" y="0"/>
+          <a:ext cx="0" cy="0"/>
+          <a:chOff x="0" y="0"/>
+          <a:chExt cx="0" cy="0"/>
+        </a:xfrm>
+      </p:grpSpPr>
+      <p:sp>
+        <p:nvSpPr>
+          <p:cNvPr id="4" name="Title 3"/>
+          <p:cNvSpPr>
+            <a:spLocks noGrp="1"/>
+          </p:cNvSpPr>
+          <p:nvPr>
+            <p:ph type="ctrTitle"/>
+          </p:nvPr>
+        </p:nvSpPr>
+        <p:spPr/>
+        <p:txBody>
+          <a:bodyPr/>
+          <a:lstStyle/>
+          <a:p>
+            <a:r>
+              <a:rPr lang="nl-BE" dirty="0" smtClean="0"/>
+              <a:t>Einde</a:t>
+            </a:r>
+            <a:endParaRPr lang="en-US" dirty="0"/>
+          </a:p>
+        </p:txBody>
+      </p:sp>
+      <p:sp>
+        <p:nvSpPr>
+          <p:cNvPr id="6" name="Subtitle 5"/>
+          <p:cNvSpPr>
+            <a:spLocks noGrp="1"/>
+          </p:cNvSpPr>
+          <p:nvPr>
+            <p:ph type="subTitle" idx="1"/>
+          </p:nvPr>
+        </p:nvSpPr>
+        <p:spPr/>
+        <p:txBody>
+          <a:bodyPr/>
+          <a:lstStyle/>
+          <a:p>
+            <a:endParaRPr lang="en-US"/>
+          </a:p>
+        </p:txBody>
+      </p:sp>
+      <p:sp>
+        <p:nvSpPr>
+          <p:cNvPr id="7" name="Cloud Callout 6"/>
+          <p:cNvSpPr/>
+          <p:nvPr/>
+        </p:nvSpPr>
+        <p:spPr>
+          <a:xfrm>
+            <a:off x="6896746" y="2030278"/>
+            <a:ext cx="2526223" cy="1425844"/>
+          </a:xfrm>
+          <a:prstGeom prst="cloudCallout">
+            <a:avLst>
+              <a:gd name="adj1" fmla="val 54627"/>
+              <a:gd name="adj2" fmla="val 59239"/>
+            </a:avLst>
+          </a:prstGeom>
+        </p:spPr>
+        <p:style>
+          <a:lnRef idx="2">
+            <a:schemeClr val="accent1">
+              <a:shade val="50000"/>
+            </a:schemeClr>
+          </a:lnRef>
+          <a:fillRef idx="1">
+            <a:schemeClr val="accent1"/>
+          </a:fillRef>
+          <a:effectRef idx="0">
+            <a:schemeClr val="accent1"/>
+          </a:effectRef>
+          <a:fontRef idx="minor">
+            <a:schemeClr val="lt1"/>
+          </a:fontRef>
+        </p:style>
+        <p:txBody>
+          <a:bodyPr rtlCol="0" anchor="ctr"/>
+          <a:lstStyle/>
+          <a:p>
+            <a:pPr algn="ctr"/>
+            <a:r>
+              <a:rPr lang="nl-BE" dirty="0" err="1" smtClean="0"/>
+              <a:t>Hmm</a:t>
+            </a:r>
+            <a:r>
+              <a:rPr lang="nl-BE" dirty="0" smtClean="0"/>
+              <a:t>, javascript </a:t>
+            </a:r>
+            <a:r>
+              <a:rPr lang="nl-BE" dirty="0" err="1" smtClean="0"/>
+              <a:t>ain’t</a:t>
+            </a:r>
+            <a:r>
+              <a:rPr lang="nl-BE" dirty="0" smtClean="0"/>
+              <a:t> </a:t>
+            </a:r>
+            <a:r>
+              <a:rPr lang="nl-BE" dirty="0" err="1" smtClean="0"/>
+              <a:t>so</a:t>
+            </a:r>
+            <a:r>
+              <a:rPr lang="nl-BE" dirty="0" smtClean="0"/>
+              <a:t> bad </a:t>
+            </a:r>
+            <a:r>
+              <a:rPr lang="nl-BE" dirty="0" err="1" smtClean="0"/>
+              <a:t>after</a:t>
+            </a:r>
+            <a:r>
+              <a:rPr lang="nl-BE" dirty="0" smtClean="0"/>
+              <a:t> </a:t>
+            </a:r>
+            <a:r>
+              <a:rPr lang="nl-BE" dirty="0" err="1" smtClean="0"/>
+              <a:t>all</a:t>
+            </a:r>
+            <a:endParaRPr lang="en-US" dirty="0"/>
+          </a:p>
+        </p:txBody>
+      </p:sp>
+    </p:spTree>
+    <p:extLst>
+      <p:ext uri="{BB962C8B-B14F-4D97-AF65-F5344CB8AC3E}">
+        <p14:creationId xmlns:p14="http://schemas.microsoft.com/office/powerpoint/2010/main" val="3329833598"/>
       </p:ext>
     </p:extLst>
   </p:cSld>
@@ -11307,12 +15286,12 @@
       </p:sp>
       <p:sp>
         <p:nvSpPr>
-          <p:cNvPr id="3" name="Content Placeholder 2"/>
-          <p:cNvSpPr>
-            <a:spLocks noGrp="1"/>
-          </p:cNvSpPr>
-          <p:nvPr>
-            <p:ph idx="1"/>
+          <p:cNvPr id="5" name="Text Placeholder 4"/>
+          <p:cNvSpPr>
+            <a:spLocks noGrp="1"/>
+          </p:cNvSpPr>
+          <p:nvPr>
+            <p:ph type="body" idx="1"/>
           </p:nvPr>
         </p:nvSpPr>
         <p:spPr/>
@@ -11806,9 +15785,9 @@
 </file>
 
 <file path=ppt/theme/theme1.xml><?xml version="1.0" encoding="utf-8"?>
-<a:theme xmlns:a="http://schemas.openxmlformats.org/drawingml/2006/main" name="Office Theme">
+<a:theme xmlns:a="http://schemas.openxmlformats.org/drawingml/2006/main" name="Aangepast ontwerp">
   <a:themeElements>
-    <a:clrScheme name="Office">
+    <a:clrScheme name="Kantoor">
       <a:dk1>
         <a:sysClr val="windowText" lastClr="000000"/>
       </a:dk1>
@@ -11846,7 +15825,7 @@
         <a:srgbClr val="954F72"/>
       </a:folHlink>
     </a:clrScheme>
-    <a:fontScheme name="Office">
+    <a:fontScheme name="Kantoor">
       <a:majorFont>
         <a:latin typeface="Calibri Light" panose="020F0302020204030204"/>
         <a:ea typeface=""/>
@@ -11918,7 +15897,7 @@
         <a:font script="Geor" typeface="Sylfaen"/>
       </a:minorFont>
     </a:fontScheme>
-    <a:fmtScheme name="Office">
+    <a:fmtScheme name="Kantoor">
       <a:fillStyleLst>
         <a:solidFill>
           <a:schemeClr val="phClr"/>
@@ -12325,4 +16304,265 @@
     </a:ext>
   </a:extLst>
 </a:theme>
+</file>
+
+<file path=ppt/theme/theme3.xml><?xml version="1.0" encoding="utf-8"?>
+<a:theme xmlns:a="http://schemas.openxmlformats.org/drawingml/2006/main" name="Office Theme">
+  <a:themeElements>
+    <a:clrScheme name="Office">
+      <a:dk1>
+        <a:sysClr val="windowText" lastClr="000000"/>
+      </a:dk1>
+      <a:lt1>
+        <a:sysClr val="window" lastClr="FFFFFF"/>
+      </a:lt1>
+      <a:dk2>
+        <a:srgbClr val="44546A"/>
+      </a:dk2>
+      <a:lt2>
+        <a:srgbClr val="E7E6E6"/>
+      </a:lt2>
+      <a:accent1>
+        <a:srgbClr val="5B9BD5"/>
+      </a:accent1>
+      <a:accent2>
+        <a:srgbClr val="ED7D31"/>
+      </a:accent2>
+      <a:accent3>
+        <a:srgbClr val="A5A5A5"/>
+      </a:accent3>
+      <a:accent4>
+        <a:srgbClr val="FFC000"/>
+      </a:accent4>
+      <a:accent5>
+        <a:srgbClr val="4472C4"/>
+      </a:accent5>
+      <a:accent6>
+        <a:srgbClr val="70AD47"/>
+      </a:accent6>
+      <a:hlink>
+        <a:srgbClr val="0563C1"/>
+      </a:hlink>
+      <a:folHlink>
+        <a:srgbClr val="954F72"/>
+      </a:folHlink>
+    </a:clrScheme>
+    <a:fontScheme name="Office">
+      <a:majorFont>
+        <a:latin typeface="Calibri Light" panose="020F0302020204030204"/>
+        <a:ea typeface=""/>
+        <a:cs typeface=""/>
+        <a:font script="Jpan" typeface="ＭＳ Ｐゴシック"/>
+        <a:font script="Hang" typeface="맑은 고딕"/>
+        <a:font script="Hans" typeface="宋体"/>
+        <a:font script="Hant" typeface="新細明體"/>
+        <a:font script="Arab" typeface="Times New Roman"/>
+        <a:font script="Hebr" typeface="Times New Roman"/>
+        <a:font script="Thai" typeface="Angsana New"/>
+        <a:font script="Ethi" typeface="Nyala"/>
+        <a:font script="Beng" typeface="Vrinda"/>
+        <a:font script="Gujr" typeface="Shruti"/>
+        <a:font script="Khmr" typeface="MoolBoran"/>
+        <a:font script="Knda" typeface="Tunga"/>
+        <a:font script="Guru" typeface="Raavi"/>
+        <a:font script="Cans" typeface="Euphemia"/>
+        <a:font script="Cher" typeface="Plantagenet Cherokee"/>
+        <a:font script="Yiii" typeface="Microsoft Yi Baiti"/>
+        <a:font script="Tibt" typeface="Microsoft Himalaya"/>
+        <a:font script="Thaa" typeface="MV Boli"/>
+        <a:font script="Deva" typeface="Mangal"/>
+        <a:font script="Telu" typeface="Gautami"/>
+        <a:font script="Taml" typeface="Latha"/>
+        <a:font script="Syrc" typeface="Estrangelo Edessa"/>
+        <a:font script="Orya" typeface="Kalinga"/>
+        <a:font script="Mlym" typeface="Kartika"/>
+        <a:font script="Laoo" typeface="DokChampa"/>
+        <a:font script="Sinh" typeface="Iskoola Pota"/>
+        <a:font script="Mong" typeface="Mongolian Baiti"/>
+        <a:font script="Viet" typeface="Times New Roman"/>
+        <a:font script="Uigh" typeface="Microsoft Uighur"/>
+        <a:font script="Geor" typeface="Sylfaen"/>
+      </a:majorFont>
+      <a:minorFont>
+        <a:latin typeface="Calibri" panose="020F0502020204030204"/>
+        <a:ea typeface=""/>
+        <a:cs typeface=""/>
+        <a:font script="Jpan" typeface="ＭＳ Ｐゴシック"/>
+        <a:font script="Hang" typeface="맑은 고딕"/>
+        <a:font script="Hans" typeface="宋体"/>
+        <a:font script="Hant" typeface="新細明體"/>
+        <a:font script="Arab" typeface="Arial"/>
+        <a:font script="Hebr" typeface="Arial"/>
+        <a:font script="Thai" typeface="Cordia New"/>
+        <a:font script="Ethi" typeface="Nyala"/>
+        <a:font script="Beng" typeface="Vrinda"/>
+        <a:font script="Gujr" typeface="Shruti"/>
+        <a:font script="Khmr" typeface="DaunPenh"/>
+        <a:font script="Knda" typeface="Tunga"/>
+        <a:font script="Guru" typeface="Raavi"/>
+        <a:font script="Cans" typeface="Euphemia"/>
+        <a:font script="Cher" typeface="Plantagenet Cherokee"/>
+        <a:font script="Yiii" typeface="Microsoft Yi Baiti"/>
+        <a:font script="Tibt" typeface="Microsoft Himalaya"/>
+        <a:font script="Thaa" typeface="MV Boli"/>
+        <a:font script="Deva" typeface="Mangal"/>
+        <a:font script="Telu" typeface="Gautami"/>
+        <a:font script="Taml" typeface="Latha"/>
+        <a:font script="Syrc" typeface="Estrangelo Edessa"/>
+        <a:font script="Orya" typeface="Kalinga"/>
+        <a:font script="Mlym" typeface="Kartika"/>
+        <a:font script="Laoo" typeface="DokChampa"/>
+        <a:font script="Sinh" typeface="Iskoola Pota"/>
+        <a:font script="Mong" typeface="Mongolian Baiti"/>
+        <a:font script="Viet" typeface="Arial"/>
+        <a:font script="Uigh" typeface="Microsoft Uighur"/>
+        <a:font script="Geor" typeface="Sylfaen"/>
+      </a:minorFont>
+    </a:fontScheme>
+    <a:fmtScheme name="Office">
+      <a:fillStyleLst>
+        <a:solidFill>
+          <a:schemeClr val="phClr"/>
+        </a:solidFill>
+        <a:gradFill rotWithShape="1">
+          <a:gsLst>
+            <a:gs pos="0">
+              <a:schemeClr val="phClr">
+                <a:lumMod val="110000"/>
+                <a:satMod val="105000"/>
+                <a:tint val="67000"/>
+              </a:schemeClr>
+            </a:gs>
+            <a:gs pos="50000">
+              <a:schemeClr val="phClr">
+                <a:lumMod val="105000"/>
+                <a:satMod val="103000"/>
+                <a:tint val="73000"/>
+              </a:schemeClr>
+            </a:gs>
+            <a:gs pos="100000">
+              <a:schemeClr val="phClr">
+                <a:lumMod val="105000"/>
+                <a:satMod val="109000"/>
+                <a:tint val="81000"/>
+              </a:schemeClr>
+            </a:gs>
+          </a:gsLst>
+          <a:lin ang="5400000" scaled="0"/>
+        </a:gradFill>
+        <a:gradFill rotWithShape="1">
+          <a:gsLst>
+            <a:gs pos="0">
+              <a:schemeClr val="phClr">
+                <a:satMod val="103000"/>
+                <a:lumMod val="102000"/>
+                <a:tint val="94000"/>
+              </a:schemeClr>
+            </a:gs>
+            <a:gs pos="50000">
+              <a:schemeClr val="phClr">
+                <a:satMod val="110000"/>
+                <a:lumMod val="100000"/>
+                <a:shade val="100000"/>
+              </a:schemeClr>
+            </a:gs>
+            <a:gs pos="100000">
+              <a:schemeClr val="phClr">
+                <a:lumMod val="99000"/>
+                <a:satMod val="120000"/>
+                <a:shade val="78000"/>
+              </a:schemeClr>
+            </a:gs>
+          </a:gsLst>
+          <a:lin ang="5400000" scaled="0"/>
+        </a:gradFill>
+      </a:fillStyleLst>
+      <a:lnStyleLst>
+        <a:ln w="6350" cap="flat" cmpd="sng" algn="ctr">
+          <a:solidFill>
+            <a:schemeClr val="phClr"/>
+          </a:solidFill>
+          <a:prstDash val="solid"/>
+          <a:miter lim="800000"/>
+        </a:ln>
+        <a:ln w="12700" cap="flat" cmpd="sng" algn="ctr">
+          <a:solidFill>
+            <a:schemeClr val="phClr"/>
+          </a:solidFill>
+          <a:prstDash val="solid"/>
+          <a:miter lim="800000"/>
+        </a:ln>
+        <a:ln w="19050" cap="flat" cmpd="sng" algn="ctr">
+          <a:solidFill>
+            <a:schemeClr val="phClr"/>
+          </a:solidFill>
+          <a:prstDash val="solid"/>
+          <a:miter lim="800000"/>
+        </a:ln>
+      </a:lnStyleLst>
+      <a:effectStyleLst>
+        <a:effectStyle>
+          <a:effectLst/>
+        </a:effectStyle>
+        <a:effectStyle>
+          <a:effectLst/>
+        </a:effectStyle>
+        <a:effectStyle>
+          <a:effectLst>
+            <a:outerShdw blurRad="57150" dist="19050" dir="5400000" algn="ctr" rotWithShape="0">
+              <a:srgbClr val="000000">
+                <a:alpha val="63000"/>
+              </a:srgbClr>
+            </a:outerShdw>
+          </a:effectLst>
+        </a:effectStyle>
+      </a:effectStyleLst>
+      <a:bgFillStyleLst>
+        <a:solidFill>
+          <a:schemeClr val="phClr"/>
+        </a:solidFill>
+        <a:solidFill>
+          <a:schemeClr val="phClr">
+            <a:tint val="95000"/>
+            <a:satMod val="170000"/>
+          </a:schemeClr>
+        </a:solidFill>
+        <a:gradFill rotWithShape="1">
+          <a:gsLst>
+            <a:gs pos="0">
+              <a:schemeClr val="phClr">
+                <a:tint val="93000"/>
+                <a:satMod val="150000"/>
+                <a:shade val="98000"/>
+                <a:lumMod val="102000"/>
+              </a:schemeClr>
+            </a:gs>
+            <a:gs pos="50000">
+              <a:schemeClr val="phClr">
+                <a:tint val="98000"/>
+                <a:satMod val="130000"/>
+                <a:shade val="90000"/>
+                <a:lumMod val="103000"/>
+              </a:schemeClr>
+            </a:gs>
+            <a:gs pos="100000">
+              <a:schemeClr val="phClr">
+                <a:shade val="63000"/>
+                <a:satMod val="120000"/>
+              </a:schemeClr>
+            </a:gs>
+          </a:gsLst>
+          <a:lin ang="5400000" scaled="0"/>
+        </a:gradFill>
+      </a:bgFillStyleLst>
+    </a:fmtScheme>
+  </a:themeElements>
+  <a:objectDefaults/>
+  <a:extraClrSchemeLst/>
+  <a:extLst>
+    <a:ext uri="{05A4C25C-085E-4340-85A3-A5531E510DB2}">
+      <thm15:themeFamily xmlns:thm15="http://schemas.microsoft.com/office/thememl/2012/main" name="Office Theme" id="{62F939B6-93AF-4DB8-9C6B-D6C7DFDC589F}" vid="{4A3C46E8-61CC-4603-A589-7422A47A8E4A}"/>
+    </a:ext>
+  </a:extLst>
+</a:theme>
 </file>
--- a/Durandal T4T.pptx
+++ b/Durandal T4T.pptx
@@ -6,7 +6,7 @@
     <p:sldMasterId id="2147483672" r:id="rId2"/>
   </p:sldMasterIdLst>
   <p:notesMasterIdLst>
-    <p:notesMasterId r:id="rId43"/>
+    <p:notesMasterId r:id="rId44"/>
   </p:notesMasterIdLst>
   <p:sldIdLst>
     <p:sldId id="256" r:id="rId3"/>
@@ -26,29 +26,30 @@
     <p:sldId id="269" r:id="rId17"/>
     <p:sldId id="270" r:id="rId18"/>
     <p:sldId id="272" r:id="rId19"/>
-    <p:sldId id="271" r:id="rId20"/>
-    <p:sldId id="273" r:id="rId21"/>
-    <p:sldId id="294" r:id="rId22"/>
-    <p:sldId id="275" r:id="rId23"/>
-    <p:sldId id="295" r:id="rId24"/>
-    <p:sldId id="276" r:id="rId25"/>
-    <p:sldId id="277" r:id="rId26"/>
-    <p:sldId id="278" r:id="rId27"/>
-    <p:sldId id="279" r:id="rId28"/>
-    <p:sldId id="280" r:id="rId29"/>
-    <p:sldId id="281" r:id="rId30"/>
-    <p:sldId id="282" r:id="rId31"/>
-    <p:sldId id="283" r:id="rId32"/>
-    <p:sldId id="284" r:id="rId33"/>
-    <p:sldId id="285" r:id="rId34"/>
-    <p:sldId id="287" r:id="rId35"/>
-    <p:sldId id="288" r:id="rId36"/>
-    <p:sldId id="286" r:id="rId37"/>
-    <p:sldId id="289" r:id="rId38"/>
-    <p:sldId id="291" r:id="rId39"/>
-    <p:sldId id="290" r:id="rId40"/>
-    <p:sldId id="292" r:id="rId41"/>
-    <p:sldId id="293" r:id="rId42"/>
+    <p:sldId id="296" r:id="rId20"/>
+    <p:sldId id="271" r:id="rId21"/>
+    <p:sldId id="273" r:id="rId22"/>
+    <p:sldId id="294" r:id="rId23"/>
+    <p:sldId id="275" r:id="rId24"/>
+    <p:sldId id="295" r:id="rId25"/>
+    <p:sldId id="276" r:id="rId26"/>
+    <p:sldId id="277" r:id="rId27"/>
+    <p:sldId id="278" r:id="rId28"/>
+    <p:sldId id="279" r:id="rId29"/>
+    <p:sldId id="280" r:id="rId30"/>
+    <p:sldId id="281" r:id="rId31"/>
+    <p:sldId id="282" r:id="rId32"/>
+    <p:sldId id="283" r:id="rId33"/>
+    <p:sldId id="284" r:id="rId34"/>
+    <p:sldId id="285" r:id="rId35"/>
+    <p:sldId id="287" r:id="rId36"/>
+    <p:sldId id="288" r:id="rId37"/>
+    <p:sldId id="286" r:id="rId38"/>
+    <p:sldId id="289" r:id="rId39"/>
+    <p:sldId id="291" r:id="rId40"/>
+    <p:sldId id="290" r:id="rId41"/>
+    <p:sldId id="292" r:id="rId42"/>
+    <p:sldId id="293" r:id="rId43"/>
   </p:sldIdLst>
   <p:sldSz cx="12192000" cy="6858000"/>
   <p:notesSz cx="6858000" cy="9144000"/>
@@ -681,42 +682,201 @@
           <a:lstStyle/>
           <a:p>
             <a:r>
-              <a:rPr lang="nl-BE" dirty="0" smtClean="0"/>
-              <a:t>Zie twee </a:t>
-            </a:r>
-            <a:r>
-              <a:rPr lang="nl-BE" dirty="0" err="1" smtClean="0"/>
-              <a:t>custom</a:t>
-            </a:r>
-            <a:r>
-              <a:rPr lang="nl-BE" dirty="0" smtClean="0"/>
+              <a:rPr lang="nl-BE" dirty="0" err="1" smtClean="0"/>
+              <a:t>css</a:t>
+            </a:r>
+            <a:r>
+              <a:rPr lang="nl-BE" dirty="0" smtClean="0"/>
+              <a:t>: </a:t>
+            </a:r>
+            <a:r>
+              <a:rPr lang="nl-BE" dirty="0" smtClean="0"/>
+              <a:t>een class toevoegen/verwijderen</a:t>
+            </a:r>
+          </a:p>
+          <a:p>
+            <a:r>
+              <a:rPr lang="nl-BE" dirty="0" err="1" smtClean="0"/>
+              <a:t>style</a:t>
+            </a:r>
+            <a:r>
+              <a:rPr lang="nl-BE" dirty="0" smtClean="0"/>
+              <a:t>: </a:t>
+            </a:r>
+            <a:r>
+              <a:rPr lang="nl-BE" dirty="0" smtClean="0"/>
+              <a:t>bepaalde </a:t>
+            </a:r>
+            <a:r>
+              <a:rPr lang="nl-BE" dirty="0" err="1" smtClean="0"/>
+              <a:t>css</a:t>
+            </a:r>
+            <a:r>
+              <a:rPr lang="nl-BE" dirty="0" smtClean="0"/>
+              <a:t> attributen</a:t>
+            </a:r>
+            <a:r>
+              <a:rPr lang="nl-BE" baseline="0" dirty="0" smtClean="0"/>
+              <a:t> toevoegen/verwijderen</a:t>
+            </a:r>
+          </a:p>
+          <a:p>
+            <a:r>
+              <a:rPr lang="nl-BE" dirty="0" err="1" smtClean="0"/>
+              <a:t>with</a:t>
+            </a:r>
+            <a:r>
+              <a:rPr lang="nl-BE" dirty="0" smtClean="0"/>
+              <a:t>: de context van de </a:t>
+            </a:r>
+            <a:r>
+              <a:rPr lang="nl-BE" dirty="0" err="1" smtClean="0"/>
+              <a:t>bindings</a:t>
+            </a:r>
+            <a:r>
+              <a:rPr lang="nl-BE" dirty="0" smtClean="0"/>
+              <a:t> in een element bepalen</a:t>
+            </a:r>
+            <a:r>
+              <a:rPr lang="nl-BE" baseline="0" dirty="0" smtClean="0"/>
+              <a:t> (indien je die wil doen verschillen van de huidige context)</a:t>
+            </a:r>
+          </a:p>
+          <a:p>
+            <a:r>
+              <a:rPr lang="nl-BE" baseline="0" dirty="0" smtClean="0"/>
+              <a:t>options: voor een select; kan gecombineerd worden met </a:t>
+            </a:r>
+            <a:r>
+              <a:rPr lang="nl-BE" baseline="0" dirty="0" err="1" smtClean="0"/>
+              <a:t>optionsText</a:t>
+            </a:r>
+            <a:r>
+              <a:rPr lang="nl-BE" baseline="0" dirty="0" smtClean="0"/>
+              <a:t>, </a:t>
+            </a:r>
+            <a:r>
+              <a:rPr lang="nl-BE" baseline="0" dirty="0" err="1" smtClean="0"/>
+              <a:t>optionsValue</a:t>
+            </a:r>
+            <a:r>
+              <a:rPr lang="nl-BE" baseline="0" dirty="0" smtClean="0"/>
+              <a:t> en </a:t>
+            </a:r>
+            <a:r>
+              <a:rPr lang="nl-BE" baseline="0" dirty="0" err="1" smtClean="0"/>
+              <a:t>optionsCaption</a:t>
+            </a:r>
+            <a:endParaRPr lang="nl-BE" baseline="0" dirty="0" smtClean="0"/>
+          </a:p>
+          <a:p>
+            <a:r>
+              <a:rPr lang="nl-BE" baseline="0" dirty="0" err="1" smtClean="0"/>
+              <a:t>selectedOptions</a:t>
+            </a:r>
+            <a:r>
+              <a:rPr lang="nl-BE" baseline="0" dirty="0" smtClean="0"/>
+              <a:t>: geselecteerde items in een </a:t>
+            </a:r>
+            <a:r>
+              <a:rPr lang="nl-BE" baseline="0" dirty="0" err="1" smtClean="0"/>
+              <a:t>multi</a:t>
+            </a:r>
+            <a:r>
+              <a:rPr lang="nl-BE" baseline="0" dirty="0" smtClean="0"/>
+              <a:t>-select</a:t>
+            </a:r>
+          </a:p>
+          <a:p>
+            <a:r>
+              <a:rPr lang="nl-BE" baseline="0" dirty="0" err="1" smtClean="0"/>
+              <a:t>uniqueName</a:t>
+            </a:r>
+            <a:r>
+              <a:rPr lang="nl-BE" baseline="0" dirty="0" smtClean="0"/>
+              <a:t>: zie documentatie, is zelden nodig (voor IE6, </a:t>
+            </a:r>
+            <a:r>
+              <a:rPr lang="nl-BE" baseline="0" dirty="0" err="1" smtClean="0"/>
+              <a:t>jQuery</a:t>
+            </a:r>
+            <a:r>
+              <a:rPr lang="nl-BE" baseline="0" dirty="0" smtClean="0"/>
               <a:t> </a:t>
             </a:r>
             <a:r>
-              <a:rPr lang="nl-BE" dirty="0" err="1" smtClean="0"/>
-              <a:t>bindings</a:t>
-            </a:r>
-            <a:r>
-              <a:rPr lang="nl-BE" baseline="0" dirty="0" smtClean="0"/>
-              <a:t> in demo project: </a:t>
-            </a:r>
-            <a:r>
               <a:rPr lang="nl-BE" baseline="0" dirty="0" err="1" smtClean="0"/>
-              <a:t>collapsibleSection</a:t>
+              <a:t>validation</a:t>
+            </a:r>
+            <a:r>
+              <a:rPr lang="nl-BE" baseline="0" dirty="0" smtClean="0"/>
+              <a:t>, e.a.)</a:t>
+            </a:r>
+          </a:p>
+          <a:p>
+            <a:r>
+              <a:rPr lang="nl-BE" baseline="0" dirty="0" smtClean="0"/>
+              <a:t>template:  om een template aan te duiden volgens </a:t>
+            </a:r>
+            <a:r>
+              <a:rPr lang="nl-BE" baseline="0" dirty="0" err="1" smtClean="0"/>
+              <a:t>jquery.tmpl</a:t>
+            </a:r>
+            <a:r>
+              <a:rPr lang="nl-BE" baseline="0" dirty="0" smtClean="0"/>
+              <a:t> </a:t>
+            </a:r>
+            <a:r>
+              <a:rPr lang="nl-BE" baseline="0" dirty="0" err="1" smtClean="0"/>
+              <a:t>plugin</a:t>
+            </a:r>
+            <a:r>
+              <a:rPr lang="nl-BE" baseline="0" dirty="0" smtClean="0"/>
+              <a:t> (script tag met type=‘</a:t>
+            </a:r>
+            <a:r>
+              <a:rPr lang="nl-BE" baseline="0" dirty="0" err="1" smtClean="0"/>
+              <a:t>text</a:t>
+            </a:r>
+            <a:r>
+              <a:rPr lang="nl-BE" baseline="0" dirty="0" smtClean="0"/>
+              <a:t>/html’) (zou je met </a:t>
+            </a:r>
+            <a:r>
+              <a:rPr lang="nl-BE" baseline="0" dirty="0" err="1" smtClean="0"/>
+              <a:t>Durandal</a:t>
+            </a:r>
+            <a:r>
+              <a:rPr lang="nl-BE" baseline="0" dirty="0" smtClean="0"/>
+              <a:t> niet direct nodig hebben, wordt sinds </a:t>
+            </a:r>
+            <a:r>
+              <a:rPr lang="nl-BE" baseline="0" dirty="0" err="1" smtClean="0"/>
+              <a:t>Knockout</a:t>
+            </a:r>
+            <a:r>
+              <a:rPr lang="nl-BE" baseline="0" dirty="0" smtClean="0"/>
+              <a:t> 2 ook niet veel meer gebruikt. </a:t>
+            </a:r>
+            <a:r>
+              <a:rPr lang="nl-BE" baseline="0" dirty="0" err="1" smtClean="0"/>
+              <a:t>Foreach</a:t>
+            </a:r>
+            <a:r>
+              <a:rPr lang="nl-BE" baseline="0" dirty="0" smtClean="0"/>
+              <a:t>, </a:t>
+            </a:r>
+            <a:r>
+              <a:rPr lang="nl-BE" baseline="0" dirty="0" err="1" smtClean="0"/>
+              <a:t>with</a:t>
             </a:r>
             <a:r>
               <a:rPr lang="nl-BE" baseline="0" dirty="0" smtClean="0"/>
               <a:t> en </a:t>
             </a:r>
             <a:r>
-              <a:rPr lang="nl-BE" baseline="0" dirty="0" smtClean="0"/>
-              <a:t>rating</a:t>
-            </a:r>
-          </a:p>
-          <a:p>
-            <a:r>
               <a:rPr lang="nl-BE" baseline="0" dirty="0" err="1" smtClean="0"/>
-              <a:t>collapsibleSection</a:t>
+              <a:t>if</a:t>
             </a:r>
             <a:r>
               <a:rPr lang="nl-BE" baseline="0" dirty="0" smtClean="0"/>
@@ -728,33 +888,11 @@
             </a:r>
             <a:r>
               <a:rPr lang="nl-BE" baseline="0" dirty="0" smtClean="0"/>
-              <a:t> in </a:t>
-            </a:r>
-            <a:r>
-              <a:rPr lang="nl-BE" baseline="0" dirty="0" err="1" smtClean="0"/>
-              <a:t>settings</a:t>
-            </a:r>
-            <a:r>
-              <a:rPr lang="nl-BE" baseline="0" dirty="0" smtClean="0"/>
-              <a:t> toont aan waarom je </a:t>
-            </a:r>
-            <a:r>
-              <a:rPr lang="nl-BE" baseline="0" dirty="0" err="1" smtClean="0"/>
-              <a:t>unwrapObservable</a:t>
-            </a:r>
-            <a:r>
-              <a:rPr lang="nl-BE" baseline="0" dirty="0" smtClean="0"/>
-              <a:t> moet gebruiken. Kan nl een </a:t>
-            </a:r>
-            <a:r>
-              <a:rPr lang="nl-BE" baseline="0" dirty="0" err="1" smtClean="0"/>
-              <a:t>observable</a:t>
-            </a:r>
-            <a:r>
-              <a:rPr lang="nl-BE" baseline="0" dirty="0" smtClean="0"/>
-              <a:t> zijn, of gewoon een object</a:t>
-            </a:r>
-            <a:endParaRPr lang="en-US" dirty="0"/>
+              <a:t> zouden voldoende moeten zijn).</a:t>
+            </a:r>
+          </a:p>
+          <a:p>
+            <a:endParaRPr lang="nl-BE" dirty="0" smtClean="0"/>
           </a:p>
         </p:txBody>
       </p:sp>
@@ -784,7 +922,7 @@
     </p:spTree>
     <p:extLst>
       <p:ext uri="{BB962C8B-B14F-4D97-AF65-F5344CB8AC3E}">
-        <p14:creationId xmlns:p14="http://schemas.microsoft.com/office/powerpoint/2010/main" val="3706878361"/>
+        <p14:creationId xmlns:p14="http://schemas.microsoft.com/office/powerpoint/2010/main" val="4207004726"/>
       </p:ext>
     </p:extLst>
   </p:cSld>
@@ -840,58 +978,45 @@
           <a:p>
             <a:r>
               <a:rPr lang="nl-BE" dirty="0" smtClean="0"/>
-              <a:t>$data: binnen een </a:t>
-            </a:r>
-            <a:r>
-              <a:rPr lang="nl-BE" dirty="0" err="1" smtClean="0"/>
-              <a:t>foreach</a:t>
-            </a:r>
-            <a:r>
-              <a:rPr lang="nl-BE" dirty="0" smtClean="0"/>
-              <a:t>,</a:t>
-            </a:r>
-            <a:r>
-              <a:rPr lang="nl-BE" baseline="0" dirty="0" smtClean="0"/>
+              <a:t>Zie twee </a:t>
+            </a:r>
+            <a:r>
+              <a:rPr lang="nl-BE" dirty="0" err="1" smtClean="0"/>
+              <a:t>custom</a:t>
+            </a:r>
+            <a:r>
+              <a:rPr lang="nl-BE" dirty="0" smtClean="0"/>
               <a:t> </a:t>
             </a:r>
             <a:r>
-              <a:rPr lang="nl-BE" dirty="0" smtClean="0"/>
-              <a:t>het </a:t>
-            </a:r>
-            <a:r>
-              <a:rPr lang="nl-BE" dirty="0" err="1" smtClean="0"/>
-              <a:t>gebinde</a:t>
-            </a:r>
-            <a:r>
-              <a:rPr lang="nl-BE" baseline="0" dirty="0" smtClean="0"/>
-              <a:t> object zelf </a:t>
+              <a:rPr lang="nl-BE" dirty="0" err="1" smtClean="0"/>
+              <a:t>bindings</a:t>
+            </a:r>
+            <a:r>
+              <a:rPr lang="nl-BE" baseline="0" dirty="0" smtClean="0"/>
+              <a:t> in demo project: </a:t>
             </a:r>
             <a:r>
               <a:rPr lang="nl-BE" baseline="0" dirty="0" err="1" smtClean="0"/>
-              <a:t>ipv</a:t>
-            </a:r>
-            <a:r>
-              <a:rPr lang="nl-BE" baseline="0" dirty="0" smtClean="0"/>
-              <a:t> één van z’n </a:t>
-            </a:r>
+              <a:t>collapsibleSection</a:t>
+            </a:r>
+            <a:r>
+              <a:rPr lang="nl-BE" baseline="0" dirty="0" smtClean="0"/>
+              <a:t> en </a:t>
+            </a:r>
+            <a:r>
+              <a:rPr lang="nl-BE" baseline="0" dirty="0" smtClean="0"/>
+              <a:t>rating</a:t>
+            </a:r>
+          </a:p>
+          <a:p>
             <a:r>
               <a:rPr lang="nl-BE" baseline="0" dirty="0" err="1" smtClean="0"/>
-              <a:t>properties</a:t>
-            </a:r>
-            <a:endParaRPr lang="nl-BE" baseline="0" dirty="0" smtClean="0"/>
-          </a:p>
-          <a:p>
-            <a:r>
-              <a:rPr lang="nl-BE" baseline="0" dirty="0" smtClean="0"/>
-              <a:t>$</a:t>
-            </a:r>
-            <a:r>
-              <a:rPr lang="nl-BE" baseline="0" dirty="0" err="1" smtClean="0"/>
-              <a:t>parent</a:t>
-            </a:r>
-            <a:r>
-              <a:rPr lang="nl-BE" baseline="0" dirty="0" smtClean="0"/>
-              <a:t>: bij geneste </a:t>
+              <a:t>collapsibleSection</a:t>
+            </a:r>
+            <a:r>
+              <a:rPr lang="nl-BE" baseline="0" dirty="0" smtClean="0"/>
+              <a:t> </a:t>
             </a:r>
             <a:r>
               <a:rPr lang="nl-BE" baseline="0" dirty="0" err="1" smtClean="0"/>
@@ -899,49 +1024,23 @@
             </a:r>
             <a:r>
               <a:rPr lang="nl-BE" baseline="0" dirty="0" smtClean="0"/>
-              <a:t>, terug omhoog gaan in de hiërarchie</a:t>
-            </a:r>
-          </a:p>
-          <a:p>
-            <a:r>
-              <a:rPr lang="nl-BE" baseline="0" dirty="0" smtClean="0"/>
-              <a:t>$</a:t>
+              <a:t> in </a:t>
             </a:r>
             <a:r>
               <a:rPr lang="nl-BE" baseline="0" dirty="0" err="1" smtClean="0"/>
-              <a:t>parents</a:t>
-            </a:r>
-            <a:r>
-              <a:rPr lang="nl-BE" baseline="0" dirty="0" smtClean="0"/>
-              <a:t>: een array, waarbij elk volgend element de </a:t>
+              <a:t>settings</a:t>
+            </a:r>
+            <a:r>
+              <a:rPr lang="nl-BE" baseline="0" dirty="0" smtClean="0"/>
+              <a:t> toont aan waarom je </a:t>
             </a:r>
             <a:r>
               <a:rPr lang="nl-BE" baseline="0" dirty="0" err="1" smtClean="0"/>
-              <a:t>parent</a:t>
-            </a:r>
-            <a:r>
-              <a:rPr lang="nl-BE" baseline="0" dirty="0" smtClean="0"/>
-              <a:t> is van het vorige (bv $</a:t>
-            </a:r>
-            <a:r>
-              <a:rPr lang="nl-BE" baseline="0" dirty="0" err="1" smtClean="0"/>
-              <a:t>parents</a:t>
-            </a:r>
-            <a:r>
-              <a:rPr lang="nl-BE" baseline="0" dirty="0" smtClean="0"/>
-              <a:t>[2] is de ‘overgrootvader’)</a:t>
-            </a:r>
-          </a:p>
-          <a:p>
-            <a:r>
-              <a:rPr lang="nl-BE" baseline="0" dirty="0" smtClean="0"/>
-              <a:t>$root: het bovenste object in de hiërarchie</a:t>
-            </a:r>
-          </a:p>
-          <a:p>
-            <a:r>
-              <a:rPr lang="nl-BE" baseline="0" dirty="0" smtClean="0"/>
-              <a:t>$index: de index van een item in een array (is een </a:t>
+              <a:t>unwrapObservable</a:t>
+            </a:r>
+            <a:r>
+              <a:rPr lang="nl-BE" baseline="0" dirty="0" smtClean="0"/>
+              <a:t> moet gebruiken. Kan nl een </a:t>
             </a:r>
             <a:r>
               <a:rPr lang="nl-BE" baseline="0" dirty="0" err="1" smtClean="0"/>
@@ -949,7 +1048,7 @@
             </a:r>
             <a:r>
               <a:rPr lang="nl-BE" baseline="0" dirty="0" smtClean="0"/>
-              <a:t>, dus verandert mee)</a:t>
+              <a:t> zijn, of gewoon een object</a:t>
             </a:r>
             <a:endParaRPr lang="en-US" dirty="0"/>
           </a:p>
@@ -981,7 +1080,7 @@
     </p:spTree>
     <p:extLst>
       <p:ext uri="{BB962C8B-B14F-4D97-AF65-F5344CB8AC3E}">
-        <p14:creationId xmlns:p14="http://schemas.microsoft.com/office/powerpoint/2010/main" val="347485044"/>
+        <p14:creationId xmlns:p14="http://schemas.microsoft.com/office/powerpoint/2010/main" val="3706878361"/>
       </p:ext>
     </p:extLst>
   </p:cSld>
@@ -1036,76 +1135,109 @@
           <a:lstStyle/>
           <a:p>
             <a:r>
-              <a:rPr lang="nl-BE" dirty="0" err="1" smtClean="0"/>
-              <a:t>toJS</a:t>
-            </a:r>
-            <a:r>
-              <a:rPr lang="nl-BE" dirty="0" smtClean="0"/>
-              <a:t>: je object heeft geen </a:t>
-            </a:r>
-            <a:r>
-              <a:rPr lang="nl-BE" dirty="0" err="1" smtClean="0"/>
-              <a:t>observables</a:t>
-            </a:r>
-            <a:r>
-              <a:rPr lang="nl-BE" baseline="0" dirty="0" smtClean="0"/>
-              <a:t> meer, het is een normaal JS object</a:t>
-            </a:r>
-          </a:p>
-          <a:p>
+              <a:rPr lang="nl-BE" dirty="0" smtClean="0"/>
+              <a:t>$data: binnen een </a:t>
+            </a:r>
+            <a:r>
+              <a:rPr lang="nl-BE" dirty="0" err="1" smtClean="0"/>
+              <a:t>foreach</a:t>
+            </a:r>
+            <a:r>
+              <a:rPr lang="nl-BE" dirty="0" smtClean="0"/>
+              <a:t>,</a:t>
+            </a:r>
+            <a:r>
+              <a:rPr lang="nl-BE" baseline="0" dirty="0" smtClean="0"/>
+              <a:t> </a:t>
+            </a:r>
+            <a:r>
+              <a:rPr lang="nl-BE" dirty="0" smtClean="0"/>
+              <a:t>het </a:t>
+            </a:r>
+            <a:r>
+              <a:rPr lang="nl-BE" dirty="0" err="1" smtClean="0"/>
+              <a:t>gebinde</a:t>
+            </a:r>
+            <a:r>
+              <a:rPr lang="nl-BE" baseline="0" dirty="0" smtClean="0"/>
+              <a:t> object zelf </a:t>
+            </a:r>
             <a:r>
               <a:rPr lang="nl-BE" baseline="0" dirty="0" err="1" smtClean="0"/>
-              <a:t>toJSON</a:t>
-            </a:r>
-            <a:r>
-              <a:rPr lang="nl-BE" baseline="0" dirty="0" smtClean="0"/>
-              <a:t>: doet intern eerst een call naar </a:t>
+              <a:t>ipv</a:t>
+            </a:r>
+            <a:r>
+              <a:rPr lang="nl-BE" baseline="0" dirty="0" smtClean="0"/>
+              <a:t> één van z’n </a:t>
             </a:r>
             <a:r>
               <a:rPr lang="nl-BE" baseline="0" dirty="0" err="1" smtClean="0"/>
-              <a:t>toJS</a:t>
-            </a:r>
-            <a:r>
-              <a:rPr lang="nl-BE" baseline="0" dirty="0" smtClean="0"/>
-              <a:t>, </a:t>
+              <a:t>properties</a:t>
+            </a:r>
+            <a:endParaRPr lang="nl-BE" baseline="0" dirty="0" smtClean="0"/>
+          </a:p>
+          <a:p>
+            <a:r>
+              <a:rPr lang="nl-BE" baseline="0" dirty="0" smtClean="0"/>
+              <a:t>$</a:t>
             </a:r>
             <a:r>
               <a:rPr lang="nl-BE" baseline="0" dirty="0" err="1" smtClean="0"/>
-              <a:t>serializeert</a:t>
-            </a:r>
-            <a:r>
-              <a:rPr lang="nl-BE" baseline="0" dirty="0" smtClean="0"/>
-              <a:t> dan naar een JSON string</a:t>
-            </a:r>
-          </a:p>
-          <a:p>
-            <a:r>
-              <a:rPr lang="nl-BE" baseline="0" dirty="0" smtClean="0"/>
-              <a:t>Alle members worden geëvalueerd, ook </a:t>
+              <a:t>parent</a:t>
+            </a:r>
+            <a:r>
+              <a:rPr lang="nl-BE" baseline="0" dirty="0" smtClean="0"/>
+              <a:t>: bij geneste </a:t>
             </a:r>
             <a:r>
               <a:rPr lang="nl-BE" baseline="0" dirty="0" err="1" smtClean="0"/>
-              <a:t>computed</a:t>
-            </a:r>
-            <a:r>
-              <a:rPr lang="nl-BE" baseline="0" dirty="0" smtClean="0"/>
-              <a:t> </a:t>
+              <a:t>bindings</a:t>
+            </a:r>
+            <a:r>
+              <a:rPr lang="nl-BE" baseline="0" dirty="0" smtClean="0"/>
+              <a:t>, terug omhoog gaan in de hiërarchie</a:t>
+            </a:r>
+          </a:p>
+          <a:p>
+            <a:r>
+              <a:rPr lang="nl-BE" baseline="0" dirty="0" smtClean="0"/>
+              <a:t>$</a:t>
             </a:r>
             <a:r>
               <a:rPr lang="nl-BE" baseline="0" dirty="0" err="1" smtClean="0"/>
-              <a:t>observables</a:t>
-            </a:r>
-            <a:r>
-              <a:rPr lang="nl-BE" baseline="0" dirty="0" smtClean="0"/>
-              <a:t>, non-</a:t>
+              <a:t>parents</a:t>
+            </a:r>
+            <a:r>
+              <a:rPr lang="nl-BE" baseline="0" dirty="0" smtClean="0"/>
+              <a:t>: een array, waarbij elk volgend element de </a:t>
             </a:r>
             <a:r>
               <a:rPr lang="nl-BE" baseline="0" dirty="0" err="1" smtClean="0"/>
-              <a:t>observables</a:t>
-            </a:r>
-            <a:r>
-              <a:rPr lang="nl-BE" baseline="0" dirty="0" smtClean="0"/>
-              <a:t>, </a:t>
+              <a:t>parent</a:t>
+            </a:r>
+            <a:r>
+              <a:rPr lang="nl-BE" baseline="0" dirty="0" smtClean="0"/>
+              <a:t> is van het vorige (bv $</a:t>
+            </a:r>
+            <a:r>
+              <a:rPr lang="nl-BE" baseline="0" dirty="0" err="1" smtClean="0"/>
+              <a:t>parents</a:t>
+            </a:r>
+            <a:r>
+              <a:rPr lang="nl-BE" baseline="0" dirty="0" smtClean="0"/>
+              <a:t>[2] is de ‘overgrootvader’)</a:t>
+            </a:r>
+          </a:p>
+          <a:p>
+            <a:r>
+              <a:rPr lang="nl-BE" baseline="0" dirty="0" smtClean="0"/>
+              <a:t>$root: het bovenste object in de hiërarchie</a:t>
+            </a:r>
+          </a:p>
+          <a:p>
+            <a:r>
+              <a:rPr lang="nl-BE" baseline="0" dirty="0" smtClean="0"/>
+              <a:t>$index: de index van een item in een array (is een </a:t>
             </a:r>
             <a:r>
               <a:rPr lang="nl-BE" baseline="0" dirty="0" err="1" smtClean="0"/>
@@ -1113,23 +1245,7 @@
             </a:r>
             <a:r>
               <a:rPr lang="nl-BE" baseline="0" dirty="0" smtClean="0"/>
-              <a:t> arrays, </a:t>
-            </a:r>
-            <a:r>
-              <a:rPr lang="nl-BE" baseline="0" dirty="0" err="1" smtClean="0"/>
-              <a:t>child</a:t>
-            </a:r>
-            <a:r>
-              <a:rPr lang="nl-BE" baseline="0" dirty="0" smtClean="0"/>
-              <a:t> </a:t>
-            </a:r>
-            <a:r>
-              <a:rPr lang="nl-BE" baseline="0" dirty="0" err="1" smtClean="0"/>
-              <a:t>viewmodels</a:t>
-            </a:r>
-            <a:r>
-              <a:rPr lang="nl-BE" baseline="0" dirty="0" smtClean="0"/>
-              <a:t>, enz.</a:t>
+              <a:t>, dus verandert mee)</a:t>
             </a:r>
             <a:endParaRPr lang="en-US" dirty="0"/>
           </a:p>
@@ -1161,7 +1277,7 @@
     </p:spTree>
     <p:extLst>
       <p:ext uri="{BB962C8B-B14F-4D97-AF65-F5344CB8AC3E}">
-        <p14:creationId xmlns:p14="http://schemas.microsoft.com/office/powerpoint/2010/main" val="2104542335"/>
+        <p14:creationId xmlns:p14="http://schemas.microsoft.com/office/powerpoint/2010/main" val="347485044"/>
       </p:ext>
     </p:extLst>
   </p:cSld>
@@ -1216,8 +1332,100 @@
           <a:lstStyle/>
           <a:p>
             <a:r>
-              <a:rPr lang="nl-BE" smtClean="0"/>
-              <a:t>Zie features</a:t>
+              <a:rPr lang="nl-BE" dirty="0" err="1" smtClean="0"/>
+              <a:t>toJS</a:t>
+            </a:r>
+            <a:r>
+              <a:rPr lang="nl-BE" dirty="0" smtClean="0"/>
+              <a:t>: je object heeft geen </a:t>
+            </a:r>
+            <a:r>
+              <a:rPr lang="nl-BE" dirty="0" err="1" smtClean="0"/>
+              <a:t>observables</a:t>
+            </a:r>
+            <a:r>
+              <a:rPr lang="nl-BE" baseline="0" dirty="0" smtClean="0"/>
+              <a:t> meer, het is een normaal JS object</a:t>
+            </a:r>
+          </a:p>
+          <a:p>
+            <a:r>
+              <a:rPr lang="nl-BE" baseline="0" dirty="0" err="1" smtClean="0"/>
+              <a:t>toJSON</a:t>
+            </a:r>
+            <a:r>
+              <a:rPr lang="nl-BE" baseline="0" dirty="0" smtClean="0"/>
+              <a:t>: doet intern eerst een call naar </a:t>
+            </a:r>
+            <a:r>
+              <a:rPr lang="nl-BE" baseline="0" dirty="0" err="1" smtClean="0"/>
+              <a:t>toJS</a:t>
+            </a:r>
+            <a:r>
+              <a:rPr lang="nl-BE" baseline="0" dirty="0" smtClean="0"/>
+              <a:t>, </a:t>
+            </a:r>
+            <a:r>
+              <a:rPr lang="nl-BE" baseline="0" dirty="0" err="1" smtClean="0"/>
+              <a:t>serializeert</a:t>
+            </a:r>
+            <a:r>
+              <a:rPr lang="nl-BE" baseline="0" dirty="0" smtClean="0"/>
+              <a:t> dan naar een JSON string</a:t>
+            </a:r>
+          </a:p>
+          <a:p>
+            <a:r>
+              <a:rPr lang="nl-BE" baseline="0" dirty="0" smtClean="0"/>
+              <a:t>Alle members worden geëvalueerd, ook </a:t>
+            </a:r>
+            <a:r>
+              <a:rPr lang="nl-BE" baseline="0" dirty="0" err="1" smtClean="0"/>
+              <a:t>computed</a:t>
+            </a:r>
+            <a:r>
+              <a:rPr lang="nl-BE" baseline="0" dirty="0" smtClean="0"/>
+              <a:t> </a:t>
+            </a:r>
+            <a:r>
+              <a:rPr lang="nl-BE" baseline="0" dirty="0" err="1" smtClean="0"/>
+              <a:t>observables</a:t>
+            </a:r>
+            <a:r>
+              <a:rPr lang="nl-BE" baseline="0" dirty="0" smtClean="0"/>
+              <a:t>, non-</a:t>
+            </a:r>
+            <a:r>
+              <a:rPr lang="nl-BE" baseline="0" dirty="0" err="1" smtClean="0"/>
+              <a:t>observables</a:t>
+            </a:r>
+            <a:r>
+              <a:rPr lang="nl-BE" baseline="0" dirty="0" smtClean="0"/>
+              <a:t>, </a:t>
+            </a:r>
+            <a:r>
+              <a:rPr lang="nl-BE" baseline="0" dirty="0" err="1" smtClean="0"/>
+              <a:t>observable</a:t>
+            </a:r>
+            <a:r>
+              <a:rPr lang="nl-BE" baseline="0" dirty="0" smtClean="0"/>
+              <a:t> arrays, </a:t>
+            </a:r>
+            <a:r>
+              <a:rPr lang="nl-BE" baseline="0" dirty="0" err="1" smtClean="0"/>
+              <a:t>child</a:t>
+            </a:r>
+            <a:r>
+              <a:rPr lang="nl-BE" baseline="0" dirty="0" smtClean="0"/>
+              <a:t> </a:t>
+            </a:r>
+            <a:r>
+              <a:rPr lang="nl-BE" baseline="0" dirty="0" err="1" smtClean="0"/>
+              <a:t>viewmodels</a:t>
+            </a:r>
+            <a:r>
+              <a:rPr lang="nl-BE" baseline="0" dirty="0" smtClean="0"/>
+              <a:t>, enz.</a:t>
             </a:r>
             <a:endParaRPr lang="en-US" dirty="0"/>
           </a:p>
@@ -1249,7 +1457,7 @@
     </p:spTree>
     <p:extLst>
       <p:ext uri="{BB962C8B-B14F-4D97-AF65-F5344CB8AC3E}">
-        <p14:creationId xmlns:p14="http://schemas.microsoft.com/office/powerpoint/2010/main" val="882911281"/>
+        <p14:creationId xmlns:p14="http://schemas.microsoft.com/office/powerpoint/2010/main" val="2104542335"/>
       </p:ext>
     </p:extLst>
   </p:cSld>
@@ -1304,24 +1512,8 @@
           <a:lstStyle/>
           <a:p>
             <a:r>
-              <a:rPr lang="nl-BE" dirty="0" err="1" smtClean="0"/>
-              <a:t>Id</a:t>
-            </a:r>
-            <a:r>
-              <a:rPr lang="nl-BE" dirty="0" smtClean="0"/>
-              <a:t> is afgeleid</a:t>
-            </a:r>
-            <a:r>
-              <a:rPr lang="nl-BE" baseline="0" dirty="0" smtClean="0"/>
-              <a:t> van pad relatief t.o.v. </a:t>
-            </a:r>
-            <a:r>
-              <a:rPr lang="nl-BE" baseline="0" dirty="0" err="1" smtClean="0"/>
-              <a:t>baseUrl</a:t>
-            </a:r>
-            <a:r>
-              <a:rPr lang="nl-BE" baseline="0" dirty="0" smtClean="0"/>
-              <a:t> (normaal locatie van main.js)</a:t>
+              <a:rPr lang="nl-BE" dirty="0" smtClean="0"/>
+              <a:t>Zie features</a:t>
             </a:r>
             <a:endParaRPr lang="en-US" dirty="0"/>
           </a:p>
@@ -1344,7 +1536,7 @@
           <a:p>
             <a:fld id="{0DF56419-AC34-45D0-BAB8-5A4CB1E563BF}" type="slidenum">
               <a:rPr lang="en-US" smtClean="0"/>
-              <a:t>24</a:t>
+              <a:t>23</a:t>
             </a:fld>
             <a:endParaRPr lang="en-US"/>
           </a:p>
@@ -1353,7 +1545,7 @@
     </p:spTree>
     <p:extLst>
       <p:ext uri="{BB962C8B-B14F-4D97-AF65-F5344CB8AC3E}">
-        <p14:creationId xmlns:p14="http://schemas.microsoft.com/office/powerpoint/2010/main" val="106862747"/>
+        <p14:creationId xmlns:p14="http://schemas.microsoft.com/office/powerpoint/2010/main" val="882911281"/>
       </p:ext>
     </p:extLst>
   </p:cSld>
@@ -1408,16 +1600,24 @@
           <a:lstStyle/>
           <a:p>
             <a:r>
-              <a:rPr lang="nl-BE" dirty="0" smtClean="0"/>
-              <a:t>Indien meerdere root </a:t>
-            </a:r>
-            <a:r>
-              <a:rPr lang="nl-BE" dirty="0" err="1" smtClean="0"/>
-              <a:t>elements</a:t>
-            </a:r>
-            <a:r>
-              <a:rPr lang="nl-BE" dirty="0" smtClean="0"/>
-              <a:t>, dan worden deze in een div geplaatst</a:t>
+              <a:rPr lang="nl-BE" dirty="0" err="1" smtClean="0"/>
+              <a:t>Id</a:t>
+            </a:r>
+            <a:r>
+              <a:rPr lang="nl-BE" dirty="0" smtClean="0"/>
+              <a:t> is afgeleid</a:t>
+            </a:r>
+            <a:r>
+              <a:rPr lang="nl-BE" baseline="0" dirty="0" smtClean="0"/>
+              <a:t> van pad relatief t.o.v. </a:t>
+            </a:r>
+            <a:r>
+              <a:rPr lang="nl-BE" baseline="0" dirty="0" err="1" smtClean="0"/>
+              <a:t>baseUrl</a:t>
+            </a:r>
+            <a:r>
+              <a:rPr lang="nl-BE" baseline="0" dirty="0" smtClean="0"/>
+              <a:t> (normaal locatie van main.js)</a:t>
             </a:r>
             <a:endParaRPr lang="en-US" dirty="0"/>
           </a:p>
@@ -1449,7 +1649,7 @@
     </p:spTree>
     <p:extLst>
       <p:ext uri="{BB962C8B-B14F-4D97-AF65-F5344CB8AC3E}">
-        <p14:creationId xmlns:p14="http://schemas.microsoft.com/office/powerpoint/2010/main" val="3152353316"/>
+        <p14:creationId xmlns:p14="http://schemas.microsoft.com/office/powerpoint/2010/main" val="106862747"/>
       </p:ext>
     </p:extLst>
   </p:cSld>
@@ -1505,30 +1705,16 @@
           <a:p>
             <a:r>
               <a:rPr lang="nl-BE" dirty="0" smtClean="0"/>
-              <a:t>Object</a:t>
-            </a:r>
-            <a:r>
-              <a:rPr lang="nl-BE" baseline="0" dirty="0" smtClean="0"/>
-              <a:t> </a:t>
-            </a:r>
-            <a:r>
-              <a:rPr lang="nl-BE" baseline="0" dirty="0" err="1" smtClean="0"/>
-              <a:t>composition</a:t>
-            </a:r>
-            <a:r>
-              <a:rPr lang="nl-BE" baseline="0" dirty="0" smtClean="0"/>
-              <a:t>: via </a:t>
-            </a:r>
-            <a:r>
-              <a:rPr lang="nl-BE" baseline="0" dirty="0" err="1" smtClean="0"/>
-              <a:t>RequireJS</a:t>
-            </a:r>
-            <a:r>
-              <a:rPr lang="nl-BE" baseline="0" dirty="0" smtClean="0"/>
-              <a:t> gewoon modules en hun afhankelijkheden</a:t>
-            </a:r>
-          </a:p>
-          <a:p>
+              <a:t>Indien meerdere root </a:t>
+            </a:r>
+            <a:r>
+              <a:rPr lang="nl-BE" dirty="0" err="1" smtClean="0"/>
+              <a:t>elements</a:t>
+            </a:r>
+            <a:r>
+              <a:rPr lang="nl-BE" dirty="0" smtClean="0"/>
+              <a:t>, dan worden deze in een div geplaatst</a:t>
+            </a:r>
             <a:endParaRPr lang="en-US" dirty="0"/>
           </a:p>
         </p:txBody>
@@ -1550,7 +1736,7 @@
           <a:p>
             <a:fld id="{0DF56419-AC34-45D0-BAB8-5A4CB1E563BF}" type="slidenum">
               <a:rPr lang="en-US" smtClean="0"/>
-              <a:t>27</a:t>
+              <a:t>26</a:t>
             </a:fld>
             <a:endParaRPr lang="en-US"/>
           </a:p>
@@ -1559,7 +1745,7 @@
     </p:spTree>
     <p:extLst>
       <p:ext uri="{BB962C8B-B14F-4D97-AF65-F5344CB8AC3E}">
-        <p14:creationId xmlns:p14="http://schemas.microsoft.com/office/powerpoint/2010/main" val="2009853299"/>
+        <p14:creationId xmlns:p14="http://schemas.microsoft.com/office/powerpoint/2010/main" val="3152353316"/>
       </p:ext>
     </p:extLst>
   </p:cSld>
@@ -1614,229 +1800,32 @@
           <a:lstStyle/>
           <a:p>
             <a:r>
-              <a:rPr lang="nl-BE" dirty="0" err="1" smtClean="0"/>
-              <a:t>compose</a:t>
-            </a:r>
-            <a:r>
-              <a:rPr lang="nl-BE" dirty="0" smtClean="0"/>
-              <a:t> is een </a:t>
-            </a:r>
-            <a:r>
-              <a:rPr lang="nl-BE" dirty="0" err="1" smtClean="0"/>
-              <a:t>custom</a:t>
-            </a:r>
-            <a:r>
-              <a:rPr lang="nl-BE" dirty="0" smtClean="0"/>
-              <a:t> binding van </a:t>
-            </a:r>
-            <a:r>
-              <a:rPr lang="nl-BE" dirty="0" err="1" smtClean="0"/>
-              <a:t>Durandal</a:t>
-            </a:r>
-            <a:endParaRPr lang="nl-BE" dirty="0" smtClean="0"/>
-          </a:p>
-          <a:p>
-            <a:endParaRPr lang="nl-BE" dirty="0" smtClean="0"/>
-          </a:p>
-          <a:p>
-            <a:r>
-              <a:rPr lang="nl-BE" dirty="0" smtClean="0"/>
-              <a:t>1</a:t>
-            </a:r>
-            <a:r>
-              <a:rPr lang="nl-BE" dirty="0" smtClean="0"/>
-              <a:t>: view wordt </a:t>
-            </a:r>
-            <a:r>
-              <a:rPr lang="nl-BE" dirty="0" err="1" smtClean="0"/>
-              <a:t>gebind</a:t>
-            </a:r>
-            <a:r>
-              <a:rPr lang="nl-BE" dirty="0" smtClean="0"/>
-              <a:t> tegen huidige context</a:t>
-            </a:r>
-          </a:p>
-          <a:p>
-            <a:r>
-              <a:rPr lang="nl-BE" dirty="0" smtClean="0"/>
-              <a:t>2: </a:t>
-            </a:r>
-            <a:r>
-              <a:rPr lang="nl-BE" dirty="0" err="1" smtClean="0"/>
-              <a:t>id</a:t>
-            </a:r>
-            <a:r>
-              <a:rPr lang="nl-BE" dirty="0" smtClean="0"/>
-              <a:t> van een module</a:t>
-            </a:r>
-            <a:r>
-              <a:rPr lang="nl-BE" baseline="0" dirty="0" smtClean="0"/>
-              <a:t> (want geen view extension, bv .html)</a:t>
-            </a:r>
-            <a:r>
-              <a:rPr lang="nl-BE" dirty="0" smtClean="0"/>
-              <a:t>; module en</a:t>
-            </a:r>
-            <a:r>
-              <a:rPr lang="nl-BE" baseline="0" dirty="0" smtClean="0"/>
-              <a:t> view worden ingeladen en </a:t>
+              <a:rPr lang="nl-BE" dirty="0" smtClean="0"/>
+              <a:t>Object</a:t>
+            </a:r>
+            <a:r>
+              <a:rPr lang="nl-BE" baseline="0" dirty="0" smtClean="0"/>
+              <a:t> </a:t>
             </a:r>
             <a:r>
               <a:rPr lang="nl-BE" baseline="0" dirty="0" err="1" smtClean="0"/>
-              <a:t>gebind</a:t>
-            </a:r>
-            <a:r>
-              <a:rPr lang="nl-BE" baseline="0" dirty="0" smtClean="0"/>
-              <a:t> aan elkaar</a:t>
-            </a:r>
-          </a:p>
-          <a:p>
-            <a:r>
-              <a:rPr lang="nl-BE" baseline="0" dirty="0" smtClean="0"/>
-              <a:t>3: een </a:t>
+              <a:t>composition</a:t>
+            </a:r>
+            <a:r>
+              <a:rPr lang="nl-BE" baseline="0" dirty="0" smtClean="0"/>
+              <a:t>: via </a:t>
             </a:r>
             <a:r>
               <a:rPr lang="nl-BE" baseline="0" dirty="0" err="1" smtClean="0"/>
-              <a:t>observable</a:t>
-            </a:r>
-            <a:r>
-              <a:rPr lang="nl-BE" baseline="0" dirty="0" smtClean="0"/>
-              <a:t>; interessant want wanneer </a:t>
-            </a:r>
-            <a:r>
-              <a:rPr lang="nl-BE" baseline="0" dirty="0" err="1" smtClean="0"/>
-              <a:t>observable</a:t>
-            </a:r>
-            <a:r>
-              <a:rPr lang="nl-BE" baseline="0" dirty="0" smtClean="0"/>
-              <a:t> verandert, verandert de DOM</a:t>
-            </a:r>
-          </a:p>
-          <a:p>
-            <a:r>
-              <a:rPr lang="nl-BE" baseline="0" dirty="0" smtClean="0"/>
-              <a:t>	indien een string</a:t>
-            </a:r>
-          </a:p>
-          <a:p>
-            <a:r>
-              <a:rPr lang="nl-BE" baseline="0" dirty="0" smtClean="0"/>
-              <a:t>		met view extension: view wordt ingeladen en </a:t>
-            </a:r>
-            <a:r>
-              <a:rPr lang="nl-BE" baseline="0" dirty="0" err="1" smtClean="0"/>
-              <a:t>gebind</a:t>
-            </a:r>
-            <a:r>
-              <a:rPr lang="nl-BE" baseline="0" dirty="0" smtClean="0"/>
-              <a:t> aan huidige context</a:t>
-            </a:r>
-          </a:p>
-          <a:p>
-            <a:r>
-              <a:rPr lang="nl-BE" baseline="0" dirty="0" smtClean="0"/>
-              <a:t>		indien een </a:t>
-            </a:r>
-            <a:r>
-              <a:rPr lang="nl-BE" baseline="0" dirty="0" err="1" smtClean="0"/>
-              <a:t>moduleid</a:t>
-            </a:r>
-            <a:r>
-              <a:rPr lang="nl-BE" baseline="0" dirty="0" smtClean="0"/>
-              <a:t>: module en view worden ingeladen en </a:t>
-            </a:r>
-            <a:r>
-              <a:rPr lang="nl-BE" baseline="0" dirty="0" err="1" smtClean="0"/>
-              <a:t>gebind</a:t>
-            </a:r>
-            <a:r>
-              <a:rPr lang="nl-BE" baseline="0" dirty="0" smtClean="0"/>
-              <a:t> aan elkaar</a:t>
-            </a:r>
-          </a:p>
-          <a:p>
-            <a:r>
-              <a:rPr lang="nl-BE" baseline="0" dirty="0" smtClean="0"/>
-              <a:t>	indien een object</a:t>
-            </a:r>
-          </a:p>
-          <a:p>
-            <a:r>
-              <a:rPr lang="nl-BE" baseline="0" dirty="0" smtClean="0"/>
-              <a:t>		bijpassende view wordt opgezocht, beiden worden aan elkaar </a:t>
-            </a:r>
-            <a:r>
-              <a:rPr lang="nl-BE" baseline="0" dirty="0" err="1" smtClean="0"/>
-              <a:t>gebind</a:t>
-            </a:r>
-            <a:endParaRPr lang="nl-BE" baseline="0" dirty="0" smtClean="0"/>
-          </a:p>
-          <a:p>
-            <a:r>
-              <a:rPr lang="nl-BE" baseline="0" dirty="0" smtClean="0"/>
-              <a:t>	indien een </a:t>
-            </a:r>
-            <a:r>
-              <a:rPr lang="nl-BE" baseline="0" dirty="0" err="1" smtClean="0"/>
-              <a:t>function</a:t>
-            </a:r>
-            <a:endParaRPr lang="nl-BE" baseline="0" dirty="0" smtClean="0"/>
-          </a:p>
-          <a:p>
-            <a:r>
-              <a:rPr lang="nl-BE" baseline="0" dirty="0" smtClean="0"/>
-              <a:t>		</a:t>
-            </a:r>
-            <a:r>
-              <a:rPr lang="nl-BE" baseline="0" dirty="0" err="1" smtClean="0"/>
-              <a:t>function</a:t>
-            </a:r>
-            <a:r>
-              <a:rPr lang="nl-BE" baseline="0" dirty="0" smtClean="0"/>
-              <a:t> wordt opgeroepen met new, view wordt gezocht voor object, binding</a:t>
-            </a:r>
-          </a:p>
-          <a:p>
-            <a:endParaRPr lang="nl-BE" baseline="0" dirty="0" smtClean="0"/>
-          </a:p>
-          <a:p>
-            <a:r>
-              <a:rPr lang="nl-BE" baseline="0" dirty="0" err="1" smtClean="0"/>
-              <a:t>Compose</a:t>
-            </a:r>
-            <a:r>
-              <a:rPr lang="nl-BE" baseline="0" dirty="0" smtClean="0"/>
-              <a:t> met object met view en/of model property: werkt in het algemeen zoals je zou verwachten</a:t>
-            </a:r>
-          </a:p>
-          <a:p>
-            <a:endParaRPr lang="nl-BE" baseline="0" dirty="0" smtClean="0"/>
-          </a:p>
-          <a:p>
-            <a:r>
-              <a:rPr lang="nl-BE" baseline="0" dirty="0" smtClean="0"/>
-              <a:t>Indien er iets niet lukt (bv geen view gevonden,…) </a:t>
-            </a:r>
-            <a:r>
-              <a:rPr lang="nl-BE" baseline="0" dirty="0" smtClean="0">
-                <a:sym typeface="Wingdings" panose="05000000000000000000" pitchFamily="2" charset="2"/>
-              </a:rPr>
-              <a:t> er zal niks in de DOM te zien zijn</a:t>
-            </a:r>
-          </a:p>
-          <a:p>
-            <a:endParaRPr lang="nl-BE" baseline="0" dirty="0" smtClean="0">
-              <a:sym typeface="Wingdings" panose="05000000000000000000" pitchFamily="2" charset="2"/>
-            </a:endParaRPr>
-          </a:p>
-          <a:p>
-            <a:r>
-              <a:rPr lang="nl-BE" baseline="0" dirty="0" smtClean="0">
-                <a:sym typeface="Wingdings" panose="05000000000000000000" pitchFamily="2" charset="2"/>
-              </a:rPr>
-              <a:t>In demo: home.html en beers.html</a:t>
-            </a:r>
-            <a:endParaRPr lang="nl-BE" baseline="0" dirty="0" smtClean="0"/>
+              <a:t>RequireJS</a:t>
+            </a:r>
+            <a:r>
+              <a:rPr lang="nl-BE" baseline="0" dirty="0" smtClean="0"/>
+              <a:t> gewoon modules en hun afhankelijkheden</a:t>
+            </a:r>
+          </a:p>
+          <a:p>
+            <a:endParaRPr lang="en-US" dirty="0"/>
           </a:p>
         </p:txBody>
       </p:sp>
@@ -1866,7 +1855,7 @@
     </p:spTree>
     <p:extLst>
       <p:ext uri="{BB962C8B-B14F-4D97-AF65-F5344CB8AC3E}">
-        <p14:creationId xmlns:p14="http://schemas.microsoft.com/office/powerpoint/2010/main" val="2510050687"/>
+        <p14:creationId xmlns:p14="http://schemas.microsoft.com/office/powerpoint/2010/main" val="2009853299"/>
       </p:ext>
     </p:extLst>
   </p:cSld>
@@ -1921,48 +1910,178 @@
           <a:lstStyle/>
           <a:p>
             <a:r>
-              <a:rPr lang="nl-BE" dirty="0" smtClean="0"/>
-              <a:t>Extra opties voor je </a:t>
-            </a:r>
-            <a:r>
               <a:rPr lang="nl-BE" dirty="0" err="1" smtClean="0"/>
               <a:t>compose</a:t>
             </a:r>
             <a:r>
               <a:rPr lang="nl-BE" dirty="0" smtClean="0"/>
-              <a:t> binding.</a:t>
-            </a:r>
-          </a:p>
-          <a:p>
-            <a:r>
-              <a:rPr lang="nl-BE" dirty="0" err="1" smtClean="0"/>
-              <a:t>strategy</a:t>
-            </a:r>
-            <a:r>
-              <a:rPr lang="nl-BE" dirty="0" smtClean="0"/>
-              <a:t>:</a:t>
-            </a:r>
-            <a:r>
-              <a:rPr lang="nl-BE" baseline="0" dirty="0" smtClean="0"/>
-              <a:t> </a:t>
+              <a:t> is een </a:t>
+            </a:r>
+            <a:r>
+              <a:rPr lang="nl-BE" dirty="0" err="1" smtClean="0"/>
+              <a:t>custom</a:t>
+            </a:r>
+            <a:r>
+              <a:rPr lang="nl-BE" dirty="0" smtClean="0"/>
+              <a:t> binding van </a:t>
+            </a:r>
+            <a:r>
+              <a:rPr lang="nl-BE" dirty="0" err="1" smtClean="0"/>
+              <a:t>Durandal</a:t>
+            </a:r>
+            <a:endParaRPr lang="nl-BE" dirty="0" smtClean="0"/>
+          </a:p>
+          <a:p>
+            <a:endParaRPr lang="nl-BE" dirty="0" smtClean="0"/>
+          </a:p>
+          <a:p>
+            <a:r>
+              <a:rPr lang="nl-BE" dirty="0" smtClean="0"/>
+              <a:t>1</a:t>
+            </a:r>
+            <a:r>
+              <a:rPr lang="nl-BE" dirty="0" smtClean="0"/>
+              <a:t>: view wordt </a:t>
+            </a:r>
+            <a:r>
+              <a:rPr lang="nl-BE" dirty="0" err="1" smtClean="0"/>
+              <a:t>gebind</a:t>
+            </a:r>
+            <a:r>
+              <a:rPr lang="nl-BE" dirty="0" smtClean="0"/>
+              <a:t> tegen huidige context</a:t>
+            </a:r>
+          </a:p>
+          <a:p>
+            <a:r>
+              <a:rPr lang="nl-BE" dirty="0" smtClean="0"/>
+              <a:t>2: </a:t>
+            </a:r>
+            <a:r>
+              <a:rPr lang="nl-BE" dirty="0" err="1" smtClean="0"/>
+              <a:t>id</a:t>
+            </a:r>
+            <a:r>
+              <a:rPr lang="nl-BE" dirty="0" smtClean="0"/>
+              <a:t> van een module</a:t>
+            </a:r>
+            <a:r>
+              <a:rPr lang="nl-BE" baseline="0" dirty="0" smtClean="0"/>
+              <a:t> (want geen view extension, bv .html)</a:t>
+            </a:r>
+            <a:r>
+              <a:rPr lang="nl-BE" dirty="0" smtClean="0"/>
+              <a:t>; module en</a:t>
+            </a:r>
+            <a:r>
+              <a:rPr lang="nl-BE" baseline="0" dirty="0" smtClean="0"/>
+              <a:t> view worden ingeladen en </a:t>
+            </a:r>
+            <a:r>
+              <a:rPr lang="nl-BE" baseline="0" dirty="0" err="1" smtClean="0"/>
+              <a:t>gebind</a:t>
+            </a:r>
+            <a:r>
+              <a:rPr lang="nl-BE" baseline="0" dirty="0" smtClean="0"/>
+              <a:t> aan elkaar</a:t>
+            </a:r>
+          </a:p>
+          <a:p>
+            <a:r>
+              <a:rPr lang="nl-BE" baseline="0" dirty="0" smtClean="0"/>
+              <a:t>3: een </a:t>
+            </a:r>
+            <a:r>
+              <a:rPr lang="nl-BE" baseline="0" dirty="0" err="1" smtClean="0"/>
+              <a:t>observable</a:t>
+            </a:r>
+            <a:r>
+              <a:rPr lang="nl-BE" baseline="0" dirty="0" smtClean="0"/>
+              <a:t>; interessant want wanneer </a:t>
+            </a:r>
+            <a:r>
+              <a:rPr lang="nl-BE" baseline="0" dirty="0" err="1" smtClean="0"/>
+              <a:t>observable</a:t>
+            </a:r>
+            <a:r>
+              <a:rPr lang="nl-BE" baseline="0" dirty="0" smtClean="0"/>
+              <a:t> verandert, verandert de DOM</a:t>
+            </a:r>
+          </a:p>
+          <a:p>
+            <a:r>
+              <a:rPr lang="nl-BE" baseline="0" dirty="0" smtClean="0"/>
+              <a:t>	indien een string</a:t>
+            </a:r>
+          </a:p>
+          <a:p>
+            <a:r>
+              <a:rPr lang="nl-BE" baseline="0" dirty="0" smtClean="0"/>
+              <a:t>		met view extension: view wordt ingeladen en </a:t>
+            </a:r>
+            <a:r>
+              <a:rPr lang="nl-BE" baseline="0" dirty="0" err="1" smtClean="0"/>
+              <a:t>gebind</a:t>
+            </a:r>
+            <a:r>
+              <a:rPr lang="nl-BE" baseline="0" dirty="0" smtClean="0"/>
+              <a:t> aan huidige context</a:t>
+            </a:r>
+          </a:p>
+          <a:p>
+            <a:r>
+              <a:rPr lang="nl-BE" baseline="0" dirty="0" smtClean="0"/>
+              <a:t>		indien een </a:t>
+            </a:r>
+            <a:r>
+              <a:rPr lang="nl-BE" baseline="0" dirty="0" err="1" smtClean="0"/>
+              <a:t>moduleid</a:t>
+            </a:r>
+            <a:r>
+              <a:rPr lang="nl-BE" baseline="0" dirty="0" smtClean="0"/>
+              <a:t>: module en view worden ingeladen en </a:t>
+            </a:r>
+            <a:r>
+              <a:rPr lang="nl-BE" baseline="0" dirty="0" err="1" smtClean="0"/>
+              <a:t>gebind</a:t>
+            </a:r>
+            <a:r>
+              <a:rPr lang="nl-BE" baseline="0" dirty="0" smtClean="0"/>
+              <a:t> aan elkaar</a:t>
+            </a:r>
+          </a:p>
+          <a:p>
+            <a:r>
+              <a:rPr lang="nl-BE" baseline="0" dirty="0" smtClean="0"/>
+              <a:t>	indien een object</a:t>
+            </a:r>
+          </a:p>
+          <a:p>
+            <a:r>
+              <a:rPr lang="nl-BE" baseline="0" dirty="0" smtClean="0"/>
+              <a:t>		bijpassende view wordt opgezocht, beiden worden aan elkaar </a:t>
+            </a:r>
+            <a:r>
+              <a:rPr lang="nl-BE" baseline="0" dirty="0" err="1" smtClean="0"/>
+              <a:t>gebind</a:t>
+            </a:r>
+            <a:endParaRPr lang="nl-BE" baseline="0" dirty="0" smtClean="0"/>
+          </a:p>
+          <a:p>
+            <a:r>
+              <a:rPr lang="nl-BE" baseline="0" dirty="0" smtClean="0"/>
+              <a:t>	indien een </a:t>
             </a:r>
             <a:r>
               <a:rPr lang="nl-BE" baseline="0" dirty="0" err="1" smtClean="0"/>
               <a:t>function</a:t>
             </a:r>
-            <a:r>
-              <a:rPr lang="nl-BE" baseline="0" dirty="0" smtClean="0"/>
-              <a:t> om view te vinden indien niet gegeven</a:t>
-            </a:r>
-          </a:p>
-          <a:p>
-            <a:r>
-              <a:rPr lang="nl-BE" baseline="0" dirty="0" err="1" smtClean="0"/>
-              <a:t>transition</a:t>
-            </a:r>
-            <a:r>
-              <a:rPr lang="nl-BE" baseline="0" dirty="0" smtClean="0"/>
-              <a:t>: </a:t>
+            <a:endParaRPr lang="nl-BE" baseline="0" dirty="0" smtClean="0"/>
+          </a:p>
+          <a:p>
+            <a:r>
+              <a:rPr lang="nl-BE" baseline="0" dirty="0" smtClean="0"/>
+              <a:t>		</a:t>
             </a:r>
             <a:r>
               <a:rPr lang="nl-BE" baseline="0" dirty="0" err="1" smtClean="0"/>
@@ -1970,59 +2089,20 @@
             </a:r>
             <a:r>
               <a:rPr lang="nl-BE" baseline="0" dirty="0" smtClean="0"/>
-              <a:t> om wijziging van views in DOM te animeren, je kan je eigen </a:t>
-            </a:r>
+              <a:t> wordt opgeroepen met new, view wordt gezocht voor object, binding</a:t>
+            </a:r>
+          </a:p>
+          <a:p>
+            <a:endParaRPr lang="nl-BE" baseline="0" dirty="0" smtClean="0"/>
+          </a:p>
+          <a:p>
             <a:r>
               <a:rPr lang="nl-BE" baseline="0" dirty="0" err="1" smtClean="0"/>
-              <a:t>transitions</a:t>
-            </a:r>
-            <a:r>
-              <a:rPr lang="nl-BE" baseline="0" dirty="0" smtClean="0"/>
-              <a:t> definiëren</a:t>
-            </a:r>
-          </a:p>
-          <a:p>
-            <a:r>
-              <a:rPr lang="nl-BE" baseline="0" dirty="0" err="1" smtClean="0"/>
-              <a:t>cacheViews</a:t>
-            </a:r>
-            <a:r>
-              <a:rPr lang="nl-BE" baseline="0" dirty="0" smtClean="0"/>
-              <a:t>: views worden bijgehouden en hergebruikt indien binding op hetzelfde object gebeurt</a:t>
-            </a:r>
-          </a:p>
-          <a:p>
-            <a:r>
-              <a:rPr lang="nl-BE" baseline="0" dirty="0" err="1" smtClean="0"/>
-              <a:t>activate</a:t>
-            </a:r>
-            <a:r>
-              <a:rPr lang="nl-BE" baseline="0" dirty="0" smtClean="0"/>
-              <a:t>: indien </a:t>
-            </a:r>
-            <a:r>
-              <a:rPr lang="nl-BE" baseline="0" dirty="0" err="1" smtClean="0"/>
-              <a:t>activate</a:t>
-            </a:r>
-            <a:r>
-              <a:rPr lang="nl-BE" baseline="0" dirty="0" smtClean="0"/>
-              <a:t> op je viewmodel niet </a:t>
-            </a:r>
-            <a:r>
-              <a:rPr lang="nl-BE" baseline="0" dirty="0" err="1" smtClean="0"/>
-              <a:t>gecalled</a:t>
-            </a:r>
-            <a:r>
-              <a:rPr lang="nl-BE" baseline="0" dirty="0" smtClean="0"/>
-              <a:t> moet worden (default: </a:t>
-            </a:r>
-            <a:r>
-              <a:rPr lang="nl-BE" baseline="0" dirty="0" err="1" smtClean="0"/>
-              <a:t>true</a:t>
-            </a:r>
-            <a:r>
-              <a:rPr lang="nl-BE" baseline="0" dirty="0" smtClean="0"/>
-              <a:t>)</a:t>
+              <a:t>Compose</a:t>
+            </a:r>
+            <a:r>
+              <a:rPr lang="nl-BE" baseline="0" dirty="0" smtClean="0"/>
+              <a:t> met object met view en/of model property: werkt in het algemeen zoals je zou verwachten</a:t>
             </a:r>
           </a:p>
           <a:p>
@@ -2031,41 +2111,28 @@
           <a:p>
             <a:r>
               <a:rPr lang="nl-BE" baseline="0" dirty="0" smtClean="0"/>
-              <a:t>Veel extra mogelijkheden. De </a:t>
-            </a:r>
-            <a:r>
-              <a:rPr lang="nl-BE" baseline="0" dirty="0" err="1" smtClean="0"/>
-              <a:t>composition</a:t>
-            </a:r>
-            <a:r>
-              <a:rPr lang="nl-BE" baseline="0" dirty="0" smtClean="0"/>
-              <a:t> </a:t>
-            </a:r>
-            <a:r>
-              <a:rPr lang="nl-BE" baseline="0" dirty="0" err="1" smtClean="0"/>
-              <a:t>lifecycle</a:t>
-            </a:r>
-            <a:r>
-              <a:rPr lang="nl-BE" baseline="0" dirty="0" smtClean="0"/>
-              <a:t> laat je toe om in te pikken op de verschillende momenten van </a:t>
-            </a:r>
-            <a:r>
-              <a:rPr lang="nl-BE" baseline="0" dirty="0" err="1" smtClean="0"/>
-              <a:t>composition</a:t>
-            </a:r>
-            <a:r>
-              <a:rPr lang="nl-BE" baseline="0" dirty="0" smtClean="0"/>
-              <a:t>. Een beetje zoals ASP.NET page </a:t>
-            </a:r>
-            <a:r>
-              <a:rPr lang="nl-BE" baseline="0" dirty="0" err="1" smtClean="0"/>
-              <a:t>lifecycle</a:t>
-            </a:r>
-            <a:r>
-              <a:rPr lang="nl-BE" baseline="0" dirty="0" smtClean="0"/>
-              <a:t>. Bestaat uit:</a:t>
-            </a:r>
-            <a:endParaRPr lang="en-US" dirty="0"/>
+              <a:t>Indien er iets niet lukt (bv geen view gevonden,…) </a:t>
+            </a:r>
+            <a:r>
+              <a:rPr lang="nl-BE" baseline="0" dirty="0" smtClean="0">
+                <a:sym typeface="Wingdings" panose="05000000000000000000" pitchFamily="2" charset="2"/>
+              </a:rPr>
+              <a:t> er zal niks in de DOM te zien zijn</a:t>
+            </a:r>
+          </a:p>
+          <a:p>
+            <a:endParaRPr lang="nl-BE" baseline="0" dirty="0" smtClean="0">
+              <a:sym typeface="Wingdings" panose="05000000000000000000" pitchFamily="2" charset="2"/>
+            </a:endParaRPr>
+          </a:p>
+          <a:p>
+            <a:r>
+              <a:rPr lang="nl-BE" baseline="0" dirty="0" smtClean="0">
+                <a:sym typeface="Wingdings" panose="05000000000000000000" pitchFamily="2" charset="2"/>
+              </a:rPr>
+              <a:t>In demo: home.html en beers.html</a:t>
+            </a:r>
+            <a:endParaRPr lang="nl-BE" baseline="0" dirty="0" smtClean="0"/>
           </a:p>
         </p:txBody>
       </p:sp>
@@ -2095,7 +2162,7 @@
     </p:spTree>
     <p:extLst>
       <p:ext uri="{BB962C8B-B14F-4D97-AF65-F5344CB8AC3E}">
-        <p14:creationId xmlns:p14="http://schemas.microsoft.com/office/powerpoint/2010/main" val="1389305066"/>
+        <p14:creationId xmlns:p14="http://schemas.microsoft.com/office/powerpoint/2010/main" val="2510050687"/>
       </p:ext>
     </p:extLst>
   </p:cSld>
@@ -2150,24 +2217,149 @@
           <a:lstStyle/>
           <a:p>
             <a:r>
-              <a:rPr lang="nl-BE" dirty="0" err="1" smtClean="0"/>
-              <a:t>urlArgs</a:t>
-            </a:r>
-            <a:r>
-              <a:rPr lang="nl-BE" dirty="0" smtClean="0"/>
-              <a:t> worden toegevoegd</a:t>
-            </a:r>
-            <a:r>
-              <a:rPr lang="nl-BE" baseline="0" dirty="0" smtClean="0"/>
-              <a:t> aan iedere </a:t>
+              <a:rPr lang="nl-BE" dirty="0" smtClean="0"/>
+              <a:t>Extra opties voor je </a:t>
+            </a:r>
+            <a:r>
+              <a:rPr lang="nl-BE" dirty="0" err="1" smtClean="0"/>
+              <a:t>compose</a:t>
+            </a:r>
+            <a:r>
+              <a:rPr lang="nl-BE" dirty="0" smtClean="0"/>
+              <a:t> binding.</a:t>
+            </a:r>
+          </a:p>
+          <a:p>
+            <a:r>
+              <a:rPr lang="nl-BE" dirty="0" err="1" smtClean="0"/>
+              <a:t>strategy</a:t>
+            </a:r>
+            <a:r>
+              <a:rPr lang="nl-BE" dirty="0" smtClean="0"/>
+              <a:t>:</a:t>
+            </a:r>
+            <a:r>
+              <a:rPr lang="nl-BE" baseline="0" dirty="0" smtClean="0"/>
+              <a:t> </a:t>
             </a:r>
             <a:r>
               <a:rPr lang="nl-BE" baseline="0" dirty="0" err="1" smtClean="0"/>
-              <a:t>request</a:t>
-            </a:r>
-            <a:r>
-              <a:rPr lang="nl-BE" baseline="0" dirty="0" smtClean="0"/>
-              <a:t>, best niet in productie zetten</a:t>
+              <a:t>function</a:t>
+            </a:r>
+            <a:r>
+              <a:rPr lang="nl-BE" baseline="0" dirty="0" smtClean="0"/>
+              <a:t> om view te vinden indien niet gegeven</a:t>
+            </a:r>
+          </a:p>
+          <a:p>
+            <a:r>
+              <a:rPr lang="nl-BE" baseline="0" dirty="0" err="1" smtClean="0"/>
+              <a:t>transition</a:t>
+            </a:r>
+            <a:r>
+              <a:rPr lang="nl-BE" baseline="0" dirty="0" smtClean="0"/>
+              <a:t>: </a:t>
+            </a:r>
+            <a:r>
+              <a:rPr lang="nl-BE" baseline="0" dirty="0" err="1" smtClean="0"/>
+              <a:t>function</a:t>
+            </a:r>
+            <a:r>
+              <a:rPr lang="nl-BE" baseline="0" dirty="0" smtClean="0"/>
+              <a:t> om wijziging van views in DOM te animeren, je kan je eigen </a:t>
+            </a:r>
+            <a:r>
+              <a:rPr lang="nl-BE" baseline="0" dirty="0" err="1" smtClean="0"/>
+              <a:t>transitions</a:t>
+            </a:r>
+            <a:r>
+              <a:rPr lang="nl-BE" baseline="0" dirty="0" smtClean="0"/>
+              <a:t> definiëren</a:t>
+            </a:r>
+          </a:p>
+          <a:p>
+            <a:r>
+              <a:rPr lang="nl-BE" baseline="0" dirty="0" err="1" smtClean="0"/>
+              <a:t>cacheViews</a:t>
+            </a:r>
+            <a:r>
+              <a:rPr lang="nl-BE" baseline="0" dirty="0" smtClean="0"/>
+              <a:t>: views worden bijgehouden en hergebruikt indien binding op hetzelfde object gebeurt</a:t>
+            </a:r>
+          </a:p>
+          <a:p>
+            <a:r>
+              <a:rPr lang="nl-BE" baseline="0" dirty="0" err="1" smtClean="0"/>
+              <a:t>activate</a:t>
+            </a:r>
+            <a:r>
+              <a:rPr lang="nl-BE" baseline="0" dirty="0" smtClean="0"/>
+              <a:t>: indien </a:t>
+            </a:r>
+            <a:r>
+              <a:rPr lang="nl-BE" baseline="0" dirty="0" err="1" smtClean="0"/>
+              <a:t>activate</a:t>
+            </a:r>
+            <a:r>
+              <a:rPr lang="nl-BE" baseline="0" dirty="0" smtClean="0"/>
+              <a:t> op je viewmodel niet </a:t>
+            </a:r>
+            <a:r>
+              <a:rPr lang="nl-BE" baseline="0" dirty="0" err="1" smtClean="0"/>
+              <a:t>gecalled</a:t>
+            </a:r>
+            <a:r>
+              <a:rPr lang="nl-BE" baseline="0" dirty="0" smtClean="0"/>
+              <a:t> moet worden (default: </a:t>
+            </a:r>
+            <a:r>
+              <a:rPr lang="nl-BE" baseline="0" dirty="0" err="1" smtClean="0"/>
+              <a:t>true</a:t>
+            </a:r>
+            <a:r>
+              <a:rPr lang="nl-BE" baseline="0" dirty="0" smtClean="0"/>
+              <a:t>)</a:t>
+            </a:r>
+          </a:p>
+          <a:p>
+            <a:endParaRPr lang="nl-BE" baseline="0" dirty="0" smtClean="0"/>
+          </a:p>
+          <a:p>
+            <a:r>
+              <a:rPr lang="nl-BE" baseline="0" dirty="0" smtClean="0"/>
+              <a:t>Veel extra mogelijkheden. De </a:t>
+            </a:r>
+            <a:r>
+              <a:rPr lang="nl-BE" baseline="0" dirty="0" err="1" smtClean="0"/>
+              <a:t>composition</a:t>
+            </a:r>
+            <a:r>
+              <a:rPr lang="nl-BE" baseline="0" dirty="0" smtClean="0"/>
+              <a:t> </a:t>
+            </a:r>
+            <a:r>
+              <a:rPr lang="nl-BE" baseline="0" dirty="0" err="1" smtClean="0"/>
+              <a:t>lifecycle</a:t>
+            </a:r>
+            <a:r>
+              <a:rPr lang="nl-BE" baseline="0" dirty="0" smtClean="0"/>
+              <a:t> laat je toe om in te pikken op de verschillende momenten van </a:t>
+            </a:r>
+            <a:r>
+              <a:rPr lang="nl-BE" baseline="0" dirty="0" err="1" smtClean="0"/>
+              <a:t>composition</a:t>
+            </a:r>
+            <a:r>
+              <a:rPr lang="nl-BE" baseline="0" dirty="0" smtClean="0"/>
+              <a:t>. Een beetje zoals ASP.NET page </a:t>
+            </a:r>
+            <a:r>
+              <a:rPr lang="nl-BE" baseline="0" dirty="0" err="1" smtClean="0"/>
+              <a:t>lifecycle</a:t>
+            </a:r>
+            <a:r>
+              <a:rPr lang="nl-BE" baseline="0" dirty="0" smtClean="0"/>
+              <a:t>. Bestaat uit:</a:t>
             </a:r>
             <a:endParaRPr lang="en-US" dirty="0"/>
           </a:p>
@@ -2199,7 +2391,7 @@
     </p:spTree>
     <p:extLst>
       <p:ext uri="{BB962C8B-B14F-4D97-AF65-F5344CB8AC3E}">
-        <p14:creationId xmlns:p14="http://schemas.microsoft.com/office/powerpoint/2010/main" val="1213175449"/>
+        <p14:creationId xmlns:p14="http://schemas.microsoft.com/office/powerpoint/2010/main" val="1389305066"/>
       </p:ext>
     </p:extLst>
   </p:cSld>
@@ -2390,38 +2582,25 @@
           <a:p>
             <a:r>
               <a:rPr lang="nl-BE" dirty="0" err="1" smtClean="0"/>
-              <a:t>showMessage</a:t>
-            </a:r>
-            <a:r>
-              <a:rPr lang="nl-BE" dirty="0" smtClean="0"/>
-              <a:t> voorbeeld bij</a:t>
-            </a:r>
-            <a:r>
-              <a:rPr lang="nl-BE" baseline="0" dirty="0" smtClean="0"/>
-              <a:t> verwijderen van een bier</a:t>
-            </a:r>
-          </a:p>
-          <a:p>
-            <a:r>
-              <a:rPr lang="nl-BE" baseline="0" dirty="0" smtClean="0"/>
-              <a:t>Ook mogelijk om je eigen </a:t>
+              <a:t>urlArgs</a:t>
+            </a:r>
+            <a:r>
+              <a:rPr lang="nl-BE" dirty="0" smtClean="0"/>
+              <a:t> worden toegevoegd</a:t>
+            </a:r>
+            <a:r>
+              <a:rPr lang="nl-BE" baseline="0" dirty="0" smtClean="0"/>
+              <a:t> aan iedere </a:t>
             </a:r>
             <a:r>
               <a:rPr lang="nl-BE" baseline="0" dirty="0" err="1" smtClean="0"/>
-              <a:t>dialog</a:t>
-            </a:r>
-            <a:r>
-              <a:rPr lang="nl-BE" baseline="0" dirty="0" smtClean="0"/>
-              <a:t> te ontwerpen voor </a:t>
-            </a:r>
-            <a:r>
-              <a:rPr lang="nl-BE" baseline="0" dirty="0" err="1" smtClean="0"/>
-              <a:t>showDialog</a:t>
-            </a:r>
-            <a:r>
-              <a:rPr lang="nl-BE" baseline="0" dirty="0" smtClean="0"/>
-              <a:t>, zie search</a:t>
-            </a:r>
+              <a:t>request</a:t>
+            </a:r>
+            <a:r>
+              <a:rPr lang="nl-BE" baseline="0" dirty="0" smtClean="0"/>
+              <a:t>, best niet in productie zetten</a:t>
+            </a:r>
+            <a:endParaRPr lang="en-US" dirty="0"/>
           </a:p>
         </p:txBody>
       </p:sp>
@@ -2451,7 +2630,7 @@
     </p:spTree>
     <p:extLst>
       <p:ext uri="{BB962C8B-B14F-4D97-AF65-F5344CB8AC3E}">
-        <p14:creationId xmlns:p14="http://schemas.microsoft.com/office/powerpoint/2010/main" val="3055863286"/>
+        <p14:creationId xmlns:p14="http://schemas.microsoft.com/office/powerpoint/2010/main" val="1213175449"/>
       </p:ext>
     </p:extLst>
   </p:cSld>
@@ -2507,44 +2686,38 @@
           <a:p>
             <a:r>
               <a:rPr lang="nl-BE" dirty="0" err="1" smtClean="0"/>
-              <a:t>applicationHost</a:t>
-            </a:r>
-            <a:r>
-              <a:rPr lang="nl-BE" dirty="0" smtClean="0"/>
-              <a:t> is waar alles in gebeurt, hierin</a:t>
-            </a:r>
-            <a:r>
-              <a:rPr lang="nl-BE" baseline="0" dirty="0" smtClean="0"/>
-              <a:t> plaatst </a:t>
+              <a:t>showMessage</a:t>
+            </a:r>
+            <a:r>
+              <a:rPr lang="nl-BE" dirty="0" smtClean="0"/>
+              <a:t> voorbeeld bij</a:t>
+            </a:r>
+            <a:r>
+              <a:rPr lang="nl-BE" baseline="0" dirty="0" smtClean="0"/>
+              <a:t> verwijderen van een bier</a:t>
+            </a:r>
+          </a:p>
+          <a:p>
+            <a:r>
+              <a:rPr lang="nl-BE" baseline="0" dirty="0" smtClean="0"/>
+              <a:t>Ook mogelijk om je eigen </a:t>
             </a:r>
             <a:r>
               <a:rPr lang="nl-BE" baseline="0" dirty="0" err="1" smtClean="0"/>
-              <a:t>Durandal</a:t>
-            </a:r>
-            <a:r>
-              <a:rPr lang="nl-BE" baseline="0" dirty="0" smtClean="0"/>
-              <a:t> je views</a:t>
-            </a:r>
-            <a:endParaRPr lang="nl-BE" dirty="0" smtClean="0"/>
-          </a:p>
-          <a:p>
-            <a:r>
-              <a:rPr lang="nl-BE" dirty="0" smtClean="0"/>
-              <a:t>HTML die er al in staat wordt overschreven,</a:t>
-            </a:r>
-            <a:r>
-              <a:rPr lang="nl-BE" baseline="0" dirty="0" smtClean="0"/>
-              <a:t> maar kan als </a:t>
+              <a:t>dialog</a:t>
+            </a:r>
+            <a:r>
+              <a:rPr lang="nl-BE" baseline="0" dirty="0" smtClean="0"/>
+              <a:t> te ontwerpen voor </a:t>
             </a:r>
             <a:r>
               <a:rPr lang="nl-BE" baseline="0" dirty="0" err="1" smtClean="0"/>
-              <a:t>splashscreen</a:t>
-            </a:r>
-            <a:r>
-              <a:rPr lang="nl-BE" baseline="0" dirty="0" smtClean="0"/>
-              <a:t> dienen (deze techniek kan overal toegepast worden)</a:t>
-            </a:r>
-            <a:endParaRPr lang="en-US" dirty="0"/>
+              <a:t>showDialog</a:t>
+            </a:r>
+            <a:r>
+              <a:rPr lang="nl-BE" baseline="0" dirty="0" smtClean="0"/>
+              <a:t>, zie search</a:t>
+            </a:r>
           </a:p>
         </p:txBody>
       </p:sp>
@@ -2574,7 +2747,7 @@
     </p:spTree>
     <p:extLst>
       <p:ext uri="{BB962C8B-B14F-4D97-AF65-F5344CB8AC3E}">
-        <p14:creationId xmlns:p14="http://schemas.microsoft.com/office/powerpoint/2010/main" val="1795069426"/>
+        <p14:creationId xmlns:p14="http://schemas.microsoft.com/office/powerpoint/2010/main" val="3055863286"/>
       </p:ext>
     </p:extLst>
   </p:cSld>
@@ -2628,6 +2801,45 @@
           <a:bodyPr/>
           <a:lstStyle/>
           <a:p>
+            <a:r>
+              <a:rPr lang="nl-BE" dirty="0" err="1" smtClean="0"/>
+              <a:t>applicationHost</a:t>
+            </a:r>
+            <a:r>
+              <a:rPr lang="nl-BE" dirty="0" smtClean="0"/>
+              <a:t> is waar alles in gebeurt, hierin</a:t>
+            </a:r>
+            <a:r>
+              <a:rPr lang="nl-BE" baseline="0" dirty="0" smtClean="0"/>
+              <a:t> plaatst </a:t>
+            </a:r>
+            <a:r>
+              <a:rPr lang="nl-BE" baseline="0" dirty="0" err="1" smtClean="0"/>
+              <a:t>Durandal</a:t>
+            </a:r>
+            <a:r>
+              <a:rPr lang="nl-BE" baseline="0" dirty="0" smtClean="0"/>
+              <a:t> je views</a:t>
+            </a:r>
+            <a:endParaRPr lang="nl-BE" dirty="0" smtClean="0"/>
+          </a:p>
+          <a:p>
+            <a:r>
+              <a:rPr lang="nl-BE" dirty="0" smtClean="0"/>
+              <a:t>HTML die er al in staat wordt overschreven,</a:t>
+            </a:r>
+            <a:r>
+              <a:rPr lang="nl-BE" baseline="0" dirty="0" smtClean="0"/>
+              <a:t> maar kan als </a:t>
+            </a:r>
+            <a:r>
+              <a:rPr lang="nl-BE" baseline="0" dirty="0" err="1" smtClean="0"/>
+              <a:t>splashscreen</a:t>
+            </a:r>
+            <a:r>
+              <a:rPr lang="nl-BE" baseline="0" dirty="0" smtClean="0"/>
+              <a:t> dienen (deze techniek kan overal toegepast worden)</a:t>
+            </a:r>
             <a:endParaRPr lang="en-US" dirty="0"/>
           </a:p>
         </p:txBody>
@@ -2658,7 +2870,7 @@
     </p:spTree>
     <p:extLst>
       <p:ext uri="{BB962C8B-B14F-4D97-AF65-F5344CB8AC3E}">
-        <p14:creationId xmlns:p14="http://schemas.microsoft.com/office/powerpoint/2010/main" val="2754514785"/>
+        <p14:creationId xmlns:p14="http://schemas.microsoft.com/office/powerpoint/2010/main" val="1795069426"/>
       </p:ext>
     </p:extLst>
   </p:cSld>
@@ -2712,398 +2924,6 @@
           <a:bodyPr/>
           <a:lstStyle/>
           <a:p>
-            <a:r>
-              <a:rPr lang="nl-BE" dirty="0" smtClean="0"/>
-              <a:t>Router </a:t>
-            </a:r>
-            <a:r>
-              <a:rPr lang="nl-BE" dirty="0" err="1" smtClean="0"/>
-              <a:t>mappings</a:t>
-            </a:r>
-            <a:r>
-              <a:rPr lang="nl-BE" dirty="0" smtClean="0"/>
-              <a:t>:</a:t>
-            </a:r>
-          </a:p>
-          <a:p>
-            <a:r>
-              <a:rPr lang="nl-BE" dirty="0" smtClean="0"/>
-              <a:t>	route:</a:t>
-            </a:r>
-            <a:r>
-              <a:rPr lang="nl-BE" baseline="0" dirty="0" smtClean="0"/>
-              <a:t> wat in de </a:t>
-            </a:r>
-            <a:r>
-              <a:rPr lang="nl-BE" baseline="0" dirty="0" err="1" smtClean="0"/>
-              <a:t>url</a:t>
-            </a:r>
-            <a:r>
-              <a:rPr lang="nl-BE" baseline="0" dirty="0" smtClean="0"/>
-              <a:t> te zien is, leeg is de default route</a:t>
-            </a:r>
-          </a:p>
-          <a:p>
-            <a:r>
-              <a:rPr lang="nl-BE" baseline="0" dirty="0" smtClean="0"/>
-              <a:t>	</a:t>
-            </a:r>
-            <a:r>
-              <a:rPr lang="nl-BE" baseline="0" dirty="0" err="1" smtClean="0"/>
-              <a:t>title</a:t>
-            </a:r>
-            <a:r>
-              <a:rPr lang="nl-BE" baseline="0" dirty="0" smtClean="0"/>
-              <a:t>: gebruikt voor </a:t>
-            </a:r>
-            <a:r>
-              <a:rPr lang="nl-BE" baseline="0" dirty="0" err="1" smtClean="0"/>
-              <a:t>document.title</a:t>
-            </a:r>
-            <a:endParaRPr lang="nl-BE" baseline="0" dirty="0" smtClean="0"/>
-          </a:p>
-          <a:p>
-            <a:r>
-              <a:rPr lang="nl-BE" baseline="0" dirty="0" smtClean="0"/>
-              <a:t>	</a:t>
-            </a:r>
-            <a:r>
-              <a:rPr lang="nl-BE" baseline="0" dirty="0" err="1" smtClean="0"/>
-              <a:t>moduleId</a:t>
-            </a:r>
-            <a:r>
-              <a:rPr lang="nl-BE" baseline="0" dirty="0" smtClean="0"/>
-              <a:t>: </a:t>
-            </a:r>
-            <a:r>
-              <a:rPr lang="nl-BE" baseline="0" dirty="0" err="1" smtClean="0"/>
-              <a:t>id</a:t>
-            </a:r>
-            <a:r>
-              <a:rPr lang="nl-BE" baseline="0" dirty="0" smtClean="0"/>
-              <a:t> van je module, ook gebruikt om viewmodel op te sporen (en daarna bijbehorende view)</a:t>
-            </a:r>
-          </a:p>
-          <a:p>
-            <a:r>
-              <a:rPr lang="nl-BE" baseline="0" dirty="0" smtClean="0"/>
-              <a:t>	</a:t>
-            </a:r>
-            <a:r>
-              <a:rPr lang="nl-BE" baseline="0" dirty="0" err="1" smtClean="0"/>
-              <a:t>nav</a:t>
-            </a:r>
-            <a:r>
-              <a:rPr lang="nl-BE" baseline="0" dirty="0" smtClean="0"/>
-              <a:t>: of het opgenomen moet worden in </a:t>
-            </a:r>
-            <a:r>
-              <a:rPr lang="nl-BE" baseline="0" dirty="0" err="1" smtClean="0"/>
-              <a:t>router.navigationModel</a:t>
-            </a:r>
-            <a:r>
-              <a:rPr lang="nl-BE" baseline="0" dirty="0" smtClean="0"/>
-              <a:t> (</a:t>
-            </a:r>
-            <a:r>
-              <a:rPr lang="nl-BE" baseline="0" dirty="0" err="1" smtClean="0"/>
-              <a:t>true</a:t>
-            </a:r>
-            <a:r>
-              <a:rPr lang="nl-BE" baseline="0" dirty="0" smtClean="0"/>
-              <a:t>/</a:t>
-            </a:r>
-            <a:r>
-              <a:rPr lang="nl-BE" baseline="0" dirty="0" err="1" smtClean="0"/>
-              <a:t>false</a:t>
-            </a:r>
-            <a:r>
-              <a:rPr lang="nl-BE" baseline="0" dirty="0" smtClean="0"/>
-              <a:t>) of de volgorde (int)</a:t>
-            </a:r>
-          </a:p>
-          <a:p>
-            <a:endParaRPr lang="nl-BE" baseline="0" dirty="0" smtClean="0"/>
-          </a:p>
-          <a:p>
-            <a:r>
-              <a:rPr lang="nl-BE" baseline="0" dirty="0" smtClean="0"/>
-              <a:t>	parameters: </a:t>
-            </a:r>
-            <a:r>
-              <a:rPr lang="nl-BE" baseline="0" dirty="0" err="1" smtClean="0"/>
-              <a:t>myRoute</a:t>
-            </a:r>
-            <a:r>
-              <a:rPr lang="nl-BE" baseline="0" dirty="0" smtClean="0"/>
-              <a:t>/:</a:t>
-            </a:r>
-            <a:r>
-              <a:rPr lang="nl-BE" baseline="0" dirty="0" err="1" smtClean="0"/>
-              <a:t>id</a:t>
-            </a:r>
-            <a:r>
-              <a:rPr lang="nl-BE" baseline="0" dirty="0" smtClean="0"/>
-              <a:t> of indien optioneel: </a:t>
-            </a:r>
-            <a:r>
-              <a:rPr lang="nl-BE" baseline="0" dirty="0" err="1" smtClean="0"/>
-              <a:t>myRoute</a:t>
-            </a:r>
-            <a:r>
-              <a:rPr lang="nl-BE" baseline="0" dirty="0" smtClean="0"/>
-              <a:t>(/:</a:t>
-            </a:r>
-            <a:r>
-              <a:rPr lang="nl-BE" baseline="0" dirty="0" err="1" smtClean="0"/>
-              <a:t>id</a:t>
-            </a:r>
-            <a:r>
-              <a:rPr lang="nl-BE" baseline="0" dirty="0" smtClean="0"/>
-              <a:t>)</a:t>
-            </a:r>
-          </a:p>
-          <a:p>
-            <a:r>
-              <a:rPr lang="nl-BE" baseline="0" dirty="0" smtClean="0"/>
-              <a:t>		meerdere parameters zijn mogelijk, volgorde wordt bewaard in </a:t>
-            </a:r>
-            <a:r>
-              <a:rPr lang="nl-BE" baseline="0" dirty="0" err="1" smtClean="0"/>
-              <a:t>activate</a:t>
-            </a:r>
-            <a:r>
-              <a:rPr lang="nl-BE" baseline="0" dirty="0" smtClean="0"/>
-              <a:t> call</a:t>
-            </a:r>
-          </a:p>
-          <a:p>
-            <a:r>
-              <a:rPr lang="nl-BE" baseline="0" dirty="0" smtClean="0"/>
-              <a:t>		</a:t>
-            </a:r>
-            <a:r>
-              <a:rPr lang="nl-BE" baseline="0" dirty="0" err="1" smtClean="0"/>
-              <a:t>queryString</a:t>
-            </a:r>
-            <a:r>
-              <a:rPr lang="nl-BE" baseline="0" dirty="0" smtClean="0"/>
-              <a:t> is laatste object in </a:t>
-            </a:r>
-            <a:r>
-              <a:rPr lang="nl-BE" baseline="0" dirty="0" err="1" smtClean="0"/>
-              <a:t>activate</a:t>
-            </a:r>
-            <a:r>
-              <a:rPr lang="nl-BE" baseline="0" dirty="0" smtClean="0"/>
-              <a:t> </a:t>
-            </a:r>
-            <a:r>
-              <a:rPr lang="nl-BE" baseline="0" dirty="0" err="1" smtClean="0"/>
-              <a:t>and</a:t>
-            </a:r>
-            <a:r>
-              <a:rPr lang="nl-BE" baseline="0" dirty="0" smtClean="0"/>
-              <a:t> is een JS object met </a:t>
-            </a:r>
-            <a:r>
-              <a:rPr lang="nl-BE" baseline="0" dirty="0" err="1" smtClean="0"/>
-              <a:t>properties</a:t>
-            </a:r>
-            <a:r>
-              <a:rPr lang="nl-BE" baseline="0" dirty="0" smtClean="0"/>
-              <a:t> volgens querystring </a:t>
-            </a:r>
-            <a:r>
-              <a:rPr lang="nl-BE" baseline="0" dirty="0" err="1" smtClean="0"/>
-              <a:t>keys</a:t>
-            </a:r>
-            <a:endParaRPr lang="nl-BE" baseline="0" dirty="0" smtClean="0"/>
-          </a:p>
-          <a:p>
-            <a:r>
-              <a:rPr lang="nl-BE" baseline="0" dirty="0" smtClean="0"/>
-              <a:t>	</a:t>
-            </a:r>
-            <a:r>
-              <a:rPr lang="nl-BE" baseline="0" dirty="0" err="1" smtClean="0"/>
-              <a:t>splat</a:t>
-            </a:r>
-            <a:r>
-              <a:rPr lang="nl-BE" baseline="0" dirty="0" smtClean="0"/>
-              <a:t> route: </a:t>
-            </a:r>
-            <a:r>
-              <a:rPr lang="nl-BE" baseline="0" dirty="0" err="1" smtClean="0"/>
-              <a:t>myRoute</a:t>
-            </a:r>
-            <a:r>
-              <a:rPr lang="nl-BE" baseline="0" dirty="0" smtClean="0"/>
-              <a:t>*details</a:t>
-            </a:r>
-          </a:p>
-          <a:p>
-            <a:r>
-              <a:rPr lang="nl-BE" baseline="0" dirty="0" smtClean="0"/>
-              <a:t>	</a:t>
-            </a:r>
-            <a:endParaRPr lang="nl-BE" dirty="0" smtClean="0"/>
-          </a:p>
-          <a:p>
-            <a:r>
-              <a:rPr lang="nl-BE" dirty="0" err="1" smtClean="0"/>
-              <a:t>buildNavigationModel</a:t>
-            </a:r>
-            <a:r>
-              <a:rPr lang="nl-BE" dirty="0" smtClean="0"/>
-              <a:t>: alle routes met </a:t>
-            </a:r>
-            <a:r>
-              <a:rPr lang="nl-BE" dirty="0" err="1" smtClean="0"/>
-              <a:t>nav</a:t>
-            </a:r>
-            <a:r>
-              <a:rPr lang="nl-BE" dirty="0" smtClean="0"/>
-              <a:t>: </a:t>
-            </a:r>
-            <a:r>
-              <a:rPr lang="nl-BE" dirty="0" err="1" smtClean="0"/>
-              <a:t>true</a:t>
-            </a:r>
-            <a:r>
-              <a:rPr lang="nl-BE" dirty="0" smtClean="0"/>
-              <a:t> worden in de array </a:t>
-            </a:r>
-            <a:r>
-              <a:rPr lang="nl-BE" dirty="0" err="1" smtClean="0"/>
-              <a:t>router.navigationModel</a:t>
-            </a:r>
-            <a:r>
-              <a:rPr lang="nl-BE" dirty="0" smtClean="0"/>
-              <a:t> gegoten om te kunnen binden in navigatie</a:t>
-            </a:r>
-            <a:r>
-              <a:rPr lang="nl-BE" baseline="0" dirty="0" smtClean="0"/>
-              <a:t> (zie shell.html)</a:t>
-            </a:r>
-          </a:p>
-          <a:p>
-            <a:endParaRPr lang="nl-BE" baseline="0" dirty="0" smtClean="0"/>
-          </a:p>
-          <a:p>
-            <a:r>
-              <a:rPr lang="nl-BE" baseline="0" dirty="0" smtClean="0"/>
-              <a:t>Router gebruiken:</a:t>
-            </a:r>
-          </a:p>
-          <a:p>
-            <a:r>
-              <a:rPr lang="nl-BE" baseline="0" dirty="0" smtClean="0"/>
-              <a:t>	indien &lt;a&gt;: </a:t>
-            </a:r>
-            <a:r>
-              <a:rPr lang="nl-BE" baseline="0" dirty="0" err="1" smtClean="0"/>
-              <a:t>hash</a:t>
-            </a:r>
-            <a:r>
-              <a:rPr lang="nl-BE" baseline="0" dirty="0" smtClean="0"/>
-              <a:t> gebruiken (zie beers.html en </a:t>
-            </a:r>
-            <a:r>
-              <a:rPr lang="nl-BE" baseline="0" dirty="0" err="1" smtClean="0"/>
-              <a:t>add</a:t>
-            </a:r>
-            <a:r>
-              <a:rPr lang="nl-BE" baseline="0" dirty="0" smtClean="0"/>
-              <a:t> link)</a:t>
-            </a:r>
-          </a:p>
-          <a:p>
-            <a:r>
-              <a:rPr lang="nl-BE" baseline="0" dirty="0" smtClean="0"/>
-              <a:t>	vanuit JS: </a:t>
-            </a:r>
-            <a:r>
-              <a:rPr lang="nl-BE" baseline="0" dirty="0" err="1" smtClean="0"/>
-              <a:t>router.navigate</a:t>
-            </a:r>
-            <a:r>
-              <a:rPr lang="nl-BE" baseline="0" dirty="0" smtClean="0"/>
-              <a:t>(‘#</a:t>
-            </a:r>
-            <a:r>
-              <a:rPr lang="nl-BE" baseline="0" dirty="0" err="1" smtClean="0"/>
-              <a:t>hash</a:t>
-            </a:r>
-            <a:r>
-              <a:rPr lang="nl-BE" baseline="0" dirty="0" smtClean="0"/>
-              <a:t>’); (zie add.js)</a:t>
-            </a:r>
-          </a:p>
-          <a:p>
-            <a:endParaRPr lang="nl-BE" baseline="0" dirty="0" smtClean="0"/>
-          </a:p>
-          <a:p>
-            <a:r>
-              <a:rPr lang="nl-BE" baseline="0" dirty="0" smtClean="0"/>
-              <a:t>Router kan nog meer:</a:t>
-            </a:r>
-          </a:p>
-          <a:p>
-            <a:r>
-              <a:rPr lang="nl-BE" baseline="0" dirty="0" smtClean="0"/>
-              <a:t>	</a:t>
-            </a:r>
-            <a:r>
-              <a:rPr lang="nl-BE" baseline="0" dirty="0" err="1" smtClean="0"/>
-              <a:t>history</a:t>
-            </a:r>
-            <a:r>
-              <a:rPr lang="nl-BE" baseline="0" dirty="0" smtClean="0"/>
-              <a:t> veranderen</a:t>
-            </a:r>
-          </a:p>
-          <a:p>
-            <a:r>
-              <a:rPr lang="nl-BE" baseline="0" dirty="0" smtClean="0"/>
-              <a:t>	</a:t>
-            </a:r>
-            <a:r>
-              <a:rPr lang="nl-BE" baseline="0" dirty="0" err="1" smtClean="0"/>
-              <a:t>router.navigateBack</a:t>
-            </a:r>
-            <a:r>
-              <a:rPr lang="nl-BE" baseline="0" dirty="0" smtClean="0"/>
-              <a:t>() om terug te gaan</a:t>
-            </a:r>
-          </a:p>
-          <a:p>
-            <a:r>
-              <a:rPr lang="nl-BE" baseline="0" dirty="0" smtClean="0"/>
-              <a:t>	routes die niet </a:t>
-            </a:r>
-            <a:r>
-              <a:rPr lang="nl-BE" baseline="0" dirty="0" err="1" smtClean="0"/>
-              <a:t>gematcht</a:t>
-            </a:r>
-            <a:r>
-              <a:rPr lang="nl-BE" baseline="0" dirty="0" smtClean="0"/>
-              <a:t> kunnen worden (zie shell.js)</a:t>
-            </a:r>
-          </a:p>
-          <a:p>
-            <a:r>
-              <a:rPr lang="nl-BE" baseline="0" dirty="0" smtClean="0"/>
-              <a:t>	</a:t>
-            </a:r>
-            <a:r>
-              <a:rPr lang="nl-BE" baseline="0" dirty="0" err="1" smtClean="0"/>
-              <a:t>child</a:t>
-            </a:r>
-            <a:r>
-              <a:rPr lang="nl-BE" baseline="0" dirty="0" smtClean="0"/>
-              <a:t> routers</a:t>
-            </a:r>
             <a:endParaRPr lang="en-US" dirty="0"/>
           </a:p>
         </p:txBody>
@@ -3134,7 +2954,7 @@
     </p:spTree>
     <p:extLst>
       <p:ext uri="{BB962C8B-B14F-4D97-AF65-F5344CB8AC3E}">
-        <p14:creationId xmlns:p14="http://schemas.microsoft.com/office/powerpoint/2010/main" val="3530374302"/>
+        <p14:creationId xmlns:p14="http://schemas.microsoft.com/office/powerpoint/2010/main" val="2754514785"/>
       </p:ext>
     </p:extLst>
   </p:cSld>
@@ -3190,90 +3010,395 @@
           <a:p>
             <a:r>
               <a:rPr lang="nl-BE" dirty="0" smtClean="0"/>
-              <a:t>http</a:t>
-            </a:r>
-            <a:r>
-              <a:rPr lang="nl-BE" baseline="0" dirty="0" smtClean="0"/>
-              <a:t> en </a:t>
+              <a:t>Router </a:t>
+            </a:r>
+            <a:r>
+              <a:rPr lang="nl-BE" dirty="0" err="1" smtClean="0"/>
+              <a:t>mappings</a:t>
+            </a:r>
+            <a:r>
+              <a:rPr lang="nl-BE" dirty="0" smtClean="0"/>
+              <a:t>:</a:t>
+            </a:r>
+          </a:p>
+          <a:p>
+            <a:r>
+              <a:rPr lang="nl-BE" dirty="0" smtClean="0"/>
+              <a:t>	route:</a:t>
+            </a:r>
+            <a:r>
+              <a:rPr lang="nl-BE" baseline="0" dirty="0" smtClean="0"/>
+              <a:t> wat in de </a:t>
             </a:r>
             <a:r>
               <a:rPr lang="nl-BE" baseline="0" dirty="0" err="1" smtClean="0"/>
-              <a:t>serializer</a:t>
-            </a:r>
-            <a:r>
-              <a:rPr lang="nl-BE" baseline="0" dirty="0" smtClean="0"/>
-              <a:t> zijn om met data van de backend te werken. J</a:t>
-            </a:r>
-            <a:r>
-              <a:rPr lang="nl-BE" dirty="0" smtClean="0"/>
-              <a:t>e kan uiteraard ook andere </a:t>
-            </a:r>
-            <a:r>
-              <a:rPr lang="nl-BE" dirty="0" err="1" smtClean="0"/>
-              <a:t>libraries</a:t>
-            </a:r>
-            <a:r>
-              <a:rPr lang="nl-BE" dirty="0" smtClean="0"/>
-              <a:t> gebruiken, bv </a:t>
-            </a:r>
-            <a:r>
-              <a:rPr lang="nl-BE" dirty="0" err="1" smtClean="0"/>
-              <a:t>jQuery</a:t>
+              <a:t>url</a:t>
+            </a:r>
+            <a:r>
+              <a:rPr lang="nl-BE" baseline="0" dirty="0" smtClean="0"/>
+              <a:t> te zien is, leeg is de default route</a:t>
+            </a:r>
+          </a:p>
+          <a:p>
+            <a:r>
+              <a:rPr lang="nl-BE" baseline="0" dirty="0" smtClean="0"/>
+              <a:t>	</a:t>
+            </a:r>
+            <a:r>
+              <a:rPr lang="nl-BE" baseline="0" dirty="0" err="1" smtClean="0"/>
+              <a:t>title</a:t>
+            </a:r>
+            <a:r>
+              <a:rPr lang="nl-BE" baseline="0" dirty="0" smtClean="0"/>
+              <a:t>: gebruikt voor </a:t>
+            </a:r>
+            <a:r>
+              <a:rPr lang="nl-BE" baseline="0" dirty="0" err="1" smtClean="0"/>
+              <a:t>document.title</a:t>
+            </a:r>
+            <a:endParaRPr lang="nl-BE" baseline="0" dirty="0" smtClean="0"/>
+          </a:p>
+          <a:p>
+            <a:r>
+              <a:rPr lang="nl-BE" baseline="0" dirty="0" smtClean="0"/>
+              <a:t>	</a:t>
+            </a:r>
+            <a:r>
+              <a:rPr lang="nl-BE" baseline="0" dirty="0" err="1" smtClean="0"/>
+              <a:t>moduleId</a:t>
+            </a:r>
+            <a:r>
+              <a:rPr lang="nl-BE" baseline="0" dirty="0" smtClean="0"/>
+              <a:t>: </a:t>
+            </a:r>
+            <a:r>
+              <a:rPr lang="nl-BE" baseline="0" dirty="0" err="1" smtClean="0"/>
+              <a:t>id</a:t>
+            </a:r>
+            <a:r>
+              <a:rPr lang="nl-BE" baseline="0" dirty="0" smtClean="0"/>
+              <a:t> van je module, ook gebruikt om viewmodel op te sporen (en daarna bijbehorende view)</a:t>
+            </a:r>
+          </a:p>
+          <a:p>
+            <a:r>
+              <a:rPr lang="nl-BE" baseline="0" dirty="0" smtClean="0"/>
+              <a:t>	</a:t>
+            </a:r>
+            <a:r>
+              <a:rPr lang="nl-BE" baseline="0" dirty="0" err="1" smtClean="0"/>
+              <a:t>nav</a:t>
+            </a:r>
+            <a:r>
+              <a:rPr lang="nl-BE" baseline="0" dirty="0" smtClean="0"/>
+              <a:t>: of het opgenomen moet worden in </a:t>
+            </a:r>
+            <a:r>
+              <a:rPr lang="nl-BE" baseline="0" dirty="0" err="1" smtClean="0"/>
+              <a:t>router.navigationModel</a:t>
+            </a:r>
+            <a:r>
+              <a:rPr lang="nl-BE" baseline="0" dirty="0" smtClean="0"/>
+              <a:t> (</a:t>
+            </a:r>
+            <a:r>
+              <a:rPr lang="nl-BE" baseline="0" dirty="0" err="1" smtClean="0"/>
+              <a:t>true</a:t>
+            </a:r>
+            <a:r>
+              <a:rPr lang="nl-BE" baseline="0" dirty="0" smtClean="0"/>
+              <a:t>/</a:t>
+            </a:r>
+            <a:r>
+              <a:rPr lang="nl-BE" baseline="0" dirty="0" err="1" smtClean="0"/>
+              <a:t>false</a:t>
+            </a:r>
+            <a:r>
+              <a:rPr lang="nl-BE" baseline="0" dirty="0" smtClean="0"/>
+              <a:t>) of de volgorde (int)</a:t>
+            </a:r>
+          </a:p>
+          <a:p>
+            <a:endParaRPr lang="nl-BE" baseline="0" dirty="0" smtClean="0"/>
+          </a:p>
+          <a:p>
+            <a:r>
+              <a:rPr lang="nl-BE" baseline="0" dirty="0" smtClean="0"/>
+              <a:t>	parameters: </a:t>
+            </a:r>
+            <a:r>
+              <a:rPr lang="nl-BE" baseline="0" dirty="0" err="1" smtClean="0"/>
+              <a:t>myRoute</a:t>
+            </a:r>
+            <a:r>
+              <a:rPr lang="nl-BE" baseline="0" dirty="0" smtClean="0"/>
+              <a:t>/:</a:t>
+            </a:r>
+            <a:r>
+              <a:rPr lang="nl-BE" baseline="0" dirty="0" err="1" smtClean="0"/>
+              <a:t>id</a:t>
+            </a:r>
+            <a:r>
+              <a:rPr lang="nl-BE" baseline="0" dirty="0" smtClean="0"/>
+              <a:t> of indien optioneel: </a:t>
+            </a:r>
+            <a:r>
+              <a:rPr lang="nl-BE" baseline="0" dirty="0" err="1" smtClean="0"/>
+              <a:t>myRoute</a:t>
+            </a:r>
+            <a:r>
+              <a:rPr lang="nl-BE" baseline="0" dirty="0" smtClean="0"/>
+              <a:t>(/:</a:t>
+            </a:r>
+            <a:r>
+              <a:rPr lang="nl-BE" baseline="0" dirty="0" err="1" smtClean="0"/>
+              <a:t>id</a:t>
+            </a:r>
+            <a:r>
+              <a:rPr lang="nl-BE" baseline="0" dirty="0" smtClean="0"/>
+              <a:t>)</a:t>
+            </a:r>
+          </a:p>
+          <a:p>
+            <a:r>
+              <a:rPr lang="nl-BE" baseline="0" dirty="0" smtClean="0"/>
+              <a:t>		meerdere parameters zijn mogelijk, volgorde wordt bewaard in </a:t>
+            </a:r>
+            <a:r>
+              <a:rPr lang="nl-BE" baseline="0" dirty="0" err="1" smtClean="0"/>
+              <a:t>activate</a:t>
+            </a:r>
+            <a:r>
+              <a:rPr lang="nl-BE" baseline="0" dirty="0" smtClean="0"/>
+              <a:t> call</a:t>
+            </a:r>
+          </a:p>
+          <a:p>
+            <a:r>
+              <a:rPr lang="nl-BE" baseline="0" dirty="0" smtClean="0"/>
+              <a:t>		</a:t>
+            </a:r>
+            <a:r>
+              <a:rPr lang="nl-BE" baseline="0" dirty="0" err="1" smtClean="0"/>
+              <a:t>queryString</a:t>
+            </a:r>
+            <a:r>
+              <a:rPr lang="nl-BE" baseline="0" dirty="0" smtClean="0"/>
+              <a:t> is laatste object in </a:t>
+            </a:r>
+            <a:r>
+              <a:rPr lang="nl-BE" baseline="0" dirty="0" err="1" smtClean="0"/>
+              <a:t>activate</a:t>
+            </a:r>
+            <a:r>
+              <a:rPr lang="nl-BE" baseline="0" dirty="0" smtClean="0"/>
+              <a:t> </a:t>
+            </a:r>
+            <a:r>
+              <a:rPr lang="nl-BE" baseline="0" dirty="0" err="1" smtClean="0"/>
+              <a:t>and</a:t>
+            </a:r>
+            <a:r>
+              <a:rPr lang="nl-BE" baseline="0" dirty="0" smtClean="0"/>
+              <a:t> is een JS object met </a:t>
+            </a:r>
+            <a:r>
+              <a:rPr lang="nl-BE" baseline="0" dirty="0" err="1" smtClean="0"/>
+              <a:t>properties</a:t>
+            </a:r>
+            <a:r>
+              <a:rPr lang="nl-BE" baseline="0" dirty="0" smtClean="0"/>
+              <a:t> volgens querystring </a:t>
+            </a:r>
+            <a:r>
+              <a:rPr lang="nl-BE" baseline="0" dirty="0" err="1" smtClean="0"/>
+              <a:t>keys</a:t>
+            </a:r>
+            <a:endParaRPr lang="nl-BE" baseline="0" dirty="0" smtClean="0"/>
+          </a:p>
+          <a:p>
+            <a:r>
+              <a:rPr lang="nl-BE" baseline="0" dirty="0" smtClean="0"/>
+              <a:t>	</a:t>
+            </a:r>
+            <a:r>
+              <a:rPr lang="nl-BE" baseline="0" dirty="0" err="1" smtClean="0"/>
+              <a:t>splat</a:t>
+            </a:r>
+            <a:r>
+              <a:rPr lang="nl-BE" baseline="0" dirty="0" smtClean="0"/>
+              <a:t> route: </a:t>
+            </a:r>
+            <a:r>
+              <a:rPr lang="nl-BE" baseline="0" dirty="0" err="1" smtClean="0"/>
+              <a:t>myRoute</a:t>
+            </a:r>
+            <a:r>
+              <a:rPr lang="nl-BE" baseline="0" dirty="0" smtClean="0"/>
+              <a:t>*details</a:t>
+            </a:r>
+          </a:p>
+          <a:p>
+            <a:r>
+              <a:rPr lang="nl-BE" baseline="0" dirty="0" smtClean="0"/>
+              <a:t>	</a:t>
             </a:r>
             <a:endParaRPr lang="nl-BE" dirty="0" smtClean="0"/>
           </a:p>
           <a:p>
             <a:r>
               <a:rPr lang="nl-BE" dirty="0" err="1" smtClean="0"/>
-              <a:t>observable</a:t>
-            </a:r>
-            <a:r>
-              <a:rPr lang="nl-BE" dirty="0" smtClean="0"/>
-              <a:t>: om tegen</a:t>
-            </a:r>
-            <a:r>
-              <a:rPr lang="nl-BE" baseline="0" dirty="0" smtClean="0"/>
-              <a:t> gewone JS objecten te </a:t>
+              <a:t>buildNavigationModel</a:t>
+            </a:r>
+            <a:r>
+              <a:rPr lang="nl-BE" dirty="0" smtClean="0"/>
+              <a:t>: alle routes met </a:t>
+            </a:r>
+            <a:r>
+              <a:rPr lang="nl-BE" dirty="0" err="1" smtClean="0"/>
+              <a:t>nav</a:t>
+            </a:r>
+            <a:r>
+              <a:rPr lang="nl-BE" dirty="0" smtClean="0"/>
+              <a:t>: </a:t>
+            </a:r>
+            <a:r>
+              <a:rPr lang="nl-BE" dirty="0" err="1" smtClean="0"/>
+              <a:t>true</a:t>
+            </a:r>
+            <a:r>
+              <a:rPr lang="nl-BE" dirty="0" smtClean="0"/>
+              <a:t> worden in de array </a:t>
+            </a:r>
+            <a:r>
+              <a:rPr lang="nl-BE" dirty="0" err="1" smtClean="0"/>
+              <a:t>router.navigationModel</a:t>
+            </a:r>
+            <a:r>
+              <a:rPr lang="nl-BE" dirty="0" smtClean="0"/>
+              <a:t> gegoten om te kunnen binden in navigatie</a:t>
+            </a:r>
+            <a:r>
+              <a:rPr lang="nl-BE" baseline="0" dirty="0" smtClean="0"/>
+              <a:t> (zie shell.html)</a:t>
+            </a:r>
+          </a:p>
+          <a:p>
+            <a:endParaRPr lang="nl-BE" baseline="0" dirty="0" smtClean="0"/>
+          </a:p>
+          <a:p>
+            <a:r>
+              <a:rPr lang="nl-BE" baseline="0" dirty="0" smtClean="0"/>
+              <a:t>Router gebruiken:</a:t>
+            </a:r>
+          </a:p>
+          <a:p>
+            <a:r>
+              <a:rPr lang="nl-BE" baseline="0" dirty="0" smtClean="0"/>
+              <a:t>	indien &lt;a&gt;: </a:t>
             </a:r>
             <a:r>
               <a:rPr lang="nl-BE" baseline="0" dirty="0" err="1" smtClean="0"/>
-              <a:t>databinden</a:t>
-            </a:r>
-            <a:r>
-              <a:rPr lang="nl-BE" baseline="0" dirty="0" smtClean="0"/>
-              <a:t>, niet via </a:t>
+              <a:t>hash</a:t>
+            </a:r>
+            <a:r>
+              <a:rPr lang="nl-BE" baseline="0" dirty="0" smtClean="0"/>
+              <a:t> gebruiken (zie beers.html en </a:t>
             </a:r>
             <a:r>
               <a:rPr lang="nl-BE" baseline="0" dirty="0" err="1" smtClean="0"/>
-              <a:t>Knockout</a:t>
-            </a:r>
-            <a:r>
-              <a:rPr lang="nl-BE" baseline="0" dirty="0" smtClean="0"/>
-              <a:t>. Werkt enkel met browsers die ES5 ondersteunen (</a:t>
+              <a:t>add</a:t>
+            </a:r>
+            <a:r>
+              <a:rPr lang="nl-BE" baseline="0" dirty="0" smtClean="0"/>
+              <a:t> link)</a:t>
+            </a:r>
+          </a:p>
+          <a:p>
+            <a:r>
+              <a:rPr lang="nl-BE" baseline="0" dirty="0" smtClean="0"/>
+              <a:t>	vanuit JS: </a:t>
             </a:r>
             <a:r>
               <a:rPr lang="nl-BE" baseline="0" dirty="0" err="1" smtClean="0"/>
-              <a:t>defineProperty</a:t>
-            </a:r>
-            <a:r>
-              <a:rPr lang="nl-BE" baseline="0" dirty="0" smtClean="0"/>
-              <a:t>). Deze </a:t>
+              <a:t>router.navigate</a:t>
+            </a:r>
+            <a:r>
+              <a:rPr lang="nl-BE" baseline="0" dirty="0" smtClean="0"/>
+              <a:t>(‘#</a:t>
             </a:r>
             <a:r>
               <a:rPr lang="nl-BE" baseline="0" dirty="0" err="1" smtClean="0"/>
-              <a:t>plugin</a:t>
-            </a:r>
-            <a:r>
-              <a:rPr lang="nl-BE" baseline="0" dirty="0" smtClean="0"/>
-              <a:t> kan ook met </a:t>
+              <a:t>hash</a:t>
+            </a:r>
+            <a:r>
+              <a:rPr lang="nl-BE" baseline="0" dirty="0" smtClean="0"/>
+              <a:t>’); (zie add.js)</a:t>
+            </a:r>
+          </a:p>
+          <a:p>
+            <a:endParaRPr lang="nl-BE" baseline="0" dirty="0" smtClean="0"/>
+          </a:p>
+          <a:p>
+            <a:r>
+              <a:rPr lang="nl-BE" baseline="0" dirty="0" smtClean="0"/>
+              <a:t>Router kan nog meer:</a:t>
+            </a:r>
+          </a:p>
+          <a:p>
+            <a:r>
+              <a:rPr lang="nl-BE" baseline="0" dirty="0" smtClean="0"/>
+              <a:t>	</a:t>
             </a:r>
             <a:r>
               <a:rPr lang="nl-BE" baseline="0" dirty="0" err="1" smtClean="0"/>
-              <a:t>promises</a:t>
-            </a:r>
-            <a:r>
-              <a:rPr lang="nl-BE" baseline="0" dirty="0" smtClean="0"/>
-              <a:t> overweg.</a:t>
+              <a:t>history</a:t>
+            </a:r>
+            <a:r>
+              <a:rPr lang="nl-BE" baseline="0" dirty="0" smtClean="0"/>
+              <a:t> veranderen</a:t>
+            </a:r>
+          </a:p>
+          <a:p>
+            <a:r>
+              <a:rPr lang="nl-BE" baseline="0" dirty="0" smtClean="0"/>
+              <a:t>	</a:t>
+            </a:r>
+            <a:r>
+              <a:rPr lang="nl-BE" baseline="0" dirty="0" err="1" smtClean="0"/>
+              <a:t>router.navigateBack</a:t>
+            </a:r>
+            <a:r>
+              <a:rPr lang="nl-BE" baseline="0" dirty="0" smtClean="0"/>
+              <a:t>() om terug te gaan</a:t>
+            </a:r>
+          </a:p>
+          <a:p>
+            <a:r>
+              <a:rPr lang="nl-BE" baseline="0" dirty="0" smtClean="0"/>
+              <a:t>	routes die niet </a:t>
+            </a:r>
+            <a:r>
+              <a:rPr lang="nl-BE" baseline="0" dirty="0" err="1" smtClean="0"/>
+              <a:t>gematcht</a:t>
+            </a:r>
+            <a:r>
+              <a:rPr lang="nl-BE" baseline="0" dirty="0" smtClean="0"/>
+              <a:t> kunnen worden (zie shell.js)</a:t>
+            </a:r>
+          </a:p>
+          <a:p>
+            <a:r>
+              <a:rPr lang="nl-BE" baseline="0" dirty="0" smtClean="0"/>
+              <a:t>	</a:t>
+            </a:r>
+            <a:r>
+              <a:rPr lang="nl-BE" baseline="0" dirty="0" err="1" smtClean="0"/>
+              <a:t>child</a:t>
+            </a:r>
+            <a:r>
+              <a:rPr lang="nl-BE" baseline="0" dirty="0" smtClean="0"/>
+              <a:t> routers</a:t>
             </a:r>
             <a:endParaRPr lang="en-US" dirty="0"/>
           </a:p>
@@ -3305,7 +3430,7 @@
     </p:spTree>
     <p:extLst>
       <p:ext uri="{BB962C8B-B14F-4D97-AF65-F5344CB8AC3E}">
-        <p14:creationId xmlns:p14="http://schemas.microsoft.com/office/powerpoint/2010/main" val="2081039205"/>
+        <p14:creationId xmlns:p14="http://schemas.microsoft.com/office/powerpoint/2010/main" val="3530374302"/>
       </p:ext>
     </p:extLst>
   </p:cSld>
@@ -3361,33 +3486,90 @@
           <a:p>
             <a:r>
               <a:rPr lang="nl-BE" dirty="0" smtClean="0"/>
-              <a:t>SEO: komt er op neer dat je aan de serverkant een </a:t>
-            </a:r>
-            <a:r>
-              <a:rPr lang="nl-BE" dirty="0" err="1" smtClean="0"/>
-              <a:t>headless</a:t>
-            </a:r>
-            <a:r>
-              <a:rPr lang="nl-BE" dirty="0" smtClean="0"/>
-              <a:t> browser gebruikt</a:t>
-            </a:r>
-            <a:r>
-              <a:rPr lang="nl-BE" baseline="0" dirty="0" smtClean="0"/>
-              <a:t> (bv </a:t>
+              <a:t>http</a:t>
+            </a:r>
+            <a:r>
+              <a:rPr lang="nl-BE" baseline="0" dirty="0" smtClean="0"/>
+              <a:t> en </a:t>
             </a:r>
             <a:r>
               <a:rPr lang="nl-BE" baseline="0" dirty="0" err="1" smtClean="0"/>
-              <a:t>PhantomJS</a:t>
-            </a:r>
-            <a:r>
-              <a:rPr lang="nl-BE" baseline="0" dirty="0" smtClean="0"/>
-              <a:t>) om HTML snapshots te genereren voor Google</a:t>
-            </a:r>
-          </a:p>
-          <a:p>
-            <a:r>
-              <a:rPr lang="nl-BE" baseline="0" dirty="0" smtClean="0"/>
-              <a:t>Node-Webkit: om native desktop applicaties te maken</a:t>
+              <a:t>serializer</a:t>
+            </a:r>
+            <a:r>
+              <a:rPr lang="nl-BE" baseline="0" dirty="0" smtClean="0"/>
+              <a:t> zijn om met data van de backend te werken. J</a:t>
+            </a:r>
+            <a:r>
+              <a:rPr lang="nl-BE" dirty="0" smtClean="0"/>
+              <a:t>e kan uiteraard ook andere </a:t>
+            </a:r>
+            <a:r>
+              <a:rPr lang="nl-BE" dirty="0" err="1" smtClean="0"/>
+              <a:t>libraries</a:t>
+            </a:r>
+            <a:r>
+              <a:rPr lang="nl-BE" dirty="0" smtClean="0"/>
+              <a:t> gebruiken, bv </a:t>
+            </a:r>
+            <a:r>
+              <a:rPr lang="nl-BE" dirty="0" err="1" smtClean="0"/>
+              <a:t>jQuery</a:t>
+            </a:r>
+            <a:endParaRPr lang="nl-BE" dirty="0" smtClean="0"/>
+          </a:p>
+          <a:p>
+            <a:r>
+              <a:rPr lang="nl-BE" dirty="0" err="1" smtClean="0"/>
+              <a:t>observable</a:t>
+            </a:r>
+            <a:r>
+              <a:rPr lang="nl-BE" dirty="0" smtClean="0"/>
+              <a:t>: om tegen</a:t>
+            </a:r>
+            <a:r>
+              <a:rPr lang="nl-BE" baseline="0" dirty="0" smtClean="0"/>
+              <a:t> gewone JS objecten te </a:t>
+            </a:r>
+            <a:r>
+              <a:rPr lang="nl-BE" baseline="0" dirty="0" err="1" smtClean="0"/>
+              <a:t>databinden</a:t>
+            </a:r>
+            <a:r>
+              <a:rPr lang="nl-BE" baseline="0" dirty="0" smtClean="0"/>
+              <a:t>, niet via </a:t>
+            </a:r>
+            <a:r>
+              <a:rPr lang="nl-BE" baseline="0" dirty="0" err="1" smtClean="0"/>
+              <a:t>Knockout</a:t>
+            </a:r>
+            <a:r>
+              <a:rPr lang="nl-BE" baseline="0" dirty="0" smtClean="0"/>
+              <a:t>. Werkt enkel met browsers die ES5 ondersteunen (</a:t>
+            </a:r>
+            <a:r>
+              <a:rPr lang="nl-BE" baseline="0" dirty="0" err="1" smtClean="0"/>
+              <a:t>defineProperty</a:t>
+            </a:r>
+            <a:r>
+              <a:rPr lang="nl-BE" baseline="0" dirty="0" smtClean="0"/>
+              <a:t>). Deze </a:t>
+            </a:r>
+            <a:r>
+              <a:rPr lang="nl-BE" baseline="0" dirty="0" err="1" smtClean="0"/>
+              <a:t>plugin</a:t>
+            </a:r>
+            <a:r>
+              <a:rPr lang="nl-BE" baseline="0" dirty="0" smtClean="0"/>
+              <a:t> kan ook met </a:t>
+            </a:r>
+            <a:r>
+              <a:rPr lang="nl-BE" baseline="0" dirty="0" err="1" smtClean="0"/>
+              <a:t>promises</a:t>
+            </a:r>
+            <a:r>
+              <a:rPr lang="nl-BE" baseline="0" dirty="0" smtClean="0"/>
+              <a:t> overweg.</a:t>
             </a:r>
             <a:endParaRPr lang="en-US" dirty="0"/>
           </a:p>
@@ -3410,7 +3592,7 @@
           <a:p>
             <a:fld id="{0DF56419-AC34-45D0-BAB8-5A4CB1E563BF}" type="slidenum">
               <a:rPr lang="en-US" smtClean="0"/>
-              <a:t>38</a:t>
+              <a:t>36</a:t>
             </a:fld>
             <a:endParaRPr lang="en-US"/>
           </a:p>
@@ -3419,7 +3601,7 @@
     </p:spTree>
     <p:extLst>
       <p:ext uri="{BB962C8B-B14F-4D97-AF65-F5344CB8AC3E}">
-        <p14:creationId xmlns:p14="http://schemas.microsoft.com/office/powerpoint/2010/main" val="4037003911"/>
+        <p14:creationId xmlns:p14="http://schemas.microsoft.com/office/powerpoint/2010/main" val="2081039205"/>
       </p:ext>
     </p:extLst>
   </p:cSld>
@@ -3475,6 +3657,181 @@
           <a:p>
             <a:r>
               <a:rPr lang="nl-BE" dirty="0" smtClean="0"/>
+              <a:t>SEO: komt er op neer dat je aan de serverkant een </a:t>
+            </a:r>
+            <a:r>
+              <a:rPr lang="nl-BE" dirty="0" err="1" smtClean="0"/>
+              <a:t>headless</a:t>
+            </a:r>
+            <a:r>
+              <a:rPr lang="nl-BE" dirty="0" smtClean="0"/>
+              <a:t> browser gebruikt</a:t>
+            </a:r>
+            <a:r>
+              <a:rPr lang="nl-BE" baseline="0" dirty="0" smtClean="0"/>
+              <a:t> (bv </a:t>
+            </a:r>
+            <a:r>
+              <a:rPr lang="nl-BE" baseline="0" dirty="0" err="1" smtClean="0"/>
+              <a:t>PhantomJS</a:t>
+            </a:r>
+            <a:r>
+              <a:rPr lang="nl-BE" baseline="0" dirty="0" smtClean="0"/>
+              <a:t>) om HTML snapshots te genereren voor Google</a:t>
+            </a:r>
+          </a:p>
+          <a:p>
+            <a:r>
+              <a:rPr lang="nl-BE" baseline="0" dirty="0" smtClean="0"/>
+              <a:t>Node-Webkit: om native desktop applicaties te </a:t>
+            </a:r>
+            <a:r>
+              <a:rPr lang="nl-BE" baseline="0" dirty="0" smtClean="0"/>
+              <a:t>maken</a:t>
+            </a:r>
+          </a:p>
+          <a:p>
+            <a:endParaRPr lang="nl-BE" baseline="0" dirty="0" smtClean="0"/>
+          </a:p>
+          <a:p>
+            <a:r>
+              <a:rPr lang="nl-BE" baseline="0" dirty="0" smtClean="0"/>
+              <a:t>Ook </a:t>
+            </a:r>
+            <a:r>
+              <a:rPr lang="nl-BE" baseline="0" dirty="0" err="1" smtClean="0"/>
+              <a:t>Knockout</a:t>
+            </a:r>
+            <a:r>
+              <a:rPr lang="nl-BE" baseline="0" dirty="0" smtClean="0"/>
+              <a:t> is heel </a:t>
+            </a:r>
+            <a:r>
+              <a:rPr lang="nl-BE" baseline="0" dirty="0" err="1" smtClean="0"/>
+              <a:t>customizable</a:t>
+            </a:r>
+            <a:r>
+              <a:rPr lang="nl-BE" baseline="0" dirty="0" smtClean="0"/>
+              <a:t> met </a:t>
+            </a:r>
+            <a:r>
+              <a:rPr lang="nl-BE" baseline="0" dirty="0" err="1" smtClean="0"/>
+              <a:t>extenders</a:t>
+            </a:r>
+            <a:r>
+              <a:rPr lang="nl-BE" baseline="0" dirty="0" smtClean="0"/>
+              <a:t>, </a:t>
+            </a:r>
+            <a:r>
+              <a:rPr lang="nl-BE" baseline="0" dirty="0" err="1" smtClean="0"/>
+              <a:t>writeable</a:t>
+            </a:r>
+            <a:r>
+              <a:rPr lang="nl-BE" baseline="0" dirty="0" smtClean="0"/>
+              <a:t> </a:t>
+            </a:r>
+            <a:r>
+              <a:rPr lang="nl-BE" baseline="0" dirty="0" err="1" smtClean="0"/>
+              <a:t>computed</a:t>
+            </a:r>
+            <a:r>
+              <a:rPr lang="nl-BE" baseline="0" dirty="0" smtClean="0"/>
+              <a:t> </a:t>
+            </a:r>
+            <a:r>
+              <a:rPr lang="nl-BE" baseline="0" dirty="0" err="1" smtClean="0"/>
+              <a:t>observables</a:t>
+            </a:r>
+            <a:r>
+              <a:rPr lang="nl-BE" baseline="0" smtClean="0"/>
+              <a:t>, …</a:t>
+            </a:r>
+            <a:endParaRPr lang="en-US" dirty="0"/>
+          </a:p>
+        </p:txBody>
+      </p:sp>
+      <p:sp>
+        <p:nvSpPr>
+          <p:cNvPr id="4" name="Slide Number Placeholder 3"/>
+          <p:cNvSpPr>
+            <a:spLocks noGrp="1"/>
+          </p:cNvSpPr>
+          <p:nvPr>
+            <p:ph type="sldNum" sz="quarter" idx="10"/>
+          </p:nvPr>
+        </p:nvSpPr>
+        <p:spPr/>
+        <p:txBody>
+          <a:bodyPr/>
+          <a:lstStyle/>
+          <a:p>
+            <a:fld id="{0DF56419-AC34-45D0-BAB8-5A4CB1E563BF}" type="slidenum">
+              <a:rPr lang="en-US" smtClean="0"/>
+              <a:t>39</a:t>
+            </a:fld>
+            <a:endParaRPr lang="en-US"/>
+          </a:p>
+        </p:txBody>
+      </p:sp>
+    </p:spTree>
+    <p:extLst>
+      <p:ext uri="{BB962C8B-B14F-4D97-AF65-F5344CB8AC3E}">
+        <p14:creationId xmlns:p14="http://schemas.microsoft.com/office/powerpoint/2010/main" val="4037003911"/>
+      </p:ext>
+    </p:extLst>
+  </p:cSld>
+  <p:clrMapOvr>
+    <a:masterClrMapping/>
+  </p:clrMapOvr>
+</p:notes>
+</file>
+
+<file path=ppt/notesSlides/notesSlide27.xml><?xml version="1.0" encoding="utf-8"?>
+<p:notes xmlns:a="http://schemas.openxmlformats.org/drawingml/2006/main" xmlns:r="http://schemas.openxmlformats.org/officeDocument/2006/relationships" xmlns:p="http://schemas.openxmlformats.org/presentationml/2006/main">
+  <p:cSld>
+    <p:spTree>
+      <p:nvGrpSpPr>
+        <p:cNvPr id="1" name=""/>
+        <p:cNvGrpSpPr/>
+        <p:nvPr/>
+      </p:nvGrpSpPr>
+      <p:grpSpPr>
+        <a:xfrm>
+          <a:off x="0" y="0"/>
+          <a:ext cx="0" cy="0"/>
+          <a:chOff x="0" y="0"/>
+          <a:chExt cx="0" cy="0"/>
+        </a:xfrm>
+      </p:grpSpPr>
+      <p:sp>
+        <p:nvSpPr>
+          <p:cNvPr id="2" name="Slide Image Placeholder 1"/>
+          <p:cNvSpPr>
+            <a:spLocks noGrp="1" noRot="1" noChangeAspect="1"/>
+          </p:cNvSpPr>
+          <p:nvPr>
+            <p:ph type="sldImg"/>
+          </p:nvPr>
+        </p:nvSpPr>
+        <p:spPr/>
+      </p:sp>
+      <p:sp>
+        <p:nvSpPr>
+          <p:cNvPr id="3" name="Notes Placeholder 2"/>
+          <p:cNvSpPr>
+            <a:spLocks noGrp="1"/>
+          </p:cNvSpPr>
+          <p:nvPr>
+            <p:ph type="body" idx="1"/>
+          </p:nvPr>
+        </p:nvSpPr>
+        <p:spPr/>
+        <p:txBody>
+          <a:bodyPr/>
+          <a:lstStyle/>
+          <a:p>
+            <a:r>
+              <a:rPr lang="nl-BE" dirty="0" smtClean="0"/>
               <a:t>Allemaal hebben ze heel goed en </a:t>
             </a:r>
             <a:r>
@@ -3502,7 +3859,7 @@
           <a:p>
             <a:fld id="{0DF56419-AC34-45D0-BAB8-5A4CB1E563BF}" type="slidenum">
               <a:rPr lang="en-US" smtClean="0"/>
-              <a:t>39</a:t>
+              <a:t>40</a:t>
             </a:fld>
             <a:endParaRPr lang="en-US"/>
           </a:p>
@@ -4383,177 +4740,14 @@
           <a:lstStyle/>
           <a:p>
             <a:r>
-              <a:rPr lang="nl-BE" dirty="0" err="1" smtClean="0"/>
-              <a:t>css</a:t>
-            </a:r>
-            <a:r>
-              <a:rPr lang="nl-BE" dirty="0" smtClean="0"/>
-              <a:t>: </a:t>
-            </a:r>
-            <a:r>
-              <a:rPr lang="nl-BE" dirty="0" smtClean="0"/>
-              <a:t>een class toevoegen/verwijderen</a:t>
-            </a:r>
-          </a:p>
-          <a:p>
-            <a:r>
-              <a:rPr lang="nl-BE" dirty="0" err="1" smtClean="0"/>
-              <a:t>style</a:t>
-            </a:r>
-            <a:r>
-              <a:rPr lang="nl-BE" dirty="0" smtClean="0"/>
-              <a:t>: </a:t>
-            </a:r>
-            <a:r>
-              <a:rPr lang="nl-BE" dirty="0" smtClean="0"/>
-              <a:t>bepaalde </a:t>
-            </a:r>
-            <a:r>
-              <a:rPr lang="nl-BE" dirty="0" err="1" smtClean="0"/>
-              <a:t>css</a:t>
-            </a:r>
-            <a:r>
-              <a:rPr lang="nl-BE" dirty="0" smtClean="0"/>
-              <a:t> attributen</a:t>
-            </a:r>
-            <a:r>
-              <a:rPr lang="nl-BE" baseline="0" dirty="0" smtClean="0"/>
-              <a:t> toevoegen/verwijderen</a:t>
-            </a:r>
-          </a:p>
-          <a:p>
-            <a:r>
-              <a:rPr lang="nl-BE" dirty="0" err="1" smtClean="0"/>
-              <a:t>with</a:t>
-            </a:r>
-            <a:r>
-              <a:rPr lang="nl-BE" dirty="0" smtClean="0"/>
-              <a:t>: de context van de </a:t>
-            </a:r>
-            <a:r>
-              <a:rPr lang="nl-BE" dirty="0" err="1" smtClean="0"/>
-              <a:t>bindings</a:t>
-            </a:r>
-            <a:r>
-              <a:rPr lang="nl-BE" dirty="0" smtClean="0"/>
-              <a:t> in een element bepalen</a:t>
-            </a:r>
-            <a:r>
-              <a:rPr lang="nl-BE" baseline="0" dirty="0" smtClean="0"/>
-              <a:t> (indien je die wil doen verschillen van de huidige context)</a:t>
-            </a:r>
-          </a:p>
-          <a:p>
-            <a:r>
-              <a:rPr lang="nl-BE" baseline="0" dirty="0" smtClean="0"/>
-              <a:t>options: voor een select; kan gecombineerd worden met </a:t>
-            </a:r>
-            <a:r>
-              <a:rPr lang="nl-BE" baseline="0" dirty="0" err="1" smtClean="0"/>
-              <a:t>optionsText</a:t>
-            </a:r>
-            <a:r>
-              <a:rPr lang="nl-BE" baseline="0" dirty="0" smtClean="0"/>
-              <a:t>, </a:t>
-            </a:r>
-            <a:r>
-              <a:rPr lang="nl-BE" baseline="0" dirty="0" err="1" smtClean="0"/>
-              <a:t>optionsValue</a:t>
-            </a:r>
-            <a:r>
-              <a:rPr lang="nl-BE" baseline="0" dirty="0" smtClean="0"/>
-              <a:t> en </a:t>
-            </a:r>
-            <a:r>
-              <a:rPr lang="nl-BE" baseline="0" dirty="0" err="1" smtClean="0"/>
-              <a:t>optionsCaption</a:t>
-            </a:r>
-            <a:endParaRPr lang="nl-BE" baseline="0" dirty="0" smtClean="0"/>
-          </a:p>
-          <a:p>
-            <a:r>
-              <a:rPr lang="nl-BE" baseline="0" dirty="0" err="1" smtClean="0"/>
-              <a:t>selectedOptions</a:t>
-            </a:r>
-            <a:r>
-              <a:rPr lang="nl-BE" baseline="0" dirty="0" smtClean="0"/>
-              <a:t>: geselecteerde items in een </a:t>
-            </a:r>
-            <a:r>
-              <a:rPr lang="nl-BE" baseline="0" dirty="0" err="1" smtClean="0"/>
-              <a:t>multi</a:t>
-            </a:r>
-            <a:r>
-              <a:rPr lang="nl-BE" baseline="0" dirty="0" smtClean="0"/>
-              <a:t>-select</a:t>
-            </a:r>
-          </a:p>
-          <a:p>
-            <a:r>
-              <a:rPr lang="nl-BE" baseline="0" dirty="0" err="1" smtClean="0"/>
-              <a:t>uniqueName</a:t>
-            </a:r>
-            <a:r>
-              <a:rPr lang="nl-BE" baseline="0" dirty="0" smtClean="0"/>
-              <a:t>: zie documentatie, is zelden nodig (voor IE6, </a:t>
-            </a:r>
-            <a:r>
-              <a:rPr lang="nl-BE" baseline="0" dirty="0" err="1" smtClean="0"/>
-              <a:t>jQuery</a:t>
-            </a:r>
-            <a:r>
-              <a:rPr lang="nl-BE" baseline="0" dirty="0" smtClean="0"/>
-              <a:t> </a:t>
-            </a:r>
-            <a:r>
-              <a:rPr lang="nl-BE" baseline="0" dirty="0" err="1" smtClean="0"/>
-              <a:t>validation</a:t>
-            </a:r>
-            <a:r>
-              <a:rPr lang="nl-BE" baseline="0" dirty="0" smtClean="0"/>
-              <a:t>, e.a.)</a:t>
-            </a:r>
-          </a:p>
-          <a:p>
-            <a:r>
-              <a:rPr lang="nl-BE" baseline="0" dirty="0" smtClean="0"/>
-              <a:t>template:  om een template aan te duiden volgens </a:t>
-            </a:r>
-            <a:r>
-              <a:rPr lang="nl-BE" baseline="0" dirty="0" err="1" smtClean="0"/>
-              <a:t>jquery.tmpl</a:t>
-            </a:r>
-            <a:r>
-              <a:rPr lang="nl-BE" baseline="0" dirty="0" smtClean="0"/>
-              <a:t> </a:t>
-            </a:r>
-            <a:r>
-              <a:rPr lang="nl-BE" baseline="0" dirty="0" err="1" smtClean="0"/>
-              <a:t>plugin</a:t>
-            </a:r>
-            <a:r>
-              <a:rPr lang="nl-BE" baseline="0" dirty="0" smtClean="0"/>
-              <a:t> (script tag met type=‘</a:t>
-            </a:r>
-            <a:r>
-              <a:rPr lang="nl-BE" baseline="0" dirty="0" err="1" smtClean="0"/>
-              <a:t>text</a:t>
-            </a:r>
-            <a:r>
-              <a:rPr lang="nl-BE" baseline="0" dirty="0" smtClean="0"/>
-              <a:t>/html’) (zou je met </a:t>
-            </a:r>
-            <a:r>
-              <a:rPr lang="nl-BE" baseline="0" dirty="0" err="1" smtClean="0"/>
-              <a:t>Durandal</a:t>
-            </a:r>
-            <a:r>
-              <a:rPr lang="nl-BE" baseline="0" dirty="0" smtClean="0"/>
-              <a:t> niet direct nodig hebben).</a:t>
-            </a:r>
-          </a:p>
-          <a:p>
-            <a:endParaRPr lang="nl-BE" dirty="0" smtClean="0"/>
+              <a:rPr lang="nl-BE" dirty="0" smtClean="0"/>
+              <a:t>Zie </a:t>
+            </a:r>
+            <a:r>
+              <a:rPr lang="nl-BE" dirty="0" err="1" smtClean="0"/>
+              <a:t>settings</a:t>
+            </a:r>
+            <a:endParaRPr lang="en-US" dirty="0"/>
           </a:p>
         </p:txBody>
       </p:sp>
@@ -4583,7 +4777,7 @@
     </p:spTree>
     <p:extLst>
       <p:ext uri="{BB962C8B-B14F-4D97-AF65-F5344CB8AC3E}">
-        <p14:creationId xmlns:p14="http://schemas.microsoft.com/office/powerpoint/2010/main" val="4207004726"/>
+        <p14:creationId xmlns:p14="http://schemas.microsoft.com/office/powerpoint/2010/main" val="22134692"/>
       </p:ext>
     </p:extLst>
   </p:cSld>
@@ -10909,6 +11103,47 @@
           </a:p>
         </p:txBody>
       </p:sp>
+      <p:pic>
+        <p:nvPicPr>
+          <p:cNvPr id="14338" name="Picture 2" descr="http://learn.knockoutjs.com/Content/App/icon.png"/>
+          <p:cNvPicPr>
+            <a:picLocks noChangeAspect="1" noChangeArrowheads="1"/>
+          </p:cNvPicPr>
+          <p:nvPr/>
+        </p:nvPicPr>
+        <p:blipFill>
+          <a:blip r:embed="rId2">
+            <a:extLst>
+              <a:ext uri="{28A0092B-C50C-407E-A947-70E740481C1C}">
+                <a14:useLocalDpi xmlns:a14="http://schemas.microsoft.com/office/drawing/2010/main" val="0"/>
+              </a:ext>
+            </a:extLst>
+          </a:blip>
+          <a:srcRect/>
+          <a:stretch>
+            <a:fillRect/>
+          </a:stretch>
+        </p:blipFill>
+        <p:spPr bwMode="auto">
+          <a:xfrm>
+            <a:off x="831851" y="4589464"/>
+            <a:ext cx="1585885" cy="1585885"/>
+          </a:xfrm>
+          <a:prstGeom prst="rect">
+            <a:avLst/>
+          </a:prstGeom>
+          <a:noFill/>
+          <a:extLst>
+            <a:ext uri="{909E8E84-426E-40DD-AFC4-6F175D3DCCD1}">
+              <a14:hiddenFill xmlns:a14="http://schemas.microsoft.com/office/drawing/2010/main">
+                <a:solidFill>
+                  <a:srgbClr val="FFFFFF"/>
+                </a:solidFill>
+              </a14:hiddenFill>
+            </a:ext>
+          </a:extLst>
+        </p:spPr>
+      </p:pic>
     </p:spTree>
     <p:extLst>
       <p:ext uri="{BB962C8B-B14F-4D97-AF65-F5344CB8AC3E}">
@@ -12024,6 +12259,93 @@
 </file>
 
 <file path=ppt/slides/slide18.xml><?xml version="1.0" encoding="utf-8"?>
+<p:sld xmlns:a="http://schemas.openxmlformats.org/drawingml/2006/main" xmlns:r="http://schemas.openxmlformats.org/officeDocument/2006/relationships" xmlns:p="http://schemas.openxmlformats.org/presentationml/2006/main">
+  <p:cSld>
+    <p:spTree>
+      <p:nvGrpSpPr>
+        <p:cNvPr id="1" name=""/>
+        <p:cNvGrpSpPr/>
+        <p:nvPr/>
+      </p:nvGrpSpPr>
+      <p:grpSpPr>
+        <a:xfrm>
+          <a:off x="0" y="0"/>
+          <a:ext cx="0" cy="0"/>
+          <a:chOff x="0" y="0"/>
+          <a:chExt cx="0" cy="0"/>
+        </a:xfrm>
+      </p:grpSpPr>
+      <p:sp>
+        <p:nvSpPr>
+          <p:cNvPr id="2" name="Title 1"/>
+          <p:cNvSpPr>
+            <a:spLocks noGrp="1"/>
+          </p:cNvSpPr>
+          <p:nvPr>
+            <p:ph type="title"/>
+          </p:nvPr>
+        </p:nvSpPr>
+        <p:spPr/>
+        <p:txBody>
+          <a:bodyPr/>
+          <a:lstStyle/>
+          <a:p>
+            <a:r>
+              <a:rPr lang="nl-BE" dirty="0" err="1" smtClean="0"/>
+              <a:t>Knockout</a:t>
+            </a:r>
+            <a:r>
+              <a:rPr lang="nl-BE" dirty="0" smtClean="0"/>
+              <a:t>: </a:t>
+            </a:r>
+            <a:r>
+              <a:rPr lang="nl-BE" dirty="0" err="1" smtClean="0"/>
+              <a:t>subscribe</a:t>
+            </a:r>
+            <a:endParaRPr lang="en-US" dirty="0"/>
+          </a:p>
+        </p:txBody>
+      </p:sp>
+      <p:pic>
+        <p:nvPicPr>
+          <p:cNvPr id="4" name="Content Placeholder 3"/>
+          <p:cNvPicPr>
+            <a:picLocks noGrp="1" noChangeAspect="1"/>
+          </p:cNvPicPr>
+          <p:nvPr>
+            <p:ph idx="1"/>
+          </p:nvPr>
+        </p:nvPicPr>
+        <p:blipFill>
+          <a:blip r:embed="rId3"/>
+          <a:stretch>
+            <a:fillRect/>
+          </a:stretch>
+        </p:blipFill>
+        <p:spPr>
+          <a:xfrm>
+            <a:off x="838200" y="1690688"/>
+            <a:ext cx="6534150" cy="1743075"/>
+          </a:xfrm>
+          <a:prstGeom prst="rect">
+            <a:avLst/>
+          </a:prstGeom>
+        </p:spPr>
+      </p:pic>
+    </p:spTree>
+    <p:extLst>
+      <p:ext uri="{BB962C8B-B14F-4D97-AF65-F5344CB8AC3E}">
+        <p14:creationId xmlns:p14="http://schemas.microsoft.com/office/powerpoint/2010/main" val="743154391"/>
+      </p:ext>
+    </p:extLst>
+  </p:cSld>
+  <p:clrMapOvr>
+    <a:masterClrMapping/>
+  </p:clrMapOvr>
+</p:sld>
+</file>
+
+<file path=ppt/slides/slide19.xml><?xml version="1.0" encoding="utf-8"?>
 <p:sld xmlns:a="http://schemas.openxmlformats.org/drawingml/2006/main" xmlns:r="http://schemas.openxmlformats.org/officeDocument/2006/relationships" xmlns:p="http://schemas.openxmlformats.org/presentationml/2006/main">
   <p:cSld>
     <p:spTree>
@@ -12307,7 +12629,89 @@
 </p:sld>
 </file>
 
-<file path=ppt/slides/slide19.xml><?xml version="1.0" encoding="utf-8"?>
+<file path=ppt/slides/slide2.xml><?xml version="1.0" encoding="utf-8"?>
+<p:sld xmlns:a="http://schemas.openxmlformats.org/drawingml/2006/main" xmlns:r="http://schemas.openxmlformats.org/officeDocument/2006/relationships" xmlns:p="http://schemas.openxmlformats.org/presentationml/2006/main">
+  <p:cSld>
+    <p:spTree>
+      <p:nvGrpSpPr>
+        <p:cNvPr id="1" name=""/>
+        <p:cNvGrpSpPr/>
+        <p:nvPr/>
+      </p:nvGrpSpPr>
+      <p:grpSpPr>
+        <a:xfrm>
+          <a:off x="0" y="0"/>
+          <a:ext cx="0" cy="0"/>
+          <a:chOff x="0" y="0"/>
+          <a:chExt cx="0" cy="0"/>
+        </a:xfrm>
+      </p:grpSpPr>
+      <p:sp>
+        <p:nvSpPr>
+          <p:cNvPr id="2" name="Title 1"/>
+          <p:cNvSpPr>
+            <a:spLocks noGrp="1"/>
+          </p:cNvSpPr>
+          <p:nvPr>
+            <p:ph type="title"/>
+          </p:nvPr>
+        </p:nvSpPr>
+        <p:spPr/>
+        <p:txBody>
+          <a:bodyPr/>
+          <a:lstStyle/>
+          <a:p>
+            <a:r>
+              <a:rPr lang="nl-BE" dirty="0" smtClean="0"/>
+              <a:t>Wat?</a:t>
+            </a:r>
+            <a:endParaRPr lang="en-US" dirty="0"/>
+          </a:p>
+        </p:txBody>
+      </p:sp>
+      <p:sp>
+        <p:nvSpPr>
+          <p:cNvPr id="3" name="Content Placeholder 2"/>
+          <p:cNvSpPr>
+            <a:spLocks noGrp="1"/>
+          </p:cNvSpPr>
+          <p:nvPr>
+            <p:ph idx="1"/>
+          </p:nvPr>
+        </p:nvSpPr>
+        <p:spPr/>
+        <p:txBody>
+          <a:bodyPr/>
+          <a:lstStyle/>
+          <a:p>
+            <a:r>
+              <a:rPr lang="nl-BE" dirty="0" smtClean="0"/>
+              <a:t>Framework voor SPA</a:t>
+            </a:r>
+          </a:p>
+          <a:p>
+            <a:r>
+              <a:rPr lang="nl-BE" dirty="0" smtClean="0"/>
+              <a:t>Wat is een SPA?</a:t>
+            </a:r>
+            <a:endParaRPr lang="en-US" dirty="0"/>
+          </a:p>
+        </p:txBody>
+      </p:sp>
+    </p:spTree>
+    <p:extLst>
+      <p:ext uri="{BB962C8B-B14F-4D97-AF65-F5344CB8AC3E}">
+        <p14:creationId xmlns:p14="http://schemas.microsoft.com/office/powerpoint/2010/main" val="545992484"/>
+      </p:ext>
+    </p:extLst>
+  </p:cSld>
+  <p:clrMapOvr>
+    <a:masterClrMapping/>
+  </p:clrMapOvr>
+</p:sld>
+</file>
+
+<file path=ppt/slides/slide20.xml><?xml version="1.0" encoding="utf-8"?>
 <p:sld xmlns:a="http://schemas.openxmlformats.org/drawingml/2006/main" xmlns:r="http://schemas.openxmlformats.org/officeDocument/2006/relationships" xmlns:p="http://schemas.openxmlformats.org/presentationml/2006/main">
   <p:cSld>
     <p:spTree>
@@ -12394,206 +12798,6 @@
 </p:sld>
 </file>
 
-<file path=ppt/slides/slide2.xml><?xml version="1.0" encoding="utf-8"?>
-<p:sld xmlns:a="http://schemas.openxmlformats.org/drawingml/2006/main" xmlns:r="http://schemas.openxmlformats.org/officeDocument/2006/relationships" xmlns:p="http://schemas.openxmlformats.org/presentationml/2006/main">
-  <p:cSld>
-    <p:spTree>
-      <p:nvGrpSpPr>
-        <p:cNvPr id="1" name=""/>
-        <p:cNvGrpSpPr/>
-        <p:nvPr/>
-      </p:nvGrpSpPr>
-      <p:grpSpPr>
-        <a:xfrm>
-          <a:off x="0" y="0"/>
-          <a:ext cx="0" cy="0"/>
-          <a:chOff x="0" y="0"/>
-          <a:chExt cx="0" cy="0"/>
-        </a:xfrm>
-      </p:grpSpPr>
-      <p:sp>
-        <p:nvSpPr>
-          <p:cNvPr id="2" name="Title 1"/>
-          <p:cNvSpPr>
-            <a:spLocks noGrp="1"/>
-          </p:cNvSpPr>
-          <p:nvPr>
-            <p:ph type="title"/>
-          </p:nvPr>
-        </p:nvSpPr>
-        <p:spPr/>
-        <p:txBody>
-          <a:bodyPr/>
-          <a:lstStyle/>
-          <a:p>
-            <a:r>
-              <a:rPr lang="nl-BE" dirty="0" smtClean="0"/>
-              <a:t>Wat?</a:t>
-            </a:r>
-            <a:endParaRPr lang="en-US" dirty="0"/>
-          </a:p>
-        </p:txBody>
-      </p:sp>
-      <p:sp>
-        <p:nvSpPr>
-          <p:cNvPr id="3" name="Content Placeholder 2"/>
-          <p:cNvSpPr>
-            <a:spLocks noGrp="1"/>
-          </p:cNvSpPr>
-          <p:nvPr>
-            <p:ph idx="1"/>
-          </p:nvPr>
-        </p:nvSpPr>
-        <p:spPr/>
-        <p:txBody>
-          <a:bodyPr/>
-          <a:lstStyle/>
-          <a:p>
-            <a:r>
-              <a:rPr lang="nl-BE" dirty="0" smtClean="0"/>
-              <a:t>Framework voor SPA</a:t>
-            </a:r>
-          </a:p>
-          <a:p>
-            <a:r>
-              <a:rPr lang="nl-BE" dirty="0" smtClean="0"/>
-              <a:t>Wat is een SPA?</a:t>
-            </a:r>
-            <a:endParaRPr lang="en-US" dirty="0"/>
-          </a:p>
-        </p:txBody>
-      </p:sp>
-    </p:spTree>
-    <p:extLst>
-      <p:ext uri="{BB962C8B-B14F-4D97-AF65-F5344CB8AC3E}">
-        <p14:creationId xmlns:p14="http://schemas.microsoft.com/office/powerpoint/2010/main" val="545992484"/>
-      </p:ext>
-    </p:extLst>
-  </p:cSld>
-  <p:clrMapOvr>
-    <a:masterClrMapping/>
-  </p:clrMapOvr>
-</p:sld>
-</file>
-
-<file path=ppt/slides/slide20.xml><?xml version="1.0" encoding="utf-8"?>
-<p:sld xmlns:a="http://schemas.openxmlformats.org/drawingml/2006/main" xmlns:r="http://schemas.openxmlformats.org/officeDocument/2006/relationships" xmlns:p="http://schemas.openxmlformats.org/presentationml/2006/main">
-  <p:cSld>
-    <p:spTree>
-      <p:nvGrpSpPr>
-        <p:cNvPr id="1" name=""/>
-        <p:cNvGrpSpPr/>
-        <p:nvPr/>
-      </p:nvGrpSpPr>
-      <p:grpSpPr>
-        <a:xfrm>
-          <a:off x="0" y="0"/>
-          <a:ext cx="0" cy="0"/>
-          <a:chOff x="0" y="0"/>
-          <a:chExt cx="0" cy="0"/>
-        </a:xfrm>
-      </p:grpSpPr>
-      <p:sp>
-        <p:nvSpPr>
-          <p:cNvPr id="2" name="Title 1"/>
-          <p:cNvSpPr>
-            <a:spLocks noGrp="1"/>
-          </p:cNvSpPr>
-          <p:nvPr>
-            <p:ph type="title"/>
-          </p:nvPr>
-        </p:nvSpPr>
-        <p:spPr/>
-        <p:txBody>
-          <a:bodyPr/>
-          <a:lstStyle/>
-          <a:p>
-            <a:r>
-              <a:rPr lang="nl-BE" dirty="0" err="1" smtClean="0"/>
-              <a:t>Knockout</a:t>
-            </a:r>
-            <a:r>
-              <a:rPr lang="nl-BE" dirty="0" smtClean="0"/>
-              <a:t>: binding </a:t>
-            </a:r>
-            <a:r>
-              <a:rPr lang="nl-BE" dirty="0" err="1" smtClean="0"/>
-              <a:t>contexts</a:t>
-            </a:r>
-            <a:endParaRPr lang="en-US" dirty="0"/>
-          </a:p>
-        </p:txBody>
-      </p:sp>
-      <p:sp>
-        <p:nvSpPr>
-          <p:cNvPr id="3" name="Content Placeholder 2"/>
-          <p:cNvSpPr>
-            <a:spLocks noGrp="1"/>
-          </p:cNvSpPr>
-          <p:nvPr>
-            <p:ph idx="1"/>
-          </p:nvPr>
-        </p:nvSpPr>
-        <p:spPr/>
-        <p:txBody>
-          <a:bodyPr/>
-          <a:lstStyle/>
-          <a:p>
-            <a:r>
-              <a:rPr lang="nl-BE" dirty="0" smtClean="0"/>
-              <a:t>$data</a:t>
-            </a:r>
-          </a:p>
-          <a:p>
-            <a:r>
-              <a:rPr lang="nl-BE" dirty="0" smtClean="0"/>
-              <a:t>$</a:t>
-            </a:r>
-            <a:r>
-              <a:rPr lang="nl-BE" dirty="0" err="1" smtClean="0"/>
-              <a:t>parent</a:t>
-            </a:r>
-            <a:endParaRPr lang="nl-BE" dirty="0" smtClean="0"/>
-          </a:p>
-          <a:p>
-            <a:r>
-              <a:rPr lang="nl-BE" dirty="0" smtClean="0"/>
-              <a:t>$</a:t>
-            </a:r>
-            <a:r>
-              <a:rPr lang="nl-BE" dirty="0" err="1" smtClean="0"/>
-              <a:t>parents</a:t>
-            </a:r>
-            <a:endParaRPr lang="nl-BE" dirty="0" smtClean="0"/>
-          </a:p>
-          <a:p>
-            <a:r>
-              <a:rPr lang="nl-BE" dirty="0" smtClean="0"/>
-              <a:t>$root</a:t>
-            </a:r>
-          </a:p>
-          <a:p>
-            <a:r>
-              <a:rPr lang="nl-BE" dirty="0" smtClean="0"/>
-              <a:t>$index</a:t>
-            </a:r>
-            <a:endParaRPr lang="en-US" dirty="0"/>
-          </a:p>
-        </p:txBody>
-      </p:sp>
-    </p:spTree>
-    <p:extLst>
-      <p:ext uri="{BB962C8B-B14F-4D97-AF65-F5344CB8AC3E}">
-        <p14:creationId xmlns:p14="http://schemas.microsoft.com/office/powerpoint/2010/main" val="1653165840"/>
-      </p:ext>
-    </p:extLst>
-  </p:cSld>
-  <p:clrMapOvr>
-    <a:masterClrMapping/>
-  </p:clrMapOvr>
-</p:sld>
-</file>
-
 <file path=ppt/slides/slide21.xml><?xml version="1.0" encoding="utf-8"?>
 <p:sld xmlns:a="http://schemas.openxmlformats.org/drawingml/2006/main" xmlns:r="http://schemas.openxmlformats.org/officeDocument/2006/relationships" xmlns:p="http://schemas.openxmlformats.org/presentationml/2006/main">
   <p:cSld>
@@ -12632,6 +12836,124 @@
             </a:r>
             <a:r>
               <a:rPr lang="nl-BE" dirty="0" smtClean="0"/>
+              <a:t>: binding </a:t>
+            </a:r>
+            <a:r>
+              <a:rPr lang="nl-BE" dirty="0" err="1" smtClean="0"/>
+              <a:t>contexts</a:t>
+            </a:r>
+            <a:endParaRPr lang="en-US" dirty="0"/>
+          </a:p>
+        </p:txBody>
+      </p:sp>
+      <p:sp>
+        <p:nvSpPr>
+          <p:cNvPr id="3" name="Content Placeholder 2"/>
+          <p:cNvSpPr>
+            <a:spLocks noGrp="1"/>
+          </p:cNvSpPr>
+          <p:nvPr>
+            <p:ph idx="1"/>
+          </p:nvPr>
+        </p:nvSpPr>
+        <p:spPr/>
+        <p:txBody>
+          <a:bodyPr/>
+          <a:lstStyle/>
+          <a:p>
+            <a:r>
+              <a:rPr lang="nl-BE" dirty="0" smtClean="0"/>
+              <a:t>$data</a:t>
+            </a:r>
+          </a:p>
+          <a:p>
+            <a:r>
+              <a:rPr lang="nl-BE" dirty="0" smtClean="0"/>
+              <a:t>$</a:t>
+            </a:r>
+            <a:r>
+              <a:rPr lang="nl-BE" dirty="0" err="1" smtClean="0"/>
+              <a:t>parent</a:t>
+            </a:r>
+            <a:endParaRPr lang="nl-BE" dirty="0" smtClean="0"/>
+          </a:p>
+          <a:p>
+            <a:r>
+              <a:rPr lang="nl-BE" dirty="0" smtClean="0"/>
+              <a:t>$</a:t>
+            </a:r>
+            <a:r>
+              <a:rPr lang="nl-BE" dirty="0" err="1" smtClean="0"/>
+              <a:t>parents</a:t>
+            </a:r>
+            <a:endParaRPr lang="nl-BE" dirty="0" smtClean="0"/>
+          </a:p>
+          <a:p>
+            <a:r>
+              <a:rPr lang="nl-BE" dirty="0" smtClean="0"/>
+              <a:t>$root</a:t>
+            </a:r>
+          </a:p>
+          <a:p>
+            <a:r>
+              <a:rPr lang="nl-BE" dirty="0" smtClean="0"/>
+              <a:t>$index</a:t>
+            </a:r>
+            <a:endParaRPr lang="en-US" dirty="0"/>
+          </a:p>
+        </p:txBody>
+      </p:sp>
+    </p:spTree>
+    <p:extLst>
+      <p:ext uri="{BB962C8B-B14F-4D97-AF65-F5344CB8AC3E}">
+        <p14:creationId xmlns:p14="http://schemas.microsoft.com/office/powerpoint/2010/main" val="1653165840"/>
+      </p:ext>
+    </p:extLst>
+  </p:cSld>
+  <p:clrMapOvr>
+    <a:masterClrMapping/>
+  </p:clrMapOvr>
+</p:sld>
+</file>
+
+<file path=ppt/slides/slide22.xml><?xml version="1.0" encoding="utf-8"?>
+<p:sld xmlns:a="http://schemas.openxmlformats.org/drawingml/2006/main" xmlns:r="http://schemas.openxmlformats.org/officeDocument/2006/relationships" xmlns:p="http://schemas.openxmlformats.org/presentationml/2006/main">
+  <p:cSld>
+    <p:spTree>
+      <p:nvGrpSpPr>
+        <p:cNvPr id="1" name=""/>
+        <p:cNvGrpSpPr/>
+        <p:nvPr/>
+      </p:nvGrpSpPr>
+      <p:grpSpPr>
+        <a:xfrm>
+          <a:off x="0" y="0"/>
+          <a:ext cx="0" cy="0"/>
+          <a:chOff x="0" y="0"/>
+          <a:chExt cx="0" cy="0"/>
+        </a:xfrm>
+      </p:grpSpPr>
+      <p:sp>
+        <p:nvSpPr>
+          <p:cNvPr id="2" name="Title 1"/>
+          <p:cNvSpPr>
+            <a:spLocks noGrp="1"/>
+          </p:cNvSpPr>
+          <p:nvPr>
+            <p:ph type="title"/>
+          </p:nvPr>
+        </p:nvSpPr>
+        <p:spPr/>
+        <p:txBody>
+          <a:bodyPr/>
+          <a:lstStyle/>
+          <a:p>
+            <a:r>
+              <a:rPr lang="nl-BE" dirty="0" err="1" smtClean="0"/>
+              <a:t>Knockout</a:t>
+            </a:r>
+            <a:r>
+              <a:rPr lang="nl-BE" dirty="0" smtClean="0"/>
               <a:t>: data</a:t>
             </a:r>
             <a:endParaRPr lang="en-US" dirty="0"/>
@@ -12772,7 +13094,7 @@
 </p:sld>
 </file>
 
-<file path=ppt/slides/slide22.xml><?xml version="1.0" encoding="utf-8"?>
+<file path=ppt/slides/slide23.xml><?xml version="1.0" encoding="utf-8"?>
 <p:sld xmlns:a="http://schemas.openxmlformats.org/drawingml/2006/main" xmlns:r="http://schemas.openxmlformats.org/officeDocument/2006/relationships" xmlns:p="http://schemas.openxmlformats.org/presentationml/2006/main">
   <p:cSld>
     <p:spTree>
@@ -12863,86 +13185,6 @@
 </p:sld>
 </file>
 
-<file path=ppt/slides/slide23.xml><?xml version="1.0" encoding="utf-8"?>
-<p:sld xmlns:a="http://schemas.openxmlformats.org/drawingml/2006/main" xmlns:r="http://schemas.openxmlformats.org/officeDocument/2006/relationships" xmlns:p="http://schemas.openxmlformats.org/presentationml/2006/main">
-  <p:cSld>
-    <p:spTree>
-      <p:nvGrpSpPr>
-        <p:cNvPr id="1" name=""/>
-        <p:cNvGrpSpPr/>
-        <p:nvPr/>
-      </p:nvGrpSpPr>
-      <p:grpSpPr>
-        <a:xfrm>
-          <a:off x="0" y="0"/>
-          <a:ext cx="0" cy="0"/>
-          <a:chOff x="0" y="0"/>
-          <a:chExt cx="0" cy="0"/>
-        </a:xfrm>
-      </p:grpSpPr>
-      <p:sp>
-        <p:nvSpPr>
-          <p:cNvPr id="2" name="Title 1"/>
-          <p:cNvSpPr>
-            <a:spLocks noGrp="1"/>
-          </p:cNvSpPr>
-          <p:nvPr>
-            <p:ph type="title"/>
-          </p:nvPr>
-        </p:nvSpPr>
-        <p:spPr/>
-        <p:txBody>
-          <a:bodyPr/>
-          <a:lstStyle/>
-          <a:p>
-            <a:r>
-              <a:rPr lang="nl-BE" dirty="0" err="1" smtClean="0"/>
-              <a:t>Durandal</a:t>
-            </a:r>
-            <a:endParaRPr lang="en-US" dirty="0"/>
-          </a:p>
-        </p:txBody>
-      </p:sp>
-      <p:sp>
-        <p:nvSpPr>
-          <p:cNvPr id="3" name="Content Placeholder 2"/>
-          <p:cNvSpPr>
-            <a:spLocks noGrp="1"/>
-          </p:cNvSpPr>
-          <p:nvPr>
-            <p:ph idx="1"/>
-          </p:nvPr>
-        </p:nvSpPr>
-        <p:spPr/>
-        <p:txBody>
-          <a:bodyPr/>
-          <a:lstStyle/>
-          <a:p>
-            <a:r>
-              <a:rPr lang="nl-BE" dirty="0" err="1" smtClean="0"/>
-              <a:t>Finally</a:t>
-            </a:r>
-            <a:r>
-              <a:rPr lang="nl-BE" dirty="0" smtClean="0"/>
-              <a:t>!</a:t>
-            </a:r>
-            <a:endParaRPr lang="en-US" dirty="0"/>
-          </a:p>
-        </p:txBody>
-      </p:sp>
-    </p:spTree>
-    <p:extLst>
-      <p:ext uri="{BB962C8B-B14F-4D97-AF65-F5344CB8AC3E}">
-        <p14:creationId xmlns:p14="http://schemas.microsoft.com/office/powerpoint/2010/main" val="3685310628"/>
-      </p:ext>
-    </p:extLst>
-  </p:cSld>
-  <p:clrMapOvr>
-    <a:masterClrMapping/>
-  </p:clrMapOvr>
-</p:sld>
-</file>
-
 <file path=ppt/slides/slide24.xml><?xml version="1.0" encoding="utf-8"?>
 <p:sld xmlns:a="http://schemas.openxmlformats.org/drawingml/2006/main" xmlns:r="http://schemas.openxmlformats.org/officeDocument/2006/relationships" xmlns:p="http://schemas.openxmlformats.org/presentationml/2006/main">
   <p:cSld>
@@ -12979,10 +13221,6 @@
               <a:rPr lang="nl-BE" dirty="0" err="1" smtClean="0"/>
               <a:t>Durandal</a:t>
             </a:r>
-            <a:r>
-              <a:rPr lang="nl-BE" dirty="0" smtClean="0"/>
-              <a:t>: modules</a:t>
-            </a:r>
             <a:endParaRPr lang="en-US" dirty="0"/>
           </a:p>
         </p:txBody>
@@ -12994,41 +13232,63 @@
             <a:spLocks noGrp="1"/>
           </p:cNvSpPr>
           <p:nvPr>
-            <p:ph idx="1"/>
-          </p:nvPr>
-        </p:nvSpPr>
-        <p:spPr/>
-        <p:txBody>
-          <a:bodyPr/>
-          <a:lstStyle/>
-          <a:p>
-            <a:r>
-              <a:rPr lang="nl-BE" dirty="0" smtClean="0"/>
-              <a:t>AMD modules met </a:t>
-            </a:r>
-            <a:r>
-              <a:rPr lang="nl-BE" dirty="0" err="1" smtClean="0"/>
-              <a:t>RequireJS</a:t>
-            </a:r>
-            <a:endParaRPr lang="nl-BE" dirty="0" smtClean="0"/>
-          </a:p>
-          <a:p>
-            <a:r>
-              <a:rPr lang="nl-BE" dirty="0" smtClean="0"/>
-              <a:t>Iedere module krijgt een eigen </a:t>
-            </a:r>
-            <a:r>
-              <a:rPr lang="nl-BE" dirty="0" err="1" smtClean="0"/>
-              <a:t>id</a:t>
-            </a:r>
+            <p:ph type="body" idx="1"/>
+          </p:nvPr>
+        </p:nvSpPr>
+        <p:spPr/>
+        <p:txBody>
+          <a:bodyPr/>
+          <a:lstStyle/>
+          <a:p>
             <a:endParaRPr lang="en-US" dirty="0"/>
           </a:p>
         </p:txBody>
       </p:sp>
+      <p:pic>
+        <p:nvPicPr>
+          <p:cNvPr id="15362" name="Picture 2" descr="https://encrypted-tbn1.gstatic.com/images?q=tbn:ANd9GcSn9W1S0Xpepf6eLcsv1Q6pECB9ZGuZvoyN7MTsyAVmJ9lXkRIL"/>
+          <p:cNvPicPr>
+            <a:picLocks noChangeAspect="1" noChangeArrowheads="1"/>
+          </p:cNvPicPr>
+          <p:nvPr/>
+        </p:nvPicPr>
+        <p:blipFill>
+          <a:blip r:embed="rId2">
+            <a:extLst>
+              <a:ext uri="{28A0092B-C50C-407E-A947-70E740481C1C}">
+                <a14:useLocalDpi xmlns:a14="http://schemas.microsoft.com/office/drawing/2010/main" val="0"/>
+              </a:ext>
+            </a:extLst>
+          </a:blip>
+          <a:srcRect/>
+          <a:stretch>
+            <a:fillRect/>
+          </a:stretch>
+        </p:blipFill>
+        <p:spPr bwMode="auto">
+          <a:xfrm>
+            <a:off x="831851" y="4589464"/>
+            <a:ext cx="2019836" cy="1512928"/>
+          </a:xfrm>
+          <a:prstGeom prst="rect">
+            <a:avLst/>
+          </a:prstGeom>
+          <a:noFill/>
+          <a:extLst>
+            <a:ext uri="{909E8E84-426E-40DD-AFC4-6F175D3DCCD1}">
+              <a14:hiddenFill xmlns:a14="http://schemas.microsoft.com/office/drawing/2010/main">
+                <a:solidFill>
+                  <a:srgbClr val="FFFFFF"/>
+                </a:solidFill>
+              </a14:hiddenFill>
+            </a:ext>
+          </a:extLst>
+        </p:spPr>
+      </p:pic>
     </p:spTree>
     <p:extLst>
       <p:ext uri="{BB962C8B-B14F-4D97-AF65-F5344CB8AC3E}">
-        <p14:creationId xmlns:p14="http://schemas.microsoft.com/office/powerpoint/2010/main" val="1210736706"/>
+        <p14:creationId xmlns:p14="http://schemas.microsoft.com/office/powerpoint/2010/main" val="3685310628"/>
       </p:ext>
     </p:extLst>
   </p:cSld>
@@ -13076,7 +13336,7 @@
             </a:r>
             <a:r>
               <a:rPr lang="nl-BE" dirty="0" smtClean="0"/>
-              <a:t>: views</a:t>
+              <a:t>: modules</a:t>
             </a:r>
             <a:endParaRPr lang="en-US" dirty="0"/>
           </a:p>
@@ -13099,27 +13359,22 @@
           <a:p>
             <a:r>
               <a:rPr lang="nl-BE" dirty="0" smtClean="0"/>
-              <a:t>Gewoon html bestand</a:t>
-            </a:r>
-          </a:p>
-          <a:p>
-            <a:r>
-              <a:rPr lang="nl-BE" dirty="0" smtClean="0"/>
-              <a:t>Slechts 1 root element</a:t>
-            </a:r>
-          </a:p>
-          <a:p>
-            <a:r>
-              <a:rPr lang="nl-BE" dirty="0" smtClean="0"/>
-              <a:t>Databinding (</a:t>
-            </a:r>
-            <a:r>
-              <a:rPr lang="nl-BE" dirty="0" err="1" smtClean="0"/>
-              <a:t>Knockout</a:t>
-            </a:r>
-            <a:r>
-              <a:rPr lang="nl-BE" dirty="0" smtClean="0"/>
-              <a:t>!) verbindt view met module</a:t>
+              <a:t>AMD modules met </a:t>
+            </a:r>
+            <a:r>
+              <a:rPr lang="nl-BE" dirty="0" err="1" smtClean="0"/>
+              <a:t>RequireJS</a:t>
+            </a:r>
+            <a:endParaRPr lang="nl-BE" dirty="0" smtClean="0"/>
+          </a:p>
+          <a:p>
+            <a:r>
+              <a:rPr lang="nl-BE" dirty="0" smtClean="0"/>
+              <a:t>Iedere module krijgt een eigen </a:t>
+            </a:r>
+            <a:r>
+              <a:rPr lang="nl-BE" dirty="0" err="1" smtClean="0"/>
+              <a:t>id</a:t>
             </a:r>
             <a:endParaRPr lang="en-US" dirty="0"/>
           </a:p>
@@ -13128,7 +13383,7 @@
     </p:spTree>
     <p:extLst>
       <p:ext uri="{BB962C8B-B14F-4D97-AF65-F5344CB8AC3E}">
-        <p14:creationId xmlns:p14="http://schemas.microsoft.com/office/powerpoint/2010/main" val="1784123812"/>
+        <p14:creationId xmlns:p14="http://schemas.microsoft.com/office/powerpoint/2010/main" val="1210736706"/>
       </p:ext>
     </p:extLst>
   </p:cSld>
@@ -13176,11 +13431,7 @@
             </a:r>
             <a:r>
               <a:rPr lang="nl-BE" dirty="0" smtClean="0"/>
-              <a:t>: views en </a:t>
-            </a:r>
-            <a:r>
-              <a:rPr lang="nl-BE" dirty="0" err="1" smtClean="0"/>
-              <a:t>viewmodels</a:t>
+              <a:t>: views</a:t>
             </a:r>
             <a:endParaRPr lang="en-US" dirty="0"/>
           </a:p>
@@ -13202,38 +13453,28 @@
           <a:lstStyle/>
           <a:p>
             <a:r>
-              <a:rPr lang="nl-BE" dirty="0" err="1" smtClean="0"/>
-              <a:t>Convention</a:t>
-            </a:r>
-            <a:r>
-              <a:rPr lang="nl-BE" dirty="0" smtClean="0"/>
-              <a:t>:</a:t>
-            </a:r>
-          </a:p>
-          <a:p>
-            <a:pPr lvl="1"/>
-            <a:r>
-              <a:rPr lang="nl-BE" dirty="0" err="1"/>
-              <a:t>v</a:t>
-            </a:r>
-            <a:r>
-              <a:rPr lang="nl-BE" dirty="0" err="1" smtClean="0"/>
-              <a:t>iewmodels</a:t>
-            </a:r>
-            <a:r>
-              <a:rPr lang="nl-BE" dirty="0" smtClean="0"/>
-              <a:t>/customerList.js</a:t>
-            </a:r>
-          </a:p>
-          <a:p>
-            <a:pPr lvl="1"/>
-            <a:r>
-              <a:rPr lang="nl-BE" dirty="0"/>
-              <a:t>v</a:t>
-            </a:r>
-            <a:r>
-              <a:rPr lang="nl-BE" dirty="0" smtClean="0"/>
-              <a:t>iews/customerList.html</a:t>
+              <a:rPr lang="nl-BE" dirty="0" smtClean="0"/>
+              <a:t>Gewoon html bestand</a:t>
+            </a:r>
+          </a:p>
+          <a:p>
+            <a:r>
+              <a:rPr lang="nl-BE" dirty="0" smtClean="0"/>
+              <a:t>Slechts 1 root element</a:t>
+            </a:r>
+          </a:p>
+          <a:p>
+            <a:r>
+              <a:rPr lang="nl-BE" dirty="0" smtClean="0"/>
+              <a:t>Databinding (</a:t>
+            </a:r>
+            <a:r>
+              <a:rPr lang="nl-BE" dirty="0" err="1" smtClean="0"/>
+              <a:t>Knockout</a:t>
+            </a:r>
+            <a:r>
+              <a:rPr lang="nl-BE" dirty="0" smtClean="0"/>
+              <a:t>!) verbindt view met module</a:t>
             </a:r>
             <a:endParaRPr lang="en-US" dirty="0"/>
           </a:p>
@@ -13242,7 +13483,7 @@
     </p:spTree>
     <p:extLst>
       <p:ext uri="{BB962C8B-B14F-4D97-AF65-F5344CB8AC3E}">
-        <p14:creationId xmlns:p14="http://schemas.microsoft.com/office/powerpoint/2010/main" val="1783479636"/>
+        <p14:creationId xmlns:p14="http://schemas.microsoft.com/office/powerpoint/2010/main" val="1784123812"/>
       </p:ext>
     </p:extLst>
   </p:cSld>
@@ -13290,6 +13531,120 @@
             </a:r>
             <a:r>
               <a:rPr lang="nl-BE" dirty="0" smtClean="0"/>
+              <a:t>: views en </a:t>
+            </a:r>
+            <a:r>
+              <a:rPr lang="nl-BE" dirty="0" err="1" smtClean="0"/>
+              <a:t>viewmodels</a:t>
+            </a:r>
+            <a:endParaRPr lang="en-US" dirty="0"/>
+          </a:p>
+        </p:txBody>
+      </p:sp>
+      <p:sp>
+        <p:nvSpPr>
+          <p:cNvPr id="3" name="Content Placeholder 2"/>
+          <p:cNvSpPr>
+            <a:spLocks noGrp="1"/>
+          </p:cNvSpPr>
+          <p:nvPr>
+            <p:ph idx="1"/>
+          </p:nvPr>
+        </p:nvSpPr>
+        <p:spPr/>
+        <p:txBody>
+          <a:bodyPr/>
+          <a:lstStyle/>
+          <a:p>
+            <a:r>
+              <a:rPr lang="nl-BE" dirty="0" err="1" smtClean="0"/>
+              <a:t>Convention</a:t>
+            </a:r>
+            <a:r>
+              <a:rPr lang="nl-BE" dirty="0" smtClean="0"/>
+              <a:t>:</a:t>
+            </a:r>
+          </a:p>
+          <a:p>
+            <a:pPr lvl="1"/>
+            <a:r>
+              <a:rPr lang="nl-BE" dirty="0" err="1"/>
+              <a:t>v</a:t>
+            </a:r>
+            <a:r>
+              <a:rPr lang="nl-BE" dirty="0" err="1" smtClean="0"/>
+              <a:t>iewmodels</a:t>
+            </a:r>
+            <a:r>
+              <a:rPr lang="nl-BE" dirty="0" smtClean="0"/>
+              <a:t>/customerList.js</a:t>
+            </a:r>
+          </a:p>
+          <a:p>
+            <a:pPr lvl="1"/>
+            <a:r>
+              <a:rPr lang="nl-BE" dirty="0"/>
+              <a:t>v</a:t>
+            </a:r>
+            <a:r>
+              <a:rPr lang="nl-BE" dirty="0" smtClean="0"/>
+              <a:t>iews/customerList.html</a:t>
+            </a:r>
+            <a:endParaRPr lang="en-US" dirty="0"/>
+          </a:p>
+        </p:txBody>
+      </p:sp>
+    </p:spTree>
+    <p:extLst>
+      <p:ext uri="{BB962C8B-B14F-4D97-AF65-F5344CB8AC3E}">
+        <p14:creationId xmlns:p14="http://schemas.microsoft.com/office/powerpoint/2010/main" val="1783479636"/>
+      </p:ext>
+    </p:extLst>
+  </p:cSld>
+  <p:clrMapOvr>
+    <a:masterClrMapping/>
+  </p:clrMapOvr>
+</p:sld>
+</file>
+
+<file path=ppt/slides/slide28.xml><?xml version="1.0" encoding="utf-8"?>
+<p:sld xmlns:a="http://schemas.openxmlformats.org/drawingml/2006/main" xmlns:r="http://schemas.openxmlformats.org/officeDocument/2006/relationships" xmlns:p="http://schemas.openxmlformats.org/presentationml/2006/main">
+  <p:cSld>
+    <p:spTree>
+      <p:nvGrpSpPr>
+        <p:cNvPr id="1" name=""/>
+        <p:cNvGrpSpPr/>
+        <p:nvPr/>
+      </p:nvGrpSpPr>
+      <p:grpSpPr>
+        <a:xfrm>
+          <a:off x="0" y="0"/>
+          <a:ext cx="0" cy="0"/>
+          <a:chOff x="0" y="0"/>
+          <a:chExt cx="0" cy="0"/>
+        </a:xfrm>
+      </p:grpSpPr>
+      <p:sp>
+        <p:nvSpPr>
+          <p:cNvPr id="2" name="Title 1"/>
+          <p:cNvSpPr>
+            <a:spLocks noGrp="1"/>
+          </p:cNvSpPr>
+          <p:nvPr>
+            <p:ph type="title"/>
+          </p:nvPr>
+        </p:nvSpPr>
+        <p:spPr/>
+        <p:txBody>
+          <a:bodyPr/>
+          <a:lstStyle/>
+          <a:p>
+            <a:r>
+              <a:rPr lang="nl-BE" dirty="0" err="1" smtClean="0"/>
+              <a:t>Durandal</a:t>
+            </a:r>
+            <a:r>
+              <a:rPr lang="nl-BE" dirty="0" smtClean="0"/>
               <a:t>: </a:t>
             </a:r>
             <a:r>
@@ -13351,7 +13706,7 @@
 </p:sld>
 </file>
 
-<file path=ppt/slides/slide28.xml><?xml version="1.0" encoding="utf-8"?>
+<file path=ppt/slides/slide29.xml><?xml version="1.0" encoding="utf-8"?>
 <p:sld xmlns:a="http://schemas.openxmlformats.org/drawingml/2006/main" xmlns:r="http://schemas.openxmlformats.org/officeDocument/2006/relationships" xmlns:p="http://schemas.openxmlformats.org/presentationml/2006/main">
   <p:cSld>
     <p:spTree>
@@ -13470,220 +13825,6 @@
 </p:sld>
 </file>
 
-<file path=ppt/slides/slide29.xml><?xml version="1.0" encoding="utf-8"?>
-<p:sld xmlns:a="http://schemas.openxmlformats.org/drawingml/2006/main" xmlns:r="http://schemas.openxmlformats.org/officeDocument/2006/relationships" xmlns:p="http://schemas.openxmlformats.org/presentationml/2006/main">
-  <p:cSld>
-    <p:spTree>
-      <p:nvGrpSpPr>
-        <p:cNvPr id="1" name=""/>
-        <p:cNvGrpSpPr/>
-        <p:nvPr/>
-      </p:nvGrpSpPr>
-      <p:grpSpPr>
-        <a:xfrm>
-          <a:off x="0" y="0"/>
-          <a:ext cx="0" cy="0"/>
-          <a:chOff x="0" y="0"/>
-          <a:chExt cx="0" cy="0"/>
-        </a:xfrm>
-      </p:grpSpPr>
-      <p:sp>
-        <p:nvSpPr>
-          <p:cNvPr id="2" name="Title 1"/>
-          <p:cNvSpPr>
-            <a:spLocks noGrp="1"/>
-          </p:cNvSpPr>
-          <p:nvPr>
-            <p:ph type="title"/>
-          </p:nvPr>
-        </p:nvSpPr>
-        <p:spPr/>
-        <p:txBody>
-          <a:bodyPr/>
-          <a:lstStyle/>
-          <a:p>
-            <a:r>
-              <a:rPr lang="nl-BE" dirty="0" err="1" smtClean="0"/>
-              <a:t>Durandal</a:t>
-            </a:r>
-            <a:r>
-              <a:rPr lang="nl-BE" dirty="0" smtClean="0"/>
-              <a:t>: </a:t>
-            </a:r>
-            <a:r>
-              <a:rPr lang="nl-BE" dirty="0" err="1" smtClean="0"/>
-              <a:t>composition</a:t>
-            </a:r>
-            <a:r>
-              <a:rPr lang="nl-BE" dirty="0" smtClean="0"/>
-              <a:t> </a:t>
-            </a:r>
-            <a:r>
-              <a:rPr lang="nl-BE" dirty="0" err="1" smtClean="0"/>
-              <a:t>extras</a:t>
-            </a:r>
-            <a:endParaRPr lang="en-US" dirty="0"/>
-          </a:p>
-        </p:txBody>
-      </p:sp>
-      <p:sp>
-        <p:nvSpPr>
-          <p:cNvPr id="3" name="Content Placeholder 2"/>
-          <p:cNvSpPr>
-            <a:spLocks noGrp="1"/>
-          </p:cNvSpPr>
-          <p:nvPr>
-            <p:ph idx="1"/>
-          </p:nvPr>
-        </p:nvSpPr>
-        <p:spPr/>
-        <p:txBody>
-          <a:bodyPr/>
-          <a:lstStyle/>
-          <a:p>
-            <a:r>
-              <a:rPr lang="nl-BE" dirty="0" err="1" smtClean="0"/>
-              <a:t>strategy</a:t>
-            </a:r>
-            <a:endParaRPr lang="nl-BE" dirty="0" smtClean="0"/>
-          </a:p>
-          <a:p>
-            <a:r>
-              <a:rPr lang="nl-BE" dirty="0" err="1"/>
-              <a:t>t</a:t>
-            </a:r>
-            <a:r>
-              <a:rPr lang="nl-BE" dirty="0" err="1" smtClean="0"/>
-              <a:t>ransition</a:t>
-            </a:r>
-            <a:endParaRPr lang="nl-BE" dirty="0" smtClean="0"/>
-          </a:p>
-          <a:p>
-            <a:r>
-              <a:rPr lang="nl-BE" dirty="0" err="1" smtClean="0"/>
-              <a:t>cacheViews</a:t>
-            </a:r>
-            <a:endParaRPr lang="nl-BE" dirty="0" smtClean="0"/>
-          </a:p>
-          <a:p>
-            <a:r>
-              <a:rPr lang="nl-BE" dirty="0" err="1" smtClean="0"/>
-              <a:t>activate</a:t>
-            </a:r>
-            <a:endParaRPr lang="nl-BE" dirty="0" smtClean="0"/>
-          </a:p>
-          <a:p>
-            <a:r>
-              <a:rPr lang="nl-BE" dirty="0" err="1" smtClean="0"/>
-              <a:t>preserveContext</a:t>
-            </a:r>
-            <a:r>
-              <a:rPr lang="nl-BE" dirty="0" smtClean="0"/>
-              <a:t>, area, </a:t>
-            </a:r>
-            <a:r>
-              <a:rPr lang="nl-BE" dirty="0" err="1" smtClean="0"/>
-              <a:t>activationData</a:t>
-            </a:r>
-            <a:r>
-              <a:rPr lang="nl-BE" dirty="0" smtClean="0"/>
-              <a:t>, mode, </a:t>
-            </a:r>
-            <a:r>
-              <a:rPr lang="nl-BE" dirty="0" err="1" smtClean="0"/>
-              <a:t>hooks</a:t>
-            </a:r>
-            <a:r>
-              <a:rPr lang="nl-BE" dirty="0" smtClean="0"/>
-              <a:t>, </a:t>
-            </a:r>
-            <a:r>
-              <a:rPr lang="nl-BE" dirty="0" err="1" smtClean="0"/>
-              <a:t>whoa</a:t>
-            </a:r>
-            <a:r>
-              <a:rPr lang="nl-BE" dirty="0" smtClean="0"/>
-              <a:t>!</a:t>
-            </a:r>
-          </a:p>
-          <a:p>
-            <a:r>
-              <a:rPr lang="nl-BE" dirty="0" err="1" smtClean="0"/>
-              <a:t>composition</a:t>
-            </a:r>
-            <a:r>
-              <a:rPr lang="nl-BE" dirty="0" smtClean="0"/>
-              <a:t> </a:t>
-            </a:r>
-            <a:r>
-              <a:rPr lang="nl-BE" dirty="0" err="1" smtClean="0"/>
-              <a:t>lifecycle</a:t>
-            </a:r>
-            <a:r>
-              <a:rPr lang="nl-BE" dirty="0" smtClean="0"/>
-              <a:t>: </a:t>
-            </a:r>
-            <a:r>
-              <a:rPr lang="nl-BE" dirty="0" err="1" smtClean="0"/>
-              <a:t>getView</a:t>
-            </a:r>
-            <a:r>
-              <a:rPr lang="nl-BE" dirty="0" smtClean="0"/>
-              <a:t>, </a:t>
-            </a:r>
-            <a:r>
-              <a:rPr lang="nl-BE" dirty="0" err="1" smtClean="0"/>
-              <a:t>activate</a:t>
-            </a:r>
-            <a:r>
-              <a:rPr lang="nl-BE" dirty="0" smtClean="0"/>
-              <a:t>, binding, </a:t>
-            </a:r>
-            <a:r>
-              <a:rPr lang="nl-BE" dirty="0" err="1" smtClean="0"/>
-              <a:t>bindingComplete</a:t>
-            </a:r>
-            <a:r>
-              <a:rPr lang="nl-BE" dirty="0" smtClean="0"/>
-              <a:t>, </a:t>
-            </a:r>
-            <a:r>
-              <a:rPr lang="nl-BE" dirty="0" err="1" smtClean="0"/>
-              <a:t>attached</a:t>
-            </a:r>
-            <a:r>
-              <a:rPr lang="nl-BE" dirty="0" smtClean="0"/>
-              <a:t>, </a:t>
-            </a:r>
-            <a:r>
-              <a:rPr lang="nl-BE" dirty="0" err="1" smtClean="0"/>
-              <a:t>compositionComplete</a:t>
-            </a:r>
-            <a:r>
-              <a:rPr lang="nl-BE" dirty="0" smtClean="0"/>
-              <a:t>, </a:t>
-            </a:r>
-            <a:r>
-              <a:rPr lang="nl-BE" dirty="0" err="1" smtClean="0"/>
-              <a:t>detached</a:t>
-            </a:r>
-            <a:endParaRPr lang="en-US" dirty="0"/>
-          </a:p>
-        </p:txBody>
-      </p:sp>
-    </p:spTree>
-    <p:extLst>
-      <p:ext uri="{BB962C8B-B14F-4D97-AF65-F5344CB8AC3E}">
-        <p14:creationId xmlns:p14="http://schemas.microsoft.com/office/powerpoint/2010/main" val="3246442715"/>
-      </p:ext>
-    </p:extLst>
-  </p:cSld>
-  <p:clrMapOvr>
-    <a:masterClrMapping/>
-  </p:clrMapOvr>
-</p:sld>
-</file>
-
 <file path=ppt/slides/slide3.xml><?xml version="1.0" encoding="utf-8"?>
 <p:sld xmlns:a="http://schemas.openxmlformats.org/drawingml/2006/main" xmlns:r="http://schemas.openxmlformats.org/officeDocument/2006/relationships" xmlns:p="http://schemas.openxmlformats.org/presentationml/2006/main">
   <p:cSld>
@@ -13775,6 +13916,220 @@
 </file>
 
 <file path=ppt/slides/slide30.xml><?xml version="1.0" encoding="utf-8"?>
+<p:sld xmlns:a="http://schemas.openxmlformats.org/drawingml/2006/main" xmlns:r="http://schemas.openxmlformats.org/officeDocument/2006/relationships" xmlns:p="http://schemas.openxmlformats.org/presentationml/2006/main">
+  <p:cSld>
+    <p:spTree>
+      <p:nvGrpSpPr>
+        <p:cNvPr id="1" name=""/>
+        <p:cNvGrpSpPr/>
+        <p:nvPr/>
+      </p:nvGrpSpPr>
+      <p:grpSpPr>
+        <a:xfrm>
+          <a:off x="0" y="0"/>
+          <a:ext cx="0" cy="0"/>
+          <a:chOff x="0" y="0"/>
+          <a:chExt cx="0" cy="0"/>
+        </a:xfrm>
+      </p:grpSpPr>
+      <p:sp>
+        <p:nvSpPr>
+          <p:cNvPr id="2" name="Title 1"/>
+          <p:cNvSpPr>
+            <a:spLocks noGrp="1"/>
+          </p:cNvSpPr>
+          <p:nvPr>
+            <p:ph type="title"/>
+          </p:nvPr>
+        </p:nvSpPr>
+        <p:spPr/>
+        <p:txBody>
+          <a:bodyPr/>
+          <a:lstStyle/>
+          <a:p>
+            <a:r>
+              <a:rPr lang="nl-BE" dirty="0" err="1" smtClean="0"/>
+              <a:t>Durandal</a:t>
+            </a:r>
+            <a:r>
+              <a:rPr lang="nl-BE" dirty="0" smtClean="0"/>
+              <a:t>: </a:t>
+            </a:r>
+            <a:r>
+              <a:rPr lang="nl-BE" dirty="0" err="1" smtClean="0"/>
+              <a:t>composition</a:t>
+            </a:r>
+            <a:r>
+              <a:rPr lang="nl-BE" dirty="0" smtClean="0"/>
+              <a:t> </a:t>
+            </a:r>
+            <a:r>
+              <a:rPr lang="nl-BE" dirty="0" err="1" smtClean="0"/>
+              <a:t>extras</a:t>
+            </a:r>
+            <a:endParaRPr lang="en-US" dirty="0"/>
+          </a:p>
+        </p:txBody>
+      </p:sp>
+      <p:sp>
+        <p:nvSpPr>
+          <p:cNvPr id="3" name="Content Placeholder 2"/>
+          <p:cNvSpPr>
+            <a:spLocks noGrp="1"/>
+          </p:cNvSpPr>
+          <p:nvPr>
+            <p:ph idx="1"/>
+          </p:nvPr>
+        </p:nvSpPr>
+        <p:spPr/>
+        <p:txBody>
+          <a:bodyPr/>
+          <a:lstStyle/>
+          <a:p>
+            <a:r>
+              <a:rPr lang="nl-BE" dirty="0" err="1" smtClean="0"/>
+              <a:t>strategy</a:t>
+            </a:r>
+            <a:endParaRPr lang="nl-BE" dirty="0" smtClean="0"/>
+          </a:p>
+          <a:p>
+            <a:r>
+              <a:rPr lang="nl-BE" dirty="0" err="1"/>
+              <a:t>t</a:t>
+            </a:r>
+            <a:r>
+              <a:rPr lang="nl-BE" dirty="0" err="1" smtClean="0"/>
+              <a:t>ransition</a:t>
+            </a:r>
+            <a:endParaRPr lang="nl-BE" dirty="0" smtClean="0"/>
+          </a:p>
+          <a:p>
+            <a:r>
+              <a:rPr lang="nl-BE" dirty="0" err="1" smtClean="0"/>
+              <a:t>cacheViews</a:t>
+            </a:r>
+            <a:endParaRPr lang="nl-BE" dirty="0" smtClean="0"/>
+          </a:p>
+          <a:p>
+            <a:r>
+              <a:rPr lang="nl-BE" dirty="0" err="1" smtClean="0"/>
+              <a:t>activate</a:t>
+            </a:r>
+            <a:endParaRPr lang="nl-BE" dirty="0" smtClean="0"/>
+          </a:p>
+          <a:p>
+            <a:r>
+              <a:rPr lang="nl-BE" dirty="0" err="1" smtClean="0"/>
+              <a:t>preserveContext</a:t>
+            </a:r>
+            <a:r>
+              <a:rPr lang="nl-BE" dirty="0" smtClean="0"/>
+              <a:t>, area, </a:t>
+            </a:r>
+            <a:r>
+              <a:rPr lang="nl-BE" dirty="0" err="1" smtClean="0"/>
+              <a:t>activationData</a:t>
+            </a:r>
+            <a:r>
+              <a:rPr lang="nl-BE" dirty="0" smtClean="0"/>
+              <a:t>, mode, </a:t>
+            </a:r>
+            <a:r>
+              <a:rPr lang="nl-BE" dirty="0" err="1" smtClean="0"/>
+              <a:t>hooks</a:t>
+            </a:r>
+            <a:r>
+              <a:rPr lang="nl-BE" dirty="0" smtClean="0"/>
+              <a:t>, </a:t>
+            </a:r>
+            <a:r>
+              <a:rPr lang="nl-BE" dirty="0" err="1" smtClean="0"/>
+              <a:t>whoa</a:t>
+            </a:r>
+            <a:r>
+              <a:rPr lang="nl-BE" dirty="0" smtClean="0"/>
+              <a:t>!</a:t>
+            </a:r>
+          </a:p>
+          <a:p>
+            <a:r>
+              <a:rPr lang="nl-BE" dirty="0" err="1" smtClean="0"/>
+              <a:t>composition</a:t>
+            </a:r>
+            <a:r>
+              <a:rPr lang="nl-BE" dirty="0" smtClean="0"/>
+              <a:t> </a:t>
+            </a:r>
+            <a:r>
+              <a:rPr lang="nl-BE" dirty="0" err="1" smtClean="0"/>
+              <a:t>lifecycle</a:t>
+            </a:r>
+            <a:r>
+              <a:rPr lang="nl-BE" dirty="0" smtClean="0"/>
+              <a:t>: </a:t>
+            </a:r>
+            <a:r>
+              <a:rPr lang="nl-BE" dirty="0" err="1" smtClean="0"/>
+              <a:t>getView</a:t>
+            </a:r>
+            <a:r>
+              <a:rPr lang="nl-BE" dirty="0" smtClean="0"/>
+              <a:t>, </a:t>
+            </a:r>
+            <a:r>
+              <a:rPr lang="nl-BE" dirty="0" err="1" smtClean="0"/>
+              <a:t>activate</a:t>
+            </a:r>
+            <a:r>
+              <a:rPr lang="nl-BE" dirty="0" smtClean="0"/>
+              <a:t>, binding, </a:t>
+            </a:r>
+            <a:r>
+              <a:rPr lang="nl-BE" dirty="0" err="1" smtClean="0"/>
+              <a:t>bindingComplete</a:t>
+            </a:r>
+            <a:r>
+              <a:rPr lang="nl-BE" dirty="0" smtClean="0"/>
+              <a:t>, </a:t>
+            </a:r>
+            <a:r>
+              <a:rPr lang="nl-BE" dirty="0" err="1" smtClean="0"/>
+              <a:t>attached</a:t>
+            </a:r>
+            <a:r>
+              <a:rPr lang="nl-BE" dirty="0" smtClean="0"/>
+              <a:t>, </a:t>
+            </a:r>
+            <a:r>
+              <a:rPr lang="nl-BE" dirty="0" err="1" smtClean="0"/>
+              <a:t>compositionComplete</a:t>
+            </a:r>
+            <a:r>
+              <a:rPr lang="nl-BE" dirty="0" smtClean="0"/>
+              <a:t>, </a:t>
+            </a:r>
+            <a:r>
+              <a:rPr lang="nl-BE" dirty="0" err="1" smtClean="0"/>
+              <a:t>detached</a:t>
+            </a:r>
+            <a:endParaRPr lang="en-US" dirty="0"/>
+          </a:p>
+        </p:txBody>
+      </p:sp>
+    </p:spTree>
+    <p:extLst>
+      <p:ext uri="{BB962C8B-B14F-4D97-AF65-F5344CB8AC3E}">
+        <p14:creationId xmlns:p14="http://schemas.microsoft.com/office/powerpoint/2010/main" val="3246442715"/>
+      </p:ext>
+    </p:extLst>
+  </p:cSld>
+  <p:clrMapOvr>
+    <a:masterClrMapping/>
+  </p:clrMapOvr>
+</p:sld>
+</file>
+
+<file path=ppt/slides/slide31.xml><?xml version="1.0" encoding="utf-8"?>
 <p:sld xmlns:a="http://schemas.openxmlformats.org/drawingml/2006/main" xmlns:r="http://schemas.openxmlformats.org/officeDocument/2006/relationships" xmlns:p="http://schemas.openxmlformats.org/presentationml/2006/main">
   <p:cSld>
     <p:spTree>
@@ -13946,7 +14301,7 @@
 </p:sld>
 </file>
 
-<file path=ppt/slides/slide31.xml><?xml version="1.0" encoding="utf-8"?>
+<file path=ppt/slides/slide32.xml><?xml version="1.0" encoding="utf-8"?>
 <p:sld xmlns:a="http://schemas.openxmlformats.org/drawingml/2006/main" xmlns:r="http://schemas.openxmlformats.org/officeDocument/2006/relationships" xmlns:p="http://schemas.openxmlformats.org/presentationml/2006/main">
   <p:cSld>
     <p:spTree>
@@ -14038,7 +14393,7 @@
 </p:sld>
 </file>
 
-<file path=ppt/slides/slide32.xml><?xml version="1.0" encoding="utf-8"?>
+<file path=ppt/slides/slide33.xml><?xml version="1.0" encoding="utf-8"?>
 <p:sld xmlns:a="http://schemas.openxmlformats.org/drawingml/2006/main" xmlns:r="http://schemas.openxmlformats.org/officeDocument/2006/relationships" xmlns:p="http://schemas.openxmlformats.org/presentationml/2006/main">
   <p:cSld>
     <p:spTree>
@@ -14129,7 +14484,7 @@
 </p:sld>
 </file>
 
-<file path=ppt/slides/slide33.xml><?xml version="1.0" encoding="utf-8"?>
+<file path=ppt/slides/slide34.xml><?xml version="1.0" encoding="utf-8"?>
 <p:sld xmlns:a="http://schemas.openxmlformats.org/drawingml/2006/main" xmlns:r="http://schemas.openxmlformats.org/officeDocument/2006/relationships" xmlns:p="http://schemas.openxmlformats.org/presentationml/2006/main">
   <p:cSld>
     <p:spTree>
@@ -14220,7 +14575,7 @@
 </p:sld>
 </file>
 
-<file path=ppt/slides/slide34.xml><?xml version="1.0" encoding="utf-8"?>
+<file path=ppt/slides/slide35.xml><?xml version="1.0" encoding="utf-8"?>
 <p:sld xmlns:a="http://schemas.openxmlformats.org/drawingml/2006/main" xmlns:r="http://schemas.openxmlformats.org/officeDocument/2006/relationships" xmlns:p="http://schemas.openxmlformats.org/presentationml/2006/main">
   <p:cSld>
     <p:spTree>
@@ -14311,111 +14666,6 @@
 </p:sld>
 </file>
 
-<file path=ppt/slides/slide35.xml><?xml version="1.0" encoding="utf-8"?>
-<p:sld xmlns:a="http://schemas.openxmlformats.org/drawingml/2006/main" xmlns:r="http://schemas.openxmlformats.org/officeDocument/2006/relationships" xmlns:p="http://schemas.openxmlformats.org/presentationml/2006/main">
-  <p:cSld>
-    <p:spTree>
-      <p:nvGrpSpPr>
-        <p:cNvPr id="1" name=""/>
-        <p:cNvGrpSpPr/>
-        <p:nvPr/>
-      </p:nvGrpSpPr>
-      <p:grpSpPr>
-        <a:xfrm>
-          <a:off x="0" y="0"/>
-          <a:ext cx="0" cy="0"/>
-          <a:chOff x="0" y="0"/>
-          <a:chExt cx="0" cy="0"/>
-        </a:xfrm>
-      </p:grpSpPr>
-      <p:sp>
-        <p:nvSpPr>
-          <p:cNvPr id="2" name="Title 1"/>
-          <p:cNvSpPr>
-            <a:spLocks noGrp="1"/>
-          </p:cNvSpPr>
-          <p:nvPr>
-            <p:ph type="title"/>
-          </p:nvPr>
-        </p:nvSpPr>
-        <p:spPr/>
-        <p:txBody>
-          <a:bodyPr/>
-          <a:lstStyle/>
-          <a:p>
-            <a:r>
-              <a:rPr lang="nl-BE" dirty="0" err="1" smtClean="0"/>
-              <a:t>Durandal</a:t>
-            </a:r>
-            <a:r>
-              <a:rPr lang="nl-BE" dirty="0" smtClean="0"/>
-              <a:t>: </a:t>
-            </a:r>
-            <a:r>
-              <a:rPr lang="nl-BE" dirty="0" err="1" smtClean="0"/>
-              <a:t>plugins</a:t>
-            </a:r>
-            <a:endParaRPr lang="en-US" dirty="0"/>
-          </a:p>
-        </p:txBody>
-      </p:sp>
-      <p:sp>
-        <p:nvSpPr>
-          <p:cNvPr id="3" name="Content Placeholder 2"/>
-          <p:cNvSpPr>
-            <a:spLocks noGrp="1"/>
-          </p:cNvSpPr>
-          <p:nvPr>
-            <p:ph idx="1"/>
-          </p:nvPr>
-        </p:nvSpPr>
-        <p:spPr/>
-        <p:txBody>
-          <a:bodyPr/>
-          <a:lstStyle/>
-          <a:p>
-            <a:r>
-              <a:rPr lang="nl-BE" dirty="0" smtClean="0"/>
-              <a:t>http en </a:t>
-            </a:r>
-            <a:r>
-              <a:rPr lang="nl-BE" dirty="0" err="1" smtClean="0"/>
-              <a:t>serializer</a:t>
-            </a:r>
-            <a:r>
-              <a:rPr lang="nl-BE" dirty="0" smtClean="0"/>
-              <a:t> </a:t>
-            </a:r>
-          </a:p>
-          <a:p>
-            <a:r>
-              <a:rPr lang="nl-BE" dirty="0" err="1" smtClean="0"/>
-              <a:t>observable</a:t>
-            </a:r>
-            <a:endParaRPr lang="nl-BE" dirty="0" smtClean="0"/>
-          </a:p>
-          <a:p>
-            <a:r>
-              <a:rPr lang="nl-BE" dirty="0" smtClean="0"/>
-              <a:t>…</a:t>
-            </a:r>
-            <a:endParaRPr lang="en-US" dirty="0"/>
-          </a:p>
-        </p:txBody>
-      </p:sp>
-    </p:spTree>
-    <p:extLst>
-      <p:ext uri="{BB962C8B-B14F-4D97-AF65-F5344CB8AC3E}">
-        <p14:creationId xmlns:p14="http://schemas.microsoft.com/office/powerpoint/2010/main" val="3074774415"/>
-      </p:ext>
-    </p:extLst>
-  </p:cSld>
-  <p:clrMapOvr>
-    <a:masterClrMapping/>
-  </p:clrMapOvr>
-</p:sld>
-</file>
-
 <file path=ppt/slides/slide36.xml><?xml version="1.0" encoding="utf-8"?>
 <p:sld xmlns:a="http://schemas.openxmlformats.org/drawingml/2006/main" xmlns:r="http://schemas.openxmlformats.org/officeDocument/2006/relationships" xmlns:p="http://schemas.openxmlformats.org/presentationml/2006/main">
   <p:cSld>
@@ -14454,7 +14704,11 @@
             </a:r>
             <a:r>
               <a:rPr lang="nl-BE" dirty="0" smtClean="0"/>
-              <a:t>: main.js</a:t>
+              <a:t>: </a:t>
+            </a:r>
+            <a:r>
+              <a:rPr lang="nl-BE" dirty="0" err="1" smtClean="0"/>
+              <a:t>plugins</a:t>
             </a:r>
             <a:endParaRPr lang="en-US" dirty="0"/>
           </a:p>
@@ -14477,57 +14731,28 @@
           <a:p>
             <a:r>
               <a:rPr lang="nl-BE" dirty="0" smtClean="0"/>
-              <a:t>Configuratie van </a:t>
-            </a:r>
-            <a:r>
-              <a:rPr lang="nl-BE" dirty="0" err="1" smtClean="0"/>
-              <a:t>RequireJS</a:t>
-            </a:r>
-            <a:r>
-              <a:rPr lang="nl-BE" dirty="0" smtClean="0"/>
-              <a:t> en </a:t>
-            </a:r>
-            <a:r>
-              <a:rPr lang="nl-BE" dirty="0" err="1" smtClean="0"/>
-              <a:t>Durandal</a:t>
+              <a:t>http en </a:t>
+            </a:r>
+            <a:r>
+              <a:rPr lang="nl-BE" dirty="0" err="1" smtClean="0"/>
+              <a:t>serializer</a:t>
+            </a:r>
+            <a:r>
+              <a:rPr lang="nl-BE" dirty="0" smtClean="0"/>
+              <a:t> </a:t>
+            </a:r>
+          </a:p>
+          <a:p>
+            <a:r>
+              <a:rPr lang="nl-BE" dirty="0" err="1" smtClean="0"/>
+              <a:t>observable</a:t>
             </a:r>
             <a:endParaRPr lang="nl-BE" dirty="0" smtClean="0"/>
           </a:p>
           <a:p>
             <a:r>
               <a:rPr lang="nl-BE" dirty="0" smtClean="0"/>
-              <a:t>Andere </a:t>
-            </a:r>
-            <a:r>
-              <a:rPr lang="nl-BE" dirty="0" err="1" smtClean="0"/>
-              <a:t>libraries</a:t>
-            </a:r>
-            <a:r>
-              <a:rPr lang="nl-BE" dirty="0" smtClean="0"/>
-              <a:t>:</a:t>
-            </a:r>
-          </a:p>
-          <a:p>
-            <a:pPr lvl="1"/>
-            <a:r>
-              <a:rPr lang="nl-BE" dirty="0" smtClean="0"/>
-              <a:t>Vóór </a:t>
-            </a:r>
-            <a:r>
-              <a:rPr lang="nl-BE" dirty="0" err="1" smtClean="0"/>
-              <a:t>RequireJS</a:t>
-            </a:r>
-            <a:endParaRPr lang="nl-BE" dirty="0" smtClean="0"/>
-          </a:p>
-          <a:p>
-            <a:pPr lvl="1"/>
-            <a:r>
-              <a:rPr lang="nl-BE" dirty="0" smtClean="0"/>
-              <a:t>Via </a:t>
-            </a:r>
-            <a:r>
-              <a:rPr lang="nl-BE" dirty="0" err="1" smtClean="0"/>
-              <a:t>RequireJS</a:t>
+              <a:t>…</a:t>
             </a:r>
             <a:endParaRPr lang="en-US" dirty="0"/>
           </a:p>
@@ -14536,7 +14761,7 @@
     </p:spTree>
     <p:extLst>
       <p:ext uri="{BB962C8B-B14F-4D97-AF65-F5344CB8AC3E}">
-        <p14:creationId xmlns:p14="http://schemas.microsoft.com/office/powerpoint/2010/main" val="3983435886"/>
+        <p14:creationId xmlns:p14="http://schemas.microsoft.com/office/powerpoint/2010/main" val="3074774415"/>
       </p:ext>
     </p:extLst>
   </p:cSld>
@@ -14584,7 +14809,7 @@
             </a:r>
             <a:r>
               <a:rPr lang="nl-BE" dirty="0" smtClean="0"/>
-              <a:t> en ASP.NET MVC</a:t>
+              <a:t>: main.js</a:t>
             </a:r>
             <a:endParaRPr lang="en-US" dirty="0"/>
           </a:p>
@@ -14606,12 +14831,58 @@
           <a:lstStyle/>
           <a:p>
             <a:r>
-              <a:rPr lang="nl-BE" dirty="0" err="1" smtClean="0"/>
-              <a:t>HotTowel</a:t>
-            </a:r>
-            <a:r>
-              <a:rPr lang="nl-BE" dirty="0" smtClean="0"/>
-              <a:t> template</a:t>
+              <a:rPr lang="nl-BE" dirty="0" smtClean="0"/>
+              <a:t>Configuratie van </a:t>
+            </a:r>
+            <a:r>
+              <a:rPr lang="nl-BE" dirty="0" err="1" smtClean="0"/>
+              <a:t>RequireJS</a:t>
+            </a:r>
+            <a:r>
+              <a:rPr lang="nl-BE" dirty="0" smtClean="0"/>
+              <a:t> en </a:t>
+            </a:r>
+            <a:r>
+              <a:rPr lang="nl-BE" dirty="0" err="1" smtClean="0"/>
+              <a:t>Durandal</a:t>
+            </a:r>
+            <a:endParaRPr lang="nl-BE" dirty="0" smtClean="0"/>
+          </a:p>
+          <a:p>
+            <a:r>
+              <a:rPr lang="nl-BE" dirty="0" smtClean="0"/>
+              <a:t>Andere </a:t>
+            </a:r>
+            <a:r>
+              <a:rPr lang="nl-BE" dirty="0" err="1" smtClean="0"/>
+              <a:t>libraries</a:t>
+            </a:r>
+            <a:r>
+              <a:rPr lang="nl-BE" dirty="0" smtClean="0"/>
+              <a:t>:</a:t>
+            </a:r>
+          </a:p>
+          <a:p>
+            <a:pPr lvl="1"/>
+            <a:r>
+              <a:rPr lang="nl-BE" dirty="0" smtClean="0"/>
+              <a:t>Vóór </a:t>
+            </a:r>
+            <a:r>
+              <a:rPr lang="nl-BE" dirty="0" err="1" smtClean="0"/>
+              <a:t>RequireJS</a:t>
+            </a:r>
+            <a:endParaRPr lang="nl-BE" dirty="0" smtClean="0"/>
+          </a:p>
+          <a:p>
+            <a:pPr lvl="1"/>
+            <a:r>
+              <a:rPr lang="nl-BE" dirty="0" smtClean="0"/>
+              <a:t>Via </a:t>
+            </a:r>
+            <a:r>
+              <a:rPr lang="nl-BE" dirty="0" err="1" smtClean="0"/>
+              <a:t>RequireJS</a:t>
             </a:r>
             <a:endParaRPr lang="en-US" dirty="0"/>
           </a:p>
@@ -14620,7 +14891,7 @@
     </p:spTree>
     <p:extLst>
       <p:ext uri="{BB962C8B-B14F-4D97-AF65-F5344CB8AC3E}">
-        <p14:creationId xmlns:p14="http://schemas.microsoft.com/office/powerpoint/2010/main" val="3353343187"/>
+        <p14:creationId xmlns:p14="http://schemas.microsoft.com/office/powerpoint/2010/main" val="3983435886"/>
       </p:ext>
     </p:extLst>
   </p:cSld>
@@ -14668,7 +14939,7 @@
             </a:r>
             <a:r>
               <a:rPr lang="nl-BE" dirty="0" smtClean="0"/>
-              <a:t>: nog veel meer</a:t>
+              <a:t> en ASP.NET MVC</a:t>
             </a:r>
             <a:endParaRPr lang="en-US" dirty="0"/>
           </a:p>
@@ -14686,218 +14957,25 @@
         </p:nvSpPr>
         <p:spPr/>
         <p:txBody>
-          <a:bodyPr>
-            <a:normAutofit fontScale="55000" lnSpcReduction="20000"/>
-          </a:bodyPr>
-          <a:lstStyle/>
-          <a:p>
-            <a:r>
-              <a:rPr lang="nl-BE" dirty="0" err="1" smtClean="0"/>
-              <a:t>Publish-subscribe</a:t>
-            </a:r>
-            <a:endParaRPr lang="nl-BE" dirty="0" smtClean="0"/>
-          </a:p>
-          <a:p>
-            <a:r>
-              <a:rPr lang="nl-BE" dirty="0" err="1" smtClean="0"/>
-              <a:t>Templatable</a:t>
-            </a:r>
-            <a:r>
-              <a:rPr lang="nl-BE" dirty="0" smtClean="0"/>
-              <a:t> </a:t>
-            </a:r>
-            <a:r>
-              <a:rPr lang="nl-BE" dirty="0" err="1" smtClean="0"/>
-              <a:t>widgets</a:t>
-            </a:r>
-            <a:endParaRPr lang="nl-BE" dirty="0" smtClean="0"/>
-          </a:p>
-          <a:p>
-            <a:r>
-              <a:rPr lang="nl-BE" dirty="0" smtClean="0"/>
-              <a:t>Child routers</a:t>
-            </a:r>
-          </a:p>
-          <a:p>
-            <a:r>
-              <a:rPr lang="nl-BE" dirty="0" err="1" smtClean="0"/>
-              <a:t>Custom</a:t>
-            </a:r>
-            <a:r>
-              <a:rPr lang="nl-BE" dirty="0" smtClean="0"/>
-              <a:t> project structuur (in plaats van /views/ en /</a:t>
-            </a:r>
-            <a:r>
-              <a:rPr lang="nl-BE" dirty="0" err="1" smtClean="0"/>
-              <a:t>viewModels</a:t>
-            </a:r>
-            <a:r>
-              <a:rPr lang="nl-BE" dirty="0" smtClean="0"/>
-              <a:t>/)</a:t>
-            </a:r>
-          </a:p>
-          <a:p>
-            <a:r>
-              <a:rPr lang="nl-BE" dirty="0" err="1" smtClean="0"/>
-              <a:t>Custom</a:t>
-            </a:r>
-            <a:r>
-              <a:rPr lang="nl-BE" dirty="0" smtClean="0"/>
-              <a:t> manier om </a:t>
-            </a:r>
-            <a:r>
-              <a:rPr lang="nl-BE" dirty="0" err="1" smtClean="0"/>
-              <a:t>moduleId</a:t>
-            </a:r>
-            <a:r>
-              <a:rPr lang="nl-BE" dirty="0" smtClean="0"/>
-              <a:t> toe te kennen en op te halen</a:t>
-            </a:r>
-          </a:p>
-          <a:p>
-            <a:r>
-              <a:rPr lang="nl-BE" dirty="0" err="1" smtClean="0"/>
-              <a:t>Custom</a:t>
-            </a:r>
-            <a:r>
-              <a:rPr lang="nl-BE" dirty="0" smtClean="0"/>
-              <a:t> manier om modules aan te maken</a:t>
-            </a:r>
-          </a:p>
-          <a:p>
-            <a:r>
-              <a:rPr lang="nl-BE" dirty="0" err="1" smtClean="0"/>
-              <a:t>system.guid</a:t>
-            </a:r>
-            <a:r>
-              <a:rPr lang="nl-BE" dirty="0" smtClean="0"/>
-              <a:t>()</a:t>
-            </a:r>
-          </a:p>
-          <a:p>
-            <a:r>
-              <a:rPr lang="nl-BE" dirty="0" err="1" smtClean="0"/>
-              <a:t>Custom</a:t>
-            </a:r>
-            <a:r>
-              <a:rPr lang="nl-BE" dirty="0" smtClean="0"/>
-              <a:t> manier om views te vinden</a:t>
-            </a:r>
-            <a:endParaRPr lang="en-US" dirty="0" smtClean="0"/>
-          </a:p>
-          <a:p>
-            <a:r>
-              <a:rPr lang="nl-BE" dirty="0" smtClean="0"/>
-              <a:t>Builden met </a:t>
-            </a:r>
-            <a:r>
-              <a:rPr lang="nl-BE" dirty="0" err="1" smtClean="0"/>
-              <a:t>NodeJS</a:t>
-            </a:r>
-            <a:r>
-              <a:rPr lang="nl-BE" dirty="0" smtClean="0"/>
-              <a:t> en </a:t>
-            </a:r>
-            <a:r>
-              <a:rPr lang="nl-BE" dirty="0" err="1" smtClean="0"/>
-              <a:t>Weyland</a:t>
-            </a:r>
-            <a:r>
-              <a:rPr lang="nl-BE" dirty="0" smtClean="0"/>
-              <a:t> (lint, </a:t>
-            </a:r>
-            <a:r>
-              <a:rPr lang="nl-BE" dirty="0" err="1" smtClean="0"/>
-              <a:t>minify</a:t>
-            </a:r>
-            <a:r>
-              <a:rPr lang="nl-BE" dirty="0" smtClean="0"/>
-              <a:t>, combine,…)</a:t>
-            </a:r>
-          </a:p>
-          <a:p>
-            <a:r>
-              <a:rPr lang="nl-BE" dirty="0" smtClean="0"/>
-              <a:t>Builden met </a:t>
-            </a:r>
-            <a:r>
-              <a:rPr lang="nl-BE" dirty="0" err="1" smtClean="0"/>
-              <a:t>NodeJS</a:t>
-            </a:r>
-            <a:r>
-              <a:rPr lang="nl-BE" dirty="0" smtClean="0"/>
-              <a:t> en </a:t>
-            </a:r>
-            <a:r>
-              <a:rPr lang="nl-BE" dirty="0" err="1" smtClean="0"/>
-              <a:t>Weyland</a:t>
-            </a:r>
-            <a:r>
-              <a:rPr lang="nl-BE" dirty="0" smtClean="0"/>
-              <a:t> vanuit Visual Studio</a:t>
-            </a:r>
-          </a:p>
-          <a:p>
-            <a:r>
-              <a:rPr lang="nl-BE" dirty="0" smtClean="0"/>
-              <a:t>Builden met Mimosa</a:t>
-            </a:r>
-          </a:p>
-          <a:p>
-            <a:r>
-              <a:rPr lang="nl-BE" dirty="0" smtClean="0"/>
-              <a:t>SEO mogelijkheden</a:t>
-            </a:r>
-          </a:p>
-          <a:p>
-            <a:r>
-              <a:rPr lang="nl-BE" dirty="0" smtClean="0"/>
-              <a:t>Integreer Q, </a:t>
-            </a:r>
-            <a:r>
-              <a:rPr lang="nl-BE" dirty="0" err="1" smtClean="0"/>
-              <a:t>Dojo</a:t>
-            </a:r>
-            <a:r>
-              <a:rPr lang="nl-BE" dirty="0" smtClean="0"/>
-              <a:t>, </a:t>
-            </a:r>
-            <a:r>
-              <a:rPr lang="nl-BE" dirty="0" err="1" smtClean="0"/>
-              <a:t>KendoUI</a:t>
-            </a:r>
-            <a:r>
-              <a:rPr lang="nl-BE" dirty="0" smtClean="0"/>
-              <a:t>, </a:t>
-            </a:r>
-            <a:r>
-              <a:rPr lang="nl-BE" dirty="0" err="1" smtClean="0"/>
-              <a:t>Almond</a:t>
-            </a:r>
-            <a:r>
-              <a:rPr lang="nl-BE" dirty="0" smtClean="0"/>
-              <a:t>, i18next,…</a:t>
-            </a:r>
-          </a:p>
-          <a:p>
-            <a:r>
-              <a:rPr lang="nl-BE" dirty="0" err="1" smtClean="0"/>
-              <a:t>PhoneGap</a:t>
-            </a:r>
-            <a:r>
-              <a:rPr lang="nl-BE" dirty="0" smtClean="0"/>
-              <a:t>, Node-Webkit, Windows 8</a:t>
-            </a:r>
-          </a:p>
-          <a:p>
-            <a:endParaRPr lang="nl-BE" dirty="0" smtClean="0"/>
+          <a:bodyPr/>
+          <a:lstStyle/>
+          <a:p>
+            <a:r>
+              <a:rPr lang="nl-BE" dirty="0" err="1" smtClean="0"/>
+              <a:t>HotTowel</a:t>
+            </a:r>
+            <a:r>
+              <a:rPr lang="nl-BE" dirty="0" smtClean="0"/>
+              <a:t> template</a:t>
+            </a:r>
+            <a:endParaRPr lang="en-US" dirty="0"/>
           </a:p>
         </p:txBody>
       </p:sp>
     </p:spTree>
     <p:extLst>
       <p:ext uri="{BB962C8B-B14F-4D97-AF65-F5344CB8AC3E}">
-        <p14:creationId xmlns:p14="http://schemas.microsoft.com/office/powerpoint/2010/main" val="2063716655"/>
+        <p14:creationId xmlns:p14="http://schemas.microsoft.com/office/powerpoint/2010/main" val="3353343187"/>
       </p:ext>
     </p:extLst>
   </p:cSld>
@@ -14940,8 +15018,12 @@
           <a:lstStyle/>
           <a:p>
             <a:r>
-              <a:rPr lang="nl-BE" dirty="0" smtClean="0"/>
-              <a:t>En verder</a:t>
+              <a:rPr lang="nl-BE" dirty="0" err="1" smtClean="0"/>
+              <a:t>Durandal</a:t>
+            </a:r>
+            <a:r>
+              <a:rPr lang="nl-BE" dirty="0" smtClean="0"/>
+              <a:t>: nog veel meer</a:t>
             </a:r>
             <a:endParaRPr lang="en-US" dirty="0"/>
           </a:p>
@@ -14959,59 +15041,218 @@
         </p:nvSpPr>
         <p:spPr/>
         <p:txBody>
-          <a:bodyPr/>
-          <a:lstStyle/>
-          <a:p>
-            <a:r>
-              <a:rPr lang="en-US" dirty="0" smtClean="0">
-                <a:hlinkClick r:id="rId3"/>
-              </a:rPr>
-              <a:t>http://jquery.com/</a:t>
+          <a:bodyPr>
+            <a:normAutofit fontScale="55000" lnSpcReduction="20000"/>
+          </a:bodyPr>
+          <a:lstStyle/>
+          <a:p>
+            <a:r>
+              <a:rPr lang="nl-BE" dirty="0" err="1" smtClean="0"/>
+              <a:t>Publish-subscribe</a:t>
+            </a:r>
+            <a:endParaRPr lang="nl-BE" dirty="0" smtClean="0"/>
+          </a:p>
+          <a:p>
+            <a:r>
+              <a:rPr lang="nl-BE" dirty="0" err="1" smtClean="0"/>
+              <a:t>Templatable</a:t>
+            </a:r>
+            <a:r>
+              <a:rPr lang="nl-BE" dirty="0" smtClean="0"/>
+              <a:t> </a:t>
+            </a:r>
+            <a:r>
+              <a:rPr lang="nl-BE" dirty="0" err="1" smtClean="0"/>
+              <a:t>widgets</a:t>
+            </a:r>
+            <a:endParaRPr lang="nl-BE" dirty="0" smtClean="0"/>
+          </a:p>
+          <a:p>
+            <a:r>
+              <a:rPr lang="nl-BE" dirty="0" smtClean="0"/>
+              <a:t>Child routers</a:t>
+            </a:r>
+          </a:p>
+          <a:p>
+            <a:r>
+              <a:rPr lang="nl-BE" dirty="0" err="1" smtClean="0"/>
+              <a:t>Custom</a:t>
+            </a:r>
+            <a:r>
+              <a:rPr lang="nl-BE" dirty="0" smtClean="0"/>
+              <a:t> project structuur (in plaats van /views/ en /</a:t>
+            </a:r>
+            <a:r>
+              <a:rPr lang="nl-BE" dirty="0" err="1" smtClean="0"/>
+              <a:t>viewModels</a:t>
+            </a:r>
+            <a:r>
+              <a:rPr lang="nl-BE" dirty="0" smtClean="0"/>
+              <a:t>/)</a:t>
+            </a:r>
+          </a:p>
+          <a:p>
+            <a:r>
+              <a:rPr lang="nl-BE" dirty="0" err="1" smtClean="0"/>
+              <a:t>Custom</a:t>
+            </a:r>
+            <a:r>
+              <a:rPr lang="nl-BE" dirty="0" smtClean="0"/>
+              <a:t> manier om </a:t>
+            </a:r>
+            <a:r>
+              <a:rPr lang="nl-BE" dirty="0" err="1" smtClean="0"/>
+              <a:t>moduleId</a:t>
+            </a:r>
+            <a:r>
+              <a:rPr lang="nl-BE" dirty="0" smtClean="0"/>
+              <a:t> toe te kennen en op te halen</a:t>
+            </a:r>
+          </a:p>
+          <a:p>
+            <a:r>
+              <a:rPr lang="nl-BE" dirty="0" err="1" smtClean="0"/>
+              <a:t>Custom</a:t>
+            </a:r>
+            <a:r>
+              <a:rPr lang="nl-BE" dirty="0" smtClean="0"/>
+              <a:t> manier om modules aan te maken</a:t>
+            </a:r>
+          </a:p>
+          <a:p>
+            <a:r>
+              <a:rPr lang="nl-BE" dirty="0" err="1" smtClean="0"/>
+              <a:t>system.guid</a:t>
+            </a:r>
+            <a:r>
+              <a:rPr lang="nl-BE" dirty="0" smtClean="0"/>
+              <a:t>()</a:t>
+            </a:r>
+          </a:p>
+          <a:p>
+            <a:r>
+              <a:rPr lang="nl-BE" dirty="0" err="1" smtClean="0"/>
+              <a:t>Custom</a:t>
+            </a:r>
+            <a:r>
+              <a:rPr lang="nl-BE" dirty="0" smtClean="0"/>
+              <a:t> manier om views te vinden</a:t>
             </a:r>
             <a:endParaRPr lang="en-US" dirty="0" smtClean="0"/>
           </a:p>
           <a:p>
             <a:r>
-              <a:rPr lang="en-US" dirty="0" smtClean="0">
-                <a:hlinkClick r:id="rId4"/>
-              </a:rPr>
-              <a:t>http://requirejs.org/</a:t>
-            </a:r>
-            <a:endParaRPr lang="en-US" dirty="0" smtClean="0"/>
-          </a:p>
-          <a:p>
-            <a:r>
-              <a:rPr lang="en-US" dirty="0" smtClean="0">
-                <a:hlinkClick r:id="rId5"/>
-              </a:rPr>
-              <a:t>http://knockoutjs.com/</a:t>
-            </a:r>
-            <a:endParaRPr lang="en-US" dirty="0" smtClean="0"/>
-          </a:p>
-          <a:p>
-            <a:endParaRPr lang="nl-BE" dirty="0"/>
-          </a:p>
-          <a:p>
-            <a:r>
-              <a:rPr lang="en-US" dirty="0" smtClean="0">
-                <a:hlinkClick r:id="rId6"/>
-              </a:rPr>
-              <a:t>http://durandaljs.com/</a:t>
-            </a:r>
-            <a:endParaRPr lang="en-US" dirty="0" smtClean="0"/>
-          </a:p>
-          <a:p>
-            <a:endParaRPr lang="en-US" dirty="0" smtClean="0"/>
-          </a:p>
-          <a:p>
-            <a:endParaRPr lang="en-US" dirty="0"/>
+              <a:rPr lang="nl-BE" dirty="0" smtClean="0"/>
+              <a:t>Builden met </a:t>
+            </a:r>
+            <a:r>
+              <a:rPr lang="nl-BE" dirty="0" err="1" smtClean="0"/>
+              <a:t>NodeJS</a:t>
+            </a:r>
+            <a:r>
+              <a:rPr lang="nl-BE" dirty="0" smtClean="0"/>
+              <a:t> en </a:t>
+            </a:r>
+            <a:r>
+              <a:rPr lang="nl-BE" dirty="0" err="1" smtClean="0"/>
+              <a:t>Weyland</a:t>
+            </a:r>
+            <a:r>
+              <a:rPr lang="nl-BE" dirty="0" smtClean="0"/>
+              <a:t> (lint, </a:t>
+            </a:r>
+            <a:r>
+              <a:rPr lang="nl-BE" dirty="0" err="1" smtClean="0"/>
+              <a:t>minify</a:t>
+            </a:r>
+            <a:r>
+              <a:rPr lang="nl-BE" dirty="0" smtClean="0"/>
+              <a:t>, combine,…)</a:t>
+            </a:r>
+          </a:p>
+          <a:p>
+            <a:r>
+              <a:rPr lang="nl-BE" dirty="0" smtClean="0"/>
+              <a:t>Builden met </a:t>
+            </a:r>
+            <a:r>
+              <a:rPr lang="nl-BE" dirty="0" err="1" smtClean="0"/>
+              <a:t>NodeJS</a:t>
+            </a:r>
+            <a:r>
+              <a:rPr lang="nl-BE" dirty="0" smtClean="0"/>
+              <a:t> en </a:t>
+            </a:r>
+            <a:r>
+              <a:rPr lang="nl-BE" dirty="0" err="1" smtClean="0"/>
+              <a:t>Weyland</a:t>
+            </a:r>
+            <a:r>
+              <a:rPr lang="nl-BE" dirty="0" smtClean="0"/>
+              <a:t> vanuit Visual Studio</a:t>
+            </a:r>
+          </a:p>
+          <a:p>
+            <a:r>
+              <a:rPr lang="nl-BE" dirty="0" smtClean="0"/>
+              <a:t>Builden met Mimosa</a:t>
+            </a:r>
+          </a:p>
+          <a:p>
+            <a:r>
+              <a:rPr lang="nl-BE" dirty="0" smtClean="0"/>
+              <a:t>SEO mogelijkheden</a:t>
+            </a:r>
+          </a:p>
+          <a:p>
+            <a:r>
+              <a:rPr lang="nl-BE" dirty="0" smtClean="0"/>
+              <a:t>Integreer Q, </a:t>
+            </a:r>
+            <a:r>
+              <a:rPr lang="nl-BE" dirty="0" err="1" smtClean="0"/>
+              <a:t>Dojo</a:t>
+            </a:r>
+            <a:r>
+              <a:rPr lang="nl-BE" dirty="0" smtClean="0"/>
+              <a:t>, </a:t>
+            </a:r>
+            <a:r>
+              <a:rPr lang="nl-BE" dirty="0" err="1" smtClean="0"/>
+              <a:t>KendoUI</a:t>
+            </a:r>
+            <a:r>
+              <a:rPr lang="nl-BE" dirty="0" smtClean="0"/>
+              <a:t>, </a:t>
+            </a:r>
+            <a:r>
+              <a:rPr lang="nl-BE" dirty="0" err="1" smtClean="0"/>
+              <a:t>Almond</a:t>
+            </a:r>
+            <a:r>
+              <a:rPr lang="nl-BE" dirty="0" smtClean="0"/>
+              <a:t>, i18next,…</a:t>
+            </a:r>
+          </a:p>
+          <a:p>
+            <a:r>
+              <a:rPr lang="nl-BE" dirty="0" err="1" smtClean="0"/>
+              <a:t>PhoneGap</a:t>
+            </a:r>
+            <a:r>
+              <a:rPr lang="nl-BE" dirty="0" smtClean="0"/>
+              <a:t>, Node-Webkit, Windows 8</a:t>
+            </a:r>
+          </a:p>
+          <a:p>
+            <a:endParaRPr lang="nl-BE" dirty="0" smtClean="0"/>
           </a:p>
         </p:txBody>
       </p:sp>
     </p:spTree>
     <p:extLst>
       <p:ext uri="{BB962C8B-B14F-4D97-AF65-F5344CB8AC3E}">
-        <p14:creationId xmlns:p14="http://schemas.microsoft.com/office/powerpoint/2010/main" val="2171222446"/>
+        <p14:creationId xmlns:p14="http://schemas.microsoft.com/office/powerpoint/2010/main" val="2063716655"/>
       </p:ext>
     </p:extLst>
   </p:cSld>
@@ -15080,6 +15321,47 @@
           </a:p>
         </p:txBody>
       </p:sp>
+      <p:pic>
+        <p:nvPicPr>
+          <p:cNvPr id="1026" name="Picture 2" descr="http://www.codeforest.net/wp-content/uploads/2011/01/jquery-logo.jpg"/>
+          <p:cNvPicPr>
+            <a:picLocks noChangeAspect="1" noChangeArrowheads="1"/>
+          </p:cNvPicPr>
+          <p:nvPr/>
+        </p:nvPicPr>
+        <p:blipFill>
+          <a:blip r:embed="rId2">
+            <a:extLst>
+              <a:ext uri="{28A0092B-C50C-407E-A947-70E740481C1C}">
+                <a14:useLocalDpi xmlns:a14="http://schemas.microsoft.com/office/drawing/2010/main" val="0"/>
+              </a:ext>
+            </a:extLst>
+          </a:blip>
+          <a:srcRect/>
+          <a:stretch>
+            <a:fillRect/>
+          </a:stretch>
+        </p:blipFill>
+        <p:spPr bwMode="auto">
+          <a:xfrm>
+            <a:off x="831851" y="4589464"/>
+            <a:ext cx="2825749" cy="1507067"/>
+          </a:xfrm>
+          <a:prstGeom prst="rect">
+            <a:avLst/>
+          </a:prstGeom>
+          <a:noFill/>
+          <a:extLst>
+            <a:ext uri="{909E8E84-426E-40DD-AFC4-6F175D3DCCD1}">
+              <a14:hiddenFill xmlns:a14="http://schemas.microsoft.com/office/drawing/2010/main">
+                <a:solidFill>
+                  <a:srgbClr val="FFFFFF"/>
+                </a:solidFill>
+              </a14:hiddenFill>
+            </a:ext>
+          </a:extLst>
+        </p:spPr>
+      </p:pic>
     </p:spTree>
     <p:extLst>
       <p:ext uri="{BB962C8B-B14F-4D97-AF65-F5344CB8AC3E}">
@@ -15112,6 +15394,120 @@
       </p:grpSpPr>
       <p:sp>
         <p:nvSpPr>
+          <p:cNvPr id="2" name="Title 1"/>
+          <p:cNvSpPr>
+            <a:spLocks noGrp="1"/>
+          </p:cNvSpPr>
+          <p:nvPr>
+            <p:ph type="title"/>
+          </p:nvPr>
+        </p:nvSpPr>
+        <p:spPr/>
+        <p:txBody>
+          <a:bodyPr/>
+          <a:lstStyle/>
+          <a:p>
+            <a:r>
+              <a:rPr lang="nl-BE" dirty="0" smtClean="0"/>
+              <a:t>En verder</a:t>
+            </a:r>
+            <a:endParaRPr lang="en-US" dirty="0"/>
+          </a:p>
+        </p:txBody>
+      </p:sp>
+      <p:sp>
+        <p:nvSpPr>
+          <p:cNvPr id="3" name="Content Placeholder 2"/>
+          <p:cNvSpPr>
+            <a:spLocks noGrp="1"/>
+          </p:cNvSpPr>
+          <p:nvPr>
+            <p:ph idx="1"/>
+          </p:nvPr>
+        </p:nvSpPr>
+        <p:spPr/>
+        <p:txBody>
+          <a:bodyPr/>
+          <a:lstStyle/>
+          <a:p>
+            <a:r>
+              <a:rPr lang="en-US" dirty="0" smtClean="0">
+                <a:hlinkClick r:id="rId3"/>
+              </a:rPr>
+              <a:t>http://jquery.com/</a:t>
+            </a:r>
+            <a:endParaRPr lang="en-US" dirty="0" smtClean="0"/>
+          </a:p>
+          <a:p>
+            <a:r>
+              <a:rPr lang="en-US" dirty="0" smtClean="0">
+                <a:hlinkClick r:id="rId4"/>
+              </a:rPr>
+              <a:t>http://requirejs.org/</a:t>
+            </a:r>
+            <a:endParaRPr lang="en-US" dirty="0" smtClean="0"/>
+          </a:p>
+          <a:p>
+            <a:r>
+              <a:rPr lang="en-US" dirty="0" smtClean="0">
+                <a:hlinkClick r:id="rId5"/>
+              </a:rPr>
+              <a:t>http://knockoutjs.com/</a:t>
+            </a:r>
+            <a:endParaRPr lang="en-US" dirty="0" smtClean="0"/>
+          </a:p>
+          <a:p>
+            <a:endParaRPr lang="nl-BE" dirty="0"/>
+          </a:p>
+          <a:p>
+            <a:r>
+              <a:rPr lang="en-US" dirty="0" smtClean="0">
+                <a:hlinkClick r:id="rId6"/>
+              </a:rPr>
+              <a:t>http://durandaljs.com/</a:t>
+            </a:r>
+            <a:endParaRPr lang="en-US" dirty="0" smtClean="0"/>
+          </a:p>
+          <a:p>
+            <a:endParaRPr lang="en-US" dirty="0" smtClean="0"/>
+          </a:p>
+          <a:p>
+            <a:endParaRPr lang="en-US" dirty="0"/>
+          </a:p>
+        </p:txBody>
+      </p:sp>
+    </p:spTree>
+    <p:extLst>
+      <p:ext uri="{BB962C8B-B14F-4D97-AF65-F5344CB8AC3E}">
+        <p14:creationId xmlns:p14="http://schemas.microsoft.com/office/powerpoint/2010/main" val="2171222446"/>
+      </p:ext>
+    </p:extLst>
+  </p:cSld>
+  <p:clrMapOvr>
+    <a:masterClrMapping/>
+  </p:clrMapOvr>
+</p:sld>
+</file>
+
+<file path=ppt/slides/slide41.xml><?xml version="1.0" encoding="utf-8"?>
+<p:sld xmlns:a="http://schemas.openxmlformats.org/drawingml/2006/main" xmlns:r="http://schemas.openxmlformats.org/officeDocument/2006/relationships" xmlns:p="http://schemas.openxmlformats.org/presentationml/2006/main">
+  <p:cSld>
+    <p:spTree>
+      <p:nvGrpSpPr>
+        <p:cNvPr id="1" name=""/>
+        <p:cNvGrpSpPr/>
+        <p:nvPr/>
+      </p:nvGrpSpPr>
+      <p:grpSpPr>
+        <a:xfrm>
+          <a:off x="0" y="0"/>
+          <a:ext cx="0" cy="0"/>
+          <a:chOff x="0" y="0"/>
+          <a:chExt cx="0" cy="0"/>
+        </a:xfrm>
+      </p:grpSpPr>
+      <p:sp>
+        <p:nvSpPr>
           <p:cNvPr id="4" name="Title 3"/>
           <p:cNvSpPr>
             <a:spLocks noGrp="1"/>
@@ -15299,10 +15695,55 @@
           <a:bodyPr/>
           <a:lstStyle/>
           <a:p>
-            <a:endParaRPr lang="en-US"/>
-          </a:p>
-        </p:txBody>
-      </p:sp>
+            <a:r>
+              <a:rPr lang="nl-BE" dirty="0" smtClean="0"/>
+              <a:t> </a:t>
+            </a:r>
+            <a:endParaRPr lang="en-US" dirty="0"/>
+          </a:p>
+        </p:txBody>
+      </p:sp>
+      <p:pic>
+        <p:nvPicPr>
+          <p:cNvPr id="13314" name="Picture 2" descr="http://www.dantuck.com/sites/default/files/styles/blog_pic/public/requirejs_logo.png"/>
+          <p:cNvPicPr>
+            <a:picLocks noChangeAspect="1" noChangeArrowheads="1"/>
+          </p:cNvPicPr>
+          <p:nvPr/>
+        </p:nvPicPr>
+        <p:blipFill>
+          <a:blip r:embed="rId2">
+            <a:extLst>
+              <a:ext uri="{28A0092B-C50C-407E-A947-70E740481C1C}">
+                <a14:useLocalDpi xmlns:a14="http://schemas.microsoft.com/office/drawing/2010/main" val="0"/>
+              </a:ext>
+            </a:extLst>
+          </a:blip>
+          <a:srcRect/>
+          <a:stretch>
+            <a:fillRect/>
+          </a:stretch>
+        </p:blipFill>
+        <p:spPr bwMode="auto">
+          <a:xfrm>
+            <a:off x="831851" y="4562477"/>
+            <a:ext cx="2035335" cy="1526502"/>
+          </a:xfrm>
+          <a:prstGeom prst="rect">
+            <a:avLst/>
+          </a:prstGeom>
+          <a:noFill/>
+          <a:extLst>
+            <a:ext uri="{909E8E84-426E-40DD-AFC4-6F175D3DCCD1}">
+              <a14:hiddenFill xmlns:a14="http://schemas.microsoft.com/office/drawing/2010/main">
+                <a:solidFill>
+                  <a:srgbClr val="FFFFFF"/>
+                </a:solidFill>
+              </a14:hiddenFill>
+            </a:ext>
+          </a:extLst>
+        </p:spPr>
+      </p:pic>
     </p:spTree>
     <p:extLst>
       <p:ext uri="{BB962C8B-B14F-4D97-AF65-F5344CB8AC3E}">

--- a/Durandal T4T.pptx
+++ b/Durandal T4T.pptx
@@ -691,8 +691,21 @@
             </a:r>
             <a:r>
               <a:rPr lang="nl-BE" dirty="0" smtClean="0"/>
-              <a:t>een class toevoegen/verwijderen</a:t>
-            </a:r>
+              <a:t>een class toevoegen/verwijderen, toon met</a:t>
+            </a:r>
+            <a:r>
+              <a:rPr lang="nl-BE" baseline="0" dirty="0" smtClean="0"/>
+              <a:t> beer-summary en class bij bepaalde rating (zie code </a:t>
+            </a:r>
+            <a:r>
+              <a:rPr lang="nl-BE" baseline="0" dirty="0" err="1" smtClean="0"/>
+              <a:t>blocks</a:t>
+            </a:r>
+            <a:r>
+              <a:rPr lang="nl-BE" baseline="0" dirty="0" smtClean="0"/>
+              <a:t>)</a:t>
+            </a:r>
+            <a:endParaRPr lang="nl-BE" dirty="0" smtClean="0"/>
           </a:p>
           <a:p>
             <a:r>
@@ -3743,7 +3756,7 @@
               <a:t>observables</a:t>
             </a:r>
             <a:r>
-              <a:rPr lang="nl-BE" baseline="0" smtClean="0"/>
+              <a:rPr lang="nl-BE" baseline="0" dirty="0" smtClean="0"/>
               <a:t>, …</a:t>
             </a:r>
             <a:endParaRPr lang="en-US" dirty="0"/>
@@ -10950,6 +10963,13 @@
   <p:clrMapOvr>
     <a:masterClrMapping/>
   </p:clrMapOvr>
+  <p:timing>
+    <p:tnLst>
+      <p:par>
+        <p:cTn id="1" dur="indefinite" restart="never" nodeType="tmRoot"/>
+      </p:par>
+    </p:tnLst>
+  </p:timing>
 </p:sld>
 </file>
 
@@ -11041,6 +11061,13 @@
   <p:clrMapOvr>
     <a:masterClrMapping/>
   </p:clrMapOvr>
+  <p:timing>
+    <p:tnLst>
+      <p:par>
+        <p:cTn id="1" dur="indefinite" restart="never" nodeType="tmRoot"/>
+      </p:par>
+    </p:tnLst>
+  </p:timing>
 </p:sld>
 </file>
 
@@ -11154,6 +11181,13 @@
   <p:clrMapOvr>
     <a:masterClrMapping/>
   </p:clrMapOvr>
+  <p:timing>
+    <p:tnLst>
+      <p:par>
+        <p:cTn id="1" dur="indefinite" restart="never" nodeType="tmRoot"/>
+      </p:par>
+    </p:tnLst>
+  </p:timing>
 </p:sld>
 </file>
 
@@ -11591,6 +11625,13 @@
   <p:clrMapOvr>
     <a:masterClrMapping/>
   </p:clrMapOvr>
+  <p:timing>
+    <p:tnLst>
+      <p:par>
+        <p:cTn id="1" dur="indefinite" restart="never" nodeType="tmRoot"/>
+      </p:par>
+    </p:tnLst>
+  </p:timing>
 </p:sld>
 </file>
 
@@ -11765,6 +11806,13 @@
   <p:clrMapOvr>
     <a:masterClrMapping/>
   </p:clrMapOvr>
+  <p:timing>
+    <p:tnLst>
+      <p:par>
+        <p:cTn id="1" dur="indefinite" restart="never" nodeType="tmRoot"/>
+      </p:par>
+    </p:tnLst>
+  </p:timing>
 </p:sld>
 </file>
 
@@ -11920,6 +11968,13 @@
   <p:clrMapOvr>
     <a:masterClrMapping/>
   </p:clrMapOvr>
+  <p:timing>
+    <p:tnLst>
+      <p:par>
+        <p:cTn id="1" dur="indefinite" restart="never" nodeType="tmRoot"/>
+      </p:par>
+    </p:tnLst>
+  </p:timing>
 </p:sld>
 </file>
 
@@ -12057,6 +12112,13 @@
   <p:clrMapOvr>
     <a:masterClrMapping/>
   </p:clrMapOvr>
+  <p:timing>
+    <p:tnLst>
+      <p:par>
+        <p:cTn id="1" dur="indefinite" restart="never" nodeType="tmRoot"/>
+      </p:par>
+    </p:tnLst>
+  </p:timing>
 </p:sld>
 </file>
 
@@ -12144,6 +12206,13 @@
   <p:clrMapOvr>
     <a:masterClrMapping/>
   </p:clrMapOvr>
+  <p:timing>
+    <p:tnLst>
+      <p:par>
+        <p:cTn id="1" dur="indefinite" restart="never" nodeType="tmRoot"/>
+      </p:par>
+    </p:tnLst>
+  </p:timing>
 </p:sld>
 </file>
 
@@ -12255,6 +12324,13 @@
   <p:clrMapOvr>
     <a:masterClrMapping/>
   </p:clrMapOvr>
+  <p:timing>
+    <p:tnLst>
+      <p:par>
+        <p:cTn id="1" dur="indefinite" restart="never" nodeType="tmRoot"/>
+      </p:par>
+    </p:tnLst>
+  </p:timing>
 </p:sld>
 </file>
 
@@ -12342,6 +12418,13 @@
   <p:clrMapOvr>
     <a:masterClrMapping/>
   </p:clrMapOvr>
+  <p:timing>
+    <p:tnLst>
+      <p:par>
+        <p:cTn id="1" dur="indefinite" restart="never" nodeType="tmRoot"/>
+      </p:par>
+    </p:tnLst>
+  </p:timing>
 </p:sld>
 </file>
 
@@ -12626,6 +12709,13 @@
   <p:clrMapOvr>
     <a:masterClrMapping/>
   </p:clrMapOvr>
+  <p:timing>
+    <p:tnLst>
+      <p:par>
+        <p:cTn id="1" dur="indefinite" restart="never" nodeType="tmRoot"/>
+      </p:par>
+    </p:tnLst>
+  </p:timing>
 </p:sld>
 </file>
 
@@ -12708,6 +12798,13 @@
   <p:clrMapOvr>
     <a:masterClrMapping/>
   </p:clrMapOvr>
+  <p:timing>
+    <p:tnLst>
+      <p:par>
+        <p:cTn id="1" dur="indefinite" restart="never" nodeType="tmRoot"/>
+      </p:par>
+    </p:tnLst>
+  </p:timing>
 </p:sld>
 </file>
 
@@ -12795,6 +12892,13 @@
   <p:clrMapOvr>
     <a:masterClrMapping/>
   </p:clrMapOvr>
+  <p:timing>
+    <p:tnLst>
+      <p:par>
+        <p:cTn id="1" dur="indefinite" restart="never" nodeType="tmRoot"/>
+      </p:par>
+    </p:tnLst>
+  </p:timing>
 </p:sld>
 </file>
 
@@ -12913,6 +13017,13 @@
   <p:clrMapOvr>
     <a:masterClrMapping/>
   </p:clrMapOvr>
+  <p:timing>
+    <p:tnLst>
+      <p:par>
+        <p:cTn id="1" dur="indefinite" restart="never" nodeType="tmRoot"/>
+      </p:par>
+    </p:tnLst>
+  </p:timing>
 </p:sld>
 </file>
 
@@ -13091,6 +13202,13 @@
   <p:clrMapOvr>
     <a:masterClrMapping/>
   </p:clrMapOvr>
+  <p:timing>
+    <p:tnLst>
+      <p:par>
+        <p:cTn id="1" dur="indefinite" restart="never" nodeType="tmRoot"/>
+      </p:par>
+    </p:tnLst>
+  </p:timing>
 </p:sld>
 </file>
 
@@ -13182,6 +13300,13 @@
   <p:clrMapOvr>
     <a:masterClrMapping/>
   </p:clrMapOvr>
+  <p:timing>
+    <p:tnLst>
+      <p:par>
+        <p:cTn id="1" dur="indefinite" restart="never" nodeType="tmRoot"/>
+      </p:par>
+    </p:tnLst>
+  </p:timing>
 </p:sld>
 </file>
 
@@ -13295,6 +13420,13 @@
   <p:clrMapOvr>
     <a:masterClrMapping/>
   </p:clrMapOvr>
+  <p:timing>
+    <p:tnLst>
+      <p:par>
+        <p:cTn id="1" dur="indefinite" restart="never" nodeType="tmRoot"/>
+      </p:par>
+    </p:tnLst>
+  </p:timing>
 </p:sld>
 </file>
 
@@ -13390,6 +13522,13 @@
   <p:clrMapOvr>
     <a:masterClrMapping/>
   </p:clrMapOvr>
+  <p:timing>
+    <p:tnLst>
+      <p:par>
+        <p:cTn id="1" dur="indefinite" restart="never" nodeType="tmRoot"/>
+      </p:par>
+    </p:tnLst>
+  </p:timing>
 </p:sld>
 </file>
 
@@ -13490,6 +13629,13 @@
   <p:clrMapOvr>
     <a:masterClrMapping/>
   </p:clrMapOvr>
+  <p:timing>
+    <p:tnLst>
+      <p:par>
+        <p:cTn id="1" dur="indefinite" restart="never" nodeType="tmRoot"/>
+      </p:par>
+    </p:tnLst>
+  </p:timing>
 </p:sld>
 </file>
 
@@ -13604,6 +13750,13 @@
   <p:clrMapOvr>
     <a:masterClrMapping/>
   </p:clrMapOvr>
+  <p:timing>
+    <p:tnLst>
+      <p:par>
+        <p:cTn id="1" dur="indefinite" restart="never" nodeType="tmRoot"/>
+      </p:par>
+    </p:tnLst>
+  </p:timing>
 </p:sld>
 </file>
 
@@ -13703,6 +13856,13 @@
   <p:clrMapOvr>
     <a:masterClrMapping/>
   </p:clrMapOvr>
+  <p:timing>
+    <p:tnLst>
+      <p:par>
+        <p:cTn id="1" dur="indefinite" restart="never" nodeType="tmRoot"/>
+      </p:par>
+    </p:tnLst>
+  </p:timing>
 </p:sld>
 </file>
 
@@ -13822,6 +13982,13 @@
   <p:clrMapOvr>
     <a:masterClrMapping/>
   </p:clrMapOvr>
+  <p:timing>
+    <p:tnLst>
+      <p:par>
+        <p:cTn id="1" dur="indefinite" restart="never" nodeType="tmRoot"/>
+      </p:par>
+    </p:tnLst>
+  </p:timing>
 </p:sld>
 </file>
 
@@ -13912,6 +14079,13 @@
   <p:clrMapOvr>
     <a:masterClrMapping/>
   </p:clrMapOvr>
+  <p:timing>
+    <p:tnLst>
+      <p:par>
+        <p:cTn id="1" dur="indefinite" restart="never" nodeType="tmRoot"/>
+      </p:par>
+    </p:tnLst>
+  </p:timing>
 </p:sld>
 </file>
 
@@ -14126,6 +14300,13 @@
   <p:clrMapOvr>
     <a:masterClrMapping/>
   </p:clrMapOvr>
+  <p:timing>
+    <p:tnLst>
+      <p:par>
+        <p:cTn id="1" dur="indefinite" restart="never" nodeType="tmRoot"/>
+      </p:par>
+    </p:tnLst>
+  </p:timing>
 </p:sld>
 </file>
 
@@ -14298,6 +14479,13 @@
   <p:clrMapOvr>
     <a:masterClrMapping/>
   </p:clrMapOvr>
+  <p:timing>
+    <p:tnLst>
+      <p:par>
+        <p:cTn id="1" dur="indefinite" restart="never" nodeType="tmRoot"/>
+      </p:par>
+    </p:tnLst>
+  </p:timing>
 </p:sld>
 </file>
 
@@ -14390,6 +14578,13 @@
   <p:clrMapOvr>
     <a:masterClrMapping/>
   </p:clrMapOvr>
+  <p:timing>
+    <p:tnLst>
+      <p:par>
+        <p:cTn id="1" dur="indefinite" restart="never" nodeType="tmRoot"/>
+      </p:par>
+    </p:tnLst>
+  </p:timing>
 </p:sld>
 </file>
 
@@ -14481,6 +14676,13 @@
   <p:clrMapOvr>
     <a:masterClrMapping/>
   </p:clrMapOvr>
+  <p:timing>
+    <p:tnLst>
+      <p:par>
+        <p:cTn id="1" dur="indefinite" restart="never" nodeType="tmRoot"/>
+      </p:par>
+    </p:tnLst>
+  </p:timing>
 </p:sld>
 </file>
 
@@ -14572,6 +14774,13 @@
   <p:clrMapOvr>
     <a:masterClrMapping/>
   </p:clrMapOvr>
+  <p:timing>
+    <p:tnLst>
+      <p:par>
+        <p:cTn id="1" dur="indefinite" restart="never" nodeType="tmRoot"/>
+      </p:par>
+    </p:tnLst>
+  </p:timing>
 </p:sld>
 </file>
 
@@ -14663,6 +14872,13 @@
   <p:clrMapOvr>
     <a:masterClrMapping/>
   </p:clrMapOvr>
+  <p:timing>
+    <p:tnLst>
+      <p:par>
+        <p:cTn id="1" dur="indefinite" restart="never" nodeType="tmRoot"/>
+      </p:par>
+    </p:tnLst>
+  </p:timing>
 </p:sld>
 </file>
 
@@ -14768,6 +14984,13 @@
   <p:clrMapOvr>
     <a:masterClrMapping/>
   </p:clrMapOvr>
+  <p:timing>
+    <p:tnLst>
+      <p:par>
+        <p:cTn id="1" dur="indefinite" restart="never" nodeType="tmRoot"/>
+      </p:par>
+    </p:tnLst>
+  </p:timing>
 </p:sld>
 </file>
 
@@ -14898,6 +15121,13 @@
   <p:clrMapOvr>
     <a:masterClrMapping/>
   </p:clrMapOvr>
+  <p:timing>
+    <p:tnLst>
+      <p:par>
+        <p:cTn id="1" dur="indefinite" restart="never" nodeType="tmRoot"/>
+      </p:par>
+    </p:tnLst>
+  </p:timing>
 </p:sld>
 </file>
 
@@ -14982,6 +15212,13 @@
   <p:clrMapOvr>
     <a:masterClrMapping/>
   </p:clrMapOvr>
+  <p:timing>
+    <p:tnLst>
+      <p:par>
+        <p:cTn id="1" dur="indefinite" restart="never" nodeType="tmRoot"/>
+      </p:par>
+    </p:tnLst>
+  </p:timing>
 </p:sld>
 </file>
 
@@ -15259,6 +15496,13 @@
   <p:clrMapOvr>
     <a:masterClrMapping/>
   </p:clrMapOvr>
+  <p:timing>
+    <p:tnLst>
+      <p:par>
+        <p:cTn id="1" dur="indefinite" restart="never" nodeType="tmRoot"/>
+      </p:par>
+    </p:tnLst>
+  </p:timing>
 </p:sld>
 </file>
 
@@ -15372,6 +15616,13 @@
   <p:clrMapOvr>
     <a:masterClrMapping/>
   </p:clrMapOvr>
+  <p:timing>
+    <p:tnLst>
+      <p:par>
+        <p:cTn id="1" dur="indefinite" restart="never" nodeType="tmRoot"/>
+      </p:par>
+    </p:tnLst>
+  </p:timing>
 </p:sld>
 </file>
 
@@ -15486,6 +15737,13 @@
   <p:clrMapOvr>
     <a:masterClrMapping/>
   </p:clrMapOvr>
+  <p:timing>
+    <p:tnLst>
+      <p:par>
+        <p:cTn id="1" dur="indefinite" restart="never" nodeType="tmRoot"/>
+      </p:par>
+    </p:tnLst>
+  </p:timing>
 </p:sld>
 </file>
 
@@ -15637,6 +15895,13 @@
   <p:clrMapOvr>
     <a:masterClrMapping/>
   </p:clrMapOvr>
+  <p:timing>
+    <p:tnLst>
+      <p:par>
+        <p:cTn id="1" dur="indefinite" restart="never" nodeType="tmRoot"/>
+      </p:par>
+    </p:tnLst>
+  </p:timing>
 </p:sld>
 </file>
 
@@ -15754,6 +16019,13 @@
   <p:clrMapOvr>
     <a:masterClrMapping/>
   </p:clrMapOvr>
+  <p:timing>
+    <p:tnLst>
+      <p:par>
+        <p:cTn id="1" dur="indefinite" restart="never" nodeType="tmRoot"/>
+      </p:par>
+    </p:tnLst>
+  </p:timing>
 </p:sld>
 </file>
 
@@ -15865,6 +16137,13 @@
   <p:clrMapOvr>
     <a:masterClrMapping/>
   </p:clrMapOvr>
+  <p:timing>
+    <p:tnLst>
+      <p:par>
+        <p:cTn id="1" dur="indefinite" restart="never" nodeType="tmRoot"/>
+      </p:par>
+    </p:tnLst>
+  </p:timing>
 </p:sld>
 </file>
 
@@ -15968,6 +16247,13 @@
   <p:clrMapOvr>
     <a:masterClrMapping/>
   </p:clrMapOvr>
+  <p:timing>
+    <p:tnLst>
+      <p:par>
+        <p:cTn id="1" dur="indefinite" restart="never" nodeType="tmRoot"/>
+      </p:par>
+    </p:tnLst>
+  </p:timing>
 </p:sld>
 </file>
 
@@ -16110,6 +16396,13 @@
   <p:clrMapOvr>
     <a:masterClrMapping/>
   </p:clrMapOvr>
+  <p:timing>
+    <p:tnLst>
+      <p:par>
+        <p:cTn id="1" dur="indefinite" restart="never" nodeType="tmRoot"/>
+      </p:par>
+    </p:tnLst>
+  </p:timing>
 </p:sld>
 </file>
 
@@ -16222,6 +16515,13 @@
   <p:clrMapOvr>
     <a:masterClrMapping/>
   </p:clrMapOvr>
+  <p:timing>
+    <p:tnLst>
+      <p:par>
+        <p:cTn id="1" dur="indefinite" restart="never" nodeType="tmRoot"/>
+      </p:par>
+    </p:tnLst>
+  </p:timing>
 </p:sld>
 </file>
 

--- a/Durandal T4T.pptx
+++ b/Durandal T4T.pptx
@@ -6,7 +6,7 @@
     <p:sldMasterId id="2147483672" r:id="rId2"/>
   </p:sldMasterIdLst>
   <p:notesMasterIdLst>
-    <p:notesMasterId r:id="rId44"/>
+    <p:notesMasterId r:id="rId45"/>
   </p:notesMasterIdLst>
   <p:sldIdLst>
     <p:sldId id="256" r:id="rId3"/>
@@ -18,38 +18,39 @@
     <p:sldId id="261" r:id="rId9"/>
     <p:sldId id="262" r:id="rId10"/>
     <p:sldId id="263" r:id="rId11"/>
-    <p:sldId id="274" r:id="rId12"/>
-    <p:sldId id="264" r:id="rId13"/>
-    <p:sldId id="266" r:id="rId14"/>
-    <p:sldId id="267" r:id="rId15"/>
-    <p:sldId id="268" r:id="rId16"/>
-    <p:sldId id="269" r:id="rId17"/>
-    <p:sldId id="270" r:id="rId18"/>
-    <p:sldId id="272" r:id="rId19"/>
-    <p:sldId id="296" r:id="rId20"/>
-    <p:sldId id="271" r:id="rId21"/>
-    <p:sldId id="273" r:id="rId22"/>
-    <p:sldId id="294" r:id="rId23"/>
-    <p:sldId id="275" r:id="rId24"/>
-    <p:sldId id="295" r:id="rId25"/>
-    <p:sldId id="276" r:id="rId26"/>
-    <p:sldId id="277" r:id="rId27"/>
-    <p:sldId id="278" r:id="rId28"/>
-    <p:sldId id="279" r:id="rId29"/>
-    <p:sldId id="280" r:id="rId30"/>
-    <p:sldId id="281" r:id="rId31"/>
-    <p:sldId id="282" r:id="rId32"/>
-    <p:sldId id="283" r:id="rId33"/>
-    <p:sldId id="284" r:id="rId34"/>
-    <p:sldId id="285" r:id="rId35"/>
-    <p:sldId id="287" r:id="rId36"/>
-    <p:sldId id="288" r:id="rId37"/>
-    <p:sldId id="286" r:id="rId38"/>
-    <p:sldId id="289" r:id="rId39"/>
-    <p:sldId id="291" r:id="rId40"/>
-    <p:sldId id="290" r:id="rId41"/>
-    <p:sldId id="292" r:id="rId42"/>
-    <p:sldId id="293" r:id="rId43"/>
+    <p:sldId id="297" r:id="rId12"/>
+    <p:sldId id="274" r:id="rId13"/>
+    <p:sldId id="264" r:id="rId14"/>
+    <p:sldId id="266" r:id="rId15"/>
+    <p:sldId id="267" r:id="rId16"/>
+    <p:sldId id="268" r:id="rId17"/>
+    <p:sldId id="269" r:id="rId18"/>
+    <p:sldId id="270" r:id="rId19"/>
+    <p:sldId id="272" r:id="rId20"/>
+    <p:sldId id="296" r:id="rId21"/>
+    <p:sldId id="271" r:id="rId22"/>
+    <p:sldId id="273" r:id="rId23"/>
+    <p:sldId id="294" r:id="rId24"/>
+    <p:sldId id="275" r:id="rId25"/>
+    <p:sldId id="295" r:id="rId26"/>
+    <p:sldId id="276" r:id="rId27"/>
+    <p:sldId id="277" r:id="rId28"/>
+    <p:sldId id="278" r:id="rId29"/>
+    <p:sldId id="279" r:id="rId30"/>
+    <p:sldId id="280" r:id="rId31"/>
+    <p:sldId id="281" r:id="rId32"/>
+    <p:sldId id="282" r:id="rId33"/>
+    <p:sldId id="283" r:id="rId34"/>
+    <p:sldId id="284" r:id="rId35"/>
+    <p:sldId id="285" r:id="rId36"/>
+    <p:sldId id="287" r:id="rId37"/>
+    <p:sldId id="288" r:id="rId38"/>
+    <p:sldId id="286" r:id="rId39"/>
+    <p:sldId id="289" r:id="rId40"/>
+    <p:sldId id="291" r:id="rId41"/>
+    <p:sldId id="290" r:id="rId42"/>
+    <p:sldId id="292" r:id="rId43"/>
+    <p:sldId id="293" r:id="rId44"/>
   </p:sldIdLst>
   <p:sldSz cx="12192000" cy="6858000"/>
   <p:notesSz cx="6858000" cy="9144000"/>
@@ -238,7 +239,7 @@
           <a:p>
             <a:fld id="{EBE271DF-8D61-44CE-B4E2-2B321E966638}" type="datetimeFigureOut">
               <a:rPr lang="en-US" smtClean="0"/>
-              <a:t>2/4/2014</a:t>
+              <a:t>2/12/2014</a:t>
             </a:fld>
             <a:endParaRPr lang="en-US"/>
           </a:p>
@@ -682,230 +683,14 @@
           <a:lstStyle/>
           <a:p>
             <a:r>
-              <a:rPr lang="nl-BE" dirty="0" err="1" smtClean="0"/>
-              <a:t>css</a:t>
-            </a:r>
-            <a:r>
-              <a:rPr lang="nl-BE" dirty="0" smtClean="0"/>
-              <a:t>: </a:t>
-            </a:r>
-            <a:r>
-              <a:rPr lang="nl-BE" dirty="0" smtClean="0"/>
-              <a:t>een class toevoegen/verwijderen, toon met</a:t>
-            </a:r>
-            <a:r>
-              <a:rPr lang="nl-BE" baseline="0" dirty="0" smtClean="0"/>
-              <a:t> beer-summary en class bij bepaalde rating (zie code </a:t>
-            </a:r>
-            <a:r>
-              <a:rPr lang="nl-BE" baseline="0" dirty="0" err="1" smtClean="0"/>
-              <a:t>blocks</a:t>
-            </a:r>
-            <a:r>
-              <a:rPr lang="nl-BE" baseline="0" dirty="0" smtClean="0"/>
-              <a:t>)</a:t>
-            </a:r>
-            <a:endParaRPr lang="nl-BE" dirty="0" smtClean="0"/>
-          </a:p>
-          <a:p>
-            <a:r>
-              <a:rPr lang="nl-BE" dirty="0" err="1" smtClean="0"/>
-              <a:t>style</a:t>
-            </a:r>
-            <a:r>
-              <a:rPr lang="nl-BE" dirty="0" smtClean="0"/>
-              <a:t>: </a:t>
-            </a:r>
-            <a:r>
-              <a:rPr lang="nl-BE" dirty="0" smtClean="0"/>
-              <a:t>bepaalde </a:t>
-            </a:r>
-            <a:r>
-              <a:rPr lang="nl-BE" dirty="0" err="1" smtClean="0"/>
-              <a:t>css</a:t>
-            </a:r>
-            <a:r>
-              <a:rPr lang="nl-BE" dirty="0" smtClean="0"/>
-              <a:t> attributen</a:t>
-            </a:r>
-            <a:r>
-              <a:rPr lang="nl-BE" baseline="0" dirty="0" smtClean="0"/>
-              <a:t> toevoegen/verwijderen</a:t>
-            </a:r>
-          </a:p>
-          <a:p>
-            <a:r>
-              <a:rPr lang="nl-BE" dirty="0" err="1" smtClean="0"/>
-              <a:t>with</a:t>
-            </a:r>
-            <a:r>
-              <a:rPr lang="nl-BE" dirty="0" smtClean="0"/>
-              <a:t>: de context van de </a:t>
-            </a:r>
-            <a:r>
-              <a:rPr lang="nl-BE" dirty="0" err="1" smtClean="0"/>
-              <a:t>bindings</a:t>
-            </a:r>
-            <a:r>
-              <a:rPr lang="nl-BE" dirty="0" smtClean="0"/>
-              <a:t> in een element bepalen</a:t>
-            </a:r>
-            <a:r>
-              <a:rPr lang="nl-BE" baseline="0" dirty="0" smtClean="0"/>
-              <a:t> (indien je die wil doen verschillen van de huidige context)</a:t>
-            </a:r>
-          </a:p>
-          <a:p>
-            <a:r>
-              <a:rPr lang="nl-BE" baseline="0" dirty="0" smtClean="0"/>
-              <a:t>options: voor een select; kan gecombineerd worden met </a:t>
-            </a:r>
-            <a:r>
-              <a:rPr lang="nl-BE" baseline="0" dirty="0" err="1" smtClean="0"/>
-              <a:t>optionsText</a:t>
-            </a:r>
-            <a:r>
-              <a:rPr lang="nl-BE" baseline="0" dirty="0" smtClean="0"/>
-              <a:t>, </a:t>
-            </a:r>
-            <a:r>
-              <a:rPr lang="nl-BE" baseline="0" dirty="0" err="1" smtClean="0"/>
-              <a:t>optionsValue</a:t>
-            </a:r>
-            <a:r>
-              <a:rPr lang="nl-BE" baseline="0" dirty="0" smtClean="0"/>
-              <a:t> en </a:t>
-            </a:r>
-            <a:r>
-              <a:rPr lang="nl-BE" baseline="0" dirty="0" err="1" smtClean="0"/>
-              <a:t>optionsCaption</a:t>
-            </a:r>
-            <a:endParaRPr lang="nl-BE" baseline="0" dirty="0" smtClean="0"/>
-          </a:p>
-          <a:p>
-            <a:r>
-              <a:rPr lang="nl-BE" baseline="0" dirty="0" err="1" smtClean="0"/>
-              <a:t>selectedOptions</a:t>
-            </a:r>
-            <a:r>
-              <a:rPr lang="nl-BE" baseline="0" dirty="0" smtClean="0"/>
-              <a:t>: geselecteerde items in een </a:t>
-            </a:r>
-            <a:r>
-              <a:rPr lang="nl-BE" baseline="0" dirty="0" err="1" smtClean="0"/>
-              <a:t>multi</a:t>
-            </a:r>
-            <a:r>
-              <a:rPr lang="nl-BE" baseline="0" dirty="0" smtClean="0"/>
-              <a:t>-select</a:t>
-            </a:r>
-          </a:p>
-          <a:p>
-            <a:r>
-              <a:rPr lang="nl-BE" baseline="0" dirty="0" err="1" smtClean="0"/>
-              <a:t>uniqueName</a:t>
-            </a:r>
-            <a:r>
-              <a:rPr lang="nl-BE" baseline="0" dirty="0" smtClean="0"/>
-              <a:t>: zie documentatie, is zelden nodig (voor IE6, </a:t>
-            </a:r>
-            <a:r>
-              <a:rPr lang="nl-BE" baseline="0" dirty="0" err="1" smtClean="0"/>
-              <a:t>jQuery</a:t>
-            </a:r>
-            <a:r>
-              <a:rPr lang="nl-BE" baseline="0" dirty="0" smtClean="0"/>
-              <a:t> </a:t>
-            </a:r>
-            <a:r>
-              <a:rPr lang="nl-BE" baseline="0" dirty="0" err="1" smtClean="0"/>
-              <a:t>validation</a:t>
-            </a:r>
-            <a:r>
-              <a:rPr lang="nl-BE" baseline="0" dirty="0" smtClean="0"/>
-              <a:t>, e.a.)</a:t>
-            </a:r>
-          </a:p>
-          <a:p>
-            <a:r>
-              <a:rPr lang="nl-BE" baseline="0" dirty="0" smtClean="0"/>
-              <a:t>template:  om een template aan te duiden volgens </a:t>
-            </a:r>
-            <a:r>
-              <a:rPr lang="nl-BE" baseline="0" dirty="0" err="1" smtClean="0"/>
-              <a:t>jquery.tmpl</a:t>
-            </a:r>
-            <a:r>
-              <a:rPr lang="nl-BE" baseline="0" dirty="0" smtClean="0"/>
-              <a:t> </a:t>
-            </a:r>
-            <a:r>
-              <a:rPr lang="nl-BE" baseline="0" dirty="0" err="1" smtClean="0"/>
-              <a:t>plugin</a:t>
-            </a:r>
-            <a:r>
-              <a:rPr lang="nl-BE" baseline="0" dirty="0" smtClean="0"/>
-              <a:t> (script tag met type=‘</a:t>
-            </a:r>
-            <a:r>
-              <a:rPr lang="nl-BE" baseline="0" dirty="0" err="1" smtClean="0"/>
-              <a:t>text</a:t>
-            </a:r>
-            <a:r>
-              <a:rPr lang="nl-BE" baseline="0" dirty="0" smtClean="0"/>
-              <a:t>/html’) (zou je met </a:t>
-            </a:r>
-            <a:r>
-              <a:rPr lang="nl-BE" baseline="0" dirty="0" err="1" smtClean="0"/>
-              <a:t>Durandal</a:t>
-            </a:r>
-            <a:r>
-              <a:rPr lang="nl-BE" baseline="0" dirty="0" smtClean="0"/>
-              <a:t> niet direct nodig hebben, wordt sinds </a:t>
-            </a:r>
-            <a:r>
-              <a:rPr lang="nl-BE" baseline="0" dirty="0" err="1" smtClean="0"/>
-              <a:t>Knockout</a:t>
-            </a:r>
-            <a:r>
-              <a:rPr lang="nl-BE" baseline="0" dirty="0" smtClean="0"/>
-              <a:t> 2 ook niet veel meer gebruikt. </a:t>
-            </a:r>
-            <a:r>
-              <a:rPr lang="nl-BE" baseline="0" dirty="0" err="1" smtClean="0"/>
-              <a:t>Foreach</a:t>
-            </a:r>
-            <a:r>
-              <a:rPr lang="nl-BE" baseline="0" dirty="0" smtClean="0"/>
-              <a:t>, </a:t>
-            </a:r>
-            <a:r>
-              <a:rPr lang="nl-BE" baseline="0" dirty="0" err="1" smtClean="0"/>
-              <a:t>with</a:t>
-            </a:r>
-            <a:r>
-              <a:rPr lang="nl-BE" baseline="0" dirty="0" smtClean="0"/>
-              <a:t> en </a:t>
-            </a:r>
-            <a:r>
-              <a:rPr lang="nl-BE" baseline="0" dirty="0" err="1" smtClean="0"/>
-              <a:t>if</a:t>
-            </a:r>
-            <a:r>
-              <a:rPr lang="nl-BE" baseline="0" dirty="0" smtClean="0"/>
-              <a:t> </a:t>
-            </a:r>
-            <a:r>
-              <a:rPr lang="nl-BE" baseline="0" dirty="0" err="1" smtClean="0"/>
-              <a:t>bindings</a:t>
-            </a:r>
-            <a:r>
-              <a:rPr lang="nl-BE" baseline="0" dirty="0" smtClean="0"/>
-              <a:t> zouden voldoende moeten zijn).</a:t>
-            </a:r>
-          </a:p>
-          <a:p>
-            <a:endParaRPr lang="nl-BE" dirty="0" smtClean="0"/>
+              <a:rPr lang="nl-BE" dirty="0" smtClean="0"/>
+              <a:t>Zie </a:t>
+            </a:r>
+            <a:r>
+              <a:rPr lang="nl-BE" dirty="0" err="1" smtClean="0"/>
+              <a:t>settings</a:t>
+            </a:r>
+            <a:endParaRPr lang="en-US" dirty="0"/>
           </a:p>
         </p:txBody>
       </p:sp>
@@ -935,7 +720,7 @@
     </p:spTree>
     <p:extLst>
       <p:ext uri="{BB962C8B-B14F-4D97-AF65-F5344CB8AC3E}">
-        <p14:creationId xmlns:p14="http://schemas.microsoft.com/office/powerpoint/2010/main" val="4207004726"/>
+        <p14:creationId xmlns:p14="http://schemas.microsoft.com/office/powerpoint/2010/main" val="22134692"/>
       </p:ext>
     </p:extLst>
   </p:cSld>
@@ -990,42 +775,206 @@
           <a:lstStyle/>
           <a:p>
             <a:r>
-              <a:rPr lang="nl-BE" dirty="0" smtClean="0"/>
-              <a:t>Zie twee </a:t>
-            </a:r>
-            <a:r>
-              <a:rPr lang="nl-BE" dirty="0" err="1" smtClean="0"/>
-              <a:t>custom</a:t>
-            </a:r>
-            <a:r>
-              <a:rPr lang="nl-BE" dirty="0" smtClean="0"/>
+              <a:rPr lang="nl-BE" dirty="0" err="1" smtClean="0"/>
+              <a:t>css</a:t>
+            </a:r>
+            <a:r>
+              <a:rPr lang="nl-BE" dirty="0" smtClean="0"/>
+              <a:t>: een class toevoegen/verwijderen, toon met</a:t>
+            </a:r>
+            <a:r>
+              <a:rPr lang="nl-BE" baseline="0" dirty="0" smtClean="0"/>
+              <a:t> beer-summary en class bij bepaalde rating (zie code </a:t>
+            </a:r>
+            <a:r>
+              <a:rPr lang="nl-BE" baseline="0" dirty="0" err="1" smtClean="0"/>
+              <a:t>blocks</a:t>
+            </a:r>
+            <a:r>
+              <a:rPr lang="nl-BE" baseline="0" dirty="0" smtClean="0"/>
+              <a:t>)</a:t>
+            </a:r>
+            <a:endParaRPr lang="nl-BE" dirty="0" smtClean="0"/>
+          </a:p>
+          <a:p>
+            <a:r>
+              <a:rPr lang="nl-BE" dirty="0" err="1" smtClean="0"/>
+              <a:t>style</a:t>
+            </a:r>
+            <a:r>
+              <a:rPr lang="nl-BE" dirty="0" smtClean="0"/>
+              <a:t>: bepaalde </a:t>
+            </a:r>
+            <a:r>
+              <a:rPr lang="nl-BE" dirty="0" err="1" smtClean="0"/>
+              <a:t>css</a:t>
+            </a:r>
+            <a:r>
+              <a:rPr lang="nl-BE" dirty="0" smtClean="0"/>
+              <a:t> attributen</a:t>
+            </a:r>
+            <a:r>
+              <a:rPr lang="nl-BE" baseline="0" dirty="0" smtClean="0"/>
+              <a:t> toevoegen/verwijderen</a:t>
+            </a:r>
+          </a:p>
+          <a:p>
+            <a:r>
+              <a:rPr lang="nl-BE" dirty="0" err="1" smtClean="0"/>
+              <a:t>with</a:t>
+            </a:r>
+            <a:r>
+              <a:rPr lang="nl-BE" dirty="0" smtClean="0"/>
+              <a:t>: de context van de </a:t>
+            </a:r>
+            <a:r>
+              <a:rPr lang="nl-BE" dirty="0" err="1" smtClean="0"/>
+              <a:t>bindings</a:t>
+            </a:r>
+            <a:r>
+              <a:rPr lang="nl-BE" dirty="0" smtClean="0"/>
+              <a:t> in een element bepalen</a:t>
+            </a:r>
+            <a:r>
+              <a:rPr lang="nl-BE" baseline="0" dirty="0" smtClean="0"/>
+              <a:t> (indien je die wil doen verschillen van de huidige context)</a:t>
+            </a:r>
+          </a:p>
+          <a:p>
+            <a:r>
+              <a:rPr lang="nl-BE" baseline="0" dirty="0" smtClean="0"/>
+              <a:t>options: voor een select; kan gecombineerd worden met </a:t>
+            </a:r>
+            <a:r>
+              <a:rPr lang="nl-BE" baseline="0" dirty="0" err="1" smtClean="0"/>
+              <a:t>optionsText</a:t>
+            </a:r>
+            <a:r>
+              <a:rPr lang="nl-BE" baseline="0" dirty="0" smtClean="0"/>
+              <a:t>, </a:t>
+            </a:r>
+            <a:r>
+              <a:rPr lang="nl-BE" baseline="0" dirty="0" err="1" smtClean="0"/>
+              <a:t>optionsValue</a:t>
+            </a:r>
+            <a:r>
+              <a:rPr lang="nl-BE" baseline="0" dirty="0" smtClean="0"/>
+              <a:t> en </a:t>
+            </a:r>
+            <a:r>
+              <a:rPr lang="nl-BE" baseline="0" dirty="0" err="1" smtClean="0"/>
+              <a:t>optionsCaption</a:t>
+            </a:r>
+            <a:endParaRPr lang="nl-BE" baseline="0" dirty="0" smtClean="0"/>
+          </a:p>
+          <a:p>
+            <a:r>
+              <a:rPr lang="nl-BE" baseline="0" dirty="0" err="1" smtClean="0"/>
+              <a:t>selectedOptions</a:t>
+            </a:r>
+            <a:r>
+              <a:rPr lang="nl-BE" baseline="0" dirty="0" smtClean="0"/>
+              <a:t>: geselecteerde items in een </a:t>
+            </a:r>
+            <a:r>
+              <a:rPr lang="nl-BE" baseline="0" dirty="0" err="1" smtClean="0"/>
+              <a:t>multi</a:t>
+            </a:r>
+            <a:r>
+              <a:rPr lang="nl-BE" baseline="0" dirty="0" smtClean="0"/>
+              <a:t>-select</a:t>
+            </a:r>
+          </a:p>
+          <a:p>
+            <a:r>
+              <a:rPr lang="nl-BE" baseline="0" dirty="0" err="1" smtClean="0"/>
+              <a:t>uniqueName</a:t>
+            </a:r>
+            <a:r>
+              <a:rPr lang="nl-BE" baseline="0" dirty="0" smtClean="0"/>
+              <a:t>: zie documentatie, is zelden nodig (voor IE6, </a:t>
+            </a:r>
+            <a:r>
+              <a:rPr lang="nl-BE" baseline="0" dirty="0" err="1" smtClean="0"/>
+              <a:t>jQuery</a:t>
+            </a:r>
+            <a:r>
+              <a:rPr lang="nl-BE" baseline="0" dirty="0" smtClean="0"/>
               <a:t> </a:t>
             </a:r>
             <a:r>
-              <a:rPr lang="nl-BE" dirty="0" err="1" smtClean="0"/>
-              <a:t>bindings</a:t>
-            </a:r>
-            <a:r>
-              <a:rPr lang="nl-BE" baseline="0" dirty="0" smtClean="0"/>
-              <a:t> in demo project: </a:t>
-            </a:r>
-            <a:r>
               <a:rPr lang="nl-BE" baseline="0" dirty="0" err="1" smtClean="0"/>
-              <a:t>collapsibleSection</a:t>
+              <a:t>validation</a:t>
+            </a:r>
+            <a:r>
+              <a:rPr lang="nl-BE" baseline="0" dirty="0" smtClean="0"/>
+              <a:t>, e.a.)</a:t>
+            </a:r>
+          </a:p>
+          <a:p>
+            <a:r>
+              <a:rPr lang="nl-BE" baseline="0" dirty="0" smtClean="0"/>
+              <a:t>template:  om een template aan te duiden volgens </a:t>
+            </a:r>
+            <a:r>
+              <a:rPr lang="nl-BE" baseline="0" dirty="0" err="1" smtClean="0"/>
+              <a:t>jquery.tmpl</a:t>
+            </a:r>
+            <a:r>
+              <a:rPr lang="nl-BE" baseline="0" dirty="0" smtClean="0"/>
+              <a:t> </a:t>
+            </a:r>
+            <a:r>
+              <a:rPr lang="nl-BE" baseline="0" dirty="0" err="1" smtClean="0"/>
+              <a:t>plugin</a:t>
+            </a:r>
+            <a:r>
+              <a:rPr lang="nl-BE" baseline="0" dirty="0" smtClean="0"/>
+              <a:t> (script tag met type=‘</a:t>
+            </a:r>
+            <a:r>
+              <a:rPr lang="nl-BE" baseline="0" dirty="0" err="1" smtClean="0"/>
+              <a:t>text</a:t>
+            </a:r>
+            <a:r>
+              <a:rPr lang="nl-BE" baseline="0" dirty="0" smtClean="0"/>
+              <a:t>/html’) (zou je met </a:t>
+            </a:r>
+            <a:r>
+              <a:rPr lang="nl-BE" baseline="0" dirty="0" err="1" smtClean="0"/>
+              <a:t>Durandal</a:t>
+            </a:r>
+            <a:r>
+              <a:rPr lang="nl-BE" baseline="0" dirty="0" smtClean="0"/>
+              <a:t> niet direct nodig hebben, wordt sinds </a:t>
+            </a:r>
+            <a:r>
+              <a:rPr lang="nl-BE" baseline="0" dirty="0" err="1" smtClean="0"/>
+              <a:t>Knockout</a:t>
+            </a:r>
+            <a:r>
+              <a:rPr lang="nl-BE" baseline="0" dirty="0" smtClean="0"/>
+              <a:t> 2 ook niet veel meer gebruikt. </a:t>
+            </a:r>
+            <a:r>
+              <a:rPr lang="nl-BE" baseline="0" dirty="0" err="1" smtClean="0"/>
+              <a:t>Foreach</a:t>
+            </a:r>
+            <a:r>
+              <a:rPr lang="nl-BE" baseline="0" dirty="0" smtClean="0"/>
+              <a:t>, </a:t>
+            </a:r>
+            <a:r>
+              <a:rPr lang="nl-BE" baseline="0" dirty="0" err="1" smtClean="0"/>
+              <a:t>with</a:t>
             </a:r>
             <a:r>
               <a:rPr lang="nl-BE" baseline="0" dirty="0" smtClean="0"/>
               <a:t> en </a:t>
             </a:r>
             <a:r>
-              <a:rPr lang="nl-BE" baseline="0" dirty="0" smtClean="0"/>
-              <a:t>rating</a:t>
-            </a:r>
-          </a:p>
-          <a:p>
-            <a:r>
               <a:rPr lang="nl-BE" baseline="0" dirty="0" err="1" smtClean="0"/>
-              <a:t>collapsibleSection</a:t>
+              <a:t>if</a:t>
             </a:r>
             <a:r>
               <a:rPr lang="nl-BE" baseline="0" dirty="0" smtClean="0"/>
@@ -1037,33 +986,15 @@
             </a:r>
             <a:r>
               <a:rPr lang="nl-BE" baseline="0" dirty="0" smtClean="0"/>
-              <a:t> in </a:t>
-            </a:r>
-            <a:r>
-              <a:rPr lang="nl-BE" baseline="0" dirty="0" err="1" smtClean="0"/>
-              <a:t>settings</a:t>
-            </a:r>
-            <a:r>
-              <a:rPr lang="nl-BE" baseline="0" dirty="0" smtClean="0"/>
-              <a:t> toont aan waarom je </a:t>
-            </a:r>
-            <a:r>
-              <a:rPr lang="nl-BE" baseline="0" dirty="0" err="1" smtClean="0"/>
-              <a:t>unwrapObservable</a:t>
-            </a:r>
-            <a:r>
-              <a:rPr lang="nl-BE" baseline="0" dirty="0" smtClean="0"/>
-              <a:t> moet gebruiken. Kan nl een </a:t>
-            </a:r>
-            <a:r>
-              <a:rPr lang="nl-BE" baseline="0" dirty="0" err="1" smtClean="0"/>
-              <a:t>observable</a:t>
-            </a:r>
-            <a:r>
-              <a:rPr lang="nl-BE" baseline="0" dirty="0" smtClean="0"/>
-              <a:t> zijn, of gewoon een object</a:t>
-            </a:r>
-            <a:endParaRPr lang="en-US" dirty="0"/>
+              <a:t> zouden voldoende moeten zijn).</a:t>
+            </a:r>
+          </a:p>
+          <a:p>
+            <a:r>
+              <a:rPr lang="nl-BE" smtClean="0"/>
+              <a:t>foreach: show beers.html</a:t>
+            </a:r>
+            <a:endParaRPr lang="nl-BE" dirty="0" smtClean="0"/>
           </a:p>
         </p:txBody>
       </p:sp>
@@ -1093,7 +1024,7 @@
     </p:spTree>
     <p:extLst>
       <p:ext uri="{BB962C8B-B14F-4D97-AF65-F5344CB8AC3E}">
-        <p14:creationId xmlns:p14="http://schemas.microsoft.com/office/powerpoint/2010/main" val="3706878361"/>
+        <p14:creationId xmlns:p14="http://schemas.microsoft.com/office/powerpoint/2010/main" val="4207004726"/>
       </p:ext>
     </p:extLst>
   </p:cSld>
@@ -1149,58 +1080,41 @@
           <a:p>
             <a:r>
               <a:rPr lang="nl-BE" dirty="0" smtClean="0"/>
-              <a:t>$data: binnen een </a:t>
-            </a:r>
-            <a:r>
-              <a:rPr lang="nl-BE" dirty="0" err="1" smtClean="0"/>
-              <a:t>foreach</a:t>
-            </a:r>
-            <a:r>
-              <a:rPr lang="nl-BE" dirty="0" smtClean="0"/>
-              <a:t>,</a:t>
-            </a:r>
-            <a:r>
-              <a:rPr lang="nl-BE" baseline="0" dirty="0" smtClean="0"/>
+              <a:t>Zie twee </a:t>
+            </a:r>
+            <a:r>
+              <a:rPr lang="nl-BE" dirty="0" err="1" smtClean="0"/>
+              <a:t>custom</a:t>
+            </a:r>
+            <a:r>
+              <a:rPr lang="nl-BE" dirty="0" smtClean="0"/>
               <a:t> </a:t>
             </a:r>
             <a:r>
-              <a:rPr lang="nl-BE" dirty="0" smtClean="0"/>
-              <a:t>het </a:t>
-            </a:r>
-            <a:r>
-              <a:rPr lang="nl-BE" dirty="0" err="1" smtClean="0"/>
-              <a:t>gebinde</a:t>
-            </a:r>
-            <a:r>
-              <a:rPr lang="nl-BE" baseline="0" dirty="0" smtClean="0"/>
-              <a:t> object zelf </a:t>
+              <a:rPr lang="nl-BE" dirty="0" err="1" smtClean="0"/>
+              <a:t>bindings</a:t>
+            </a:r>
+            <a:r>
+              <a:rPr lang="nl-BE" baseline="0" dirty="0" smtClean="0"/>
+              <a:t> in demo project: </a:t>
             </a:r>
             <a:r>
               <a:rPr lang="nl-BE" baseline="0" dirty="0" err="1" smtClean="0"/>
-              <a:t>ipv</a:t>
-            </a:r>
-            <a:r>
-              <a:rPr lang="nl-BE" baseline="0" dirty="0" smtClean="0"/>
-              <a:t> één van z’n </a:t>
-            </a:r>
+              <a:t>collapsibleSection</a:t>
+            </a:r>
+            <a:r>
+              <a:rPr lang="nl-BE" baseline="0" dirty="0" smtClean="0"/>
+              <a:t> en rating</a:t>
+            </a:r>
+          </a:p>
+          <a:p>
             <a:r>
               <a:rPr lang="nl-BE" baseline="0" dirty="0" err="1" smtClean="0"/>
-              <a:t>properties</a:t>
-            </a:r>
-            <a:endParaRPr lang="nl-BE" baseline="0" dirty="0" smtClean="0"/>
-          </a:p>
-          <a:p>
-            <a:r>
-              <a:rPr lang="nl-BE" baseline="0" dirty="0" smtClean="0"/>
-              <a:t>$</a:t>
-            </a:r>
-            <a:r>
-              <a:rPr lang="nl-BE" baseline="0" dirty="0" err="1" smtClean="0"/>
-              <a:t>parent</a:t>
-            </a:r>
-            <a:r>
-              <a:rPr lang="nl-BE" baseline="0" dirty="0" smtClean="0"/>
-              <a:t>: bij geneste </a:t>
+              <a:t>collapsibleSection</a:t>
+            </a:r>
+            <a:r>
+              <a:rPr lang="nl-BE" baseline="0" dirty="0" smtClean="0"/>
+              <a:t> </a:t>
             </a:r>
             <a:r>
               <a:rPr lang="nl-BE" baseline="0" dirty="0" err="1" smtClean="0"/>
@@ -1208,49 +1122,23 @@
             </a:r>
             <a:r>
               <a:rPr lang="nl-BE" baseline="0" dirty="0" smtClean="0"/>
-              <a:t>, terug omhoog gaan in de hiërarchie</a:t>
-            </a:r>
-          </a:p>
-          <a:p>
-            <a:r>
-              <a:rPr lang="nl-BE" baseline="0" dirty="0" smtClean="0"/>
-              <a:t>$</a:t>
+              <a:t> in </a:t>
             </a:r>
             <a:r>
               <a:rPr lang="nl-BE" baseline="0" dirty="0" err="1" smtClean="0"/>
-              <a:t>parents</a:t>
-            </a:r>
-            <a:r>
-              <a:rPr lang="nl-BE" baseline="0" dirty="0" smtClean="0"/>
-              <a:t>: een array, waarbij elk volgend element de </a:t>
+              <a:t>settings</a:t>
+            </a:r>
+            <a:r>
+              <a:rPr lang="nl-BE" baseline="0" dirty="0" smtClean="0"/>
+              <a:t> toont aan waarom je </a:t>
             </a:r>
             <a:r>
               <a:rPr lang="nl-BE" baseline="0" dirty="0" err="1" smtClean="0"/>
-              <a:t>parent</a:t>
-            </a:r>
-            <a:r>
-              <a:rPr lang="nl-BE" baseline="0" dirty="0" smtClean="0"/>
-              <a:t> is van het vorige (bv $</a:t>
-            </a:r>
-            <a:r>
-              <a:rPr lang="nl-BE" baseline="0" dirty="0" err="1" smtClean="0"/>
-              <a:t>parents</a:t>
-            </a:r>
-            <a:r>
-              <a:rPr lang="nl-BE" baseline="0" dirty="0" smtClean="0"/>
-              <a:t>[2] is de ‘overgrootvader’)</a:t>
-            </a:r>
-          </a:p>
-          <a:p>
-            <a:r>
-              <a:rPr lang="nl-BE" baseline="0" dirty="0" smtClean="0"/>
-              <a:t>$root: het bovenste object in de hiërarchie</a:t>
-            </a:r>
-          </a:p>
-          <a:p>
-            <a:r>
-              <a:rPr lang="nl-BE" baseline="0" dirty="0" smtClean="0"/>
-              <a:t>$index: de index van een item in een array (is een </a:t>
+              <a:t>unwrapObservable</a:t>
+            </a:r>
+            <a:r>
+              <a:rPr lang="nl-BE" baseline="0" dirty="0" smtClean="0"/>
+              <a:t> moet gebruiken. Kan nl een </a:t>
             </a:r>
             <a:r>
               <a:rPr lang="nl-BE" baseline="0" dirty="0" err="1" smtClean="0"/>
@@ -1258,7 +1146,7 @@
             </a:r>
             <a:r>
               <a:rPr lang="nl-BE" baseline="0" dirty="0" smtClean="0"/>
-              <a:t>, dus verandert mee)</a:t>
+              <a:t> zijn, of gewoon een object</a:t>
             </a:r>
             <a:endParaRPr lang="en-US" dirty="0"/>
           </a:p>
@@ -1290,7 +1178,7 @@
     </p:spTree>
     <p:extLst>
       <p:ext uri="{BB962C8B-B14F-4D97-AF65-F5344CB8AC3E}">
-        <p14:creationId xmlns:p14="http://schemas.microsoft.com/office/powerpoint/2010/main" val="347485044"/>
+        <p14:creationId xmlns:p14="http://schemas.microsoft.com/office/powerpoint/2010/main" val="3706878361"/>
       </p:ext>
     </p:extLst>
   </p:cSld>
@@ -1345,76 +1233,109 @@
           <a:lstStyle/>
           <a:p>
             <a:r>
-              <a:rPr lang="nl-BE" dirty="0" err="1" smtClean="0"/>
-              <a:t>toJS</a:t>
-            </a:r>
-            <a:r>
-              <a:rPr lang="nl-BE" dirty="0" smtClean="0"/>
-              <a:t>: je object heeft geen </a:t>
-            </a:r>
-            <a:r>
-              <a:rPr lang="nl-BE" dirty="0" err="1" smtClean="0"/>
-              <a:t>observables</a:t>
-            </a:r>
-            <a:r>
-              <a:rPr lang="nl-BE" baseline="0" dirty="0" smtClean="0"/>
-              <a:t> meer, het is een normaal JS object</a:t>
-            </a:r>
-          </a:p>
-          <a:p>
+              <a:rPr lang="nl-BE" dirty="0" smtClean="0"/>
+              <a:t>$data: binnen een </a:t>
+            </a:r>
+            <a:r>
+              <a:rPr lang="nl-BE" dirty="0" err="1" smtClean="0"/>
+              <a:t>foreach</a:t>
+            </a:r>
+            <a:r>
+              <a:rPr lang="nl-BE" dirty="0" smtClean="0"/>
+              <a:t>,</a:t>
+            </a:r>
+            <a:r>
+              <a:rPr lang="nl-BE" baseline="0" dirty="0" smtClean="0"/>
+              <a:t> </a:t>
+            </a:r>
+            <a:r>
+              <a:rPr lang="nl-BE" dirty="0" smtClean="0"/>
+              <a:t>het </a:t>
+            </a:r>
+            <a:r>
+              <a:rPr lang="nl-BE" dirty="0" err="1" smtClean="0"/>
+              <a:t>gebinde</a:t>
+            </a:r>
+            <a:r>
+              <a:rPr lang="nl-BE" baseline="0" dirty="0" smtClean="0"/>
+              <a:t> object zelf </a:t>
+            </a:r>
             <a:r>
               <a:rPr lang="nl-BE" baseline="0" dirty="0" err="1" smtClean="0"/>
-              <a:t>toJSON</a:t>
-            </a:r>
-            <a:r>
-              <a:rPr lang="nl-BE" baseline="0" dirty="0" smtClean="0"/>
-              <a:t>: doet intern eerst een call naar </a:t>
+              <a:t>ipv</a:t>
+            </a:r>
+            <a:r>
+              <a:rPr lang="nl-BE" baseline="0" dirty="0" smtClean="0"/>
+              <a:t> één van z’n </a:t>
             </a:r>
             <a:r>
               <a:rPr lang="nl-BE" baseline="0" dirty="0" err="1" smtClean="0"/>
-              <a:t>toJS</a:t>
-            </a:r>
-            <a:r>
-              <a:rPr lang="nl-BE" baseline="0" dirty="0" smtClean="0"/>
-              <a:t>, </a:t>
+              <a:t>properties</a:t>
+            </a:r>
+            <a:endParaRPr lang="nl-BE" baseline="0" dirty="0" smtClean="0"/>
+          </a:p>
+          <a:p>
+            <a:r>
+              <a:rPr lang="nl-BE" baseline="0" dirty="0" smtClean="0"/>
+              <a:t>$</a:t>
             </a:r>
             <a:r>
               <a:rPr lang="nl-BE" baseline="0" dirty="0" err="1" smtClean="0"/>
-              <a:t>serializeert</a:t>
-            </a:r>
-            <a:r>
-              <a:rPr lang="nl-BE" baseline="0" dirty="0" smtClean="0"/>
-              <a:t> dan naar een JSON string</a:t>
-            </a:r>
-          </a:p>
-          <a:p>
-            <a:r>
-              <a:rPr lang="nl-BE" baseline="0" dirty="0" smtClean="0"/>
-              <a:t>Alle members worden geëvalueerd, ook </a:t>
+              <a:t>parent</a:t>
+            </a:r>
+            <a:r>
+              <a:rPr lang="nl-BE" baseline="0" dirty="0" smtClean="0"/>
+              <a:t>: bij geneste </a:t>
             </a:r>
             <a:r>
               <a:rPr lang="nl-BE" baseline="0" dirty="0" err="1" smtClean="0"/>
-              <a:t>computed</a:t>
-            </a:r>
-            <a:r>
-              <a:rPr lang="nl-BE" baseline="0" dirty="0" smtClean="0"/>
-              <a:t> </a:t>
+              <a:t>bindings</a:t>
+            </a:r>
+            <a:r>
+              <a:rPr lang="nl-BE" baseline="0" dirty="0" smtClean="0"/>
+              <a:t>, terug omhoog gaan in de hiërarchie</a:t>
+            </a:r>
+          </a:p>
+          <a:p>
+            <a:r>
+              <a:rPr lang="nl-BE" baseline="0" dirty="0" smtClean="0"/>
+              <a:t>$</a:t>
             </a:r>
             <a:r>
               <a:rPr lang="nl-BE" baseline="0" dirty="0" err="1" smtClean="0"/>
-              <a:t>observables</a:t>
-            </a:r>
-            <a:r>
-              <a:rPr lang="nl-BE" baseline="0" dirty="0" smtClean="0"/>
-              <a:t>, non-</a:t>
+              <a:t>parents</a:t>
+            </a:r>
+            <a:r>
+              <a:rPr lang="nl-BE" baseline="0" dirty="0" smtClean="0"/>
+              <a:t>: een array, waarbij elk volgend element de </a:t>
             </a:r>
             <a:r>
               <a:rPr lang="nl-BE" baseline="0" dirty="0" err="1" smtClean="0"/>
-              <a:t>observables</a:t>
-            </a:r>
-            <a:r>
-              <a:rPr lang="nl-BE" baseline="0" dirty="0" smtClean="0"/>
-              <a:t>, </a:t>
+              <a:t>parent</a:t>
+            </a:r>
+            <a:r>
+              <a:rPr lang="nl-BE" baseline="0" dirty="0" smtClean="0"/>
+              <a:t> is van het vorige (bv $</a:t>
+            </a:r>
+            <a:r>
+              <a:rPr lang="nl-BE" baseline="0" dirty="0" err="1" smtClean="0"/>
+              <a:t>parents</a:t>
+            </a:r>
+            <a:r>
+              <a:rPr lang="nl-BE" baseline="0" dirty="0" smtClean="0"/>
+              <a:t>[2] is de ‘overgrootvader’)</a:t>
+            </a:r>
+          </a:p>
+          <a:p>
+            <a:r>
+              <a:rPr lang="nl-BE" baseline="0" dirty="0" smtClean="0"/>
+              <a:t>$root: het bovenste object in de hiërarchie</a:t>
+            </a:r>
+          </a:p>
+          <a:p>
+            <a:r>
+              <a:rPr lang="nl-BE" baseline="0" dirty="0" smtClean="0"/>
+              <a:t>$index: de index van een item in een array (is een </a:t>
             </a:r>
             <a:r>
               <a:rPr lang="nl-BE" baseline="0" dirty="0" err="1" smtClean="0"/>
@@ -1422,23 +1343,7 @@
             </a:r>
             <a:r>
               <a:rPr lang="nl-BE" baseline="0" dirty="0" smtClean="0"/>
-              <a:t> arrays, </a:t>
-            </a:r>
-            <a:r>
-              <a:rPr lang="nl-BE" baseline="0" dirty="0" err="1" smtClean="0"/>
-              <a:t>child</a:t>
-            </a:r>
-            <a:r>
-              <a:rPr lang="nl-BE" baseline="0" dirty="0" smtClean="0"/>
-              <a:t> </a:t>
-            </a:r>
-            <a:r>
-              <a:rPr lang="nl-BE" baseline="0" dirty="0" err="1" smtClean="0"/>
-              <a:t>viewmodels</a:t>
-            </a:r>
-            <a:r>
-              <a:rPr lang="nl-BE" baseline="0" dirty="0" smtClean="0"/>
-              <a:t>, enz.</a:t>
+              <a:t>, dus verandert mee)</a:t>
             </a:r>
             <a:endParaRPr lang="en-US" dirty="0"/>
           </a:p>
@@ -1470,7 +1375,7 @@
     </p:spTree>
     <p:extLst>
       <p:ext uri="{BB962C8B-B14F-4D97-AF65-F5344CB8AC3E}">
-        <p14:creationId xmlns:p14="http://schemas.microsoft.com/office/powerpoint/2010/main" val="2104542335"/>
+        <p14:creationId xmlns:p14="http://schemas.microsoft.com/office/powerpoint/2010/main" val="347485044"/>
       </p:ext>
     </p:extLst>
   </p:cSld>
@@ -1525,8 +1430,100 @@
           <a:lstStyle/>
           <a:p>
             <a:r>
-              <a:rPr lang="nl-BE" dirty="0" smtClean="0"/>
-              <a:t>Zie features</a:t>
+              <a:rPr lang="nl-BE" dirty="0" err="1" smtClean="0"/>
+              <a:t>toJS</a:t>
+            </a:r>
+            <a:r>
+              <a:rPr lang="nl-BE" dirty="0" smtClean="0"/>
+              <a:t>: je object heeft geen </a:t>
+            </a:r>
+            <a:r>
+              <a:rPr lang="nl-BE" dirty="0" err="1" smtClean="0"/>
+              <a:t>observables</a:t>
+            </a:r>
+            <a:r>
+              <a:rPr lang="nl-BE" baseline="0" dirty="0" smtClean="0"/>
+              <a:t> meer, het is een normaal JS object</a:t>
+            </a:r>
+          </a:p>
+          <a:p>
+            <a:r>
+              <a:rPr lang="nl-BE" baseline="0" dirty="0" err="1" smtClean="0"/>
+              <a:t>toJSON</a:t>
+            </a:r>
+            <a:r>
+              <a:rPr lang="nl-BE" baseline="0" dirty="0" smtClean="0"/>
+              <a:t>: doet intern eerst een call naar </a:t>
+            </a:r>
+            <a:r>
+              <a:rPr lang="nl-BE" baseline="0" dirty="0" err="1" smtClean="0"/>
+              <a:t>toJS</a:t>
+            </a:r>
+            <a:r>
+              <a:rPr lang="nl-BE" baseline="0" dirty="0" smtClean="0"/>
+              <a:t>, </a:t>
+            </a:r>
+            <a:r>
+              <a:rPr lang="nl-BE" baseline="0" dirty="0" err="1" smtClean="0"/>
+              <a:t>serializeert</a:t>
+            </a:r>
+            <a:r>
+              <a:rPr lang="nl-BE" baseline="0" dirty="0" smtClean="0"/>
+              <a:t> dan naar een JSON string</a:t>
+            </a:r>
+          </a:p>
+          <a:p>
+            <a:r>
+              <a:rPr lang="nl-BE" baseline="0" dirty="0" smtClean="0"/>
+              <a:t>Alle members worden geëvalueerd, ook </a:t>
+            </a:r>
+            <a:r>
+              <a:rPr lang="nl-BE" baseline="0" dirty="0" err="1" smtClean="0"/>
+              <a:t>computed</a:t>
+            </a:r>
+            <a:r>
+              <a:rPr lang="nl-BE" baseline="0" dirty="0" smtClean="0"/>
+              <a:t> </a:t>
+            </a:r>
+            <a:r>
+              <a:rPr lang="nl-BE" baseline="0" dirty="0" err="1" smtClean="0"/>
+              <a:t>observables</a:t>
+            </a:r>
+            <a:r>
+              <a:rPr lang="nl-BE" baseline="0" dirty="0" smtClean="0"/>
+              <a:t>, non-</a:t>
+            </a:r>
+            <a:r>
+              <a:rPr lang="nl-BE" baseline="0" dirty="0" err="1" smtClean="0"/>
+              <a:t>observables</a:t>
+            </a:r>
+            <a:r>
+              <a:rPr lang="nl-BE" baseline="0" dirty="0" smtClean="0"/>
+              <a:t>, </a:t>
+            </a:r>
+            <a:r>
+              <a:rPr lang="nl-BE" baseline="0" dirty="0" err="1" smtClean="0"/>
+              <a:t>observable</a:t>
+            </a:r>
+            <a:r>
+              <a:rPr lang="nl-BE" baseline="0" dirty="0" smtClean="0"/>
+              <a:t> arrays, </a:t>
+            </a:r>
+            <a:r>
+              <a:rPr lang="nl-BE" baseline="0" dirty="0" err="1" smtClean="0"/>
+              <a:t>child</a:t>
+            </a:r>
+            <a:r>
+              <a:rPr lang="nl-BE" baseline="0" dirty="0" smtClean="0"/>
+              <a:t> </a:t>
+            </a:r>
+            <a:r>
+              <a:rPr lang="nl-BE" baseline="0" dirty="0" err="1" smtClean="0"/>
+              <a:t>viewmodels</a:t>
+            </a:r>
+            <a:r>
+              <a:rPr lang="nl-BE" baseline="0" dirty="0" smtClean="0"/>
+              <a:t>, enz.</a:t>
             </a:r>
             <a:endParaRPr lang="en-US" dirty="0"/>
           </a:p>
@@ -1558,7 +1555,7 @@
     </p:spTree>
     <p:extLst>
       <p:ext uri="{BB962C8B-B14F-4D97-AF65-F5344CB8AC3E}">
-        <p14:creationId xmlns:p14="http://schemas.microsoft.com/office/powerpoint/2010/main" val="882911281"/>
+        <p14:creationId xmlns:p14="http://schemas.microsoft.com/office/powerpoint/2010/main" val="2104542335"/>
       </p:ext>
     </p:extLst>
   </p:cSld>
@@ -1613,24 +1610,8 @@
           <a:lstStyle/>
           <a:p>
             <a:r>
-              <a:rPr lang="nl-BE" dirty="0" err="1" smtClean="0"/>
-              <a:t>Id</a:t>
-            </a:r>
-            <a:r>
-              <a:rPr lang="nl-BE" dirty="0" smtClean="0"/>
-              <a:t> is afgeleid</a:t>
-            </a:r>
-            <a:r>
-              <a:rPr lang="nl-BE" baseline="0" dirty="0" smtClean="0"/>
-              <a:t> van pad relatief t.o.v. </a:t>
-            </a:r>
-            <a:r>
-              <a:rPr lang="nl-BE" baseline="0" dirty="0" err="1" smtClean="0"/>
-              <a:t>baseUrl</a:t>
-            </a:r>
-            <a:r>
-              <a:rPr lang="nl-BE" baseline="0" dirty="0" smtClean="0"/>
-              <a:t> (normaal locatie van main.js)</a:t>
+              <a:rPr lang="nl-BE" dirty="0" smtClean="0"/>
+              <a:t>Zie features</a:t>
             </a:r>
             <a:endParaRPr lang="en-US" dirty="0"/>
           </a:p>
@@ -1653,7 +1634,7 @@
           <a:p>
             <a:fld id="{0DF56419-AC34-45D0-BAB8-5A4CB1E563BF}" type="slidenum">
               <a:rPr lang="en-US" smtClean="0"/>
-              <a:t>25</a:t>
+              <a:t>24</a:t>
             </a:fld>
             <a:endParaRPr lang="en-US"/>
           </a:p>
@@ -1662,7 +1643,7 @@
     </p:spTree>
     <p:extLst>
       <p:ext uri="{BB962C8B-B14F-4D97-AF65-F5344CB8AC3E}">
-        <p14:creationId xmlns:p14="http://schemas.microsoft.com/office/powerpoint/2010/main" val="106862747"/>
+        <p14:creationId xmlns:p14="http://schemas.microsoft.com/office/powerpoint/2010/main" val="882911281"/>
       </p:ext>
     </p:extLst>
   </p:cSld>
@@ -1717,16 +1698,24 @@
           <a:lstStyle/>
           <a:p>
             <a:r>
-              <a:rPr lang="nl-BE" dirty="0" smtClean="0"/>
-              <a:t>Indien meerdere root </a:t>
-            </a:r>
-            <a:r>
-              <a:rPr lang="nl-BE" dirty="0" err="1" smtClean="0"/>
-              <a:t>elements</a:t>
-            </a:r>
-            <a:r>
-              <a:rPr lang="nl-BE" dirty="0" smtClean="0"/>
-              <a:t>, dan worden deze in een div geplaatst</a:t>
+              <a:rPr lang="nl-BE" dirty="0" err="1" smtClean="0"/>
+              <a:t>Id</a:t>
+            </a:r>
+            <a:r>
+              <a:rPr lang="nl-BE" dirty="0" smtClean="0"/>
+              <a:t> is afgeleid</a:t>
+            </a:r>
+            <a:r>
+              <a:rPr lang="nl-BE" baseline="0" dirty="0" smtClean="0"/>
+              <a:t> van pad relatief t.o.v. </a:t>
+            </a:r>
+            <a:r>
+              <a:rPr lang="nl-BE" baseline="0" dirty="0" err="1" smtClean="0"/>
+              <a:t>baseUrl</a:t>
+            </a:r>
+            <a:r>
+              <a:rPr lang="nl-BE" baseline="0" dirty="0" smtClean="0"/>
+              <a:t> (normaal locatie van main.js)</a:t>
             </a:r>
             <a:endParaRPr lang="en-US" dirty="0"/>
           </a:p>
@@ -1758,7 +1747,7 @@
     </p:spTree>
     <p:extLst>
       <p:ext uri="{BB962C8B-B14F-4D97-AF65-F5344CB8AC3E}">
-        <p14:creationId xmlns:p14="http://schemas.microsoft.com/office/powerpoint/2010/main" val="3152353316"/>
+        <p14:creationId xmlns:p14="http://schemas.microsoft.com/office/powerpoint/2010/main" val="106862747"/>
       </p:ext>
     </p:extLst>
   </p:cSld>
@@ -1814,30 +1803,16 @@
           <a:p>
             <a:r>
               <a:rPr lang="nl-BE" dirty="0" smtClean="0"/>
-              <a:t>Object</a:t>
-            </a:r>
-            <a:r>
-              <a:rPr lang="nl-BE" baseline="0" dirty="0" smtClean="0"/>
-              <a:t> </a:t>
-            </a:r>
-            <a:r>
-              <a:rPr lang="nl-BE" baseline="0" dirty="0" err="1" smtClean="0"/>
-              <a:t>composition</a:t>
-            </a:r>
-            <a:r>
-              <a:rPr lang="nl-BE" baseline="0" dirty="0" smtClean="0"/>
-              <a:t>: via </a:t>
-            </a:r>
-            <a:r>
-              <a:rPr lang="nl-BE" baseline="0" dirty="0" err="1" smtClean="0"/>
-              <a:t>RequireJS</a:t>
-            </a:r>
-            <a:r>
-              <a:rPr lang="nl-BE" baseline="0" dirty="0" smtClean="0"/>
-              <a:t> gewoon modules en hun afhankelijkheden</a:t>
-            </a:r>
-          </a:p>
-          <a:p>
+              <a:t>Indien meerdere root </a:t>
+            </a:r>
+            <a:r>
+              <a:rPr lang="nl-BE" dirty="0" err="1" smtClean="0"/>
+              <a:t>elements</a:t>
+            </a:r>
+            <a:r>
+              <a:rPr lang="nl-BE" dirty="0" smtClean="0"/>
+              <a:t>, dan worden deze in een div geplaatst</a:t>
+            </a:r>
             <a:endParaRPr lang="en-US" dirty="0"/>
           </a:p>
         </p:txBody>
@@ -1859,7 +1834,7 @@
           <a:p>
             <a:fld id="{0DF56419-AC34-45D0-BAB8-5A4CB1E563BF}" type="slidenum">
               <a:rPr lang="en-US" smtClean="0"/>
-              <a:t>28</a:t>
+              <a:t>27</a:t>
             </a:fld>
             <a:endParaRPr lang="en-US"/>
           </a:p>
@@ -1868,7 +1843,7 @@
     </p:spTree>
     <p:extLst>
       <p:ext uri="{BB962C8B-B14F-4D97-AF65-F5344CB8AC3E}">
-        <p14:creationId xmlns:p14="http://schemas.microsoft.com/office/powerpoint/2010/main" val="2009853299"/>
+        <p14:creationId xmlns:p14="http://schemas.microsoft.com/office/powerpoint/2010/main" val="3152353316"/>
       </p:ext>
     </p:extLst>
   </p:cSld>
@@ -1923,229 +1898,32 @@
           <a:lstStyle/>
           <a:p>
             <a:r>
-              <a:rPr lang="nl-BE" dirty="0" err="1" smtClean="0"/>
-              <a:t>compose</a:t>
-            </a:r>
-            <a:r>
-              <a:rPr lang="nl-BE" dirty="0" smtClean="0"/>
-              <a:t> is een </a:t>
-            </a:r>
-            <a:r>
-              <a:rPr lang="nl-BE" dirty="0" err="1" smtClean="0"/>
-              <a:t>custom</a:t>
-            </a:r>
-            <a:r>
-              <a:rPr lang="nl-BE" dirty="0" smtClean="0"/>
-              <a:t> binding van </a:t>
-            </a:r>
-            <a:r>
-              <a:rPr lang="nl-BE" dirty="0" err="1" smtClean="0"/>
-              <a:t>Durandal</a:t>
-            </a:r>
-            <a:endParaRPr lang="nl-BE" dirty="0" smtClean="0"/>
-          </a:p>
-          <a:p>
-            <a:endParaRPr lang="nl-BE" dirty="0" smtClean="0"/>
-          </a:p>
-          <a:p>
-            <a:r>
-              <a:rPr lang="nl-BE" dirty="0" smtClean="0"/>
-              <a:t>1</a:t>
-            </a:r>
-            <a:r>
-              <a:rPr lang="nl-BE" dirty="0" smtClean="0"/>
-              <a:t>: view wordt </a:t>
-            </a:r>
-            <a:r>
-              <a:rPr lang="nl-BE" dirty="0" err="1" smtClean="0"/>
-              <a:t>gebind</a:t>
-            </a:r>
-            <a:r>
-              <a:rPr lang="nl-BE" dirty="0" smtClean="0"/>
-              <a:t> tegen huidige context</a:t>
-            </a:r>
-          </a:p>
-          <a:p>
-            <a:r>
-              <a:rPr lang="nl-BE" dirty="0" smtClean="0"/>
-              <a:t>2: </a:t>
-            </a:r>
-            <a:r>
-              <a:rPr lang="nl-BE" dirty="0" err="1" smtClean="0"/>
-              <a:t>id</a:t>
-            </a:r>
-            <a:r>
-              <a:rPr lang="nl-BE" dirty="0" smtClean="0"/>
-              <a:t> van een module</a:t>
-            </a:r>
-            <a:r>
-              <a:rPr lang="nl-BE" baseline="0" dirty="0" smtClean="0"/>
-              <a:t> (want geen view extension, bv .html)</a:t>
-            </a:r>
-            <a:r>
-              <a:rPr lang="nl-BE" dirty="0" smtClean="0"/>
-              <a:t>; module en</a:t>
-            </a:r>
-            <a:r>
-              <a:rPr lang="nl-BE" baseline="0" dirty="0" smtClean="0"/>
-              <a:t> view worden ingeladen en </a:t>
+              <a:rPr lang="nl-BE" dirty="0" smtClean="0"/>
+              <a:t>Object</a:t>
+            </a:r>
+            <a:r>
+              <a:rPr lang="nl-BE" baseline="0" dirty="0" smtClean="0"/>
+              <a:t> </a:t>
             </a:r>
             <a:r>
               <a:rPr lang="nl-BE" baseline="0" dirty="0" err="1" smtClean="0"/>
-              <a:t>gebind</a:t>
-            </a:r>
-            <a:r>
-              <a:rPr lang="nl-BE" baseline="0" dirty="0" smtClean="0"/>
-              <a:t> aan elkaar</a:t>
-            </a:r>
-          </a:p>
-          <a:p>
-            <a:r>
-              <a:rPr lang="nl-BE" baseline="0" dirty="0" smtClean="0"/>
-              <a:t>3: een </a:t>
+              <a:t>composition</a:t>
+            </a:r>
+            <a:r>
+              <a:rPr lang="nl-BE" baseline="0" dirty="0" smtClean="0"/>
+              <a:t>: via </a:t>
             </a:r>
             <a:r>
               <a:rPr lang="nl-BE" baseline="0" dirty="0" err="1" smtClean="0"/>
-              <a:t>observable</a:t>
-            </a:r>
-            <a:r>
-              <a:rPr lang="nl-BE" baseline="0" dirty="0" smtClean="0"/>
-              <a:t>; interessant want wanneer </a:t>
-            </a:r>
-            <a:r>
-              <a:rPr lang="nl-BE" baseline="0" dirty="0" err="1" smtClean="0"/>
-              <a:t>observable</a:t>
-            </a:r>
-            <a:r>
-              <a:rPr lang="nl-BE" baseline="0" dirty="0" smtClean="0"/>
-              <a:t> verandert, verandert de DOM</a:t>
-            </a:r>
-          </a:p>
-          <a:p>
-            <a:r>
-              <a:rPr lang="nl-BE" baseline="0" dirty="0" smtClean="0"/>
-              <a:t>	indien een string</a:t>
-            </a:r>
-          </a:p>
-          <a:p>
-            <a:r>
-              <a:rPr lang="nl-BE" baseline="0" dirty="0" smtClean="0"/>
-              <a:t>		met view extension: view wordt ingeladen en </a:t>
-            </a:r>
-            <a:r>
-              <a:rPr lang="nl-BE" baseline="0" dirty="0" err="1" smtClean="0"/>
-              <a:t>gebind</a:t>
-            </a:r>
-            <a:r>
-              <a:rPr lang="nl-BE" baseline="0" dirty="0" smtClean="0"/>
-              <a:t> aan huidige context</a:t>
-            </a:r>
-          </a:p>
-          <a:p>
-            <a:r>
-              <a:rPr lang="nl-BE" baseline="0" dirty="0" smtClean="0"/>
-              <a:t>		indien een </a:t>
-            </a:r>
-            <a:r>
-              <a:rPr lang="nl-BE" baseline="0" dirty="0" err="1" smtClean="0"/>
-              <a:t>moduleid</a:t>
-            </a:r>
-            <a:r>
-              <a:rPr lang="nl-BE" baseline="0" dirty="0" smtClean="0"/>
-              <a:t>: module en view worden ingeladen en </a:t>
-            </a:r>
-            <a:r>
-              <a:rPr lang="nl-BE" baseline="0" dirty="0" err="1" smtClean="0"/>
-              <a:t>gebind</a:t>
-            </a:r>
-            <a:r>
-              <a:rPr lang="nl-BE" baseline="0" dirty="0" smtClean="0"/>
-              <a:t> aan elkaar</a:t>
-            </a:r>
-          </a:p>
-          <a:p>
-            <a:r>
-              <a:rPr lang="nl-BE" baseline="0" dirty="0" smtClean="0"/>
-              <a:t>	indien een object</a:t>
-            </a:r>
-          </a:p>
-          <a:p>
-            <a:r>
-              <a:rPr lang="nl-BE" baseline="0" dirty="0" smtClean="0"/>
-              <a:t>		bijpassende view wordt opgezocht, beiden worden aan elkaar </a:t>
-            </a:r>
-            <a:r>
-              <a:rPr lang="nl-BE" baseline="0" dirty="0" err="1" smtClean="0"/>
-              <a:t>gebind</a:t>
-            </a:r>
-            <a:endParaRPr lang="nl-BE" baseline="0" dirty="0" smtClean="0"/>
-          </a:p>
-          <a:p>
-            <a:r>
-              <a:rPr lang="nl-BE" baseline="0" dirty="0" smtClean="0"/>
-              <a:t>	indien een </a:t>
-            </a:r>
-            <a:r>
-              <a:rPr lang="nl-BE" baseline="0" dirty="0" err="1" smtClean="0"/>
-              <a:t>function</a:t>
-            </a:r>
-            <a:endParaRPr lang="nl-BE" baseline="0" dirty="0" smtClean="0"/>
-          </a:p>
-          <a:p>
-            <a:r>
-              <a:rPr lang="nl-BE" baseline="0" dirty="0" smtClean="0"/>
-              <a:t>		</a:t>
-            </a:r>
-            <a:r>
-              <a:rPr lang="nl-BE" baseline="0" dirty="0" err="1" smtClean="0"/>
-              <a:t>function</a:t>
-            </a:r>
-            <a:r>
-              <a:rPr lang="nl-BE" baseline="0" dirty="0" smtClean="0"/>
-              <a:t> wordt opgeroepen met new, view wordt gezocht voor object, binding</a:t>
-            </a:r>
-          </a:p>
-          <a:p>
-            <a:endParaRPr lang="nl-BE" baseline="0" dirty="0" smtClean="0"/>
-          </a:p>
-          <a:p>
-            <a:r>
-              <a:rPr lang="nl-BE" baseline="0" dirty="0" err="1" smtClean="0"/>
-              <a:t>Compose</a:t>
-            </a:r>
-            <a:r>
-              <a:rPr lang="nl-BE" baseline="0" dirty="0" smtClean="0"/>
-              <a:t> met object met view en/of model property: werkt in het algemeen zoals je zou verwachten</a:t>
-            </a:r>
-          </a:p>
-          <a:p>
-            <a:endParaRPr lang="nl-BE" baseline="0" dirty="0" smtClean="0"/>
-          </a:p>
-          <a:p>
-            <a:r>
-              <a:rPr lang="nl-BE" baseline="0" dirty="0" smtClean="0"/>
-              <a:t>Indien er iets niet lukt (bv geen view gevonden,…) </a:t>
-            </a:r>
-            <a:r>
-              <a:rPr lang="nl-BE" baseline="0" dirty="0" smtClean="0">
-                <a:sym typeface="Wingdings" panose="05000000000000000000" pitchFamily="2" charset="2"/>
-              </a:rPr>
-              <a:t> er zal niks in de DOM te zien zijn</a:t>
-            </a:r>
-          </a:p>
-          <a:p>
-            <a:endParaRPr lang="nl-BE" baseline="0" dirty="0" smtClean="0">
-              <a:sym typeface="Wingdings" panose="05000000000000000000" pitchFamily="2" charset="2"/>
-            </a:endParaRPr>
-          </a:p>
-          <a:p>
-            <a:r>
-              <a:rPr lang="nl-BE" baseline="0" dirty="0" smtClean="0">
-                <a:sym typeface="Wingdings" panose="05000000000000000000" pitchFamily="2" charset="2"/>
-              </a:rPr>
-              <a:t>In demo: home.html en beers.html</a:t>
-            </a:r>
-            <a:endParaRPr lang="nl-BE" baseline="0" dirty="0" smtClean="0"/>
+              <a:t>RequireJS</a:t>
+            </a:r>
+            <a:r>
+              <a:rPr lang="nl-BE" baseline="0" dirty="0" smtClean="0"/>
+              <a:t> gewoon modules en hun afhankelijkheden</a:t>
+            </a:r>
+          </a:p>
+          <a:p>
+            <a:endParaRPr lang="en-US" dirty="0"/>
           </a:p>
         </p:txBody>
       </p:sp>
@@ -2175,7 +1953,7 @@
     </p:spTree>
     <p:extLst>
       <p:ext uri="{BB962C8B-B14F-4D97-AF65-F5344CB8AC3E}">
-        <p14:creationId xmlns:p14="http://schemas.microsoft.com/office/powerpoint/2010/main" val="2510050687"/>
+        <p14:creationId xmlns:p14="http://schemas.microsoft.com/office/powerpoint/2010/main" val="2009853299"/>
       </p:ext>
     </p:extLst>
   </p:cSld>
@@ -2230,48 +2008,174 @@
           <a:lstStyle/>
           <a:p>
             <a:r>
-              <a:rPr lang="nl-BE" dirty="0" smtClean="0"/>
-              <a:t>Extra opties voor je </a:t>
-            </a:r>
-            <a:r>
               <a:rPr lang="nl-BE" dirty="0" err="1" smtClean="0"/>
               <a:t>compose</a:t>
             </a:r>
             <a:r>
               <a:rPr lang="nl-BE" dirty="0" smtClean="0"/>
-              <a:t> binding.</a:t>
-            </a:r>
-          </a:p>
-          <a:p>
-            <a:r>
-              <a:rPr lang="nl-BE" dirty="0" err="1" smtClean="0"/>
-              <a:t>strategy</a:t>
-            </a:r>
-            <a:r>
-              <a:rPr lang="nl-BE" dirty="0" smtClean="0"/>
-              <a:t>:</a:t>
-            </a:r>
-            <a:r>
-              <a:rPr lang="nl-BE" baseline="0" dirty="0" smtClean="0"/>
-              <a:t> </a:t>
+              <a:t> is een </a:t>
+            </a:r>
+            <a:r>
+              <a:rPr lang="nl-BE" dirty="0" err="1" smtClean="0"/>
+              <a:t>custom</a:t>
+            </a:r>
+            <a:r>
+              <a:rPr lang="nl-BE" dirty="0" smtClean="0"/>
+              <a:t> binding van </a:t>
+            </a:r>
+            <a:r>
+              <a:rPr lang="nl-BE" dirty="0" err="1" smtClean="0"/>
+              <a:t>Durandal</a:t>
+            </a:r>
+            <a:endParaRPr lang="nl-BE" dirty="0" smtClean="0"/>
+          </a:p>
+          <a:p>
+            <a:endParaRPr lang="nl-BE" dirty="0" smtClean="0"/>
+          </a:p>
+          <a:p>
+            <a:r>
+              <a:rPr lang="nl-BE" dirty="0" smtClean="0"/>
+              <a:t>1: view wordt </a:t>
+            </a:r>
+            <a:r>
+              <a:rPr lang="nl-BE" dirty="0" err="1" smtClean="0"/>
+              <a:t>gebind</a:t>
+            </a:r>
+            <a:r>
+              <a:rPr lang="nl-BE" dirty="0" smtClean="0"/>
+              <a:t> tegen huidige context</a:t>
+            </a:r>
+          </a:p>
+          <a:p>
+            <a:r>
+              <a:rPr lang="nl-BE" dirty="0" smtClean="0"/>
+              <a:t>2: </a:t>
+            </a:r>
+            <a:r>
+              <a:rPr lang="nl-BE" dirty="0" err="1" smtClean="0"/>
+              <a:t>id</a:t>
+            </a:r>
+            <a:r>
+              <a:rPr lang="nl-BE" dirty="0" smtClean="0"/>
+              <a:t> van een module</a:t>
+            </a:r>
+            <a:r>
+              <a:rPr lang="nl-BE" baseline="0" dirty="0" smtClean="0"/>
+              <a:t> (want geen view extension, bv .html)</a:t>
+            </a:r>
+            <a:r>
+              <a:rPr lang="nl-BE" dirty="0" smtClean="0"/>
+              <a:t>; module en</a:t>
+            </a:r>
+            <a:r>
+              <a:rPr lang="nl-BE" baseline="0" dirty="0" smtClean="0"/>
+              <a:t> view worden ingeladen en </a:t>
+            </a:r>
+            <a:r>
+              <a:rPr lang="nl-BE" baseline="0" dirty="0" err="1" smtClean="0"/>
+              <a:t>gebind</a:t>
+            </a:r>
+            <a:r>
+              <a:rPr lang="nl-BE" baseline="0" dirty="0" smtClean="0"/>
+              <a:t> aan elkaar</a:t>
+            </a:r>
+          </a:p>
+          <a:p>
+            <a:r>
+              <a:rPr lang="nl-BE" baseline="0" dirty="0" smtClean="0"/>
+              <a:t>3: een </a:t>
+            </a:r>
+            <a:r>
+              <a:rPr lang="nl-BE" baseline="0" dirty="0" err="1" smtClean="0"/>
+              <a:t>observable</a:t>
+            </a:r>
+            <a:r>
+              <a:rPr lang="nl-BE" baseline="0" dirty="0" smtClean="0"/>
+              <a:t>; interessant want wanneer </a:t>
+            </a:r>
+            <a:r>
+              <a:rPr lang="nl-BE" baseline="0" dirty="0" err="1" smtClean="0"/>
+              <a:t>observable</a:t>
+            </a:r>
+            <a:r>
+              <a:rPr lang="nl-BE" baseline="0" dirty="0" smtClean="0"/>
+              <a:t> verandert, verandert de DOM</a:t>
+            </a:r>
+          </a:p>
+          <a:p>
+            <a:r>
+              <a:rPr lang="nl-BE" baseline="0" dirty="0" smtClean="0"/>
+              <a:t>	indien een string</a:t>
+            </a:r>
+          </a:p>
+          <a:p>
+            <a:r>
+              <a:rPr lang="nl-BE" baseline="0" dirty="0" smtClean="0"/>
+              <a:t>		met view extension: view wordt ingeladen en </a:t>
+            </a:r>
+            <a:r>
+              <a:rPr lang="nl-BE" baseline="0" dirty="0" err="1" smtClean="0"/>
+              <a:t>gebind</a:t>
+            </a:r>
+            <a:r>
+              <a:rPr lang="nl-BE" baseline="0" dirty="0" smtClean="0"/>
+              <a:t> aan huidige context</a:t>
+            </a:r>
+          </a:p>
+          <a:p>
+            <a:r>
+              <a:rPr lang="nl-BE" baseline="0" dirty="0" smtClean="0"/>
+              <a:t>		indien een </a:t>
+            </a:r>
+            <a:r>
+              <a:rPr lang="nl-BE" baseline="0" dirty="0" err="1" smtClean="0"/>
+              <a:t>moduleid</a:t>
+            </a:r>
+            <a:r>
+              <a:rPr lang="nl-BE" baseline="0" dirty="0" smtClean="0"/>
+              <a:t>: module en view worden ingeladen en </a:t>
+            </a:r>
+            <a:r>
+              <a:rPr lang="nl-BE" baseline="0" dirty="0" err="1" smtClean="0"/>
+              <a:t>gebind</a:t>
+            </a:r>
+            <a:r>
+              <a:rPr lang="nl-BE" baseline="0" dirty="0" smtClean="0"/>
+              <a:t> aan elkaar</a:t>
+            </a:r>
+          </a:p>
+          <a:p>
+            <a:r>
+              <a:rPr lang="nl-BE" baseline="0" dirty="0" smtClean="0"/>
+              <a:t>	indien een object</a:t>
+            </a:r>
+          </a:p>
+          <a:p>
+            <a:r>
+              <a:rPr lang="nl-BE" baseline="0" dirty="0" smtClean="0"/>
+              <a:t>		bijpassende view wordt opgezocht, beiden worden aan elkaar </a:t>
+            </a:r>
+            <a:r>
+              <a:rPr lang="nl-BE" baseline="0" dirty="0" err="1" smtClean="0"/>
+              <a:t>gebind</a:t>
+            </a:r>
+            <a:endParaRPr lang="nl-BE" baseline="0" dirty="0" smtClean="0"/>
+          </a:p>
+          <a:p>
+            <a:r>
+              <a:rPr lang="nl-BE" baseline="0" dirty="0" smtClean="0"/>
+              <a:t>	indien een </a:t>
             </a:r>
             <a:r>
               <a:rPr lang="nl-BE" baseline="0" dirty="0" err="1" smtClean="0"/>
               <a:t>function</a:t>
             </a:r>
-            <a:r>
-              <a:rPr lang="nl-BE" baseline="0" dirty="0" smtClean="0"/>
-              <a:t> om view te vinden indien niet gegeven</a:t>
-            </a:r>
-          </a:p>
-          <a:p>
-            <a:r>
-              <a:rPr lang="nl-BE" baseline="0" dirty="0" err="1" smtClean="0"/>
-              <a:t>transition</a:t>
-            </a:r>
-            <a:r>
-              <a:rPr lang="nl-BE" baseline="0" dirty="0" smtClean="0"/>
-              <a:t>: </a:t>
+            <a:endParaRPr lang="nl-BE" baseline="0" dirty="0" smtClean="0"/>
+          </a:p>
+          <a:p>
+            <a:r>
+              <a:rPr lang="nl-BE" baseline="0" dirty="0" smtClean="0"/>
+              <a:t>		</a:t>
             </a:r>
             <a:r>
               <a:rPr lang="nl-BE" baseline="0" dirty="0" err="1" smtClean="0"/>
@@ -2279,59 +2183,20 @@
             </a:r>
             <a:r>
               <a:rPr lang="nl-BE" baseline="0" dirty="0" smtClean="0"/>
-              <a:t> om wijziging van views in DOM te animeren, je kan je eigen </a:t>
-            </a:r>
+              <a:t> wordt opgeroepen met new, view wordt gezocht voor object, binding</a:t>
+            </a:r>
+          </a:p>
+          <a:p>
+            <a:endParaRPr lang="nl-BE" baseline="0" dirty="0" smtClean="0"/>
+          </a:p>
+          <a:p>
             <a:r>
               <a:rPr lang="nl-BE" baseline="0" dirty="0" err="1" smtClean="0"/>
-              <a:t>transitions</a:t>
-            </a:r>
-            <a:r>
-              <a:rPr lang="nl-BE" baseline="0" dirty="0" smtClean="0"/>
-              <a:t> definiëren</a:t>
-            </a:r>
-          </a:p>
-          <a:p>
-            <a:r>
-              <a:rPr lang="nl-BE" baseline="0" dirty="0" err="1" smtClean="0"/>
-              <a:t>cacheViews</a:t>
-            </a:r>
-            <a:r>
-              <a:rPr lang="nl-BE" baseline="0" dirty="0" smtClean="0"/>
-              <a:t>: views worden bijgehouden en hergebruikt indien binding op hetzelfde object gebeurt</a:t>
-            </a:r>
-          </a:p>
-          <a:p>
-            <a:r>
-              <a:rPr lang="nl-BE" baseline="0" dirty="0" err="1" smtClean="0"/>
-              <a:t>activate</a:t>
-            </a:r>
-            <a:r>
-              <a:rPr lang="nl-BE" baseline="0" dirty="0" smtClean="0"/>
-              <a:t>: indien </a:t>
-            </a:r>
-            <a:r>
-              <a:rPr lang="nl-BE" baseline="0" dirty="0" err="1" smtClean="0"/>
-              <a:t>activate</a:t>
-            </a:r>
-            <a:r>
-              <a:rPr lang="nl-BE" baseline="0" dirty="0" smtClean="0"/>
-              <a:t> op je viewmodel niet </a:t>
-            </a:r>
-            <a:r>
-              <a:rPr lang="nl-BE" baseline="0" dirty="0" err="1" smtClean="0"/>
-              <a:t>gecalled</a:t>
-            </a:r>
-            <a:r>
-              <a:rPr lang="nl-BE" baseline="0" dirty="0" smtClean="0"/>
-              <a:t> moet worden (default: </a:t>
-            </a:r>
-            <a:r>
-              <a:rPr lang="nl-BE" baseline="0" dirty="0" err="1" smtClean="0"/>
-              <a:t>true</a:t>
-            </a:r>
-            <a:r>
-              <a:rPr lang="nl-BE" baseline="0" dirty="0" smtClean="0"/>
-              <a:t>)</a:t>
+              <a:t>Compose</a:t>
+            </a:r>
+            <a:r>
+              <a:rPr lang="nl-BE" baseline="0" dirty="0" smtClean="0"/>
+              <a:t> met object met view en/of model property: werkt in het algemeen zoals je zou verwachten</a:t>
             </a:r>
           </a:p>
           <a:p>
@@ -2340,41 +2205,53 @@
           <a:p>
             <a:r>
               <a:rPr lang="nl-BE" baseline="0" dirty="0" smtClean="0"/>
-              <a:t>Veel extra mogelijkheden. De </a:t>
-            </a:r>
-            <a:r>
-              <a:rPr lang="nl-BE" baseline="0" dirty="0" err="1" smtClean="0"/>
-              <a:t>composition</a:t>
-            </a:r>
-            <a:r>
-              <a:rPr lang="nl-BE" baseline="0" dirty="0" smtClean="0"/>
-              <a:t> </a:t>
-            </a:r>
-            <a:r>
-              <a:rPr lang="nl-BE" baseline="0" dirty="0" err="1" smtClean="0"/>
-              <a:t>lifecycle</a:t>
-            </a:r>
-            <a:r>
-              <a:rPr lang="nl-BE" baseline="0" dirty="0" smtClean="0"/>
-              <a:t> laat je toe om in te pikken op de verschillende momenten van </a:t>
-            </a:r>
-            <a:r>
-              <a:rPr lang="nl-BE" baseline="0" dirty="0" err="1" smtClean="0"/>
-              <a:t>composition</a:t>
-            </a:r>
-            <a:r>
-              <a:rPr lang="nl-BE" baseline="0" dirty="0" smtClean="0"/>
-              <a:t>. Een beetje zoals ASP.NET page </a:t>
-            </a:r>
-            <a:r>
-              <a:rPr lang="nl-BE" baseline="0" dirty="0" err="1" smtClean="0"/>
-              <a:t>lifecycle</a:t>
-            </a:r>
-            <a:r>
-              <a:rPr lang="nl-BE" baseline="0" dirty="0" smtClean="0"/>
-              <a:t>. Bestaat uit:</a:t>
-            </a:r>
-            <a:endParaRPr lang="en-US" dirty="0"/>
+              <a:t>Indien er iets niet lukt (bv geen view gevonden,…) </a:t>
+            </a:r>
+            <a:r>
+              <a:rPr lang="nl-BE" baseline="0" dirty="0" smtClean="0">
+                <a:sym typeface="Wingdings" panose="05000000000000000000" pitchFamily="2" charset="2"/>
+              </a:rPr>
+              <a:t> er zal niks in de DOM te zien zijn</a:t>
+            </a:r>
+          </a:p>
+          <a:p>
+            <a:endParaRPr lang="nl-BE" baseline="0" dirty="0" smtClean="0">
+              <a:sym typeface="Wingdings" panose="05000000000000000000" pitchFamily="2" charset="2"/>
+            </a:endParaRPr>
+          </a:p>
+          <a:p>
+            <a:r>
+              <a:rPr lang="nl-BE" baseline="0" dirty="0" smtClean="0">
+                <a:sym typeface="Wingdings" panose="05000000000000000000" pitchFamily="2" charset="2"/>
+              </a:rPr>
+              <a:t>In demo: home.html </a:t>
+            </a:r>
+            <a:r>
+              <a:rPr lang="nl-BE" baseline="0" smtClean="0">
+                <a:sym typeface="Wingdings" panose="05000000000000000000" pitchFamily="2" charset="2"/>
+              </a:rPr>
+              <a:t>en </a:t>
+            </a:r>
+            <a:r>
+              <a:rPr lang="nl-BE" baseline="0" smtClean="0">
+                <a:sym typeface="Wingdings" panose="05000000000000000000" pitchFamily="2" charset="2"/>
+              </a:rPr>
+              <a:t>beers.html</a:t>
+            </a:r>
+          </a:p>
+          <a:p>
+            <a:endParaRPr lang="nl-BE" baseline="0" smtClean="0">
+              <a:sym typeface="Wingdings" panose="05000000000000000000" pitchFamily="2" charset="2"/>
+            </a:endParaRPr>
+          </a:p>
+          <a:p>
+            <a:r>
+              <a:rPr lang="nl-BE" baseline="0" smtClean="0">
+                <a:sym typeface="Wingdings" panose="05000000000000000000" pitchFamily="2" charset="2"/>
+              </a:rPr>
+              <a:t>In beers.html kan je de value van de binding vervangen door $data (herinner binding contexts)</a:t>
+            </a:r>
+            <a:endParaRPr lang="nl-BE" baseline="0" dirty="0" smtClean="0"/>
           </a:p>
         </p:txBody>
       </p:sp>
@@ -2404,7 +2281,7 @@
     </p:spTree>
     <p:extLst>
       <p:ext uri="{BB962C8B-B14F-4D97-AF65-F5344CB8AC3E}">
-        <p14:creationId xmlns:p14="http://schemas.microsoft.com/office/powerpoint/2010/main" val="1389305066"/>
+        <p14:creationId xmlns:p14="http://schemas.microsoft.com/office/powerpoint/2010/main" val="2510050687"/>
       </p:ext>
     </p:extLst>
   </p:cSld>
@@ -2594,24 +2471,149 @@
           <a:lstStyle/>
           <a:p>
             <a:r>
-              <a:rPr lang="nl-BE" dirty="0" err="1" smtClean="0"/>
-              <a:t>urlArgs</a:t>
-            </a:r>
-            <a:r>
-              <a:rPr lang="nl-BE" dirty="0" smtClean="0"/>
-              <a:t> worden toegevoegd</a:t>
-            </a:r>
-            <a:r>
-              <a:rPr lang="nl-BE" baseline="0" dirty="0" smtClean="0"/>
-              <a:t> aan iedere </a:t>
+              <a:rPr lang="nl-BE" dirty="0" smtClean="0"/>
+              <a:t>Extra opties voor je </a:t>
+            </a:r>
+            <a:r>
+              <a:rPr lang="nl-BE" dirty="0" err="1" smtClean="0"/>
+              <a:t>compose</a:t>
+            </a:r>
+            <a:r>
+              <a:rPr lang="nl-BE" dirty="0" smtClean="0"/>
+              <a:t> binding.</a:t>
+            </a:r>
+          </a:p>
+          <a:p>
+            <a:r>
+              <a:rPr lang="nl-BE" dirty="0" err="1" smtClean="0"/>
+              <a:t>strategy</a:t>
+            </a:r>
+            <a:r>
+              <a:rPr lang="nl-BE" dirty="0" smtClean="0"/>
+              <a:t>:</a:t>
+            </a:r>
+            <a:r>
+              <a:rPr lang="nl-BE" baseline="0" dirty="0" smtClean="0"/>
+              <a:t> </a:t>
             </a:r>
             <a:r>
               <a:rPr lang="nl-BE" baseline="0" dirty="0" err="1" smtClean="0"/>
-              <a:t>request</a:t>
-            </a:r>
-            <a:r>
-              <a:rPr lang="nl-BE" baseline="0" dirty="0" smtClean="0"/>
-              <a:t>, best niet in productie zetten</a:t>
+              <a:t>function</a:t>
+            </a:r>
+            <a:r>
+              <a:rPr lang="nl-BE" baseline="0" dirty="0" smtClean="0"/>
+              <a:t> om view te vinden indien niet gegeven</a:t>
+            </a:r>
+          </a:p>
+          <a:p>
+            <a:r>
+              <a:rPr lang="nl-BE" baseline="0" dirty="0" err="1" smtClean="0"/>
+              <a:t>transition</a:t>
+            </a:r>
+            <a:r>
+              <a:rPr lang="nl-BE" baseline="0" dirty="0" smtClean="0"/>
+              <a:t>: </a:t>
+            </a:r>
+            <a:r>
+              <a:rPr lang="nl-BE" baseline="0" dirty="0" err="1" smtClean="0"/>
+              <a:t>function</a:t>
+            </a:r>
+            <a:r>
+              <a:rPr lang="nl-BE" baseline="0" dirty="0" smtClean="0"/>
+              <a:t> om wijziging van views in DOM te animeren, je kan je eigen </a:t>
+            </a:r>
+            <a:r>
+              <a:rPr lang="nl-BE" baseline="0" dirty="0" err="1" smtClean="0"/>
+              <a:t>transitions</a:t>
+            </a:r>
+            <a:r>
+              <a:rPr lang="nl-BE" baseline="0" dirty="0" smtClean="0"/>
+              <a:t> definiëren</a:t>
+            </a:r>
+          </a:p>
+          <a:p>
+            <a:r>
+              <a:rPr lang="nl-BE" baseline="0" dirty="0" err="1" smtClean="0"/>
+              <a:t>cacheViews</a:t>
+            </a:r>
+            <a:r>
+              <a:rPr lang="nl-BE" baseline="0" dirty="0" smtClean="0"/>
+              <a:t>: views worden bijgehouden en hergebruikt indien binding op hetzelfde object gebeurt</a:t>
+            </a:r>
+          </a:p>
+          <a:p>
+            <a:r>
+              <a:rPr lang="nl-BE" baseline="0" dirty="0" err="1" smtClean="0"/>
+              <a:t>activate</a:t>
+            </a:r>
+            <a:r>
+              <a:rPr lang="nl-BE" baseline="0" dirty="0" smtClean="0"/>
+              <a:t>: indien </a:t>
+            </a:r>
+            <a:r>
+              <a:rPr lang="nl-BE" baseline="0" dirty="0" err="1" smtClean="0"/>
+              <a:t>activate</a:t>
+            </a:r>
+            <a:r>
+              <a:rPr lang="nl-BE" baseline="0" dirty="0" smtClean="0"/>
+              <a:t> op je viewmodel niet </a:t>
+            </a:r>
+            <a:r>
+              <a:rPr lang="nl-BE" baseline="0" dirty="0" err="1" smtClean="0"/>
+              <a:t>gecalled</a:t>
+            </a:r>
+            <a:r>
+              <a:rPr lang="nl-BE" baseline="0" dirty="0" smtClean="0"/>
+              <a:t> moet worden (default: </a:t>
+            </a:r>
+            <a:r>
+              <a:rPr lang="nl-BE" baseline="0" dirty="0" err="1" smtClean="0"/>
+              <a:t>true</a:t>
+            </a:r>
+            <a:r>
+              <a:rPr lang="nl-BE" baseline="0" dirty="0" smtClean="0"/>
+              <a:t>)</a:t>
+            </a:r>
+          </a:p>
+          <a:p>
+            <a:endParaRPr lang="nl-BE" baseline="0" dirty="0" smtClean="0"/>
+          </a:p>
+          <a:p>
+            <a:r>
+              <a:rPr lang="nl-BE" baseline="0" dirty="0" smtClean="0"/>
+              <a:t>Veel extra mogelijkheden. De </a:t>
+            </a:r>
+            <a:r>
+              <a:rPr lang="nl-BE" baseline="0" dirty="0" err="1" smtClean="0"/>
+              <a:t>composition</a:t>
+            </a:r>
+            <a:r>
+              <a:rPr lang="nl-BE" baseline="0" dirty="0" smtClean="0"/>
+              <a:t> </a:t>
+            </a:r>
+            <a:r>
+              <a:rPr lang="nl-BE" baseline="0" dirty="0" err="1" smtClean="0"/>
+              <a:t>lifecycle</a:t>
+            </a:r>
+            <a:r>
+              <a:rPr lang="nl-BE" baseline="0" dirty="0" smtClean="0"/>
+              <a:t> laat je toe om in te pikken op de verschillende momenten van </a:t>
+            </a:r>
+            <a:r>
+              <a:rPr lang="nl-BE" baseline="0" dirty="0" err="1" smtClean="0"/>
+              <a:t>composition</a:t>
+            </a:r>
+            <a:r>
+              <a:rPr lang="nl-BE" baseline="0" dirty="0" smtClean="0"/>
+              <a:t>. Een beetje zoals ASP.NET page </a:t>
+            </a:r>
+            <a:r>
+              <a:rPr lang="nl-BE" baseline="0" dirty="0" err="1" smtClean="0"/>
+              <a:t>lifecycle</a:t>
+            </a:r>
+            <a:r>
+              <a:rPr lang="nl-BE" baseline="0" dirty="0" smtClean="0"/>
+              <a:t>. Bestaat uit:</a:t>
             </a:r>
             <a:endParaRPr lang="en-US" dirty="0"/>
           </a:p>
@@ -2643,7 +2645,7 @@
     </p:spTree>
     <p:extLst>
       <p:ext uri="{BB962C8B-B14F-4D97-AF65-F5344CB8AC3E}">
-        <p14:creationId xmlns:p14="http://schemas.microsoft.com/office/powerpoint/2010/main" val="1213175449"/>
+        <p14:creationId xmlns:p14="http://schemas.microsoft.com/office/powerpoint/2010/main" val="1389305066"/>
       </p:ext>
     </p:extLst>
   </p:cSld>
@@ -2699,38 +2701,25 @@
           <a:p>
             <a:r>
               <a:rPr lang="nl-BE" dirty="0" err="1" smtClean="0"/>
-              <a:t>showMessage</a:t>
-            </a:r>
-            <a:r>
-              <a:rPr lang="nl-BE" dirty="0" smtClean="0"/>
-              <a:t> voorbeeld bij</a:t>
-            </a:r>
-            <a:r>
-              <a:rPr lang="nl-BE" baseline="0" dirty="0" smtClean="0"/>
-              <a:t> verwijderen van een bier</a:t>
-            </a:r>
-          </a:p>
-          <a:p>
-            <a:r>
-              <a:rPr lang="nl-BE" baseline="0" dirty="0" smtClean="0"/>
-              <a:t>Ook mogelijk om je eigen </a:t>
+              <a:t>urlArgs</a:t>
+            </a:r>
+            <a:r>
+              <a:rPr lang="nl-BE" dirty="0" smtClean="0"/>
+              <a:t> worden toegevoegd</a:t>
+            </a:r>
+            <a:r>
+              <a:rPr lang="nl-BE" baseline="0" dirty="0" smtClean="0"/>
+              <a:t> aan iedere </a:t>
             </a:r>
             <a:r>
               <a:rPr lang="nl-BE" baseline="0" dirty="0" err="1" smtClean="0"/>
-              <a:t>dialog</a:t>
-            </a:r>
-            <a:r>
-              <a:rPr lang="nl-BE" baseline="0" dirty="0" smtClean="0"/>
-              <a:t> te ontwerpen voor </a:t>
-            </a:r>
-            <a:r>
-              <a:rPr lang="nl-BE" baseline="0" dirty="0" err="1" smtClean="0"/>
-              <a:t>showDialog</a:t>
-            </a:r>
-            <a:r>
-              <a:rPr lang="nl-BE" baseline="0" dirty="0" smtClean="0"/>
-              <a:t>, zie search</a:t>
-            </a:r>
+              <a:t>request</a:t>
+            </a:r>
+            <a:r>
+              <a:rPr lang="nl-BE" baseline="0" dirty="0" smtClean="0"/>
+              <a:t>, best niet in productie zetten</a:t>
+            </a:r>
+            <a:endParaRPr lang="en-US" dirty="0"/>
           </a:p>
         </p:txBody>
       </p:sp>
@@ -2760,7 +2749,7 @@
     </p:spTree>
     <p:extLst>
       <p:ext uri="{BB962C8B-B14F-4D97-AF65-F5344CB8AC3E}">
-        <p14:creationId xmlns:p14="http://schemas.microsoft.com/office/powerpoint/2010/main" val="3055863286"/>
+        <p14:creationId xmlns:p14="http://schemas.microsoft.com/office/powerpoint/2010/main" val="1213175449"/>
       </p:ext>
     </p:extLst>
   </p:cSld>
@@ -2816,44 +2805,38 @@
           <a:p>
             <a:r>
               <a:rPr lang="nl-BE" dirty="0" err="1" smtClean="0"/>
-              <a:t>applicationHost</a:t>
-            </a:r>
-            <a:r>
-              <a:rPr lang="nl-BE" dirty="0" smtClean="0"/>
-              <a:t> is waar alles in gebeurt, hierin</a:t>
-            </a:r>
-            <a:r>
-              <a:rPr lang="nl-BE" baseline="0" dirty="0" smtClean="0"/>
-              <a:t> plaatst </a:t>
+              <a:t>showMessage</a:t>
+            </a:r>
+            <a:r>
+              <a:rPr lang="nl-BE" dirty="0" smtClean="0"/>
+              <a:t> voorbeeld bij</a:t>
+            </a:r>
+            <a:r>
+              <a:rPr lang="nl-BE" baseline="0" dirty="0" smtClean="0"/>
+              <a:t> verwijderen van een bier</a:t>
+            </a:r>
+          </a:p>
+          <a:p>
+            <a:r>
+              <a:rPr lang="nl-BE" baseline="0" dirty="0" smtClean="0"/>
+              <a:t>Ook mogelijk om je eigen </a:t>
             </a:r>
             <a:r>
               <a:rPr lang="nl-BE" baseline="0" dirty="0" err="1" smtClean="0"/>
-              <a:t>Durandal</a:t>
-            </a:r>
-            <a:r>
-              <a:rPr lang="nl-BE" baseline="0" dirty="0" smtClean="0"/>
-              <a:t> je views</a:t>
-            </a:r>
-            <a:endParaRPr lang="nl-BE" dirty="0" smtClean="0"/>
-          </a:p>
-          <a:p>
-            <a:r>
-              <a:rPr lang="nl-BE" dirty="0" smtClean="0"/>
-              <a:t>HTML die er al in staat wordt overschreven,</a:t>
-            </a:r>
-            <a:r>
-              <a:rPr lang="nl-BE" baseline="0" dirty="0" smtClean="0"/>
-              <a:t> maar kan als </a:t>
+              <a:t>dialog</a:t>
+            </a:r>
+            <a:r>
+              <a:rPr lang="nl-BE" baseline="0" dirty="0" smtClean="0"/>
+              <a:t> te ontwerpen voor </a:t>
             </a:r>
             <a:r>
               <a:rPr lang="nl-BE" baseline="0" dirty="0" err="1" smtClean="0"/>
-              <a:t>splashscreen</a:t>
-            </a:r>
-            <a:r>
-              <a:rPr lang="nl-BE" baseline="0" dirty="0" smtClean="0"/>
-              <a:t> dienen (deze techniek kan overal toegepast worden)</a:t>
-            </a:r>
-            <a:endParaRPr lang="en-US" dirty="0"/>
+              <a:t>showDialog</a:t>
+            </a:r>
+            <a:r>
+              <a:rPr lang="nl-BE" baseline="0" dirty="0" smtClean="0"/>
+              <a:t>, zie search</a:t>
+            </a:r>
           </a:p>
         </p:txBody>
       </p:sp>
@@ -2883,7 +2866,7 @@
     </p:spTree>
     <p:extLst>
       <p:ext uri="{BB962C8B-B14F-4D97-AF65-F5344CB8AC3E}">
-        <p14:creationId xmlns:p14="http://schemas.microsoft.com/office/powerpoint/2010/main" val="1795069426"/>
+        <p14:creationId xmlns:p14="http://schemas.microsoft.com/office/powerpoint/2010/main" val="3055863286"/>
       </p:ext>
     </p:extLst>
   </p:cSld>
@@ -2937,6 +2920,45 @@
           <a:bodyPr/>
           <a:lstStyle/>
           <a:p>
+            <a:r>
+              <a:rPr lang="nl-BE" dirty="0" err="1" smtClean="0"/>
+              <a:t>applicationHost</a:t>
+            </a:r>
+            <a:r>
+              <a:rPr lang="nl-BE" dirty="0" smtClean="0"/>
+              <a:t> is waar alles in gebeurt, hierin</a:t>
+            </a:r>
+            <a:r>
+              <a:rPr lang="nl-BE" baseline="0" dirty="0" smtClean="0"/>
+              <a:t> plaatst </a:t>
+            </a:r>
+            <a:r>
+              <a:rPr lang="nl-BE" baseline="0" dirty="0" err="1" smtClean="0"/>
+              <a:t>Durandal</a:t>
+            </a:r>
+            <a:r>
+              <a:rPr lang="nl-BE" baseline="0" dirty="0" smtClean="0"/>
+              <a:t> je views</a:t>
+            </a:r>
+            <a:endParaRPr lang="nl-BE" dirty="0" smtClean="0"/>
+          </a:p>
+          <a:p>
+            <a:r>
+              <a:rPr lang="nl-BE" dirty="0" smtClean="0"/>
+              <a:t>HTML die er al in staat wordt overschreven,</a:t>
+            </a:r>
+            <a:r>
+              <a:rPr lang="nl-BE" baseline="0" dirty="0" smtClean="0"/>
+              <a:t> maar kan als </a:t>
+            </a:r>
+            <a:r>
+              <a:rPr lang="nl-BE" baseline="0" dirty="0" err="1" smtClean="0"/>
+              <a:t>splashscreen</a:t>
+            </a:r>
+            <a:r>
+              <a:rPr lang="nl-BE" baseline="0" dirty="0" smtClean="0"/>
+              <a:t> dienen (deze techniek kan overal toegepast worden)</a:t>
+            </a:r>
             <a:endParaRPr lang="en-US" dirty="0"/>
           </a:p>
         </p:txBody>
@@ -2967,7 +2989,7 @@
     </p:spTree>
     <p:extLst>
       <p:ext uri="{BB962C8B-B14F-4D97-AF65-F5344CB8AC3E}">
-        <p14:creationId xmlns:p14="http://schemas.microsoft.com/office/powerpoint/2010/main" val="2754514785"/>
+        <p14:creationId xmlns:p14="http://schemas.microsoft.com/office/powerpoint/2010/main" val="1795069426"/>
       </p:ext>
     </p:extLst>
   </p:cSld>
@@ -3021,398 +3043,6 @@
           <a:bodyPr/>
           <a:lstStyle/>
           <a:p>
-            <a:r>
-              <a:rPr lang="nl-BE" dirty="0" smtClean="0"/>
-              <a:t>Router </a:t>
-            </a:r>
-            <a:r>
-              <a:rPr lang="nl-BE" dirty="0" err="1" smtClean="0"/>
-              <a:t>mappings</a:t>
-            </a:r>
-            <a:r>
-              <a:rPr lang="nl-BE" dirty="0" smtClean="0"/>
-              <a:t>:</a:t>
-            </a:r>
-          </a:p>
-          <a:p>
-            <a:r>
-              <a:rPr lang="nl-BE" dirty="0" smtClean="0"/>
-              <a:t>	route:</a:t>
-            </a:r>
-            <a:r>
-              <a:rPr lang="nl-BE" baseline="0" dirty="0" smtClean="0"/>
-              <a:t> wat in de </a:t>
-            </a:r>
-            <a:r>
-              <a:rPr lang="nl-BE" baseline="0" dirty="0" err="1" smtClean="0"/>
-              <a:t>url</a:t>
-            </a:r>
-            <a:r>
-              <a:rPr lang="nl-BE" baseline="0" dirty="0" smtClean="0"/>
-              <a:t> te zien is, leeg is de default route</a:t>
-            </a:r>
-          </a:p>
-          <a:p>
-            <a:r>
-              <a:rPr lang="nl-BE" baseline="0" dirty="0" smtClean="0"/>
-              <a:t>	</a:t>
-            </a:r>
-            <a:r>
-              <a:rPr lang="nl-BE" baseline="0" dirty="0" err="1" smtClean="0"/>
-              <a:t>title</a:t>
-            </a:r>
-            <a:r>
-              <a:rPr lang="nl-BE" baseline="0" dirty="0" smtClean="0"/>
-              <a:t>: gebruikt voor </a:t>
-            </a:r>
-            <a:r>
-              <a:rPr lang="nl-BE" baseline="0" dirty="0" err="1" smtClean="0"/>
-              <a:t>document.title</a:t>
-            </a:r>
-            <a:endParaRPr lang="nl-BE" baseline="0" dirty="0" smtClean="0"/>
-          </a:p>
-          <a:p>
-            <a:r>
-              <a:rPr lang="nl-BE" baseline="0" dirty="0" smtClean="0"/>
-              <a:t>	</a:t>
-            </a:r>
-            <a:r>
-              <a:rPr lang="nl-BE" baseline="0" dirty="0" err="1" smtClean="0"/>
-              <a:t>moduleId</a:t>
-            </a:r>
-            <a:r>
-              <a:rPr lang="nl-BE" baseline="0" dirty="0" smtClean="0"/>
-              <a:t>: </a:t>
-            </a:r>
-            <a:r>
-              <a:rPr lang="nl-BE" baseline="0" dirty="0" err="1" smtClean="0"/>
-              <a:t>id</a:t>
-            </a:r>
-            <a:r>
-              <a:rPr lang="nl-BE" baseline="0" dirty="0" smtClean="0"/>
-              <a:t> van je module, ook gebruikt om viewmodel op te sporen (en daarna bijbehorende view)</a:t>
-            </a:r>
-          </a:p>
-          <a:p>
-            <a:r>
-              <a:rPr lang="nl-BE" baseline="0" dirty="0" smtClean="0"/>
-              <a:t>	</a:t>
-            </a:r>
-            <a:r>
-              <a:rPr lang="nl-BE" baseline="0" dirty="0" err="1" smtClean="0"/>
-              <a:t>nav</a:t>
-            </a:r>
-            <a:r>
-              <a:rPr lang="nl-BE" baseline="0" dirty="0" smtClean="0"/>
-              <a:t>: of het opgenomen moet worden in </a:t>
-            </a:r>
-            <a:r>
-              <a:rPr lang="nl-BE" baseline="0" dirty="0" err="1" smtClean="0"/>
-              <a:t>router.navigationModel</a:t>
-            </a:r>
-            <a:r>
-              <a:rPr lang="nl-BE" baseline="0" dirty="0" smtClean="0"/>
-              <a:t> (</a:t>
-            </a:r>
-            <a:r>
-              <a:rPr lang="nl-BE" baseline="0" dirty="0" err="1" smtClean="0"/>
-              <a:t>true</a:t>
-            </a:r>
-            <a:r>
-              <a:rPr lang="nl-BE" baseline="0" dirty="0" smtClean="0"/>
-              <a:t>/</a:t>
-            </a:r>
-            <a:r>
-              <a:rPr lang="nl-BE" baseline="0" dirty="0" err="1" smtClean="0"/>
-              <a:t>false</a:t>
-            </a:r>
-            <a:r>
-              <a:rPr lang="nl-BE" baseline="0" dirty="0" smtClean="0"/>
-              <a:t>) of de volgorde (int)</a:t>
-            </a:r>
-          </a:p>
-          <a:p>
-            <a:endParaRPr lang="nl-BE" baseline="0" dirty="0" smtClean="0"/>
-          </a:p>
-          <a:p>
-            <a:r>
-              <a:rPr lang="nl-BE" baseline="0" dirty="0" smtClean="0"/>
-              <a:t>	parameters: </a:t>
-            </a:r>
-            <a:r>
-              <a:rPr lang="nl-BE" baseline="0" dirty="0" err="1" smtClean="0"/>
-              <a:t>myRoute</a:t>
-            </a:r>
-            <a:r>
-              <a:rPr lang="nl-BE" baseline="0" dirty="0" smtClean="0"/>
-              <a:t>/:</a:t>
-            </a:r>
-            <a:r>
-              <a:rPr lang="nl-BE" baseline="0" dirty="0" err="1" smtClean="0"/>
-              <a:t>id</a:t>
-            </a:r>
-            <a:r>
-              <a:rPr lang="nl-BE" baseline="0" dirty="0" smtClean="0"/>
-              <a:t> of indien optioneel: </a:t>
-            </a:r>
-            <a:r>
-              <a:rPr lang="nl-BE" baseline="0" dirty="0" err="1" smtClean="0"/>
-              <a:t>myRoute</a:t>
-            </a:r>
-            <a:r>
-              <a:rPr lang="nl-BE" baseline="0" dirty="0" smtClean="0"/>
-              <a:t>(/:</a:t>
-            </a:r>
-            <a:r>
-              <a:rPr lang="nl-BE" baseline="0" dirty="0" err="1" smtClean="0"/>
-              <a:t>id</a:t>
-            </a:r>
-            <a:r>
-              <a:rPr lang="nl-BE" baseline="0" dirty="0" smtClean="0"/>
-              <a:t>)</a:t>
-            </a:r>
-          </a:p>
-          <a:p>
-            <a:r>
-              <a:rPr lang="nl-BE" baseline="0" dirty="0" smtClean="0"/>
-              <a:t>		meerdere parameters zijn mogelijk, volgorde wordt bewaard in </a:t>
-            </a:r>
-            <a:r>
-              <a:rPr lang="nl-BE" baseline="0" dirty="0" err="1" smtClean="0"/>
-              <a:t>activate</a:t>
-            </a:r>
-            <a:r>
-              <a:rPr lang="nl-BE" baseline="0" dirty="0" smtClean="0"/>
-              <a:t> call</a:t>
-            </a:r>
-          </a:p>
-          <a:p>
-            <a:r>
-              <a:rPr lang="nl-BE" baseline="0" dirty="0" smtClean="0"/>
-              <a:t>		</a:t>
-            </a:r>
-            <a:r>
-              <a:rPr lang="nl-BE" baseline="0" dirty="0" err="1" smtClean="0"/>
-              <a:t>queryString</a:t>
-            </a:r>
-            <a:r>
-              <a:rPr lang="nl-BE" baseline="0" dirty="0" smtClean="0"/>
-              <a:t> is laatste object in </a:t>
-            </a:r>
-            <a:r>
-              <a:rPr lang="nl-BE" baseline="0" dirty="0" err="1" smtClean="0"/>
-              <a:t>activate</a:t>
-            </a:r>
-            <a:r>
-              <a:rPr lang="nl-BE" baseline="0" dirty="0" smtClean="0"/>
-              <a:t> </a:t>
-            </a:r>
-            <a:r>
-              <a:rPr lang="nl-BE" baseline="0" dirty="0" err="1" smtClean="0"/>
-              <a:t>and</a:t>
-            </a:r>
-            <a:r>
-              <a:rPr lang="nl-BE" baseline="0" dirty="0" smtClean="0"/>
-              <a:t> is een JS object met </a:t>
-            </a:r>
-            <a:r>
-              <a:rPr lang="nl-BE" baseline="0" dirty="0" err="1" smtClean="0"/>
-              <a:t>properties</a:t>
-            </a:r>
-            <a:r>
-              <a:rPr lang="nl-BE" baseline="0" dirty="0" smtClean="0"/>
-              <a:t> volgens querystring </a:t>
-            </a:r>
-            <a:r>
-              <a:rPr lang="nl-BE" baseline="0" dirty="0" err="1" smtClean="0"/>
-              <a:t>keys</a:t>
-            </a:r>
-            <a:endParaRPr lang="nl-BE" baseline="0" dirty="0" smtClean="0"/>
-          </a:p>
-          <a:p>
-            <a:r>
-              <a:rPr lang="nl-BE" baseline="0" dirty="0" smtClean="0"/>
-              <a:t>	</a:t>
-            </a:r>
-            <a:r>
-              <a:rPr lang="nl-BE" baseline="0" dirty="0" err="1" smtClean="0"/>
-              <a:t>splat</a:t>
-            </a:r>
-            <a:r>
-              <a:rPr lang="nl-BE" baseline="0" dirty="0" smtClean="0"/>
-              <a:t> route: </a:t>
-            </a:r>
-            <a:r>
-              <a:rPr lang="nl-BE" baseline="0" dirty="0" err="1" smtClean="0"/>
-              <a:t>myRoute</a:t>
-            </a:r>
-            <a:r>
-              <a:rPr lang="nl-BE" baseline="0" dirty="0" smtClean="0"/>
-              <a:t>*details</a:t>
-            </a:r>
-          </a:p>
-          <a:p>
-            <a:r>
-              <a:rPr lang="nl-BE" baseline="0" dirty="0" smtClean="0"/>
-              <a:t>	</a:t>
-            </a:r>
-            <a:endParaRPr lang="nl-BE" dirty="0" smtClean="0"/>
-          </a:p>
-          <a:p>
-            <a:r>
-              <a:rPr lang="nl-BE" dirty="0" err="1" smtClean="0"/>
-              <a:t>buildNavigationModel</a:t>
-            </a:r>
-            <a:r>
-              <a:rPr lang="nl-BE" dirty="0" smtClean="0"/>
-              <a:t>: alle routes met </a:t>
-            </a:r>
-            <a:r>
-              <a:rPr lang="nl-BE" dirty="0" err="1" smtClean="0"/>
-              <a:t>nav</a:t>
-            </a:r>
-            <a:r>
-              <a:rPr lang="nl-BE" dirty="0" smtClean="0"/>
-              <a:t>: </a:t>
-            </a:r>
-            <a:r>
-              <a:rPr lang="nl-BE" dirty="0" err="1" smtClean="0"/>
-              <a:t>true</a:t>
-            </a:r>
-            <a:r>
-              <a:rPr lang="nl-BE" dirty="0" smtClean="0"/>
-              <a:t> worden in de array </a:t>
-            </a:r>
-            <a:r>
-              <a:rPr lang="nl-BE" dirty="0" err="1" smtClean="0"/>
-              <a:t>router.navigationModel</a:t>
-            </a:r>
-            <a:r>
-              <a:rPr lang="nl-BE" dirty="0" smtClean="0"/>
-              <a:t> gegoten om te kunnen binden in navigatie</a:t>
-            </a:r>
-            <a:r>
-              <a:rPr lang="nl-BE" baseline="0" dirty="0" smtClean="0"/>
-              <a:t> (zie shell.html)</a:t>
-            </a:r>
-          </a:p>
-          <a:p>
-            <a:endParaRPr lang="nl-BE" baseline="0" dirty="0" smtClean="0"/>
-          </a:p>
-          <a:p>
-            <a:r>
-              <a:rPr lang="nl-BE" baseline="0" dirty="0" smtClean="0"/>
-              <a:t>Router gebruiken:</a:t>
-            </a:r>
-          </a:p>
-          <a:p>
-            <a:r>
-              <a:rPr lang="nl-BE" baseline="0" dirty="0" smtClean="0"/>
-              <a:t>	indien &lt;a&gt;: </a:t>
-            </a:r>
-            <a:r>
-              <a:rPr lang="nl-BE" baseline="0" dirty="0" err="1" smtClean="0"/>
-              <a:t>hash</a:t>
-            </a:r>
-            <a:r>
-              <a:rPr lang="nl-BE" baseline="0" dirty="0" smtClean="0"/>
-              <a:t> gebruiken (zie beers.html en </a:t>
-            </a:r>
-            <a:r>
-              <a:rPr lang="nl-BE" baseline="0" dirty="0" err="1" smtClean="0"/>
-              <a:t>add</a:t>
-            </a:r>
-            <a:r>
-              <a:rPr lang="nl-BE" baseline="0" dirty="0" smtClean="0"/>
-              <a:t> link)</a:t>
-            </a:r>
-          </a:p>
-          <a:p>
-            <a:r>
-              <a:rPr lang="nl-BE" baseline="0" dirty="0" smtClean="0"/>
-              <a:t>	vanuit JS: </a:t>
-            </a:r>
-            <a:r>
-              <a:rPr lang="nl-BE" baseline="0" dirty="0" err="1" smtClean="0"/>
-              <a:t>router.navigate</a:t>
-            </a:r>
-            <a:r>
-              <a:rPr lang="nl-BE" baseline="0" dirty="0" smtClean="0"/>
-              <a:t>(‘#</a:t>
-            </a:r>
-            <a:r>
-              <a:rPr lang="nl-BE" baseline="0" dirty="0" err="1" smtClean="0"/>
-              <a:t>hash</a:t>
-            </a:r>
-            <a:r>
-              <a:rPr lang="nl-BE" baseline="0" dirty="0" smtClean="0"/>
-              <a:t>’); (zie add.js)</a:t>
-            </a:r>
-          </a:p>
-          <a:p>
-            <a:endParaRPr lang="nl-BE" baseline="0" dirty="0" smtClean="0"/>
-          </a:p>
-          <a:p>
-            <a:r>
-              <a:rPr lang="nl-BE" baseline="0" dirty="0" smtClean="0"/>
-              <a:t>Router kan nog meer:</a:t>
-            </a:r>
-          </a:p>
-          <a:p>
-            <a:r>
-              <a:rPr lang="nl-BE" baseline="0" dirty="0" smtClean="0"/>
-              <a:t>	</a:t>
-            </a:r>
-            <a:r>
-              <a:rPr lang="nl-BE" baseline="0" dirty="0" err="1" smtClean="0"/>
-              <a:t>history</a:t>
-            </a:r>
-            <a:r>
-              <a:rPr lang="nl-BE" baseline="0" dirty="0" smtClean="0"/>
-              <a:t> veranderen</a:t>
-            </a:r>
-          </a:p>
-          <a:p>
-            <a:r>
-              <a:rPr lang="nl-BE" baseline="0" dirty="0" smtClean="0"/>
-              <a:t>	</a:t>
-            </a:r>
-            <a:r>
-              <a:rPr lang="nl-BE" baseline="0" dirty="0" err="1" smtClean="0"/>
-              <a:t>router.navigateBack</a:t>
-            </a:r>
-            <a:r>
-              <a:rPr lang="nl-BE" baseline="0" dirty="0" smtClean="0"/>
-              <a:t>() om terug te gaan</a:t>
-            </a:r>
-          </a:p>
-          <a:p>
-            <a:r>
-              <a:rPr lang="nl-BE" baseline="0" dirty="0" smtClean="0"/>
-              <a:t>	routes die niet </a:t>
-            </a:r>
-            <a:r>
-              <a:rPr lang="nl-BE" baseline="0" dirty="0" err="1" smtClean="0"/>
-              <a:t>gematcht</a:t>
-            </a:r>
-            <a:r>
-              <a:rPr lang="nl-BE" baseline="0" dirty="0" smtClean="0"/>
-              <a:t> kunnen worden (zie shell.js)</a:t>
-            </a:r>
-          </a:p>
-          <a:p>
-            <a:r>
-              <a:rPr lang="nl-BE" baseline="0" dirty="0" smtClean="0"/>
-              <a:t>	</a:t>
-            </a:r>
-            <a:r>
-              <a:rPr lang="nl-BE" baseline="0" dirty="0" err="1" smtClean="0"/>
-              <a:t>child</a:t>
-            </a:r>
-            <a:r>
-              <a:rPr lang="nl-BE" baseline="0" dirty="0" smtClean="0"/>
-              <a:t> routers</a:t>
-            </a:r>
             <a:endParaRPr lang="en-US" dirty="0"/>
           </a:p>
         </p:txBody>
@@ -3443,7 +3073,7 @@
     </p:spTree>
     <p:extLst>
       <p:ext uri="{BB962C8B-B14F-4D97-AF65-F5344CB8AC3E}">
-        <p14:creationId xmlns:p14="http://schemas.microsoft.com/office/powerpoint/2010/main" val="3530374302"/>
+        <p14:creationId xmlns:p14="http://schemas.microsoft.com/office/powerpoint/2010/main" val="2754514785"/>
       </p:ext>
     </p:extLst>
   </p:cSld>
@@ -3499,90 +3129,395 @@
           <a:p>
             <a:r>
               <a:rPr lang="nl-BE" dirty="0" smtClean="0"/>
-              <a:t>http</a:t>
-            </a:r>
-            <a:r>
-              <a:rPr lang="nl-BE" baseline="0" dirty="0" smtClean="0"/>
-              <a:t> en </a:t>
+              <a:t>Router </a:t>
+            </a:r>
+            <a:r>
+              <a:rPr lang="nl-BE" dirty="0" err="1" smtClean="0"/>
+              <a:t>mappings</a:t>
+            </a:r>
+            <a:r>
+              <a:rPr lang="nl-BE" dirty="0" smtClean="0"/>
+              <a:t>:</a:t>
+            </a:r>
+          </a:p>
+          <a:p>
+            <a:r>
+              <a:rPr lang="nl-BE" dirty="0" smtClean="0"/>
+              <a:t>	route:</a:t>
+            </a:r>
+            <a:r>
+              <a:rPr lang="nl-BE" baseline="0" dirty="0" smtClean="0"/>
+              <a:t> wat in de </a:t>
             </a:r>
             <a:r>
               <a:rPr lang="nl-BE" baseline="0" dirty="0" err="1" smtClean="0"/>
-              <a:t>serializer</a:t>
-            </a:r>
-            <a:r>
-              <a:rPr lang="nl-BE" baseline="0" dirty="0" smtClean="0"/>
-              <a:t> zijn om met data van de backend te werken. J</a:t>
-            </a:r>
-            <a:r>
-              <a:rPr lang="nl-BE" dirty="0" smtClean="0"/>
-              <a:t>e kan uiteraard ook andere </a:t>
-            </a:r>
-            <a:r>
-              <a:rPr lang="nl-BE" dirty="0" err="1" smtClean="0"/>
-              <a:t>libraries</a:t>
-            </a:r>
-            <a:r>
-              <a:rPr lang="nl-BE" dirty="0" smtClean="0"/>
-              <a:t> gebruiken, bv </a:t>
-            </a:r>
-            <a:r>
-              <a:rPr lang="nl-BE" dirty="0" err="1" smtClean="0"/>
-              <a:t>jQuery</a:t>
+              <a:t>url</a:t>
+            </a:r>
+            <a:r>
+              <a:rPr lang="nl-BE" baseline="0" dirty="0" smtClean="0"/>
+              <a:t> te zien is, leeg is de default route</a:t>
+            </a:r>
+          </a:p>
+          <a:p>
+            <a:r>
+              <a:rPr lang="nl-BE" baseline="0" dirty="0" smtClean="0"/>
+              <a:t>	</a:t>
+            </a:r>
+            <a:r>
+              <a:rPr lang="nl-BE" baseline="0" dirty="0" err="1" smtClean="0"/>
+              <a:t>title</a:t>
+            </a:r>
+            <a:r>
+              <a:rPr lang="nl-BE" baseline="0" dirty="0" smtClean="0"/>
+              <a:t>: gebruikt voor </a:t>
+            </a:r>
+            <a:r>
+              <a:rPr lang="nl-BE" baseline="0" dirty="0" err="1" smtClean="0"/>
+              <a:t>document.title</a:t>
+            </a:r>
+            <a:endParaRPr lang="nl-BE" baseline="0" dirty="0" smtClean="0"/>
+          </a:p>
+          <a:p>
+            <a:r>
+              <a:rPr lang="nl-BE" baseline="0" dirty="0" smtClean="0"/>
+              <a:t>	</a:t>
+            </a:r>
+            <a:r>
+              <a:rPr lang="nl-BE" baseline="0" dirty="0" err="1" smtClean="0"/>
+              <a:t>moduleId</a:t>
+            </a:r>
+            <a:r>
+              <a:rPr lang="nl-BE" baseline="0" dirty="0" smtClean="0"/>
+              <a:t>: </a:t>
+            </a:r>
+            <a:r>
+              <a:rPr lang="nl-BE" baseline="0" dirty="0" err="1" smtClean="0"/>
+              <a:t>id</a:t>
+            </a:r>
+            <a:r>
+              <a:rPr lang="nl-BE" baseline="0" dirty="0" smtClean="0"/>
+              <a:t> van je module, ook gebruikt om viewmodel op te sporen (en daarna bijbehorende view)</a:t>
+            </a:r>
+          </a:p>
+          <a:p>
+            <a:r>
+              <a:rPr lang="nl-BE" baseline="0" dirty="0" smtClean="0"/>
+              <a:t>	</a:t>
+            </a:r>
+            <a:r>
+              <a:rPr lang="nl-BE" baseline="0" dirty="0" err="1" smtClean="0"/>
+              <a:t>nav</a:t>
+            </a:r>
+            <a:r>
+              <a:rPr lang="nl-BE" baseline="0" dirty="0" smtClean="0"/>
+              <a:t>: of het opgenomen moet worden in </a:t>
+            </a:r>
+            <a:r>
+              <a:rPr lang="nl-BE" baseline="0" dirty="0" err="1" smtClean="0"/>
+              <a:t>router.navigationModel</a:t>
+            </a:r>
+            <a:r>
+              <a:rPr lang="nl-BE" baseline="0" dirty="0" smtClean="0"/>
+              <a:t> (</a:t>
+            </a:r>
+            <a:r>
+              <a:rPr lang="nl-BE" baseline="0" dirty="0" err="1" smtClean="0"/>
+              <a:t>true</a:t>
+            </a:r>
+            <a:r>
+              <a:rPr lang="nl-BE" baseline="0" dirty="0" smtClean="0"/>
+              <a:t>/</a:t>
+            </a:r>
+            <a:r>
+              <a:rPr lang="nl-BE" baseline="0" dirty="0" err="1" smtClean="0"/>
+              <a:t>false</a:t>
+            </a:r>
+            <a:r>
+              <a:rPr lang="nl-BE" baseline="0" dirty="0" smtClean="0"/>
+              <a:t>) of de volgorde (int)</a:t>
+            </a:r>
+          </a:p>
+          <a:p>
+            <a:endParaRPr lang="nl-BE" baseline="0" dirty="0" smtClean="0"/>
+          </a:p>
+          <a:p>
+            <a:r>
+              <a:rPr lang="nl-BE" baseline="0" dirty="0" smtClean="0"/>
+              <a:t>	parameters: </a:t>
+            </a:r>
+            <a:r>
+              <a:rPr lang="nl-BE" baseline="0" dirty="0" err="1" smtClean="0"/>
+              <a:t>myRoute</a:t>
+            </a:r>
+            <a:r>
+              <a:rPr lang="nl-BE" baseline="0" dirty="0" smtClean="0"/>
+              <a:t>/:</a:t>
+            </a:r>
+            <a:r>
+              <a:rPr lang="nl-BE" baseline="0" dirty="0" err="1" smtClean="0"/>
+              <a:t>id</a:t>
+            </a:r>
+            <a:r>
+              <a:rPr lang="nl-BE" baseline="0" dirty="0" smtClean="0"/>
+              <a:t> of indien optioneel: </a:t>
+            </a:r>
+            <a:r>
+              <a:rPr lang="nl-BE" baseline="0" dirty="0" err="1" smtClean="0"/>
+              <a:t>myRoute</a:t>
+            </a:r>
+            <a:r>
+              <a:rPr lang="nl-BE" baseline="0" dirty="0" smtClean="0"/>
+              <a:t>(/:</a:t>
+            </a:r>
+            <a:r>
+              <a:rPr lang="nl-BE" baseline="0" dirty="0" err="1" smtClean="0"/>
+              <a:t>id</a:t>
+            </a:r>
+            <a:r>
+              <a:rPr lang="nl-BE" baseline="0" dirty="0" smtClean="0"/>
+              <a:t>)</a:t>
+            </a:r>
+          </a:p>
+          <a:p>
+            <a:r>
+              <a:rPr lang="nl-BE" baseline="0" dirty="0" smtClean="0"/>
+              <a:t>		meerdere parameters zijn mogelijk, volgorde wordt bewaard in </a:t>
+            </a:r>
+            <a:r>
+              <a:rPr lang="nl-BE" baseline="0" dirty="0" err="1" smtClean="0"/>
+              <a:t>activate</a:t>
+            </a:r>
+            <a:r>
+              <a:rPr lang="nl-BE" baseline="0" dirty="0" smtClean="0"/>
+              <a:t> call</a:t>
+            </a:r>
+          </a:p>
+          <a:p>
+            <a:r>
+              <a:rPr lang="nl-BE" baseline="0" dirty="0" smtClean="0"/>
+              <a:t>		</a:t>
+            </a:r>
+            <a:r>
+              <a:rPr lang="nl-BE" baseline="0" dirty="0" err="1" smtClean="0"/>
+              <a:t>queryString</a:t>
+            </a:r>
+            <a:r>
+              <a:rPr lang="nl-BE" baseline="0" dirty="0" smtClean="0"/>
+              <a:t> is laatste object in </a:t>
+            </a:r>
+            <a:r>
+              <a:rPr lang="nl-BE" baseline="0" dirty="0" err="1" smtClean="0"/>
+              <a:t>activate</a:t>
+            </a:r>
+            <a:r>
+              <a:rPr lang="nl-BE" baseline="0" dirty="0" smtClean="0"/>
+              <a:t> </a:t>
+            </a:r>
+            <a:r>
+              <a:rPr lang="nl-BE" baseline="0" dirty="0" err="1" smtClean="0"/>
+              <a:t>and</a:t>
+            </a:r>
+            <a:r>
+              <a:rPr lang="nl-BE" baseline="0" dirty="0" smtClean="0"/>
+              <a:t> is een JS object met </a:t>
+            </a:r>
+            <a:r>
+              <a:rPr lang="nl-BE" baseline="0" dirty="0" err="1" smtClean="0"/>
+              <a:t>properties</a:t>
+            </a:r>
+            <a:r>
+              <a:rPr lang="nl-BE" baseline="0" dirty="0" smtClean="0"/>
+              <a:t> volgens querystring </a:t>
+            </a:r>
+            <a:r>
+              <a:rPr lang="nl-BE" baseline="0" dirty="0" err="1" smtClean="0"/>
+              <a:t>keys</a:t>
+            </a:r>
+            <a:endParaRPr lang="nl-BE" baseline="0" dirty="0" smtClean="0"/>
+          </a:p>
+          <a:p>
+            <a:r>
+              <a:rPr lang="nl-BE" baseline="0" dirty="0" smtClean="0"/>
+              <a:t>	</a:t>
+            </a:r>
+            <a:r>
+              <a:rPr lang="nl-BE" baseline="0" dirty="0" err="1" smtClean="0"/>
+              <a:t>splat</a:t>
+            </a:r>
+            <a:r>
+              <a:rPr lang="nl-BE" baseline="0" dirty="0" smtClean="0"/>
+              <a:t> route: </a:t>
+            </a:r>
+            <a:r>
+              <a:rPr lang="nl-BE" baseline="0" dirty="0" err="1" smtClean="0"/>
+              <a:t>myRoute</a:t>
+            </a:r>
+            <a:r>
+              <a:rPr lang="nl-BE" baseline="0" dirty="0" smtClean="0"/>
+              <a:t>*details</a:t>
+            </a:r>
+          </a:p>
+          <a:p>
+            <a:r>
+              <a:rPr lang="nl-BE" baseline="0" dirty="0" smtClean="0"/>
+              <a:t>	</a:t>
             </a:r>
             <a:endParaRPr lang="nl-BE" dirty="0" smtClean="0"/>
           </a:p>
           <a:p>
             <a:r>
               <a:rPr lang="nl-BE" dirty="0" err="1" smtClean="0"/>
-              <a:t>observable</a:t>
-            </a:r>
-            <a:r>
-              <a:rPr lang="nl-BE" dirty="0" smtClean="0"/>
-              <a:t>: om tegen</a:t>
-            </a:r>
-            <a:r>
-              <a:rPr lang="nl-BE" baseline="0" dirty="0" smtClean="0"/>
-              <a:t> gewone JS objecten te </a:t>
+              <a:t>buildNavigationModel</a:t>
+            </a:r>
+            <a:r>
+              <a:rPr lang="nl-BE" dirty="0" smtClean="0"/>
+              <a:t>: alle routes met </a:t>
+            </a:r>
+            <a:r>
+              <a:rPr lang="nl-BE" dirty="0" err="1" smtClean="0"/>
+              <a:t>nav</a:t>
+            </a:r>
+            <a:r>
+              <a:rPr lang="nl-BE" dirty="0" smtClean="0"/>
+              <a:t>: </a:t>
+            </a:r>
+            <a:r>
+              <a:rPr lang="nl-BE" dirty="0" err="1" smtClean="0"/>
+              <a:t>true</a:t>
+            </a:r>
+            <a:r>
+              <a:rPr lang="nl-BE" dirty="0" smtClean="0"/>
+              <a:t> worden in de array </a:t>
+            </a:r>
+            <a:r>
+              <a:rPr lang="nl-BE" dirty="0" err="1" smtClean="0"/>
+              <a:t>router.navigationModel</a:t>
+            </a:r>
+            <a:r>
+              <a:rPr lang="nl-BE" dirty="0" smtClean="0"/>
+              <a:t> gegoten om te kunnen binden in navigatie</a:t>
+            </a:r>
+            <a:r>
+              <a:rPr lang="nl-BE" baseline="0" dirty="0" smtClean="0"/>
+              <a:t> (zie shell.html)</a:t>
+            </a:r>
+          </a:p>
+          <a:p>
+            <a:endParaRPr lang="nl-BE" baseline="0" dirty="0" smtClean="0"/>
+          </a:p>
+          <a:p>
+            <a:r>
+              <a:rPr lang="nl-BE" baseline="0" dirty="0" smtClean="0"/>
+              <a:t>Router gebruiken:</a:t>
+            </a:r>
+          </a:p>
+          <a:p>
+            <a:r>
+              <a:rPr lang="nl-BE" baseline="0" dirty="0" smtClean="0"/>
+              <a:t>	indien &lt;a&gt;: </a:t>
             </a:r>
             <a:r>
               <a:rPr lang="nl-BE" baseline="0" dirty="0" err="1" smtClean="0"/>
-              <a:t>databinden</a:t>
-            </a:r>
-            <a:r>
-              <a:rPr lang="nl-BE" baseline="0" dirty="0" smtClean="0"/>
-              <a:t>, niet via </a:t>
+              <a:t>hash</a:t>
+            </a:r>
+            <a:r>
+              <a:rPr lang="nl-BE" baseline="0" dirty="0" smtClean="0"/>
+              <a:t> gebruiken (zie beers.html en </a:t>
             </a:r>
             <a:r>
               <a:rPr lang="nl-BE" baseline="0" dirty="0" err="1" smtClean="0"/>
-              <a:t>Knockout</a:t>
-            </a:r>
-            <a:r>
-              <a:rPr lang="nl-BE" baseline="0" dirty="0" smtClean="0"/>
-              <a:t>. Werkt enkel met browsers die ES5 ondersteunen (</a:t>
+              <a:t>add</a:t>
+            </a:r>
+            <a:r>
+              <a:rPr lang="nl-BE" baseline="0" dirty="0" smtClean="0"/>
+              <a:t> link)</a:t>
+            </a:r>
+          </a:p>
+          <a:p>
+            <a:r>
+              <a:rPr lang="nl-BE" baseline="0" dirty="0" smtClean="0"/>
+              <a:t>	vanuit JS: </a:t>
             </a:r>
             <a:r>
               <a:rPr lang="nl-BE" baseline="0" dirty="0" err="1" smtClean="0"/>
-              <a:t>defineProperty</a:t>
-            </a:r>
-            <a:r>
-              <a:rPr lang="nl-BE" baseline="0" dirty="0" smtClean="0"/>
-              <a:t>). Deze </a:t>
+              <a:t>router.navigate</a:t>
+            </a:r>
+            <a:r>
+              <a:rPr lang="nl-BE" baseline="0" dirty="0" smtClean="0"/>
+              <a:t>(‘#</a:t>
             </a:r>
             <a:r>
               <a:rPr lang="nl-BE" baseline="0" dirty="0" err="1" smtClean="0"/>
-              <a:t>plugin</a:t>
-            </a:r>
-            <a:r>
-              <a:rPr lang="nl-BE" baseline="0" dirty="0" smtClean="0"/>
-              <a:t> kan ook met </a:t>
+              <a:t>hash</a:t>
+            </a:r>
+            <a:r>
+              <a:rPr lang="nl-BE" baseline="0" dirty="0" smtClean="0"/>
+              <a:t>’); (zie add.js)</a:t>
+            </a:r>
+          </a:p>
+          <a:p>
+            <a:endParaRPr lang="nl-BE" baseline="0" dirty="0" smtClean="0"/>
+          </a:p>
+          <a:p>
+            <a:r>
+              <a:rPr lang="nl-BE" baseline="0" dirty="0" smtClean="0"/>
+              <a:t>Router kan nog meer:</a:t>
+            </a:r>
+          </a:p>
+          <a:p>
+            <a:r>
+              <a:rPr lang="nl-BE" baseline="0" dirty="0" smtClean="0"/>
+              <a:t>	</a:t>
             </a:r>
             <a:r>
               <a:rPr lang="nl-BE" baseline="0" dirty="0" err="1" smtClean="0"/>
-              <a:t>promises</a:t>
-            </a:r>
-            <a:r>
-              <a:rPr lang="nl-BE" baseline="0" dirty="0" smtClean="0"/>
-              <a:t> overweg.</a:t>
+              <a:t>history</a:t>
+            </a:r>
+            <a:r>
+              <a:rPr lang="nl-BE" baseline="0" dirty="0" smtClean="0"/>
+              <a:t> veranderen</a:t>
+            </a:r>
+          </a:p>
+          <a:p>
+            <a:r>
+              <a:rPr lang="nl-BE" baseline="0" dirty="0" smtClean="0"/>
+              <a:t>	</a:t>
+            </a:r>
+            <a:r>
+              <a:rPr lang="nl-BE" baseline="0" dirty="0" err="1" smtClean="0"/>
+              <a:t>router.navigateBack</a:t>
+            </a:r>
+            <a:r>
+              <a:rPr lang="nl-BE" baseline="0" dirty="0" smtClean="0"/>
+              <a:t>() om terug te gaan</a:t>
+            </a:r>
+          </a:p>
+          <a:p>
+            <a:r>
+              <a:rPr lang="nl-BE" baseline="0" dirty="0" smtClean="0"/>
+              <a:t>	routes die niet </a:t>
+            </a:r>
+            <a:r>
+              <a:rPr lang="nl-BE" baseline="0" dirty="0" err="1" smtClean="0"/>
+              <a:t>gematcht</a:t>
+            </a:r>
+            <a:r>
+              <a:rPr lang="nl-BE" baseline="0" dirty="0" smtClean="0"/>
+              <a:t> kunnen worden (zie shell.js)</a:t>
+            </a:r>
+          </a:p>
+          <a:p>
+            <a:r>
+              <a:rPr lang="nl-BE" baseline="0" dirty="0" smtClean="0"/>
+              <a:t>	</a:t>
+            </a:r>
+            <a:r>
+              <a:rPr lang="nl-BE" baseline="0" dirty="0" err="1" smtClean="0"/>
+              <a:t>child</a:t>
+            </a:r>
+            <a:r>
+              <a:rPr lang="nl-BE" baseline="0" dirty="0" smtClean="0"/>
+              <a:t> routers</a:t>
             </a:r>
             <a:endParaRPr lang="en-US" dirty="0"/>
           </a:p>
@@ -3614,7 +3549,7 @@
     </p:spTree>
     <p:extLst>
       <p:ext uri="{BB962C8B-B14F-4D97-AF65-F5344CB8AC3E}">
-        <p14:creationId xmlns:p14="http://schemas.microsoft.com/office/powerpoint/2010/main" val="2081039205"/>
+        <p14:creationId xmlns:p14="http://schemas.microsoft.com/office/powerpoint/2010/main" val="3530374302"/>
       </p:ext>
     </p:extLst>
   </p:cSld>
@@ -3670,46 +3605,58 @@
           <a:p>
             <a:r>
               <a:rPr lang="nl-BE" dirty="0" smtClean="0"/>
-              <a:t>SEO: komt er op neer dat je aan de serverkant een </a:t>
-            </a:r>
-            <a:r>
-              <a:rPr lang="nl-BE" dirty="0" err="1" smtClean="0"/>
-              <a:t>headless</a:t>
-            </a:r>
-            <a:r>
-              <a:rPr lang="nl-BE" dirty="0" smtClean="0"/>
-              <a:t> browser gebruikt</a:t>
-            </a:r>
-            <a:r>
-              <a:rPr lang="nl-BE" baseline="0" dirty="0" smtClean="0"/>
-              <a:t> (bv </a:t>
+              <a:t>http</a:t>
+            </a:r>
+            <a:r>
+              <a:rPr lang="nl-BE" baseline="0" dirty="0" smtClean="0"/>
+              <a:t> en </a:t>
             </a:r>
             <a:r>
               <a:rPr lang="nl-BE" baseline="0" dirty="0" err="1" smtClean="0"/>
-              <a:t>PhantomJS</a:t>
-            </a:r>
-            <a:r>
-              <a:rPr lang="nl-BE" baseline="0" dirty="0" smtClean="0"/>
-              <a:t>) om HTML snapshots te genereren voor Google</a:t>
-            </a:r>
-          </a:p>
-          <a:p>
-            <a:r>
-              <a:rPr lang="nl-BE" baseline="0" dirty="0" smtClean="0"/>
-              <a:t>Node-Webkit: om native desktop applicaties te </a:t>
-            </a:r>
-            <a:r>
-              <a:rPr lang="nl-BE" baseline="0" dirty="0" smtClean="0"/>
-              <a:t>maken</a:t>
-            </a:r>
-          </a:p>
-          <a:p>
-            <a:endParaRPr lang="nl-BE" baseline="0" dirty="0" smtClean="0"/>
-          </a:p>
-          <a:p>
-            <a:r>
-              <a:rPr lang="nl-BE" baseline="0" dirty="0" smtClean="0"/>
-              <a:t>Ook </a:t>
+              <a:t>serializer</a:t>
+            </a:r>
+            <a:r>
+              <a:rPr lang="nl-BE" baseline="0" dirty="0" smtClean="0"/>
+              <a:t> zijn om met data van de backend te werken. J</a:t>
+            </a:r>
+            <a:r>
+              <a:rPr lang="nl-BE" dirty="0" smtClean="0"/>
+              <a:t>e kan uiteraard ook andere </a:t>
+            </a:r>
+            <a:r>
+              <a:rPr lang="nl-BE" dirty="0" err="1" smtClean="0"/>
+              <a:t>libraries</a:t>
+            </a:r>
+            <a:r>
+              <a:rPr lang="nl-BE" dirty="0" smtClean="0"/>
+              <a:t> gebruiken, bv </a:t>
+            </a:r>
+            <a:r>
+              <a:rPr lang="nl-BE" dirty="0" err="1" smtClean="0"/>
+              <a:t>jQuery</a:t>
+            </a:r>
+            <a:endParaRPr lang="nl-BE" dirty="0" smtClean="0"/>
+          </a:p>
+          <a:p>
+            <a:r>
+              <a:rPr lang="nl-BE" dirty="0" err="1" smtClean="0"/>
+              <a:t>observable</a:t>
+            </a:r>
+            <a:r>
+              <a:rPr lang="nl-BE" dirty="0" smtClean="0"/>
+              <a:t>: om tegen</a:t>
+            </a:r>
+            <a:r>
+              <a:rPr lang="nl-BE" baseline="0" dirty="0" smtClean="0"/>
+              <a:t> gewone JS objecten te </a:t>
+            </a:r>
+            <a:r>
+              <a:rPr lang="nl-BE" baseline="0" dirty="0" err="1" smtClean="0"/>
+              <a:t>databinden</a:t>
+            </a:r>
+            <a:r>
+              <a:rPr lang="nl-BE" baseline="0" dirty="0" smtClean="0"/>
+              <a:t>, niet via </a:t>
             </a:r>
             <a:r>
               <a:rPr lang="nl-BE" baseline="0" dirty="0" err="1" smtClean="0"/>
@@ -3717,47 +3664,31 @@
             </a:r>
             <a:r>
               <a:rPr lang="nl-BE" baseline="0" dirty="0" smtClean="0"/>
-              <a:t> is heel </a:t>
+              <a:t>. Werkt enkel met browsers die ES5 ondersteunen (</a:t>
             </a:r>
             <a:r>
               <a:rPr lang="nl-BE" baseline="0" dirty="0" err="1" smtClean="0"/>
-              <a:t>customizable</a:t>
-            </a:r>
-            <a:r>
-              <a:rPr lang="nl-BE" baseline="0" dirty="0" smtClean="0"/>
-              <a:t> met </a:t>
+              <a:t>defineProperty</a:t>
+            </a:r>
+            <a:r>
+              <a:rPr lang="nl-BE" baseline="0" dirty="0" smtClean="0"/>
+              <a:t>). Deze </a:t>
             </a:r>
             <a:r>
               <a:rPr lang="nl-BE" baseline="0" dirty="0" err="1" smtClean="0"/>
-              <a:t>extenders</a:t>
-            </a:r>
-            <a:r>
-              <a:rPr lang="nl-BE" baseline="0" dirty="0" smtClean="0"/>
-              <a:t>, </a:t>
+              <a:t>plugin</a:t>
+            </a:r>
+            <a:r>
+              <a:rPr lang="nl-BE" baseline="0" dirty="0" smtClean="0"/>
+              <a:t> kan ook met </a:t>
             </a:r>
             <a:r>
               <a:rPr lang="nl-BE" baseline="0" dirty="0" err="1" smtClean="0"/>
-              <a:t>writeable</a:t>
-            </a:r>
-            <a:r>
-              <a:rPr lang="nl-BE" baseline="0" dirty="0" smtClean="0"/>
-              <a:t> </a:t>
-            </a:r>
-            <a:r>
-              <a:rPr lang="nl-BE" baseline="0" dirty="0" err="1" smtClean="0"/>
-              <a:t>computed</a:t>
-            </a:r>
-            <a:r>
-              <a:rPr lang="nl-BE" baseline="0" dirty="0" smtClean="0"/>
-              <a:t> </a:t>
-            </a:r>
-            <a:r>
-              <a:rPr lang="nl-BE" baseline="0" dirty="0" err="1" smtClean="0"/>
-              <a:t>observables</a:t>
-            </a:r>
-            <a:r>
-              <a:rPr lang="nl-BE" baseline="0" dirty="0" smtClean="0"/>
-              <a:t>, …</a:t>
+              <a:t>promises</a:t>
+            </a:r>
+            <a:r>
+              <a:rPr lang="nl-BE" baseline="0" dirty="0" smtClean="0"/>
+              <a:t> overweg.</a:t>
             </a:r>
             <a:endParaRPr lang="en-US" dirty="0"/>
           </a:p>
@@ -3780,7 +3711,7 @@
           <a:p>
             <a:fld id="{0DF56419-AC34-45D0-BAB8-5A4CB1E563BF}" type="slidenum">
               <a:rPr lang="en-US" smtClean="0"/>
-              <a:t>39</a:t>
+              <a:t>37</a:t>
             </a:fld>
             <a:endParaRPr lang="en-US"/>
           </a:p>
@@ -3789,7 +3720,7 @@
     </p:spTree>
     <p:extLst>
       <p:ext uri="{BB962C8B-B14F-4D97-AF65-F5344CB8AC3E}">
-        <p14:creationId xmlns:p14="http://schemas.microsoft.com/office/powerpoint/2010/main" val="4037003911"/>
+        <p14:creationId xmlns:p14="http://schemas.microsoft.com/office/powerpoint/2010/main" val="2081039205"/>
       </p:ext>
     </p:extLst>
   </p:cSld>
@@ -3845,6 +3776,177 @@
           <a:p>
             <a:r>
               <a:rPr lang="nl-BE" dirty="0" smtClean="0"/>
+              <a:t>SEO: komt er op neer dat je aan de serverkant een </a:t>
+            </a:r>
+            <a:r>
+              <a:rPr lang="nl-BE" dirty="0" err="1" smtClean="0"/>
+              <a:t>headless</a:t>
+            </a:r>
+            <a:r>
+              <a:rPr lang="nl-BE" dirty="0" smtClean="0"/>
+              <a:t> browser gebruikt</a:t>
+            </a:r>
+            <a:r>
+              <a:rPr lang="nl-BE" baseline="0" dirty="0" smtClean="0"/>
+              <a:t> (bv </a:t>
+            </a:r>
+            <a:r>
+              <a:rPr lang="nl-BE" baseline="0" dirty="0" err="1" smtClean="0"/>
+              <a:t>PhantomJS</a:t>
+            </a:r>
+            <a:r>
+              <a:rPr lang="nl-BE" baseline="0" dirty="0" smtClean="0"/>
+              <a:t>) om HTML snapshots te genereren voor Google</a:t>
+            </a:r>
+          </a:p>
+          <a:p>
+            <a:r>
+              <a:rPr lang="nl-BE" baseline="0" dirty="0" smtClean="0"/>
+              <a:t>Node-Webkit: om native desktop applicaties te maken</a:t>
+            </a:r>
+          </a:p>
+          <a:p>
+            <a:endParaRPr lang="nl-BE" baseline="0" dirty="0" smtClean="0"/>
+          </a:p>
+          <a:p>
+            <a:r>
+              <a:rPr lang="nl-BE" baseline="0" dirty="0" smtClean="0"/>
+              <a:t>Ook </a:t>
+            </a:r>
+            <a:r>
+              <a:rPr lang="nl-BE" baseline="0" dirty="0" err="1" smtClean="0"/>
+              <a:t>Knockout</a:t>
+            </a:r>
+            <a:r>
+              <a:rPr lang="nl-BE" baseline="0" dirty="0" smtClean="0"/>
+              <a:t> is heel </a:t>
+            </a:r>
+            <a:r>
+              <a:rPr lang="nl-BE" baseline="0" dirty="0" err="1" smtClean="0"/>
+              <a:t>customizable</a:t>
+            </a:r>
+            <a:r>
+              <a:rPr lang="nl-BE" baseline="0" dirty="0" smtClean="0"/>
+              <a:t> met </a:t>
+            </a:r>
+            <a:r>
+              <a:rPr lang="nl-BE" baseline="0" dirty="0" err="1" smtClean="0"/>
+              <a:t>extenders</a:t>
+            </a:r>
+            <a:r>
+              <a:rPr lang="nl-BE" baseline="0" dirty="0" smtClean="0"/>
+              <a:t>, </a:t>
+            </a:r>
+            <a:r>
+              <a:rPr lang="nl-BE" baseline="0" dirty="0" err="1" smtClean="0"/>
+              <a:t>writeable</a:t>
+            </a:r>
+            <a:r>
+              <a:rPr lang="nl-BE" baseline="0" dirty="0" smtClean="0"/>
+              <a:t> </a:t>
+            </a:r>
+            <a:r>
+              <a:rPr lang="nl-BE" baseline="0" dirty="0" err="1" smtClean="0"/>
+              <a:t>computed</a:t>
+            </a:r>
+            <a:r>
+              <a:rPr lang="nl-BE" baseline="0" dirty="0" smtClean="0"/>
+              <a:t> </a:t>
+            </a:r>
+            <a:r>
+              <a:rPr lang="nl-BE" baseline="0" dirty="0" err="1" smtClean="0"/>
+              <a:t>observables</a:t>
+            </a:r>
+            <a:r>
+              <a:rPr lang="nl-BE" baseline="0" dirty="0" smtClean="0"/>
+              <a:t>, …</a:t>
+            </a:r>
+            <a:endParaRPr lang="en-US" dirty="0"/>
+          </a:p>
+        </p:txBody>
+      </p:sp>
+      <p:sp>
+        <p:nvSpPr>
+          <p:cNvPr id="4" name="Slide Number Placeholder 3"/>
+          <p:cNvSpPr>
+            <a:spLocks noGrp="1"/>
+          </p:cNvSpPr>
+          <p:nvPr>
+            <p:ph type="sldNum" sz="quarter" idx="10"/>
+          </p:nvPr>
+        </p:nvSpPr>
+        <p:spPr/>
+        <p:txBody>
+          <a:bodyPr/>
+          <a:lstStyle/>
+          <a:p>
+            <a:fld id="{0DF56419-AC34-45D0-BAB8-5A4CB1E563BF}" type="slidenum">
+              <a:rPr lang="en-US" smtClean="0"/>
+              <a:t>40</a:t>
+            </a:fld>
+            <a:endParaRPr lang="en-US"/>
+          </a:p>
+        </p:txBody>
+      </p:sp>
+    </p:spTree>
+    <p:extLst>
+      <p:ext uri="{BB962C8B-B14F-4D97-AF65-F5344CB8AC3E}">
+        <p14:creationId xmlns:p14="http://schemas.microsoft.com/office/powerpoint/2010/main" val="4037003911"/>
+      </p:ext>
+    </p:extLst>
+  </p:cSld>
+  <p:clrMapOvr>
+    <a:masterClrMapping/>
+  </p:clrMapOvr>
+</p:notes>
+</file>
+
+<file path=ppt/notesSlides/notesSlide28.xml><?xml version="1.0" encoding="utf-8"?>
+<p:notes xmlns:a="http://schemas.openxmlformats.org/drawingml/2006/main" xmlns:r="http://schemas.openxmlformats.org/officeDocument/2006/relationships" xmlns:p="http://schemas.openxmlformats.org/presentationml/2006/main">
+  <p:cSld>
+    <p:spTree>
+      <p:nvGrpSpPr>
+        <p:cNvPr id="1" name=""/>
+        <p:cNvGrpSpPr/>
+        <p:nvPr/>
+      </p:nvGrpSpPr>
+      <p:grpSpPr>
+        <a:xfrm>
+          <a:off x="0" y="0"/>
+          <a:ext cx="0" cy="0"/>
+          <a:chOff x="0" y="0"/>
+          <a:chExt cx="0" cy="0"/>
+        </a:xfrm>
+      </p:grpSpPr>
+      <p:sp>
+        <p:nvSpPr>
+          <p:cNvPr id="2" name="Slide Image Placeholder 1"/>
+          <p:cNvSpPr>
+            <a:spLocks noGrp="1" noRot="1" noChangeAspect="1"/>
+          </p:cNvSpPr>
+          <p:nvPr>
+            <p:ph type="sldImg"/>
+          </p:nvPr>
+        </p:nvSpPr>
+        <p:spPr/>
+      </p:sp>
+      <p:sp>
+        <p:nvSpPr>
+          <p:cNvPr id="3" name="Notes Placeholder 2"/>
+          <p:cNvSpPr>
+            <a:spLocks noGrp="1"/>
+          </p:cNvSpPr>
+          <p:nvPr>
+            <p:ph type="body" idx="1"/>
+          </p:nvPr>
+        </p:nvSpPr>
+        <p:spPr/>
+        <p:txBody>
+          <a:bodyPr/>
+          <a:lstStyle/>
+          <a:p>
+            <a:r>
+              <a:rPr lang="nl-BE" dirty="0" smtClean="0"/>
               <a:t>Allemaal hebben ze heel goed en </a:t>
             </a:r>
             <a:r>
@@ -3872,7 +3974,7 @@
           <a:p>
             <a:fld id="{0DF56419-AC34-45D0-BAB8-5A4CB1E563BF}" type="slidenum">
               <a:rPr lang="en-US" smtClean="0"/>
-              <a:t>40</a:t>
+              <a:t>41</a:t>
             </a:fld>
             <a:endParaRPr lang="en-US"/>
           </a:p>
@@ -3937,88 +4039,33 @@
           <a:p>
             <a:r>
               <a:rPr lang="nl-BE" dirty="0" smtClean="0"/>
-              <a:t>Toon </a:t>
-            </a:r>
-            <a:r>
-              <a:rPr lang="nl-BE" dirty="0" err="1" smtClean="0"/>
-              <a:t>RequireJS</a:t>
-            </a:r>
-            <a:r>
-              <a:rPr lang="nl-BE" dirty="0" smtClean="0"/>
-              <a:t> configuratie in main.js</a:t>
-            </a:r>
-          </a:p>
-          <a:p>
-            <a:r>
-              <a:rPr lang="nl-BE" dirty="0" err="1" smtClean="0"/>
-              <a:t>Shim</a:t>
-            </a:r>
-            <a:r>
-              <a:rPr lang="nl-BE" baseline="0" dirty="0" smtClean="0"/>
-              <a:t> is voor javascript </a:t>
+              <a:t>Maar</a:t>
+            </a:r>
+            <a:r>
+              <a:rPr lang="nl-BE" baseline="0" dirty="0" smtClean="0"/>
+              <a:t> net zoals service </a:t>
             </a:r>
             <a:r>
               <a:rPr lang="nl-BE" baseline="0" dirty="0" err="1" smtClean="0"/>
-              <a:t>libraries</a:t>
-            </a:r>
-            <a:r>
-              <a:rPr lang="nl-BE" baseline="0" dirty="0" smtClean="0"/>
-              <a:t> die niet volgens AMD gedefinieerd zijn.</a:t>
-            </a:r>
-          </a:p>
-          <a:p>
-            <a:r>
-              <a:rPr lang="nl-BE" baseline="0" dirty="0" smtClean="0"/>
-              <a:t>	</a:t>
+              <a:t>locator</a:t>
+            </a:r>
+            <a:r>
+              <a:rPr lang="nl-BE" baseline="0" dirty="0" smtClean="0"/>
+              <a:t> is het beter om de array in je </a:t>
             </a:r>
             <a:r>
               <a:rPr lang="nl-BE" baseline="0" dirty="0" err="1" smtClean="0"/>
-              <a:t>deps</a:t>
-            </a:r>
-            <a:r>
-              <a:rPr lang="nl-BE" baseline="0" dirty="0" smtClean="0"/>
-              <a:t>: </a:t>
-            </a:r>
-            <a:r>
-              <a:rPr lang="nl-BE" baseline="0" dirty="0" err="1" smtClean="0"/>
-              <a:t>dependencies</a:t>
-            </a:r>
-            <a:r>
-              <a:rPr lang="nl-BE" baseline="0" dirty="0" smtClean="0"/>
-              <a:t> van deze </a:t>
-            </a:r>
-            <a:r>
-              <a:rPr lang="nl-BE" baseline="0" dirty="0" err="1" smtClean="0"/>
-              <a:t>library</a:t>
-            </a:r>
-            <a:endParaRPr lang="nl-BE" baseline="0" dirty="0" smtClean="0"/>
-          </a:p>
-          <a:p>
-            <a:r>
-              <a:rPr lang="nl-BE" baseline="0" dirty="0" smtClean="0"/>
-              <a:t>	exports: de …</a:t>
-            </a:r>
-          </a:p>
-          <a:p>
-            <a:r>
-              <a:rPr lang="nl-BE" baseline="0" dirty="0" smtClean="0"/>
-              <a:t>Componenten in </a:t>
-            </a:r>
-            <a:r>
-              <a:rPr lang="nl-BE" baseline="0" dirty="0" err="1" smtClean="0"/>
-              <a:t>shim</a:t>
-            </a:r>
-            <a:r>
-              <a:rPr lang="nl-BE" baseline="0" dirty="0" smtClean="0"/>
-              <a:t> moeten nog altijd in </a:t>
-            </a:r>
-            <a:r>
-              <a:rPr lang="nl-BE" baseline="0" dirty="0" err="1" smtClean="0"/>
-              <a:t>paths</a:t>
-            </a:r>
-            <a:r>
-              <a:rPr lang="nl-BE" baseline="0" dirty="0" smtClean="0"/>
-              <a:t> staan!</a:t>
+              <a:t>define</a:t>
+            </a:r>
+            <a:r>
+              <a:rPr lang="nl-BE" baseline="0" dirty="0" smtClean="0"/>
+              <a:t>() call te gebruiken.</a:t>
+            </a:r>
+          </a:p>
+          <a:p>
+            <a:r>
+              <a:rPr lang="nl-BE" baseline="0" dirty="0" smtClean="0"/>
+              <a:t>Toon in add.js en vervang router door bovenstaande code (zie codeblocks.txt)</a:t>
             </a:r>
             <a:endParaRPr lang="en-US" dirty="0"/>
           </a:p>
@@ -4050,7 +4097,7 @@
     </p:spTree>
     <p:extLst>
       <p:ext uri="{BB962C8B-B14F-4D97-AF65-F5344CB8AC3E}">
-        <p14:creationId xmlns:p14="http://schemas.microsoft.com/office/powerpoint/2010/main" val="3235615134"/>
+        <p14:creationId xmlns:p14="http://schemas.microsoft.com/office/powerpoint/2010/main" val="4167548361"/>
       </p:ext>
     </p:extLst>
   </p:cSld>
@@ -4106,7 +4153,88 @@
           <a:p>
             <a:r>
               <a:rPr lang="nl-BE" dirty="0" smtClean="0"/>
-              <a:t>MVVM uitleggen</a:t>
+              <a:t>Toon </a:t>
+            </a:r>
+            <a:r>
+              <a:rPr lang="nl-BE" dirty="0" err="1" smtClean="0"/>
+              <a:t>RequireJS</a:t>
+            </a:r>
+            <a:r>
+              <a:rPr lang="nl-BE" dirty="0" smtClean="0"/>
+              <a:t> configuratie in main.js</a:t>
+            </a:r>
+          </a:p>
+          <a:p>
+            <a:r>
+              <a:rPr lang="nl-BE" dirty="0" err="1" smtClean="0"/>
+              <a:t>Shim</a:t>
+            </a:r>
+            <a:r>
+              <a:rPr lang="nl-BE" baseline="0" dirty="0" smtClean="0"/>
+              <a:t> is voor javascript </a:t>
+            </a:r>
+            <a:r>
+              <a:rPr lang="nl-BE" baseline="0" dirty="0" err="1" smtClean="0"/>
+              <a:t>libraries</a:t>
+            </a:r>
+            <a:r>
+              <a:rPr lang="nl-BE" baseline="0" dirty="0" smtClean="0"/>
+              <a:t> die niet volgens AMD gedefinieerd zijn.</a:t>
+            </a:r>
+          </a:p>
+          <a:p>
+            <a:r>
+              <a:rPr lang="nl-BE" baseline="0" dirty="0" smtClean="0"/>
+              <a:t>	</a:t>
+            </a:r>
+            <a:r>
+              <a:rPr lang="nl-BE" baseline="0" dirty="0" err="1" smtClean="0"/>
+              <a:t>deps</a:t>
+            </a:r>
+            <a:r>
+              <a:rPr lang="nl-BE" baseline="0" dirty="0" smtClean="0"/>
+              <a:t>: </a:t>
+            </a:r>
+            <a:r>
+              <a:rPr lang="nl-BE" baseline="0" dirty="0" err="1" smtClean="0"/>
+              <a:t>dependencies</a:t>
+            </a:r>
+            <a:r>
+              <a:rPr lang="nl-BE" baseline="0" dirty="0" smtClean="0"/>
+              <a:t> van deze </a:t>
+            </a:r>
+            <a:r>
+              <a:rPr lang="nl-BE" baseline="0" dirty="0" err="1" smtClean="0"/>
+              <a:t>library</a:t>
+            </a:r>
+            <a:endParaRPr lang="nl-BE" baseline="0" dirty="0" smtClean="0"/>
+          </a:p>
+          <a:p>
+            <a:r>
+              <a:rPr lang="nl-BE" baseline="0" dirty="0" smtClean="0"/>
+              <a:t>	exports: de …</a:t>
+            </a:r>
+          </a:p>
+          <a:p>
+            <a:r>
+              <a:rPr lang="nl-BE" baseline="0" dirty="0" smtClean="0"/>
+              <a:t>Componenten in </a:t>
+            </a:r>
+            <a:r>
+              <a:rPr lang="nl-BE" baseline="0" dirty="0" err="1" smtClean="0"/>
+              <a:t>shim</a:t>
+            </a:r>
+            <a:r>
+              <a:rPr lang="nl-BE" baseline="0" dirty="0" smtClean="0"/>
+              <a:t> moeten nog altijd in </a:t>
+            </a:r>
+            <a:r>
+              <a:rPr lang="nl-BE" baseline="0" dirty="0" err="1" smtClean="0"/>
+              <a:t>paths</a:t>
+            </a:r>
+            <a:r>
+              <a:rPr lang="nl-BE" baseline="0" dirty="0" smtClean="0"/>
+              <a:t> staan!</a:t>
             </a:r>
             <a:endParaRPr lang="en-US" dirty="0"/>
           </a:p>
@@ -4129,7 +4257,7 @@
           <a:p>
             <a:fld id="{0DF56419-AC34-45D0-BAB8-5A4CB1E563BF}" type="slidenum">
               <a:rPr lang="en-US" smtClean="0"/>
-              <a:t>12</a:t>
+              <a:t>11</a:t>
             </a:fld>
             <a:endParaRPr lang="en-US"/>
           </a:p>
@@ -4138,7 +4266,7 @@
     </p:spTree>
     <p:extLst>
       <p:ext uri="{BB962C8B-B14F-4D97-AF65-F5344CB8AC3E}">
-        <p14:creationId xmlns:p14="http://schemas.microsoft.com/office/powerpoint/2010/main" val="961158966"/>
+        <p14:creationId xmlns:p14="http://schemas.microsoft.com/office/powerpoint/2010/main" val="3235615134"/>
       </p:ext>
     </p:extLst>
   </p:cSld>
@@ -4194,27 +4322,7 @@
           <a:p>
             <a:r>
               <a:rPr lang="nl-BE" dirty="0" smtClean="0"/>
-              <a:t>Het is dus mogelijk te</a:t>
-            </a:r>
-            <a:r>
-              <a:rPr lang="nl-BE" baseline="0" dirty="0" smtClean="0"/>
-              <a:t> </a:t>
-            </a:r>
-            <a:r>
-              <a:rPr lang="nl-BE" baseline="0" dirty="0" err="1" smtClean="0"/>
-              <a:t>databinden</a:t>
-            </a:r>
-            <a:r>
-              <a:rPr lang="nl-BE" baseline="0" dirty="0" smtClean="0"/>
-              <a:t> op eenvoudige JS objecten (zonder </a:t>
-            </a:r>
-            <a:r>
-              <a:rPr lang="nl-BE" baseline="0" dirty="0" err="1" smtClean="0"/>
-              <a:t>observables</a:t>
-            </a:r>
-            <a:r>
-              <a:rPr lang="nl-BE" baseline="0" dirty="0" smtClean="0"/>
-              <a:t>). Updates zullen echter niet zichtbaar worden in de DOM en DOM updates zullen niet zichtbaar worden in je viewmodel</a:t>
+              <a:t>MVVM uitleggen</a:t>
             </a:r>
             <a:endParaRPr lang="en-US" dirty="0"/>
           </a:p>
@@ -4237,7 +4345,7 @@
           <a:p>
             <a:fld id="{0DF56419-AC34-45D0-BAB8-5A4CB1E563BF}" type="slidenum">
               <a:rPr lang="en-US" smtClean="0"/>
-              <a:t>14</a:t>
+              <a:t>13</a:t>
             </a:fld>
             <a:endParaRPr lang="en-US"/>
           </a:p>
@@ -4246,7 +4354,7 @@
     </p:spTree>
     <p:extLst>
       <p:ext uri="{BB962C8B-B14F-4D97-AF65-F5344CB8AC3E}">
-        <p14:creationId xmlns:p14="http://schemas.microsoft.com/office/powerpoint/2010/main" val="3591909888"/>
+        <p14:creationId xmlns:p14="http://schemas.microsoft.com/office/powerpoint/2010/main" val="961158966"/>
       </p:ext>
     </p:extLst>
   </p:cSld>
@@ -4302,37 +4410,27 @@
           <a:p>
             <a:r>
               <a:rPr lang="nl-BE" dirty="0" smtClean="0"/>
-              <a:t>Tweede laat toe om meerdere </a:t>
-            </a:r>
-            <a:r>
-              <a:rPr lang="nl-BE" dirty="0" err="1" smtClean="0"/>
-              <a:t>viewmodels</a:t>
-            </a:r>
-            <a:r>
-              <a:rPr lang="nl-BE" dirty="0" smtClean="0"/>
-              <a:t> aan verschillende elementen te binden</a:t>
-            </a:r>
-          </a:p>
-          <a:p>
-            <a:r>
-              <a:rPr lang="nl-BE" dirty="0" err="1" smtClean="0"/>
-              <a:t>Durandal</a:t>
-            </a:r>
-            <a:r>
-              <a:rPr lang="nl-BE" dirty="0" smtClean="0"/>
-              <a:t> zal </a:t>
-            </a:r>
-            <a:r>
-              <a:rPr lang="nl-BE" dirty="0" err="1" smtClean="0"/>
-              <a:t>applyBindings</a:t>
-            </a:r>
-            <a:r>
-              <a:rPr lang="nl-BE" dirty="0" smtClean="0"/>
-              <a:t> voor</a:t>
-            </a:r>
-            <a:r>
-              <a:rPr lang="nl-BE" baseline="0" dirty="0" smtClean="0"/>
-              <a:t> jou doen (als je de conventies volgt)</a:t>
+              <a:t>Het is dus mogelijk te</a:t>
+            </a:r>
+            <a:r>
+              <a:rPr lang="nl-BE" baseline="0" dirty="0" smtClean="0"/>
+              <a:t> </a:t>
+            </a:r>
+            <a:r>
+              <a:rPr lang="nl-BE" baseline="0" dirty="0" err="1" smtClean="0"/>
+              <a:t>databinden</a:t>
+            </a:r>
+            <a:r>
+              <a:rPr lang="nl-BE" baseline="0" dirty="0" smtClean="0"/>
+              <a:t> op eenvoudige JS objecten (zonder </a:t>
+            </a:r>
+            <a:r>
+              <a:rPr lang="nl-BE" baseline="0" dirty="0" err="1" smtClean="0"/>
+              <a:t>observables</a:t>
+            </a:r>
+            <a:r>
+              <a:rPr lang="nl-BE" baseline="0" dirty="0" smtClean="0"/>
+              <a:t>). Updates zullen echter niet zichtbaar worden in de DOM en DOM updates zullen niet zichtbaar worden in je viewmodel</a:t>
             </a:r>
             <a:endParaRPr lang="en-US" dirty="0"/>
           </a:p>
@@ -4364,7 +4462,7 @@
     </p:spTree>
     <p:extLst>
       <p:ext uri="{BB962C8B-B14F-4D97-AF65-F5344CB8AC3E}">
-        <p14:creationId xmlns:p14="http://schemas.microsoft.com/office/powerpoint/2010/main" val="1524409266"/>
+        <p14:creationId xmlns:p14="http://schemas.microsoft.com/office/powerpoint/2010/main" val="3591909888"/>
       </p:ext>
     </p:extLst>
   </p:cSld>
@@ -4420,121 +4518,62 @@
           <a:p>
             <a:r>
               <a:rPr lang="nl-BE" dirty="0" smtClean="0"/>
-              <a:t>Twee normale </a:t>
-            </a:r>
-            <a:r>
-              <a:rPr lang="nl-BE" dirty="0" err="1" smtClean="0"/>
-              <a:t>observables</a:t>
-            </a:r>
-            <a:r>
-              <a:rPr lang="nl-BE" dirty="0" smtClean="0"/>
-              <a:t>: DOM wijzigt zodra </a:t>
-            </a:r>
-            <a:r>
-              <a:rPr lang="nl-BE" dirty="0" err="1" smtClean="0"/>
-              <a:t>observable</a:t>
-            </a:r>
-            <a:r>
-              <a:rPr lang="nl-BE" dirty="0" smtClean="0"/>
-              <a:t> wijzigt, viewmodel property wijzigt</a:t>
-            </a:r>
-            <a:r>
-              <a:rPr lang="nl-BE" baseline="0" dirty="0" smtClean="0"/>
-              <a:t> wanneer DOM wijzigt</a:t>
-            </a:r>
+              <a:t>Tweede laat toe om meerdere </a:t>
+            </a:r>
+            <a:r>
+              <a:rPr lang="nl-BE" dirty="0" err="1" smtClean="0"/>
+              <a:t>viewmodels</a:t>
+            </a:r>
+            <a:r>
+              <a:rPr lang="nl-BE" dirty="0" smtClean="0"/>
+              <a:t> aan verschillende elementen te binden</a:t>
+            </a:r>
+          </a:p>
+          <a:p>
+            <a:r>
+              <a:rPr lang="nl-BE" dirty="0" err="1" smtClean="0"/>
+              <a:t>Durandal</a:t>
+            </a:r>
+            <a:r>
+              <a:rPr lang="nl-BE" dirty="0" smtClean="0"/>
+              <a:t> zal </a:t>
+            </a:r>
+            <a:r>
+              <a:rPr lang="nl-BE" dirty="0" err="1" smtClean="0"/>
+              <a:t>applyBindings</a:t>
+            </a:r>
+            <a:r>
+              <a:rPr lang="nl-BE" dirty="0" smtClean="0"/>
+              <a:t> voor</a:t>
+            </a:r>
+            <a:r>
+              <a:rPr lang="nl-BE" baseline="0" dirty="0" smtClean="0"/>
+              <a:t> jou doen (als je de conventies volgt</a:t>
+            </a:r>
+            <a:r>
+              <a:rPr lang="nl-BE" baseline="0" dirty="0" smtClean="0"/>
+              <a:t>)</a:t>
+            </a:r>
+          </a:p>
+          <a:p>
+            <a:endParaRPr lang="nl-BE" baseline="0" dirty="0" smtClean="0"/>
           </a:p>
           <a:p>
             <a:r>
               <a:rPr lang="nl-BE" baseline="0" dirty="0" err="1" smtClean="0"/>
-              <a:t>Computed</a:t>
-            </a:r>
-            <a:r>
-              <a:rPr lang="nl-BE" baseline="0" dirty="0" smtClean="0"/>
-              <a:t>: </a:t>
+              <a:t>jQuery</a:t>
+            </a:r>
+            <a:r>
+              <a:rPr lang="nl-BE" baseline="0" dirty="0" smtClean="0"/>
+              <a:t>: [0] want dat is de node, anders is het een </a:t>
             </a:r>
             <a:r>
               <a:rPr lang="nl-BE" baseline="0" dirty="0" err="1" smtClean="0"/>
-              <a:t>function</a:t>
-            </a:r>
-            <a:r>
-              <a:rPr lang="nl-BE" baseline="0" dirty="0" smtClean="0"/>
-              <a:t> die voortbouwt op andere </a:t>
-            </a:r>
-            <a:r>
-              <a:rPr lang="nl-BE" baseline="0" dirty="0" err="1" smtClean="0"/>
-              <a:t>observables</a:t>
-            </a:r>
-            <a:r>
-              <a:rPr lang="nl-BE" baseline="0" dirty="0" smtClean="0"/>
-              <a:t>. Databinding wordt geüpdatet wanneer één van de afhankelijkheden wijzigt</a:t>
-            </a:r>
-          </a:p>
-          <a:p>
-            <a:r>
-              <a:rPr lang="nl-BE" baseline="0" dirty="0" err="1" smtClean="0"/>
-              <a:t>ObservableArray</a:t>
-            </a:r>
-            <a:r>
-              <a:rPr lang="nl-BE" baseline="0" dirty="0" smtClean="0"/>
-              <a:t>: databinding wordt geüpdatet wanneer items toegevoegd/verwijderd worden</a:t>
-            </a:r>
-          </a:p>
-          <a:p>
-            <a:endParaRPr lang="nl-BE" baseline="0" dirty="0" smtClean="0"/>
-          </a:p>
-          <a:p>
-            <a:r>
-              <a:rPr lang="nl-BE" baseline="0" dirty="0" smtClean="0"/>
-              <a:t>Een array meegeven in de </a:t>
-            </a:r>
-            <a:r>
-              <a:rPr lang="nl-BE" baseline="0" dirty="0" err="1" smtClean="0"/>
-              <a:t>constructor</a:t>
-            </a:r>
-            <a:r>
-              <a:rPr lang="nl-BE" baseline="0" dirty="0" smtClean="0"/>
-              <a:t> van je </a:t>
-            </a:r>
-            <a:r>
-              <a:rPr lang="nl-BE" baseline="0" dirty="0" err="1" smtClean="0"/>
-              <a:t>observableArray</a:t>
-            </a:r>
-            <a:r>
-              <a:rPr lang="nl-BE" baseline="0" dirty="0" smtClean="0"/>
-              <a:t> zorgt ervoor dat de array </a:t>
-            </a:r>
-            <a:r>
-              <a:rPr lang="nl-BE" baseline="0" dirty="0" err="1" smtClean="0"/>
-              <a:t>prepopulated</a:t>
-            </a:r>
-            <a:r>
-              <a:rPr lang="nl-BE" baseline="0" dirty="0" smtClean="0"/>
-              <a:t> is (zo moet de DOM maar 1x geüpdatet worden (en niet bij elke toevoeging).</a:t>
-            </a:r>
-          </a:p>
-          <a:p>
-            <a:endParaRPr lang="nl-BE" baseline="0" dirty="0" smtClean="0"/>
-          </a:p>
-          <a:p>
-            <a:r>
-              <a:rPr lang="nl-BE" baseline="0" dirty="0" smtClean="0"/>
-              <a:t>Wil je updates op de elementen in de </a:t>
-            </a:r>
-            <a:r>
-              <a:rPr lang="nl-BE" baseline="0" dirty="0" err="1" smtClean="0"/>
-              <a:t>observableArray</a:t>
-            </a:r>
-            <a:r>
-              <a:rPr lang="nl-BE" baseline="0" dirty="0" smtClean="0"/>
-              <a:t> zien in de DOM, dan moet je ook </a:t>
-            </a:r>
-            <a:r>
-              <a:rPr lang="nl-BE" baseline="0" dirty="0" err="1" smtClean="0"/>
-              <a:t>observables</a:t>
-            </a:r>
-            <a:r>
-              <a:rPr lang="nl-BE" baseline="0" dirty="0" smtClean="0"/>
-              <a:t> gebruiken in die elementen.</a:t>
+              <a:t>jQuery</a:t>
+            </a:r>
+            <a:r>
+              <a:rPr lang="nl-BE" baseline="0" dirty="0" smtClean="0"/>
+              <a:t> object</a:t>
             </a:r>
             <a:endParaRPr lang="en-US" dirty="0"/>
           </a:p>
@@ -4566,7 +4605,7 @@
     </p:spTree>
     <p:extLst>
       <p:ext uri="{BB962C8B-B14F-4D97-AF65-F5344CB8AC3E}">
-        <p14:creationId xmlns:p14="http://schemas.microsoft.com/office/powerpoint/2010/main" val="1276095060"/>
+        <p14:creationId xmlns:p14="http://schemas.microsoft.com/office/powerpoint/2010/main" val="1524409266"/>
       </p:ext>
     </p:extLst>
   </p:cSld>
@@ -4622,27 +4661,37 @@
           <a:p>
             <a:r>
               <a:rPr lang="nl-BE" dirty="0" smtClean="0"/>
-              <a:t>Beide doen hetzelfde maar door het speciale</a:t>
-            </a:r>
-            <a:r>
-              <a:rPr lang="nl-BE" baseline="0" dirty="0" smtClean="0"/>
-              <a:t> van javascript met </a:t>
-            </a:r>
+              <a:t>Twee normale </a:t>
+            </a:r>
+            <a:r>
+              <a:rPr lang="nl-BE" dirty="0" err="1" smtClean="0"/>
+              <a:t>observables</a:t>
+            </a:r>
+            <a:r>
+              <a:rPr lang="nl-BE" dirty="0" smtClean="0"/>
+              <a:t>: DOM wijzigt zodra </a:t>
+            </a:r>
+            <a:r>
+              <a:rPr lang="nl-BE" dirty="0" err="1" smtClean="0"/>
+              <a:t>observable</a:t>
+            </a:r>
+            <a:r>
+              <a:rPr lang="nl-BE" dirty="0" smtClean="0"/>
+              <a:t> wijzigt, viewmodel property wijzigt</a:t>
+            </a:r>
+            <a:r>
+              <a:rPr lang="nl-BE" baseline="0" dirty="0" smtClean="0"/>
+              <a:t> wanneer DOM wijzigt</a:t>
+            </a:r>
+          </a:p>
+          <a:p>
             <a:r>
               <a:rPr lang="nl-BE" baseline="0" dirty="0" err="1" smtClean="0"/>
-              <a:t>this</a:t>
-            </a:r>
-            <a:r>
-              <a:rPr lang="nl-BE" baseline="0" dirty="0" smtClean="0"/>
-              <a:t> moet je in het tweede geval meegeven wat ‘</a:t>
-            </a:r>
-            <a:r>
-              <a:rPr lang="nl-BE" baseline="0" dirty="0" err="1" smtClean="0"/>
-              <a:t>this</a:t>
-            </a:r>
-            <a:r>
-              <a:rPr lang="nl-BE" baseline="0" dirty="0" smtClean="0"/>
-              <a:t>’ zal betekenen in je </a:t>
+              <a:t>Computed</a:t>
+            </a:r>
+            <a:r>
+              <a:rPr lang="nl-BE" baseline="0" dirty="0" smtClean="0"/>
+              <a:t>: </a:t>
             </a:r>
             <a:r>
               <a:rPr lang="nl-BE" baseline="0" dirty="0" err="1" smtClean="0"/>
@@ -4650,23 +4699,83 @@
             </a:r>
             <a:r>
               <a:rPr lang="nl-BE" baseline="0" dirty="0" smtClean="0"/>
-              <a:t>. Anders is ‘</a:t>
+              <a:t> die voortbouwt op andere </a:t>
             </a:r>
             <a:r>
               <a:rPr lang="nl-BE" baseline="0" dirty="0" err="1" smtClean="0"/>
-              <a:t>this</a:t>
-            </a:r>
-            <a:r>
-              <a:rPr lang="nl-BE" baseline="0" dirty="0" smtClean="0"/>
-              <a:t>’ het </a:t>
-            </a:r>
+              <a:t>observables</a:t>
+            </a:r>
+            <a:r>
+              <a:rPr lang="nl-BE" baseline="0" dirty="0" smtClean="0"/>
+              <a:t>. Databinding wordt geüpdatet wanneer één van de afhankelijkheden wijzigt</a:t>
+            </a:r>
+          </a:p>
+          <a:p>
             <a:r>
               <a:rPr lang="nl-BE" baseline="0" dirty="0" err="1" smtClean="0"/>
-              <a:t>window</a:t>
-            </a:r>
-            <a:r>
-              <a:rPr lang="nl-BE" baseline="0" dirty="0" smtClean="0"/>
-              <a:t>-object.</a:t>
+              <a:t>ObservableArray</a:t>
+            </a:r>
+            <a:r>
+              <a:rPr lang="nl-BE" baseline="0" dirty="0" smtClean="0"/>
+              <a:t>: databinding wordt geüpdatet wanneer items toegevoegd/verwijderd worden</a:t>
+            </a:r>
+          </a:p>
+          <a:p>
+            <a:endParaRPr lang="nl-BE" baseline="0" dirty="0" smtClean="0"/>
+          </a:p>
+          <a:p>
+            <a:r>
+              <a:rPr lang="nl-BE" baseline="0" dirty="0" smtClean="0"/>
+              <a:t>Een array meegeven in de </a:t>
+            </a:r>
+            <a:r>
+              <a:rPr lang="nl-BE" baseline="0" dirty="0" err="1" smtClean="0"/>
+              <a:t>constructor</a:t>
+            </a:r>
+            <a:r>
+              <a:rPr lang="nl-BE" baseline="0" dirty="0" smtClean="0"/>
+              <a:t> van je </a:t>
+            </a:r>
+            <a:r>
+              <a:rPr lang="nl-BE" baseline="0" dirty="0" err="1" smtClean="0"/>
+              <a:t>observableArray</a:t>
+            </a:r>
+            <a:r>
+              <a:rPr lang="nl-BE" baseline="0" dirty="0" smtClean="0"/>
+              <a:t> zorgt ervoor dat de array </a:t>
+            </a:r>
+            <a:r>
+              <a:rPr lang="nl-BE" baseline="0" dirty="0" err="1" smtClean="0"/>
+              <a:t>prepopulated</a:t>
+            </a:r>
+            <a:r>
+              <a:rPr lang="nl-BE" baseline="0" dirty="0" smtClean="0"/>
+              <a:t> is (zo moet de DOM maar 1x geüpdatet worden (en niet bij elke toevoeging).</a:t>
+            </a:r>
+          </a:p>
+          <a:p>
+            <a:endParaRPr lang="nl-BE" baseline="0" dirty="0" smtClean="0"/>
+          </a:p>
+          <a:p>
+            <a:r>
+              <a:rPr lang="nl-BE" baseline="0" dirty="0" smtClean="0"/>
+              <a:t>Wil je updates op de elementen in de </a:t>
+            </a:r>
+            <a:r>
+              <a:rPr lang="nl-BE" baseline="0" dirty="0" err="1" smtClean="0"/>
+              <a:t>observableArray</a:t>
+            </a:r>
+            <a:r>
+              <a:rPr lang="nl-BE" baseline="0" dirty="0" smtClean="0"/>
+              <a:t> zien in de DOM, dan moet je ook </a:t>
+            </a:r>
+            <a:r>
+              <a:rPr lang="nl-BE" baseline="0" dirty="0" err="1" smtClean="0"/>
+              <a:t>observables</a:t>
+            </a:r>
+            <a:r>
+              <a:rPr lang="nl-BE" baseline="0" dirty="0" smtClean="0"/>
+              <a:t> gebruiken in die elementen.</a:t>
             </a:r>
             <a:endParaRPr lang="en-US" dirty="0"/>
           </a:p>
@@ -4698,7 +4807,7 @@
     </p:spTree>
     <p:extLst>
       <p:ext uri="{BB962C8B-B14F-4D97-AF65-F5344CB8AC3E}">
-        <p14:creationId xmlns:p14="http://schemas.microsoft.com/office/powerpoint/2010/main" val="1767491647"/>
+        <p14:creationId xmlns:p14="http://schemas.microsoft.com/office/powerpoint/2010/main" val="1276095060"/>
       </p:ext>
     </p:extLst>
   </p:cSld>
@@ -4754,11 +4863,51 @@
           <a:p>
             <a:r>
               <a:rPr lang="nl-BE" dirty="0" smtClean="0"/>
-              <a:t>Zie </a:t>
-            </a:r>
-            <a:r>
-              <a:rPr lang="nl-BE" dirty="0" err="1" smtClean="0"/>
-              <a:t>settings</a:t>
+              <a:t>Beide doen hetzelfde maar door het speciale</a:t>
+            </a:r>
+            <a:r>
+              <a:rPr lang="nl-BE" baseline="0" dirty="0" smtClean="0"/>
+              <a:t> van javascript met </a:t>
+            </a:r>
+            <a:r>
+              <a:rPr lang="nl-BE" baseline="0" dirty="0" err="1" smtClean="0"/>
+              <a:t>this</a:t>
+            </a:r>
+            <a:r>
+              <a:rPr lang="nl-BE" baseline="0" dirty="0" smtClean="0"/>
+              <a:t> moet je in het tweede geval meegeven wat ‘</a:t>
+            </a:r>
+            <a:r>
+              <a:rPr lang="nl-BE" baseline="0" dirty="0" err="1" smtClean="0"/>
+              <a:t>this</a:t>
+            </a:r>
+            <a:r>
+              <a:rPr lang="nl-BE" baseline="0" dirty="0" smtClean="0"/>
+              <a:t>’ zal betekenen in je </a:t>
+            </a:r>
+            <a:r>
+              <a:rPr lang="nl-BE" baseline="0" dirty="0" err="1" smtClean="0"/>
+              <a:t>function</a:t>
+            </a:r>
+            <a:r>
+              <a:rPr lang="nl-BE" baseline="0" dirty="0" smtClean="0"/>
+              <a:t>. Anders is ‘</a:t>
+            </a:r>
+            <a:r>
+              <a:rPr lang="nl-BE" baseline="0" dirty="0" err="1" smtClean="0"/>
+              <a:t>this</a:t>
+            </a:r>
+            <a:r>
+              <a:rPr lang="nl-BE" baseline="0" dirty="0" smtClean="0"/>
+              <a:t>’ het </a:t>
+            </a:r>
+            <a:r>
+              <a:rPr lang="nl-BE" baseline="0" dirty="0" err="1" smtClean="0"/>
+              <a:t>window</a:t>
+            </a:r>
+            <a:r>
+              <a:rPr lang="nl-BE" baseline="0" dirty="0" smtClean="0"/>
+              <a:t>-object.</a:t>
             </a:r>
             <a:endParaRPr lang="en-US" dirty="0"/>
           </a:p>
@@ -4790,7 +4939,7 @@
     </p:spTree>
     <p:extLst>
       <p:ext uri="{BB962C8B-B14F-4D97-AF65-F5344CB8AC3E}">
-        <p14:creationId xmlns:p14="http://schemas.microsoft.com/office/powerpoint/2010/main" val="22134692"/>
+        <p14:creationId xmlns:p14="http://schemas.microsoft.com/office/powerpoint/2010/main" val="1767491647"/>
       </p:ext>
     </p:extLst>
   </p:cSld>
@@ -5048,7 +5197,7 @@
           <a:p>
             <a:fld id="{F3B17216-47DF-478C-B20B-BB0F0C651CF6}" type="datetimeFigureOut">
               <a:rPr lang="en-US" smtClean="0"/>
-              <a:t>2/4/2014</a:t>
+              <a:t>2/12/2014</a:t>
             </a:fld>
             <a:endParaRPr lang="en-US"/>
           </a:p>
@@ -5264,7 +5413,7 @@
           <a:p>
             <a:fld id="{F3B17216-47DF-478C-B20B-BB0F0C651CF6}" type="datetimeFigureOut">
               <a:rPr lang="en-US" smtClean="0"/>
-              <a:t>2/4/2014</a:t>
+              <a:t>2/12/2014</a:t>
             </a:fld>
             <a:endParaRPr lang="en-US"/>
           </a:p>
@@ -5480,7 +5629,7 @@
           <a:p>
             <a:fld id="{F17FA2EC-BE1A-4D1A-AECF-3D2BD5D9525B}" type="datetimeFigureOut">
               <a:rPr lang="en-US" smtClean="0"/>
-              <a:t>2/5/2014</a:t>
+              <a:t>2/12/2014</a:t>
             </a:fld>
             <a:endParaRPr lang="en-US"/>
           </a:p>
@@ -5650,7 +5799,7 @@
           <a:p>
             <a:fld id="{F17FA2EC-BE1A-4D1A-AECF-3D2BD5D9525B}" type="datetimeFigureOut">
               <a:rPr lang="en-US" smtClean="0"/>
-              <a:t>2/5/2014</a:t>
+              <a:t>2/12/2014</a:t>
             </a:fld>
             <a:endParaRPr lang="en-US"/>
           </a:p>
@@ -5896,7 +6045,7 @@
           <a:p>
             <a:fld id="{F17FA2EC-BE1A-4D1A-AECF-3D2BD5D9525B}" type="datetimeFigureOut">
               <a:rPr lang="en-US" smtClean="0"/>
-              <a:t>2/5/2014</a:t>
+              <a:t>2/12/2014</a:t>
             </a:fld>
             <a:endParaRPr lang="en-US"/>
           </a:p>
@@ -6128,7 +6277,7 @@
           <a:p>
             <a:fld id="{F17FA2EC-BE1A-4D1A-AECF-3D2BD5D9525B}" type="datetimeFigureOut">
               <a:rPr lang="en-US" smtClean="0"/>
-              <a:t>2/5/2014</a:t>
+              <a:t>2/12/2014</a:t>
             </a:fld>
             <a:endParaRPr lang="en-US"/>
           </a:p>
@@ -6495,7 +6644,7 @@
           <a:p>
             <a:fld id="{F17FA2EC-BE1A-4D1A-AECF-3D2BD5D9525B}" type="datetimeFigureOut">
               <a:rPr lang="en-US" smtClean="0"/>
-              <a:t>2/5/2014</a:t>
+              <a:t>2/12/2014</a:t>
             </a:fld>
             <a:endParaRPr lang="en-US"/>
           </a:p>
@@ -6613,7 +6762,7 @@
           <a:p>
             <a:fld id="{F17FA2EC-BE1A-4D1A-AECF-3D2BD5D9525B}" type="datetimeFigureOut">
               <a:rPr lang="en-US" smtClean="0"/>
-              <a:t>2/5/2014</a:t>
+              <a:t>2/12/2014</a:t>
             </a:fld>
             <a:endParaRPr lang="en-US"/>
           </a:p>
@@ -6708,7 +6857,7 @@
           <a:p>
             <a:fld id="{F17FA2EC-BE1A-4D1A-AECF-3D2BD5D9525B}" type="datetimeFigureOut">
               <a:rPr lang="en-US" smtClean="0"/>
-              <a:t>2/5/2014</a:t>
+              <a:t>2/12/2014</a:t>
             </a:fld>
             <a:endParaRPr lang="en-US"/>
           </a:p>
@@ -6985,7 +7134,7 @@
           <a:p>
             <a:fld id="{F17FA2EC-BE1A-4D1A-AECF-3D2BD5D9525B}" type="datetimeFigureOut">
               <a:rPr lang="en-US" smtClean="0"/>
-              <a:t>2/5/2014</a:t>
+              <a:t>2/12/2014</a:t>
             </a:fld>
             <a:endParaRPr lang="en-US"/>
           </a:p>
@@ -7167,7 +7316,7 @@
           <a:p>
             <a:fld id="{F3B17216-47DF-478C-B20B-BB0F0C651CF6}" type="datetimeFigureOut">
               <a:rPr lang="en-US" smtClean="0"/>
-              <a:t>2/4/2014</a:t>
+              <a:t>2/12/2014</a:t>
             </a:fld>
             <a:endParaRPr lang="en-US"/>
           </a:p>
@@ -7444,7 +7593,7 @@
           <a:p>
             <a:fld id="{F17FA2EC-BE1A-4D1A-AECF-3D2BD5D9525B}" type="datetimeFigureOut">
               <a:rPr lang="en-US" smtClean="0"/>
-              <a:t>2/5/2014</a:t>
+              <a:t>2/12/2014</a:t>
             </a:fld>
             <a:endParaRPr lang="en-US"/>
           </a:p>
@@ -7614,7 +7763,7 @@
           <a:p>
             <a:fld id="{F17FA2EC-BE1A-4D1A-AECF-3D2BD5D9525B}" type="datetimeFigureOut">
               <a:rPr lang="en-US" smtClean="0"/>
-              <a:t>2/5/2014</a:t>
+              <a:t>2/12/2014</a:t>
             </a:fld>
             <a:endParaRPr lang="en-US"/>
           </a:p>
@@ -7794,7 +7943,7 @@
           <a:p>
             <a:fld id="{F17FA2EC-BE1A-4D1A-AECF-3D2BD5D9525B}" type="datetimeFigureOut">
               <a:rPr lang="en-US" smtClean="0"/>
-              <a:t>2/5/2014</a:t>
+              <a:t>2/12/2014</a:t>
             </a:fld>
             <a:endParaRPr lang="en-US"/>
           </a:p>
@@ -8052,7 +8201,7 @@
           <a:p>
             <a:fld id="{F3B17216-47DF-478C-B20B-BB0F0C651CF6}" type="datetimeFigureOut">
               <a:rPr lang="en-US" smtClean="0"/>
-              <a:t>2/4/2014</a:t>
+              <a:t>2/12/2014</a:t>
             </a:fld>
             <a:endParaRPr lang="en-US"/>
           </a:p>
@@ -8320,7 +8469,7 @@
           <a:p>
             <a:fld id="{F3B17216-47DF-478C-B20B-BB0F0C651CF6}" type="datetimeFigureOut">
               <a:rPr lang="en-US" smtClean="0"/>
-              <a:t>2/4/2014</a:t>
+              <a:t>2/12/2014</a:t>
             </a:fld>
             <a:endParaRPr lang="en-US"/>
           </a:p>
@@ -8723,7 +8872,7 @@
           <a:p>
             <a:fld id="{F3B17216-47DF-478C-B20B-BB0F0C651CF6}" type="datetimeFigureOut">
               <a:rPr lang="en-US" smtClean="0"/>
-              <a:t>2/4/2014</a:t>
+              <a:t>2/12/2014</a:t>
             </a:fld>
             <a:endParaRPr lang="en-US"/>
           </a:p>
@@ -8877,7 +9026,7 @@
           <a:p>
             <a:fld id="{F3B17216-47DF-478C-B20B-BB0F0C651CF6}" type="datetimeFigureOut">
               <a:rPr lang="en-US" smtClean="0"/>
-              <a:t>2/4/2014</a:t>
+              <a:t>2/12/2014</a:t>
             </a:fld>
             <a:endParaRPr lang="en-US"/>
           </a:p>
@@ -9008,7 +9157,7 @@
           <a:p>
             <a:fld id="{F3B17216-47DF-478C-B20B-BB0F0C651CF6}" type="datetimeFigureOut">
               <a:rPr lang="en-US" smtClean="0"/>
-              <a:t>2/4/2014</a:t>
+              <a:t>2/12/2014</a:t>
             </a:fld>
             <a:endParaRPr lang="en-US"/>
           </a:p>
@@ -9321,7 +9470,7 @@
           <a:p>
             <a:fld id="{F3B17216-47DF-478C-B20B-BB0F0C651CF6}" type="datetimeFigureOut">
               <a:rPr lang="en-US" smtClean="0"/>
-              <a:t>2/4/2014</a:t>
+              <a:t>2/12/2014</a:t>
             </a:fld>
             <a:endParaRPr lang="en-US"/>
           </a:p>
@@ -9617,7 +9766,7 @@
           <a:p>
             <a:fld id="{F3B17216-47DF-478C-B20B-BB0F0C651CF6}" type="datetimeFigureOut">
               <a:rPr lang="en-US" smtClean="0"/>
-              <a:t>2/4/2014</a:t>
+              <a:t>2/12/2014</a:t>
             </a:fld>
             <a:endParaRPr lang="en-US"/>
           </a:p>
@@ -10493,7 +10642,7 @@
           <a:p>
             <a:fld id="{F17FA2EC-BE1A-4D1A-AECF-3D2BD5D9525B}" type="datetimeFigureOut">
               <a:rPr lang="en-US" smtClean="0"/>
-              <a:t>2/5/2014</a:t>
+              <a:t>2/12/2014</a:t>
             </a:fld>
             <a:endParaRPr lang="en-US"/>
           </a:p>
@@ -11015,6 +11164,93 @@
             </a:r>
             <a:r>
               <a:rPr lang="nl-BE" dirty="0" err="1" smtClean="0"/>
+              <a:t>require</a:t>
+            </a:r>
+            <a:endParaRPr lang="en-US" dirty="0"/>
+          </a:p>
+        </p:txBody>
+      </p:sp>
+      <p:pic>
+        <p:nvPicPr>
+          <p:cNvPr id="9" name="Content Placeholder 8"/>
+          <p:cNvPicPr>
+            <a:picLocks noGrp="1" noChangeAspect="1"/>
+          </p:cNvPicPr>
+          <p:nvPr>
+            <p:ph idx="1"/>
+          </p:nvPr>
+        </p:nvPicPr>
+        <p:blipFill>
+          <a:blip r:embed="rId3"/>
+          <a:stretch>
+            <a:fillRect/>
+          </a:stretch>
+        </p:blipFill>
+        <p:spPr>
+          <a:xfrm>
+            <a:off x="838200" y="1690688"/>
+            <a:ext cx="8172450" cy="962025"/>
+          </a:xfrm>
+          <a:prstGeom prst="rect">
+            <a:avLst/>
+          </a:prstGeom>
+        </p:spPr>
+      </p:pic>
+    </p:spTree>
+    <p:extLst>
+      <p:ext uri="{BB962C8B-B14F-4D97-AF65-F5344CB8AC3E}">
+        <p14:creationId xmlns:p14="http://schemas.microsoft.com/office/powerpoint/2010/main" val="913163601"/>
+      </p:ext>
+    </p:extLst>
+  </p:cSld>
+  <p:clrMapOvr>
+    <a:masterClrMapping/>
+  </p:clrMapOvr>
+</p:sld>
+</file>
+
+<file path=ppt/slides/slide11.xml><?xml version="1.0" encoding="utf-8"?>
+<p:sld xmlns:a="http://schemas.openxmlformats.org/drawingml/2006/main" xmlns:r="http://schemas.openxmlformats.org/officeDocument/2006/relationships" xmlns:p="http://schemas.openxmlformats.org/presentationml/2006/main">
+  <p:cSld>
+    <p:spTree>
+      <p:nvGrpSpPr>
+        <p:cNvPr id="1" name=""/>
+        <p:cNvGrpSpPr/>
+        <p:nvPr/>
+      </p:nvGrpSpPr>
+      <p:grpSpPr>
+        <a:xfrm>
+          <a:off x="0" y="0"/>
+          <a:ext cx="0" cy="0"/>
+          <a:chOff x="0" y="0"/>
+          <a:chExt cx="0" cy="0"/>
+        </a:xfrm>
+      </p:grpSpPr>
+      <p:sp>
+        <p:nvSpPr>
+          <p:cNvPr id="2" name="Title 1"/>
+          <p:cNvSpPr>
+            <a:spLocks noGrp="1"/>
+          </p:cNvSpPr>
+          <p:nvPr>
+            <p:ph type="title"/>
+          </p:nvPr>
+        </p:nvSpPr>
+        <p:spPr/>
+        <p:txBody>
+          <a:bodyPr/>
+          <a:lstStyle/>
+          <a:p>
+            <a:r>
+              <a:rPr lang="nl-BE" dirty="0" err="1" smtClean="0"/>
+              <a:t>RequireJS</a:t>
+            </a:r>
+            <a:r>
+              <a:rPr lang="nl-BE" dirty="0" smtClean="0"/>
+              <a:t>: </a:t>
+            </a:r>
+            <a:r>
+              <a:rPr lang="nl-BE" dirty="0" err="1" smtClean="0"/>
               <a:t>configuration</a:t>
             </a:r>
             <a:endParaRPr lang="en-US" dirty="0"/>
@@ -11071,7 +11307,7 @@
 </p:sld>
 </file>
 
-<file path=ppt/slides/slide11.xml><?xml version="1.0" encoding="utf-8"?>
+<file path=ppt/slides/slide12.xml><?xml version="1.0" encoding="utf-8"?>
 <p:sld xmlns:a="http://schemas.openxmlformats.org/drawingml/2006/main" xmlns:r="http://schemas.openxmlformats.org/officeDocument/2006/relationships" xmlns:p="http://schemas.openxmlformats.org/presentationml/2006/main">
   <p:cSld>
     <p:spTree>
@@ -11191,7 +11427,7 @@
 </p:sld>
 </file>
 
-<file path=ppt/slides/slide12.xml><?xml version="1.0" encoding="utf-8"?>
+<file path=ppt/slides/slide13.xml><?xml version="1.0" encoding="utf-8"?>
 <p:sld xmlns:a="http://schemas.openxmlformats.org/drawingml/2006/main" xmlns:r="http://schemas.openxmlformats.org/officeDocument/2006/relationships" xmlns:p="http://schemas.openxmlformats.org/presentationml/2006/main">
   <p:cSld>
     <p:spTree>
@@ -11635,7 +11871,7 @@
 </p:sld>
 </file>
 
-<file path=ppt/slides/slide13.xml><?xml version="1.0" encoding="utf-8"?>
+<file path=ppt/slides/slide14.xml><?xml version="1.0" encoding="utf-8"?>
 <p:sld xmlns:a="http://schemas.openxmlformats.org/drawingml/2006/main" xmlns:r="http://schemas.openxmlformats.org/officeDocument/2006/relationships" xmlns:p="http://schemas.openxmlformats.org/presentationml/2006/main">
   <p:cSld>
     <p:spTree>
@@ -11816,7 +12052,7 @@
 </p:sld>
 </file>
 
-<file path=ppt/slides/slide14.xml><?xml version="1.0" encoding="utf-8"?>
+<file path=ppt/slides/slide15.xml><?xml version="1.0" encoding="utf-8"?>
 <p:sld xmlns:a="http://schemas.openxmlformats.org/drawingml/2006/main" xmlns:r="http://schemas.openxmlformats.org/officeDocument/2006/relationships" xmlns:p="http://schemas.openxmlformats.org/presentationml/2006/main">
   <p:cSld>
     <p:spTree>
@@ -11978,7 +12214,7 @@
 </p:sld>
 </file>
 
-<file path=ppt/slides/slide15.xml><?xml version="1.0" encoding="utf-8"?>
+<file path=ppt/slides/slide16.xml><?xml version="1.0" encoding="utf-8"?>
 <p:sld xmlns:a="http://schemas.openxmlformats.org/drawingml/2006/main" xmlns:r="http://schemas.openxmlformats.org/officeDocument/2006/relationships" xmlns:p="http://schemas.openxmlformats.org/presentationml/2006/main">
   <p:cSld>
     <p:spTree>
@@ -12080,7 +12316,7 @@
       </p:pic>
       <p:pic>
         <p:nvPicPr>
-          <p:cNvPr id="5" name="Picture 4"/>
+          <p:cNvPr id="6" name="Picture 5"/>
           <p:cNvPicPr>
             <a:picLocks noChangeAspect="1"/>
           </p:cNvPicPr>
@@ -12094,8 +12330,8 @@
         </p:blipFill>
         <p:spPr>
           <a:xfrm>
-            <a:off x="838200" y="2913478"/>
-            <a:ext cx="6096000" cy="371475"/>
+            <a:off x="838200" y="2893434"/>
+            <a:ext cx="6600825" cy="419100"/>
           </a:xfrm>
           <a:prstGeom prst="rect">
             <a:avLst/>
@@ -12122,7 +12358,7 @@
 </p:sld>
 </file>
 
-<file path=ppt/slides/slide16.xml><?xml version="1.0" encoding="utf-8"?>
+<file path=ppt/slides/slide17.xml><?xml version="1.0" encoding="utf-8"?>
 <p:sld xmlns:a="http://schemas.openxmlformats.org/drawingml/2006/main" xmlns:r="http://schemas.openxmlformats.org/officeDocument/2006/relationships" xmlns:p="http://schemas.openxmlformats.org/presentationml/2006/main">
   <p:cSld>
     <p:spTree>
@@ -12216,7 +12452,7 @@
 </p:sld>
 </file>
 
-<file path=ppt/slides/slide17.xml><?xml version="1.0" encoding="utf-8"?>
+<file path=ppt/slides/slide18.xml><?xml version="1.0" encoding="utf-8"?>
 <p:sld xmlns:a="http://schemas.openxmlformats.org/drawingml/2006/main" xmlns:r="http://schemas.openxmlformats.org/officeDocument/2006/relationships" xmlns:p="http://schemas.openxmlformats.org/presentationml/2006/main">
   <p:cSld>
     <p:spTree>
@@ -12334,7 +12570,7 @@
 </p:sld>
 </file>
 
-<file path=ppt/slides/slide18.xml><?xml version="1.0" encoding="utf-8"?>
+<file path=ppt/slides/slide19.xml><?xml version="1.0" encoding="utf-8"?>
 <p:sld xmlns:a="http://schemas.openxmlformats.org/drawingml/2006/main" xmlns:r="http://schemas.openxmlformats.org/officeDocument/2006/relationships" xmlns:p="http://schemas.openxmlformats.org/presentationml/2006/main">
   <p:cSld>
     <p:spTree>
@@ -12428,7 +12664,7 @@
 </p:sld>
 </file>
 
-<file path=ppt/slides/slide19.xml><?xml version="1.0" encoding="utf-8"?>
+<file path=ppt/slides/slide2.xml><?xml version="1.0" encoding="utf-8"?>
 <p:sld xmlns:a="http://schemas.openxmlformats.org/drawingml/2006/main" xmlns:r="http://schemas.openxmlformats.org/officeDocument/2006/relationships" xmlns:p="http://schemas.openxmlformats.org/presentationml/2006/main">
   <p:cSld>
     <p:spTree>
@@ -12461,6 +12697,95 @@
           <a:lstStyle/>
           <a:p>
             <a:r>
+              <a:rPr lang="nl-BE" dirty="0" smtClean="0"/>
+              <a:t>Wat?</a:t>
+            </a:r>
+            <a:endParaRPr lang="en-US" dirty="0"/>
+          </a:p>
+        </p:txBody>
+      </p:sp>
+      <p:sp>
+        <p:nvSpPr>
+          <p:cNvPr id="3" name="Content Placeholder 2"/>
+          <p:cNvSpPr>
+            <a:spLocks noGrp="1"/>
+          </p:cNvSpPr>
+          <p:nvPr>
+            <p:ph idx="1"/>
+          </p:nvPr>
+        </p:nvSpPr>
+        <p:spPr/>
+        <p:txBody>
+          <a:bodyPr/>
+          <a:lstStyle/>
+          <a:p>
+            <a:r>
+              <a:rPr lang="nl-BE" dirty="0" smtClean="0"/>
+              <a:t>Framework voor SPA</a:t>
+            </a:r>
+          </a:p>
+          <a:p>
+            <a:r>
+              <a:rPr lang="nl-BE" dirty="0" smtClean="0"/>
+              <a:t>Wat is een SPA?</a:t>
+            </a:r>
+            <a:endParaRPr lang="en-US" dirty="0"/>
+          </a:p>
+        </p:txBody>
+      </p:sp>
+    </p:spTree>
+    <p:extLst>
+      <p:ext uri="{BB962C8B-B14F-4D97-AF65-F5344CB8AC3E}">
+        <p14:creationId xmlns:p14="http://schemas.microsoft.com/office/powerpoint/2010/main" val="545992484"/>
+      </p:ext>
+    </p:extLst>
+  </p:cSld>
+  <p:clrMapOvr>
+    <a:masterClrMapping/>
+  </p:clrMapOvr>
+  <p:timing>
+    <p:tnLst>
+      <p:par>
+        <p:cTn id="1" dur="indefinite" restart="never" nodeType="tmRoot"/>
+      </p:par>
+    </p:tnLst>
+  </p:timing>
+</p:sld>
+</file>
+
+<file path=ppt/slides/slide20.xml><?xml version="1.0" encoding="utf-8"?>
+<p:sld xmlns:a="http://schemas.openxmlformats.org/drawingml/2006/main" xmlns:r="http://schemas.openxmlformats.org/officeDocument/2006/relationships" xmlns:p="http://schemas.openxmlformats.org/presentationml/2006/main">
+  <p:cSld>
+    <p:spTree>
+      <p:nvGrpSpPr>
+        <p:cNvPr id="1" name=""/>
+        <p:cNvGrpSpPr/>
+        <p:nvPr/>
+      </p:nvGrpSpPr>
+      <p:grpSpPr>
+        <a:xfrm>
+          <a:off x="0" y="0"/>
+          <a:ext cx="0" cy="0"/>
+          <a:chOff x="0" y="0"/>
+          <a:chExt cx="0" cy="0"/>
+        </a:xfrm>
+      </p:grpSpPr>
+      <p:sp>
+        <p:nvSpPr>
+          <p:cNvPr id="2" name="Title 1"/>
+          <p:cNvSpPr>
+            <a:spLocks noGrp="1"/>
+          </p:cNvSpPr>
+          <p:nvPr>
+            <p:ph type="title"/>
+          </p:nvPr>
+        </p:nvSpPr>
+        <p:spPr/>
+        <p:txBody>
+          <a:bodyPr/>
+          <a:lstStyle/>
+          <a:p>
+            <a:r>
               <a:rPr lang="nl-BE" dirty="0" err="1" smtClean="0"/>
               <a:t>Knockout</a:t>
             </a:r>
@@ -12486,7 +12811,7 @@
             <p:ph idx="1"/>
             <p:extLst>
               <p:ext uri="{D42A27DB-BD31-4B8C-83A1-F6EECF244321}">
-                <p14:modId xmlns:p14="http://schemas.microsoft.com/office/powerpoint/2010/main" val="1733822604"/>
+                <p14:modId xmlns:p14="http://schemas.microsoft.com/office/powerpoint/2010/main" val="319166781"/>
               </p:ext>
             </p:extLst>
           </p:nvPr>
@@ -12519,9 +12844,10 @@
                     </a:p>
                     <a:p>
                       <a:r>
-                        <a:rPr lang="nl-BE" sz="2400" dirty="0" smtClean="0"/>
-                        <a:t>tekst</a:t>
+                        <a:rPr lang="nl-BE" sz="2400" dirty="0" err="1" smtClean="0"/>
+                        <a:t>text</a:t>
                       </a:r>
+                      <a:endParaRPr lang="nl-BE" sz="2400" dirty="0" smtClean="0"/>
                     </a:p>
                     <a:p>
                       <a:r>
@@ -12719,96 +13045,7 @@
 </p:sld>
 </file>
 
-<file path=ppt/slides/slide2.xml><?xml version="1.0" encoding="utf-8"?>
-<p:sld xmlns:a="http://schemas.openxmlformats.org/drawingml/2006/main" xmlns:r="http://schemas.openxmlformats.org/officeDocument/2006/relationships" xmlns:p="http://schemas.openxmlformats.org/presentationml/2006/main">
-  <p:cSld>
-    <p:spTree>
-      <p:nvGrpSpPr>
-        <p:cNvPr id="1" name=""/>
-        <p:cNvGrpSpPr/>
-        <p:nvPr/>
-      </p:nvGrpSpPr>
-      <p:grpSpPr>
-        <a:xfrm>
-          <a:off x="0" y="0"/>
-          <a:ext cx="0" cy="0"/>
-          <a:chOff x="0" y="0"/>
-          <a:chExt cx="0" cy="0"/>
-        </a:xfrm>
-      </p:grpSpPr>
-      <p:sp>
-        <p:nvSpPr>
-          <p:cNvPr id="2" name="Title 1"/>
-          <p:cNvSpPr>
-            <a:spLocks noGrp="1"/>
-          </p:cNvSpPr>
-          <p:nvPr>
-            <p:ph type="title"/>
-          </p:nvPr>
-        </p:nvSpPr>
-        <p:spPr/>
-        <p:txBody>
-          <a:bodyPr/>
-          <a:lstStyle/>
-          <a:p>
-            <a:r>
-              <a:rPr lang="nl-BE" dirty="0" smtClean="0"/>
-              <a:t>Wat?</a:t>
-            </a:r>
-            <a:endParaRPr lang="en-US" dirty="0"/>
-          </a:p>
-        </p:txBody>
-      </p:sp>
-      <p:sp>
-        <p:nvSpPr>
-          <p:cNvPr id="3" name="Content Placeholder 2"/>
-          <p:cNvSpPr>
-            <a:spLocks noGrp="1"/>
-          </p:cNvSpPr>
-          <p:nvPr>
-            <p:ph idx="1"/>
-          </p:nvPr>
-        </p:nvSpPr>
-        <p:spPr/>
-        <p:txBody>
-          <a:bodyPr/>
-          <a:lstStyle/>
-          <a:p>
-            <a:r>
-              <a:rPr lang="nl-BE" dirty="0" smtClean="0"/>
-              <a:t>Framework voor SPA</a:t>
-            </a:r>
-          </a:p>
-          <a:p>
-            <a:r>
-              <a:rPr lang="nl-BE" dirty="0" smtClean="0"/>
-              <a:t>Wat is een SPA?</a:t>
-            </a:r>
-            <a:endParaRPr lang="en-US" dirty="0"/>
-          </a:p>
-        </p:txBody>
-      </p:sp>
-    </p:spTree>
-    <p:extLst>
-      <p:ext uri="{BB962C8B-B14F-4D97-AF65-F5344CB8AC3E}">
-        <p14:creationId xmlns:p14="http://schemas.microsoft.com/office/powerpoint/2010/main" val="545992484"/>
-      </p:ext>
-    </p:extLst>
-  </p:cSld>
-  <p:clrMapOvr>
-    <a:masterClrMapping/>
-  </p:clrMapOvr>
-  <p:timing>
-    <p:tnLst>
-      <p:par>
-        <p:cTn id="1" dur="indefinite" restart="never" nodeType="tmRoot"/>
-      </p:par>
-    </p:tnLst>
-  </p:timing>
-</p:sld>
-</file>
-
-<file path=ppt/slides/slide20.xml><?xml version="1.0" encoding="utf-8"?>
+<file path=ppt/slides/slide21.xml><?xml version="1.0" encoding="utf-8"?>
 <p:sld xmlns:a="http://schemas.openxmlformats.org/drawingml/2006/main" xmlns:r="http://schemas.openxmlformats.org/officeDocument/2006/relationships" xmlns:p="http://schemas.openxmlformats.org/presentationml/2006/main">
   <p:cSld>
     <p:spTree>
@@ -12902,7 +13139,7 @@
 </p:sld>
 </file>
 
-<file path=ppt/slides/slide21.xml><?xml version="1.0" encoding="utf-8"?>
+<file path=ppt/slides/slide22.xml><?xml version="1.0" encoding="utf-8"?>
 <p:sld xmlns:a="http://schemas.openxmlformats.org/drawingml/2006/main" xmlns:r="http://schemas.openxmlformats.org/officeDocument/2006/relationships" xmlns:p="http://schemas.openxmlformats.org/presentationml/2006/main">
   <p:cSld>
     <p:spTree>
@@ -13027,7 +13264,7 @@
 </p:sld>
 </file>
 
-<file path=ppt/slides/slide22.xml><?xml version="1.0" encoding="utf-8"?>
+<file path=ppt/slides/slide23.xml><?xml version="1.0" encoding="utf-8"?>
 <p:sld xmlns:a="http://schemas.openxmlformats.org/drawingml/2006/main" xmlns:r="http://schemas.openxmlformats.org/officeDocument/2006/relationships" xmlns:p="http://schemas.openxmlformats.org/presentationml/2006/main">
   <p:cSld>
     <p:spTree>
@@ -13212,7 +13449,7 @@
 </p:sld>
 </file>
 
-<file path=ppt/slides/slide23.xml><?xml version="1.0" encoding="utf-8"?>
+<file path=ppt/slides/slide24.xml><?xml version="1.0" encoding="utf-8"?>
 <p:sld xmlns:a="http://schemas.openxmlformats.org/drawingml/2006/main" xmlns:r="http://schemas.openxmlformats.org/officeDocument/2006/relationships" xmlns:p="http://schemas.openxmlformats.org/presentationml/2006/main">
   <p:cSld>
     <p:spTree>
@@ -13310,7 +13547,7 @@
 </p:sld>
 </file>
 
-<file path=ppt/slides/slide24.xml><?xml version="1.0" encoding="utf-8"?>
+<file path=ppt/slides/slide25.xml><?xml version="1.0" encoding="utf-8"?>
 <p:sld xmlns:a="http://schemas.openxmlformats.org/drawingml/2006/main" xmlns:r="http://schemas.openxmlformats.org/officeDocument/2006/relationships" xmlns:p="http://schemas.openxmlformats.org/presentationml/2006/main">
   <p:cSld>
     <p:spTree>
@@ -13430,108 +13667,6 @@
 </p:sld>
 </file>
 
-<file path=ppt/slides/slide25.xml><?xml version="1.0" encoding="utf-8"?>
-<p:sld xmlns:a="http://schemas.openxmlformats.org/drawingml/2006/main" xmlns:r="http://schemas.openxmlformats.org/officeDocument/2006/relationships" xmlns:p="http://schemas.openxmlformats.org/presentationml/2006/main">
-  <p:cSld>
-    <p:spTree>
-      <p:nvGrpSpPr>
-        <p:cNvPr id="1" name=""/>
-        <p:cNvGrpSpPr/>
-        <p:nvPr/>
-      </p:nvGrpSpPr>
-      <p:grpSpPr>
-        <a:xfrm>
-          <a:off x="0" y="0"/>
-          <a:ext cx="0" cy="0"/>
-          <a:chOff x="0" y="0"/>
-          <a:chExt cx="0" cy="0"/>
-        </a:xfrm>
-      </p:grpSpPr>
-      <p:sp>
-        <p:nvSpPr>
-          <p:cNvPr id="2" name="Title 1"/>
-          <p:cNvSpPr>
-            <a:spLocks noGrp="1"/>
-          </p:cNvSpPr>
-          <p:nvPr>
-            <p:ph type="title"/>
-          </p:nvPr>
-        </p:nvSpPr>
-        <p:spPr/>
-        <p:txBody>
-          <a:bodyPr/>
-          <a:lstStyle/>
-          <a:p>
-            <a:r>
-              <a:rPr lang="nl-BE" dirty="0" err="1" smtClean="0"/>
-              <a:t>Durandal</a:t>
-            </a:r>
-            <a:r>
-              <a:rPr lang="nl-BE" dirty="0" smtClean="0"/>
-              <a:t>: modules</a:t>
-            </a:r>
-            <a:endParaRPr lang="en-US" dirty="0"/>
-          </a:p>
-        </p:txBody>
-      </p:sp>
-      <p:sp>
-        <p:nvSpPr>
-          <p:cNvPr id="3" name="Content Placeholder 2"/>
-          <p:cNvSpPr>
-            <a:spLocks noGrp="1"/>
-          </p:cNvSpPr>
-          <p:nvPr>
-            <p:ph idx="1"/>
-          </p:nvPr>
-        </p:nvSpPr>
-        <p:spPr/>
-        <p:txBody>
-          <a:bodyPr/>
-          <a:lstStyle/>
-          <a:p>
-            <a:r>
-              <a:rPr lang="nl-BE" dirty="0" smtClean="0"/>
-              <a:t>AMD modules met </a:t>
-            </a:r>
-            <a:r>
-              <a:rPr lang="nl-BE" dirty="0" err="1" smtClean="0"/>
-              <a:t>RequireJS</a:t>
-            </a:r>
-            <a:endParaRPr lang="nl-BE" dirty="0" smtClean="0"/>
-          </a:p>
-          <a:p>
-            <a:r>
-              <a:rPr lang="nl-BE" dirty="0" smtClean="0"/>
-              <a:t>Iedere module krijgt een eigen </a:t>
-            </a:r>
-            <a:r>
-              <a:rPr lang="nl-BE" dirty="0" err="1" smtClean="0"/>
-              <a:t>id</a:t>
-            </a:r>
-            <a:endParaRPr lang="en-US" dirty="0"/>
-          </a:p>
-        </p:txBody>
-      </p:sp>
-    </p:spTree>
-    <p:extLst>
-      <p:ext uri="{BB962C8B-B14F-4D97-AF65-F5344CB8AC3E}">
-        <p14:creationId xmlns:p14="http://schemas.microsoft.com/office/powerpoint/2010/main" val="1210736706"/>
-      </p:ext>
-    </p:extLst>
-  </p:cSld>
-  <p:clrMapOvr>
-    <a:masterClrMapping/>
-  </p:clrMapOvr>
-  <p:timing>
-    <p:tnLst>
-      <p:par>
-        <p:cTn id="1" dur="indefinite" restart="never" nodeType="tmRoot"/>
-      </p:par>
-    </p:tnLst>
-  </p:timing>
-</p:sld>
-</file>
-
 <file path=ppt/slides/slide26.xml><?xml version="1.0" encoding="utf-8"?>
 <p:sld xmlns:a="http://schemas.openxmlformats.org/drawingml/2006/main" xmlns:r="http://schemas.openxmlformats.org/officeDocument/2006/relationships" xmlns:p="http://schemas.openxmlformats.org/presentationml/2006/main">
   <p:cSld>
@@ -13570,7 +13705,7 @@
             </a:r>
             <a:r>
               <a:rPr lang="nl-BE" dirty="0" smtClean="0"/>
-              <a:t>: views</a:t>
+              <a:t>: modules</a:t>
             </a:r>
             <a:endParaRPr lang="en-US" dirty="0"/>
           </a:p>
@@ -13593,27 +13728,22 @@
           <a:p>
             <a:r>
               <a:rPr lang="nl-BE" dirty="0" smtClean="0"/>
-              <a:t>Gewoon html bestand</a:t>
-            </a:r>
-          </a:p>
-          <a:p>
-            <a:r>
-              <a:rPr lang="nl-BE" dirty="0" smtClean="0"/>
-              <a:t>Slechts 1 root element</a:t>
-            </a:r>
-          </a:p>
-          <a:p>
-            <a:r>
-              <a:rPr lang="nl-BE" dirty="0" smtClean="0"/>
-              <a:t>Databinding (</a:t>
-            </a:r>
-            <a:r>
-              <a:rPr lang="nl-BE" dirty="0" err="1" smtClean="0"/>
-              <a:t>Knockout</a:t>
-            </a:r>
-            <a:r>
-              <a:rPr lang="nl-BE" dirty="0" smtClean="0"/>
-              <a:t>!) verbindt view met module</a:t>
+              <a:t>AMD modules met </a:t>
+            </a:r>
+            <a:r>
+              <a:rPr lang="nl-BE" dirty="0" err="1" smtClean="0"/>
+              <a:t>RequireJS</a:t>
+            </a:r>
+            <a:endParaRPr lang="nl-BE" dirty="0" smtClean="0"/>
+          </a:p>
+          <a:p>
+            <a:r>
+              <a:rPr lang="nl-BE" dirty="0" smtClean="0"/>
+              <a:t>Iedere module krijgt een eigen </a:t>
+            </a:r>
+            <a:r>
+              <a:rPr lang="nl-BE" dirty="0" err="1" smtClean="0"/>
+              <a:t>id</a:t>
             </a:r>
             <a:endParaRPr lang="en-US" dirty="0"/>
           </a:p>
@@ -13622,7 +13752,7 @@
     </p:spTree>
     <p:extLst>
       <p:ext uri="{BB962C8B-B14F-4D97-AF65-F5344CB8AC3E}">
-        <p14:creationId xmlns:p14="http://schemas.microsoft.com/office/powerpoint/2010/main" val="1784123812"/>
+        <p14:creationId xmlns:p14="http://schemas.microsoft.com/office/powerpoint/2010/main" val="1210736706"/>
       </p:ext>
     </p:extLst>
   </p:cSld>
@@ -13677,11 +13807,7 @@
             </a:r>
             <a:r>
               <a:rPr lang="nl-BE" dirty="0" smtClean="0"/>
-              <a:t>: views en </a:t>
-            </a:r>
-            <a:r>
-              <a:rPr lang="nl-BE" dirty="0" err="1" smtClean="0"/>
-              <a:t>viewmodels</a:t>
+              <a:t>: views</a:t>
             </a:r>
             <a:endParaRPr lang="en-US" dirty="0"/>
           </a:p>
@@ -13703,38 +13829,28 @@
           <a:lstStyle/>
           <a:p>
             <a:r>
-              <a:rPr lang="nl-BE" dirty="0" err="1" smtClean="0"/>
-              <a:t>Convention</a:t>
-            </a:r>
-            <a:r>
-              <a:rPr lang="nl-BE" dirty="0" smtClean="0"/>
-              <a:t>:</a:t>
-            </a:r>
-          </a:p>
-          <a:p>
-            <a:pPr lvl="1"/>
-            <a:r>
-              <a:rPr lang="nl-BE" dirty="0" err="1"/>
-              <a:t>v</a:t>
-            </a:r>
-            <a:r>
-              <a:rPr lang="nl-BE" dirty="0" err="1" smtClean="0"/>
-              <a:t>iewmodels</a:t>
-            </a:r>
-            <a:r>
-              <a:rPr lang="nl-BE" dirty="0" smtClean="0"/>
-              <a:t>/customerList.js</a:t>
-            </a:r>
-          </a:p>
-          <a:p>
-            <a:pPr lvl="1"/>
-            <a:r>
-              <a:rPr lang="nl-BE" dirty="0"/>
-              <a:t>v</a:t>
-            </a:r>
-            <a:r>
-              <a:rPr lang="nl-BE" dirty="0" smtClean="0"/>
-              <a:t>iews/customerList.html</a:t>
+              <a:rPr lang="nl-BE" dirty="0" smtClean="0"/>
+              <a:t>Gewoon html bestand</a:t>
+            </a:r>
+          </a:p>
+          <a:p>
+            <a:r>
+              <a:rPr lang="nl-BE" dirty="0" smtClean="0"/>
+              <a:t>Slechts 1 root element</a:t>
+            </a:r>
+          </a:p>
+          <a:p>
+            <a:r>
+              <a:rPr lang="nl-BE" dirty="0" smtClean="0"/>
+              <a:t>Databinding (</a:t>
+            </a:r>
+            <a:r>
+              <a:rPr lang="nl-BE" dirty="0" err="1" smtClean="0"/>
+              <a:t>Knockout</a:t>
+            </a:r>
+            <a:r>
+              <a:rPr lang="nl-BE" dirty="0" smtClean="0"/>
+              <a:t>!) verbindt view met module</a:t>
             </a:r>
             <a:endParaRPr lang="en-US" dirty="0"/>
           </a:p>
@@ -13743,7 +13859,7 @@
     </p:spTree>
     <p:extLst>
       <p:ext uri="{BB962C8B-B14F-4D97-AF65-F5344CB8AC3E}">
-        <p14:creationId xmlns:p14="http://schemas.microsoft.com/office/powerpoint/2010/main" val="1783479636"/>
+        <p14:creationId xmlns:p14="http://schemas.microsoft.com/office/powerpoint/2010/main" val="1784123812"/>
       </p:ext>
     </p:extLst>
   </p:cSld>
@@ -13798,6 +13914,127 @@
             </a:r>
             <a:r>
               <a:rPr lang="nl-BE" dirty="0" smtClean="0"/>
+              <a:t>: views en </a:t>
+            </a:r>
+            <a:r>
+              <a:rPr lang="nl-BE" dirty="0" err="1" smtClean="0"/>
+              <a:t>viewmodels</a:t>
+            </a:r>
+            <a:endParaRPr lang="en-US" dirty="0"/>
+          </a:p>
+        </p:txBody>
+      </p:sp>
+      <p:sp>
+        <p:nvSpPr>
+          <p:cNvPr id="3" name="Content Placeholder 2"/>
+          <p:cNvSpPr>
+            <a:spLocks noGrp="1"/>
+          </p:cNvSpPr>
+          <p:nvPr>
+            <p:ph idx="1"/>
+          </p:nvPr>
+        </p:nvSpPr>
+        <p:spPr/>
+        <p:txBody>
+          <a:bodyPr/>
+          <a:lstStyle/>
+          <a:p>
+            <a:r>
+              <a:rPr lang="nl-BE" dirty="0" err="1" smtClean="0"/>
+              <a:t>Convention</a:t>
+            </a:r>
+            <a:r>
+              <a:rPr lang="nl-BE" dirty="0" smtClean="0"/>
+              <a:t>:</a:t>
+            </a:r>
+          </a:p>
+          <a:p>
+            <a:pPr lvl="1"/>
+            <a:r>
+              <a:rPr lang="nl-BE" dirty="0" err="1"/>
+              <a:t>v</a:t>
+            </a:r>
+            <a:r>
+              <a:rPr lang="nl-BE" dirty="0" err="1" smtClean="0"/>
+              <a:t>iewmodels</a:t>
+            </a:r>
+            <a:r>
+              <a:rPr lang="nl-BE" dirty="0" smtClean="0"/>
+              <a:t>/customerList.js</a:t>
+            </a:r>
+          </a:p>
+          <a:p>
+            <a:pPr lvl="1"/>
+            <a:r>
+              <a:rPr lang="nl-BE" dirty="0"/>
+              <a:t>v</a:t>
+            </a:r>
+            <a:r>
+              <a:rPr lang="nl-BE" dirty="0" smtClean="0"/>
+              <a:t>iews/customerList.html</a:t>
+            </a:r>
+            <a:endParaRPr lang="en-US" dirty="0"/>
+          </a:p>
+        </p:txBody>
+      </p:sp>
+    </p:spTree>
+    <p:extLst>
+      <p:ext uri="{BB962C8B-B14F-4D97-AF65-F5344CB8AC3E}">
+        <p14:creationId xmlns:p14="http://schemas.microsoft.com/office/powerpoint/2010/main" val="1783479636"/>
+      </p:ext>
+    </p:extLst>
+  </p:cSld>
+  <p:clrMapOvr>
+    <a:masterClrMapping/>
+  </p:clrMapOvr>
+  <p:timing>
+    <p:tnLst>
+      <p:par>
+        <p:cTn id="1" dur="indefinite" restart="never" nodeType="tmRoot"/>
+      </p:par>
+    </p:tnLst>
+  </p:timing>
+</p:sld>
+</file>
+
+<file path=ppt/slides/slide29.xml><?xml version="1.0" encoding="utf-8"?>
+<p:sld xmlns:a="http://schemas.openxmlformats.org/drawingml/2006/main" xmlns:r="http://schemas.openxmlformats.org/officeDocument/2006/relationships" xmlns:p="http://schemas.openxmlformats.org/presentationml/2006/main">
+  <p:cSld>
+    <p:spTree>
+      <p:nvGrpSpPr>
+        <p:cNvPr id="1" name=""/>
+        <p:cNvGrpSpPr/>
+        <p:nvPr/>
+      </p:nvGrpSpPr>
+      <p:grpSpPr>
+        <a:xfrm>
+          <a:off x="0" y="0"/>
+          <a:ext cx="0" cy="0"/>
+          <a:chOff x="0" y="0"/>
+          <a:chExt cx="0" cy="0"/>
+        </a:xfrm>
+      </p:grpSpPr>
+      <p:sp>
+        <p:nvSpPr>
+          <p:cNvPr id="2" name="Title 1"/>
+          <p:cNvSpPr>
+            <a:spLocks noGrp="1"/>
+          </p:cNvSpPr>
+          <p:nvPr>
+            <p:ph type="title"/>
+          </p:nvPr>
+        </p:nvSpPr>
+        <p:spPr/>
+        <p:txBody>
+          <a:bodyPr/>
+          <a:lstStyle/>
+          <a:p>
+            <a:r>
+              <a:rPr lang="nl-BE" dirty="0" err="1" smtClean="0"/>
+              <a:t>Durandal</a:t>
+            </a:r>
+            <a:r>
+              <a:rPr lang="nl-BE" dirty="0" smtClean="0"/>
               <a:t>: </a:t>
             </a:r>
             <a:r>
@@ -13866,7 +14103,104 @@
 </p:sld>
 </file>
 
-<file path=ppt/slides/slide29.xml><?xml version="1.0" encoding="utf-8"?>
+<file path=ppt/slides/slide3.xml><?xml version="1.0" encoding="utf-8"?>
+<p:sld xmlns:a="http://schemas.openxmlformats.org/drawingml/2006/main" xmlns:r="http://schemas.openxmlformats.org/officeDocument/2006/relationships" xmlns:p="http://schemas.openxmlformats.org/presentationml/2006/main">
+  <p:cSld>
+    <p:spTree>
+      <p:nvGrpSpPr>
+        <p:cNvPr id="1" name=""/>
+        <p:cNvGrpSpPr/>
+        <p:nvPr/>
+      </p:nvGrpSpPr>
+      <p:grpSpPr>
+        <a:xfrm>
+          <a:off x="0" y="0"/>
+          <a:ext cx="0" cy="0"/>
+          <a:chOff x="0" y="0"/>
+          <a:chExt cx="0" cy="0"/>
+        </a:xfrm>
+      </p:grpSpPr>
+      <p:sp>
+        <p:nvSpPr>
+          <p:cNvPr id="2" name="Title 1"/>
+          <p:cNvSpPr>
+            <a:spLocks noGrp="1"/>
+          </p:cNvSpPr>
+          <p:nvPr>
+            <p:ph type="title"/>
+          </p:nvPr>
+        </p:nvSpPr>
+        <p:spPr/>
+        <p:txBody>
+          <a:bodyPr/>
+          <a:lstStyle/>
+          <a:p>
+            <a:r>
+              <a:rPr lang="nl-BE" dirty="0" smtClean="0"/>
+              <a:t>Drie hoofdbrokken</a:t>
+            </a:r>
+            <a:endParaRPr lang="en-US" dirty="0"/>
+          </a:p>
+        </p:txBody>
+      </p:sp>
+      <p:sp>
+        <p:nvSpPr>
+          <p:cNvPr id="3" name="Content Placeholder 2"/>
+          <p:cNvSpPr>
+            <a:spLocks noGrp="1"/>
+          </p:cNvSpPr>
+          <p:nvPr>
+            <p:ph idx="1"/>
+          </p:nvPr>
+        </p:nvSpPr>
+        <p:spPr/>
+        <p:txBody>
+          <a:bodyPr/>
+          <a:lstStyle/>
+          <a:p>
+            <a:r>
+              <a:rPr lang="nl-BE" dirty="0" err="1" smtClean="0"/>
+              <a:t>jQuery</a:t>
+            </a:r>
+            <a:endParaRPr lang="nl-BE" dirty="0" smtClean="0"/>
+          </a:p>
+          <a:p>
+            <a:r>
+              <a:rPr lang="nl-BE" dirty="0" err="1" smtClean="0"/>
+              <a:t>RequireJS</a:t>
+            </a:r>
+            <a:endParaRPr lang="nl-BE" dirty="0" smtClean="0"/>
+          </a:p>
+          <a:p>
+            <a:r>
+              <a:rPr lang="nl-BE" dirty="0" err="1" smtClean="0"/>
+              <a:t>Knockout</a:t>
+            </a:r>
+            <a:endParaRPr lang="en-US" dirty="0"/>
+          </a:p>
+        </p:txBody>
+      </p:sp>
+    </p:spTree>
+    <p:extLst>
+      <p:ext uri="{BB962C8B-B14F-4D97-AF65-F5344CB8AC3E}">
+        <p14:creationId xmlns:p14="http://schemas.microsoft.com/office/powerpoint/2010/main" val="985917149"/>
+      </p:ext>
+    </p:extLst>
+  </p:cSld>
+  <p:clrMapOvr>
+    <a:masterClrMapping/>
+  </p:clrMapOvr>
+  <p:timing>
+    <p:tnLst>
+      <p:par>
+        <p:cTn id="1" dur="indefinite" restart="never" nodeType="tmRoot"/>
+      </p:par>
+    </p:tnLst>
+  </p:timing>
+</p:sld>
+</file>
+
+<file path=ppt/slides/slide30.xml><?xml version="1.0" encoding="utf-8"?>
 <p:sld xmlns:a="http://schemas.openxmlformats.org/drawingml/2006/main" xmlns:r="http://schemas.openxmlformats.org/officeDocument/2006/relationships" xmlns:p="http://schemas.openxmlformats.org/presentationml/2006/main">
   <p:cSld>
     <p:spTree>
@@ -13992,104 +14326,7 @@
 </p:sld>
 </file>
 
-<file path=ppt/slides/slide3.xml><?xml version="1.0" encoding="utf-8"?>
-<p:sld xmlns:a="http://schemas.openxmlformats.org/drawingml/2006/main" xmlns:r="http://schemas.openxmlformats.org/officeDocument/2006/relationships" xmlns:p="http://schemas.openxmlformats.org/presentationml/2006/main">
-  <p:cSld>
-    <p:spTree>
-      <p:nvGrpSpPr>
-        <p:cNvPr id="1" name=""/>
-        <p:cNvGrpSpPr/>
-        <p:nvPr/>
-      </p:nvGrpSpPr>
-      <p:grpSpPr>
-        <a:xfrm>
-          <a:off x="0" y="0"/>
-          <a:ext cx="0" cy="0"/>
-          <a:chOff x="0" y="0"/>
-          <a:chExt cx="0" cy="0"/>
-        </a:xfrm>
-      </p:grpSpPr>
-      <p:sp>
-        <p:nvSpPr>
-          <p:cNvPr id="2" name="Title 1"/>
-          <p:cNvSpPr>
-            <a:spLocks noGrp="1"/>
-          </p:cNvSpPr>
-          <p:nvPr>
-            <p:ph type="title"/>
-          </p:nvPr>
-        </p:nvSpPr>
-        <p:spPr/>
-        <p:txBody>
-          <a:bodyPr/>
-          <a:lstStyle/>
-          <a:p>
-            <a:r>
-              <a:rPr lang="nl-BE" dirty="0" smtClean="0"/>
-              <a:t>Drie hoofdbrokken</a:t>
-            </a:r>
-            <a:endParaRPr lang="en-US" dirty="0"/>
-          </a:p>
-        </p:txBody>
-      </p:sp>
-      <p:sp>
-        <p:nvSpPr>
-          <p:cNvPr id="3" name="Content Placeholder 2"/>
-          <p:cNvSpPr>
-            <a:spLocks noGrp="1"/>
-          </p:cNvSpPr>
-          <p:nvPr>
-            <p:ph idx="1"/>
-          </p:nvPr>
-        </p:nvSpPr>
-        <p:spPr/>
-        <p:txBody>
-          <a:bodyPr/>
-          <a:lstStyle/>
-          <a:p>
-            <a:r>
-              <a:rPr lang="nl-BE" dirty="0" err="1" smtClean="0"/>
-              <a:t>jQuery</a:t>
-            </a:r>
-            <a:endParaRPr lang="nl-BE" dirty="0" smtClean="0"/>
-          </a:p>
-          <a:p>
-            <a:r>
-              <a:rPr lang="nl-BE" dirty="0" err="1" smtClean="0"/>
-              <a:t>RequireJS</a:t>
-            </a:r>
-            <a:endParaRPr lang="nl-BE" dirty="0" smtClean="0"/>
-          </a:p>
-          <a:p>
-            <a:r>
-              <a:rPr lang="nl-BE" dirty="0" err="1" smtClean="0"/>
-              <a:t>Knockout</a:t>
-            </a:r>
-            <a:endParaRPr lang="en-US" dirty="0"/>
-          </a:p>
-        </p:txBody>
-      </p:sp>
-    </p:spTree>
-    <p:extLst>
-      <p:ext uri="{BB962C8B-B14F-4D97-AF65-F5344CB8AC3E}">
-        <p14:creationId xmlns:p14="http://schemas.microsoft.com/office/powerpoint/2010/main" val="985917149"/>
-      </p:ext>
-    </p:extLst>
-  </p:cSld>
-  <p:clrMapOvr>
-    <a:masterClrMapping/>
-  </p:clrMapOvr>
-  <p:timing>
-    <p:tnLst>
-      <p:par>
-        <p:cTn id="1" dur="indefinite" restart="never" nodeType="tmRoot"/>
-      </p:par>
-    </p:tnLst>
-  </p:timing>
-</p:sld>
-</file>
-
-<file path=ppt/slides/slide30.xml><?xml version="1.0" encoding="utf-8"?>
+<file path=ppt/slides/slide31.xml><?xml version="1.0" encoding="utf-8"?>
 <p:sld xmlns:a="http://schemas.openxmlformats.org/drawingml/2006/main" xmlns:r="http://schemas.openxmlformats.org/officeDocument/2006/relationships" xmlns:p="http://schemas.openxmlformats.org/presentationml/2006/main">
   <p:cSld>
     <p:spTree>
@@ -14310,7 +14547,7 @@
 </p:sld>
 </file>
 
-<file path=ppt/slides/slide31.xml><?xml version="1.0" encoding="utf-8"?>
+<file path=ppt/slides/slide32.xml><?xml version="1.0" encoding="utf-8"?>
 <p:sld xmlns:a="http://schemas.openxmlformats.org/drawingml/2006/main" xmlns:r="http://schemas.openxmlformats.org/officeDocument/2006/relationships" xmlns:p="http://schemas.openxmlformats.org/presentationml/2006/main">
   <p:cSld>
     <p:spTree>
@@ -14489,7 +14726,7 @@
 </p:sld>
 </file>
 
-<file path=ppt/slides/slide32.xml><?xml version="1.0" encoding="utf-8"?>
+<file path=ppt/slides/slide33.xml><?xml version="1.0" encoding="utf-8"?>
 <p:sld xmlns:a="http://schemas.openxmlformats.org/drawingml/2006/main" xmlns:r="http://schemas.openxmlformats.org/officeDocument/2006/relationships" xmlns:p="http://schemas.openxmlformats.org/presentationml/2006/main">
   <p:cSld>
     <p:spTree>
@@ -14588,7 +14825,7 @@
 </p:sld>
 </file>
 
-<file path=ppt/slides/slide33.xml><?xml version="1.0" encoding="utf-8"?>
+<file path=ppt/slides/slide34.xml><?xml version="1.0" encoding="utf-8"?>
 <p:sld xmlns:a="http://schemas.openxmlformats.org/drawingml/2006/main" xmlns:r="http://schemas.openxmlformats.org/officeDocument/2006/relationships" xmlns:p="http://schemas.openxmlformats.org/presentationml/2006/main">
   <p:cSld>
     <p:spTree>
@@ -14686,7 +14923,7 @@
 </p:sld>
 </file>
 
-<file path=ppt/slides/slide34.xml><?xml version="1.0" encoding="utf-8"?>
+<file path=ppt/slides/slide35.xml><?xml version="1.0" encoding="utf-8"?>
 <p:sld xmlns:a="http://schemas.openxmlformats.org/drawingml/2006/main" xmlns:r="http://schemas.openxmlformats.org/officeDocument/2006/relationships" xmlns:p="http://schemas.openxmlformats.org/presentationml/2006/main">
   <p:cSld>
     <p:spTree>
@@ -14784,7 +15021,7 @@
 </p:sld>
 </file>
 
-<file path=ppt/slides/slide35.xml><?xml version="1.0" encoding="utf-8"?>
+<file path=ppt/slides/slide36.xml><?xml version="1.0" encoding="utf-8"?>
 <p:sld xmlns:a="http://schemas.openxmlformats.org/drawingml/2006/main" xmlns:r="http://schemas.openxmlformats.org/officeDocument/2006/relationships" xmlns:p="http://schemas.openxmlformats.org/presentationml/2006/main">
   <p:cSld>
     <p:spTree>
@@ -14882,118 +15119,6 @@
 </p:sld>
 </file>
 
-<file path=ppt/slides/slide36.xml><?xml version="1.0" encoding="utf-8"?>
-<p:sld xmlns:a="http://schemas.openxmlformats.org/drawingml/2006/main" xmlns:r="http://schemas.openxmlformats.org/officeDocument/2006/relationships" xmlns:p="http://schemas.openxmlformats.org/presentationml/2006/main">
-  <p:cSld>
-    <p:spTree>
-      <p:nvGrpSpPr>
-        <p:cNvPr id="1" name=""/>
-        <p:cNvGrpSpPr/>
-        <p:nvPr/>
-      </p:nvGrpSpPr>
-      <p:grpSpPr>
-        <a:xfrm>
-          <a:off x="0" y="0"/>
-          <a:ext cx="0" cy="0"/>
-          <a:chOff x="0" y="0"/>
-          <a:chExt cx="0" cy="0"/>
-        </a:xfrm>
-      </p:grpSpPr>
-      <p:sp>
-        <p:nvSpPr>
-          <p:cNvPr id="2" name="Title 1"/>
-          <p:cNvSpPr>
-            <a:spLocks noGrp="1"/>
-          </p:cNvSpPr>
-          <p:nvPr>
-            <p:ph type="title"/>
-          </p:nvPr>
-        </p:nvSpPr>
-        <p:spPr/>
-        <p:txBody>
-          <a:bodyPr/>
-          <a:lstStyle/>
-          <a:p>
-            <a:r>
-              <a:rPr lang="nl-BE" dirty="0" err="1" smtClean="0"/>
-              <a:t>Durandal</a:t>
-            </a:r>
-            <a:r>
-              <a:rPr lang="nl-BE" dirty="0" smtClean="0"/>
-              <a:t>: </a:t>
-            </a:r>
-            <a:r>
-              <a:rPr lang="nl-BE" dirty="0" err="1" smtClean="0"/>
-              <a:t>plugins</a:t>
-            </a:r>
-            <a:endParaRPr lang="en-US" dirty="0"/>
-          </a:p>
-        </p:txBody>
-      </p:sp>
-      <p:sp>
-        <p:nvSpPr>
-          <p:cNvPr id="3" name="Content Placeholder 2"/>
-          <p:cNvSpPr>
-            <a:spLocks noGrp="1"/>
-          </p:cNvSpPr>
-          <p:nvPr>
-            <p:ph idx="1"/>
-          </p:nvPr>
-        </p:nvSpPr>
-        <p:spPr/>
-        <p:txBody>
-          <a:bodyPr/>
-          <a:lstStyle/>
-          <a:p>
-            <a:r>
-              <a:rPr lang="nl-BE" dirty="0" smtClean="0"/>
-              <a:t>http en </a:t>
-            </a:r>
-            <a:r>
-              <a:rPr lang="nl-BE" dirty="0" err="1" smtClean="0"/>
-              <a:t>serializer</a:t>
-            </a:r>
-            <a:r>
-              <a:rPr lang="nl-BE" dirty="0" smtClean="0"/>
-              <a:t> </a:t>
-            </a:r>
-          </a:p>
-          <a:p>
-            <a:r>
-              <a:rPr lang="nl-BE" dirty="0" err="1" smtClean="0"/>
-              <a:t>observable</a:t>
-            </a:r>
-            <a:endParaRPr lang="nl-BE" dirty="0" smtClean="0"/>
-          </a:p>
-          <a:p>
-            <a:r>
-              <a:rPr lang="nl-BE" dirty="0" smtClean="0"/>
-              <a:t>…</a:t>
-            </a:r>
-            <a:endParaRPr lang="en-US" dirty="0"/>
-          </a:p>
-        </p:txBody>
-      </p:sp>
-    </p:spTree>
-    <p:extLst>
-      <p:ext uri="{BB962C8B-B14F-4D97-AF65-F5344CB8AC3E}">
-        <p14:creationId xmlns:p14="http://schemas.microsoft.com/office/powerpoint/2010/main" val="3074774415"/>
-      </p:ext>
-    </p:extLst>
-  </p:cSld>
-  <p:clrMapOvr>
-    <a:masterClrMapping/>
-  </p:clrMapOvr>
-  <p:timing>
-    <p:tnLst>
-      <p:par>
-        <p:cTn id="1" dur="indefinite" restart="never" nodeType="tmRoot"/>
-      </p:par>
-    </p:tnLst>
-  </p:timing>
-</p:sld>
-</file>
-
 <file path=ppt/slides/slide37.xml><?xml version="1.0" encoding="utf-8"?>
 <p:sld xmlns:a="http://schemas.openxmlformats.org/drawingml/2006/main" xmlns:r="http://schemas.openxmlformats.org/officeDocument/2006/relationships" xmlns:p="http://schemas.openxmlformats.org/presentationml/2006/main">
   <p:cSld>
@@ -15032,7 +15157,11 @@
             </a:r>
             <a:r>
               <a:rPr lang="nl-BE" dirty="0" smtClean="0"/>
-              <a:t>: main.js</a:t>
+              <a:t>: </a:t>
+            </a:r>
+            <a:r>
+              <a:rPr lang="nl-BE" dirty="0" err="1" smtClean="0"/>
+              <a:t>plugins</a:t>
             </a:r>
             <a:endParaRPr lang="en-US" dirty="0"/>
           </a:p>
@@ -15055,57 +15184,28 @@
           <a:p>
             <a:r>
               <a:rPr lang="nl-BE" dirty="0" smtClean="0"/>
-              <a:t>Configuratie van </a:t>
-            </a:r>
-            <a:r>
-              <a:rPr lang="nl-BE" dirty="0" err="1" smtClean="0"/>
-              <a:t>RequireJS</a:t>
-            </a:r>
-            <a:r>
-              <a:rPr lang="nl-BE" dirty="0" smtClean="0"/>
-              <a:t> en </a:t>
-            </a:r>
-            <a:r>
-              <a:rPr lang="nl-BE" dirty="0" err="1" smtClean="0"/>
-              <a:t>Durandal</a:t>
+              <a:t>http en </a:t>
+            </a:r>
+            <a:r>
+              <a:rPr lang="nl-BE" dirty="0" err="1" smtClean="0"/>
+              <a:t>serializer</a:t>
+            </a:r>
+            <a:r>
+              <a:rPr lang="nl-BE" dirty="0" smtClean="0"/>
+              <a:t> </a:t>
+            </a:r>
+          </a:p>
+          <a:p>
+            <a:r>
+              <a:rPr lang="nl-BE" dirty="0" err="1" smtClean="0"/>
+              <a:t>observable</a:t>
             </a:r>
             <a:endParaRPr lang="nl-BE" dirty="0" smtClean="0"/>
           </a:p>
           <a:p>
             <a:r>
               <a:rPr lang="nl-BE" dirty="0" smtClean="0"/>
-              <a:t>Andere </a:t>
-            </a:r>
-            <a:r>
-              <a:rPr lang="nl-BE" dirty="0" err="1" smtClean="0"/>
-              <a:t>libraries</a:t>
-            </a:r>
-            <a:r>
-              <a:rPr lang="nl-BE" dirty="0" smtClean="0"/>
-              <a:t>:</a:t>
-            </a:r>
-          </a:p>
-          <a:p>
-            <a:pPr lvl="1"/>
-            <a:r>
-              <a:rPr lang="nl-BE" dirty="0" smtClean="0"/>
-              <a:t>Vóór </a:t>
-            </a:r>
-            <a:r>
-              <a:rPr lang="nl-BE" dirty="0" err="1" smtClean="0"/>
-              <a:t>RequireJS</a:t>
-            </a:r>
-            <a:endParaRPr lang="nl-BE" dirty="0" smtClean="0"/>
-          </a:p>
-          <a:p>
-            <a:pPr lvl="1"/>
-            <a:r>
-              <a:rPr lang="nl-BE" dirty="0" smtClean="0"/>
-              <a:t>Via </a:t>
-            </a:r>
-            <a:r>
-              <a:rPr lang="nl-BE" dirty="0" err="1" smtClean="0"/>
-              <a:t>RequireJS</a:t>
+              <a:t>…</a:t>
             </a:r>
             <a:endParaRPr lang="en-US" dirty="0"/>
           </a:p>
@@ -15114,7 +15214,7 @@
     </p:spTree>
     <p:extLst>
       <p:ext uri="{BB962C8B-B14F-4D97-AF65-F5344CB8AC3E}">
-        <p14:creationId xmlns:p14="http://schemas.microsoft.com/office/powerpoint/2010/main" val="3983435886"/>
+        <p14:creationId xmlns:p14="http://schemas.microsoft.com/office/powerpoint/2010/main" val="3074774415"/>
       </p:ext>
     </p:extLst>
   </p:cSld>
@@ -15169,7 +15269,7 @@
             </a:r>
             <a:r>
               <a:rPr lang="nl-BE" dirty="0" smtClean="0"/>
-              <a:t> en ASP.NET MVC</a:t>
+              <a:t>: main.js</a:t>
             </a:r>
             <a:endParaRPr lang="en-US" dirty="0"/>
           </a:p>
@@ -15191,12 +15291,58 @@
           <a:lstStyle/>
           <a:p>
             <a:r>
-              <a:rPr lang="nl-BE" dirty="0" err="1" smtClean="0"/>
-              <a:t>HotTowel</a:t>
-            </a:r>
-            <a:r>
-              <a:rPr lang="nl-BE" dirty="0" smtClean="0"/>
-              <a:t> template</a:t>
+              <a:rPr lang="nl-BE" dirty="0" smtClean="0"/>
+              <a:t>Configuratie van </a:t>
+            </a:r>
+            <a:r>
+              <a:rPr lang="nl-BE" dirty="0" err="1" smtClean="0"/>
+              <a:t>RequireJS</a:t>
+            </a:r>
+            <a:r>
+              <a:rPr lang="nl-BE" dirty="0" smtClean="0"/>
+              <a:t> en </a:t>
+            </a:r>
+            <a:r>
+              <a:rPr lang="nl-BE" dirty="0" err="1" smtClean="0"/>
+              <a:t>Durandal</a:t>
+            </a:r>
+            <a:endParaRPr lang="nl-BE" dirty="0" smtClean="0"/>
+          </a:p>
+          <a:p>
+            <a:r>
+              <a:rPr lang="nl-BE" dirty="0" smtClean="0"/>
+              <a:t>Andere </a:t>
+            </a:r>
+            <a:r>
+              <a:rPr lang="nl-BE" dirty="0" err="1" smtClean="0"/>
+              <a:t>libraries</a:t>
+            </a:r>
+            <a:r>
+              <a:rPr lang="nl-BE" dirty="0" smtClean="0"/>
+              <a:t>:</a:t>
+            </a:r>
+          </a:p>
+          <a:p>
+            <a:pPr lvl="1"/>
+            <a:r>
+              <a:rPr lang="nl-BE" dirty="0" smtClean="0"/>
+              <a:t>Vóór </a:t>
+            </a:r>
+            <a:r>
+              <a:rPr lang="nl-BE" dirty="0" err="1" smtClean="0"/>
+              <a:t>RequireJS</a:t>
+            </a:r>
+            <a:endParaRPr lang="nl-BE" dirty="0" smtClean="0"/>
+          </a:p>
+          <a:p>
+            <a:pPr lvl="1"/>
+            <a:r>
+              <a:rPr lang="nl-BE" dirty="0" smtClean="0"/>
+              <a:t>Via </a:t>
+            </a:r>
+            <a:r>
+              <a:rPr lang="nl-BE" dirty="0" err="1" smtClean="0"/>
+              <a:t>RequireJS</a:t>
             </a:r>
             <a:endParaRPr lang="en-US" dirty="0"/>
           </a:p>
@@ -15205,7 +15351,7 @@
     </p:spTree>
     <p:extLst>
       <p:ext uri="{BB962C8B-B14F-4D97-AF65-F5344CB8AC3E}">
-        <p14:creationId xmlns:p14="http://schemas.microsoft.com/office/powerpoint/2010/main" val="3353343187"/>
+        <p14:creationId xmlns:p14="http://schemas.microsoft.com/office/powerpoint/2010/main" val="3983435886"/>
       </p:ext>
     </p:extLst>
   </p:cSld>
@@ -15260,7 +15406,7 @@
             </a:r>
             <a:r>
               <a:rPr lang="nl-BE" dirty="0" smtClean="0"/>
-              <a:t>: nog veel meer</a:t>
+              <a:t> en ASP.NET MVC</a:t>
             </a:r>
             <a:endParaRPr lang="en-US" dirty="0"/>
           </a:p>
@@ -15278,218 +15424,25 @@
         </p:nvSpPr>
         <p:spPr/>
         <p:txBody>
-          <a:bodyPr>
-            <a:normAutofit fontScale="55000" lnSpcReduction="20000"/>
-          </a:bodyPr>
-          <a:lstStyle/>
-          <a:p>
-            <a:r>
-              <a:rPr lang="nl-BE" dirty="0" err="1" smtClean="0"/>
-              <a:t>Publish-subscribe</a:t>
-            </a:r>
-            <a:endParaRPr lang="nl-BE" dirty="0" smtClean="0"/>
-          </a:p>
-          <a:p>
-            <a:r>
-              <a:rPr lang="nl-BE" dirty="0" err="1" smtClean="0"/>
-              <a:t>Templatable</a:t>
-            </a:r>
-            <a:r>
-              <a:rPr lang="nl-BE" dirty="0" smtClean="0"/>
-              <a:t> </a:t>
-            </a:r>
-            <a:r>
-              <a:rPr lang="nl-BE" dirty="0" err="1" smtClean="0"/>
-              <a:t>widgets</a:t>
-            </a:r>
-            <a:endParaRPr lang="nl-BE" dirty="0" smtClean="0"/>
-          </a:p>
-          <a:p>
-            <a:r>
-              <a:rPr lang="nl-BE" dirty="0" smtClean="0"/>
-              <a:t>Child routers</a:t>
-            </a:r>
-          </a:p>
-          <a:p>
-            <a:r>
-              <a:rPr lang="nl-BE" dirty="0" err="1" smtClean="0"/>
-              <a:t>Custom</a:t>
-            </a:r>
-            <a:r>
-              <a:rPr lang="nl-BE" dirty="0" smtClean="0"/>
-              <a:t> project structuur (in plaats van /views/ en /</a:t>
-            </a:r>
-            <a:r>
-              <a:rPr lang="nl-BE" dirty="0" err="1" smtClean="0"/>
-              <a:t>viewModels</a:t>
-            </a:r>
-            <a:r>
-              <a:rPr lang="nl-BE" dirty="0" smtClean="0"/>
-              <a:t>/)</a:t>
-            </a:r>
-          </a:p>
-          <a:p>
-            <a:r>
-              <a:rPr lang="nl-BE" dirty="0" err="1" smtClean="0"/>
-              <a:t>Custom</a:t>
-            </a:r>
-            <a:r>
-              <a:rPr lang="nl-BE" dirty="0" smtClean="0"/>
-              <a:t> manier om </a:t>
-            </a:r>
-            <a:r>
-              <a:rPr lang="nl-BE" dirty="0" err="1" smtClean="0"/>
-              <a:t>moduleId</a:t>
-            </a:r>
-            <a:r>
-              <a:rPr lang="nl-BE" dirty="0" smtClean="0"/>
-              <a:t> toe te kennen en op te halen</a:t>
-            </a:r>
-          </a:p>
-          <a:p>
-            <a:r>
-              <a:rPr lang="nl-BE" dirty="0" err="1" smtClean="0"/>
-              <a:t>Custom</a:t>
-            </a:r>
-            <a:r>
-              <a:rPr lang="nl-BE" dirty="0" smtClean="0"/>
-              <a:t> manier om modules aan te maken</a:t>
-            </a:r>
-          </a:p>
-          <a:p>
-            <a:r>
-              <a:rPr lang="nl-BE" dirty="0" err="1" smtClean="0"/>
-              <a:t>system.guid</a:t>
-            </a:r>
-            <a:r>
-              <a:rPr lang="nl-BE" dirty="0" smtClean="0"/>
-              <a:t>()</a:t>
-            </a:r>
-          </a:p>
-          <a:p>
-            <a:r>
-              <a:rPr lang="nl-BE" dirty="0" err="1" smtClean="0"/>
-              <a:t>Custom</a:t>
-            </a:r>
-            <a:r>
-              <a:rPr lang="nl-BE" dirty="0" smtClean="0"/>
-              <a:t> manier om views te vinden</a:t>
-            </a:r>
-            <a:endParaRPr lang="en-US" dirty="0" smtClean="0"/>
-          </a:p>
-          <a:p>
-            <a:r>
-              <a:rPr lang="nl-BE" dirty="0" smtClean="0"/>
-              <a:t>Builden met </a:t>
-            </a:r>
-            <a:r>
-              <a:rPr lang="nl-BE" dirty="0" err="1" smtClean="0"/>
-              <a:t>NodeJS</a:t>
-            </a:r>
-            <a:r>
-              <a:rPr lang="nl-BE" dirty="0" smtClean="0"/>
-              <a:t> en </a:t>
-            </a:r>
-            <a:r>
-              <a:rPr lang="nl-BE" dirty="0" err="1" smtClean="0"/>
-              <a:t>Weyland</a:t>
-            </a:r>
-            <a:r>
-              <a:rPr lang="nl-BE" dirty="0" smtClean="0"/>
-              <a:t> (lint, </a:t>
-            </a:r>
-            <a:r>
-              <a:rPr lang="nl-BE" dirty="0" err="1" smtClean="0"/>
-              <a:t>minify</a:t>
-            </a:r>
-            <a:r>
-              <a:rPr lang="nl-BE" dirty="0" smtClean="0"/>
-              <a:t>, combine,…)</a:t>
-            </a:r>
-          </a:p>
-          <a:p>
-            <a:r>
-              <a:rPr lang="nl-BE" dirty="0" smtClean="0"/>
-              <a:t>Builden met </a:t>
-            </a:r>
-            <a:r>
-              <a:rPr lang="nl-BE" dirty="0" err="1" smtClean="0"/>
-              <a:t>NodeJS</a:t>
-            </a:r>
-            <a:r>
-              <a:rPr lang="nl-BE" dirty="0" smtClean="0"/>
-              <a:t> en </a:t>
-            </a:r>
-            <a:r>
-              <a:rPr lang="nl-BE" dirty="0" err="1" smtClean="0"/>
-              <a:t>Weyland</a:t>
-            </a:r>
-            <a:r>
-              <a:rPr lang="nl-BE" dirty="0" smtClean="0"/>
-              <a:t> vanuit Visual Studio</a:t>
-            </a:r>
-          </a:p>
-          <a:p>
-            <a:r>
-              <a:rPr lang="nl-BE" dirty="0" smtClean="0"/>
-              <a:t>Builden met Mimosa</a:t>
-            </a:r>
-          </a:p>
-          <a:p>
-            <a:r>
-              <a:rPr lang="nl-BE" dirty="0" smtClean="0"/>
-              <a:t>SEO mogelijkheden</a:t>
-            </a:r>
-          </a:p>
-          <a:p>
-            <a:r>
-              <a:rPr lang="nl-BE" dirty="0" smtClean="0"/>
-              <a:t>Integreer Q, </a:t>
-            </a:r>
-            <a:r>
-              <a:rPr lang="nl-BE" dirty="0" err="1" smtClean="0"/>
-              <a:t>Dojo</a:t>
-            </a:r>
-            <a:r>
-              <a:rPr lang="nl-BE" dirty="0" smtClean="0"/>
-              <a:t>, </a:t>
-            </a:r>
-            <a:r>
-              <a:rPr lang="nl-BE" dirty="0" err="1" smtClean="0"/>
-              <a:t>KendoUI</a:t>
-            </a:r>
-            <a:r>
-              <a:rPr lang="nl-BE" dirty="0" smtClean="0"/>
-              <a:t>, </a:t>
-            </a:r>
-            <a:r>
-              <a:rPr lang="nl-BE" dirty="0" err="1" smtClean="0"/>
-              <a:t>Almond</a:t>
-            </a:r>
-            <a:r>
-              <a:rPr lang="nl-BE" dirty="0" smtClean="0"/>
-              <a:t>, i18next,…</a:t>
-            </a:r>
-          </a:p>
-          <a:p>
-            <a:r>
-              <a:rPr lang="nl-BE" dirty="0" err="1" smtClean="0"/>
-              <a:t>PhoneGap</a:t>
-            </a:r>
-            <a:r>
-              <a:rPr lang="nl-BE" dirty="0" smtClean="0"/>
-              <a:t>, Node-Webkit, Windows 8</a:t>
-            </a:r>
-          </a:p>
-          <a:p>
-            <a:endParaRPr lang="nl-BE" dirty="0" smtClean="0"/>
+          <a:bodyPr/>
+          <a:lstStyle/>
+          <a:p>
+            <a:r>
+              <a:rPr lang="nl-BE" dirty="0" err="1" smtClean="0"/>
+              <a:t>HotTowel</a:t>
+            </a:r>
+            <a:r>
+              <a:rPr lang="nl-BE" dirty="0" smtClean="0"/>
+              <a:t> template</a:t>
+            </a:r>
+            <a:endParaRPr lang="en-US" dirty="0"/>
           </a:p>
         </p:txBody>
       </p:sp>
     </p:spTree>
     <p:extLst>
       <p:ext uri="{BB962C8B-B14F-4D97-AF65-F5344CB8AC3E}">
-        <p14:creationId xmlns:p14="http://schemas.microsoft.com/office/powerpoint/2010/main" val="2063716655"/>
+        <p14:creationId xmlns:p14="http://schemas.microsoft.com/office/powerpoint/2010/main" val="3353343187"/>
       </p:ext>
     </p:extLst>
   </p:cSld>
@@ -15659,6 +15612,290 @@
           <a:lstStyle/>
           <a:p>
             <a:r>
+              <a:rPr lang="nl-BE" dirty="0" err="1" smtClean="0"/>
+              <a:t>Durandal</a:t>
+            </a:r>
+            <a:r>
+              <a:rPr lang="nl-BE" dirty="0" smtClean="0"/>
+              <a:t>: nog veel meer</a:t>
+            </a:r>
+            <a:endParaRPr lang="en-US" dirty="0"/>
+          </a:p>
+        </p:txBody>
+      </p:sp>
+      <p:sp>
+        <p:nvSpPr>
+          <p:cNvPr id="3" name="Content Placeholder 2"/>
+          <p:cNvSpPr>
+            <a:spLocks noGrp="1"/>
+          </p:cNvSpPr>
+          <p:nvPr>
+            <p:ph idx="1"/>
+          </p:nvPr>
+        </p:nvSpPr>
+        <p:spPr/>
+        <p:txBody>
+          <a:bodyPr>
+            <a:normAutofit fontScale="55000" lnSpcReduction="20000"/>
+          </a:bodyPr>
+          <a:lstStyle/>
+          <a:p>
+            <a:r>
+              <a:rPr lang="nl-BE" dirty="0" err="1" smtClean="0"/>
+              <a:t>Publish-subscribe</a:t>
+            </a:r>
+            <a:endParaRPr lang="nl-BE" dirty="0" smtClean="0"/>
+          </a:p>
+          <a:p>
+            <a:r>
+              <a:rPr lang="nl-BE" dirty="0" err="1" smtClean="0"/>
+              <a:t>Templatable</a:t>
+            </a:r>
+            <a:r>
+              <a:rPr lang="nl-BE" dirty="0" smtClean="0"/>
+              <a:t> </a:t>
+            </a:r>
+            <a:r>
+              <a:rPr lang="nl-BE" dirty="0" err="1" smtClean="0"/>
+              <a:t>widgets</a:t>
+            </a:r>
+            <a:endParaRPr lang="nl-BE" dirty="0" smtClean="0"/>
+          </a:p>
+          <a:p>
+            <a:r>
+              <a:rPr lang="nl-BE" dirty="0" smtClean="0"/>
+              <a:t>Child routers</a:t>
+            </a:r>
+          </a:p>
+          <a:p>
+            <a:r>
+              <a:rPr lang="nl-BE" dirty="0" err="1" smtClean="0"/>
+              <a:t>Custom</a:t>
+            </a:r>
+            <a:r>
+              <a:rPr lang="nl-BE" dirty="0" smtClean="0"/>
+              <a:t> project structuur (in plaats van /views/ en /</a:t>
+            </a:r>
+            <a:r>
+              <a:rPr lang="nl-BE" dirty="0" err="1" smtClean="0"/>
+              <a:t>viewModels</a:t>
+            </a:r>
+            <a:r>
+              <a:rPr lang="nl-BE" dirty="0" smtClean="0"/>
+              <a:t>/)</a:t>
+            </a:r>
+          </a:p>
+          <a:p>
+            <a:r>
+              <a:rPr lang="nl-BE" dirty="0" err="1" smtClean="0"/>
+              <a:t>Custom</a:t>
+            </a:r>
+            <a:r>
+              <a:rPr lang="nl-BE" dirty="0" smtClean="0"/>
+              <a:t> manier om </a:t>
+            </a:r>
+            <a:r>
+              <a:rPr lang="nl-BE" dirty="0" err="1" smtClean="0"/>
+              <a:t>moduleId</a:t>
+            </a:r>
+            <a:r>
+              <a:rPr lang="nl-BE" dirty="0" smtClean="0"/>
+              <a:t> toe te kennen en op te halen</a:t>
+            </a:r>
+          </a:p>
+          <a:p>
+            <a:r>
+              <a:rPr lang="nl-BE" dirty="0" err="1" smtClean="0"/>
+              <a:t>Custom</a:t>
+            </a:r>
+            <a:r>
+              <a:rPr lang="nl-BE" dirty="0" smtClean="0"/>
+              <a:t> manier om modules aan te maken</a:t>
+            </a:r>
+          </a:p>
+          <a:p>
+            <a:r>
+              <a:rPr lang="nl-BE" dirty="0" err="1" smtClean="0"/>
+              <a:t>system.guid</a:t>
+            </a:r>
+            <a:r>
+              <a:rPr lang="nl-BE" dirty="0" smtClean="0"/>
+              <a:t>()</a:t>
+            </a:r>
+          </a:p>
+          <a:p>
+            <a:r>
+              <a:rPr lang="nl-BE" dirty="0" err="1" smtClean="0"/>
+              <a:t>Custom</a:t>
+            </a:r>
+            <a:r>
+              <a:rPr lang="nl-BE" dirty="0" smtClean="0"/>
+              <a:t> manier om views te vinden</a:t>
+            </a:r>
+            <a:endParaRPr lang="en-US" dirty="0" smtClean="0"/>
+          </a:p>
+          <a:p>
+            <a:r>
+              <a:rPr lang="nl-BE" dirty="0" smtClean="0"/>
+              <a:t>Builden met </a:t>
+            </a:r>
+            <a:r>
+              <a:rPr lang="nl-BE" dirty="0" err="1" smtClean="0"/>
+              <a:t>NodeJS</a:t>
+            </a:r>
+            <a:r>
+              <a:rPr lang="nl-BE" dirty="0" smtClean="0"/>
+              <a:t> en </a:t>
+            </a:r>
+            <a:r>
+              <a:rPr lang="nl-BE" dirty="0" err="1" smtClean="0"/>
+              <a:t>Weyland</a:t>
+            </a:r>
+            <a:r>
+              <a:rPr lang="nl-BE" dirty="0" smtClean="0"/>
+              <a:t> (lint, </a:t>
+            </a:r>
+            <a:r>
+              <a:rPr lang="nl-BE" dirty="0" err="1" smtClean="0"/>
+              <a:t>minify</a:t>
+            </a:r>
+            <a:r>
+              <a:rPr lang="nl-BE" dirty="0" smtClean="0"/>
+              <a:t>, combine,…)</a:t>
+            </a:r>
+          </a:p>
+          <a:p>
+            <a:r>
+              <a:rPr lang="nl-BE" dirty="0" smtClean="0"/>
+              <a:t>Builden met </a:t>
+            </a:r>
+            <a:r>
+              <a:rPr lang="nl-BE" dirty="0" err="1" smtClean="0"/>
+              <a:t>NodeJS</a:t>
+            </a:r>
+            <a:r>
+              <a:rPr lang="nl-BE" dirty="0" smtClean="0"/>
+              <a:t> en </a:t>
+            </a:r>
+            <a:r>
+              <a:rPr lang="nl-BE" dirty="0" err="1" smtClean="0"/>
+              <a:t>Weyland</a:t>
+            </a:r>
+            <a:r>
+              <a:rPr lang="nl-BE" dirty="0" smtClean="0"/>
+              <a:t> vanuit Visual Studio</a:t>
+            </a:r>
+          </a:p>
+          <a:p>
+            <a:r>
+              <a:rPr lang="nl-BE" dirty="0" smtClean="0"/>
+              <a:t>Builden met Mimosa</a:t>
+            </a:r>
+          </a:p>
+          <a:p>
+            <a:r>
+              <a:rPr lang="nl-BE" dirty="0" smtClean="0"/>
+              <a:t>SEO mogelijkheden</a:t>
+            </a:r>
+          </a:p>
+          <a:p>
+            <a:r>
+              <a:rPr lang="nl-BE" dirty="0" smtClean="0"/>
+              <a:t>Integreer Q, </a:t>
+            </a:r>
+            <a:r>
+              <a:rPr lang="nl-BE" dirty="0" err="1" smtClean="0"/>
+              <a:t>Dojo</a:t>
+            </a:r>
+            <a:r>
+              <a:rPr lang="nl-BE" dirty="0" smtClean="0"/>
+              <a:t>, </a:t>
+            </a:r>
+            <a:r>
+              <a:rPr lang="nl-BE" dirty="0" err="1" smtClean="0"/>
+              <a:t>KendoUI</a:t>
+            </a:r>
+            <a:r>
+              <a:rPr lang="nl-BE" dirty="0" smtClean="0"/>
+              <a:t>, </a:t>
+            </a:r>
+            <a:r>
+              <a:rPr lang="nl-BE" dirty="0" err="1" smtClean="0"/>
+              <a:t>Almond</a:t>
+            </a:r>
+            <a:r>
+              <a:rPr lang="nl-BE" dirty="0" smtClean="0"/>
+              <a:t>, i18next,…</a:t>
+            </a:r>
+          </a:p>
+          <a:p>
+            <a:r>
+              <a:rPr lang="nl-BE" dirty="0" err="1" smtClean="0"/>
+              <a:t>PhoneGap</a:t>
+            </a:r>
+            <a:r>
+              <a:rPr lang="nl-BE" dirty="0" smtClean="0"/>
+              <a:t>, Node-Webkit, Windows 8</a:t>
+            </a:r>
+          </a:p>
+          <a:p>
+            <a:endParaRPr lang="nl-BE" dirty="0" smtClean="0"/>
+          </a:p>
+        </p:txBody>
+      </p:sp>
+    </p:spTree>
+    <p:extLst>
+      <p:ext uri="{BB962C8B-B14F-4D97-AF65-F5344CB8AC3E}">
+        <p14:creationId xmlns:p14="http://schemas.microsoft.com/office/powerpoint/2010/main" val="2063716655"/>
+      </p:ext>
+    </p:extLst>
+  </p:cSld>
+  <p:clrMapOvr>
+    <a:masterClrMapping/>
+  </p:clrMapOvr>
+  <p:timing>
+    <p:tnLst>
+      <p:par>
+        <p:cTn id="1" dur="indefinite" restart="never" nodeType="tmRoot"/>
+      </p:par>
+    </p:tnLst>
+  </p:timing>
+</p:sld>
+</file>
+
+<file path=ppt/slides/slide41.xml><?xml version="1.0" encoding="utf-8"?>
+<p:sld xmlns:a="http://schemas.openxmlformats.org/drawingml/2006/main" xmlns:r="http://schemas.openxmlformats.org/officeDocument/2006/relationships" xmlns:p="http://schemas.openxmlformats.org/presentationml/2006/main">
+  <p:cSld>
+    <p:spTree>
+      <p:nvGrpSpPr>
+        <p:cNvPr id="1" name=""/>
+        <p:cNvGrpSpPr/>
+        <p:nvPr/>
+      </p:nvGrpSpPr>
+      <p:grpSpPr>
+        <a:xfrm>
+          <a:off x="0" y="0"/>
+          <a:ext cx="0" cy="0"/>
+          <a:chOff x="0" y="0"/>
+          <a:chExt cx="0" cy="0"/>
+        </a:xfrm>
+      </p:grpSpPr>
+      <p:sp>
+        <p:nvSpPr>
+          <p:cNvPr id="2" name="Title 1"/>
+          <p:cNvSpPr>
+            <a:spLocks noGrp="1"/>
+          </p:cNvSpPr>
+          <p:nvPr>
+            <p:ph type="title"/>
+          </p:nvPr>
+        </p:nvSpPr>
+        <p:spPr/>
+        <p:txBody>
+          <a:bodyPr/>
+          <a:lstStyle/>
+          <a:p>
+            <a:r>
               <a:rPr lang="nl-BE" dirty="0" smtClean="0"/>
               <a:t>En verder</a:t>
             </a:r>
@@ -15747,7 +15984,7 @@
 </p:sld>
 </file>
 
-<file path=ppt/slides/slide41.xml><?xml version="1.0" encoding="utf-8"?>
+<file path=ppt/slides/slide42.xml><?xml version="1.0" encoding="utf-8"?>
 <p:sld xmlns:a="http://schemas.openxmlformats.org/drawingml/2006/main" xmlns:r="http://schemas.openxmlformats.org/officeDocument/2006/relationships" xmlns:p="http://schemas.openxmlformats.org/presentationml/2006/main">
   <p:cSld>
     <p:spTree>

--- a/Durandal T4T.pptx
+++ b/Durandal T4T.pptx
@@ -239,7 +239,7 @@
           <a:p>
             <a:fld id="{EBE271DF-8D61-44CE-B4E2-2B321E966638}" type="datetimeFigureOut">
               <a:rPr lang="en-US" smtClean="0"/>
-              <a:t>2/12/2014</a:t>
+              <a:t>2/19/2014</a:t>
             </a:fld>
             <a:endParaRPr lang="en-US"/>
           </a:p>
@@ -552,51 +552,12 @@
           <a:lstStyle/>
           <a:p>
             <a:r>
-              <a:rPr lang="nl-BE" dirty="0" err="1" smtClean="0"/>
-              <a:t>Function</a:t>
+              <a:rPr lang="nl-BE" dirty="0" smtClean="0"/>
+              <a:t>SPA != 1 html file en</a:t>
             </a:r>
             <a:r>
               <a:rPr lang="nl-BE" baseline="0" dirty="0" smtClean="0"/>
-              <a:t> wordt pas opgeroepen na </a:t>
-            </a:r>
-            <a:r>
-              <a:rPr lang="nl-BE" baseline="0" dirty="0" err="1" smtClean="0"/>
-              <a:t>resolven</a:t>
-            </a:r>
-            <a:r>
-              <a:rPr lang="nl-BE" baseline="0" dirty="0" smtClean="0"/>
-              <a:t> van alle </a:t>
-            </a:r>
-            <a:r>
-              <a:rPr lang="nl-BE" baseline="0" dirty="0" err="1" smtClean="0"/>
-              <a:t>dependencies</a:t>
-            </a:r>
-            <a:endParaRPr lang="nl-BE" baseline="0" dirty="0" smtClean="0"/>
-          </a:p>
-          <a:p>
-            <a:r>
-              <a:rPr lang="nl-BE" baseline="0" dirty="0" err="1" smtClean="0"/>
-              <a:t>Arguments</a:t>
-            </a:r>
-            <a:r>
-              <a:rPr lang="nl-BE" baseline="0" dirty="0" smtClean="0"/>
-              <a:t> van </a:t>
-            </a:r>
-            <a:r>
-              <a:rPr lang="nl-BE" baseline="0" dirty="0" err="1" smtClean="0"/>
-              <a:t>function</a:t>
-            </a:r>
-            <a:r>
-              <a:rPr lang="nl-BE" baseline="0" dirty="0" smtClean="0"/>
-              <a:t> staan in dezelfde volgorde als module </a:t>
-            </a:r>
-            <a:r>
-              <a:rPr lang="nl-BE" baseline="0" dirty="0" err="1" smtClean="0"/>
-              <a:t>ids</a:t>
-            </a:r>
-            <a:r>
-              <a:rPr lang="nl-BE" baseline="0" dirty="0" smtClean="0"/>
-              <a:t> in array</a:t>
+              <a:t> massa’s javascript</a:t>
             </a:r>
             <a:endParaRPr lang="en-US" dirty="0"/>
           </a:p>
@@ -619,7 +580,7 @@
           <a:p>
             <a:fld id="{0DF56419-AC34-45D0-BAB8-5A4CB1E563BF}" type="slidenum">
               <a:rPr lang="en-US" smtClean="0"/>
-              <a:t>8</a:t>
+              <a:t>2</a:t>
             </a:fld>
             <a:endParaRPr lang="en-US"/>
           </a:p>
@@ -628,7 +589,7 @@
     </p:spTree>
     <p:extLst>
       <p:ext uri="{BB962C8B-B14F-4D97-AF65-F5344CB8AC3E}">
-        <p14:creationId xmlns:p14="http://schemas.microsoft.com/office/powerpoint/2010/main" val="566645831"/>
+        <p14:creationId xmlns:p14="http://schemas.microsoft.com/office/powerpoint/2010/main" val="3333947793"/>
       </p:ext>
     </p:extLst>
   </p:cSld>
@@ -684,11 +645,51 @@
           <a:p>
             <a:r>
               <a:rPr lang="nl-BE" dirty="0" smtClean="0"/>
-              <a:t>Zie </a:t>
-            </a:r>
-            <a:r>
-              <a:rPr lang="nl-BE" dirty="0" err="1" smtClean="0"/>
-              <a:t>settings</a:t>
+              <a:t>Beide doen hetzelfde maar door het speciale</a:t>
+            </a:r>
+            <a:r>
+              <a:rPr lang="nl-BE" baseline="0" dirty="0" smtClean="0"/>
+              <a:t> van javascript met </a:t>
+            </a:r>
+            <a:r>
+              <a:rPr lang="nl-BE" baseline="0" dirty="0" err="1" smtClean="0"/>
+              <a:t>this</a:t>
+            </a:r>
+            <a:r>
+              <a:rPr lang="nl-BE" baseline="0" dirty="0" smtClean="0"/>
+              <a:t> moet je in het tweede geval meegeven wat ‘</a:t>
+            </a:r>
+            <a:r>
+              <a:rPr lang="nl-BE" baseline="0" dirty="0" err="1" smtClean="0"/>
+              <a:t>this</a:t>
+            </a:r>
+            <a:r>
+              <a:rPr lang="nl-BE" baseline="0" dirty="0" smtClean="0"/>
+              <a:t>’ zal betekenen in je </a:t>
+            </a:r>
+            <a:r>
+              <a:rPr lang="nl-BE" baseline="0" dirty="0" err="1" smtClean="0"/>
+              <a:t>function</a:t>
+            </a:r>
+            <a:r>
+              <a:rPr lang="nl-BE" baseline="0" dirty="0" smtClean="0"/>
+              <a:t>. Anders is ‘</a:t>
+            </a:r>
+            <a:r>
+              <a:rPr lang="nl-BE" baseline="0" dirty="0" err="1" smtClean="0"/>
+              <a:t>this</a:t>
+            </a:r>
+            <a:r>
+              <a:rPr lang="nl-BE" baseline="0" dirty="0" smtClean="0"/>
+              <a:t>’ het </a:t>
+            </a:r>
+            <a:r>
+              <a:rPr lang="nl-BE" baseline="0" dirty="0" err="1" smtClean="0"/>
+              <a:t>window</a:t>
+            </a:r>
+            <a:r>
+              <a:rPr lang="nl-BE" baseline="0" dirty="0" smtClean="0"/>
+              <a:t>-object.</a:t>
             </a:r>
             <a:endParaRPr lang="en-US" dirty="0"/>
           </a:p>
@@ -711,7 +712,7 @@
           <a:p>
             <a:fld id="{0DF56419-AC34-45D0-BAB8-5A4CB1E563BF}" type="slidenum">
               <a:rPr lang="en-US" smtClean="0"/>
-              <a:t>19</a:t>
+              <a:t>18</a:t>
             </a:fld>
             <a:endParaRPr lang="en-US"/>
           </a:p>
@@ -720,7 +721,7 @@
     </p:spTree>
     <p:extLst>
       <p:ext uri="{BB962C8B-B14F-4D97-AF65-F5344CB8AC3E}">
-        <p14:creationId xmlns:p14="http://schemas.microsoft.com/office/powerpoint/2010/main" val="22134692"/>
+        <p14:creationId xmlns:p14="http://schemas.microsoft.com/office/powerpoint/2010/main" val="1767491647"/>
       </p:ext>
     </p:extLst>
   </p:cSld>
@@ -775,226 +776,14 @@
           <a:lstStyle/>
           <a:p>
             <a:r>
+              <a:rPr lang="nl-BE" dirty="0" smtClean="0"/>
+              <a:t>Zie </a:t>
+            </a:r>
+            <a:r>
               <a:rPr lang="nl-BE" dirty="0" err="1" smtClean="0"/>
-              <a:t>css</a:t>
-            </a:r>
-            <a:r>
-              <a:rPr lang="nl-BE" dirty="0" smtClean="0"/>
-              <a:t>: een class toevoegen/verwijderen, toon met</a:t>
-            </a:r>
-            <a:r>
-              <a:rPr lang="nl-BE" baseline="0" dirty="0" smtClean="0"/>
-              <a:t> beer-summary en class bij bepaalde rating (zie code </a:t>
-            </a:r>
-            <a:r>
-              <a:rPr lang="nl-BE" baseline="0" dirty="0" err="1" smtClean="0"/>
-              <a:t>blocks</a:t>
-            </a:r>
-            <a:r>
-              <a:rPr lang="nl-BE" baseline="0" dirty="0" smtClean="0"/>
-              <a:t>)</a:t>
-            </a:r>
-            <a:endParaRPr lang="nl-BE" dirty="0" smtClean="0"/>
-          </a:p>
-          <a:p>
-            <a:r>
-              <a:rPr lang="nl-BE" dirty="0" err="1" smtClean="0"/>
-              <a:t>style</a:t>
-            </a:r>
-            <a:r>
-              <a:rPr lang="nl-BE" dirty="0" smtClean="0"/>
-              <a:t>: bepaalde </a:t>
-            </a:r>
-            <a:r>
-              <a:rPr lang="nl-BE" dirty="0" err="1" smtClean="0"/>
-              <a:t>css</a:t>
-            </a:r>
-            <a:r>
-              <a:rPr lang="nl-BE" dirty="0" smtClean="0"/>
-              <a:t> attributen</a:t>
-            </a:r>
-            <a:r>
-              <a:rPr lang="nl-BE" baseline="0" dirty="0" smtClean="0"/>
-              <a:t> toevoegen/verwijderen</a:t>
-            </a:r>
-          </a:p>
-          <a:p>
-            <a:r>
-              <a:rPr lang="nl-BE" dirty="0" err="1" smtClean="0"/>
-              <a:t>with</a:t>
-            </a:r>
-            <a:r>
-              <a:rPr lang="nl-BE" dirty="0" smtClean="0"/>
-              <a:t>: de context van de </a:t>
-            </a:r>
-            <a:r>
-              <a:rPr lang="nl-BE" dirty="0" err="1" smtClean="0"/>
-              <a:t>bindings</a:t>
-            </a:r>
-            <a:r>
-              <a:rPr lang="nl-BE" dirty="0" smtClean="0"/>
-              <a:t> in een element bepalen</a:t>
-            </a:r>
-            <a:r>
-              <a:rPr lang="nl-BE" baseline="0" dirty="0" smtClean="0"/>
-              <a:t> (indien je die wil doen verschillen van de huidige context)</a:t>
-            </a:r>
-          </a:p>
-          <a:p>
-            <a:r>
-              <a:rPr lang="nl-BE" baseline="0" dirty="0" smtClean="0"/>
-              <a:t>options: voor een select; kan gecombineerd worden met </a:t>
-            </a:r>
-            <a:r>
-              <a:rPr lang="nl-BE" baseline="0" dirty="0" err="1" smtClean="0"/>
-              <a:t>optionsText</a:t>
-            </a:r>
-            <a:r>
-              <a:rPr lang="nl-BE" baseline="0" dirty="0" smtClean="0"/>
-              <a:t>, </a:t>
-            </a:r>
-            <a:r>
-              <a:rPr lang="nl-BE" baseline="0" dirty="0" err="1" smtClean="0"/>
-              <a:t>optionsValue</a:t>
-            </a:r>
-            <a:r>
-              <a:rPr lang="nl-BE" baseline="0" dirty="0" smtClean="0"/>
-              <a:t> en </a:t>
-            </a:r>
-            <a:r>
-              <a:rPr lang="nl-BE" baseline="0" dirty="0" err="1" smtClean="0"/>
-              <a:t>optionsCaption</a:t>
-            </a:r>
-            <a:endParaRPr lang="nl-BE" baseline="0" dirty="0" smtClean="0"/>
-          </a:p>
-          <a:p>
-            <a:r>
-              <a:rPr lang="nl-BE" baseline="0" dirty="0" err="1" smtClean="0"/>
-              <a:t>selectedOptions</a:t>
-            </a:r>
-            <a:r>
-              <a:rPr lang="nl-BE" baseline="0" dirty="0" smtClean="0"/>
-              <a:t>: geselecteerde items in een </a:t>
-            </a:r>
-            <a:r>
-              <a:rPr lang="nl-BE" baseline="0" dirty="0" err="1" smtClean="0"/>
-              <a:t>multi</a:t>
-            </a:r>
-            <a:r>
-              <a:rPr lang="nl-BE" baseline="0" dirty="0" smtClean="0"/>
-              <a:t>-select</a:t>
-            </a:r>
-          </a:p>
-          <a:p>
-            <a:r>
-              <a:rPr lang="nl-BE" baseline="0" dirty="0" err="1" smtClean="0"/>
-              <a:t>uniqueName</a:t>
-            </a:r>
-            <a:r>
-              <a:rPr lang="nl-BE" baseline="0" dirty="0" smtClean="0"/>
-              <a:t>: zie documentatie, is zelden nodig (voor IE6, </a:t>
-            </a:r>
-            <a:r>
-              <a:rPr lang="nl-BE" baseline="0" dirty="0" err="1" smtClean="0"/>
-              <a:t>jQuery</a:t>
-            </a:r>
-            <a:r>
-              <a:rPr lang="nl-BE" baseline="0" dirty="0" smtClean="0"/>
-              <a:t> </a:t>
-            </a:r>
-            <a:r>
-              <a:rPr lang="nl-BE" baseline="0" dirty="0" err="1" smtClean="0"/>
-              <a:t>validation</a:t>
-            </a:r>
-            <a:r>
-              <a:rPr lang="nl-BE" baseline="0" dirty="0" smtClean="0"/>
-              <a:t>, e.a.)</a:t>
-            </a:r>
-          </a:p>
-          <a:p>
-            <a:r>
-              <a:rPr lang="nl-BE" baseline="0" dirty="0" smtClean="0"/>
-              <a:t>template:  om een template aan te duiden volgens </a:t>
-            </a:r>
-            <a:r>
-              <a:rPr lang="nl-BE" baseline="0" dirty="0" err="1" smtClean="0"/>
-              <a:t>jquery.tmpl</a:t>
-            </a:r>
-            <a:r>
-              <a:rPr lang="nl-BE" baseline="0" dirty="0" smtClean="0"/>
-              <a:t> </a:t>
-            </a:r>
-            <a:r>
-              <a:rPr lang="nl-BE" baseline="0" dirty="0" err="1" smtClean="0"/>
-              <a:t>plugin</a:t>
-            </a:r>
-            <a:r>
-              <a:rPr lang="nl-BE" baseline="0" dirty="0" smtClean="0"/>
-              <a:t> (script tag met type=‘</a:t>
-            </a:r>
-            <a:r>
-              <a:rPr lang="nl-BE" baseline="0" dirty="0" err="1" smtClean="0"/>
-              <a:t>text</a:t>
-            </a:r>
-            <a:r>
-              <a:rPr lang="nl-BE" baseline="0" dirty="0" smtClean="0"/>
-              <a:t>/html’) (zou je met </a:t>
-            </a:r>
-            <a:r>
-              <a:rPr lang="nl-BE" baseline="0" dirty="0" err="1" smtClean="0"/>
-              <a:t>Durandal</a:t>
-            </a:r>
-            <a:r>
-              <a:rPr lang="nl-BE" baseline="0" dirty="0" smtClean="0"/>
-              <a:t> niet direct nodig hebben, wordt sinds </a:t>
-            </a:r>
-            <a:r>
-              <a:rPr lang="nl-BE" baseline="0" dirty="0" err="1" smtClean="0"/>
-              <a:t>Knockout</a:t>
-            </a:r>
-            <a:r>
-              <a:rPr lang="nl-BE" baseline="0" dirty="0" smtClean="0"/>
-              <a:t> 2 ook niet veel meer gebruikt. </a:t>
-            </a:r>
-            <a:r>
-              <a:rPr lang="nl-BE" baseline="0" dirty="0" err="1" smtClean="0"/>
-              <a:t>Foreach</a:t>
-            </a:r>
-            <a:r>
-              <a:rPr lang="nl-BE" baseline="0" dirty="0" smtClean="0"/>
-              <a:t>, </a:t>
-            </a:r>
-            <a:r>
-              <a:rPr lang="nl-BE" baseline="0" dirty="0" err="1" smtClean="0"/>
-              <a:t>with</a:t>
-            </a:r>
-            <a:r>
-              <a:rPr lang="nl-BE" baseline="0" dirty="0" smtClean="0"/>
-              <a:t> en </a:t>
-            </a:r>
-            <a:r>
-              <a:rPr lang="nl-BE" baseline="0" dirty="0" err="1" smtClean="0"/>
-              <a:t>if</a:t>
-            </a:r>
-            <a:r>
-              <a:rPr lang="nl-BE" baseline="0" dirty="0" smtClean="0"/>
-              <a:t> </a:t>
-            </a:r>
-            <a:r>
-              <a:rPr lang="nl-BE" baseline="0" dirty="0" err="1" smtClean="0"/>
-              <a:t>bindings</a:t>
-            </a:r>
-            <a:r>
-              <a:rPr lang="nl-BE" baseline="0" dirty="0" smtClean="0"/>
-              <a:t> zouden voldoende moeten zijn).</a:t>
-            </a:r>
-          </a:p>
-          <a:p>
-            <a:r>
-              <a:rPr lang="nl-BE" smtClean="0"/>
-              <a:t>foreach: show beers.html</a:t>
-            </a:r>
-            <a:endParaRPr lang="nl-BE" dirty="0" smtClean="0"/>
+              <a:t>settings</a:t>
+            </a:r>
+            <a:endParaRPr lang="en-US" dirty="0"/>
           </a:p>
         </p:txBody>
       </p:sp>
@@ -1015,7 +804,7 @@
           <a:p>
             <a:fld id="{0DF56419-AC34-45D0-BAB8-5A4CB1E563BF}" type="slidenum">
               <a:rPr lang="en-US" smtClean="0"/>
-              <a:t>20</a:t>
+              <a:t>19</a:t>
             </a:fld>
             <a:endParaRPr lang="en-US"/>
           </a:p>
@@ -1024,7 +813,7 @@
     </p:spTree>
     <p:extLst>
       <p:ext uri="{BB962C8B-B14F-4D97-AF65-F5344CB8AC3E}">
-        <p14:creationId xmlns:p14="http://schemas.microsoft.com/office/powerpoint/2010/main" val="4207004726"/>
+        <p14:creationId xmlns:p14="http://schemas.microsoft.com/office/powerpoint/2010/main" val="22134692"/>
       </p:ext>
     </p:extLst>
   </p:cSld>
@@ -1079,38 +868,128 @@
           <a:lstStyle/>
           <a:p>
             <a:r>
+              <a:rPr lang="nl-BE" dirty="0" err="1" smtClean="0"/>
+              <a:t>css</a:t>
+            </a:r>
+            <a:r>
               <a:rPr lang="nl-BE" dirty="0" smtClean="0"/>
-              <a:t>Zie twee </a:t>
-            </a:r>
+              <a:t>: een class toevoegen/verwijderen, toon met</a:t>
+            </a:r>
+            <a:r>
+              <a:rPr lang="nl-BE" baseline="0" dirty="0" smtClean="0"/>
+              <a:t> beer-summary en class bij bepaalde rating (zie code </a:t>
+            </a:r>
+            <a:r>
+              <a:rPr lang="nl-BE" baseline="0" dirty="0" err="1" smtClean="0"/>
+              <a:t>blocks</a:t>
+            </a:r>
+            <a:r>
+              <a:rPr lang="nl-BE" baseline="0" dirty="0" smtClean="0"/>
+              <a:t>)</a:t>
+            </a:r>
+            <a:endParaRPr lang="nl-BE" dirty="0" smtClean="0"/>
+          </a:p>
+          <a:p>
             <a:r>
               <a:rPr lang="nl-BE" dirty="0" err="1" smtClean="0"/>
-              <a:t>custom</a:t>
+              <a:t>style</a:t>
             </a:r>
             <a:r>
               <a:rPr lang="nl-BE" dirty="0" smtClean="0"/>
-              <a:t> </a:t>
+              <a:t>: bepaalde </a:t>
+            </a:r>
+            <a:r>
+              <a:rPr lang="nl-BE" dirty="0" err="1" smtClean="0"/>
+              <a:t>css</a:t>
+            </a:r>
+            <a:r>
+              <a:rPr lang="nl-BE" dirty="0" smtClean="0"/>
+              <a:t> attributen</a:t>
+            </a:r>
+            <a:r>
+              <a:rPr lang="nl-BE" baseline="0" dirty="0" smtClean="0"/>
+              <a:t> toevoegen/verwijderen</a:t>
+            </a:r>
+          </a:p>
+          <a:p>
+            <a:r>
+              <a:rPr lang="nl-BE" dirty="0" err="1" smtClean="0"/>
+              <a:t>with</a:t>
+            </a:r>
+            <a:r>
+              <a:rPr lang="nl-BE" dirty="0" smtClean="0"/>
+              <a:t>: de context van de </a:t>
             </a:r>
             <a:r>
               <a:rPr lang="nl-BE" dirty="0" err="1" smtClean="0"/>
               <a:t>bindings</a:t>
             </a:r>
             <a:r>
+              <a:rPr lang="nl-BE" dirty="0" smtClean="0"/>
+              <a:t> in een element bepalen</a:t>
+            </a:r>
+            <a:r>
               <a:rPr lang="nl-BE" baseline="0" dirty="0" smtClean="0"/>
-              <a:t> in demo project: </a:t>
+              <a:t> (indien je die wil doen verschillen van de huidige context)</a:t>
+            </a:r>
+          </a:p>
+          <a:p>
+            <a:r>
+              <a:rPr lang="nl-BE" baseline="0" dirty="0" smtClean="0"/>
+              <a:t>options: voor een select; kan gecombineerd worden met </a:t>
             </a:r>
             <a:r>
               <a:rPr lang="nl-BE" baseline="0" dirty="0" err="1" smtClean="0"/>
-              <a:t>collapsibleSection</a:t>
+              <a:t>optionsText</a:t>
             </a:r>
             <a:r>
               <a:rPr lang="nl-BE" baseline="0" dirty="0" smtClean="0"/>
-              <a:t> en rating</a:t>
-            </a:r>
-          </a:p>
-          <a:p>
+              <a:t>, </a:t>
+            </a:r>
             <a:r>
               <a:rPr lang="nl-BE" baseline="0" dirty="0" err="1" smtClean="0"/>
-              <a:t>collapsibleSection</a:t>
+              <a:t>optionsValue</a:t>
+            </a:r>
+            <a:r>
+              <a:rPr lang="nl-BE" baseline="0" dirty="0" smtClean="0"/>
+              <a:t> en </a:t>
+            </a:r>
+            <a:r>
+              <a:rPr lang="nl-BE" baseline="0" dirty="0" err="1" smtClean="0"/>
+              <a:t>optionsCaption</a:t>
+            </a:r>
+            <a:endParaRPr lang="nl-BE" baseline="0" dirty="0" smtClean="0"/>
+          </a:p>
+          <a:p>
+            <a:r>
+              <a:rPr lang="nl-BE" baseline="0" dirty="0" err="1" smtClean="0"/>
+              <a:t>selectedOptions</a:t>
+            </a:r>
+            <a:r>
+              <a:rPr lang="nl-BE" baseline="0" dirty="0" smtClean="0"/>
+              <a:t>: geselecteerde items in een </a:t>
+            </a:r>
+            <a:r>
+              <a:rPr lang="nl-BE" baseline="0" dirty="0" err="1" smtClean="0"/>
+              <a:t>multi</a:t>
+            </a:r>
+            <a:r>
+              <a:rPr lang="nl-BE" baseline="0" dirty="0" smtClean="0"/>
+              <a:t>-select</a:t>
+            </a:r>
+          </a:p>
+          <a:p>
+            <a:r>
+              <a:rPr lang="nl-BE" baseline="0" dirty="0" err="1" smtClean="0"/>
+              <a:t>uniqueName</a:t>
+            </a:r>
+            <a:r>
+              <a:rPr lang="nl-BE" baseline="0" dirty="0" smtClean="0"/>
+              <a:t>: zie documentatie, is zelden nodig (voor IE6, </a:t>
+            </a:r>
+            <a:r>
+              <a:rPr lang="nl-BE" baseline="0" dirty="0" err="1" smtClean="0"/>
+              <a:t>jQuery</a:t>
             </a:r>
             <a:r>
               <a:rPr lang="nl-BE" baseline="0" dirty="0" smtClean="0"/>
@@ -1118,37 +997,97 @@
             </a:r>
             <a:r>
               <a:rPr lang="nl-BE" baseline="0" dirty="0" err="1" smtClean="0"/>
+              <a:t>validation</a:t>
+            </a:r>
+            <a:r>
+              <a:rPr lang="nl-BE" baseline="0" dirty="0" smtClean="0"/>
+              <a:t>, e.a.)</a:t>
+            </a:r>
+          </a:p>
+          <a:p>
+            <a:r>
+              <a:rPr lang="nl-BE" baseline="0" dirty="0" smtClean="0"/>
+              <a:t>template:  om een template aan te duiden volgens </a:t>
+            </a:r>
+            <a:r>
+              <a:rPr lang="nl-BE" baseline="0" dirty="0" err="1" smtClean="0"/>
+              <a:t>jquery.tmpl</a:t>
+            </a:r>
+            <a:r>
+              <a:rPr lang="nl-BE" baseline="0" dirty="0" smtClean="0"/>
+              <a:t> </a:t>
+            </a:r>
+            <a:r>
+              <a:rPr lang="nl-BE" baseline="0" dirty="0" err="1" smtClean="0"/>
+              <a:t>plugin</a:t>
+            </a:r>
+            <a:r>
+              <a:rPr lang="nl-BE" baseline="0" dirty="0" smtClean="0"/>
+              <a:t> (script tag met type=‘</a:t>
+            </a:r>
+            <a:r>
+              <a:rPr lang="nl-BE" baseline="0" dirty="0" err="1" smtClean="0"/>
+              <a:t>text</a:t>
+            </a:r>
+            <a:r>
+              <a:rPr lang="nl-BE" baseline="0" dirty="0" smtClean="0"/>
+              <a:t>/html’) (zou je met </a:t>
+            </a:r>
+            <a:r>
+              <a:rPr lang="nl-BE" baseline="0" dirty="0" err="1" smtClean="0"/>
+              <a:t>Durandal</a:t>
+            </a:r>
+            <a:r>
+              <a:rPr lang="nl-BE" baseline="0" dirty="0" smtClean="0"/>
+              <a:t> niet direct nodig hebben, wordt sinds </a:t>
+            </a:r>
+            <a:r>
+              <a:rPr lang="nl-BE" baseline="0" dirty="0" err="1" smtClean="0"/>
+              <a:t>Knockout</a:t>
+            </a:r>
+            <a:r>
+              <a:rPr lang="nl-BE" baseline="0" dirty="0" smtClean="0"/>
+              <a:t> 2 ook niet veel meer gebruikt. </a:t>
+            </a:r>
+            <a:r>
+              <a:rPr lang="nl-BE" baseline="0" dirty="0" err="1" smtClean="0"/>
+              <a:t>Foreach</a:t>
+            </a:r>
+            <a:r>
+              <a:rPr lang="nl-BE" baseline="0" dirty="0" smtClean="0"/>
+              <a:t>, </a:t>
+            </a:r>
+            <a:r>
+              <a:rPr lang="nl-BE" baseline="0" dirty="0" err="1" smtClean="0"/>
+              <a:t>with</a:t>
+            </a:r>
+            <a:r>
+              <a:rPr lang="nl-BE" baseline="0" dirty="0" smtClean="0"/>
+              <a:t> en </a:t>
+            </a:r>
+            <a:r>
+              <a:rPr lang="nl-BE" baseline="0" dirty="0" err="1" smtClean="0"/>
+              <a:t>if</a:t>
+            </a:r>
+            <a:r>
+              <a:rPr lang="nl-BE" baseline="0" dirty="0" smtClean="0"/>
+              <a:t> </a:t>
+            </a:r>
+            <a:r>
+              <a:rPr lang="nl-BE" baseline="0" dirty="0" err="1" smtClean="0"/>
               <a:t>bindings</a:t>
             </a:r>
             <a:r>
               <a:rPr lang="nl-BE" baseline="0" dirty="0" smtClean="0"/>
-              <a:t> in </a:t>
-            </a:r>
-            <a:r>
-              <a:rPr lang="nl-BE" baseline="0" dirty="0" err="1" smtClean="0"/>
-              <a:t>settings</a:t>
-            </a:r>
-            <a:r>
-              <a:rPr lang="nl-BE" baseline="0" dirty="0" smtClean="0"/>
-              <a:t> toont aan waarom je </a:t>
-            </a:r>
-            <a:r>
-              <a:rPr lang="nl-BE" baseline="0" dirty="0" err="1" smtClean="0"/>
-              <a:t>unwrapObservable</a:t>
-            </a:r>
-            <a:r>
-              <a:rPr lang="nl-BE" baseline="0" dirty="0" smtClean="0"/>
-              <a:t> moet gebruiken. Kan nl een </a:t>
-            </a:r>
-            <a:r>
-              <a:rPr lang="nl-BE" baseline="0" dirty="0" err="1" smtClean="0"/>
-              <a:t>observable</a:t>
-            </a:r>
-            <a:r>
-              <a:rPr lang="nl-BE" baseline="0" dirty="0" smtClean="0"/>
-              <a:t> zijn, of gewoon een object</a:t>
-            </a:r>
-            <a:endParaRPr lang="en-US" dirty="0"/>
+              <a:t> zouden voldoende moeten zijn).</a:t>
+            </a:r>
+          </a:p>
+          <a:p>
+            <a:r>
+              <a:rPr lang="nl-BE" smtClean="0"/>
+              <a:t>foreach: show beers.html</a:t>
+            </a:r>
+            <a:endParaRPr lang="nl-BE" dirty="0" smtClean="0"/>
           </a:p>
         </p:txBody>
       </p:sp>
@@ -1169,7 +1108,7 @@
           <a:p>
             <a:fld id="{0DF56419-AC34-45D0-BAB8-5A4CB1E563BF}" type="slidenum">
               <a:rPr lang="en-US" smtClean="0"/>
-              <a:t>21</a:t>
+              <a:t>20</a:t>
             </a:fld>
             <a:endParaRPr lang="en-US"/>
           </a:p>
@@ -1178,7 +1117,7 @@
     </p:spTree>
     <p:extLst>
       <p:ext uri="{BB962C8B-B14F-4D97-AF65-F5344CB8AC3E}">
-        <p14:creationId xmlns:p14="http://schemas.microsoft.com/office/powerpoint/2010/main" val="3706878361"/>
+        <p14:creationId xmlns:p14="http://schemas.microsoft.com/office/powerpoint/2010/main" val="4207004726"/>
       </p:ext>
     </p:extLst>
   </p:cSld>
@@ -1234,108 +1173,65 @@
           <a:p>
             <a:r>
               <a:rPr lang="nl-BE" dirty="0" smtClean="0"/>
-              <a:t>$data: binnen een </a:t>
+              <a:t>Zie twee </a:t>
             </a:r>
             <a:r>
               <a:rPr lang="nl-BE" dirty="0" err="1" smtClean="0"/>
-              <a:t>foreach</a:t>
+              <a:t>custom</a:t>
             </a:r>
             <a:r>
               <a:rPr lang="nl-BE" dirty="0" smtClean="0"/>
-              <a:t>,</a:t>
+              <a:t> </a:t>
+            </a:r>
+            <a:r>
+              <a:rPr lang="nl-BE" dirty="0" err="1" smtClean="0"/>
+              <a:t>bindings</a:t>
+            </a:r>
+            <a:r>
+              <a:rPr lang="nl-BE" baseline="0" dirty="0" smtClean="0"/>
+              <a:t> in demo project: </a:t>
+            </a:r>
+            <a:r>
+              <a:rPr lang="nl-BE" baseline="0" dirty="0" err="1" smtClean="0"/>
+              <a:t>collapsibleSection</a:t>
+            </a:r>
+            <a:r>
+              <a:rPr lang="nl-BE" baseline="0" dirty="0" smtClean="0"/>
+              <a:t> en rating</a:t>
+            </a:r>
+          </a:p>
+          <a:p>
+            <a:r>
+              <a:rPr lang="nl-BE" baseline="0" dirty="0" err="1" smtClean="0"/>
+              <a:t>collapsibleSection</a:t>
             </a:r>
             <a:r>
               <a:rPr lang="nl-BE" baseline="0" dirty="0" smtClean="0"/>
               <a:t> </a:t>
             </a:r>
             <a:r>
-              <a:rPr lang="nl-BE" dirty="0" smtClean="0"/>
-              <a:t>het </a:t>
-            </a:r>
-            <a:r>
-              <a:rPr lang="nl-BE" dirty="0" err="1" smtClean="0"/>
-              <a:t>gebinde</a:t>
-            </a:r>
-            <a:r>
-              <a:rPr lang="nl-BE" baseline="0" dirty="0" smtClean="0"/>
-              <a:t> object zelf </a:t>
-            </a:r>
-            <a:r>
-              <a:rPr lang="nl-BE" baseline="0" dirty="0" err="1" smtClean="0"/>
-              <a:t>ipv</a:t>
-            </a:r>
-            <a:r>
-              <a:rPr lang="nl-BE" baseline="0" dirty="0" smtClean="0"/>
-              <a:t> één van z’n </a:t>
-            </a:r>
-            <a:r>
-              <a:rPr lang="nl-BE" baseline="0" dirty="0" err="1" smtClean="0"/>
-              <a:t>properties</a:t>
-            </a:r>
-            <a:endParaRPr lang="nl-BE" baseline="0" dirty="0" smtClean="0"/>
-          </a:p>
-          <a:p>
-            <a:r>
-              <a:rPr lang="nl-BE" baseline="0" dirty="0" smtClean="0"/>
-              <a:t>$</a:t>
-            </a:r>
-            <a:r>
-              <a:rPr lang="nl-BE" baseline="0" dirty="0" err="1" smtClean="0"/>
-              <a:t>parent</a:t>
-            </a:r>
-            <a:r>
-              <a:rPr lang="nl-BE" baseline="0" dirty="0" smtClean="0"/>
-              <a:t>: bij geneste </a:t>
-            </a:r>
-            <a:r>
               <a:rPr lang="nl-BE" baseline="0" dirty="0" err="1" smtClean="0"/>
               <a:t>bindings</a:t>
             </a:r>
             <a:r>
               <a:rPr lang="nl-BE" baseline="0" dirty="0" smtClean="0"/>
-              <a:t>, terug omhoog gaan in de hiërarchie</a:t>
-            </a:r>
-          </a:p>
-          <a:p>
+              <a:t> in </a:t>
+            </a:r>
+            <a:r>
+              <a:rPr lang="nl-BE" baseline="0" dirty="0" err="1" smtClean="0"/>
+              <a:t>settings</a:t>
+            </a:r>
             <a:r>
               <a:rPr lang="nl-BE" baseline="0" dirty="0" smtClean="0"/>
-              <a:t>$</a:t>
+              <a:t> toont aan waarom je </a:t>
             </a:r>
             <a:r>
               <a:rPr lang="nl-BE" baseline="0" dirty="0" err="1" smtClean="0"/>
-              <a:t>parents</a:t>
+              <a:t>unwrapObservable</a:t>
             </a:r>
             <a:r>
               <a:rPr lang="nl-BE" baseline="0" dirty="0" smtClean="0"/>
-              <a:t>: een array, waarbij elk volgend element de </a:t>
-            </a:r>
-            <a:r>
-              <a:rPr lang="nl-BE" baseline="0" dirty="0" err="1" smtClean="0"/>
-              <a:t>parent</a:t>
-            </a:r>
-            <a:r>
-              <a:rPr lang="nl-BE" baseline="0" dirty="0" smtClean="0"/>
-              <a:t> is van het vorige (bv $</a:t>
-            </a:r>
-            <a:r>
-              <a:rPr lang="nl-BE" baseline="0" dirty="0" err="1" smtClean="0"/>
-              <a:t>parents</a:t>
-            </a:r>
-            <a:r>
-              <a:rPr lang="nl-BE" baseline="0" dirty="0" smtClean="0"/>
-              <a:t>[2] is de ‘overgrootvader’)</a:t>
-            </a:r>
-          </a:p>
-          <a:p>
-            <a:r>
-              <a:rPr lang="nl-BE" baseline="0" dirty="0" smtClean="0"/>
-              <a:t>$root: het bovenste object in de hiërarchie</a:t>
-            </a:r>
-          </a:p>
-          <a:p>
-            <a:r>
-              <a:rPr lang="nl-BE" baseline="0" dirty="0" smtClean="0"/>
-              <a:t>$index: de index van een item in een array (is een </a:t>
+              <a:t> moet gebruiken. Kan nl een </a:t>
             </a:r>
             <a:r>
               <a:rPr lang="nl-BE" baseline="0" dirty="0" err="1" smtClean="0"/>
@@ -1343,7 +1239,7 @@
             </a:r>
             <a:r>
               <a:rPr lang="nl-BE" baseline="0" dirty="0" smtClean="0"/>
-              <a:t>, dus verandert mee)</a:t>
+              <a:t> zijn, of gewoon een object</a:t>
             </a:r>
             <a:endParaRPr lang="en-US" dirty="0"/>
           </a:p>
@@ -1366,7 +1262,7 @@
           <a:p>
             <a:fld id="{0DF56419-AC34-45D0-BAB8-5A4CB1E563BF}" type="slidenum">
               <a:rPr lang="en-US" smtClean="0"/>
-              <a:t>22</a:t>
+              <a:t>21</a:t>
             </a:fld>
             <a:endParaRPr lang="en-US"/>
           </a:p>
@@ -1375,7 +1271,7 @@
     </p:spTree>
     <p:extLst>
       <p:ext uri="{BB962C8B-B14F-4D97-AF65-F5344CB8AC3E}">
-        <p14:creationId xmlns:p14="http://schemas.microsoft.com/office/powerpoint/2010/main" val="347485044"/>
+        <p14:creationId xmlns:p14="http://schemas.microsoft.com/office/powerpoint/2010/main" val="3706878361"/>
       </p:ext>
     </p:extLst>
   </p:cSld>
@@ -1430,76 +1326,109 @@
           <a:lstStyle/>
           <a:p>
             <a:r>
+              <a:rPr lang="nl-BE" dirty="0" smtClean="0"/>
+              <a:t>$data: binnen een </a:t>
+            </a:r>
+            <a:r>
               <a:rPr lang="nl-BE" dirty="0" err="1" smtClean="0"/>
-              <a:t>toJS</a:t>
+              <a:t>foreach</a:t>
             </a:r>
             <a:r>
               <a:rPr lang="nl-BE" dirty="0" smtClean="0"/>
-              <a:t>: je object heeft geen </a:t>
-            </a:r>
-            <a:r>
-              <a:rPr lang="nl-BE" dirty="0" err="1" smtClean="0"/>
-              <a:t>observables</a:t>
-            </a:r>
-            <a:r>
-              <a:rPr lang="nl-BE" baseline="0" dirty="0" smtClean="0"/>
-              <a:t> meer, het is een normaal JS object</a:t>
-            </a:r>
-          </a:p>
-          <a:p>
-            <a:r>
-              <a:rPr lang="nl-BE" baseline="0" dirty="0" err="1" smtClean="0"/>
-              <a:t>toJSON</a:t>
-            </a:r>
-            <a:r>
-              <a:rPr lang="nl-BE" baseline="0" dirty="0" smtClean="0"/>
-              <a:t>: doet intern eerst een call naar </a:t>
-            </a:r>
-            <a:r>
-              <a:rPr lang="nl-BE" baseline="0" dirty="0" err="1" smtClean="0"/>
-              <a:t>toJS</a:t>
-            </a:r>
-            <a:r>
-              <a:rPr lang="nl-BE" baseline="0" dirty="0" smtClean="0"/>
-              <a:t>, </a:t>
-            </a:r>
-            <a:r>
-              <a:rPr lang="nl-BE" baseline="0" dirty="0" err="1" smtClean="0"/>
-              <a:t>serializeert</a:t>
-            </a:r>
-            <a:r>
-              <a:rPr lang="nl-BE" baseline="0" dirty="0" smtClean="0"/>
-              <a:t> dan naar een JSON string</a:t>
-            </a:r>
-          </a:p>
-          <a:p>
-            <a:r>
-              <a:rPr lang="nl-BE" baseline="0" dirty="0" smtClean="0"/>
-              <a:t>Alle members worden geëvalueerd, ook </a:t>
-            </a:r>
-            <a:r>
-              <a:rPr lang="nl-BE" baseline="0" dirty="0" err="1" smtClean="0"/>
-              <a:t>computed</a:t>
+              <a:t>,</a:t>
             </a:r>
             <a:r>
               <a:rPr lang="nl-BE" baseline="0" dirty="0" smtClean="0"/>
               <a:t> </a:t>
             </a:r>
             <a:r>
+              <a:rPr lang="nl-BE" dirty="0" smtClean="0"/>
+              <a:t>het </a:t>
+            </a:r>
+            <a:r>
+              <a:rPr lang="nl-BE" dirty="0" err="1" smtClean="0"/>
+              <a:t>gebinde</a:t>
+            </a:r>
+            <a:r>
+              <a:rPr lang="nl-BE" baseline="0" dirty="0" smtClean="0"/>
+              <a:t> object zelf </a:t>
+            </a:r>
+            <a:r>
               <a:rPr lang="nl-BE" baseline="0" dirty="0" err="1" smtClean="0"/>
-              <a:t>observables</a:t>
+              <a:t>ipv</a:t>
             </a:r>
             <a:r>
               <a:rPr lang="nl-BE" baseline="0" dirty="0" smtClean="0"/>
-              <a:t>, non-</a:t>
+              <a:t> één van z’n </a:t>
             </a:r>
             <a:r>
               <a:rPr lang="nl-BE" baseline="0" dirty="0" err="1" smtClean="0"/>
-              <a:t>observables</a:t>
-            </a:r>
+              <a:t>properties</a:t>
+            </a:r>
+            <a:endParaRPr lang="nl-BE" baseline="0" dirty="0" smtClean="0"/>
+          </a:p>
+          <a:p>
             <a:r>
               <a:rPr lang="nl-BE" baseline="0" dirty="0" smtClean="0"/>
-              <a:t>, </a:t>
+              <a:t>$</a:t>
+            </a:r>
+            <a:r>
+              <a:rPr lang="nl-BE" baseline="0" dirty="0" err="1" smtClean="0"/>
+              <a:t>parent</a:t>
+            </a:r>
+            <a:r>
+              <a:rPr lang="nl-BE" baseline="0" dirty="0" smtClean="0"/>
+              <a:t>: bij geneste </a:t>
+            </a:r>
+            <a:r>
+              <a:rPr lang="nl-BE" baseline="0" dirty="0" err="1" smtClean="0"/>
+              <a:t>bindings</a:t>
+            </a:r>
+            <a:r>
+              <a:rPr lang="nl-BE" baseline="0" dirty="0" smtClean="0"/>
+              <a:t>, terug omhoog gaan in de hiërarchie</a:t>
+            </a:r>
+          </a:p>
+          <a:p>
+            <a:r>
+              <a:rPr lang="nl-BE" baseline="0" dirty="0" smtClean="0"/>
+              <a:t>$</a:t>
+            </a:r>
+            <a:r>
+              <a:rPr lang="nl-BE" baseline="0" dirty="0" err="1" smtClean="0"/>
+              <a:t>parents</a:t>
+            </a:r>
+            <a:r>
+              <a:rPr lang="nl-BE" baseline="0" dirty="0" smtClean="0"/>
+              <a:t>: een array, waarbij elk volgend element de </a:t>
+            </a:r>
+            <a:r>
+              <a:rPr lang="nl-BE" baseline="0" dirty="0" err="1" smtClean="0"/>
+              <a:t>parent</a:t>
+            </a:r>
+            <a:r>
+              <a:rPr lang="nl-BE" baseline="0" dirty="0" smtClean="0"/>
+              <a:t> is van het vorige (bv $</a:t>
+            </a:r>
+            <a:r>
+              <a:rPr lang="nl-BE" baseline="0" dirty="0" err="1" smtClean="0"/>
+              <a:t>parents</a:t>
+            </a:r>
+            <a:r>
+              <a:rPr lang="nl-BE" baseline="0" dirty="0" smtClean="0"/>
+              <a:t>[2] is de ‘overgrootvader’)</a:t>
+            </a:r>
+          </a:p>
+          <a:p>
+            <a:r>
+              <a:rPr lang="nl-BE" baseline="0" dirty="0" smtClean="0"/>
+              <a:t>$root: het bovenste object in de hiërarchie</a:t>
+            </a:r>
+          </a:p>
+          <a:p>
+            <a:r>
+              <a:rPr lang="nl-BE" baseline="0" dirty="0" smtClean="0"/>
+              <a:t>$index: de index van een item in een array (is een </a:t>
             </a:r>
             <a:r>
               <a:rPr lang="nl-BE" baseline="0" dirty="0" err="1" smtClean="0"/>
@@ -1507,23 +1436,7 @@
             </a:r>
             <a:r>
               <a:rPr lang="nl-BE" baseline="0" dirty="0" smtClean="0"/>
-              <a:t> arrays, </a:t>
-            </a:r>
-            <a:r>
-              <a:rPr lang="nl-BE" baseline="0" dirty="0" err="1" smtClean="0"/>
-              <a:t>child</a:t>
-            </a:r>
-            <a:r>
-              <a:rPr lang="nl-BE" baseline="0" dirty="0" smtClean="0"/>
-              <a:t> </a:t>
-            </a:r>
-            <a:r>
-              <a:rPr lang="nl-BE" baseline="0" dirty="0" err="1" smtClean="0"/>
-              <a:t>viewmodels</a:t>
-            </a:r>
-            <a:r>
-              <a:rPr lang="nl-BE" baseline="0" dirty="0" smtClean="0"/>
-              <a:t>, enz.</a:t>
+              <a:t>, dus verandert mee)</a:t>
             </a:r>
             <a:endParaRPr lang="en-US" dirty="0"/>
           </a:p>
@@ -1546,7 +1459,7 @@
           <a:p>
             <a:fld id="{0DF56419-AC34-45D0-BAB8-5A4CB1E563BF}" type="slidenum">
               <a:rPr lang="en-US" smtClean="0"/>
-              <a:t>23</a:t>
+              <a:t>22</a:t>
             </a:fld>
             <a:endParaRPr lang="en-US"/>
           </a:p>
@@ -1555,7 +1468,7 @@
     </p:spTree>
     <p:extLst>
       <p:ext uri="{BB962C8B-B14F-4D97-AF65-F5344CB8AC3E}">
-        <p14:creationId xmlns:p14="http://schemas.microsoft.com/office/powerpoint/2010/main" val="2104542335"/>
+        <p14:creationId xmlns:p14="http://schemas.microsoft.com/office/powerpoint/2010/main" val="347485044"/>
       </p:ext>
     </p:extLst>
   </p:cSld>
@@ -1610,8 +1523,100 @@
           <a:lstStyle/>
           <a:p>
             <a:r>
+              <a:rPr lang="nl-BE" dirty="0" err="1" smtClean="0"/>
+              <a:t>toJS</a:t>
+            </a:r>
+            <a:r>
               <a:rPr lang="nl-BE" dirty="0" smtClean="0"/>
-              <a:t>Zie features</a:t>
+              <a:t>: je object heeft geen </a:t>
+            </a:r>
+            <a:r>
+              <a:rPr lang="nl-BE" dirty="0" err="1" smtClean="0"/>
+              <a:t>observables</a:t>
+            </a:r>
+            <a:r>
+              <a:rPr lang="nl-BE" baseline="0" dirty="0" smtClean="0"/>
+              <a:t> meer, het is een normaal JS object</a:t>
+            </a:r>
+          </a:p>
+          <a:p>
+            <a:r>
+              <a:rPr lang="nl-BE" baseline="0" dirty="0" err="1" smtClean="0"/>
+              <a:t>toJSON</a:t>
+            </a:r>
+            <a:r>
+              <a:rPr lang="nl-BE" baseline="0" dirty="0" smtClean="0"/>
+              <a:t>: doet intern eerst een call naar </a:t>
+            </a:r>
+            <a:r>
+              <a:rPr lang="nl-BE" baseline="0" dirty="0" err="1" smtClean="0"/>
+              <a:t>toJS</a:t>
+            </a:r>
+            <a:r>
+              <a:rPr lang="nl-BE" baseline="0" dirty="0" smtClean="0"/>
+              <a:t>, </a:t>
+            </a:r>
+            <a:r>
+              <a:rPr lang="nl-BE" baseline="0" dirty="0" err="1" smtClean="0"/>
+              <a:t>serializeert</a:t>
+            </a:r>
+            <a:r>
+              <a:rPr lang="nl-BE" baseline="0" dirty="0" smtClean="0"/>
+              <a:t> dan naar een JSON string</a:t>
+            </a:r>
+          </a:p>
+          <a:p>
+            <a:r>
+              <a:rPr lang="nl-BE" baseline="0" dirty="0" smtClean="0"/>
+              <a:t>Alle members worden geëvalueerd, ook </a:t>
+            </a:r>
+            <a:r>
+              <a:rPr lang="nl-BE" baseline="0" dirty="0" err="1" smtClean="0"/>
+              <a:t>computed</a:t>
+            </a:r>
+            <a:r>
+              <a:rPr lang="nl-BE" baseline="0" dirty="0" smtClean="0"/>
+              <a:t> </a:t>
+            </a:r>
+            <a:r>
+              <a:rPr lang="nl-BE" baseline="0" dirty="0" err="1" smtClean="0"/>
+              <a:t>observables</a:t>
+            </a:r>
+            <a:r>
+              <a:rPr lang="nl-BE" baseline="0" dirty="0" smtClean="0"/>
+              <a:t>, non-</a:t>
+            </a:r>
+            <a:r>
+              <a:rPr lang="nl-BE" baseline="0" dirty="0" err="1" smtClean="0"/>
+              <a:t>observables</a:t>
+            </a:r>
+            <a:r>
+              <a:rPr lang="nl-BE" baseline="0" dirty="0" smtClean="0"/>
+              <a:t>, </a:t>
+            </a:r>
+            <a:r>
+              <a:rPr lang="nl-BE" baseline="0" dirty="0" err="1" smtClean="0"/>
+              <a:t>observable</a:t>
+            </a:r>
+            <a:r>
+              <a:rPr lang="nl-BE" baseline="0" dirty="0" smtClean="0"/>
+              <a:t> arrays, </a:t>
+            </a:r>
+            <a:r>
+              <a:rPr lang="nl-BE" baseline="0" dirty="0" err="1" smtClean="0"/>
+              <a:t>child</a:t>
+            </a:r>
+            <a:r>
+              <a:rPr lang="nl-BE" baseline="0" dirty="0" smtClean="0"/>
+              <a:t> </a:t>
+            </a:r>
+            <a:r>
+              <a:rPr lang="nl-BE" baseline="0" dirty="0" err="1" smtClean="0"/>
+              <a:t>viewmodels</a:t>
+            </a:r>
+            <a:r>
+              <a:rPr lang="nl-BE" baseline="0" dirty="0" smtClean="0"/>
+              <a:t>, enz.</a:t>
             </a:r>
             <a:endParaRPr lang="en-US" dirty="0"/>
           </a:p>
@@ -1634,7 +1639,7 @@
           <a:p>
             <a:fld id="{0DF56419-AC34-45D0-BAB8-5A4CB1E563BF}" type="slidenum">
               <a:rPr lang="en-US" smtClean="0"/>
-              <a:t>24</a:t>
+              <a:t>23</a:t>
             </a:fld>
             <a:endParaRPr lang="en-US"/>
           </a:p>
@@ -1643,7 +1648,7 @@
     </p:spTree>
     <p:extLst>
       <p:ext uri="{BB962C8B-B14F-4D97-AF65-F5344CB8AC3E}">
-        <p14:creationId xmlns:p14="http://schemas.microsoft.com/office/powerpoint/2010/main" val="882911281"/>
+        <p14:creationId xmlns:p14="http://schemas.microsoft.com/office/powerpoint/2010/main" val="2104542335"/>
       </p:ext>
     </p:extLst>
   </p:cSld>
@@ -1698,24 +1703,8 @@
           <a:lstStyle/>
           <a:p>
             <a:r>
-              <a:rPr lang="nl-BE" dirty="0" err="1" smtClean="0"/>
-              <a:t>Id</a:t>
-            </a:r>
-            <a:r>
               <a:rPr lang="nl-BE" dirty="0" smtClean="0"/>
-              <a:t> is afgeleid</a:t>
-            </a:r>
-            <a:r>
-              <a:rPr lang="nl-BE" baseline="0" dirty="0" smtClean="0"/>
-              <a:t> van pad relatief t.o.v. </a:t>
-            </a:r>
-            <a:r>
-              <a:rPr lang="nl-BE" baseline="0" dirty="0" err="1" smtClean="0"/>
-              <a:t>baseUrl</a:t>
-            </a:r>
-            <a:r>
-              <a:rPr lang="nl-BE" baseline="0" dirty="0" smtClean="0"/>
-              <a:t> (normaal locatie van main.js)</a:t>
+              <a:t>Zie features</a:t>
             </a:r>
             <a:endParaRPr lang="en-US" dirty="0"/>
           </a:p>
@@ -1738,7 +1727,7 @@
           <a:p>
             <a:fld id="{0DF56419-AC34-45D0-BAB8-5A4CB1E563BF}" type="slidenum">
               <a:rPr lang="en-US" smtClean="0"/>
-              <a:t>26</a:t>
+              <a:t>24</a:t>
             </a:fld>
             <a:endParaRPr lang="en-US"/>
           </a:p>
@@ -1747,7 +1736,7 @@
     </p:spTree>
     <p:extLst>
       <p:ext uri="{BB962C8B-B14F-4D97-AF65-F5344CB8AC3E}">
-        <p14:creationId xmlns:p14="http://schemas.microsoft.com/office/powerpoint/2010/main" val="106862747"/>
+        <p14:creationId xmlns:p14="http://schemas.microsoft.com/office/powerpoint/2010/main" val="882911281"/>
       </p:ext>
     </p:extLst>
   </p:cSld>
@@ -1802,16 +1791,24 @@
           <a:lstStyle/>
           <a:p>
             <a:r>
+              <a:rPr lang="nl-BE" dirty="0" err="1" smtClean="0"/>
+              <a:t>Id</a:t>
+            </a:r>
+            <a:r>
               <a:rPr lang="nl-BE" dirty="0" smtClean="0"/>
-              <a:t>Indien meerdere root </a:t>
-            </a:r>
-            <a:r>
-              <a:rPr lang="nl-BE" dirty="0" err="1" smtClean="0"/>
-              <a:t>elements</a:t>
-            </a:r>
-            <a:r>
-              <a:rPr lang="nl-BE" dirty="0" smtClean="0"/>
-              <a:t>, dan worden deze in een div geplaatst</a:t>
+              <a:t> is afgeleid</a:t>
+            </a:r>
+            <a:r>
+              <a:rPr lang="nl-BE" baseline="0" dirty="0" smtClean="0"/>
+              <a:t> van pad relatief t.o.v. </a:t>
+            </a:r>
+            <a:r>
+              <a:rPr lang="nl-BE" baseline="0" dirty="0" err="1" smtClean="0"/>
+              <a:t>baseUrl</a:t>
+            </a:r>
+            <a:r>
+              <a:rPr lang="nl-BE" baseline="0" dirty="0" smtClean="0"/>
+              <a:t> (normaal locatie van main.js)</a:t>
             </a:r>
             <a:endParaRPr lang="en-US" dirty="0"/>
           </a:p>
@@ -1834,7 +1831,7 @@
           <a:p>
             <a:fld id="{0DF56419-AC34-45D0-BAB8-5A4CB1E563BF}" type="slidenum">
               <a:rPr lang="en-US" smtClean="0"/>
-              <a:t>27</a:t>
+              <a:t>26</a:t>
             </a:fld>
             <a:endParaRPr lang="en-US"/>
           </a:p>
@@ -1843,7 +1840,7 @@
     </p:spTree>
     <p:extLst>
       <p:ext uri="{BB962C8B-B14F-4D97-AF65-F5344CB8AC3E}">
-        <p14:creationId xmlns:p14="http://schemas.microsoft.com/office/powerpoint/2010/main" val="3152353316"/>
+        <p14:creationId xmlns:p14="http://schemas.microsoft.com/office/powerpoint/2010/main" val="106862747"/>
       </p:ext>
     </p:extLst>
   </p:cSld>
@@ -1899,30 +1896,16 @@
           <a:p>
             <a:r>
               <a:rPr lang="nl-BE" dirty="0" smtClean="0"/>
-              <a:t>Object</a:t>
-            </a:r>
-            <a:r>
-              <a:rPr lang="nl-BE" baseline="0" dirty="0" smtClean="0"/>
-              <a:t> </a:t>
-            </a:r>
-            <a:r>
-              <a:rPr lang="nl-BE" baseline="0" dirty="0" err="1" smtClean="0"/>
-              <a:t>composition</a:t>
-            </a:r>
-            <a:r>
-              <a:rPr lang="nl-BE" baseline="0" dirty="0" smtClean="0"/>
-              <a:t>: via </a:t>
-            </a:r>
-            <a:r>
-              <a:rPr lang="nl-BE" baseline="0" dirty="0" err="1" smtClean="0"/>
-              <a:t>RequireJS</a:t>
-            </a:r>
-            <a:r>
-              <a:rPr lang="nl-BE" baseline="0" dirty="0" smtClean="0"/>
-              <a:t> gewoon modules en hun afhankelijkheden</a:t>
-            </a:r>
-          </a:p>
-          <a:p>
+              <a:t>Indien meerdere root </a:t>
+            </a:r>
+            <a:r>
+              <a:rPr lang="nl-BE" dirty="0" err="1" smtClean="0"/>
+              <a:t>elements</a:t>
+            </a:r>
+            <a:r>
+              <a:rPr lang="nl-BE" dirty="0" smtClean="0"/>
+              <a:t>, dan worden deze in een div geplaatst</a:t>
+            </a:r>
             <a:endParaRPr lang="en-US" dirty="0"/>
           </a:p>
         </p:txBody>
@@ -1944,7 +1927,7 @@
           <a:p>
             <a:fld id="{0DF56419-AC34-45D0-BAB8-5A4CB1E563BF}" type="slidenum">
               <a:rPr lang="en-US" smtClean="0"/>
-              <a:t>29</a:t>
+              <a:t>27</a:t>
             </a:fld>
             <a:endParaRPr lang="en-US"/>
           </a:p>
@@ -1953,7 +1936,7 @@
     </p:spTree>
     <p:extLst>
       <p:ext uri="{BB962C8B-B14F-4D97-AF65-F5344CB8AC3E}">
-        <p14:creationId xmlns:p14="http://schemas.microsoft.com/office/powerpoint/2010/main" val="2009853299"/>
+        <p14:creationId xmlns:p14="http://schemas.microsoft.com/office/powerpoint/2010/main" val="3152353316"/>
       </p:ext>
     </p:extLst>
   </p:cSld>
@@ -2008,250 +1991,32 @@
           <a:lstStyle/>
           <a:p>
             <a:r>
-              <a:rPr lang="nl-BE" dirty="0" err="1" smtClean="0"/>
-              <a:t>compose</a:t>
-            </a:r>
-            <a:r>
               <a:rPr lang="nl-BE" dirty="0" smtClean="0"/>
-              <a:t> is een </a:t>
-            </a:r>
-            <a:r>
-              <a:rPr lang="nl-BE" dirty="0" err="1" smtClean="0"/>
-              <a:t>custom</a:t>
-            </a:r>
-            <a:r>
-              <a:rPr lang="nl-BE" dirty="0" smtClean="0"/>
-              <a:t> binding van </a:t>
-            </a:r>
-            <a:r>
-              <a:rPr lang="nl-BE" dirty="0" err="1" smtClean="0"/>
-              <a:t>Durandal</a:t>
-            </a:r>
-            <a:endParaRPr lang="nl-BE" dirty="0" smtClean="0"/>
-          </a:p>
-          <a:p>
-            <a:endParaRPr lang="nl-BE" dirty="0" smtClean="0"/>
-          </a:p>
-          <a:p>
-            <a:r>
-              <a:rPr lang="nl-BE" dirty="0" smtClean="0"/>
-              <a:t>1: view wordt </a:t>
-            </a:r>
-            <a:r>
-              <a:rPr lang="nl-BE" dirty="0" err="1" smtClean="0"/>
-              <a:t>gebind</a:t>
-            </a:r>
-            <a:r>
-              <a:rPr lang="nl-BE" dirty="0" smtClean="0"/>
-              <a:t> tegen huidige context</a:t>
-            </a:r>
-          </a:p>
-          <a:p>
-            <a:r>
-              <a:rPr lang="nl-BE" dirty="0" smtClean="0"/>
-              <a:t>2: </a:t>
-            </a:r>
-            <a:r>
-              <a:rPr lang="nl-BE" dirty="0" err="1" smtClean="0"/>
-              <a:t>id</a:t>
-            </a:r>
-            <a:r>
-              <a:rPr lang="nl-BE" dirty="0" smtClean="0"/>
-              <a:t> van een module</a:t>
+              <a:t>Object</a:t>
             </a:r>
             <a:r>
               <a:rPr lang="nl-BE" baseline="0" dirty="0" smtClean="0"/>
-              <a:t> (want geen view extension, bv .html)</a:t>
-            </a:r>
-            <a:r>
-              <a:rPr lang="nl-BE" dirty="0" smtClean="0"/>
-              <a:t>; module en</a:t>
+              <a:t> </a:t>
+            </a:r>
+            <a:r>
+              <a:rPr lang="nl-BE" baseline="0" dirty="0" err="1" smtClean="0"/>
+              <a:t>composition</a:t>
             </a:r>
             <a:r>
               <a:rPr lang="nl-BE" baseline="0" dirty="0" smtClean="0"/>
-              <a:t> view worden ingeladen en </a:t>
+              <a:t>: via </a:t>
             </a:r>
             <a:r>
               <a:rPr lang="nl-BE" baseline="0" dirty="0" err="1" smtClean="0"/>
-              <a:t>gebind</a:t>
+              <a:t>RequireJS</a:t>
             </a:r>
             <a:r>
               <a:rPr lang="nl-BE" baseline="0" dirty="0" smtClean="0"/>
-              <a:t> aan elkaar</a:t>
-            </a:r>
-          </a:p>
-          <a:p>
-            <a:r>
-              <a:rPr lang="nl-BE" baseline="0" dirty="0" smtClean="0"/>
-              <a:t>3: een </a:t>
-            </a:r>
-            <a:r>
-              <a:rPr lang="nl-BE" baseline="0" dirty="0" err="1" smtClean="0"/>
-              <a:t>observable</a:t>
-            </a:r>
-            <a:r>
-              <a:rPr lang="nl-BE" baseline="0" dirty="0" smtClean="0"/>
-              <a:t>; interessant want wanneer </a:t>
-            </a:r>
-            <a:r>
-              <a:rPr lang="nl-BE" baseline="0" dirty="0" err="1" smtClean="0"/>
-              <a:t>observable</a:t>
-            </a:r>
-            <a:r>
-              <a:rPr lang="nl-BE" baseline="0" dirty="0" smtClean="0"/>
-              <a:t> verandert, verandert de DOM</a:t>
-            </a:r>
-          </a:p>
-          <a:p>
-            <a:r>
-              <a:rPr lang="nl-BE" baseline="0" dirty="0" smtClean="0"/>
-              <a:t>	indien een string</a:t>
-            </a:r>
-          </a:p>
-          <a:p>
-            <a:r>
-              <a:rPr lang="nl-BE" baseline="0" dirty="0" smtClean="0"/>
-              <a:t>		met view extension: view wordt ingeladen en </a:t>
-            </a:r>
-            <a:r>
-              <a:rPr lang="nl-BE" baseline="0" dirty="0" err="1" smtClean="0"/>
-              <a:t>gebind</a:t>
-            </a:r>
-            <a:r>
-              <a:rPr lang="nl-BE" baseline="0" dirty="0" smtClean="0"/>
-              <a:t> aan huidige context</a:t>
-            </a:r>
-          </a:p>
-          <a:p>
-            <a:r>
-              <a:rPr lang="nl-BE" baseline="0" dirty="0" smtClean="0"/>
-              <a:t>		indien een </a:t>
-            </a:r>
-            <a:r>
-              <a:rPr lang="nl-BE" baseline="0" dirty="0" err="1" smtClean="0"/>
-              <a:t>moduleid</a:t>
-            </a:r>
-            <a:r>
-              <a:rPr lang="nl-BE" baseline="0" dirty="0" smtClean="0"/>
-              <a:t>: module en view worden ingeladen en </a:t>
-            </a:r>
-            <a:r>
-              <a:rPr lang="nl-BE" baseline="0" dirty="0" err="1" smtClean="0"/>
-              <a:t>gebind</a:t>
-            </a:r>
-            <a:r>
-              <a:rPr lang="nl-BE" baseline="0" dirty="0" smtClean="0"/>
-              <a:t> aan elkaar</a:t>
-            </a:r>
-          </a:p>
-          <a:p>
-            <a:r>
-              <a:rPr lang="nl-BE" baseline="0" dirty="0" smtClean="0"/>
-              <a:t>	indien een object</a:t>
-            </a:r>
-          </a:p>
-          <a:p>
-            <a:r>
-              <a:rPr lang="nl-BE" baseline="0" dirty="0" smtClean="0"/>
-              <a:t>		bijpassende view wordt opgezocht, beiden worden aan elkaar </a:t>
-            </a:r>
-            <a:r>
-              <a:rPr lang="nl-BE" baseline="0" dirty="0" err="1" smtClean="0"/>
-              <a:t>gebind</a:t>
-            </a:r>
-            <a:endParaRPr lang="nl-BE" baseline="0" dirty="0" smtClean="0"/>
-          </a:p>
-          <a:p>
-            <a:r>
-              <a:rPr lang="nl-BE" baseline="0" dirty="0" smtClean="0"/>
-              <a:t>	indien een </a:t>
-            </a:r>
-            <a:r>
-              <a:rPr lang="nl-BE" baseline="0" dirty="0" err="1" smtClean="0"/>
-              <a:t>function</a:t>
-            </a:r>
-            <a:endParaRPr lang="nl-BE" baseline="0" dirty="0" smtClean="0"/>
-          </a:p>
-          <a:p>
-            <a:r>
-              <a:rPr lang="nl-BE" baseline="0" dirty="0" smtClean="0"/>
-              <a:t>		</a:t>
-            </a:r>
-            <a:r>
-              <a:rPr lang="nl-BE" baseline="0" dirty="0" err="1" smtClean="0"/>
-              <a:t>function</a:t>
-            </a:r>
-            <a:r>
-              <a:rPr lang="nl-BE" baseline="0" dirty="0" smtClean="0"/>
-              <a:t> wordt opgeroepen met new, view wordt gezocht voor object, binding</a:t>
-            </a:r>
-          </a:p>
-          <a:p>
-            <a:endParaRPr lang="nl-BE" baseline="0" dirty="0" smtClean="0"/>
-          </a:p>
-          <a:p>
-            <a:r>
-              <a:rPr lang="nl-BE" baseline="0" dirty="0" err="1" smtClean="0"/>
-              <a:t>Compose</a:t>
-            </a:r>
-            <a:r>
-              <a:rPr lang="nl-BE" baseline="0" dirty="0" smtClean="0"/>
-              <a:t> met object met view en/of model property: werkt in het algemeen zoals je zou verwachten</a:t>
-            </a:r>
-          </a:p>
-          <a:p>
-            <a:endParaRPr lang="nl-BE" baseline="0" dirty="0" smtClean="0"/>
-          </a:p>
-          <a:p>
-            <a:r>
-              <a:rPr lang="nl-BE" baseline="0" dirty="0" smtClean="0"/>
-              <a:t>Indien er iets niet lukt (bv geen view gevonden,…) </a:t>
-            </a:r>
-            <a:r>
-              <a:rPr lang="nl-BE" baseline="0" dirty="0" smtClean="0">
-                <a:sym typeface="Wingdings" panose="05000000000000000000" pitchFamily="2" charset="2"/>
-              </a:rPr>
-              <a:t> er zal niks in de DOM te zien zijn</a:t>
-            </a:r>
-          </a:p>
-          <a:p>
-            <a:endParaRPr lang="nl-BE" baseline="0" dirty="0" smtClean="0">
-              <a:sym typeface="Wingdings" panose="05000000000000000000" pitchFamily="2" charset="2"/>
-            </a:endParaRPr>
-          </a:p>
-          <a:p>
-            <a:r>
-              <a:rPr lang="nl-BE" baseline="0" dirty="0" smtClean="0">
-                <a:sym typeface="Wingdings" panose="05000000000000000000" pitchFamily="2" charset="2"/>
-              </a:rPr>
-              <a:t>In demo: home.html </a:t>
-            </a:r>
-            <a:r>
-              <a:rPr lang="nl-BE" baseline="0" smtClean="0">
-                <a:sym typeface="Wingdings" panose="05000000000000000000" pitchFamily="2" charset="2"/>
-              </a:rPr>
-              <a:t>en </a:t>
-            </a:r>
-            <a:r>
-              <a:rPr lang="nl-BE" baseline="0" smtClean="0">
-                <a:sym typeface="Wingdings" panose="05000000000000000000" pitchFamily="2" charset="2"/>
-              </a:rPr>
-              <a:t>beers.html</a:t>
-            </a:r>
-          </a:p>
-          <a:p>
-            <a:endParaRPr lang="nl-BE" baseline="0" smtClean="0">
-              <a:sym typeface="Wingdings" panose="05000000000000000000" pitchFamily="2" charset="2"/>
-            </a:endParaRPr>
-          </a:p>
-          <a:p>
-            <a:r>
-              <a:rPr lang="nl-BE" baseline="0" smtClean="0">
-                <a:sym typeface="Wingdings" panose="05000000000000000000" pitchFamily="2" charset="2"/>
-              </a:rPr>
-              <a:t>In beers.html kan je de value van de binding vervangen door $data (herinner binding contexts)</a:t>
-            </a:r>
-            <a:endParaRPr lang="nl-BE" baseline="0" dirty="0" smtClean="0"/>
+              <a:t> gewoon modules en hun afhankelijkheden</a:t>
+            </a:r>
+          </a:p>
+          <a:p>
+            <a:endParaRPr lang="en-US" dirty="0"/>
           </a:p>
         </p:txBody>
       </p:sp>
@@ -2272,7 +2037,7 @@
           <a:p>
             <a:fld id="{0DF56419-AC34-45D0-BAB8-5A4CB1E563BF}" type="slidenum">
               <a:rPr lang="en-US" smtClean="0"/>
-              <a:t>30</a:t>
+              <a:t>29</a:t>
             </a:fld>
             <a:endParaRPr lang="en-US"/>
           </a:p>
@@ -2281,7 +2046,7 @@
     </p:spTree>
     <p:extLst>
       <p:ext uri="{BB962C8B-B14F-4D97-AF65-F5344CB8AC3E}">
-        <p14:creationId xmlns:p14="http://schemas.microsoft.com/office/powerpoint/2010/main" val="2510050687"/>
+        <p14:creationId xmlns:p14="http://schemas.microsoft.com/office/powerpoint/2010/main" val="2009853299"/>
       </p:ext>
     </p:extLst>
   </p:cSld>
@@ -2341,30 +2106,26 @@
             </a:r>
             <a:r>
               <a:rPr lang="nl-BE" baseline="0" dirty="0" smtClean="0"/>
-              <a:t> wordt iedere keer uitgevoerd.	</a:t>
-            </a:r>
-            <a:endParaRPr lang="nl-BE" dirty="0" smtClean="0"/>
-          </a:p>
-          <a:p>
-            <a:r>
-              <a:rPr lang="nl-BE" dirty="0" smtClean="0"/>
-              <a:t>Je zou ook kunnen een</a:t>
+              <a:t> wordt pas opgeroepen na </a:t>
+            </a:r>
+            <a:r>
+              <a:rPr lang="nl-BE" baseline="0" dirty="0" err="1" smtClean="0"/>
+              <a:t>resolven</a:t>
             </a:r>
             <a:r>
               <a:rPr lang="nl-BE" baseline="0" dirty="0" smtClean="0"/>
-              <a:t> singleton teruggeven en </a:t>
+              <a:t> van alle </a:t>
             </a:r>
             <a:r>
               <a:rPr lang="nl-BE" baseline="0" dirty="0" err="1" smtClean="0"/>
-              <a:t>activate</a:t>
-            </a:r>
-            <a:r>
-              <a:rPr lang="nl-BE" baseline="0" dirty="0" smtClean="0"/>
-              <a:t>() </a:t>
-            </a:r>
+              <a:t>dependencies</a:t>
+            </a:r>
+            <a:endParaRPr lang="nl-BE" baseline="0" dirty="0" smtClean="0"/>
+          </a:p>
+          <a:p>
             <a:r>
               <a:rPr lang="nl-BE" baseline="0" dirty="0" err="1" smtClean="0"/>
-              <a:t>method</a:t>
+              <a:t>Arguments</a:t>
             </a:r>
             <a:r>
               <a:rPr lang="nl-BE" baseline="0" dirty="0" smtClean="0"/>
@@ -2372,19 +2133,19 @@
             </a:r>
             <a:r>
               <a:rPr lang="nl-BE" baseline="0" dirty="0" err="1" smtClean="0"/>
-              <a:t>Durandal</a:t>
+              <a:t>function</a:t>
             </a:r>
             <a:r>
               <a:rPr lang="nl-BE" baseline="0" dirty="0" smtClean="0"/>
-              <a:t> gebruiken om waarden te </a:t>
+              <a:t> staan in dezelfde volgorde als module </a:t>
             </a:r>
             <a:r>
               <a:rPr lang="nl-BE" baseline="0" dirty="0" err="1" smtClean="0"/>
-              <a:t>refreshen</a:t>
+              <a:t>ids</a:t>
             </a:r>
             <a:r>
               <a:rPr lang="nl-BE" baseline="0" dirty="0" smtClean="0"/>
-              <a:t>. Maar dan blijft het in memory. Misschien in geval van zware/lange operaties die je daarna niet meer moet uitvoeren</a:t>
+              <a:t> in array</a:t>
             </a:r>
             <a:endParaRPr lang="en-US" dirty="0"/>
           </a:p>
@@ -2407,7 +2168,7 @@
           <a:p>
             <a:fld id="{0DF56419-AC34-45D0-BAB8-5A4CB1E563BF}" type="slidenum">
               <a:rPr lang="en-US" smtClean="0"/>
-              <a:t>9</a:t>
+              <a:t>8</a:t>
             </a:fld>
             <a:endParaRPr lang="en-US"/>
           </a:p>
@@ -2416,7 +2177,7 @@
     </p:spTree>
     <p:extLst>
       <p:ext uri="{BB962C8B-B14F-4D97-AF65-F5344CB8AC3E}">
-        <p14:creationId xmlns:p14="http://schemas.microsoft.com/office/powerpoint/2010/main" val="1740093845"/>
+        <p14:creationId xmlns:p14="http://schemas.microsoft.com/office/powerpoint/2010/main" val="566645831"/>
       </p:ext>
     </p:extLst>
   </p:cSld>
@@ -2471,48 +2232,174 @@
           <a:lstStyle/>
           <a:p>
             <a:r>
-              <a:rPr lang="nl-BE" dirty="0" smtClean="0"/>
-              <a:t>Extra opties voor je </a:t>
-            </a:r>
-            <a:r>
               <a:rPr lang="nl-BE" dirty="0" err="1" smtClean="0"/>
               <a:t>compose</a:t>
             </a:r>
             <a:r>
               <a:rPr lang="nl-BE" dirty="0" smtClean="0"/>
-              <a:t> binding.</a:t>
-            </a:r>
-          </a:p>
-          <a:p>
+              <a:t> is een </a:t>
+            </a:r>
             <a:r>
               <a:rPr lang="nl-BE" dirty="0" err="1" smtClean="0"/>
-              <a:t>strategy</a:t>
+              <a:t>custom</a:t>
             </a:r>
             <a:r>
               <a:rPr lang="nl-BE" dirty="0" smtClean="0"/>
-              <a:t>:</a:t>
+              <a:t> binding van </a:t>
+            </a:r>
+            <a:r>
+              <a:rPr lang="nl-BE" dirty="0" err="1" smtClean="0"/>
+              <a:t>Durandal</a:t>
+            </a:r>
+            <a:endParaRPr lang="nl-BE" dirty="0" smtClean="0"/>
+          </a:p>
+          <a:p>
+            <a:endParaRPr lang="nl-BE" dirty="0" smtClean="0"/>
+          </a:p>
+          <a:p>
+            <a:r>
+              <a:rPr lang="nl-BE" dirty="0" smtClean="0"/>
+              <a:t>1: view wordt </a:t>
+            </a:r>
+            <a:r>
+              <a:rPr lang="nl-BE" dirty="0" err="1" smtClean="0"/>
+              <a:t>gebind</a:t>
+            </a:r>
+            <a:r>
+              <a:rPr lang="nl-BE" dirty="0" smtClean="0"/>
+              <a:t> tegen huidige context</a:t>
+            </a:r>
+          </a:p>
+          <a:p>
+            <a:r>
+              <a:rPr lang="nl-BE" dirty="0" smtClean="0"/>
+              <a:t>2: </a:t>
+            </a:r>
+            <a:r>
+              <a:rPr lang="nl-BE" dirty="0" err="1" smtClean="0"/>
+              <a:t>id</a:t>
+            </a:r>
+            <a:r>
+              <a:rPr lang="nl-BE" dirty="0" smtClean="0"/>
+              <a:t> van een module</a:t>
             </a:r>
             <a:r>
               <a:rPr lang="nl-BE" baseline="0" dirty="0" smtClean="0"/>
-              <a:t> </a:t>
+              <a:t> (want geen view extension, bv .html)</a:t>
+            </a:r>
+            <a:r>
+              <a:rPr lang="nl-BE" dirty="0" smtClean="0"/>
+              <a:t>; module en</a:t>
+            </a:r>
+            <a:r>
+              <a:rPr lang="nl-BE" baseline="0" dirty="0" smtClean="0"/>
+              <a:t> view worden ingeladen en </a:t>
+            </a:r>
+            <a:r>
+              <a:rPr lang="nl-BE" baseline="0" dirty="0" err="1" smtClean="0"/>
+              <a:t>gebind</a:t>
+            </a:r>
+            <a:r>
+              <a:rPr lang="nl-BE" baseline="0" dirty="0" smtClean="0"/>
+              <a:t> aan elkaar</a:t>
+            </a:r>
+          </a:p>
+          <a:p>
+            <a:r>
+              <a:rPr lang="nl-BE" baseline="0" dirty="0" smtClean="0"/>
+              <a:t>3: een </a:t>
+            </a:r>
+            <a:r>
+              <a:rPr lang="nl-BE" baseline="0" dirty="0" err="1" smtClean="0"/>
+              <a:t>observable</a:t>
+            </a:r>
+            <a:r>
+              <a:rPr lang="nl-BE" baseline="0" dirty="0" smtClean="0"/>
+              <a:t>; interessant want wanneer </a:t>
+            </a:r>
+            <a:r>
+              <a:rPr lang="nl-BE" baseline="0" dirty="0" err="1" smtClean="0"/>
+              <a:t>observable</a:t>
+            </a:r>
+            <a:r>
+              <a:rPr lang="nl-BE" baseline="0" dirty="0" smtClean="0"/>
+              <a:t> verandert, verandert de DOM</a:t>
+            </a:r>
+          </a:p>
+          <a:p>
+            <a:r>
+              <a:rPr lang="nl-BE" baseline="0" dirty="0" smtClean="0"/>
+              <a:t>	indien een string</a:t>
+            </a:r>
+          </a:p>
+          <a:p>
+            <a:r>
+              <a:rPr lang="nl-BE" baseline="0" dirty="0" smtClean="0"/>
+              <a:t>		met view extension: view wordt ingeladen en </a:t>
+            </a:r>
+            <a:r>
+              <a:rPr lang="nl-BE" baseline="0" dirty="0" err="1" smtClean="0"/>
+              <a:t>gebind</a:t>
+            </a:r>
+            <a:r>
+              <a:rPr lang="nl-BE" baseline="0" dirty="0" smtClean="0"/>
+              <a:t> aan huidige context</a:t>
+            </a:r>
+          </a:p>
+          <a:p>
+            <a:r>
+              <a:rPr lang="nl-BE" baseline="0" dirty="0" smtClean="0"/>
+              <a:t>		indien een </a:t>
+            </a:r>
+            <a:r>
+              <a:rPr lang="nl-BE" baseline="0" dirty="0" err="1" smtClean="0"/>
+              <a:t>moduleid</a:t>
+            </a:r>
+            <a:r>
+              <a:rPr lang="nl-BE" baseline="0" dirty="0" smtClean="0"/>
+              <a:t>: module en view worden ingeladen en </a:t>
+            </a:r>
+            <a:r>
+              <a:rPr lang="nl-BE" baseline="0" dirty="0" err="1" smtClean="0"/>
+              <a:t>gebind</a:t>
+            </a:r>
+            <a:r>
+              <a:rPr lang="nl-BE" baseline="0" dirty="0" smtClean="0"/>
+              <a:t> aan elkaar</a:t>
+            </a:r>
+          </a:p>
+          <a:p>
+            <a:r>
+              <a:rPr lang="nl-BE" baseline="0" dirty="0" smtClean="0"/>
+              <a:t>	indien een object</a:t>
+            </a:r>
+          </a:p>
+          <a:p>
+            <a:r>
+              <a:rPr lang="nl-BE" baseline="0" dirty="0" smtClean="0"/>
+              <a:t>		bijpassende view wordt opgezocht, beiden worden aan elkaar </a:t>
+            </a:r>
+            <a:r>
+              <a:rPr lang="nl-BE" baseline="0" dirty="0" err="1" smtClean="0"/>
+              <a:t>gebind</a:t>
+            </a:r>
+            <a:endParaRPr lang="nl-BE" baseline="0" dirty="0" smtClean="0"/>
+          </a:p>
+          <a:p>
+            <a:r>
+              <a:rPr lang="nl-BE" baseline="0" dirty="0" smtClean="0"/>
+              <a:t>	indien een </a:t>
             </a:r>
             <a:r>
               <a:rPr lang="nl-BE" baseline="0" dirty="0" err="1" smtClean="0"/>
               <a:t>function</a:t>
             </a:r>
+            <a:endParaRPr lang="nl-BE" baseline="0" dirty="0" smtClean="0"/>
+          </a:p>
+          <a:p>
             <a:r>
               <a:rPr lang="nl-BE" baseline="0" dirty="0" smtClean="0"/>
-              <a:t> om view te vinden indien niet gegeven</a:t>
-            </a:r>
-          </a:p>
-          <a:p>
-            <a:r>
-              <a:rPr lang="nl-BE" baseline="0" dirty="0" err="1" smtClean="0"/>
-              <a:t>transition</a:t>
-            </a:r>
-            <a:r>
-              <a:rPr lang="nl-BE" baseline="0" dirty="0" smtClean="0"/>
-              <a:t>: </a:t>
+              <a:t>		</a:t>
             </a:r>
             <a:r>
               <a:rPr lang="nl-BE" baseline="0" dirty="0" err="1" smtClean="0"/>
@@ -2520,102 +2407,69 @@
             </a:r>
             <a:r>
               <a:rPr lang="nl-BE" baseline="0" dirty="0" smtClean="0"/>
-              <a:t> om wijziging van views in DOM te animeren, je kan je eigen </a:t>
-            </a:r>
+              <a:t> wordt opgeroepen met new, view wordt gezocht voor object, binding</a:t>
+            </a:r>
+          </a:p>
+          <a:p>
+            <a:endParaRPr lang="nl-BE" baseline="0" dirty="0" smtClean="0"/>
+          </a:p>
+          <a:p>
             <a:r>
               <a:rPr lang="nl-BE" baseline="0" dirty="0" err="1" smtClean="0"/>
-              <a:t>transitions</a:t>
+              <a:t>Compose</a:t>
             </a:r>
             <a:r>
               <a:rPr lang="nl-BE" baseline="0" dirty="0" smtClean="0"/>
-              <a:t> definiëren</a:t>
-            </a:r>
-          </a:p>
-          <a:p>
-            <a:r>
-              <a:rPr lang="nl-BE" baseline="0" dirty="0" err="1" smtClean="0"/>
-              <a:t>cacheViews</a:t>
-            </a:r>
+              <a:t> met object met view en/of model property: werkt in het algemeen zoals je zou verwachten</a:t>
+            </a:r>
+          </a:p>
+          <a:p>
+            <a:endParaRPr lang="nl-BE" baseline="0" dirty="0" smtClean="0"/>
+          </a:p>
+          <a:p>
             <a:r>
               <a:rPr lang="nl-BE" baseline="0" dirty="0" smtClean="0"/>
-              <a:t>: views worden bijgehouden en hergebruikt indien binding op hetzelfde object gebeurt</a:t>
-            </a:r>
-          </a:p>
-          <a:p>
-            <a:r>
-              <a:rPr lang="nl-BE" baseline="0" dirty="0" err="1" smtClean="0"/>
-              <a:t>activate</a:t>
-            </a:r>
-            <a:r>
-              <a:rPr lang="nl-BE" baseline="0" dirty="0" smtClean="0"/>
-              <a:t>: indien </a:t>
-            </a:r>
-            <a:r>
-              <a:rPr lang="nl-BE" baseline="0" dirty="0" err="1" smtClean="0"/>
-              <a:t>activate</a:t>
-            </a:r>
-            <a:r>
-              <a:rPr lang="nl-BE" baseline="0" dirty="0" smtClean="0"/>
-              <a:t> op je viewmodel niet </a:t>
-            </a:r>
-            <a:r>
-              <a:rPr lang="nl-BE" baseline="0" dirty="0" err="1" smtClean="0"/>
-              <a:t>gecalled</a:t>
-            </a:r>
-            <a:r>
-              <a:rPr lang="nl-BE" baseline="0" dirty="0" smtClean="0"/>
-              <a:t> moet worden (default: </a:t>
-            </a:r>
-            <a:r>
-              <a:rPr lang="nl-BE" baseline="0" dirty="0" err="1" smtClean="0"/>
-              <a:t>true</a:t>
-            </a:r>
-            <a:r>
-              <a:rPr lang="nl-BE" baseline="0" dirty="0" smtClean="0"/>
-              <a:t>)</a:t>
-            </a:r>
-          </a:p>
-          <a:p>
+              <a:t>Indien er iets niet lukt (bv geen view gevonden,…) </a:t>
+            </a:r>
+            <a:r>
+              <a:rPr lang="nl-BE" baseline="0" dirty="0" smtClean="0">
+                <a:sym typeface="Wingdings" panose="05000000000000000000" pitchFamily="2" charset="2"/>
+              </a:rPr>
+              <a:t> er zal niks in de DOM te zien zijn</a:t>
+            </a:r>
+          </a:p>
+          <a:p>
+            <a:endParaRPr lang="nl-BE" baseline="0" dirty="0" smtClean="0">
+              <a:sym typeface="Wingdings" panose="05000000000000000000" pitchFamily="2" charset="2"/>
+            </a:endParaRPr>
+          </a:p>
+          <a:p>
+            <a:r>
+              <a:rPr lang="nl-BE" baseline="0" dirty="0" smtClean="0">
+                <a:sym typeface="Wingdings" panose="05000000000000000000" pitchFamily="2" charset="2"/>
+              </a:rPr>
+              <a:t>In demo: home.html </a:t>
+            </a:r>
+            <a:r>
+              <a:rPr lang="nl-BE" baseline="0" smtClean="0">
+                <a:sym typeface="Wingdings" panose="05000000000000000000" pitchFamily="2" charset="2"/>
+              </a:rPr>
+              <a:t>en beers.html</a:t>
+            </a:r>
+          </a:p>
+          <a:p>
+            <a:endParaRPr lang="nl-BE" baseline="0" smtClean="0">
+              <a:sym typeface="Wingdings" panose="05000000000000000000" pitchFamily="2" charset="2"/>
+            </a:endParaRPr>
+          </a:p>
+          <a:p>
+            <a:r>
+              <a:rPr lang="nl-BE" baseline="0" smtClean="0">
+                <a:sym typeface="Wingdings" panose="05000000000000000000" pitchFamily="2" charset="2"/>
+              </a:rPr>
+              <a:t>In beers.html kan je de value van de binding vervangen door $data (herinner binding contexts)</a:t>
+            </a:r>
             <a:endParaRPr lang="nl-BE" baseline="0" dirty="0" smtClean="0"/>
-          </a:p>
-          <a:p>
-            <a:r>
-              <a:rPr lang="nl-BE" baseline="0" dirty="0" smtClean="0"/>
-              <a:t>Veel extra mogelijkheden. De </a:t>
-            </a:r>
-            <a:r>
-              <a:rPr lang="nl-BE" baseline="0" dirty="0" err="1" smtClean="0"/>
-              <a:t>composition</a:t>
-            </a:r>
-            <a:r>
-              <a:rPr lang="nl-BE" baseline="0" dirty="0" smtClean="0"/>
-              <a:t> </a:t>
-            </a:r>
-            <a:r>
-              <a:rPr lang="nl-BE" baseline="0" dirty="0" err="1" smtClean="0"/>
-              <a:t>lifecycle</a:t>
-            </a:r>
-            <a:r>
-              <a:rPr lang="nl-BE" baseline="0" dirty="0" smtClean="0"/>
-              <a:t> laat je toe om in te pikken op de verschillende momenten van </a:t>
-            </a:r>
-            <a:r>
-              <a:rPr lang="nl-BE" baseline="0" dirty="0" err="1" smtClean="0"/>
-              <a:t>composition</a:t>
-            </a:r>
-            <a:r>
-              <a:rPr lang="nl-BE" baseline="0" dirty="0" smtClean="0"/>
-              <a:t>. Een beetje zoals ASP.NET page </a:t>
-            </a:r>
-            <a:r>
-              <a:rPr lang="nl-BE" baseline="0" dirty="0" err="1" smtClean="0"/>
-              <a:t>lifecycle</a:t>
-            </a:r>
-            <a:r>
-              <a:rPr lang="nl-BE" baseline="0" dirty="0" smtClean="0"/>
-              <a:t>. Bestaat uit:</a:t>
-            </a:r>
-            <a:endParaRPr lang="en-US" dirty="0"/>
           </a:p>
         </p:txBody>
       </p:sp>
@@ -2636,7 +2490,7 @@
           <a:p>
             <a:fld id="{0DF56419-AC34-45D0-BAB8-5A4CB1E563BF}" type="slidenum">
               <a:rPr lang="en-US" smtClean="0"/>
-              <a:t>31</a:t>
+              <a:t>30</a:t>
             </a:fld>
             <a:endParaRPr lang="en-US"/>
           </a:p>
@@ -2645,7 +2499,7 @@
     </p:spTree>
     <p:extLst>
       <p:ext uri="{BB962C8B-B14F-4D97-AF65-F5344CB8AC3E}">
-        <p14:creationId xmlns:p14="http://schemas.microsoft.com/office/powerpoint/2010/main" val="1389305066"/>
+        <p14:creationId xmlns:p14="http://schemas.microsoft.com/office/powerpoint/2010/main" val="2510050687"/>
       </p:ext>
     </p:extLst>
   </p:cSld>
@@ -2700,24 +2554,149 @@
           <a:lstStyle/>
           <a:p>
             <a:r>
+              <a:rPr lang="nl-BE" dirty="0" smtClean="0"/>
+              <a:t>Extra opties voor je </a:t>
+            </a:r>
+            <a:r>
               <a:rPr lang="nl-BE" dirty="0" err="1" smtClean="0"/>
-              <a:t>urlArgs</a:t>
+              <a:t>compose</a:t>
             </a:r>
             <a:r>
               <a:rPr lang="nl-BE" dirty="0" smtClean="0"/>
-              <a:t> worden toegevoegd</a:t>
+              <a:t> binding.</a:t>
+            </a:r>
+          </a:p>
+          <a:p>
+            <a:r>
+              <a:rPr lang="nl-BE" dirty="0" err="1" smtClean="0"/>
+              <a:t>strategy</a:t>
+            </a:r>
+            <a:r>
+              <a:rPr lang="nl-BE" dirty="0" smtClean="0"/>
+              <a:t>:</a:t>
             </a:r>
             <a:r>
               <a:rPr lang="nl-BE" baseline="0" dirty="0" smtClean="0"/>
-              <a:t> aan iedere </a:t>
+              <a:t> </a:t>
             </a:r>
             <a:r>
               <a:rPr lang="nl-BE" baseline="0" dirty="0" err="1" smtClean="0"/>
-              <a:t>request</a:t>
+              <a:t>function</a:t>
             </a:r>
             <a:r>
               <a:rPr lang="nl-BE" baseline="0" dirty="0" smtClean="0"/>
-              <a:t>, best niet in productie zetten</a:t>
+              <a:t> om view te vinden indien niet gegeven</a:t>
+            </a:r>
+          </a:p>
+          <a:p>
+            <a:r>
+              <a:rPr lang="nl-BE" baseline="0" dirty="0" err="1" smtClean="0"/>
+              <a:t>transition</a:t>
+            </a:r>
+            <a:r>
+              <a:rPr lang="nl-BE" baseline="0" dirty="0" smtClean="0"/>
+              <a:t>: </a:t>
+            </a:r>
+            <a:r>
+              <a:rPr lang="nl-BE" baseline="0" dirty="0" err="1" smtClean="0"/>
+              <a:t>function</a:t>
+            </a:r>
+            <a:r>
+              <a:rPr lang="nl-BE" baseline="0" dirty="0" smtClean="0"/>
+              <a:t> om wijziging van views in DOM te animeren, je kan je eigen </a:t>
+            </a:r>
+            <a:r>
+              <a:rPr lang="nl-BE" baseline="0" dirty="0" err="1" smtClean="0"/>
+              <a:t>transitions</a:t>
+            </a:r>
+            <a:r>
+              <a:rPr lang="nl-BE" baseline="0" dirty="0" smtClean="0"/>
+              <a:t> definiëren</a:t>
+            </a:r>
+          </a:p>
+          <a:p>
+            <a:r>
+              <a:rPr lang="nl-BE" baseline="0" dirty="0" err="1" smtClean="0"/>
+              <a:t>cacheViews</a:t>
+            </a:r>
+            <a:r>
+              <a:rPr lang="nl-BE" baseline="0" dirty="0" smtClean="0"/>
+              <a:t>: views worden bijgehouden en hergebruikt indien binding op hetzelfde object gebeurt</a:t>
+            </a:r>
+          </a:p>
+          <a:p>
+            <a:r>
+              <a:rPr lang="nl-BE" baseline="0" dirty="0" err="1" smtClean="0"/>
+              <a:t>activate</a:t>
+            </a:r>
+            <a:r>
+              <a:rPr lang="nl-BE" baseline="0" dirty="0" smtClean="0"/>
+              <a:t>: indien </a:t>
+            </a:r>
+            <a:r>
+              <a:rPr lang="nl-BE" baseline="0" dirty="0" err="1" smtClean="0"/>
+              <a:t>activate</a:t>
+            </a:r>
+            <a:r>
+              <a:rPr lang="nl-BE" baseline="0" dirty="0" smtClean="0"/>
+              <a:t> op je viewmodel niet </a:t>
+            </a:r>
+            <a:r>
+              <a:rPr lang="nl-BE" baseline="0" dirty="0" err="1" smtClean="0"/>
+              <a:t>gecalled</a:t>
+            </a:r>
+            <a:r>
+              <a:rPr lang="nl-BE" baseline="0" dirty="0" smtClean="0"/>
+              <a:t> moet worden (default: </a:t>
+            </a:r>
+            <a:r>
+              <a:rPr lang="nl-BE" baseline="0" dirty="0" err="1" smtClean="0"/>
+              <a:t>true</a:t>
+            </a:r>
+            <a:r>
+              <a:rPr lang="nl-BE" baseline="0" dirty="0" smtClean="0"/>
+              <a:t>)</a:t>
+            </a:r>
+          </a:p>
+          <a:p>
+            <a:endParaRPr lang="nl-BE" baseline="0" dirty="0" smtClean="0"/>
+          </a:p>
+          <a:p>
+            <a:r>
+              <a:rPr lang="nl-BE" baseline="0" dirty="0" smtClean="0"/>
+              <a:t>Veel extra mogelijkheden. De </a:t>
+            </a:r>
+            <a:r>
+              <a:rPr lang="nl-BE" baseline="0" dirty="0" err="1" smtClean="0"/>
+              <a:t>composition</a:t>
+            </a:r>
+            <a:r>
+              <a:rPr lang="nl-BE" baseline="0" dirty="0" smtClean="0"/>
+              <a:t> </a:t>
+            </a:r>
+            <a:r>
+              <a:rPr lang="nl-BE" baseline="0" dirty="0" err="1" smtClean="0"/>
+              <a:t>lifecycle</a:t>
+            </a:r>
+            <a:r>
+              <a:rPr lang="nl-BE" baseline="0" dirty="0" smtClean="0"/>
+              <a:t> laat je toe om in te pikken op de verschillende momenten van </a:t>
+            </a:r>
+            <a:r>
+              <a:rPr lang="nl-BE" baseline="0" dirty="0" err="1" smtClean="0"/>
+              <a:t>composition</a:t>
+            </a:r>
+            <a:r>
+              <a:rPr lang="nl-BE" baseline="0" dirty="0" smtClean="0"/>
+              <a:t>. Een beetje zoals ASP.NET page </a:t>
+            </a:r>
+            <a:r>
+              <a:rPr lang="nl-BE" baseline="0" dirty="0" err="1" smtClean="0"/>
+              <a:t>lifecycle</a:t>
+            </a:r>
+            <a:r>
+              <a:rPr lang="nl-BE" baseline="0" dirty="0" smtClean="0"/>
+              <a:t>. Bestaat uit:</a:t>
             </a:r>
             <a:endParaRPr lang="en-US" dirty="0"/>
           </a:p>
@@ -2740,7 +2719,7 @@
           <a:p>
             <a:fld id="{0DF56419-AC34-45D0-BAB8-5A4CB1E563BF}" type="slidenum">
               <a:rPr lang="en-US" smtClean="0"/>
-              <a:t>32</a:t>
+              <a:t>31</a:t>
             </a:fld>
             <a:endParaRPr lang="en-US"/>
           </a:p>
@@ -2749,7 +2728,7 @@
     </p:spTree>
     <p:extLst>
       <p:ext uri="{BB962C8B-B14F-4D97-AF65-F5344CB8AC3E}">
-        <p14:creationId xmlns:p14="http://schemas.microsoft.com/office/powerpoint/2010/main" val="1213175449"/>
+        <p14:creationId xmlns:p14="http://schemas.microsoft.com/office/powerpoint/2010/main" val="1389305066"/>
       </p:ext>
     </p:extLst>
   </p:cSld>
@@ -2805,38 +2784,25 @@
           <a:p>
             <a:r>
               <a:rPr lang="nl-BE" dirty="0" err="1" smtClean="0"/>
-              <a:t>showMessage</a:t>
+              <a:t>urlArgs</a:t>
             </a:r>
             <a:r>
               <a:rPr lang="nl-BE" dirty="0" smtClean="0"/>
-              <a:t> voorbeeld bij</a:t>
+              <a:t> worden toegevoegd</a:t>
             </a:r>
             <a:r>
               <a:rPr lang="nl-BE" baseline="0" dirty="0" smtClean="0"/>
-              <a:t> verwijderen van een bier</a:t>
-            </a:r>
-          </a:p>
-          <a:p>
+              <a:t> aan iedere </a:t>
+            </a:r>
+            <a:r>
+              <a:rPr lang="nl-BE" baseline="0" dirty="0" err="1" smtClean="0"/>
+              <a:t>request</a:t>
+            </a:r>
             <a:r>
               <a:rPr lang="nl-BE" baseline="0" dirty="0" smtClean="0"/>
-              <a:t>Ook mogelijk om je eigen </a:t>
-            </a:r>
-            <a:r>
-              <a:rPr lang="nl-BE" baseline="0" dirty="0" err="1" smtClean="0"/>
-              <a:t>dialog</a:t>
-            </a:r>
-            <a:r>
-              <a:rPr lang="nl-BE" baseline="0" dirty="0" smtClean="0"/>
-              <a:t> te ontwerpen voor </a:t>
-            </a:r>
-            <a:r>
-              <a:rPr lang="nl-BE" baseline="0" dirty="0" err="1" smtClean="0"/>
-              <a:t>showDialog</a:t>
-            </a:r>
-            <a:r>
-              <a:rPr lang="nl-BE" baseline="0" dirty="0" smtClean="0"/>
-              <a:t>, zie search</a:t>
-            </a:r>
+              <a:t>, best niet in productie zetten</a:t>
+            </a:r>
+            <a:endParaRPr lang="en-US" dirty="0"/>
           </a:p>
         </p:txBody>
       </p:sp>
@@ -2857,7 +2823,7 @@
           <a:p>
             <a:fld id="{0DF56419-AC34-45D0-BAB8-5A4CB1E563BF}" type="slidenum">
               <a:rPr lang="en-US" smtClean="0"/>
-              <a:t>33</a:t>
+              <a:t>32</a:t>
             </a:fld>
             <a:endParaRPr lang="en-US"/>
           </a:p>
@@ -2866,7 +2832,7 @@
     </p:spTree>
     <p:extLst>
       <p:ext uri="{BB962C8B-B14F-4D97-AF65-F5344CB8AC3E}">
-        <p14:creationId xmlns:p14="http://schemas.microsoft.com/office/powerpoint/2010/main" val="3055863286"/>
+        <p14:creationId xmlns:p14="http://schemas.microsoft.com/office/powerpoint/2010/main" val="1213175449"/>
       </p:ext>
     </p:extLst>
   </p:cSld>
@@ -2922,44 +2888,38 @@
           <a:p>
             <a:r>
               <a:rPr lang="nl-BE" dirty="0" err="1" smtClean="0"/>
-              <a:t>applicationHost</a:t>
+              <a:t>showMessage</a:t>
             </a:r>
             <a:r>
               <a:rPr lang="nl-BE" dirty="0" smtClean="0"/>
-              <a:t> is waar alles in gebeurt, hierin</a:t>
+              <a:t> voorbeeld bij</a:t>
             </a:r>
             <a:r>
               <a:rPr lang="nl-BE" baseline="0" dirty="0" smtClean="0"/>
-              <a:t> plaatst </a:t>
+              <a:t> verwijderen van een bier</a:t>
+            </a:r>
+          </a:p>
+          <a:p>
+            <a:r>
+              <a:rPr lang="nl-BE" baseline="0" dirty="0" smtClean="0"/>
+              <a:t>Ook mogelijk om je eigen </a:t>
             </a:r>
             <a:r>
               <a:rPr lang="nl-BE" baseline="0" dirty="0" err="1" smtClean="0"/>
-              <a:t>Durandal</a:t>
+              <a:t>dialog</a:t>
             </a:r>
             <a:r>
               <a:rPr lang="nl-BE" baseline="0" dirty="0" smtClean="0"/>
-              <a:t> je views</a:t>
-            </a:r>
-            <a:endParaRPr lang="nl-BE" dirty="0" smtClean="0"/>
-          </a:p>
-          <a:p>
-            <a:r>
-              <a:rPr lang="nl-BE" dirty="0" smtClean="0"/>
-              <a:t>HTML die er al in staat wordt overschreven,</a:t>
+              <a:t> te ontwerpen voor </a:t>
+            </a:r>
+            <a:r>
+              <a:rPr lang="nl-BE" baseline="0" dirty="0" err="1" smtClean="0"/>
+              <a:t>showDialog</a:t>
             </a:r>
             <a:r>
               <a:rPr lang="nl-BE" baseline="0" dirty="0" smtClean="0"/>
-              <a:t> maar kan als </a:t>
-            </a:r>
-            <a:r>
-              <a:rPr lang="nl-BE" baseline="0" dirty="0" err="1" smtClean="0"/>
-              <a:t>splashscreen</a:t>
-            </a:r>
-            <a:r>
-              <a:rPr lang="nl-BE" baseline="0" dirty="0" smtClean="0"/>
-              <a:t> dienen (deze techniek kan overal toegepast worden)</a:t>
-            </a:r>
-            <a:endParaRPr lang="en-US" dirty="0"/>
+              <a:t>, zie search</a:t>
+            </a:r>
           </a:p>
         </p:txBody>
       </p:sp>
@@ -2980,7 +2940,7 @@
           <a:p>
             <a:fld id="{0DF56419-AC34-45D0-BAB8-5A4CB1E563BF}" type="slidenum">
               <a:rPr lang="en-US" smtClean="0"/>
-              <a:t>34</a:t>
+              <a:t>33</a:t>
             </a:fld>
             <a:endParaRPr lang="en-US"/>
           </a:p>
@@ -2989,7 +2949,7 @@
     </p:spTree>
     <p:extLst>
       <p:ext uri="{BB962C8B-B14F-4D97-AF65-F5344CB8AC3E}">
-        <p14:creationId xmlns:p14="http://schemas.microsoft.com/office/powerpoint/2010/main" val="1795069426"/>
+        <p14:creationId xmlns:p14="http://schemas.microsoft.com/office/powerpoint/2010/main" val="3055863286"/>
       </p:ext>
     </p:extLst>
   </p:cSld>
@@ -3043,6 +3003,45 @@
           <a:bodyPr/>
           <a:lstStyle/>
           <a:p>
+            <a:r>
+              <a:rPr lang="nl-BE" dirty="0" err="1" smtClean="0"/>
+              <a:t>applicationHost</a:t>
+            </a:r>
+            <a:r>
+              <a:rPr lang="nl-BE" dirty="0" smtClean="0"/>
+              <a:t> is waar alles in gebeurt, hierin</a:t>
+            </a:r>
+            <a:r>
+              <a:rPr lang="nl-BE" baseline="0" dirty="0" smtClean="0"/>
+              <a:t> plaatst </a:t>
+            </a:r>
+            <a:r>
+              <a:rPr lang="nl-BE" baseline="0" dirty="0" err="1" smtClean="0"/>
+              <a:t>Durandal</a:t>
+            </a:r>
+            <a:r>
+              <a:rPr lang="nl-BE" baseline="0" dirty="0" smtClean="0"/>
+              <a:t> je views</a:t>
+            </a:r>
+            <a:endParaRPr lang="nl-BE" dirty="0" smtClean="0"/>
+          </a:p>
+          <a:p>
+            <a:r>
+              <a:rPr lang="nl-BE" dirty="0" smtClean="0"/>
+              <a:t>HTML die er al in staat wordt overschreven,</a:t>
+            </a:r>
+            <a:r>
+              <a:rPr lang="nl-BE" baseline="0" dirty="0" smtClean="0"/>
+              <a:t> maar kan als </a:t>
+            </a:r>
+            <a:r>
+              <a:rPr lang="nl-BE" baseline="0" dirty="0" err="1" smtClean="0"/>
+              <a:t>splashscreen</a:t>
+            </a:r>
+            <a:r>
+              <a:rPr lang="nl-BE" baseline="0" dirty="0" smtClean="0"/>
+              <a:t> dienen (deze techniek kan overal toegepast worden)</a:t>
+            </a:r>
             <a:endParaRPr lang="en-US" dirty="0"/>
           </a:p>
         </p:txBody>
@@ -3064,7 +3063,7 @@
           <a:p>
             <a:fld id="{0DF56419-AC34-45D0-BAB8-5A4CB1E563BF}" type="slidenum">
               <a:rPr lang="en-US" smtClean="0"/>
-              <a:t>35</a:t>
+              <a:t>34</a:t>
             </a:fld>
             <a:endParaRPr lang="en-US"/>
           </a:p>
@@ -3073,7 +3072,7 @@
     </p:spTree>
     <p:extLst>
       <p:ext uri="{BB962C8B-B14F-4D97-AF65-F5344CB8AC3E}">
-        <p14:creationId xmlns:p14="http://schemas.microsoft.com/office/powerpoint/2010/main" val="2754514785"/>
+        <p14:creationId xmlns:p14="http://schemas.microsoft.com/office/powerpoint/2010/main" val="1795069426"/>
       </p:ext>
     </p:extLst>
   </p:cSld>
@@ -3127,398 +3126,6 @@
           <a:bodyPr/>
           <a:lstStyle/>
           <a:p>
-            <a:r>
-              <a:rPr lang="nl-BE" dirty="0" smtClean="0"/>
-              <a:t>Router </a:t>
-            </a:r>
-            <a:r>
-              <a:rPr lang="nl-BE" dirty="0" err="1" smtClean="0"/>
-              <a:t>mappings</a:t>
-            </a:r>
-            <a:r>
-              <a:rPr lang="nl-BE" dirty="0" smtClean="0"/>
-              <a:t>:</a:t>
-            </a:r>
-          </a:p>
-          <a:p>
-            <a:r>
-              <a:rPr lang="nl-BE" dirty="0" smtClean="0"/>
-              <a:t>	route:</a:t>
-            </a:r>
-            <a:r>
-              <a:rPr lang="nl-BE" baseline="0" dirty="0" smtClean="0"/>
-              <a:t> wat in de </a:t>
-            </a:r>
-            <a:r>
-              <a:rPr lang="nl-BE" baseline="0" dirty="0" err="1" smtClean="0"/>
-              <a:t>url</a:t>
-            </a:r>
-            <a:r>
-              <a:rPr lang="nl-BE" baseline="0" dirty="0" smtClean="0"/>
-              <a:t> te zien is, leeg is de default route</a:t>
-            </a:r>
-          </a:p>
-          <a:p>
-            <a:r>
-              <a:rPr lang="nl-BE" baseline="0" dirty="0" smtClean="0"/>
-              <a:t>	</a:t>
-            </a:r>
-            <a:r>
-              <a:rPr lang="nl-BE" baseline="0" dirty="0" err="1" smtClean="0"/>
-              <a:t>title</a:t>
-            </a:r>
-            <a:r>
-              <a:rPr lang="nl-BE" baseline="0" dirty="0" smtClean="0"/>
-              <a:t>: gebruikt voor </a:t>
-            </a:r>
-            <a:r>
-              <a:rPr lang="nl-BE" baseline="0" dirty="0" err="1" smtClean="0"/>
-              <a:t>document.title</a:t>
-            </a:r>
-            <a:endParaRPr lang="nl-BE" baseline="0" dirty="0" smtClean="0"/>
-          </a:p>
-          <a:p>
-            <a:r>
-              <a:rPr lang="nl-BE" baseline="0" dirty="0" smtClean="0"/>
-              <a:t>	</a:t>
-            </a:r>
-            <a:r>
-              <a:rPr lang="nl-BE" baseline="0" dirty="0" err="1" smtClean="0"/>
-              <a:t>moduleId</a:t>
-            </a:r>
-            <a:r>
-              <a:rPr lang="nl-BE" baseline="0" dirty="0" smtClean="0"/>
-              <a:t>: </a:t>
-            </a:r>
-            <a:r>
-              <a:rPr lang="nl-BE" baseline="0" dirty="0" err="1" smtClean="0"/>
-              <a:t>id</a:t>
-            </a:r>
-            <a:r>
-              <a:rPr lang="nl-BE" baseline="0" dirty="0" smtClean="0"/>
-              <a:t> van je module, ook gebruikt om viewmodel op te sporen (en daarna bijbehorende view)</a:t>
-            </a:r>
-          </a:p>
-          <a:p>
-            <a:r>
-              <a:rPr lang="nl-BE" baseline="0" dirty="0" smtClean="0"/>
-              <a:t>	</a:t>
-            </a:r>
-            <a:r>
-              <a:rPr lang="nl-BE" baseline="0" dirty="0" err="1" smtClean="0"/>
-              <a:t>nav</a:t>
-            </a:r>
-            <a:r>
-              <a:rPr lang="nl-BE" baseline="0" dirty="0" smtClean="0"/>
-              <a:t>: of het opgenomen moet worden in </a:t>
-            </a:r>
-            <a:r>
-              <a:rPr lang="nl-BE" baseline="0" dirty="0" err="1" smtClean="0"/>
-              <a:t>router.navigationModel</a:t>
-            </a:r>
-            <a:r>
-              <a:rPr lang="nl-BE" baseline="0" dirty="0" smtClean="0"/>
-              <a:t> (</a:t>
-            </a:r>
-            <a:r>
-              <a:rPr lang="nl-BE" baseline="0" dirty="0" err="1" smtClean="0"/>
-              <a:t>true</a:t>
-            </a:r>
-            <a:r>
-              <a:rPr lang="nl-BE" baseline="0" dirty="0" smtClean="0"/>
-              <a:t>/</a:t>
-            </a:r>
-            <a:r>
-              <a:rPr lang="nl-BE" baseline="0" dirty="0" err="1" smtClean="0"/>
-              <a:t>false</a:t>
-            </a:r>
-            <a:r>
-              <a:rPr lang="nl-BE" baseline="0" dirty="0" smtClean="0"/>
-              <a:t>) of de volgorde (int)</a:t>
-            </a:r>
-          </a:p>
-          <a:p>
-            <a:endParaRPr lang="nl-BE" baseline="0" dirty="0" smtClean="0"/>
-          </a:p>
-          <a:p>
-            <a:r>
-              <a:rPr lang="nl-BE" baseline="0" dirty="0" smtClean="0"/>
-              <a:t>	parameters: </a:t>
-            </a:r>
-            <a:r>
-              <a:rPr lang="nl-BE" baseline="0" dirty="0" err="1" smtClean="0"/>
-              <a:t>myRoute</a:t>
-            </a:r>
-            <a:r>
-              <a:rPr lang="nl-BE" baseline="0" dirty="0" smtClean="0"/>
-              <a:t>/:</a:t>
-            </a:r>
-            <a:r>
-              <a:rPr lang="nl-BE" baseline="0" dirty="0" err="1" smtClean="0"/>
-              <a:t>id</a:t>
-            </a:r>
-            <a:r>
-              <a:rPr lang="nl-BE" baseline="0" dirty="0" smtClean="0"/>
-              <a:t> of indien optioneel: </a:t>
-            </a:r>
-            <a:r>
-              <a:rPr lang="nl-BE" baseline="0" dirty="0" err="1" smtClean="0"/>
-              <a:t>myRoute</a:t>
-            </a:r>
-            <a:r>
-              <a:rPr lang="nl-BE" baseline="0" dirty="0" smtClean="0"/>
-              <a:t>(/:</a:t>
-            </a:r>
-            <a:r>
-              <a:rPr lang="nl-BE" baseline="0" dirty="0" err="1" smtClean="0"/>
-              <a:t>id</a:t>
-            </a:r>
-            <a:r>
-              <a:rPr lang="nl-BE" baseline="0" dirty="0" smtClean="0"/>
-              <a:t>)</a:t>
-            </a:r>
-          </a:p>
-          <a:p>
-            <a:r>
-              <a:rPr lang="nl-BE" baseline="0" dirty="0" smtClean="0"/>
-              <a:t>		meerdere parameters zijn mogelijk, volgorde wordt bewaard in </a:t>
-            </a:r>
-            <a:r>
-              <a:rPr lang="nl-BE" baseline="0" dirty="0" err="1" smtClean="0"/>
-              <a:t>activate</a:t>
-            </a:r>
-            <a:r>
-              <a:rPr lang="nl-BE" baseline="0" dirty="0" smtClean="0"/>
-              <a:t> call</a:t>
-            </a:r>
-          </a:p>
-          <a:p>
-            <a:r>
-              <a:rPr lang="nl-BE" baseline="0" dirty="0" smtClean="0"/>
-              <a:t>		</a:t>
-            </a:r>
-            <a:r>
-              <a:rPr lang="nl-BE" baseline="0" dirty="0" err="1" smtClean="0"/>
-              <a:t>queryString</a:t>
-            </a:r>
-            <a:r>
-              <a:rPr lang="nl-BE" baseline="0" dirty="0" smtClean="0"/>
-              <a:t> is laatste object in </a:t>
-            </a:r>
-            <a:r>
-              <a:rPr lang="nl-BE" baseline="0" dirty="0" err="1" smtClean="0"/>
-              <a:t>activate</a:t>
-            </a:r>
-            <a:r>
-              <a:rPr lang="nl-BE" baseline="0" dirty="0" smtClean="0"/>
-              <a:t> </a:t>
-            </a:r>
-            <a:r>
-              <a:rPr lang="nl-BE" baseline="0" dirty="0" err="1" smtClean="0"/>
-              <a:t>and</a:t>
-            </a:r>
-            <a:r>
-              <a:rPr lang="nl-BE" baseline="0" dirty="0" smtClean="0"/>
-              <a:t> is een JS object met </a:t>
-            </a:r>
-            <a:r>
-              <a:rPr lang="nl-BE" baseline="0" dirty="0" err="1" smtClean="0"/>
-              <a:t>properties</a:t>
-            </a:r>
-            <a:r>
-              <a:rPr lang="nl-BE" baseline="0" dirty="0" smtClean="0"/>
-              <a:t> volgens querystring </a:t>
-            </a:r>
-            <a:r>
-              <a:rPr lang="nl-BE" baseline="0" dirty="0" err="1" smtClean="0"/>
-              <a:t>keys</a:t>
-            </a:r>
-            <a:endParaRPr lang="nl-BE" baseline="0" dirty="0" smtClean="0"/>
-          </a:p>
-          <a:p>
-            <a:r>
-              <a:rPr lang="nl-BE" baseline="0" dirty="0" smtClean="0"/>
-              <a:t>	</a:t>
-            </a:r>
-            <a:r>
-              <a:rPr lang="nl-BE" baseline="0" dirty="0" err="1" smtClean="0"/>
-              <a:t>splat</a:t>
-            </a:r>
-            <a:r>
-              <a:rPr lang="nl-BE" baseline="0" dirty="0" smtClean="0"/>
-              <a:t> route: </a:t>
-            </a:r>
-            <a:r>
-              <a:rPr lang="nl-BE" baseline="0" dirty="0" err="1" smtClean="0"/>
-              <a:t>myRoute</a:t>
-            </a:r>
-            <a:r>
-              <a:rPr lang="nl-BE" baseline="0" dirty="0" smtClean="0"/>
-              <a:t>*details</a:t>
-            </a:r>
-          </a:p>
-          <a:p>
-            <a:r>
-              <a:rPr lang="nl-BE" baseline="0" dirty="0" smtClean="0"/>
-              <a:t>	</a:t>
-            </a:r>
-            <a:endParaRPr lang="nl-BE" dirty="0" smtClean="0"/>
-          </a:p>
-          <a:p>
-            <a:r>
-              <a:rPr lang="nl-BE" dirty="0" err="1" smtClean="0"/>
-              <a:t>buildNavigationModel</a:t>
-            </a:r>
-            <a:r>
-              <a:rPr lang="nl-BE" dirty="0" smtClean="0"/>
-              <a:t>: alle routes met </a:t>
-            </a:r>
-            <a:r>
-              <a:rPr lang="nl-BE" dirty="0" err="1" smtClean="0"/>
-              <a:t>nav</a:t>
-            </a:r>
-            <a:r>
-              <a:rPr lang="nl-BE" dirty="0" smtClean="0"/>
-              <a:t>: </a:t>
-            </a:r>
-            <a:r>
-              <a:rPr lang="nl-BE" dirty="0" err="1" smtClean="0"/>
-              <a:t>true</a:t>
-            </a:r>
-            <a:r>
-              <a:rPr lang="nl-BE" dirty="0" smtClean="0"/>
-              <a:t> worden in de array </a:t>
-            </a:r>
-            <a:r>
-              <a:rPr lang="nl-BE" dirty="0" err="1" smtClean="0"/>
-              <a:t>router.navigationModel</a:t>
-            </a:r>
-            <a:r>
-              <a:rPr lang="nl-BE" dirty="0" smtClean="0"/>
-              <a:t> gegoten om te kunnen binden in navigatie</a:t>
-            </a:r>
-            <a:r>
-              <a:rPr lang="nl-BE" baseline="0" dirty="0" smtClean="0"/>
-              <a:t> (zie shell.html)</a:t>
-            </a:r>
-          </a:p>
-          <a:p>
-            <a:endParaRPr lang="nl-BE" baseline="0" dirty="0" smtClean="0"/>
-          </a:p>
-          <a:p>
-            <a:r>
-              <a:rPr lang="nl-BE" baseline="0" dirty="0" smtClean="0"/>
-              <a:t>Router gebruiken:</a:t>
-            </a:r>
-          </a:p>
-          <a:p>
-            <a:r>
-              <a:rPr lang="nl-BE" baseline="0" dirty="0" smtClean="0"/>
-              <a:t>	indien &lt;a&gt;: </a:t>
-            </a:r>
-            <a:r>
-              <a:rPr lang="nl-BE" baseline="0" dirty="0" err="1" smtClean="0"/>
-              <a:t>hash</a:t>
-            </a:r>
-            <a:r>
-              <a:rPr lang="nl-BE" baseline="0" dirty="0" smtClean="0"/>
-              <a:t> gebruiken (zie beers.html en </a:t>
-            </a:r>
-            <a:r>
-              <a:rPr lang="nl-BE" baseline="0" dirty="0" err="1" smtClean="0"/>
-              <a:t>add</a:t>
-            </a:r>
-            <a:r>
-              <a:rPr lang="nl-BE" baseline="0" dirty="0" smtClean="0"/>
-              <a:t> link)</a:t>
-            </a:r>
-          </a:p>
-          <a:p>
-            <a:r>
-              <a:rPr lang="nl-BE" baseline="0" dirty="0" smtClean="0"/>
-              <a:t>	vanuit JS: </a:t>
-            </a:r>
-            <a:r>
-              <a:rPr lang="nl-BE" baseline="0" dirty="0" err="1" smtClean="0"/>
-              <a:t>router.navigate</a:t>
-            </a:r>
-            <a:r>
-              <a:rPr lang="nl-BE" baseline="0" dirty="0" smtClean="0"/>
-              <a:t>(‘#</a:t>
-            </a:r>
-            <a:r>
-              <a:rPr lang="nl-BE" baseline="0" dirty="0" err="1" smtClean="0"/>
-              <a:t>hash</a:t>
-            </a:r>
-            <a:r>
-              <a:rPr lang="nl-BE" baseline="0" dirty="0" smtClean="0"/>
-              <a:t>’); (zie add.js)</a:t>
-            </a:r>
-          </a:p>
-          <a:p>
-            <a:endParaRPr lang="nl-BE" baseline="0" dirty="0" smtClean="0"/>
-          </a:p>
-          <a:p>
-            <a:r>
-              <a:rPr lang="nl-BE" baseline="0" dirty="0" smtClean="0"/>
-              <a:t>Router kan nog meer:</a:t>
-            </a:r>
-          </a:p>
-          <a:p>
-            <a:r>
-              <a:rPr lang="nl-BE" baseline="0" dirty="0" smtClean="0"/>
-              <a:t>	</a:t>
-            </a:r>
-            <a:r>
-              <a:rPr lang="nl-BE" baseline="0" dirty="0" err="1" smtClean="0"/>
-              <a:t>history</a:t>
-            </a:r>
-            <a:r>
-              <a:rPr lang="nl-BE" baseline="0" dirty="0" smtClean="0"/>
-              <a:t> veranderen</a:t>
-            </a:r>
-          </a:p>
-          <a:p>
-            <a:r>
-              <a:rPr lang="nl-BE" baseline="0" dirty="0" smtClean="0"/>
-              <a:t>	</a:t>
-            </a:r>
-            <a:r>
-              <a:rPr lang="nl-BE" baseline="0" dirty="0" err="1" smtClean="0"/>
-              <a:t>router.navigateBack</a:t>
-            </a:r>
-            <a:r>
-              <a:rPr lang="nl-BE" baseline="0" dirty="0" smtClean="0"/>
-              <a:t>() om terug te gaan</a:t>
-            </a:r>
-          </a:p>
-          <a:p>
-            <a:r>
-              <a:rPr lang="nl-BE" baseline="0" dirty="0" smtClean="0"/>
-              <a:t>	routes die niet </a:t>
-            </a:r>
-            <a:r>
-              <a:rPr lang="nl-BE" baseline="0" dirty="0" err="1" smtClean="0"/>
-              <a:t>gematcht</a:t>
-            </a:r>
-            <a:r>
-              <a:rPr lang="nl-BE" baseline="0" dirty="0" smtClean="0"/>
-              <a:t> kunnen worden (zie shell.js)</a:t>
-            </a:r>
-          </a:p>
-          <a:p>
-            <a:r>
-              <a:rPr lang="nl-BE" baseline="0" dirty="0" smtClean="0"/>
-              <a:t>	</a:t>
-            </a:r>
-            <a:r>
-              <a:rPr lang="nl-BE" baseline="0" dirty="0" err="1" smtClean="0"/>
-              <a:t>child</a:t>
-            </a:r>
-            <a:r>
-              <a:rPr lang="nl-BE" baseline="0" dirty="0" smtClean="0"/>
-              <a:t> routers</a:t>
-            </a:r>
             <a:endParaRPr lang="en-US" dirty="0"/>
           </a:p>
         </p:txBody>
@@ -3540,7 +3147,7 @@
           <a:p>
             <a:fld id="{0DF56419-AC34-45D0-BAB8-5A4CB1E563BF}" type="slidenum">
               <a:rPr lang="en-US" smtClean="0"/>
-              <a:t>36</a:t>
+              <a:t>35</a:t>
             </a:fld>
             <a:endParaRPr lang="en-US"/>
           </a:p>
@@ -3549,7 +3156,7 @@
     </p:spTree>
     <p:extLst>
       <p:ext uri="{BB962C8B-B14F-4D97-AF65-F5344CB8AC3E}">
-        <p14:creationId xmlns:p14="http://schemas.microsoft.com/office/powerpoint/2010/main" val="3530374302"/>
+        <p14:creationId xmlns:p14="http://schemas.microsoft.com/office/powerpoint/2010/main" val="2754514785"/>
       </p:ext>
     </p:extLst>
   </p:cSld>
@@ -3605,90 +3212,395 @@
           <a:p>
             <a:r>
               <a:rPr lang="nl-BE" dirty="0" smtClean="0"/>
-              <a:t>http</a:t>
+              <a:t>Router </a:t>
+            </a:r>
+            <a:r>
+              <a:rPr lang="nl-BE" dirty="0" err="1" smtClean="0"/>
+              <a:t>mappings</a:t>
+            </a:r>
+            <a:r>
+              <a:rPr lang="nl-BE" dirty="0" smtClean="0"/>
+              <a:t>:</a:t>
+            </a:r>
+          </a:p>
+          <a:p>
+            <a:r>
+              <a:rPr lang="nl-BE" dirty="0" smtClean="0"/>
+              <a:t>	route:</a:t>
             </a:r>
             <a:r>
               <a:rPr lang="nl-BE" baseline="0" dirty="0" smtClean="0"/>
-              <a:t> en </a:t>
+              <a:t> wat in de </a:t>
             </a:r>
             <a:r>
               <a:rPr lang="nl-BE" baseline="0" dirty="0" err="1" smtClean="0"/>
-              <a:t>serializer</a:t>
+              <a:t>url</a:t>
             </a:r>
             <a:r>
               <a:rPr lang="nl-BE" baseline="0" dirty="0" smtClean="0"/>
-              <a:t> zijn om met data van de backend te werken. J</a:t>
+              <a:t> te zien is, leeg is de default route</a:t>
+            </a:r>
+          </a:p>
+          <a:p>
+            <a:r>
+              <a:rPr lang="nl-BE" baseline="0" dirty="0" smtClean="0"/>
+              <a:t>	</a:t>
+            </a:r>
+            <a:r>
+              <a:rPr lang="nl-BE" baseline="0" dirty="0" err="1" smtClean="0"/>
+              <a:t>title</a:t>
+            </a:r>
+            <a:r>
+              <a:rPr lang="nl-BE" baseline="0" dirty="0" smtClean="0"/>
+              <a:t>: gebruikt voor </a:t>
+            </a:r>
+            <a:r>
+              <a:rPr lang="nl-BE" baseline="0" dirty="0" err="1" smtClean="0"/>
+              <a:t>document.title</a:t>
+            </a:r>
+            <a:endParaRPr lang="nl-BE" baseline="0" dirty="0" smtClean="0"/>
+          </a:p>
+          <a:p>
+            <a:r>
+              <a:rPr lang="nl-BE" baseline="0" dirty="0" smtClean="0"/>
+              <a:t>	</a:t>
+            </a:r>
+            <a:r>
+              <a:rPr lang="nl-BE" baseline="0" dirty="0" err="1" smtClean="0"/>
+              <a:t>moduleId</a:t>
+            </a:r>
+            <a:r>
+              <a:rPr lang="nl-BE" baseline="0" dirty="0" smtClean="0"/>
+              <a:t>: </a:t>
+            </a:r>
+            <a:r>
+              <a:rPr lang="nl-BE" baseline="0" dirty="0" err="1" smtClean="0"/>
+              <a:t>id</a:t>
+            </a:r>
+            <a:r>
+              <a:rPr lang="nl-BE" baseline="0" dirty="0" smtClean="0"/>
+              <a:t> van je module, ook gebruikt om viewmodel op te sporen (en daarna bijbehorende view)</a:t>
+            </a:r>
+          </a:p>
+          <a:p>
+            <a:r>
+              <a:rPr lang="nl-BE" baseline="0" dirty="0" smtClean="0"/>
+              <a:t>	</a:t>
+            </a:r>
+            <a:r>
+              <a:rPr lang="nl-BE" baseline="0" dirty="0" err="1" smtClean="0"/>
+              <a:t>nav</a:t>
+            </a:r>
+            <a:r>
+              <a:rPr lang="nl-BE" baseline="0" dirty="0" smtClean="0"/>
+              <a:t>: of het opgenomen moet worden in </a:t>
+            </a:r>
+            <a:r>
+              <a:rPr lang="nl-BE" baseline="0" dirty="0" err="1" smtClean="0"/>
+              <a:t>router.navigationModel</a:t>
+            </a:r>
+            <a:r>
+              <a:rPr lang="nl-BE" baseline="0" dirty="0" smtClean="0"/>
+              <a:t> (</a:t>
+            </a:r>
+            <a:r>
+              <a:rPr lang="nl-BE" baseline="0" dirty="0" err="1" smtClean="0"/>
+              <a:t>true</a:t>
+            </a:r>
+            <a:r>
+              <a:rPr lang="nl-BE" baseline="0" dirty="0" smtClean="0"/>
+              <a:t>/</a:t>
+            </a:r>
+            <a:r>
+              <a:rPr lang="nl-BE" baseline="0" dirty="0" err="1" smtClean="0"/>
+              <a:t>false</a:t>
+            </a:r>
+            <a:r>
+              <a:rPr lang="nl-BE" baseline="0" dirty="0" smtClean="0"/>
+              <a:t>) of de volgorde (int)</a:t>
+            </a:r>
+          </a:p>
+          <a:p>
+            <a:endParaRPr lang="nl-BE" baseline="0" dirty="0" smtClean="0"/>
+          </a:p>
+          <a:p>
+            <a:r>
+              <a:rPr lang="nl-BE" baseline="0" dirty="0" smtClean="0"/>
+              <a:t>	parameters: </a:t>
+            </a:r>
+            <a:r>
+              <a:rPr lang="nl-BE" baseline="0" dirty="0" err="1" smtClean="0"/>
+              <a:t>myRoute</a:t>
+            </a:r>
+            <a:r>
+              <a:rPr lang="nl-BE" baseline="0" dirty="0" smtClean="0"/>
+              <a:t>/:</a:t>
+            </a:r>
+            <a:r>
+              <a:rPr lang="nl-BE" baseline="0" dirty="0" err="1" smtClean="0"/>
+              <a:t>id</a:t>
+            </a:r>
+            <a:r>
+              <a:rPr lang="nl-BE" baseline="0" dirty="0" smtClean="0"/>
+              <a:t> of indien optioneel: </a:t>
+            </a:r>
+            <a:r>
+              <a:rPr lang="nl-BE" baseline="0" dirty="0" err="1" smtClean="0"/>
+              <a:t>myRoute</a:t>
+            </a:r>
+            <a:r>
+              <a:rPr lang="nl-BE" baseline="0" dirty="0" smtClean="0"/>
+              <a:t>(/:</a:t>
+            </a:r>
+            <a:r>
+              <a:rPr lang="nl-BE" baseline="0" dirty="0" err="1" smtClean="0"/>
+              <a:t>id</a:t>
+            </a:r>
+            <a:r>
+              <a:rPr lang="nl-BE" baseline="0" dirty="0" smtClean="0"/>
+              <a:t>)</a:t>
+            </a:r>
+          </a:p>
+          <a:p>
+            <a:r>
+              <a:rPr lang="nl-BE" baseline="0" dirty="0" smtClean="0"/>
+              <a:t>		meerdere parameters zijn mogelijk, volgorde wordt bewaard in </a:t>
+            </a:r>
+            <a:r>
+              <a:rPr lang="nl-BE" baseline="0" dirty="0" err="1" smtClean="0"/>
+              <a:t>activate</a:t>
+            </a:r>
+            <a:r>
+              <a:rPr lang="nl-BE" baseline="0" dirty="0" smtClean="0"/>
+              <a:t> call</a:t>
+            </a:r>
+          </a:p>
+          <a:p>
+            <a:r>
+              <a:rPr lang="nl-BE" baseline="0" dirty="0" smtClean="0"/>
+              <a:t>		</a:t>
+            </a:r>
+            <a:r>
+              <a:rPr lang="nl-BE" baseline="0" dirty="0" err="1" smtClean="0"/>
+              <a:t>queryString</a:t>
+            </a:r>
+            <a:r>
+              <a:rPr lang="nl-BE" baseline="0" dirty="0" smtClean="0"/>
+              <a:t> is laatste object in </a:t>
+            </a:r>
+            <a:r>
+              <a:rPr lang="nl-BE" baseline="0" dirty="0" err="1" smtClean="0"/>
+              <a:t>activate</a:t>
+            </a:r>
+            <a:r>
+              <a:rPr lang="nl-BE" baseline="0" dirty="0" smtClean="0"/>
+              <a:t> </a:t>
+            </a:r>
+            <a:r>
+              <a:rPr lang="nl-BE" baseline="0" dirty="0" err="1" smtClean="0"/>
+              <a:t>and</a:t>
+            </a:r>
+            <a:r>
+              <a:rPr lang="nl-BE" baseline="0" dirty="0" smtClean="0"/>
+              <a:t> is een JS object met </a:t>
+            </a:r>
+            <a:r>
+              <a:rPr lang="nl-BE" baseline="0" dirty="0" err="1" smtClean="0"/>
+              <a:t>properties</a:t>
+            </a:r>
+            <a:r>
+              <a:rPr lang="nl-BE" baseline="0" dirty="0" smtClean="0"/>
+              <a:t> volgens querystring </a:t>
+            </a:r>
+            <a:r>
+              <a:rPr lang="nl-BE" baseline="0" dirty="0" err="1" smtClean="0"/>
+              <a:t>keys</a:t>
+            </a:r>
+            <a:endParaRPr lang="nl-BE" baseline="0" dirty="0" smtClean="0"/>
+          </a:p>
+          <a:p>
+            <a:r>
+              <a:rPr lang="nl-BE" baseline="0" dirty="0" smtClean="0"/>
+              <a:t>	</a:t>
+            </a:r>
+            <a:r>
+              <a:rPr lang="nl-BE" baseline="0" dirty="0" err="1" smtClean="0"/>
+              <a:t>splat</a:t>
+            </a:r>
+            <a:r>
+              <a:rPr lang="nl-BE" baseline="0" dirty="0" smtClean="0"/>
+              <a:t> route: </a:t>
+            </a:r>
+            <a:r>
+              <a:rPr lang="nl-BE" baseline="0" dirty="0" err="1" smtClean="0"/>
+              <a:t>myRoute</a:t>
+            </a:r>
+            <a:r>
+              <a:rPr lang="nl-BE" baseline="0" dirty="0" smtClean="0"/>
+              <a:t>*details</a:t>
+            </a:r>
+          </a:p>
+          <a:p>
+            <a:r>
+              <a:rPr lang="nl-BE" baseline="0" dirty="0" smtClean="0"/>
+              <a:t>	</a:t>
+            </a:r>
+            <a:endParaRPr lang="nl-BE" dirty="0" smtClean="0"/>
+          </a:p>
+          <a:p>
+            <a:r>
+              <a:rPr lang="nl-BE" dirty="0" err="1" smtClean="0"/>
+              <a:t>buildNavigationModel</a:t>
             </a:r>
             <a:r>
               <a:rPr lang="nl-BE" dirty="0" smtClean="0"/>
-              <a:t>e kan uiteraard ook andere </a:t>
+              <a:t>: alle routes met </a:t>
             </a:r>
             <a:r>
               <a:rPr lang="nl-BE" dirty="0" err="1" smtClean="0"/>
-              <a:t>libraries</a:t>
+              <a:t>nav</a:t>
             </a:r>
             <a:r>
               <a:rPr lang="nl-BE" dirty="0" smtClean="0"/>
-              <a:t> gebruiken, bv </a:t>
+              <a:t>: </a:t>
             </a:r>
             <a:r>
               <a:rPr lang="nl-BE" dirty="0" err="1" smtClean="0"/>
-              <a:t>jQuery</a:t>
-            </a:r>
-            <a:endParaRPr lang="nl-BE" dirty="0" smtClean="0"/>
-          </a:p>
-          <a:p>
+              <a:t>true</a:t>
+            </a:r>
+            <a:r>
+              <a:rPr lang="nl-BE" dirty="0" smtClean="0"/>
+              <a:t> worden in de array </a:t>
+            </a:r>
             <a:r>
               <a:rPr lang="nl-BE" dirty="0" err="1" smtClean="0"/>
-              <a:t>observable</a:t>
+              <a:t>router.navigationModel</a:t>
             </a:r>
             <a:r>
               <a:rPr lang="nl-BE" dirty="0" smtClean="0"/>
-              <a:t>: om tegen</a:t>
+              <a:t> gegoten om te kunnen binden in navigatie</a:t>
             </a:r>
             <a:r>
               <a:rPr lang="nl-BE" baseline="0" dirty="0" smtClean="0"/>
-              <a:t> gewone JS objecten te </a:t>
+              <a:t> (zie shell.html)</a:t>
+            </a:r>
+          </a:p>
+          <a:p>
+            <a:endParaRPr lang="nl-BE" baseline="0" dirty="0" smtClean="0"/>
+          </a:p>
+          <a:p>
+            <a:r>
+              <a:rPr lang="nl-BE" baseline="0" dirty="0" smtClean="0"/>
+              <a:t>Router gebruiken:</a:t>
+            </a:r>
+          </a:p>
+          <a:p>
+            <a:r>
+              <a:rPr lang="nl-BE" baseline="0" dirty="0" smtClean="0"/>
+              <a:t>	indien &lt;a&gt;: </a:t>
             </a:r>
             <a:r>
               <a:rPr lang="nl-BE" baseline="0" dirty="0" err="1" smtClean="0"/>
-              <a:t>databinden</a:t>
+              <a:t>hash</a:t>
             </a:r>
             <a:r>
               <a:rPr lang="nl-BE" baseline="0" dirty="0" smtClean="0"/>
-              <a:t>, niet via </a:t>
+              <a:t> gebruiken (zie beers.html en </a:t>
             </a:r>
             <a:r>
               <a:rPr lang="nl-BE" baseline="0" dirty="0" err="1" smtClean="0"/>
-              <a:t>Knockout</a:t>
+              <a:t>add</a:t>
             </a:r>
             <a:r>
               <a:rPr lang="nl-BE" baseline="0" dirty="0" smtClean="0"/>
-              <a:t>. Werkt enkel met browsers die ES5 ondersteunen (</a:t>
+              <a:t> link)</a:t>
+            </a:r>
+          </a:p>
+          <a:p>
+            <a:r>
+              <a:rPr lang="nl-BE" baseline="0" dirty="0" smtClean="0"/>
+              <a:t>	vanuit JS: </a:t>
             </a:r>
             <a:r>
               <a:rPr lang="nl-BE" baseline="0" dirty="0" err="1" smtClean="0"/>
-              <a:t>defineProperty</a:t>
+              <a:t>router.navigate</a:t>
             </a:r>
             <a:r>
               <a:rPr lang="nl-BE" baseline="0" dirty="0" smtClean="0"/>
-              <a:t>). Deze </a:t>
+              <a:t>(‘#</a:t>
             </a:r>
             <a:r>
               <a:rPr lang="nl-BE" baseline="0" dirty="0" err="1" smtClean="0"/>
-              <a:t>plugin</a:t>
+              <a:t>hash</a:t>
             </a:r>
             <a:r>
               <a:rPr lang="nl-BE" baseline="0" dirty="0" smtClean="0"/>
-              <a:t> kan ook met </a:t>
+              <a:t>’); (zie add.js)</a:t>
+            </a:r>
+          </a:p>
+          <a:p>
+            <a:endParaRPr lang="nl-BE" baseline="0" dirty="0" smtClean="0"/>
+          </a:p>
+          <a:p>
+            <a:r>
+              <a:rPr lang="nl-BE" baseline="0" dirty="0" smtClean="0"/>
+              <a:t>Router kan nog meer:</a:t>
+            </a:r>
+          </a:p>
+          <a:p>
+            <a:r>
+              <a:rPr lang="nl-BE" baseline="0" dirty="0" smtClean="0"/>
+              <a:t>	</a:t>
             </a:r>
             <a:r>
               <a:rPr lang="nl-BE" baseline="0" dirty="0" err="1" smtClean="0"/>
-              <a:t>promises</a:t>
+              <a:t>history</a:t>
             </a:r>
             <a:r>
               <a:rPr lang="nl-BE" baseline="0" dirty="0" smtClean="0"/>
-              <a:t> overweg.</a:t>
+              <a:t> veranderen</a:t>
+            </a:r>
+          </a:p>
+          <a:p>
+            <a:r>
+              <a:rPr lang="nl-BE" baseline="0" dirty="0" smtClean="0"/>
+              <a:t>	</a:t>
+            </a:r>
+            <a:r>
+              <a:rPr lang="nl-BE" baseline="0" dirty="0" err="1" smtClean="0"/>
+              <a:t>router.navigateBack</a:t>
+            </a:r>
+            <a:r>
+              <a:rPr lang="nl-BE" baseline="0" dirty="0" smtClean="0"/>
+              <a:t>() om terug te gaan</a:t>
+            </a:r>
+          </a:p>
+          <a:p>
+            <a:r>
+              <a:rPr lang="nl-BE" baseline="0" dirty="0" smtClean="0"/>
+              <a:t>	routes die niet </a:t>
+            </a:r>
+            <a:r>
+              <a:rPr lang="nl-BE" baseline="0" dirty="0" err="1" smtClean="0"/>
+              <a:t>gematcht</a:t>
+            </a:r>
+            <a:r>
+              <a:rPr lang="nl-BE" baseline="0" dirty="0" smtClean="0"/>
+              <a:t> kunnen worden (zie shell.js)</a:t>
+            </a:r>
+          </a:p>
+          <a:p>
+            <a:r>
+              <a:rPr lang="nl-BE" baseline="0" dirty="0" smtClean="0"/>
+              <a:t>	</a:t>
+            </a:r>
+            <a:r>
+              <a:rPr lang="nl-BE" baseline="0" dirty="0" err="1" smtClean="0"/>
+              <a:t>child</a:t>
+            </a:r>
+            <a:r>
+              <a:rPr lang="nl-BE" baseline="0" dirty="0" smtClean="0"/>
+              <a:t> routers</a:t>
             </a:r>
             <a:endParaRPr lang="en-US" dirty="0"/>
           </a:p>
@@ -3711,7 +3623,7 @@
           <a:p>
             <a:fld id="{0DF56419-AC34-45D0-BAB8-5A4CB1E563BF}" type="slidenum">
               <a:rPr lang="en-US" smtClean="0"/>
-              <a:t>37</a:t>
+              <a:t>36</a:t>
             </a:fld>
             <a:endParaRPr lang="en-US"/>
           </a:p>
@@ -3720,7 +3632,7 @@
     </p:spTree>
     <p:extLst>
       <p:ext uri="{BB962C8B-B14F-4D97-AF65-F5344CB8AC3E}">
-        <p14:creationId xmlns:p14="http://schemas.microsoft.com/office/powerpoint/2010/main" val="2081039205"/>
+        <p14:creationId xmlns:p14="http://schemas.microsoft.com/office/powerpoint/2010/main" val="3530374302"/>
       </p:ext>
     </p:extLst>
   </p:cSld>
@@ -3776,6 +3688,177 @@
           <a:p>
             <a:r>
               <a:rPr lang="nl-BE" dirty="0" smtClean="0"/>
+              <a:t>http</a:t>
+            </a:r>
+            <a:r>
+              <a:rPr lang="nl-BE" baseline="0" dirty="0" smtClean="0"/>
+              <a:t> en </a:t>
+            </a:r>
+            <a:r>
+              <a:rPr lang="nl-BE" baseline="0" dirty="0" err="1" smtClean="0"/>
+              <a:t>serializer</a:t>
+            </a:r>
+            <a:r>
+              <a:rPr lang="nl-BE" baseline="0" dirty="0" smtClean="0"/>
+              <a:t> zijn om met data van de backend te werken. J</a:t>
+            </a:r>
+            <a:r>
+              <a:rPr lang="nl-BE" dirty="0" smtClean="0"/>
+              <a:t>e kan uiteraard ook andere </a:t>
+            </a:r>
+            <a:r>
+              <a:rPr lang="nl-BE" dirty="0" err="1" smtClean="0"/>
+              <a:t>libraries</a:t>
+            </a:r>
+            <a:r>
+              <a:rPr lang="nl-BE" dirty="0" smtClean="0"/>
+              <a:t> gebruiken, bv </a:t>
+            </a:r>
+            <a:r>
+              <a:rPr lang="nl-BE" dirty="0" err="1" smtClean="0"/>
+              <a:t>jQuery</a:t>
+            </a:r>
+            <a:endParaRPr lang="nl-BE" dirty="0" smtClean="0"/>
+          </a:p>
+          <a:p>
+            <a:r>
+              <a:rPr lang="nl-BE" dirty="0" err="1" smtClean="0"/>
+              <a:t>observable</a:t>
+            </a:r>
+            <a:r>
+              <a:rPr lang="nl-BE" dirty="0" smtClean="0"/>
+              <a:t>: om tegen</a:t>
+            </a:r>
+            <a:r>
+              <a:rPr lang="nl-BE" baseline="0" dirty="0" smtClean="0"/>
+              <a:t> gewone JS objecten te </a:t>
+            </a:r>
+            <a:r>
+              <a:rPr lang="nl-BE" baseline="0" dirty="0" err="1" smtClean="0"/>
+              <a:t>databinden</a:t>
+            </a:r>
+            <a:r>
+              <a:rPr lang="nl-BE" baseline="0" dirty="0" smtClean="0"/>
+              <a:t>, niet via </a:t>
+            </a:r>
+            <a:r>
+              <a:rPr lang="nl-BE" baseline="0" dirty="0" err="1" smtClean="0"/>
+              <a:t>Knockout</a:t>
+            </a:r>
+            <a:r>
+              <a:rPr lang="nl-BE" baseline="0" dirty="0" smtClean="0"/>
+              <a:t>. Werkt enkel met browsers die ES5 ondersteunen (</a:t>
+            </a:r>
+            <a:r>
+              <a:rPr lang="nl-BE" baseline="0" dirty="0" err="1" smtClean="0"/>
+              <a:t>defineProperty</a:t>
+            </a:r>
+            <a:r>
+              <a:rPr lang="nl-BE" baseline="0" dirty="0" smtClean="0"/>
+              <a:t>). Deze </a:t>
+            </a:r>
+            <a:r>
+              <a:rPr lang="nl-BE" baseline="0" dirty="0" err="1" smtClean="0"/>
+              <a:t>plugin</a:t>
+            </a:r>
+            <a:r>
+              <a:rPr lang="nl-BE" baseline="0" dirty="0" smtClean="0"/>
+              <a:t> kan ook met </a:t>
+            </a:r>
+            <a:r>
+              <a:rPr lang="nl-BE" baseline="0" dirty="0" err="1" smtClean="0"/>
+              <a:t>promises</a:t>
+            </a:r>
+            <a:r>
+              <a:rPr lang="nl-BE" baseline="0" dirty="0" smtClean="0"/>
+              <a:t> overweg.</a:t>
+            </a:r>
+            <a:endParaRPr lang="en-US" dirty="0"/>
+          </a:p>
+        </p:txBody>
+      </p:sp>
+      <p:sp>
+        <p:nvSpPr>
+          <p:cNvPr id="4" name="Slide Number Placeholder 3"/>
+          <p:cNvSpPr>
+            <a:spLocks noGrp="1"/>
+          </p:cNvSpPr>
+          <p:nvPr>
+            <p:ph type="sldNum" sz="quarter" idx="10"/>
+          </p:nvPr>
+        </p:nvSpPr>
+        <p:spPr/>
+        <p:txBody>
+          <a:bodyPr/>
+          <a:lstStyle/>
+          <a:p>
+            <a:fld id="{0DF56419-AC34-45D0-BAB8-5A4CB1E563BF}" type="slidenum">
+              <a:rPr lang="en-US" smtClean="0"/>
+              <a:t>37</a:t>
+            </a:fld>
+            <a:endParaRPr lang="en-US"/>
+          </a:p>
+        </p:txBody>
+      </p:sp>
+    </p:spTree>
+    <p:extLst>
+      <p:ext uri="{BB962C8B-B14F-4D97-AF65-F5344CB8AC3E}">
+        <p14:creationId xmlns:p14="http://schemas.microsoft.com/office/powerpoint/2010/main" val="2081039205"/>
+      </p:ext>
+    </p:extLst>
+  </p:cSld>
+  <p:clrMapOvr>
+    <a:masterClrMapping/>
+  </p:clrMapOvr>
+</p:notes>
+</file>
+
+<file path=ppt/notesSlides/notesSlide28.xml><?xml version="1.0" encoding="utf-8"?>
+<p:notes xmlns:a="http://schemas.openxmlformats.org/drawingml/2006/main" xmlns:r="http://schemas.openxmlformats.org/officeDocument/2006/relationships" xmlns:p="http://schemas.openxmlformats.org/presentationml/2006/main">
+  <p:cSld>
+    <p:spTree>
+      <p:nvGrpSpPr>
+        <p:cNvPr id="1" name=""/>
+        <p:cNvGrpSpPr/>
+        <p:nvPr/>
+      </p:nvGrpSpPr>
+      <p:grpSpPr>
+        <a:xfrm>
+          <a:off x="0" y="0"/>
+          <a:ext cx="0" cy="0"/>
+          <a:chOff x="0" y="0"/>
+          <a:chExt cx="0" cy="0"/>
+        </a:xfrm>
+      </p:grpSpPr>
+      <p:sp>
+        <p:nvSpPr>
+          <p:cNvPr id="2" name="Slide Image Placeholder 1"/>
+          <p:cNvSpPr>
+            <a:spLocks noGrp="1" noRot="1" noChangeAspect="1"/>
+          </p:cNvSpPr>
+          <p:nvPr>
+            <p:ph type="sldImg"/>
+          </p:nvPr>
+        </p:nvSpPr>
+        <p:spPr/>
+      </p:sp>
+      <p:sp>
+        <p:nvSpPr>
+          <p:cNvPr id="3" name="Notes Placeholder 2"/>
+          <p:cNvSpPr>
+            <a:spLocks noGrp="1"/>
+          </p:cNvSpPr>
+          <p:nvPr>
+            <p:ph type="body" idx="1"/>
+          </p:nvPr>
+        </p:nvSpPr>
+        <p:spPr/>
+        <p:txBody>
+          <a:bodyPr/>
+          <a:lstStyle/>
+          <a:p>
+            <a:r>
+              <a:rPr lang="nl-BE" dirty="0" smtClean="0"/>
               <a:t>SEO: komt er op neer dat je aan de serverkant een </a:t>
             </a:r>
             <a:r>
@@ -3901,7 +3984,7 @@
 </p:notes>
 </file>
 
-<file path=ppt/notesSlides/notesSlide28.xml><?xml version="1.0" encoding="utf-8"?>
+<file path=ppt/notesSlides/notesSlide29.xml><?xml version="1.0" encoding="utf-8"?>
 <p:notes xmlns:a="http://schemas.openxmlformats.org/drawingml/2006/main" xmlns:r="http://schemas.openxmlformats.org/officeDocument/2006/relationships" xmlns:p="http://schemas.openxmlformats.org/presentationml/2006/main">
   <p:cSld>
     <p:spTree>
@@ -4038,34 +4121,55 @@
           <a:lstStyle/>
           <a:p>
             <a:r>
+              <a:rPr lang="nl-BE" dirty="0" err="1" smtClean="0"/>
+              <a:t>Function</a:t>
+            </a:r>
+            <a:r>
+              <a:rPr lang="nl-BE" baseline="0" dirty="0" smtClean="0"/>
+              <a:t> wordt iedere keer uitgevoerd.	</a:t>
+            </a:r>
+            <a:endParaRPr lang="nl-BE" dirty="0" smtClean="0"/>
+          </a:p>
+          <a:p>
+            <a:r>
               <a:rPr lang="nl-BE" dirty="0" smtClean="0"/>
-              <a:t>Maar</a:t>
+              <a:t>Je zou ook kunnen een</a:t>
             </a:r>
             <a:r>
               <a:rPr lang="nl-BE" baseline="0" dirty="0" smtClean="0"/>
-              <a:t> net zoals service </a:t>
+              <a:t> singleton teruggeven en </a:t>
             </a:r>
             <a:r>
               <a:rPr lang="nl-BE" baseline="0" dirty="0" err="1" smtClean="0"/>
-              <a:t>locator</a:t>
+              <a:t>activate</a:t>
             </a:r>
             <a:r>
               <a:rPr lang="nl-BE" baseline="0" dirty="0" smtClean="0"/>
-              <a:t> is het beter om de array in je </a:t>
+              <a:t>() </a:t>
             </a:r>
             <a:r>
               <a:rPr lang="nl-BE" baseline="0" dirty="0" err="1" smtClean="0"/>
-              <a:t>define</a:t>
+              <a:t>method</a:t>
             </a:r>
             <a:r>
               <a:rPr lang="nl-BE" baseline="0" dirty="0" smtClean="0"/>
-              <a:t>() call te gebruiken.</a:t>
-            </a:r>
-          </a:p>
-          <a:p>
+              <a:t> van </a:t>
+            </a:r>
+            <a:r>
+              <a:rPr lang="nl-BE" baseline="0" dirty="0" err="1" smtClean="0"/>
+              <a:t>Durandal</a:t>
+            </a:r>
             <a:r>
               <a:rPr lang="nl-BE" baseline="0" dirty="0" smtClean="0"/>
-              <a:t>Toon in add.js en vervang router door bovenstaande code (zie codeblocks.txt)</a:t>
+              <a:t> gebruiken om waarden te </a:t>
+            </a:r>
+            <a:r>
+              <a:rPr lang="nl-BE" baseline="0" dirty="0" err="1" smtClean="0"/>
+              <a:t>refreshen</a:t>
+            </a:r>
+            <a:r>
+              <a:rPr lang="nl-BE" baseline="0" dirty="0" smtClean="0"/>
+              <a:t>. Maar dan blijft het in memory. Misschien in geval van zware/lange operaties die je daarna niet meer moet uitvoeren</a:t>
             </a:r>
             <a:endParaRPr lang="en-US" dirty="0"/>
           </a:p>
@@ -4088,7 +4192,7 @@
           <a:p>
             <a:fld id="{0DF56419-AC34-45D0-BAB8-5A4CB1E563BF}" type="slidenum">
               <a:rPr lang="en-US" smtClean="0"/>
-              <a:t>10</a:t>
+              <a:t>9</a:t>
             </a:fld>
             <a:endParaRPr lang="en-US"/>
           </a:p>
@@ -4097,7 +4201,7 @@
     </p:spTree>
     <p:extLst>
       <p:ext uri="{BB962C8B-B14F-4D97-AF65-F5344CB8AC3E}">
-        <p14:creationId xmlns:p14="http://schemas.microsoft.com/office/powerpoint/2010/main" val="4167548361"/>
+        <p14:creationId xmlns:p14="http://schemas.microsoft.com/office/powerpoint/2010/main" val="1740093845"/>
       </p:ext>
     </p:extLst>
   </p:cSld>
@@ -4153,88 +4257,33 @@
           <a:p>
             <a:r>
               <a:rPr lang="nl-BE" dirty="0" smtClean="0"/>
-              <a:t>Toon </a:t>
-            </a:r>
-            <a:r>
-              <a:rPr lang="nl-BE" dirty="0" err="1" smtClean="0"/>
-              <a:t>RequireJS</a:t>
-            </a:r>
-            <a:r>
-              <a:rPr lang="nl-BE" dirty="0" smtClean="0"/>
-              <a:t> configuratie in main.js</a:t>
-            </a:r>
-          </a:p>
-          <a:p>
-            <a:r>
-              <a:rPr lang="nl-BE" dirty="0" err="1" smtClean="0"/>
-              <a:t>Shim</a:t>
+              <a:t>Maar</a:t>
             </a:r>
             <a:r>
               <a:rPr lang="nl-BE" baseline="0" dirty="0" smtClean="0"/>
-              <a:t> is voor javascript </a:t>
+              <a:t> net zoals service </a:t>
             </a:r>
             <a:r>
               <a:rPr lang="nl-BE" baseline="0" dirty="0" err="1" smtClean="0"/>
-              <a:t>libraries</a:t>
+              <a:t>locator</a:t>
             </a:r>
             <a:r>
               <a:rPr lang="nl-BE" baseline="0" dirty="0" smtClean="0"/>
-              <a:t> die niet volgens AMD gedefinieerd zijn.</a:t>
-            </a:r>
-          </a:p>
-          <a:p>
+              <a:t> is het beter om de array in je </a:t>
+            </a:r>
+            <a:r>
+              <a:rPr lang="nl-BE" baseline="0" dirty="0" err="1" smtClean="0"/>
+              <a:t>define</a:t>
+            </a:r>
             <a:r>
               <a:rPr lang="nl-BE" baseline="0" dirty="0" smtClean="0"/>
-              <a:t>	</a:t>
-            </a:r>
-            <a:r>
-              <a:rPr lang="nl-BE" baseline="0" dirty="0" err="1" smtClean="0"/>
-              <a:t>deps</a:t>
-            </a:r>
+              <a:t>() call te gebruiken.</a:t>
+            </a:r>
+          </a:p>
+          <a:p>
             <a:r>
               <a:rPr lang="nl-BE" baseline="0" dirty="0" smtClean="0"/>
-              <a:t>: </a:t>
-            </a:r>
-            <a:r>
-              <a:rPr lang="nl-BE" baseline="0" dirty="0" err="1" smtClean="0"/>
-              <a:t>dependencies</a:t>
-            </a:r>
-            <a:r>
-              <a:rPr lang="nl-BE" baseline="0" dirty="0" smtClean="0"/>
-              <a:t> van deze </a:t>
-            </a:r>
-            <a:r>
-              <a:rPr lang="nl-BE" baseline="0" dirty="0" err="1" smtClean="0"/>
-              <a:t>library</a:t>
-            </a:r>
-            <a:endParaRPr lang="nl-BE" baseline="0" dirty="0" smtClean="0"/>
-          </a:p>
-          <a:p>
-            <a:r>
-              <a:rPr lang="nl-BE" baseline="0" dirty="0" smtClean="0"/>
-              <a:t>	exports: de …</a:t>
-            </a:r>
-          </a:p>
-          <a:p>
-            <a:r>
-              <a:rPr lang="nl-BE" baseline="0" dirty="0" smtClean="0"/>
-              <a:t>Componenten in </a:t>
-            </a:r>
-            <a:r>
-              <a:rPr lang="nl-BE" baseline="0" dirty="0" err="1" smtClean="0"/>
-              <a:t>shim</a:t>
-            </a:r>
-            <a:r>
-              <a:rPr lang="nl-BE" baseline="0" dirty="0" smtClean="0"/>
-              <a:t> moeten nog altijd in </a:t>
-            </a:r>
-            <a:r>
-              <a:rPr lang="nl-BE" baseline="0" dirty="0" err="1" smtClean="0"/>
-              <a:t>paths</a:t>
-            </a:r>
-            <a:r>
-              <a:rPr lang="nl-BE" baseline="0" dirty="0" smtClean="0"/>
-              <a:t> staan!</a:t>
+              <a:t>Toon in add.js en vervang router door bovenstaande code (zie codeblocks.txt)</a:t>
             </a:r>
             <a:endParaRPr lang="en-US" dirty="0"/>
           </a:p>
@@ -4257,7 +4306,7 @@
           <a:p>
             <a:fld id="{0DF56419-AC34-45D0-BAB8-5A4CB1E563BF}" type="slidenum">
               <a:rPr lang="en-US" smtClean="0"/>
-              <a:t>11</a:t>
+              <a:t>10</a:t>
             </a:fld>
             <a:endParaRPr lang="en-US"/>
           </a:p>
@@ -4266,7 +4315,7 @@
     </p:spTree>
     <p:extLst>
       <p:ext uri="{BB962C8B-B14F-4D97-AF65-F5344CB8AC3E}">
-        <p14:creationId xmlns:p14="http://schemas.microsoft.com/office/powerpoint/2010/main" val="3235615134"/>
+        <p14:creationId xmlns:p14="http://schemas.microsoft.com/office/powerpoint/2010/main" val="4167548361"/>
       </p:ext>
     </p:extLst>
   </p:cSld>
@@ -4322,7 +4371,88 @@
           <a:p>
             <a:r>
               <a:rPr lang="nl-BE" dirty="0" smtClean="0"/>
-              <a:t>MVVM uitleggen</a:t>
+              <a:t>Toon </a:t>
+            </a:r>
+            <a:r>
+              <a:rPr lang="nl-BE" dirty="0" err="1" smtClean="0"/>
+              <a:t>RequireJS</a:t>
+            </a:r>
+            <a:r>
+              <a:rPr lang="nl-BE" dirty="0" smtClean="0"/>
+              <a:t> configuratie in main.js</a:t>
+            </a:r>
+          </a:p>
+          <a:p>
+            <a:r>
+              <a:rPr lang="nl-BE" dirty="0" err="1" smtClean="0"/>
+              <a:t>Shim</a:t>
+            </a:r>
+            <a:r>
+              <a:rPr lang="nl-BE" baseline="0" dirty="0" smtClean="0"/>
+              <a:t> is voor javascript </a:t>
+            </a:r>
+            <a:r>
+              <a:rPr lang="nl-BE" baseline="0" dirty="0" err="1" smtClean="0"/>
+              <a:t>libraries</a:t>
+            </a:r>
+            <a:r>
+              <a:rPr lang="nl-BE" baseline="0" dirty="0" smtClean="0"/>
+              <a:t> die niet volgens AMD gedefinieerd zijn.</a:t>
+            </a:r>
+          </a:p>
+          <a:p>
+            <a:r>
+              <a:rPr lang="nl-BE" baseline="0" dirty="0" smtClean="0"/>
+              <a:t>	</a:t>
+            </a:r>
+            <a:r>
+              <a:rPr lang="nl-BE" baseline="0" dirty="0" err="1" smtClean="0"/>
+              <a:t>deps</a:t>
+            </a:r>
+            <a:r>
+              <a:rPr lang="nl-BE" baseline="0" dirty="0" smtClean="0"/>
+              <a:t>: </a:t>
+            </a:r>
+            <a:r>
+              <a:rPr lang="nl-BE" baseline="0" dirty="0" err="1" smtClean="0"/>
+              <a:t>dependencies</a:t>
+            </a:r>
+            <a:r>
+              <a:rPr lang="nl-BE" baseline="0" dirty="0" smtClean="0"/>
+              <a:t> van deze </a:t>
+            </a:r>
+            <a:r>
+              <a:rPr lang="nl-BE" baseline="0" dirty="0" err="1" smtClean="0"/>
+              <a:t>library</a:t>
+            </a:r>
+            <a:endParaRPr lang="nl-BE" baseline="0" dirty="0" smtClean="0"/>
+          </a:p>
+          <a:p>
+            <a:r>
+              <a:rPr lang="nl-BE" baseline="0" dirty="0" smtClean="0"/>
+              <a:t>	exports: de …</a:t>
+            </a:r>
+          </a:p>
+          <a:p>
+            <a:r>
+              <a:rPr lang="nl-BE" baseline="0" dirty="0" smtClean="0"/>
+              <a:t>Componenten in </a:t>
+            </a:r>
+            <a:r>
+              <a:rPr lang="nl-BE" baseline="0" dirty="0" err="1" smtClean="0"/>
+              <a:t>shim</a:t>
+            </a:r>
+            <a:r>
+              <a:rPr lang="nl-BE" baseline="0" dirty="0" smtClean="0"/>
+              <a:t> moeten nog altijd in </a:t>
+            </a:r>
+            <a:r>
+              <a:rPr lang="nl-BE" baseline="0" dirty="0" err="1" smtClean="0"/>
+              <a:t>paths</a:t>
+            </a:r>
+            <a:r>
+              <a:rPr lang="nl-BE" baseline="0" dirty="0" smtClean="0"/>
+              <a:t> staan!</a:t>
             </a:r>
             <a:endParaRPr lang="en-US" dirty="0"/>
           </a:p>
@@ -4345,7 +4475,7 @@
           <a:p>
             <a:fld id="{0DF56419-AC34-45D0-BAB8-5A4CB1E563BF}" type="slidenum">
               <a:rPr lang="en-US" smtClean="0"/>
-              <a:t>13</a:t>
+              <a:t>11</a:t>
             </a:fld>
             <a:endParaRPr lang="en-US"/>
           </a:p>
@@ -4354,7 +4484,7 @@
     </p:spTree>
     <p:extLst>
       <p:ext uri="{BB962C8B-B14F-4D97-AF65-F5344CB8AC3E}">
-        <p14:creationId xmlns:p14="http://schemas.microsoft.com/office/powerpoint/2010/main" val="961158966"/>
+        <p14:creationId xmlns:p14="http://schemas.microsoft.com/office/powerpoint/2010/main" val="3235615134"/>
       </p:ext>
     </p:extLst>
   </p:cSld>
@@ -4410,27 +4540,7 @@
           <a:p>
             <a:r>
               <a:rPr lang="nl-BE" dirty="0" smtClean="0"/>
-              <a:t>Het is dus mogelijk te</a:t>
-            </a:r>
-            <a:r>
-              <a:rPr lang="nl-BE" baseline="0" dirty="0" smtClean="0"/>
-              <a:t> </a:t>
-            </a:r>
-            <a:r>
-              <a:rPr lang="nl-BE" baseline="0" dirty="0" err="1" smtClean="0"/>
-              <a:t>databinden</a:t>
-            </a:r>
-            <a:r>
-              <a:rPr lang="nl-BE" baseline="0" dirty="0" smtClean="0"/>
-              <a:t> op eenvoudige JS objecten (zonder </a:t>
-            </a:r>
-            <a:r>
-              <a:rPr lang="nl-BE" baseline="0" dirty="0" err="1" smtClean="0"/>
-              <a:t>observables</a:t>
-            </a:r>
-            <a:r>
-              <a:rPr lang="nl-BE" baseline="0" dirty="0" smtClean="0"/>
-              <a:t>). Updates zullen echter niet zichtbaar worden in de DOM en DOM updates zullen niet zichtbaar worden in je viewmodel</a:t>
+              <a:t>MVVM uitleggen</a:t>
             </a:r>
             <a:endParaRPr lang="en-US" dirty="0"/>
           </a:p>
@@ -4453,7 +4563,7 @@
           <a:p>
             <a:fld id="{0DF56419-AC34-45D0-BAB8-5A4CB1E563BF}" type="slidenum">
               <a:rPr lang="en-US" smtClean="0"/>
-              <a:t>15</a:t>
+              <a:t>13</a:t>
             </a:fld>
             <a:endParaRPr lang="en-US"/>
           </a:p>
@@ -4462,7 +4572,7 @@
     </p:spTree>
     <p:extLst>
       <p:ext uri="{BB962C8B-B14F-4D97-AF65-F5344CB8AC3E}">
-        <p14:creationId xmlns:p14="http://schemas.microsoft.com/office/powerpoint/2010/main" val="3591909888"/>
+        <p14:creationId xmlns:p14="http://schemas.microsoft.com/office/powerpoint/2010/main" val="961158966"/>
       </p:ext>
     </p:extLst>
   </p:cSld>
@@ -4518,62 +4628,27 @@
           <a:p>
             <a:r>
               <a:rPr lang="nl-BE" dirty="0" smtClean="0"/>
-              <a:t>Tweede laat toe om meerdere </a:t>
-            </a:r>
-            <a:r>
-              <a:rPr lang="nl-BE" dirty="0" err="1" smtClean="0"/>
-              <a:t>viewmodels</a:t>
-            </a:r>
-            <a:r>
-              <a:rPr lang="nl-BE" dirty="0" smtClean="0"/>
-              <a:t> aan verschillende elementen te binden</a:t>
-            </a:r>
-          </a:p>
-          <a:p>
-            <a:r>
-              <a:rPr lang="nl-BE" dirty="0" err="1" smtClean="0"/>
-              <a:t>Durandal</a:t>
-            </a:r>
-            <a:r>
-              <a:rPr lang="nl-BE" dirty="0" smtClean="0"/>
-              <a:t> zal </a:t>
-            </a:r>
-            <a:r>
-              <a:rPr lang="nl-BE" dirty="0" err="1" smtClean="0"/>
-              <a:t>applyBindings</a:t>
-            </a:r>
-            <a:r>
-              <a:rPr lang="nl-BE" dirty="0" smtClean="0"/>
-              <a:t> voor</a:t>
+              <a:t>Het is dus mogelijk te</a:t>
             </a:r>
             <a:r>
               <a:rPr lang="nl-BE" baseline="0" dirty="0" smtClean="0"/>
-              <a:t> jou doen (als je de conventies volgt</a:t>
+              <a:t> </a:t>
+            </a:r>
+            <a:r>
+              <a:rPr lang="nl-BE" baseline="0" dirty="0" err="1" smtClean="0"/>
+              <a:t>databinden</a:t>
             </a:r>
             <a:r>
               <a:rPr lang="nl-BE" baseline="0" dirty="0" smtClean="0"/>
-              <a:t>)</a:t>
-            </a:r>
-          </a:p>
-          <a:p>
-            <a:endParaRPr lang="nl-BE" baseline="0" dirty="0" smtClean="0"/>
-          </a:p>
-          <a:p>
+              <a:t> op eenvoudige JS objecten (zonder </a:t>
+            </a:r>
             <a:r>
               <a:rPr lang="nl-BE" baseline="0" dirty="0" err="1" smtClean="0"/>
-              <a:t>jQuery</a:t>
+              <a:t>observables</a:t>
             </a:r>
             <a:r>
               <a:rPr lang="nl-BE" baseline="0" dirty="0" smtClean="0"/>
-              <a:t>: [0] want dat is de node, anders is het een </a:t>
-            </a:r>
-            <a:r>
-              <a:rPr lang="nl-BE" baseline="0" dirty="0" err="1" smtClean="0"/>
-              <a:t>jQuery</a:t>
-            </a:r>
-            <a:r>
-              <a:rPr lang="nl-BE" baseline="0" dirty="0" smtClean="0"/>
-              <a:t> object</a:t>
+              <a:t>). Updates zullen echter niet zichtbaar worden in de DOM en DOM updates zullen niet zichtbaar worden in je viewmodel</a:t>
             </a:r>
             <a:endParaRPr lang="en-US" dirty="0"/>
           </a:p>
@@ -4596,7 +4671,7 @@
           <a:p>
             <a:fld id="{0DF56419-AC34-45D0-BAB8-5A4CB1E563BF}" type="slidenum">
               <a:rPr lang="en-US" smtClean="0"/>
-              <a:t>16</a:t>
+              <a:t>15</a:t>
             </a:fld>
             <a:endParaRPr lang="en-US"/>
           </a:p>
@@ -4605,7 +4680,7 @@
     </p:spTree>
     <p:extLst>
       <p:ext uri="{BB962C8B-B14F-4D97-AF65-F5344CB8AC3E}">
-        <p14:creationId xmlns:p14="http://schemas.microsoft.com/office/powerpoint/2010/main" val="1524409266"/>
+        <p14:creationId xmlns:p14="http://schemas.microsoft.com/office/powerpoint/2010/main" val="3591909888"/>
       </p:ext>
     </p:extLst>
   </p:cSld>
@@ -4661,121 +4736,58 @@
           <a:p>
             <a:r>
               <a:rPr lang="nl-BE" dirty="0" smtClean="0"/>
-              <a:t>Twee normale </a:t>
+              <a:t>Tweede laat toe om meerdere </a:t>
             </a:r>
             <a:r>
               <a:rPr lang="nl-BE" dirty="0" err="1" smtClean="0"/>
-              <a:t>observables</a:t>
+              <a:t>viewmodels</a:t>
             </a:r>
             <a:r>
               <a:rPr lang="nl-BE" dirty="0" smtClean="0"/>
-              <a:t>: DOM wijzigt zodra </a:t>
-            </a:r>
+              <a:t> aan verschillende elementen te binden</a:t>
+            </a:r>
+          </a:p>
+          <a:p>
             <a:r>
               <a:rPr lang="nl-BE" dirty="0" err="1" smtClean="0"/>
-              <a:t>observable</a:t>
+              <a:t>Durandal</a:t>
             </a:r>
             <a:r>
               <a:rPr lang="nl-BE" dirty="0" smtClean="0"/>
-              <a:t> wijzigt, viewmodel property wijzigt</a:t>
+              <a:t> zal </a:t>
+            </a:r>
+            <a:r>
+              <a:rPr lang="nl-BE" dirty="0" err="1" smtClean="0"/>
+              <a:t>applyBindings</a:t>
+            </a:r>
+            <a:r>
+              <a:rPr lang="nl-BE" dirty="0" smtClean="0"/>
+              <a:t> voor</a:t>
             </a:r>
             <a:r>
               <a:rPr lang="nl-BE" baseline="0" dirty="0" smtClean="0"/>
-              <a:t> wanneer DOM wijzigt</a:t>
-            </a:r>
+              <a:t> jou doen (als je de conventies volgt)</a:t>
+            </a:r>
+          </a:p>
+          <a:p>
+            <a:endParaRPr lang="nl-BE" baseline="0" dirty="0" smtClean="0"/>
           </a:p>
           <a:p>
             <a:r>
               <a:rPr lang="nl-BE" baseline="0" dirty="0" err="1" smtClean="0"/>
-              <a:t>Computed</a:t>
+              <a:t>jQuery</a:t>
             </a:r>
             <a:r>
               <a:rPr lang="nl-BE" baseline="0" dirty="0" smtClean="0"/>
-              <a:t>: </a:t>
+              <a:t>: [0] want dat is de node, anders is het een </a:t>
             </a:r>
             <a:r>
               <a:rPr lang="nl-BE" baseline="0" dirty="0" err="1" smtClean="0"/>
-              <a:t>function</a:t>
+              <a:t>jQuery</a:t>
             </a:r>
             <a:r>
               <a:rPr lang="nl-BE" baseline="0" dirty="0" smtClean="0"/>
-              <a:t> die voortbouwt op andere </a:t>
-            </a:r>
-            <a:r>
-              <a:rPr lang="nl-BE" baseline="0" dirty="0" err="1" smtClean="0"/>
-              <a:t>observables</a:t>
-            </a:r>
-            <a:r>
-              <a:rPr lang="nl-BE" baseline="0" dirty="0" smtClean="0"/>
-              <a:t>. Databinding wordt geüpdatet wanneer één van de afhankelijkheden wijzigt</a:t>
-            </a:r>
-          </a:p>
-          <a:p>
-            <a:r>
-              <a:rPr lang="nl-BE" baseline="0" dirty="0" err="1" smtClean="0"/>
-              <a:t>ObservableArray</a:t>
-            </a:r>
-            <a:r>
-              <a:rPr lang="nl-BE" baseline="0" dirty="0" smtClean="0"/>
-              <a:t>: databinding wordt geüpdatet wanneer items toegevoegd/verwijderd worden</a:t>
-            </a:r>
-          </a:p>
-          <a:p>
-            <a:endParaRPr lang="nl-BE" baseline="0" dirty="0" smtClean="0"/>
-          </a:p>
-          <a:p>
-            <a:r>
-              <a:rPr lang="nl-BE" baseline="0" dirty="0" smtClean="0"/>
-              <a:t>Een array meegeven in de </a:t>
-            </a:r>
-            <a:r>
-              <a:rPr lang="nl-BE" baseline="0" dirty="0" err="1" smtClean="0"/>
-              <a:t>constructor</a:t>
-            </a:r>
-            <a:r>
-              <a:rPr lang="nl-BE" baseline="0" dirty="0" smtClean="0"/>
-              <a:t> van je </a:t>
-            </a:r>
-            <a:r>
-              <a:rPr lang="nl-BE" baseline="0" dirty="0" err="1" smtClean="0"/>
-              <a:t>observableArray</a:t>
-            </a:r>
-            <a:r>
-              <a:rPr lang="nl-BE" baseline="0" dirty="0" smtClean="0"/>
-              <a:t> zorgt ervoor dat de array </a:t>
-            </a:r>
-            <a:r>
-              <a:rPr lang="nl-BE" baseline="0" dirty="0" err="1" smtClean="0"/>
-              <a:t>prepopulated</a:t>
-            </a:r>
-            <a:r>
-              <a:rPr lang="nl-BE" baseline="0" dirty="0" smtClean="0"/>
-              <a:t> is (zo moet de DOM maar 1x geüpdatet worden (en niet bij elke toevoeging).</a:t>
-            </a:r>
-          </a:p>
-          <a:p>
-            <a:endParaRPr lang="nl-BE" baseline="0" dirty="0" smtClean="0"/>
-          </a:p>
-          <a:p>
-            <a:r>
-              <a:rPr lang="nl-BE" baseline="0" dirty="0" smtClean="0"/>
-              <a:t>Wil je updates op de elementen in de </a:t>
-            </a:r>
-            <a:r>
-              <a:rPr lang="nl-BE" baseline="0" dirty="0" err="1" smtClean="0"/>
-              <a:t>observableArray</a:t>
-            </a:r>
-            <a:r>
-              <a:rPr lang="nl-BE" baseline="0" dirty="0" smtClean="0"/>
-              <a:t> zien in de DOM, dan moet je ook </a:t>
-            </a:r>
-            <a:r>
-              <a:rPr lang="nl-BE" baseline="0" dirty="0" err="1" smtClean="0"/>
-              <a:t>observables</a:t>
-            </a:r>
-            <a:r>
-              <a:rPr lang="nl-BE" baseline="0" dirty="0" smtClean="0"/>
-              <a:t> gebruiken in die elementen.</a:t>
+              <a:t> object</a:t>
             </a:r>
             <a:endParaRPr lang="en-US" dirty="0"/>
           </a:p>
@@ -4798,7 +4810,7 @@
           <a:p>
             <a:fld id="{0DF56419-AC34-45D0-BAB8-5A4CB1E563BF}" type="slidenum">
               <a:rPr lang="en-US" smtClean="0"/>
-              <a:t>17</a:t>
+              <a:t>16</a:t>
             </a:fld>
             <a:endParaRPr lang="en-US"/>
           </a:p>
@@ -4807,7 +4819,7 @@
     </p:spTree>
     <p:extLst>
       <p:ext uri="{BB962C8B-B14F-4D97-AF65-F5344CB8AC3E}">
-        <p14:creationId xmlns:p14="http://schemas.microsoft.com/office/powerpoint/2010/main" val="1276095060"/>
+        <p14:creationId xmlns:p14="http://schemas.microsoft.com/office/powerpoint/2010/main" val="1524409266"/>
       </p:ext>
     </p:extLst>
   </p:cSld>
@@ -4863,27 +4875,37 @@
           <a:p>
             <a:r>
               <a:rPr lang="nl-BE" dirty="0" smtClean="0"/>
-              <a:t>Beide doen hetzelfde maar door het speciale</a:t>
+              <a:t>Twee normale </a:t>
+            </a:r>
+            <a:r>
+              <a:rPr lang="nl-BE" dirty="0" err="1" smtClean="0"/>
+              <a:t>observables</a:t>
+            </a:r>
+            <a:r>
+              <a:rPr lang="nl-BE" dirty="0" smtClean="0"/>
+              <a:t>: DOM wijzigt zodra </a:t>
+            </a:r>
+            <a:r>
+              <a:rPr lang="nl-BE" dirty="0" err="1" smtClean="0"/>
+              <a:t>observable</a:t>
+            </a:r>
+            <a:r>
+              <a:rPr lang="nl-BE" dirty="0" smtClean="0"/>
+              <a:t> wijzigt, viewmodel property wijzigt</a:t>
             </a:r>
             <a:r>
               <a:rPr lang="nl-BE" baseline="0" dirty="0" smtClean="0"/>
-              <a:t> van javascript met </a:t>
-            </a:r>
+              <a:t> wanneer DOM wijzigt</a:t>
+            </a:r>
+          </a:p>
+          <a:p>
             <a:r>
               <a:rPr lang="nl-BE" baseline="0" dirty="0" err="1" smtClean="0"/>
-              <a:t>this</a:t>
+              <a:t>Computed</a:t>
             </a:r>
             <a:r>
               <a:rPr lang="nl-BE" baseline="0" dirty="0" smtClean="0"/>
-              <a:t> moet je in het tweede geval meegeven wat ‘</a:t>
-            </a:r>
-            <a:r>
-              <a:rPr lang="nl-BE" baseline="0" dirty="0" err="1" smtClean="0"/>
-              <a:t>this</a:t>
-            </a:r>
-            <a:r>
-              <a:rPr lang="nl-BE" baseline="0" dirty="0" smtClean="0"/>
-              <a:t>’ zal betekenen in je </a:t>
+              <a:t>: </a:t>
             </a:r>
             <a:r>
               <a:rPr lang="nl-BE" baseline="0" dirty="0" err="1" smtClean="0"/>
@@ -4891,23 +4913,83 @@
             </a:r>
             <a:r>
               <a:rPr lang="nl-BE" baseline="0" dirty="0" smtClean="0"/>
-              <a:t>. Anders is ‘</a:t>
+              <a:t> die voortbouwt op andere </a:t>
             </a:r>
             <a:r>
               <a:rPr lang="nl-BE" baseline="0" dirty="0" err="1" smtClean="0"/>
-              <a:t>this</a:t>
+              <a:t>observables</a:t>
             </a:r>
             <a:r>
               <a:rPr lang="nl-BE" baseline="0" dirty="0" smtClean="0"/>
-              <a:t>’ het </a:t>
-            </a:r>
+              <a:t>. Databinding wordt geüpdatet wanneer één van de afhankelijkheden wijzigt</a:t>
+            </a:r>
+          </a:p>
+          <a:p>
             <a:r>
               <a:rPr lang="nl-BE" baseline="0" dirty="0" err="1" smtClean="0"/>
-              <a:t>window</a:t>
+              <a:t>ObservableArray</a:t>
             </a:r>
             <a:r>
               <a:rPr lang="nl-BE" baseline="0" dirty="0" smtClean="0"/>
-              <a:t>-object.</a:t>
+              <a:t>: databinding wordt geüpdatet wanneer items toegevoegd/verwijderd worden</a:t>
+            </a:r>
+          </a:p>
+          <a:p>
+            <a:endParaRPr lang="nl-BE" baseline="0" dirty="0" smtClean="0"/>
+          </a:p>
+          <a:p>
+            <a:r>
+              <a:rPr lang="nl-BE" baseline="0" dirty="0" smtClean="0"/>
+              <a:t>Een array meegeven in de </a:t>
+            </a:r>
+            <a:r>
+              <a:rPr lang="nl-BE" baseline="0" dirty="0" err="1" smtClean="0"/>
+              <a:t>constructor</a:t>
+            </a:r>
+            <a:r>
+              <a:rPr lang="nl-BE" baseline="0" dirty="0" smtClean="0"/>
+              <a:t> van je </a:t>
+            </a:r>
+            <a:r>
+              <a:rPr lang="nl-BE" baseline="0" dirty="0" err="1" smtClean="0"/>
+              <a:t>observableArray</a:t>
+            </a:r>
+            <a:r>
+              <a:rPr lang="nl-BE" baseline="0" dirty="0" smtClean="0"/>
+              <a:t> zorgt ervoor dat de array </a:t>
+            </a:r>
+            <a:r>
+              <a:rPr lang="nl-BE" baseline="0" dirty="0" err="1" smtClean="0"/>
+              <a:t>prepopulated</a:t>
+            </a:r>
+            <a:r>
+              <a:rPr lang="nl-BE" baseline="0" dirty="0" smtClean="0"/>
+              <a:t> is (zo moet de DOM maar 1x geüpdatet worden (en niet bij elke toevoeging).</a:t>
+            </a:r>
+          </a:p>
+          <a:p>
+            <a:endParaRPr lang="nl-BE" baseline="0" dirty="0" smtClean="0"/>
+          </a:p>
+          <a:p>
+            <a:r>
+              <a:rPr lang="nl-BE" baseline="0" dirty="0" smtClean="0"/>
+              <a:t>Wil je updates op de elementen in de </a:t>
+            </a:r>
+            <a:r>
+              <a:rPr lang="nl-BE" baseline="0" dirty="0" err="1" smtClean="0"/>
+              <a:t>observableArray</a:t>
+            </a:r>
+            <a:r>
+              <a:rPr lang="nl-BE" baseline="0" dirty="0" smtClean="0"/>
+              <a:t> zien in de DOM, dan moet je ook </a:t>
+            </a:r>
+            <a:r>
+              <a:rPr lang="nl-BE" baseline="0" dirty="0" err="1" smtClean="0"/>
+              <a:t>observables</a:t>
+            </a:r>
+            <a:r>
+              <a:rPr lang="nl-BE" baseline="0" dirty="0" smtClean="0"/>
+              <a:t> gebruiken in die elementen.</a:t>
             </a:r>
             <a:endParaRPr lang="en-US" dirty="0"/>
           </a:p>
@@ -4930,7 +5012,7 @@
           <a:p>
             <a:fld id="{0DF56419-AC34-45D0-BAB8-5A4CB1E563BF}" type="slidenum">
               <a:rPr lang="en-US" smtClean="0"/>
-              <a:t>18</a:t>
+              <a:t>17</a:t>
             </a:fld>
             <a:endParaRPr lang="en-US"/>
           </a:p>
@@ -4939,7 +5021,7 @@
     </p:spTree>
     <p:extLst>
       <p:ext uri="{BB962C8B-B14F-4D97-AF65-F5344CB8AC3E}">
-        <p14:creationId xmlns:p14="http://schemas.microsoft.com/office/powerpoint/2010/main" val="1767491647"/>
+        <p14:creationId xmlns:p14="http://schemas.microsoft.com/office/powerpoint/2010/main" val="1276095060"/>
       </p:ext>
     </p:extLst>
   </p:cSld>
@@ -5197,7 +5279,7 @@
           <a:p>
             <a:fld id="{F3B17216-47DF-478C-B20B-BB0F0C651CF6}" type="datetimeFigureOut">
               <a:rPr lang="en-US" smtClean="0"/>
-              <a:t>2/12/2014</a:t>
+              <a:t>2/19/2014</a:t>
             </a:fld>
             <a:endParaRPr lang="en-US"/>
           </a:p>
@@ -5413,7 +5495,7 @@
           <a:p>
             <a:fld id="{F3B17216-47DF-478C-B20B-BB0F0C651CF6}" type="datetimeFigureOut">
               <a:rPr lang="en-US" smtClean="0"/>
-              <a:t>2/12/2014</a:t>
+              <a:t>2/19/2014</a:t>
             </a:fld>
             <a:endParaRPr lang="en-US"/>
           </a:p>
@@ -5629,7 +5711,7 @@
           <a:p>
             <a:fld id="{F17FA2EC-BE1A-4D1A-AECF-3D2BD5D9525B}" type="datetimeFigureOut">
               <a:rPr lang="en-US" smtClean="0"/>
-              <a:t>2/12/2014</a:t>
+              <a:t>2/19/2014</a:t>
             </a:fld>
             <a:endParaRPr lang="en-US"/>
           </a:p>
@@ -5799,7 +5881,7 @@
           <a:p>
             <a:fld id="{F17FA2EC-BE1A-4D1A-AECF-3D2BD5D9525B}" type="datetimeFigureOut">
               <a:rPr lang="en-US" smtClean="0"/>
-              <a:t>2/12/2014</a:t>
+              <a:t>2/19/2014</a:t>
             </a:fld>
             <a:endParaRPr lang="en-US"/>
           </a:p>
@@ -6045,7 +6127,7 @@
           <a:p>
             <a:fld id="{F17FA2EC-BE1A-4D1A-AECF-3D2BD5D9525B}" type="datetimeFigureOut">
               <a:rPr lang="en-US" smtClean="0"/>
-              <a:t>2/12/2014</a:t>
+              <a:t>2/19/2014</a:t>
             </a:fld>
             <a:endParaRPr lang="en-US"/>
           </a:p>
@@ -6277,7 +6359,7 @@
           <a:p>
             <a:fld id="{F17FA2EC-BE1A-4D1A-AECF-3D2BD5D9525B}" type="datetimeFigureOut">
               <a:rPr lang="en-US" smtClean="0"/>
-              <a:t>2/12/2014</a:t>
+              <a:t>2/19/2014</a:t>
             </a:fld>
             <a:endParaRPr lang="en-US"/>
           </a:p>
@@ -6644,7 +6726,7 @@
           <a:p>
             <a:fld id="{F17FA2EC-BE1A-4D1A-AECF-3D2BD5D9525B}" type="datetimeFigureOut">
               <a:rPr lang="en-US" smtClean="0"/>
-              <a:t>2/12/2014</a:t>
+              <a:t>2/19/2014</a:t>
             </a:fld>
             <a:endParaRPr lang="en-US"/>
           </a:p>
@@ -6762,7 +6844,7 @@
           <a:p>
             <a:fld id="{F17FA2EC-BE1A-4D1A-AECF-3D2BD5D9525B}" type="datetimeFigureOut">
               <a:rPr lang="en-US" smtClean="0"/>
-              <a:t>2/12/2014</a:t>
+              <a:t>2/19/2014</a:t>
             </a:fld>
             <a:endParaRPr lang="en-US"/>
           </a:p>
@@ -6857,7 +6939,7 @@
           <a:p>
             <a:fld id="{F17FA2EC-BE1A-4D1A-AECF-3D2BD5D9525B}" type="datetimeFigureOut">
               <a:rPr lang="en-US" smtClean="0"/>
-              <a:t>2/12/2014</a:t>
+              <a:t>2/19/2014</a:t>
             </a:fld>
             <a:endParaRPr lang="en-US"/>
           </a:p>
@@ -7134,7 +7216,7 @@
           <a:p>
             <a:fld id="{F17FA2EC-BE1A-4D1A-AECF-3D2BD5D9525B}" type="datetimeFigureOut">
               <a:rPr lang="en-US" smtClean="0"/>
-              <a:t>2/12/2014</a:t>
+              <a:t>2/19/2014</a:t>
             </a:fld>
             <a:endParaRPr lang="en-US"/>
           </a:p>
@@ -7316,7 +7398,7 @@
           <a:p>
             <a:fld id="{F3B17216-47DF-478C-B20B-BB0F0C651CF6}" type="datetimeFigureOut">
               <a:rPr lang="en-US" smtClean="0"/>
-              <a:t>2/12/2014</a:t>
+              <a:t>2/19/2014</a:t>
             </a:fld>
             <a:endParaRPr lang="en-US"/>
           </a:p>
@@ -7593,7 +7675,7 @@
           <a:p>
             <a:fld id="{F17FA2EC-BE1A-4D1A-AECF-3D2BD5D9525B}" type="datetimeFigureOut">
               <a:rPr lang="en-US" smtClean="0"/>
-              <a:t>2/12/2014</a:t>
+              <a:t>2/19/2014</a:t>
             </a:fld>
             <a:endParaRPr lang="en-US"/>
           </a:p>
@@ -7763,7 +7845,7 @@
           <a:p>
             <a:fld id="{F17FA2EC-BE1A-4D1A-AECF-3D2BD5D9525B}" type="datetimeFigureOut">
               <a:rPr lang="en-US" smtClean="0"/>
-              <a:t>2/12/2014</a:t>
+              <a:t>2/19/2014</a:t>
             </a:fld>
             <a:endParaRPr lang="en-US"/>
           </a:p>
@@ -7943,7 +8025,7 @@
           <a:p>
             <a:fld id="{F17FA2EC-BE1A-4D1A-AECF-3D2BD5D9525B}" type="datetimeFigureOut">
               <a:rPr lang="en-US" smtClean="0"/>
-              <a:t>2/12/2014</a:t>
+              <a:t>2/19/2014</a:t>
             </a:fld>
             <a:endParaRPr lang="en-US"/>
           </a:p>
@@ -8201,7 +8283,7 @@
           <a:p>
             <a:fld id="{F3B17216-47DF-478C-B20B-BB0F0C651CF6}" type="datetimeFigureOut">
               <a:rPr lang="en-US" smtClean="0"/>
-              <a:t>2/12/2014</a:t>
+              <a:t>2/19/2014</a:t>
             </a:fld>
             <a:endParaRPr lang="en-US"/>
           </a:p>
@@ -8469,7 +8551,7 @@
           <a:p>
             <a:fld id="{F3B17216-47DF-478C-B20B-BB0F0C651CF6}" type="datetimeFigureOut">
               <a:rPr lang="en-US" smtClean="0"/>
-              <a:t>2/12/2014</a:t>
+              <a:t>2/19/2014</a:t>
             </a:fld>
             <a:endParaRPr lang="en-US"/>
           </a:p>
@@ -8872,7 +8954,7 @@
           <a:p>
             <a:fld id="{F3B17216-47DF-478C-B20B-BB0F0C651CF6}" type="datetimeFigureOut">
               <a:rPr lang="en-US" smtClean="0"/>
-              <a:t>2/12/2014</a:t>
+              <a:t>2/19/2014</a:t>
             </a:fld>
             <a:endParaRPr lang="en-US"/>
           </a:p>
@@ -9026,7 +9108,7 @@
           <a:p>
             <a:fld id="{F3B17216-47DF-478C-B20B-BB0F0C651CF6}" type="datetimeFigureOut">
               <a:rPr lang="en-US" smtClean="0"/>
-              <a:t>2/12/2014</a:t>
+              <a:t>2/19/2014</a:t>
             </a:fld>
             <a:endParaRPr lang="en-US"/>
           </a:p>
@@ -9157,7 +9239,7 @@
           <a:p>
             <a:fld id="{F3B17216-47DF-478C-B20B-BB0F0C651CF6}" type="datetimeFigureOut">
               <a:rPr lang="en-US" smtClean="0"/>
-              <a:t>2/12/2014</a:t>
+              <a:t>2/19/2014</a:t>
             </a:fld>
             <a:endParaRPr lang="en-US"/>
           </a:p>
@@ -9470,7 +9552,7 @@
           <a:p>
             <a:fld id="{F3B17216-47DF-478C-B20B-BB0F0C651CF6}" type="datetimeFigureOut">
               <a:rPr lang="en-US" smtClean="0"/>
-              <a:t>2/12/2014</a:t>
+              <a:t>2/19/2014</a:t>
             </a:fld>
             <a:endParaRPr lang="en-US"/>
           </a:p>
@@ -9766,7 +9848,7 @@
           <a:p>
             <a:fld id="{F3B17216-47DF-478C-B20B-BB0F0C651CF6}" type="datetimeFigureOut">
               <a:rPr lang="en-US" smtClean="0"/>
-              <a:t>2/12/2014</a:t>
+              <a:t>2/19/2014</a:t>
             </a:fld>
             <a:endParaRPr lang="en-US"/>
           </a:p>
@@ -10642,7 +10724,7 @@
           <a:p>
             <a:fld id="{F17FA2EC-BE1A-4D1A-AECF-3D2BD5D9525B}" type="datetimeFigureOut">
               <a:rPr lang="en-US" smtClean="0"/>
-              <a:t>2/12/2014</a:t>
+              <a:t>2/19/2014</a:t>
             </a:fld>
             <a:endParaRPr lang="en-US"/>
           </a:p>
@@ -11206,6 +11288,13 @@
   <p:clrMapOvr>
     <a:masterClrMapping/>
   </p:clrMapOvr>
+  <p:timing>
+    <p:tnLst>
+      <p:par>
+        <p:cTn id="1" dur="indefinite" restart="never" nodeType="tmRoot"/>
+      </p:par>
+    </p:tnLst>
+  </p:timing>
 </p:sld>
 </file>
 
@@ -11864,9 +11953,448 @@
   <p:timing>
     <p:tnLst>
       <p:par>
-        <p:cTn id="1" dur="indefinite" restart="never" nodeType="tmRoot"/>
+        <p:cTn id="1" dur="indefinite" restart="never" nodeType="tmRoot">
+          <p:childTnLst>
+            <p:seq concurrent="1" nextAc="seek">
+              <p:cTn id="2" dur="indefinite" nodeType="mainSeq">
+                <p:childTnLst>
+                  <p:par>
+                    <p:cTn id="3" fill="hold">
+                      <p:stCondLst>
+                        <p:cond delay="indefinite"/>
+                      </p:stCondLst>
+                      <p:childTnLst>
+                        <p:par>
+                          <p:cTn id="4" fill="hold">
+                            <p:stCondLst>
+                              <p:cond delay="0"/>
+                            </p:stCondLst>
+                            <p:childTnLst>
+                              <p:par>
+                                <p:cTn id="5" presetID="10" presetClass="entr" presetSubtype="0" fill="hold" grpId="0" nodeType="clickEffect">
+                                  <p:stCondLst>
+                                    <p:cond delay="0"/>
+                                  </p:stCondLst>
+                                  <p:childTnLst>
+                                    <p:set>
+                                      <p:cBhvr>
+                                        <p:cTn id="6" dur="1" fill="hold">
+                                          <p:stCondLst>
+                                            <p:cond delay="0"/>
+                                          </p:stCondLst>
+                                        </p:cTn>
+                                        <p:tgtEl>
+                                          <p:spTgt spid="6"/>
+                                        </p:tgtEl>
+                                        <p:attrNameLst>
+                                          <p:attrName>style.visibility</p:attrName>
+                                        </p:attrNameLst>
+                                      </p:cBhvr>
+                                      <p:to>
+                                        <p:strVal val="visible"/>
+                                      </p:to>
+                                    </p:set>
+                                    <p:animEffect transition="in" filter="fade">
+                                      <p:cBhvr>
+                                        <p:cTn id="7" dur="500"/>
+                                        <p:tgtEl>
+                                          <p:spTgt spid="6"/>
+                                        </p:tgtEl>
+                                      </p:cBhvr>
+                                    </p:animEffect>
+                                  </p:childTnLst>
+                                </p:cTn>
+                              </p:par>
+                            </p:childTnLst>
+                          </p:cTn>
+                        </p:par>
+                      </p:childTnLst>
+                    </p:cTn>
+                  </p:par>
+                  <p:par>
+                    <p:cTn id="8" fill="hold">
+                      <p:stCondLst>
+                        <p:cond delay="indefinite"/>
+                      </p:stCondLst>
+                      <p:childTnLst>
+                        <p:par>
+                          <p:cTn id="9" fill="hold">
+                            <p:stCondLst>
+                              <p:cond delay="0"/>
+                            </p:stCondLst>
+                            <p:childTnLst>
+                              <p:par>
+                                <p:cTn id="10" presetID="10" presetClass="entr" presetSubtype="0" fill="hold" grpId="0" nodeType="clickEffect">
+                                  <p:stCondLst>
+                                    <p:cond delay="0"/>
+                                  </p:stCondLst>
+                                  <p:childTnLst>
+                                    <p:set>
+                                      <p:cBhvr>
+                                        <p:cTn id="11" dur="1" fill="hold">
+                                          <p:stCondLst>
+                                            <p:cond delay="0"/>
+                                          </p:stCondLst>
+                                        </p:cTn>
+                                        <p:tgtEl>
+                                          <p:spTgt spid="5"/>
+                                        </p:tgtEl>
+                                        <p:attrNameLst>
+                                          <p:attrName>style.visibility</p:attrName>
+                                        </p:attrNameLst>
+                                      </p:cBhvr>
+                                      <p:to>
+                                        <p:strVal val="visible"/>
+                                      </p:to>
+                                    </p:set>
+                                    <p:animEffect transition="in" filter="fade">
+                                      <p:cBhvr>
+                                        <p:cTn id="12" dur="500"/>
+                                        <p:tgtEl>
+                                          <p:spTgt spid="5"/>
+                                        </p:tgtEl>
+                                      </p:cBhvr>
+                                    </p:animEffect>
+                                  </p:childTnLst>
+                                </p:cTn>
+                              </p:par>
+                            </p:childTnLst>
+                          </p:cTn>
+                        </p:par>
+                      </p:childTnLst>
+                    </p:cTn>
+                  </p:par>
+                  <p:par>
+                    <p:cTn id="13" fill="hold">
+                      <p:stCondLst>
+                        <p:cond delay="indefinite"/>
+                      </p:stCondLst>
+                      <p:childTnLst>
+                        <p:par>
+                          <p:cTn id="14" fill="hold">
+                            <p:stCondLst>
+                              <p:cond delay="0"/>
+                            </p:stCondLst>
+                            <p:childTnLst>
+                              <p:par>
+                                <p:cTn id="15" presetID="10" presetClass="entr" presetSubtype="0" fill="hold" grpId="0" nodeType="clickEffect">
+                                  <p:stCondLst>
+                                    <p:cond delay="0"/>
+                                  </p:stCondLst>
+                                  <p:childTnLst>
+                                    <p:set>
+                                      <p:cBhvr>
+                                        <p:cTn id="16" dur="1" fill="hold">
+                                          <p:stCondLst>
+                                            <p:cond delay="0"/>
+                                          </p:stCondLst>
+                                        </p:cTn>
+                                        <p:tgtEl>
+                                          <p:spTgt spid="4"/>
+                                        </p:tgtEl>
+                                        <p:attrNameLst>
+                                          <p:attrName>style.visibility</p:attrName>
+                                        </p:attrNameLst>
+                                      </p:cBhvr>
+                                      <p:to>
+                                        <p:strVal val="visible"/>
+                                      </p:to>
+                                    </p:set>
+                                    <p:animEffect transition="in" filter="fade">
+                                      <p:cBhvr>
+                                        <p:cTn id="17" dur="500"/>
+                                        <p:tgtEl>
+                                          <p:spTgt spid="4"/>
+                                        </p:tgtEl>
+                                      </p:cBhvr>
+                                    </p:animEffect>
+                                  </p:childTnLst>
+                                </p:cTn>
+                              </p:par>
+                            </p:childTnLst>
+                          </p:cTn>
+                        </p:par>
+                      </p:childTnLst>
+                    </p:cTn>
+                  </p:par>
+                  <p:par>
+                    <p:cTn id="18" fill="hold">
+                      <p:stCondLst>
+                        <p:cond delay="indefinite"/>
+                      </p:stCondLst>
+                      <p:childTnLst>
+                        <p:par>
+                          <p:cTn id="19" fill="hold">
+                            <p:stCondLst>
+                              <p:cond delay="0"/>
+                            </p:stCondLst>
+                            <p:childTnLst>
+                              <p:par>
+                                <p:cTn id="20" presetID="10" presetClass="entr" presetSubtype="0" fill="hold" grpId="0" nodeType="clickEffect">
+                                  <p:stCondLst>
+                                    <p:cond delay="0"/>
+                                  </p:stCondLst>
+                                  <p:childTnLst>
+                                    <p:set>
+                                      <p:cBhvr>
+                                        <p:cTn id="21" dur="1" fill="hold">
+                                          <p:stCondLst>
+                                            <p:cond delay="0"/>
+                                          </p:stCondLst>
+                                        </p:cTn>
+                                        <p:tgtEl>
+                                          <p:spTgt spid="8"/>
+                                        </p:tgtEl>
+                                        <p:attrNameLst>
+                                          <p:attrName>style.visibility</p:attrName>
+                                        </p:attrNameLst>
+                                      </p:cBhvr>
+                                      <p:to>
+                                        <p:strVal val="visible"/>
+                                      </p:to>
+                                    </p:set>
+                                    <p:animEffect transition="in" filter="fade">
+                                      <p:cBhvr>
+                                        <p:cTn id="22" dur="500"/>
+                                        <p:tgtEl>
+                                          <p:spTgt spid="8"/>
+                                        </p:tgtEl>
+                                      </p:cBhvr>
+                                    </p:animEffect>
+                                  </p:childTnLst>
+                                </p:cTn>
+                              </p:par>
+                              <p:par>
+                                <p:cTn id="23" presetID="10" presetClass="entr" presetSubtype="0" fill="hold" grpId="0" nodeType="withEffect">
+                                  <p:stCondLst>
+                                    <p:cond delay="0"/>
+                                  </p:stCondLst>
+                                  <p:childTnLst>
+                                    <p:set>
+                                      <p:cBhvr>
+                                        <p:cTn id="24" dur="1" fill="hold">
+                                          <p:stCondLst>
+                                            <p:cond delay="0"/>
+                                          </p:stCondLst>
+                                        </p:cTn>
+                                        <p:tgtEl>
+                                          <p:spTgt spid="13"/>
+                                        </p:tgtEl>
+                                        <p:attrNameLst>
+                                          <p:attrName>style.visibility</p:attrName>
+                                        </p:attrNameLst>
+                                      </p:cBhvr>
+                                      <p:to>
+                                        <p:strVal val="visible"/>
+                                      </p:to>
+                                    </p:set>
+                                    <p:animEffect transition="in" filter="fade">
+                                      <p:cBhvr>
+                                        <p:cTn id="25" dur="500"/>
+                                        <p:tgtEl>
+                                          <p:spTgt spid="13"/>
+                                        </p:tgtEl>
+                                      </p:cBhvr>
+                                    </p:animEffect>
+                                  </p:childTnLst>
+                                </p:cTn>
+                              </p:par>
+                              <p:par>
+                                <p:cTn id="26" presetID="10" presetClass="entr" presetSubtype="0" fill="hold" grpId="0" nodeType="withEffect">
+                                  <p:stCondLst>
+                                    <p:cond delay="0"/>
+                                  </p:stCondLst>
+                                  <p:childTnLst>
+                                    <p:set>
+                                      <p:cBhvr>
+                                        <p:cTn id="27" dur="1" fill="hold">
+                                          <p:stCondLst>
+                                            <p:cond delay="0"/>
+                                          </p:stCondLst>
+                                        </p:cTn>
+                                        <p:tgtEl>
+                                          <p:spTgt spid="15"/>
+                                        </p:tgtEl>
+                                        <p:attrNameLst>
+                                          <p:attrName>style.visibility</p:attrName>
+                                        </p:attrNameLst>
+                                      </p:cBhvr>
+                                      <p:to>
+                                        <p:strVal val="visible"/>
+                                      </p:to>
+                                    </p:set>
+                                    <p:animEffect transition="in" filter="fade">
+                                      <p:cBhvr>
+                                        <p:cTn id="28" dur="500"/>
+                                        <p:tgtEl>
+                                          <p:spTgt spid="15"/>
+                                        </p:tgtEl>
+                                      </p:cBhvr>
+                                    </p:animEffect>
+                                  </p:childTnLst>
+                                </p:cTn>
+                              </p:par>
+                            </p:childTnLst>
+                          </p:cTn>
+                        </p:par>
+                      </p:childTnLst>
+                    </p:cTn>
+                  </p:par>
+                  <p:par>
+                    <p:cTn id="29" fill="hold">
+                      <p:stCondLst>
+                        <p:cond delay="indefinite"/>
+                      </p:stCondLst>
+                      <p:childTnLst>
+                        <p:par>
+                          <p:cTn id="30" fill="hold">
+                            <p:stCondLst>
+                              <p:cond delay="0"/>
+                            </p:stCondLst>
+                            <p:childTnLst>
+                              <p:par>
+                                <p:cTn id="31" presetID="10" presetClass="entr" presetSubtype="0" fill="hold" grpId="0" nodeType="clickEffect">
+                                  <p:stCondLst>
+                                    <p:cond delay="0"/>
+                                  </p:stCondLst>
+                                  <p:childTnLst>
+                                    <p:set>
+                                      <p:cBhvr>
+                                        <p:cTn id="32" dur="1" fill="hold">
+                                          <p:stCondLst>
+                                            <p:cond delay="0"/>
+                                          </p:stCondLst>
+                                        </p:cTn>
+                                        <p:tgtEl>
+                                          <p:spTgt spid="12"/>
+                                        </p:tgtEl>
+                                        <p:attrNameLst>
+                                          <p:attrName>style.visibility</p:attrName>
+                                        </p:attrNameLst>
+                                      </p:cBhvr>
+                                      <p:to>
+                                        <p:strVal val="visible"/>
+                                      </p:to>
+                                    </p:set>
+                                    <p:animEffect transition="in" filter="fade">
+                                      <p:cBhvr>
+                                        <p:cTn id="33" dur="500"/>
+                                        <p:tgtEl>
+                                          <p:spTgt spid="12"/>
+                                        </p:tgtEl>
+                                      </p:cBhvr>
+                                    </p:animEffect>
+                                  </p:childTnLst>
+                                </p:cTn>
+                              </p:par>
+                              <p:par>
+                                <p:cTn id="34" presetID="10" presetClass="entr" presetSubtype="0" fill="hold" grpId="0" nodeType="withEffect">
+                                  <p:stCondLst>
+                                    <p:cond delay="0"/>
+                                  </p:stCondLst>
+                                  <p:childTnLst>
+                                    <p:set>
+                                      <p:cBhvr>
+                                        <p:cTn id="35" dur="1" fill="hold">
+                                          <p:stCondLst>
+                                            <p:cond delay="0"/>
+                                          </p:stCondLst>
+                                        </p:cTn>
+                                        <p:tgtEl>
+                                          <p:spTgt spid="7"/>
+                                        </p:tgtEl>
+                                        <p:attrNameLst>
+                                          <p:attrName>style.visibility</p:attrName>
+                                        </p:attrNameLst>
+                                      </p:cBhvr>
+                                      <p:to>
+                                        <p:strVal val="visible"/>
+                                      </p:to>
+                                    </p:set>
+                                    <p:animEffect transition="in" filter="fade">
+                                      <p:cBhvr>
+                                        <p:cTn id="36" dur="500"/>
+                                        <p:tgtEl>
+                                          <p:spTgt spid="7"/>
+                                        </p:tgtEl>
+                                      </p:cBhvr>
+                                    </p:animEffect>
+                                  </p:childTnLst>
+                                </p:cTn>
+                              </p:par>
+                              <p:par>
+                                <p:cTn id="37" presetID="10" presetClass="entr" presetSubtype="0" fill="hold" grpId="0" nodeType="withEffect">
+                                  <p:stCondLst>
+                                    <p:cond delay="0"/>
+                                  </p:stCondLst>
+                                  <p:childTnLst>
+                                    <p:set>
+                                      <p:cBhvr>
+                                        <p:cTn id="38" dur="1" fill="hold">
+                                          <p:stCondLst>
+                                            <p:cond delay="0"/>
+                                          </p:stCondLst>
+                                        </p:cTn>
+                                        <p:tgtEl>
+                                          <p:spTgt spid="14"/>
+                                        </p:tgtEl>
+                                        <p:attrNameLst>
+                                          <p:attrName>style.visibility</p:attrName>
+                                        </p:attrNameLst>
+                                      </p:cBhvr>
+                                      <p:to>
+                                        <p:strVal val="visible"/>
+                                      </p:to>
+                                    </p:set>
+                                    <p:animEffect transition="in" filter="fade">
+                                      <p:cBhvr>
+                                        <p:cTn id="39" dur="500"/>
+                                        <p:tgtEl>
+                                          <p:spTgt spid="14"/>
+                                        </p:tgtEl>
+                                      </p:cBhvr>
+                                    </p:animEffect>
+                                  </p:childTnLst>
+                                </p:cTn>
+                              </p:par>
+                            </p:childTnLst>
+                          </p:cTn>
+                        </p:par>
+                      </p:childTnLst>
+                    </p:cTn>
+                  </p:par>
+                </p:childTnLst>
+              </p:cTn>
+              <p:prevCondLst>
+                <p:cond evt="onPrev" delay="0">
+                  <p:tgtEl>
+                    <p:sldTgt/>
+                  </p:tgtEl>
+                </p:cond>
+              </p:prevCondLst>
+              <p:nextCondLst>
+                <p:cond evt="onNext" delay="0">
+                  <p:tgtEl>
+                    <p:sldTgt/>
+                  </p:tgtEl>
+                </p:cond>
+              </p:nextCondLst>
+            </p:seq>
+          </p:childTnLst>
+        </p:cTn>
       </p:par>
     </p:tnLst>
+    <p:bldLst>
+      <p:bldP spid="4" grpId="0"/>
+      <p:bldP spid="5" grpId="0"/>
+      <p:bldP spid="6" grpId="0"/>
+      <p:bldP spid="7" grpId="0" animBg="1"/>
+      <p:bldP spid="8" grpId="0" animBg="1"/>
+      <p:bldP spid="12" grpId="0" animBg="1"/>
+      <p:bldP spid="13" grpId="0" animBg="1"/>
+      <p:bldP spid="14" grpId="0"/>
+      <p:bldP spid="15" grpId="0"/>
+    </p:bldLst>
   </p:timing>
 </p:sld>
 </file>
@@ -11956,13 +12484,16 @@
               <a:rPr lang="nl-BE" dirty="0" err="1" smtClean="0"/>
               <a:t>properties</a:t>
             </a:r>
+            <a:endParaRPr lang="nl-BE" dirty="0" smtClean="0"/>
+          </a:p>
+          <a:p>
             <a:endParaRPr lang="en-US" dirty="0"/>
           </a:p>
         </p:txBody>
       </p:sp>
       <p:pic>
         <p:nvPicPr>
-          <p:cNvPr id="7" name="Content Placeholder 3"/>
+          <p:cNvPr id="10" name="Content Placeholder 3"/>
           <p:cNvPicPr>
             <a:picLocks noChangeAspect="1"/>
           </p:cNvPicPr>
@@ -11986,7 +12517,7 @@
       </p:pic>
       <p:pic>
         <p:nvPicPr>
-          <p:cNvPr id="8" name="Picture 7"/>
+          <p:cNvPr id="11" name="Picture 10"/>
           <p:cNvPicPr>
             <a:picLocks noChangeAspect="1"/>
           </p:cNvPicPr>
@@ -12010,7 +12541,7 @@
       </p:pic>
       <p:pic>
         <p:nvPicPr>
-          <p:cNvPr id="9" name="Picture 8"/>
+          <p:cNvPr id="12" name="Picture 11"/>
           <p:cNvPicPr>
             <a:picLocks noChangeAspect="1"/>
           </p:cNvPicPr>
@@ -12045,9 +12576,359 @@
   <p:timing>
     <p:tnLst>
       <p:par>
-        <p:cTn id="1" dur="indefinite" restart="never" nodeType="tmRoot"/>
+        <p:cTn id="1" dur="indefinite" restart="never" nodeType="tmRoot">
+          <p:childTnLst>
+            <p:seq concurrent="1" nextAc="seek">
+              <p:cTn id="2" dur="indefinite" nodeType="mainSeq">
+                <p:childTnLst>
+                  <p:par>
+                    <p:cTn id="3" fill="hold">
+                      <p:stCondLst>
+                        <p:cond delay="indefinite"/>
+                      </p:stCondLst>
+                      <p:childTnLst>
+                        <p:par>
+                          <p:cTn id="4" fill="hold">
+                            <p:stCondLst>
+                              <p:cond delay="0"/>
+                            </p:stCondLst>
+                            <p:childTnLst>
+                              <p:par>
+                                <p:cTn id="5" presetID="10" presetClass="entr" presetSubtype="0" fill="hold" grpId="0" nodeType="clickEffect">
+                                  <p:stCondLst>
+                                    <p:cond delay="0"/>
+                                  </p:stCondLst>
+                                  <p:childTnLst>
+                                    <p:set>
+                                      <p:cBhvr>
+                                        <p:cTn id="6" dur="1" fill="hold">
+                                          <p:stCondLst>
+                                            <p:cond delay="0"/>
+                                          </p:stCondLst>
+                                        </p:cTn>
+                                        <p:tgtEl>
+                                          <p:spTgt spid="6">
+                                            <p:txEl>
+                                              <p:pRg st="0" end="0"/>
+                                            </p:txEl>
+                                          </p:spTgt>
+                                        </p:tgtEl>
+                                        <p:attrNameLst>
+                                          <p:attrName>style.visibility</p:attrName>
+                                        </p:attrNameLst>
+                                      </p:cBhvr>
+                                      <p:to>
+                                        <p:strVal val="visible"/>
+                                      </p:to>
+                                    </p:set>
+                                    <p:animEffect transition="in" filter="fade">
+                                      <p:cBhvr>
+                                        <p:cTn id="7" dur="500"/>
+                                        <p:tgtEl>
+                                          <p:spTgt spid="6">
+                                            <p:txEl>
+                                              <p:pRg st="0" end="0"/>
+                                            </p:txEl>
+                                          </p:spTgt>
+                                        </p:tgtEl>
+                                      </p:cBhvr>
+                                    </p:animEffect>
+                                  </p:childTnLst>
+                                </p:cTn>
+                              </p:par>
+                              <p:par>
+                                <p:cTn id="8" presetID="10" presetClass="entr" presetSubtype="0" fill="hold" nodeType="withEffect">
+                                  <p:stCondLst>
+                                    <p:cond delay="0"/>
+                                  </p:stCondLst>
+                                  <p:childTnLst>
+                                    <p:set>
+                                      <p:cBhvr>
+                                        <p:cTn id="9" dur="1" fill="hold">
+                                          <p:stCondLst>
+                                            <p:cond delay="0"/>
+                                          </p:stCondLst>
+                                        </p:cTn>
+                                        <p:tgtEl>
+                                          <p:spTgt spid="10"/>
+                                        </p:tgtEl>
+                                        <p:attrNameLst>
+                                          <p:attrName>style.visibility</p:attrName>
+                                        </p:attrNameLst>
+                                      </p:cBhvr>
+                                      <p:to>
+                                        <p:strVal val="visible"/>
+                                      </p:to>
+                                    </p:set>
+                                    <p:animEffect transition="in" filter="fade">
+                                      <p:cBhvr>
+                                        <p:cTn id="10" dur="500"/>
+                                        <p:tgtEl>
+                                          <p:spTgt spid="10"/>
+                                        </p:tgtEl>
+                                      </p:cBhvr>
+                                    </p:animEffect>
+                                  </p:childTnLst>
+                                </p:cTn>
+                              </p:par>
+                            </p:childTnLst>
+                          </p:cTn>
+                        </p:par>
+                      </p:childTnLst>
+                    </p:cTn>
+                  </p:par>
+                  <p:par>
+                    <p:cTn id="11" fill="hold">
+                      <p:stCondLst>
+                        <p:cond delay="indefinite"/>
+                      </p:stCondLst>
+                      <p:childTnLst>
+                        <p:par>
+                          <p:cTn id="12" fill="hold">
+                            <p:stCondLst>
+                              <p:cond delay="0"/>
+                            </p:stCondLst>
+                            <p:childTnLst>
+                              <p:par>
+                                <p:cTn id="13" presetID="10" presetClass="entr" presetSubtype="0" fill="hold" grpId="0" nodeType="clickEffect">
+                                  <p:stCondLst>
+                                    <p:cond delay="0"/>
+                                  </p:stCondLst>
+                                  <p:childTnLst>
+                                    <p:set>
+                                      <p:cBhvr>
+                                        <p:cTn id="14" dur="1" fill="hold">
+                                          <p:stCondLst>
+                                            <p:cond delay="0"/>
+                                          </p:stCondLst>
+                                        </p:cTn>
+                                        <p:tgtEl>
+                                          <p:spTgt spid="6">
+                                            <p:txEl>
+                                              <p:pRg st="2" end="2"/>
+                                            </p:txEl>
+                                          </p:spTgt>
+                                        </p:tgtEl>
+                                        <p:attrNameLst>
+                                          <p:attrName>style.visibility</p:attrName>
+                                        </p:attrNameLst>
+                                      </p:cBhvr>
+                                      <p:to>
+                                        <p:strVal val="visible"/>
+                                      </p:to>
+                                    </p:set>
+                                    <p:animEffect transition="in" filter="fade">
+                                      <p:cBhvr>
+                                        <p:cTn id="15" dur="500"/>
+                                        <p:tgtEl>
+                                          <p:spTgt spid="6">
+                                            <p:txEl>
+                                              <p:pRg st="2" end="2"/>
+                                            </p:txEl>
+                                          </p:spTgt>
+                                        </p:tgtEl>
+                                      </p:cBhvr>
+                                    </p:animEffect>
+                                  </p:childTnLst>
+                                </p:cTn>
+                              </p:par>
+                            </p:childTnLst>
+                          </p:cTn>
+                        </p:par>
+                      </p:childTnLst>
+                    </p:cTn>
+                  </p:par>
+                  <p:par>
+                    <p:cTn id="16" fill="hold">
+                      <p:stCondLst>
+                        <p:cond delay="indefinite"/>
+                      </p:stCondLst>
+                      <p:childTnLst>
+                        <p:par>
+                          <p:cTn id="17" fill="hold">
+                            <p:stCondLst>
+                              <p:cond delay="0"/>
+                            </p:stCondLst>
+                            <p:childTnLst>
+                              <p:par>
+                                <p:cTn id="18" presetID="10" presetClass="entr" presetSubtype="0" fill="hold" nodeType="clickEffect">
+                                  <p:stCondLst>
+                                    <p:cond delay="0"/>
+                                  </p:stCondLst>
+                                  <p:childTnLst>
+                                    <p:set>
+                                      <p:cBhvr>
+                                        <p:cTn id="19" dur="1" fill="hold">
+                                          <p:stCondLst>
+                                            <p:cond delay="0"/>
+                                          </p:stCondLst>
+                                        </p:cTn>
+                                        <p:tgtEl>
+                                          <p:spTgt spid="11"/>
+                                        </p:tgtEl>
+                                        <p:attrNameLst>
+                                          <p:attrName>style.visibility</p:attrName>
+                                        </p:attrNameLst>
+                                      </p:cBhvr>
+                                      <p:to>
+                                        <p:strVal val="visible"/>
+                                      </p:to>
+                                    </p:set>
+                                    <p:animEffect transition="in" filter="fade">
+                                      <p:cBhvr>
+                                        <p:cTn id="20" dur="500"/>
+                                        <p:tgtEl>
+                                          <p:spTgt spid="11"/>
+                                        </p:tgtEl>
+                                      </p:cBhvr>
+                                    </p:animEffect>
+                                  </p:childTnLst>
+                                </p:cTn>
+                              </p:par>
+                            </p:childTnLst>
+                          </p:cTn>
+                        </p:par>
+                      </p:childTnLst>
+                    </p:cTn>
+                  </p:par>
+                  <p:par>
+                    <p:cTn id="21" fill="hold">
+                      <p:stCondLst>
+                        <p:cond delay="indefinite"/>
+                      </p:stCondLst>
+                      <p:childTnLst>
+                        <p:par>
+                          <p:cTn id="22" fill="hold">
+                            <p:stCondLst>
+                              <p:cond delay="0"/>
+                            </p:stCondLst>
+                            <p:childTnLst>
+                              <p:par>
+                                <p:cTn id="23" presetID="10" presetClass="entr" presetSubtype="0" fill="hold" grpId="0" nodeType="clickEffect">
+                                  <p:stCondLst>
+                                    <p:cond delay="0"/>
+                                  </p:stCondLst>
+                                  <p:childTnLst>
+                                    <p:set>
+                                      <p:cBhvr>
+                                        <p:cTn id="24" dur="1" fill="hold">
+                                          <p:stCondLst>
+                                            <p:cond delay="0"/>
+                                          </p:stCondLst>
+                                        </p:cTn>
+                                        <p:tgtEl>
+                                          <p:spTgt spid="6">
+                                            <p:txEl>
+                                              <p:pRg st="4" end="4"/>
+                                            </p:txEl>
+                                          </p:spTgt>
+                                        </p:tgtEl>
+                                        <p:attrNameLst>
+                                          <p:attrName>style.visibility</p:attrName>
+                                        </p:attrNameLst>
+                                      </p:cBhvr>
+                                      <p:to>
+                                        <p:strVal val="visible"/>
+                                      </p:to>
+                                    </p:set>
+                                    <p:animEffect transition="in" filter="fade">
+                                      <p:cBhvr>
+                                        <p:cTn id="25" dur="500"/>
+                                        <p:tgtEl>
+                                          <p:spTgt spid="6">
+                                            <p:txEl>
+                                              <p:pRg st="4" end="4"/>
+                                            </p:txEl>
+                                          </p:spTgt>
+                                        </p:tgtEl>
+                                      </p:cBhvr>
+                                    </p:animEffect>
+                                  </p:childTnLst>
+                                </p:cTn>
+                              </p:par>
+                            </p:childTnLst>
+                          </p:cTn>
+                        </p:par>
+                      </p:childTnLst>
+                    </p:cTn>
+                  </p:par>
+                  <p:par>
+                    <p:cTn id="26" fill="hold">
+                      <p:stCondLst>
+                        <p:cond delay="indefinite"/>
+                      </p:stCondLst>
+                      <p:childTnLst>
+                        <p:par>
+                          <p:cTn id="27" fill="hold">
+                            <p:stCondLst>
+                              <p:cond delay="0"/>
+                            </p:stCondLst>
+                            <p:childTnLst>
+                              <p:par>
+                                <p:cTn id="28" presetID="10" presetClass="entr" presetSubtype="0" fill="hold" nodeType="clickEffect">
+                                  <p:stCondLst>
+                                    <p:cond delay="0"/>
+                                  </p:stCondLst>
+                                  <p:childTnLst>
+                                    <p:set>
+                                      <p:cBhvr>
+                                        <p:cTn id="29" dur="1" fill="hold">
+                                          <p:stCondLst>
+                                            <p:cond delay="0"/>
+                                          </p:stCondLst>
+                                        </p:cTn>
+                                        <p:tgtEl>
+                                          <p:spTgt spid="12"/>
+                                        </p:tgtEl>
+                                        <p:attrNameLst>
+                                          <p:attrName>style.visibility</p:attrName>
+                                        </p:attrNameLst>
+                                      </p:cBhvr>
+                                      <p:to>
+                                        <p:strVal val="visible"/>
+                                      </p:to>
+                                    </p:set>
+                                    <p:animEffect transition="in" filter="fade">
+                                      <p:cBhvr>
+                                        <p:cTn id="30" dur="500"/>
+                                        <p:tgtEl>
+                                          <p:spTgt spid="12"/>
+                                        </p:tgtEl>
+                                      </p:cBhvr>
+                                    </p:animEffect>
+                                  </p:childTnLst>
+                                </p:cTn>
+                              </p:par>
+                            </p:childTnLst>
+                          </p:cTn>
+                        </p:par>
+                      </p:childTnLst>
+                    </p:cTn>
+                  </p:par>
+                </p:childTnLst>
+              </p:cTn>
+              <p:prevCondLst>
+                <p:cond evt="onPrev" delay="0">
+                  <p:tgtEl>
+                    <p:sldTgt/>
+                  </p:tgtEl>
+                </p:cond>
+              </p:prevCondLst>
+              <p:nextCondLst>
+                <p:cond evt="onNext" delay="0">
+                  <p:tgtEl>
+                    <p:sldTgt/>
+                  </p:tgtEl>
+                </p:cond>
+              </p:nextCondLst>
+            </p:seq>
+          </p:childTnLst>
+        </p:cTn>
       </p:par>
     </p:tnLst>
+    <p:bldLst>
+      <p:bldP spid="6" grpId="0" uiExpand="1" build="p"/>
+    </p:bldLst>
   </p:timing>
 </p:sld>
 </file>
@@ -12148,7 +13029,7 @@
       </p:sp>
       <p:pic>
         <p:nvPicPr>
-          <p:cNvPr id="6" name="Content Placeholder 3"/>
+          <p:cNvPr id="7" name="Picture 6"/>
           <p:cNvPicPr>
             <a:picLocks noChangeAspect="1"/>
           </p:cNvPicPr>
@@ -12162,8 +13043,8 @@
         </p:blipFill>
         <p:spPr>
           <a:xfrm>
-            <a:off x="838200" y="1690688"/>
-            <a:ext cx="9525000" cy="1981200"/>
+            <a:off x="838200" y="4591050"/>
+            <a:ext cx="5305425" cy="666750"/>
           </a:xfrm>
           <a:prstGeom prst="rect">
             <a:avLst/>
@@ -12172,7 +13053,7 @@
       </p:pic>
       <p:pic>
         <p:nvPicPr>
-          <p:cNvPr id="7" name="Picture 6"/>
+          <p:cNvPr id="8" name="Content Placeholder 3"/>
           <p:cNvPicPr>
             <a:picLocks noChangeAspect="1"/>
           </p:cNvPicPr>
@@ -12186,8 +13067,8 @@
         </p:blipFill>
         <p:spPr>
           <a:xfrm>
-            <a:off x="838200" y="4591050"/>
-            <a:ext cx="5305425" cy="666750"/>
+            <a:off x="838200" y="1690688"/>
+            <a:ext cx="9525000" cy="1981200"/>
           </a:xfrm>
           <a:prstGeom prst="rect">
             <a:avLst/>
@@ -12207,9 +13088,202 @@
   <p:timing>
     <p:tnLst>
       <p:par>
-        <p:cTn id="1" dur="indefinite" restart="never" nodeType="tmRoot"/>
+        <p:cTn id="1" dur="indefinite" restart="never" nodeType="tmRoot">
+          <p:childTnLst>
+            <p:seq concurrent="1" nextAc="seek">
+              <p:cTn id="2" dur="indefinite" nodeType="mainSeq">
+                <p:childTnLst>
+                  <p:par>
+                    <p:cTn id="3" fill="hold">
+                      <p:stCondLst>
+                        <p:cond delay="indefinite"/>
+                      </p:stCondLst>
+                      <p:childTnLst>
+                        <p:par>
+                          <p:cTn id="4" fill="hold">
+                            <p:stCondLst>
+                              <p:cond delay="0"/>
+                            </p:stCondLst>
+                            <p:childTnLst>
+                              <p:par>
+                                <p:cTn id="5" presetID="10" presetClass="entr" presetSubtype="0" fill="hold" nodeType="clickEffect">
+                                  <p:stCondLst>
+                                    <p:cond delay="0"/>
+                                  </p:stCondLst>
+                                  <p:childTnLst>
+                                    <p:set>
+                                      <p:cBhvr>
+                                        <p:cTn id="6" dur="1" fill="hold">
+                                          <p:stCondLst>
+                                            <p:cond delay="0"/>
+                                          </p:stCondLst>
+                                        </p:cTn>
+                                        <p:tgtEl>
+                                          <p:spTgt spid="8"/>
+                                        </p:tgtEl>
+                                        <p:attrNameLst>
+                                          <p:attrName>style.visibility</p:attrName>
+                                        </p:attrNameLst>
+                                      </p:cBhvr>
+                                      <p:to>
+                                        <p:strVal val="visible"/>
+                                      </p:to>
+                                    </p:set>
+                                    <p:animEffect transition="in" filter="fade">
+                                      <p:cBhvr>
+                                        <p:cTn id="7" dur="500"/>
+                                        <p:tgtEl>
+                                          <p:spTgt spid="8"/>
+                                        </p:tgtEl>
+                                      </p:cBhvr>
+                                    </p:animEffect>
+                                  </p:childTnLst>
+                                </p:cTn>
+                              </p:par>
+                            </p:childTnLst>
+                          </p:cTn>
+                        </p:par>
+                      </p:childTnLst>
+                    </p:cTn>
+                  </p:par>
+                  <p:par>
+                    <p:cTn id="8" fill="hold">
+                      <p:stCondLst>
+                        <p:cond delay="indefinite"/>
+                      </p:stCondLst>
+                      <p:childTnLst>
+                        <p:par>
+                          <p:cTn id="9" fill="hold">
+                            <p:stCondLst>
+                              <p:cond delay="0"/>
+                            </p:stCondLst>
+                            <p:childTnLst>
+                              <p:par>
+                                <p:cTn id="10" presetID="10" presetClass="entr" presetSubtype="0" fill="hold" grpId="0" nodeType="clickEffect">
+                                  <p:stCondLst>
+                                    <p:cond delay="0"/>
+                                  </p:stCondLst>
+                                  <p:childTnLst>
+                                    <p:set>
+                                      <p:cBhvr>
+                                        <p:cTn id="11" dur="1" fill="hold">
+                                          <p:stCondLst>
+                                            <p:cond delay="0"/>
+                                          </p:stCondLst>
+                                        </p:cTn>
+                                        <p:tgtEl>
+                                          <p:spTgt spid="5">
+                                            <p:txEl>
+                                              <p:pRg st="4" end="4"/>
+                                            </p:txEl>
+                                          </p:spTgt>
+                                        </p:tgtEl>
+                                        <p:attrNameLst>
+                                          <p:attrName>style.visibility</p:attrName>
+                                        </p:attrNameLst>
+                                      </p:cBhvr>
+                                      <p:to>
+                                        <p:strVal val="visible"/>
+                                      </p:to>
+                                    </p:set>
+                                    <p:animEffect transition="in" filter="fade">
+                                      <p:cBhvr>
+                                        <p:cTn id="12" dur="500"/>
+                                        <p:tgtEl>
+                                          <p:spTgt spid="5">
+                                            <p:txEl>
+                                              <p:pRg st="4" end="4"/>
+                                            </p:txEl>
+                                          </p:spTgt>
+                                        </p:tgtEl>
+                                      </p:cBhvr>
+                                    </p:animEffect>
+                                  </p:childTnLst>
+                                </p:cTn>
+                              </p:par>
+                            </p:childTnLst>
+                          </p:cTn>
+                        </p:par>
+                      </p:childTnLst>
+                    </p:cTn>
+                  </p:par>
+                  <p:par>
+                    <p:cTn id="13" fill="hold">
+                      <p:stCondLst>
+                        <p:cond delay="indefinite"/>
+                      </p:stCondLst>
+                      <p:childTnLst>
+                        <p:par>
+                          <p:cTn id="14" fill="hold">
+                            <p:stCondLst>
+                              <p:cond delay="0"/>
+                            </p:stCondLst>
+                            <p:childTnLst>
+                              <p:par>
+                                <p:cTn id="15" presetID="10" presetClass="entr" presetSubtype="0" fill="hold" nodeType="clickEffect">
+                                  <p:stCondLst>
+                                    <p:cond delay="0"/>
+                                  </p:stCondLst>
+                                  <p:childTnLst>
+                                    <p:set>
+                                      <p:cBhvr>
+                                        <p:cTn id="16" dur="1" fill="hold">
+                                          <p:stCondLst>
+                                            <p:cond delay="0"/>
+                                          </p:stCondLst>
+                                        </p:cTn>
+                                        <p:tgtEl>
+                                          <p:spTgt spid="7"/>
+                                        </p:tgtEl>
+                                        <p:attrNameLst>
+                                          <p:attrName>style.visibility</p:attrName>
+                                        </p:attrNameLst>
+                                      </p:cBhvr>
+                                      <p:to>
+                                        <p:strVal val="visible"/>
+                                      </p:to>
+                                    </p:set>
+                                    <p:animEffect transition="in" filter="fade">
+                                      <p:cBhvr>
+                                        <p:cTn id="17" dur="500"/>
+                                        <p:tgtEl>
+                                          <p:spTgt spid="7"/>
+                                        </p:tgtEl>
+                                      </p:cBhvr>
+                                    </p:animEffect>
+                                  </p:childTnLst>
+                                </p:cTn>
+                              </p:par>
+                            </p:childTnLst>
+                          </p:cTn>
+                        </p:par>
+                      </p:childTnLst>
+                    </p:cTn>
+                  </p:par>
+                </p:childTnLst>
+              </p:cTn>
+              <p:prevCondLst>
+                <p:cond evt="onPrev" delay="0">
+                  <p:tgtEl>
+                    <p:sldTgt/>
+                  </p:tgtEl>
+                </p:cond>
+              </p:prevCondLst>
+              <p:nextCondLst>
+                <p:cond evt="onNext" delay="0">
+                  <p:tgtEl>
+                    <p:sldTgt/>
+                  </p:tgtEl>
+                </p:cond>
+              </p:nextCondLst>
+            </p:seq>
+          </p:childTnLst>
+        </p:cTn>
       </p:par>
     </p:tnLst>
+    <p:bldLst>
+      <p:bldP spid="5" grpId="0" build="p"/>
+    </p:bldLst>
   </p:timing>
 </p:sld>
 </file>
@@ -12351,9 +13425,184 @@
   <p:timing>
     <p:tnLst>
       <p:par>
-        <p:cTn id="1" dur="indefinite" restart="never" nodeType="tmRoot"/>
+        <p:cTn id="1" dur="indefinite" restart="never" nodeType="tmRoot">
+          <p:childTnLst>
+            <p:seq concurrent="1" nextAc="seek">
+              <p:cTn id="2" dur="indefinite" nodeType="mainSeq">
+                <p:childTnLst>
+                  <p:par>
+                    <p:cTn id="3" fill="hold">
+                      <p:stCondLst>
+                        <p:cond delay="indefinite"/>
+                      </p:stCondLst>
+                      <p:childTnLst>
+                        <p:par>
+                          <p:cTn id="4" fill="hold">
+                            <p:stCondLst>
+                              <p:cond delay="0"/>
+                            </p:stCondLst>
+                            <p:childTnLst>
+                              <p:par>
+                                <p:cTn id="5" presetID="10" presetClass="entr" presetSubtype="0" fill="hold" nodeType="clickEffect">
+                                  <p:stCondLst>
+                                    <p:cond delay="0"/>
+                                  </p:stCondLst>
+                                  <p:childTnLst>
+                                    <p:set>
+                                      <p:cBhvr>
+                                        <p:cTn id="6" dur="1" fill="hold">
+                                          <p:stCondLst>
+                                            <p:cond delay="0"/>
+                                          </p:stCondLst>
+                                        </p:cTn>
+                                        <p:tgtEl>
+                                          <p:spTgt spid="4"/>
+                                        </p:tgtEl>
+                                        <p:attrNameLst>
+                                          <p:attrName>style.visibility</p:attrName>
+                                        </p:attrNameLst>
+                                      </p:cBhvr>
+                                      <p:to>
+                                        <p:strVal val="visible"/>
+                                      </p:to>
+                                    </p:set>
+                                    <p:animEffect transition="in" filter="fade">
+                                      <p:cBhvr>
+                                        <p:cTn id="7" dur="500"/>
+                                        <p:tgtEl>
+                                          <p:spTgt spid="4"/>
+                                        </p:tgtEl>
+                                      </p:cBhvr>
+                                    </p:animEffect>
+                                  </p:childTnLst>
+                                </p:cTn>
+                              </p:par>
+                            </p:childTnLst>
+                          </p:cTn>
+                        </p:par>
+                      </p:childTnLst>
+                    </p:cTn>
+                  </p:par>
+                  <p:par>
+                    <p:cTn id="8" fill="hold">
+                      <p:stCondLst>
+                        <p:cond delay="indefinite"/>
+                      </p:stCondLst>
+                      <p:childTnLst>
+                        <p:par>
+                          <p:cTn id="9" fill="hold">
+                            <p:stCondLst>
+                              <p:cond delay="0"/>
+                            </p:stCondLst>
+                            <p:childTnLst>
+                              <p:par>
+                                <p:cTn id="10" presetID="10" presetClass="entr" presetSubtype="0" fill="hold" grpId="0" nodeType="clickEffect">
+                                  <p:stCondLst>
+                                    <p:cond delay="0"/>
+                                  </p:stCondLst>
+                                  <p:childTnLst>
+                                    <p:set>
+                                      <p:cBhvr>
+                                        <p:cTn id="11" dur="1" fill="hold">
+                                          <p:stCondLst>
+                                            <p:cond delay="0"/>
+                                          </p:stCondLst>
+                                        </p:cTn>
+                                        <p:tgtEl>
+                                          <p:spTgt spid="3">
+                                            <p:txEl>
+                                              <p:pRg st="1" end="1"/>
+                                            </p:txEl>
+                                          </p:spTgt>
+                                        </p:tgtEl>
+                                        <p:attrNameLst>
+                                          <p:attrName>style.visibility</p:attrName>
+                                        </p:attrNameLst>
+                                      </p:cBhvr>
+                                      <p:to>
+                                        <p:strVal val="visible"/>
+                                      </p:to>
+                                    </p:set>
+                                    <p:animEffect transition="in" filter="fade">
+                                      <p:cBhvr>
+                                        <p:cTn id="12" dur="500"/>
+                                        <p:tgtEl>
+                                          <p:spTgt spid="3">
+                                            <p:txEl>
+                                              <p:pRg st="1" end="1"/>
+                                            </p:txEl>
+                                          </p:spTgt>
+                                        </p:tgtEl>
+                                      </p:cBhvr>
+                                    </p:animEffect>
+                                  </p:childTnLst>
+                                </p:cTn>
+                              </p:par>
+                              <p:par>
+                                <p:cTn id="13" presetID="10" presetClass="entr" presetSubtype="0" fill="hold" nodeType="withEffect">
+                                  <p:stCondLst>
+                                    <p:cond delay="0"/>
+                                  </p:stCondLst>
+                                  <p:childTnLst>
+                                    <p:set>
+                                      <p:cBhvr>
+                                        <p:cTn id="14" dur="1" fill="hold">
+                                          <p:stCondLst>
+                                            <p:cond delay="0"/>
+                                          </p:stCondLst>
+                                        </p:cTn>
+                                        <p:tgtEl>
+                                          <p:spTgt spid="6"/>
+                                        </p:tgtEl>
+                                        <p:attrNameLst>
+                                          <p:attrName>style.visibility</p:attrName>
+                                        </p:attrNameLst>
+                                      </p:cBhvr>
+                                      <p:to>
+                                        <p:strVal val="visible"/>
+                                      </p:to>
+                                    </p:set>
+                                    <p:animEffect transition="in" filter="fade">
+                                      <p:cBhvr>
+                                        <p:cTn id="15" dur="500"/>
+                                        <p:tgtEl>
+                                          <p:spTgt spid="6"/>
+                                        </p:tgtEl>
+                                      </p:cBhvr>
+                                    </p:animEffect>
+                                  </p:childTnLst>
+                                </p:cTn>
+                              </p:par>
+                            </p:childTnLst>
+                          </p:cTn>
+                        </p:par>
+                      </p:childTnLst>
+                    </p:cTn>
+                  </p:par>
+                </p:childTnLst>
+              </p:cTn>
+              <p:prevCondLst>
+                <p:cond evt="onPrev" delay="0">
+                  <p:tgtEl>
+                    <p:sldTgt/>
+                  </p:tgtEl>
+                </p:cond>
+              </p:prevCondLst>
+              <p:nextCondLst>
+                <p:cond evt="onNext" delay="0">
+                  <p:tgtEl>
+                    <p:sldTgt/>
+                  </p:tgtEl>
+                </p:cond>
+              </p:nextCondLst>
+            </p:seq>
+          </p:childTnLst>
+        </p:cTn>
       </p:par>
     </p:tnLst>
+    <p:bldLst>
+      <p:bldP spid="3" grpId="0" build="p"/>
+    </p:bldLst>
   </p:timing>
 </p:sld>
 </file>
@@ -12502,13 +13751,11 @@
       </p:sp>
       <p:pic>
         <p:nvPicPr>
-          <p:cNvPr id="5" name="Content Placeholder 4"/>
+          <p:cNvPr id="6" name="Picture 5"/>
           <p:cNvPicPr>
-            <a:picLocks noGrp="1" noChangeAspect="1"/>
+            <a:picLocks noChangeAspect="1"/>
           </p:cNvPicPr>
-          <p:nvPr>
-            <p:ph idx="1"/>
-          </p:nvPr>
+          <p:nvPr/>
         </p:nvPicPr>
         <p:blipFill>
           <a:blip r:embed="rId3"/>
@@ -12518,17 +13765,36 @@
         </p:blipFill>
         <p:spPr>
           <a:xfrm>
-            <a:off x="838200" y="1690688"/>
-            <a:ext cx="8105775" cy="2324100"/>
+            <a:off x="838200" y="1825625"/>
+            <a:ext cx="8001000" cy="1952625"/>
           </a:xfrm>
           <a:prstGeom prst="rect">
             <a:avLst/>
           </a:prstGeom>
         </p:spPr>
       </p:pic>
+      <p:sp>
+        <p:nvSpPr>
+          <p:cNvPr id="3" name="Content Placeholder 2"/>
+          <p:cNvSpPr>
+            <a:spLocks noGrp="1"/>
+          </p:cNvSpPr>
+          <p:nvPr>
+            <p:ph idx="1"/>
+          </p:nvPr>
+        </p:nvSpPr>
+        <p:spPr/>
+        <p:txBody>
+          <a:bodyPr/>
+          <a:lstStyle/>
+          <a:p>
+            <a:endParaRPr lang="en-US" dirty="0"/>
+          </a:p>
+        </p:txBody>
+      </p:sp>
       <p:pic>
         <p:nvPicPr>
-          <p:cNvPr id="6" name="Picture 5"/>
+          <p:cNvPr id="7" name="Content Placeholder 4"/>
           <p:cNvPicPr>
             <a:picLocks noChangeAspect="1"/>
           </p:cNvPicPr>
@@ -12542,8 +13808,8 @@
         </p:blipFill>
         <p:spPr>
           <a:xfrm>
-            <a:off x="838200" y="4581290"/>
-            <a:ext cx="8001000" cy="1952625"/>
+            <a:off x="838200" y="4001294"/>
+            <a:ext cx="8105775" cy="2324100"/>
           </a:xfrm>
           <a:prstGeom prst="rect">
             <a:avLst/>
@@ -12563,7 +13829,136 @@
   <p:timing>
     <p:tnLst>
       <p:par>
-        <p:cTn id="1" dur="indefinite" restart="never" nodeType="tmRoot"/>
+        <p:cTn id="1" dur="indefinite" restart="never" nodeType="tmRoot">
+          <p:childTnLst>
+            <p:seq concurrent="1" nextAc="seek">
+              <p:cTn id="2" dur="indefinite" nodeType="mainSeq">
+                <p:childTnLst>
+                  <p:par>
+                    <p:cTn id="3" fill="hold">
+                      <p:stCondLst>
+                        <p:cond delay="indefinite"/>
+                      </p:stCondLst>
+                      <p:childTnLst>
+                        <p:par>
+                          <p:cTn id="4" fill="hold">
+                            <p:stCondLst>
+                              <p:cond delay="0"/>
+                            </p:stCondLst>
+                            <p:childTnLst>
+                              <p:par>
+                                <p:cTn id="5" presetID="10" presetClass="entr" presetSubtype="0" fill="hold" nodeType="clickEffect">
+                                  <p:stCondLst>
+                                    <p:cond delay="0"/>
+                                  </p:stCondLst>
+                                  <p:childTnLst>
+                                    <p:set>
+                                      <p:cBhvr>
+                                        <p:cTn id="6" dur="1" fill="hold">
+                                          <p:stCondLst>
+                                            <p:cond delay="0"/>
+                                          </p:stCondLst>
+                                        </p:cTn>
+                                        <p:tgtEl>
+                                          <p:spTgt spid="6"/>
+                                        </p:tgtEl>
+                                        <p:attrNameLst>
+                                          <p:attrName>style.visibility</p:attrName>
+                                        </p:attrNameLst>
+                                      </p:cBhvr>
+                                      <p:to>
+                                        <p:strVal val="visible"/>
+                                      </p:to>
+                                    </p:set>
+                                    <p:animEffect transition="in" filter="fade">
+                                      <p:cBhvr>
+                                        <p:cTn id="7" dur="500"/>
+                                        <p:tgtEl>
+                                          <p:spTgt spid="6"/>
+                                        </p:tgtEl>
+                                      </p:cBhvr>
+                                    </p:animEffect>
+                                  </p:childTnLst>
+                                </p:cTn>
+                              </p:par>
+                            </p:childTnLst>
+                          </p:cTn>
+                        </p:par>
+                      </p:childTnLst>
+                    </p:cTn>
+                  </p:par>
+                  <p:par>
+                    <p:cTn id="8" fill="hold">
+                      <p:stCondLst>
+                        <p:cond delay="indefinite"/>
+                      </p:stCondLst>
+                      <p:childTnLst>
+                        <p:par>
+                          <p:cTn id="9" fill="hold">
+                            <p:stCondLst>
+                              <p:cond delay="0"/>
+                            </p:stCondLst>
+                            <p:childTnLst>
+                              <p:par>
+                                <p:cTn id="10" presetID="10" presetClass="entr" presetSubtype="0" fill="hold" nodeType="clickEffect">
+                                  <p:stCondLst>
+                                    <p:cond delay="0"/>
+                                  </p:stCondLst>
+                                  <p:childTnLst>
+                                    <p:set>
+                                      <p:cBhvr>
+                                        <p:cTn id="11" dur="1" fill="hold">
+                                          <p:stCondLst>
+                                            <p:cond delay="0"/>
+                                          </p:stCondLst>
+                                        </p:cTn>
+                                        <p:tgtEl>
+                                          <p:spTgt spid="7"/>
+                                        </p:tgtEl>
+                                        <p:attrNameLst>
+                                          <p:attrName>style.visibility</p:attrName>
+                                        </p:attrNameLst>
+                                      </p:cBhvr>
+                                      <p:to>
+                                        <p:strVal val="visible"/>
+                                      </p:to>
+                                    </p:set>
+                                    <p:animEffect transition="in" filter="fade">
+                                      <p:cBhvr>
+                                        <p:cTn id="12" dur="500"/>
+                                        <p:tgtEl>
+                                          <p:spTgt spid="7"/>
+                                        </p:tgtEl>
+                                      </p:cBhvr>
+                                    </p:animEffect>
+                                  </p:childTnLst>
+                                </p:cTn>
+                              </p:par>
+                            </p:childTnLst>
+                          </p:cTn>
+                        </p:par>
+                      </p:childTnLst>
+                    </p:cTn>
+                  </p:par>
+                </p:childTnLst>
+              </p:cTn>
+              <p:prevCondLst>
+                <p:cond evt="onPrev" delay="0">
+                  <p:tgtEl>
+                    <p:sldTgt/>
+                  </p:tgtEl>
+                </p:cond>
+              </p:prevCondLst>
+              <p:nextCondLst>
+                <p:cond evt="onNext" delay="0">
+                  <p:tgtEl>
+                    <p:sldTgt/>
+                  </p:tgtEl>
+                </p:cond>
+              </p:nextCondLst>
+            </p:seq>
+          </p:childTnLst>
+        </p:cTn>
       </p:par>
     </p:tnLst>
   </p:timing>
@@ -12746,9 +14141,157 @@
   <p:timing>
     <p:tnLst>
       <p:par>
-        <p:cTn id="1" dur="indefinite" restart="never" nodeType="tmRoot"/>
+        <p:cTn id="1" dur="indefinite" restart="never" nodeType="tmRoot">
+          <p:childTnLst>
+            <p:seq concurrent="1" nextAc="seek">
+              <p:cTn id="2" dur="indefinite" nodeType="mainSeq">
+                <p:childTnLst>
+                  <p:par>
+                    <p:cTn id="3" fill="hold">
+                      <p:stCondLst>
+                        <p:cond delay="indefinite"/>
+                      </p:stCondLst>
+                      <p:childTnLst>
+                        <p:par>
+                          <p:cTn id="4" fill="hold">
+                            <p:stCondLst>
+                              <p:cond delay="0"/>
+                            </p:stCondLst>
+                            <p:childTnLst>
+                              <p:par>
+                                <p:cTn id="5" presetID="10" presetClass="entr" presetSubtype="0" fill="hold" grpId="0" nodeType="clickEffect">
+                                  <p:stCondLst>
+                                    <p:cond delay="0"/>
+                                  </p:stCondLst>
+                                  <p:childTnLst>
+                                    <p:set>
+                                      <p:cBhvr>
+                                        <p:cTn id="6" dur="1" fill="hold">
+                                          <p:stCondLst>
+                                            <p:cond delay="0"/>
+                                          </p:stCondLst>
+                                        </p:cTn>
+                                        <p:tgtEl>
+                                          <p:spTgt spid="3">
+                                            <p:txEl>
+                                              <p:pRg st="0" end="0"/>
+                                            </p:txEl>
+                                          </p:spTgt>
+                                        </p:tgtEl>
+                                        <p:attrNameLst>
+                                          <p:attrName>style.visibility</p:attrName>
+                                        </p:attrNameLst>
+                                      </p:cBhvr>
+                                      <p:to>
+                                        <p:strVal val="visible"/>
+                                      </p:to>
+                                    </p:set>
+                                    <p:animEffect transition="in" filter="fade">
+                                      <p:cBhvr>
+                                        <p:cTn id="7" dur="500"/>
+                                        <p:tgtEl>
+                                          <p:spTgt spid="3">
+                                            <p:txEl>
+                                              <p:pRg st="0" end="0"/>
+                                            </p:txEl>
+                                          </p:spTgt>
+                                        </p:tgtEl>
+                                      </p:cBhvr>
+                                    </p:animEffect>
+                                  </p:childTnLst>
+                                </p:cTn>
+                              </p:par>
+                            </p:childTnLst>
+                          </p:cTn>
+                        </p:par>
+                      </p:childTnLst>
+                    </p:cTn>
+                  </p:par>
+                  <p:par>
+                    <p:cTn id="8" fill="hold">
+                      <p:stCondLst>
+                        <p:cond delay="indefinite"/>
+                      </p:stCondLst>
+                      <p:childTnLst>
+                        <p:par>
+                          <p:cTn id="9" fill="hold">
+                            <p:stCondLst>
+                              <p:cond delay="0"/>
+                            </p:stCondLst>
+                            <p:childTnLst>
+                              <p:par>
+                                <p:cTn id="10" presetID="10" presetClass="entr" presetSubtype="0" fill="hold" grpId="0" nodeType="clickEffect">
+                                  <p:stCondLst>
+                                    <p:cond delay="0"/>
+                                  </p:stCondLst>
+                                  <p:childTnLst>
+                                    <p:set>
+                                      <p:cBhvr>
+                                        <p:cTn id="11" dur="1" fill="hold">
+                                          <p:stCondLst>
+                                            <p:cond delay="0"/>
+                                          </p:stCondLst>
+                                        </p:cTn>
+                                        <p:tgtEl>
+                                          <p:spTgt spid="3">
+                                            <p:txEl>
+                                              <p:pRg st="1" end="1"/>
+                                            </p:txEl>
+                                          </p:spTgt>
+                                        </p:tgtEl>
+                                        <p:attrNameLst>
+                                          <p:attrName>style.visibility</p:attrName>
+                                        </p:attrNameLst>
+                                      </p:cBhvr>
+                                      <p:to>
+                                        <p:strVal val="visible"/>
+                                      </p:to>
+                                    </p:set>
+                                    <p:animEffect transition="in" filter="fade">
+                                      <p:cBhvr>
+                                        <p:cTn id="12" dur="500"/>
+                                        <p:tgtEl>
+                                          <p:spTgt spid="3">
+                                            <p:txEl>
+                                              <p:pRg st="1" end="1"/>
+                                            </p:txEl>
+                                          </p:spTgt>
+                                        </p:tgtEl>
+                                      </p:cBhvr>
+                                    </p:animEffect>
+                                  </p:childTnLst>
+                                </p:cTn>
+                              </p:par>
+                            </p:childTnLst>
+                          </p:cTn>
+                        </p:par>
+                      </p:childTnLst>
+                    </p:cTn>
+                  </p:par>
+                </p:childTnLst>
+              </p:cTn>
+              <p:prevCondLst>
+                <p:cond evt="onPrev" delay="0">
+                  <p:tgtEl>
+                    <p:sldTgt/>
+                  </p:tgtEl>
+                </p:cond>
+              </p:prevCondLst>
+              <p:nextCondLst>
+                <p:cond evt="onNext" delay="0">
+                  <p:tgtEl>
+                    <p:sldTgt/>
+                  </p:tgtEl>
+                </p:cond>
+              </p:nextCondLst>
+            </p:seq>
+          </p:childTnLst>
+        </p:cTn>
       </p:par>
     </p:tnLst>
+    <p:bldLst>
+      <p:bldP spid="3" grpId="0" build="p"/>
+    </p:bldLst>
   </p:timing>
 </p:sld>
 </file>
@@ -13257,9 +14800,340 @@
   <p:timing>
     <p:tnLst>
       <p:par>
-        <p:cTn id="1" dur="indefinite" restart="never" nodeType="tmRoot"/>
+        <p:cTn id="1" dur="indefinite" restart="never" nodeType="tmRoot">
+          <p:childTnLst>
+            <p:seq concurrent="1" nextAc="seek">
+              <p:cTn id="2" dur="indefinite" nodeType="mainSeq">
+                <p:childTnLst>
+                  <p:par>
+                    <p:cTn id="3" fill="hold">
+                      <p:stCondLst>
+                        <p:cond delay="indefinite"/>
+                      </p:stCondLst>
+                      <p:childTnLst>
+                        <p:par>
+                          <p:cTn id="4" fill="hold">
+                            <p:stCondLst>
+                              <p:cond delay="0"/>
+                            </p:stCondLst>
+                            <p:childTnLst>
+                              <p:par>
+                                <p:cTn id="5" presetID="10" presetClass="entr" presetSubtype="0" fill="hold" grpId="0" nodeType="clickEffect">
+                                  <p:stCondLst>
+                                    <p:cond delay="0"/>
+                                  </p:stCondLst>
+                                  <p:childTnLst>
+                                    <p:set>
+                                      <p:cBhvr>
+                                        <p:cTn id="6" dur="1" fill="hold">
+                                          <p:stCondLst>
+                                            <p:cond delay="0"/>
+                                          </p:stCondLst>
+                                        </p:cTn>
+                                        <p:tgtEl>
+                                          <p:spTgt spid="3">
+                                            <p:txEl>
+                                              <p:pRg st="0" end="0"/>
+                                            </p:txEl>
+                                          </p:spTgt>
+                                        </p:tgtEl>
+                                        <p:attrNameLst>
+                                          <p:attrName>style.visibility</p:attrName>
+                                        </p:attrNameLst>
+                                      </p:cBhvr>
+                                      <p:to>
+                                        <p:strVal val="visible"/>
+                                      </p:to>
+                                    </p:set>
+                                    <p:animEffect transition="in" filter="fade">
+                                      <p:cBhvr>
+                                        <p:cTn id="7" dur="500"/>
+                                        <p:tgtEl>
+                                          <p:spTgt spid="3">
+                                            <p:txEl>
+                                              <p:pRg st="0" end="0"/>
+                                            </p:txEl>
+                                          </p:spTgt>
+                                        </p:tgtEl>
+                                      </p:cBhvr>
+                                    </p:animEffect>
+                                  </p:childTnLst>
+                                </p:cTn>
+                              </p:par>
+                            </p:childTnLst>
+                          </p:cTn>
+                        </p:par>
+                      </p:childTnLst>
+                    </p:cTn>
+                  </p:par>
+                  <p:par>
+                    <p:cTn id="8" fill="hold">
+                      <p:stCondLst>
+                        <p:cond delay="indefinite"/>
+                      </p:stCondLst>
+                      <p:childTnLst>
+                        <p:par>
+                          <p:cTn id="9" fill="hold">
+                            <p:stCondLst>
+                              <p:cond delay="0"/>
+                            </p:stCondLst>
+                            <p:childTnLst>
+                              <p:par>
+                                <p:cTn id="10" presetID="10" presetClass="entr" presetSubtype="0" fill="hold" grpId="0" nodeType="clickEffect">
+                                  <p:stCondLst>
+                                    <p:cond delay="0"/>
+                                  </p:stCondLst>
+                                  <p:childTnLst>
+                                    <p:set>
+                                      <p:cBhvr>
+                                        <p:cTn id="11" dur="1" fill="hold">
+                                          <p:stCondLst>
+                                            <p:cond delay="0"/>
+                                          </p:stCondLst>
+                                        </p:cTn>
+                                        <p:tgtEl>
+                                          <p:spTgt spid="3">
+                                            <p:txEl>
+                                              <p:pRg st="1" end="1"/>
+                                            </p:txEl>
+                                          </p:spTgt>
+                                        </p:tgtEl>
+                                        <p:attrNameLst>
+                                          <p:attrName>style.visibility</p:attrName>
+                                        </p:attrNameLst>
+                                      </p:cBhvr>
+                                      <p:to>
+                                        <p:strVal val="visible"/>
+                                      </p:to>
+                                    </p:set>
+                                    <p:animEffect transition="in" filter="fade">
+                                      <p:cBhvr>
+                                        <p:cTn id="12" dur="500"/>
+                                        <p:tgtEl>
+                                          <p:spTgt spid="3">
+                                            <p:txEl>
+                                              <p:pRg st="1" end="1"/>
+                                            </p:txEl>
+                                          </p:spTgt>
+                                        </p:tgtEl>
+                                      </p:cBhvr>
+                                    </p:animEffect>
+                                  </p:childTnLst>
+                                </p:cTn>
+                              </p:par>
+                            </p:childTnLst>
+                          </p:cTn>
+                        </p:par>
+                      </p:childTnLst>
+                    </p:cTn>
+                  </p:par>
+                  <p:par>
+                    <p:cTn id="13" fill="hold">
+                      <p:stCondLst>
+                        <p:cond delay="indefinite"/>
+                      </p:stCondLst>
+                      <p:childTnLst>
+                        <p:par>
+                          <p:cTn id="14" fill="hold">
+                            <p:stCondLst>
+                              <p:cond delay="0"/>
+                            </p:stCondLst>
+                            <p:childTnLst>
+                              <p:par>
+                                <p:cTn id="15" presetID="10" presetClass="entr" presetSubtype="0" fill="hold" grpId="0" nodeType="clickEffect">
+                                  <p:stCondLst>
+                                    <p:cond delay="0"/>
+                                  </p:stCondLst>
+                                  <p:childTnLst>
+                                    <p:set>
+                                      <p:cBhvr>
+                                        <p:cTn id="16" dur="1" fill="hold">
+                                          <p:stCondLst>
+                                            <p:cond delay="0"/>
+                                          </p:stCondLst>
+                                        </p:cTn>
+                                        <p:tgtEl>
+                                          <p:spTgt spid="3">
+                                            <p:txEl>
+                                              <p:pRg st="2" end="2"/>
+                                            </p:txEl>
+                                          </p:spTgt>
+                                        </p:tgtEl>
+                                        <p:attrNameLst>
+                                          <p:attrName>style.visibility</p:attrName>
+                                        </p:attrNameLst>
+                                      </p:cBhvr>
+                                      <p:to>
+                                        <p:strVal val="visible"/>
+                                      </p:to>
+                                    </p:set>
+                                    <p:animEffect transition="in" filter="fade">
+                                      <p:cBhvr>
+                                        <p:cTn id="17" dur="500"/>
+                                        <p:tgtEl>
+                                          <p:spTgt spid="3">
+                                            <p:txEl>
+                                              <p:pRg st="2" end="2"/>
+                                            </p:txEl>
+                                          </p:spTgt>
+                                        </p:tgtEl>
+                                      </p:cBhvr>
+                                    </p:animEffect>
+                                  </p:childTnLst>
+                                </p:cTn>
+                              </p:par>
+                            </p:childTnLst>
+                          </p:cTn>
+                        </p:par>
+                      </p:childTnLst>
+                    </p:cTn>
+                  </p:par>
+                  <p:par>
+                    <p:cTn id="18" fill="hold">
+                      <p:stCondLst>
+                        <p:cond delay="indefinite"/>
+                      </p:stCondLst>
+                      <p:childTnLst>
+                        <p:par>
+                          <p:cTn id="19" fill="hold">
+                            <p:stCondLst>
+                              <p:cond delay="0"/>
+                            </p:stCondLst>
+                            <p:childTnLst>
+                              <p:par>
+                                <p:cTn id="20" presetID="10" presetClass="entr" presetSubtype="0" fill="hold" grpId="0" nodeType="clickEffect">
+                                  <p:stCondLst>
+                                    <p:cond delay="0"/>
+                                  </p:stCondLst>
+                                  <p:childTnLst>
+                                    <p:set>
+                                      <p:cBhvr>
+                                        <p:cTn id="21" dur="1" fill="hold">
+                                          <p:stCondLst>
+                                            <p:cond delay="0"/>
+                                          </p:stCondLst>
+                                        </p:cTn>
+                                        <p:tgtEl>
+                                          <p:spTgt spid="3">
+                                            <p:txEl>
+                                              <p:pRg st="3" end="3"/>
+                                            </p:txEl>
+                                          </p:spTgt>
+                                        </p:tgtEl>
+                                        <p:attrNameLst>
+                                          <p:attrName>style.visibility</p:attrName>
+                                        </p:attrNameLst>
+                                      </p:cBhvr>
+                                      <p:to>
+                                        <p:strVal val="visible"/>
+                                      </p:to>
+                                    </p:set>
+                                    <p:animEffect transition="in" filter="fade">
+                                      <p:cBhvr>
+                                        <p:cTn id="22" dur="500"/>
+                                        <p:tgtEl>
+                                          <p:spTgt spid="3">
+                                            <p:txEl>
+                                              <p:pRg st="3" end="3"/>
+                                            </p:txEl>
+                                          </p:spTgt>
+                                        </p:tgtEl>
+                                      </p:cBhvr>
+                                    </p:animEffect>
+                                  </p:childTnLst>
+                                </p:cTn>
+                              </p:par>
+                            </p:childTnLst>
+                          </p:cTn>
+                        </p:par>
+                      </p:childTnLst>
+                    </p:cTn>
+                  </p:par>
+                  <p:par>
+                    <p:cTn id="23" fill="hold">
+                      <p:stCondLst>
+                        <p:cond delay="indefinite"/>
+                      </p:stCondLst>
+                      <p:childTnLst>
+                        <p:par>
+                          <p:cTn id="24" fill="hold">
+                            <p:stCondLst>
+                              <p:cond delay="0"/>
+                            </p:stCondLst>
+                            <p:childTnLst>
+                              <p:par>
+                                <p:cTn id="25" presetID="10" presetClass="entr" presetSubtype="0" fill="hold" grpId="0" nodeType="clickEffect">
+                                  <p:stCondLst>
+                                    <p:cond delay="0"/>
+                                  </p:stCondLst>
+                                  <p:childTnLst>
+                                    <p:set>
+                                      <p:cBhvr>
+                                        <p:cTn id="26" dur="1" fill="hold">
+                                          <p:stCondLst>
+                                            <p:cond delay="0"/>
+                                          </p:stCondLst>
+                                        </p:cTn>
+                                        <p:tgtEl>
+                                          <p:spTgt spid="3">
+                                            <p:txEl>
+                                              <p:pRg st="4" end="4"/>
+                                            </p:txEl>
+                                          </p:spTgt>
+                                        </p:tgtEl>
+                                        <p:attrNameLst>
+                                          <p:attrName>style.visibility</p:attrName>
+                                        </p:attrNameLst>
+                                      </p:cBhvr>
+                                      <p:to>
+                                        <p:strVal val="visible"/>
+                                      </p:to>
+                                    </p:set>
+                                    <p:animEffect transition="in" filter="fade">
+                                      <p:cBhvr>
+                                        <p:cTn id="27" dur="500"/>
+                                        <p:tgtEl>
+                                          <p:spTgt spid="3">
+                                            <p:txEl>
+                                              <p:pRg st="4" end="4"/>
+                                            </p:txEl>
+                                          </p:spTgt>
+                                        </p:tgtEl>
+                                      </p:cBhvr>
+                                    </p:animEffect>
+                                  </p:childTnLst>
+                                </p:cTn>
+                              </p:par>
+                            </p:childTnLst>
+                          </p:cTn>
+                        </p:par>
+                      </p:childTnLst>
+                    </p:cTn>
+                  </p:par>
+                </p:childTnLst>
+              </p:cTn>
+              <p:prevCondLst>
+                <p:cond evt="onPrev" delay="0">
+                  <p:tgtEl>
+                    <p:sldTgt/>
+                  </p:tgtEl>
+                </p:cond>
+              </p:prevCondLst>
+              <p:nextCondLst>
+                <p:cond evt="onNext" delay="0">
+                  <p:tgtEl>
+                    <p:sldTgt/>
+                  </p:tgtEl>
+                </p:cond>
+              </p:nextCondLst>
+            </p:seq>
+          </p:childTnLst>
+        </p:cTn>
       </p:par>
     </p:tnLst>
+    <p:bldLst>
+      <p:bldP spid="3" grpId="0" build="p"/>
+    </p:bldLst>
   </p:timing>
 </p:sld>
 </file>
@@ -13442,9 +15316,433 @@
   <p:timing>
     <p:tnLst>
       <p:par>
-        <p:cTn id="1" dur="indefinite" restart="never" nodeType="tmRoot"/>
+        <p:cTn id="1" dur="indefinite" restart="never" nodeType="tmRoot">
+          <p:childTnLst>
+            <p:seq concurrent="1" nextAc="seek">
+              <p:cTn id="2" dur="indefinite" nodeType="mainSeq">
+                <p:childTnLst>
+                  <p:par>
+                    <p:cTn id="3" fill="hold">
+                      <p:stCondLst>
+                        <p:cond delay="indefinite"/>
+                      </p:stCondLst>
+                      <p:childTnLst>
+                        <p:par>
+                          <p:cTn id="4" fill="hold">
+                            <p:stCondLst>
+                              <p:cond delay="0"/>
+                            </p:stCondLst>
+                            <p:childTnLst>
+                              <p:par>
+                                <p:cTn id="5" presetID="10" presetClass="entr" presetSubtype="0" fill="hold" grpId="0" nodeType="clickEffect">
+                                  <p:stCondLst>
+                                    <p:cond delay="0"/>
+                                  </p:stCondLst>
+                                  <p:childTnLst>
+                                    <p:set>
+                                      <p:cBhvr>
+                                        <p:cTn id="6" dur="1" fill="hold">
+                                          <p:stCondLst>
+                                            <p:cond delay="0"/>
+                                          </p:stCondLst>
+                                        </p:cTn>
+                                        <p:tgtEl>
+                                          <p:spTgt spid="3">
+                                            <p:txEl>
+                                              <p:pRg st="0" end="0"/>
+                                            </p:txEl>
+                                          </p:spTgt>
+                                        </p:tgtEl>
+                                        <p:attrNameLst>
+                                          <p:attrName>style.visibility</p:attrName>
+                                        </p:attrNameLst>
+                                      </p:cBhvr>
+                                      <p:to>
+                                        <p:strVal val="visible"/>
+                                      </p:to>
+                                    </p:set>
+                                    <p:animEffect transition="in" filter="fade">
+                                      <p:cBhvr>
+                                        <p:cTn id="7" dur="500"/>
+                                        <p:tgtEl>
+                                          <p:spTgt spid="3">
+                                            <p:txEl>
+                                              <p:pRg st="0" end="0"/>
+                                            </p:txEl>
+                                          </p:spTgt>
+                                        </p:tgtEl>
+                                      </p:cBhvr>
+                                    </p:animEffect>
+                                  </p:childTnLst>
+                                </p:cTn>
+                              </p:par>
+                            </p:childTnLst>
+                          </p:cTn>
+                        </p:par>
+                      </p:childTnLst>
+                    </p:cTn>
+                  </p:par>
+                  <p:par>
+                    <p:cTn id="8" fill="hold">
+                      <p:stCondLst>
+                        <p:cond delay="indefinite"/>
+                      </p:stCondLst>
+                      <p:childTnLst>
+                        <p:par>
+                          <p:cTn id="9" fill="hold">
+                            <p:stCondLst>
+                              <p:cond delay="0"/>
+                            </p:stCondLst>
+                            <p:childTnLst>
+                              <p:par>
+                                <p:cTn id="10" presetID="10" presetClass="entr" presetSubtype="0" fill="hold" grpId="0" nodeType="clickEffect">
+                                  <p:stCondLst>
+                                    <p:cond delay="0"/>
+                                  </p:stCondLst>
+                                  <p:childTnLst>
+                                    <p:set>
+                                      <p:cBhvr>
+                                        <p:cTn id="11" dur="1" fill="hold">
+                                          <p:stCondLst>
+                                            <p:cond delay="0"/>
+                                          </p:stCondLst>
+                                        </p:cTn>
+                                        <p:tgtEl>
+                                          <p:spTgt spid="3">
+                                            <p:txEl>
+                                              <p:pRg st="1" end="1"/>
+                                            </p:txEl>
+                                          </p:spTgt>
+                                        </p:tgtEl>
+                                        <p:attrNameLst>
+                                          <p:attrName>style.visibility</p:attrName>
+                                        </p:attrNameLst>
+                                      </p:cBhvr>
+                                      <p:to>
+                                        <p:strVal val="visible"/>
+                                      </p:to>
+                                    </p:set>
+                                    <p:animEffect transition="in" filter="fade">
+                                      <p:cBhvr>
+                                        <p:cTn id="12" dur="500"/>
+                                        <p:tgtEl>
+                                          <p:spTgt spid="3">
+                                            <p:txEl>
+                                              <p:pRg st="1" end="1"/>
+                                            </p:txEl>
+                                          </p:spTgt>
+                                        </p:tgtEl>
+                                      </p:cBhvr>
+                                    </p:animEffect>
+                                  </p:childTnLst>
+                                </p:cTn>
+                              </p:par>
+                            </p:childTnLst>
+                          </p:cTn>
+                        </p:par>
+                      </p:childTnLst>
+                    </p:cTn>
+                  </p:par>
+                  <p:par>
+                    <p:cTn id="13" fill="hold">
+                      <p:stCondLst>
+                        <p:cond delay="indefinite"/>
+                      </p:stCondLst>
+                      <p:childTnLst>
+                        <p:par>
+                          <p:cTn id="14" fill="hold">
+                            <p:stCondLst>
+                              <p:cond delay="0"/>
+                            </p:stCondLst>
+                            <p:childTnLst>
+                              <p:par>
+                                <p:cTn id="15" presetID="10" presetClass="entr" presetSubtype="0" fill="hold" grpId="0" nodeType="clickEffect">
+                                  <p:stCondLst>
+                                    <p:cond delay="0"/>
+                                  </p:stCondLst>
+                                  <p:childTnLst>
+                                    <p:set>
+                                      <p:cBhvr>
+                                        <p:cTn id="16" dur="1" fill="hold">
+                                          <p:stCondLst>
+                                            <p:cond delay="0"/>
+                                          </p:stCondLst>
+                                        </p:cTn>
+                                        <p:tgtEl>
+                                          <p:spTgt spid="3">
+                                            <p:txEl>
+                                              <p:pRg st="3" end="3"/>
+                                            </p:txEl>
+                                          </p:spTgt>
+                                        </p:tgtEl>
+                                        <p:attrNameLst>
+                                          <p:attrName>style.visibility</p:attrName>
+                                        </p:attrNameLst>
+                                      </p:cBhvr>
+                                      <p:to>
+                                        <p:strVal val="visible"/>
+                                      </p:to>
+                                    </p:set>
+                                    <p:animEffect transition="in" filter="fade">
+                                      <p:cBhvr>
+                                        <p:cTn id="17" dur="500"/>
+                                        <p:tgtEl>
+                                          <p:spTgt spid="3">
+                                            <p:txEl>
+                                              <p:pRg st="3" end="3"/>
+                                            </p:txEl>
+                                          </p:spTgt>
+                                        </p:tgtEl>
+                                      </p:cBhvr>
+                                    </p:animEffect>
+                                  </p:childTnLst>
+                                </p:cTn>
+                              </p:par>
+                              <p:par>
+                                <p:cTn id="18" presetID="10" presetClass="entr" presetSubtype="0" fill="hold" grpId="0" nodeType="withEffect">
+                                  <p:stCondLst>
+                                    <p:cond delay="0"/>
+                                  </p:stCondLst>
+                                  <p:childTnLst>
+                                    <p:set>
+                                      <p:cBhvr>
+                                        <p:cTn id="19" dur="1" fill="hold">
+                                          <p:stCondLst>
+                                            <p:cond delay="0"/>
+                                          </p:stCondLst>
+                                        </p:cTn>
+                                        <p:tgtEl>
+                                          <p:spTgt spid="3">
+                                            <p:txEl>
+                                              <p:pRg st="4" end="4"/>
+                                            </p:txEl>
+                                          </p:spTgt>
+                                        </p:tgtEl>
+                                        <p:attrNameLst>
+                                          <p:attrName>style.visibility</p:attrName>
+                                        </p:attrNameLst>
+                                      </p:cBhvr>
+                                      <p:to>
+                                        <p:strVal val="visible"/>
+                                      </p:to>
+                                    </p:set>
+                                    <p:animEffect transition="in" filter="fade">
+                                      <p:cBhvr>
+                                        <p:cTn id="20" dur="500"/>
+                                        <p:tgtEl>
+                                          <p:spTgt spid="3">
+                                            <p:txEl>
+                                              <p:pRg st="4" end="4"/>
+                                            </p:txEl>
+                                          </p:spTgt>
+                                        </p:tgtEl>
+                                      </p:cBhvr>
+                                    </p:animEffect>
+                                  </p:childTnLst>
+                                </p:cTn>
+                              </p:par>
+                              <p:par>
+                                <p:cTn id="21" presetID="10" presetClass="entr" presetSubtype="0" fill="hold" grpId="0" nodeType="withEffect">
+                                  <p:stCondLst>
+                                    <p:cond delay="0"/>
+                                  </p:stCondLst>
+                                  <p:childTnLst>
+                                    <p:set>
+                                      <p:cBhvr>
+                                        <p:cTn id="22" dur="1" fill="hold">
+                                          <p:stCondLst>
+                                            <p:cond delay="0"/>
+                                          </p:stCondLst>
+                                        </p:cTn>
+                                        <p:tgtEl>
+                                          <p:spTgt spid="3">
+                                            <p:txEl>
+                                              <p:pRg st="5" end="5"/>
+                                            </p:txEl>
+                                          </p:spTgt>
+                                        </p:tgtEl>
+                                        <p:attrNameLst>
+                                          <p:attrName>style.visibility</p:attrName>
+                                        </p:attrNameLst>
+                                      </p:cBhvr>
+                                      <p:to>
+                                        <p:strVal val="visible"/>
+                                      </p:to>
+                                    </p:set>
+                                    <p:animEffect transition="in" filter="fade">
+                                      <p:cBhvr>
+                                        <p:cTn id="23" dur="500"/>
+                                        <p:tgtEl>
+                                          <p:spTgt spid="3">
+                                            <p:txEl>
+                                              <p:pRg st="5" end="5"/>
+                                            </p:txEl>
+                                          </p:spTgt>
+                                        </p:tgtEl>
+                                      </p:cBhvr>
+                                    </p:animEffect>
+                                  </p:childTnLst>
+                                </p:cTn>
+                              </p:par>
+                              <p:par>
+                                <p:cTn id="24" presetID="10" presetClass="entr" presetSubtype="0" fill="hold" grpId="0" nodeType="withEffect">
+                                  <p:stCondLst>
+                                    <p:cond delay="0"/>
+                                  </p:stCondLst>
+                                  <p:childTnLst>
+                                    <p:set>
+                                      <p:cBhvr>
+                                        <p:cTn id="25" dur="1" fill="hold">
+                                          <p:stCondLst>
+                                            <p:cond delay="0"/>
+                                          </p:stCondLst>
+                                        </p:cTn>
+                                        <p:tgtEl>
+                                          <p:spTgt spid="3">
+                                            <p:txEl>
+                                              <p:pRg st="6" end="6"/>
+                                            </p:txEl>
+                                          </p:spTgt>
+                                        </p:tgtEl>
+                                        <p:attrNameLst>
+                                          <p:attrName>style.visibility</p:attrName>
+                                        </p:attrNameLst>
+                                      </p:cBhvr>
+                                      <p:to>
+                                        <p:strVal val="visible"/>
+                                      </p:to>
+                                    </p:set>
+                                    <p:animEffect transition="in" filter="fade">
+                                      <p:cBhvr>
+                                        <p:cTn id="26" dur="500"/>
+                                        <p:tgtEl>
+                                          <p:spTgt spid="3">
+                                            <p:txEl>
+                                              <p:pRg st="6" end="6"/>
+                                            </p:txEl>
+                                          </p:spTgt>
+                                        </p:tgtEl>
+                                      </p:cBhvr>
+                                    </p:animEffect>
+                                  </p:childTnLst>
+                                </p:cTn>
+                              </p:par>
+                              <p:par>
+                                <p:cTn id="27" presetID="10" presetClass="entr" presetSubtype="0" fill="hold" grpId="0" nodeType="withEffect">
+                                  <p:stCondLst>
+                                    <p:cond delay="0"/>
+                                  </p:stCondLst>
+                                  <p:childTnLst>
+                                    <p:set>
+                                      <p:cBhvr>
+                                        <p:cTn id="28" dur="1" fill="hold">
+                                          <p:stCondLst>
+                                            <p:cond delay="0"/>
+                                          </p:stCondLst>
+                                        </p:cTn>
+                                        <p:tgtEl>
+                                          <p:spTgt spid="3">
+                                            <p:txEl>
+                                              <p:pRg st="7" end="7"/>
+                                            </p:txEl>
+                                          </p:spTgt>
+                                        </p:tgtEl>
+                                        <p:attrNameLst>
+                                          <p:attrName>style.visibility</p:attrName>
+                                        </p:attrNameLst>
+                                      </p:cBhvr>
+                                      <p:to>
+                                        <p:strVal val="visible"/>
+                                      </p:to>
+                                    </p:set>
+                                    <p:animEffect transition="in" filter="fade">
+                                      <p:cBhvr>
+                                        <p:cTn id="29" dur="500"/>
+                                        <p:tgtEl>
+                                          <p:spTgt spid="3">
+                                            <p:txEl>
+                                              <p:pRg st="7" end="7"/>
+                                            </p:txEl>
+                                          </p:spTgt>
+                                        </p:tgtEl>
+                                      </p:cBhvr>
+                                    </p:animEffect>
+                                  </p:childTnLst>
+                                </p:cTn>
+                              </p:par>
+                              <p:par>
+                                <p:cTn id="30" presetID="10" presetClass="entr" presetSubtype="0" fill="hold" grpId="0" nodeType="withEffect">
+                                  <p:stCondLst>
+                                    <p:cond delay="0"/>
+                                  </p:stCondLst>
+                                  <p:childTnLst>
+                                    <p:set>
+                                      <p:cBhvr>
+                                        <p:cTn id="31" dur="1" fill="hold">
+                                          <p:stCondLst>
+                                            <p:cond delay="0"/>
+                                          </p:stCondLst>
+                                        </p:cTn>
+                                        <p:tgtEl>
+                                          <p:spTgt spid="3">
+                                            <p:txEl>
+                                              <p:pRg st="8" end="8"/>
+                                            </p:txEl>
+                                          </p:spTgt>
+                                        </p:tgtEl>
+                                        <p:attrNameLst>
+                                          <p:attrName>style.visibility</p:attrName>
+                                        </p:attrNameLst>
+                                      </p:cBhvr>
+                                      <p:to>
+                                        <p:strVal val="visible"/>
+                                      </p:to>
+                                    </p:set>
+                                    <p:animEffect transition="in" filter="fade">
+                                      <p:cBhvr>
+                                        <p:cTn id="32" dur="500"/>
+                                        <p:tgtEl>
+                                          <p:spTgt spid="3">
+                                            <p:txEl>
+                                              <p:pRg st="8" end="8"/>
+                                            </p:txEl>
+                                          </p:spTgt>
+                                        </p:tgtEl>
+                                      </p:cBhvr>
+                                    </p:animEffect>
+                                  </p:childTnLst>
+                                </p:cTn>
+                              </p:par>
+                            </p:childTnLst>
+                          </p:cTn>
+                        </p:par>
+                      </p:childTnLst>
+                    </p:cTn>
+                  </p:par>
+                </p:childTnLst>
+              </p:cTn>
+              <p:prevCondLst>
+                <p:cond evt="onPrev" delay="0">
+                  <p:tgtEl>
+                    <p:sldTgt/>
+                  </p:tgtEl>
+                </p:cond>
+              </p:prevCondLst>
+              <p:nextCondLst>
+                <p:cond evt="onNext" delay="0">
+                  <p:tgtEl>
+                    <p:sldTgt/>
+                  </p:tgtEl>
+                </p:cond>
+              </p:nextCondLst>
+            </p:seq>
+          </p:childTnLst>
+        </p:cTn>
       </p:par>
     </p:tnLst>
+    <p:bldLst>
+      <p:bldP spid="3" grpId="0" build="p"/>
+    </p:bldLst>
   </p:timing>
 </p:sld>
 </file>
@@ -13762,9 +16060,157 @@
   <p:timing>
     <p:tnLst>
       <p:par>
-        <p:cTn id="1" dur="indefinite" restart="never" nodeType="tmRoot"/>
+        <p:cTn id="1" dur="indefinite" restart="never" nodeType="tmRoot">
+          <p:childTnLst>
+            <p:seq concurrent="1" nextAc="seek">
+              <p:cTn id="2" dur="indefinite" nodeType="mainSeq">
+                <p:childTnLst>
+                  <p:par>
+                    <p:cTn id="3" fill="hold">
+                      <p:stCondLst>
+                        <p:cond delay="indefinite"/>
+                      </p:stCondLst>
+                      <p:childTnLst>
+                        <p:par>
+                          <p:cTn id="4" fill="hold">
+                            <p:stCondLst>
+                              <p:cond delay="0"/>
+                            </p:stCondLst>
+                            <p:childTnLst>
+                              <p:par>
+                                <p:cTn id="5" presetID="10" presetClass="entr" presetSubtype="0" fill="hold" grpId="0" nodeType="clickEffect">
+                                  <p:stCondLst>
+                                    <p:cond delay="0"/>
+                                  </p:stCondLst>
+                                  <p:childTnLst>
+                                    <p:set>
+                                      <p:cBhvr>
+                                        <p:cTn id="6" dur="1" fill="hold">
+                                          <p:stCondLst>
+                                            <p:cond delay="0"/>
+                                          </p:stCondLst>
+                                        </p:cTn>
+                                        <p:tgtEl>
+                                          <p:spTgt spid="3">
+                                            <p:txEl>
+                                              <p:pRg st="0" end="0"/>
+                                            </p:txEl>
+                                          </p:spTgt>
+                                        </p:tgtEl>
+                                        <p:attrNameLst>
+                                          <p:attrName>style.visibility</p:attrName>
+                                        </p:attrNameLst>
+                                      </p:cBhvr>
+                                      <p:to>
+                                        <p:strVal val="visible"/>
+                                      </p:to>
+                                    </p:set>
+                                    <p:animEffect transition="in" filter="fade">
+                                      <p:cBhvr>
+                                        <p:cTn id="7" dur="500"/>
+                                        <p:tgtEl>
+                                          <p:spTgt spid="3">
+                                            <p:txEl>
+                                              <p:pRg st="0" end="0"/>
+                                            </p:txEl>
+                                          </p:spTgt>
+                                        </p:tgtEl>
+                                      </p:cBhvr>
+                                    </p:animEffect>
+                                  </p:childTnLst>
+                                </p:cTn>
+                              </p:par>
+                            </p:childTnLst>
+                          </p:cTn>
+                        </p:par>
+                      </p:childTnLst>
+                    </p:cTn>
+                  </p:par>
+                  <p:par>
+                    <p:cTn id="8" fill="hold">
+                      <p:stCondLst>
+                        <p:cond delay="indefinite"/>
+                      </p:stCondLst>
+                      <p:childTnLst>
+                        <p:par>
+                          <p:cTn id="9" fill="hold">
+                            <p:stCondLst>
+                              <p:cond delay="0"/>
+                            </p:stCondLst>
+                            <p:childTnLst>
+                              <p:par>
+                                <p:cTn id="10" presetID="10" presetClass="entr" presetSubtype="0" fill="hold" grpId="0" nodeType="clickEffect">
+                                  <p:stCondLst>
+                                    <p:cond delay="0"/>
+                                  </p:stCondLst>
+                                  <p:childTnLst>
+                                    <p:set>
+                                      <p:cBhvr>
+                                        <p:cTn id="11" dur="1" fill="hold">
+                                          <p:stCondLst>
+                                            <p:cond delay="0"/>
+                                          </p:stCondLst>
+                                        </p:cTn>
+                                        <p:tgtEl>
+                                          <p:spTgt spid="3">
+                                            <p:txEl>
+                                              <p:pRg st="1" end="1"/>
+                                            </p:txEl>
+                                          </p:spTgt>
+                                        </p:tgtEl>
+                                        <p:attrNameLst>
+                                          <p:attrName>style.visibility</p:attrName>
+                                        </p:attrNameLst>
+                                      </p:cBhvr>
+                                      <p:to>
+                                        <p:strVal val="visible"/>
+                                      </p:to>
+                                    </p:set>
+                                    <p:animEffect transition="in" filter="fade">
+                                      <p:cBhvr>
+                                        <p:cTn id="12" dur="500"/>
+                                        <p:tgtEl>
+                                          <p:spTgt spid="3">
+                                            <p:txEl>
+                                              <p:pRg st="1" end="1"/>
+                                            </p:txEl>
+                                          </p:spTgt>
+                                        </p:tgtEl>
+                                      </p:cBhvr>
+                                    </p:animEffect>
+                                  </p:childTnLst>
+                                </p:cTn>
+                              </p:par>
+                            </p:childTnLst>
+                          </p:cTn>
+                        </p:par>
+                      </p:childTnLst>
+                    </p:cTn>
+                  </p:par>
+                </p:childTnLst>
+              </p:cTn>
+              <p:prevCondLst>
+                <p:cond evt="onPrev" delay="0">
+                  <p:tgtEl>
+                    <p:sldTgt/>
+                  </p:tgtEl>
+                </p:cond>
+              </p:prevCondLst>
+              <p:nextCondLst>
+                <p:cond evt="onNext" delay="0">
+                  <p:tgtEl>
+                    <p:sldTgt/>
+                  </p:tgtEl>
+                </p:cond>
+              </p:nextCondLst>
+            </p:seq>
+          </p:childTnLst>
+        </p:cTn>
       </p:par>
     </p:tnLst>
+    <p:bldLst>
+      <p:bldP spid="3" grpId="0" build="p"/>
+    </p:bldLst>
   </p:timing>
 </p:sld>
 </file>
@@ -13869,9 +16315,218 @@
   <p:timing>
     <p:tnLst>
       <p:par>
-        <p:cTn id="1" dur="indefinite" restart="never" nodeType="tmRoot"/>
+        <p:cTn id="1" dur="indefinite" restart="never" nodeType="tmRoot">
+          <p:childTnLst>
+            <p:seq concurrent="1" nextAc="seek">
+              <p:cTn id="2" dur="indefinite" nodeType="mainSeq">
+                <p:childTnLst>
+                  <p:par>
+                    <p:cTn id="3" fill="hold">
+                      <p:stCondLst>
+                        <p:cond delay="indefinite"/>
+                      </p:stCondLst>
+                      <p:childTnLst>
+                        <p:par>
+                          <p:cTn id="4" fill="hold">
+                            <p:stCondLst>
+                              <p:cond delay="0"/>
+                            </p:stCondLst>
+                            <p:childTnLst>
+                              <p:par>
+                                <p:cTn id="5" presetID="10" presetClass="entr" presetSubtype="0" fill="hold" grpId="0" nodeType="clickEffect">
+                                  <p:stCondLst>
+                                    <p:cond delay="0"/>
+                                  </p:stCondLst>
+                                  <p:childTnLst>
+                                    <p:set>
+                                      <p:cBhvr>
+                                        <p:cTn id="6" dur="1" fill="hold">
+                                          <p:stCondLst>
+                                            <p:cond delay="0"/>
+                                          </p:stCondLst>
+                                        </p:cTn>
+                                        <p:tgtEl>
+                                          <p:spTgt spid="3">
+                                            <p:txEl>
+                                              <p:pRg st="0" end="0"/>
+                                            </p:txEl>
+                                          </p:spTgt>
+                                        </p:tgtEl>
+                                        <p:attrNameLst>
+                                          <p:attrName>style.visibility</p:attrName>
+                                        </p:attrNameLst>
+                                      </p:cBhvr>
+                                      <p:to>
+                                        <p:strVal val="visible"/>
+                                      </p:to>
+                                    </p:set>
+                                    <p:animEffect transition="in" filter="fade">
+                                      <p:cBhvr>
+                                        <p:cTn id="7" dur="500"/>
+                                        <p:tgtEl>
+                                          <p:spTgt spid="3">
+                                            <p:txEl>
+                                              <p:pRg st="0" end="0"/>
+                                            </p:txEl>
+                                          </p:spTgt>
+                                        </p:tgtEl>
+                                      </p:cBhvr>
+                                    </p:animEffect>
+                                  </p:childTnLst>
+                                </p:cTn>
+                              </p:par>
+                            </p:childTnLst>
+                          </p:cTn>
+                        </p:par>
+                      </p:childTnLst>
+                    </p:cTn>
+                  </p:par>
+                  <p:par>
+                    <p:cTn id="8" fill="hold">
+                      <p:stCondLst>
+                        <p:cond delay="indefinite"/>
+                      </p:stCondLst>
+                      <p:childTnLst>
+                        <p:par>
+                          <p:cTn id="9" fill="hold">
+                            <p:stCondLst>
+                              <p:cond delay="0"/>
+                            </p:stCondLst>
+                            <p:childTnLst>
+                              <p:par>
+                                <p:cTn id="10" presetID="10" presetClass="entr" presetSubtype="0" fill="hold" grpId="0" nodeType="clickEffect">
+                                  <p:stCondLst>
+                                    <p:cond delay="0"/>
+                                  </p:stCondLst>
+                                  <p:childTnLst>
+                                    <p:set>
+                                      <p:cBhvr>
+                                        <p:cTn id="11" dur="1" fill="hold">
+                                          <p:stCondLst>
+                                            <p:cond delay="0"/>
+                                          </p:stCondLst>
+                                        </p:cTn>
+                                        <p:tgtEl>
+                                          <p:spTgt spid="3">
+                                            <p:txEl>
+                                              <p:pRg st="1" end="1"/>
+                                            </p:txEl>
+                                          </p:spTgt>
+                                        </p:tgtEl>
+                                        <p:attrNameLst>
+                                          <p:attrName>style.visibility</p:attrName>
+                                        </p:attrNameLst>
+                                      </p:cBhvr>
+                                      <p:to>
+                                        <p:strVal val="visible"/>
+                                      </p:to>
+                                    </p:set>
+                                    <p:animEffect transition="in" filter="fade">
+                                      <p:cBhvr>
+                                        <p:cTn id="12" dur="500"/>
+                                        <p:tgtEl>
+                                          <p:spTgt spid="3">
+                                            <p:txEl>
+                                              <p:pRg st="1" end="1"/>
+                                            </p:txEl>
+                                          </p:spTgt>
+                                        </p:tgtEl>
+                                      </p:cBhvr>
+                                    </p:animEffect>
+                                  </p:childTnLst>
+                                </p:cTn>
+                              </p:par>
+                            </p:childTnLst>
+                          </p:cTn>
+                        </p:par>
+                      </p:childTnLst>
+                    </p:cTn>
+                  </p:par>
+                  <p:par>
+                    <p:cTn id="13" fill="hold">
+                      <p:stCondLst>
+                        <p:cond delay="indefinite"/>
+                      </p:stCondLst>
+                      <p:childTnLst>
+                        <p:par>
+                          <p:cTn id="14" fill="hold">
+                            <p:stCondLst>
+                              <p:cond delay="0"/>
+                            </p:stCondLst>
+                            <p:childTnLst>
+                              <p:par>
+                                <p:cTn id="15" presetID="10" presetClass="entr" presetSubtype="0" fill="hold" grpId="0" nodeType="clickEffect">
+                                  <p:stCondLst>
+                                    <p:cond delay="0"/>
+                                  </p:stCondLst>
+                                  <p:childTnLst>
+                                    <p:set>
+                                      <p:cBhvr>
+                                        <p:cTn id="16" dur="1" fill="hold">
+                                          <p:stCondLst>
+                                            <p:cond delay="0"/>
+                                          </p:stCondLst>
+                                        </p:cTn>
+                                        <p:tgtEl>
+                                          <p:spTgt spid="3">
+                                            <p:txEl>
+                                              <p:pRg st="2" end="2"/>
+                                            </p:txEl>
+                                          </p:spTgt>
+                                        </p:tgtEl>
+                                        <p:attrNameLst>
+                                          <p:attrName>style.visibility</p:attrName>
+                                        </p:attrNameLst>
+                                      </p:cBhvr>
+                                      <p:to>
+                                        <p:strVal val="visible"/>
+                                      </p:to>
+                                    </p:set>
+                                    <p:animEffect transition="in" filter="fade">
+                                      <p:cBhvr>
+                                        <p:cTn id="17" dur="500"/>
+                                        <p:tgtEl>
+                                          <p:spTgt spid="3">
+                                            <p:txEl>
+                                              <p:pRg st="2" end="2"/>
+                                            </p:txEl>
+                                          </p:spTgt>
+                                        </p:tgtEl>
+                                      </p:cBhvr>
+                                    </p:animEffect>
+                                  </p:childTnLst>
+                                </p:cTn>
+                              </p:par>
+                            </p:childTnLst>
+                          </p:cTn>
+                        </p:par>
+                      </p:childTnLst>
+                    </p:cTn>
+                  </p:par>
+                </p:childTnLst>
+              </p:cTn>
+              <p:prevCondLst>
+                <p:cond evt="onPrev" delay="0">
+                  <p:tgtEl>
+                    <p:sldTgt/>
+                  </p:tgtEl>
+                </p:cond>
+              </p:prevCondLst>
+              <p:nextCondLst>
+                <p:cond evt="onNext" delay="0">
+                  <p:tgtEl>
+                    <p:sldTgt/>
+                  </p:tgtEl>
+                </p:cond>
+              </p:nextCondLst>
+            </p:seq>
+          </p:childTnLst>
+        </p:cTn>
       </p:par>
     </p:tnLst>
+    <p:bldLst>
+      <p:bldP spid="3" grpId="0" build="p"/>
+    </p:bldLst>
   </p:timing>
 </p:sld>
 </file>
@@ -14193,9 +16848,218 @@
   <p:timing>
     <p:tnLst>
       <p:par>
-        <p:cTn id="1" dur="indefinite" restart="never" nodeType="tmRoot"/>
+        <p:cTn id="1" dur="indefinite" restart="never" nodeType="tmRoot">
+          <p:childTnLst>
+            <p:seq concurrent="1" nextAc="seek">
+              <p:cTn id="2" dur="indefinite" nodeType="mainSeq">
+                <p:childTnLst>
+                  <p:par>
+                    <p:cTn id="3" fill="hold">
+                      <p:stCondLst>
+                        <p:cond delay="indefinite"/>
+                      </p:stCondLst>
+                      <p:childTnLst>
+                        <p:par>
+                          <p:cTn id="4" fill="hold">
+                            <p:stCondLst>
+                              <p:cond delay="0"/>
+                            </p:stCondLst>
+                            <p:childTnLst>
+                              <p:par>
+                                <p:cTn id="5" presetID="10" presetClass="entr" presetSubtype="0" fill="hold" grpId="0" nodeType="clickEffect">
+                                  <p:stCondLst>
+                                    <p:cond delay="0"/>
+                                  </p:stCondLst>
+                                  <p:childTnLst>
+                                    <p:set>
+                                      <p:cBhvr>
+                                        <p:cTn id="6" dur="1" fill="hold">
+                                          <p:stCondLst>
+                                            <p:cond delay="0"/>
+                                          </p:stCondLst>
+                                        </p:cTn>
+                                        <p:tgtEl>
+                                          <p:spTgt spid="3">
+                                            <p:txEl>
+                                              <p:pRg st="0" end="0"/>
+                                            </p:txEl>
+                                          </p:spTgt>
+                                        </p:tgtEl>
+                                        <p:attrNameLst>
+                                          <p:attrName>style.visibility</p:attrName>
+                                        </p:attrNameLst>
+                                      </p:cBhvr>
+                                      <p:to>
+                                        <p:strVal val="visible"/>
+                                      </p:to>
+                                    </p:set>
+                                    <p:animEffect transition="in" filter="fade">
+                                      <p:cBhvr>
+                                        <p:cTn id="7" dur="500"/>
+                                        <p:tgtEl>
+                                          <p:spTgt spid="3">
+                                            <p:txEl>
+                                              <p:pRg st="0" end="0"/>
+                                            </p:txEl>
+                                          </p:spTgt>
+                                        </p:tgtEl>
+                                      </p:cBhvr>
+                                    </p:animEffect>
+                                  </p:childTnLst>
+                                </p:cTn>
+                              </p:par>
+                            </p:childTnLst>
+                          </p:cTn>
+                        </p:par>
+                      </p:childTnLst>
+                    </p:cTn>
+                  </p:par>
+                  <p:par>
+                    <p:cTn id="8" fill="hold">
+                      <p:stCondLst>
+                        <p:cond delay="indefinite"/>
+                      </p:stCondLst>
+                      <p:childTnLst>
+                        <p:par>
+                          <p:cTn id="9" fill="hold">
+                            <p:stCondLst>
+                              <p:cond delay="0"/>
+                            </p:stCondLst>
+                            <p:childTnLst>
+                              <p:par>
+                                <p:cTn id="10" presetID="10" presetClass="entr" presetSubtype="0" fill="hold" grpId="0" nodeType="clickEffect">
+                                  <p:stCondLst>
+                                    <p:cond delay="0"/>
+                                  </p:stCondLst>
+                                  <p:childTnLst>
+                                    <p:set>
+                                      <p:cBhvr>
+                                        <p:cTn id="11" dur="1" fill="hold">
+                                          <p:stCondLst>
+                                            <p:cond delay="0"/>
+                                          </p:stCondLst>
+                                        </p:cTn>
+                                        <p:tgtEl>
+                                          <p:spTgt spid="3">
+                                            <p:txEl>
+                                              <p:pRg st="1" end="1"/>
+                                            </p:txEl>
+                                          </p:spTgt>
+                                        </p:tgtEl>
+                                        <p:attrNameLst>
+                                          <p:attrName>style.visibility</p:attrName>
+                                        </p:attrNameLst>
+                                      </p:cBhvr>
+                                      <p:to>
+                                        <p:strVal val="visible"/>
+                                      </p:to>
+                                    </p:set>
+                                    <p:animEffect transition="in" filter="fade">
+                                      <p:cBhvr>
+                                        <p:cTn id="12" dur="500"/>
+                                        <p:tgtEl>
+                                          <p:spTgt spid="3">
+                                            <p:txEl>
+                                              <p:pRg st="1" end="1"/>
+                                            </p:txEl>
+                                          </p:spTgt>
+                                        </p:tgtEl>
+                                      </p:cBhvr>
+                                    </p:animEffect>
+                                  </p:childTnLst>
+                                </p:cTn>
+                              </p:par>
+                            </p:childTnLst>
+                          </p:cTn>
+                        </p:par>
+                      </p:childTnLst>
+                    </p:cTn>
+                  </p:par>
+                  <p:par>
+                    <p:cTn id="13" fill="hold">
+                      <p:stCondLst>
+                        <p:cond delay="indefinite"/>
+                      </p:stCondLst>
+                      <p:childTnLst>
+                        <p:par>
+                          <p:cTn id="14" fill="hold">
+                            <p:stCondLst>
+                              <p:cond delay="0"/>
+                            </p:stCondLst>
+                            <p:childTnLst>
+                              <p:par>
+                                <p:cTn id="15" presetID="10" presetClass="entr" presetSubtype="0" fill="hold" grpId="0" nodeType="clickEffect">
+                                  <p:stCondLst>
+                                    <p:cond delay="0"/>
+                                  </p:stCondLst>
+                                  <p:childTnLst>
+                                    <p:set>
+                                      <p:cBhvr>
+                                        <p:cTn id="16" dur="1" fill="hold">
+                                          <p:stCondLst>
+                                            <p:cond delay="0"/>
+                                          </p:stCondLst>
+                                        </p:cTn>
+                                        <p:tgtEl>
+                                          <p:spTgt spid="3">
+                                            <p:txEl>
+                                              <p:pRg st="2" end="2"/>
+                                            </p:txEl>
+                                          </p:spTgt>
+                                        </p:tgtEl>
+                                        <p:attrNameLst>
+                                          <p:attrName>style.visibility</p:attrName>
+                                        </p:attrNameLst>
+                                      </p:cBhvr>
+                                      <p:to>
+                                        <p:strVal val="visible"/>
+                                      </p:to>
+                                    </p:set>
+                                    <p:animEffect transition="in" filter="fade">
+                                      <p:cBhvr>
+                                        <p:cTn id="17" dur="500"/>
+                                        <p:tgtEl>
+                                          <p:spTgt spid="3">
+                                            <p:txEl>
+                                              <p:pRg st="2" end="2"/>
+                                            </p:txEl>
+                                          </p:spTgt>
+                                        </p:tgtEl>
+                                      </p:cBhvr>
+                                    </p:animEffect>
+                                  </p:childTnLst>
+                                </p:cTn>
+                              </p:par>
+                            </p:childTnLst>
+                          </p:cTn>
+                        </p:par>
+                      </p:childTnLst>
+                    </p:cTn>
+                  </p:par>
+                </p:childTnLst>
+              </p:cTn>
+              <p:prevCondLst>
+                <p:cond evt="onPrev" delay="0">
+                  <p:tgtEl>
+                    <p:sldTgt/>
+                  </p:tgtEl>
+                </p:cond>
+              </p:prevCondLst>
+              <p:nextCondLst>
+                <p:cond evt="onNext" delay="0">
+                  <p:tgtEl>
+                    <p:sldTgt/>
+                  </p:tgtEl>
+                </p:cond>
+              </p:nextCondLst>
+            </p:seq>
+          </p:childTnLst>
+        </p:cTn>
       </p:par>
     </p:tnLst>
+    <p:bldLst>
+      <p:bldP spid="3" grpId="0" build="p"/>
+    </p:bldLst>
   </p:timing>
 </p:sld>
 </file>
@@ -14319,7 +17183,83 @@
   <p:timing>
     <p:tnLst>
       <p:par>
-        <p:cTn id="1" dur="indefinite" restart="never" nodeType="tmRoot"/>
+        <p:cTn id="1" dur="indefinite" restart="never" nodeType="tmRoot">
+          <p:childTnLst>
+            <p:seq concurrent="1" nextAc="seek">
+              <p:cTn id="2" dur="indefinite" nodeType="mainSeq">
+                <p:childTnLst>
+                  <p:par>
+                    <p:cTn id="3" fill="hold">
+                      <p:stCondLst>
+                        <p:cond delay="indefinite"/>
+                      </p:stCondLst>
+                      <p:childTnLst>
+                        <p:par>
+                          <p:cTn id="4" fill="hold">
+                            <p:stCondLst>
+                              <p:cond delay="0"/>
+                            </p:stCondLst>
+                            <p:childTnLst>
+                              <p:par>
+                                <p:cTn id="5" presetID="10" presetClass="entr" presetSubtype="0" fill="hold" nodeType="clickEffect">
+                                  <p:stCondLst>
+                                    <p:cond delay="0"/>
+                                  </p:stCondLst>
+                                  <p:childTnLst>
+                                    <p:set>
+                                      <p:cBhvr>
+                                        <p:cTn id="6" dur="1" fill="hold">
+                                          <p:stCondLst>
+                                            <p:cond delay="0"/>
+                                          </p:stCondLst>
+                                        </p:cTn>
+                                        <p:tgtEl>
+                                          <p:spTgt spid="10"/>
+                                        </p:tgtEl>
+                                        <p:attrNameLst>
+                                          <p:attrName>style.visibility</p:attrName>
+                                        </p:attrNameLst>
+                                      </p:cBhvr>
+                                      <p:to>
+                                        <p:strVal val="visible"/>
+                                      </p:to>
+                                    </p:set>
+                                    <p:animEffect transition="in" filter="fade">
+                                      <p:cBhvr>
+                                        <p:cTn id="7" dur="500"/>
+                                        <p:tgtEl>
+                                          <p:spTgt spid="10"/>
+                                        </p:tgtEl>
+                                      </p:cBhvr>
+                                    </p:animEffect>
+                                  </p:childTnLst>
+                                </p:cTn>
+                              </p:par>
+                            </p:childTnLst>
+                          </p:cTn>
+                        </p:par>
+                      </p:childTnLst>
+                    </p:cTn>
+                  </p:par>
+                </p:childTnLst>
+              </p:cTn>
+              <p:prevCondLst>
+                <p:cond evt="onPrev" delay="0">
+                  <p:tgtEl>
+                    <p:sldTgt/>
+                  </p:tgtEl>
+                </p:cond>
+              </p:prevCondLst>
+              <p:nextCondLst>
+                <p:cond evt="onNext" delay="0">
+                  <p:tgtEl>
+                    <p:sldTgt/>
+                  </p:tgtEl>
+                </p:cond>
+              </p:nextCondLst>
+            </p:seq>
+          </p:childTnLst>
+        </p:cTn>
       </p:par>
     </p:tnLst>
   </p:timing>
@@ -14540,9 +17480,401 @@
   <p:timing>
     <p:tnLst>
       <p:par>
-        <p:cTn id="1" dur="indefinite" restart="never" nodeType="tmRoot"/>
+        <p:cTn id="1" dur="indefinite" restart="never" nodeType="tmRoot">
+          <p:childTnLst>
+            <p:seq concurrent="1" nextAc="seek">
+              <p:cTn id="2" dur="indefinite" nodeType="mainSeq">
+                <p:childTnLst>
+                  <p:par>
+                    <p:cTn id="3" fill="hold">
+                      <p:stCondLst>
+                        <p:cond delay="indefinite"/>
+                      </p:stCondLst>
+                      <p:childTnLst>
+                        <p:par>
+                          <p:cTn id="4" fill="hold">
+                            <p:stCondLst>
+                              <p:cond delay="0"/>
+                            </p:stCondLst>
+                            <p:childTnLst>
+                              <p:par>
+                                <p:cTn id="5" presetID="10" presetClass="entr" presetSubtype="0" fill="hold" grpId="0" nodeType="clickEffect">
+                                  <p:stCondLst>
+                                    <p:cond delay="0"/>
+                                  </p:stCondLst>
+                                  <p:childTnLst>
+                                    <p:set>
+                                      <p:cBhvr>
+                                        <p:cTn id="6" dur="1" fill="hold">
+                                          <p:stCondLst>
+                                            <p:cond delay="0"/>
+                                          </p:stCondLst>
+                                        </p:cTn>
+                                        <p:tgtEl>
+                                          <p:spTgt spid="3">
+                                            <p:txEl>
+                                              <p:pRg st="0" end="0"/>
+                                            </p:txEl>
+                                          </p:spTgt>
+                                        </p:tgtEl>
+                                        <p:attrNameLst>
+                                          <p:attrName>style.visibility</p:attrName>
+                                        </p:attrNameLst>
+                                      </p:cBhvr>
+                                      <p:to>
+                                        <p:strVal val="visible"/>
+                                      </p:to>
+                                    </p:set>
+                                    <p:animEffect transition="in" filter="fade">
+                                      <p:cBhvr>
+                                        <p:cTn id="7" dur="500"/>
+                                        <p:tgtEl>
+                                          <p:spTgt spid="3">
+                                            <p:txEl>
+                                              <p:pRg st="0" end="0"/>
+                                            </p:txEl>
+                                          </p:spTgt>
+                                        </p:tgtEl>
+                                      </p:cBhvr>
+                                    </p:animEffect>
+                                  </p:childTnLst>
+                                </p:cTn>
+                              </p:par>
+                            </p:childTnLst>
+                          </p:cTn>
+                        </p:par>
+                      </p:childTnLst>
+                    </p:cTn>
+                  </p:par>
+                  <p:par>
+                    <p:cTn id="8" fill="hold">
+                      <p:stCondLst>
+                        <p:cond delay="indefinite"/>
+                      </p:stCondLst>
+                      <p:childTnLst>
+                        <p:par>
+                          <p:cTn id="9" fill="hold">
+                            <p:stCondLst>
+                              <p:cond delay="0"/>
+                            </p:stCondLst>
+                            <p:childTnLst>
+                              <p:par>
+                                <p:cTn id="10" presetID="10" presetClass="entr" presetSubtype="0" fill="hold" grpId="0" nodeType="clickEffect">
+                                  <p:stCondLst>
+                                    <p:cond delay="0"/>
+                                  </p:stCondLst>
+                                  <p:childTnLst>
+                                    <p:set>
+                                      <p:cBhvr>
+                                        <p:cTn id="11" dur="1" fill="hold">
+                                          <p:stCondLst>
+                                            <p:cond delay="0"/>
+                                          </p:stCondLst>
+                                        </p:cTn>
+                                        <p:tgtEl>
+                                          <p:spTgt spid="3">
+                                            <p:txEl>
+                                              <p:pRg st="1" end="1"/>
+                                            </p:txEl>
+                                          </p:spTgt>
+                                        </p:tgtEl>
+                                        <p:attrNameLst>
+                                          <p:attrName>style.visibility</p:attrName>
+                                        </p:attrNameLst>
+                                      </p:cBhvr>
+                                      <p:to>
+                                        <p:strVal val="visible"/>
+                                      </p:to>
+                                    </p:set>
+                                    <p:animEffect transition="in" filter="fade">
+                                      <p:cBhvr>
+                                        <p:cTn id="12" dur="500"/>
+                                        <p:tgtEl>
+                                          <p:spTgt spid="3">
+                                            <p:txEl>
+                                              <p:pRg st="1" end="1"/>
+                                            </p:txEl>
+                                          </p:spTgt>
+                                        </p:tgtEl>
+                                      </p:cBhvr>
+                                    </p:animEffect>
+                                  </p:childTnLst>
+                                </p:cTn>
+                              </p:par>
+                            </p:childTnLst>
+                          </p:cTn>
+                        </p:par>
+                      </p:childTnLst>
+                    </p:cTn>
+                  </p:par>
+                  <p:par>
+                    <p:cTn id="13" fill="hold">
+                      <p:stCondLst>
+                        <p:cond delay="indefinite"/>
+                      </p:stCondLst>
+                      <p:childTnLst>
+                        <p:par>
+                          <p:cTn id="14" fill="hold">
+                            <p:stCondLst>
+                              <p:cond delay="0"/>
+                            </p:stCondLst>
+                            <p:childTnLst>
+                              <p:par>
+                                <p:cTn id="15" presetID="10" presetClass="entr" presetSubtype="0" fill="hold" grpId="0" nodeType="clickEffect">
+                                  <p:stCondLst>
+                                    <p:cond delay="0"/>
+                                  </p:stCondLst>
+                                  <p:childTnLst>
+                                    <p:set>
+                                      <p:cBhvr>
+                                        <p:cTn id="16" dur="1" fill="hold">
+                                          <p:stCondLst>
+                                            <p:cond delay="0"/>
+                                          </p:stCondLst>
+                                        </p:cTn>
+                                        <p:tgtEl>
+                                          <p:spTgt spid="3">
+                                            <p:txEl>
+                                              <p:pRg st="2" end="2"/>
+                                            </p:txEl>
+                                          </p:spTgt>
+                                        </p:tgtEl>
+                                        <p:attrNameLst>
+                                          <p:attrName>style.visibility</p:attrName>
+                                        </p:attrNameLst>
+                                      </p:cBhvr>
+                                      <p:to>
+                                        <p:strVal val="visible"/>
+                                      </p:to>
+                                    </p:set>
+                                    <p:animEffect transition="in" filter="fade">
+                                      <p:cBhvr>
+                                        <p:cTn id="17" dur="500"/>
+                                        <p:tgtEl>
+                                          <p:spTgt spid="3">
+                                            <p:txEl>
+                                              <p:pRg st="2" end="2"/>
+                                            </p:txEl>
+                                          </p:spTgt>
+                                        </p:tgtEl>
+                                      </p:cBhvr>
+                                    </p:animEffect>
+                                  </p:childTnLst>
+                                </p:cTn>
+                              </p:par>
+                            </p:childTnLst>
+                          </p:cTn>
+                        </p:par>
+                      </p:childTnLst>
+                    </p:cTn>
+                  </p:par>
+                  <p:par>
+                    <p:cTn id="18" fill="hold">
+                      <p:stCondLst>
+                        <p:cond delay="indefinite"/>
+                      </p:stCondLst>
+                      <p:childTnLst>
+                        <p:par>
+                          <p:cTn id="19" fill="hold">
+                            <p:stCondLst>
+                              <p:cond delay="0"/>
+                            </p:stCondLst>
+                            <p:childTnLst>
+                              <p:par>
+                                <p:cTn id="20" presetID="10" presetClass="entr" presetSubtype="0" fill="hold" grpId="0" nodeType="clickEffect">
+                                  <p:stCondLst>
+                                    <p:cond delay="0"/>
+                                  </p:stCondLst>
+                                  <p:childTnLst>
+                                    <p:set>
+                                      <p:cBhvr>
+                                        <p:cTn id="21" dur="1" fill="hold">
+                                          <p:stCondLst>
+                                            <p:cond delay="0"/>
+                                          </p:stCondLst>
+                                        </p:cTn>
+                                        <p:tgtEl>
+                                          <p:spTgt spid="3">
+                                            <p:txEl>
+                                              <p:pRg st="3" end="3"/>
+                                            </p:txEl>
+                                          </p:spTgt>
+                                        </p:tgtEl>
+                                        <p:attrNameLst>
+                                          <p:attrName>style.visibility</p:attrName>
+                                        </p:attrNameLst>
+                                      </p:cBhvr>
+                                      <p:to>
+                                        <p:strVal val="visible"/>
+                                      </p:to>
+                                    </p:set>
+                                    <p:animEffect transition="in" filter="fade">
+                                      <p:cBhvr>
+                                        <p:cTn id="22" dur="500"/>
+                                        <p:tgtEl>
+                                          <p:spTgt spid="3">
+                                            <p:txEl>
+                                              <p:pRg st="3" end="3"/>
+                                            </p:txEl>
+                                          </p:spTgt>
+                                        </p:tgtEl>
+                                      </p:cBhvr>
+                                    </p:animEffect>
+                                  </p:childTnLst>
+                                </p:cTn>
+                              </p:par>
+                            </p:childTnLst>
+                          </p:cTn>
+                        </p:par>
+                      </p:childTnLst>
+                    </p:cTn>
+                  </p:par>
+                  <p:par>
+                    <p:cTn id="23" fill="hold">
+                      <p:stCondLst>
+                        <p:cond delay="indefinite"/>
+                      </p:stCondLst>
+                      <p:childTnLst>
+                        <p:par>
+                          <p:cTn id="24" fill="hold">
+                            <p:stCondLst>
+                              <p:cond delay="0"/>
+                            </p:stCondLst>
+                            <p:childTnLst>
+                              <p:par>
+                                <p:cTn id="25" presetID="10" presetClass="entr" presetSubtype="0" fill="hold" grpId="0" nodeType="clickEffect">
+                                  <p:stCondLst>
+                                    <p:cond delay="0"/>
+                                  </p:stCondLst>
+                                  <p:childTnLst>
+                                    <p:set>
+                                      <p:cBhvr>
+                                        <p:cTn id="26" dur="1" fill="hold">
+                                          <p:stCondLst>
+                                            <p:cond delay="0"/>
+                                          </p:stCondLst>
+                                        </p:cTn>
+                                        <p:tgtEl>
+                                          <p:spTgt spid="3">
+                                            <p:txEl>
+                                              <p:pRg st="4" end="4"/>
+                                            </p:txEl>
+                                          </p:spTgt>
+                                        </p:tgtEl>
+                                        <p:attrNameLst>
+                                          <p:attrName>style.visibility</p:attrName>
+                                        </p:attrNameLst>
+                                      </p:cBhvr>
+                                      <p:to>
+                                        <p:strVal val="visible"/>
+                                      </p:to>
+                                    </p:set>
+                                    <p:animEffect transition="in" filter="fade">
+                                      <p:cBhvr>
+                                        <p:cTn id="27" dur="500"/>
+                                        <p:tgtEl>
+                                          <p:spTgt spid="3">
+                                            <p:txEl>
+                                              <p:pRg st="4" end="4"/>
+                                            </p:txEl>
+                                          </p:spTgt>
+                                        </p:tgtEl>
+                                      </p:cBhvr>
+                                    </p:animEffect>
+                                  </p:childTnLst>
+                                </p:cTn>
+                              </p:par>
+                            </p:childTnLst>
+                          </p:cTn>
+                        </p:par>
+                      </p:childTnLst>
+                    </p:cTn>
+                  </p:par>
+                  <p:par>
+                    <p:cTn id="28" fill="hold">
+                      <p:stCondLst>
+                        <p:cond delay="indefinite"/>
+                      </p:stCondLst>
+                      <p:childTnLst>
+                        <p:par>
+                          <p:cTn id="29" fill="hold">
+                            <p:stCondLst>
+                              <p:cond delay="0"/>
+                            </p:stCondLst>
+                            <p:childTnLst>
+                              <p:par>
+                                <p:cTn id="30" presetID="10" presetClass="entr" presetSubtype="0" fill="hold" grpId="0" nodeType="clickEffect">
+                                  <p:stCondLst>
+                                    <p:cond delay="0"/>
+                                  </p:stCondLst>
+                                  <p:childTnLst>
+                                    <p:set>
+                                      <p:cBhvr>
+                                        <p:cTn id="31" dur="1" fill="hold">
+                                          <p:stCondLst>
+                                            <p:cond delay="0"/>
+                                          </p:stCondLst>
+                                        </p:cTn>
+                                        <p:tgtEl>
+                                          <p:spTgt spid="3">
+                                            <p:txEl>
+                                              <p:pRg st="5" end="5"/>
+                                            </p:txEl>
+                                          </p:spTgt>
+                                        </p:tgtEl>
+                                        <p:attrNameLst>
+                                          <p:attrName>style.visibility</p:attrName>
+                                        </p:attrNameLst>
+                                      </p:cBhvr>
+                                      <p:to>
+                                        <p:strVal val="visible"/>
+                                      </p:to>
+                                    </p:set>
+                                    <p:animEffect transition="in" filter="fade">
+                                      <p:cBhvr>
+                                        <p:cTn id="32" dur="500"/>
+                                        <p:tgtEl>
+                                          <p:spTgt spid="3">
+                                            <p:txEl>
+                                              <p:pRg st="5" end="5"/>
+                                            </p:txEl>
+                                          </p:spTgt>
+                                        </p:tgtEl>
+                                      </p:cBhvr>
+                                    </p:animEffect>
+                                  </p:childTnLst>
+                                </p:cTn>
+                              </p:par>
+                            </p:childTnLst>
+                          </p:cTn>
+                        </p:par>
+                      </p:childTnLst>
+                    </p:cTn>
+                  </p:par>
+                </p:childTnLst>
+              </p:cTn>
+              <p:prevCondLst>
+                <p:cond evt="onPrev" delay="0">
+                  <p:tgtEl>
+                    <p:sldTgt/>
+                  </p:tgtEl>
+                </p:cond>
+              </p:prevCondLst>
+              <p:nextCondLst>
+                <p:cond evt="onNext" delay="0">
+                  <p:tgtEl>
+                    <p:sldTgt/>
+                  </p:tgtEl>
+                </p:cond>
+              </p:nextCondLst>
+            </p:seq>
+          </p:childTnLst>
+        </p:cTn>
       </p:par>
     </p:tnLst>
+    <p:bldLst>
+      <p:bldP spid="3" grpId="0" build="p"/>
+    </p:bldLst>
   </p:timing>
 </p:sld>
 </file>
@@ -15361,9 +18693,243 @@
   <p:timing>
     <p:tnLst>
       <p:par>
-        <p:cTn id="1" dur="indefinite" restart="never" nodeType="tmRoot"/>
+        <p:cTn id="1" dur="indefinite" restart="never" nodeType="tmRoot">
+          <p:childTnLst>
+            <p:seq concurrent="1" nextAc="seek">
+              <p:cTn id="2" dur="indefinite" nodeType="mainSeq">
+                <p:childTnLst>
+                  <p:par>
+                    <p:cTn id="3" fill="hold">
+                      <p:stCondLst>
+                        <p:cond delay="indefinite"/>
+                      </p:stCondLst>
+                      <p:childTnLst>
+                        <p:par>
+                          <p:cTn id="4" fill="hold">
+                            <p:stCondLst>
+                              <p:cond delay="0"/>
+                            </p:stCondLst>
+                            <p:childTnLst>
+                              <p:par>
+                                <p:cTn id="5" presetID="10" presetClass="entr" presetSubtype="0" fill="hold" grpId="0" nodeType="clickEffect">
+                                  <p:stCondLst>
+                                    <p:cond delay="0"/>
+                                  </p:stCondLst>
+                                  <p:childTnLst>
+                                    <p:set>
+                                      <p:cBhvr>
+                                        <p:cTn id="6" dur="1" fill="hold">
+                                          <p:stCondLst>
+                                            <p:cond delay="0"/>
+                                          </p:stCondLst>
+                                        </p:cTn>
+                                        <p:tgtEl>
+                                          <p:spTgt spid="3">
+                                            <p:txEl>
+                                              <p:pRg st="0" end="0"/>
+                                            </p:txEl>
+                                          </p:spTgt>
+                                        </p:tgtEl>
+                                        <p:attrNameLst>
+                                          <p:attrName>style.visibility</p:attrName>
+                                        </p:attrNameLst>
+                                      </p:cBhvr>
+                                      <p:to>
+                                        <p:strVal val="visible"/>
+                                      </p:to>
+                                    </p:set>
+                                    <p:animEffect transition="in" filter="fade">
+                                      <p:cBhvr>
+                                        <p:cTn id="7" dur="500"/>
+                                        <p:tgtEl>
+                                          <p:spTgt spid="3">
+                                            <p:txEl>
+                                              <p:pRg st="0" end="0"/>
+                                            </p:txEl>
+                                          </p:spTgt>
+                                        </p:tgtEl>
+                                      </p:cBhvr>
+                                    </p:animEffect>
+                                  </p:childTnLst>
+                                </p:cTn>
+                              </p:par>
+                            </p:childTnLst>
+                          </p:cTn>
+                        </p:par>
+                      </p:childTnLst>
+                    </p:cTn>
+                  </p:par>
+                  <p:par>
+                    <p:cTn id="8" fill="hold">
+                      <p:stCondLst>
+                        <p:cond delay="indefinite"/>
+                      </p:stCondLst>
+                      <p:childTnLst>
+                        <p:par>
+                          <p:cTn id="9" fill="hold">
+                            <p:stCondLst>
+                              <p:cond delay="0"/>
+                            </p:stCondLst>
+                            <p:childTnLst>
+                              <p:par>
+                                <p:cTn id="10" presetID="10" presetClass="entr" presetSubtype="0" fill="hold" grpId="0" nodeType="clickEffect">
+                                  <p:stCondLst>
+                                    <p:cond delay="0"/>
+                                  </p:stCondLst>
+                                  <p:childTnLst>
+                                    <p:set>
+                                      <p:cBhvr>
+                                        <p:cTn id="11" dur="1" fill="hold">
+                                          <p:stCondLst>
+                                            <p:cond delay="0"/>
+                                          </p:stCondLst>
+                                        </p:cTn>
+                                        <p:tgtEl>
+                                          <p:spTgt spid="3">
+                                            <p:txEl>
+                                              <p:pRg st="1" end="1"/>
+                                            </p:txEl>
+                                          </p:spTgt>
+                                        </p:tgtEl>
+                                        <p:attrNameLst>
+                                          <p:attrName>style.visibility</p:attrName>
+                                        </p:attrNameLst>
+                                      </p:cBhvr>
+                                      <p:to>
+                                        <p:strVal val="visible"/>
+                                      </p:to>
+                                    </p:set>
+                                    <p:animEffect transition="in" filter="fade">
+                                      <p:cBhvr>
+                                        <p:cTn id="12" dur="500"/>
+                                        <p:tgtEl>
+                                          <p:spTgt spid="3">
+                                            <p:txEl>
+                                              <p:pRg st="1" end="1"/>
+                                            </p:txEl>
+                                          </p:spTgt>
+                                        </p:tgtEl>
+                                      </p:cBhvr>
+                                    </p:animEffect>
+                                  </p:childTnLst>
+                                </p:cTn>
+                              </p:par>
+                              <p:par>
+                                <p:cTn id="13" presetID="10" presetClass="entr" presetSubtype="0" fill="hold" grpId="0" nodeType="withEffect">
+                                  <p:stCondLst>
+                                    <p:cond delay="0"/>
+                                  </p:stCondLst>
+                                  <p:childTnLst>
+                                    <p:set>
+                                      <p:cBhvr>
+                                        <p:cTn id="14" dur="1" fill="hold">
+                                          <p:stCondLst>
+                                            <p:cond delay="0"/>
+                                          </p:stCondLst>
+                                        </p:cTn>
+                                        <p:tgtEl>
+                                          <p:spTgt spid="3">
+                                            <p:txEl>
+                                              <p:pRg st="2" end="2"/>
+                                            </p:txEl>
+                                          </p:spTgt>
+                                        </p:tgtEl>
+                                        <p:attrNameLst>
+                                          <p:attrName>style.visibility</p:attrName>
+                                        </p:attrNameLst>
+                                      </p:cBhvr>
+                                      <p:to>
+                                        <p:strVal val="visible"/>
+                                      </p:to>
+                                    </p:set>
+                                    <p:animEffect transition="in" filter="fade">
+                                      <p:cBhvr>
+                                        <p:cTn id="15" dur="500"/>
+                                        <p:tgtEl>
+                                          <p:spTgt spid="3">
+                                            <p:txEl>
+                                              <p:pRg st="2" end="2"/>
+                                            </p:txEl>
+                                          </p:spTgt>
+                                        </p:tgtEl>
+                                      </p:cBhvr>
+                                    </p:animEffect>
+                                  </p:childTnLst>
+                                </p:cTn>
+                              </p:par>
+                              <p:par>
+                                <p:cTn id="16" presetID="10" presetClass="entr" presetSubtype="0" fill="hold" grpId="0" nodeType="withEffect">
+                                  <p:stCondLst>
+                                    <p:cond delay="0"/>
+                                  </p:stCondLst>
+                                  <p:childTnLst>
+                                    <p:set>
+                                      <p:cBhvr>
+                                        <p:cTn id="17" dur="1" fill="hold">
+                                          <p:stCondLst>
+                                            <p:cond delay="0"/>
+                                          </p:stCondLst>
+                                        </p:cTn>
+                                        <p:tgtEl>
+                                          <p:spTgt spid="3">
+                                            <p:txEl>
+                                              <p:pRg st="3" end="3"/>
+                                            </p:txEl>
+                                          </p:spTgt>
+                                        </p:tgtEl>
+                                        <p:attrNameLst>
+                                          <p:attrName>style.visibility</p:attrName>
+                                        </p:attrNameLst>
+                                      </p:cBhvr>
+                                      <p:to>
+                                        <p:strVal val="visible"/>
+                                      </p:to>
+                                    </p:set>
+                                    <p:animEffect transition="in" filter="fade">
+                                      <p:cBhvr>
+                                        <p:cTn id="18" dur="500"/>
+                                        <p:tgtEl>
+                                          <p:spTgt spid="3">
+                                            <p:txEl>
+                                              <p:pRg st="3" end="3"/>
+                                            </p:txEl>
+                                          </p:spTgt>
+                                        </p:tgtEl>
+                                      </p:cBhvr>
+                                    </p:animEffect>
+                                  </p:childTnLst>
+                                </p:cTn>
+                              </p:par>
+                            </p:childTnLst>
+                          </p:cTn>
+                        </p:par>
+                      </p:childTnLst>
+                    </p:cTn>
+                  </p:par>
+                </p:childTnLst>
+              </p:cTn>
+              <p:prevCondLst>
+                <p:cond evt="onPrev" delay="0">
+                  <p:tgtEl>
+                    <p:sldTgt/>
+                  </p:tgtEl>
+                </p:cond>
+              </p:prevCondLst>
+              <p:nextCondLst>
+                <p:cond evt="onNext" delay="0">
+                  <p:tgtEl>
+                    <p:sldTgt/>
+                  </p:tgtEl>
+                </p:cond>
+              </p:nextCondLst>
+            </p:seq>
+          </p:childTnLst>
+        </p:cTn>
       </p:par>
     </p:tnLst>
+    <p:bldLst>
+      <p:bldP spid="3" grpId="0" build="p"/>
+    </p:bldLst>
   </p:timing>
 </p:sld>
 </file>
@@ -16377,9 +19943,218 @@
   <p:timing>
     <p:tnLst>
       <p:par>
-        <p:cTn id="1" dur="indefinite" restart="never" nodeType="tmRoot"/>
+        <p:cTn id="1" dur="indefinite" restart="never" nodeType="tmRoot">
+          <p:childTnLst>
+            <p:seq concurrent="1" nextAc="seek">
+              <p:cTn id="2" dur="indefinite" nodeType="mainSeq">
+                <p:childTnLst>
+                  <p:par>
+                    <p:cTn id="3" fill="hold">
+                      <p:stCondLst>
+                        <p:cond delay="indefinite"/>
+                      </p:stCondLst>
+                      <p:childTnLst>
+                        <p:par>
+                          <p:cTn id="4" fill="hold">
+                            <p:stCondLst>
+                              <p:cond delay="0"/>
+                            </p:stCondLst>
+                            <p:childTnLst>
+                              <p:par>
+                                <p:cTn id="5" presetID="10" presetClass="entr" presetSubtype="0" fill="hold" grpId="0" nodeType="clickEffect">
+                                  <p:stCondLst>
+                                    <p:cond delay="0"/>
+                                  </p:stCondLst>
+                                  <p:childTnLst>
+                                    <p:set>
+                                      <p:cBhvr>
+                                        <p:cTn id="6" dur="1" fill="hold">
+                                          <p:stCondLst>
+                                            <p:cond delay="0"/>
+                                          </p:stCondLst>
+                                        </p:cTn>
+                                        <p:tgtEl>
+                                          <p:spTgt spid="3">
+                                            <p:txEl>
+                                              <p:pRg st="0" end="0"/>
+                                            </p:txEl>
+                                          </p:spTgt>
+                                        </p:tgtEl>
+                                        <p:attrNameLst>
+                                          <p:attrName>style.visibility</p:attrName>
+                                        </p:attrNameLst>
+                                      </p:cBhvr>
+                                      <p:to>
+                                        <p:strVal val="visible"/>
+                                      </p:to>
+                                    </p:set>
+                                    <p:animEffect transition="in" filter="fade">
+                                      <p:cBhvr>
+                                        <p:cTn id="7" dur="500"/>
+                                        <p:tgtEl>
+                                          <p:spTgt spid="3">
+                                            <p:txEl>
+                                              <p:pRg st="0" end="0"/>
+                                            </p:txEl>
+                                          </p:spTgt>
+                                        </p:tgtEl>
+                                      </p:cBhvr>
+                                    </p:animEffect>
+                                  </p:childTnLst>
+                                </p:cTn>
+                              </p:par>
+                            </p:childTnLst>
+                          </p:cTn>
+                        </p:par>
+                      </p:childTnLst>
+                    </p:cTn>
+                  </p:par>
+                  <p:par>
+                    <p:cTn id="8" fill="hold">
+                      <p:stCondLst>
+                        <p:cond delay="indefinite"/>
+                      </p:stCondLst>
+                      <p:childTnLst>
+                        <p:par>
+                          <p:cTn id="9" fill="hold">
+                            <p:stCondLst>
+                              <p:cond delay="0"/>
+                            </p:stCondLst>
+                            <p:childTnLst>
+                              <p:par>
+                                <p:cTn id="10" presetID="10" presetClass="entr" presetSubtype="0" fill="hold" grpId="0" nodeType="clickEffect">
+                                  <p:stCondLst>
+                                    <p:cond delay="0"/>
+                                  </p:stCondLst>
+                                  <p:childTnLst>
+                                    <p:set>
+                                      <p:cBhvr>
+                                        <p:cTn id="11" dur="1" fill="hold">
+                                          <p:stCondLst>
+                                            <p:cond delay="0"/>
+                                          </p:stCondLst>
+                                        </p:cTn>
+                                        <p:tgtEl>
+                                          <p:spTgt spid="3">
+                                            <p:txEl>
+                                              <p:pRg st="1" end="1"/>
+                                            </p:txEl>
+                                          </p:spTgt>
+                                        </p:tgtEl>
+                                        <p:attrNameLst>
+                                          <p:attrName>style.visibility</p:attrName>
+                                        </p:attrNameLst>
+                                      </p:cBhvr>
+                                      <p:to>
+                                        <p:strVal val="visible"/>
+                                      </p:to>
+                                    </p:set>
+                                    <p:animEffect transition="in" filter="fade">
+                                      <p:cBhvr>
+                                        <p:cTn id="12" dur="500"/>
+                                        <p:tgtEl>
+                                          <p:spTgt spid="3">
+                                            <p:txEl>
+                                              <p:pRg st="1" end="1"/>
+                                            </p:txEl>
+                                          </p:spTgt>
+                                        </p:tgtEl>
+                                      </p:cBhvr>
+                                    </p:animEffect>
+                                  </p:childTnLst>
+                                </p:cTn>
+                              </p:par>
+                            </p:childTnLst>
+                          </p:cTn>
+                        </p:par>
+                      </p:childTnLst>
+                    </p:cTn>
+                  </p:par>
+                  <p:par>
+                    <p:cTn id="13" fill="hold">
+                      <p:stCondLst>
+                        <p:cond delay="indefinite"/>
+                      </p:stCondLst>
+                      <p:childTnLst>
+                        <p:par>
+                          <p:cTn id="14" fill="hold">
+                            <p:stCondLst>
+                              <p:cond delay="0"/>
+                            </p:stCondLst>
+                            <p:childTnLst>
+                              <p:par>
+                                <p:cTn id="15" presetID="10" presetClass="entr" presetSubtype="0" fill="hold" grpId="0" nodeType="clickEffect">
+                                  <p:stCondLst>
+                                    <p:cond delay="0"/>
+                                  </p:stCondLst>
+                                  <p:childTnLst>
+                                    <p:set>
+                                      <p:cBhvr>
+                                        <p:cTn id="16" dur="1" fill="hold">
+                                          <p:stCondLst>
+                                            <p:cond delay="0"/>
+                                          </p:stCondLst>
+                                        </p:cTn>
+                                        <p:tgtEl>
+                                          <p:spTgt spid="3">
+                                            <p:txEl>
+                                              <p:pRg st="2" end="2"/>
+                                            </p:txEl>
+                                          </p:spTgt>
+                                        </p:tgtEl>
+                                        <p:attrNameLst>
+                                          <p:attrName>style.visibility</p:attrName>
+                                        </p:attrNameLst>
+                                      </p:cBhvr>
+                                      <p:to>
+                                        <p:strVal val="visible"/>
+                                      </p:to>
+                                    </p:set>
+                                    <p:animEffect transition="in" filter="fade">
+                                      <p:cBhvr>
+                                        <p:cTn id="17" dur="500"/>
+                                        <p:tgtEl>
+                                          <p:spTgt spid="3">
+                                            <p:txEl>
+                                              <p:pRg st="2" end="2"/>
+                                            </p:txEl>
+                                          </p:spTgt>
+                                        </p:tgtEl>
+                                      </p:cBhvr>
+                                    </p:animEffect>
+                                  </p:childTnLst>
+                                </p:cTn>
+                              </p:par>
+                            </p:childTnLst>
+                          </p:cTn>
+                        </p:par>
+                      </p:childTnLst>
+                    </p:cTn>
+                  </p:par>
+                </p:childTnLst>
+              </p:cTn>
+              <p:prevCondLst>
+                <p:cond evt="onPrev" delay="0">
+                  <p:tgtEl>
+                    <p:sldTgt/>
+                  </p:tgtEl>
+                </p:cond>
+              </p:prevCondLst>
+              <p:nextCondLst>
+                <p:cond evt="onNext" delay="0">
+                  <p:tgtEl>
+                    <p:sldTgt/>
+                  </p:tgtEl>
+                </p:cond>
+              </p:nextCondLst>
+            </p:seq>
+          </p:childTnLst>
+        </p:cTn>
       </p:par>
     </p:tnLst>
+    <p:bldLst>
+      <p:bldP spid="3" grpId="0" build="p"/>
+    </p:bldLst>
   </p:timing>
 </p:sld>
 </file>
@@ -16487,7 +20262,83 @@
   <p:timing>
     <p:tnLst>
       <p:par>
-        <p:cTn id="1" dur="indefinite" restart="never" nodeType="tmRoot"/>
+        <p:cTn id="1" dur="indefinite" restart="never" nodeType="tmRoot">
+          <p:childTnLst>
+            <p:seq concurrent="1" nextAc="seek">
+              <p:cTn id="2" dur="indefinite" nodeType="mainSeq">
+                <p:childTnLst>
+                  <p:par>
+                    <p:cTn id="3" fill="hold">
+                      <p:stCondLst>
+                        <p:cond delay="indefinite"/>
+                      </p:stCondLst>
+                      <p:childTnLst>
+                        <p:par>
+                          <p:cTn id="4" fill="hold">
+                            <p:stCondLst>
+                              <p:cond delay="0"/>
+                            </p:stCondLst>
+                            <p:childTnLst>
+                              <p:par>
+                                <p:cTn id="5" presetID="10" presetClass="entr" presetSubtype="0" fill="hold" nodeType="clickEffect">
+                                  <p:stCondLst>
+                                    <p:cond delay="0"/>
+                                  </p:stCondLst>
+                                  <p:childTnLst>
+                                    <p:set>
+                                      <p:cBhvr>
+                                        <p:cTn id="6" dur="1" fill="hold">
+                                          <p:stCondLst>
+                                            <p:cond delay="0"/>
+                                          </p:stCondLst>
+                                        </p:cTn>
+                                        <p:tgtEl>
+                                          <p:spTgt spid="6"/>
+                                        </p:tgtEl>
+                                        <p:attrNameLst>
+                                          <p:attrName>style.visibility</p:attrName>
+                                        </p:attrNameLst>
+                                      </p:cBhvr>
+                                      <p:to>
+                                        <p:strVal val="visible"/>
+                                      </p:to>
+                                    </p:set>
+                                    <p:animEffect transition="in" filter="fade">
+                                      <p:cBhvr>
+                                        <p:cTn id="7" dur="500"/>
+                                        <p:tgtEl>
+                                          <p:spTgt spid="6"/>
+                                        </p:tgtEl>
+                                      </p:cBhvr>
+                                    </p:animEffect>
+                                  </p:childTnLst>
+                                </p:cTn>
+                              </p:par>
+                            </p:childTnLst>
+                          </p:cTn>
+                        </p:par>
+                      </p:childTnLst>
+                    </p:cTn>
+                  </p:par>
+                </p:childTnLst>
+              </p:cTn>
+              <p:prevCondLst>
+                <p:cond evt="onPrev" delay="0">
+                  <p:tgtEl>
+                    <p:sldTgt/>
+                  </p:tgtEl>
+                </p:cond>
+              </p:prevCondLst>
+              <p:nextCondLst>
+                <p:cond evt="onNext" delay="0">
+                  <p:tgtEl>
+                    <p:sldTgt/>
+                  </p:tgtEl>
+                </p:cond>
+              </p:nextCondLst>
+            </p:seq>
+          </p:childTnLst>
+        </p:cTn>
       </p:par>
     </p:tnLst>
   </p:timing>
@@ -16636,9 +20487,218 @@
   <p:timing>
     <p:tnLst>
       <p:par>
-        <p:cTn id="1" dur="indefinite" restart="never" nodeType="tmRoot"/>
+        <p:cTn id="1" dur="indefinite" restart="never" nodeType="tmRoot">
+          <p:childTnLst>
+            <p:seq concurrent="1" nextAc="seek">
+              <p:cTn id="2" dur="indefinite" nodeType="mainSeq">
+                <p:childTnLst>
+                  <p:par>
+                    <p:cTn id="3" fill="hold">
+                      <p:stCondLst>
+                        <p:cond delay="indefinite"/>
+                      </p:stCondLst>
+                      <p:childTnLst>
+                        <p:par>
+                          <p:cTn id="4" fill="hold">
+                            <p:stCondLst>
+                              <p:cond delay="0"/>
+                            </p:stCondLst>
+                            <p:childTnLst>
+                              <p:par>
+                                <p:cTn id="5" presetID="10" presetClass="entr" presetSubtype="0" fill="hold" grpId="0" nodeType="clickEffect">
+                                  <p:stCondLst>
+                                    <p:cond delay="0"/>
+                                  </p:stCondLst>
+                                  <p:childTnLst>
+                                    <p:set>
+                                      <p:cBhvr>
+                                        <p:cTn id="6" dur="1" fill="hold">
+                                          <p:stCondLst>
+                                            <p:cond delay="0"/>
+                                          </p:stCondLst>
+                                        </p:cTn>
+                                        <p:tgtEl>
+                                          <p:spTgt spid="5">
+                                            <p:txEl>
+                                              <p:pRg st="0" end="0"/>
+                                            </p:txEl>
+                                          </p:spTgt>
+                                        </p:tgtEl>
+                                        <p:attrNameLst>
+                                          <p:attrName>style.visibility</p:attrName>
+                                        </p:attrNameLst>
+                                      </p:cBhvr>
+                                      <p:to>
+                                        <p:strVal val="visible"/>
+                                      </p:to>
+                                    </p:set>
+                                    <p:animEffect transition="in" filter="fade">
+                                      <p:cBhvr>
+                                        <p:cTn id="7" dur="500"/>
+                                        <p:tgtEl>
+                                          <p:spTgt spid="5">
+                                            <p:txEl>
+                                              <p:pRg st="0" end="0"/>
+                                            </p:txEl>
+                                          </p:spTgt>
+                                        </p:tgtEl>
+                                      </p:cBhvr>
+                                    </p:animEffect>
+                                  </p:childTnLst>
+                                </p:cTn>
+                              </p:par>
+                            </p:childTnLst>
+                          </p:cTn>
+                        </p:par>
+                      </p:childTnLst>
+                    </p:cTn>
+                  </p:par>
+                  <p:par>
+                    <p:cTn id="8" fill="hold">
+                      <p:stCondLst>
+                        <p:cond delay="indefinite"/>
+                      </p:stCondLst>
+                      <p:childTnLst>
+                        <p:par>
+                          <p:cTn id="9" fill="hold">
+                            <p:stCondLst>
+                              <p:cond delay="0"/>
+                            </p:stCondLst>
+                            <p:childTnLst>
+                              <p:par>
+                                <p:cTn id="10" presetID="10" presetClass="entr" presetSubtype="0" fill="hold" grpId="0" nodeType="clickEffect">
+                                  <p:stCondLst>
+                                    <p:cond delay="0"/>
+                                  </p:stCondLst>
+                                  <p:childTnLst>
+                                    <p:set>
+                                      <p:cBhvr>
+                                        <p:cTn id="11" dur="1" fill="hold">
+                                          <p:stCondLst>
+                                            <p:cond delay="0"/>
+                                          </p:stCondLst>
+                                        </p:cTn>
+                                        <p:tgtEl>
+                                          <p:spTgt spid="5">
+                                            <p:txEl>
+                                              <p:pRg st="1" end="1"/>
+                                            </p:txEl>
+                                          </p:spTgt>
+                                        </p:tgtEl>
+                                        <p:attrNameLst>
+                                          <p:attrName>style.visibility</p:attrName>
+                                        </p:attrNameLst>
+                                      </p:cBhvr>
+                                      <p:to>
+                                        <p:strVal val="visible"/>
+                                      </p:to>
+                                    </p:set>
+                                    <p:animEffect transition="in" filter="fade">
+                                      <p:cBhvr>
+                                        <p:cTn id="12" dur="500"/>
+                                        <p:tgtEl>
+                                          <p:spTgt spid="5">
+                                            <p:txEl>
+                                              <p:pRg st="1" end="1"/>
+                                            </p:txEl>
+                                          </p:spTgt>
+                                        </p:tgtEl>
+                                      </p:cBhvr>
+                                    </p:animEffect>
+                                  </p:childTnLst>
+                                </p:cTn>
+                              </p:par>
+                            </p:childTnLst>
+                          </p:cTn>
+                        </p:par>
+                      </p:childTnLst>
+                    </p:cTn>
+                  </p:par>
+                  <p:par>
+                    <p:cTn id="13" fill="hold">
+                      <p:stCondLst>
+                        <p:cond delay="indefinite"/>
+                      </p:stCondLst>
+                      <p:childTnLst>
+                        <p:par>
+                          <p:cTn id="14" fill="hold">
+                            <p:stCondLst>
+                              <p:cond delay="0"/>
+                            </p:stCondLst>
+                            <p:childTnLst>
+                              <p:par>
+                                <p:cTn id="15" presetID="10" presetClass="entr" presetSubtype="0" fill="hold" grpId="0" nodeType="clickEffect">
+                                  <p:stCondLst>
+                                    <p:cond delay="0"/>
+                                  </p:stCondLst>
+                                  <p:childTnLst>
+                                    <p:set>
+                                      <p:cBhvr>
+                                        <p:cTn id="16" dur="1" fill="hold">
+                                          <p:stCondLst>
+                                            <p:cond delay="0"/>
+                                          </p:stCondLst>
+                                        </p:cTn>
+                                        <p:tgtEl>
+                                          <p:spTgt spid="5">
+                                            <p:txEl>
+                                              <p:pRg st="2" end="2"/>
+                                            </p:txEl>
+                                          </p:spTgt>
+                                        </p:tgtEl>
+                                        <p:attrNameLst>
+                                          <p:attrName>style.visibility</p:attrName>
+                                        </p:attrNameLst>
+                                      </p:cBhvr>
+                                      <p:to>
+                                        <p:strVal val="visible"/>
+                                      </p:to>
+                                    </p:set>
+                                    <p:animEffect transition="in" filter="fade">
+                                      <p:cBhvr>
+                                        <p:cTn id="17" dur="500"/>
+                                        <p:tgtEl>
+                                          <p:spTgt spid="5">
+                                            <p:txEl>
+                                              <p:pRg st="2" end="2"/>
+                                            </p:txEl>
+                                          </p:spTgt>
+                                        </p:tgtEl>
+                                      </p:cBhvr>
+                                    </p:animEffect>
+                                  </p:childTnLst>
+                                </p:cTn>
+                              </p:par>
+                            </p:childTnLst>
+                          </p:cTn>
+                        </p:par>
+                      </p:childTnLst>
+                    </p:cTn>
+                  </p:par>
+                </p:childTnLst>
+              </p:cTn>
+              <p:prevCondLst>
+                <p:cond evt="onPrev" delay="0">
+                  <p:tgtEl>
+                    <p:sldTgt/>
+                  </p:tgtEl>
+                </p:cond>
+              </p:prevCondLst>
+              <p:nextCondLst>
+                <p:cond evt="onNext" delay="0">
+                  <p:tgtEl>
+                    <p:sldTgt/>
+                  </p:tgtEl>
+                </p:cond>
+              </p:nextCondLst>
+            </p:seq>
+          </p:childTnLst>
+        </p:cTn>
       </p:par>
     </p:tnLst>
+    <p:bldLst>
+      <p:bldP spid="5" grpId="0" build="p"/>
+    </p:bldLst>
   </p:timing>
 </p:sld>
 </file>

--- a/Durandal T4T.pptx
+++ b/Durandal T4T.pptx
@@ -2448,26 +2448,44 @@
               <a:rPr lang="nl-BE" baseline="0" dirty="0" smtClean="0">
                 <a:sym typeface="Wingdings" panose="05000000000000000000" pitchFamily="2" charset="2"/>
               </a:rPr>
-              <a:t>In demo: home.html </a:t>
-            </a:r>
-            <a:r>
-              <a:rPr lang="nl-BE" baseline="0" smtClean="0">
+              <a:t>In demo: home.html en beers.html</a:t>
+            </a:r>
+          </a:p>
+          <a:p>
+            <a:endParaRPr lang="nl-BE" baseline="0" dirty="0" smtClean="0">
+              <a:sym typeface="Wingdings" panose="05000000000000000000" pitchFamily="2" charset="2"/>
+            </a:endParaRPr>
+          </a:p>
+          <a:p>
+            <a:r>
+              <a:rPr lang="nl-BE" baseline="0" dirty="0" smtClean="0">
                 <a:sym typeface="Wingdings" panose="05000000000000000000" pitchFamily="2" charset="2"/>
               </a:rPr>
-              <a:t>en beers.html</a:t>
-            </a:r>
-          </a:p>
-          <a:p>
-            <a:endParaRPr lang="nl-BE" baseline="0" smtClean="0">
-              <a:sym typeface="Wingdings" panose="05000000000000000000" pitchFamily="2" charset="2"/>
-            </a:endParaRPr>
-          </a:p>
-          <a:p>
-            <a:r>
-              <a:rPr lang="nl-BE" baseline="0" smtClean="0">
+              <a:t>In beers.html kan je de </a:t>
+            </a:r>
+            <a:r>
+              <a:rPr lang="nl-BE" baseline="0" dirty="0" err="1" smtClean="0">
                 <a:sym typeface="Wingdings" panose="05000000000000000000" pitchFamily="2" charset="2"/>
               </a:rPr>
-              <a:t>In beers.html kan je de value van de binding vervangen door $data (herinner binding contexts)</a:t>
+              <a:t>value</a:t>
+            </a:r>
+            <a:r>
+              <a:rPr lang="nl-BE" baseline="0" dirty="0" smtClean="0">
+                <a:sym typeface="Wingdings" panose="05000000000000000000" pitchFamily="2" charset="2"/>
+              </a:rPr>
+              <a:t> van de binding vervangen door $data (herinner binding </a:t>
+            </a:r>
+            <a:r>
+              <a:rPr lang="nl-BE" baseline="0" dirty="0" err="1" smtClean="0">
+                <a:sym typeface="Wingdings" panose="05000000000000000000" pitchFamily="2" charset="2"/>
+              </a:rPr>
+              <a:t>contexts</a:t>
+            </a:r>
+            <a:r>
+              <a:rPr lang="nl-BE" baseline="0" dirty="0" smtClean="0">
+                <a:sym typeface="Wingdings" panose="05000000000000000000" pitchFamily="2" charset="2"/>
+              </a:rPr>
+              <a:t>)</a:t>
             </a:r>
             <a:endParaRPr lang="nl-BE" baseline="0" dirty="0" smtClean="0"/>
           </a:p>
@@ -17241,6 +17259,59 @@
                       </p:childTnLst>
                     </p:cTn>
                   </p:par>
+                  <p:par>
+                    <p:cTn id="8" fill="hold">
+                      <p:stCondLst>
+                        <p:cond delay="indefinite"/>
+                      </p:stCondLst>
+                      <p:childTnLst>
+                        <p:par>
+                          <p:cTn id="9" fill="hold">
+                            <p:stCondLst>
+                              <p:cond delay="0"/>
+                            </p:stCondLst>
+                            <p:childTnLst>
+                              <p:par>
+                                <p:cTn id="10" presetID="10" presetClass="entr" presetSubtype="0" fill="hold" nodeType="clickEffect">
+                                  <p:stCondLst>
+                                    <p:cond delay="0"/>
+                                  </p:stCondLst>
+                                  <p:childTnLst>
+                                    <p:set>
+                                      <p:cBhvr>
+                                        <p:cTn id="11" dur="1" fill="hold">
+                                          <p:stCondLst>
+                                            <p:cond delay="0"/>
+                                          </p:stCondLst>
+                                        </p:cTn>
+                                        <p:tgtEl>
+                                          <p:spTgt spid="9"/>
+                                        </p:tgtEl>
+                                        <p:attrNameLst>
+                                          <p:attrName>style.visibility</p:attrName>
+                                        </p:attrNameLst>
+                                      </p:cBhvr>
+                                      <p:to>
+                                        <p:strVal val="visible"/>
+                                      </p:to>
+                                    </p:set>
+                                    <p:animEffect transition="in" filter="fade">
+                                      <p:cBhvr>
+                                        <p:cTn id="12" dur="500"/>
+                                        <p:tgtEl>
+                                          <p:spTgt spid="9"/>
+                                        </p:tgtEl>
+                                      </p:cBhvr>
+                                    </p:animEffect>
+                                  </p:childTnLst>
+                                </p:cTn>
+                              </p:par>
+                            </p:childTnLst>
+                          </p:cTn>
+                        </p:par>
+                      </p:childTnLst>
+                    </p:cTn>
+                  </p:par>
                 </p:childTnLst>
               </p:cTn>
               <p:prevCondLst>
@@ -17992,7 +18063,7 @@
       </p:pic>
       <p:pic>
         <p:nvPicPr>
-          <p:cNvPr id="5" name="Picture 4"/>
+          <p:cNvPr id="7" name="Picture 6"/>
           <p:cNvPicPr>
             <a:picLocks noChangeAspect="1"/>
           </p:cNvPicPr>
@@ -18006,8 +18077,8 @@
         </p:blipFill>
         <p:spPr>
           <a:xfrm>
-            <a:off x="838200" y="2417710"/>
-            <a:ext cx="7172325" cy="733425"/>
+            <a:off x="838200" y="5230422"/>
+            <a:ext cx="9753600" cy="990600"/>
           </a:xfrm>
           <a:prstGeom prst="rect">
             <a:avLst/>
@@ -18016,7 +18087,7 @@
       </p:pic>
       <p:pic>
         <p:nvPicPr>
-          <p:cNvPr id="7" name="Picture 6"/>
+          <p:cNvPr id="8" name="Picture 7"/>
           <p:cNvPicPr>
             <a:picLocks noChangeAspect="1"/>
           </p:cNvPicPr>
@@ -18030,8 +18101,8 @@
         </p:blipFill>
         <p:spPr>
           <a:xfrm>
-            <a:off x="838200" y="5230422"/>
-            <a:ext cx="9753600" cy="990600"/>
+            <a:off x="838200" y="2417710"/>
+            <a:ext cx="7172325" cy="733425"/>
           </a:xfrm>
           <a:prstGeom prst="rect">
             <a:avLst/>
@@ -18051,9 +18122,292 @@
   <p:timing>
     <p:tnLst>
       <p:par>
-        <p:cTn id="1" dur="indefinite" restart="never" nodeType="tmRoot"/>
+        <p:cTn id="1" dur="indefinite" restart="never" nodeType="tmRoot">
+          <p:childTnLst>
+            <p:seq concurrent="1" nextAc="seek">
+              <p:cTn id="2" dur="indefinite" nodeType="mainSeq">
+                <p:childTnLst>
+                  <p:par>
+                    <p:cTn id="3" fill="hold">
+                      <p:stCondLst>
+                        <p:cond delay="indefinite"/>
+                      </p:stCondLst>
+                      <p:childTnLst>
+                        <p:par>
+                          <p:cTn id="4" fill="hold">
+                            <p:stCondLst>
+                              <p:cond delay="0"/>
+                            </p:stCondLst>
+                            <p:childTnLst>
+                              <p:par>
+                                <p:cTn id="5" presetID="1" presetClass="entr" presetSubtype="0" fill="hold" grpId="0" nodeType="clickEffect">
+                                  <p:stCondLst>
+                                    <p:cond delay="0"/>
+                                  </p:stCondLst>
+                                  <p:childTnLst>
+                                    <p:set>
+                                      <p:cBhvr>
+                                        <p:cTn id="6" dur="1" fill="hold">
+                                          <p:stCondLst>
+                                            <p:cond delay="0"/>
+                                          </p:stCondLst>
+                                        </p:cTn>
+                                        <p:tgtEl>
+                                          <p:spTgt spid="3">
+                                            <p:txEl>
+                                              <p:pRg st="0" end="0"/>
+                                            </p:txEl>
+                                          </p:spTgt>
+                                        </p:tgtEl>
+                                        <p:attrNameLst>
+                                          <p:attrName>style.visibility</p:attrName>
+                                        </p:attrNameLst>
+                                      </p:cBhvr>
+                                      <p:to>
+                                        <p:strVal val="visible"/>
+                                      </p:to>
+                                    </p:set>
+                                  </p:childTnLst>
+                                </p:cTn>
+                              </p:par>
+                            </p:childTnLst>
+                          </p:cTn>
+                        </p:par>
+                      </p:childTnLst>
+                    </p:cTn>
+                  </p:par>
+                  <p:par>
+                    <p:cTn id="7" fill="hold">
+                      <p:stCondLst>
+                        <p:cond delay="indefinite"/>
+                      </p:stCondLst>
+                      <p:childTnLst>
+                        <p:par>
+                          <p:cTn id="8" fill="hold">
+                            <p:stCondLst>
+                              <p:cond delay="0"/>
+                            </p:stCondLst>
+                            <p:childTnLst>
+                              <p:par>
+                                <p:cTn id="9" presetID="10" presetClass="entr" presetSubtype="0" fill="hold" nodeType="clickEffect">
+                                  <p:stCondLst>
+                                    <p:cond delay="0"/>
+                                  </p:stCondLst>
+                                  <p:childTnLst>
+                                    <p:set>
+                                      <p:cBhvr>
+                                        <p:cTn id="10" dur="1" fill="hold">
+                                          <p:stCondLst>
+                                            <p:cond delay="0"/>
+                                          </p:stCondLst>
+                                        </p:cTn>
+                                        <p:tgtEl>
+                                          <p:spTgt spid="8"/>
+                                        </p:tgtEl>
+                                        <p:attrNameLst>
+                                          <p:attrName>style.visibility</p:attrName>
+                                        </p:attrNameLst>
+                                      </p:cBhvr>
+                                      <p:to>
+                                        <p:strVal val="visible"/>
+                                      </p:to>
+                                    </p:set>
+                                    <p:animEffect transition="in" filter="fade">
+                                      <p:cBhvr>
+                                        <p:cTn id="11" dur="500"/>
+                                        <p:tgtEl>
+                                          <p:spTgt spid="8"/>
+                                        </p:tgtEl>
+                                      </p:cBhvr>
+                                    </p:animEffect>
+                                  </p:childTnLst>
+                                </p:cTn>
+                              </p:par>
+                            </p:childTnLst>
+                          </p:cTn>
+                        </p:par>
+                      </p:childTnLst>
+                    </p:cTn>
+                  </p:par>
+                  <p:par>
+                    <p:cTn id="12" fill="hold">
+                      <p:stCondLst>
+                        <p:cond delay="indefinite"/>
+                      </p:stCondLst>
+                      <p:childTnLst>
+                        <p:par>
+                          <p:cTn id="13" fill="hold">
+                            <p:stCondLst>
+                              <p:cond delay="0"/>
+                            </p:stCondLst>
+                            <p:childTnLst>
+                              <p:par>
+                                <p:cTn id="14" presetID="1" presetClass="entr" presetSubtype="0" fill="hold" grpId="0" nodeType="clickEffect">
+                                  <p:stCondLst>
+                                    <p:cond delay="0"/>
+                                  </p:stCondLst>
+                                  <p:childTnLst>
+                                    <p:set>
+                                      <p:cBhvr>
+                                        <p:cTn id="15" dur="1" fill="hold">
+                                          <p:stCondLst>
+                                            <p:cond delay="0"/>
+                                          </p:stCondLst>
+                                        </p:cTn>
+                                        <p:tgtEl>
+                                          <p:spTgt spid="3">
+                                            <p:txEl>
+                                              <p:pRg st="3" end="3"/>
+                                            </p:txEl>
+                                          </p:spTgt>
+                                        </p:tgtEl>
+                                        <p:attrNameLst>
+                                          <p:attrName>style.visibility</p:attrName>
+                                        </p:attrNameLst>
+                                      </p:cBhvr>
+                                      <p:to>
+                                        <p:strVal val="visible"/>
+                                      </p:to>
+                                    </p:set>
+                                  </p:childTnLst>
+                                </p:cTn>
+                              </p:par>
+                            </p:childTnLst>
+                          </p:cTn>
+                        </p:par>
+                      </p:childTnLst>
+                    </p:cTn>
+                  </p:par>
+                  <p:par>
+                    <p:cTn id="16" fill="hold">
+                      <p:stCondLst>
+                        <p:cond delay="indefinite"/>
+                      </p:stCondLst>
+                      <p:childTnLst>
+                        <p:par>
+                          <p:cTn id="17" fill="hold">
+                            <p:stCondLst>
+                              <p:cond delay="0"/>
+                            </p:stCondLst>
+                            <p:childTnLst>
+                              <p:par>
+                                <p:cTn id="18" presetID="10" presetClass="entr" presetSubtype="0" fill="hold" nodeType="clickEffect">
+                                  <p:stCondLst>
+                                    <p:cond delay="0"/>
+                                  </p:stCondLst>
+                                  <p:childTnLst>
+                                    <p:set>
+                                      <p:cBhvr>
+                                        <p:cTn id="19" dur="1" fill="hold">
+                                          <p:stCondLst>
+                                            <p:cond delay="0"/>
+                                          </p:stCondLst>
+                                        </p:cTn>
+                                        <p:tgtEl>
+                                          <p:spTgt spid="4"/>
+                                        </p:tgtEl>
+                                        <p:attrNameLst>
+                                          <p:attrName>style.visibility</p:attrName>
+                                        </p:attrNameLst>
+                                      </p:cBhvr>
+                                      <p:to>
+                                        <p:strVal val="visible"/>
+                                      </p:to>
+                                    </p:set>
+                                    <p:animEffect transition="in" filter="fade">
+                                      <p:cBhvr>
+                                        <p:cTn id="20" dur="500"/>
+                                        <p:tgtEl>
+                                          <p:spTgt spid="4"/>
+                                        </p:tgtEl>
+                                      </p:cBhvr>
+                                    </p:animEffect>
+                                  </p:childTnLst>
+                                </p:cTn>
+                              </p:par>
+                            </p:childTnLst>
+                          </p:cTn>
+                        </p:par>
+                      </p:childTnLst>
+                    </p:cTn>
+                  </p:par>
+                  <p:par>
+                    <p:cTn id="21" fill="hold">
+                      <p:stCondLst>
+                        <p:cond delay="indefinite"/>
+                      </p:stCondLst>
+                      <p:childTnLst>
+                        <p:par>
+                          <p:cTn id="22" fill="hold">
+                            <p:stCondLst>
+                              <p:cond delay="0"/>
+                            </p:stCondLst>
+                            <p:childTnLst>
+                              <p:par>
+                                <p:cTn id="23" presetID="10" presetClass="entr" presetSubtype="0" fill="hold" nodeType="clickEffect">
+                                  <p:stCondLst>
+                                    <p:cond delay="0"/>
+                                  </p:stCondLst>
+                                  <p:childTnLst>
+                                    <p:set>
+                                      <p:cBhvr>
+                                        <p:cTn id="24" dur="1" fill="hold">
+                                          <p:stCondLst>
+                                            <p:cond delay="0"/>
+                                          </p:stCondLst>
+                                        </p:cTn>
+                                        <p:tgtEl>
+                                          <p:spTgt spid="7"/>
+                                        </p:tgtEl>
+                                        <p:attrNameLst>
+                                          <p:attrName>style.visibility</p:attrName>
+                                        </p:attrNameLst>
+                                      </p:cBhvr>
+                                      <p:to>
+                                        <p:strVal val="visible"/>
+                                      </p:to>
+                                    </p:set>
+                                    <p:animEffect transition="in" filter="fade">
+                                      <p:cBhvr>
+                                        <p:cTn id="25" dur="500"/>
+                                        <p:tgtEl>
+                                          <p:spTgt spid="7"/>
+                                        </p:tgtEl>
+                                      </p:cBhvr>
+                                    </p:animEffect>
+                                  </p:childTnLst>
+                                </p:cTn>
+                              </p:par>
+                            </p:childTnLst>
+                          </p:cTn>
+                        </p:par>
+                      </p:childTnLst>
+                    </p:cTn>
+                  </p:par>
+                </p:childTnLst>
+              </p:cTn>
+              <p:prevCondLst>
+                <p:cond evt="onPrev" delay="0">
+                  <p:tgtEl>
+                    <p:sldTgt/>
+                  </p:tgtEl>
+                </p:cond>
+              </p:prevCondLst>
+              <p:nextCondLst>
+                <p:cond evt="onNext" delay="0">
+                  <p:tgtEl>
+                    <p:sldTgt/>
+                  </p:tgtEl>
+                </p:cond>
+              </p:nextCondLst>
+            </p:seq>
+          </p:childTnLst>
+        </p:cTn>
       </p:par>
     </p:tnLst>
+    <p:bldLst>
+      <p:bldP spid="3" grpId="0" uiExpand="1" build="p"/>
+    </p:bldLst>
   </p:timing>
 </p:sld>
 </file>
